--- a/Restart Computer.pptx
+++ b/Restart Computer.pptx
@@ -10,7 +10,20 @@
     <p:sldId id="262" r:id="rId7"/>
     <p:sldId id="263" r:id="rId8"/>
     <p:sldId id="264" r:id="rId9"/>
-    <p:sldId id="265" r:id="rId10"/>
+    <p:sldId id="270" r:id="rId10"/>
+    <p:sldId id="271" r:id="rId11"/>
+    <p:sldId id="272" r:id="rId12"/>
+    <p:sldId id="273" r:id="rId13"/>
+    <p:sldId id="274" r:id="rId14"/>
+    <p:sldId id="275" r:id="rId15"/>
+    <p:sldId id="276" r:id="rId16"/>
+    <p:sldId id="277" r:id="rId17"/>
+    <p:sldId id="278" r:id="rId18"/>
+    <p:sldId id="265" r:id="rId19"/>
+    <p:sldId id="266" r:id="rId20"/>
+    <p:sldId id="267" r:id="rId21"/>
+    <p:sldId id="268" r:id="rId22"/>
+    <p:sldId id="269" r:id="rId23"/>
   </p:sldIdLst>
   <p:sldSz cx="12192000" cy="6858000"/>
   <p:notesSz cx="6858000" cy="9144000"/>
@@ -1066,69 +1079,69 @@
             <a:defRPr cap="all"/>
           </a:pPr>
           <a:r>
-            <a:rPr lang="en-US" sz="2000" dirty="0" err="1">
+            <a:rPr lang="en-US" sz="2000" err="1">
               <a:latin typeface="Times New Roman" panose="02020603050405020304" pitchFamily="18" charset="0"/>
               <a:cs typeface="Times New Roman" panose="02020603050405020304" pitchFamily="18" charset="0"/>
             </a:rPr>
             <a:t>Giới</a:t>
           </a:r>
           <a:r>
-            <a:rPr lang="en-US" sz="2000" dirty="0">
+            <a:rPr lang="en-US" sz="2000">
               <a:latin typeface="Times New Roman" panose="02020603050405020304" pitchFamily="18" charset="0"/>
               <a:cs typeface="Times New Roman" panose="02020603050405020304" pitchFamily="18" charset="0"/>
             </a:rPr>
             <a:t> </a:t>
           </a:r>
           <a:r>
-            <a:rPr lang="en-US" sz="2000" dirty="0" err="1">
+            <a:rPr lang="en-US" sz="2000" err="1">
               <a:latin typeface="Times New Roman" panose="02020603050405020304" pitchFamily="18" charset="0"/>
               <a:cs typeface="Times New Roman" panose="02020603050405020304" pitchFamily="18" charset="0"/>
             </a:rPr>
             <a:t>thiệu</a:t>
           </a:r>
           <a:r>
-            <a:rPr lang="en-US" sz="2000" dirty="0">
+            <a:rPr lang="en-US" sz="2000">
               <a:latin typeface="Times New Roman" panose="02020603050405020304" pitchFamily="18" charset="0"/>
               <a:cs typeface="Times New Roman" panose="02020603050405020304" pitchFamily="18" charset="0"/>
             </a:rPr>
             <a:t> </a:t>
           </a:r>
           <a:r>
-            <a:rPr lang="en-US" sz="2000" dirty="0" err="1">
+            <a:rPr lang="en-US" sz="2000" err="1">
               <a:latin typeface="Times New Roman" panose="02020603050405020304" pitchFamily="18" charset="0"/>
               <a:cs typeface="Times New Roman" panose="02020603050405020304" pitchFamily="18" charset="0"/>
             </a:rPr>
             <a:t>về</a:t>
           </a:r>
           <a:r>
-            <a:rPr lang="en-US" sz="2000" dirty="0">
+            <a:rPr lang="en-US" sz="2000">
               <a:latin typeface="Times New Roman" panose="02020603050405020304" pitchFamily="18" charset="0"/>
               <a:cs typeface="Times New Roman" panose="02020603050405020304" pitchFamily="18" charset="0"/>
             </a:rPr>
             <a:t> </a:t>
           </a:r>
           <a:r>
-            <a:rPr lang="en-US" sz="2000" dirty="0" err="1">
+            <a:rPr lang="en-US" sz="2000" err="1">
               <a:latin typeface="Times New Roman" panose="02020603050405020304" pitchFamily="18" charset="0"/>
               <a:cs typeface="Times New Roman" panose="02020603050405020304" pitchFamily="18" charset="0"/>
             </a:rPr>
             <a:t>đề</a:t>
           </a:r>
           <a:r>
-            <a:rPr lang="en-US" sz="2000" dirty="0">
+            <a:rPr lang="en-US" sz="2000">
               <a:latin typeface="Times New Roman" panose="02020603050405020304" pitchFamily="18" charset="0"/>
               <a:cs typeface="Times New Roman" panose="02020603050405020304" pitchFamily="18" charset="0"/>
             </a:rPr>
             <a:t> </a:t>
           </a:r>
           <a:r>
-            <a:rPr lang="en-US" sz="2000" dirty="0" err="1">
+            <a:rPr lang="en-US" sz="2000" err="1">
               <a:latin typeface="Times New Roman" panose="02020603050405020304" pitchFamily="18" charset="0"/>
               <a:cs typeface="Times New Roman" panose="02020603050405020304" pitchFamily="18" charset="0"/>
             </a:rPr>
             <a:t>tài</a:t>
           </a:r>
-          <a:endParaRPr lang="en-US" sz="2000" dirty="0">
+          <a:endParaRPr lang="en-US" sz="2000">
             <a:latin typeface="Times New Roman" panose="02020603050405020304" pitchFamily="18" charset="0"/>
             <a:cs typeface="Times New Roman" panose="02020603050405020304" pitchFamily="18" charset="0"/>
           </a:endParaRPr>
@@ -1171,7 +1184,7 @@
             <a:defRPr cap="all"/>
           </a:pPr>
           <a:r>
-            <a:rPr lang="en-US" sz="2000" kern="1200" cap="all" dirty="0" err="1">
+            <a:rPr lang="en-US" sz="2000" kern="1200" cap="all" err="1">
               <a:latin typeface="Times New Roman" panose="02020603050405020304" pitchFamily="18" charset="0"/>
               <a:ea typeface="+mn-ea"/>
               <a:cs typeface="Times New Roman" panose="02020603050405020304" pitchFamily="18" charset="0"/>
@@ -1179,7 +1192,7 @@
             <a:t>Chức</a:t>
           </a:r>
           <a:r>
-            <a:rPr lang="en-US" sz="2000" kern="1200" cap="all" dirty="0">
+            <a:rPr lang="en-US" sz="2000" kern="1200" cap="all">
               <a:latin typeface="Times New Roman" panose="02020603050405020304" pitchFamily="18" charset="0"/>
               <a:ea typeface="+mn-ea"/>
               <a:cs typeface="Times New Roman" panose="02020603050405020304" pitchFamily="18" charset="0"/>
@@ -1187,7 +1200,7 @@
             <a:t> </a:t>
           </a:r>
           <a:r>
-            <a:rPr lang="en-US" sz="2000" kern="1200" cap="all" dirty="0" err="1">
+            <a:rPr lang="en-US" sz="2000" kern="1200" cap="all" err="1">
               <a:latin typeface="Times New Roman" panose="02020603050405020304" pitchFamily="18" charset="0"/>
               <a:ea typeface="+mn-ea"/>
               <a:cs typeface="Times New Roman" panose="02020603050405020304" pitchFamily="18" charset="0"/>
@@ -1195,7 +1208,7 @@
             <a:t>Năng</a:t>
           </a:r>
           <a:r>
-            <a:rPr lang="en-US" sz="2000" kern="1200" cap="all" dirty="0">
+            <a:rPr lang="en-US" sz="2000" kern="1200" cap="all">
               <a:latin typeface="Times New Roman" panose="02020603050405020304" pitchFamily="18" charset="0"/>
               <a:ea typeface="+mn-ea"/>
               <a:cs typeface="Times New Roman" panose="02020603050405020304" pitchFamily="18" charset="0"/>
@@ -1203,14 +1216,14 @@
             <a:t> </a:t>
           </a:r>
           <a:r>
-            <a:rPr lang="en-US" sz="2000" kern="1200" cap="all" dirty="0" err="1">
+            <a:rPr lang="en-US" sz="2000" kern="1200" cap="all" err="1">
               <a:latin typeface="Times New Roman" panose="02020603050405020304" pitchFamily="18" charset="0"/>
               <a:ea typeface="+mn-ea"/>
               <a:cs typeface="Times New Roman" panose="02020603050405020304" pitchFamily="18" charset="0"/>
             </a:rPr>
             <a:t>chính</a:t>
           </a:r>
-          <a:endParaRPr lang="en-US" sz="2000" kern="1200" cap="all" dirty="0">
+          <a:endParaRPr lang="en-US" sz="2000" kern="1200" cap="all">
             <a:latin typeface="Times New Roman" panose="02020603050405020304" pitchFamily="18" charset="0"/>
             <a:ea typeface="+mn-ea"/>
             <a:cs typeface="Times New Roman" panose="02020603050405020304" pitchFamily="18" charset="0"/>
@@ -1254,7 +1267,7 @@
             <a:defRPr cap="all"/>
           </a:pPr>
           <a:r>
-            <a:rPr lang="en-US" sz="2000" kern="1200" cap="all" dirty="0" err="1">
+            <a:rPr lang="en-US" sz="2000" kern="1200" cap="all" err="1">
               <a:latin typeface="Times New Roman" panose="02020603050405020304" pitchFamily="18" charset="0"/>
               <a:ea typeface="+mn-ea"/>
               <a:cs typeface="Times New Roman" panose="02020603050405020304" pitchFamily="18" charset="0"/>
@@ -1262,7 +1275,7 @@
             <a:t>Cấu</a:t>
           </a:r>
           <a:r>
-            <a:rPr lang="en-US" sz="2000" kern="1200" cap="all" dirty="0">
+            <a:rPr lang="en-US" sz="2000" kern="1200" cap="all">
               <a:latin typeface="Times New Roman" panose="02020603050405020304" pitchFamily="18" charset="0"/>
               <a:ea typeface="+mn-ea"/>
               <a:cs typeface="Times New Roman" panose="02020603050405020304" pitchFamily="18" charset="0"/>
@@ -1270,14 +1283,14 @@
             <a:t> </a:t>
           </a:r>
           <a:r>
-            <a:rPr lang="en-US" sz="2000" kern="1200" cap="all" dirty="0" err="1">
+            <a:rPr lang="en-US" sz="2000" kern="1200" cap="all" err="1">
               <a:latin typeface="Times New Roman" panose="02020603050405020304" pitchFamily="18" charset="0"/>
               <a:ea typeface="+mn-ea"/>
               <a:cs typeface="Times New Roman" panose="02020603050405020304" pitchFamily="18" charset="0"/>
             </a:rPr>
             <a:t>hình</a:t>
           </a:r>
-          <a:endParaRPr lang="en-US" sz="2000" kern="1200" cap="all" dirty="0">
+          <a:endParaRPr lang="en-US" sz="2000" kern="1200" cap="all">
             <a:latin typeface="Times New Roman" panose="02020603050405020304" pitchFamily="18" charset="0"/>
             <a:ea typeface="+mn-ea"/>
             <a:cs typeface="Times New Roman" panose="02020603050405020304" pitchFamily="18" charset="0"/>
@@ -1320,7 +1333,7 @@
             </a:lnSpc>
           </a:pPr>
           <a:r>
-            <a:rPr lang="en-US" sz="2000" kern="1200" cap="all" dirty="0">
+            <a:rPr lang="en-US" sz="2000" kern="1200" cap="all">
               <a:latin typeface="Times New Roman" panose="02020603050405020304" pitchFamily="18" charset="0"/>
               <a:ea typeface="+mn-ea"/>
               <a:cs typeface="Times New Roman" panose="02020603050405020304" pitchFamily="18" charset="0"/>
@@ -1764,69 +1777,69 @@
             <a:defRPr cap="all"/>
           </a:pPr>
           <a:r>
-            <a:rPr lang="en-US" sz="2000" kern="1200" dirty="0" err="1">
+            <a:rPr lang="en-US" sz="2000" kern="1200" err="1">
               <a:latin typeface="Times New Roman" panose="02020603050405020304" pitchFamily="18" charset="0"/>
               <a:cs typeface="Times New Roman" panose="02020603050405020304" pitchFamily="18" charset="0"/>
             </a:rPr>
             <a:t>Giới</a:t>
           </a:r>
           <a:r>
-            <a:rPr lang="en-US" sz="2000" kern="1200" dirty="0">
+            <a:rPr lang="en-US" sz="2000" kern="1200">
               <a:latin typeface="Times New Roman" panose="02020603050405020304" pitchFamily="18" charset="0"/>
               <a:cs typeface="Times New Roman" panose="02020603050405020304" pitchFamily="18" charset="0"/>
             </a:rPr>
             <a:t> </a:t>
           </a:r>
           <a:r>
-            <a:rPr lang="en-US" sz="2000" kern="1200" dirty="0" err="1">
+            <a:rPr lang="en-US" sz="2000" kern="1200" err="1">
               <a:latin typeface="Times New Roman" panose="02020603050405020304" pitchFamily="18" charset="0"/>
               <a:cs typeface="Times New Roman" panose="02020603050405020304" pitchFamily="18" charset="0"/>
             </a:rPr>
             <a:t>thiệu</a:t>
           </a:r>
           <a:r>
-            <a:rPr lang="en-US" sz="2000" kern="1200" dirty="0">
+            <a:rPr lang="en-US" sz="2000" kern="1200">
               <a:latin typeface="Times New Roman" panose="02020603050405020304" pitchFamily="18" charset="0"/>
               <a:cs typeface="Times New Roman" panose="02020603050405020304" pitchFamily="18" charset="0"/>
             </a:rPr>
             <a:t> </a:t>
           </a:r>
           <a:r>
-            <a:rPr lang="en-US" sz="2000" kern="1200" dirty="0" err="1">
+            <a:rPr lang="en-US" sz="2000" kern="1200" err="1">
               <a:latin typeface="Times New Roman" panose="02020603050405020304" pitchFamily="18" charset="0"/>
               <a:cs typeface="Times New Roman" panose="02020603050405020304" pitchFamily="18" charset="0"/>
             </a:rPr>
             <a:t>về</a:t>
           </a:r>
           <a:r>
-            <a:rPr lang="en-US" sz="2000" kern="1200" dirty="0">
+            <a:rPr lang="en-US" sz="2000" kern="1200">
               <a:latin typeface="Times New Roman" panose="02020603050405020304" pitchFamily="18" charset="0"/>
               <a:cs typeface="Times New Roman" panose="02020603050405020304" pitchFamily="18" charset="0"/>
             </a:rPr>
             <a:t> </a:t>
           </a:r>
           <a:r>
-            <a:rPr lang="en-US" sz="2000" kern="1200" dirty="0" err="1">
+            <a:rPr lang="en-US" sz="2000" kern="1200" err="1">
               <a:latin typeface="Times New Roman" panose="02020603050405020304" pitchFamily="18" charset="0"/>
               <a:cs typeface="Times New Roman" panose="02020603050405020304" pitchFamily="18" charset="0"/>
             </a:rPr>
             <a:t>đề</a:t>
           </a:r>
           <a:r>
-            <a:rPr lang="en-US" sz="2000" kern="1200" dirty="0">
+            <a:rPr lang="en-US" sz="2000" kern="1200">
               <a:latin typeface="Times New Roman" panose="02020603050405020304" pitchFamily="18" charset="0"/>
               <a:cs typeface="Times New Roman" panose="02020603050405020304" pitchFamily="18" charset="0"/>
             </a:rPr>
             <a:t> </a:t>
           </a:r>
           <a:r>
-            <a:rPr lang="en-US" sz="2000" kern="1200" dirty="0" err="1">
+            <a:rPr lang="en-US" sz="2000" kern="1200" err="1">
               <a:latin typeface="Times New Roman" panose="02020603050405020304" pitchFamily="18" charset="0"/>
               <a:cs typeface="Times New Roman" panose="02020603050405020304" pitchFamily="18" charset="0"/>
             </a:rPr>
             <a:t>tài</a:t>
           </a:r>
-          <a:endParaRPr lang="en-US" sz="2000" kern="1200" dirty="0">
+          <a:endParaRPr lang="en-US" sz="2000" kern="1200">
             <a:latin typeface="Times New Roman" panose="02020603050405020304" pitchFamily="18" charset="0"/>
             <a:cs typeface="Times New Roman" panose="02020603050405020304" pitchFamily="18" charset="0"/>
           </a:endParaRPr>
@@ -1999,7 +2012,7 @@
             <a:defRPr cap="all"/>
           </a:pPr>
           <a:r>
-            <a:rPr lang="en-US" sz="2000" kern="1200" cap="all" dirty="0" err="1">
+            <a:rPr lang="en-US" sz="2000" kern="1200" cap="all" err="1">
               <a:latin typeface="Times New Roman" panose="02020603050405020304" pitchFamily="18" charset="0"/>
               <a:ea typeface="+mn-ea"/>
               <a:cs typeface="Times New Roman" panose="02020603050405020304" pitchFamily="18" charset="0"/>
@@ -2007,7 +2020,7 @@
             <a:t>Chức</a:t>
           </a:r>
           <a:r>
-            <a:rPr lang="en-US" sz="2000" kern="1200" cap="all" dirty="0">
+            <a:rPr lang="en-US" sz="2000" kern="1200" cap="all">
               <a:latin typeface="Times New Roman" panose="02020603050405020304" pitchFamily="18" charset="0"/>
               <a:ea typeface="+mn-ea"/>
               <a:cs typeface="Times New Roman" panose="02020603050405020304" pitchFamily="18" charset="0"/>
@@ -2015,7 +2028,7 @@
             <a:t> </a:t>
           </a:r>
           <a:r>
-            <a:rPr lang="en-US" sz="2000" kern="1200" cap="all" dirty="0" err="1">
+            <a:rPr lang="en-US" sz="2000" kern="1200" cap="all" err="1">
               <a:latin typeface="Times New Roman" panose="02020603050405020304" pitchFamily="18" charset="0"/>
               <a:ea typeface="+mn-ea"/>
               <a:cs typeface="Times New Roman" panose="02020603050405020304" pitchFamily="18" charset="0"/>
@@ -2023,7 +2036,7 @@
             <a:t>Năng</a:t>
           </a:r>
           <a:r>
-            <a:rPr lang="en-US" sz="2000" kern="1200" cap="all" dirty="0">
+            <a:rPr lang="en-US" sz="2000" kern="1200" cap="all">
               <a:latin typeface="Times New Roman" panose="02020603050405020304" pitchFamily="18" charset="0"/>
               <a:ea typeface="+mn-ea"/>
               <a:cs typeface="Times New Roman" panose="02020603050405020304" pitchFamily="18" charset="0"/>
@@ -2031,14 +2044,14 @@
             <a:t> </a:t>
           </a:r>
           <a:r>
-            <a:rPr lang="en-US" sz="2000" kern="1200" cap="all" dirty="0" err="1">
+            <a:rPr lang="en-US" sz="2000" kern="1200" cap="all" err="1">
               <a:latin typeface="Times New Roman" panose="02020603050405020304" pitchFamily="18" charset="0"/>
               <a:ea typeface="+mn-ea"/>
               <a:cs typeface="Times New Roman" panose="02020603050405020304" pitchFamily="18" charset="0"/>
             </a:rPr>
             <a:t>chính</a:t>
           </a:r>
-          <a:endParaRPr lang="en-US" sz="2000" kern="1200" cap="all" dirty="0">
+          <a:endParaRPr lang="en-US" sz="2000" kern="1200" cap="all">
             <a:latin typeface="Times New Roman" panose="02020603050405020304" pitchFamily="18" charset="0"/>
             <a:ea typeface="+mn-ea"/>
             <a:cs typeface="Times New Roman" panose="02020603050405020304" pitchFamily="18" charset="0"/>
@@ -2203,7 +2216,7 @@
             <a:defRPr cap="all"/>
           </a:pPr>
           <a:r>
-            <a:rPr lang="en-US" sz="2000" kern="1200" cap="all" dirty="0" err="1">
+            <a:rPr lang="en-US" sz="2000" kern="1200" cap="all" err="1">
               <a:latin typeface="Times New Roman" panose="02020603050405020304" pitchFamily="18" charset="0"/>
               <a:ea typeface="+mn-ea"/>
               <a:cs typeface="Times New Roman" panose="02020603050405020304" pitchFamily="18" charset="0"/>
@@ -2211,7 +2224,7 @@
             <a:t>Cấu</a:t>
           </a:r>
           <a:r>
-            <a:rPr lang="en-US" sz="2000" kern="1200" cap="all" dirty="0">
+            <a:rPr lang="en-US" sz="2000" kern="1200" cap="all">
               <a:latin typeface="Times New Roman" panose="02020603050405020304" pitchFamily="18" charset="0"/>
               <a:ea typeface="+mn-ea"/>
               <a:cs typeface="Times New Roman" panose="02020603050405020304" pitchFamily="18" charset="0"/>
@@ -2219,14 +2232,14 @@
             <a:t> </a:t>
           </a:r>
           <a:r>
-            <a:rPr lang="en-US" sz="2000" kern="1200" cap="all" dirty="0" err="1">
+            <a:rPr lang="en-US" sz="2000" kern="1200" cap="all" err="1">
               <a:latin typeface="Times New Roman" panose="02020603050405020304" pitchFamily="18" charset="0"/>
               <a:ea typeface="+mn-ea"/>
               <a:cs typeface="Times New Roman" panose="02020603050405020304" pitchFamily="18" charset="0"/>
             </a:rPr>
             <a:t>hình</a:t>
           </a:r>
-          <a:endParaRPr lang="en-US" sz="2000" kern="1200" cap="all" dirty="0">
+          <a:endParaRPr lang="en-US" sz="2000" kern="1200" cap="all">
             <a:latin typeface="Times New Roman" panose="02020603050405020304" pitchFamily="18" charset="0"/>
             <a:ea typeface="+mn-ea"/>
             <a:cs typeface="Times New Roman" panose="02020603050405020304" pitchFamily="18" charset="0"/>
@@ -2414,7 +2427,7 @@
             <a:buNone/>
           </a:pPr>
           <a:r>
-            <a:rPr lang="en-US" sz="2000" kern="1200" cap="all" dirty="0">
+            <a:rPr lang="en-US" sz="2000" kern="1200" cap="all">
               <a:latin typeface="Times New Roman" panose="02020603050405020304" pitchFamily="18" charset="0"/>
               <a:ea typeface="+mn-ea"/>
               <a:cs typeface="Times New Roman" panose="02020603050405020304" pitchFamily="18" charset="0"/>
@@ -3749,7 +3762,7 @@
           <a:lstStyle/>
           <a:p>
             <a:pPr algn="ctr"/>
-            <a:endParaRPr lang="en-US" dirty="0"/>
+            <a:endParaRPr lang="en-US"/>
           </a:p>
         </p:txBody>
       </p:sp>
@@ -4150,9 +4163,9 @@
           <a:p>
             <a:fld id="{EA0C0817-A112-4847-8014-A94B7D2A4EA3}" type="datetime1">
               <a:rPr lang="en-US" smtClean="0"/>
-              <a:t>8/21/2021</a:t>
+              <a:t>8/22/2021</a:t>
             </a:fld>
-            <a:endParaRPr lang="en-US" dirty="0"/>
+            <a:endParaRPr lang="en-US"/>
           </a:p>
         </p:txBody>
       </p:sp>
@@ -4187,7 +4200,7 @@
             </a:lvl1pPr>
           </a:lstStyle>
           <a:p>
-            <a:endParaRPr lang="en-US" dirty="0"/>
+            <a:endParaRPr lang="en-US"/>
           </a:p>
         </p:txBody>
       </p:sp>
@@ -4226,7 +4239,7 @@
               <a:rPr lang="en-US" smtClean="0"/>
               <a:t>‹#›</a:t>
             </a:fld>
-            <a:endParaRPr lang="en-US" dirty="0"/>
+            <a:endParaRPr lang="en-US"/>
           </a:p>
         </p:txBody>
       </p:sp>
@@ -4352,9 +4365,9 @@
           <a:p>
             <a:fld id="{7332B432-ACDA-4023-A761-2BAB76577B62}" type="datetime1">
               <a:rPr lang="en-US" smtClean="0"/>
-              <a:t>8/21/2021</a:t>
+              <a:t>8/22/2021</a:t>
             </a:fld>
-            <a:endParaRPr lang="en-US" dirty="0"/>
+            <a:endParaRPr lang="en-US"/>
           </a:p>
         </p:txBody>
       </p:sp>
@@ -4373,7 +4386,7 @@
           <a:bodyPr/>
           <a:lstStyle/>
           <a:p>
-            <a:endParaRPr lang="en-US" dirty="0"/>
+            <a:endParaRPr lang="en-US"/>
           </a:p>
         </p:txBody>
       </p:sp>
@@ -4396,7 +4409,7 @@
               <a:rPr lang="en-US" smtClean="0"/>
               <a:t>‹#›</a:t>
             </a:fld>
-            <a:endParaRPr lang="en-US" dirty="0"/>
+            <a:endParaRPr lang="en-US"/>
           </a:p>
         </p:txBody>
       </p:sp>
@@ -4481,7 +4494,7 @@
           <a:lstStyle/>
           <a:p>
             <a:pPr algn="ctr"/>
-            <a:endParaRPr lang="en-US" dirty="0"/>
+            <a:endParaRPr lang="en-US"/>
           </a:p>
         </p:txBody>
       </p:sp>
@@ -4951,9 +4964,9 @@
           <a:p>
             <a:fld id="{D9C646AA-F36E-4540-911D-FFFC0A0EF24A}" type="datetime1">
               <a:rPr lang="en-US" smtClean="0"/>
-              <a:t>8/21/2021</a:t>
+              <a:t>8/22/2021</a:t>
             </a:fld>
-            <a:endParaRPr lang="en-US" dirty="0"/>
+            <a:endParaRPr lang="en-US"/>
           </a:p>
         </p:txBody>
       </p:sp>
@@ -4988,7 +5001,7 @@
             </a:lvl1pPr>
           </a:lstStyle>
           <a:p>
-            <a:endParaRPr lang="en-US" dirty="0"/>
+            <a:endParaRPr lang="en-US"/>
           </a:p>
         </p:txBody>
       </p:sp>
@@ -5027,7 +5040,7 @@
               <a:rPr lang="en-US" smtClean="0"/>
               <a:t>‹#›</a:t>
             </a:fld>
-            <a:endParaRPr lang="en-US" dirty="0"/>
+            <a:endParaRPr lang="en-US"/>
           </a:p>
         </p:txBody>
       </p:sp>
@@ -5271,9 +5284,9 @@
           <a:p>
             <a:fld id="{69186D26-FA5F-4637-B602-B7C2DC34CFD4}" type="datetime1">
               <a:rPr lang="en-US" smtClean="0"/>
-              <a:t>8/21/2021</a:t>
+              <a:t>8/22/2021</a:t>
             </a:fld>
-            <a:endParaRPr lang="en-US" dirty="0"/>
+            <a:endParaRPr lang="en-US"/>
           </a:p>
         </p:txBody>
       </p:sp>
@@ -5292,7 +5305,7 @@
           <a:bodyPr/>
           <a:lstStyle/>
           <a:p>
-            <a:endParaRPr lang="en-US" dirty="0"/>
+            <a:endParaRPr lang="en-US"/>
           </a:p>
         </p:txBody>
       </p:sp>
@@ -5315,7 +5328,7 @@
               <a:rPr lang="en-US" smtClean="0"/>
               <a:t>‹#›</a:t>
             </a:fld>
-            <a:endParaRPr lang="en-US" dirty="0"/>
+            <a:endParaRPr lang="en-US"/>
           </a:p>
         </p:txBody>
       </p:sp>
@@ -5708,9 +5721,9 @@
           <a:p>
             <a:fld id="{8A7F15D8-96D1-4781-BC50-CA8A088B2FE4}" type="datetime1">
               <a:rPr lang="en-US" smtClean="0"/>
-              <a:t>8/21/2021</a:t>
+              <a:t>8/22/2021</a:t>
             </a:fld>
-            <a:endParaRPr lang="en-US" dirty="0"/>
+            <a:endParaRPr lang="en-US"/>
           </a:p>
         </p:txBody>
       </p:sp>
@@ -5729,7 +5742,7 @@
           <a:bodyPr/>
           <a:lstStyle/>
           <a:p>
-            <a:endParaRPr lang="en-US" dirty="0"/>
+            <a:endParaRPr lang="en-US"/>
           </a:p>
         </p:txBody>
       </p:sp>
@@ -5752,7 +5765,7 @@
               <a:rPr lang="en-US" smtClean="0"/>
               <a:t>‹#›</a:t>
             </a:fld>
-            <a:endParaRPr lang="en-US" dirty="0"/>
+            <a:endParaRPr lang="en-US"/>
           </a:p>
         </p:txBody>
       </p:sp>
@@ -5826,9 +5839,9 @@
           <a:p>
             <a:fld id="{F9A96C99-B8F8-4528-BD05-0E16E943DC09}" type="datetime1">
               <a:rPr lang="en-US" smtClean="0"/>
-              <a:t>8/21/2021</a:t>
+              <a:t>8/22/2021</a:t>
             </a:fld>
-            <a:endParaRPr lang="en-US" dirty="0"/>
+            <a:endParaRPr lang="en-US"/>
           </a:p>
         </p:txBody>
       </p:sp>
@@ -5847,7 +5860,7 @@
           <a:bodyPr/>
           <a:lstStyle/>
           <a:p>
-            <a:endParaRPr lang="en-US" dirty="0"/>
+            <a:endParaRPr lang="en-US"/>
           </a:p>
         </p:txBody>
       </p:sp>
@@ -5870,7 +5883,7 @@
               <a:rPr lang="en-US" smtClean="0"/>
               <a:t>‹#›</a:t>
             </a:fld>
-            <a:endParaRPr lang="en-US" dirty="0"/>
+            <a:endParaRPr lang="en-US"/>
           </a:p>
         </p:txBody>
       </p:sp>
@@ -5921,9 +5934,9 @@
           <a:p>
             <a:fld id="{03636942-C211-4B28-8DBD-C953E00AF71B}" type="datetime1">
               <a:rPr lang="en-US" smtClean="0"/>
-              <a:t>8/21/2021</a:t>
+              <a:t>8/22/2021</a:t>
             </a:fld>
-            <a:endParaRPr lang="en-US" dirty="0"/>
+            <a:endParaRPr lang="en-US"/>
           </a:p>
         </p:txBody>
       </p:sp>
@@ -5942,7 +5955,7 @@
           <a:bodyPr/>
           <a:lstStyle/>
           <a:p>
-            <a:endParaRPr lang="en-US" dirty="0"/>
+            <a:endParaRPr lang="en-US"/>
           </a:p>
         </p:txBody>
       </p:sp>
@@ -5965,7 +5978,7 @@
               <a:rPr lang="en-US" smtClean="0"/>
               <a:t>‹#›</a:t>
             </a:fld>
-            <a:endParaRPr lang="en-US" dirty="0"/>
+            <a:endParaRPr lang="en-US"/>
           </a:p>
         </p:txBody>
       </p:sp>
@@ -6338,9 +6351,9 @@
           <a:p>
             <a:fld id="{7E8D12A6-918A-48BD-8CB9-CA713993B0EA}" type="datetime1">
               <a:rPr lang="en-US" smtClean="0"/>
-              <a:t>8/21/2021</a:t>
+              <a:t>8/22/2021</a:t>
             </a:fld>
-            <a:endParaRPr lang="en-US" dirty="0"/>
+            <a:endParaRPr lang="en-US"/>
           </a:p>
         </p:txBody>
       </p:sp>
@@ -6368,7 +6381,7 @@
             </a:lvl1pPr>
           </a:lstStyle>
           <a:p>
-            <a:endParaRPr lang="en-US" dirty="0"/>
+            <a:endParaRPr lang="en-US"/>
           </a:p>
         </p:txBody>
       </p:sp>
@@ -6407,7 +6420,7 @@
               <a:rPr lang="en-US" smtClean="0"/>
               <a:t>‹#›</a:t>
             </a:fld>
-            <a:endParaRPr lang="en-US" dirty="0"/>
+            <a:endParaRPr lang="en-US"/>
           </a:p>
         </p:txBody>
       </p:sp>
@@ -6558,7 +6571,6 @@
               <a:rPr lang="en-US"/>
               <a:t>Click icon to add picture</a:t>
             </a:r>
-            <a:endParaRPr lang="en-US" dirty="0"/>
           </a:p>
         </p:txBody>
       </p:sp>
@@ -6600,9 +6612,9 @@
             <a:fld id="{E778CE86-875F-4587-BCF6-FA054AFC0D53}" type="datetime1">
               <a:rPr lang="en-US" smtClean="0"/>
               <a:pPr/>
-              <a:t>8/21/2021</a:t>
+              <a:t>8/22/2021</a:t>
             </a:fld>
-            <a:endParaRPr lang="en-US" dirty="0"/>
+            <a:endParaRPr lang="en-US"/>
           </a:p>
         </p:txBody>
       </p:sp>
@@ -6645,7 +6657,7 @@
           </a:lstStyle>
           <a:p>
             <a:pPr algn="l"/>
-            <a:endParaRPr lang="en-US" dirty="0"/>
+            <a:endParaRPr lang="en-US"/>
           </a:p>
         </p:txBody>
       </p:sp>
@@ -6673,7 +6685,7 @@
               <a:rPr lang="en-US" smtClean="0"/>
               <a:t>‹#›</a:t>
             </a:fld>
-            <a:endParaRPr lang="en-US" dirty="0"/>
+            <a:endParaRPr lang="en-US"/>
           </a:p>
         </p:txBody>
       </p:sp>
@@ -6924,7 +6936,7 @@
           <a:lstStyle/>
           <a:p>
             <a:pPr algn="ctr"/>
-            <a:endParaRPr lang="en-US" dirty="0"/>
+            <a:endParaRPr lang="en-US"/>
           </a:p>
         </p:txBody>
       </p:sp>
@@ -7116,9 +7128,9 @@
           <a:p>
             <a:fld id="{F6FA2B21-3FCD-4721-B95C-427943F61125}" type="datetime1">
               <a:rPr lang="en-US" smtClean="0"/>
-              <a:t>8/21/2021</a:t>
+              <a:t>8/22/2021</a:t>
             </a:fld>
-            <a:endParaRPr lang="en-US" dirty="0"/>
+            <a:endParaRPr lang="en-US"/>
           </a:p>
         </p:txBody>
       </p:sp>
@@ -7156,7 +7168,7 @@
             </a:lvl1pPr>
           </a:lstStyle>
           <a:p>
-            <a:endParaRPr lang="en-US" dirty="0"/>
+            <a:endParaRPr lang="en-US"/>
           </a:p>
         </p:txBody>
       </p:sp>
@@ -7198,7 +7210,7 @@
               <a:rPr lang="en-US" smtClean="0"/>
               <a:t>‹#›</a:t>
             </a:fld>
-            <a:endParaRPr lang="en-US" dirty="0"/>
+            <a:endParaRPr lang="en-US"/>
           </a:p>
         </p:txBody>
       </p:sp>
@@ -7744,7 +7756,7 @@
           <a:lstStyle/>
           <a:p>
             <a:r>
-              <a:rPr lang="en-US" sz="4400" dirty="0">
+              <a:rPr lang="en-US" sz="4400">
                 <a:solidFill>
                   <a:schemeClr val="tx1"/>
                 </a:solidFill>
@@ -7788,7 +7800,7 @@
               </a:spcAft>
             </a:pPr>
             <a:r>
-              <a:rPr lang="en-US" dirty="0">
+              <a:rPr lang="en-US">
                 <a:solidFill>
                   <a:schemeClr val="tx1"/>
                 </a:solidFill>
@@ -7807,6 +7819,2655 @@
   </p:cSld>
   <p:clrMapOvr>
     <a:overrideClrMapping bg1="dk1" tx1="lt1" bg2="dk2" tx2="lt2" accent1="accent1" accent2="accent2" accent3="accent3" accent4="accent4" accent5="accent5" accent6="accent6" hlink="hlink" folHlink="folHlink"/>
+  </p:clrMapOvr>
+</p:sld>
+</file>
+
+<file path=ppt/slides/slide10.xml><?xml version="1.0" encoding="utf-8"?>
+<p:sld xmlns:a="http://schemas.openxmlformats.org/drawingml/2006/main" xmlns:r="http://schemas.openxmlformats.org/officeDocument/2006/relationships" xmlns:p="http://schemas.openxmlformats.org/presentationml/2006/main">
+  <p:cSld>
+    <p:spTree>
+      <p:nvGrpSpPr>
+        <p:cNvPr id="1" name=""/>
+        <p:cNvGrpSpPr/>
+        <p:nvPr/>
+      </p:nvGrpSpPr>
+      <p:grpSpPr>
+        <a:xfrm>
+          <a:off x="0" y="0"/>
+          <a:ext cx="0" cy="0"/>
+          <a:chOff x="0" y="0"/>
+          <a:chExt cx="0" cy="0"/>
+        </a:xfrm>
+      </p:grpSpPr>
+      <p:sp>
+        <p:nvSpPr>
+          <p:cNvPr id="2" name="Title 1">
+            <a:extLst>
+              <a:ext uri="{FF2B5EF4-FFF2-40B4-BE49-F238E27FC236}">
+                <a16:creationId xmlns:a16="http://schemas.microsoft.com/office/drawing/2014/main" id="{2C4C0330-65A7-4C44-BDB7-0885CC314B41}"/>
+              </a:ext>
+            </a:extLst>
+          </p:cNvPr>
+          <p:cNvSpPr>
+            <a:spLocks noGrp="1"/>
+          </p:cNvSpPr>
+          <p:nvPr>
+            <p:ph type="title"/>
+          </p:nvPr>
+        </p:nvSpPr>
+        <p:spPr/>
+        <p:txBody>
+          <a:bodyPr/>
+          <a:lstStyle/>
+          <a:p>
+            <a:r>
+              <a:rPr lang="en-US" sz="4000" kern="1200" cap="all" err="1">
+                <a:solidFill>
+                  <a:prstClr val="black">
+                    <a:hueOff val="0"/>
+                    <a:satOff val="0"/>
+                    <a:lumOff val="0"/>
+                    <a:alphaOff val="0"/>
+                  </a:prstClr>
+                </a:solidFill>
+                <a:latin typeface="Times New Roman" panose="02020603050405020304" pitchFamily="18" charset="0"/>
+                <a:ea typeface="+mn-ea"/>
+                <a:cs typeface="Times New Roman" panose="02020603050405020304" pitchFamily="18" charset="0"/>
+              </a:rPr>
+              <a:t>Chức</a:t>
+            </a:r>
+            <a:r>
+              <a:rPr lang="en-US" sz="4000" kern="1200" cap="all">
+                <a:solidFill>
+                  <a:prstClr val="black">
+                    <a:hueOff val="0"/>
+                    <a:satOff val="0"/>
+                    <a:lumOff val="0"/>
+                    <a:alphaOff val="0"/>
+                  </a:prstClr>
+                </a:solidFill>
+                <a:latin typeface="Times New Roman" panose="02020603050405020304" pitchFamily="18" charset="0"/>
+                <a:ea typeface="+mn-ea"/>
+                <a:cs typeface="Times New Roman" panose="02020603050405020304" pitchFamily="18" charset="0"/>
+              </a:rPr>
+              <a:t> </a:t>
+            </a:r>
+            <a:r>
+              <a:rPr lang="en-US" sz="4000" kern="1200" cap="all" err="1">
+                <a:solidFill>
+                  <a:prstClr val="black">
+                    <a:hueOff val="0"/>
+                    <a:satOff val="0"/>
+                    <a:lumOff val="0"/>
+                    <a:alphaOff val="0"/>
+                  </a:prstClr>
+                </a:solidFill>
+                <a:latin typeface="Times New Roman" panose="02020603050405020304" pitchFamily="18" charset="0"/>
+                <a:ea typeface="+mn-ea"/>
+                <a:cs typeface="Times New Roman" panose="02020603050405020304" pitchFamily="18" charset="0"/>
+              </a:rPr>
+              <a:t>Năng</a:t>
+            </a:r>
+            <a:r>
+              <a:rPr lang="en-US" sz="4000" kern="1200" cap="all">
+                <a:solidFill>
+                  <a:prstClr val="black">
+                    <a:hueOff val="0"/>
+                    <a:satOff val="0"/>
+                    <a:lumOff val="0"/>
+                    <a:alphaOff val="0"/>
+                  </a:prstClr>
+                </a:solidFill>
+                <a:latin typeface="Times New Roman" panose="02020603050405020304" pitchFamily="18" charset="0"/>
+                <a:ea typeface="+mn-ea"/>
+                <a:cs typeface="Times New Roman" panose="02020603050405020304" pitchFamily="18" charset="0"/>
+              </a:rPr>
+              <a:t> chính (API)</a:t>
+            </a:r>
+            <a:endParaRPr lang="en-US"/>
+          </a:p>
+        </p:txBody>
+      </p:sp>
+      <p:sp>
+        <p:nvSpPr>
+          <p:cNvPr id="3" name="Content Placeholder 2">
+            <a:extLst>
+              <a:ext uri="{FF2B5EF4-FFF2-40B4-BE49-F238E27FC236}">
+                <a16:creationId xmlns:a16="http://schemas.microsoft.com/office/drawing/2014/main" id="{6BD33AFF-0007-470D-A40C-FD28176A68C2}"/>
+              </a:ext>
+            </a:extLst>
+          </p:cNvPr>
+          <p:cNvSpPr>
+            <a:spLocks noGrp="1"/>
+          </p:cNvSpPr>
+          <p:nvPr>
+            <p:ph idx="1"/>
+          </p:nvPr>
+        </p:nvSpPr>
+        <p:spPr/>
+        <p:txBody>
+          <a:bodyPr>
+            <a:normAutofit/>
+          </a:bodyPr>
+          <a:lstStyle/>
+          <a:p>
+            <a:r>
+              <a:rPr lang="en-US" sz="1800" b="1">
+                <a:latin typeface="Times New Roman" panose="02020603050405020304" pitchFamily="18" charset="0"/>
+                <a:cs typeface="Times New Roman" panose="02020603050405020304" pitchFamily="18" charset="0"/>
+              </a:rPr>
+              <a:t>Page:</a:t>
+            </a:r>
+          </a:p>
+        </p:txBody>
+      </p:sp>
+    </p:spTree>
+    <p:extLst>
+      <p:ext uri="{BB962C8B-B14F-4D97-AF65-F5344CB8AC3E}">
+        <p14:creationId xmlns:p14="http://schemas.microsoft.com/office/powerpoint/2010/main" val="3404567432"/>
+      </p:ext>
+    </p:extLst>
+  </p:cSld>
+  <p:clrMapOvr>
+    <a:masterClrMapping/>
+  </p:clrMapOvr>
+</p:sld>
+</file>
+
+<file path=ppt/slides/slide11.xml><?xml version="1.0" encoding="utf-8"?>
+<p:sld xmlns:a="http://schemas.openxmlformats.org/drawingml/2006/main" xmlns:r="http://schemas.openxmlformats.org/officeDocument/2006/relationships" xmlns:p="http://schemas.openxmlformats.org/presentationml/2006/main">
+  <p:cSld>
+    <p:spTree>
+      <p:nvGrpSpPr>
+        <p:cNvPr id="1" name=""/>
+        <p:cNvGrpSpPr/>
+        <p:nvPr/>
+      </p:nvGrpSpPr>
+      <p:grpSpPr>
+        <a:xfrm>
+          <a:off x="0" y="0"/>
+          <a:ext cx="0" cy="0"/>
+          <a:chOff x="0" y="0"/>
+          <a:chExt cx="0" cy="0"/>
+        </a:xfrm>
+      </p:grpSpPr>
+      <p:sp>
+        <p:nvSpPr>
+          <p:cNvPr id="2" name="Title 1">
+            <a:extLst>
+              <a:ext uri="{FF2B5EF4-FFF2-40B4-BE49-F238E27FC236}">
+                <a16:creationId xmlns:a16="http://schemas.microsoft.com/office/drawing/2014/main" id="{2C4C0330-65A7-4C44-BDB7-0885CC314B41}"/>
+              </a:ext>
+            </a:extLst>
+          </p:cNvPr>
+          <p:cNvSpPr>
+            <a:spLocks noGrp="1"/>
+          </p:cNvSpPr>
+          <p:nvPr>
+            <p:ph type="title"/>
+          </p:nvPr>
+        </p:nvSpPr>
+        <p:spPr/>
+        <p:txBody>
+          <a:bodyPr/>
+          <a:lstStyle/>
+          <a:p>
+            <a:r>
+              <a:rPr lang="en-US" sz="4000" kern="1200" cap="all" err="1">
+                <a:solidFill>
+                  <a:prstClr val="black">
+                    <a:hueOff val="0"/>
+                    <a:satOff val="0"/>
+                    <a:lumOff val="0"/>
+                    <a:alphaOff val="0"/>
+                  </a:prstClr>
+                </a:solidFill>
+                <a:latin typeface="Times New Roman" panose="02020603050405020304" pitchFamily="18" charset="0"/>
+                <a:ea typeface="+mn-ea"/>
+                <a:cs typeface="Times New Roman" panose="02020603050405020304" pitchFamily="18" charset="0"/>
+              </a:rPr>
+              <a:t>Chức</a:t>
+            </a:r>
+            <a:r>
+              <a:rPr lang="en-US" sz="4000" kern="1200" cap="all">
+                <a:solidFill>
+                  <a:prstClr val="black">
+                    <a:hueOff val="0"/>
+                    <a:satOff val="0"/>
+                    <a:lumOff val="0"/>
+                    <a:alphaOff val="0"/>
+                  </a:prstClr>
+                </a:solidFill>
+                <a:latin typeface="Times New Roman" panose="02020603050405020304" pitchFamily="18" charset="0"/>
+                <a:ea typeface="+mn-ea"/>
+                <a:cs typeface="Times New Roman" panose="02020603050405020304" pitchFamily="18" charset="0"/>
+              </a:rPr>
+              <a:t> </a:t>
+            </a:r>
+            <a:r>
+              <a:rPr lang="en-US" sz="4000" kern="1200" cap="all" err="1">
+                <a:solidFill>
+                  <a:prstClr val="black">
+                    <a:hueOff val="0"/>
+                    <a:satOff val="0"/>
+                    <a:lumOff val="0"/>
+                    <a:alphaOff val="0"/>
+                  </a:prstClr>
+                </a:solidFill>
+                <a:latin typeface="Times New Roman" panose="02020603050405020304" pitchFamily="18" charset="0"/>
+                <a:ea typeface="+mn-ea"/>
+                <a:cs typeface="Times New Roman" panose="02020603050405020304" pitchFamily="18" charset="0"/>
+              </a:rPr>
+              <a:t>Năng</a:t>
+            </a:r>
+            <a:r>
+              <a:rPr lang="en-US" sz="4000" kern="1200" cap="all">
+                <a:solidFill>
+                  <a:prstClr val="black">
+                    <a:hueOff val="0"/>
+                    <a:satOff val="0"/>
+                    <a:lumOff val="0"/>
+                    <a:alphaOff val="0"/>
+                  </a:prstClr>
+                </a:solidFill>
+                <a:latin typeface="Times New Roman" panose="02020603050405020304" pitchFamily="18" charset="0"/>
+                <a:ea typeface="+mn-ea"/>
+                <a:cs typeface="Times New Roman" panose="02020603050405020304" pitchFamily="18" charset="0"/>
+              </a:rPr>
+              <a:t> chính (ROBOT)</a:t>
+            </a:r>
+            <a:endParaRPr lang="en-US"/>
+          </a:p>
+        </p:txBody>
+      </p:sp>
+      <p:sp>
+        <p:nvSpPr>
+          <p:cNvPr id="3" name="Content Placeholder 2">
+            <a:extLst>
+              <a:ext uri="{FF2B5EF4-FFF2-40B4-BE49-F238E27FC236}">
+                <a16:creationId xmlns:a16="http://schemas.microsoft.com/office/drawing/2014/main" id="{6BD33AFF-0007-470D-A40C-FD28176A68C2}"/>
+              </a:ext>
+            </a:extLst>
+          </p:cNvPr>
+          <p:cNvSpPr>
+            <a:spLocks noGrp="1"/>
+          </p:cNvSpPr>
+          <p:nvPr>
+            <p:ph idx="1"/>
+          </p:nvPr>
+        </p:nvSpPr>
+        <p:spPr/>
+        <p:txBody>
+          <a:bodyPr>
+            <a:normAutofit/>
+          </a:bodyPr>
+          <a:lstStyle/>
+          <a:p>
+            <a:r>
+              <a:rPr lang="en-US" sz="1800" b="1">
+                <a:latin typeface="Times New Roman" panose="02020603050405020304" pitchFamily="18" charset="0"/>
+                <a:cs typeface="Times New Roman" panose="02020603050405020304" pitchFamily="18" charset="0"/>
+              </a:rPr>
+              <a:t>Camera: ghi lại video và truyền lên socket-server</a:t>
+            </a:r>
+          </a:p>
+          <a:p>
+            <a:endParaRPr lang="en-US" sz="1800" b="1">
+              <a:latin typeface="Times New Roman" panose="02020603050405020304" pitchFamily="18" charset="0"/>
+              <a:cs typeface="Times New Roman" panose="02020603050405020304" pitchFamily="18" charset="0"/>
+            </a:endParaRPr>
+          </a:p>
+        </p:txBody>
+      </p:sp>
+      <p:pic>
+        <p:nvPicPr>
+          <p:cNvPr id="5" name="Picture 4">
+            <a:extLst>
+              <a:ext uri="{FF2B5EF4-FFF2-40B4-BE49-F238E27FC236}">
+                <a16:creationId xmlns:a16="http://schemas.microsoft.com/office/drawing/2014/main" id="{8E0BCCA3-E311-4AE6-97FF-986483488ADA}"/>
+              </a:ext>
+            </a:extLst>
+          </p:cNvPr>
+          <p:cNvPicPr>
+            <a:picLocks noChangeAspect="1"/>
+          </p:cNvPicPr>
+          <p:nvPr/>
+        </p:nvPicPr>
+        <p:blipFill>
+          <a:blip r:embed="rId2"/>
+          <a:stretch>
+            <a:fillRect/>
+          </a:stretch>
+        </p:blipFill>
+        <p:spPr>
+          <a:xfrm>
+            <a:off x="3923997" y="2759484"/>
+            <a:ext cx="2172003" cy="2886478"/>
+          </a:xfrm>
+          <a:prstGeom prst="rect">
+            <a:avLst/>
+          </a:prstGeom>
+        </p:spPr>
+      </p:pic>
+      <p:sp>
+        <p:nvSpPr>
+          <p:cNvPr id="6" name="Rectangle 5">
+            <a:extLst>
+              <a:ext uri="{FF2B5EF4-FFF2-40B4-BE49-F238E27FC236}">
+                <a16:creationId xmlns:a16="http://schemas.microsoft.com/office/drawing/2014/main" id="{736EEC24-620D-4F77-B3D9-117C18CC8980}"/>
+              </a:ext>
+            </a:extLst>
+          </p:cNvPr>
+          <p:cNvSpPr/>
+          <p:nvPr/>
+        </p:nvSpPr>
+        <p:spPr>
+          <a:xfrm>
+            <a:off x="4366694" y="4033911"/>
+            <a:ext cx="901148" cy="1142999"/>
+          </a:xfrm>
+          <a:prstGeom prst="rect">
+            <a:avLst/>
+          </a:prstGeom>
+          <a:noFill/>
+          <a:ln w="73025">
+            <a:solidFill>
+              <a:srgbClr val="FFFF00"/>
+            </a:solidFill>
+          </a:ln>
+        </p:spPr>
+        <p:style>
+          <a:lnRef idx="2">
+            <a:schemeClr val="accent1">
+              <a:shade val="50000"/>
+            </a:schemeClr>
+          </a:lnRef>
+          <a:fillRef idx="1">
+            <a:schemeClr val="accent1"/>
+          </a:fillRef>
+          <a:effectRef idx="0">
+            <a:schemeClr val="accent1"/>
+          </a:effectRef>
+          <a:fontRef idx="minor">
+            <a:schemeClr val="lt1"/>
+          </a:fontRef>
+        </p:style>
+        <p:txBody>
+          <a:bodyPr rtlCol="0" anchor="ctr"/>
+          <a:lstStyle/>
+          <a:p>
+            <a:pPr algn="ctr"/>
+            <a:endParaRPr lang="en-US"/>
+          </a:p>
+        </p:txBody>
+      </p:sp>
+      <p:sp>
+        <p:nvSpPr>
+          <p:cNvPr id="7" name="Speech Bubble: Rectangle 6">
+            <a:extLst>
+              <a:ext uri="{FF2B5EF4-FFF2-40B4-BE49-F238E27FC236}">
+                <a16:creationId xmlns:a16="http://schemas.microsoft.com/office/drawing/2014/main" id="{F94C9470-2BF1-4466-B07F-D227F069374A}"/>
+              </a:ext>
+            </a:extLst>
+          </p:cNvPr>
+          <p:cNvSpPr/>
+          <p:nvPr/>
+        </p:nvSpPr>
+        <p:spPr>
+          <a:xfrm>
+            <a:off x="5416061" y="3429000"/>
+            <a:ext cx="4515729" cy="487611"/>
+          </a:xfrm>
+          <a:prstGeom prst="wedgeRectCallout">
+            <a:avLst>
+              <a:gd name="adj1" fmla="val -51190"/>
+              <a:gd name="adj2" fmla="val 84426"/>
+            </a:avLst>
+          </a:prstGeom>
+        </p:spPr>
+        <p:style>
+          <a:lnRef idx="2">
+            <a:schemeClr val="accent1">
+              <a:shade val="50000"/>
+            </a:schemeClr>
+          </a:lnRef>
+          <a:fillRef idx="1">
+            <a:schemeClr val="accent1"/>
+          </a:fillRef>
+          <a:effectRef idx="0">
+            <a:schemeClr val="accent1"/>
+          </a:effectRef>
+          <a:fontRef idx="minor">
+            <a:schemeClr val="lt1"/>
+          </a:fontRef>
+        </p:style>
+        <p:txBody>
+          <a:bodyPr rtlCol="0" anchor="ctr"/>
+          <a:lstStyle/>
+          <a:p>
+            <a:pPr algn="ctr"/>
+            <a:r>
+              <a:rPr lang="en-US"/>
+              <a:t>Camera module</a:t>
+            </a:r>
+          </a:p>
+        </p:txBody>
+      </p:sp>
+    </p:spTree>
+    <p:extLst>
+      <p:ext uri="{BB962C8B-B14F-4D97-AF65-F5344CB8AC3E}">
+        <p14:creationId xmlns:p14="http://schemas.microsoft.com/office/powerpoint/2010/main" val="1543103516"/>
+      </p:ext>
+    </p:extLst>
+  </p:cSld>
+  <p:clrMapOvr>
+    <a:masterClrMapping/>
+  </p:clrMapOvr>
+</p:sld>
+</file>
+
+<file path=ppt/slides/slide12.xml><?xml version="1.0" encoding="utf-8"?>
+<p:sld xmlns:a="http://schemas.openxmlformats.org/drawingml/2006/main" xmlns:r="http://schemas.openxmlformats.org/officeDocument/2006/relationships" xmlns:p="http://schemas.openxmlformats.org/presentationml/2006/main">
+  <p:cSld>
+    <p:spTree>
+      <p:nvGrpSpPr>
+        <p:cNvPr id="1" name=""/>
+        <p:cNvGrpSpPr/>
+        <p:nvPr/>
+      </p:nvGrpSpPr>
+      <p:grpSpPr>
+        <a:xfrm>
+          <a:off x="0" y="0"/>
+          <a:ext cx="0" cy="0"/>
+          <a:chOff x="0" y="0"/>
+          <a:chExt cx="0" cy="0"/>
+        </a:xfrm>
+      </p:grpSpPr>
+      <p:sp>
+        <p:nvSpPr>
+          <p:cNvPr id="3" name="Content Placeholder 2">
+            <a:extLst>
+              <a:ext uri="{FF2B5EF4-FFF2-40B4-BE49-F238E27FC236}">
+                <a16:creationId xmlns:a16="http://schemas.microsoft.com/office/drawing/2014/main" id="{6BD33AFF-0007-470D-A40C-FD28176A68C2}"/>
+              </a:ext>
+            </a:extLst>
+          </p:cNvPr>
+          <p:cNvSpPr>
+            <a:spLocks noGrp="1"/>
+          </p:cNvSpPr>
+          <p:nvPr>
+            <p:ph idx="1"/>
+          </p:nvPr>
+        </p:nvSpPr>
+        <p:spPr/>
+        <p:txBody>
+          <a:bodyPr>
+            <a:normAutofit/>
+          </a:bodyPr>
+          <a:lstStyle/>
+          <a:p>
+            <a:r>
+              <a:rPr lang="en-US" sz="1800" b="1">
+                <a:latin typeface="Times New Roman" panose="02020603050405020304" pitchFamily="18" charset="0"/>
+                <a:cs typeface="Times New Roman" panose="02020603050405020304" pitchFamily="18" charset="0"/>
+              </a:rPr>
+              <a:t>Cánh tay: dung để ấn vào nút restart, nó có thể nâng lên hạ xuống cho phù hợp với vị trí của button restart</a:t>
+            </a:r>
+          </a:p>
+          <a:p>
+            <a:endParaRPr lang="en-US" sz="1800" b="1">
+              <a:latin typeface="Times New Roman" panose="02020603050405020304" pitchFamily="18" charset="0"/>
+              <a:cs typeface="Times New Roman" panose="02020603050405020304" pitchFamily="18" charset="0"/>
+            </a:endParaRPr>
+          </a:p>
+        </p:txBody>
+      </p:sp>
+      <p:pic>
+        <p:nvPicPr>
+          <p:cNvPr id="8" name="Picture 7">
+            <a:extLst>
+              <a:ext uri="{FF2B5EF4-FFF2-40B4-BE49-F238E27FC236}">
+                <a16:creationId xmlns:a16="http://schemas.microsoft.com/office/drawing/2014/main" id="{EBC95A17-EED5-4F21-8C01-DB257B998522}"/>
+              </a:ext>
+            </a:extLst>
+          </p:cNvPr>
+          <p:cNvPicPr>
+            <a:picLocks noChangeAspect="1"/>
+          </p:cNvPicPr>
+          <p:nvPr/>
+        </p:nvPicPr>
+        <p:blipFill>
+          <a:blip r:embed="rId2"/>
+          <a:stretch>
+            <a:fillRect/>
+          </a:stretch>
+        </p:blipFill>
+        <p:spPr>
+          <a:xfrm>
+            <a:off x="1399580" y="2955576"/>
+            <a:ext cx="4696420" cy="2745127"/>
+          </a:xfrm>
+          <a:prstGeom prst="rect">
+            <a:avLst/>
+          </a:prstGeom>
+        </p:spPr>
+      </p:pic>
+      <p:sp>
+        <p:nvSpPr>
+          <p:cNvPr id="2" name="Title 1">
+            <a:extLst>
+              <a:ext uri="{FF2B5EF4-FFF2-40B4-BE49-F238E27FC236}">
+                <a16:creationId xmlns:a16="http://schemas.microsoft.com/office/drawing/2014/main" id="{2C4C0330-65A7-4C44-BDB7-0885CC314B41}"/>
+              </a:ext>
+            </a:extLst>
+          </p:cNvPr>
+          <p:cNvSpPr>
+            <a:spLocks noGrp="1"/>
+          </p:cNvSpPr>
+          <p:nvPr>
+            <p:ph type="title"/>
+          </p:nvPr>
+        </p:nvSpPr>
+        <p:spPr/>
+        <p:txBody>
+          <a:bodyPr/>
+          <a:lstStyle/>
+          <a:p>
+            <a:r>
+              <a:rPr lang="en-US" sz="4000" kern="1200" cap="all" err="1">
+                <a:solidFill>
+                  <a:prstClr val="black">
+                    <a:hueOff val="0"/>
+                    <a:satOff val="0"/>
+                    <a:lumOff val="0"/>
+                    <a:alphaOff val="0"/>
+                  </a:prstClr>
+                </a:solidFill>
+                <a:latin typeface="Times New Roman" panose="02020603050405020304" pitchFamily="18" charset="0"/>
+                <a:ea typeface="+mn-ea"/>
+                <a:cs typeface="Times New Roman" panose="02020603050405020304" pitchFamily="18" charset="0"/>
+              </a:rPr>
+              <a:t>Chức</a:t>
+            </a:r>
+            <a:r>
+              <a:rPr lang="en-US" sz="4000" kern="1200" cap="all">
+                <a:solidFill>
+                  <a:prstClr val="black">
+                    <a:hueOff val="0"/>
+                    <a:satOff val="0"/>
+                    <a:lumOff val="0"/>
+                    <a:alphaOff val="0"/>
+                  </a:prstClr>
+                </a:solidFill>
+                <a:latin typeface="Times New Roman" panose="02020603050405020304" pitchFamily="18" charset="0"/>
+                <a:ea typeface="+mn-ea"/>
+                <a:cs typeface="Times New Roman" panose="02020603050405020304" pitchFamily="18" charset="0"/>
+              </a:rPr>
+              <a:t> </a:t>
+            </a:r>
+            <a:r>
+              <a:rPr lang="en-US" sz="4000" kern="1200" cap="all" err="1">
+                <a:solidFill>
+                  <a:prstClr val="black">
+                    <a:hueOff val="0"/>
+                    <a:satOff val="0"/>
+                    <a:lumOff val="0"/>
+                    <a:alphaOff val="0"/>
+                  </a:prstClr>
+                </a:solidFill>
+                <a:latin typeface="Times New Roman" panose="02020603050405020304" pitchFamily="18" charset="0"/>
+                <a:ea typeface="+mn-ea"/>
+                <a:cs typeface="Times New Roman" panose="02020603050405020304" pitchFamily="18" charset="0"/>
+              </a:rPr>
+              <a:t>Năng</a:t>
+            </a:r>
+            <a:r>
+              <a:rPr lang="en-US" sz="4000" kern="1200" cap="all">
+                <a:solidFill>
+                  <a:prstClr val="black">
+                    <a:hueOff val="0"/>
+                    <a:satOff val="0"/>
+                    <a:lumOff val="0"/>
+                    <a:alphaOff val="0"/>
+                  </a:prstClr>
+                </a:solidFill>
+                <a:latin typeface="Times New Roman" panose="02020603050405020304" pitchFamily="18" charset="0"/>
+                <a:ea typeface="+mn-ea"/>
+                <a:cs typeface="Times New Roman" panose="02020603050405020304" pitchFamily="18" charset="0"/>
+              </a:rPr>
+              <a:t> chính (ROBOT)</a:t>
+            </a:r>
+            <a:endParaRPr lang="en-US"/>
+          </a:p>
+        </p:txBody>
+      </p:sp>
+      <p:sp>
+        <p:nvSpPr>
+          <p:cNvPr id="6" name="Rectangle 5">
+            <a:extLst>
+              <a:ext uri="{FF2B5EF4-FFF2-40B4-BE49-F238E27FC236}">
+                <a16:creationId xmlns:a16="http://schemas.microsoft.com/office/drawing/2014/main" id="{736EEC24-620D-4F77-B3D9-117C18CC8980}"/>
+              </a:ext>
+            </a:extLst>
+          </p:cNvPr>
+          <p:cNvSpPr/>
+          <p:nvPr/>
+        </p:nvSpPr>
+        <p:spPr>
+          <a:xfrm rot="21076024">
+            <a:off x="4100924" y="3549614"/>
+            <a:ext cx="593586" cy="2178915"/>
+          </a:xfrm>
+          <a:prstGeom prst="rect">
+            <a:avLst/>
+          </a:prstGeom>
+          <a:noFill/>
+          <a:ln w="73025">
+            <a:solidFill>
+              <a:srgbClr val="FFFF00"/>
+            </a:solidFill>
+          </a:ln>
+        </p:spPr>
+        <p:style>
+          <a:lnRef idx="2">
+            <a:schemeClr val="accent1">
+              <a:shade val="50000"/>
+            </a:schemeClr>
+          </a:lnRef>
+          <a:fillRef idx="1">
+            <a:schemeClr val="accent1"/>
+          </a:fillRef>
+          <a:effectRef idx="0">
+            <a:schemeClr val="accent1"/>
+          </a:effectRef>
+          <a:fontRef idx="minor">
+            <a:schemeClr val="lt1"/>
+          </a:fontRef>
+        </p:style>
+        <p:txBody>
+          <a:bodyPr rtlCol="0" anchor="ctr"/>
+          <a:lstStyle/>
+          <a:p>
+            <a:pPr algn="ctr"/>
+            <a:endParaRPr lang="en-US"/>
+          </a:p>
+        </p:txBody>
+      </p:sp>
+      <p:sp>
+        <p:nvSpPr>
+          <p:cNvPr id="7" name="Speech Bubble: Rectangle 6">
+            <a:extLst>
+              <a:ext uri="{FF2B5EF4-FFF2-40B4-BE49-F238E27FC236}">
+                <a16:creationId xmlns:a16="http://schemas.microsoft.com/office/drawing/2014/main" id="{F94C9470-2BF1-4466-B07F-D227F069374A}"/>
+              </a:ext>
+            </a:extLst>
+          </p:cNvPr>
+          <p:cNvSpPr/>
+          <p:nvPr/>
+        </p:nvSpPr>
+        <p:spPr>
+          <a:xfrm>
+            <a:off x="3747790" y="2754849"/>
+            <a:ext cx="3052689" cy="495846"/>
+          </a:xfrm>
+          <a:prstGeom prst="wedgeRectCallout">
+            <a:avLst>
+              <a:gd name="adj1" fmla="val -31835"/>
+              <a:gd name="adj2" fmla="val 101449"/>
+            </a:avLst>
+          </a:prstGeom>
+        </p:spPr>
+        <p:style>
+          <a:lnRef idx="2">
+            <a:schemeClr val="accent1">
+              <a:shade val="50000"/>
+            </a:schemeClr>
+          </a:lnRef>
+          <a:fillRef idx="1">
+            <a:schemeClr val="accent1"/>
+          </a:fillRef>
+          <a:effectRef idx="0">
+            <a:schemeClr val="accent1"/>
+          </a:effectRef>
+          <a:fontRef idx="minor">
+            <a:schemeClr val="lt1"/>
+          </a:fontRef>
+        </p:style>
+        <p:txBody>
+          <a:bodyPr rtlCol="0" anchor="ctr"/>
+          <a:lstStyle/>
+          <a:p>
+            <a:pPr algn="ctr"/>
+            <a:r>
+              <a:rPr lang="en-US"/>
+              <a:t>Cánh tay</a:t>
+            </a:r>
+          </a:p>
+        </p:txBody>
+      </p:sp>
+    </p:spTree>
+    <p:extLst>
+      <p:ext uri="{BB962C8B-B14F-4D97-AF65-F5344CB8AC3E}">
+        <p14:creationId xmlns:p14="http://schemas.microsoft.com/office/powerpoint/2010/main" val="2593297835"/>
+      </p:ext>
+    </p:extLst>
+  </p:cSld>
+  <p:clrMapOvr>
+    <a:masterClrMapping/>
+  </p:clrMapOvr>
+</p:sld>
+</file>
+
+<file path=ppt/slides/slide13.xml><?xml version="1.0" encoding="utf-8"?>
+<p:sld xmlns:a="http://schemas.openxmlformats.org/drawingml/2006/main" xmlns:r="http://schemas.openxmlformats.org/officeDocument/2006/relationships" xmlns:p="http://schemas.openxmlformats.org/presentationml/2006/main">
+  <p:cSld>
+    <p:spTree>
+      <p:nvGrpSpPr>
+        <p:cNvPr id="1" name=""/>
+        <p:cNvGrpSpPr/>
+        <p:nvPr/>
+      </p:nvGrpSpPr>
+      <p:grpSpPr>
+        <a:xfrm>
+          <a:off x="0" y="0"/>
+          <a:ext cx="0" cy="0"/>
+          <a:chOff x="0" y="0"/>
+          <a:chExt cx="0" cy="0"/>
+        </a:xfrm>
+      </p:grpSpPr>
+      <p:sp>
+        <p:nvSpPr>
+          <p:cNvPr id="3" name="Content Placeholder 2">
+            <a:extLst>
+              <a:ext uri="{FF2B5EF4-FFF2-40B4-BE49-F238E27FC236}">
+                <a16:creationId xmlns:a16="http://schemas.microsoft.com/office/drawing/2014/main" id="{6BD33AFF-0007-470D-A40C-FD28176A68C2}"/>
+              </a:ext>
+            </a:extLst>
+          </p:cNvPr>
+          <p:cNvSpPr>
+            <a:spLocks noGrp="1"/>
+          </p:cNvSpPr>
+          <p:nvPr>
+            <p:ph idx="1"/>
+          </p:nvPr>
+        </p:nvSpPr>
+        <p:spPr/>
+        <p:txBody>
+          <a:bodyPr>
+            <a:normAutofit/>
+          </a:bodyPr>
+          <a:lstStyle/>
+          <a:p>
+            <a:r>
+              <a:rPr lang="en-US" sz="1800" b="1">
+                <a:latin typeface="Times New Roman" panose="02020603050405020304" pitchFamily="18" charset="0"/>
+                <a:cs typeface="Times New Roman" panose="02020603050405020304" pitchFamily="18" charset="0"/>
+              </a:rPr>
+              <a:t>Bánh xe điều hướng: có thể tiến lùi, đi trái, phải 1 cách linh hoạt</a:t>
+            </a:r>
+          </a:p>
+          <a:p>
+            <a:endParaRPr lang="en-US" sz="1800" b="1">
+              <a:latin typeface="Times New Roman" panose="02020603050405020304" pitchFamily="18" charset="0"/>
+              <a:cs typeface="Times New Roman" panose="02020603050405020304" pitchFamily="18" charset="0"/>
+            </a:endParaRPr>
+          </a:p>
+        </p:txBody>
+      </p:sp>
+      <p:pic>
+        <p:nvPicPr>
+          <p:cNvPr id="8" name="Picture 7">
+            <a:extLst>
+              <a:ext uri="{FF2B5EF4-FFF2-40B4-BE49-F238E27FC236}">
+                <a16:creationId xmlns:a16="http://schemas.microsoft.com/office/drawing/2014/main" id="{EBC95A17-EED5-4F21-8C01-DB257B998522}"/>
+              </a:ext>
+            </a:extLst>
+          </p:cNvPr>
+          <p:cNvPicPr>
+            <a:picLocks noChangeAspect="1"/>
+          </p:cNvPicPr>
+          <p:nvPr/>
+        </p:nvPicPr>
+        <p:blipFill>
+          <a:blip r:embed="rId2"/>
+          <a:stretch>
+            <a:fillRect/>
+          </a:stretch>
+        </p:blipFill>
+        <p:spPr>
+          <a:xfrm>
+            <a:off x="1399580" y="2955576"/>
+            <a:ext cx="4696420" cy="2745127"/>
+          </a:xfrm>
+          <a:prstGeom prst="rect">
+            <a:avLst/>
+          </a:prstGeom>
+        </p:spPr>
+      </p:pic>
+      <p:sp>
+        <p:nvSpPr>
+          <p:cNvPr id="2" name="Title 1">
+            <a:extLst>
+              <a:ext uri="{FF2B5EF4-FFF2-40B4-BE49-F238E27FC236}">
+                <a16:creationId xmlns:a16="http://schemas.microsoft.com/office/drawing/2014/main" id="{2C4C0330-65A7-4C44-BDB7-0885CC314B41}"/>
+              </a:ext>
+            </a:extLst>
+          </p:cNvPr>
+          <p:cNvSpPr>
+            <a:spLocks noGrp="1"/>
+          </p:cNvSpPr>
+          <p:nvPr>
+            <p:ph type="title"/>
+          </p:nvPr>
+        </p:nvSpPr>
+        <p:spPr/>
+        <p:txBody>
+          <a:bodyPr/>
+          <a:lstStyle/>
+          <a:p>
+            <a:r>
+              <a:rPr lang="en-US" sz="4000" kern="1200" cap="all" err="1">
+                <a:solidFill>
+                  <a:prstClr val="black">
+                    <a:hueOff val="0"/>
+                    <a:satOff val="0"/>
+                    <a:lumOff val="0"/>
+                    <a:alphaOff val="0"/>
+                  </a:prstClr>
+                </a:solidFill>
+                <a:latin typeface="Times New Roman" panose="02020603050405020304" pitchFamily="18" charset="0"/>
+                <a:ea typeface="+mn-ea"/>
+                <a:cs typeface="Times New Roman" panose="02020603050405020304" pitchFamily="18" charset="0"/>
+              </a:rPr>
+              <a:t>Chức</a:t>
+            </a:r>
+            <a:r>
+              <a:rPr lang="en-US" sz="4000" kern="1200" cap="all">
+                <a:solidFill>
+                  <a:prstClr val="black">
+                    <a:hueOff val="0"/>
+                    <a:satOff val="0"/>
+                    <a:lumOff val="0"/>
+                    <a:alphaOff val="0"/>
+                  </a:prstClr>
+                </a:solidFill>
+                <a:latin typeface="Times New Roman" panose="02020603050405020304" pitchFamily="18" charset="0"/>
+                <a:ea typeface="+mn-ea"/>
+                <a:cs typeface="Times New Roman" panose="02020603050405020304" pitchFamily="18" charset="0"/>
+              </a:rPr>
+              <a:t> </a:t>
+            </a:r>
+            <a:r>
+              <a:rPr lang="en-US" sz="4000" kern="1200" cap="all" err="1">
+                <a:solidFill>
+                  <a:prstClr val="black">
+                    <a:hueOff val="0"/>
+                    <a:satOff val="0"/>
+                    <a:lumOff val="0"/>
+                    <a:alphaOff val="0"/>
+                  </a:prstClr>
+                </a:solidFill>
+                <a:latin typeface="Times New Roman" panose="02020603050405020304" pitchFamily="18" charset="0"/>
+                <a:ea typeface="+mn-ea"/>
+                <a:cs typeface="Times New Roman" panose="02020603050405020304" pitchFamily="18" charset="0"/>
+              </a:rPr>
+              <a:t>Năng</a:t>
+            </a:r>
+            <a:r>
+              <a:rPr lang="en-US" sz="4000" kern="1200" cap="all">
+                <a:solidFill>
+                  <a:prstClr val="black">
+                    <a:hueOff val="0"/>
+                    <a:satOff val="0"/>
+                    <a:lumOff val="0"/>
+                    <a:alphaOff val="0"/>
+                  </a:prstClr>
+                </a:solidFill>
+                <a:latin typeface="Times New Roman" panose="02020603050405020304" pitchFamily="18" charset="0"/>
+                <a:ea typeface="+mn-ea"/>
+                <a:cs typeface="Times New Roman" panose="02020603050405020304" pitchFamily="18" charset="0"/>
+              </a:rPr>
+              <a:t> chính (ROBOT)</a:t>
+            </a:r>
+            <a:endParaRPr lang="en-US"/>
+          </a:p>
+        </p:txBody>
+      </p:sp>
+      <p:sp>
+        <p:nvSpPr>
+          <p:cNvPr id="6" name="Rectangle 5">
+            <a:extLst>
+              <a:ext uri="{FF2B5EF4-FFF2-40B4-BE49-F238E27FC236}">
+                <a16:creationId xmlns:a16="http://schemas.microsoft.com/office/drawing/2014/main" id="{736EEC24-620D-4F77-B3D9-117C18CC8980}"/>
+              </a:ext>
+            </a:extLst>
+          </p:cNvPr>
+          <p:cNvSpPr/>
+          <p:nvPr/>
+        </p:nvSpPr>
+        <p:spPr>
+          <a:xfrm rot="152741">
+            <a:off x="1753750" y="3992308"/>
+            <a:ext cx="741422" cy="1049663"/>
+          </a:xfrm>
+          <a:prstGeom prst="rect">
+            <a:avLst/>
+          </a:prstGeom>
+          <a:noFill/>
+          <a:ln w="73025">
+            <a:solidFill>
+              <a:srgbClr val="FFFF00"/>
+            </a:solidFill>
+          </a:ln>
+        </p:spPr>
+        <p:style>
+          <a:lnRef idx="2">
+            <a:schemeClr val="accent1">
+              <a:shade val="50000"/>
+            </a:schemeClr>
+          </a:lnRef>
+          <a:fillRef idx="1">
+            <a:schemeClr val="accent1"/>
+          </a:fillRef>
+          <a:effectRef idx="0">
+            <a:schemeClr val="accent1"/>
+          </a:effectRef>
+          <a:fontRef idx="minor">
+            <a:schemeClr val="lt1"/>
+          </a:fontRef>
+        </p:style>
+        <p:txBody>
+          <a:bodyPr rtlCol="0" anchor="ctr"/>
+          <a:lstStyle/>
+          <a:p>
+            <a:pPr algn="ctr"/>
+            <a:endParaRPr lang="en-US"/>
+          </a:p>
+        </p:txBody>
+      </p:sp>
+      <p:sp>
+        <p:nvSpPr>
+          <p:cNvPr id="9" name="Rectangle 8">
+            <a:extLst>
+              <a:ext uri="{FF2B5EF4-FFF2-40B4-BE49-F238E27FC236}">
+                <a16:creationId xmlns:a16="http://schemas.microsoft.com/office/drawing/2014/main" id="{8FAC1F50-0E7C-448F-9CB2-0EC7B61B1BF6}"/>
+              </a:ext>
+            </a:extLst>
+          </p:cNvPr>
+          <p:cNvSpPr/>
+          <p:nvPr/>
+        </p:nvSpPr>
+        <p:spPr>
+          <a:xfrm rot="152741">
+            <a:off x="5399113" y="4125690"/>
+            <a:ext cx="642406" cy="838782"/>
+          </a:xfrm>
+          <a:prstGeom prst="rect">
+            <a:avLst/>
+          </a:prstGeom>
+          <a:noFill/>
+          <a:ln w="73025">
+            <a:solidFill>
+              <a:srgbClr val="FFFF00"/>
+            </a:solidFill>
+          </a:ln>
+        </p:spPr>
+        <p:style>
+          <a:lnRef idx="2">
+            <a:schemeClr val="accent1">
+              <a:shade val="50000"/>
+            </a:schemeClr>
+          </a:lnRef>
+          <a:fillRef idx="1">
+            <a:schemeClr val="accent1"/>
+          </a:fillRef>
+          <a:effectRef idx="0">
+            <a:schemeClr val="accent1"/>
+          </a:effectRef>
+          <a:fontRef idx="minor">
+            <a:schemeClr val="lt1"/>
+          </a:fontRef>
+        </p:style>
+        <p:txBody>
+          <a:bodyPr rtlCol="0" anchor="ctr"/>
+          <a:lstStyle/>
+          <a:p>
+            <a:pPr algn="ctr"/>
+            <a:endParaRPr lang="en-US"/>
+          </a:p>
+        </p:txBody>
+      </p:sp>
+    </p:spTree>
+    <p:extLst>
+      <p:ext uri="{BB962C8B-B14F-4D97-AF65-F5344CB8AC3E}">
+        <p14:creationId xmlns:p14="http://schemas.microsoft.com/office/powerpoint/2010/main" val="2041964991"/>
+      </p:ext>
+    </p:extLst>
+  </p:cSld>
+  <p:clrMapOvr>
+    <a:masterClrMapping/>
+  </p:clrMapOvr>
+</p:sld>
+</file>
+
+<file path=ppt/slides/slide14.xml><?xml version="1.0" encoding="utf-8"?>
+<p:sld xmlns:a="http://schemas.openxmlformats.org/drawingml/2006/main" xmlns:r="http://schemas.openxmlformats.org/officeDocument/2006/relationships" xmlns:p="http://schemas.openxmlformats.org/presentationml/2006/main">
+  <p:cSld>
+    <p:spTree>
+      <p:nvGrpSpPr>
+        <p:cNvPr id="1" name=""/>
+        <p:cNvGrpSpPr/>
+        <p:nvPr/>
+      </p:nvGrpSpPr>
+      <p:grpSpPr>
+        <a:xfrm>
+          <a:off x="0" y="0"/>
+          <a:ext cx="0" cy="0"/>
+          <a:chOff x="0" y="0"/>
+          <a:chExt cx="0" cy="0"/>
+        </a:xfrm>
+      </p:grpSpPr>
+      <p:sp>
+        <p:nvSpPr>
+          <p:cNvPr id="3" name="Content Placeholder 2">
+            <a:extLst>
+              <a:ext uri="{FF2B5EF4-FFF2-40B4-BE49-F238E27FC236}">
+                <a16:creationId xmlns:a16="http://schemas.microsoft.com/office/drawing/2014/main" id="{6BD33AFF-0007-470D-A40C-FD28176A68C2}"/>
+              </a:ext>
+            </a:extLst>
+          </p:cNvPr>
+          <p:cNvSpPr>
+            <a:spLocks noGrp="1"/>
+          </p:cNvSpPr>
+          <p:nvPr>
+            <p:ph idx="1"/>
+          </p:nvPr>
+        </p:nvSpPr>
+        <p:spPr/>
+        <p:txBody>
+          <a:bodyPr>
+            <a:normAutofit/>
+          </a:bodyPr>
+          <a:lstStyle/>
+          <a:p>
+            <a:r>
+              <a:rPr lang="en-US" sz="1800" b="1">
+                <a:latin typeface="Times New Roman" panose="02020603050405020304" pitchFamily="18" charset="0"/>
+                <a:cs typeface="Times New Roman" panose="02020603050405020304" pitchFamily="18" charset="0"/>
+              </a:rPr>
+              <a:t>Module sạc pin: chỉ cần điều khiển robot về vị trí module, xạc sẽ tự kết nối</a:t>
+            </a:r>
+          </a:p>
+        </p:txBody>
+      </p:sp>
+      <p:pic>
+        <p:nvPicPr>
+          <p:cNvPr id="10" name="Picture 9">
+            <a:extLst>
+              <a:ext uri="{FF2B5EF4-FFF2-40B4-BE49-F238E27FC236}">
+                <a16:creationId xmlns:a16="http://schemas.microsoft.com/office/drawing/2014/main" id="{9724782F-8D6E-4168-96DD-427288EA3D6E}"/>
+              </a:ext>
+            </a:extLst>
+          </p:cNvPr>
+          <p:cNvPicPr>
+            <a:picLocks noChangeAspect="1"/>
+          </p:cNvPicPr>
+          <p:nvPr/>
+        </p:nvPicPr>
+        <p:blipFill>
+          <a:blip r:embed="rId2"/>
+          <a:stretch>
+            <a:fillRect/>
+          </a:stretch>
+        </p:blipFill>
+        <p:spPr>
+          <a:xfrm>
+            <a:off x="6502439" y="2799470"/>
+            <a:ext cx="2446779" cy="3242199"/>
+          </a:xfrm>
+          <a:prstGeom prst="rect">
+            <a:avLst/>
+          </a:prstGeom>
+        </p:spPr>
+      </p:pic>
+      <p:pic>
+        <p:nvPicPr>
+          <p:cNvPr id="5" name="Picture 4">
+            <a:extLst>
+              <a:ext uri="{FF2B5EF4-FFF2-40B4-BE49-F238E27FC236}">
+                <a16:creationId xmlns:a16="http://schemas.microsoft.com/office/drawing/2014/main" id="{EA2E684F-8943-4EE8-B6E9-71CFB0F4BB87}"/>
+              </a:ext>
+            </a:extLst>
+          </p:cNvPr>
+          <p:cNvPicPr>
+            <a:picLocks noChangeAspect="1"/>
+          </p:cNvPicPr>
+          <p:nvPr/>
+        </p:nvPicPr>
+        <p:blipFill>
+          <a:blip r:embed="rId3"/>
+          <a:stretch>
+            <a:fillRect/>
+          </a:stretch>
+        </p:blipFill>
+        <p:spPr>
+          <a:xfrm>
+            <a:off x="1853518" y="3559479"/>
+            <a:ext cx="2295845" cy="1943371"/>
+          </a:xfrm>
+          <a:prstGeom prst="rect">
+            <a:avLst/>
+          </a:prstGeom>
+        </p:spPr>
+      </p:pic>
+      <p:sp>
+        <p:nvSpPr>
+          <p:cNvPr id="2" name="Title 1">
+            <a:extLst>
+              <a:ext uri="{FF2B5EF4-FFF2-40B4-BE49-F238E27FC236}">
+                <a16:creationId xmlns:a16="http://schemas.microsoft.com/office/drawing/2014/main" id="{2C4C0330-65A7-4C44-BDB7-0885CC314B41}"/>
+              </a:ext>
+            </a:extLst>
+          </p:cNvPr>
+          <p:cNvSpPr>
+            <a:spLocks noGrp="1"/>
+          </p:cNvSpPr>
+          <p:nvPr>
+            <p:ph type="title"/>
+          </p:nvPr>
+        </p:nvSpPr>
+        <p:spPr/>
+        <p:txBody>
+          <a:bodyPr/>
+          <a:lstStyle/>
+          <a:p>
+            <a:r>
+              <a:rPr lang="en-US" sz="4000" kern="1200" cap="all" err="1">
+                <a:solidFill>
+                  <a:prstClr val="black">
+                    <a:hueOff val="0"/>
+                    <a:satOff val="0"/>
+                    <a:lumOff val="0"/>
+                    <a:alphaOff val="0"/>
+                  </a:prstClr>
+                </a:solidFill>
+                <a:latin typeface="Times New Roman" panose="02020603050405020304" pitchFamily="18" charset="0"/>
+                <a:ea typeface="+mn-ea"/>
+                <a:cs typeface="Times New Roman" panose="02020603050405020304" pitchFamily="18" charset="0"/>
+              </a:rPr>
+              <a:t>Chức</a:t>
+            </a:r>
+            <a:r>
+              <a:rPr lang="en-US" sz="4000" kern="1200" cap="all">
+                <a:solidFill>
+                  <a:prstClr val="black">
+                    <a:hueOff val="0"/>
+                    <a:satOff val="0"/>
+                    <a:lumOff val="0"/>
+                    <a:alphaOff val="0"/>
+                  </a:prstClr>
+                </a:solidFill>
+                <a:latin typeface="Times New Roman" panose="02020603050405020304" pitchFamily="18" charset="0"/>
+                <a:ea typeface="+mn-ea"/>
+                <a:cs typeface="Times New Roman" panose="02020603050405020304" pitchFamily="18" charset="0"/>
+              </a:rPr>
+              <a:t> </a:t>
+            </a:r>
+            <a:r>
+              <a:rPr lang="en-US" sz="4000" kern="1200" cap="all" err="1">
+                <a:solidFill>
+                  <a:prstClr val="black">
+                    <a:hueOff val="0"/>
+                    <a:satOff val="0"/>
+                    <a:lumOff val="0"/>
+                    <a:alphaOff val="0"/>
+                  </a:prstClr>
+                </a:solidFill>
+                <a:latin typeface="Times New Roman" panose="02020603050405020304" pitchFamily="18" charset="0"/>
+                <a:ea typeface="+mn-ea"/>
+                <a:cs typeface="Times New Roman" panose="02020603050405020304" pitchFamily="18" charset="0"/>
+              </a:rPr>
+              <a:t>Năng</a:t>
+            </a:r>
+            <a:r>
+              <a:rPr lang="en-US" sz="4000" kern="1200" cap="all">
+                <a:solidFill>
+                  <a:prstClr val="black">
+                    <a:hueOff val="0"/>
+                    <a:satOff val="0"/>
+                    <a:lumOff val="0"/>
+                    <a:alphaOff val="0"/>
+                  </a:prstClr>
+                </a:solidFill>
+                <a:latin typeface="Times New Roman" panose="02020603050405020304" pitchFamily="18" charset="0"/>
+                <a:ea typeface="+mn-ea"/>
+                <a:cs typeface="Times New Roman" panose="02020603050405020304" pitchFamily="18" charset="0"/>
+              </a:rPr>
+              <a:t> chính (ROBOT)</a:t>
+            </a:r>
+            <a:endParaRPr lang="en-US"/>
+          </a:p>
+        </p:txBody>
+      </p:sp>
+      <p:sp>
+        <p:nvSpPr>
+          <p:cNvPr id="9" name="Rectangle 8">
+            <a:extLst>
+              <a:ext uri="{FF2B5EF4-FFF2-40B4-BE49-F238E27FC236}">
+                <a16:creationId xmlns:a16="http://schemas.microsoft.com/office/drawing/2014/main" id="{8FAC1F50-0E7C-448F-9CB2-0EC7B61B1BF6}"/>
+              </a:ext>
+            </a:extLst>
+          </p:cNvPr>
+          <p:cNvSpPr/>
+          <p:nvPr/>
+        </p:nvSpPr>
+        <p:spPr>
+          <a:xfrm rot="21412980">
+            <a:off x="7657774" y="3591491"/>
+            <a:ext cx="1234912" cy="2112926"/>
+          </a:xfrm>
+          <a:prstGeom prst="rect">
+            <a:avLst/>
+          </a:prstGeom>
+          <a:noFill/>
+          <a:ln w="73025">
+            <a:solidFill>
+              <a:srgbClr val="FFFF00"/>
+            </a:solidFill>
+          </a:ln>
+        </p:spPr>
+        <p:style>
+          <a:lnRef idx="2">
+            <a:schemeClr val="accent1">
+              <a:shade val="50000"/>
+            </a:schemeClr>
+          </a:lnRef>
+          <a:fillRef idx="1">
+            <a:schemeClr val="accent1"/>
+          </a:fillRef>
+          <a:effectRef idx="0">
+            <a:schemeClr val="accent1"/>
+          </a:effectRef>
+          <a:fontRef idx="minor">
+            <a:schemeClr val="lt1"/>
+          </a:fontRef>
+        </p:style>
+        <p:txBody>
+          <a:bodyPr rtlCol="0" anchor="ctr"/>
+          <a:lstStyle/>
+          <a:p>
+            <a:pPr algn="ctr"/>
+            <a:endParaRPr lang="en-US"/>
+          </a:p>
+        </p:txBody>
+      </p:sp>
+      <p:sp>
+        <p:nvSpPr>
+          <p:cNvPr id="11" name="Speech Bubble: Rectangle 10">
+            <a:extLst>
+              <a:ext uri="{FF2B5EF4-FFF2-40B4-BE49-F238E27FC236}">
+                <a16:creationId xmlns:a16="http://schemas.microsoft.com/office/drawing/2014/main" id="{7082DC44-23E9-4F3B-98D9-CB99FD4957D1}"/>
+              </a:ext>
+            </a:extLst>
+          </p:cNvPr>
+          <p:cNvSpPr/>
+          <p:nvPr/>
+        </p:nvSpPr>
+        <p:spPr>
+          <a:xfrm>
+            <a:off x="8949218" y="2433022"/>
+            <a:ext cx="2695951" cy="1037885"/>
+          </a:xfrm>
+          <a:prstGeom prst="wedgeRectCallout">
+            <a:avLst>
+              <a:gd name="adj1" fmla="val -51190"/>
+              <a:gd name="adj2" fmla="val 84426"/>
+            </a:avLst>
+          </a:prstGeom>
+        </p:spPr>
+        <p:style>
+          <a:lnRef idx="2">
+            <a:schemeClr val="accent1">
+              <a:shade val="50000"/>
+            </a:schemeClr>
+          </a:lnRef>
+          <a:fillRef idx="1">
+            <a:schemeClr val="accent1"/>
+          </a:fillRef>
+          <a:effectRef idx="0">
+            <a:schemeClr val="accent1"/>
+          </a:effectRef>
+          <a:fontRef idx="minor">
+            <a:schemeClr val="lt1"/>
+          </a:fontRef>
+        </p:style>
+        <p:txBody>
+          <a:bodyPr rtlCol="0" anchor="ctr"/>
+          <a:lstStyle/>
+          <a:p>
+            <a:pPr algn="ctr"/>
+            <a:r>
+              <a:rPr lang="en-US"/>
+              <a:t>Điều khiển robot về đúng vị trí, sạc sẽ tự kết nối</a:t>
+            </a:r>
+          </a:p>
+        </p:txBody>
+      </p:sp>
+    </p:spTree>
+    <p:extLst>
+      <p:ext uri="{BB962C8B-B14F-4D97-AF65-F5344CB8AC3E}">
+        <p14:creationId xmlns:p14="http://schemas.microsoft.com/office/powerpoint/2010/main" val="1236158493"/>
+      </p:ext>
+    </p:extLst>
+  </p:cSld>
+  <p:clrMapOvr>
+    <a:masterClrMapping/>
+  </p:clrMapOvr>
+</p:sld>
+</file>
+
+<file path=ppt/slides/slide15.xml><?xml version="1.0" encoding="utf-8"?>
+<p:sld xmlns:a="http://schemas.openxmlformats.org/drawingml/2006/main" xmlns:r="http://schemas.openxmlformats.org/officeDocument/2006/relationships" xmlns:p="http://schemas.openxmlformats.org/presentationml/2006/main">
+  <p:cSld>
+    <p:spTree>
+      <p:nvGrpSpPr>
+        <p:cNvPr id="1" name=""/>
+        <p:cNvGrpSpPr/>
+        <p:nvPr/>
+      </p:nvGrpSpPr>
+      <p:grpSpPr>
+        <a:xfrm>
+          <a:off x="0" y="0"/>
+          <a:ext cx="0" cy="0"/>
+          <a:chOff x="0" y="0"/>
+          <a:chExt cx="0" cy="0"/>
+        </a:xfrm>
+      </p:grpSpPr>
+      <p:sp>
+        <p:nvSpPr>
+          <p:cNvPr id="2" name="Title 1">
+            <a:extLst>
+              <a:ext uri="{FF2B5EF4-FFF2-40B4-BE49-F238E27FC236}">
+                <a16:creationId xmlns:a16="http://schemas.microsoft.com/office/drawing/2014/main" id="{2C4C0330-65A7-4C44-BDB7-0885CC314B41}"/>
+              </a:ext>
+            </a:extLst>
+          </p:cNvPr>
+          <p:cNvSpPr>
+            <a:spLocks noGrp="1"/>
+          </p:cNvSpPr>
+          <p:nvPr>
+            <p:ph type="title"/>
+          </p:nvPr>
+        </p:nvSpPr>
+        <p:spPr/>
+        <p:txBody>
+          <a:bodyPr/>
+          <a:lstStyle/>
+          <a:p>
+            <a:pPr lvl="0">
+              <a:lnSpc>
+                <a:spcPct val="100000"/>
+              </a:lnSpc>
+              <a:defRPr cap="all"/>
+            </a:pPr>
+            <a:r>
+              <a:rPr lang="en-US" sz="4000" kern="1200" cap="all" err="1">
+                <a:latin typeface="Consolas" panose="020B0609020204030204" pitchFamily="49" charset="0"/>
+                <a:cs typeface="Times New Roman" panose="02020603050405020304" pitchFamily="18" charset="0"/>
+              </a:rPr>
+              <a:t>Cấu</a:t>
+            </a:r>
+            <a:r>
+              <a:rPr lang="en-US" sz="4000" kern="1200" cap="all">
+                <a:latin typeface="Consolas" panose="020B0609020204030204" pitchFamily="49" charset="0"/>
+                <a:cs typeface="Times New Roman" panose="02020603050405020304" pitchFamily="18" charset="0"/>
+              </a:rPr>
+              <a:t> hình (</a:t>
+            </a:r>
+            <a:r>
+              <a:rPr lang="en-US" sz="4000">
+                <a:latin typeface="Consolas" panose="020B0609020204030204" pitchFamily="49" charset="0"/>
+                <a:cs typeface="Times New Roman" panose="02020603050405020304" pitchFamily="18" charset="0"/>
+              </a:rPr>
+              <a:t>Robot)</a:t>
+            </a:r>
+            <a:endParaRPr lang="en-US" sz="4000" kern="1200" cap="all">
+              <a:latin typeface="Consolas" panose="020B0609020204030204" pitchFamily="49" charset="0"/>
+              <a:cs typeface="Times New Roman" panose="02020603050405020304" pitchFamily="18" charset="0"/>
+            </a:endParaRPr>
+          </a:p>
+        </p:txBody>
+      </p:sp>
+      <p:sp>
+        <p:nvSpPr>
+          <p:cNvPr id="3" name="Content Placeholder 2">
+            <a:extLst>
+              <a:ext uri="{FF2B5EF4-FFF2-40B4-BE49-F238E27FC236}">
+                <a16:creationId xmlns:a16="http://schemas.microsoft.com/office/drawing/2014/main" id="{6BD33AFF-0007-470D-A40C-FD28176A68C2}"/>
+              </a:ext>
+            </a:extLst>
+          </p:cNvPr>
+          <p:cNvSpPr>
+            <a:spLocks noGrp="1"/>
+          </p:cNvSpPr>
+          <p:nvPr>
+            <p:ph idx="1"/>
+          </p:nvPr>
+        </p:nvSpPr>
+        <p:spPr/>
+        <p:txBody>
+          <a:bodyPr>
+            <a:normAutofit/>
+          </a:bodyPr>
+          <a:lstStyle/>
+          <a:p>
+            <a:r>
+              <a:rPr lang="en-US" sz="2400" b="1">
+                <a:latin typeface="Consolas" panose="020B0609020204030204" pitchFamily="49" charset="0"/>
+                <a:cs typeface="Times New Roman" panose="02020603050405020304" pitchFamily="18" charset="0"/>
+              </a:rPr>
+              <a:t>Robot</a:t>
+            </a:r>
+            <a:r>
+              <a:rPr lang="en-US" sz="1600" b="1">
+                <a:latin typeface="Consolas" panose="020B0609020204030204" pitchFamily="49" charset="0"/>
+                <a:cs typeface="Times New Roman" panose="02020603050405020304" pitchFamily="18" charset="0"/>
+              </a:rPr>
+              <a:t>:</a:t>
+            </a:r>
+          </a:p>
+          <a:p>
+            <a:pPr lvl="1"/>
+            <a:r>
+              <a:rPr lang="en-US" sz="2000" b="1">
+                <a:latin typeface="Consolas" panose="020B0609020204030204" pitchFamily="49" charset="0"/>
+                <a:cs typeface="Times New Roman" panose="02020603050405020304" pitchFamily="18" charset="0"/>
+              </a:rPr>
+              <a:t>Cấu hình kết nối wifi</a:t>
+            </a:r>
+          </a:p>
+          <a:p>
+            <a:pPr lvl="2"/>
+            <a:r>
+              <a:rPr lang="en-US" sz="1800">
+                <a:latin typeface="Consolas" panose="020B0609020204030204" pitchFamily="49" charset="0"/>
+                <a:cs typeface="Times New Roman" panose="02020603050405020304" pitchFamily="18" charset="0"/>
+              </a:rPr>
+              <a:t>Wifi dc setting ở 2 file bên dưới.</a:t>
+            </a:r>
+          </a:p>
+          <a:p>
+            <a:pPr lvl="2"/>
+            <a:r>
+              <a:rPr lang="en-US" sz="1800">
+                <a:latin typeface="Consolas" panose="020B0609020204030204" pitchFamily="49" charset="0"/>
+                <a:cs typeface="Times New Roman" panose="02020603050405020304" pitchFamily="18" charset="0"/>
+              </a:rPr>
+              <a:t>/restart/src/main/robot/navigation/navigation.ino</a:t>
+            </a:r>
+          </a:p>
+          <a:p>
+            <a:pPr lvl="3"/>
+            <a:r>
+              <a:rPr lang="en-US" sz="1800">
+                <a:latin typeface="Consolas" panose="020B0609020204030204" pitchFamily="49" charset="0"/>
+                <a:cs typeface="Times New Roman" panose="02020603050405020304" pitchFamily="18" charset="0"/>
+              </a:rPr>
+              <a:t>Line 64: </a:t>
+            </a:r>
+            <a:r>
+              <a:rPr lang="en-US" sz="1800">
+                <a:solidFill>
+                  <a:srgbClr val="FF0000"/>
+                </a:solidFill>
+                <a:latin typeface="Consolas" panose="020B0609020204030204" pitchFamily="49" charset="0"/>
+                <a:cs typeface="Times New Roman" panose="02020603050405020304" pitchFamily="18" charset="0"/>
+              </a:rPr>
+              <a:t>WiFiMulti.addAP("Baongoc", "baongoc@2018");</a:t>
+            </a:r>
+          </a:p>
+          <a:p>
+            <a:pPr lvl="2"/>
+            <a:r>
+              <a:rPr lang="en-US" sz="1800">
+                <a:latin typeface="Consolas" panose="020B0609020204030204" pitchFamily="49" charset="0"/>
+                <a:cs typeface="Times New Roman" panose="02020603050405020304" pitchFamily="18" charset="0"/>
+              </a:rPr>
+              <a:t>/restart/src/main/robot/esp32camwebsocket/esp32camwebsocket.ino</a:t>
+            </a:r>
+          </a:p>
+          <a:p>
+            <a:pPr lvl="3"/>
+            <a:r>
+              <a:rPr lang="en-US" sz="1800">
+                <a:latin typeface="Consolas" panose="020B0609020204030204" pitchFamily="49" charset="0"/>
+                <a:cs typeface="Times New Roman" panose="02020603050405020304" pitchFamily="18" charset="0"/>
+              </a:rPr>
+              <a:t>Line 32: </a:t>
+            </a:r>
+            <a:r>
+              <a:rPr lang="en-US" sz="1800">
+                <a:solidFill>
+                  <a:srgbClr val="FF0000"/>
+                </a:solidFill>
+                <a:latin typeface="Consolas" panose="020B0609020204030204" pitchFamily="49" charset="0"/>
+                <a:cs typeface="Times New Roman" panose="02020603050405020304" pitchFamily="18" charset="0"/>
+              </a:rPr>
+              <a:t>const char* ssid = "Baongoc";</a:t>
+            </a:r>
+          </a:p>
+          <a:p>
+            <a:pPr lvl="3"/>
+            <a:r>
+              <a:rPr lang="en-US" sz="1800">
+                <a:latin typeface="Consolas" panose="020B0609020204030204" pitchFamily="49" charset="0"/>
+                <a:cs typeface="Times New Roman" panose="02020603050405020304" pitchFamily="18" charset="0"/>
+              </a:rPr>
+              <a:t>Line 33: </a:t>
+            </a:r>
+            <a:r>
+              <a:rPr lang="en-US" sz="1800">
+                <a:solidFill>
+                  <a:srgbClr val="FF0000"/>
+                </a:solidFill>
+                <a:latin typeface="Consolas" panose="020B0609020204030204" pitchFamily="49" charset="0"/>
+                <a:cs typeface="Times New Roman" panose="02020603050405020304" pitchFamily="18" charset="0"/>
+              </a:rPr>
+              <a:t>const char* password = "baongoc@2018";</a:t>
+            </a:r>
+          </a:p>
+          <a:p>
+            <a:pPr marL="548640" lvl="2" indent="0">
+              <a:buNone/>
+            </a:pPr>
+            <a:r>
+              <a:rPr lang="en-US" sz="1800">
+                <a:latin typeface="Consolas" panose="020B0609020204030204" pitchFamily="49" charset="0"/>
+                <a:cs typeface="Times New Roman" panose="02020603050405020304" pitchFamily="18" charset="0"/>
+              </a:rPr>
+              <a:t>Sau khi chỉnh sửa SSID và Password như trên, thì tiếp hành upload code vào chip</a:t>
+            </a:r>
+            <a:endParaRPr lang="en-US" sz="1500">
+              <a:solidFill>
+                <a:srgbClr val="FF0000"/>
+              </a:solidFill>
+              <a:latin typeface="Consolas" panose="020B0609020204030204" pitchFamily="49" charset="0"/>
+              <a:cs typeface="Times New Roman" panose="02020603050405020304" pitchFamily="18" charset="0"/>
+            </a:endParaRPr>
+          </a:p>
+          <a:p>
+            <a:endParaRPr lang="en-US" sz="1800">
+              <a:solidFill>
+                <a:srgbClr val="FF0000"/>
+              </a:solidFill>
+              <a:latin typeface="Times New Roman" panose="02020603050405020304" pitchFamily="18" charset="0"/>
+              <a:cs typeface="Times New Roman" panose="02020603050405020304" pitchFamily="18" charset="0"/>
+            </a:endParaRPr>
+          </a:p>
+        </p:txBody>
+      </p:sp>
+    </p:spTree>
+    <p:extLst>
+      <p:ext uri="{BB962C8B-B14F-4D97-AF65-F5344CB8AC3E}">
+        <p14:creationId xmlns:p14="http://schemas.microsoft.com/office/powerpoint/2010/main" val="2546140693"/>
+      </p:ext>
+    </p:extLst>
+  </p:cSld>
+  <p:clrMapOvr>
+    <a:masterClrMapping/>
+  </p:clrMapOvr>
+</p:sld>
+</file>
+
+<file path=ppt/slides/slide16.xml><?xml version="1.0" encoding="utf-8"?>
+<p:sld xmlns:a="http://schemas.openxmlformats.org/drawingml/2006/main" xmlns:r="http://schemas.openxmlformats.org/officeDocument/2006/relationships" xmlns:p="http://schemas.openxmlformats.org/presentationml/2006/main">
+  <p:cSld>
+    <p:spTree>
+      <p:nvGrpSpPr>
+        <p:cNvPr id="1" name=""/>
+        <p:cNvGrpSpPr/>
+        <p:nvPr/>
+      </p:nvGrpSpPr>
+      <p:grpSpPr>
+        <a:xfrm>
+          <a:off x="0" y="0"/>
+          <a:ext cx="0" cy="0"/>
+          <a:chOff x="0" y="0"/>
+          <a:chExt cx="0" cy="0"/>
+        </a:xfrm>
+      </p:grpSpPr>
+      <p:sp>
+        <p:nvSpPr>
+          <p:cNvPr id="2" name="Title 1">
+            <a:extLst>
+              <a:ext uri="{FF2B5EF4-FFF2-40B4-BE49-F238E27FC236}">
+                <a16:creationId xmlns:a16="http://schemas.microsoft.com/office/drawing/2014/main" id="{2C4C0330-65A7-4C44-BDB7-0885CC314B41}"/>
+              </a:ext>
+            </a:extLst>
+          </p:cNvPr>
+          <p:cNvSpPr>
+            <a:spLocks noGrp="1"/>
+          </p:cNvSpPr>
+          <p:nvPr>
+            <p:ph type="title"/>
+          </p:nvPr>
+        </p:nvSpPr>
+        <p:spPr/>
+        <p:txBody>
+          <a:bodyPr/>
+          <a:lstStyle/>
+          <a:p>
+            <a:pPr lvl="0">
+              <a:lnSpc>
+                <a:spcPct val="100000"/>
+              </a:lnSpc>
+              <a:defRPr cap="all"/>
+            </a:pPr>
+            <a:r>
+              <a:rPr lang="en-US" sz="4000" kern="1200" cap="all" err="1">
+                <a:latin typeface="Consolas" panose="020B0609020204030204" pitchFamily="49" charset="0"/>
+                <a:cs typeface="Times New Roman" panose="02020603050405020304" pitchFamily="18" charset="0"/>
+              </a:rPr>
+              <a:t>Cấu</a:t>
+            </a:r>
+            <a:r>
+              <a:rPr lang="en-US" sz="4000" kern="1200" cap="all">
+                <a:latin typeface="Consolas" panose="020B0609020204030204" pitchFamily="49" charset="0"/>
+                <a:cs typeface="Times New Roman" panose="02020603050405020304" pitchFamily="18" charset="0"/>
+              </a:rPr>
+              <a:t> hình (robot)</a:t>
+            </a:r>
+          </a:p>
+        </p:txBody>
+      </p:sp>
+      <p:sp>
+        <p:nvSpPr>
+          <p:cNvPr id="3" name="Content Placeholder 2">
+            <a:extLst>
+              <a:ext uri="{FF2B5EF4-FFF2-40B4-BE49-F238E27FC236}">
+                <a16:creationId xmlns:a16="http://schemas.microsoft.com/office/drawing/2014/main" id="{6BD33AFF-0007-470D-A40C-FD28176A68C2}"/>
+              </a:ext>
+            </a:extLst>
+          </p:cNvPr>
+          <p:cNvSpPr>
+            <a:spLocks noGrp="1"/>
+          </p:cNvSpPr>
+          <p:nvPr>
+            <p:ph idx="1"/>
+          </p:nvPr>
+        </p:nvSpPr>
+        <p:spPr/>
+        <p:txBody>
+          <a:bodyPr>
+            <a:normAutofit/>
+          </a:bodyPr>
+          <a:lstStyle/>
+          <a:p>
+            <a:r>
+              <a:rPr lang="en-US" sz="2400" b="1">
+                <a:latin typeface="Consolas" panose="020B0609020204030204" pitchFamily="49" charset="0"/>
+                <a:cs typeface="Times New Roman" panose="02020603050405020304" pitchFamily="18" charset="0"/>
+              </a:rPr>
+              <a:t>Robot</a:t>
+            </a:r>
+            <a:r>
+              <a:rPr lang="en-US" sz="1600" b="1">
+                <a:latin typeface="Consolas" panose="020B0609020204030204" pitchFamily="49" charset="0"/>
+                <a:cs typeface="Times New Roman" panose="02020603050405020304" pitchFamily="18" charset="0"/>
+              </a:rPr>
+              <a:t>:</a:t>
+            </a:r>
+          </a:p>
+          <a:p>
+            <a:pPr marL="548640" lvl="2" indent="0">
+              <a:buNone/>
+            </a:pPr>
+            <a:r>
+              <a:rPr lang="en-US" sz="1800" b="1">
+                <a:latin typeface="Consolas" panose="020B0609020204030204" pitchFamily="49" charset="0"/>
+                <a:cs typeface="Times New Roman" panose="02020603050405020304" pitchFamily="18" charset="0"/>
+              </a:rPr>
+              <a:t>Khởi động:</a:t>
+            </a:r>
+          </a:p>
+          <a:p>
+            <a:pPr lvl="2"/>
+            <a:endParaRPr lang="en-US" sz="1500">
+              <a:solidFill>
+                <a:srgbClr val="FF0000"/>
+              </a:solidFill>
+              <a:latin typeface="Times New Roman" panose="02020603050405020304" pitchFamily="18" charset="0"/>
+              <a:cs typeface="Times New Roman" panose="02020603050405020304" pitchFamily="18" charset="0"/>
+            </a:endParaRPr>
+          </a:p>
+          <a:p>
+            <a:endParaRPr lang="en-US" sz="1800">
+              <a:solidFill>
+                <a:srgbClr val="FF0000"/>
+              </a:solidFill>
+              <a:latin typeface="Times New Roman" panose="02020603050405020304" pitchFamily="18" charset="0"/>
+              <a:cs typeface="Times New Roman" panose="02020603050405020304" pitchFamily="18" charset="0"/>
+            </a:endParaRPr>
+          </a:p>
+        </p:txBody>
+      </p:sp>
+      <p:pic>
+        <p:nvPicPr>
+          <p:cNvPr id="1026" name="Picture 2" descr="Không có mô tả.">
+            <a:extLst>
+              <a:ext uri="{FF2B5EF4-FFF2-40B4-BE49-F238E27FC236}">
+                <a16:creationId xmlns:a16="http://schemas.microsoft.com/office/drawing/2014/main" id="{04E6985D-B813-4DED-B01C-57F4E321E5E7}"/>
+              </a:ext>
+            </a:extLst>
+          </p:cNvPr>
+          <p:cNvPicPr>
+            <a:picLocks noChangeAspect="1" noChangeArrowheads="1"/>
+          </p:cNvPicPr>
+          <p:nvPr/>
+        </p:nvPicPr>
+        <p:blipFill rotWithShape="1">
+          <a:blip r:embed="rId2">
+            <a:extLst>
+              <a:ext uri="{28A0092B-C50C-407E-A947-70E740481C1C}">
+                <a14:useLocalDpi xmlns:a14="http://schemas.microsoft.com/office/drawing/2010/main" val="0"/>
+              </a:ext>
+            </a:extLst>
+          </a:blip>
+          <a:srcRect t="17768" b="32934"/>
+          <a:stretch/>
+        </p:blipFill>
+        <p:spPr bwMode="auto">
+          <a:xfrm>
+            <a:off x="4403518" y="2782957"/>
+            <a:ext cx="3144837" cy="3015007"/>
+          </a:xfrm>
+          <a:prstGeom prst="rect">
+            <a:avLst/>
+          </a:prstGeom>
+          <a:noFill/>
+          <a:extLst>
+            <a:ext uri="{909E8E84-426E-40DD-AFC4-6F175D3DCCD1}">
+              <a14:hiddenFill xmlns:a14="http://schemas.microsoft.com/office/drawing/2010/main">
+                <a:solidFill>
+                  <a:srgbClr val="FFFFFF"/>
+                </a:solidFill>
+              </a14:hiddenFill>
+            </a:ext>
+          </a:extLst>
+        </p:spPr>
+      </p:pic>
+      <p:sp>
+        <p:nvSpPr>
+          <p:cNvPr id="4" name="Rectangle 3">
+            <a:extLst>
+              <a:ext uri="{FF2B5EF4-FFF2-40B4-BE49-F238E27FC236}">
+                <a16:creationId xmlns:a16="http://schemas.microsoft.com/office/drawing/2014/main" id="{2A3DF6C6-863B-4C7A-838D-7121B429BC75}"/>
+              </a:ext>
+            </a:extLst>
+          </p:cNvPr>
+          <p:cNvSpPr/>
+          <p:nvPr/>
+        </p:nvSpPr>
+        <p:spPr>
+          <a:xfrm>
+            <a:off x="5421771" y="4994031"/>
+            <a:ext cx="901148" cy="426108"/>
+          </a:xfrm>
+          <a:prstGeom prst="rect">
+            <a:avLst/>
+          </a:prstGeom>
+          <a:noFill/>
+          <a:ln w="73025">
+            <a:solidFill>
+              <a:srgbClr val="FFFF00"/>
+            </a:solidFill>
+          </a:ln>
+        </p:spPr>
+        <p:style>
+          <a:lnRef idx="2">
+            <a:schemeClr val="accent1">
+              <a:shade val="50000"/>
+            </a:schemeClr>
+          </a:lnRef>
+          <a:fillRef idx="1">
+            <a:schemeClr val="accent1"/>
+          </a:fillRef>
+          <a:effectRef idx="0">
+            <a:schemeClr val="accent1"/>
+          </a:effectRef>
+          <a:fontRef idx="minor">
+            <a:schemeClr val="lt1"/>
+          </a:fontRef>
+        </p:style>
+        <p:txBody>
+          <a:bodyPr rtlCol="0" anchor="ctr"/>
+          <a:lstStyle/>
+          <a:p>
+            <a:pPr algn="ctr"/>
+            <a:endParaRPr lang="en-US"/>
+          </a:p>
+        </p:txBody>
+      </p:sp>
+      <p:sp>
+        <p:nvSpPr>
+          <p:cNvPr id="5" name="Speech Bubble: Rectangle 4">
+            <a:extLst>
+              <a:ext uri="{FF2B5EF4-FFF2-40B4-BE49-F238E27FC236}">
+                <a16:creationId xmlns:a16="http://schemas.microsoft.com/office/drawing/2014/main" id="{C0F0E1ED-3038-4D54-A786-71C4A5DF188A}"/>
+              </a:ext>
+            </a:extLst>
+          </p:cNvPr>
+          <p:cNvSpPr/>
+          <p:nvPr/>
+        </p:nvSpPr>
+        <p:spPr>
+          <a:xfrm>
+            <a:off x="6471138" y="4389119"/>
+            <a:ext cx="4515729" cy="487611"/>
+          </a:xfrm>
+          <a:prstGeom prst="wedgeRectCallout">
+            <a:avLst>
+              <a:gd name="adj1" fmla="val -51190"/>
+              <a:gd name="adj2" fmla="val 84426"/>
+            </a:avLst>
+          </a:prstGeom>
+        </p:spPr>
+        <p:style>
+          <a:lnRef idx="2">
+            <a:schemeClr val="accent1">
+              <a:shade val="50000"/>
+            </a:schemeClr>
+          </a:lnRef>
+          <a:fillRef idx="1">
+            <a:schemeClr val="accent1"/>
+          </a:fillRef>
+          <a:effectRef idx="0">
+            <a:schemeClr val="accent1"/>
+          </a:effectRef>
+          <a:fontRef idx="minor">
+            <a:schemeClr val="lt1"/>
+          </a:fontRef>
+        </p:style>
+        <p:txBody>
+          <a:bodyPr rtlCol="0" anchor="ctr"/>
+          <a:lstStyle/>
+          <a:p>
+            <a:pPr algn="ctr"/>
+            <a:r>
+              <a:rPr lang="en-US"/>
+              <a:t>Bật công tắc này là có thể khởi dộng</a:t>
+            </a:r>
+          </a:p>
+        </p:txBody>
+      </p:sp>
+    </p:spTree>
+    <p:extLst>
+      <p:ext uri="{BB962C8B-B14F-4D97-AF65-F5344CB8AC3E}">
+        <p14:creationId xmlns:p14="http://schemas.microsoft.com/office/powerpoint/2010/main" val="1317536564"/>
+      </p:ext>
+    </p:extLst>
+  </p:cSld>
+  <p:clrMapOvr>
+    <a:masterClrMapping/>
+  </p:clrMapOvr>
+</p:sld>
+</file>
+
+<file path=ppt/slides/slide17.xml><?xml version="1.0" encoding="utf-8"?>
+<p:sld xmlns:a="http://schemas.openxmlformats.org/drawingml/2006/main" xmlns:r="http://schemas.openxmlformats.org/officeDocument/2006/relationships" xmlns:p="http://schemas.openxmlformats.org/presentationml/2006/main">
+  <p:cSld>
+    <p:spTree>
+      <p:nvGrpSpPr>
+        <p:cNvPr id="1" name=""/>
+        <p:cNvGrpSpPr/>
+        <p:nvPr/>
+      </p:nvGrpSpPr>
+      <p:grpSpPr>
+        <a:xfrm>
+          <a:off x="0" y="0"/>
+          <a:ext cx="0" cy="0"/>
+          <a:chOff x="0" y="0"/>
+          <a:chExt cx="0" cy="0"/>
+        </a:xfrm>
+      </p:grpSpPr>
+      <p:sp>
+        <p:nvSpPr>
+          <p:cNvPr id="2" name="Title 1">
+            <a:extLst>
+              <a:ext uri="{FF2B5EF4-FFF2-40B4-BE49-F238E27FC236}">
+                <a16:creationId xmlns:a16="http://schemas.microsoft.com/office/drawing/2014/main" id="{2C4C0330-65A7-4C44-BDB7-0885CC314B41}"/>
+              </a:ext>
+            </a:extLst>
+          </p:cNvPr>
+          <p:cNvSpPr>
+            <a:spLocks noGrp="1"/>
+          </p:cNvSpPr>
+          <p:nvPr>
+            <p:ph type="title"/>
+          </p:nvPr>
+        </p:nvSpPr>
+        <p:spPr/>
+        <p:txBody>
+          <a:bodyPr/>
+          <a:lstStyle/>
+          <a:p>
+            <a:pPr lvl="0">
+              <a:lnSpc>
+                <a:spcPct val="100000"/>
+              </a:lnSpc>
+              <a:defRPr cap="all"/>
+            </a:pPr>
+            <a:r>
+              <a:rPr lang="en-US" sz="4000" kern="1200" cap="all" err="1">
+                <a:latin typeface="Consolas" panose="020B0609020204030204" pitchFamily="49" charset="0"/>
+                <a:cs typeface="Times New Roman" panose="02020603050405020304" pitchFamily="18" charset="0"/>
+              </a:rPr>
+              <a:t>Cấu</a:t>
+            </a:r>
+            <a:r>
+              <a:rPr lang="en-US" sz="4000" kern="1200" cap="all">
+                <a:latin typeface="Consolas" panose="020B0609020204030204" pitchFamily="49" charset="0"/>
+                <a:cs typeface="Times New Roman" panose="02020603050405020304" pitchFamily="18" charset="0"/>
+              </a:rPr>
+              <a:t> hình (Web-server)</a:t>
+            </a:r>
+          </a:p>
+        </p:txBody>
+      </p:sp>
+      <p:sp>
+        <p:nvSpPr>
+          <p:cNvPr id="3" name="Content Placeholder 2">
+            <a:extLst>
+              <a:ext uri="{FF2B5EF4-FFF2-40B4-BE49-F238E27FC236}">
+                <a16:creationId xmlns:a16="http://schemas.microsoft.com/office/drawing/2014/main" id="{6BD33AFF-0007-470D-A40C-FD28176A68C2}"/>
+              </a:ext>
+            </a:extLst>
+          </p:cNvPr>
+          <p:cNvSpPr>
+            <a:spLocks noGrp="1"/>
+          </p:cNvSpPr>
+          <p:nvPr>
+            <p:ph idx="1"/>
+          </p:nvPr>
+        </p:nvSpPr>
+        <p:spPr/>
+        <p:txBody>
+          <a:bodyPr>
+            <a:normAutofit/>
+          </a:bodyPr>
+          <a:lstStyle/>
+          <a:p>
+            <a:r>
+              <a:rPr lang="en-US" sz="2400" b="1">
+                <a:latin typeface="Consolas" panose="020B0609020204030204" pitchFamily="49" charset="0"/>
+                <a:cs typeface="Times New Roman" panose="02020603050405020304" pitchFamily="18" charset="0"/>
+              </a:rPr>
+              <a:t>Web-server</a:t>
+            </a:r>
+            <a:r>
+              <a:rPr lang="en-US" sz="1600" b="1">
+                <a:latin typeface="Consolas" panose="020B0609020204030204" pitchFamily="49" charset="0"/>
+                <a:cs typeface="Times New Roman" panose="02020603050405020304" pitchFamily="18" charset="0"/>
+              </a:rPr>
+              <a:t>:</a:t>
+            </a:r>
+          </a:p>
+          <a:p>
+            <a:pPr marL="548640" lvl="2" indent="0">
+              <a:buNone/>
+            </a:pPr>
+            <a:r>
+              <a:rPr lang="en-US" sz="1800" b="1">
+                <a:latin typeface="Consolas" panose="020B0609020204030204" pitchFamily="49" charset="0"/>
+                <a:cs typeface="Times New Roman" panose="02020603050405020304" pitchFamily="18" charset="0"/>
+              </a:rPr>
+              <a:t>Khởi động:</a:t>
+            </a:r>
+          </a:p>
+          <a:p>
+            <a:pPr marL="822960" lvl="3" indent="0">
+              <a:buNone/>
+            </a:pPr>
+            <a:r>
+              <a:rPr lang="en-US" sz="1800">
+                <a:latin typeface="Consolas" panose="020B0609020204030204" pitchFamily="49" charset="0"/>
+                <a:cs typeface="Times New Roman" panose="02020603050405020304" pitchFamily="18" charset="0"/>
+              </a:rPr>
+              <a:t>Dùng maven, export dc file </a:t>
+            </a:r>
+            <a:r>
+              <a:rPr lang="en-US" sz="1800">
+                <a:solidFill>
+                  <a:srgbClr val="FF0000"/>
+                </a:solidFill>
+                <a:latin typeface="Consolas" panose="020B0609020204030204" pitchFamily="49" charset="0"/>
+                <a:cs typeface="Times New Roman" panose="02020603050405020304" pitchFamily="18" charset="0"/>
+              </a:rPr>
+              <a:t>restart.jar</a:t>
+            </a:r>
+            <a:r>
+              <a:rPr lang="en-US" sz="1800">
+                <a:latin typeface="Consolas" panose="020B0609020204030204" pitchFamily="49" charset="0"/>
+                <a:cs typeface="Times New Roman" panose="02020603050405020304" pitchFamily="18" charset="0"/>
+              </a:rPr>
+              <a:t>.</a:t>
+            </a:r>
+          </a:p>
+          <a:p>
+            <a:pPr marL="822960" lvl="3" indent="0">
+              <a:buNone/>
+            </a:pPr>
+            <a:r>
+              <a:rPr lang="en-US" sz="1800">
+                <a:latin typeface="Consolas" panose="020B0609020204030204" pitchFamily="49" charset="0"/>
+                <a:cs typeface="Times New Roman" panose="02020603050405020304" pitchFamily="18" charset="0"/>
+              </a:rPr>
+              <a:t>Command: </a:t>
+            </a:r>
+            <a:r>
+              <a:rPr lang="en-US" sz="1800">
+                <a:solidFill>
+                  <a:srgbClr val="FF0000"/>
+                </a:solidFill>
+                <a:latin typeface="Consolas" panose="020B0609020204030204" pitchFamily="49" charset="0"/>
+                <a:cs typeface="Times New Roman" panose="02020603050405020304" pitchFamily="18" charset="0"/>
+              </a:rPr>
+              <a:t>java –jar restart.jar</a:t>
+            </a:r>
+          </a:p>
+          <a:p>
+            <a:pPr lvl="2"/>
+            <a:endParaRPr lang="en-US" sz="1500">
+              <a:solidFill>
+                <a:srgbClr val="FF0000"/>
+              </a:solidFill>
+              <a:latin typeface="Consolas" panose="020B0609020204030204" pitchFamily="49" charset="0"/>
+              <a:cs typeface="Times New Roman" panose="02020603050405020304" pitchFamily="18" charset="0"/>
+            </a:endParaRPr>
+          </a:p>
+          <a:p>
+            <a:r>
+              <a:rPr lang="en-US" sz="2400">
+                <a:latin typeface="Consolas" panose="020B0609020204030204" pitchFamily="49" charset="0"/>
+                <a:cs typeface="Times New Roman" panose="02020603050405020304" pitchFamily="18" charset="0"/>
+              </a:rPr>
+              <a:t>Socket server (server dùng để stream camera)</a:t>
+            </a:r>
+          </a:p>
+          <a:p>
+            <a:pPr lvl="1"/>
+            <a:r>
+              <a:rPr lang="en-US" sz="1800" b="1">
+                <a:latin typeface="Consolas" panose="020B0609020204030204" pitchFamily="49" charset="0"/>
+                <a:cs typeface="Times New Roman" panose="02020603050405020304" pitchFamily="18" charset="0"/>
+              </a:rPr>
+              <a:t>Khởi động:</a:t>
+            </a:r>
+          </a:p>
+          <a:p>
+            <a:pPr lvl="2"/>
+            <a:r>
+              <a:rPr lang="en-US" sz="1800">
+                <a:latin typeface="Consolas" panose="020B0609020204030204" pitchFamily="49" charset="0"/>
+                <a:cs typeface="Times New Roman" panose="02020603050405020304" pitchFamily="18" charset="0"/>
+              </a:rPr>
+              <a:t>Truy cập: </a:t>
+            </a:r>
+            <a:r>
+              <a:rPr lang="en-US" sz="1800">
+                <a:solidFill>
+                  <a:srgbClr val="FF0000"/>
+                </a:solidFill>
+                <a:latin typeface="Consolas" panose="020B0609020204030204" pitchFamily="49" charset="0"/>
+                <a:cs typeface="Times New Roman" panose="02020603050405020304" pitchFamily="18" charset="0"/>
+              </a:rPr>
+              <a:t>cd /restart/src/main/robot/nodejs_server</a:t>
+            </a:r>
+          </a:p>
+          <a:p>
+            <a:pPr lvl="2"/>
+            <a:r>
+              <a:rPr lang="en-US" sz="1800">
+                <a:latin typeface="Consolas" panose="020B0609020204030204" pitchFamily="49" charset="0"/>
+                <a:cs typeface="Times New Roman" panose="02020603050405020304" pitchFamily="18" charset="0"/>
+              </a:rPr>
+              <a:t>Install: </a:t>
+            </a:r>
+            <a:r>
+              <a:rPr lang="en-US" sz="1800">
+                <a:solidFill>
+                  <a:srgbClr val="FF0000"/>
+                </a:solidFill>
+                <a:latin typeface="Consolas" panose="020B0609020204030204" pitchFamily="49" charset="0"/>
+                <a:cs typeface="Times New Roman" panose="02020603050405020304" pitchFamily="18" charset="0"/>
+              </a:rPr>
+              <a:t>install i –s</a:t>
+            </a:r>
+          </a:p>
+          <a:p>
+            <a:pPr lvl="2"/>
+            <a:r>
+              <a:rPr lang="en-US" sz="1800">
+                <a:latin typeface="Consolas" panose="020B0609020204030204" pitchFamily="49" charset="0"/>
+                <a:cs typeface="Times New Roman" panose="02020603050405020304" pitchFamily="18" charset="0"/>
+              </a:rPr>
+              <a:t>Start: </a:t>
+            </a:r>
+            <a:r>
+              <a:rPr lang="en-US" sz="1800">
+                <a:solidFill>
+                  <a:srgbClr val="FF0000"/>
+                </a:solidFill>
+                <a:latin typeface="Consolas" panose="020B0609020204030204" pitchFamily="49" charset="0"/>
+                <a:cs typeface="Times New Roman" panose="02020603050405020304" pitchFamily="18" charset="0"/>
+              </a:rPr>
+              <a:t>node app.js</a:t>
+            </a:r>
+          </a:p>
+          <a:p>
+            <a:endParaRPr lang="en-US" sz="1800">
+              <a:solidFill>
+                <a:srgbClr val="FF0000"/>
+              </a:solidFill>
+              <a:latin typeface="Times New Roman" panose="02020603050405020304" pitchFamily="18" charset="0"/>
+              <a:cs typeface="Times New Roman" panose="02020603050405020304" pitchFamily="18" charset="0"/>
+            </a:endParaRPr>
+          </a:p>
+        </p:txBody>
+      </p:sp>
+    </p:spTree>
+    <p:extLst>
+      <p:ext uri="{BB962C8B-B14F-4D97-AF65-F5344CB8AC3E}">
+        <p14:creationId xmlns:p14="http://schemas.microsoft.com/office/powerpoint/2010/main" val="4183662046"/>
+      </p:ext>
+    </p:extLst>
+  </p:cSld>
+  <p:clrMapOvr>
+    <a:masterClrMapping/>
+  </p:clrMapOvr>
+</p:sld>
+</file>
+
+<file path=ppt/slides/slide18.xml><?xml version="1.0" encoding="utf-8"?>
+<p:sld xmlns:a="http://schemas.openxmlformats.org/drawingml/2006/main" xmlns:r="http://schemas.openxmlformats.org/officeDocument/2006/relationships" xmlns:p="http://schemas.openxmlformats.org/presentationml/2006/main">
+  <p:cSld>
+    <p:spTree>
+      <p:nvGrpSpPr>
+        <p:cNvPr id="1" name=""/>
+        <p:cNvGrpSpPr/>
+        <p:nvPr/>
+      </p:nvGrpSpPr>
+      <p:grpSpPr>
+        <a:xfrm>
+          <a:off x="0" y="0"/>
+          <a:ext cx="0" cy="0"/>
+          <a:chOff x="0" y="0"/>
+          <a:chExt cx="0" cy="0"/>
+        </a:xfrm>
+      </p:grpSpPr>
+      <p:sp>
+        <p:nvSpPr>
+          <p:cNvPr id="2" name="Title 1">
+            <a:extLst>
+              <a:ext uri="{FF2B5EF4-FFF2-40B4-BE49-F238E27FC236}">
+                <a16:creationId xmlns:a16="http://schemas.microsoft.com/office/drawing/2014/main" id="{2C4C0330-65A7-4C44-BDB7-0885CC314B41}"/>
+              </a:ext>
+            </a:extLst>
+          </p:cNvPr>
+          <p:cNvSpPr>
+            <a:spLocks noGrp="1"/>
+          </p:cNvSpPr>
+          <p:nvPr>
+            <p:ph type="title"/>
+          </p:nvPr>
+        </p:nvSpPr>
+        <p:spPr/>
+        <p:txBody>
+          <a:bodyPr/>
+          <a:lstStyle/>
+          <a:p>
+            <a:pPr lvl="0">
+              <a:lnSpc>
+                <a:spcPct val="100000"/>
+              </a:lnSpc>
+              <a:defRPr cap="all"/>
+            </a:pPr>
+            <a:r>
+              <a:rPr lang="en-US" sz="4000" kern="1200" cap="all" err="1">
+                <a:latin typeface="Consolas" panose="020B0609020204030204" pitchFamily="49" charset="0"/>
+                <a:cs typeface="Times New Roman" panose="02020603050405020304" pitchFamily="18" charset="0"/>
+              </a:rPr>
+              <a:t>Cấu</a:t>
+            </a:r>
+            <a:r>
+              <a:rPr lang="en-US" sz="4000" kern="1200" cap="all">
+                <a:latin typeface="Consolas" panose="020B0609020204030204" pitchFamily="49" charset="0"/>
+                <a:cs typeface="Times New Roman" panose="02020603050405020304" pitchFamily="18" charset="0"/>
+              </a:rPr>
+              <a:t> hình (nat port modem)</a:t>
+            </a:r>
+          </a:p>
+        </p:txBody>
+      </p:sp>
+      <p:sp>
+        <p:nvSpPr>
+          <p:cNvPr id="3" name="Content Placeholder 2">
+            <a:extLst>
+              <a:ext uri="{FF2B5EF4-FFF2-40B4-BE49-F238E27FC236}">
+                <a16:creationId xmlns:a16="http://schemas.microsoft.com/office/drawing/2014/main" id="{6BD33AFF-0007-470D-A40C-FD28176A68C2}"/>
+              </a:ext>
+            </a:extLst>
+          </p:cNvPr>
+          <p:cNvSpPr>
+            <a:spLocks noGrp="1"/>
+          </p:cNvSpPr>
+          <p:nvPr>
+            <p:ph idx="1"/>
+          </p:nvPr>
+        </p:nvSpPr>
+        <p:spPr/>
+        <p:txBody>
+          <a:bodyPr>
+            <a:normAutofit lnSpcReduction="10000"/>
+          </a:bodyPr>
+          <a:lstStyle/>
+          <a:p>
+            <a:r>
+              <a:rPr lang="en-US" sz="2400" b="1" kern="1200" cap="all">
+                <a:latin typeface="Consolas" panose="020B0609020204030204" pitchFamily="49" charset="0"/>
+                <a:cs typeface="Times New Roman" panose="02020603050405020304" pitchFamily="18" charset="0"/>
+              </a:rPr>
+              <a:t>nat port modem </a:t>
+            </a:r>
+            <a:r>
+              <a:rPr lang="en-US" sz="1600" b="1">
+                <a:latin typeface="Consolas" panose="020B0609020204030204" pitchFamily="49" charset="0"/>
+                <a:cs typeface="Times New Roman" panose="02020603050405020304" pitchFamily="18" charset="0"/>
+              </a:rPr>
+              <a:t>:</a:t>
+            </a:r>
+          </a:p>
+          <a:p>
+            <a:pPr lvl="2"/>
+            <a:r>
+              <a:rPr lang="en-US" sz="1800">
+                <a:latin typeface="Consolas" panose="020B0609020204030204" pitchFamily="49" charset="0"/>
+                <a:cs typeface="Times New Roman" panose="02020603050405020304" pitchFamily="18" charset="0"/>
+              </a:rPr>
+              <a:t>Qua bước cấu hình server xong thì có thể chay ở local, để có thể dk ở mọi nơi thì cần tiến hành NAT PORT</a:t>
+            </a:r>
+          </a:p>
+          <a:p>
+            <a:pPr marL="548640" lvl="2" indent="0">
+              <a:buNone/>
+            </a:pPr>
+            <a:r>
+              <a:rPr lang="en-US" sz="1400" i="0">
+                <a:solidFill>
+                  <a:srgbClr val="202124"/>
+                </a:solidFill>
+                <a:effectLst/>
+                <a:latin typeface="Consolas" panose="020B0609020204030204" pitchFamily="49" charset="0"/>
+              </a:rPr>
+              <a:t>Modem wifi:  Advanced Features</a:t>
+            </a:r>
+            <a:r>
+              <a:rPr lang="en-US" sz="1400" i="0">
+                <a:solidFill>
+                  <a:srgbClr val="FF0000"/>
+                </a:solidFill>
+                <a:effectLst/>
+                <a:latin typeface="Consolas" panose="020B0609020204030204" pitchFamily="49" charset="0"/>
+                <a:cs typeface="Times New Roman" panose="02020603050405020304" pitchFamily="18" charset="0"/>
+              </a:rPr>
+              <a:t> </a:t>
+            </a:r>
+            <a:r>
+              <a:rPr lang="en-US" sz="1400">
+                <a:solidFill>
+                  <a:srgbClr val="202124"/>
+                </a:solidFill>
+                <a:latin typeface="Consolas" panose="020B0609020204030204" pitchFamily="49" charset="0"/>
+              </a:rPr>
+              <a:t>&gt; NAT &gt; Virtual Servers</a:t>
+            </a:r>
+          </a:p>
+          <a:p>
+            <a:pPr marL="548640" lvl="2" indent="0">
+              <a:buNone/>
+            </a:pPr>
+            <a:r>
+              <a:rPr lang="en-US" sz="1400">
+                <a:solidFill>
+                  <a:srgbClr val="202124"/>
+                </a:solidFill>
+                <a:latin typeface="Consolas" panose="020B0609020204030204" pitchFamily="49" charset="0"/>
+              </a:rPr>
+              <a:t>Tiến hành open port 1111,3000 ra internet</a:t>
+            </a:r>
+          </a:p>
+          <a:p>
+            <a:pPr marL="548640" lvl="2" indent="0">
+              <a:buNone/>
+            </a:pPr>
+            <a:endParaRPr lang="en-US" sz="1400">
+              <a:solidFill>
+                <a:srgbClr val="202124"/>
+              </a:solidFill>
+              <a:latin typeface="Consolas" panose="020B0609020204030204" pitchFamily="49" charset="0"/>
+            </a:endParaRPr>
+          </a:p>
+          <a:p>
+            <a:pPr marL="548640" lvl="2" indent="0">
+              <a:buNone/>
+            </a:pPr>
+            <a:endParaRPr lang="en-US" sz="1400">
+              <a:solidFill>
+                <a:srgbClr val="202124"/>
+              </a:solidFill>
+              <a:latin typeface="Consolas" panose="020B0609020204030204" pitchFamily="49" charset="0"/>
+            </a:endParaRPr>
+          </a:p>
+          <a:p>
+            <a:pPr marL="548640" lvl="2" indent="0">
+              <a:buNone/>
+            </a:pPr>
+            <a:endParaRPr lang="en-US" sz="1400">
+              <a:solidFill>
+                <a:srgbClr val="202124"/>
+              </a:solidFill>
+              <a:latin typeface="Consolas" panose="020B0609020204030204" pitchFamily="49" charset="0"/>
+            </a:endParaRPr>
+          </a:p>
+          <a:p>
+            <a:pPr marL="548640" lvl="2" indent="0">
+              <a:buNone/>
+            </a:pPr>
+            <a:endParaRPr lang="en-US" sz="1400">
+              <a:solidFill>
+                <a:srgbClr val="202124"/>
+              </a:solidFill>
+              <a:latin typeface="Consolas" panose="020B0609020204030204" pitchFamily="49" charset="0"/>
+            </a:endParaRPr>
+          </a:p>
+          <a:p>
+            <a:pPr marL="548640" lvl="2" indent="0">
+              <a:buNone/>
+            </a:pPr>
+            <a:endParaRPr lang="en-US" sz="1400">
+              <a:solidFill>
+                <a:srgbClr val="202124"/>
+              </a:solidFill>
+              <a:latin typeface="Consolas" panose="020B0609020204030204" pitchFamily="49" charset="0"/>
+            </a:endParaRPr>
+          </a:p>
+          <a:p>
+            <a:pPr marL="548640" lvl="2" indent="0">
+              <a:buNone/>
+            </a:pPr>
+            <a:r>
+              <a:rPr lang="en-US" sz="1400" b="1" kern="1200" cap="all">
+                <a:latin typeface="Consolas" panose="020B0609020204030204" pitchFamily="49" charset="0"/>
+                <a:cs typeface="Times New Roman" panose="02020603050405020304" pitchFamily="18" charset="0"/>
+              </a:rPr>
+              <a:t>Set tên miền</a:t>
+            </a:r>
+            <a:r>
+              <a:rPr lang="en-US" sz="1050" b="1">
+                <a:latin typeface="Consolas" panose="020B0609020204030204" pitchFamily="49" charset="0"/>
+                <a:cs typeface="Times New Roman" panose="02020603050405020304" pitchFamily="18" charset="0"/>
+              </a:rPr>
+              <a:t>:</a:t>
+            </a:r>
+          </a:p>
+          <a:p>
+            <a:pPr marL="548640" lvl="2" indent="0">
+              <a:buNone/>
+            </a:pPr>
+            <a:r>
+              <a:rPr lang="en-US" sz="1400">
+                <a:solidFill>
+                  <a:srgbClr val="202124"/>
+                </a:solidFill>
+                <a:latin typeface="Consolas" panose="020B0609020204030204" pitchFamily="49" charset="0"/>
+              </a:rPr>
+              <a:t>Vì IP thương xuyên thay đổi nên dung [Duck DNS] để truy cập qua tên miền</a:t>
+            </a:r>
+          </a:p>
+          <a:p>
+            <a:pPr marL="548640" lvl="2" indent="0">
+              <a:buNone/>
+            </a:pPr>
+            <a:r>
+              <a:rPr lang="en-US" sz="1400">
+                <a:solidFill>
+                  <a:srgbClr val="202124"/>
+                </a:solidFill>
+                <a:latin typeface="Consolas" panose="020B0609020204030204" pitchFamily="49" charset="0"/>
+              </a:rPr>
+              <a:t>Sau khi cấu hình xong thì có thể truy cập qua: http://baongochome.duckdns.org:11111/hackathon/</a:t>
+            </a:r>
+          </a:p>
+          <a:p>
+            <a:pPr marL="548640" lvl="2" indent="0">
+              <a:buNone/>
+            </a:pPr>
+            <a:endParaRPr lang="en-US" sz="1400">
+              <a:solidFill>
+                <a:srgbClr val="202124"/>
+              </a:solidFill>
+              <a:latin typeface="Consolas" panose="020B0609020204030204" pitchFamily="49" charset="0"/>
+            </a:endParaRPr>
+          </a:p>
+          <a:p>
+            <a:pPr marL="548640" lvl="2" indent="0">
+              <a:buNone/>
+            </a:pPr>
+            <a:endParaRPr lang="en-US" sz="1400">
+              <a:solidFill>
+                <a:srgbClr val="202124"/>
+              </a:solidFill>
+              <a:latin typeface="consolas" panose="020B0609020204030204" pitchFamily="49" charset="0"/>
+            </a:endParaRPr>
+          </a:p>
+          <a:p>
+            <a:endParaRPr lang="en-US" sz="1800">
+              <a:solidFill>
+                <a:srgbClr val="FF0000"/>
+              </a:solidFill>
+              <a:latin typeface="Times New Roman" panose="02020603050405020304" pitchFamily="18" charset="0"/>
+              <a:cs typeface="Times New Roman" panose="02020603050405020304" pitchFamily="18" charset="0"/>
+            </a:endParaRPr>
+          </a:p>
+        </p:txBody>
+      </p:sp>
+      <p:pic>
+        <p:nvPicPr>
+          <p:cNvPr id="5" name="Picture 4">
+            <a:extLst>
+              <a:ext uri="{FF2B5EF4-FFF2-40B4-BE49-F238E27FC236}">
+                <a16:creationId xmlns:a16="http://schemas.microsoft.com/office/drawing/2014/main" id="{E5FA15D2-48B4-4E37-BD24-A4A6AF30C1D1}"/>
+              </a:ext>
+            </a:extLst>
+          </p:cNvPr>
+          <p:cNvPicPr>
+            <a:picLocks noChangeAspect="1"/>
+          </p:cNvPicPr>
+          <p:nvPr/>
+        </p:nvPicPr>
+        <p:blipFill>
+          <a:blip r:embed="rId2"/>
+          <a:stretch>
+            <a:fillRect/>
+          </a:stretch>
+        </p:blipFill>
+        <p:spPr>
+          <a:xfrm>
+            <a:off x="1066800" y="3732510"/>
+            <a:ext cx="10058400" cy="981212"/>
+          </a:xfrm>
+          <a:prstGeom prst="rect">
+            <a:avLst/>
+          </a:prstGeom>
+        </p:spPr>
+      </p:pic>
+      <p:pic>
+        <p:nvPicPr>
+          <p:cNvPr id="2050" name="Picture 2">
+            <a:extLst>
+              <a:ext uri="{FF2B5EF4-FFF2-40B4-BE49-F238E27FC236}">
+                <a16:creationId xmlns:a16="http://schemas.microsoft.com/office/drawing/2014/main" id="{F71DAA8E-7F73-4AF2-98CA-23E521F13673}"/>
+              </a:ext>
+            </a:extLst>
+          </p:cNvPr>
+          <p:cNvPicPr>
+            <a:picLocks noChangeAspect="1" noChangeArrowheads="1"/>
+          </p:cNvPicPr>
+          <p:nvPr/>
+        </p:nvPicPr>
+        <p:blipFill>
+          <a:blip r:embed="rId3">
+            <a:extLst>
+              <a:ext uri="{28A0092B-C50C-407E-A947-70E740481C1C}">
+                <a14:useLocalDpi xmlns:a14="http://schemas.microsoft.com/office/drawing/2010/main" val="0"/>
+              </a:ext>
+            </a:extLst>
+          </a:blip>
+          <a:srcRect/>
+          <a:stretch>
+            <a:fillRect/>
+          </a:stretch>
+        </p:blipFill>
+        <p:spPr bwMode="auto">
+          <a:xfrm>
+            <a:off x="9013506" y="5078657"/>
+            <a:ext cx="1284043" cy="337404"/>
+          </a:xfrm>
+          <a:prstGeom prst="rect">
+            <a:avLst/>
+          </a:prstGeom>
+          <a:noFill/>
+          <a:extLst>
+            <a:ext uri="{909E8E84-426E-40DD-AFC4-6F175D3DCCD1}">
+              <a14:hiddenFill xmlns:a14="http://schemas.microsoft.com/office/drawing/2010/main">
+                <a:solidFill>
+                  <a:srgbClr val="FFFFFF"/>
+                </a:solidFill>
+              </a14:hiddenFill>
+            </a:ext>
+          </a:extLst>
+        </p:spPr>
+      </p:pic>
+    </p:spTree>
+    <p:extLst>
+      <p:ext uri="{BB962C8B-B14F-4D97-AF65-F5344CB8AC3E}">
+        <p14:creationId xmlns:p14="http://schemas.microsoft.com/office/powerpoint/2010/main" val="576684223"/>
+      </p:ext>
+    </p:extLst>
+  </p:cSld>
+  <p:clrMapOvr>
+    <a:masterClrMapping/>
+  </p:clrMapOvr>
+</p:sld>
+</file>
+
+<file path=ppt/slides/slide19.xml><?xml version="1.0" encoding="utf-8"?>
+<p:sld xmlns:a="http://schemas.openxmlformats.org/drawingml/2006/main" xmlns:r="http://schemas.openxmlformats.org/officeDocument/2006/relationships" xmlns:p="http://schemas.openxmlformats.org/presentationml/2006/main">
+  <p:cSld>
+    <p:spTree>
+      <p:nvGrpSpPr>
+        <p:cNvPr id="1" name=""/>
+        <p:cNvGrpSpPr/>
+        <p:nvPr/>
+      </p:nvGrpSpPr>
+      <p:grpSpPr>
+        <a:xfrm>
+          <a:off x="0" y="0"/>
+          <a:ext cx="0" cy="0"/>
+          <a:chOff x="0" y="0"/>
+          <a:chExt cx="0" cy="0"/>
+        </a:xfrm>
+      </p:grpSpPr>
+      <p:sp>
+        <p:nvSpPr>
+          <p:cNvPr id="2" name="Title 1">
+            <a:extLst>
+              <a:ext uri="{FF2B5EF4-FFF2-40B4-BE49-F238E27FC236}">
+                <a16:creationId xmlns:a16="http://schemas.microsoft.com/office/drawing/2014/main" id="{2C4C0330-65A7-4C44-BDB7-0885CC314B41}"/>
+              </a:ext>
+            </a:extLst>
+          </p:cNvPr>
+          <p:cNvSpPr>
+            <a:spLocks noGrp="1"/>
+          </p:cNvSpPr>
+          <p:nvPr>
+            <p:ph type="title"/>
+          </p:nvPr>
+        </p:nvSpPr>
+        <p:spPr/>
+        <p:txBody>
+          <a:bodyPr/>
+          <a:lstStyle/>
+          <a:p>
+            <a:pPr lvl="0">
+              <a:lnSpc>
+                <a:spcPct val="100000"/>
+              </a:lnSpc>
+              <a:defRPr cap="all"/>
+            </a:pPr>
+            <a:r>
+              <a:rPr lang="en-US" sz="4000" kern="1200" cap="all">
+                <a:latin typeface="Consolas" panose="020B0609020204030204" pitchFamily="49" charset="0"/>
+                <a:cs typeface="Times New Roman" panose="02020603050405020304" pitchFamily="18" charset="0"/>
+              </a:rPr>
+              <a:t>DEMO</a:t>
+            </a:r>
+          </a:p>
+        </p:txBody>
+      </p:sp>
+      <p:sp>
+        <p:nvSpPr>
+          <p:cNvPr id="3" name="Content Placeholder 2">
+            <a:extLst>
+              <a:ext uri="{FF2B5EF4-FFF2-40B4-BE49-F238E27FC236}">
+                <a16:creationId xmlns:a16="http://schemas.microsoft.com/office/drawing/2014/main" id="{6BD33AFF-0007-470D-A40C-FD28176A68C2}"/>
+              </a:ext>
+            </a:extLst>
+          </p:cNvPr>
+          <p:cNvSpPr>
+            <a:spLocks noGrp="1"/>
+          </p:cNvSpPr>
+          <p:nvPr>
+            <p:ph idx="1"/>
+          </p:nvPr>
+        </p:nvSpPr>
+        <p:spPr/>
+        <p:txBody>
+          <a:bodyPr>
+            <a:normAutofit/>
+          </a:bodyPr>
+          <a:lstStyle/>
+          <a:p>
+            <a:r>
+              <a:rPr lang="en-US" sz="1600" b="1">
+                <a:latin typeface="Consolas" panose="020B0609020204030204" pitchFamily="49" charset="0"/>
+                <a:cs typeface="Times New Roman" panose="02020603050405020304" pitchFamily="18" charset="0"/>
+              </a:rPr>
+              <a:t>Watch video: </a:t>
+            </a:r>
+          </a:p>
+        </p:txBody>
+      </p:sp>
+    </p:spTree>
+    <p:extLst>
+      <p:ext uri="{BB962C8B-B14F-4D97-AF65-F5344CB8AC3E}">
+        <p14:creationId xmlns:p14="http://schemas.microsoft.com/office/powerpoint/2010/main" val="3156348952"/>
+      </p:ext>
+    </p:extLst>
+  </p:cSld>
+  <p:clrMapOvr>
+    <a:masterClrMapping/>
   </p:clrMapOvr>
 </p:sld>
 </file>
@@ -7866,27 +10527,27 @@
           <a:p>
             <a:pPr algn="ctr"/>
             <a:r>
-              <a:rPr lang="en-US" dirty="0" err="1">
+              <a:rPr lang="en-US" err="1">
                 <a:latin typeface="Times New Roman" panose="02020603050405020304" pitchFamily="18" charset="0"/>
                 <a:cs typeface="Times New Roman" panose="02020603050405020304" pitchFamily="18" charset="0"/>
               </a:rPr>
               <a:t>Mục</a:t>
             </a:r>
             <a:r>
-              <a:rPr lang="en-US" dirty="0">
+              <a:rPr lang="en-US">
                 <a:latin typeface="Times New Roman" panose="02020603050405020304" pitchFamily="18" charset="0"/>
                 <a:cs typeface="Times New Roman" panose="02020603050405020304" pitchFamily="18" charset="0"/>
               </a:rPr>
               <a:t> </a:t>
             </a:r>
             <a:r>
-              <a:rPr lang="en-US" dirty="0" err="1">
+              <a:rPr lang="en-US" err="1">
                 <a:latin typeface="Times New Roman" panose="02020603050405020304" pitchFamily="18" charset="0"/>
                 <a:cs typeface="Times New Roman" panose="02020603050405020304" pitchFamily="18" charset="0"/>
               </a:rPr>
               <a:t>lục</a:t>
             </a:r>
-            <a:endParaRPr lang="en-US" dirty="0">
+            <a:endParaRPr lang="en-US">
               <a:latin typeface="Times New Roman" panose="02020603050405020304" pitchFamily="18" charset="0"/>
               <a:cs typeface="Times New Roman" panose="02020603050405020304" pitchFamily="18" charset="0"/>
             </a:endParaRPr>
@@ -7982,69 +10643,69 @@
               <a:defRPr cap="all"/>
             </a:pPr>
             <a:r>
-              <a:rPr lang="en-US" sz="4000" dirty="0" err="1">
+              <a:rPr lang="en-US" sz="4000" err="1">
                 <a:latin typeface="Times New Roman" panose="02020603050405020304" pitchFamily="18" charset="0"/>
                 <a:cs typeface="Times New Roman" panose="02020603050405020304" pitchFamily="18" charset="0"/>
               </a:rPr>
               <a:t>Giới</a:t>
             </a:r>
             <a:r>
-              <a:rPr lang="en-US" sz="4000" dirty="0">
+              <a:rPr lang="en-US" sz="4000">
                 <a:latin typeface="Times New Roman" panose="02020603050405020304" pitchFamily="18" charset="0"/>
                 <a:cs typeface="Times New Roman" panose="02020603050405020304" pitchFamily="18" charset="0"/>
               </a:rPr>
               <a:t> </a:t>
             </a:r>
             <a:r>
-              <a:rPr lang="en-US" sz="4000" dirty="0" err="1">
+              <a:rPr lang="en-US" sz="4000" err="1">
                 <a:latin typeface="Times New Roman" panose="02020603050405020304" pitchFamily="18" charset="0"/>
                 <a:cs typeface="Times New Roman" panose="02020603050405020304" pitchFamily="18" charset="0"/>
               </a:rPr>
               <a:t>thiệu</a:t>
             </a:r>
             <a:r>
-              <a:rPr lang="en-US" sz="4000" dirty="0">
+              <a:rPr lang="en-US" sz="4000">
                 <a:latin typeface="Times New Roman" panose="02020603050405020304" pitchFamily="18" charset="0"/>
                 <a:cs typeface="Times New Roman" panose="02020603050405020304" pitchFamily="18" charset="0"/>
               </a:rPr>
               <a:t> </a:t>
             </a:r>
             <a:r>
-              <a:rPr lang="en-US" sz="4000" dirty="0" err="1">
+              <a:rPr lang="en-US" sz="4000" err="1">
                 <a:latin typeface="Times New Roman" panose="02020603050405020304" pitchFamily="18" charset="0"/>
                 <a:cs typeface="Times New Roman" panose="02020603050405020304" pitchFamily="18" charset="0"/>
               </a:rPr>
               <a:t>về</a:t>
             </a:r>
             <a:r>
-              <a:rPr lang="en-US" sz="4000" dirty="0">
+              <a:rPr lang="en-US" sz="4000">
                 <a:latin typeface="Times New Roman" panose="02020603050405020304" pitchFamily="18" charset="0"/>
                 <a:cs typeface="Times New Roman" panose="02020603050405020304" pitchFamily="18" charset="0"/>
               </a:rPr>
               <a:t> </a:t>
             </a:r>
             <a:r>
-              <a:rPr lang="en-US" sz="4000" dirty="0" err="1">
+              <a:rPr lang="en-US" sz="4000" err="1">
                 <a:latin typeface="Times New Roman" panose="02020603050405020304" pitchFamily="18" charset="0"/>
                 <a:cs typeface="Times New Roman" panose="02020603050405020304" pitchFamily="18" charset="0"/>
               </a:rPr>
               <a:t>đề</a:t>
             </a:r>
             <a:r>
-              <a:rPr lang="en-US" sz="4000" dirty="0">
+              <a:rPr lang="en-US" sz="4000">
                 <a:latin typeface="Times New Roman" panose="02020603050405020304" pitchFamily="18" charset="0"/>
                 <a:cs typeface="Times New Roman" panose="02020603050405020304" pitchFamily="18" charset="0"/>
               </a:rPr>
               <a:t> </a:t>
             </a:r>
             <a:r>
-              <a:rPr lang="en-US" sz="4000" dirty="0" err="1">
+              <a:rPr lang="en-US" sz="4000" err="1">
                 <a:latin typeface="Times New Roman" panose="02020603050405020304" pitchFamily="18" charset="0"/>
                 <a:cs typeface="Times New Roman" panose="02020603050405020304" pitchFamily="18" charset="0"/>
               </a:rPr>
               <a:t>tài</a:t>
             </a:r>
-            <a:endParaRPr lang="en-US" sz="4000" dirty="0">
+            <a:endParaRPr lang="en-US" sz="4000">
               <a:latin typeface="Times New Roman" panose="02020603050405020304" pitchFamily="18" charset="0"/>
               <a:cs typeface="Times New Roman" panose="02020603050405020304" pitchFamily="18" charset="0"/>
             </a:endParaRPr>
@@ -8075,56 +10736,56 @@
           <a:lstStyle/>
           <a:p>
             <a:r>
-              <a:rPr lang="en-US" sz="1600" b="1" dirty="0" err="1">
+              <a:rPr lang="en-US" sz="1600" b="1" err="1">
                 <a:latin typeface="Times New Roman" panose="02020603050405020304" pitchFamily="18" charset="0"/>
                 <a:cs typeface="Times New Roman" panose="02020603050405020304" pitchFamily="18" charset="0"/>
               </a:rPr>
               <a:t>Bối</a:t>
             </a:r>
             <a:r>
-              <a:rPr lang="en-US" sz="1600" b="1" dirty="0">
+              <a:rPr lang="en-US" sz="1600" b="1">
                 <a:latin typeface="Times New Roman" panose="02020603050405020304" pitchFamily="18" charset="0"/>
                 <a:cs typeface="Times New Roman" panose="02020603050405020304" pitchFamily="18" charset="0"/>
               </a:rPr>
               <a:t> </a:t>
             </a:r>
             <a:r>
-              <a:rPr lang="en-US" sz="1600" b="1" dirty="0" err="1">
+              <a:rPr lang="en-US" sz="1600" b="1" err="1">
                 <a:latin typeface="Times New Roman" panose="02020603050405020304" pitchFamily="18" charset="0"/>
                 <a:cs typeface="Times New Roman" panose="02020603050405020304" pitchFamily="18" charset="0"/>
               </a:rPr>
               <a:t>cảnh</a:t>
             </a:r>
             <a:r>
-              <a:rPr lang="en-US" sz="1600" b="1" dirty="0">
+              <a:rPr lang="en-US" sz="1600" b="1">
                 <a:latin typeface="Times New Roman" panose="02020603050405020304" pitchFamily="18" charset="0"/>
                 <a:cs typeface="Times New Roman" panose="02020603050405020304" pitchFamily="18" charset="0"/>
               </a:rPr>
               <a:t> &amp; </a:t>
             </a:r>
             <a:r>
-              <a:rPr lang="en-US" sz="1600" b="1" dirty="0" err="1">
+              <a:rPr lang="en-US" sz="1600" b="1" err="1">
                 <a:latin typeface="Times New Roman" panose="02020603050405020304" pitchFamily="18" charset="0"/>
                 <a:cs typeface="Times New Roman" panose="02020603050405020304" pitchFamily="18" charset="0"/>
               </a:rPr>
               <a:t>mục</a:t>
             </a:r>
             <a:r>
-              <a:rPr lang="en-US" sz="1600" b="1" dirty="0">
+              <a:rPr lang="en-US" sz="1600" b="1">
                 <a:latin typeface="Times New Roman" panose="02020603050405020304" pitchFamily="18" charset="0"/>
                 <a:cs typeface="Times New Roman" panose="02020603050405020304" pitchFamily="18" charset="0"/>
               </a:rPr>
               <a:t> </a:t>
             </a:r>
             <a:r>
-              <a:rPr lang="en-US" sz="1600" b="1" dirty="0" err="1">
+              <a:rPr lang="en-US" sz="1600" b="1" err="1">
                 <a:latin typeface="Times New Roman" panose="02020603050405020304" pitchFamily="18" charset="0"/>
                 <a:cs typeface="Times New Roman" panose="02020603050405020304" pitchFamily="18" charset="0"/>
               </a:rPr>
               <a:t>đích</a:t>
             </a:r>
             <a:r>
-              <a:rPr lang="en-US" sz="1600" b="1" dirty="0">
+              <a:rPr lang="en-US" sz="1600" b="1">
                 <a:latin typeface="Times New Roman" panose="02020603050405020304" pitchFamily="18" charset="0"/>
                 <a:cs typeface="Times New Roman" panose="02020603050405020304" pitchFamily="18" charset="0"/>
               </a:rPr>
@@ -8134,23 +10795,1160 @@
           <a:p>
             <a:pPr lvl="1"/>
             <a:r>
-              <a:rPr lang="en-US" sz="1600" dirty="0">
-                <a:latin typeface="Times New Roman" panose="02020603050405020304" pitchFamily="18" charset="0"/>
-                <a:cs typeface="Times New Roman" panose="02020603050405020304" pitchFamily="18" charset="0"/>
-              </a:rPr>
-              <a:t>Đ</a:t>
+              <a:rPr lang="en-US" sz="1600" err="1">
+                <a:latin typeface="Times New Roman" panose="02020603050405020304" pitchFamily="18" charset="0"/>
+                <a:cs typeface="Times New Roman" panose="02020603050405020304" pitchFamily="18" charset="0"/>
+              </a:rPr>
+              <a:t>Về</a:t>
+            </a:r>
+            <a:r>
+              <a:rPr lang="en-US" sz="1600">
+                <a:latin typeface="Times New Roman" panose="02020603050405020304" pitchFamily="18" charset="0"/>
+                <a:cs typeface="Times New Roman" panose="02020603050405020304" pitchFamily="18" charset="0"/>
+              </a:rPr>
+              <a:t> </a:t>
+            </a:r>
+            <a:r>
+              <a:rPr lang="en-US" sz="1600" err="1">
+                <a:latin typeface="Times New Roman" panose="02020603050405020304" pitchFamily="18" charset="0"/>
+                <a:cs typeface="Times New Roman" panose="02020603050405020304" pitchFamily="18" charset="0"/>
+              </a:rPr>
+              <a:t>tình</a:t>
+            </a:r>
+            <a:r>
+              <a:rPr lang="en-US" sz="1600">
+                <a:latin typeface="Times New Roman" panose="02020603050405020304" pitchFamily="18" charset="0"/>
+                <a:cs typeface="Times New Roman" panose="02020603050405020304" pitchFamily="18" charset="0"/>
+              </a:rPr>
+              <a:t> </a:t>
+            </a:r>
+            <a:r>
+              <a:rPr lang="en-US" sz="1600" err="1">
+                <a:latin typeface="Times New Roman" panose="02020603050405020304" pitchFamily="18" charset="0"/>
+                <a:cs typeface="Times New Roman" panose="02020603050405020304" pitchFamily="18" charset="0"/>
+              </a:rPr>
+              <a:t>hình</a:t>
+            </a:r>
+            <a:r>
+              <a:rPr lang="en-US" sz="1600">
+                <a:latin typeface="Times New Roman" panose="02020603050405020304" pitchFamily="18" charset="0"/>
+                <a:cs typeface="Times New Roman" panose="02020603050405020304" pitchFamily="18" charset="0"/>
+              </a:rPr>
+              <a:t> dich COVID-19 </a:t>
+            </a:r>
+            <a:r>
+              <a:rPr lang="en-US" sz="1600" err="1">
+                <a:latin typeface="Times New Roman" panose="02020603050405020304" pitchFamily="18" charset="0"/>
+                <a:cs typeface="Times New Roman" panose="02020603050405020304" pitchFamily="18" charset="0"/>
+              </a:rPr>
+              <a:t>đang</a:t>
+            </a:r>
+            <a:r>
+              <a:rPr lang="en-US" sz="1600">
+                <a:latin typeface="Times New Roman" panose="02020603050405020304" pitchFamily="18" charset="0"/>
+                <a:cs typeface="Times New Roman" panose="02020603050405020304" pitchFamily="18" charset="0"/>
+              </a:rPr>
+              <a:t> </a:t>
+            </a:r>
+            <a:r>
+              <a:rPr lang="en-US" sz="1600" err="1">
+                <a:latin typeface="Times New Roman" panose="02020603050405020304" pitchFamily="18" charset="0"/>
+                <a:cs typeface="Times New Roman" panose="02020603050405020304" pitchFamily="18" charset="0"/>
+              </a:rPr>
+              <a:t>diễn</a:t>
+            </a:r>
+            <a:r>
+              <a:rPr lang="en-US" sz="1600">
+                <a:latin typeface="Times New Roman" panose="02020603050405020304" pitchFamily="18" charset="0"/>
+                <a:cs typeface="Times New Roman" panose="02020603050405020304" pitchFamily="18" charset="0"/>
+              </a:rPr>
+              <a:t> </a:t>
+            </a:r>
+            <a:r>
+              <a:rPr lang="en-US" sz="1600" err="1">
+                <a:latin typeface="Times New Roman" panose="02020603050405020304" pitchFamily="18" charset="0"/>
+                <a:cs typeface="Times New Roman" panose="02020603050405020304" pitchFamily="18" charset="0"/>
+              </a:rPr>
+              <a:t>biến</a:t>
+            </a:r>
+            <a:r>
+              <a:rPr lang="en-US" sz="1600">
+                <a:latin typeface="Times New Roman" panose="02020603050405020304" pitchFamily="18" charset="0"/>
+                <a:cs typeface="Times New Roman" panose="02020603050405020304" pitchFamily="18" charset="0"/>
+              </a:rPr>
+              <a:t> </a:t>
+            </a:r>
+            <a:r>
+              <a:rPr lang="en-US" sz="1600" err="1">
+                <a:latin typeface="Times New Roman" panose="02020603050405020304" pitchFamily="18" charset="0"/>
+                <a:cs typeface="Times New Roman" panose="02020603050405020304" pitchFamily="18" charset="0"/>
+              </a:rPr>
+              <a:t>rất</a:t>
+            </a:r>
+            <a:r>
+              <a:rPr lang="en-US" sz="1600">
+                <a:latin typeface="Times New Roman" panose="02020603050405020304" pitchFamily="18" charset="0"/>
+                <a:cs typeface="Times New Roman" panose="02020603050405020304" pitchFamily="18" charset="0"/>
+              </a:rPr>
+              <a:t> </a:t>
+            </a:r>
+            <a:r>
+              <a:rPr lang="en-US" sz="1600" err="1">
+                <a:latin typeface="Times New Roman" panose="02020603050405020304" pitchFamily="18" charset="0"/>
+                <a:cs typeface="Times New Roman" panose="02020603050405020304" pitchFamily="18" charset="0"/>
+              </a:rPr>
+              <a:t>phức</a:t>
+            </a:r>
+            <a:r>
+              <a:rPr lang="en-US" sz="1600">
+                <a:latin typeface="Times New Roman" panose="02020603050405020304" pitchFamily="18" charset="0"/>
+                <a:cs typeface="Times New Roman" panose="02020603050405020304" pitchFamily="18" charset="0"/>
+              </a:rPr>
+              <a:t> tap. </a:t>
+            </a:r>
+            <a:r>
+              <a:rPr lang="en-US" sz="1600" err="1">
+                <a:latin typeface="Times New Roman" panose="02020603050405020304" pitchFamily="18" charset="0"/>
+                <a:cs typeface="Times New Roman" panose="02020603050405020304" pitchFamily="18" charset="0"/>
+              </a:rPr>
+              <a:t>Thành</a:t>
+            </a:r>
+            <a:r>
+              <a:rPr lang="en-US" sz="1600">
+                <a:latin typeface="Times New Roman" panose="02020603050405020304" pitchFamily="18" charset="0"/>
+                <a:cs typeface="Times New Roman" panose="02020603050405020304" pitchFamily="18" charset="0"/>
+              </a:rPr>
+              <a:t> </a:t>
+            </a:r>
+            <a:r>
+              <a:rPr lang="en-US" sz="1600" err="1">
+                <a:latin typeface="Times New Roman" panose="02020603050405020304" pitchFamily="18" charset="0"/>
+                <a:cs typeface="Times New Roman" panose="02020603050405020304" pitchFamily="18" charset="0"/>
+              </a:rPr>
+              <a:t>phố</a:t>
+            </a:r>
+            <a:r>
+              <a:rPr lang="en-US" sz="1600">
+                <a:latin typeface="Times New Roman" panose="02020603050405020304" pitchFamily="18" charset="0"/>
+                <a:cs typeface="Times New Roman" panose="02020603050405020304" pitchFamily="18" charset="0"/>
+              </a:rPr>
+              <a:t> </a:t>
+            </a:r>
+            <a:r>
+              <a:rPr lang="en-US" sz="1600" err="1">
+                <a:latin typeface="Times New Roman" panose="02020603050405020304" pitchFamily="18" charset="0"/>
+                <a:cs typeface="Times New Roman" panose="02020603050405020304" pitchFamily="18" charset="0"/>
+              </a:rPr>
+              <a:t>Đà</a:t>
+            </a:r>
+            <a:r>
+              <a:rPr lang="en-US" sz="1600">
+                <a:latin typeface="Times New Roman" panose="02020603050405020304" pitchFamily="18" charset="0"/>
+                <a:cs typeface="Times New Roman" panose="02020603050405020304" pitchFamily="18" charset="0"/>
+              </a:rPr>
+              <a:t> </a:t>
+            </a:r>
+            <a:r>
+              <a:rPr lang="en-US" sz="1600" err="1">
+                <a:latin typeface="Times New Roman" panose="02020603050405020304" pitchFamily="18" charset="0"/>
+                <a:cs typeface="Times New Roman" panose="02020603050405020304" pitchFamily="18" charset="0"/>
+              </a:rPr>
+              <a:t>Nẵng</a:t>
+            </a:r>
+            <a:r>
+              <a:rPr lang="en-US" sz="1600">
+                <a:latin typeface="Times New Roman" panose="02020603050405020304" pitchFamily="18" charset="0"/>
+                <a:cs typeface="Times New Roman" panose="02020603050405020304" pitchFamily="18" charset="0"/>
+              </a:rPr>
+              <a:t> </a:t>
+            </a:r>
+            <a:r>
+              <a:rPr lang="en-US" sz="1600" err="1">
+                <a:latin typeface="Times New Roman" panose="02020603050405020304" pitchFamily="18" charset="0"/>
+                <a:cs typeface="Times New Roman" panose="02020603050405020304" pitchFamily="18" charset="0"/>
+              </a:rPr>
+              <a:t>có</a:t>
+            </a:r>
+            <a:r>
+              <a:rPr lang="en-US" sz="1600">
+                <a:latin typeface="Times New Roman" panose="02020603050405020304" pitchFamily="18" charset="0"/>
+                <a:cs typeface="Times New Roman" panose="02020603050405020304" pitchFamily="18" charset="0"/>
+              </a:rPr>
+              <a:t> </a:t>
+            </a:r>
+            <a:r>
+              <a:rPr lang="en-US" sz="1600" err="1">
+                <a:latin typeface="Times New Roman" panose="02020603050405020304" pitchFamily="18" charset="0"/>
+                <a:cs typeface="Times New Roman" panose="02020603050405020304" pitchFamily="18" charset="0"/>
+              </a:rPr>
+              <a:t>thể</a:t>
+            </a:r>
+            <a:r>
+              <a:rPr lang="en-US" sz="1600">
+                <a:latin typeface="Times New Roman" panose="02020603050405020304" pitchFamily="18" charset="0"/>
+                <a:cs typeface="Times New Roman" panose="02020603050405020304" pitchFamily="18" charset="0"/>
+              </a:rPr>
+              <a:t> </a:t>
+            </a:r>
+            <a:r>
+              <a:rPr lang="en-US" sz="1600" err="1">
+                <a:latin typeface="Times New Roman" panose="02020603050405020304" pitchFamily="18" charset="0"/>
+                <a:cs typeface="Times New Roman" panose="02020603050405020304" pitchFamily="18" charset="0"/>
+              </a:rPr>
+              <a:t>bị</a:t>
+            </a:r>
+            <a:r>
+              <a:rPr lang="en-US" sz="1600">
+                <a:latin typeface="Times New Roman" panose="02020603050405020304" pitchFamily="18" charset="0"/>
+                <a:cs typeface="Times New Roman" panose="02020603050405020304" pitchFamily="18" charset="0"/>
+              </a:rPr>
+              <a:t> lockdown </a:t>
+            </a:r>
+            <a:r>
+              <a:rPr lang="en-US" sz="1600" err="1">
+                <a:latin typeface="Times New Roman" panose="02020603050405020304" pitchFamily="18" charset="0"/>
+                <a:cs typeface="Times New Roman" panose="02020603050405020304" pitchFamily="18" charset="0"/>
+              </a:rPr>
+              <a:t>bất</a:t>
+            </a:r>
+            <a:r>
+              <a:rPr lang="en-US" sz="1600">
+                <a:latin typeface="Times New Roman" panose="02020603050405020304" pitchFamily="18" charset="0"/>
+                <a:cs typeface="Times New Roman" panose="02020603050405020304" pitchFamily="18" charset="0"/>
+              </a:rPr>
+              <a:t> </a:t>
+            </a:r>
+            <a:r>
+              <a:rPr lang="en-US" sz="1600" err="1">
+                <a:latin typeface="Times New Roman" panose="02020603050405020304" pitchFamily="18" charset="0"/>
+                <a:cs typeface="Times New Roman" panose="02020603050405020304" pitchFamily="18" charset="0"/>
+              </a:rPr>
+              <a:t>cứ</a:t>
+            </a:r>
+            <a:r>
+              <a:rPr lang="en-US" sz="1600">
+                <a:latin typeface="Times New Roman" panose="02020603050405020304" pitchFamily="18" charset="0"/>
+                <a:cs typeface="Times New Roman" panose="02020603050405020304" pitchFamily="18" charset="0"/>
+              </a:rPr>
+              <a:t> </a:t>
+            </a:r>
+            <a:r>
+              <a:rPr lang="en-US" sz="1600" err="1">
+                <a:latin typeface="Times New Roman" panose="02020603050405020304" pitchFamily="18" charset="0"/>
+                <a:cs typeface="Times New Roman" panose="02020603050405020304" pitchFamily="18" charset="0"/>
+              </a:rPr>
+              <a:t>lúc</a:t>
+            </a:r>
+            <a:r>
+              <a:rPr lang="en-US" sz="1600">
+                <a:latin typeface="Times New Roman" panose="02020603050405020304" pitchFamily="18" charset="0"/>
+                <a:cs typeface="Times New Roman" panose="02020603050405020304" pitchFamily="18" charset="0"/>
+              </a:rPr>
+              <a:t> </a:t>
+            </a:r>
+            <a:r>
+              <a:rPr lang="en-US" sz="1600" err="1">
+                <a:latin typeface="Times New Roman" panose="02020603050405020304" pitchFamily="18" charset="0"/>
+                <a:cs typeface="Times New Roman" panose="02020603050405020304" pitchFamily="18" charset="0"/>
+              </a:rPr>
+              <a:t>nào</a:t>
+            </a:r>
+            <a:r>
+              <a:rPr lang="en-US" sz="1600">
+                <a:latin typeface="Times New Roman" panose="02020603050405020304" pitchFamily="18" charset="0"/>
+                <a:cs typeface="Times New Roman" panose="02020603050405020304" pitchFamily="18" charset="0"/>
+              </a:rPr>
+              <a:t>.</a:t>
             </a:r>
           </a:p>
           <a:p>
             <a:pPr lvl="1"/>
             <a:r>
-              <a:rPr lang="en-US" sz="1600" dirty="0" err="1">
-                <a:latin typeface="Times New Roman" panose="02020603050405020304" pitchFamily="18" charset="0"/>
-                <a:cs typeface="Times New Roman" panose="02020603050405020304" pitchFamily="18" charset="0"/>
-              </a:rPr>
-              <a:t>Sds</a:t>
-            </a:r>
-            <a:endParaRPr lang="en-US" sz="1600" dirty="0">
+              <a:rPr lang="en-US" sz="1600" err="1">
+                <a:latin typeface="Times New Roman" panose="02020603050405020304" pitchFamily="18" charset="0"/>
+                <a:cs typeface="Times New Roman" panose="02020603050405020304" pitchFamily="18" charset="0"/>
+              </a:rPr>
+              <a:t>Nếu</a:t>
+            </a:r>
+            <a:r>
+              <a:rPr lang="en-US" sz="1600">
+                <a:latin typeface="Times New Roman" panose="02020603050405020304" pitchFamily="18" charset="0"/>
+                <a:cs typeface="Times New Roman" panose="02020603050405020304" pitchFamily="18" charset="0"/>
+              </a:rPr>
+              <a:t> </a:t>
+            </a:r>
+            <a:r>
+              <a:rPr lang="en-US" sz="1600" err="1">
+                <a:latin typeface="Times New Roman" panose="02020603050405020304" pitchFamily="18" charset="0"/>
+                <a:cs typeface="Times New Roman" panose="02020603050405020304" pitchFamily="18" charset="0"/>
+              </a:rPr>
+              <a:t>bị</a:t>
+            </a:r>
+            <a:r>
+              <a:rPr lang="en-US" sz="1600">
+                <a:latin typeface="Times New Roman" panose="02020603050405020304" pitchFamily="18" charset="0"/>
+                <a:cs typeface="Times New Roman" panose="02020603050405020304" pitchFamily="18" charset="0"/>
+              </a:rPr>
+              <a:t> lockdown, </a:t>
+            </a:r>
+            <a:r>
+              <a:rPr lang="en-US" sz="1600" err="1">
+                <a:latin typeface="Times New Roman" panose="02020603050405020304" pitchFamily="18" charset="0"/>
+                <a:cs typeface="Times New Roman" panose="02020603050405020304" pitchFamily="18" charset="0"/>
+              </a:rPr>
+              <a:t>các</a:t>
+            </a:r>
+            <a:r>
+              <a:rPr lang="en-US" sz="1600">
+                <a:latin typeface="Times New Roman" panose="02020603050405020304" pitchFamily="18" charset="0"/>
+                <a:cs typeface="Times New Roman" panose="02020603050405020304" pitchFamily="18" charset="0"/>
+              </a:rPr>
+              <a:t> </a:t>
+            </a:r>
+            <a:r>
+              <a:rPr lang="en-US" sz="1600" err="1">
+                <a:latin typeface="Times New Roman" panose="02020603050405020304" pitchFamily="18" charset="0"/>
+                <a:cs typeface="Times New Roman" panose="02020603050405020304" pitchFamily="18" charset="0"/>
+              </a:rPr>
+              <a:t>công</a:t>
+            </a:r>
+            <a:r>
+              <a:rPr lang="en-US" sz="1600">
+                <a:latin typeface="Times New Roman" panose="02020603050405020304" pitchFamily="18" charset="0"/>
+                <a:cs typeface="Times New Roman" panose="02020603050405020304" pitchFamily="18" charset="0"/>
+              </a:rPr>
+              <a:t> ty </a:t>
+            </a:r>
+            <a:r>
+              <a:rPr lang="en-US" sz="1600" err="1">
+                <a:latin typeface="Times New Roman" panose="02020603050405020304" pitchFamily="18" charset="0"/>
+                <a:cs typeface="Times New Roman" panose="02020603050405020304" pitchFamily="18" charset="0"/>
+              </a:rPr>
+              <a:t>công</a:t>
+            </a:r>
+            <a:r>
+              <a:rPr lang="en-US" sz="1600">
+                <a:latin typeface="Times New Roman" panose="02020603050405020304" pitchFamily="18" charset="0"/>
+                <a:cs typeface="Times New Roman" panose="02020603050405020304" pitchFamily="18" charset="0"/>
+              </a:rPr>
+              <a:t> </a:t>
+            </a:r>
+            <a:r>
+              <a:rPr lang="en-US" sz="1600" err="1">
+                <a:latin typeface="Times New Roman" panose="02020603050405020304" pitchFamily="18" charset="0"/>
+                <a:cs typeface="Times New Roman" panose="02020603050405020304" pitchFamily="18" charset="0"/>
+              </a:rPr>
+              <a:t>nghệ</a:t>
+            </a:r>
+            <a:r>
+              <a:rPr lang="en-US" sz="1600">
+                <a:latin typeface="Times New Roman" panose="02020603050405020304" pitchFamily="18" charset="0"/>
+                <a:cs typeface="Times New Roman" panose="02020603050405020304" pitchFamily="18" charset="0"/>
+              </a:rPr>
+              <a:t> </a:t>
+            </a:r>
+            <a:r>
+              <a:rPr lang="en-US" sz="1600" err="1">
+                <a:latin typeface="Times New Roman" panose="02020603050405020304" pitchFamily="18" charset="0"/>
+                <a:cs typeface="Times New Roman" panose="02020603050405020304" pitchFamily="18" charset="0"/>
+              </a:rPr>
+              <a:t>như</a:t>
+            </a:r>
+            <a:r>
+              <a:rPr lang="en-US" sz="1600">
+                <a:latin typeface="Times New Roman" panose="02020603050405020304" pitchFamily="18" charset="0"/>
+                <a:cs typeface="Times New Roman" panose="02020603050405020304" pitchFamily="18" charset="0"/>
+              </a:rPr>
+              <a:t> FIT </a:t>
+            </a:r>
+            <a:r>
+              <a:rPr lang="en-US" sz="1600" err="1">
+                <a:latin typeface="Times New Roman" panose="02020603050405020304" pitchFamily="18" charset="0"/>
+                <a:cs typeface="Times New Roman" panose="02020603050405020304" pitchFamily="18" charset="0"/>
+              </a:rPr>
+              <a:t>chắc</a:t>
+            </a:r>
+            <a:r>
+              <a:rPr lang="en-US" sz="1600">
+                <a:latin typeface="Times New Roman" panose="02020603050405020304" pitchFamily="18" charset="0"/>
+                <a:cs typeface="Times New Roman" panose="02020603050405020304" pitchFamily="18" charset="0"/>
+              </a:rPr>
+              <a:t> </a:t>
+            </a:r>
+            <a:r>
+              <a:rPr lang="en-US" sz="1600" err="1">
+                <a:latin typeface="Times New Roman" panose="02020603050405020304" pitchFamily="18" charset="0"/>
+                <a:cs typeface="Times New Roman" panose="02020603050405020304" pitchFamily="18" charset="0"/>
+              </a:rPr>
+              <a:t>chắn</a:t>
+            </a:r>
+            <a:r>
+              <a:rPr lang="en-US" sz="1600">
+                <a:latin typeface="Times New Roman" panose="02020603050405020304" pitchFamily="18" charset="0"/>
+                <a:cs typeface="Times New Roman" panose="02020603050405020304" pitchFamily="18" charset="0"/>
+              </a:rPr>
+              <a:t> </a:t>
+            </a:r>
+            <a:r>
+              <a:rPr lang="en-US" sz="1600" err="1">
+                <a:latin typeface="Times New Roman" panose="02020603050405020304" pitchFamily="18" charset="0"/>
+                <a:cs typeface="Times New Roman" panose="02020603050405020304" pitchFamily="18" charset="0"/>
+              </a:rPr>
+              <a:t>sẽ</a:t>
+            </a:r>
+            <a:r>
+              <a:rPr lang="en-US" sz="1600">
+                <a:latin typeface="Times New Roman" panose="02020603050405020304" pitchFamily="18" charset="0"/>
+                <a:cs typeface="Times New Roman" panose="02020603050405020304" pitchFamily="18" charset="0"/>
+              </a:rPr>
+              <a:t> </a:t>
+            </a:r>
+            <a:r>
+              <a:rPr lang="en-US" sz="1600" err="1">
+                <a:latin typeface="Times New Roman" panose="02020603050405020304" pitchFamily="18" charset="0"/>
+                <a:cs typeface="Times New Roman" panose="02020603050405020304" pitchFamily="18" charset="0"/>
+              </a:rPr>
+              <a:t>phải</a:t>
+            </a:r>
+            <a:r>
+              <a:rPr lang="en-US" sz="1600">
+                <a:latin typeface="Times New Roman" panose="02020603050405020304" pitchFamily="18" charset="0"/>
+                <a:cs typeface="Times New Roman" panose="02020603050405020304" pitchFamily="18" charset="0"/>
+              </a:rPr>
+              <a:t> WFH 100%</a:t>
+            </a:r>
+          </a:p>
+          <a:p>
+            <a:pPr lvl="1"/>
+            <a:r>
+              <a:rPr lang="en-US" sz="1600" err="1">
+                <a:latin typeface="Times New Roman" panose="02020603050405020304" pitchFamily="18" charset="0"/>
+                <a:cs typeface="Times New Roman" panose="02020603050405020304" pitchFamily="18" charset="0"/>
+              </a:rPr>
+              <a:t>Việc</a:t>
+            </a:r>
+            <a:r>
+              <a:rPr lang="en-US" sz="1600">
+                <a:latin typeface="Times New Roman" panose="02020603050405020304" pitchFamily="18" charset="0"/>
+                <a:cs typeface="Times New Roman" panose="02020603050405020304" pitchFamily="18" charset="0"/>
+              </a:rPr>
+              <a:t> WFH </a:t>
+            </a:r>
+            <a:r>
+              <a:rPr lang="en-US" sz="1600" err="1">
+                <a:latin typeface="Times New Roman" panose="02020603050405020304" pitchFamily="18" charset="0"/>
+                <a:cs typeface="Times New Roman" panose="02020603050405020304" pitchFamily="18" charset="0"/>
+              </a:rPr>
+              <a:t>cũng</a:t>
+            </a:r>
+            <a:r>
+              <a:rPr lang="en-US" sz="1600">
+                <a:latin typeface="Times New Roman" panose="02020603050405020304" pitchFamily="18" charset="0"/>
+                <a:cs typeface="Times New Roman" panose="02020603050405020304" pitchFamily="18" charset="0"/>
+              </a:rPr>
+              <a:t> </a:t>
+            </a:r>
+            <a:r>
+              <a:rPr lang="en-US" sz="1600" err="1">
+                <a:latin typeface="Times New Roman" panose="02020603050405020304" pitchFamily="18" charset="0"/>
+                <a:cs typeface="Times New Roman" panose="02020603050405020304" pitchFamily="18" charset="0"/>
+              </a:rPr>
+              <a:t>sẽ</a:t>
+            </a:r>
+            <a:r>
+              <a:rPr lang="en-US" sz="1600">
+                <a:latin typeface="Times New Roman" panose="02020603050405020304" pitchFamily="18" charset="0"/>
+                <a:cs typeface="Times New Roman" panose="02020603050405020304" pitchFamily="18" charset="0"/>
+              </a:rPr>
+              <a:t> </a:t>
+            </a:r>
+            <a:r>
+              <a:rPr lang="en-US" sz="1600" err="1">
+                <a:latin typeface="Times New Roman" panose="02020603050405020304" pitchFamily="18" charset="0"/>
+                <a:cs typeface="Times New Roman" panose="02020603050405020304" pitchFamily="18" charset="0"/>
+              </a:rPr>
+              <a:t>phải</a:t>
+            </a:r>
+            <a:r>
+              <a:rPr lang="en-US" sz="1600">
+                <a:latin typeface="Times New Roman" panose="02020603050405020304" pitchFamily="18" charset="0"/>
+                <a:cs typeface="Times New Roman" panose="02020603050405020304" pitchFamily="18" charset="0"/>
+              </a:rPr>
+              <a:t> </a:t>
+            </a:r>
+            <a:r>
+              <a:rPr lang="en-US" sz="1600" err="1">
+                <a:latin typeface="Times New Roman" panose="02020603050405020304" pitchFamily="18" charset="0"/>
+                <a:cs typeface="Times New Roman" panose="02020603050405020304" pitchFamily="18" charset="0"/>
+              </a:rPr>
+              <a:t>gặp</a:t>
+            </a:r>
+            <a:r>
+              <a:rPr lang="en-US" sz="1600">
+                <a:latin typeface="Times New Roman" panose="02020603050405020304" pitchFamily="18" charset="0"/>
+                <a:cs typeface="Times New Roman" panose="02020603050405020304" pitchFamily="18" charset="0"/>
+              </a:rPr>
+              <a:t> </a:t>
+            </a:r>
+            <a:r>
+              <a:rPr lang="en-US" sz="1600" err="1">
+                <a:latin typeface="Times New Roman" panose="02020603050405020304" pitchFamily="18" charset="0"/>
+                <a:cs typeface="Times New Roman" panose="02020603050405020304" pitchFamily="18" charset="0"/>
+              </a:rPr>
+              <a:t>mội</a:t>
+            </a:r>
+            <a:r>
+              <a:rPr lang="en-US" sz="1600">
+                <a:latin typeface="Times New Roman" panose="02020603050405020304" pitchFamily="18" charset="0"/>
+                <a:cs typeface="Times New Roman" panose="02020603050405020304" pitchFamily="18" charset="0"/>
+              </a:rPr>
+              <a:t> </a:t>
+            </a:r>
+            <a:r>
+              <a:rPr lang="en-US" sz="1600" err="1">
+                <a:latin typeface="Times New Roman" panose="02020603050405020304" pitchFamily="18" charset="0"/>
+                <a:cs typeface="Times New Roman" panose="02020603050405020304" pitchFamily="18" charset="0"/>
+              </a:rPr>
+              <a:t>số</a:t>
+            </a:r>
+            <a:r>
+              <a:rPr lang="en-US" sz="1600">
+                <a:latin typeface="Times New Roman" panose="02020603050405020304" pitchFamily="18" charset="0"/>
+                <a:cs typeface="Times New Roman" panose="02020603050405020304" pitchFamily="18" charset="0"/>
+              </a:rPr>
+              <a:t> issue </a:t>
+            </a:r>
+            <a:r>
+              <a:rPr lang="en-US" sz="1600" err="1">
+                <a:latin typeface="Times New Roman" panose="02020603050405020304" pitchFamily="18" charset="0"/>
+                <a:cs typeface="Times New Roman" panose="02020603050405020304" pitchFamily="18" charset="0"/>
+              </a:rPr>
+              <a:t>như</a:t>
+            </a:r>
+            <a:r>
+              <a:rPr lang="en-US" sz="1600">
+                <a:latin typeface="Times New Roman" panose="02020603050405020304" pitchFamily="18" charset="0"/>
+                <a:cs typeface="Times New Roman" panose="02020603050405020304" pitchFamily="18" charset="0"/>
+              </a:rPr>
+              <a:t> </a:t>
+            </a:r>
+            <a:r>
+              <a:rPr lang="en-US" sz="1600" err="1">
+                <a:latin typeface="Times New Roman" panose="02020603050405020304" pitchFamily="18" charset="0"/>
+                <a:cs typeface="Times New Roman" panose="02020603050405020304" pitchFamily="18" charset="0"/>
+              </a:rPr>
+              <a:t>máy</a:t>
+            </a:r>
+            <a:r>
+              <a:rPr lang="en-US" sz="1600">
+                <a:latin typeface="Times New Roman" panose="02020603050405020304" pitchFamily="18" charset="0"/>
+                <a:cs typeface="Times New Roman" panose="02020603050405020304" pitchFamily="18" charset="0"/>
+              </a:rPr>
+              <a:t> </a:t>
+            </a:r>
+            <a:r>
+              <a:rPr lang="en-US" sz="1600" err="1">
+                <a:latin typeface="Times New Roman" panose="02020603050405020304" pitchFamily="18" charset="0"/>
+                <a:cs typeface="Times New Roman" panose="02020603050405020304" pitchFamily="18" charset="0"/>
+              </a:rPr>
+              <a:t>tình</a:t>
+            </a:r>
+            <a:r>
+              <a:rPr lang="en-US" sz="1600">
+                <a:latin typeface="Times New Roman" panose="02020603050405020304" pitchFamily="18" charset="0"/>
+                <a:cs typeface="Times New Roman" panose="02020603050405020304" pitchFamily="18" charset="0"/>
+              </a:rPr>
+              <a:t> </a:t>
+            </a:r>
+            <a:r>
+              <a:rPr lang="en-US" sz="1600" err="1">
+                <a:latin typeface="Times New Roman" panose="02020603050405020304" pitchFamily="18" charset="0"/>
+                <a:cs typeface="Times New Roman" panose="02020603050405020304" pitchFamily="18" charset="0"/>
+              </a:rPr>
+              <a:t>bị</a:t>
+            </a:r>
+            <a:r>
+              <a:rPr lang="en-US" sz="1600">
+                <a:latin typeface="Times New Roman" panose="02020603050405020304" pitchFamily="18" charset="0"/>
+                <a:cs typeface="Times New Roman" panose="02020603050405020304" pitchFamily="18" charset="0"/>
+              </a:rPr>
+              <a:t> </a:t>
+            </a:r>
+            <a:r>
+              <a:rPr lang="en-US" sz="1600" err="1">
+                <a:latin typeface="Times New Roman" panose="02020603050405020304" pitchFamily="18" charset="0"/>
+                <a:cs typeface="Times New Roman" panose="02020603050405020304" pitchFamily="18" charset="0"/>
+              </a:rPr>
+              <a:t>treo</a:t>
+            </a:r>
+            <a:r>
+              <a:rPr lang="en-US" sz="1600">
+                <a:latin typeface="Times New Roman" panose="02020603050405020304" pitchFamily="18" charset="0"/>
+                <a:cs typeface="Times New Roman" panose="02020603050405020304" pitchFamily="18" charset="0"/>
+              </a:rPr>
+              <a:t>/ UPS </a:t>
+            </a:r>
+            <a:r>
+              <a:rPr lang="en-US" sz="1600" err="1">
+                <a:latin typeface="Times New Roman" panose="02020603050405020304" pitchFamily="18" charset="0"/>
+                <a:cs typeface="Times New Roman" panose="02020603050405020304" pitchFamily="18" charset="0"/>
+              </a:rPr>
+              <a:t>bị</a:t>
+            </a:r>
+            <a:r>
+              <a:rPr lang="en-US" sz="1600">
+                <a:latin typeface="Times New Roman" panose="02020603050405020304" pitchFamily="18" charset="0"/>
+                <a:cs typeface="Times New Roman" panose="02020603050405020304" pitchFamily="18" charset="0"/>
+              </a:rPr>
+              <a:t> </a:t>
+            </a:r>
+            <a:r>
+              <a:rPr lang="en-US" sz="1600" err="1">
+                <a:latin typeface="Times New Roman" panose="02020603050405020304" pitchFamily="18" charset="0"/>
+                <a:cs typeface="Times New Roman" panose="02020603050405020304" pitchFamily="18" charset="0"/>
+              </a:rPr>
+              <a:t>tắt</a:t>
+            </a:r>
+            <a:r>
+              <a:rPr lang="en-US" sz="1600">
+                <a:latin typeface="Times New Roman" panose="02020603050405020304" pitchFamily="18" charset="0"/>
+                <a:cs typeface="Times New Roman" panose="02020603050405020304" pitchFamily="18" charset="0"/>
+              </a:rPr>
+              <a:t> </a:t>
+            </a:r>
+            <a:r>
+              <a:rPr lang="en-US" sz="1600" err="1">
+                <a:latin typeface="Times New Roman" panose="02020603050405020304" pitchFamily="18" charset="0"/>
+                <a:cs typeface="Times New Roman" panose="02020603050405020304" pitchFamily="18" charset="0"/>
+              </a:rPr>
+              <a:t>cần</a:t>
+            </a:r>
+            <a:r>
+              <a:rPr lang="en-US" sz="1600">
+                <a:latin typeface="Times New Roman" panose="02020603050405020304" pitchFamily="18" charset="0"/>
+                <a:cs typeface="Times New Roman" panose="02020603050405020304" pitchFamily="18" charset="0"/>
+              </a:rPr>
+              <a:t> </a:t>
+            </a:r>
+            <a:r>
+              <a:rPr lang="en-US" sz="1600" err="1">
+                <a:latin typeface="Times New Roman" panose="02020603050405020304" pitchFamily="18" charset="0"/>
+                <a:cs typeface="Times New Roman" panose="02020603050405020304" pitchFamily="18" charset="0"/>
+              </a:rPr>
+              <a:t>khỏi</a:t>
+            </a:r>
+            <a:r>
+              <a:rPr lang="en-US" sz="1600">
+                <a:latin typeface="Times New Roman" panose="02020603050405020304" pitchFamily="18" charset="0"/>
+                <a:cs typeface="Times New Roman" panose="02020603050405020304" pitchFamily="18" charset="0"/>
+              </a:rPr>
+              <a:t> </a:t>
+            </a:r>
+            <a:r>
+              <a:rPr lang="en-US" sz="1600" err="1">
+                <a:latin typeface="Times New Roman" panose="02020603050405020304" pitchFamily="18" charset="0"/>
+                <a:cs typeface="Times New Roman" panose="02020603050405020304" pitchFamily="18" charset="0"/>
+              </a:rPr>
+              <a:t>động</a:t>
+            </a:r>
+            <a:r>
+              <a:rPr lang="en-US" sz="1600">
+                <a:latin typeface="Times New Roman" panose="02020603050405020304" pitchFamily="18" charset="0"/>
+                <a:cs typeface="Times New Roman" panose="02020603050405020304" pitchFamily="18" charset="0"/>
+              </a:rPr>
+              <a:t> </a:t>
+            </a:r>
+            <a:r>
+              <a:rPr lang="en-US" sz="1600" err="1">
+                <a:latin typeface="Times New Roman" panose="02020603050405020304" pitchFamily="18" charset="0"/>
+                <a:cs typeface="Times New Roman" panose="02020603050405020304" pitchFamily="18" charset="0"/>
+              </a:rPr>
+              <a:t>lại</a:t>
+            </a:r>
+            <a:r>
+              <a:rPr lang="en-US" sz="1600">
+                <a:latin typeface="Times New Roman" panose="02020603050405020304" pitchFamily="18" charset="0"/>
+                <a:cs typeface="Times New Roman" panose="02020603050405020304" pitchFamily="18" charset="0"/>
+              </a:rPr>
+              <a:t>.</a:t>
+            </a:r>
+          </a:p>
+          <a:p>
+            <a:pPr lvl="1"/>
+            <a:r>
+              <a:rPr lang="en-US" sz="1600">
+                <a:latin typeface="Times New Roman" panose="02020603050405020304" pitchFamily="18" charset="0"/>
+                <a:cs typeface="Times New Roman" panose="02020603050405020304" pitchFamily="18" charset="0"/>
+              </a:rPr>
+              <a:t>Team [</a:t>
+            </a:r>
+            <a:r>
+              <a:rPr lang="en-US" sz="1600" err="1">
+                <a:latin typeface="Times New Roman" panose="02020603050405020304" pitchFamily="18" charset="0"/>
+                <a:cs typeface="Times New Roman" panose="02020603050405020304" pitchFamily="18" charset="0"/>
+              </a:rPr>
+              <a:t>Chúa</a:t>
+            </a:r>
+            <a:r>
+              <a:rPr lang="en-US" sz="1600">
+                <a:latin typeface="Times New Roman" panose="02020603050405020304" pitchFamily="18" charset="0"/>
+                <a:cs typeface="Times New Roman" panose="02020603050405020304" pitchFamily="18" charset="0"/>
+              </a:rPr>
+              <a:t> </a:t>
+            </a:r>
+            <a:r>
+              <a:rPr lang="en-US" sz="1600" err="1">
+                <a:latin typeface="Times New Roman" panose="02020603050405020304" pitchFamily="18" charset="0"/>
+                <a:cs typeface="Times New Roman" panose="02020603050405020304" pitchFamily="18" charset="0"/>
+              </a:rPr>
+              <a:t>tể</a:t>
+            </a:r>
+            <a:r>
+              <a:rPr lang="en-US" sz="1600">
+                <a:latin typeface="Times New Roman" panose="02020603050405020304" pitchFamily="18" charset="0"/>
+                <a:cs typeface="Times New Roman" panose="02020603050405020304" pitchFamily="18" charset="0"/>
+              </a:rPr>
+              <a:t> tool </a:t>
+            </a:r>
+            <a:r>
+              <a:rPr lang="en-US" sz="1600" err="1">
+                <a:latin typeface="Times New Roman" panose="02020603050405020304" pitchFamily="18" charset="0"/>
+                <a:cs typeface="Times New Roman" panose="02020603050405020304" pitchFamily="18" charset="0"/>
+              </a:rPr>
+              <a:t>lỗi</a:t>
+            </a:r>
+            <a:r>
+              <a:rPr lang="en-US" sz="1600">
+                <a:latin typeface="Times New Roman" panose="02020603050405020304" pitchFamily="18" charset="0"/>
+                <a:cs typeface="Times New Roman" panose="02020603050405020304" pitchFamily="18" charset="0"/>
+              </a:rPr>
+              <a:t>] </a:t>
+            </a:r>
+            <a:r>
+              <a:rPr lang="en-US" sz="1600" err="1">
+                <a:latin typeface="Times New Roman" panose="02020603050405020304" pitchFamily="18" charset="0"/>
+                <a:cs typeface="Times New Roman" panose="02020603050405020304" pitchFamily="18" charset="0"/>
+              </a:rPr>
+              <a:t>đã</a:t>
+            </a:r>
+            <a:r>
+              <a:rPr lang="en-US" sz="1600">
+                <a:latin typeface="Times New Roman" panose="02020603050405020304" pitchFamily="18" charset="0"/>
+                <a:cs typeface="Times New Roman" panose="02020603050405020304" pitchFamily="18" charset="0"/>
+              </a:rPr>
+              <a:t> </a:t>
+            </a:r>
+            <a:r>
+              <a:rPr lang="en-US" sz="1600" err="1">
+                <a:latin typeface="Times New Roman" panose="02020603050405020304" pitchFamily="18" charset="0"/>
+                <a:cs typeface="Times New Roman" panose="02020603050405020304" pitchFamily="18" charset="0"/>
+              </a:rPr>
+              <a:t>thực</a:t>
+            </a:r>
+            <a:r>
+              <a:rPr lang="en-US" sz="1600">
+                <a:latin typeface="Times New Roman" panose="02020603050405020304" pitchFamily="18" charset="0"/>
+                <a:cs typeface="Times New Roman" panose="02020603050405020304" pitchFamily="18" charset="0"/>
+              </a:rPr>
+              <a:t> </a:t>
+            </a:r>
+            <a:r>
+              <a:rPr lang="en-US" sz="1600" err="1">
+                <a:latin typeface="Times New Roman" panose="02020603050405020304" pitchFamily="18" charset="0"/>
+                <a:cs typeface="Times New Roman" panose="02020603050405020304" pitchFamily="18" charset="0"/>
+              </a:rPr>
+              <a:t>hiện</a:t>
+            </a:r>
+            <a:r>
+              <a:rPr lang="en-US" sz="1600">
+                <a:latin typeface="Times New Roman" panose="02020603050405020304" pitchFamily="18" charset="0"/>
+                <a:cs typeface="Times New Roman" panose="02020603050405020304" pitchFamily="18" charset="0"/>
+              </a:rPr>
+              <a:t> 1 ý </a:t>
+            </a:r>
+            <a:r>
+              <a:rPr lang="en-US" sz="1600" err="1">
+                <a:latin typeface="Times New Roman" panose="02020603050405020304" pitchFamily="18" charset="0"/>
+                <a:cs typeface="Times New Roman" panose="02020603050405020304" pitchFamily="18" charset="0"/>
+              </a:rPr>
+              <a:t>tưởng</a:t>
+            </a:r>
+            <a:r>
+              <a:rPr lang="en-US" sz="1600">
+                <a:latin typeface="Times New Roman" panose="02020603050405020304" pitchFamily="18" charset="0"/>
+                <a:cs typeface="Times New Roman" panose="02020603050405020304" pitchFamily="18" charset="0"/>
+              </a:rPr>
+              <a:t> </a:t>
+            </a:r>
+            <a:r>
+              <a:rPr lang="en-US" sz="1600" err="1">
+                <a:latin typeface="Times New Roman" panose="02020603050405020304" pitchFamily="18" charset="0"/>
+                <a:cs typeface="Times New Roman" panose="02020603050405020304" pitchFamily="18" charset="0"/>
+              </a:rPr>
+              <a:t>để</a:t>
+            </a:r>
+            <a:r>
+              <a:rPr lang="en-US" sz="1600">
+                <a:latin typeface="Times New Roman" panose="02020603050405020304" pitchFamily="18" charset="0"/>
+                <a:cs typeface="Times New Roman" panose="02020603050405020304" pitchFamily="18" charset="0"/>
+              </a:rPr>
+              <a:t> </a:t>
+            </a:r>
+            <a:r>
+              <a:rPr lang="en-US" sz="1600" err="1">
+                <a:latin typeface="Times New Roman" panose="02020603050405020304" pitchFamily="18" charset="0"/>
+                <a:cs typeface="Times New Roman" panose="02020603050405020304" pitchFamily="18" charset="0"/>
+              </a:rPr>
+              <a:t>có</a:t>
+            </a:r>
+            <a:r>
+              <a:rPr lang="en-US" sz="1600">
+                <a:latin typeface="Times New Roman" panose="02020603050405020304" pitchFamily="18" charset="0"/>
+                <a:cs typeface="Times New Roman" panose="02020603050405020304" pitchFamily="18" charset="0"/>
+              </a:rPr>
+              <a:t> </a:t>
+            </a:r>
+            <a:r>
+              <a:rPr lang="en-US" sz="1600" err="1">
+                <a:latin typeface="Times New Roman" panose="02020603050405020304" pitchFamily="18" charset="0"/>
+                <a:cs typeface="Times New Roman" panose="02020603050405020304" pitchFamily="18" charset="0"/>
+              </a:rPr>
+              <a:t>thể</a:t>
+            </a:r>
+            <a:r>
+              <a:rPr lang="en-US" sz="1600">
+                <a:latin typeface="Times New Roman" panose="02020603050405020304" pitchFamily="18" charset="0"/>
+                <a:cs typeface="Times New Roman" panose="02020603050405020304" pitchFamily="18" charset="0"/>
+              </a:rPr>
+              <a:t> </a:t>
+            </a:r>
+            <a:r>
+              <a:rPr lang="en-US" sz="1600" err="1">
+                <a:latin typeface="Times New Roman" panose="02020603050405020304" pitchFamily="18" charset="0"/>
+                <a:cs typeface="Times New Roman" panose="02020603050405020304" pitchFamily="18" charset="0"/>
+              </a:rPr>
+              <a:t>giải</a:t>
+            </a:r>
+            <a:r>
+              <a:rPr lang="en-US" sz="1600">
+                <a:latin typeface="Times New Roman" panose="02020603050405020304" pitchFamily="18" charset="0"/>
+                <a:cs typeface="Times New Roman" panose="02020603050405020304" pitchFamily="18" charset="0"/>
+              </a:rPr>
+              <a:t> </a:t>
+            </a:r>
+            <a:r>
+              <a:rPr lang="en-US" sz="1600" err="1">
+                <a:latin typeface="Times New Roman" panose="02020603050405020304" pitchFamily="18" charset="0"/>
+                <a:cs typeface="Times New Roman" panose="02020603050405020304" pitchFamily="18" charset="0"/>
+              </a:rPr>
+              <a:t>quyết</a:t>
+            </a:r>
+            <a:r>
+              <a:rPr lang="en-US" sz="1600">
+                <a:latin typeface="Times New Roman" panose="02020603050405020304" pitchFamily="18" charset="0"/>
+                <a:cs typeface="Times New Roman" panose="02020603050405020304" pitchFamily="18" charset="0"/>
+              </a:rPr>
+              <a:t> </a:t>
+            </a:r>
+            <a:r>
+              <a:rPr lang="en-US" sz="1600" err="1">
+                <a:latin typeface="Times New Roman" panose="02020603050405020304" pitchFamily="18" charset="0"/>
+                <a:cs typeface="Times New Roman" panose="02020603050405020304" pitchFamily="18" charset="0"/>
+              </a:rPr>
+              <a:t>các</a:t>
+            </a:r>
+            <a:r>
+              <a:rPr lang="en-US" sz="1600">
+                <a:latin typeface="Times New Roman" panose="02020603050405020304" pitchFamily="18" charset="0"/>
+                <a:cs typeface="Times New Roman" panose="02020603050405020304" pitchFamily="18" charset="0"/>
+              </a:rPr>
+              <a:t> </a:t>
+            </a:r>
+            <a:r>
+              <a:rPr lang="en-US" sz="1600" err="1">
+                <a:latin typeface="Times New Roman" panose="02020603050405020304" pitchFamily="18" charset="0"/>
+                <a:cs typeface="Times New Roman" panose="02020603050405020304" pitchFamily="18" charset="0"/>
+              </a:rPr>
+              <a:t>vấn</a:t>
+            </a:r>
+            <a:r>
+              <a:rPr lang="en-US" sz="1600">
+                <a:latin typeface="Times New Roman" panose="02020603050405020304" pitchFamily="18" charset="0"/>
+                <a:cs typeface="Times New Roman" panose="02020603050405020304" pitchFamily="18" charset="0"/>
+              </a:rPr>
+              <a:t> </a:t>
+            </a:r>
+            <a:r>
+              <a:rPr lang="en-US" sz="1600" err="1">
+                <a:latin typeface="Times New Roman" panose="02020603050405020304" pitchFamily="18" charset="0"/>
+                <a:cs typeface="Times New Roman" panose="02020603050405020304" pitchFamily="18" charset="0"/>
+              </a:rPr>
+              <a:t>đề</a:t>
+            </a:r>
+            <a:r>
+              <a:rPr lang="en-US" sz="1600">
+                <a:latin typeface="Times New Roman" panose="02020603050405020304" pitchFamily="18" charset="0"/>
+                <a:cs typeface="Times New Roman" panose="02020603050405020304" pitchFamily="18" charset="0"/>
+              </a:rPr>
+              <a:t> </a:t>
+            </a:r>
+            <a:r>
+              <a:rPr lang="en-US" sz="1600" err="1">
+                <a:latin typeface="Times New Roman" panose="02020603050405020304" pitchFamily="18" charset="0"/>
+                <a:cs typeface="Times New Roman" panose="02020603050405020304" pitchFamily="18" charset="0"/>
+              </a:rPr>
+              <a:t>trên</a:t>
+            </a:r>
+            <a:r>
+              <a:rPr lang="en-US" sz="1600">
+                <a:latin typeface="Times New Roman" panose="02020603050405020304" pitchFamily="18" charset="0"/>
+                <a:cs typeface="Times New Roman" panose="02020603050405020304" pitchFamily="18" charset="0"/>
+              </a:rPr>
+              <a:t>.</a:t>
+            </a:r>
+          </a:p>
+          <a:p>
+            <a:pPr lvl="1"/>
+            <a:r>
+              <a:rPr lang="en-US" sz="1600" err="1">
+                <a:latin typeface="Times New Roman" panose="02020603050405020304" pitchFamily="18" charset="0"/>
+                <a:cs typeface="Times New Roman" panose="02020603050405020304" pitchFamily="18" charset="0"/>
+              </a:rPr>
+              <a:t>Tạo</a:t>
+            </a:r>
+            <a:r>
+              <a:rPr lang="en-US" sz="1600">
+                <a:latin typeface="Times New Roman" panose="02020603050405020304" pitchFamily="18" charset="0"/>
+                <a:cs typeface="Times New Roman" panose="02020603050405020304" pitchFamily="18" charset="0"/>
+              </a:rPr>
+              <a:t> ra 1 con robot </a:t>
+            </a:r>
+            <a:r>
+              <a:rPr lang="en-US" sz="1600" err="1">
+                <a:latin typeface="Times New Roman" panose="02020603050405020304" pitchFamily="18" charset="0"/>
+                <a:cs typeface="Times New Roman" panose="02020603050405020304" pitchFamily="18" charset="0"/>
+              </a:rPr>
+              <a:t>đi</a:t>
+            </a:r>
+            <a:r>
+              <a:rPr lang="en-US" sz="1600">
+                <a:latin typeface="Times New Roman" panose="02020603050405020304" pitchFamily="18" charset="0"/>
+                <a:cs typeface="Times New Roman" panose="02020603050405020304" pitchFamily="18" charset="0"/>
+              </a:rPr>
+              <a:t> ấn button restart </a:t>
+            </a:r>
+            <a:r>
+              <a:rPr lang="en-US" sz="1600" err="1">
+                <a:latin typeface="Times New Roman" panose="02020603050405020304" pitchFamily="18" charset="0"/>
+                <a:cs typeface="Times New Roman" panose="02020603050405020304" pitchFamily="18" charset="0"/>
+              </a:rPr>
+              <a:t>và</a:t>
+            </a:r>
+            <a:r>
+              <a:rPr lang="en-US" sz="1600">
+                <a:latin typeface="Times New Roman" panose="02020603050405020304" pitchFamily="18" charset="0"/>
+                <a:cs typeface="Times New Roman" panose="02020603050405020304" pitchFamily="18" charset="0"/>
+              </a:rPr>
+              <a:t> 1 website </a:t>
+            </a:r>
+            <a:r>
+              <a:rPr lang="en-US" sz="1600" err="1">
+                <a:latin typeface="Times New Roman" panose="02020603050405020304" pitchFamily="18" charset="0"/>
+                <a:cs typeface="Times New Roman" panose="02020603050405020304" pitchFamily="18" charset="0"/>
+              </a:rPr>
+              <a:t>có</a:t>
+            </a:r>
+            <a:r>
+              <a:rPr lang="en-US" sz="1600">
+                <a:latin typeface="Times New Roman" panose="02020603050405020304" pitchFamily="18" charset="0"/>
+                <a:cs typeface="Times New Roman" panose="02020603050405020304" pitchFamily="18" charset="0"/>
+              </a:rPr>
+              <a:t> </a:t>
+            </a:r>
+            <a:r>
+              <a:rPr lang="en-US" sz="1600" err="1">
+                <a:latin typeface="Times New Roman" panose="02020603050405020304" pitchFamily="18" charset="0"/>
+                <a:cs typeface="Times New Roman" panose="02020603050405020304" pitchFamily="18" charset="0"/>
+              </a:rPr>
+              <a:t>thế</a:t>
+            </a:r>
+            <a:r>
+              <a:rPr lang="en-US" sz="1600">
+                <a:latin typeface="Times New Roman" panose="02020603050405020304" pitchFamily="18" charset="0"/>
+                <a:cs typeface="Times New Roman" panose="02020603050405020304" pitchFamily="18" charset="0"/>
+              </a:rPr>
+              <a:t> </a:t>
+            </a:r>
+            <a:r>
+              <a:rPr lang="en-US" sz="1600" err="1">
+                <a:latin typeface="Times New Roman" panose="02020603050405020304" pitchFamily="18" charset="0"/>
+                <a:cs typeface="Times New Roman" panose="02020603050405020304" pitchFamily="18" charset="0"/>
+              </a:rPr>
+              <a:t>quản</a:t>
+            </a:r>
+            <a:r>
+              <a:rPr lang="en-US" sz="1600">
+                <a:latin typeface="Times New Roman" panose="02020603050405020304" pitchFamily="18" charset="0"/>
+                <a:cs typeface="Times New Roman" panose="02020603050405020304" pitchFamily="18" charset="0"/>
+              </a:rPr>
+              <a:t> </a:t>
+            </a:r>
+            <a:r>
+              <a:rPr lang="en-US" sz="1600" err="1">
+                <a:latin typeface="Times New Roman" panose="02020603050405020304" pitchFamily="18" charset="0"/>
+                <a:cs typeface="Times New Roman" panose="02020603050405020304" pitchFamily="18" charset="0"/>
+              </a:rPr>
+              <a:t>lý</a:t>
+            </a:r>
+            <a:r>
+              <a:rPr lang="en-US" sz="1600">
+                <a:latin typeface="Times New Roman" panose="02020603050405020304" pitchFamily="18" charset="0"/>
+                <a:cs typeface="Times New Roman" panose="02020603050405020304" pitchFamily="18" charset="0"/>
+              </a:rPr>
+              <a:t> </a:t>
+            </a:r>
+            <a:r>
+              <a:rPr lang="en-US" sz="1600" err="1">
+                <a:latin typeface="Times New Roman" panose="02020603050405020304" pitchFamily="18" charset="0"/>
+                <a:cs typeface="Times New Roman" panose="02020603050405020304" pitchFamily="18" charset="0"/>
+              </a:rPr>
+              <a:t>việc</a:t>
+            </a:r>
+            <a:r>
+              <a:rPr lang="en-US" sz="1600">
+                <a:latin typeface="Times New Roman" panose="02020603050405020304" pitchFamily="18" charset="0"/>
+                <a:cs typeface="Times New Roman" panose="02020603050405020304" pitchFamily="18" charset="0"/>
+              </a:rPr>
+              <a:t> </a:t>
+            </a:r>
+            <a:r>
+              <a:rPr lang="en-US" sz="1600" err="1">
+                <a:latin typeface="Times New Roman" panose="02020603050405020304" pitchFamily="18" charset="0"/>
+                <a:cs typeface="Times New Roman" panose="02020603050405020304" pitchFamily="18" charset="0"/>
+              </a:rPr>
+              <a:t>điều</a:t>
+            </a:r>
+            <a:r>
+              <a:rPr lang="en-US" sz="1600">
+                <a:latin typeface="Times New Roman" panose="02020603050405020304" pitchFamily="18" charset="0"/>
+                <a:cs typeface="Times New Roman" panose="02020603050405020304" pitchFamily="18" charset="0"/>
+              </a:rPr>
+              <a:t> </a:t>
+            </a:r>
+            <a:r>
+              <a:rPr lang="en-US" sz="1600" err="1">
+                <a:latin typeface="Times New Roman" panose="02020603050405020304" pitchFamily="18" charset="0"/>
+                <a:cs typeface="Times New Roman" panose="02020603050405020304" pitchFamily="18" charset="0"/>
+              </a:rPr>
+              <a:t>khiển</a:t>
+            </a:r>
+            <a:r>
+              <a:rPr lang="en-US" sz="1600">
+                <a:latin typeface="Times New Roman" panose="02020603050405020304" pitchFamily="18" charset="0"/>
+                <a:cs typeface="Times New Roman" panose="02020603050405020304" pitchFamily="18" charset="0"/>
+              </a:rPr>
+              <a:t> robot </a:t>
+            </a:r>
+            <a:r>
+              <a:rPr lang="en-US" sz="1600" err="1">
+                <a:latin typeface="Times New Roman" panose="02020603050405020304" pitchFamily="18" charset="0"/>
+                <a:cs typeface="Times New Roman" panose="02020603050405020304" pitchFamily="18" charset="0"/>
+              </a:rPr>
+              <a:t>dễ</a:t>
+            </a:r>
+            <a:r>
+              <a:rPr lang="en-US" sz="1600">
+                <a:latin typeface="Times New Roman" panose="02020603050405020304" pitchFamily="18" charset="0"/>
+                <a:cs typeface="Times New Roman" panose="02020603050405020304" pitchFamily="18" charset="0"/>
+              </a:rPr>
+              <a:t> </a:t>
+            </a:r>
+            <a:r>
+              <a:rPr lang="en-US" sz="1600" err="1">
+                <a:latin typeface="Times New Roman" panose="02020603050405020304" pitchFamily="18" charset="0"/>
+                <a:cs typeface="Times New Roman" panose="02020603050405020304" pitchFamily="18" charset="0"/>
+              </a:rPr>
+              <a:t>dàng</a:t>
+            </a:r>
+            <a:r>
+              <a:rPr lang="en-US" sz="1600">
+                <a:latin typeface="Times New Roman" panose="02020603050405020304" pitchFamily="18" charset="0"/>
+                <a:cs typeface="Times New Roman" panose="02020603050405020304" pitchFamily="18" charset="0"/>
+              </a:rPr>
+              <a:t>.</a:t>
+            </a:r>
+          </a:p>
+          <a:p>
+            <a:r>
+              <a:rPr lang="en-US" sz="1600" b="1" err="1">
+                <a:latin typeface="Times New Roman" panose="02020603050405020304" pitchFamily="18" charset="0"/>
+                <a:cs typeface="Times New Roman" panose="02020603050405020304" pitchFamily="18" charset="0"/>
+              </a:rPr>
+              <a:t>Thành</a:t>
+            </a:r>
+            <a:r>
+              <a:rPr lang="en-US" sz="1600" b="1">
+                <a:latin typeface="Times New Roman" panose="02020603050405020304" pitchFamily="18" charset="0"/>
+                <a:cs typeface="Times New Roman" panose="02020603050405020304" pitchFamily="18" charset="0"/>
+              </a:rPr>
+              <a:t> </a:t>
+            </a:r>
+            <a:r>
+              <a:rPr lang="en-US" sz="1600" b="1" err="1">
+                <a:latin typeface="Times New Roman" panose="02020603050405020304" pitchFamily="18" charset="0"/>
+                <a:cs typeface="Times New Roman" panose="02020603050405020304" pitchFamily="18" charset="0"/>
+              </a:rPr>
+              <a:t>viên</a:t>
+            </a:r>
+            <a:r>
+              <a:rPr lang="en-US" sz="1600" b="1">
+                <a:latin typeface="Times New Roman" panose="02020603050405020304" pitchFamily="18" charset="0"/>
+                <a:cs typeface="Times New Roman" panose="02020603050405020304" pitchFamily="18" charset="0"/>
+              </a:rPr>
+              <a:t>:</a:t>
+            </a:r>
+          </a:p>
+          <a:p>
+            <a:pPr lvl="1"/>
+            <a:r>
+              <a:rPr lang="en-US" sz="1600">
+                <a:latin typeface="Times New Roman" panose="02020603050405020304" pitchFamily="18" charset="0"/>
+                <a:cs typeface="Times New Roman" panose="02020603050405020304" pitchFamily="18" charset="0"/>
+              </a:rPr>
+              <a:t>Nguyễn Văn Cường</a:t>
+            </a:r>
+          </a:p>
+          <a:p>
+            <a:pPr lvl="1"/>
+            <a:r>
+              <a:rPr lang="en-US" sz="1600">
+                <a:latin typeface="Times New Roman" panose="02020603050405020304" pitchFamily="18" charset="0"/>
+                <a:cs typeface="Times New Roman" panose="02020603050405020304" pitchFamily="18" charset="0"/>
+              </a:rPr>
+              <a:t>Lê </a:t>
+            </a:r>
+            <a:r>
+              <a:rPr lang="en-US" sz="1600" err="1">
+                <a:latin typeface="Times New Roman" panose="02020603050405020304" pitchFamily="18" charset="0"/>
+                <a:cs typeface="Times New Roman" panose="02020603050405020304" pitchFamily="18" charset="0"/>
+              </a:rPr>
+              <a:t>Đình</a:t>
+            </a:r>
+            <a:r>
+              <a:rPr lang="en-US" sz="1600">
+                <a:latin typeface="Times New Roman" panose="02020603050405020304" pitchFamily="18" charset="0"/>
+                <a:cs typeface="Times New Roman" panose="02020603050405020304" pitchFamily="18" charset="0"/>
+              </a:rPr>
+              <a:t> Tam </a:t>
+            </a:r>
+            <a:r>
+              <a:rPr lang="en-US" sz="1600" err="1">
+                <a:latin typeface="Times New Roman" panose="02020603050405020304" pitchFamily="18" charset="0"/>
+                <a:cs typeface="Times New Roman" panose="02020603050405020304" pitchFamily="18" charset="0"/>
+              </a:rPr>
+              <a:t>Phụng</a:t>
+            </a:r>
+            <a:endParaRPr lang="en-US" sz="1600">
               <a:latin typeface="Times New Roman" panose="02020603050405020304" pitchFamily="18" charset="0"/>
               <a:cs typeface="Times New Roman" panose="02020603050405020304" pitchFamily="18" charset="0"/>
             </a:endParaRPr>
@@ -8158,164 +11956,72 @@
           <a:p>
             <a:pPr lvl="1"/>
             <a:r>
-              <a:rPr lang="en-US" sz="1600" dirty="0">
-                <a:latin typeface="Times New Roman" panose="02020603050405020304" pitchFamily="18" charset="0"/>
-                <a:cs typeface="Times New Roman" panose="02020603050405020304" pitchFamily="18" charset="0"/>
-              </a:rPr>
-              <a:t>Sd</a:t>
+              <a:rPr lang="en-US" sz="1600">
+                <a:latin typeface="Times New Roman" panose="02020603050405020304" pitchFamily="18" charset="0"/>
+                <a:cs typeface="Times New Roman" panose="02020603050405020304" pitchFamily="18" charset="0"/>
+              </a:rPr>
+              <a:t>Phan </a:t>
+            </a:r>
+            <a:r>
+              <a:rPr lang="en-US" sz="1600" err="1">
+                <a:latin typeface="Times New Roman" panose="02020603050405020304" pitchFamily="18" charset="0"/>
+                <a:cs typeface="Times New Roman" panose="02020603050405020304" pitchFamily="18" charset="0"/>
+              </a:rPr>
+              <a:t>Thị</a:t>
+            </a:r>
+            <a:r>
+              <a:rPr lang="en-US" sz="1600">
+                <a:latin typeface="Times New Roman" panose="02020603050405020304" pitchFamily="18" charset="0"/>
+                <a:cs typeface="Times New Roman" panose="02020603050405020304" pitchFamily="18" charset="0"/>
+              </a:rPr>
+              <a:t> </a:t>
+            </a:r>
+            <a:r>
+              <a:rPr lang="en-US" sz="1600" err="1">
+                <a:latin typeface="Times New Roman" panose="02020603050405020304" pitchFamily="18" charset="0"/>
+                <a:cs typeface="Times New Roman" panose="02020603050405020304" pitchFamily="18" charset="0"/>
+              </a:rPr>
+              <a:t>Quỳnh</a:t>
+            </a:r>
+            <a:r>
+              <a:rPr lang="en-US" sz="1600">
+                <a:latin typeface="Times New Roman" panose="02020603050405020304" pitchFamily="18" charset="0"/>
+                <a:cs typeface="Times New Roman" panose="02020603050405020304" pitchFamily="18" charset="0"/>
+              </a:rPr>
+              <a:t> Linh</a:t>
             </a:r>
           </a:p>
           <a:p>
             <a:pPr lvl="1"/>
-            <a:endParaRPr lang="en-US" sz="1600" dirty="0">
-              <a:latin typeface="Times New Roman" panose="02020603050405020304" pitchFamily="18" charset="0"/>
-              <a:cs typeface="Times New Roman" panose="02020603050405020304" pitchFamily="18" charset="0"/>
-            </a:endParaRPr>
-          </a:p>
-          <a:p>
-            <a:r>
-              <a:rPr lang="en-US" sz="1600" b="1" dirty="0" err="1">
-                <a:latin typeface="Times New Roman" panose="02020603050405020304" pitchFamily="18" charset="0"/>
-                <a:cs typeface="Times New Roman" panose="02020603050405020304" pitchFamily="18" charset="0"/>
-              </a:rPr>
-              <a:t>Thành</a:t>
-            </a:r>
-            <a:r>
-              <a:rPr lang="en-US" sz="1600" b="1" dirty="0">
+            <a:r>
+              <a:rPr lang="en-US" sz="1600">
+                <a:latin typeface="Times New Roman" panose="02020603050405020304" pitchFamily="18" charset="0"/>
+                <a:cs typeface="Times New Roman" panose="02020603050405020304" pitchFamily="18" charset="0"/>
+              </a:rPr>
+              <a:t>Nguyễn </a:t>
+            </a:r>
+            <a:r>
+              <a:rPr lang="en-US" sz="1600" err="1">
+                <a:latin typeface="Times New Roman" panose="02020603050405020304" pitchFamily="18" charset="0"/>
+                <a:cs typeface="Times New Roman" panose="02020603050405020304" pitchFamily="18" charset="0"/>
+              </a:rPr>
+              <a:t>Mạnh</a:t>
+            </a:r>
+            <a:r>
+              <a:rPr lang="en-US" sz="1600">
                 <a:latin typeface="Times New Roman" panose="02020603050405020304" pitchFamily="18" charset="0"/>
                 <a:cs typeface="Times New Roman" panose="02020603050405020304" pitchFamily="18" charset="0"/>
               </a:rPr>
               <a:t> </a:t>
             </a:r>
             <a:r>
-              <a:rPr lang="en-US" sz="1600" b="1" dirty="0" err="1">
-                <a:latin typeface="Times New Roman" panose="02020603050405020304" pitchFamily="18" charset="0"/>
-                <a:cs typeface="Times New Roman" panose="02020603050405020304" pitchFamily="18" charset="0"/>
-              </a:rPr>
-              <a:t>viên</a:t>
-            </a:r>
-            <a:r>
-              <a:rPr lang="en-US" sz="1600" b="1" dirty="0">
-                <a:latin typeface="Times New Roman" panose="02020603050405020304" pitchFamily="18" charset="0"/>
-                <a:cs typeface="Times New Roman" panose="02020603050405020304" pitchFamily="18" charset="0"/>
-              </a:rPr>
-              <a:t>:</a:t>
-            </a:r>
-          </a:p>
-          <a:p>
-            <a:pPr lvl="1"/>
-            <a:r>
-              <a:rPr lang="en-US" sz="1600" dirty="0">
-                <a:latin typeface="Times New Roman" panose="02020603050405020304" pitchFamily="18" charset="0"/>
-                <a:cs typeface="Times New Roman" panose="02020603050405020304" pitchFamily="18" charset="0"/>
-              </a:rPr>
-              <a:t>Nguyễn Văn Cường</a:t>
-            </a:r>
-          </a:p>
-          <a:p>
-            <a:pPr lvl="1"/>
-            <a:r>
-              <a:rPr lang="en-US" sz="1600" dirty="0">
-                <a:latin typeface="Times New Roman" panose="02020603050405020304" pitchFamily="18" charset="0"/>
-                <a:cs typeface="Times New Roman" panose="02020603050405020304" pitchFamily="18" charset="0"/>
-              </a:rPr>
-              <a:t>Lê </a:t>
-            </a:r>
-            <a:r>
-              <a:rPr lang="en-US" sz="1600" dirty="0" err="1">
-                <a:latin typeface="Times New Roman" panose="02020603050405020304" pitchFamily="18" charset="0"/>
-                <a:cs typeface="Times New Roman" panose="02020603050405020304" pitchFamily="18" charset="0"/>
-              </a:rPr>
-              <a:t>Đình</a:t>
-            </a:r>
-            <a:r>
-              <a:rPr lang="en-US" sz="1600" dirty="0">
-                <a:latin typeface="Times New Roman" panose="02020603050405020304" pitchFamily="18" charset="0"/>
-                <a:cs typeface="Times New Roman" panose="02020603050405020304" pitchFamily="18" charset="0"/>
-              </a:rPr>
-              <a:t> Tam </a:t>
-            </a:r>
-            <a:r>
-              <a:rPr lang="en-US" sz="1600" dirty="0" err="1">
-                <a:latin typeface="Times New Roman" panose="02020603050405020304" pitchFamily="18" charset="0"/>
-                <a:cs typeface="Times New Roman" panose="02020603050405020304" pitchFamily="18" charset="0"/>
-              </a:rPr>
-              <a:t>Phụng</a:t>
-            </a:r>
-            <a:endParaRPr lang="en-US" sz="1600" dirty="0">
-              <a:latin typeface="Times New Roman" panose="02020603050405020304" pitchFamily="18" charset="0"/>
-              <a:cs typeface="Times New Roman" panose="02020603050405020304" pitchFamily="18" charset="0"/>
-            </a:endParaRPr>
-          </a:p>
-          <a:p>
-            <a:pPr lvl="1"/>
-            <a:r>
-              <a:rPr lang="en-US" sz="1600" dirty="0">
-                <a:latin typeface="Times New Roman" panose="02020603050405020304" pitchFamily="18" charset="0"/>
-                <a:cs typeface="Times New Roman" panose="02020603050405020304" pitchFamily="18" charset="0"/>
-              </a:rPr>
-              <a:t>Phan </a:t>
-            </a:r>
-            <a:r>
-              <a:rPr lang="en-US" sz="1600" dirty="0" err="1">
-                <a:latin typeface="Times New Roman" panose="02020603050405020304" pitchFamily="18" charset="0"/>
-                <a:cs typeface="Times New Roman" panose="02020603050405020304" pitchFamily="18" charset="0"/>
-              </a:rPr>
-              <a:t>Thị</a:t>
-            </a:r>
-            <a:r>
-              <a:rPr lang="en-US" sz="1600" dirty="0">
-                <a:latin typeface="Times New Roman" panose="02020603050405020304" pitchFamily="18" charset="0"/>
-                <a:cs typeface="Times New Roman" panose="02020603050405020304" pitchFamily="18" charset="0"/>
-              </a:rPr>
-              <a:t> </a:t>
-            </a:r>
-            <a:r>
-              <a:rPr lang="en-US" sz="1600" dirty="0" err="1">
-                <a:latin typeface="Times New Roman" panose="02020603050405020304" pitchFamily="18" charset="0"/>
-                <a:cs typeface="Times New Roman" panose="02020603050405020304" pitchFamily="18" charset="0"/>
-              </a:rPr>
-              <a:t>Quỳnh</a:t>
-            </a:r>
-            <a:r>
-              <a:rPr lang="en-US" sz="1600" dirty="0">
-                <a:latin typeface="Times New Roman" panose="02020603050405020304" pitchFamily="18" charset="0"/>
-                <a:cs typeface="Times New Roman" panose="02020603050405020304" pitchFamily="18" charset="0"/>
-              </a:rPr>
-              <a:t> Linh</a:t>
-            </a:r>
-          </a:p>
-          <a:p>
-            <a:pPr lvl="1"/>
-            <a:r>
-              <a:rPr lang="en-US" sz="1600" dirty="0">
-                <a:latin typeface="Times New Roman" panose="02020603050405020304" pitchFamily="18" charset="0"/>
-                <a:cs typeface="Times New Roman" panose="02020603050405020304" pitchFamily="18" charset="0"/>
-              </a:rPr>
-              <a:t>Nguyễn </a:t>
-            </a:r>
-            <a:r>
-              <a:rPr lang="en-US" sz="1600" dirty="0" err="1">
-                <a:latin typeface="Times New Roman" panose="02020603050405020304" pitchFamily="18" charset="0"/>
-                <a:cs typeface="Times New Roman" panose="02020603050405020304" pitchFamily="18" charset="0"/>
-              </a:rPr>
-              <a:t>Mạnh</a:t>
-            </a:r>
-            <a:r>
-              <a:rPr lang="en-US" sz="1600" dirty="0">
-                <a:latin typeface="Times New Roman" panose="02020603050405020304" pitchFamily="18" charset="0"/>
-                <a:cs typeface="Times New Roman" panose="02020603050405020304" pitchFamily="18" charset="0"/>
-              </a:rPr>
-              <a:t> </a:t>
-            </a:r>
-            <a:r>
-              <a:rPr lang="en-US" sz="1600" dirty="0" err="1">
+              <a:rPr lang="en-US" sz="1600" err="1">
                 <a:latin typeface="Times New Roman" panose="02020603050405020304" pitchFamily="18" charset="0"/>
                 <a:cs typeface="Times New Roman" panose="02020603050405020304" pitchFamily="18" charset="0"/>
               </a:rPr>
               <a:t>Hùng</a:t>
             </a:r>
-            <a:endParaRPr lang="en-US" sz="1600" dirty="0">
+            <a:endParaRPr lang="en-US" sz="1600">
               <a:latin typeface="Times New Roman" panose="02020603050405020304" pitchFamily="18" charset="0"/>
               <a:cs typeface="Times New Roman" panose="02020603050405020304" pitchFamily="18" charset="0"/>
             </a:endParaRPr>
@@ -8374,7 +12080,7 @@
           <a:lstStyle/>
           <a:p>
             <a:r>
-              <a:rPr lang="en-US" sz="4000" kern="1200" cap="all" dirty="0" err="1">
+              <a:rPr lang="en-US" sz="4000" kern="1200" cap="all" err="1">
                 <a:solidFill>
                   <a:prstClr val="black">
                     <a:hueOff val="0"/>
@@ -8390,7 +12096,7 @@
               <a:t>Chức</a:t>
             </a:r>
             <a:r>
-              <a:rPr lang="en-US" sz="4000" kern="1200" cap="all" dirty="0">
+              <a:rPr lang="en-US" sz="4000" kern="1200" cap="all">
                 <a:solidFill>
                   <a:prstClr val="black">
                     <a:hueOff val="0"/>
@@ -8406,7 +12112,7 @@
               <a:t> </a:t>
             </a:r>
             <a:r>
-              <a:rPr lang="en-US" sz="4000" kern="1200" cap="all" dirty="0" err="1">
+              <a:rPr lang="en-US" sz="4000" kern="1200" cap="all" err="1">
                 <a:solidFill>
                   <a:prstClr val="black">
                     <a:hueOff val="0"/>
@@ -8422,7 +12128,7 @@
               <a:t>Năng</a:t>
             </a:r>
             <a:r>
-              <a:rPr lang="en-US" sz="4000" kern="1200" cap="all" dirty="0">
+              <a:rPr lang="en-US" sz="4000" kern="1200" cap="all">
                 <a:solidFill>
                   <a:prstClr val="black">
                     <a:hueOff val="0"/>
@@ -8438,7 +12144,7 @@
               <a:t> </a:t>
             </a:r>
             <a:r>
-              <a:rPr lang="en-US" sz="4000" kern="1200" cap="all" dirty="0" err="1">
+              <a:rPr lang="en-US" sz="4000" kern="1200" cap="all" err="1">
                 <a:solidFill>
                   <a:prstClr val="black">
                     <a:hueOff val="0"/>
@@ -8453,7 +12159,7 @@
               </a:rPr>
               <a:t>chính</a:t>
             </a:r>
-            <a:endParaRPr lang="en-US" dirty="0"/>
+            <a:endParaRPr lang="en-US"/>
           </a:p>
         </p:txBody>
       </p:sp>
@@ -8475,11 +12181,13 @@
         </p:nvSpPr>
         <p:spPr/>
         <p:txBody>
-          <a:bodyPr/>
+          <a:bodyPr>
+            <a:normAutofit/>
+          </a:bodyPr>
           <a:lstStyle/>
           <a:p>
             <a:r>
-              <a:rPr lang="en-US" sz="1600" b="1" dirty="0">
+              <a:rPr lang="en-US" sz="2400" b="1">
                 <a:latin typeface="Times New Roman" panose="02020603050405020304" pitchFamily="18" charset="0"/>
                 <a:cs typeface="Times New Roman" panose="02020603050405020304" pitchFamily="18" charset="0"/>
               </a:rPr>
@@ -8489,47 +12197,32 @@
           <a:p>
             <a:pPr lvl="1"/>
             <a:r>
-              <a:rPr lang="en-US" sz="1400" b="1" dirty="0">
-                <a:latin typeface="Times New Roman" panose="02020603050405020304" pitchFamily="18" charset="0"/>
-                <a:cs typeface="Times New Roman" panose="02020603050405020304" pitchFamily="18" charset="0"/>
-              </a:rPr>
-              <a:t>Login:</a:t>
-            </a:r>
-          </a:p>
-          <a:p>
-            <a:pPr lvl="2"/>
-            <a:r>
-              <a:rPr lang="en-US" dirty="0">
-                <a:latin typeface="Times New Roman" panose="02020603050405020304" pitchFamily="18" charset="0"/>
-                <a:cs typeface="Times New Roman" panose="02020603050405020304" pitchFamily="18" charset="0"/>
-              </a:rPr>
-              <a:t>Ss</a:t>
-            </a:r>
+              <a:rPr lang="en-US" sz="2000">
+                <a:latin typeface="Times New Roman" panose="02020603050405020304" pitchFamily="18" charset="0"/>
+                <a:cs typeface="Times New Roman" panose="02020603050405020304" pitchFamily="18" charset="0"/>
+                <a:hlinkClick r:id="rId2" action="ppaction://hlinksldjump"/>
+              </a:rPr>
+              <a:t>Login</a:t>
+            </a:r>
+            <a:endParaRPr lang="en-US" sz="2000">
+              <a:latin typeface="Times New Roman" panose="02020603050405020304" pitchFamily="18" charset="0"/>
+              <a:cs typeface="Times New Roman" panose="02020603050405020304" pitchFamily="18" charset="0"/>
+            </a:endParaRPr>
           </a:p>
           <a:p>
             <a:pPr lvl="1"/>
             <a:r>
-              <a:rPr lang="en-US" dirty="0">
-                <a:latin typeface="Times New Roman" panose="02020603050405020304" pitchFamily="18" charset="0"/>
-                <a:cs typeface="Times New Roman" panose="02020603050405020304" pitchFamily="18" charset="0"/>
-              </a:rPr>
-              <a:t>Queue:</a:t>
-            </a:r>
-          </a:p>
-          <a:p>
-            <a:pPr lvl="2"/>
-            <a:r>
-              <a:rPr lang="en-US" dirty="0">
-                <a:latin typeface="Times New Roman" panose="02020603050405020304" pitchFamily="18" charset="0"/>
-                <a:cs typeface="Times New Roman" panose="02020603050405020304" pitchFamily="18" charset="0"/>
-              </a:rPr>
-              <a:t>Sd</a:t>
+              <a:rPr lang="en-US" sz="2000">
+                <a:latin typeface="Times New Roman" panose="02020603050405020304" pitchFamily="18" charset="0"/>
+                <a:cs typeface="Times New Roman" panose="02020603050405020304" pitchFamily="18" charset="0"/>
+              </a:rPr>
+              <a:t>Queue</a:t>
             </a:r>
           </a:p>
           <a:p>
             <a:pPr lvl="1"/>
             <a:r>
-              <a:rPr lang="en-US" dirty="0">
+              <a:rPr lang="en-US" sz="2000">
                 <a:latin typeface="Times New Roman" panose="02020603050405020304" pitchFamily="18" charset="0"/>
                 <a:cs typeface="Times New Roman" panose="02020603050405020304" pitchFamily="18" charset="0"/>
               </a:rPr>
@@ -8539,7 +12232,7 @@
           <a:p>
             <a:pPr lvl="1"/>
             <a:r>
-              <a:rPr lang="en-US" dirty="0">
+              <a:rPr lang="en-US" sz="2000">
                 <a:latin typeface="Times New Roman" panose="02020603050405020304" pitchFamily="18" charset="0"/>
                 <a:cs typeface="Times New Roman" panose="02020603050405020304" pitchFamily="18" charset="0"/>
               </a:rPr>
@@ -8548,7 +12241,7 @@
           </a:p>
           <a:p>
             <a:r>
-              <a:rPr lang="en-US" dirty="0">
+              <a:rPr lang="en-US" sz="2400" b="1">
                 <a:latin typeface="Times New Roman" panose="02020603050405020304" pitchFamily="18" charset="0"/>
                 <a:cs typeface="Times New Roman" panose="02020603050405020304" pitchFamily="18" charset="0"/>
               </a:rPr>
@@ -8557,14 +12250,14 @@
           </a:p>
           <a:p>
             <a:r>
-              <a:rPr lang="en-US" dirty="0" err="1">
+              <a:rPr lang="en-US" sz="2400" b="1" err="1">
                 <a:latin typeface="Times New Roman" panose="02020603050405020304" pitchFamily="18" charset="0"/>
                 <a:cs typeface="Times New Roman" panose="02020603050405020304" pitchFamily="18" charset="0"/>
               </a:rPr>
               <a:t>Api</a:t>
             </a:r>
             <a:r>
-              <a:rPr lang="en-US" dirty="0">
+              <a:rPr lang="en-US" sz="2400" b="1">
                 <a:latin typeface="Times New Roman" panose="02020603050405020304" pitchFamily="18" charset="0"/>
                 <a:cs typeface="Times New Roman" panose="02020603050405020304" pitchFamily="18" charset="0"/>
               </a:rPr>
@@ -8573,7 +12266,7 @@
           </a:p>
           <a:p>
             <a:r>
-              <a:rPr lang="en-US" dirty="0">
+              <a:rPr lang="en-US" sz="2400" b="1">
                 <a:latin typeface="Times New Roman" panose="02020603050405020304" pitchFamily="18" charset="0"/>
                 <a:cs typeface="Times New Roman" panose="02020603050405020304" pitchFamily="18" charset="0"/>
               </a:rPr>
@@ -8634,7 +12327,7 @@
           <a:lstStyle/>
           <a:p>
             <a:r>
-              <a:rPr lang="en-US" sz="4000" kern="1200" cap="all" dirty="0" err="1">
+              <a:rPr lang="en-US" sz="4000" kern="1200" cap="all" err="1">
                 <a:solidFill>
                   <a:prstClr val="black">
                     <a:hueOff val="0"/>
@@ -8650,7 +12343,7 @@
               <a:t>Chức</a:t>
             </a:r>
             <a:r>
-              <a:rPr lang="en-US" sz="4000" kern="1200" cap="all" dirty="0">
+              <a:rPr lang="en-US" sz="4000" kern="1200" cap="all">
                 <a:solidFill>
                   <a:prstClr val="black">
                     <a:hueOff val="0"/>
@@ -8666,7 +12359,7 @@
               <a:t> </a:t>
             </a:r>
             <a:r>
-              <a:rPr lang="en-US" sz="4000" kern="1200" cap="all" dirty="0" err="1">
+              <a:rPr lang="en-US" sz="4000" kern="1200" cap="all" err="1">
                 <a:solidFill>
                   <a:prstClr val="black">
                     <a:hueOff val="0"/>
@@ -8682,7 +12375,7 @@
               <a:t>Năng</a:t>
             </a:r>
             <a:r>
-              <a:rPr lang="en-US" sz="4000" kern="1200" cap="all" dirty="0">
+              <a:rPr lang="en-US" sz="4000" kern="1200" cap="all">
                 <a:solidFill>
                   <a:prstClr val="black">
                     <a:hueOff val="0"/>
@@ -8695,25 +12388,9 @@
                 <a:ea typeface="+mn-ea"/>
                 <a:cs typeface="Times New Roman" panose="02020603050405020304" pitchFamily="18" charset="0"/>
               </a:rPr>
-              <a:t> </a:t>
-            </a:r>
-            <a:r>
-              <a:rPr lang="en-US" sz="4000" kern="1200" cap="all" dirty="0" err="1">
-                <a:solidFill>
-                  <a:prstClr val="black">
-                    <a:hueOff val="0"/>
-                    <a:satOff val="0"/>
-                    <a:lumOff val="0"/>
-                    <a:alphaOff val="0"/>
-                  </a:prstClr>
-                </a:solidFill>
-                <a:latin typeface="Times New Roman" panose="02020603050405020304" pitchFamily="18" charset="0"/>
-                <a:ea typeface="+mn-ea"/>
-                <a:cs typeface="Times New Roman" panose="02020603050405020304" pitchFamily="18" charset="0"/>
-              </a:rPr>
-              <a:t>chính</a:t>
-            </a:r>
-            <a:endParaRPr lang="en-US" dirty="0"/>
+              <a:t> chính (web-login)</a:t>
+            </a:r>
+            <a:endParaRPr lang="en-US"/>
           </a:p>
         </p:txBody>
       </p:sp>
@@ -8735,20 +12412,115 @@
         </p:nvSpPr>
         <p:spPr/>
         <p:txBody>
-          <a:bodyPr/>
+          <a:bodyPr>
+            <a:normAutofit/>
+          </a:bodyPr>
           <a:lstStyle/>
           <a:p>
             <a:r>
-              <a:rPr lang="en-US" sz="1600" b="1" dirty="0">
-                <a:latin typeface="Times New Roman" panose="02020603050405020304" pitchFamily="18" charset="0"/>
-                <a:cs typeface="Times New Roman" panose="02020603050405020304" pitchFamily="18" charset="0"/>
-              </a:rPr>
-              <a:t>Flow:</a:t>
-            </a:r>
-            <a:endParaRPr lang="en-US" dirty="0">
+              <a:rPr lang="en-US" sz="1800" b="1">
+                <a:latin typeface="Times New Roman" panose="02020603050405020304" pitchFamily="18" charset="0"/>
+                <a:cs typeface="Times New Roman" panose="02020603050405020304" pitchFamily="18" charset="0"/>
+              </a:rPr>
+              <a:t>Login Page:</a:t>
+            </a:r>
+          </a:p>
+          <a:p>
+            <a:pPr lvl="1"/>
+            <a:r>
+              <a:rPr lang="en-US" sz="1600">
+                <a:latin typeface="Times New Roman" panose="02020603050405020304" pitchFamily="18" charset="0"/>
+                <a:cs typeface="Times New Roman" panose="02020603050405020304" pitchFamily="18" charset="0"/>
+              </a:rPr>
+              <a:t>Hệ thống đang define 2 role chính là</a:t>
+            </a:r>
+          </a:p>
+          <a:p>
+            <a:pPr lvl="2"/>
+            <a:r>
+              <a:rPr lang="en-US" sz="1600">
+                <a:latin typeface="Times New Roman" panose="02020603050405020304" pitchFamily="18" charset="0"/>
+                <a:cs typeface="Times New Roman" panose="02020603050405020304" pitchFamily="18" charset="0"/>
+              </a:rPr>
+              <a:t>Admin: là người có thể quản lý/ stop việc control robot</a:t>
+            </a:r>
+          </a:p>
+          <a:p>
+            <a:pPr lvl="2"/>
+            <a:r>
+              <a:rPr lang="en-US" sz="1600">
+                <a:latin typeface="Times New Roman" panose="02020603050405020304" pitchFamily="18" charset="0"/>
+                <a:cs typeface="Times New Roman" panose="02020603050405020304" pitchFamily="18" charset="0"/>
+              </a:rPr>
+              <a:t>User:     là người dung chỉ có thể control robot khi được phép.</a:t>
+            </a:r>
+          </a:p>
+          <a:p>
+            <a:pPr lvl="2"/>
+            <a:endParaRPr lang="en-US" sz="1600">
               <a:latin typeface="Times New Roman" panose="02020603050405020304" pitchFamily="18" charset="0"/>
               <a:cs typeface="Times New Roman" panose="02020603050405020304" pitchFamily="18" charset="0"/>
             </a:endParaRPr>
+          </a:p>
+          <a:p>
+            <a:pPr marL="548640" lvl="2" indent="0">
+              <a:buNone/>
+            </a:pPr>
+            <a:r>
+              <a:rPr lang="en-US" sz="1600">
+                <a:latin typeface="Times New Roman" panose="02020603050405020304" pitchFamily="18" charset="0"/>
+                <a:cs typeface="Times New Roman" panose="02020603050405020304" pitchFamily="18" charset="0"/>
+              </a:rPr>
+              <a:t>Sau khi login:</a:t>
+            </a:r>
+          </a:p>
+          <a:p>
+            <a:pPr lvl="3"/>
+            <a:r>
+              <a:rPr lang="en-US" sz="1600">
+                <a:latin typeface="Times New Roman" panose="02020603050405020304" pitchFamily="18" charset="0"/>
+                <a:cs typeface="Times New Roman" panose="02020603050405020304" pitchFamily="18" charset="0"/>
+              </a:rPr>
+              <a:t>nếu là Admin thì sẽ đươc chuyển thẳng tới </a:t>
+            </a:r>
+            <a:r>
+              <a:rPr lang="en-US" sz="1600" b="1">
+                <a:latin typeface="Times New Roman" panose="02020603050405020304" pitchFamily="18" charset="0"/>
+                <a:cs typeface="Times New Roman" panose="02020603050405020304" pitchFamily="18" charset="0"/>
+              </a:rPr>
+              <a:t>page admin.</a:t>
+            </a:r>
+          </a:p>
+          <a:p>
+            <a:pPr lvl="3"/>
+            <a:r>
+              <a:rPr lang="en-US" sz="1600">
+                <a:latin typeface="Times New Roman" panose="02020603050405020304" pitchFamily="18" charset="0"/>
+                <a:cs typeface="Times New Roman" panose="02020603050405020304" pitchFamily="18" charset="0"/>
+              </a:rPr>
+              <a:t>nếu là user bình thường thì sẽ chuyển qua </a:t>
+            </a:r>
+            <a:r>
+              <a:rPr lang="en-US" sz="1600" b="1">
+                <a:latin typeface="Times New Roman" panose="02020603050405020304" pitchFamily="18" charset="0"/>
+                <a:cs typeface="Times New Roman" panose="02020603050405020304" pitchFamily="18" charset="0"/>
+              </a:rPr>
+              <a:t>page control, </a:t>
+            </a:r>
+            <a:r>
+              <a:rPr lang="en-US" sz="1600">
+                <a:latin typeface="Times New Roman" panose="02020603050405020304" pitchFamily="18" charset="0"/>
+                <a:cs typeface="Times New Roman" panose="02020603050405020304" pitchFamily="18" charset="0"/>
+              </a:rPr>
+              <a:t>trường hợp đang có user khác đang thực hiện control thì sẽ chuyển qua </a:t>
+            </a:r>
+            <a:r>
+              <a:rPr lang="en-US" sz="1600" b="1">
+                <a:latin typeface="Times New Roman" panose="02020603050405020304" pitchFamily="18" charset="0"/>
+                <a:cs typeface="Times New Roman" panose="02020603050405020304" pitchFamily="18" charset="0"/>
+              </a:rPr>
+              <a:t>page queue.</a:t>
+            </a:r>
           </a:p>
         </p:txBody>
       </p:sp>
@@ -8803,22 +12575,32 @@
           <a:bodyPr/>
           <a:lstStyle/>
           <a:p>
-            <a:pPr lvl="0">
-              <a:lnSpc>
-                <a:spcPct val="100000"/>
-              </a:lnSpc>
-              <a:defRPr cap="all"/>
-            </a:pPr>
-            <a:r>
-              <a:rPr lang="en-US" sz="4000" kern="1200" cap="all" dirty="0" err="1">
+            <a:r>
+              <a:rPr lang="en-US" sz="4000" kern="1200" cap="all" err="1">
+                <a:solidFill>
+                  <a:prstClr val="black">
+                    <a:hueOff val="0"/>
+                    <a:satOff val="0"/>
+                    <a:lumOff val="0"/>
+                    <a:alphaOff val="0"/>
+                  </a:prstClr>
+                </a:solidFill>
                 <a:latin typeface="Times New Roman" panose="02020603050405020304" pitchFamily="18" charset="0"/>
                 <a:ea typeface="+mn-ea"/>
                 <a:cs typeface="Times New Roman" panose="02020603050405020304" pitchFamily="18" charset="0"/>
               </a:rPr>
-              <a:t>Cấu</a:t>
-            </a:r>
-            <a:r>
-              <a:rPr lang="en-US" sz="4000" kern="1200" cap="all" dirty="0">
+              <a:t>Chức</a:t>
+            </a:r>
+            <a:r>
+              <a:rPr lang="en-US" sz="4000" kern="1200" cap="all">
+                <a:solidFill>
+                  <a:prstClr val="black">
+                    <a:hueOff val="0"/>
+                    <a:satOff val="0"/>
+                    <a:lumOff val="0"/>
+                    <a:alphaOff val="0"/>
+                  </a:prstClr>
+                </a:solidFill>
                 <a:latin typeface="Times New Roman" panose="02020603050405020304" pitchFamily="18" charset="0"/>
                 <a:ea typeface="+mn-ea"/>
                 <a:cs typeface="Times New Roman" panose="02020603050405020304" pitchFamily="18" charset="0"/>
@@ -8826,18 +12608,61 @@
               <a:t> </a:t>
             </a:r>
             <a:r>
-              <a:rPr lang="en-US" sz="4000" kern="1200" cap="all" dirty="0" err="1">
+              <a:rPr lang="en-US" sz="4000" kern="1200" cap="all" err="1">
+                <a:solidFill>
+                  <a:prstClr val="black">
+                    <a:hueOff val="0"/>
+                    <a:satOff val="0"/>
+                    <a:lumOff val="0"/>
+                    <a:alphaOff val="0"/>
+                  </a:prstClr>
+                </a:solidFill>
                 <a:latin typeface="Times New Roman" panose="02020603050405020304" pitchFamily="18" charset="0"/>
                 <a:ea typeface="+mn-ea"/>
                 <a:cs typeface="Times New Roman" panose="02020603050405020304" pitchFamily="18" charset="0"/>
               </a:rPr>
-              <a:t>hình</a:t>
-            </a:r>
-            <a:endParaRPr lang="en-US" sz="4000" kern="1200" cap="all" dirty="0">
-              <a:latin typeface="Times New Roman" panose="02020603050405020304" pitchFamily="18" charset="0"/>
-              <a:ea typeface="+mn-ea"/>
-              <a:cs typeface="Times New Roman" panose="02020603050405020304" pitchFamily="18" charset="0"/>
-            </a:endParaRPr>
+              <a:t>Năng</a:t>
+            </a:r>
+            <a:r>
+              <a:rPr lang="en-US" sz="4000" kern="1200" cap="all">
+                <a:solidFill>
+                  <a:prstClr val="black">
+                    <a:hueOff val="0"/>
+                    <a:satOff val="0"/>
+                    <a:lumOff val="0"/>
+                    <a:alphaOff val="0"/>
+                  </a:prstClr>
+                </a:solidFill>
+                <a:latin typeface="Times New Roman" panose="02020603050405020304" pitchFamily="18" charset="0"/>
+                <a:ea typeface="+mn-ea"/>
+                <a:cs typeface="Times New Roman" panose="02020603050405020304" pitchFamily="18" charset="0"/>
+              </a:rPr>
+              <a:t> chính (web-</a:t>
+            </a:r>
+            <a:r>
+              <a:rPr lang="en-US" sz="4000">
+                <a:latin typeface="Times New Roman" panose="02020603050405020304" pitchFamily="18" charset="0"/>
+                <a:cs typeface="Times New Roman" panose="02020603050405020304" pitchFamily="18" charset="0"/>
+              </a:rPr>
+              <a:t> QUEUE</a:t>
+            </a:r>
+            <a:r>
+              <a:rPr lang="en-US" sz="4000" kern="1200" cap="all">
+                <a:solidFill>
+                  <a:prstClr val="black">
+                    <a:hueOff val="0"/>
+                    <a:satOff val="0"/>
+                    <a:lumOff val="0"/>
+                    <a:alphaOff val="0"/>
+                  </a:prstClr>
+                </a:solidFill>
+                <a:latin typeface="Times New Roman" panose="02020603050405020304" pitchFamily="18" charset="0"/>
+                <a:ea typeface="+mn-ea"/>
+                <a:cs typeface="Times New Roman" panose="02020603050405020304" pitchFamily="18" charset="0"/>
+              </a:rPr>
+              <a:t>)</a:t>
+            </a:r>
+            <a:endParaRPr lang="en-US"/>
           </a:p>
         </p:txBody>
       </p:sp>
@@ -8859,27 +12684,534 @@
         </p:nvSpPr>
         <p:spPr/>
         <p:txBody>
-          <a:bodyPr/>
+          <a:bodyPr>
+            <a:normAutofit/>
+          </a:bodyPr>
           <a:lstStyle/>
           <a:p>
             <a:r>
-              <a:rPr lang="en-US" sz="1600" b="1" dirty="0">
-                <a:latin typeface="Times New Roman" panose="02020603050405020304" pitchFamily="18" charset="0"/>
-                <a:cs typeface="Times New Roman" panose="02020603050405020304" pitchFamily="18" charset="0"/>
-              </a:rPr>
-              <a:t>Flow:</a:t>
-            </a:r>
-            <a:endParaRPr lang="en-US" dirty="0">
-              <a:latin typeface="Times New Roman" panose="02020603050405020304" pitchFamily="18" charset="0"/>
-              <a:cs typeface="Times New Roman" panose="02020603050405020304" pitchFamily="18" charset="0"/>
-            </a:endParaRPr>
+              <a:rPr lang="en-US" sz="1800" b="1">
+                <a:latin typeface="Times New Roman" panose="02020603050405020304" pitchFamily="18" charset="0"/>
+                <a:cs typeface="Times New Roman" panose="02020603050405020304" pitchFamily="18" charset="0"/>
+              </a:rPr>
+              <a:t>Queue Page:</a:t>
+            </a:r>
           </a:p>
         </p:txBody>
       </p:sp>
     </p:spTree>
     <p:extLst>
       <p:ext uri="{BB962C8B-B14F-4D97-AF65-F5344CB8AC3E}">
-        <p14:creationId xmlns:p14="http://schemas.microsoft.com/office/powerpoint/2010/main" val="2546140693"/>
+        <p14:creationId xmlns:p14="http://schemas.microsoft.com/office/powerpoint/2010/main" val="287787047"/>
+      </p:ext>
+    </p:extLst>
+  </p:cSld>
+  <p:clrMapOvr>
+    <a:masterClrMapping/>
+  </p:clrMapOvr>
+</p:sld>
+</file>
+
+<file path=ppt/slides/slide7.xml><?xml version="1.0" encoding="utf-8"?>
+<p:sld xmlns:a="http://schemas.openxmlformats.org/drawingml/2006/main" xmlns:r="http://schemas.openxmlformats.org/officeDocument/2006/relationships" xmlns:p="http://schemas.openxmlformats.org/presentationml/2006/main">
+  <p:cSld>
+    <p:spTree>
+      <p:nvGrpSpPr>
+        <p:cNvPr id="1" name=""/>
+        <p:cNvGrpSpPr/>
+        <p:nvPr/>
+      </p:nvGrpSpPr>
+      <p:grpSpPr>
+        <a:xfrm>
+          <a:off x="0" y="0"/>
+          <a:ext cx="0" cy="0"/>
+          <a:chOff x="0" y="0"/>
+          <a:chExt cx="0" cy="0"/>
+        </a:xfrm>
+      </p:grpSpPr>
+      <p:sp>
+        <p:nvSpPr>
+          <p:cNvPr id="2" name="Title 1">
+            <a:extLst>
+              <a:ext uri="{FF2B5EF4-FFF2-40B4-BE49-F238E27FC236}">
+                <a16:creationId xmlns:a16="http://schemas.microsoft.com/office/drawing/2014/main" id="{2C4C0330-65A7-4C44-BDB7-0885CC314B41}"/>
+              </a:ext>
+            </a:extLst>
+          </p:cNvPr>
+          <p:cNvSpPr>
+            <a:spLocks noGrp="1"/>
+          </p:cNvSpPr>
+          <p:nvPr>
+            <p:ph type="title"/>
+          </p:nvPr>
+        </p:nvSpPr>
+        <p:spPr/>
+        <p:txBody>
+          <a:bodyPr/>
+          <a:lstStyle/>
+          <a:p>
+            <a:r>
+              <a:rPr lang="en-US" sz="4000" kern="1200" cap="all" err="1">
+                <a:solidFill>
+                  <a:prstClr val="black">
+                    <a:hueOff val="0"/>
+                    <a:satOff val="0"/>
+                    <a:lumOff val="0"/>
+                    <a:alphaOff val="0"/>
+                  </a:prstClr>
+                </a:solidFill>
+                <a:latin typeface="Times New Roman" panose="02020603050405020304" pitchFamily="18" charset="0"/>
+                <a:ea typeface="+mn-ea"/>
+                <a:cs typeface="Times New Roman" panose="02020603050405020304" pitchFamily="18" charset="0"/>
+              </a:rPr>
+              <a:t>Chức</a:t>
+            </a:r>
+            <a:r>
+              <a:rPr lang="en-US" sz="4000" kern="1200" cap="all">
+                <a:solidFill>
+                  <a:prstClr val="black">
+                    <a:hueOff val="0"/>
+                    <a:satOff val="0"/>
+                    <a:lumOff val="0"/>
+                    <a:alphaOff val="0"/>
+                  </a:prstClr>
+                </a:solidFill>
+                <a:latin typeface="Times New Roman" panose="02020603050405020304" pitchFamily="18" charset="0"/>
+                <a:ea typeface="+mn-ea"/>
+                <a:cs typeface="Times New Roman" panose="02020603050405020304" pitchFamily="18" charset="0"/>
+              </a:rPr>
+              <a:t> </a:t>
+            </a:r>
+            <a:r>
+              <a:rPr lang="en-US" sz="4000" kern="1200" cap="all" err="1">
+                <a:solidFill>
+                  <a:prstClr val="black">
+                    <a:hueOff val="0"/>
+                    <a:satOff val="0"/>
+                    <a:lumOff val="0"/>
+                    <a:alphaOff val="0"/>
+                  </a:prstClr>
+                </a:solidFill>
+                <a:latin typeface="Times New Roman" panose="02020603050405020304" pitchFamily="18" charset="0"/>
+                <a:ea typeface="+mn-ea"/>
+                <a:cs typeface="Times New Roman" panose="02020603050405020304" pitchFamily="18" charset="0"/>
+              </a:rPr>
+              <a:t>Năng</a:t>
+            </a:r>
+            <a:r>
+              <a:rPr lang="en-US" sz="4000" kern="1200" cap="all">
+                <a:solidFill>
+                  <a:prstClr val="black">
+                    <a:hueOff val="0"/>
+                    <a:satOff val="0"/>
+                    <a:lumOff val="0"/>
+                    <a:alphaOff val="0"/>
+                  </a:prstClr>
+                </a:solidFill>
+                <a:latin typeface="Times New Roman" panose="02020603050405020304" pitchFamily="18" charset="0"/>
+                <a:ea typeface="+mn-ea"/>
+                <a:cs typeface="Times New Roman" panose="02020603050405020304" pitchFamily="18" charset="0"/>
+              </a:rPr>
+              <a:t> chính (web-</a:t>
+            </a:r>
+            <a:r>
+              <a:rPr lang="en-US" sz="4000">
+                <a:latin typeface="Times New Roman" panose="02020603050405020304" pitchFamily="18" charset="0"/>
+                <a:cs typeface="Times New Roman" panose="02020603050405020304" pitchFamily="18" charset="0"/>
+              </a:rPr>
+              <a:t> CONTROL</a:t>
+            </a:r>
+            <a:r>
+              <a:rPr lang="en-US" sz="4000" kern="1200" cap="all">
+                <a:solidFill>
+                  <a:prstClr val="black">
+                    <a:hueOff val="0"/>
+                    <a:satOff val="0"/>
+                    <a:lumOff val="0"/>
+                    <a:alphaOff val="0"/>
+                  </a:prstClr>
+                </a:solidFill>
+                <a:latin typeface="Times New Roman" panose="02020603050405020304" pitchFamily="18" charset="0"/>
+                <a:ea typeface="+mn-ea"/>
+                <a:cs typeface="Times New Roman" panose="02020603050405020304" pitchFamily="18" charset="0"/>
+              </a:rPr>
+              <a:t>)</a:t>
+            </a:r>
+            <a:endParaRPr lang="en-US"/>
+          </a:p>
+        </p:txBody>
+      </p:sp>
+      <p:sp>
+        <p:nvSpPr>
+          <p:cNvPr id="3" name="Content Placeholder 2">
+            <a:extLst>
+              <a:ext uri="{FF2B5EF4-FFF2-40B4-BE49-F238E27FC236}">
+                <a16:creationId xmlns:a16="http://schemas.microsoft.com/office/drawing/2014/main" id="{6BD33AFF-0007-470D-A40C-FD28176A68C2}"/>
+              </a:ext>
+            </a:extLst>
+          </p:cNvPr>
+          <p:cNvSpPr>
+            <a:spLocks noGrp="1"/>
+          </p:cNvSpPr>
+          <p:nvPr>
+            <p:ph idx="1"/>
+          </p:nvPr>
+        </p:nvSpPr>
+        <p:spPr/>
+        <p:txBody>
+          <a:bodyPr>
+            <a:normAutofit/>
+          </a:bodyPr>
+          <a:lstStyle/>
+          <a:p>
+            <a:r>
+              <a:rPr lang="en-US" sz="1800">
+                <a:latin typeface="Times New Roman" panose="02020603050405020304" pitchFamily="18" charset="0"/>
+                <a:cs typeface="Times New Roman" panose="02020603050405020304" pitchFamily="18" charset="0"/>
+              </a:rPr>
+              <a:t>Control</a:t>
+            </a:r>
+            <a:r>
+              <a:rPr lang="en-US" sz="1800" b="1">
+                <a:latin typeface="Times New Roman" panose="02020603050405020304" pitchFamily="18" charset="0"/>
+                <a:cs typeface="Times New Roman" panose="02020603050405020304" pitchFamily="18" charset="0"/>
+              </a:rPr>
+              <a:t> Page:</a:t>
+            </a:r>
+          </a:p>
+        </p:txBody>
+      </p:sp>
+    </p:spTree>
+    <p:extLst>
+      <p:ext uri="{BB962C8B-B14F-4D97-AF65-F5344CB8AC3E}">
+        <p14:creationId xmlns:p14="http://schemas.microsoft.com/office/powerpoint/2010/main" val="795042229"/>
+      </p:ext>
+    </p:extLst>
+  </p:cSld>
+  <p:clrMapOvr>
+    <a:masterClrMapping/>
+  </p:clrMapOvr>
+</p:sld>
+</file>
+
+<file path=ppt/slides/slide8.xml><?xml version="1.0" encoding="utf-8"?>
+<p:sld xmlns:a="http://schemas.openxmlformats.org/drawingml/2006/main" xmlns:r="http://schemas.openxmlformats.org/officeDocument/2006/relationships" xmlns:p="http://schemas.openxmlformats.org/presentationml/2006/main">
+  <p:cSld>
+    <p:spTree>
+      <p:nvGrpSpPr>
+        <p:cNvPr id="1" name=""/>
+        <p:cNvGrpSpPr/>
+        <p:nvPr/>
+      </p:nvGrpSpPr>
+      <p:grpSpPr>
+        <a:xfrm>
+          <a:off x="0" y="0"/>
+          <a:ext cx="0" cy="0"/>
+          <a:chOff x="0" y="0"/>
+          <a:chExt cx="0" cy="0"/>
+        </a:xfrm>
+      </p:grpSpPr>
+      <p:sp>
+        <p:nvSpPr>
+          <p:cNvPr id="2" name="Title 1">
+            <a:extLst>
+              <a:ext uri="{FF2B5EF4-FFF2-40B4-BE49-F238E27FC236}">
+                <a16:creationId xmlns:a16="http://schemas.microsoft.com/office/drawing/2014/main" id="{2C4C0330-65A7-4C44-BDB7-0885CC314B41}"/>
+              </a:ext>
+            </a:extLst>
+          </p:cNvPr>
+          <p:cNvSpPr>
+            <a:spLocks noGrp="1"/>
+          </p:cNvSpPr>
+          <p:nvPr>
+            <p:ph type="title"/>
+          </p:nvPr>
+        </p:nvSpPr>
+        <p:spPr/>
+        <p:txBody>
+          <a:bodyPr/>
+          <a:lstStyle/>
+          <a:p>
+            <a:r>
+              <a:rPr lang="en-US" sz="4000" kern="1200" cap="all" err="1">
+                <a:solidFill>
+                  <a:prstClr val="black">
+                    <a:hueOff val="0"/>
+                    <a:satOff val="0"/>
+                    <a:lumOff val="0"/>
+                    <a:alphaOff val="0"/>
+                  </a:prstClr>
+                </a:solidFill>
+                <a:latin typeface="Times New Roman" panose="02020603050405020304" pitchFamily="18" charset="0"/>
+                <a:ea typeface="+mn-ea"/>
+                <a:cs typeface="Times New Roman" panose="02020603050405020304" pitchFamily="18" charset="0"/>
+              </a:rPr>
+              <a:t>Chức</a:t>
+            </a:r>
+            <a:r>
+              <a:rPr lang="en-US" sz="4000" kern="1200" cap="all">
+                <a:solidFill>
+                  <a:prstClr val="black">
+                    <a:hueOff val="0"/>
+                    <a:satOff val="0"/>
+                    <a:lumOff val="0"/>
+                    <a:alphaOff val="0"/>
+                  </a:prstClr>
+                </a:solidFill>
+                <a:latin typeface="Times New Roman" panose="02020603050405020304" pitchFamily="18" charset="0"/>
+                <a:ea typeface="+mn-ea"/>
+                <a:cs typeface="Times New Roman" panose="02020603050405020304" pitchFamily="18" charset="0"/>
+              </a:rPr>
+              <a:t> </a:t>
+            </a:r>
+            <a:r>
+              <a:rPr lang="en-US" sz="4000" kern="1200" cap="all" err="1">
+                <a:solidFill>
+                  <a:prstClr val="black">
+                    <a:hueOff val="0"/>
+                    <a:satOff val="0"/>
+                    <a:lumOff val="0"/>
+                    <a:alphaOff val="0"/>
+                  </a:prstClr>
+                </a:solidFill>
+                <a:latin typeface="Times New Roman" panose="02020603050405020304" pitchFamily="18" charset="0"/>
+                <a:ea typeface="+mn-ea"/>
+                <a:cs typeface="Times New Roman" panose="02020603050405020304" pitchFamily="18" charset="0"/>
+              </a:rPr>
+              <a:t>Năng</a:t>
+            </a:r>
+            <a:r>
+              <a:rPr lang="en-US" sz="4000" kern="1200" cap="all">
+                <a:solidFill>
+                  <a:prstClr val="black">
+                    <a:hueOff val="0"/>
+                    <a:satOff val="0"/>
+                    <a:lumOff val="0"/>
+                    <a:alphaOff val="0"/>
+                  </a:prstClr>
+                </a:solidFill>
+                <a:latin typeface="Times New Roman" panose="02020603050405020304" pitchFamily="18" charset="0"/>
+                <a:ea typeface="+mn-ea"/>
+                <a:cs typeface="Times New Roman" panose="02020603050405020304" pitchFamily="18" charset="0"/>
+              </a:rPr>
+              <a:t> chính (web-</a:t>
+            </a:r>
+            <a:r>
+              <a:rPr lang="en-US" sz="4000">
+                <a:latin typeface="Times New Roman" panose="02020603050405020304" pitchFamily="18" charset="0"/>
+                <a:cs typeface="Times New Roman" panose="02020603050405020304" pitchFamily="18" charset="0"/>
+              </a:rPr>
+              <a:t> ADMIN</a:t>
+            </a:r>
+            <a:r>
+              <a:rPr lang="en-US" sz="4000" kern="1200" cap="all">
+                <a:solidFill>
+                  <a:prstClr val="black">
+                    <a:hueOff val="0"/>
+                    <a:satOff val="0"/>
+                    <a:lumOff val="0"/>
+                    <a:alphaOff val="0"/>
+                  </a:prstClr>
+                </a:solidFill>
+                <a:latin typeface="Times New Roman" panose="02020603050405020304" pitchFamily="18" charset="0"/>
+                <a:ea typeface="+mn-ea"/>
+                <a:cs typeface="Times New Roman" panose="02020603050405020304" pitchFamily="18" charset="0"/>
+              </a:rPr>
+              <a:t>)</a:t>
+            </a:r>
+            <a:endParaRPr lang="en-US"/>
+          </a:p>
+        </p:txBody>
+      </p:sp>
+      <p:sp>
+        <p:nvSpPr>
+          <p:cNvPr id="3" name="Content Placeholder 2">
+            <a:extLst>
+              <a:ext uri="{FF2B5EF4-FFF2-40B4-BE49-F238E27FC236}">
+                <a16:creationId xmlns:a16="http://schemas.microsoft.com/office/drawing/2014/main" id="{6BD33AFF-0007-470D-A40C-FD28176A68C2}"/>
+              </a:ext>
+            </a:extLst>
+          </p:cNvPr>
+          <p:cNvSpPr>
+            <a:spLocks noGrp="1"/>
+          </p:cNvSpPr>
+          <p:nvPr>
+            <p:ph idx="1"/>
+          </p:nvPr>
+        </p:nvSpPr>
+        <p:spPr/>
+        <p:txBody>
+          <a:bodyPr>
+            <a:normAutofit/>
+          </a:bodyPr>
+          <a:lstStyle/>
+          <a:p>
+            <a:r>
+              <a:rPr lang="en-US" sz="1800" b="1">
+                <a:latin typeface="Times New Roman" panose="02020603050405020304" pitchFamily="18" charset="0"/>
+                <a:cs typeface="Times New Roman" panose="02020603050405020304" pitchFamily="18" charset="0"/>
+              </a:rPr>
+              <a:t>Page:</a:t>
+            </a:r>
+          </a:p>
+        </p:txBody>
+      </p:sp>
+    </p:spTree>
+    <p:extLst>
+      <p:ext uri="{BB962C8B-B14F-4D97-AF65-F5344CB8AC3E}">
+        <p14:creationId xmlns:p14="http://schemas.microsoft.com/office/powerpoint/2010/main" val="2234215447"/>
+      </p:ext>
+    </p:extLst>
+  </p:cSld>
+  <p:clrMapOvr>
+    <a:masterClrMapping/>
+  </p:clrMapOvr>
+</p:sld>
+</file>
+
+<file path=ppt/slides/slide9.xml><?xml version="1.0" encoding="utf-8"?>
+<p:sld xmlns:a="http://schemas.openxmlformats.org/drawingml/2006/main" xmlns:r="http://schemas.openxmlformats.org/officeDocument/2006/relationships" xmlns:p="http://schemas.openxmlformats.org/presentationml/2006/main">
+  <p:cSld>
+    <p:spTree>
+      <p:nvGrpSpPr>
+        <p:cNvPr id="1" name=""/>
+        <p:cNvGrpSpPr/>
+        <p:nvPr/>
+      </p:nvGrpSpPr>
+      <p:grpSpPr>
+        <a:xfrm>
+          <a:off x="0" y="0"/>
+          <a:ext cx="0" cy="0"/>
+          <a:chOff x="0" y="0"/>
+          <a:chExt cx="0" cy="0"/>
+        </a:xfrm>
+      </p:grpSpPr>
+      <p:sp>
+        <p:nvSpPr>
+          <p:cNvPr id="2" name="Title 1">
+            <a:extLst>
+              <a:ext uri="{FF2B5EF4-FFF2-40B4-BE49-F238E27FC236}">
+                <a16:creationId xmlns:a16="http://schemas.microsoft.com/office/drawing/2014/main" id="{2C4C0330-65A7-4C44-BDB7-0885CC314B41}"/>
+              </a:ext>
+            </a:extLst>
+          </p:cNvPr>
+          <p:cNvSpPr>
+            <a:spLocks noGrp="1"/>
+          </p:cNvSpPr>
+          <p:nvPr>
+            <p:ph type="title"/>
+          </p:nvPr>
+        </p:nvSpPr>
+        <p:spPr/>
+        <p:txBody>
+          <a:bodyPr/>
+          <a:lstStyle/>
+          <a:p>
+            <a:r>
+              <a:rPr lang="en-US" sz="4000" kern="1200" cap="all" err="1">
+                <a:solidFill>
+                  <a:prstClr val="black">
+                    <a:hueOff val="0"/>
+                    <a:satOff val="0"/>
+                    <a:lumOff val="0"/>
+                    <a:alphaOff val="0"/>
+                  </a:prstClr>
+                </a:solidFill>
+                <a:latin typeface="Times New Roman" panose="02020603050405020304" pitchFamily="18" charset="0"/>
+                <a:ea typeface="+mn-ea"/>
+                <a:cs typeface="Times New Roman" panose="02020603050405020304" pitchFamily="18" charset="0"/>
+              </a:rPr>
+              <a:t>Chức</a:t>
+            </a:r>
+            <a:r>
+              <a:rPr lang="en-US" sz="4000" kern="1200" cap="all">
+                <a:solidFill>
+                  <a:prstClr val="black">
+                    <a:hueOff val="0"/>
+                    <a:satOff val="0"/>
+                    <a:lumOff val="0"/>
+                    <a:alphaOff val="0"/>
+                  </a:prstClr>
+                </a:solidFill>
+                <a:latin typeface="Times New Roman" panose="02020603050405020304" pitchFamily="18" charset="0"/>
+                <a:ea typeface="+mn-ea"/>
+                <a:cs typeface="Times New Roman" panose="02020603050405020304" pitchFamily="18" charset="0"/>
+              </a:rPr>
+              <a:t> </a:t>
+            </a:r>
+            <a:r>
+              <a:rPr lang="en-US" sz="4000" kern="1200" cap="all" err="1">
+                <a:solidFill>
+                  <a:prstClr val="black">
+                    <a:hueOff val="0"/>
+                    <a:satOff val="0"/>
+                    <a:lumOff val="0"/>
+                    <a:alphaOff val="0"/>
+                  </a:prstClr>
+                </a:solidFill>
+                <a:latin typeface="Times New Roman" panose="02020603050405020304" pitchFamily="18" charset="0"/>
+                <a:ea typeface="+mn-ea"/>
+                <a:cs typeface="Times New Roman" panose="02020603050405020304" pitchFamily="18" charset="0"/>
+              </a:rPr>
+              <a:t>Năng</a:t>
+            </a:r>
+            <a:r>
+              <a:rPr lang="en-US" sz="4000" kern="1200" cap="all">
+                <a:solidFill>
+                  <a:prstClr val="black">
+                    <a:hueOff val="0"/>
+                    <a:satOff val="0"/>
+                    <a:lumOff val="0"/>
+                    <a:alphaOff val="0"/>
+                  </a:prstClr>
+                </a:solidFill>
+                <a:latin typeface="Times New Roman" panose="02020603050405020304" pitchFamily="18" charset="0"/>
+                <a:ea typeface="+mn-ea"/>
+                <a:cs typeface="Times New Roman" panose="02020603050405020304" pitchFamily="18" charset="0"/>
+              </a:rPr>
+              <a:t> chính (BATCH)</a:t>
+            </a:r>
+            <a:endParaRPr lang="en-US"/>
+          </a:p>
+        </p:txBody>
+      </p:sp>
+      <p:sp>
+        <p:nvSpPr>
+          <p:cNvPr id="3" name="Content Placeholder 2">
+            <a:extLst>
+              <a:ext uri="{FF2B5EF4-FFF2-40B4-BE49-F238E27FC236}">
+                <a16:creationId xmlns:a16="http://schemas.microsoft.com/office/drawing/2014/main" id="{6BD33AFF-0007-470D-A40C-FD28176A68C2}"/>
+              </a:ext>
+            </a:extLst>
+          </p:cNvPr>
+          <p:cNvSpPr>
+            <a:spLocks noGrp="1"/>
+          </p:cNvSpPr>
+          <p:nvPr>
+            <p:ph idx="1"/>
+          </p:nvPr>
+        </p:nvSpPr>
+        <p:spPr/>
+        <p:txBody>
+          <a:bodyPr>
+            <a:normAutofit/>
+          </a:bodyPr>
+          <a:lstStyle/>
+          <a:p>
+            <a:r>
+              <a:rPr lang="en-US" sz="1800" b="1">
+                <a:latin typeface="Times New Roman" panose="02020603050405020304" pitchFamily="18" charset="0"/>
+                <a:cs typeface="Times New Roman" panose="02020603050405020304" pitchFamily="18" charset="0"/>
+              </a:rPr>
+              <a:t>Page:</a:t>
+            </a:r>
+          </a:p>
+        </p:txBody>
+      </p:sp>
+    </p:spTree>
+    <p:extLst>
+      <p:ext uri="{BB962C8B-B14F-4D97-AF65-F5344CB8AC3E}">
+        <p14:creationId xmlns:p14="http://schemas.microsoft.com/office/powerpoint/2010/main" val="2588165473"/>
       </p:ext>
     </p:extLst>
   </p:cSld>
@@ -9166,24 +13498,6 @@
 </file>
 
 <file path=customXml/item1.xml><?xml version="1.0" encoding="utf-8"?>
-<p:properties xmlns:p="http://schemas.microsoft.com/office/2006/metadata/properties" xmlns:xsi="http://www.w3.org/2001/XMLSchema-instance" xmlns:pc="http://schemas.microsoft.com/office/infopath/2007/PartnerControls">
-  <documentManagement>
-    <Status xmlns="71af3243-3dd4-4a8d-8c0d-dd76da1f02a5">Not started</Status>
-    <MediaServiceKeyPoints xmlns="71af3243-3dd4-4a8d-8c0d-dd76da1f02a5" xsi:nil="true"/>
-  </documentManagement>
-</p:properties>
-</file>
-
-<file path=customXml/item2.xml><?xml version="1.0" encoding="utf-8"?>
-<?mso-contentType ?>
-<FormTemplates xmlns="http://schemas.microsoft.com/sharepoint/v3/contenttype/forms">
-  <Display>DocumentLibraryForm</Display>
-  <Edit>DocumentLibraryForm</Edit>
-  <New>DocumentLibraryForm</New>
-</FormTemplates>
-</file>
-
-<file path=customXml/item3.xml><?xml version="1.0" encoding="utf-8"?>
 <ct:contentTypeSchema xmlns:ct="http://schemas.microsoft.com/office/2006/metadata/contentType" xmlns:ma="http://schemas.microsoft.com/office/2006/metadata/properties/metaAttributes" ct:_="" ma:_="" ma:contentTypeName="Document" ma:contentTypeID="0x01010079F111ED35F8CC479449609E8A0923A6" ma:contentTypeVersion="12" ma:contentTypeDescription="Create a new document." ma:contentTypeScope="" ma:versionID="a410dd7f93c95333ffa1b60ed6adedd1">
   <xsd:schema xmlns:xsd="http://www.w3.org/2001/XMLSchema" xmlns:xs="http://www.w3.org/2001/XMLSchema" xmlns:p="http://schemas.microsoft.com/office/2006/metadata/properties" xmlns:ns2="71af3243-3dd4-4a8d-8c0d-dd76da1f02a5" xmlns:ns3="16c05727-aa75-4e4a-9b5f-8a80a1165891" targetNamespace="http://schemas.microsoft.com/office/2006/metadata/properties" ma:root="true" ma:fieldsID="a936d9baba76aa3866493feff160faab" ns2:_="" ns3:_="">
     <xsd:import namespace="71af3243-3dd4-4a8d-8c0d-dd76da1f02a5"/>
@@ -9404,25 +13718,25 @@
 </ct:contentTypeSchema>
 </file>
 
-<file path=customXml/itemProps1.xml><?xml version="1.0" encoding="utf-8"?>
-<ds:datastoreItem xmlns:ds="http://schemas.openxmlformats.org/officeDocument/2006/customXml" ds:itemID="{137651BA-F45C-4845-9AB3-E0A65B39F5E1}">
-  <ds:schemaRefs>
-    <ds:schemaRef ds:uri="http://schemas.microsoft.com/office/2006/metadata/properties"/>
-    <ds:schemaRef ds:uri="http://schemas.microsoft.com/office/infopath/2007/PartnerControls"/>
-    <ds:schemaRef ds:uri="71af3243-3dd4-4a8d-8c0d-dd76da1f02a5"/>
-  </ds:schemaRefs>
-</ds:datastoreItem>
+<file path=customXml/item2.xml><?xml version="1.0" encoding="utf-8"?>
+<?mso-contentType ?>
+<FormTemplates xmlns="http://schemas.microsoft.com/sharepoint/v3/contenttype/forms">
+  <Display>DocumentLibraryForm</Display>
+  <Edit>DocumentLibraryForm</Edit>
+  <New>DocumentLibraryForm</New>
+</FormTemplates>
 </file>
 
-<file path=customXml/itemProps2.xml><?xml version="1.0" encoding="utf-8"?>
-<ds:datastoreItem xmlns:ds="http://schemas.openxmlformats.org/officeDocument/2006/customXml" ds:itemID="{CDB58277-F8DF-46FF-84EC-EF41B835E69F}">
-  <ds:schemaRefs>
-    <ds:schemaRef ds:uri="http://schemas.microsoft.com/sharepoint/v3/contenttype/forms"/>
-  </ds:schemaRefs>
-</ds:datastoreItem>
+<file path=customXml/item3.xml><?xml version="1.0" encoding="utf-8"?>
+<p:properties xmlns:p="http://schemas.microsoft.com/office/2006/metadata/properties" xmlns:xsi="http://www.w3.org/2001/XMLSchema-instance" xmlns:pc="http://schemas.microsoft.com/office/infopath/2007/PartnerControls">
+  <documentManagement>
+    <Status xmlns="71af3243-3dd4-4a8d-8c0d-dd76da1f02a5">Not started</Status>
+    <MediaServiceKeyPoints xmlns="71af3243-3dd4-4a8d-8c0d-dd76da1f02a5" xsi:nil="true"/>
+  </documentManagement>
+</p:properties>
 </file>
 
-<file path=customXml/itemProps3.xml><?xml version="1.0" encoding="utf-8"?>
+<file path=customXml/itemProps1.xml><?xml version="1.0" encoding="utf-8"?>
 <ds:datastoreItem xmlns:ds="http://schemas.openxmlformats.org/officeDocument/2006/customXml" ds:itemID="{2D276E62-80A3-44DD-9BCC-97ED2B99B57F}">
   <ds:schemaRefs>
     <ds:schemaRef ds:uri="http://schemas.microsoft.com/office/2006/metadata/contentType"/>
@@ -9439,4 +13753,22 @@
     <ds:schemaRef ds:uri="http://schemas.microsoft.com/internal/obd"/>
   </ds:schemaRefs>
 </ds:datastoreItem>
+</file>
+
+<file path=customXml/itemProps2.xml><?xml version="1.0" encoding="utf-8"?>
+<ds:datastoreItem xmlns:ds="http://schemas.openxmlformats.org/officeDocument/2006/customXml" ds:itemID="{CDB58277-F8DF-46FF-84EC-EF41B835E69F}">
+  <ds:schemaRefs>
+    <ds:schemaRef ds:uri="http://schemas.microsoft.com/sharepoint/v3/contenttype/forms"/>
+  </ds:schemaRefs>
+</ds:datastoreItem>
+</file>
+
+<file path=customXml/itemProps3.xml><?xml version="1.0" encoding="utf-8"?>
+<ds:datastoreItem xmlns:ds="http://schemas.openxmlformats.org/officeDocument/2006/customXml" ds:itemID="{137651BA-F45C-4845-9AB3-E0A65B39F5E1}">
+  <ds:schemaRefs>
+    <ds:schemaRef ds:uri="http://schemas.microsoft.com/office/2006/metadata/properties"/>
+    <ds:schemaRef ds:uri="http://schemas.microsoft.com/office/infopath/2007/PartnerControls"/>
+    <ds:schemaRef ds:uri="71af3243-3dd4-4a8d-8c0d-dd76da1f02a5"/>
+  </ds:schemaRefs>
+</ds:datastoreItem>
 </file>
--- a/Restart Computer.pptx
+++ b/Restart Computer.pptx
@@ -8,22 +8,24 @@
     <p:sldId id="257" r:id="rId5"/>
     <p:sldId id="261" r:id="rId6"/>
     <p:sldId id="262" r:id="rId7"/>
-    <p:sldId id="263" r:id="rId8"/>
-    <p:sldId id="264" r:id="rId9"/>
-    <p:sldId id="270" r:id="rId10"/>
-    <p:sldId id="271" r:id="rId11"/>
-    <p:sldId id="272" r:id="rId12"/>
-    <p:sldId id="273" r:id="rId13"/>
-    <p:sldId id="274" r:id="rId14"/>
-    <p:sldId id="275" r:id="rId15"/>
-    <p:sldId id="276" r:id="rId16"/>
-    <p:sldId id="277" r:id="rId17"/>
-    <p:sldId id="278" r:id="rId18"/>
-    <p:sldId id="265" r:id="rId19"/>
-    <p:sldId id="266" r:id="rId20"/>
-    <p:sldId id="267" r:id="rId21"/>
-    <p:sldId id="268" r:id="rId22"/>
-    <p:sldId id="269" r:id="rId23"/>
+    <p:sldId id="280" r:id="rId8"/>
+    <p:sldId id="263" r:id="rId9"/>
+    <p:sldId id="264" r:id="rId10"/>
+    <p:sldId id="270" r:id="rId11"/>
+    <p:sldId id="271" r:id="rId12"/>
+    <p:sldId id="272" r:id="rId13"/>
+    <p:sldId id="273" r:id="rId14"/>
+    <p:sldId id="274" r:id="rId15"/>
+    <p:sldId id="275" r:id="rId16"/>
+    <p:sldId id="276" r:id="rId17"/>
+    <p:sldId id="277" r:id="rId18"/>
+    <p:sldId id="278" r:id="rId19"/>
+    <p:sldId id="265" r:id="rId20"/>
+    <p:sldId id="266" r:id="rId21"/>
+    <p:sldId id="267" r:id="rId22"/>
+    <p:sldId id="268" r:id="rId23"/>
+    <p:sldId id="269" r:id="rId24"/>
+    <p:sldId id="279" r:id="rId25"/>
   </p:sldIdLst>
   <p:sldSz cx="12192000" cy="6858000"/>
   <p:notesSz cx="6858000" cy="9144000"/>
@@ -1387,6 +1389,24 @@
       <dgm:spPr>
         <a:blipFill>
           <a:blip xmlns:r="http://schemas.openxmlformats.org/officeDocument/2006/relationships" r:embed="rId1">
+            <a:duotone>
+              <a:schemeClr val="bg1">
+                <a:hueOff val="0"/>
+                <a:satOff val="0"/>
+                <a:lumOff val="0"/>
+                <a:alphaOff val="0"/>
+                <a:shade val="20000"/>
+                <a:satMod val="200000"/>
+              </a:schemeClr>
+              <a:schemeClr val="bg1">
+                <a:hueOff val="0"/>
+                <a:satOff val="0"/>
+                <a:lumOff val="0"/>
+                <a:alphaOff val="0"/>
+                <a:tint val="12000"/>
+                <a:satMod val="190000"/>
+              </a:schemeClr>
+            </a:duotone>
             <a:extLst>
               <a:ext uri="{28A0092B-C50C-407E-A947-70E740481C1C}">
                 <a14:useLocalDpi xmlns:a14="http://schemas.microsoft.com/office/drawing/2010/main" val="0"/>
@@ -1480,7 +1500,26 @@
       <dgm:prSet presAssocID="{1C383F32-22E8-4F62-A3E0-BDC3D5F48992}" presName="iconRect" presStyleLbl="node1" presStyleIdx="2" presStyleCnt="4"/>
       <dgm:spPr>
         <a:blipFill>
-          <a:blip xmlns:r="http://schemas.openxmlformats.org/officeDocument/2006/relationships" r:embed="rId4"/>
+          <a:blip xmlns:r="http://schemas.openxmlformats.org/officeDocument/2006/relationships" r:embed="rId4">
+            <a:duotone>
+              <a:schemeClr val="bg1">
+                <a:hueOff val="0"/>
+                <a:satOff val="0"/>
+                <a:lumOff val="0"/>
+                <a:alphaOff val="0"/>
+                <a:shade val="20000"/>
+                <a:satMod val="200000"/>
+              </a:schemeClr>
+              <a:schemeClr val="bg1">
+                <a:hueOff val="0"/>
+                <a:satOff val="0"/>
+                <a:lumOff val="0"/>
+                <a:alphaOff val="0"/>
+                <a:tint val="12000"/>
+                <a:satMod val="190000"/>
+              </a:schemeClr>
+            </a:duotone>
+          </a:blip>
           <a:srcRect/>
           <a:stretch>
             <a:fillRect/>
@@ -1678,6 +1717,24 @@
         </a:prstGeom>
         <a:blipFill>
           <a:blip xmlns:r="http://schemas.openxmlformats.org/officeDocument/2006/relationships" r:embed="rId1">
+            <a:duotone>
+              <a:schemeClr val="bg1">
+                <a:hueOff val="0"/>
+                <a:satOff val="0"/>
+                <a:lumOff val="0"/>
+                <a:alphaOff val="0"/>
+                <a:shade val="20000"/>
+                <a:satMod val="200000"/>
+              </a:schemeClr>
+              <a:schemeClr val="bg1">
+                <a:hueOff val="0"/>
+                <a:satOff val="0"/>
+                <a:lumOff val="0"/>
+                <a:alphaOff val="0"/>
+                <a:tint val="12000"/>
+                <a:satMod val="190000"/>
+              </a:schemeClr>
+            </a:duotone>
             <a:extLst>
               <a:ext uri="{28A0092B-C50C-407E-A947-70E740481C1C}">
                 <a14:useLocalDpi xmlns:a14="http://schemas.microsoft.com/office/drawing/2010/main" val="0"/>
@@ -2122,7 +2179,26 @@
           <a:avLst/>
         </a:prstGeom>
         <a:blipFill>
-          <a:blip xmlns:r="http://schemas.openxmlformats.org/officeDocument/2006/relationships" r:embed="rId4"/>
+          <a:blip xmlns:r="http://schemas.openxmlformats.org/officeDocument/2006/relationships" r:embed="rId4">
+            <a:duotone>
+              <a:schemeClr val="bg1">
+                <a:hueOff val="0"/>
+                <a:satOff val="0"/>
+                <a:lumOff val="0"/>
+                <a:alphaOff val="0"/>
+                <a:shade val="20000"/>
+                <a:satMod val="200000"/>
+              </a:schemeClr>
+              <a:schemeClr val="bg1">
+                <a:hueOff val="0"/>
+                <a:satOff val="0"/>
+                <a:lumOff val="0"/>
+                <a:alphaOff val="0"/>
+                <a:tint val="12000"/>
+                <a:satMod val="190000"/>
+              </a:schemeClr>
+            </a:duotone>
+          </a:blip>
           <a:srcRect/>
           <a:stretch>
             <a:fillRect/>
@@ -4163,7 +4239,7 @@
           <a:p>
             <a:fld id="{EA0C0817-A112-4847-8014-A94B7D2A4EA3}" type="datetime1">
               <a:rPr lang="en-US" smtClean="0"/>
-              <a:t>8/22/2021</a:t>
+              <a:t>8/23/2021</a:t>
             </a:fld>
             <a:endParaRPr lang="en-US"/>
           </a:p>
@@ -4365,7 +4441,7 @@
           <a:p>
             <a:fld id="{7332B432-ACDA-4023-A761-2BAB76577B62}" type="datetime1">
               <a:rPr lang="en-US" smtClean="0"/>
-              <a:t>8/22/2021</a:t>
+              <a:t>8/23/2021</a:t>
             </a:fld>
             <a:endParaRPr lang="en-US"/>
           </a:p>
@@ -4964,7 +5040,7 @@
           <a:p>
             <a:fld id="{D9C646AA-F36E-4540-911D-FFFC0A0EF24A}" type="datetime1">
               <a:rPr lang="en-US" smtClean="0"/>
-              <a:t>8/22/2021</a:t>
+              <a:t>8/23/2021</a:t>
             </a:fld>
             <a:endParaRPr lang="en-US"/>
           </a:p>
@@ -5284,7 +5360,7 @@
           <a:p>
             <a:fld id="{69186D26-FA5F-4637-B602-B7C2DC34CFD4}" type="datetime1">
               <a:rPr lang="en-US" smtClean="0"/>
-              <a:t>8/22/2021</a:t>
+              <a:t>8/23/2021</a:t>
             </a:fld>
             <a:endParaRPr lang="en-US"/>
           </a:p>
@@ -5721,7 +5797,7 @@
           <a:p>
             <a:fld id="{8A7F15D8-96D1-4781-BC50-CA8A088B2FE4}" type="datetime1">
               <a:rPr lang="en-US" smtClean="0"/>
-              <a:t>8/22/2021</a:t>
+              <a:t>8/23/2021</a:t>
             </a:fld>
             <a:endParaRPr lang="en-US"/>
           </a:p>
@@ -5839,7 +5915,7 @@
           <a:p>
             <a:fld id="{F9A96C99-B8F8-4528-BD05-0E16E943DC09}" type="datetime1">
               <a:rPr lang="en-US" smtClean="0"/>
-              <a:t>8/22/2021</a:t>
+              <a:t>8/23/2021</a:t>
             </a:fld>
             <a:endParaRPr lang="en-US"/>
           </a:p>
@@ -5934,7 +6010,7 @@
           <a:p>
             <a:fld id="{03636942-C211-4B28-8DBD-C953E00AF71B}" type="datetime1">
               <a:rPr lang="en-US" smtClean="0"/>
-              <a:t>8/22/2021</a:t>
+              <a:t>8/23/2021</a:t>
             </a:fld>
             <a:endParaRPr lang="en-US"/>
           </a:p>
@@ -6351,7 +6427,7 @@
           <a:p>
             <a:fld id="{7E8D12A6-918A-48BD-8CB9-CA713993B0EA}" type="datetime1">
               <a:rPr lang="en-US" smtClean="0"/>
-              <a:t>8/22/2021</a:t>
+              <a:t>8/23/2021</a:t>
             </a:fld>
             <a:endParaRPr lang="en-US"/>
           </a:p>
@@ -6612,7 +6688,7 @@
             <a:fld id="{E778CE86-875F-4587-BCF6-FA054AFC0D53}" type="datetime1">
               <a:rPr lang="en-US" smtClean="0"/>
               <a:pPr/>
-              <a:t>8/22/2021</a:t>
+              <a:t>8/23/2021</a:t>
             </a:fld>
             <a:endParaRPr lang="en-US"/>
           </a:p>
@@ -7128,7 +7204,7 @@
           <a:p>
             <a:fld id="{F6FA2B21-3FCD-4721-B95C-427943F61125}" type="datetime1">
               <a:rPr lang="en-US" smtClean="0"/>
-              <a:t>8/22/2021</a:t>
+              <a:t>8/23/2021</a:t>
             </a:fld>
             <a:endParaRPr lang="en-US"/>
           </a:p>
@@ -7923,7 +7999,7 @@
                 <a:ea typeface="+mn-ea"/>
                 <a:cs typeface="Times New Roman" panose="02020603050405020304" pitchFamily="18" charset="0"/>
               </a:rPr>
-              <a:t> chính (API)</a:t>
+              <a:t> chính (BATCH)</a:t>
             </a:r>
             <a:endParaRPr lang="en-US"/>
           </a:p>
@@ -7960,8 +8036,256 @@
               <a:t>Page:</a:t>
             </a:r>
           </a:p>
+          <a:p>
+            <a:r>
+              <a:rPr lang="en-US" sz="1800" b="1">
+                <a:latin typeface="Times New Roman" panose="02020603050405020304" pitchFamily="18" charset="0"/>
+                <a:cs typeface="Times New Roman" panose="02020603050405020304" pitchFamily="18" charset="0"/>
+              </a:rPr>
+              <a:t>Khi robot đang được điều khiển ( page control được mở) thì cần có 1 xử lý ngầm để theo dõi mức pin.</a:t>
+            </a:r>
+          </a:p>
+          <a:p>
+            <a:r>
+              <a:rPr lang="en-US" sz="1800" b="1">
+                <a:latin typeface="Times New Roman" panose="02020603050405020304" pitchFamily="18" charset="0"/>
+                <a:cs typeface="Times New Roman" panose="02020603050405020304" pitchFamily="18" charset="0"/>
+              </a:rPr>
+              <a:t>- Phần batch có nhiệm vụ check mức pin và gửi cho admin.</a:t>
+            </a:r>
+          </a:p>
+          <a:p>
+            <a:pPr lvl="1"/>
+            <a:r>
+              <a:rPr lang="en-US" sz="1600">
+                <a:latin typeface="Times New Roman" panose="02020603050405020304" pitchFamily="18" charset="0"/>
+                <a:cs typeface="Times New Roman" panose="02020603050405020304" pitchFamily="18" charset="0"/>
+              </a:rPr>
+              <a:t>Trường hợp pin &lt; 5%: sẽ bật cờ stop-mode lên khi đó ở các màn hình dành cho user trên hệ thống sẽ không thể hoạt động dc nữa, đồng thời gửi 1 sms lên số điện thoại của admin.</a:t>
+            </a:r>
+          </a:p>
+          <a:p>
+            <a:pPr lvl="1"/>
+            <a:r>
+              <a:rPr lang="en-US" sz="1700">
+                <a:latin typeface="Times New Roman" panose="02020603050405020304" pitchFamily="18" charset="0"/>
+                <a:cs typeface="Times New Roman" panose="02020603050405020304" pitchFamily="18" charset="0"/>
+              </a:rPr>
+              <a:t>Trường hợp pin &gt;5% và &lt;20%: không bật cờ stop-mode nhưng vẫn send sms tới admin</a:t>
+            </a:r>
+          </a:p>
+          <a:p>
+            <a:pPr lvl="1"/>
+            <a:r>
+              <a:rPr lang="en-US" sz="1700">
+                <a:latin typeface="Times New Roman" panose="02020603050405020304" pitchFamily="18" charset="0"/>
+                <a:cs typeface="Times New Roman" panose="02020603050405020304" pitchFamily="18" charset="0"/>
+              </a:rPr>
+              <a:t>Trường hợp đang sạc pin và pin chuẩn bị &gt;40% thì gửi sms lên các user trong hàng đợi</a:t>
+            </a:r>
+          </a:p>
         </p:txBody>
       </p:sp>
+    </p:spTree>
+    <p:extLst>
+      <p:ext uri="{BB962C8B-B14F-4D97-AF65-F5344CB8AC3E}">
+        <p14:creationId xmlns:p14="http://schemas.microsoft.com/office/powerpoint/2010/main" val="2588165473"/>
+      </p:ext>
+    </p:extLst>
+  </p:cSld>
+  <p:clrMapOvr>
+    <a:masterClrMapping/>
+  </p:clrMapOvr>
+</p:sld>
+</file>
+
+<file path=ppt/slides/slide11.xml><?xml version="1.0" encoding="utf-8"?>
+<p:sld xmlns:a="http://schemas.openxmlformats.org/drawingml/2006/main" xmlns:r="http://schemas.openxmlformats.org/officeDocument/2006/relationships" xmlns:p="http://schemas.openxmlformats.org/presentationml/2006/main">
+  <p:cSld>
+    <p:spTree>
+      <p:nvGrpSpPr>
+        <p:cNvPr id="1" name=""/>
+        <p:cNvGrpSpPr/>
+        <p:nvPr/>
+      </p:nvGrpSpPr>
+      <p:grpSpPr>
+        <a:xfrm>
+          <a:off x="0" y="0"/>
+          <a:ext cx="0" cy="0"/>
+          <a:chOff x="0" y="0"/>
+          <a:chExt cx="0" cy="0"/>
+        </a:xfrm>
+      </p:grpSpPr>
+      <p:sp>
+        <p:nvSpPr>
+          <p:cNvPr id="2" name="Title 1">
+            <a:extLst>
+              <a:ext uri="{FF2B5EF4-FFF2-40B4-BE49-F238E27FC236}">
+                <a16:creationId xmlns:a16="http://schemas.microsoft.com/office/drawing/2014/main" id="{2C4C0330-65A7-4C44-BDB7-0885CC314B41}"/>
+              </a:ext>
+            </a:extLst>
+          </p:cNvPr>
+          <p:cNvSpPr>
+            <a:spLocks noGrp="1"/>
+          </p:cNvSpPr>
+          <p:nvPr>
+            <p:ph type="title"/>
+          </p:nvPr>
+        </p:nvSpPr>
+        <p:spPr/>
+        <p:txBody>
+          <a:bodyPr/>
+          <a:lstStyle/>
+          <a:p>
+            <a:r>
+              <a:rPr lang="en-US" sz="4000" kern="1200" cap="all" err="1">
+                <a:solidFill>
+                  <a:prstClr val="black">
+                    <a:hueOff val="0"/>
+                    <a:satOff val="0"/>
+                    <a:lumOff val="0"/>
+                    <a:alphaOff val="0"/>
+                  </a:prstClr>
+                </a:solidFill>
+                <a:latin typeface="Times New Roman" panose="02020603050405020304" pitchFamily="18" charset="0"/>
+                <a:ea typeface="+mn-ea"/>
+                <a:cs typeface="Times New Roman" panose="02020603050405020304" pitchFamily="18" charset="0"/>
+              </a:rPr>
+              <a:t>Chức</a:t>
+            </a:r>
+            <a:r>
+              <a:rPr lang="en-US" sz="4000" kern="1200" cap="all">
+                <a:solidFill>
+                  <a:prstClr val="black">
+                    <a:hueOff val="0"/>
+                    <a:satOff val="0"/>
+                    <a:lumOff val="0"/>
+                    <a:alphaOff val="0"/>
+                  </a:prstClr>
+                </a:solidFill>
+                <a:latin typeface="Times New Roman" panose="02020603050405020304" pitchFamily="18" charset="0"/>
+                <a:ea typeface="+mn-ea"/>
+                <a:cs typeface="Times New Roman" panose="02020603050405020304" pitchFamily="18" charset="0"/>
+              </a:rPr>
+              <a:t> </a:t>
+            </a:r>
+            <a:r>
+              <a:rPr lang="en-US" sz="4000" kern="1200" cap="all" err="1">
+                <a:solidFill>
+                  <a:prstClr val="black">
+                    <a:hueOff val="0"/>
+                    <a:satOff val="0"/>
+                    <a:lumOff val="0"/>
+                    <a:alphaOff val="0"/>
+                  </a:prstClr>
+                </a:solidFill>
+                <a:latin typeface="Times New Roman" panose="02020603050405020304" pitchFamily="18" charset="0"/>
+                <a:ea typeface="+mn-ea"/>
+                <a:cs typeface="Times New Roman" panose="02020603050405020304" pitchFamily="18" charset="0"/>
+              </a:rPr>
+              <a:t>Năng</a:t>
+            </a:r>
+            <a:r>
+              <a:rPr lang="en-US" sz="4000" kern="1200" cap="all">
+                <a:solidFill>
+                  <a:prstClr val="black">
+                    <a:hueOff val="0"/>
+                    <a:satOff val="0"/>
+                    <a:lumOff val="0"/>
+                    <a:alphaOff val="0"/>
+                  </a:prstClr>
+                </a:solidFill>
+                <a:latin typeface="Times New Roman" panose="02020603050405020304" pitchFamily="18" charset="0"/>
+                <a:ea typeface="+mn-ea"/>
+                <a:cs typeface="Times New Roman" panose="02020603050405020304" pitchFamily="18" charset="0"/>
+              </a:rPr>
+              <a:t> chính (API)</a:t>
+            </a:r>
+            <a:endParaRPr lang="en-US"/>
+          </a:p>
+        </p:txBody>
+      </p:sp>
+      <p:sp>
+        <p:nvSpPr>
+          <p:cNvPr id="3" name="Content Placeholder 2">
+            <a:extLst>
+              <a:ext uri="{FF2B5EF4-FFF2-40B4-BE49-F238E27FC236}">
+                <a16:creationId xmlns:a16="http://schemas.microsoft.com/office/drawing/2014/main" id="{6BD33AFF-0007-470D-A40C-FD28176A68C2}"/>
+              </a:ext>
+            </a:extLst>
+          </p:cNvPr>
+          <p:cNvSpPr>
+            <a:spLocks noGrp="1"/>
+          </p:cNvSpPr>
+          <p:nvPr>
+            <p:ph idx="1"/>
+          </p:nvPr>
+        </p:nvSpPr>
+        <p:spPr/>
+        <p:txBody>
+          <a:bodyPr>
+            <a:normAutofit/>
+          </a:bodyPr>
+          <a:lstStyle/>
+          <a:p>
+            <a:r>
+              <a:rPr lang="en-US" sz="1800" b="1">
+                <a:latin typeface="Times New Roman" panose="02020603050405020304" pitchFamily="18" charset="0"/>
+                <a:cs typeface="Times New Roman" panose="02020603050405020304" pitchFamily="18" charset="0"/>
+              </a:rPr>
+              <a:t>Để có thể giao tiếp giữa robot và web-server thì cần có 1 api giao tiếp.</a:t>
+            </a:r>
+          </a:p>
+          <a:p>
+            <a:r>
+              <a:rPr lang="en-US" sz="1800" b="1">
+                <a:latin typeface="Times New Roman" panose="02020603050405020304" pitchFamily="18" charset="0"/>
+                <a:cs typeface="Times New Roman" panose="02020603050405020304" pitchFamily="18" charset="0"/>
+              </a:rPr>
+              <a:t>Mỗi robot sẽ có 1 khóa bí mật riêng, chỉ đúng khóa đó với có thể gọi dc API này</a:t>
+            </a:r>
+          </a:p>
+          <a:p>
+            <a:r>
+              <a:rPr lang="en-US" sz="1800" b="1">
+                <a:latin typeface="Times New Roman" panose="02020603050405020304" pitchFamily="18" charset="0"/>
+                <a:cs typeface="Times New Roman" panose="02020603050405020304" pitchFamily="18" charset="0"/>
+              </a:rPr>
+              <a:t>Ở web khi gọi vào API cũng cần có 1 token riêng, update mới sau mỗi lần điều khiển</a:t>
+            </a:r>
+          </a:p>
+        </p:txBody>
+      </p:sp>
+      <p:pic>
+        <p:nvPicPr>
+          <p:cNvPr id="5" name="Picture 4">
+            <a:extLst>
+              <a:ext uri="{FF2B5EF4-FFF2-40B4-BE49-F238E27FC236}">
+                <a16:creationId xmlns:a16="http://schemas.microsoft.com/office/drawing/2014/main" id="{D86E61EC-0549-4F5F-A629-D625A9BFF535}"/>
+              </a:ext>
+            </a:extLst>
+          </p:cNvPr>
+          <p:cNvPicPr>
+            <a:picLocks noChangeAspect="1"/>
+          </p:cNvPicPr>
+          <p:nvPr/>
+        </p:nvPicPr>
+        <p:blipFill>
+          <a:blip r:embed="rId2"/>
+          <a:stretch>
+            <a:fillRect/>
+          </a:stretch>
+        </p:blipFill>
+        <p:spPr>
+          <a:xfrm>
+            <a:off x="2273296" y="3721648"/>
+            <a:ext cx="6982799" cy="2038635"/>
+          </a:xfrm>
+          <a:prstGeom prst="rect">
+            <a:avLst/>
+          </a:prstGeom>
+        </p:spPr>
+      </p:pic>
     </p:spTree>
     <p:extLst>
       <p:ext uri="{BB962C8B-B14F-4D97-AF65-F5344CB8AC3E}">
@@ -7975,7 +8299,7 @@
 </p:sld>
 </file>
 
-<file path=ppt/slides/slide11.xml><?xml version="1.0" encoding="utf-8"?>
+<file path=ppt/slides/slide12.xml><?xml version="1.0" encoding="utf-8"?>
 <p:sld xmlns:a="http://schemas.openxmlformats.org/drawingml/2006/main" xmlns:r="http://schemas.openxmlformats.org/officeDocument/2006/relationships" xmlns:p="http://schemas.openxmlformats.org/presentationml/2006/main">
   <p:cSld>
     <p:spTree>
@@ -8267,7 +8591,7 @@
 </p:sld>
 </file>
 
-<file path=ppt/slides/slide12.xml><?xml version="1.0" encoding="utf-8"?>
+<file path=ppt/slides/slide13.xml><?xml version="1.0" encoding="utf-8"?>
 <p:sld xmlns:a="http://schemas.openxmlformats.org/drawingml/2006/main" xmlns:r="http://schemas.openxmlformats.org/officeDocument/2006/relationships" xmlns:p="http://schemas.openxmlformats.org/presentationml/2006/main">
   <p:cSld>
     <p:spTree>
@@ -8312,7 +8636,14 @@
                 <a:latin typeface="Times New Roman" panose="02020603050405020304" pitchFamily="18" charset="0"/>
                 <a:cs typeface="Times New Roman" panose="02020603050405020304" pitchFamily="18" charset="0"/>
               </a:rPr>
-              <a:t>Cánh tay: dung để ấn vào nút restart, nó có thể nâng lên hạ xuống cho phù hợp với vị trí của button restart</a:t>
+              <a:t>Cánh tay: </a:t>
+            </a:r>
+            <a:r>
+              <a:rPr lang="en-US" sz="1800">
+                <a:latin typeface="Times New Roman" panose="02020603050405020304" pitchFamily="18" charset="0"/>
+                <a:cs typeface="Times New Roman" panose="02020603050405020304" pitchFamily="18" charset="0"/>
+              </a:rPr>
+              <a:t>dung để ấn vào nút restart, nó có thể nâng lên hạ xuống cho phù hợp với vị trí của button restart, được điều khiển ở page control</a:t>
             </a:r>
           </a:p>
           <a:p>
@@ -8546,6 +8877,36 @@
           </a:p>
         </p:txBody>
       </p:sp>
+      <p:pic>
+        <p:nvPicPr>
+          <p:cNvPr id="5" name="Picture 4">
+            <a:extLst>
+              <a:ext uri="{FF2B5EF4-FFF2-40B4-BE49-F238E27FC236}">
+                <a16:creationId xmlns:a16="http://schemas.microsoft.com/office/drawing/2014/main" id="{ED4961BD-CEA7-4FD3-B485-CE14EA9E01B2}"/>
+              </a:ext>
+            </a:extLst>
+          </p:cNvPr>
+          <p:cNvPicPr>
+            <a:picLocks noChangeAspect="1"/>
+          </p:cNvPicPr>
+          <p:nvPr/>
+        </p:nvPicPr>
+        <p:blipFill>
+          <a:blip r:embed="rId3"/>
+          <a:stretch>
+            <a:fillRect/>
+          </a:stretch>
+        </p:blipFill>
+        <p:spPr>
+          <a:xfrm>
+            <a:off x="6839251" y="2862138"/>
+            <a:ext cx="4782217" cy="3353268"/>
+          </a:xfrm>
+          <a:prstGeom prst="rect">
+            <a:avLst/>
+          </a:prstGeom>
+        </p:spPr>
+      </p:pic>
     </p:spTree>
     <p:extLst>
       <p:ext uri="{BB962C8B-B14F-4D97-AF65-F5344CB8AC3E}">
@@ -8559,7 +8920,7 @@
 </p:sld>
 </file>
 
-<file path=ppt/slides/slide13.xml><?xml version="1.0" encoding="utf-8"?>
+<file path=ppt/slides/slide14.xml><?xml version="1.0" encoding="utf-8"?>
 <p:sld xmlns:a="http://schemas.openxmlformats.org/drawingml/2006/main" xmlns:r="http://schemas.openxmlformats.org/officeDocument/2006/relationships" xmlns:p="http://schemas.openxmlformats.org/presentationml/2006/main">
   <p:cSld>
     <p:spTree>
@@ -8604,7 +8965,14 @@
                 <a:latin typeface="Times New Roman" panose="02020603050405020304" pitchFamily="18" charset="0"/>
                 <a:cs typeface="Times New Roman" panose="02020603050405020304" pitchFamily="18" charset="0"/>
               </a:rPr>
-              <a:t>Bánh xe điều hướng: có thể tiến lùi, đi trái, phải 1 cách linh hoạt</a:t>
+              <a:t>Bánh xe điều hướng: </a:t>
+            </a:r>
+            <a:r>
+              <a:rPr lang="en-US" sz="1800">
+                <a:latin typeface="Times New Roman" panose="02020603050405020304" pitchFamily="18" charset="0"/>
+                <a:cs typeface="Times New Roman" panose="02020603050405020304" pitchFamily="18" charset="0"/>
+              </a:rPr>
+              <a:t>có thể tiến lùi, đi trái, phải 1 cách linh hoạt, được ddieu khiển ở page control</a:t>
             </a:r>
           </a:p>
           <a:p>
@@ -8838,6 +9206,36 @@
           </a:p>
         </p:txBody>
       </p:sp>
+      <p:pic>
+        <p:nvPicPr>
+          <p:cNvPr id="10" name="Picture 9">
+            <a:extLst>
+              <a:ext uri="{FF2B5EF4-FFF2-40B4-BE49-F238E27FC236}">
+                <a16:creationId xmlns:a16="http://schemas.microsoft.com/office/drawing/2014/main" id="{598C793D-A2DD-410C-8214-652BDD1ACA10}"/>
+              </a:ext>
+            </a:extLst>
+          </p:cNvPr>
+          <p:cNvPicPr>
+            <a:picLocks noChangeAspect="1"/>
+          </p:cNvPicPr>
+          <p:nvPr/>
+        </p:nvPicPr>
+        <p:blipFill>
+          <a:blip r:embed="rId3"/>
+          <a:stretch>
+            <a:fillRect/>
+          </a:stretch>
+        </p:blipFill>
+        <p:spPr>
+          <a:xfrm>
+            <a:off x="6427224" y="2561005"/>
+            <a:ext cx="4544059" cy="3534268"/>
+          </a:xfrm>
+          <a:prstGeom prst="rect">
+            <a:avLst/>
+          </a:prstGeom>
+        </p:spPr>
+      </p:pic>
     </p:spTree>
     <p:extLst>
       <p:ext uri="{BB962C8B-B14F-4D97-AF65-F5344CB8AC3E}">
@@ -8851,7 +9249,7 @@
 </p:sld>
 </file>
 
-<file path=ppt/slides/slide14.xml><?xml version="1.0" encoding="utf-8"?>
+<file path=ppt/slides/slide15.xml><?xml version="1.0" encoding="utf-8"?>
 <p:sld xmlns:a="http://schemas.openxmlformats.org/drawingml/2006/main" xmlns:r="http://schemas.openxmlformats.org/officeDocument/2006/relationships" xmlns:p="http://schemas.openxmlformats.org/presentationml/2006/main">
   <p:cSld>
     <p:spTree>
@@ -8896,7 +9294,7 @@
                 <a:latin typeface="Times New Roman" panose="02020603050405020304" pitchFamily="18" charset="0"/>
                 <a:cs typeface="Times New Roman" panose="02020603050405020304" pitchFamily="18" charset="0"/>
               </a:rPr>
-              <a:t>Module sạc pin: chỉ cần điều khiển robot về vị trí module, xạc sẽ tự kết nối</a:t>
+              <a:t>Module sạc pin: chỉ cần điều khiển robot về vị trí module, sạc sẽ tự kết nối</a:t>
             </a:r>
           </a:p>
         </p:txBody>
@@ -9167,7 +9565,7 @@
 </p:sld>
 </file>
 
-<file path=ppt/slides/slide15.xml><?xml version="1.0" encoding="utf-8"?>
+<file path=ppt/slides/slide16.xml><?xml version="1.0" encoding="utf-8"?>
 <p:sld xmlns:a="http://schemas.openxmlformats.org/drawingml/2006/main" xmlns:r="http://schemas.openxmlformats.org/officeDocument/2006/relationships" xmlns:p="http://schemas.openxmlformats.org/presentationml/2006/main">
   <p:cSld>
     <p:spTree>
@@ -9420,7 +9818,7 @@
 </p:sld>
 </file>
 
-<file path=ppt/slides/slide16.xml><?xml version="1.0" encoding="utf-8"?>
+<file path=ppt/slides/slide17.xml><?xml version="1.0" encoding="utf-8"?>
 <p:sld xmlns:a="http://schemas.openxmlformats.org/drawingml/2006/main" xmlns:r="http://schemas.openxmlformats.org/officeDocument/2006/relationships" xmlns:p="http://schemas.openxmlformats.org/presentationml/2006/main">
   <p:cSld>
     <p:spTree>
@@ -9714,281 +10112,6 @@
 </p:sld>
 </file>
 
-<file path=ppt/slides/slide17.xml><?xml version="1.0" encoding="utf-8"?>
-<p:sld xmlns:a="http://schemas.openxmlformats.org/drawingml/2006/main" xmlns:r="http://schemas.openxmlformats.org/officeDocument/2006/relationships" xmlns:p="http://schemas.openxmlformats.org/presentationml/2006/main">
-  <p:cSld>
-    <p:spTree>
-      <p:nvGrpSpPr>
-        <p:cNvPr id="1" name=""/>
-        <p:cNvGrpSpPr/>
-        <p:nvPr/>
-      </p:nvGrpSpPr>
-      <p:grpSpPr>
-        <a:xfrm>
-          <a:off x="0" y="0"/>
-          <a:ext cx="0" cy="0"/>
-          <a:chOff x="0" y="0"/>
-          <a:chExt cx="0" cy="0"/>
-        </a:xfrm>
-      </p:grpSpPr>
-      <p:sp>
-        <p:nvSpPr>
-          <p:cNvPr id="2" name="Title 1">
-            <a:extLst>
-              <a:ext uri="{FF2B5EF4-FFF2-40B4-BE49-F238E27FC236}">
-                <a16:creationId xmlns:a16="http://schemas.microsoft.com/office/drawing/2014/main" id="{2C4C0330-65A7-4C44-BDB7-0885CC314B41}"/>
-              </a:ext>
-            </a:extLst>
-          </p:cNvPr>
-          <p:cNvSpPr>
-            <a:spLocks noGrp="1"/>
-          </p:cNvSpPr>
-          <p:nvPr>
-            <p:ph type="title"/>
-          </p:nvPr>
-        </p:nvSpPr>
-        <p:spPr/>
-        <p:txBody>
-          <a:bodyPr/>
-          <a:lstStyle/>
-          <a:p>
-            <a:pPr lvl="0">
-              <a:lnSpc>
-                <a:spcPct val="100000"/>
-              </a:lnSpc>
-              <a:defRPr cap="all"/>
-            </a:pPr>
-            <a:r>
-              <a:rPr lang="en-US" sz="4000" kern="1200" cap="all" err="1">
-                <a:latin typeface="Consolas" panose="020B0609020204030204" pitchFamily="49" charset="0"/>
-                <a:cs typeface="Times New Roman" panose="02020603050405020304" pitchFamily="18" charset="0"/>
-              </a:rPr>
-              <a:t>Cấu</a:t>
-            </a:r>
-            <a:r>
-              <a:rPr lang="en-US" sz="4000" kern="1200" cap="all">
-                <a:latin typeface="Consolas" panose="020B0609020204030204" pitchFamily="49" charset="0"/>
-                <a:cs typeface="Times New Roman" panose="02020603050405020304" pitchFamily="18" charset="0"/>
-              </a:rPr>
-              <a:t> hình (Web-server)</a:t>
-            </a:r>
-          </a:p>
-        </p:txBody>
-      </p:sp>
-      <p:sp>
-        <p:nvSpPr>
-          <p:cNvPr id="3" name="Content Placeholder 2">
-            <a:extLst>
-              <a:ext uri="{FF2B5EF4-FFF2-40B4-BE49-F238E27FC236}">
-                <a16:creationId xmlns:a16="http://schemas.microsoft.com/office/drawing/2014/main" id="{6BD33AFF-0007-470D-A40C-FD28176A68C2}"/>
-              </a:ext>
-            </a:extLst>
-          </p:cNvPr>
-          <p:cNvSpPr>
-            <a:spLocks noGrp="1"/>
-          </p:cNvSpPr>
-          <p:nvPr>
-            <p:ph idx="1"/>
-          </p:nvPr>
-        </p:nvSpPr>
-        <p:spPr/>
-        <p:txBody>
-          <a:bodyPr>
-            <a:normAutofit/>
-          </a:bodyPr>
-          <a:lstStyle/>
-          <a:p>
-            <a:r>
-              <a:rPr lang="en-US" sz="2400" b="1">
-                <a:latin typeface="Consolas" panose="020B0609020204030204" pitchFamily="49" charset="0"/>
-                <a:cs typeface="Times New Roman" panose="02020603050405020304" pitchFamily="18" charset="0"/>
-              </a:rPr>
-              <a:t>Web-server</a:t>
-            </a:r>
-            <a:r>
-              <a:rPr lang="en-US" sz="1600" b="1">
-                <a:latin typeface="Consolas" panose="020B0609020204030204" pitchFamily="49" charset="0"/>
-                <a:cs typeface="Times New Roman" panose="02020603050405020304" pitchFamily="18" charset="0"/>
-              </a:rPr>
-              <a:t>:</a:t>
-            </a:r>
-          </a:p>
-          <a:p>
-            <a:pPr marL="548640" lvl="2" indent="0">
-              <a:buNone/>
-            </a:pPr>
-            <a:r>
-              <a:rPr lang="en-US" sz="1800" b="1">
-                <a:latin typeface="Consolas" panose="020B0609020204030204" pitchFamily="49" charset="0"/>
-                <a:cs typeface="Times New Roman" panose="02020603050405020304" pitchFamily="18" charset="0"/>
-              </a:rPr>
-              <a:t>Khởi động:</a:t>
-            </a:r>
-          </a:p>
-          <a:p>
-            <a:pPr marL="822960" lvl="3" indent="0">
-              <a:buNone/>
-            </a:pPr>
-            <a:r>
-              <a:rPr lang="en-US" sz="1800">
-                <a:latin typeface="Consolas" panose="020B0609020204030204" pitchFamily="49" charset="0"/>
-                <a:cs typeface="Times New Roman" panose="02020603050405020304" pitchFamily="18" charset="0"/>
-              </a:rPr>
-              <a:t>Dùng maven, export dc file </a:t>
-            </a:r>
-            <a:r>
-              <a:rPr lang="en-US" sz="1800">
-                <a:solidFill>
-                  <a:srgbClr val="FF0000"/>
-                </a:solidFill>
-                <a:latin typeface="Consolas" panose="020B0609020204030204" pitchFamily="49" charset="0"/>
-                <a:cs typeface="Times New Roman" panose="02020603050405020304" pitchFamily="18" charset="0"/>
-              </a:rPr>
-              <a:t>restart.jar</a:t>
-            </a:r>
-            <a:r>
-              <a:rPr lang="en-US" sz="1800">
-                <a:latin typeface="Consolas" panose="020B0609020204030204" pitchFamily="49" charset="0"/>
-                <a:cs typeface="Times New Roman" panose="02020603050405020304" pitchFamily="18" charset="0"/>
-              </a:rPr>
-              <a:t>.</a:t>
-            </a:r>
-          </a:p>
-          <a:p>
-            <a:pPr marL="822960" lvl="3" indent="0">
-              <a:buNone/>
-            </a:pPr>
-            <a:r>
-              <a:rPr lang="en-US" sz="1800">
-                <a:latin typeface="Consolas" panose="020B0609020204030204" pitchFamily="49" charset="0"/>
-                <a:cs typeface="Times New Roman" panose="02020603050405020304" pitchFamily="18" charset="0"/>
-              </a:rPr>
-              <a:t>Command: </a:t>
-            </a:r>
-            <a:r>
-              <a:rPr lang="en-US" sz="1800">
-                <a:solidFill>
-                  <a:srgbClr val="FF0000"/>
-                </a:solidFill>
-                <a:latin typeface="Consolas" panose="020B0609020204030204" pitchFamily="49" charset="0"/>
-                <a:cs typeface="Times New Roman" panose="02020603050405020304" pitchFamily="18" charset="0"/>
-              </a:rPr>
-              <a:t>java –jar restart.jar</a:t>
-            </a:r>
-          </a:p>
-          <a:p>
-            <a:pPr lvl="2"/>
-            <a:endParaRPr lang="en-US" sz="1500">
-              <a:solidFill>
-                <a:srgbClr val="FF0000"/>
-              </a:solidFill>
-              <a:latin typeface="Consolas" panose="020B0609020204030204" pitchFamily="49" charset="0"/>
-              <a:cs typeface="Times New Roman" panose="02020603050405020304" pitchFamily="18" charset="0"/>
-            </a:endParaRPr>
-          </a:p>
-          <a:p>
-            <a:r>
-              <a:rPr lang="en-US" sz="2400">
-                <a:latin typeface="Consolas" panose="020B0609020204030204" pitchFamily="49" charset="0"/>
-                <a:cs typeface="Times New Roman" panose="02020603050405020304" pitchFamily="18" charset="0"/>
-              </a:rPr>
-              <a:t>Socket server (server dùng để stream camera)</a:t>
-            </a:r>
-          </a:p>
-          <a:p>
-            <a:pPr lvl="1"/>
-            <a:r>
-              <a:rPr lang="en-US" sz="1800" b="1">
-                <a:latin typeface="Consolas" panose="020B0609020204030204" pitchFamily="49" charset="0"/>
-                <a:cs typeface="Times New Roman" panose="02020603050405020304" pitchFamily="18" charset="0"/>
-              </a:rPr>
-              <a:t>Khởi động:</a:t>
-            </a:r>
-          </a:p>
-          <a:p>
-            <a:pPr lvl="2"/>
-            <a:r>
-              <a:rPr lang="en-US" sz="1800">
-                <a:latin typeface="Consolas" panose="020B0609020204030204" pitchFamily="49" charset="0"/>
-                <a:cs typeface="Times New Roman" panose="02020603050405020304" pitchFamily="18" charset="0"/>
-              </a:rPr>
-              <a:t>Truy cập: </a:t>
-            </a:r>
-            <a:r>
-              <a:rPr lang="en-US" sz="1800">
-                <a:solidFill>
-                  <a:srgbClr val="FF0000"/>
-                </a:solidFill>
-                <a:latin typeface="Consolas" panose="020B0609020204030204" pitchFamily="49" charset="0"/>
-                <a:cs typeface="Times New Roman" panose="02020603050405020304" pitchFamily="18" charset="0"/>
-              </a:rPr>
-              <a:t>cd /restart/src/main/robot/nodejs_server</a:t>
-            </a:r>
-          </a:p>
-          <a:p>
-            <a:pPr lvl="2"/>
-            <a:r>
-              <a:rPr lang="en-US" sz="1800">
-                <a:latin typeface="Consolas" panose="020B0609020204030204" pitchFamily="49" charset="0"/>
-                <a:cs typeface="Times New Roman" panose="02020603050405020304" pitchFamily="18" charset="0"/>
-              </a:rPr>
-              <a:t>Install: </a:t>
-            </a:r>
-            <a:r>
-              <a:rPr lang="en-US" sz="1800">
-                <a:solidFill>
-                  <a:srgbClr val="FF0000"/>
-                </a:solidFill>
-                <a:latin typeface="Consolas" panose="020B0609020204030204" pitchFamily="49" charset="0"/>
-                <a:cs typeface="Times New Roman" panose="02020603050405020304" pitchFamily="18" charset="0"/>
-              </a:rPr>
-              <a:t>install i –s</a:t>
-            </a:r>
-          </a:p>
-          <a:p>
-            <a:pPr lvl="2"/>
-            <a:r>
-              <a:rPr lang="en-US" sz="1800">
-                <a:latin typeface="Consolas" panose="020B0609020204030204" pitchFamily="49" charset="0"/>
-                <a:cs typeface="Times New Roman" panose="02020603050405020304" pitchFamily="18" charset="0"/>
-              </a:rPr>
-              <a:t>Start: </a:t>
-            </a:r>
-            <a:r>
-              <a:rPr lang="en-US" sz="1800">
-                <a:solidFill>
-                  <a:srgbClr val="FF0000"/>
-                </a:solidFill>
-                <a:latin typeface="Consolas" panose="020B0609020204030204" pitchFamily="49" charset="0"/>
-                <a:cs typeface="Times New Roman" panose="02020603050405020304" pitchFamily="18" charset="0"/>
-              </a:rPr>
-              <a:t>node app.js</a:t>
-            </a:r>
-          </a:p>
-          <a:p>
-            <a:endParaRPr lang="en-US" sz="1800">
-              <a:solidFill>
-                <a:srgbClr val="FF0000"/>
-              </a:solidFill>
-              <a:latin typeface="Times New Roman" panose="02020603050405020304" pitchFamily="18" charset="0"/>
-              <a:cs typeface="Times New Roman" panose="02020603050405020304" pitchFamily="18" charset="0"/>
-            </a:endParaRPr>
-          </a:p>
-        </p:txBody>
-      </p:sp>
-    </p:spTree>
-    <p:extLst>
-      <p:ext uri="{BB962C8B-B14F-4D97-AF65-F5344CB8AC3E}">
-        <p14:creationId xmlns:p14="http://schemas.microsoft.com/office/powerpoint/2010/main" val="4183662046"/>
-      </p:ext>
-    </p:extLst>
-  </p:cSld>
-  <p:clrMapOvr>
-    <a:masterClrMapping/>
-  </p:clrMapOvr>
-</p:sld>
-</file>
-
 <file path=ppt/slides/slide18.xml><?xml version="1.0" encoding="utf-8"?>
 <p:sld xmlns:a="http://schemas.openxmlformats.org/drawingml/2006/main" xmlns:r="http://schemas.openxmlformats.org/officeDocument/2006/relationships" xmlns:p="http://schemas.openxmlformats.org/presentationml/2006/main">
   <p:cSld>
@@ -10045,6 +10168,281 @@
                 <a:latin typeface="Consolas" panose="020B0609020204030204" pitchFamily="49" charset="0"/>
                 <a:cs typeface="Times New Roman" panose="02020603050405020304" pitchFamily="18" charset="0"/>
               </a:rPr>
+              <a:t> hình (Web-server)</a:t>
+            </a:r>
+          </a:p>
+        </p:txBody>
+      </p:sp>
+      <p:sp>
+        <p:nvSpPr>
+          <p:cNvPr id="3" name="Content Placeholder 2">
+            <a:extLst>
+              <a:ext uri="{FF2B5EF4-FFF2-40B4-BE49-F238E27FC236}">
+                <a16:creationId xmlns:a16="http://schemas.microsoft.com/office/drawing/2014/main" id="{6BD33AFF-0007-470D-A40C-FD28176A68C2}"/>
+              </a:ext>
+            </a:extLst>
+          </p:cNvPr>
+          <p:cNvSpPr>
+            <a:spLocks noGrp="1"/>
+          </p:cNvSpPr>
+          <p:nvPr>
+            <p:ph idx="1"/>
+          </p:nvPr>
+        </p:nvSpPr>
+        <p:spPr/>
+        <p:txBody>
+          <a:bodyPr>
+            <a:normAutofit/>
+          </a:bodyPr>
+          <a:lstStyle/>
+          <a:p>
+            <a:r>
+              <a:rPr lang="en-US" sz="2400" b="1">
+                <a:latin typeface="Consolas" panose="020B0609020204030204" pitchFamily="49" charset="0"/>
+                <a:cs typeface="Times New Roman" panose="02020603050405020304" pitchFamily="18" charset="0"/>
+              </a:rPr>
+              <a:t>Web-server</a:t>
+            </a:r>
+            <a:r>
+              <a:rPr lang="en-US" sz="1600" b="1">
+                <a:latin typeface="Consolas" panose="020B0609020204030204" pitchFamily="49" charset="0"/>
+                <a:cs typeface="Times New Roman" panose="02020603050405020304" pitchFamily="18" charset="0"/>
+              </a:rPr>
+              <a:t>:</a:t>
+            </a:r>
+          </a:p>
+          <a:p>
+            <a:pPr marL="548640" lvl="2" indent="0">
+              <a:buNone/>
+            </a:pPr>
+            <a:r>
+              <a:rPr lang="en-US" sz="1800" b="1">
+                <a:latin typeface="Consolas" panose="020B0609020204030204" pitchFamily="49" charset="0"/>
+                <a:cs typeface="Times New Roman" panose="02020603050405020304" pitchFamily="18" charset="0"/>
+              </a:rPr>
+              <a:t>Khởi động:</a:t>
+            </a:r>
+          </a:p>
+          <a:p>
+            <a:pPr marL="822960" lvl="3" indent="0">
+              <a:buNone/>
+            </a:pPr>
+            <a:r>
+              <a:rPr lang="en-US" sz="1800">
+                <a:latin typeface="Consolas" panose="020B0609020204030204" pitchFamily="49" charset="0"/>
+                <a:cs typeface="Times New Roman" panose="02020603050405020304" pitchFamily="18" charset="0"/>
+              </a:rPr>
+              <a:t>Dùng maven, export dc file </a:t>
+            </a:r>
+            <a:r>
+              <a:rPr lang="en-US" sz="1800">
+                <a:solidFill>
+                  <a:srgbClr val="FF0000"/>
+                </a:solidFill>
+                <a:latin typeface="Consolas" panose="020B0609020204030204" pitchFamily="49" charset="0"/>
+                <a:cs typeface="Times New Roman" panose="02020603050405020304" pitchFamily="18" charset="0"/>
+              </a:rPr>
+              <a:t>restart.jar</a:t>
+            </a:r>
+            <a:r>
+              <a:rPr lang="en-US" sz="1800">
+                <a:latin typeface="Consolas" panose="020B0609020204030204" pitchFamily="49" charset="0"/>
+                <a:cs typeface="Times New Roman" panose="02020603050405020304" pitchFamily="18" charset="0"/>
+              </a:rPr>
+              <a:t>.</a:t>
+            </a:r>
+          </a:p>
+          <a:p>
+            <a:pPr marL="822960" lvl="3" indent="0">
+              <a:buNone/>
+            </a:pPr>
+            <a:r>
+              <a:rPr lang="en-US" sz="1800">
+                <a:latin typeface="Consolas" panose="020B0609020204030204" pitchFamily="49" charset="0"/>
+                <a:cs typeface="Times New Roman" panose="02020603050405020304" pitchFamily="18" charset="0"/>
+              </a:rPr>
+              <a:t>Command: </a:t>
+            </a:r>
+            <a:r>
+              <a:rPr lang="en-US" sz="1800">
+                <a:solidFill>
+                  <a:srgbClr val="FF0000"/>
+                </a:solidFill>
+                <a:latin typeface="Consolas" panose="020B0609020204030204" pitchFamily="49" charset="0"/>
+                <a:cs typeface="Times New Roman" panose="02020603050405020304" pitchFamily="18" charset="0"/>
+              </a:rPr>
+              <a:t>java –jar restart.jar</a:t>
+            </a:r>
+          </a:p>
+          <a:p>
+            <a:pPr lvl="2"/>
+            <a:endParaRPr lang="en-US" sz="1500">
+              <a:solidFill>
+                <a:srgbClr val="FF0000"/>
+              </a:solidFill>
+              <a:latin typeface="Consolas" panose="020B0609020204030204" pitchFamily="49" charset="0"/>
+              <a:cs typeface="Times New Roman" panose="02020603050405020304" pitchFamily="18" charset="0"/>
+            </a:endParaRPr>
+          </a:p>
+          <a:p>
+            <a:r>
+              <a:rPr lang="en-US" sz="2400">
+                <a:latin typeface="Consolas" panose="020B0609020204030204" pitchFamily="49" charset="0"/>
+                <a:cs typeface="Times New Roman" panose="02020603050405020304" pitchFamily="18" charset="0"/>
+              </a:rPr>
+              <a:t>Socket server (server dùng để stream camera)</a:t>
+            </a:r>
+          </a:p>
+          <a:p>
+            <a:pPr lvl="1"/>
+            <a:r>
+              <a:rPr lang="en-US" sz="1800" b="1">
+                <a:latin typeface="Consolas" panose="020B0609020204030204" pitchFamily="49" charset="0"/>
+                <a:cs typeface="Times New Roman" panose="02020603050405020304" pitchFamily="18" charset="0"/>
+              </a:rPr>
+              <a:t>Khởi động:</a:t>
+            </a:r>
+          </a:p>
+          <a:p>
+            <a:pPr lvl="2"/>
+            <a:r>
+              <a:rPr lang="en-US" sz="1800">
+                <a:latin typeface="Consolas" panose="020B0609020204030204" pitchFamily="49" charset="0"/>
+                <a:cs typeface="Times New Roman" panose="02020603050405020304" pitchFamily="18" charset="0"/>
+              </a:rPr>
+              <a:t>Truy cập: </a:t>
+            </a:r>
+            <a:r>
+              <a:rPr lang="en-US" sz="1800">
+                <a:solidFill>
+                  <a:srgbClr val="FF0000"/>
+                </a:solidFill>
+                <a:latin typeface="Consolas" panose="020B0609020204030204" pitchFamily="49" charset="0"/>
+                <a:cs typeface="Times New Roman" panose="02020603050405020304" pitchFamily="18" charset="0"/>
+              </a:rPr>
+              <a:t>cd /restart/src/main/robot/nodejs_server</a:t>
+            </a:r>
+          </a:p>
+          <a:p>
+            <a:pPr lvl="2"/>
+            <a:r>
+              <a:rPr lang="en-US" sz="1800">
+                <a:latin typeface="Consolas" panose="020B0609020204030204" pitchFamily="49" charset="0"/>
+                <a:cs typeface="Times New Roman" panose="02020603050405020304" pitchFamily="18" charset="0"/>
+              </a:rPr>
+              <a:t>Install: </a:t>
+            </a:r>
+            <a:r>
+              <a:rPr lang="en-US" sz="1800">
+                <a:solidFill>
+                  <a:srgbClr val="FF0000"/>
+                </a:solidFill>
+                <a:latin typeface="Consolas" panose="020B0609020204030204" pitchFamily="49" charset="0"/>
+                <a:cs typeface="Times New Roman" panose="02020603050405020304" pitchFamily="18" charset="0"/>
+              </a:rPr>
+              <a:t>install i –s</a:t>
+            </a:r>
+          </a:p>
+          <a:p>
+            <a:pPr lvl="2"/>
+            <a:r>
+              <a:rPr lang="en-US" sz="1800">
+                <a:latin typeface="Consolas" panose="020B0609020204030204" pitchFamily="49" charset="0"/>
+                <a:cs typeface="Times New Roman" panose="02020603050405020304" pitchFamily="18" charset="0"/>
+              </a:rPr>
+              <a:t>Start: </a:t>
+            </a:r>
+            <a:r>
+              <a:rPr lang="en-US" sz="1800">
+                <a:solidFill>
+                  <a:srgbClr val="FF0000"/>
+                </a:solidFill>
+                <a:latin typeface="Consolas" panose="020B0609020204030204" pitchFamily="49" charset="0"/>
+                <a:cs typeface="Times New Roman" panose="02020603050405020304" pitchFamily="18" charset="0"/>
+              </a:rPr>
+              <a:t>node app.js</a:t>
+            </a:r>
+          </a:p>
+          <a:p>
+            <a:endParaRPr lang="en-US" sz="1800">
+              <a:solidFill>
+                <a:srgbClr val="FF0000"/>
+              </a:solidFill>
+              <a:latin typeface="Times New Roman" panose="02020603050405020304" pitchFamily="18" charset="0"/>
+              <a:cs typeface="Times New Roman" panose="02020603050405020304" pitchFamily="18" charset="0"/>
+            </a:endParaRPr>
+          </a:p>
+        </p:txBody>
+      </p:sp>
+    </p:spTree>
+    <p:extLst>
+      <p:ext uri="{BB962C8B-B14F-4D97-AF65-F5344CB8AC3E}">
+        <p14:creationId xmlns:p14="http://schemas.microsoft.com/office/powerpoint/2010/main" val="4183662046"/>
+      </p:ext>
+    </p:extLst>
+  </p:cSld>
+  <p:clrMapOvr>
+    <a:masterClrMapping/>
+  </p:clrMapOvr>
+</p:sld>
+</file>
+
+<file path=ppt/slides/slide19.xml><?xml version="1.0" encoding="utf-8"?>
+<p:sld xmlns:a="http://schemas.openxmlformats.org/drawingml/2006/main" xmlns:r="http://schemas.openxmlformats.org/officeDocument/2006/relationships" xmlns:p="http://schemas.openxmlformats.org/presentationml/2006/main">
+  <p:cSld>
+    <p:spTree>
+      <p:nvGrpSpPr>
+        <p:cNvPr id="1" name=""/>
+        <p:cNvGrpSpPr/>
+        <p:nvPr/>
+      </p:nvGrpSpPr>
+      <p:grpSpPr>
+        <a:xfrm>
+          <a:off x="0" y="0"/>
+          <a:ext cx="0" cy="0"/>
+          <a:chOff x="0" y="0"/>
+          <a:chExt cx="0" cy="0"/>
+        </a:xfrm>
+      </p:grpSpPr>
+      <p:sp>
+        <p:nvSpPr>
+          <p:cNvPr id="2" name="Title 1">
+            <a:extLst>
+              <a:ext uri="{FF2B5EF4-FFF2-40B4-BE49-F238E27FC236}">
+                <a16:creationId xmlns:a16="http://schemas.microsoft.com/office/drawing/2014/main" id="{2C4C0330-65A7-4C44-BDB7-0885CC314B41}"/>
+              </a:ext>
+            </a:extLst>
+          </p:cNvPr>
+          <p:cNvSpPr>
+            <a:spLocks noGrp="1"/>
+          </p:cNvSpPr>
+          <p:nvPr>
+            <p:ph type="title"/>
+          </p:nvPr>
+        </p:nvSpPr>
+        <p:spPr/>
+        <p:txBody>
+          <a:bodyPr/>
+          <a:lstStyle/>
+          <a:p>
+            <a:pPr lvl="0">
+              <a:lnSpc>
+                <a:spcPct val="100000"/>
+              </a:lnSpc>
+              <a:defRPr cap="all"/>
+            </a:pPr>
+            <a:r>
+              <a:rPr lang="en-US" sz="4000" kern="1200" cap="all" err="1">
+                <a:latin typeface="Consolas" panose="020B0609020204030204" pitchFamily="49" charset="0"/>
+                <a:cs typeface="Times New Roman" panose="02020603050405020304" pitchFamily="18" charset="0"/>
+              </a:rPr>
+              <a:t>Cấu</a:t>
+            </a:r>
+            <a:r>
+              <a:rPr lang="en-US" sz="4000" kern="1200" cap="all">
+                <a:latin typeface="Consolas" panose="020B0609020204030204" pitchFamily="49" charset="0"/>
+                <a:cs typeface="Times New Roman" panose="02020603050405020304" pitchFamily="18" charset="0"/>
+              </a:rPr>
               <a:t> hình (nat port modem)</a:t>
             </a:r>
           </a:p>
@@ -10089,7 +10487,9 @@
             </a:r>
           </a:p>
           <a:p>
-            <a:pPr lvl="2"/>
+            <a:pPr marL="548640" lvl="2" indent="0">
+              <a:buNone/>
+            </a:pPr>
             <a:r>
               <a:rPr lang="en-US" sz="1800">
                 <a:latin typeface="Consolas" panose="020B0609020204030204" pitchFamily="49" charset="0"/>
@@ -10372,106 +10772,6 @@
 </p:sld>
 </file>
 
-<file path=ppt/slides/slide19.xml><?xml version="1.0" encoding="utf-8"?>
-<p:sld xmlns:a="http://schemas.openxmlformats.org/drawingml/2006/main" xmlns:r="http://schemas.openxmlformats.org/officeDocument/2006/relationships" xmlns:p="http://schemas.openxmlformats.org/presentationml/2006/main">
-  <p:cSld>
-    <p:spTree>
-      <p:nvGrpSpPr>
-        <p:cNvPr id="1" name=""/>
-        <p:cNvGrpSpPr/>
-        <p:nvPr/>
-      </p:nvGrpSpPr>
-      <p:grpSpPr>
-        <a:xfrm>
-          <a:off x="0" y="0"/>
-          <a:ext cx="0" cy="0"/>
-          <a:chOff x="0" y="0"/>
-          <a:chExt cx="0" cy="0"/>
-        </a:xfrm>
-      </p:grpSpPr>
-      <p:sp>
-        <p:nvSpPr>
-          <p:cNvPr id="2" name="Title 1">
-            <a:extLst>
-              <a:ext uri="{FF2B5EF4-FFF2-40B4-BE49-F238E27FC236}">
-                <a16:creationId xmlns:a16="http://schemas.microsoft.com/office/drawing/2014/main" id="{2C4C0330-65A7-4C44-BDB7-0885CC314B41}"/>
-              </a:ext>
-            </a:extLst>
-          </p:cNvPr>
-          <p:cNvSpPr>
-            <a:spLocks noGrp="1"/>
-          </p:cNvSpPr>
-          <p:nvPr>
-            <p:ph type="title"/>
-          </p:nvPr>
-        </p:nvSpPr>
-        <p:spPr/>
-        <p:txBody>
-          <a:bodyPr/>
-          <a:lstStyle/>
-          <a:p>
-            <a:pPr lvl="0">
-              <a:lnSpc>
-                <a:spcPct val="100000"/>
-              </a:lnSpc>
-              <a:defRPr cap="all"/>
-            </a:pPr>
-            <a:r>
-              <a:rPr lang="en-US" sz="4000" kern="1200" cap="all">
-                <a:latin typeface="Consolas" panose="020B0609020204030204" pitchFamily="49" charset="0"/>
-                <a:cs typeface="Times New Roman" panose="02020603050405020304" pitchFamily="18" charset="0"/>
-              </a:rPr>
-              <a:t>DEMO</a:t>
-            </a:r>
-          </a:p>
-        </p:txBody>
-      </p:sp>
-      <p:sp>
-        <p:nvSpPr>
-          <p:cNvPr id="3" name="Content Placeholder 2">
-            <a:extLst>
-              <a:ext uri="{FF2B5EF4-FFF2-40B4-BE49-F238E27FC236}">
-                <a16:creationId xmlns:a16="http://schemas.microsoft.com/office/drawing/2014/main" id="{6BD33AFF-0007-470D-A40C-FD28176A68C2}"/>
-              </a:ext>
-            </a:extLst>
-          </p:cNvPr>
-          <p:cNvSpPr>
-            <a:spLocks noGrp="1"/>
-          </p:cNvSpPr>
-          <p:nvPr>
-            <p:ph idx="1"/>
-          </p:nvPr>
-        </p:nvSpPr>
-        <p:spPr/>
-        <p:txBody>
-          <a:bodyPr>
-            <a:normAutofit/>
-          </a:bodyPr>
-          <a:lstStyle/>
-          <a:p>
-            <a:r>
-              <a:rPr lang="en-US" sz="1600" b="1">
-                <a:latin typeface="Consolas" panose="020B0609020204030204" pitchFamily="49" charset="0"/>
-                <a:cs typeface="Times New Roman" panose="02020603050405020304" pitchFamily="18" charset="0"/>
-              </a:rPr>
-              <a:t>Watch video: </a:t>
-            </a:r>
-          </a:p>
-        </p:txBody>
-      </p:sp>
-    </p:spTree>
-    <p:extLst>
-      <p:ext uri="{BB962C8B-B14F-4D97-AF65-F5344CB8AC3E}">
-        <p14:creationId xmlns:p14="http://schemas.microsoft.com/office/powerpoint/2010/main" val="3156348952"/>
-      </p:ext>
-    </p:extLst>
-  </p:cSld>
-  <p:clrMapOvr>
-    <a:masterClrMapping/>
-  </p:clrMapOvr>
-</p:sld>
-</file>
-
 <file path=ppt/slides/slide2.xml><?xml version="1.0" encoding="utf-8"?>
 <p:sld xmlns:a="http://schemas.openxmlformats.org/drawingml/2006/main" xmlns:r="http://schemas.openxmlformats.org/officeDocument/2006/relationships" xmlns:p="http://schemas.openxmlformats.org/presentationml/2006/main">
   <p:cSld>
@@ -10598,6 +10898,708 @@
 </p:sld>
 </file>
 
+<file path=ppt/slides/slide20.xml><?xml version="1.0" encoding="utf-8"?>
+<p:sld xmlns:a="http://schemas.openxmlformats.org/drawingml/2006/main" xmlns:r="http://schemas.openxmlformats.org/officeDocument/2006/relationships" xmlns:p="http://schemas.openxmlformats.org/presentationml/2006/main">
+  <p:cSld>
+    <p:spTree>
+      <p:nvGrpSpPr>
+        <p:cNvPr id="1" name=""/>
+        <p:cNvGrpSpPr/>
+        <p:nvPr/>
+      </p:nvGrpSpPr>
+      <p:grpSpPr>
+        <a:xfrm>
+          <a:off x="0" y="0"/>
+          <a:ext cx="0" cy="0"/>
+          <a:chOff x="0" y="0"/>
+          <a:chExt cx="0" cy="0"/>
+        </a:xfrm>
+      </p:grpSpPr>
+      <p:sp>
+        <p:nvSpPr>
+          <p:cNvPr id="2" name="Title 1">
+            <a:extLst>
+              <a:ext uri="{FF2B5EF4-FFF2-40B4-BE49-F238E27FC236}">
+                <a16:creationId xmlns:a16="http://schemas.microsoft.com/office/drawing/2014/main" id="{2C4C0330-65A7-4C44-BDB7-0885CC314B41}"/>
+              </a:ext>
+            </a:extLst>
+          </p:cNvPr>
+          <p:cNvSpPr>
+            <a:spLocks noGrp="1"/>
+          </p:cNvSpPr>
+          <p:nvPr>
+            <p:ph type="title"/>
+          </p:nvPr>
+        </p:nvSpPr>
+        <p:spPr/>
+        <p:txBody>
+          <a:bodyPr/>
+          <a:lstStyle/>
+          <a:p>
+            <a:pPr lvl="0">
+              <a:lnSpc>
+                <a:spcPct val="100000"/>
+              </a:lnSpc>
+              <a:defRPr cap="all"/>
+            </a:pPr>
+            <a:r>
+              <a:rPr lang="en-US" sz="4000" kern="1200" cap="all">
+                <a:latin typeface="Consolas" panose="020B0609020204030204" pitchFamily="49" charset="0"/>
+                <a:cs typeface="Times New Roman" panose="02020603050405020304" pitchFamily="18" charset="0"/>
+              </a:rPr>
+              <a:t>DEMO</a:t>
+            </a:r>
+          </a:p>
+        </p:txBody>
+      </p:sp>
+      <p:sp>
+        <p:nvSpPr>
+          <p:cNvPr id="3" name="Content Placeholder 2">
+            <a:extLst>
+              <a:ext uri="{FF2B5EF4-FFF2-40B4-BE49-F238E27FC236}">
+                <a16:creationId xmlns:a16="http://schemas.microsoft.com/office/drawing/2014/main" id="{6BD33AFF-0007-470D-A40C-FD28176A68C2}"/>
+              </a:ext>
+            </a:extLst>
+          </p:cNvPr>
+          <p:cNvSpPr>
+            <a:spLocks noGrp="1"/>
+          </p:cNvSpPr>
+          <p:nvPr>
+            <p:ph idx="1"/>
+          </p:nvPr>
+        </p:nvSpPr>
+        <p:spPr/>
+        <p:txBody>
+          <a:bodyPr>
+            <a:normAutofit/>
+          </a:bodyPr>
+          <a:lstStyle/>
+          <a:p>
+            <a:r>
+              <a:rPr lang="en-US" sz="1600" b="1">
+                <a:latin typeface="Consolas" panose="020B0609020204030204" pitchFamily="49" charset="0"/>
+                <a:cs typeface="Times New Roman" panose="02020603050405020304" pitchFamily="18" charset="0"/>
+              </a:rPr>
+              <a:t>Watch video: </a:t>
+            </a:r>
+            <a:r>
+              <a:rPr lang="en-US" sz="1600" b="1">
+                <a:latin typeface="Consolas" panose="020B0609020204030204" pitchFamily="49" charset="0"/>
+                <a:cs typeface="Times New Roman" panose="02020603050405020304" pitchFamily="18" charset="0"/>
+                <a:hlinkClick r:id="rId2"/>
+              </a:rPr>
+              <a:t>https://www.youtube.com/watch?v=A7HfLSTlSn0</a:t>
+            </a:r>
+            <a:endParaRPr lang="en-US" sz="1600" b="1">
+              <a:latin typeface="Consolas" panose="020B0609020204030204" pitchFamily="49" charset="0"/>
+              <a:cs typeface="Times New Roman" panose="02020603050405020304" pitchFamily="18" charset="0"/>
+            </a:endParaRPr>
+          </a:p>
+          <a:p>
+            <a:r>
+              <a:rPr lang="en-US" sz="1600" b="1">
+                <a:latin typeface="Consolas" panose="020B0609020204030204" pitchFamily="49" charset="0"/>
+                <a:cs typeface="Times New Roman" panose="02020603050405020304" pitchFamily="18" charset="0"/>
+              </a:rPr>
+              <a:t>Từ 00:00 tới 3:00 demo về click button restart</a:t>
+            </a:r>
+          </a:p>
+          <a:p>
+            <a:r>
+              <a:rPr lang="en-US" sz="1600" b="1">
+                <a:latin typeface="Consolas" panose="020B0609020204030204" pitchFamily="49" charset="0"/>
+                <a:cs typeface="Times New Roman" panose="02020603050405020304" pitchFamily="18" charset="0"/>
+              </a:rPr>
+              <a:t>Từ 3:01 tới 4:22 demo về việc kết nối với module sạc</a:t>
+            </a:r>
+          </a:p>
+          <a:p>
+            <a:pPr marL="0" indent="0">
+              <a:buNone/>
+            </a:pPr>
+            <a:endParaRPr lang="en-US" sz="1600" b="1">
+              <a:latin typeface="Consolas" panose="020B0609020204030204" pitchFamily="49" charset="0"/>
+              <a:cs typeface="Times New Roman" panose="02020603050405020304" pitchFamily="18" charset="0"/>
+            </a:endParaRPr>
+          </a:p>
+          <a:p>
+            <a:pPr marL="0" indent="0">
+              <a:buNone/>
+            </a:pPr>
+            <a:r>
+              <a:rPr lang="en-US" sz="1600" b="1">
+                <a:latin typeface="Consolas" panose="020B0609020204030204" pitchFamily="49" charset="0"/>
+                <a:cs typeface="Times New Roman" panose="02020603050405020304" pitchFamily="18" charset="0"/>
+              </a:rPr>
+              <a:t>Note:</a:t>
+            </a:r>
+          </a:p>
+          <a:p>
+            <a:pPr marL="0" indent="0">
+              <a:buNone/>
+            </a:pPr>
+            <a:r>
+              <a:rPr lang="en-US" sz="1600" b="1">
+                <a:latin typeface="Consolas" panose="020B0609020204030204" pitchFamily="49" charset="0"/>
+                <a:cs typeface="Times New Roman" panose="02020603050405020304" pitchFamily="18" charset="0"/>
+              </a:rPr>
+              <a:t> - Không có PC nên đang giả lập button</a:t>
+            </a:r>
+          </a:p>
+          <a:p>
+            <a:pPr marL="0" indent="0">
+              <a:buNone/>
+            </a:pPr>
+            <a:r>
+              <a:rPr lang="en-US" sz="1200">
+                <a:latin typeface="Consolas" panose="020B0609020204030204" pitchFamily="49" charset="0"/>
+                <a:cs typeface="Times New Roman" panose="02020603050405020304" pitchFamily="18" charset="0"/>
+              </a:rPr>
+              <a:t> - đà nẵng cấm shipper nên ko order dc sạc -&gt;</a:t>
+            </a:r>
+          </a:p>
+          <a:p>
+            <a:pPr marL="0" indent="0">
+              <a:buNone/>
+            </a:pPr>
+            <a:r>
+              <a:rPr lang="en-US" sz="1200">
+                <a:latin typeface="Consolas" panose="020B0609020204030204" pitchFamily="49" charset="0"/>
+                <a:cs typeface="Times New Roman" panose="02020603050405020304" pitchFamily="18" charset="0"/>
+              </a:rPr>
+              <a:t>		-&gt; đang giả lap</a:t>
+            </a:r>
+          </a:p>
+        </p:txBody>
+      </p:sp>
+      <p:pic>
+        <p:nvPicPr>
+          <p:cNvPr id="5" name="Picture 4">
+            <a:extLst>
+              <a:ext uri="{FF2B5EF4-FFF2-40B4-BE49-F238E27FC236}">
+                <a16:creationId xmlns:a16="http://schemas.microsoft.com/office/drawing/2014/main" id="{72BABD5F-BCD9-4E05-A798-8E518272B45D}"/>
+              </a:ext>
+            </a:extLst>
+          </p:cNvPr>
+          <p:cNvPicPr>
+            <a:picLocks noChangeAspect="1"/>
+          </p:cNvPicPr>
+          <p:nvPr/>
+        </p:nvPicPr>
+        <p:blipFill>
+          <a:blip r:embed="rId3"/>
+          <a:stretch>
+            <a:fillRect/>
+          </a:stretch>
+        </p:blipFill>
+        <p:spPr>
+          <a:xfrm>
+            <a:off x="7206747" y="3309213"/>
+            <a:ext cx="1855565" cy="2732457"/>
+          </a:xfrm>
+          <a:prstGeom prst="rect">
+            <a:avLst/>
+          </a:prstGeom>
+        </p:spPr>
+      </p:pic>
+      <p:pic>
+        <p:nvPicPr>
+          <p:cNvPr id="7" name="Picture 6">
+            <a:extLst>
+              <a:ext uri="{FF2B5EF4-FFF2-40B4-BE49-F238E27FC236}">
+                <a16:creationId xmlns:a16="http://schemas.microsoft.com/office/drawing/2014/main" id="{BD5751CE-61DA-423E-8288-107690138DB3}"/>
+              </a:ext>
+            </a:extLst>
+          </p:cNvPr>
+          <p:cNvPicPr>
+            <a:picLocks noChangeAspect="1"/>
+          </p:cNvPicPr>
+          <p:nvPr/>
+        </p:nvPicPr>
+        <p:blipFill>
+          <a:blip r:embed="rId4"/>
+          <a:stretch>
+            <a:fillRect/>
+          </a:stretch>
+        </p:blipFill>
+        <p:spPr>
+          <a:xfrm>
+            <a:off x="9155772" y="3309213"/>
+            <a:ext cx="2072607" cy="2732457"/>
+          </a:xfrm>
+          <a:prstGeom prst="rect">
+            <a:avLst/>
+          </a:prstGeom>
+        </p:spPr>
+      </p:pic>
+      <p:sp>
+        <p:nvSpPr>
+          <p:cNvPr id="8" name="Rectangle 7">
+            <a:extLst>
+              <a:ext uri="{FF2B5EF4-FFF2-40B4-BE49-F238E27FC236}">
+                <a16:creationId xmlns:a16="http://schemas.microsoft.com/office/drawing/2014/main" id="{C50386FF-FDBC-462F-8201-6694C2C3446D}"/>
+              </a:ext>
+            </a:extLst>
+          </p:cNvPr>
+          <p:cNvSpPr/>
+          <p:nvPr/>
+        </p:nvSpPr>
+        <p:spPr>
+          <a:xfrm>
+            <a:off x="9741501" y="4516520"/>
+            <a:ext cx="901148" cy="426108"/>
+          </a:xfrm>
+          <a:prstGeom prst="rect">
+            <a:avLst/>
+          </a:prstGeom>
+          <a:noFill/>
+          <a:ln w="73025">
+            <a:solidFill>
+              <a:srgbClr val="FFFF00"/>
+            </a:solidFill>
+          </a:ln>
+        </p:spPr>
+        <p:style>
+          <a:lnRef idx="2">
+            <a:schemeClr val="accent1">
+              <a:shade val="50000"/>
+            </a:schemeClr>
+          </a:lnRef>
+          <a:fillRef idx="1">
+            <a:schemeClr val="accent1"/>
+          </a:fillRef>
+          <a:effectRef idx="0">
+            <a:schemeClr val="accent1"/>
+          </a:effectRef>
+          <a:fontRef idx="minor">
+            <a:schemeClr val="lt1"/>
+          </a:fontRef>
+        </p:style>
+        <p:txBody>
+          <a:bodyPr rtlCol="0" anchor="ctr"/>
+          <a:lstStyle/>
+          <a:p>
+            <a:pPr algn="ctr"/>
+            <a:endParaRPr lang="en-US"/>
+          </a:p>
+        </p:txBody>
+      </p:sp>
+      <p:sp>
+        <p:nvSpPr>
+          <p:cNvPr id="9" name="Speech Bubble: Rectangle 8">
+            <a:extLst>
+              <a:ext uri="{FF2B5EF4-FFF2-40B4-BE49-F238E27FC236}">
+                <a16:creationId xmlns:a16="http://schemas.microsoft.com/office/drawing/2014/main" id="{229C1FEF-DF07-415F-8FA9-73D926E32A8B}"/>
+              </a:ext>
+            </a:extLst>
+          </p:cNvPr>
+          <p:cNvSpPr/>
+          <p:nvPr/>
+        </p:nvSpPr>
+        <p:spPr>
+          <a:xfrm>
+            <a:off x="7483636" y="2739387"/>
+            <a:ext cx="4515729" cy="487611"/>
+          </a:xfrm>
+          <a:prstGeom prst="wedgeRectCallout">
+            <a:avLst>
+              <a:gd name="adj1" fmla="val 16894"/>
+              <a:gd name="adj2" fmla="val 285542"/>
+            </a:avLst>
+          </a:prstGeom>
+        </p:spPr>
+        <p:style>
+          <a:lnRef idx="2">
+            <a:schemeClr val="accent1">
+              <a:shade val="50000"/>
+            </a:schemeClr>
+          </a:lnRef>
+          <a:fillRef idx="1">
+            <a:schemeClr val="accent1"/>
+          </a:fillRef>
+          <a:effectRef idx="0">
+            <a:schemeClr val="accent1"/>
+          </a:effectRef>
+          <a:fontRef idx="minor">
+            <a:schemeClr val="lt1"/>
+          </a:fontRef>
+        </p:style>
+        <p:txBody>
+          <a:bodyPr rtlCol="0" anchor="ctr"/>
+          <a:lstStyle/>
+          <a:p>
+            <a:pPr algn="ctr"/>
+            <a:r>
+              <a:rPr lang="en-US"/>
+              <a:t>Đèn sáng là click thành công</a:t>
+            </a:r>
+          </a:p>
+        </p:txBody>
+      </p:sp>
+    </p:spTree>
+    <p:extLst>
+      <p:ext uri="{BB962C8B-B14F-4D97-AF65-F5344CB8AC3E}">
+        <p14:creationId xmlns:p14="http://schemas.microsoft.com/office/powerpoint/2010/main" val="3156348952"/>
+      </p:ext>
+    </p:extLst>
+  </p:cSld>
+  <p:clrMapOvr>
+    <a:masterClrMapping/>
+  </p:clrMapOvr>
+</p:sld>
+</file>
+
+<file path=ppt/slides/slide21.xml><?xml version="1.0" encoding="utf-8"?>
+<p:sld xmlns:a="http://schemas.openxmlformats.org/drawingml/2006/main" xmlns:r="http://schemas.openxmlformats.org/officeDocument/2006/relationships" xmlns:p="http://schemas.openxmlformats.org/presentationml/2006/main">
+  <p:cSld>
+    <p:spTree>
+      <p:nvGrpSpPr>
+        <p:cNvPr id="1" name=""/>
+        <p:cNvGrpSpPr/>
+        <p:nvPr/>
+      </p:nvGrpSpPr>
+      <p:grpSpPr>
+        <a:xfrm>
+          <a:off x="0" y="0"/>
+          <a:ext cx="0" cy="0"/>
+          <a:chOff x="0" y="0"/>
+          <a:chExt cx="0" cy="0"/>
+        </a:xfrm>
+      </p:grpSpPr>
+      <p:pic>
+        <p:nvPicPr>
+          <p:cNvPr id="11" name="Picture 10">
+            <a:extLst>
+              <a:ext uri="{FF2B5EF4-FFF2-40B4-BE49-F238E27FC236}">
+                <a16:creationId xmlns:a16="http://schemas.microsoft.com/office/drawing/2014/main" id="{4C458CFA-6458-4275-B922-FF1CF2195DF0}"/>
+              </a:ext>
+            </a:extLst>
+          </p:cNvPr>
+          <p:cNvPicPr>
+            <a:picLocks noChangeAspect="1"/>
+          </p:cNvPicPr>
+          <p:nvPr/>
+        </p:nvPicPr>
+        <p:blipFill>
+          <a:blip r:embed="rId2"/>
+          <a:stretch>
+            <a:fillRect/>
+          </a:stretch>
+        </p:blipFill>
+        <p:spPr>
+          <a:xfrm>
+            <a:off x="8827553" y="3689915"/>
+            <a:ext cx="2238147" cy="2505425"/>
+          </a:xfrm>
+          <a:prstGeom prst="rect">
+            <a:avLst/>
+          </a:prstGeom>
+        </p:spPr>
+      </p:pic>
+      <p:sp>
+        <p:nvSpPr>
+          <p:cNvPr id="2" name="Title 1">
+            <a:extLst>
+              <a:ext uri="{FF2B5EF4-FFF2-40B4-BE49-F238E27FC236}">
+                <a16:creationId xmlns:a16="http://schemas.microsoft.com/office/drawing/2014/main" id="{2C4C0330-65A7-4C44-BDB7-0885CC314B41}"/>
+              </a:ext>
+            </a:extLst>
+          </p:cNvPr>
+          <p:cNvSpPr>
+            <a:spLocks noGrp="1"/>
+          </p:cNvSpPr>
+          <p:nvPr>
+            <p:ph type="title"/>
+          </p:nvPr>
+        </p:nvSpPr>
+        <p:spPr/>
+        <p:txBody>
+          <a:bodyPr/>
+          <a:lstStyle/>
+          <a:p>
+            <a:pPr lvl="0">
+              <a:lnSpc>
+                <a:spcPct val="100000"/>
+              </a:lnSpc>
+              <a:defRPr cap="all"/>
+            </a:pPr>
+            <a:r>
+              <a:rPr lang="en-US" sz="4000" kern="1200" cap="all">
+                <a:latin typeface="Consolas" panose="020B0609020204030204" pitchFamily="49" charset="0"/>
+                <a:cs typeface="Times New Roman" panose="02020603050405020304" pitchFamily="18" charset="0"/>
+              </a:rPr>
+              <a:t>DEMO</a:t>
+            </a:r>
+          </a:p>
+        </p:txBody>
+      </p:sp>
+      <p:sp>
+        <p:nvSpPr>
+          <p:cNvPr id="3" name="Content Placeholder 2">
+            <a:extLst>
+              <a:ext uri="{FF2B5EF4-FFF2-40B4-BE49-F238E27FC236}">
+                <a16:creationId xmlns:a16="http://schemas.microsoft.com/office/drawing/2014/main" id="{6BD33AFF-0007-470D-A40C-FD28176A68C2}"/>
+              </a:ext>
+            </a:extLst>
+          </p:cNvPr>
+          <p:cNvSpPr>
+            <a:spLocks noGrp="1"/>
+          </p:cNvSpPr>
+          <p:nvPr>
+            <p:ph idx="1"/>
+          </p:nvPr>
+        </p:nvSpPr>
+        <p:spPr/>
+        <p:txBody>
+          <a:bodyPr>
+            <a:normAutofit/>
+          </a:bodyPr>
+          <a:lstStyle/>
+          <a:p>
+            <a:r>
+              <a:rPr lang="en-US" sz="1050">
+                <a:latin typeface="Consolas" panose="020B0609020204030204" pitchFamily="49" charset="0"/>
+                <a:cs typeface="Times New Roman" panose="02020603050405020304" pitchFamily="18" charset="0"/>
+              </a:rPr>
+              <a:t>Watch video: </a:t>
+            </a:r>
+            <a:r>
+              <a:rPr lang="en-US" sz="1050">
+                <a:latin typeface="Consolas" panose="020B0609020204030204" pitchFamily="49" charset="0"/>
+                <a:cs typeface="Times New Roman" panose="02020603050405020304" pitchFamily="18" charset="0"/>
+                <a:hlinkClick r:id="rId3"/>
+              </a:rPr>
+              <a:t>https://www.youtube.com/watch?v=A7HfLSTlSn0</a:t>
+            </a:r>
+            <a:endParaRPr lang="en-US" sz="1050">
+              <a:latin typeface="Consolas" panose="020B0609020204030204" pitchFamily="49" charset="0"/>
+              <a:cs typeface="Times New Roman" panose="02020603050405020304" pitchFamily="18" charset="0"/>
+            </a:endParaRPr>
+          </a:p>
+          <a:p>
+            <a:r>
+              <a:rPr lang="en-US" sz="1050">
+                <a:latin typeface="Consolas" panose="020B0609020204030204" pitchFamily="49" charset="0"/>
+                <a:cs typeface="Times New Roman" panose="02020603050405020304" pitchFamily="18" charset="0"/>
+              </a:rPr>
+              <a:t>Từ 00:00 tới 3:00 demo về click button restart</a:t>
+            </a:r>
+          </a:p>
+          <a:p>
+            <a:r>
+              <a:rPr lang="en-US" sz="1050">
+                <a:latin typeface="Consolas" panose="020B0609020204030204" pitchFamily="49" charset="0"/>
+                <a:cs typeface="Times New Roman" panose="02020603050405020304" pitchFamily="18" charset="0"/>
+              </a:rPr>
+              <a:t>Từ 3:01 tới 4:22 demo về việc kết nối với module sạc</a:t>
+            </a:r>
+          </a:p>
+          <a:p>
+            <a:pPr marL="0" indent="0">
+              <a:buNone/>
+            </a:pPr>
+            <a:endParaRPr lang="en-US" sz="1050">
+              <a:latin typeface="Consolas" panose="020B0609020204030204" pitchFamily="49" charset="0"/>
+              <a:cs typeface="Times New Roman" panose="02020603050405020304" pitchFamily="18" charset="0"/>
+            </a:endParaRPr>
+          </a:p>
+          <a:p>
+            <a:pPr marL="0" indent="0">
+              <a:buNone/>
+            </a:pPr>
+            <a:r>
+              <a:rPr lang="en-US" sz="1050">
+                <a:latin typeface="Consolas" panose="020B0609020204030204" pitchFamily="49" charset="0"/>
+                <a:cs typeface="Times New Roman" panose="02020603050405020304" pitchFamily="18" charset="0"/>
+              </a:rPr>
+              <a:t>Note:</a:t>
+            </a:r>
+          </a:p>
+          <a:p>
+            <a:pPr marL="0" indent="0">
+              <a:buNone/>
+            </a:pPr>
+            <a:r>
+              <a:rPr lang="en-US" sz="1050">
+                <a:latin typeface="Consolas" panose="020B0609020204030204" pitchFamily="49" charset="0"/>
+                <a:cs typeface="Times New Roman" panose="02020603050405020304" pitchFamily="18" charset="0"/>
+              </a:rPr>
+              <a:t> - Không có PC nên đang giả lập button</a:t>
+            </a:r>
+          </a:p>
+          <a:p>
+            <a:pPr marL="0" indent="0">
+              <a:buNone/>
+            </a:pPr>
+            <a:r>
+              <a:rPr lang="en-US" sz="1600" b="1">
+                <a:latin typeface="Consolas" panose="020B0609020204030204" pitchFamily="49" charset="0"/>
+                <a:cs typeface="Times New Roman" panose="02020603050405020304" pitchFamily="18" charset="0"/>
+              </a:rPr>
+              <a:t> - đà nẵng cấm shipper nên ko order dc sạc -&gt;</a:t>
+            </a:r>
+          </a:p>
+          <a:p>
+            <a:pPr marL="0" indent="0">
+              <a:buNone/>
+            </a:pPr>
+            <a:r>
+              <a:rPr lang="en-US" sz="1600" b="1">
+                <a:latin typeface="Consolas" panose="020B0609020204030204" pitchFamily="49" charset="0"/>
+                <a:cs typeface="Times New Roman" panose="02020603050405020304" pitchFamily="18" charset="0"/>
+              </a:rPr>
+              <a:t>		-&gt; đang giả lập</a:t>
+            </a:r>
+          </a:p>
+        </p:txBody>
+      </p:sp>
+      <p:sp>
+        <p:nvSpPr>
+          <p:cNvPr id="8" name="Rectangle 7">
+            <a:extLst>
+              <a:ext uri="{FF2B5EF4-FFF2-40B4-BE49-F238E27FC236}">
+                <a16:creationId xmlns:a16="http://schemas.microsoft.com/office/drawing/2014/main" id="{C50386FF-FDBC-462F-8201-6694C2C3446D}"/>
+              </a:ext>
+            </a:extLst>
+          </p:cNvPr>
+          <p:cNvSpPr/>
+          <p:nvPr/>
+        </p:nvSpPr>
+        <p:spPr>
+          <a:xfrm>
+            <a:off x="9766852" y="4163763"/>
+            <a:ext cx="678250" cy="426108"/>
+          </a:xfrm>
+          <a:prstGeom prst="rect">
+            <a:avLst/>
+          </a:prstGeom>
+          <a:noFill/>
+          <a:ln w="73025">
+            <a:solidFill>
+              <a:srgbClr val="FFFF00"/>
+            </a:solidFill>
+          </a:ln>
+        </p:spPr>
+        <p:style>
+          <a:lnRef idx="2">
+            <a:schemeClr val="accent1">
+              <a:shade val="50000"/>
+            </a:schemeClr>
+          </a:lnRef>
+          <a:fillRef idx="1">
+            <a:schemeClr val="accent1"/>
+          </a:fillRef>
+          <a:effectRef idx="0">
+            <a:schemeClr val="accent1"/>
+          </a:effectRef>
+          <a:fontRef idx="minor">
+            <a:schemeClr val="lt1"/>
+          </a:fontRef>
+        </p:style>
+        <p:txBody>
+          <a:bodyPr rtlCol="0" anchor="ctr"/>
+          <a:lstStyle/>
+          <a:p>
+            <a:pPr algn="ctr"/>
+            <a:endParaRPr lang="en-US"/>
+          </a:p>
+        </p:txBody>
+      </p:sp>
+      <p:sp>
+        <p:nvSpPr>
+          <p:cNvPr id="9" name="Speech Bubble: Rectangle 8">
+            <a:extLst>
+              <a:ext uri="{FF2B5EF4-FFF2-40B4-BE49-F238E27FC236}">
+                <a16:creationId xmlns:a16="http://schemas.microsoft.com/office/drawing/2014/main" id="{229C1FEF-DF07-415F-8FA9-73D926E32A8B}"/>
+              </a:ext>
+            </a:extLst>
+          </p:cNvPr>
+          <p:cNvSpPr/>
+          <p:nvPr/>
+        </p:nvSpPr>
+        <p:spPr>
+          <a:xfrm>
+            <a:off x="7483636" y="2739387"/>
+            <a:ext cx="4515729" cy="487611"/>
+          </a:xfrm>
+          <a:prstGeom prst="wedgeRectCallout">
+            <a:avLst>
+              <a:gd name="adj1" fmla="val 16894"/>
+              <a:gd name="adj2" fmla="val 285542"/>
+            </a:avLst>
+          </a:prstGeom>
+        </p:spPr>
+        <p:style>
+          <a:lnRef idx="2">
+            <a:schemeClr val="accent1">
+              <a:shade val="50000"/>
+            </a:schemeClr>
+          </a:lnRef>
+          <a:fillRef idx="1">
+            <a:schemeClr val="accent1"/>
+          </a:fillRef>
+          <a:effectRef idx="0">
+            <a:schemeClr val="accent1"/>
+          </a:effectRef>
+          <a:fontRef idx="minor">
+            <a:schemeClr val="lt1"/>
+          </a:fontRef>
+        </p:style>
+        <p:txBody>
+          <a:bodyPr rtlCol="0" anchor="ctr"/>
+          <a:lstStyle/>
+          <a:p>
+            <a:pPr algn="ctr"/>
+            <a:r>
+              <a:rPr lang="en-US"/>
+              <a:t>Đèn sáng là kết nói sạc ok</a:t>
+            </a:r>
+          </a:p>
+        </p:txBody>
+      </p:sp>
+      <p:pic>
+        <p:nvPicPr>
+          <p:cNvPr id="6" name="Picture 5">
+            <a:extLst>
+              <a:ext uri="{FF2B5EF4-FFF2-40B4-BE49-F238E27FC236}">
+                <a16:creationId xmlns:a16="http://schemas.microsoft.com/office/drawing/2014/main" id="{B05D28D1-6EAE-42A9-808B-5186520E03C0}"/>
+              </a:ext>
+            </a:extLst>
+          </p:cNvPr>
+          <p:cNvPicPr>
+            <a:picLocks noChangeAspect="1"/>
+          </p:cNvPicPr>
+          <p:nvPr/>
+        </p:nvPicPr>
+        <p:blipFill>
+          <a:blip r:embed="rId4"/>
+          <a:stretch>
+            <a:fillRect/>
+          </a:stretch>
+        </p:blipFill>
+        <p:spPr>
+          <a:xfrm>
+            <a:off x="6441847" y="3689915"/>
+            <a:ext cx="2276793" cy="2505425"/>
+          </a:xfrm>
+          <a:prstGeom prst="rect">
+            <a:avLst/>
+          </a:prstGeom>
+        </p:spPr>
+      </p:pic>
+    </p:spTree>
+    <p:extLst>
+      <p:ext uri="{BB962C8B-B14F-4D97-AF65-F5344CB8AC3E}">
+        <p14:creationId xmlns:p14="http://schemas.microsoft.com/office/powerpoint/2010/main" val="2843826084"/>
+      </p:ext>
+    </p:extLst>
+  </p:cSld>
+  <p:clrMapOvr>
+    <a:masterClrMapping/>
+  </p:clrMapOvr>
+</p:sld>
+</file>
+
 <file path=ppt/slides/slide3.xml><?xml version="1.0" encoding="utf-8"?>
 <p:sld xmlns:a="http://schemas.openxmlformats.org/drawingml/2006/main" xmlns:r="http://schemas.openxmlformats.org/officeDocument/2006/relationships" xmlns:p="http://schemas.openxmlformats.org/presentationml/2006/main">
   <p:cSld>
@@ -11159,7 +12161,7 @@
                 <a:latin typeface="Times New Roman" panose="02020603050405020304" pitchFamily="18" charset="0"/>
                 <a:cs typeface="Times New Roman" panose="02020603050405020304" pitchFamily="18" charset="0"/>
               </a:rPr>
-              <a:t> FIT </a:t>
+              <a:t> FPT </a:t>
             </a:r>
             <a:r>
               <a:rPr lang="en-US" sz="1600" err="1">
@@ -11915,7 +12917,7 @@
                 <a:latin typeface="Times New Roman" panose="02020603050405020304" pitchFamily="18" charset="0"/>
                 <a:cs typeface="Times New Roman" panose="02020603050405020304" pitchFamily="18" charset="0"/>
               </a:rPr>
-              <a:t>Nguyễn Văn Cường</a:t>
+              <a:t>Nguyễn Văn Cường (robot + api)</a:t>
             </a:r>
           </a:p>
           <a:p>
@@ -11939,19 +12941,46 @@
                 <a:latin typeface="Times New Roman" panose="02020603050405020304" pitchFamily="18" charset="0"/>
                 <a:cs typeface="Times New Roman" panose="02020603050405020304" pitchFamily="18" charset="0"/>
               </a:rPr>
-              <a:t> Tam </a:t>
+              <a:t> Tam Phụng (login +queue)</a:t>
+            </a:r>
+          </a:p>
+          <a:p>
+            <a:pPr lvl="1"/>
+            <a:r>
+              <a:rPr lang="en-US" sz="1600">
+                <a:latin typeface="Times New Roman" panose="02020603050405020304" pitchFamily="18" charset="0"/>
+                <a:cs typeface="Times New Roman" panose="02020603050405020304" pitchFamily="18" charset="0"/>
+              </a:rPr>
+              <a:t>Phan </a:t>
             </a:r>
             <a:r>
               <a:rPr lang="en-US" sz="1600" err="1">
                 <a:latin typeface="Times New Roman" panose="02020603050405020304" pitchFamily="18" charset="0"/>
                 <a:cs typeface="Times New Roman" panose="02020603050405020304" pitchFamily="18" charset="0"/>
               </a:rPr>
-              <a:t>Phụng</a:t>
-            </a:r>
-            <a:endParaRPr lang="en-US" sz="1600">
-              <a:latin typeface="Times New Roman" panose="02020603050405020304" pitchFamily="18" charset="0"/>
-              <a:cs typeface="Times New Roman" panose="02020603050405020304" pitchFamily="18" charset="0"/>
-            </a:endParaRPr>
+              <a:t>Thị</a:t>
+            </a:r>
+            <a:r>
+              <a:rPr lang="en-US" sz="1600">
+                <a:latin typeface="Times New Roman" panose="02020603050405020304" pitchFamily="18" charset="0"/>
+                <a:cs typeface="Times New Roman" panose="02020603050405020304" pitchFamily="18" charset="0"/>
+              </a:rPr>
+              <a:t> </a:t>
+            </a:r>
+            <a:r>
+              <a:rPr lang="en-US" sz="1600" err="1">
+                <a:latin typeface="Times New Roman" panose="02020603050405020304" pitchFamily="18" charset="0"/>
+                <a:cs typeface="Times New Roman" panose="02020603050405020304" pitchFamily="18" charset="0"/>
+              </a:rPr>
+              <a:t>Quỳnh</a:t>
+            </a:r>
+            <a:r>
+              <a:rPr lang="en-US" sz="1600">
+                <a:latin typeface="Times New Roman" panose="02020603050405020304" pitchFamily="18" charset="0"/>
+                <a:cs typeface="Times New Roman" panose="02020603050405020304" pitchFamily="18" charset="0"/>
+              </a:rPr>
+              <a:t> Linh ( control + admin)</a:t>
+            </a:r>
           </a:p>
           <a:p>
             <a:pPr lvl="1"/>
@@ -11960,71 +12989,22 @@
                 <a:latin typeface="Times New Roman" panose="02020603050405020304" pitchFamily="18" charset="0"/>
                 <a:cs typeface="Times New Roman" panose="02020603050405020304" pitchFamily="18" charset="0"/>
               </a:rPr>
-              <a:t>Phan </a:t>
+              <a:t>Nguyễn </a:t>
             </a:r>
             <a:r>
               <a:rPr lang="en-US" sz="1600" err="1">
                 <a:latin typeface="Times New Roman" panose="02020603050405020304" pitchFamily="18" charset="0"/>
                 <a:cs typeface="Times New Roman" panose="02020603050405020304" pitchFamily="18" charset="0"/>
               </a:rPr>
-              <a:t>Thị</a:t>
+              <a:t>Mạnh</a:t>
             </a:r>
             <a:r>
               <a:rPr lang="en-US" sz="1600">
                 <a:latin typeface="Times New Roman" panose="02020603050405020304" pitchFamily="18" charset="0"/>
                 <a:cs typeface="Times New Roman" panose="02020603050405020304" pitchFamily="18" charset="0"/>
               </a:rPr>
-              <a:t> </a:t>
-            </a:r>
-            <a:r>
-              <a:rPr lang="en-US" sz="1600" err="1">
-                <a:latin typeface="Times New Roman" panose="02020603050405020304" pitchFamily="18" charset="0"/>
-                <a:cs typeface="Times New Roman" panose="02020603050405020304" pitchFamily="18" charset="0"/>
-              </a:rPr>
-              <a:t>Quỳnh</a:t>
-            </a:r>
-            <a:r>
-              <a:rPr lang="en-US" sz="1600">
-                <a:latin typeface="Times New Roman" panose="02020603050405020304" pitchFamily="18" charset="0"/>
-                <a:cs typeface="Times New Roman" panose="02020603050405020304" pitchFamily="18" charset="0"/>
-              </a:rPr>
-              <a:t> Linh</a:t>
-            </a:r>
-          </a:p>
-          <a:p>
-            <a:pPr lvl="1"/>
-            <a:r>
-              <a:rPr lang="en-US" sz="1600">
-                <a:latin typeface="Times New Roman" panose="02020603050405020304" pitchFamily="18" charset="0"/>
-                <a:cs typeface="Times New Roman" panose="02020603050405020304" pitchFamily="18" charset="0"/>
-              </a:rPr>
-              <a:t>Nguyễn </a:t>
-            </a:r>
-            <a:r>
-              <a:rPr lang="en-US" sz="1600" err="1">
-                <a:latin typeface="Times New Roman" panose="02020603050405020304" pitchFamily="18" charset="0"/>
-                <a:cs typeface="Times New Roman" panose="02020603050405020304" pitchFamily="18" charset="0"/>
-              </a:rPr>
-              <a:t>Mạnh</a:t>
-            </a:r>
-            <a:r>
-              <a:rPr lang="en-US" sz="1600">
-                <a:latin typeface="Times New Roman" panose="02020603050405020304" pitchFamily="18" charset="0"/>
-                <a:cs typeface="Times New Roman" panose="02020603050405020304" pitchFamily="18" charset="0"/>
-              </a:rPr>
-              <a:t> </a:t>
-            </a:r>
-            <a:r>
-              <a:rPr lang="en-US" sz="1600" err="1">
-                <a:latin typeface="Times New Roman" panose="02020603050405020304" pitchFamily="18" charset="0"/>
-                <a:cs typeface="Times New Roman" panose="02020603050405020304" pitchFamily="18" charset="0"/>
-              </a:rPr>
-              <a:t>Hùng</a:t>
-            </a:r>
-            <a:endParaRPr lang="en-US" sz="1600">
-              <a:latin typeface="Times New Roman" panose="02020603050405020304" pitchFamily="18" charset="0"/>
-              <a:cs typeface="Times New Roman" panose="02020603050405020304" pitchFamily="18" charset="0"/>
-            </a:endParaRPr>
+              <a:t> Hùng (batch)</a:t>
+            </a:r>
           </a:p>
         </p:txBody>
       </p:sp>
@@ -12063,7 +13043,7 @@
           <p:cNvPr id="2" name="Title 1">
             <a:extLst>
               <a:ext uri="{FF2B5EF4-FFF2-40B4-BE49-F238E27FC236}">
-                <a16:creationId xmlns:a16="http://schemas.microsoft.com/office/drawing/2014/main" id="{2C4C0330-65A7-4C44-BDB7-0885CC314B41}"/>
+                <a16:creationId xmlns:a16="http://schemas.microsoft.com/office/drawing/2014/main" id="{73F10424-6D83-4A32-A5E5-0F7102316A0E}"/>
               </a:ext>
             </a:extLst>
           </p:cNvPr>
@@ -12079,87 +13059,79 @@
           <a:bodyPr/>
           <a:lstStyle/>
           <a:p>
-            <a:r>
-              <a:rPr lang="en-US" sz="4000" kern="1200" cap="all" err="1">
-                <a:solidFill>
-                  <a:prstClr val="black">
-                    <a:hueOff val="0"/>
-                    <a:satOff val="0"/>
-                    <a:lumOff val="0"/>
-                    <a:alphaOff val="0"/>
-                  </a:prstClr>
-                </a:solidFill>
-                <a:latin typeface="Times New Roman" panose="02020603050405020304" pitchFamily="18" charset="0"/>
-                <a:ea typeface="+mn-ea"/>
-                <a:cs typeface="Times New Roman" panose="02020603050405020304" pitchFamily="18" charset="0"/>
-              </a:rPr>
-              <a:t>Chức</a:t>
-            </a:r>
-            <a:r>
-              <a:rPr lang="en-US" sz="4000" kern="1200" cap="all">
-                <a:solidFill>
-                  <a:prstClr val="black">
-                    <a:hueOff val="0"/>
-                    <a:satOff val="0"/>
-                    <a:lumOff val="0"/>
-                    <a:alphaOff val="0"/>
-                  </a:prstClr>
-                </a:solidFill>
-                <a:latin typeface="Times New Roman" panose="02020603050405020304" pitchFamily="18" charset="0"/>
-                <a:ea typeface="+mn-ea"/>
+            <a:pPr lvl="0">
+              <a:lnSpc>
+                <a:spcPct val="100000"/>
+              </a:lnSpc>
+              <a:defRPr cap="all"/>
+            </a:pPr>
+            <a:r>
+              <a:rPr lang="en-US" sz="4000" err="1">
+                <a:latin typeface="Times New Roman" panose="02020603050405020304" pitchFamily="18" charset="0"/>
+                <a:cs typeface="Times New Roman" panose="02020603050405020304" pitchFamily="18" charset="0"/>
+              </a:rPr>
+              <a:t>Giới</a:t>
+            </a:r>
+            <a:r>
+              <a:rPr lang="en-US" sz="4000">
+                <a:latin typeface="Times New Roman" panose="02020603050405020304" pitchFamily="18" charset="0"/>
                 <a:cs typeface="Times New Roman" panose="02020603050405020304" pitchFamily="18" charset="0"/>
               </a:rPr>
               <a:t> </a:t>
             </a:r>
             <a:r>
-              <a:rPr lang="en-US" sz="4000" kern="1200" cap="all" err="1">
-                <a:solidFill>
-                  <a:prstClr val="black">
-                    <a:hueOff val="0"/>
-                    <a:satOff val="0"/>
-                    <a:lumOff val="0"/>
-                    <a:alphaOff val="0"/>
-                  </a:prstClr>
-                </a:solidFill>
-                <a:latin typeface="Times New Roman" panose="02020603050405020304" pitchFamily="18" charset="0"/>
-                <a:ea typeface="+mn-ea"/>
-                <a:cs typeface="Times New Roman" panose="02020603050405020304" pitchFamily="18" charset="0"/>
-              </a:rPr>
-              <a:t>Năng</a:t>
-            </a:r>
-            <a:r>
-              <a:rPr lang="en-US" sz="4000" kern="1200" cap="all">
-                <a:solidFill>
-                  <a:prstClr val="black">
-                    <a:hueOff val="0"/>
-                    <a:satOff val="0"/>
-                    <a:lumOff val="0"/>
-                    <a:alphaOff val="0"/>
-                  </a:prstClr>
-                </a:solidFill>
-                <a:latin typeface="Times New Roman" panose="02020603050405020304" pitchFamily="18" charset="0"/>
-                <a:ea typeface="+mn-ea"/>
+              <a:rPr lang="en-US" sz="4000" err="1">
+                <a:latin typeface="Times New Roman" panose="02020603050405020304" pitchFamily="18" charset="0"/>
+                <a:cs typeface="Times New Roman" panose="02020603050405020304" pitchFamily="18" charset="0"/>
+              </a:rPr>
+              <a:t>thiệu</a:t>
+            </a:r>
+            <a:r>
+              <a:rPr lang="en-US" sz="4000">
+                <a:latin typeface="Times New Roman" panose="02020603050405020304" pitchFamily="18" charset="0"/>
                 <a:cs typeface="Times New Roman" panose="02020603050405020304" pitchFamily="18" charset="0"/>
               </a:rPr>
               <a:t> </a:t>
             </a:r>
             <a:r>
-              <a:rPr lang="en-US" sz="4000" kern="1200" cap="all" err="1">
-                <a:solidFill>
-                  <a:prstClr val="black">
-                    <a:hueOff val="0"/>
-                    <a:satOff val="0"/>
-                    <a:lumOff val="0"/>
-                    <a:alphaOff val="0"/>
-                  </a:prstClr>
-                </a:solidFill>
-                <a:latin typeface="Times New Roman" panose="02020603050405020304" pitchFamily="18" charset="0"/>
-                <a:ea typeface="+mn-ea"/>
-                <a:cs typeface="Times New Roman" panose="02020603050405020304" pitchFamily="18" charset="0"/>
-              </a:rPr>
-              <a:t>chính</a:t>
-            </a:r>
-            <a:endParaRPr lang="en-US"/>
+              <a:rPr lang="en-US" sz="4000" err="1">
+                <a:latin typeface="Times New Roman" panose="02020603050405020304" pitchFamily="18" charset="0"/>
+                <a:cs typeface="Times New Roman" panose="02020603050405020304" pitchFamily="18" charset="0"/>
+              </a:rPr>
+              <a:t>về</a:t>
+            </a:r>
+            <a:r>
+              <a:rPr lang="en-US" sz="4000">
+                <a:latin typeface="Times New Roman" panose="02020603050405020304" pitchFamily="18" charset="0"/>
+                <a:cs typeface="Times New Roman" panose="02020603050405020304" pitchFamily="18" charset="0"/>
+              </a:rPr>
+              <a:t> </a:t>
+            </a:r>
+            <a:r>
+              <a:rPr lang="en-US" sz="4000" err="1">
+                <a:latin typeface="Times New Roman" panose="02020603050405020304" pitchFamily="18" charset="0"/>
+                <a:cs typeface="Times New Roman" panose="02020603050405020304" pitchFamily="18" charset="0"/>
+              </a:rPr>
+              <a:t>đề</a:t>
+            </a:r>
+            <a:r>
+              <a:rPr lang="en-US" sz="4000">
+                <a:latin typeface="Times New Roman" panose="02020603050405020304" pitchFamily="18" charset="0"/>
+                <a:cs typeface="Times New Roman" panose="02020603050405020304" pitchFamily="18" charset="0"/>
+              </a:rPr>
+              <a:t> </a:t>
+            </a:r>
+            <a:r>
+              <a:rPr lang="en-US" sz="4000" err="1">
+                <a:latin typeface="Times New Roman" panose="02020603050405020304" pitchFamily="18" charset="0"/>
+                <a:cs typeface="Times New Roman" panose="02020603050405020304" pitchFamily="18" charset="0"/>
+              </a:rPr>
+              <a:t>tài</a:t>
+            </a:r>
+            <a:endParaRPr lang="en-US" sz="4000">
+              <a:latin typeface="Times New Roman" panose="02020603050405020304" pitchFamily="18" charset="0"/>
+              <a:cs typeface="Times New Roman" panose="02020603050405020304" pitchFamily="18" charset="0"/>
+            </a:endParaRPr>
           </a:p>
         </p:txBody>
       </p:sp>
@@ -12168,7 +13140,7 @@
           <p:cNvPr id="3" name="Content Placeholder 2">
             <a:extLst>
               <a:ext uri="{FF2B5EF4-FFF2-40B4-BE49-F238E27FC236}">
-                <a16:creationId xmlns:a16="http://schemas.microsoft.com/office/drawing/2014/main" id="{6BD33AFF-0007-470D-A40C-FD28176A68C2}"/>
+                <a16:creationId xmlns:a16="http://schemas.microsoft.com/office/drawing/2014/main" id="{72B727E4-E8BF-4AE7-A31E-653E332C182B}"/>
               </a:ext>
             </a:extLst>
           </p:cNvPr>
@@ -12187,98 +13159,2563 @@
           <a:lstStyle/>
           <a:p>
             <a:r>
-              <a:rPr lang="en-US" sz="2400" b="1">
-                <a:latin typeface="Times New Roman" panose="02020603050405020304" pitchFamily="18" charset="0"/>
-                <a:cs typeface="Times New Roman" panose="02020603050405020304" pitchFamily="18" charset="0"/>
-              </a:rPr>
-              <a:t>Web</a:t>
+              <a:rPr lang="en-US" sz="1600" b="1">
+                <a:latin typeface="Times New Roman" panose="02020603050405020304" pitchFamily="18" charset="0"/>
+                <a:cs typeface="Times New Roman" panose="02020603050405020304" pitchFamily="18" charset="0"/>
+              </a:rPr>
+              <a:t>Task được chia đêu cho các thành viên như bên dưới</a:t>
             </a:r>
           </a:p>
           <a:p>
             <a:pPr lvl="1"/>
             <a:r>
-              <a:rPr lang="en-US" sz="2000">
-                <a:latin typeface="Times New Roman" panose="02020603050405020304" pitchFamily="18" charset="0"/>
-                <a:cs typeface="Times New Roman" panose="02020603050405020304" pitchFamily="18" charset="0"/>
-                <a:hlinkClick r:id="rId2" action="ppaction://hlinksldjump"/>
-              </a:rPr>
-              <a:t>Login</a:t>
-            </a:r>
-            <a:endParaRPr lang="en-US" sz="2000">
+              <a:rPr lang="en-US" sz="1600">
+                <a:latin typeface="Times New Roman" panose="02020603050405020304" pitchFamily="18" charset="0"/>
+                <a:cs typeface="Times New Roman" panose="02020603050405020304" pitchFamily="18" charset="0"/>
+              </a:rPr>
+              <a:t>Nguyễn Văn Cường (robot + api)</a:t>
+            </a:r>
+          </a:p>
+          <a:p>
+            <a:pPr lvl="1"/>
+            <a:r>
+              <a:rPr lang="en-US" sz="1600">
+                <a:latin typeface="Times New Roman" panose="02020603050405020304" pitchFamily="18" charset="0"/>
+                <a:cs typeface="Times New Roman" panose="02020603050405020304" pitchFamily="18" charset="0"/>
+              </a:rPr>
+              <a:t>Lê Đình Tam Phụng (login +queue)</a:t>
+            </a:r>
+          </a:p>
+          <a:p>
+            <a:pPr lvl="1"/>
+            <a:r>
+              <a:rPr lang="en-US" sz="1600">
+                <a:latin typeface="Times New Roman" panose="02020603050405020304" pitchFamily="18" charset="0"/>
+                <a:cs typeface="Times New Roman" panose="02020603050405020304" pitchFamily="18" charset="0"/>
+              </a:rPr>
+              <a:t>Phan Thị Quỳnh Linh ( control + admin)</a:t>
+            </a:r>
+          </a:p>
+          <a:p>
+            <a:pPr lvl="1"/>
+            <a:r>
+              <a:rPr lang="en-US" sz="1600">
+                <a:latin typeface="Times New Roman" panose="02020603050405020304" pitchFamily="18" charset="0"/>
+                <a:cs typeface="Times New Roman" panose="02020603050405020304" pitchFamily="18" charset="0"/>
+              </a:rPr>
+              <a:t>Nguyễn Mạnh Hùng (batch)</a:t>
+            </a:r>
+          </a:p>
+          <a:p>
+            <a:r>
+              <a:rPr lang="en-US" sz="1800" b="1">
+                <a:latin typeface="Times New Roman" panose="02020603050405020304" pitchFamily="18" charset="0"/>
+                <a:cs typeface="Times New Roman" panose="02020603050405020304" pitchFamily="18" charset="0"/>
+              </a:rPr>
+              <a:t>Plan</a:t>
+            </a:r>
+          </a:p>
+          <a:p>
+            <a:pPr marL="274320" lvl="1" indent="0">
+              <a:buNone/>
+            </a:pPr>
+            <a:endParaRPr lang="en-US" sz="1600">
               <a:latin typeface="Times New Roman" panose="02020603050405020304" pitchFamily="18" charset="0"/>
               <a:cs typeface="Times New Roman" panose="02020603050405020304" pitchFamily="18" charset="0"/>
             </a:endParaRPr>
           </a:p>
           <a:p>
-            <a:pPr lvl="1"/>
-            <a:r>
-              <a:rPr lang="en-US" sz="2000">
-                <a:latin typeface="Times New Roman" panose="02020603050405020304" pitchFamily="18" charset="0"/>
-                <a:cs typeface="Times New Roman" panose="02020603050405020304" pitchFamily="18" charset="0"/>
-              </a:rPr>
-              <a:t>Queue</a:t>
-            </a:r>
-          </a:p>
-          <a:p>
-            <a:pPr lvl="1"/>
-            <a:r>
-              <a:rPr lang="en-US" sz="2000">
-                <a:latin typeface="Times New Roman" panose="02020603050405020304" pitchFamily="18" charset="0"/>
-                <a:cs typeface="Times New Roman" panose="02020603050405020304" pitchFamily="18" charset="0"/>
-              </a:rPr>
-              <a:t>Control</a:t>
-            </a:r>
-          </a:p>
-          <a:p>
-            <a:pPr lvl="1"/>
-            <a:r>
-              <a:rPr lang="en-US" sz="2000">
-                <a:latin typeface="Times New Roman" panose="02020603050405020304" pitchFamily="18" charset="0"/>
-                <a:cs typeface="Times New Roman" panose="02020603050405020304" pitchFamily="18" charset="0"/>
-              </a:rPr>
-              <a:t>Admin</a:t>
-            </a:r>
-          </a:p>
-          <a:p>
-            <a:r>
-              <a:rPr lang="en-US" sz="2400" b="1">
-                <a:latin typeface="Times New Roman" panose="02020603050405020304" pitchFamily="18" charset="0"/>
-                <a:cs typeface="Times New Roman" panose="02020603050405020304" pitchFamily="18" charset="0"/>
-              </a:rPr>
-              <a:t>Batch:</a:t>
-            </a:r>
-          </a:p>
-          <a:p>
-            <a:r>
-              <a:rPr lang="en-US" sz="2400" b="1" err="1">
-                <a:latin typeface="Times New Roman" panose="02020603050405020304" pitchFamily="18" charset="0"/>
-                <a:cs typeface="Times New Roman" panose="02020603050405020304" pitchFamily="18" charset="0"/>
-              </a:rPr>
-              <a:t>Api</a:t>
-            </a:r>
-            <a:r>
-              <a:rPr lang="en-US" sz="2400" b="1">
-                <a:latin typeface="Times New Roman" panose="02020603050405020304" pitchFamily="18" charset="0"/>
-                <a:cs typeface="Times New Roman" panose="02020603050405020304" pitchFamily="18" charset="0"/>
-              </a:rPr>
-              <a:t>:</a:t>
-            </a:r>
-          </a:p>
-          <a:p>
-            <a:r>
-              <a:rPr lang="en-US" sz="2400" b="1">
-                <a:latin typeface="Times New Roman" panose="02020603050405020304" pitchFamily="18" charset="0"/>
-                <a:cs typeface="Times New Roman" panose="02020603050405020304" pitchFamily="18" charset="0"/>
-              </a:rPr>
-              <a:t>Robot</a:t>
-            </a:r>
+            <a:endParaRPr lang="en-US" sz="1600">
+              <a:latin typeface="Times New Roman" panose="02020603050405020304" pitchFamily="18" charset="0"/>
+              <a:cs typeface="Times New Roman" panose="02020603050405020304" pitchFamily="18" charset="0"/>
+            </a:endParaRPr>
           </a:p>
         </p:txBody>
       </p:sp>
+      <p:graphicFrame>
+        <p:nvGraphicFramePr>
+          <p:cNvPr id="4" name="Table 3">
+            <a:extLst>
+              <a:ext uri="{FF2B5EF4-FFF2-40B4-BE49-F238E27FC236}">
+                <a16:creationId xmlns:a16="http://schemas.microsoft.com/office/drawing/2014/main" id="{DFDCC9C6-FBF4-4774-88C4-50D5BC658A0C}"/>
+              </a:ext>
+            </a:extLst>
+          </p:cNvPr>
+          <p:cNvGraphicFramePr>
+            <a:graphicFrameLocks noGrp="1"/>
+          </p:cNvGraphicFramePr>
+          <p:nvPr>
+            <p:extLst>
+              <p:ext uri="{D42A27DB-BD31-4B8C-83A1-F6EECF244321}">
+                <p14:modId xmlns:p14="http://schemas.microsoft.com/office/powerpoint/2010/main" val="2011705476"/>
+              </p:ext>
+            </p:extLst>
+          </p:nvPr>
+        </p:nvGraphicFramePr>
+        <p:xfrm>
+          <a:off x="1543879" y="4027932"/>
+          <a:ext cx="8514524" cy="2365338"/>
+        </p:xfrm>
+        <a:graphic>
+          <a:graphicData uri="http://schemas.openxmlformats.org/drawingml/2006/table">
+            <a:tbl>
+              <a:tblPr>
+                <a:tableStyleId>{5C22544A-7EE6-4342-B048-85BDC9FD1C3A}</a:tableStyleId>
+              </a:tblPr>
+              <a:tblGrid>
+                <a:gridCol w="767506">
+                  <a:extLst>
+                    <a:ext uri="{9D8B030D-6E8A-4147-A177-3AD203B41FA5}">
+                      <a16:colId xmlns:a16="http://schemas.microsoft.com/office/drawing/2014/main" val="2428337334"/>
+                    </a:ext>
+                  </a:extLst>
+                </a:gridCol>
+                <a:gridCol w="1115282">
+                  <a:extLst>
+                    <a:ext uri="{9D8B030D-6E8A-4147-A177-3AD203B41FA5}">
+                      <a16:colId xmlns:a16="http://schemas.microsoft.com/office/drawing/2014/main" val="2206436470"/>
+                    </a:ext>
+                  </a:extLst>
+                </a:gridCol>
+                <a:gridCol w="654779">
+                  <a:extLst>
+                    <a:ext uri="{9D8B030D-6E8A-4147-A177-3AD203B41FA5}">
+                      <a16:colId xmlns:a16="http://schemas.microsoft.com/office/drawing/2014/main" val="1327553889"/>
+                    </a:ext>
+                  </a:extLst>
+                </a:gridCol>
+                <a:gridCol w="1132072">
+                  <a:extLst>
+                    <a:ext uri="{9D8B030D-6E8A-4147-A177-3AD203B41FA5}">
+                      <a16:colId xmlns:a16="http://schemas.microsoft.com/office/drawing/2014/main" val="2986807270"/>
+                    </a:ext>
+                  </a:extLst>
+                </a:gridCol>
+                <a:gridCol w="479691">
+                  <a:extLst>
+                    <a:ext uri="{9D8B030D-6E8A-4147-A177-3AD203B41FA5}">
+                      <a16:colId xmlns:a16="http://schemas.microsoft.com/office/drawing/2014/main" val="623431800"/>
+                    </a:ext>
+                  </a:extLst>
+                </a:gridCol>
+                <a:gridCol w="364566">
+                  <a:extLst>
+                    <a:ext uri="{9D8B030D-6E8A-4147-A177-3AD203B41FA5}">
+                      <a16:colId xmlns:a16="http://schemas.microsoft.com/office/drawing/2014/main" val="1519100711"/>
+                    </a:ext>
+                  </a:extLst>
+                </a:gridCol>
+                <a:gridCol w="364566">
+                  <a:extLst>
+                    <a:ext uri="{9D8B030D-6E8A-4147-A177-3AD203B41FA5}">
+                      <a16:colId xmlns:a16="http://schemas.microsoft.com/office/drawing/2014/main" val="67201943"/>
+                    </a:ext>
+                  </a:extLst>
+                </a:gridCol>
+                <a:gridCol w="364566">
+                  <a:extLst>
+                    <a:ext uri="{9D8B030D-6E8A-4147-A177-3AD203B41FA5}">
+                      <a16:colId xmlns:a16="http://schemas.microsoft.com/office/drawing/2014/main" val="1442687765"/>
+                    </a:ext>
+                  </a:extLst>
+                </a:gridCol>
+                <a:gridCol w="364566">
+                  <a:extLst>
+                    <a:ext uri="{9D8B030D-6E8A-4147-A177-3AD203B41FA5}">
+                      <a16:colId xmlns:a16="http://schemas.microsoft.com/office/drawing/2014/main" val="1464880521"/>
+                    </a:ext>
+                  </a:extLst>
+                </a:gridCol>
+                <a:gridCol w="364566">
+                  <a:extLst>
+                    <a:ext uri="{9D8B030D-6E8A-4147-A177-3AD203B41FA5}">
+                      <a16:colId xmlns:a16="http://schemas.microsoft.com/office/drawing/2014/main" val="3026765432"/>
+                    </a:ext>
+                  </a:extLst>
+                </a:gridCol>
+                <a:gridCol w="537254">
+                  <a:extLst>
+                    <a:ext uri="{9D8B030D-6E8A-4147-A177-3AD203B41FA5}">
+                      <a16:colId xmlns:a16="http://schemas.microsoft.com/office/drawing/2014/main" val="4149108953"/>
+                    </a:ext>
+                  </a:extLst>
+                </a:gridCol>
+                <a:gridCol w="364566">
+                  <a:extLst>
+                    <a:ext uri="{9D8B030D-6E8A-4147-A177-3AD203B41FA5}">
+                      <a16:colId xmlns:a16="http://schemas.microsoft.com/office/drawing/2014/main" val="819679028"/>
+                    </a:ext>
+                  </a:extLst>
+                </a:gridCol>
+                <a:gridCol w="537254">
+                  <a:extLst>
+                    <a:ext uri="{9D8B030D-6E8A-4147-A177-3AD203B41FA5}">
+                      <a16:colId xmlns:a16="http://schemas.microsoft.com/office/drawing/2014/main" val="1092029986"/>
+                    </a:ext>
+                  </a:extLst>
+                </a:gridCol>
+                <a:gridCol w="220658">
+                  <a:extLst>
+                    <a:ext uri="{9D8B030D-6E8A-4147-A177-3AD203B41FA5}">
+                      <a16:colId xmlns:a16="http://schemas.microsoft.com/office/drawing/2014/main" val="2315699342"/>
+                    </a:ext>
+                  </a:extLst>
+                </a:gridCol>
+                <a:gridCol w="220658">
+                  <a:extLst>
+                    <a:ext uri="{9D8B030D-6E8A-4147-A177-3AD203B41FA5}">
+                      <a16:colId xmlns:a16="http://schemas.microsoft.com/office/drawing/2014/main" val="4091151678"/>
+                    </a:ext>
+                  </a:extLst>
+                </a:gridCol>
+                <a:gridCol w="220658">
+                  <a:extLst>
+                    <a:ext uri="{9D8B030D-6E8A-4147-A177-3AD203B41FA5}">
+                      <a16:colId xmlns:a16="http://schemas.microsoft.com/office/drawing/2014/main" val="2576016078"/>
+                    </a:ext>
+                  </a:extLst>
+                </a:gridCol>
+                <a:gridCol w="220658">
+                  <a:extLst>
+                    <a:ext uri="{9D8B030D-6E8A-4147-A177-3AD203B41FA5}">
+                      <a16:colId xmlns:a16="http://schemas.microsoft.com/office/drawing/2014/main" val="1872533393"/>
+                    </a:ext>
+                  </a:extLst>
+                </a:gridCol>
+                <a:gridCol w="220658">
+                  <a:extLst>
+                    <a:ext uri="{9D8B030D-6E8A-4147-A177-3AD203B41FA5}">
+                      <a16:colId xmlns:a16="http://schemas.microsoft.com/office/drawing/2014/main" val="3473763154"/>
+                    </a:ext>
+                  </a:extLst>
+                </a:gridCol>
+              </a:tblGrid>
+              <a:tr h="136207">
+                <a:tc>
+                  <a:txBody>
+                    <a:bodyPr/>
+                    <a:lstStyle/>
+                    <a:p>
+                      <a:pPr algn="l" fontAlgn="b"/>
+                      <a:endParaRPr lang="en-US" sz="800" b="0" i="0" u="none" strike="noStrike">
+                        <a:solidFill>
+                          <a:srgbClr val="000000"/>
+                        </a:solidFill>
+                        <a:effectLst/>
+                        <a:latin typeface="Calibri" panose="020F0502020204030204" pitchFamily="34" charset="0"/>
+                      </a:endParaRPr>
+                    </a:p>
+                  </a:txBody>
+                  <a:tcPr marL="7200" marR="7200" marT="7200" marB="0" anchor="b"/>
+                </a:tc>
+                <a:tc>
+                  <a:txBody>
+                    <a:bodyPr/>
+                    <a:lstStyle/>
+                    <a:p>
+                      <a:pPr algn="l" fontAlgn="b"/>
+                      <a:r>
+                        <a:rPr lang="en-US" sz="800" u="none" strike="noStrike">
+                          <a:effectLst/>
+                        </a:rPr>
+                        <a:t>before</a:t>
+                      </a:r>
+                      <a:endParaRPr lang="en-US" sz="800" b="0" i="0" u="none" strike="noStrike">
+                        <a:solidFill>
+                          <a:srgbClr val="000000"/>
+                        </a:solidFill>
+                        <a:effectLst/>
+                        <a:latin typeface="Calibri" panose="020F0502020204030204" pitchFamily="34" charset="0"/>
+                      </a:endParaRPr>
+                    </a:p>
+                  </a:txBody>
+                  <a:tcPr marL="7200" marR="7200" marT="7200" marB="0" anchor="b"/>
+                </a:tc>
+                <a:tc>
+                  <a:txBody>
+                    <a:bodyPr/>
+                    <a:lstStyle/>
+                    <a:p>
+                      <a:pPr algn="r" fontAlgn="b"/>
+                      <a:r>
+                        <a:rPr lang="en-US" sz="800" u="none" strike="noStrike">
+                          <a:effectLst/>
+                        </a:rPr>
+                        <a:t>10</a:t>
+                      </a:r>
+                      <a:endParaRPr lang="en-US" sz="800" b="0" i="0" u="none" strike="noStrike">
+                        <a:solidFill>
+                          <a:srgbClr val="000000"/>
+                        </a:solidFill>
+                        <a:effectLst/>
+                        <a:latin typeface="Calibri" panose="020F0502020204030204" pitchFamily="34" charset="0"/>
+                      </a:endParaRPr>
+                    </a:p>
+                  </a:txBody>
+                  <a:tcPr marL="7200" marR="7200" marT="7200" marB="0" anchor="b"/>
+                </a:tc>
+                <a:tc>
+                  <a:txBody>
+                    <a:bodyPr/>
+                    <a:lstStyle/>
+                    <a:p>
+                      <a:pPr algn="r" fontAlgn="b"/>
+                      <a:r>
+                        <a:rPr lang="en-US" sz="800" u="none" strike="noStrike">
+                          <a:effectLst/>
+                        </a:rPr>
+                        <a:t>11</a:t>
+                      </a:r>
+                      <a:endParaRPr lang="en-US" sz="800" b="0" i="0" u="none" strike="noStrike">
+                        <a:solidFill>
+                          <a:srgbClr val="000000"/>
+                        </a:solidFill>
+                        <a:effectLst/>
+                        <a:latin typeface="Calibri" panose="020F0502020204030204" pitchFamily="34" charset="0"/>
+                      </a:endParaRPr>
+                    </a:p>
+                  </a:txBody>
+                  <a:tcPr marL="7200" marR="7200" marT="7200" marB="0" anchor="b"/>
+                </a:tc>
+                <a:tc>
+                  <a:txBody>
+                    <a:bodyPr/>
+                    <a:lstStyle/>
+                    <a:p>
+                      <a:pPr algn="r" fontAlgn="b"/>
+                      <a:r>
+                        <a:rPr lang="en-US" sz="800" u="none" strike="noStrike">
+                          <a:effectLst/>
+                        </a:rPr>
+                        <a:t>12</a:t>
+                      </a:r>
+                      <a:endParaRPr lang="en-US" sz="800" b="0" i="0" u="none" strike="noStrike">
+                        <a:solidFill>
+                          <a:srgbClr val="000000"/>
+                        </a:solidFill>
+                        <a:effectLst/>
+                        <a:latin typeface="Calibri" panose="020F0502020204030204" pitchFamily="34" charset="0"/>
+                      </a:endParaRPr>
+                    </a:p>
+                  </a:txBody>
+                  <a:tcPr marL="7200" marR="7200" marT="7200" marB="0" anchor="b"/>
+                </a:tc>
+                <a:tc>
+                  <a:txBody>
+                    <a:bodyPr/>
+                    <a:lstStyle/>
+                    <a:p>
+                      <a:pPr algn="r" fontAlgn="b"/>
+                      <a:r>
+                        <a:rPr lang="en-US" sz="800" u="none" strike="noStrike">
+                          <a:effectLst/>
+                        </a:rPr>
+                        <a:t>13</a:t>
+                      </a:r>
+                      <a:endParaRPr lang="en-US" sz="800" b="0" i="0" u="none" strike="noStrike">
+                        <a:solidFill>
+                          <a:srgbClr val="000000"/>
+                        </a:solidFill>
+                        <a:effectLst/>
+                        <a:latin typeface="Calibri" panose="020F0502020204030204" pitchFamily="34" charset="0"/>
+                      </a:endParaRPr>
+                    </a:p>
+                  </a:txBody>
+                  <a:tcPr marL="7200" marR="7200" marT="7200" marB="0" anchor="b"/>
+                </a:tc>
+                <a:tc>
+                  <a:txBody>
+                    <a:bodyPr/>
+                    <a:lstStyle/>
+                    <a:p>
+                      <a:pPr algn="r" fontAlgn="b"/>
+                      <a:r>
+                        <a:rPr lang="en-US" sz="800" u="none" strike="noStrike">
+                          <a:effectLst/>
+                        </a:rPr>
+                        <a:t>14</a:t>
+                      </a:r>
+                      <a:endParaRPr lang="en-US" sz="800" b="0" i="0" u="none" strike="noStrike">
+                        <a:solidFill>
+                          <a:srgbClr val="000000"/>
+                        </a:solidFill>
+                        <a:effectLst/>
+                        <a:latin typeface="Calibri" panose="020F0502020204030204" pitchFamily="34" charset="0"/>
+                      </a:endParaRPr>
+                    </a:p>
+                  </a:txBody>
+                  <a:tcPr marL="7200" marR="7200" marT="7200" marB="0" anchor="b"/>
+                </a:tc>
+                <a:tc>
+                  <a:txBody>
+                    <a:bodyPr/>
+                    <a:lstStyle/>
+                    <a:p>
+                      <a:pPr algn="r" fontAlgn="b"/>
+                      <a:r>
+                        <a:rPr lang="en-US" sz="800" u="none" strike="noStrike">
+                          <a:effectLst/>
+                        </a:rPr>
+                        <a:t>15</a:t>
+                      </a:r>
+                      <a:endParaRPr lang="en-US" sz="800" b="0" i="0" u="none" strike="noStrike">
+                        <a:solidFill>
+                          <a:srgbClr val="000000"/>
+                        </a:solidFill>
+                        <a:effectLst/>
+                        <a:latin typeface="Calibri" panose="020F0502020204030204" pitchFamily="34" charset="0"/>
+                      </a:endParaRPr>
+                    </a:p>
+                  </a:txBody>
+                  <a:tcPr marL="7200" marR="7200" marT="7200" marB="0" anchor="b"/>
+                </a:tc>
+                <a:tc>
+                  <a:txBody>
+                    <a:bodyPr/>
+                    <a:lstStyle/>
+                    <a:p>
+                      <a:pPr algn="r" fontAlgn="b"/>
+                      <a:r>
+                        <a:rPr lang="en-US" sz="800" u="none" strike="noStrike">
+                          <a:effectLst/>
+                        </a:rPr>
+                        <a:t>16</a:t>
+                      </a:r>
+                      <a:endParaRPr lang="en-US" sz="800" b="0" i="0" u="none" strike="noStrike">
+                        <a:solidFill>
+                          <a:srgbClr val="000000"/>
+                        </a:solidFill>
+                        <a:effectLst/>
+                        <a:latin typeface="Calibri" panose="020F0502020204030204" pitchFamily="34" charset="0"/>
+                      </a:endParaRPr>
+                    </a:p>
+                  </a:txBody>
+                  <a:tcPr marL="7200" marR="7200" marT="7200" marB="0" anchor="b"/>
+                </a:tc>
+                <a:tc>
+                  <a:txBody>
+                    <a:bodyPr/>
+                    <a:lstStyle/>
+                    <a:p>
+                      <a:pPr algn="r" fontAlgn="b"/>
+                      <a:r>
+                        <a:rPr lang="en-US" sz="800" u="none" strike="noStrike">
+                          <a:effectLst/>
+                        </a:rPr>
+                        <a:t>17</a:t>
+                      </a:r>
+                      <a:endParaRPr lang="en-US" sz="800" b="0" i="0" u="none" strike="noStrike">
+                        <a:solidFill>
+                          <a:srgbClr val="000000"/>
+                        </a:solidFill>
+                        <a:effectLst/>
+                        <a:latin typeface="Calibri" panose="020F0502020204030204" pitchFamily="34" charset="0"/>
+                      </a:endParaRPr>
+                    </a:p>
+                  </a:txBody>
+                  <a:tcPr marL="7200" marR="7200" marT="7200" marB="0" anchor="b"/>
+                </a:tc>
+                <a:tc>
+                  <a:txBody>
+                    <a:bodyPr/>
+                    <a:lstStyle/>
+                    <a:p>
+                      <a:pPr algn="r" fontAlgn="b"/>
+                      <a:r>
+                        <a:rPr lang="en-US" sz="800" u="none" strike="noStrike">
+                          <a:effectLst/>
+                        </a:rPr>
+                        <a:t>18</a:t>
+                      </a:r>
+                      <a:endParaRPr lang="en-US" sz="800" b="0" i="0" u="none" strike="noStrike">
+                        <a:solidFill>
+                          <a:srgbClr val="000000"/>
+                        </a:solidFill>
+                        <a:effectLst/>
+                        <a:latin typeface="Calibri" panose="020F0502020204030204" pitchFamily="34" charset="0"/>
+                      </a:endParaRPr>
+                    </a:p>
+                  </a:txBody>
+                  <a:tcPr marL="7200" marR="7200" marT="7200" marB="0" anchor="b"/>
+                </a:tc>
+                <a:tc>
+                  <a:txBody>
+                    <a:bodyPr/>
+                    <a:lstStyle/>
+                    <a:p>
+                      <a:pPr algn="r" fontAlgn="b"/>
+                      <a:r>
+                        <a:rPr lang="en-US" sz="800" u="none" strike="noStrike">
+                          <a:effectLst/>
+                        </a:rPr>
+                        <a:t>19</a:t>
+                      </a:r>
+                      <a:endParaRPr lang="en-US" sz="800" b="0" i="0" u="none" strike="noStrike">
+                        <a:solidFill>
+                          <a:srgbClr val="000000"/>
+                        </a:solidFill>
+                        <a:effectLst/>
+                        <a:latin typeface="Calibri" panose="020F0502020204030204" pitchFamily="34" charset="0"/>
+                      </a:endParaRPr>
+                    </a:p>
+                  </a:txBody>
+                  <a:tcPr marL="7200" marR="7200" marT="7200" marB="0" anchor="b"/>
+                </a:tc>
+                <a:tc>
+                  <a:txBody>
+                    <a:bodyPr/>
+                    <a:lstStyle/>
+                    <a:p>
+                      <a:pPr algn="r" fontAlgn="b"/>
+                      <a:r>
+                        <a:rPr lang="en-US" sz="800" u="none" strike="noStrike">
+                          <a:effectLst/>
+                        </a:rPr>
+                        <a:t>20</a:t>
+                      </a:r>
+                      <a:endParaRPr lang="en-US" sz="800" b="0" i="0" u="none" strike="noStrike">
+                        <a:solidFill>
+                          <a:srgbClr val="000000"/>
+                        </a:solidFill>
+                        <a:effectLst/>
+                        <a:latin typeface="Calibri" panose="020F0502020204030204" pitchFamily="34" charset="0"/>
+                      </a:endParaRPr>
+                    </a:p>
+                  </a:txBody>
+                  <a:tcPr marL="7200" marR="7200" marT="7200" marB="0" anchor="b"/>
+                </a:tc>
+                <a:tc>
+                  <a:txBody>
+                    <a:bodyPr/>
+                    <a:lstStyle/>
+                    <a:p>
+                      <a:pPr algn="r" fontAlgn="b"/>
+                      <a:r>
+                        <a:rPr lang="en-US" sz="800" u="none" strike="noStrike">
+                          <a:effectLst/>
+                        </a:rPr>
+                        <a:t>21</a:t>
+                      </a:r>
+                      <a:endParaRPr lang="en-US" sz="800" b="0" i="0" u="none" strike="noStrike">
+                        <a:solidFill>
+                          <a:srgbClr val="000000"/>
+                        </a:solidFill>
+                        <a:effectLst/>
+                        <a:latin typeface="Calibri" panose="020F0502020204030204" pitchFamily="34" charset="0"/>
+                      </a:endParaRPr>
+                    </a:p>
+                  </a:txBody>
+                  <a:tcPr marL="7200" marR="7200" marT="7200" marB="0" anchor="b"/>
+                </a:tc>
+                <a:tc>
+                  <a:txBody>
+                    <a:bodyPr/>
+                    <a:lstStyle/>
+                    <a:p>
+                      <a:pPr algn="r" fontAlgn="b"/>
+                      <a:r>
+                        <a:rPr lang="en-US" sz="800" u="none" strike="noStrike">
+                          <a:effectLst/>
+                        </a:rPr>
+                        <a:t>22</a:t>
+                      </a:r>
+                      <a:endParaRPr lang="en-US" sz="800" b="0" i="0" u="none" strike="noStrike">
+                        <a:solidFill>
+                          <a:srgbClr val="000000"/>
+                        </a:solidFill>
+                        <a:effectLst/>
+                        <a:latin typeface="Calibri" panose="020F0502020204030204" pitchFamily="34" charset="0"/>
+                      </a:endParaRPr>
+                    </a:p>
+                  </a:txBody>
+                  <a:tcPr marL="7200" marR="7200" marT="7200" marB="0" anchor="b"/>
+                </a:tc>
+                <a:tc>
+                  <a:txBody>
+                    <a:bodyPr/>
+                    <a:lstStyle/>
+                    <a:p>
+                      <a:pPr algn="r" fontAlgn="b"/>
+                      <a:r>
+                        <a:rPr lang="en-US" sz="800" u="none" strike="noStrike">
+                          <a:effectLst/>
+                        </a:rPr>
+                        <a:t>23</a:t>
+                      </a:r>
+                      <a:endParaRPr lang="en-US" sz="800" b="0" i="0" u="none" strike="noStrike">
+                        <a:solidFill>
+                          <a:srgbClr val="000000"/>
+                        </a:solidFill>
+                        <a:effectLst/>
+                        <a:latin typeface="Calibri" panose="020F0502020204030204" pitchFamily="34" charset="0"/>
+                      </a:endParaRPr>
+                    </a:p>
+                  </a:txBody>
+                  <a:tcPr marL="7200" marR="7200" marT="7200" marB="0" anchor="b"/>
+                </a:tc>
+                <a:tc>
+                  <a:txBody>
+                    <a:bodyPr/>
+                    <a:lstStyle/>
+                    <a:p>
+                      <a:pPr algn="r" fontAlgn="b"/>
+                      <a:r>
+                        <a:rPr lang="en-US" sz="800" u="none" strike="noStrike">
+                          <a:effectLst/>
+                        </a:rPr>
+                        <a:t>24</a:t>
+                      </a:r>
+                      <a:endParaRPr lang="en-US" sz="800" b="0" i="0" u="none" strike="noStrike">
+                        <a:solidFill>
+                          <a:srgbClr val="000000"/>
+                        </a:solidFill>
+                        <a:effectLst/>
+                        <a:latin typeface="Calibri" panose="020F0502020204030204" pitchFamily="34" charset="0"/>
+                      </a:endParaRPr>
+                    </a:p>
+                  </a:txBody>
+                  <a:tcPr marL="7200" marR="7200" marT="7200" marB="0" anchor="b"/>
+                </a:tc>
+                <a:tc>
+                  <a:txBody>
+                    <a:bodyPr/>
+                    <a:lstStyle/>
+                    <a:p>
+                      <a:pPr algn="r" fontAlgn="b"/>
+                      <a:r>
+                        <a:rPr lang="en-US" sz="800" u="none" strike="noStrike">
+                          <a:effectLst/>
+                        </a:rPr>
+                        <a:t>25</a:t>
+                      </a:r>
+                      <a:endParaRPr lang="en-US" sz="800" b="0" i="0" u="none" strike="noStrike">
+                        <a:solidFill>
+                          <a:srgbClr val="000000"/>
+                        </a:solidFill>
+                        <a:effectLst/>
+                        <a:latin typeface="Calibri" panose="020F0502020204030204" pitchFamily="34" charset="0"/>
+                      </a:endParaRPr>
+                    </a:p>
+                  </a:txBody>
+                  <a:tcPr marL="7200" marR="7200" marT="7200" marB="0" anchor="b"/>
+                </a:tc>
+                <a:extLst>
+                  <a:ext uri="{0D108BD9-81ED-4DB2-BD59-A6C34878D82A}">
+                    <a16:rowId xmlns:a16="http://schemas.microsoft.com/office/drawing/2014/main" val="754341696"/>
+                  </a:ext>
+                </a:extLst>
+              </a:tr>
+              <a:tr h="136207">
+                <a:tc>
+                  <a:txBody>
+                    <a:bodyPr/>
+                    <a:lstStyle/>
+                    <a:p>
+                      <a:pPr algn="l" fontAlgn="b"/>
+                      <a:endParaRPr lang="en-US" sz="800" b="0" i="0" u="none" strike="noStrike">
+                        <a:solidFill>
+                          <a:srgbClr val="000000"/>
+                        </a:solidFill>
+                        <a:effectLst/>
+                        <a:latin typeface="Calibri" panose="020F0502020204030204" pitchFamily="34" charset="0"/>
+                      </a:endParaRPr>
+                    </a:p>
+                  </a:txBody>
+                  <a:tcPr marL="7200" marR="7200" marT="7200" marB="0" anchor="b"/>
+                </a:tc>
+                <a:tc>
+                  <a:txBody>
+                    <a:bodyPr/>
+                    <a:lstStyle/>
+                    <a:p>
+                      <a:pPr algn="l" fontAlgn="b"/>
+                      <a:endParaRPr lang="en-US" sz="800" b="0" i="0" u="none" strike="noStrike">
+                        <a:solidFill>
+                          <a:srgbClr val="000000"/>
+                        </a:solidFill>
+                        <a:effectLst/>
+                        <a:latin typeface="Calibri" panose="020F0502020204030204" pitchFamily="34" charset="0"/>
+                      </a:endParaRPr>
+                    </a:p>
+                  </a:txBody>
+                  <a:tcPr marL="7200" marR="7200" marT="7200" marB="0" anchor="b"/>
+                </a:tc>
+                <a:tc>
+                  <a:txBody>
+                    <a:bodyPr/>
+                    <a:lstStyle/>
+                    <a:p>
+                      <a:pPr algn="l" fontAlgn="b"/>
+                      <a:endParaRPr lang="en-US" sz="800" b="0" i="0" u="none" strike="noStrike">
+                        <a:solidFill>
+                          <a:srgbClr val="000000"/>
+                        </a:solidFill>
+                        <a:effectLst/>
+                        <a:latin typeface="Calibri" panose="020F0502020204030204" pitchFamily="34" charset="0"/>
+                      </a:endParaRPr>
+                    </a:p>
+                  </a:txBody>
+                  <a:tcPr marL="7200" marR="7200" marT="7200" marB="0" anchor="b"/>
+                </a:tc>
+                <a:tc>
+                  <a:txBody>
+                    <a:bodyPr/>
+                    <a:lstStyle/>
+                    <a:p>
+                      <a:pPr algn="l" fontAlgn="b"/>
+                      <a:endParaRPr lang="en-US" sz="800" b="0" i="0" u="none" strike="noStrike">
+                        <a:solidFill>
+                          <a:srgbClr val="000000"/>
+                        </a:solidFill>
+                        <a:effectLst/>
+                        <a:latin typeface="Calibri" panose="020F0502020204030204" pitchFamily="34" charset="0"/>
+                      </a:endParaRPr>
+                    </a:p>
+                  </a:txBody>
+                  <a:tcPr marL="7200" marR="7200" marT="7200" marB="0" anchor="b"/>
+                </a:tc>
+                <a:tc>
+                  <a:txBody>
+                    <a:bodyPr/>
+                    <a:lstStyle/>
+                    <a:p>
+                      <a:pPr algn="l" fontAlgn="b"/>
+                      <a:endParaRPr lang="en-US" sz="800" b="0" i="0" u="none" strike="noStrike">
+                        <a:solidFill>
+                          <a:srgbClr val="000000"/>
+                        </a:solidFill>
+                        <a:effectLst/>
+                        <a:latin typeface="Calibri" panose="020F0502020204030204" pitchFamily="34" charset="0"/>
+                      </a:endParaRPr>
+                    </a:p>
+                  </a:txBody>
+                  <a:tcPr marL="7200" marR="7200" marT="7200" marB="0" anchor="b"/>
+                </a:tc>
+                <a:tc>
+                  <a:txBody>
+                    <a:bodyPr/>
+                    <a:lstStyle/>
+                    <a:p>
+                      <a:pPr algn="l" fontAlgn="b"/>
+                      <a:endParaRPr lang="en-US" sz="800" b="0" i="0" u="none" strike="noStrike">
+                        <a:solidFill>
+                          <a:srgbClr val="000000"/>
+                        </a:solidFill>
+                        <a:effectLst/>
+                        <a:latin typeface="Calibri" panose="020F0502020204030204" pitchFamily="34" charset="0"/>
+                      </a:endParaRPr>
+                    </a:p>
+                  </a:txBody>
+                  <a:tcPr marL="7200" marR="7200" marT="7200" marB="0" anchor="b"/>
+                </a:tc>
+                <a:tc>
+                  <a:txBody>
+                    <a:bodyPr/>
+                    <a:lstStyle/>
+                    <a:p>
+                      <a:pPr algn="l" fontAlgn="b"/>
+                      <a:endParaRPr lang="en-US" sz="800" b="0" i="0" u="none" strike="noStrike">
+                        <a:solidFill>
+                          <a:srgbClr val="000000"/>
+                        </a:solidFill>
+                        <a:effectLst/>
+                        <a:latin typeface="Calibri" panose="020F0502020204030204" pitchFamily="34" charset="0"/>
+                      </a:endParaRPr>
+                    </a:p>
+                  </a:txBody>
+                  <a:tcPr marL="7200" marR="7200" marT="7200" marB="0" anchor="b"/>
+                </a:tc>
+                <a:tc>
+                  <a:txBody>
+                    <a:bodyPr/>
+                    <a:lstStyle/>
+                    <a:p>
+                      <a:pPr algn="l" fontAlgn="b"/>
+                      <a:endParaRPr lang="en-US" sz="800" b="0" i="0" u="none" strike="noStrike">
+                        <a:solidFill>
+                          <a:srgbClr val="000000"/>
+                        </a:solidFill>
+                        <a:effectLst/>
+                        <a:latin typeface="Calibri" panose="020F0502020204030204" pitchFamily="34" charset="0"/>
+                      </a:endParaRPr>
+                    </a:p>
+                  </a:txBody>
+                  <a:tcPr marL="7200" marR="7200" marT="7200" marB="0" anchor="b"/>
+                </a:tc>
+                <a:tc>
+                  <a:txBody>
+                    <a:bodyPr/>
+                    <a:lstStyle/>
+                    <a:p>
+                      <a:pPr algn="l" fontAlgn="b"/>
+                      <a:endParaRPr lang="en-US" sz="800" b="0" i="0" u="none" strike="noStrike">
+                        <a:solidFill>
+                          <a:srgbClr val="000000"/>
+                        </a:solidFill>
+                        <a:effectLst/>
+                        <a:latin typeface="Calibri" panose="020F0502020204030204" pitchFamily="34" charset="0"/>
+                      </a:endParaRPr>
+                    </a:p>
+                  </a:txBody>
+                  <a:tcPr marL="7200" marR="7200" marT="7200" marB="0" anchor="b"/>
+                </a:tc>
+                <a:tc>
+                  <a:txBody>
+                    <a:bodyPr/>
+                    <a:lstStyle/>
+                    <a:p>
+                      <a:pPr algn="l" fontAlgn="b"/>
+                      <a:endParaRPr lang="en-US" sz="800" b="0" i="0" u="none" strike="noStrike">
+                        <a:solidFill>
+                          <a:srgbClr val="000000"/>
+                        </a:solidFill>
+                        <a:effectLst/>
+                        <a:latin typeface="Calibri" panose="020F0502020204030204" pitchFamily="34" charset="0"/>
+                      </a:endParaRPr>
+                    </a:p>
+                  </a:txBody>
+                  <a:tcPr marL="7200" marR="7200" marT="7200" marB="0" anchor="b"/>
+                </a:tc>
+                <a:tc>
+                  <a:txBody>
+                    <a:bodyPr/>
+                    <a:lstStyle/>
+                    <a:p>
+                      <a:pPr algn="l" fontAlgn="b"/>
+                      <a:endParaRPr lang="en-US" sz="800" b="0" i="0" u="none" strike="noStrike">
+                        <a:solidFill>
+                          <a:srgbClr val="000000"/>
+                        </a:solidFill>
+                        <a:effectLst/>
+                        <a:latin typeface="Calibri" panose="020F0502020204030204" pitchFamily="34" charset="0"/>
+                      </a:endParaRPr>
+                    </a:p>
+                  </a:txBody>
+                  <a:tcPr marL="7200" marR="7200" marT="7200" marB="0" anchor="b"/>
+                </a:tc>
+                <a:tc>
+                  <a:txBody>
+                    <a:bodyPr/>
+                    <a:lstStyle/>
+                    <a:p>
+                      <a:pPr algn="l" fontAlgn="b"/>
+                      <a:endParaRPr lang="en-US" sz="800" b="0" i="0" u="none" strike="noStrike">
+                        <a:solidFill>
+                          <a:srgbClr val="000000"/>
+                        </a:solidFill>
+                        <a:effectLst/>
+                        <a:latin typeface="Calibri" panose="020F0502020204030204" pitchFamily="34" charset="0"/>
+                      </a:endParaRPr>
+                    </a:p>
+                  </a:txBody>
+                  <a:tcPr marL="7200" marR="7200" marT="7200" marB="0" anchor="b"/>
+                </a:tc>
+                <a:tc>
+                  <a:txBody>
+                    <a:bodyPr/>
+                    <a:lstStyle/>
+                    <a:p>
+                      <a:pPr algn="l" fontAlgn="b"/>
+                      <a:endParaRPr lang="en-US" sz="800" b="0" i="0" u="none" strike="noStrike">
+                        <a:solidFill>
+                          <a:srgbClr val="000000"/>
+                        </a:solidFill>
+                        <a:effectLst/>
+                        <a:latin typeface="Calibri" panose="020F0502020204030204" pitchFamily="34" charset="0"/>
+                      </a:endParaRPr>
+                    </a:p>
+                  </a:txBody>
+                  <a:tcPr marL="7200" marR="7200" marT="7200" marB="0" anchor="b"/>
+                </a:tc>
+                <a:tc>
+                  <a:txBody>
+                    <a:bodyPr/>
+                    <a:lstStyle/>
+                    <a:p>
+                      <a:pPr algn="l" fontAlgn="b"/>
+                      <a:endParaRPr lang="en-US" sz="800" b="0" i="0" u="none" strike="noStrike">
+                        <a:solidFill>
+                          <a:srgbClr val="000000"/>
+                        </a:solidFill>
+                        <a:effectLst/>
+                        <a:latin typeface="Calibri" panose="020F0502020204030204" pitchFamily="34" charset="0"/>
+                      </a:endParaRPr>
+                    </a:p>
+                  </a:txBody>
+                  <a:tcPr marL="7200" marR="7200" marT="7200" marB="0" anchor="b"/>
+                </a:tc>
+                <a:tc>
+                  <a:txBody>
+                    <a:bodyPr/>
+                    <a:lstStyle/>
+                    <a:p>
+                      <a:pPr algn="l" fontAlgn="b"/>
+                      <a:endParaRPr lang="en-US" sz="800" b="0" i="0" u="none" strike="noStrike">
+                        <a:solidFill>
+                          <a:srgbClr val="000000"/>
+                        </a:solidFill>
+                        <a:effectLst/>
+                        <a:latin typeface="Calibri" panose="020F0502020204030204" pitchFamily="34" charset="0"/>
+                      </a:endParaRPr>
+                    </a:p>
+                  </a:txBody>
+                  <a:tcPr marL="7200" marR="7200" marT="7200" marB="0" anchor="b"/>
+                </a:tc>
+                <a:tc>
+                  <a:txBody>
+                    <a:bodyPr/>
+                    <a:lstStyle/>
+                    <a:p>
+                      <a:pPr algn="l" fontAlgn="b"/>
+                      <a:endParaRPr lang="en-US" sz="800" b="0" i="0" u="none" strike="noStrike">
+                        <a:solidFill>
+                          <a:srgbClr val="000000"/>
+                        </a:solidFill>
+                        <a:effectLst/>
+                        <a:latin typeface="Calibri" panose="020F0502020204030204" pitchFamily="34" charset="0"/>
+                      </a:endParaRPr>
+                    </a:p>
+                  </a:txBody>
+                  <a:tcPr marL="7200" marR="7200" marT="7200" marB="0" anchor="b"/>
+                </a:tc>
+                <a:tc>
+                  <a:txBody>
+                    <a:bodyPr/>
+                    <a:lstStyle/>
+                    <a:p>
+                      <a:pPr algn="l" fontAlgn="b"/>
+                      <a:endParaRPr lang="en-US" sz="800" b="0" i="0" u="none" strike="noStrike">
+                        <a:solidFill>
+                          <a:srgbClr val="000000"/>
+                        </a:solidFill>
+                        <a:effectLst/>
+                        <a:latin typeface="Calibri" panose="020F0502020204030204" pitchFamily="34" charset="0"/>
+                      </a:endParaRPr>
+                    </a:p>
+                  </a:txBody>
+                  <a:tcPr marL="7200" marR="7200" marT="7200" marB="0" anchor="b"/>
+                </a:tc>
+                <a:tc>
+                  <a:txBody>
+                    <a:bodyPr/>
+                    <a:lstStyle/>
+                    <a:p>
+                      <a:pPr algn="l" fontAlgn="b"/>
+                      <a:endParaRPr lang="en-US" sz="800" b="0" i="0" u="none" strike="noStrike">
+                        <a:solidFill>
+                          <a:srgbClr val="000000"/>
+                        </a:solidFill>
+                        <a:effectLst/>
+                        <a:latin typeface="Calibri" panose="020F0502020204030204" pitchFamily="34" charset="0"/>
+                      </a:endParaRPr>
+                    </a:p>
+                  </a:txBody>
+                  <a:tcPr marL="7200" marR="7200" marT="7200" marB="0" anchor="b"/>
+                </a:tc>
+                <a:extLst>
+                  <a:ext uri="{0D108BD9-81ED-4DB2-BD59-A6C34878D82A}">
+                    <a16:rowId xmlns:a16="http://schemas.microsoft.com/office/drawing/2014/main" val="2682221580"/>
+                  </a:ext>
+                </a:extLst>
+              </a:tr>
+              <a:tr h="523231">
+                <a:tc>
+                  <a:txBody>
+                    <a:bodyPr/>
+                    <a:lstStyle/>
+                    <a:p>
+                      <a:pPr algn="l" fontAlgn="b"/>
+                      <a:r>
+                        <a:rPr lang="en-US" sz="800" u="none" strike="noStrike">
+                          <a:effectLst/>
+                        </a:rPr>
+                        <a:t>CuonNV20</a:t>
+                      </a:r>
+                      <a:endParaRPr lang="en-US" sz="800" b="0" i="0" u="none" strike="noStrike">
+                        <a:solidFill>
+                          <a:srgbClr val="000000"/>
+                        </a:solidFill>
+                        <a:effectLst/>
+                        <a:latin typeface="Calibri" panose="020F0502020204030204" pitchFamily="34" charset="0"/>
+                      </a:endParaRPr>
+                    </a:p>
+                  </a:txBody>
+                  <a:tcPr marL="7200" marR="7200" marT="7200" marB="0" anchor="b"/>
+                </a:tc>
+                <a:tc>
+                  <a:txBody>
+                    <a:bodyPr/>
+                    <a:lstStyle/>
+                    <a:p>
+                      <a:pPr algn="l" fontAlgn="b"/>
+                      <a:r>
+                        <a:rPr lang="en-US" sz="800" u="none" strike="noStrike">
+                          <a:effectLst/>
+                        </a:rPr>
+                        <a:t>create Requirement</a:t>
+                      </a:r>
+                      <a:endParaRPr lang="en-US" sz="800" b="0" i="0" u="none" strike="noStrike">
+                        <a:solidFill>
+                          <a:srgbClr val="000000"/>
+                        </a:solidFill>
+                        <a:effectLst/>
+                        <a:latin typeface="Calibri" panose="020F0502020204030204" pitchFamily="34" charset="0"/>
+                      </a:endParaRPr>
+                    </a:p>
+                  </a:txBody>
+                  <a:tcPr marL="7200" marR="7200" marT="7200" marB="0" anchor="b"/>
+                </a:tc>
+                <a:tc>
+                  <a:txBody>
+                    <a:bodyPr/>
+                    <a:lstStyle/>
+                    <a:p>
+                      <a:pPr algn="l" fontAlgn="b"/>
+                      <a:r>
+                        <a:rPr lang="en-US" sz="800" u="none" strike="noStrike">
+                          <a:effectLst/>
+                        </a:rPr>
+                        <a:t>Kickoff</a:t>
+                      </a:r>
+                      <a:endParaRPr lang="en-US" sz="800" b="0" i="0" u="none" strike="noStrike">
+                        <a:solidFill>
+                          <a:srgbClr val="000000"/>
+                        </a:solidFill>
+                        <a:effectLst/>
+                        <a:latin typeface="Calibri" panose="020F0502020204030204" pitchFamily="34" charset="0"/>
+                      </a:endParaRPr>
+                    </a:p>
+                  </a:txBody>
+                  <a:tcPr marL="7200" marR="7200" marT="7200" marB="0" anchor="b"/>
+                </a:tc>
+                <a:tc>
+                  <a:txBody>
+                    <a:bodyPr/>
+                    <a:lstStyle/>
+                    <a:p>
+                      <a:pPr algn="l" fontAlgn="b"/>
+                      <a:r>
+                        <a:rPr lang="vi-VN" sz="800" u="none" strike="noStrike">
+                          <a:effectLst/>
+                        </a:rPr>
+                        <a:t>Build môi trường(1h)</a:t>
+                      </a:r>
+                      <a:endParaRPr lang="vi-VN" sz="800" b="0" i="0" u="none" strike="noStrike">
+                        <a:solidFill>
+                          <a:srgbClr val="000000"/>
+                        </a:solidFill>
+                        <a:effectLst/>
+                        <a:latin typeface="Calibri" panose="020F0502020204030204" pitchFamily="34" charset="0"/>
+                      </a:endParaRPr>
+                    </a:p>
+                  </a:txBody>
+                  <a:tcPr marL="7200" marR="7200" marT="7200" marB="0" anchor="b"/>
+                </a:tc>
+                <a:tc>
+                  <a:txBody>
+                    <a:bodyPr/>
+                    <a:lstStyle/>
+                    <a:p>
+                      <a:pPr algn="l" fontAlgn="b"/>
+                      <a:r>
+                        <a:rPr lang="en-US" sz="800" u="none" strike="noStrike">
+                          <a:effectLst/>
+                        </a:rPr>
+                        <a:t>CD(2H)</a:t>
+                      </a:r>
+                      <a:endParaRPr lang="en-US" sz="800" b="0" i="0" u="none" strike="noStrike">
+                        <a:solidFill>
+                          <a:srgbClr val="000000"/>
+                        </a:solidFill>
+                        <a:effectLst/>
+                        <a:latin typeface="Calibri" panose="020F0502020204030204" pitchFamily="34" charset="0"/>
+                      </a:endParaRPr>
+                    </a:p>
+                  </a:txBody>
+                  <a:tcPr marL="7200" marR="7200" marT="7200" marB="0" anchor="b"/>
+                </a:tc>
+                <a:tc>
+                  <a:txBody>
+                    <a:bodyPr/>
+                    <a:lstStyle/>
+                    <a:p>
+                      <a:pPr algn="l" fontAlgn="b"/>
+                      <a:r>
+                        <a:rPr lang="en-US" sz="800" u="none" strike="noStrike">
+                          <a:effectLst/>
+                        </a:rPr>
+                        <a:t>CD(2H)</a:t>
+                      </a:r>
+                      <a:endParaRPr lang="en-US" sz="800" b="0" i="0" u="none" strike="noStrike">
+                        <a:solidFill>
+                          <a:srgbClr val="000000"/>
+                        </a:solidFill>
+                        <a:effectLst/>
+                        <a:latin typeface="Calibri" panose="020F0502020204030204" pitchFamily="34" charset="0"/>
+                      </a:endParaRPr>
+                    </a:p>
+                  </a:txBody>
+                  <a:tcPr marL="7200" marR="7200" marT="7200" marB="0" anchor="b"/>
+                </a:tc>
+                <a:tc>
+                  <a:txBody>
+                    <a:bodyPr/>
+                    <a:lstStyle/>
+                    <a:p>
+                      <a:pPr algn="l" fontAlgn="b"/>
+                      <a:r>
+                        <a:rPr lang="en-US" sz="800" u="none" strike="noStrike">
+                          <a:effectLst/>
+                        </a:rPr>
+                        <a:t>CD(2H)</a:t>
+                      </a:r>
+                      <a:endParaRPr lang="en-US" sz="800" b="0" i="0" u="none" strike="noStrike">
+                        <a:solidFill>
+                          <a:srgbClr val="000000"/>
+                        </a:solidFill>
+                        <a:effectLst/>
+                        <a:latin typeface="Calibri" panose="020F0502020204030204" pitchFamily="34" charset="0"/>
+                      </a:endParaRPr>
+                    </a:p>
+                  </a:txBody>
+                  <a:tcPr marL="7200" marR="7200" marT="7200" marB="0" anchor="b"/>
+                </a:tc>
+                <a:tc>
+                  <a:txBody>
+                    <a:bodyPr/>
+                    <a:lstStyle/>
+                    <a:p>
+                      <a:pPr algn="l" fontAlgn="b"/>
+                      <a:r>
+                        <a:rPr lang="en-US" sz="800" u="none" strike="noStrike">
+                          <a:effectLst/>
+                        </a:rPr>
+                        <a:t>CD(2H)</a:t>
+                      </a:r>
+                      <a:endParaRPr lang="en-US" sz="800" b="0" i="0" u="none" strike="noStrike">
+                        <a:solidFill>
+                          <a:srgbClr val="000000"/>
+                        </a:solidFill>
+                        <a:effectLst/>
+                        <a:latin typeface="Calibri" panose="020F0502020204030204" pitchFamily="34" charset="0"/>
+                      </a:endParaRPr>
+                    </a:p>
+                  </a:txBody>
+                  <a:tcPr marL="7200" marR="7200" marT="7200" marB="0" anchor="b"/>
+                </a:tc>
+                <a:tc>
+                  <a:txBody>
+                    <a:bodyPr/>
+                    <a:lstStyle/>
+                    <a:p>
+                      <a:pPr algn="l" fontAlgn="b"/>
+                      <a:r>
+                        <a:rPr lang="en-US" sz="800" u="none" strike="noStrike">
+                          <a:effectLst/>
+                        </a:rPr>
+                        <a:t>CD(2H)</a:t>
+                      </a:r>
+                      <a:endParaRPr lang="en-US" sz="800" b="0" i="0" u="none" strike="noStrike">
+                        <a:solidFill>
+                          <a:srgbClr val="000000"/>
+                        </a:solidFill>
+                        <a:effectLst/>
+                        <a:latin typeface="Calibri" panose="020F0502020204030204" pitchFamily="34" charset="0"/>
+                      </a:endParaRPr>
+                    </a:p>
+                  </a:txBody>
+                  <a:tcPr marL="7200" marR="7200" marT="7200" marB="0" anchor="b"/>
+                </a:tc>
+                <a:tc>
+                  <a:txBody>
+                    <a:bodyPr/>
+                    <a:lstStyle/>
+                    <a:p>
+                      <a:pPr algn="l" fontAlgn="b"/>
+                      <a:r>
+                        <a:rPr lang="en-US" sz="800" u="none" strike="noStrike">
+                          <a:effectLst/>
+                        </a:rPr>
+                        <a:t>Test(1)</a:t>
+                      </a:r>
+                      <a:endParaRPr lang="en-US" sz="800" b="0" i="0" u="none" strike="noStrike">
+                        <a:solidFill>
+                          <a:srgbClr val="000000"/>
+                        </a:solidFill>
+                        <a:effectLst/>
+                        <a:latin typeface="Calibri" panose="020F0502020204030204" pitchFamily="34" charset="0"/>
+                      </a:endParaRPr>
+                    </a:p>
+                  </a:txBody>
+                  <a:tcPr marL="7200" marR="7200" marT="7200" marB="0" anchor="b"/>
+                </a:tc>
+                <a:tc>
+                  <a:txBody>
+                    <a:bodyPr/>
+                    <a:lstStyle/>
+                    <a:p>
+                      <a:pPr algn="l" fontAlgn="b"/>
+                      <a:r>
+                        <a:rPr lang="en-US" sz="800" u="none" strike="noStrike">
+                          <a:effectLst/>
+                        </a:rPr>
+                        <a:t>Fixbug(1H)</a:t>
+                      </a:r>
+                      <a:endParaRPr lang="en-US" sz="800" b="0" i="0" u="none" strike="noStrike">
+                        <a:solidFill>
+                          <a:srgbClr val="000000"/>
+                        </a:solidFill>
+                        <a:effectLst/>
+                        <a:latin typeface="Calibri" panose="020F0502020204030204" pitchFamily="34" charset="0"/>
+                      </a:endParaRPr>
+                    </a:p>
+                  </a:txBody>
+                  <a:tcPr marL="7200" marR="7200" marT="7200" marB="0" anchor="b"/>
+                </a:tc>
+                <a:tc>
+                  <a:txBody>
+                    <a:bodyPr/>
+                    <a:lstStyle/>
+                    <a:p>
+                      <a:pPr algn="l" fontAlgn="b"/>
+                      <a:r>
+                        <a:rPr lang="en-US" sz="800" u="none" strike="noStrike">
+                          <a:effectLst/>
+                        </a:rPr>
+                        <a:t>Test(1)</a:t>
+                      </a:r>
+                      <a:endParaRPr lang="en-US" sz="800" b="0" i="0" u="none" strike="noStrike">
+                        <a:solidFill>
+                          <a:srgbClr val="000000"/>
+                        </a:solidFill>
+                        <a:effectLst/>
+                        <a:latin typeface="Calibri" panose="020F0502020204030204" pitchFamily="34" charset="0"/>
+                      </a:endParaRPr>
+                    </a:p>
+                  </a:txBody>
+                  <a:tcPr marL="7200" marR="7200" marT="7200" marB="0" anchor="b"/>
+                </a:tc>
+                <a:tc>
+                  <a:txBody>
+                    <a:bodyPr/>
+                    <a:lstStyle/>
+                    <a:p>
+                      <a:pPr algn="l" fontAlgn="b"/>
+                      <a:r>
+                        <a:rPr lang="en-US" sz="800" u="none" strike="noStrike">
+                          <a:effectLst/>
+                        </a:rPr>
+                        <a:t>Fixbug(1H)</a:t>
+                      </a:r>
+                      <a:endParaRPr lang="en-US" sz="800" b="0" i="0" u="none" strike="noStrike">
+                        <a:solidFill>
+                          <a:srgbClr val="000000"/>
+                        </a:solidFill>
+                        <a:effectLst/>
+                        <a:latin typeface="Calibri" panose="020F0502020204030204" pitchFamily="34" charset="0"/>
+                      </a:endParaRPr>
+                    </a:p>
+                  </a:txBody>
+                  <a:tcPr marL="7200" marR="7200" marT="7200" marB="0" anchor="b"/>
+                </a:tc>
+                <a:tc>
+                  <a:txBody>
+                    <a:bodyPr/>
+                    <a:lstStyle/>
+                    <a:p>
+                      <a:pPr algn="l" fontAlgn="b"/>
+                      <a:r>
+                        <a:rPr lang="en-US" sz="800" u="none" strike="noStrike">
+                          <a:effectLst/>
+                        </a:rPr>
+                        <a:t>Test tích hợp(8h)</a:t>
+                      </a:r>
+                      <a:endParaRPr lang="en-US" sz="800" b="0" i="0" u="none" strike="noStrike">
+                        <a:solidFill>
+                          <a:srgbClr val="000000"/>
+                        </a:solidFill>
+                        <a:effectLst/>
+                        <a:latin typeface="Calibri" panose="020F0502020204030204" pitchFamily="34" charset="0"/>
+                      </a:endParaRPr>
+                    </a:p>
+                  </a:txBody>
+                  <a:tcPr marL="7200" marR="7200" marT="7200" marB="0" anchor="b"/>
+                </a:tc>
+                <a:tc>
+                  <a:txBody>
+                    <a:bodyPr/>
+                    <a:lstStyle/>
+                    <a:p>
+                      <a:pPr algn="l" fontAlgn="b"/>
+                      <a:r>
+                        <a:rPr lang="en-US" sz="800" u="none" strike="noStrike">
+                          <a:effectLst/>
+                        </a:rPr>
+                        <a:t>Test tích hợp(8h)</a:t>
+                      </a:r>
+                      <a:endParaRPr lang="en-US" sz="800" b="0" i="0" u="none" strike="noStrike">
+                        <a:solidFill>
+                          <a:srgbClr val="000000"/>
+                        </a:solidFill>
+                        <a:effectLst/>
+                        <a:latin typeface="Calibri" panose="020F0502020204030204" pitchFamily="34" charset="0"/>
+                      </a:endParaRPr>
+                    </a:p>
+                  </a:txBody>
+                  <a:tcPr marL="7200" marR="7200" marT="7200" marB="0" anchor="b"/>
+                </a:tc>
+                <a:tc gridSpan="2">
+                  <a:txBody>
+                    <a:bodyPr/>
+                    <a:lstStyle/>
+                    <a:p>
+                      <a:pPr algn="l" fontAlgn="b"/>
+                      <a:r>
+                        <a:rPr lang="en-US" sz="800" u="none" strike="noStrike">
+                          <a:effectLst/>
+                        </a:rPr>
+                        <a:t>Fix bug</a:t>
+                      </a:r>
+                      <a:endParaRPr lang="en-US" sz="800" b="0" i="0" u="none" strike="noStrike">
+                        <a:solidFill>
+                          <a:srgbClr val="000000"/>
+                        </a:solidFill>
+                        <a:effectLst/>
+                        <a:latin typeface="Calibri" panose="020F0502020204030204" pitchFamily="34" charset="0"/>
+                      </a:endParaRPr>
+                    </a:p>
+                  </a:txBody>
+                  <a:tcPr marL="77405" marR="77405" marT="38702" marB="38702" anchor="b"/>
+                </a:tc>
+                <a:tc hMerge="1">
+                  <a:txBody>
+                    <a:bodyPr/>
+                    <a:lstStyle/>
+                    <a:p>
+                      <a:endParaRPr lang="en-US"/>
+                    </a:p>
+                  </a:txBody>
+                  <a:tcPr/>
+                </a:tc>
+                <a:tc>
+                  <a:txBody>
+                    <a:bodyPr/>
+                    <a:lstStyle/>
+                    <a:p>
+                      <a:pPr algn="l" fontAlgn="b"/>
+                      <a:endParaRPr lang="en-US" sz="800" b="0" i="0" u="none" strike="noStrike">
+                        <a:solidFill>
+                          <a:srgbClr val="000000"/>
+                        </a:solidFill>
+                        <a:effectLst/>
+                        <a:latin typeface="Calibri" panose="020F0502020204030204" pitchFamily="34" charset="0"/>
+                      </a:endParaRPr>
+                    </a:p>
+                  </a:txBody>
+                  <a:tcPr marL="7200" marR="7200" marT="7200" marB="0" anchor="b"/>
+                </a:tc>
+                <a:extLst>
+                  <a:ext uri="{0D108BD9-81ED-4DB2-BD59-A6C34878D82A}">
+                    <a16:rowId xmlns:a16="http://schemas.microsoft.com/office/drawing/2014/main" val="397149388"/>
+                  </a:ext>
+                </a:extLst>
+              </a:tr>
+              <a:tr h="523231">
+                <a:tc>
+                  <a:txBody>
+                    <a:bodyPr/>
+                    <a:lstStyle/>
+                    <a:p>
+                      <a:pPr algn="l" fontAlgn="b"/>
+                      <a:r>
+                        <a:rPr lang="en-US" sz="800" u="none" strike="noStrike">
+                          <a:effectLst/>
+                        </a:rPr>
+                        <a:t>PhungLDT1</a:t>
+                      </a:r>
+                      <a:endParaRPr lang="en-US" sz="800" b="0" i="0" u="none" strike="noStrike">
+                        <a:solidFill>
+                          <a:srgbClr val="000000"/>
+                        </a:solidFill>
+                        <a:effectLst/>
+                        <a:latin typeface="Calibri" panose="020F0502020204030204" pitchFamily="34" charset="0"/>
+                      </a:endParaRPr>
+                    </a:p>
+                  </a:txBody>
+                  <a:tcPr marL="7200" marR="7200" marT="7200" marB="0" anchor="b"/>
+                </a:tc>
+                <a:tc>
+                  <a:txBody>
+                    <a:bodyPr/>
+                    <a:lstStyle/>
+                    <a:p>
+                      <a:pPr algn="l" fontAlgn="b"/>
+                      <a:endParaRPr lang="en-US" sz="800" b="0" i="0" u="none" strike="noStrike">
+                        <a:solidFill>
+                          <a:srgbClr val="000000"/>
+                        </a:solidFill>
+                        <a:effectLst/>
+                        <a:latin typeface="Calibri" panose="020F0502020204030204" pitchFamily="34" charset="0"/>
+                      </a:endParaRPr>
+                    </a:p>
+                  </a:txBody>
+                  <a:tcPr marL="7200" marR="7200" marT="7200" marB="0" anchor="b"/>
+                </a:tc>
+                <a:tc>
+                  <a:txBody>
+                    <a:bodyPr/>
+                    <a:lstStyle/>
+                    <a:p>
+                      <a:pPr algn="l" fontAlgn="b"/>
+                      <a:r>
+                        <a:rPr lang="en-US" sz="800" u="none" strike="noStrike">
+                          <a:effectLst/>
+                        </a:rPr>
+                        <a:t>Kickoff</a:t>
+                      </a:r>
+                      <a:endParaRPr lang="en-US" sz="800" b="0" i="0" u="none" strike="noStrike">
+                        <a:solidFill>
+                          <a:srgbClr val="000000"/>
+                        </a:solidFill>
+                        <a:effectLst/>
+                        <a:latin typeface="Calibri" panose="020F0502020204030204" pitchFamily="34" charset="0"/>
+                      </a:endParaRPr>
+                    </a:p>
+                  </a:txBody>
+                  <a:tcPr marL="7200" marR="7200" marT="7200" marB="0" anchor="b"/>
+                </a:tc>
+                <a:tc>
+                  <a:txBody>
+                    <a:bodyPr/>
+                    <a:lstStyle/>
+                    <a:p>
+                      <a:pPr algn="l" fontAlgn="b"/>
+                      <a:r>
+                        <a:rPr lang="vi-VN" sz="800" u="none" strike="noStrike">
+                          <a:effectLst/>
+                        </a:rPr>
+                        <a:t>Build môi trường(1h)</a:t>
+                      </a:r>
+                      <a:endParaRPr lang="vi-VN" sz="800" b="0" i="0" u="none" strike="noStrike">
+                        <a:solidFill>
+                          <a:srgbClr val="000000"/>
+                        </a:solidFill>
+                        <a:effectLst/>
+                        <a:latin typeface="Calibri" panose="020F0502020204030204" pitchFamily="34" charset="0"/>
+                      </a:endParaRPr>
+                    </a:p>
+                  </a:txBody>
+                  <a:tcPr marL="7200" marR="7200" marT="7200" marB="0" anchor="b"/>
+                </a:tc>
+                <a:tc>
+                  <a:txBody>
+                    <a:bodyPr/>
+                    <a:lstStyle/>
+                    <a:p>
+                      <a:pPr algn="l" fontAlgn="b"/>
+                      <a:r>
+                        <a:rPr lang="en-US" sz="800" u="none" strike="noStrike">
+                          <a:effectLst/>
+                        </a:rPr>
+                        <a:t>CD(2H)</a:t>
+                      </a:r>
+                      <a:endParaRPr lang="en-US" sz="800" b="0" i="0" u="none" strike="noStrike">
+                        <a:solidFill>
+                          <a:srgbClr val="000000"/>
+                        </a:solidFill>
+                        <a:effectLst/>
+                        <a:latin typeface="Calibri" panose="020F0502020204030204" pitchFamily="34" charset="0"/>
+                      </a:endParaRPr>
+                    </a:p>
+                  </a:txBody>
+                  <a:tcPr marL="7200" marR="7200" marT="7200" marB="0" anchor="b"/>
+                </a:tc>
+                <a:tc>
+                  <a:txBody>
+                    <a:bodyPr/>
+                    <a:lstStyle/>
+                    <a:p>
+                      <a:pPr algn="l" fontAlgn="b"/>
+                      <a:r>
+                        <a:rPr lang="en-US" sz="800" u="none" strike="noStrike">
+                          <a:effectLst/>
+                        </a:rPr>
+                        <a:t>CD(2H)</a:t>
+                      </a:r>
+                      <a:endParaRPr lang="en-US" sz="800" b="0" i="0" u="none" strike="noStrike">
+                        <a:solidFill>
+                          <a:srgbClr val="000000"/>
+                        </a:solidFill>
+                        <a:effectLst/>
+                        <a:latin typeface="Calibri" panose="020F0502020204030204" pitchFamily="34" charset="0"/>
+                      </a:endParaRPr>
+                    </a:p>
+                  </a:txBody>
+                  <a:tcPr marL="7200" marR="7200" marT="7200" marB="0" anchor="b"/>
+                </a:tc>
+                <a:tc>
+                  <a:txBody>
+                    <a:bodyPr/>
+                    <a:lstStyle/>
+                    <a:p>
+                      <a:pPr algn="l" fontAlgn="b"/>
+                      <a:r>
+                        <a:rPr lang="en-US" sz="800" u="none" strike="noStrike">
+                          <a:effectLst/>
+                        </a:rPr>
+                        <a:t>CD(2H)</a:t>
+                      </a:r>
+                      <a:endParaRPr lang="en-US" sz="800" b="0" i="0" u="none" strike="noStrike">
+                        <a:solidFill>
+                          <a:srgbClr val="000000"/>
+                        </a:solidFill>
+                        <a:effectLst/>
+                        <a:latin typeface="Calibri" panose="020F0502020204030204" pitchFamily="34" charset="0"/>
+                      </a:endParaRPr>
+                    </a:p>
+                  </a:txBody>
+                  <a:tcPr marL="7200" marR="7200" marT="7200" marB="0" anchor="b"/>
+                </a:tc>
+                <a:tc>
+                  <a:txBody>
+                    <a:bodyPr/>
+                    <a:lstStyle/>
+                    <a:p>
+                      <a:pPr algn="l" fontAlgn="b"/>
+                      <a:r>
+                        <a:rPr lang="en-US" sz="800" u="none" strike="noStrike">
+                          <a:effectLst/>
+                        </a:rPr>
+                        <a:t>CD(2H)</a:t>
+                      </a:r>
+                      <a:endParaRPr lang="en-US" sz="800" b="0" i="0" u="none" strike="noStrike">
+                        <a:solidFill>
+                          <a:srgbClr val="000000"/>
+                        </a:solidFill>
+                        <a:effectLst/>
+                        <a:latin typeface="Calibri" panose="020F0502020204030204" pitchFamily="34" charset="0"/>
+                      </a:endParaRPr>
+                    </a:p>
+                  </a:txBody>
+                  <a:tcPr marL="7200" marR="7200" marT="7200" marB="0" anchor="b"/>
+                </a:tc>
+                <a:tc>
+                  <a:txBody>
+                    <a:bodyPr/>
+                    <a:lstStyle/>
+                    <a:p>
+                      <a:pPr algn="l" fontAlgn="b"/>
+                      <a:r>
+                        <a:rPr lang="en-US" sz="800" u="none" strike="noStrike">
+                          <a:effectLst/>
+                        </a:rPr>
+                        <a:t>CD(2H)</a:t>
+                      </a:r>
+                      <a:endParaRPr lang="en-US" sz="800" b="0" i="0" u="none" strike="noStrike">
+                        <a:solidFill>
+                          <a:srgbClr val="000000"/>
+                        </a:solidFill>
+                        <a:effectLst/>
+                        <a:latin typeface="Calibri" panose="020F0502020204030204" pitchFamily="34" charset="0"/>
+                      </a:endParaRPr>
+                    </a:p>
+                  </a:txBody>
+                  <a:tcPr marL="7200" marR="7200" marT="7200" marB="0" anchor="b"/>
+                </a:tc>
+                <a:tc>
+                  <a:txBody>
+                    <a:bodyPr/>
+                    <a:lstStyle/>
+                    <a:p>
+                      <a:pPr algn="l" fontAlgn="b"/>
+                      <a:r>
+                        <a:rPr lang="en-US" sz="800" u="none" strike="noStrike">
+                          <a:effectLst/>
+                        </a:rPr>
+                        <a:t>Test(1)</a:t>
+                      </a:r>
+                      <a:endParaRPr lang="en-US" sz="800" b="0" i="0" u="none" strike="noStrike">
+                        <a:solidFill>
+                          <a:srgbClr val="000000"/>
+                        </a:solidFill>
+                        <a:effectLst/>
+                        <a:latin typeface="Calibri" panose="020F0502020204030204" pitchFamily="34" charset="0"/>
+                      </a:endParaRPr>
+                    </a:p>
+                  </a:txBody>
+                  <a:tcPr marL="7200" marR="7200" marT="7200" marB="0" anchor="b"/>
+                </a:tc>
+                <a:tc>
+                  <a:txBody>
+                    <a:bodyPr/>
+                    <a:lstStyle/>
+                    <a:p>
+                      <a:pPr algn="l" fontAlgn="b"/>
+                      <a:r>
+                        <a:rPr lang="en-US" sz="800" u="none" strike="noStrike">
+                          <a:effectLst/>
+                        </a:rPr>
+                        <a:t>Fixbug(1H)</a:t>
+                      </a:r>
+                      <a:endParaRPr lang="en-US" sz="800" b="0" i="0" u="none" strike="noStrike">
+                        <a:solidFill>
+                          <a:srgbClr val="000000"/>
+                        </a:solidFill>
+                        <a:effectLst/>
+                        <a:latin typeface="Calibri" panose="020F0502020204030204" pitchFamily="34" charset="0"/>
+                      </a:endParaRPr>
+                    </a:p>
+                  </a:txBody>
+                  <a:tcPr marL="7200" marR="7200" marT="7200" marB="0" anchor="b"/>
+                </a:tc>
+                <a:tc>
+                  <a:txBody>
+                    <a:bodyPr/>
+                    <a:lstStyle/>
+                    <a:p>
+                      <a:pPr algn="l" fontAlgn="b"/>
+                      <a:r>
+                        <a:rPr lang="en-US" sz="800" u="none" strike="noStrike">
+                          <a:effectLst/>
+                        </a:rPr>
+                        <a:t>Test(1)</a:t>
+                      </a:r>
+                      <a:endParaRPr lang="en-US" sz="800" b="0" i="0" u="none" strike="noStrike">
+                        <a:solidFill>
+                          <a:srgbClr val="000000"/>
+                        </a:solidFill>
+                        <a:effectLst/>
+                        <a:latin typeface="Calibri" panose="020F0502020204030204" pitchFamily="34" charset="0"/>
+                      </a:endParaRPr>
+                    </a:p>
+                  </a:txBody>
+                  <a:tcPr marL="7200" marR="7200" marT="7200" marB="0" anchor="b"/>
+                </a:tc>
+                <a:tc>
+                  <a:txBody>
+                    <a:bodyPr/>
+                    <a:lstStyle/>
+                    <a:p>
+                      <a:pPr algn="l" fontAlgn="b"/>
+                      <a:r>
+                        <a:rPr lang="en-US" sz="800" u="none" strike="noStrike">
+                          <a:effectLst/>
+                        </a:rPr>
+                        <a:t>Fixbug(1H)</a:t>
+                      </a:r>
+                      <a:endParaRPr lang="en-US" sz="800" b="0" i="0" u="none" strike="noStrike">
+                        <a:solidFill>
+                          <a:srgbClr val="000000"/>
+                        </a:solidFill>
+                        <a:effectLst/>
+                        <a:latin typeface="Calibri" panose="020F0502020204030204" pitchFamily="34" charset="0"/>
+                      </a:endParaRPr>
+                    </a:p>
+                  </a:txBody>
+                  <a:tcPr marL="7200" marR="7200" marT="7200" marB="0" anchor="b"/>
+                </a:tc>
+                <a:tc>
+                  <a:txBody>
+                    <a:bodyPr/>
+                    <a:lstStyle/>
+                    <a:p>
+                      <a:pPr algn="l" fontAlgn="b"/>
+                      <a:r>
+                        <a:rPr lang="en-US" sz="800" u="none" strike="noStrike">
+                          <a:effectLst/>
+                        </a:rPr>
+                        <a:t>Test tích hợp(8h)</a:t>
+                      </a:r>
+                      <a:endParaRPr lang="en-US" sz="800" b="0" i="0" u="none" strike="noStrike">
+                        <a:solidFill>
+                          <a:srgbClr val="000000"/>
+                        </a:solidFill>
+                        <a:effectLst/>
+                        <a:latin typeface="Calibri" panose="020F0502020204030204" pitchFamily="34" charset="0"/>
+                      </a:endParaRPr>
+                    </a:p>
+                  </a:txBody>
+                  <a:tcPr marL="7200" marR="7200" marT="7200" marB="0" anchor="b"/>
+                </a:tc>
+                <a:tc>
+                  <a:txBody>
+                    <a:bodyPr/>
+                    <a:lstStyle/>
+                    <a:p>
+                      <a:pPr algn="l" fontAlgn="b"/>
+                      <a:r>
+                        <a:rPr lang="en-US" sz="800" u="none" strike="noStrike">
+                          <a:effectLst/>
+                        </a:rPr>
+                        <a:t>Test tích hợp(8h)</a:t>
+                      </a:r>
+                      <a:endParaRPr lang="en-US" sz="800" b="0" i="0" u="none" strike="noStrike">
+                        <a:solidFill>
+                          <a:srgbClr val="000000"/>
+                        </a:solidFill>
+                        <a:effectLst/>
+                        <a:latin typeface="Calibri" panose="020F0502020204030204" pitchFamily="34" charset="0"/>
+                      </a:endParaRPr>
+                    </a:p>
+                  </a:txBody>
+                  <a:tcPr marL="7200" marR="7200" marT="7200" marB="0" anchor="b"/>
+                </a:tc>
+                <a:tc gridSpan="2">
+                  <a:txBody>
+                    <a:bodyPr/>
+                    <a:lstStyle/>
+                    <a:p>
+                      <a:pPr algn="l" fontAlgn="b"/>
+                      <a:r>
+                        <a:rPr lang="en-US" sz="800" u="none" strike="noStrike">
+                          <a:effectLst/>
+                        </a:rPr>
+                        <a:t>Fix bug</a:t>
+                      </a:r>
+                      <a:endParaRPr lang="en-US" sz="800" b="0" i="0" u="none" strike="noStrike">
+                        <a:solidFill>
+                          <a:srgbClr val="000000"/>
+                        </a:solidFill>
+                        <a:effectLst/>
+                        <a:latin typeface="Calibri" panose="020F0502020204030204" pitchFamily="34" charset="0"/>
+                      </a:endParaRPr>
+                    </a:p>
+                  </a:txBody>
+                  <a:tcPr marL="77405" marR="77405" marT="38702" marB="38702" anchor="b"/>
+                </a:tc>
+                <a:tc hMerge="1">
+                  <a:txBody>
+                    <a:bodyPr/>
+                    <a:lstStyle/>
+                    <a:p>
+                      <a:endParaRPr lang="en-US"/>
+                    </a:p>
+                  </a:txBody>
+                  <a:tcPr/>
+                </a:tc>
+                <a:tc>
+                  <a:txBody>
+                    <a:bodyPr/>
+                    <a:lstStyle/>
+                    <a:p>
+                      <a:pPr algn="l" fontAlgn="b"/>
+                      <a:endParaRPr lang="en-US" sz="800" b="0" i="0" u="none" strike="noStrike">
+                        <a:solidFill>
+                          <a:srgbClr val="000000"/>
+                        </a:solidFill>
+                        <a:effectLst/>
+                        <a:latin typeface="Calibri" panose="020F0502020204030204" pitchFamily="34" charset="0"/>
+                      </a:endParaRPr>
+                    </a:p>
+                  </a:txBody>
+                  <a:tcPr marL="7200" marR="7200" marT="7200" marB="0" anchor="b"/>
+                </a:tc>
+                <a:extLst>
+                  <a:ext uri="{0D108BD9-81ED-4DB2-BD59-A6C34878D82A}">
+                    <a16:rowId xmlns:a16="http://schemas.microsoft.com/office/drawing/2014/main" val="3460528414"/>
+                  </a:ext>
+                </a:extLst>
+              </a:tr>
+              <a:tr h="523231">
+                <a:tc>
+                  <a:txBody>
+                    <a:bodyPr/>
+                    <a:lstStyle/>
+                    <a:p>
+                      <a:pPr algn="l" fontAlgn="b"/>
+                      <a:r>
+                        <a:rPr lang="en-US" sz="800" u="none" strike="noStrike">
+                          <a:effectLst/>
+                        </a:rPr>
+                        <a:t>LinhPTQ1</a:t>
+                      </a:r>
+                      <a:endParaRPr lang="en-US" sz="800" b="0" i="0" u="none" strike="noStrike">
+                        <a:solidFill>
+                          <a:srgbClr val="000000"/>
+                        </a:solidFill>
+                        <a:effectLst/>
+                        <a:latin typeface="Calibri" panose="020F0502020204030204" pitchFamily="34" charset="0"/>
+                      </a:endParaRPr>
+                    </a:p>
+                  </a:txBody>
+                  <a:tcPr marL="7200" marR="7200" marT="7200" marB="0" anchor="b"/>
+                </a:tc>
+                <a:tc>
+                  <a:txBody>
+                    <a:bodyPr/>
+                    <a:lstStyle/>
+                    <a:p>
+                      <a:pPr algn="l" fontAlgn="b"/>
+                      <a:endParaRPr lang="en-US" sz="800" b="0" i="0" u="none" strike="noStrike">
+                        <a:solidFill>
+                          <a:srgbClr val="000000"/>
+                        </a:solidFill>
+                        <a:effectLst/>
+                        <a:latin typeface="Calibri" panose="020F0502020204030204" pitchFamily="34" charset="0"/>
+                      </a:endParaRPr>
+                    </a:p>
+                  </a:txBody>
+                  <a:tcPr marL="7200" marR="7200" marT="7200" marB="0" anchor="b"/>
+                </a:tc>
+                <a:tc>
+                  <a:txBody>
+                    <a:bodyPr/>
+                    <a:lstStyle/>
+                    <a:p>
+                      <a:pPr algn="l" fontAlgn="b"/>
+                      <a:r>
+                        <a:rPr lang="en-US" sz="800" u="none" strike="noStrike">
+                          <a:effectLst/>
+                        </a:rPr>
+                        <a:t>Kickoff</a:t>
+                      </a:r>
+                      <a:endParaRPr lang="en-US" sz="800" b="0" i="0" u="none" strike="noStrike">
+                        <a:solidFill>
+                          <a:srgbClr val="000000"/>
+                        </a:solidFill>
+                        <a:effectLst/>
+                        <a:latin typeface="Calibri" panose="020F0502020204030204" pitchFamily="34" charset="0"/>
+                      </a:endParaRPr>
+                    </a:p>
+                  </a:txBody>
+                  <a:tcPr marL="7200" marR="7200" marT="7200" marB="0" anchor="b"/>
+                </a:tc>
+                <a:tc>
+                  <a:txBody>
+                    <a:bodyPr/>
+                    <a:lstStyle/>
+                    <a:p>
+                      <a:pPr algn="l" fontAlgn="b"/>
+                      <a:r>
+                        <a:rPr lang="vi-VN" sz="800" u="none" strike="noStrike">
+                          <a:effectLst/>
+                        </a:rPr>
+                        <a:t>Build môi trường(1h)</a:t>
+                      </a:r>
+                      <a:endParaRPr lang="vi-VN" sz="800" b="0" i="0" u="none" strike="noStrike">
+                        <a:solidFill>
+                          <a:srgbClr val="000000"/>
+                        </a:solidFill>
+                        <a:effectLst/>
+                        <a:latin typeface="Calibri" panose="020F0502020204030204" pitchFamily="34" charset="0"/>
+                      </a:endParaRPr>
+                    </a:p>
+                  </a:txBody>
+                  <a:tcPr marL="7200" marR="7200" marT="7200" marB="0" anchor="b"/>
+                </a:tc>
+                <a:tc>
+                  <a:txBody>
+                    <a:bodyPr/>
+                    <a:lstStyle/>
+                    <a:p>
+                      <a:pPr algn="l" fontAlgn="b"/>
+                      <a:r>
+                        <a:rPr lang="en-US" sz="800" u="none" strike="noStrike">
+                          <a:effectLst/>
+                        </a:rPr>
+                        <a:t>CD(2H)</a:t>
+                      </a:r>
+                      <a:endParaRPr lang="en-US" sz="800" b="0" i="0" u="none" strike="noStrike">
+                        <a:solidFill>
+                          <a:srgbClr val="000000"/>
+                        </a:solidFill>
+                        <a:effectLst/>
+                        <a:latin typeface="Calibri" panose="020F0502020204030204" pitchFamily="34" charset="0"/>
+                      </a:endParaRPr>
+                    </a:p>
+                  </a:txBody>
+                  <a:tcPr marL="7200" marR="7200" marT="7200" marB="0" anchor="b"/>
+                </a:tc>
+                <a:tc>
+                  <a:txBody>
+                    <a:bodyPr/>
+                    <a:lstStyle/>
+                    <a:p>
+                      <a:pPr algn="l" fontAlgn="b"/>
+                      <a:r>
+                        <a:rPr lang="en-US" sz="800" u="none" strike="noStrike">
+                          <a:effectLst/>
+                        </a:rPr>
+                        <a:t>CD(2H)</a:t>
+                      </a:r>
+                      <a:endParaRPr lang="en-US" sz="800" b="0" i="0" u="none" strike="noStrike">
+                        <a:solidFill>
+                          <a:srgbClr val="000000"/>
+                        </a:solidFill>
+                        <a:effectLst/>
+                        <a:latin typeface="Calibri" panose="020F0502020204030204" pitchFamily="34" charset="0"/>
+                      </a:endParaRPr>
+                    </a:p>
+                  </a:txBody>
+                  <a:tcPr marL="7200" marR="7200" marT="7200" marB="0" anchor="b"/>
+                </a:tc>
+                <a:tc>
+                  <a:txBody>
+                    <a:bodyPr/>
+                    <a:lstStyle/>
+                    <a:p>
+                      <a:pPr algn="l" fontAlgn="b"/>
+                      <a:r>
+                        <a:rPr lang="en-US" sz="800" u="none" strike="noStrike">
+                          <a:effectLst/>
+                        </a:rPr>
+                        <a:t>CD(2H)</a:t>
+                      </a:r>
+                      <a:endParaRPr lang="en-US" sz="800" b="0" i="0" u="none" strike="noStrike">
+                        <a:solidFill>
+                          <a:srgbClr val="000000"/>
+                        </a:solidFill>
+                        <a:effectLst/>
+                        <a:latin typeface="Calibri" panose="020F0502020204030204" pitchFamily="34" charset="0"/>
+                      </a:endParaRPr>
+                    </a:p>
+                  </a:txBody>
+                  <a:tcPr marL="7200" marR="7200" marT="7200" marB="0" anchor="b"/>
+                </a:tc>
+                <a:tc>
+                  <a:txBody>
+                    <a:bodyPr/>
+                    <a:lstStyle/>
+                    <a:p>
+                      <a:pPr algn="l" fontAlgn="b"/>
+                      <a:r>
+                        <a:rPr lang="en-US" sz="800" u="none" strike="noStrike">
+                          <a:effectLst/>
+                        </a:rPr>
+                        <a:t>CD(2H)</a:t>
+                      </a:r>
+                      <a:endParaRPr lang="en-US" sz="800" b="0" i="0" u="none" strike="noStrike">
+                        <a:solidFill>
+                          <a:srgbClr val="000000"/>
+                        </a:solidFill>
+                        <a:effectLst/>
+                        <a:latin typeface="Calibri" panose="020F0502020204030204" pitchFamily="34" charset="0"/>
+                      </a:endParaRPr>
+                    </a:p>
+                  </a:txBody>
+                  <a:tcPr marL="7200" marR="7200" marT="7200" marB="0" anchor="b"/>
+                </a:tc>
+                <a:tc>
+                  <a:txBody>
+                    <a:bodyPr/>
+                    <a:lstStyle/>
+                    <a:p>
+                      <a:pPr algn="l" fontAlgn="b"/>
+                      <a:r>
+                        <a:rPr lang="en-US" sz="800" u="none" strike="noStrike">
+                          <a:effectLst/>
+                        </a:rPr>
+                        <a:t>CD(2H)</a:t>
+                      </a:r>
+                      <a:endParaRPr lang="en-US" sz="800" b="0" i="0" u="none" strike="noStrike">
+                        <a:solidFill>
+                          <a:srgbClr val="000000"/>
+                        </a:solidFill>
+                        <a:effectLst/>
+                        <a:latin typeface="Calibri" panose="020F0502020204030204" pitchFamily="34" charset="0"/>
+                      </a:endParaRPr>
+                    </a:p>
+                  </a:txBody>
+                  <a:tcPr marL="7200" marR="7200" marT="7200" marB="0" anchor="b"/>
+                </a:tc>
+                <a:tc>
+                  <a:txBody>
+                    <a:bodyPr/>
+                    <a:lstStyle/>
+                    <a:p>
+                      <a:pPr algn="l" fontAlgn="b"/>
+                      <a:r>
+                        <a:rPr lang="en-US" sz="800" u="none" strike="noStrike">
+                          <a:effectLst/>
+                        </a:rPr>
+                        <a:t>Test(1)</a:t>
+                      </a:r>
+                      <a:endParaRPr lang="en-US" sz="800" b="0" i="0" u="none" strike="noStrike">
+                        <a:solidFill>
+                          <a:srgbClr val="000000"/>
+                        </a:solidFill>
+                        <a:effectLst/>
+                        <a:latin typeface="Calibri" panose="020F0502020204030204" pitchFamily="34" charset="0"/>
+                      </a:endParaRPr>
+                    </a:p>
+                  </a:txBody>
+                  <a:tcPr marL="7200" marR="7200" marT="7200" marB="0" anchor="b"/>
+                </a:tc>
+                <a:tc>
+                  <a:txBody>
+                    <a:bodyPr/>
+                    <a:lstStyle/>
+                    <a:p>
+                      <a:pPr algn="l" fontAlgn="b"/>
+                      <a:r>
+                        <a:rPr lang="en-US" sz="800" u="none" strike="noStrike">
+                          <a:effectLst/>
+                        </a:rPr>
+                        <a:t>Fixbug(1H)</a:t>
+                      </a:r>
+                      <a:endParaRPr lang="en-US" sz="800" b="0" i="0" u="none" strike="noStrike">
+                        <a:solidFill>
+                          <a:srgbClr val="000000"/>
+                        </a:solidFill>
+                        <a:effectLst/>
+                        <a:latin typeface="Calibri" panose="020F0502020204030204" pitchFamily="34" charset="0"/>
+                      </a:endParaRPr>
+                    </a:p>
+                  </a:txBody>
+                  <a:tcPr marL="7200" marR="7200" marT="7200" marB="0" anchor="b"/>
+                </a:tc>
+                <a:tc>
+                  <a:txBody>
+                    <a:bodyPr/>
+                    <a:lstStyle/>
+                    <a:p>
+                      <a:pPr algn="l" fontAlgn="b"/>
+                      <a:r>
+                        <a:rPr lang="en-US" sz="800" u="none" strike="noStrike">
+                          <a:effectLst/>
+                        </a:rPr>
+                        <a:t>Test(1)</a:t>
+                      </a:r>
+                      <a:endParaRPr lang="en-US" sz="800" b="0" i="0" u="none" strike="noStrike">
+                        <a:solidFill>
+                          <a:srgbClr val="000000"/>
+                        </a:solidFill>
+                        <a:effectLst/>
+                        <a:latin typeface="Calibri" panose="020F0502020204030204" pitchFamily="34" charset="0"/>
+                      </a:endParaRPr>
+                    </a:p>
+                  </a:txBody>
+                  <a:tcPr marL="7200" marR="7200" marT="7200" marB="0" anchor="b"/>
+                </a:tc>
+                <a:tc>
+                  <a:txBody>
+                    <a:bodyPr/>
+                    <a:lstStyle/>
+                    <a:p>
+                      <a:pPr algn="l" fontAlgn="b"/>
+                      <a:r>
+                        <a:rPr lang="en-US" sz="800" u="none" strike="noStrike">
+                          <a:effectLst/>
+                        </a:rPr>
+                        <a:t>Fixbug(1H)</a:t>
+                      </a:r>
+                      <a:endParaRPr lang="en-US" sz="800" b="0" i="0" u="none" strike="noStrike">
+                        <a:solidFill>
+                          <a:srgbClr val="000000"/>
+                        </a:solidFill>
+                        <a:effectLst/>
+                        <a:latin typeface="Calibri" panose="020F0502020204030204" pitchFamily="34" charset="0"/>
+                      </a:endParaRPr>
+                    </a:p>
+                  </a:txBody>
+                  <a:tcPr marL="7200" marR="7200" marT="7200" marB="0" anchor="b"/>
+                </a:tc>
+                <a:tc>
+                  <a:txBody>
+                    <a:bodyPr/>
+                    <a:lstStyle/>
+                    <a:p>
+                      <a:pPr algn="l" fontAlgn="b"/>
+                      <a:r>
+                        <a:rPr lang="en-US" sz="800" u="none" strike="noStrike">
+                          <a:effectLst/>
+                        </a:rPr>
+                        <a:t>Test tích hợp(8h)</a:t>
+                      </a:r>
+                      <a:endParaRPr lang="en-US" sz="800" b="0" i="0" u="none" strike="noStrike">
+                        <a:solidFill>
+                          <a:srgbClr val="000000"/>
+                        </a:solidFill>
+                        <a:effectLst/>
+                        <a:latin typeface="Calibri" panose="020F0502020204030204" pitchFamily="34" charset="0"/>
+                      </a:endParaRPr>
+                    </a:p>
+                  </a:txBody>
+                  <a:tcPr marL="7200" marR="7200" marT="7200" marB="0" anchor="b"/>
+                </a:tc>
+                <a:tc>
+                  <a:txBody>
+                    <a:bodyPr/>
+                    <a:lstStyle/>
+                    <a:p>
+                      <a:pPr algn="l" fontAlgn="b"/>
+                      <a:r>
+                        <a:rPr lang="en-US" sz="800" u="none" strike="noStrike">
+                          <a:effectLst/>
+                        </a:rPr>
+                        <a:t>Test tích hợp(8h)</a:t>
+                      </a:r>
+                      <a:endParaRPr lang="en-US" sz="800" b="0" i="0" u="none" strike="noStrike">
+                        <a:solidFill>
+                          <a:srgbClr val="000000"/>
+                        </a:solidFill>
+                        <a:effectLst/>
+                        <a:latin typeface="Calibri" panose="020F0502020204030204" pitchFamily="34" charset="0"/>
+                      </a:endParaRPr>
+                    </a:p>
+                  </a:txBody>
+                  <a:tcPr marL="7200" marR="7200" marT="7200" marB="0" anchor="b"/>
+                </a:tc>
+                <a:tc gridSpan="2">
+                  <a:txBody>
+                    <a:bodyPr/>
+                    <a:lstStyle/>
+                    <a:p>
+                      <a:pPr algn="l" fontAlgn="b"/>
+                      <a:r>
+                        <a:rPr lang="en-US" sz="800" u="none" strike="noStrike">
+                          <a:effectLst/>
+                        </a:rPr>
+                        <a:t>Fix bug</a:t>
+                      </a:r>
+                      <a:endParaRPr lang="en-US" sz="800" b="0" i="0" u="none" strike="noStrike">
+                        <a:solidFill>
+                          <a:srgbClr val="000000"/>
+                        </a:solidFill>
+                        <a:effectLst/>
+                        <a:latin typeface="Calibri" panose="020F0502020204030204" pitchFamily="34" charset="0"/>
+                      </a:endParaRPr>
+                    </a:p>
+                  </a:txBody>
+                  <a:tcPr marL="77405" marR="77405" marT="38702" marB="38702" anchor="b"/>
+                </a:tc>
+                <a:tc hMerge="1">
+                  <a:txBody>
+                    <a:bodyPr/>
+                    <a:lstStyle/>
+                    <a:p>
+                      <a:endParaRPr lang="en-US"/>
+                    </a:p>
+                  </a:txBody>
+                  <a:tcPr/>
+                </a:tc>
+                <a:tc>
+                  <a:txBody>
+                    <a:bodyPr/>
+                    <a:lstStyle/>
+                    <a:p>
+                      <a:pPr algn="l" fontAlgn="b"/>
+                      <a:endParaRPr lang="en-US" sz="800" b="0" i="0" u="none" strike="noStrike">
+                        <a:solidFill>
+                          <a:srgbClr val="000000"/>
+                        </a:solidFill>
+                        <a:effectLst/>
+                        <a:latin typeface="Calibri" panose="020F0502020204030204" pitchFamily="34" charset="0"/>
+                      </a:endParaRPr>
+                    </a:p>
+                  </a:txBody>
+                  <a:tcPr marL="7200" marR="7200" marT="7200" marB="0" anchor="b"/>
+                </a:tc>
+                <a:extLst>
+                  <a:ext uri="{0D108BD9-81ED-4DB2-BD59-A6C34878D82A}">
+                    <a16:rowId xmlns:a16="http://schemas.microsoft.com/office/drawing/2014/main" val="4057722800"/>
+                  </a:ext>
+                </a:extLst>
+              </a:tr>
+              <a:tr h="523231">
+                <a:tc>
+                  <a:txBody>
+                    <a:bodyPr/>
+                    <a:lstStyle/>
+                    <a:p>
+                      <a:pPr algn="l" fontAlgn="b"/>
+                      <a:r>
+                        <a:rPr lang="en-US" sz="800" u="none" strike="noStrike">
+                          <a:effectLst/>
+                        </a:rPr>
+                        <a:t>HungNM36</a:t>
+                      </a:r>
+                      <a:endParaRPr lang="en-US" sz="800" b="0" i="0" u="none" strike="noStrike">
+                        <a:solidFill>
+                          <a:srgbClr val="000000"/>
+                        </a:solidFill>
+                        <a:effectLst/>
+                        <a:latin typeface="Calibri" panose="020F0502020204030204" pitchFamily="34" charset="0"/>
+                      </a:endParaRPr>
+                    </a:p>
+                  </a:txBody>
+                  <a:tcPr marL="7200" marR="7200" marT="7200" marB="0" anchor="b"/>
+                </a:tc>
+                <a:tc>
+                  <a:txBody>
+                    <a:bodyPr/>
+                    <a:lstStyle/>
+                    <a:p>
+                      <a:pPr algn="l" fontAlgn="b"/>
+                      <a:endParaRPr lang="en-US" sz="800" b="0" i="0" u="none" strike="noStrike">
+                        <a:solidFill>
+                          <a:srgbClr val="000000"/>
+                        </a:solidFill>
+                        <a:effectLst/>
+                        <a:latin typeface="Calibri" panose="020F0502020204030204" pitchFamily="34" charset="0"/>
+                      </a:endParaRPr>
+                    </a:p>
+                  </a:txBody>
+                  <a:tcPr marL="7200" marR="7200" marT="7200" marB="0" anchor="b"/>
+                </a:tc>
+                <a:tc>
+                  <a:txBody>
+                    <a:bodyPr/>
+                    <a:lstStyle/>
+                    <a:p>
+                      <a:pPr algn="l" fontAlgn="b"/>
+                      <a:r>
+                        <a:rPr lang="en-US" sz="800" u="none" strike="noStrike">
+                          <a:effectLst/>
+                        </a:rPr>
+                        <a:t>Kickoff</a:t>
+                      </a:r>
+                      <a:endParaRPr lang="en-US" sz="800" b="0" i="0" u="none" strike="noStrike">
+                        <a:solidFill>
+                          <a:srgbClr val="000000"/>
+                        </a:solidFill>
+                        <a:effectLst/>
+                        <a:latin typeface="Calibri" panose="020F0502020204030204" pitchFamily="34" charset="0"/>
+                      </a:endParaRPr>
+                    </a:p>
+                  </a:txBody>
+                  <a:tcPr marL="7200" marR="7200" marT="7200" marB="0" anchor="b"/>
+                </a:tc>
+                <a:tc>
+                  <a:txBody>
+                    <a:bodyPr/>
+                    <a:lstStyle/>
+                    <a:p>
+                      <a:pPr algn="l" fontAlgn="b"/>
+                      <a:r>
+                        <a:rPr lang="vi-VN" sz="800" u="none" strike="noStrike">
+                          <a:effectLst/>
+                        </a:rPr>
+                        <a:t>Build môi trường(1h)</a:t>
+                      </a:r>
+                      <a:endParaRPr lang="vi-VN" sz="800" b="0" i="0" u="none" strike="noStrike">
+                        <a:solidFill>
+                          <a:srgbClr val="000000"/>
+                        </a:solidFill>
+                        <a:effectLst/>
+                        <a:latin typeface="Calibri" panose="020F0502020204030204" pitchFamily="34" charset="0"/>
+                      </a:endParaRPr>
+                    </a:p>
+                  </a:txBody>
+                  <a:tcPr marL="7200" marR="7200" marT="7200" marB="0" anchor="b"/>
+                </a:tc>
+                <a:tc>
+                  <a:txBody>
+                    <a:bodyPr/>
+                    <a:lstStyle/>
+                    <a:p>
+                      <a:pPr algn="l" fontAlgn="b"/>
+                      <a:r>
+                        <a:rPr lang="en-US" sz="800" u="none" strike="noStrike">
+                          <a:effectLst/>
+                        </a:rPr>
+                        <a:t>CD(2H)</a:t>
+                      </a:r>
+                      <a:endParaRPr lang="en-US" sz="800" b="0" i="0" u="none" strike="noStrike">
+                        <a:solidFill>
+                          <a:srgbClr val="000000"/>
+                        </a:solidFill>
+                        <a:effectLst/>
+                        <a:latin typeface="Calibri" panose="020F0502020204030204" pitchFamily="34" charset="0"/>
+                      </a:endParaRPr>
+                    </a:p>
+                  </a:txBody>
+                  <a:tcPr marL="7200" marR="7200" marT="7200" marB="0" anchor="b"/>
+                </a:tc>
+                <a:tc>
+                  <a:txBody>
+                    <a:bodyPr/>
+                    <a:lstStyle/>
+                    <a:p>
+                      <a:pPr algn="l" fontAlgn="b"/>
+                      <a:r>
+                        <a:rPr lang="en-US" sz="800" u="none" strike="noStrike">
+                          <a:effectLst/>
+                        </a:rPr>
+                        <a:t>CD(2H)</a:t>
+                      </a:r>
+                      <a:endParaRPr lang="en-US" sz="800" b="0" i="0" u="none" strike="noStrike">
+                        <a:solidFill>
+                          <a:srgbClr val="000000"/>
+                        </a:solidFill>
+                        <a:effectLst/>
+                        <a:latin typeface="Calibri" panose="020F0502020204030204" pitchFamily="34" charset="0"/>
+                      </a:endParaRPr>
+                    </a:p>
+                  </a:txBody>
+                  <a:tcPr marL="7200" marR="7200" marT="7200" marB="0" anchor="b"/>
+                </a:tc>
+                <a:tc>
+                  <a:txBody>
+                    <a:bodyPr/>
+                    <a:lstStyle/>
+                    <a:p>
+                      <a:pPr algn="l" fontAlgn="b"/>
+                      <a:r>
+                        <a:rPr lang="en-US" sz="800" u="none" strike="noStrike">
+                          <a:effectLst/>
+                        </a:rPr>
+                        <a:t>CD(2H)</a:t>
+                      </a:r>
+                      <a:endParaRPr lang="en-US" sz="800" b="0" i="0" u="none" strike="noStrike">
+                        <a:solidFill>
+                          <a:srgbClr val="000000"/>
+                        </a:solidFill>
+                        <a:effectLst/>
+                        <a:latin typeface="Calibri" panose="020F0502020204030204" pitchFamily="34" charset="0"/>
+                      </a:endParaRPr>
+                    </a:p>
+                  </a:txBody>
+                  <a:tcPr marL="7200" marR="7200" marT="7200" marB="0" anchor="b"/>
+                </a:tc>
+                <a:tc>
+                  <a:txBody>
+                    <a:bodyPr/>
+                    <a:lstStyle/>
+                    <a:p>
+                      <a:pPr algn="l" fontAlgn="b"/>
+                      <a:r>
+                        <a:rPr lang="en-US" sz="800" u="none" strike="noStrike">
+                          <a:effectLst/>
+                        </a:rPr>
+                        <a:t>CD(2H)</a:t>
+                      </a:r>
+                      <a:endParaRPr lang="en-US" sz="800" b="0" i="0" u="none" strike="noStrike">
+                        <a:solidFill>
+                          <a:srgbClr val="000000"/>
+                        </a:solidFill>
+                        <a:effectLst/>
+                        <a:latin typeface="Calibri" panose="020F0502020204030204" pitchFamily="34" charset="0"/>
+                      </a:endParaRPr>
+                    </a:p>
+                  </a:txBody>
+                  <a:tcPr marL="7200" marR="7200" marT="7200" marB="0" anchor="b"/>
+                </a:tc>
+                <a:tc>
+                  <a:txBody>
+                    <a:bodyPr/>
+                    <a:lstStyle/>
+                    <a:p>
+                      <a:pPr algn="l" fontAlgn="b"/>
+                      <a:r>
+                        <a:rPr lang="en-US" sz="800" u="none" strike="noStrike">
+                          <a:effectLst/>
+                        </a:rPr>
+                        <a:t>CD(2H)</a:t>
+                      </a:r>
+                      <a:endParaRPr lang="en-US" sz="800" b="0" i="0" u="none" strike="noStrike">
+                        <a:solidFill>
+                          <a:srgbClr val="000000"/>
+                        </a:solidFill>
+                        <a:effectLst/>
+                        <a:latin typeface="Calibri" panose="020F0502020204030204" pitchFamily="34" charset="0"/>
+                      </a:endParaRPr>
+                    </a:p>
+                  </a:txBody>
+                  <a:tcPr marL="7200" marR="7200" marT="7200" marB="0" anchor="b"/>
+                </a:tc>
+                <a:tc>
+                  <a:txBody>
+                    <a:bodyPr/>
+                    <a:lstStyle/>
+                    <a:p>
+                      <a:pPr algn="l" fontAlgn="b"/>
+                      <a:r>
+                        <a:rPr lang="en-US" sz="800" u="none" strike="noStrike">
+                          <a:effectLst/>
+                        </a:rPr>
+                        <a:t>Test(1)</a:t>
+                      </a:r>
+                      <a:endParaRPr lang="en-US" sz="800" b="0" i="0" u="none" strike="noStrike">
+                        <a:solidFill>
+                          <a:srgbClr val="000000"/>
+                        </a:solidFill>
+                        <a:effectLst/>
+                        <a:latin typeface="Calibri" panose="020F0502020204030204" pitchFamily="34" charset="0"/>
+                      </a:endParaRPr>
+                    </a:p>
+                  </a:txBody>
+                  <a:tcPr marL="7200" marR="7200" marT="7200" marB="0" anchor="b"/>
+                </a:tc>
+                <a:tc>
+                  <a:txBody>
+                    <a:bodyPr/>
+                    <a:lstStyle/>
+                    <a:p>
+                      <a:pPr algn="l" fontAlgn="b"/>
+                      <a:r>
+                        <a:rPr lang="en-US" sz="800" u="none" strike="noStrike">
+                          <a:effectLst/>
+                        </a:rPr>
+                        <a:t>Fixbug(1H)</a:t>
+                      </a:r>
+                      <a:endParaRPr lang="en-US" sz="800" b="0" i="0" u="none" strike="noStrike">
+                        <a:solidFill>
+                          <a:srgbClr val="000000"/>
+                        </a:solidFill>
+                        <a:effectLst/>
+                        <a:latin typeface="Calibri" panose="020F0502020204030204" pitchFamily="34" charset="0"/>
+                      </a:endParaRPr>
+                    </a:p>
+                  </a:txBody>
+                  <a:tcPr marL="7200" marR="7200" marT="7200" marB="0" anchor="b"/>
+                </a:tc>
+                <a:tc>
+                  <a:txBody>
+                    <a:bodyPr/>
+                    <a:lstStyle/>
+                    <a:p>
+                      <a:pPr algn="l" fontAlgn="b"/>
+                      <a:r>
+                        <a:rPr lang="en-US" sz="800" u="none" strike="noStrike">
+                          <a:effectLst/>
+                        </a:rPr>
+                        <a:t>Test(1)</a:t>
+                      </a:r>
+                      <a:endParaRPr lang="en-US" sz="800" b="0" i="0" u="none" strike="noStrike">
+                        <a:solidFill>
+                          <a:srgbClr val="000000"/>
+                        </a:solidFill>
+                        <a:effectLst/>
+                        <a:latin typeface="Calibri" panose="020F0502020204030204" pitchFamily="34" charset="0"/>
+                      </a:endParaRPr>
+                    </a:p>
+                  </a:txBody>
+                  <a:tcPr marL="7200" marR="7200" marT="7200" marB="0" anchor="b"/>
+                </a:tc>
+                <a:tc>
+                  <a:txBody>
+                    <a:bodyPr/>
+                    <a:lstStyle/>
+                    <a:p>
+                      <a:pPr algn="l" fontAlgn="b"/>
+                      <a:r>
+                        <a:rPr lang="en-US" sz="800" u="none" strike="noStrike">
+                          <a:effectLst/>
+                        </a:rPr>
+                        <a:t>Fixbug(1H)</a:t>
+                      </a:r>
+                      <a:endParaRPr lang="en-US" sz="800" b="0" i="0" u="none" strike="noStrike">
+                        <a:solidFill>
+                          <a:srgbClr val="000000"/>
+                        </a:solidFill>
+                        <a:effectLst/>
+                        <a:latin typeface="Calibri" panose="020F0502020204030204" pitchFamily="34" charset="0"/>
+                      </a:endParaRPr>
+                    </a:p>
+                  </a:txBody>
+                  <a:tcPr marL="7200" marR="7200" marT="7200" marB="0" anchor="b"/>
+                </a:tc>
+                <a:tc>
+                  <a:txBody>
+                    <a:bodyPr/>
+                    <a:lstStyle/>
+                    <a:p>
+                      <a:pPr algn="l" fontAlgn="b"/>
+                      <a:r>
+                        <a:rPr lang="en-US" sz="800" u="none" strike="noStrike">
+                          <a:effectLst/>
+                        </a:rPr>
+                        <a:t>Test tích hợp(8h)</a:t>
+                      </a:r>
+                      <a:endParaRPr lang="en-US" sz="800" b="0" i="0" u="none" strike="noStrike">
+                        <a:solidFill>
+                          <a:srgbClr val="000000"/>
+                        </a:solidFill>
+                        <a:effectLst/>
+                        <a:latin typeface="Calibri" panose="020F0502020204030204" pitchFamily="34" charset="0"/>
+                      </a:endParaRPr>
+                    </a:p>
+                  </a:txBody>
+                  <a:tcPr marL="7200" marR="7200" marT="7200" marB="0" anchor="b"/>
+                </a:tc>
+                <a:tc>
+                  <a:txBody>
+                    <a:bodyPr/>
+                    <a:lstStyle/>
+                    <a:p>
+                      <a:pPr algn="l" fontAlgn="b"/>
+                      <a:r>
+                        <a:rPr lang="en-US" sz="800" u="none" strike="noStrike">
+                          <a:effectLst/>
+                        </a:rPr>
+                        <a:t>Test tích hợp(8h)</a:t>
+                      </a:r>
+                      <a:endParaRPr lang="en-US" sz="800" b="0" i="0" u="none" strike="noStrike">
+                        <a:solidFill>
+                          <a:srgbClr val="000000"/>
+                        </a:solidFill>
+                        <a:effectLst/>
+                        <a:latin typeface="Calibri" panose="020F0502020204030204" pitchFamily="34" charset="0"/>
+                      </a:endParaRPr>
+                    </a:p>
+                  </a:txBody>
+                  <a:tcPr marL="7200" marR="7200" marT="7200" marB="0" anchor="b"/>
+                </a:tc>
+                <a:tc gridSpan="2">
+                  <a:txBody>
+                    <a:bodyPr/>
+                    <a:lstStyle/>
+                    <a:p>
+                      <a:pPr algn="l" fontAlgn="b"/>
+                      <a:r>
+                        <a:rPr lang="en-US" sz="800" u="none" strike="noStrike">
+                          <a:effectLst/>
+                        </a:rPr>
+                        <a:t>Fix bug</a:t>
+                      </a:r>
+                      <a:endParaRPr lang="en-US" sz="800" b="0" i="0" u="none" strike="noStrike">
+                        <a:solidFill>
+                          <a:srgbClr val="000000"/>
+                        </a:solidFill>
+                        <a:effectLst/>
+                        <a:latin typeface="Calibri" panose="020F0502020204030204" pitchFamily="34" charset="0"/>
+                      </a:endParaRPr>
+                    </a:p>
+                  </a:txBody>
+                  <a:tcPr marL="77405" marR="77405" marT="38702" marB="38702" anchor="b"/>
+                </a:tc>
+                <a:tc hMerge="1">
+                  <a:txBody>
+                    <a:bodyPr/>
+                    <a:lstStyle/>
+                    <a:p>
+                      <a:endParaRPr lang="en-US"/>
+                    </a:p>
+                  </a:txBody>
+                  <a:tcPr/>
+                </a:tc>
+                <a:tc>
+                  <a:txBody>
+                    <a:bodyPr/>
+                    <a:lstStyle/>
+                    <a:p>
+                      <a:pPr algn="l" fontAlgn="b"/>
+                      <a:endParaRPr lang="en-US" sz="800" b="0" i="0" u="none" strike="noStrike">
+                        <a:solidFill>
+                          <a:srgbClr val="000000"/>
+                        </a:solidFill>
+                        <a:effectLst/>
+                        <a:latin typeface="Calibri" panose="020F0502020204030204" pitchFamily="34" charset="0"/>
+                      </a:endParaRPr>
+                    </a:p>
+                  </a:txBody>
+                  <a:tcPr marL="7200" marR="7200" marT="7200" marB="0" anchor="b"/>
+                </a:tc>
+                <a:extLst>
+                  <a:ext uri="{0D108BD9-81ED-4DB2-BD59-A6C34878D82A}">
+                    <a16:rowId xmlns:a16="http://schemas.microsoft.com/office/drawing/2014/main" val="2001909945"/>
+                  </a:ext>
+                </a:extLst>
+              </a:tr>
+            </a:tbl>
+          </a:graphicData>
+        </a:graphic>
+      </p:graphicFrame>
     </p:spTree>
     <p:extLst>
       <p:ext uri="{BB962C8B-B14F-4D97-AF65-F5344CB8AC3E}">
-        <p14:creationId xmlns:p14="http://schemas.microsoft.com/office/powerpoint/2010/main" val="2726486693"/>
+        <p14:creationId xmlns:p14="http://schemas.microsoft.com/office/powerpoint/2010/main" val="1546032499"/>
       </p:ext>
     </p:extLst>
   </p:cSld>
@@ -12388,7 +15825,23 @@
                 <a:ea typeface="+mn-ea"/>
                 <a:cs typeface="Times New Roman" panose="02020603050405020304" pitchFamily="18" charset="0"/>
               </a:rPr>
-              <a:t> chính (web-login)</a:t>
+              <a:t> </a:t>
+            </a:r>
+            <a:r>
+              <a:rPr lang="en-US" sz="4000" kern="1200" cap="all" err="1">
+                <a:solidFill>
+                  <a:prstClr val="black">
+                    <a:hueOff val="0"/>
+                    <a:satOff val="0"/>
+                    <a:lumOff val="0"/>
+                    <a:alphaOff val="0"/>
+                  </a:prstClr>
+                </a:solidFill>
+                <a:latin typeface="Times New Roman" panose="02020603050405020304" pitchFamily="18" charset="0"/>
+                <a:ea typeface="+mn-ea"/>
+                <a:cs typeface="Times New Roman" panose="02020603050405020304" pitchFamily="18" charset="0"/>
+              </a:rPr>
+              <a:t>chính</a:t>
             </a:r>
             <a:endParaRPr lang="en-US"/>
           </a:p>
@@ -12418,116 +15871,106 @@
           <a:lstStyle/>
           <a:p>
             <a:r>
-              <a:rPr lang="en-US" sz="1800" b="1">
-                <a:latin typeface="Times New Roman" panose="02020603050405020304" pitchFamily="18" charset="0"/>
-                <a:cs typeface="Times New Roman" panose="02020603050405020304" pitchFamily="18" charset="0"/>
-              </a:rPr>
-              <a:t>Login Page:</a:t>
+              <a:rPr lang="en-US" sz="2400" b="1">
+                <a:latin typeface="Times New Roman" panose="02020603050405020304" pitchFamily="18" charset="0"/>
+                <a:cs typeface="Times New Roman" panose="02020603050405020304" pitchFamily="18" charset="0"/>
+              </a:rPr>
+              <a:t>Web</a:t>
             </a:r>
           </a:p>
           <a:p>
             <a:pPr lvl="1"/>
             <a:r>
-              <a:rPr lang="en-US" sz="1600">
-                <a:latin typeface="Times New Roman" panose="02020603050405020304" pitchFamily="18" charset="0"/>
-                <a:cs typeface="Times New Roman" panose="02020603050405020304" pitchFamily="18" charset="0"/>
-              </a:rPr>
-              <a:t>Hệ thống đang define 2 role chính là</a:t>
-            </a:r>
-          </a:p>
-          <a:p>
-            <a:pPr lvl="2"/>
-            <a:r>
-              <a:rPr lang="en-US" sz="1600">
-                <a:latin typeface="Times New Roman" panose="02020603050405020304" pitchFamily="18" charset="0"/>
-                <a:cs typeface="Times New Roman" panose="02020603050405020304" pitchFamily="18" charset="0"/>
-              </a:rPr>
-              <a:t>Admin: là người có thể quản lý/ stop việc control robot</a:t>
-            </a:r>
-          </a:p>
-          <a:p>
-            <a:pPr lvl="2"/>
-            <a:r>
-              <a:rPr lang="en-US" sz="1600">
-                <a:latin typeface="Times New Roman" panose="02020603050405020304" pitchFamily="18" charset="0"/>
-                <a:cs typeface="Times New Roman" panose="02020603050405020304" pitchFamily="18" charset="0"/>
-              </a:rPr>
-              <a:t>User:     là người dung chỉ có thể control robot khi được phép.</a:t>
-            </a:r>
-          </a:p>
-          <a:p>
-            <a:pPr lvl="2"/>
-            <a:endParaRPr lang="en-US" sz="1600">
+              <a:rPr lang="en-US" sz="2000">
+                <a:latin typeface="Times New Roman" panose="02020603050405020304" pitchFamily="18" charset="0"/>
+                <a:cs typeface="Times New Roman" panose="02020603050405020304" pitchFamily="18" charset="0"/>
+                <a:hlinkClick r:id="rId2" action="ppaction://hlinksldjump"/>
+              </a:rPr>
+              <a:t>Login</a:t>
+            </a:r>
+            <a:endParaRPr lang="en-US" sz="2000">
               <a:latin typeface="Times New Roman" panose="02020603050405020304" pitchFamily="18" charset="0"/>
               <a:cs typeface="Times New Roman" panose="02020603050405020304" pitchFamily="18" charset="0"/>
             </a:endParaRPr>
           </a:p>
           <a:p>
-            <a:pPr marL="548640" lvl="2" indent="0">
-              <a:buNone/>
-            </a:pPr>
-            <a:r>
-              <a:rPr lang="en-US" sz="1600">
-                <a:latin typeface="Times New Roman" panose="02020603050405020304" pitchFamily="18" charset="0"/>
-                <a:cs typeface="Times New Roman" panose="02020603050405020304" pitchFamily="18" charset="0"/>
-              </a:rPr>
-              <a:t>Sau khi login:</a:t>
-            </a:r>
-          </a:p>
-          <a:p>
-            <a:pPr lvl="3"/>
-            <a:r>
-              <a:rPr lang="en-US" sz="1600">
-                <a:latin typeface="Times New Roman" panose="02020603050405020304" pitchFamily="18" charset="0"/>
-                <a:cs typeface="Times New Roman" panose="02020603050405020304" pitchFamily="18" charset="0"/>
-              </a:rPr>
-              <a:t>nếu là Admin thì sẽ đươc chuyển thẳng tới </a:t>
-            </a:r>
-            <a:r>
-              <a:rPr lang="en-US" sz="1600" b="1">
-                <a:latin typeface="Times New Roman" panose="02020603050405020304" pitchFamily="18" charset="0"/>
-                <a:cs typeface="Times New Roman" panose="02020603050405020304" pitchFamily="18" charset="0"/>
-              </a:rPr>
-              <a:t>page admin.</a:t>
-            </a:r>
-          </a:p>
-          <a:p>
-            <a:pPr lvl="3"/>
-            <a:r>
-              <a:rPr lang="en-US" sz="1600">
-                <a:latin typeface="Times New Roman" panose="02020603050405020304" pitchFamily="18" charset="0"/>
-                <a:cs typeface="Times New Roman" panose="02020603050405020304" pitchFamily="18" charset="0"/>
-              </a:rPr>
-              <a:t>nếu là user bình thường thì sẽ chuyển qua </a:t>
-            </a:r>
-            <a:r>
-              <a:rPr lang="en-US" sz="1600" b="1">
-                <a:latin typeface="Times New Roman" panose="02020603050405020304" pitchFamily="18" charset="0"/>
-                <a:cs typeface="Times New Roman" panose="02020603050405020304" pitchFamily="18" charset="0"/>
-              </a:rPr>
-              <a:t>page control, </a:t>
-            </a:r>
-            <a:r>
-              <a:rPr lang="en-US" sz="1600">
-                <a:latin typeface="Times New Roman" panose="02020603050405020304" pitchFamily="18" charset="0"/>
-                <a:cs typeface="Times New Roman" panose="02020603050405020304" pitchFamily="18" charset="0"/>
-              </a:rPr>
-              <a:t>trường hợp đang có user khác đang thực hiện control thì sẽ chuyển qua </a:t>
-            </a:r>
-            <a:r>
-              <a:rPr lang="en-US" sz="1600" b="1">
-                <a:latin typeface="Times New Roman" panose="02020603050405020304" pitchFamily="18" charset="0"/>
-                <a:cs typeface="Times New Roman" panose="02020603050405020304" pitchFamily="18" charset="0"/>
-              </a:rPr>
-              <a:t>page queue.</a:t>
-            </a:r>
+            <a:pPr lvl="1"/>
+            <a:r>
+              <a:rPr lang="en-US" sz="2000">
+                <a:latin typeface="Times New Roman" panose="02020603050405020304" pitchFamily="18" charset="0"/>
+                <a:cs typeface="Times New Roman" panose="02020603050405020304" pitchFamily="18" charset="0"/>
+              </a:rPr>
+              <a:t>Queue</a:t>
+            </a:r>
+          </a:p>
+          <a:p>
+            <a:pPr lvl="1"/>
+            <a:r>
+              <a:rPr lang="en-US" sz="2000">
+                <a:latin typeface="Times New Roman" panose="02020603050405020304" pitchFamily="18" charset="0"/>
+                <a:cs typeface="Times New Roman" panose="02020603050405020304" pitchFamily="18" charset="0"/>
+              </a:rPr>
+              <a:t>Control</a:t>
+            </a:r>
+          </a:p>
+          <a:p>
+            <a:pPr lvl="1"/>
+            <a:r>
+              <a:rPr lang="en-US" sz="2000">
+                <a:latin typeface="Times New Roman" panose="02020603050405020304" pitchFamily="18" charset="0"/>
+                <a:cs typeface="Times New Roman" panose="02020603050405020304" pitchFamily="18" charset="0"/>
+              </a:rPr>
+              <a:t>Admin</a:t>
+            </a:r>
+          </a:p>
+          <a:p>
+            <a:r>
+              <a:rPr lang="en-US" sz="2400" b="1">
+                <a:latin typeface="Times New Roman" panose="02020603050405020304" pitchFamily="18" charset="0"/>
+                <a:cs typeface="Times New Roman" panose="02020603050405020304" pitchFamily="18" charset="0"/>
+                <a:hlinkClick r:id="rId3" action="ppaction://hlinksldjump"/>
+              </a:rPr>
+              <a:t>Batch</a:t>
+            </a:r>
+            <a:endParaRPr lang="en-US" sz="2400" b="1">
+              <a:latin typeface="Times New Roman" panose="02020603050405020304" pitchFamily="18" charset="0"/>
+              <a:cs typeface="Times New Roman" panose="02020603050405020304" pitchFamily="18" charset="0"/>
+            </a:endParaRPr>
+          </a:p>
+          <a:p>
+            <a:r>
+              <a:rPr lang="en-US" sz="2400" b="1">
+                <a:latin typeface="Times New Roman" panose="02020603050405020304" pitchFamily="18" charset="0"/>
+                <a:cs typeface="Times New Roman" panose="02020603050405020304" pitchFamily="18" charset="0"/>
+                <a:hlinkClick r:id="rId4" action="ppaction://hlinksldjump"/>
+              </a:rPr>
+              <a:t>Api</a:t>
+            </a:r>
+            <a:endParaRPr lang="en-US" sz="2400" b="1">
+              <a:latin typeface="Times New Roman" panose="02020603050405020304" pitchFamily="18" charset="0"/>
+              <a:cs typeface="Times New Roman" panose="02020603050405020304" pitchFamily="18" charset="0"/>
+            </a:endParaRPr>
+          </a:p>
+          <a:p>
+            <a:r>
+              <a:rPr lang="en-US" sz="2400" b="1">
+                <a:latin typeface="Times New Roman" panose="02020603050405020304" pitchFamily="18" charset="0"/>
+                <a:cs typeface="Times New Roman" panose="02020603050405020304" pitchFamily="18" charset="0"/>
+                <a:hlinkClick r:id="rId5" action="ppaction://hlinksldjump"/>
+              </a:rPr>
+              <a:t>Robot</a:t>
+            </a:r>
+            <a:endParaRPr lang="en-US" sz="2400" b="1">
+              <a:latin typeface="Times New Roman" panose="02020603050405020304" pitchFamily="18" charset="0"/>
+              <a:cs typeface="Times New Roman" panose="02020603050405020304" pitchFamily="18" charset="0"/>
+            </a:endParaRPr>
           </a:p>
         </p:txBody>
       </p:sp>
     </p:spTree>
     <p:extLst>
       <p:ext uri="{BB962C8B-B14F-4D97-AF65-F5344CB8AC3E}">
-        <p14:creationId xmlns:p14="http://schemas.microsoft.com/office/powerpoint/2010/main" val="67271925"/>
+        <p14:creationId xmlns:p14="http://schemas.microsoft.com/office/powerpoint/2010/main" val="2726486693"/>
       </p:ext>
     </p:extLst>
   </p:cSld>
@@ -12637,30 +16080,7 @@
                 <a:ea typeface="+mn-ea"/>
                 <a:cs typeface="Times New Roman" panose="02020603050405020304" pitchFamily="18" charset="0"/>
               </a:rPr>
-              <a:t> chính (web-</a:t>
-            </a:r>
-            <a:r>
-              <a:rPr lang="en-US" sz="4000">
-                <a:latin typeface="Times New Roman" panose="02020603050405020304" pitchFamily="18" charset="0"/>
-                <a:cs typeface="Times New Roman" panose="02020603050405020304" pitchFamily="18" charset="0"/>
-              </a:rPr>
-              <a:t> QUEUE</a:t>
-            </a:r>
-            <a:r>
-              <a:rPr lang="en-US" sz="4000" kern="1200" cap="all">
-                <a:solidFill>
-                  <a:prstClr val="black">
-                    <a:hueOff val="0"/>
-                    <a:satOff val="0"/>
-                    <a:lumOff val="0"/>
-                    <a:alphaOff val="0"/>
-                  </a:prstClr>
-                </a:solidFill>
-                <a:latin typeface="Times New Roman" panose="02020603050405020304" pitchFamily="18" charset="0"/>
-                <a:ea typeface="+mn-ea"/>
-                <a:cs typeface="Times New Roman" panose="02020603050405020304" pitchFamily="18" charset="0"/>
-              </a:rPr>
-              <a:t>)</a:t>
+              <a:t> chính (web-login)</a:t>
             </a:r>
             <a:endParaRPr lang="en-US"/>
           </a:p>
@@ -12694,7 +16114,104 @@
                 <a:latin typeface="Times New Roman" panose="02020603050405020304" pitchFamily="18" charset="0"/>
                 <a:cs typeface="Times New Roman" panose="02020603050405020304" pitchFamily="18" charset="0"/>
               </a:rPr>
-              <a:t>Queue Page:</a:t>
+              <a:t>Login Page:</a:t>
+            </a:r>
+          </a:p>
+          <a:p>
+            <a:pPr lvl="1"/>
+            <a:r>
+              <a:rPr lang="en-US" sz="1600">
+                <a:latin typeface="Times New Roman" panose="02020603050405020304" pitchFamily="18" charset="0"/>
+                <a:cs typeface="Times New Roman" panose="02020603050405020304" pitchFamily="18" charset="0"/>
+              </a:rPr>
+              <a:t>Hệ thống đang define 2 role chính là</a:t>
+            </a:r>
+          </a:p>
+          <a:p>
+            <a:pPr lvl="2"/>
+            <a:r>
+              <a:rPr lang="en-US" sz="1600">
+                <a:latin typeface="Times New Roman" panose="02020603050405020304" pitchFamily="18" charset="0"/>
+                <a:cs typeface="Times New Roman" panose="02020603050405020304" pitchFamily="18" charset="0"/>
+              </a:rPr>
+              <a:t>Admin: là người có thể quản lý/ stop việc control robot</a:t>
+            </a:r>
+          </a:p>
+          <a:p>
+            <a:pPr lvl="2"/>
+            <a:r>
+              <a:rPr lang="en-US" sz="1600">
+                <a:latin typeface="Times New Roman" panose="02020603050405020304" pitchFamily="18" charset="0"/>
+                <a:cs typeface="Times New Roman" panose="02020603050405020304" pitchFamily="18" charset="0"/>
+              </a:rPr>
+              <a:t>User:     là người dung chỉ có thể control robot khi được phép.</a:t>
+            </a:r>
+          </a:p>
+          <a:p>
+            <a:pPr lvl="2"/>
+            <a:endParaRPr lang="en-US" sz="1600">
+              <a:latin typeface="Times New Roman" panose="02020603050405020304" pitchFamily="18" charset="0"/>
+              <a:cs typeface="Times New Roman" panose="02020603050405020304" pitchFamily="18" charset="0"/>
+            </a:endParaRPr>
+          </a:p>
+          <a:p>
+            <a:pPr marL="548640" lvl="2" indent="0">
+              <a:buNone/>
+            </a:pPr>
+            <a:r>
+              <a:rPr lang="en-US" sz="1600">
+                <a:latin typeface="Times New Roman" panose="02020603050405020304" pitchFamily="18" charset="0"/>
+                <a:cs typeface="Times New Roman" panose="02020603050405020304" pitchFamily="18" charset="0"/>
+              </a:rPr>
+              <a:t>Sau khi login:</a:t>
+            </a:r>
+          </a:p>
+          <a:p>
+            <a:pPr lvl="3"/>
+            <a:r>
+              <a:rPr lang="en-US" sz="1600">
+                <a:latin typeface="Times New Roman" panose="02020603050405020304" pitchFamily="18" charset="0"/>
+                <a:cs typeface="Times New Roman" panose="02020603050405020304" pitchFamily="18" charset="0"/>
+              </a:rPr>
+              <a:t>nếu là Admin thì sẽ đươc chuyển thẳng tới </a:t>
+            </a:r>
+            <a:r>
+              <a:rPr lang="en-US" sz="1600" b="1">
+                <a:latin typeface="Times New Roman" panose="02020603050405020304" pitchFamily="18" charset="0"/>
+                <a:cs typeface="Times New Roman" panose="02020603050405020304" pitchFamily="18" charset="0"/>
+              </a:rPr>
+              <a:t>page admin.</a:t>
+            </a:r>
+          </a:p>
+          <a:p>
+            <a:pPr lvl="3"/>
+            <a:r>
+              <a:rPr lang="en-US" sz="1600">
+                <a:latin typeface="Times New Roman" panose="02020603050405020304" pitchFamily="18" charset="0"/>
+                <a:cs typeface="Times New Roman" panose="02020603050405020304" pitchFamily="18" charset="0"/>
+              </a:rPr>
+              <a:t>nếu là user bình thường thì sẽ chuyển qua </a:t>
+            </a:r>
+            <a:r>
+              <a:rPr lang="en-US" sz="1600" b="1">
+                <a:latin typeface="Times New Roman" panose="02020603050405020304" pitchFamily="18" charset="0"/>
+                <a:cs typeface="Times New Roman" panose="02020603050405020304" pitchFamily="18" charset="0"/>
+              </a:rPr>
+              <a:t>page control, </a:t>
+            </a:r>
+            <a:r>
+              <a:rPr lang="en-US" sz="1600">
+                <a:latin typeface="Times New Roman" panose="02020603050405020304" pitchFamily="18" charset="0"/>
+                <a:cs typeface="Times New Roman" panose="02020603050405020304" pitchFamily="18" charset="0"/>
+              </a:rPr>
+              <a:t>trường hợp đang có user khác đang thực hiện control thì sẽ chuyển qua </a:t>
+            </a:r>
+            <a:r>
+              <a:rPr lang="en-US" sz="1600" b="1">
+                <a:latin typeface="Times New Roman" panose="02020603050405020304" pitchFamily="18" charset="0"/>
+                <a:cs typeface="Times New Roman" panose="02020603050405020304" pitchFamily="18" charset="0"/>
+              </a:rPr>
+              <a:t>page queue.</a:t>
             </a:r>
           </a:p>
         </p:txBody>
@@ -12702,7 +16219,7 @@
     </p:spTree>
     <p:extLst>
       <p:ext uri="{BB962C8B-B14F-4D97-AF65-F5344CB8AC3E}">
-        <p14:creationId xmlns:p14="http://schemas.microsoft.com/office/powerpoint/2010/main" val="287787047"/>
+        <p14:creationId xmlns:p14="http://schemas.microsoft.com/office/powerpoint/2010/main" val="67271925"/>
       </p:ext>
     </p:extLst>
   </p:cSld>
@@ -12819,7 +16336,7 @@
                 <a:latin typeface="Times New Roman" panose="02020603050405020304" pitchFamily="18" charset="0"/>
                 <a:cs typeface="Times New Roman" panose="02020603050405020304" pitchFamily="18" charset="0"/>
               </a:rPr>
-              <a:t> CONTROL</a:t>
+              <a:t> QUEUE</a:t>
             </a:r>
             <a:r>
               <a:rPr lang="en-US" sz="4000" kern="1200" cap="all">
@@ -12865,18 +16382,11 @@
           <a:lstStyle/>
           <a:p>
             <a:r>
-              <a:rPr lang="en-US" sz="1800">
-                <a:latin typeface="Times New Roman" panose="02020603050405020304" pitchFamily="18" charset="0"/>
-                <a:cs typeface="Times New Roman" panose="02020603050405020304" pitchFamily="18" charset="0"/>
-              </a:rPr>
-              <a:t>Control</a:t>
-            </a:r>
-            <a:r>
               <a:rPr lang="en-US" sz="1800" b="1">
                 <a:latin typeface="Times New Roman" panose="02020603050405020304" pitchFamily="18" charset="0"/>
                 <a:cs typeface="Times New Roman" panose="02020603050405020304" pitchFamily="18" charset="0"/>
               </a:rPr>
-              <a:t> Page:</a:t>
+              <a:t>Queue Page:</a:t>
             </a:r>
           </a:p>
         </p:txBody>
@@ -12884,7 +16394,7 @@
     </p:spTree>
     <p:extLst>
       <p:ext uri="{BB962C8B-B14F-4D97-AF65-F5344CB8AC3E}">
-        <p14:creationId xmlns:p14="http://schemas.microsoft.com/office/powerpoint/2010/main" val="795042229"/>
+        <p14:creationId xmlns:p14="http://schemas.microsoft.com/office/powerpoint/2010/main" val="287787047"/>
       </p:ext>
     </p:extLst>
   </p:cSld>
@@ -13001,7 +16511,7 @@
                 <a:latin typeface="Times New Roman" panose="02020603050405020304" pitchFamily="18" charset="0"/>
                 <a:cs typeface="Times New Roman" panose="02020603050405020304" pitchFamily="18" charset="0"/>
               </a:rPr>
-              <a:t> ADMIN</a:t>
+              <a:t> CONTROL</a:t>
             </a:r>
             <a:r>
               <a:rPr lang="en-US" sz="4000" kern="1200" cap="all">
@@ -13047,11 +16557,18 @@
           <a:lstStyle/>
           <a:p>
             <a:r>
+              <a:rPr lang="en-US" sz="1800">
+                <a:latin typeface="Times New Roman" panose="02020603050405020304" pitchFamily="18" charset="0"/>
+                <a:cs typeface="Times New Roman" panose="02020603050405020304" pitchFamily="18" charset="0"/>
+              </a:rPr>
+              <a:t>Control</a:t>
+            </a:r>
+            <a:r>
               <a:rPr lang="en-US" sz="1800" b="1">
                 <a:latin typeface="Times New Roman" panose="02020603050405020304" pitchFamily="18" charset="0"/>
                 <a:cs typeface="Times New Roman" panose="02020603050405020304" pitchFamily="18" charset="0"/>
               </a:rPr>
-              <a:t>Page:</a:t>
+              <a:t> Page:</a:t>
             </a:r>
           </a:p>
         </p:txBody>
@@ -13059,7 +16576,7 @@
     </p:spTree>
     <p:extLst>
       <p:ext uri="{BB962C8B-B14F-4D97-AF65-F5344CB8AC3E}">
-        <p14:creationId xmlns:p14="http://schemas.microsoft.com/office/powerpoint/2010/main" val="2234215447"/>
+        <p14:creationId xmlns:p14="http://schemas.microsoft.com/office/powerpoint/2010/main" val="795042229"/>
       </p:ext>
     </p:extLst>
   </p:cSld>
@@ -13169,7 +16686,30 @@
                 <a:ea typeface="+mn-ea"/>
                 <a:cs typeface="Times New Roman" panose="02020603050405020304" pitchFamily="18" charset="0"/>
               </a:rPr>
-              <a:t> chính (BATCH)</a:t>
+              <a:t> chính (web-</a:t>
+            </a:r>
+            <a:r>
+              <a:rPr lang="en-US" sz="4000">
+                <a:latin typeface="Times New Roman" panose="02020603050405020304" pitchFamily="18" charset="0"/>
+                <a:cs typeface="Times New Roman" panose="02020603050405020304" pitchFamily="18" charset="0"/>
+              </a:rPr>
+              <a:t> ADMIN</a:t>
+            </a:r>
+            <a:r>
+              <a:rPr lang="en-US" sz="4000" kern="1200" cap="all">
+                <a:solidFill>
+                  <a:prstClr val="black">
+                    <a:hueOff val="0"/>
+                    <a:satOff val="0"/>
+                    <a:lumOff val="0"/>
+                    <a:alphaOff val="0"/>
+                  </a:prstClr>
+                </a:solidFill>
+                <a:latin typeface="Times New Roman" panose="02020603050405020304" pitchFamily="18" charset="0"/>
+                <a:ea typeface="+mn-ea"/>
+                <a:cs typeface="Times New Roman" panose="02020603050405020304" pitchFamily="18" charset="0"/>
+              </a:rPr>
+              <a:t>)</a:t>
             </a:r>
             <a:endParaRPr lang="en-US"/>
           </a:p>
@@ -13211,7 +16751,7 @@
     </p:spTree>
     <p:extLst>
       <p:ext uri="{BB962C8B-B14F-4D97-AF65-F5344CB8AC3E}">
-        <p14:creationId xmlns:p14="http://schemas.microsoft.com/office/powerpoint/2010/main" val="2588165473"/>
+        <p14:creationId xmlns:p14="http://schemas.microsoft.com/office/powerpoint/2010/main" val="2234215447"/>
       </p:ext>
     </p:extLst>
   </p:cSld>

--- a/Restart Computer.pptx
+++ b/Restart Computer.pptx
@@ -1497,7 +1497,7 @@
                 <a14:useLocalDpi xmlns:a14="http://schemas.microsoft.com/office/drawing/2010/main" val="0"/>
               </a:ext>
               <a:ext uri="{96DAC541-7B7A-43D3-8B79-37D633B846F1}">
-                <asvg:svgBlip xmlns:asvg="http://schemas.microsoft.com/office/drawing/2016/SVG/main" xmlns="" r:embed="rId3"/>
+                <asvg:svgBlip xmlns="" xmlns:asvg="http://schemas.microsoft.com/office/drawing/2016/SVG/main" r:embed="rId3"/>
               </a:ext>
             </a:extLst>
           </a:blip>
@@ -2052,7 +2052,7 @@
                 <a14:useLocalDpi xmlns:a14="http://schemas.microsoft.com/office/drawing/2010/main" val="0"/>
               </a:ext>
               <a:ext uri="{96DAC541-7B7A-43D3-8B79-37D633B846F1}">
-                <asvg:svgBlip xmlns:asvg="http://schemas.microsoft.com/office/drawing/2016/SVG/main" xmlns="" r:embed="rId3"/>
+                <asvg:svgBlip xmlns="" xmlns:asvg="http://schemas.microsoft.com/office/drawing/2016/SVG/main" r:embed="rId3"/>
               </a:ext>
             </a:extLst>
           </a:blip>
@@ -2800,7 +2800,7 @@
   </dgm:layoutNode>
   <dgm:extLst>
     <a:ext uri="{68A01E43-0DF5-4B5B-8FA6-DAF915123BFB}">
-      <dgm1612:lstStyle xmlns:dgm1612="http://schemas.microsoft.com/office/drawing/2016/12/diagram" xmlns="">
+      <dgm1612:lstStyle xmlns="" xmlns:dgm1612="http://schemas.microsoft.com/office/drawing/2016/12/diagram">
         <a:lvl1pPr>
           <a:lnSpc>
             <a:spcPct val="100000"/>
@@ -7799,7 +7799,7 @@
                 <a16:creationId xmlns:a16="http://schemas.microsoft.com/office/drawing/2014/main" id="{2644B391-9BFE-445C-A9EC-F544BB85FBC7}"/>
               </a:ext>
               <a:ext uri="{C183D7F6-B498-43B3-948B-1728B52AA6E4}">
-                <adec:decorative xmlns:adec="http://schemas.microsoft.com/office/drawing/2017/decorative" xmlns="" val="1"/>
+                <adec:decorative xmlns="" xmlns:adec="http://schemas.microsoft.com/office/drawing/2017/decorative" val="1"/>
               </a:ext>
             </a:extLst>
           </p:cNvPr>
@@ -7844,7 +7844,7 @@
                 <a16:creationId xmlns:a16="http://schemas.microsoft.com/office/drawing/2014/main" id="{80F26E69-87D9-4655-AE7B-280A87AA3CAD}"/>
               </a:ext>
               <a:ext uri="{C183D7F6-B498-43B3-948B-1728B52AA6E4}">
-                <adec:decorative xmlns:adec="http://schemas.microsoft.com/office/drawing/2017/decorative" xmlns="" val="1"/>
+                <adec:decorative xmlns="" xmlns:adec="http://schemas.microsoft.com/office/drawing/2017/decorative" val="1"/>
               </a:ext>
             </a:extLst>
           </p:cNvPr>
@@ -23572,56 +23572,354 @@
           <a:lstStyle/>
           <a:p>
             <a:r>
-              <a:rPr lang="en-US" sz="1600" b="1">
-                <a:latin typeface="Times New Roman" panose="02020603050405020304" pitchFamily="18" charset="0"/>
-                <a:cs typeface="Times New Roman" panose="02020603050405020304" pitchFamily="18" charset="0"/>
-              </a:rPr>
-              <a:t>Task được chia đêu cho các thành viên như bên dưới</a:t>
-            </a:r>
+              <a:rPr lang="en-US" sz="1600" b="1" dirty="0">
+                <a:latin typeface="Times New Roman" panose="02020603050405020304" pitchFamily="18" charset="0"/>
+                <a:cs typeface="Times New Roman" panose="02020603050405020304" pitchFamily="18" charset="0"/>
+              </a:rPr>
+              <a:t>Task </a:t>
+            </a:r>
+            <a:r>
+              <a:rPr lang="en-US" sz="1600" b="1" dirty="0" err="1">
+                <a:latin typeface="Times New Roman" panose="02020603050405020304" pitchFamily="18" charset="0"/>
+                <a:cs typeface="Times New Roman" panose="02020603050405020304" pitchFamily="18" charset="0"/>
+              </a:rPr>
+              <a:t>được</a:t>
+            </a:r>
+            <a:r>
+              <a:rPr lang="en-US" sz="1600" b="1" dirty="0">
+                <a:latin typeface="Times New Roman" panose="02020603050405020304" pitchFamily="18" charset="0"/>
+                <a:cs typeface="Times New Roman" panose="02020603050405020304" pitchFamily="18" charset="0"/>
+              </a:rPr>
+              <a:t> chia </a:t>
+            </a:r>
+            <a:r>
+              <a:rPr lang="en-US" sz="1600" b="1" dirty="0" err="1">
+                <a:latin typeface="Times New Roman" panose="02020603050405020304" pitchFamily="18" charset="0"/>
+                <a:cs typeface="Times New Roman" panose="02020603050405020304" pitchFamily="18" charset="0"/>
+              </a:rPr>
+              <a:t>đêu</a:t>
+            </a:r>
+            <a:r>
+              <a:rPr lang="en-US" sz="1600" b="1" dirty="0">
+                <a:latin typeface="Times New Roman" panose="02020603050405020304" pitchFamily="18" charset="0"/>
+                <a:cs typeface="Times New Roman" panose="02020603050405020304" pitchFamily="18" charset="0"/>
+              </a:rPr>
+              <a:t> </a:t>
+            </a:r>
+            <a:r>
+              <a:rPr lang="en-US" sz="1600" b="1" dirty="0" err="1">
+                <a:latin typeface="Times New Roman" panose="02020603050405020304" pitchFamily="18" charset="0"/>
+                <a:cs typeface="Times New Roman" panose="02020603050405020304" pitchFamily="18" charset="0"/>
+              </a:rPr>
+              <a:t>cho</a:t>
+            </a:r>
+            <a:r>
+              <a:rPr lang="en-US" sz="1600" b="1" dirty="0">
+                <a:latin typeface="Times New Roman" panose="02020603050405020304" pitchFamily="18" charset="0"/>
+                <a:cs typeface="Times New Roman" panose="02020603050405020304" pitchFamily="18" charset="0"/>
+              </a:rPr>
+              <a:t> </a:t>
+            </a:r>
+            <a:r>
+              <a:rPr lang="en-US" sz="1600" b="1" dirty="0" err="1">
+                <a:latin typeface="Times New Roman" panose="02020603050405020304" pitchFamily="18" charset="0"/>
+                <a:cs typeface="Times New Roman" panose="02020603050405020304" pitchFamily="18" charset="0"/>
+              </a:rPr>
+              <a:t>các</a:t>
+            </a:r>
+            <a:r>
+              <a:rPr lang="en-US" sz="1600" b="1" dirty="0">
+                <a:latin typeface="Times New Roman" panose="02020603050405020304" pitchFamily="18" charset="0"/>
+                <a:cs typeface="Times New Roman" panose="02020603050405020304" pitchFamily="18" charset="0"/>
+              </a:rPr>
+              <a:t> </a:t>
+            </a:r>
+            <a:r>
+              <a:rPr lang="en-US" sz="1600" b="1" dirty="0" err="1">
+                <a:latin typeface="Times New Roman" panose="02020603050405020304" pitchFamily="18" charset="0"/>
+                <a:cs typeface="Times New Roman" panose="02020603050405020304" pitchFamily="18" charset="0"/>
+              </a:rPr>
+              <a:t>thành</a:t>
+            </a:r>
+            <a:r>
+              <a:rPr lang="en-US" sz="1600" b="1" dirty="0">
+                <a:latin typeface="Times New Roman" panose="02020603050405020304" pitchFamily="18" charset="0"/>
+                <a:cs typeface="Times New Roman" panose="02020603050405020304" pitchFamily="18" charset="0"/>
+              </a:rPr>
+              <a:t> </a:t>
+            </a:r>
+            <a:r>
+              <a:rPr lang="en-US" sz="1600" b="1" dirty="0" err="1">
+                <a:latin typeface="Times New Roman" panose="02020603050405020304" pitchFamily="18" charset="0"/>
+                <a:cs typeface="Times New Roman" panose="02020603050405020304" pitchFamily="18" charset="0"/>
+              </a:rPr>
+              <a:t>viên</a:t>
+            </a:r>
+            <a:r>
+              <a:rPr lang="en-US" sz="1600" b="1" dirty="0">
+                <a:latin typeface="Times New Roman" panose="02020603050405020304" pitchFamily="18" charset="0"/>
+                <a:cs typeface="Times New Roman" panose="02020603050405020304" pitchFamily="18" charset="0"/>
+              </a:rPr>
+              <a:t> </a:t>
+            </a:r>
+            <a:r>
+              <a:rPr lang="en-US" sz="1600" b="1" dirty="0" err="1">
+                <a:latin typeface="Times New Roman" panose="02020603050405020304" pitchFamily="18" charset="0"/>
+                <a:cs typeface="Times New Roman" panose="02020603050405020304" pitchFamily="18" charset="0"/>
+              </a:rPr>
+              <a:t>như</a:t>
+            </a:r>
+            <a:r>
+              <a:rPr lang="en-US" sz="1600" b="1" dirty="0">
+                <a:latin typeface="Times New Roman" panose="02020603050405020304" pitchFamily="18" charset="0"/>
+                <a:cs typeface="Times New Roman" panose="02020603050405020304" pitchFamily="18" charset="0"/>
+              </a:rPr>
+              <a:t> </a:t>
+            </a:r>
+            <a:r>
+              <a:rPr lang="en-US" sz="1600" b="1" dirty="0" err="1">
+                <a:latin typeface="Times New Roman" panose="02020603050405020304" pitchFamily="18" charset="0"/>
+                <a:cs typeface="Times New Roman" panose="02020603050405020304" pitchFamily="18" charset="0"/>
+              </a:rPr>
+              <a:t>bên</a:t>
+            </a:r>
+            <a:r>
+              <a:rPr lang="en-US" sz="1600" b="1" dirty="0">
+                <a:latin typeface="Times New Roman" panose="02020603050405020304" pitchFamily="18" charset="0"/>
+                <a:cs typeface="Times New Roman" panose="02020603050405020304" pitchFamily="18" charset="0"/>
+              </a:rPr>
+              <a:t> </a:t>
+            </a:r>
+            <a:r>
+              <a:rPr lang="en-US" sz="1600" b="1" dirty="0" err="1">
+                <a:latin typeface="Times New Roman" panose="02020603050405020304" pitchFamily="18" charset="0"/>
+                <a:cs typeface="Times New Roman" panose="02020603050405020304" pitchFamily="18" charset="0"/>
+              </a:rPr>
+              <a:t>dưới</a:t>
+            </a:r>
+            <a:endParaRPr lang="en-US" sz="1600" b="1" dirty="0">
+              <a:latin typeface="Times New Roman" panose="02020603050405020304" pitchFamily="18" charset="0"/>
+              <a:cs typeface="Times New Roman" panose="02020603050405020304" pitchFamily="18" charset="0"/>
+            </a:endParaRPr>
           </a:p>
           <a:p>
             <a:pPr lvl="1"/>
             <a:r>
-              <a:rPr lang="en-US" sz="1600">
-                <a:latin typeface="Times New Roman" panose="02020603050405020304" pitchFamily="18" charset="0"/>
-                <a:cs typeface="Times New Roman" panose="02020603050405020304" pitchFamily="18" charset="0"/>
-              </a:rPr>
-              <a:t>Nguyễn Văn Cường (robot + api)</a:t>
+              <a:rPr lang="en-US" sz="1600" dirty="0" err="1">
+                <a:latin typeface="Times New Roman" panose="02020603050405020304" pitchFamily="18" charset="0"/>
+                <a:cs typeface="Times New Roman" panose="02020603050405020304" pitchFamily="18" charset="0"/>
+              </a:rPr>
+              <a:t>Nguyễn</a:t>
+            </a:r>
+            <a:r>
+              <a:rPr lang="en-US" sz="1600" dirty="0">
+                <a:latin typeface="Times New Roman" panose="02020603050405020304" pitchFamily="18" charset="0"/>
+                <a:cs typeface="Times New Roman" panose="02020603050405020304" pitchFamily="18" charset="0"/>
+              </a:rPr>
+              <a:t> </a:t>
+            </a:r>
+            <a:r>
+              <a:rPr lang="en-US" sz="1600" dirty="0" err="1">
+                <a:latin typeface="Times New Roman" panose="02020603050405020304" pitchFamily="18" charset="0"/>
+                <a:cs typeface="Times New Roman" panose="02020603050405020304" pitchFamily="18" charset="0"/>
+              </a:rPr>
+              <a:t>Văn</a:t>
+            </a:r>
+            <a:r>
+              <a:rPr lang="en-US" sz="1600" dirty="0">
+                <a:latin typeface="Times New Roman" panose="02020603050405020304" pitchFamily="18" charset="0"/>
+                <a:cs typeface="Times New Roman" panose="02020603050405020304" pitchFamily="18" charset="0"/>
+              </a:rPr>
+              <a:t> </a:t>
+            </a:r>
+            <a:r>
+              <a:rPr lang="en-US" sz="1600" dirty="0" err="1">
+                <a:latin typeface="Times New Roman" panose="02020603050405020304" pitchFamily="18" charset="0"/>
+                <a:cs typeface="Times New Roman" panose="02020603050405020304" pitchFamily="18" charset="0"/>
+              </a:rPr>
+              <a:t>Cường</a:t>
+            </a:r>
+            <a:r>
+              <a:rPr lang="en-US" sz="1600" dirty="0">
+                <a:latin typeface="Times New Roman" panose="02020603050405020304" pitchFamily="18" charset="0"/>
+                <a:cs typeface="Times New Roman" panose="02020603050405020304" pitchFamily="18" charset="0"/>
+              </a:rPr>
+              <a:t> (robot + </a:t>
+            </a:r>
+            <a:r>
+              <a:rPr lang="en-US" sz="1600" dirty="0" err="1">
+                <a:latin typeface="Times New Roman" panose="02020603050405020304" pitchFamily="18" charset="0"/>
+                <a:cs typeface="Times New Roman" panose="02020603050405020304" pitchFamily="18" charset="0"/>
+              </a:rPr>
+              <a:t>api</a:t>
+            </a:r>
+            <a:r>
+              <a:rPr lang="en-US" sz="1600" dirty="0">
+                <a:latin typeface="Times New Roman" panose="02020603050405020304" pitchFamily="18" charset="0"/>
+                <a:cs typeface="Times New Roman" panose="02020603050405020304" pitchFamily="18" charset="0"/>
+              </a:rPr>
+              <a:t>)</a:t>
             </a:r>
           </a:p>
           <a:p>
             <a:pPr lvl="1"/>
             <a:r>
-              <a:rPr lang="en-US" sz="1600">
-                <a:latin typeface="Times New Roman" panose="02020603050405020304" pitchFamily="18" charset="0"/>
-                <a:cs typeface="Times New Roman" panose="02020603050405020304" pitchFamily="18" charset="0"/>
-              </a:rPr>
-              <a:t>Lê Đình Tam Phụng (login +queue)</a:t>
+              <a:rPr lang="en-US" sz="1600" dirty="0" err="1">
+                <a:latin typeface="Times New Roman" panose="02020603050405020304" pitchFamily="18" charset="0"/>
+                <a:cs typeface="Times New Roman" panose="02020603050405020304" pitchFamily="18" charset="0"/>
+              </a:rPr>
+              <a:t>Lê</a:t>
+            </a:r>
+            <a:r>
+              <a:rPr lang="en-US" sz="1600" dirty="0">
+                <a:latin typeface="Times New Roman" panose="02020603050405020304" pitchFamily="18" charset="0"/>
+                <a:cs typeface="Times New Roman" panose="02020603050405020304" pitchFamily="18" charset="0"/>
+              </a:rPr>
+              <a:t> </a:t>
+            </a:r>
+            <a:r>
+              <a:rPr lang="en-US" sz="1600" dirty="0" err="1">
+                <a:latin typeface="Times New Roman" panose="02020603050405020304" pitchFamily="18" charset="0"/>
+                <a:cs typeface="Times New Roman" panose="02020603050405020304" pitchFamily="18" charset="0"/>
+              </a:rPr>
+              <a:t>Đình</a:t>
+            </a:r>
+            <a:r>
+              <a:rPr lang="en-US" sz="1600" dirty="0">
+                <a:latin typeface="Times New Roman" panose="02020603050405020304" pitchFamily="18" charset="0"/>
+                <a:cs typeface="Times New Roman" panose="02020603050405020304" pitchFamily="18" charset="0"/>
+              </a:rPr>
+              <a:t> </a:t>
+            </a:r>
+            <a:r>
+              <a:rPr lang="en-US" sz="1600" dirty="0" err="1" smtClean="0">
+                <a:latin typeface="Times New Roman" panose="02020603050405020304" pitchFamily="18" charset="0"/>
+                <a:cs typeface="Times New Roman" panose="02020603050405020304" pitchFamily="18" charset="0"/>
+              </a:rPr>
+              <a:t>Tâm</a:t>
+            </a:r>
+            <a:r>
+              <a:rPr lang="en-US" sz="1600" dirty="0" smtClean="0">
+                <a:latin typeface="Times New Roman" panose="02020603050405020304" pitchFamily="18" charset="0"/>
+                <a:cs typeface="Times New Roman" panose="02020603050405020304" pitchFamily="18" charset="0"/>
+              </a:rPr>
+              <a:t> </a:t>
+            </a:r>
+            <a:r>
+              <a:rPr lang="en-US" sz="1600" dirty="0" err="1">
+                <a:latin typeface="Times New Roman" panose="02020603050405020304" pitchFamily="18" charset="0"/>
+                <a:cs typeface="Times New Roman" panose="02020603050405020304" pitchFamily="18" charset="0"/>
+              </a:rPr>
+              <a:t>Phụng</a:t>
+            </a:r>
+            <a:r>
+              <a:rPr lang="en-US" sz="1600" dirty="0">
+                <a:latin typeface="Times New Roman" panose="02020603050405020304" pitchFamily="18" charset="0"/>
+                <a:cs typeface="Times New Roman" panose="02020603050405020304" pitchFamily="18" charset="0"/>
+              </a:rPr>
+              <a:t> (login +queue)</a:t>
             </a:r>
           </a:p>
           <a:p>
             <a:pPr lvl="1"/>
             <a:r>
-              <a:rPr lang="en-US" sz="1600">
-                <a:latin typeface="Times New Roman" panose="02020603050405020304" pitchFamily="18" charset="0"/>
-                <a:cs typeface="Times New Roman" panose="02020603050405020304" pitchFamily="18" charset="0"/>
-              </a:rPr>
-              <a:t>Phan Thị Quỳnh Linh ( control + admin)</a:t>
+              <a:rPr lang="en-US" sz="1600" dirty="0">
+                <a:latin typeface="Times New Roman" panose="02020603050405020304" pitchFamily="18" charset="0"/>
+                <a:cs typeface="Times New Roman" panose="02020603050405020304" pitchFamily="18" charset="0"/>
+              </a:rPr>
+              <a:t>Phan </a:t>
+            </a:r>
+            <a:r>
+              <a:rPr lang="en-US" sz="1600" dirty="0" err="1">
+                <a:latin typeface="Times New Roman" panose="02020603050405020304" pitchFamily="18" charset="0"/>
+                <a:cs typeface="Times New Roman" panose="02020603050405020304" pitchFamily="18" charset="0"/>
+              </a:rPr>
+              <a:t>Thị</a:t>
+            </a:r>
+            <a:r>
+              <a:rPr lang="en-US" sz="1600" dirty="0">
+                <a:latin typeface="Times New Roman" panose="02020603050405020304" pitchFamily="18" charset="0"/>
+                <a:cs typeface="Times New Roman" panose="02020603050405020304" pitchFamily="18" charset="0"/>
+              </a:rPr>
+              <a:t> </a:t>
+            </a:r>
+            <a:r>
+              <a:rPr lang="en-US" sz="1600" dirty="0" err="1">
+                <a:latin typeface="Times New Roman" panose="02020603050405020304" pitchFamily="18" charset="0"/>
+                <a:cs typeface="Times New Roman" panose="02020603050405020304" pitchFamily="18" charset="0"/>
+              </a:rPr>
+              <a:t>Quỳnh</a:t>
+            </a:r>
+            <a:r>
+              <a:rPr lang="en-US" sz="1600" dirty="0">
+                <a:latin typeface="Times New Roman" panose="02020603050405020304" pitchFamily="18" charset="0"/>
+                <a:cs typeface="Times New Roman" panose="02020603050405020304" pitchFamily="18" charset="0"/>
+              </a:rPr>
+              <a:t> </a:t>
+            </a:r>
+            <a:r>
+              <a:rPr lang="en-US" sz="1600" dirty="0" err="1">
+                <a:latin typeface="Times New Roman" panose="02020603050405020304" pitchFamily="18" charset="0"/>
+                <a:cs typeface="Times New Roman" panose="02020603050405020304" pitchFamily="18" charset="0"/>
+              </a:rPr>
+              <a:t>Linh</a:t>
+            </a:r>
+            <a:r>
+              <a:rPr lang="en-US" sz="1600" dirty="0">
+                <a:latin typeface="Times New Roman" panose="02020603050405020304" pitchFamily="18" charset="0"/>
+                <a:cs typeface="Times New Roman" panose="02020603050405020304" pitchFamily="18" charset="0"/>
+              </a:rPr>
+              <a:t> ( control + admin)</a:t>
             </a:r>
           </a:p>
           <a:p>
             <a:pPr lvl="1"/>
             <a:r>
-              <a:rPr lang="en-US" sz="1600">
-                <a:latin typeface="Times New Roman" panose="02020603050405020304" pitchFamily="18" charset="0"/>
-                <a:cs typeface="Times New Roman" panose="02020603050405020304" pitchFamily="18" charset="0"/>
-              </a:rPr>
-              <a:t>Nguyễn Mạnh Hùng (batch)</a:t>
-            </a:r>
-          </a:p>
-          <a:p>
-            <a:r>
-              <a:rPr lang="en-US" sz="1800" b="1">
+              <a:rPr lang="en-US" sz="1600" dirty="0" err="1">
+                <a:latin typeface="Times New Roman" panose="02020603050405020304" pitchFamily="18" charset="0"/>
+                <a:cs typeface="Times New Roman" panose="02020603050405020304" pitchFamily="18" charset="0"/>
+              </a:rPr>
+              <a:t>Nguyễn</a:t>
+            </a:r>
+            <a:r>
+              <a:rPr lang="en-US" sz="1600" dirty="0">
+                <a:latin typeface="Times New Roman" panose="02020603050405020304" pitchFamily="18" charset="0"/>
+                <a:cs typeface="Times New Roman" panose="02020603050405020304" pitchFamily="18" charset="0"/>
+              </a:rPr>
+              <a:t> </a:t>
+            </a:r>
+            <a:r>
+              <a:rPr lang="en-US" sz="1600" dirty="0" err="1">
+                <a:latin typeface="Times New Roman" panose="02020603050405020304" pitchFamily="18" charset="0"/>
+                <a:cs typeface="Times New Roman" panose="02020603050405020304" pitchFamily="18" charset="0"/>
+              </a:rPr>
+              <a:t>Mạnh</a:t>
+            </a:r>
+            <a:r>
+              <a:rPr lang="en-US" sz="1600" dirty="0">
+                <a:latin typeface="Times New Roman" panose="02020603050405020304" pitchFamily="18" charset="0"/>
+                <a:cs typeface="Times New Roman" panose="02020603050405020304" pitchFamily="18" charset="0"/>
+              </a:rPr>
+              <a:t> </a:t>
+            </a:r>
+            <a:r>
+              <a:rPr lang="en-US" sz="1600" dirty="0" err="1">
+                <a:latin typeface="Times New Roman" panose="02020603050405020304" pitchFamily="18" charset="0"/>
+                <a:cs typeface="Times New Roman" panose="02020603050405020304" pitchFamily="18" charset="0"/>
+              </a:rPr>
+              <a:t>Hùng</a:t>
+            </a:r>
+            <a:r>
+              <a:rPr lang="en-US" sz="1600" dirty="0">
+                <a:latin typeface="Times New Roman" panose="02020603050405020304" pitchFamily="18" charset="0"/>
+                <a:cs typeface="Times New Roman" panose="02020603050405020304" pitchFamily="18" charset="0"/>
+              </a:rPr>
+              <a:t> (batch)</a:t>
+            </a:r>
+          </a:p>
+          <a:p>
+            <a:r>
+              <a:rPr lang="en-US" sz="1800" b="1" dirty="0">
                 <a:latin typeface="Times New Roman" panose="02020603050405020304" pitchFamily="18" charset="0"/>
                 <a:cs typeface="Times New Roman" panose="02020603050405020304" pitchFamily="18" charset="0"/>
               </a:rPr>
@@ -23632,13 +23930,13 @@
             <a:pPr marL="274320" lvl="1" indent="0">
               <a:buNone/>
             </a:pPr>
-            <a:endParaRPr lang="en-US" sz="1600">
+            <a:endParaRPr lang="en-US" sz="1600" dirty="0">
               <a:latin typeface="Times New Roman" panose="02020603050405020304" pitchFamily="18" charset="0"/>
               <a:cs typeface="Times New Roman" panose="02020603050405020304" pitchFamily="18" charset="0"/>
             </a:endParaRPr>
           </a:p>
           <a:p>
-            <a:endParaRPr lang="en-US" sz="1600">
+            <a:endParaRPr lang="en-US" sz="1600" dirty="0">
               <a:latin typeface="Times New Roman" panose="02020603050405020304" pitchFamily="18" charset="0"/>
               <a:cs typeface="Times New Roman" panose="02020603050405020304" pitchFamily="18" charset="0"/>
             </a:endParaRPr>
@@ -26795,12 +27093,30 @@
           <a:lstStyle/>
           <a:p>
             <a:r>
+              <a:rPr lang="en-US" sz="1800" b="1" dirty="0">
+                <a:latin typeface="Times New Roman" panose="02020603050405020304" pitchFamily="18" charset="0"/>
+                <a:cs typeface="Times New Roman" panose="02020603050405020304" pitchFamily="18" charset="0"/>
+              </a:rPr>
+              <a:t>Queue </a:t>
+            </a:r>
+            <a:r>
               <a:rPr lang="en-US" sz="1800" b="1">
                 <a:latin typeface="Times New Roman" panose="02020603050405020304" pitchFamily="18" charset="0"/>
                 <a:cs typeface="Times New Roman" panose="02020603050405020304" pitchFamily="18" charset="0"/>
               </a:rPr>
-              <a:t>Queue Page:</a:t>
-            </a:r>
+              <a:t>Page</a:t>
+            </a:r>
+            <a:r>
+              <a:rPr lang="en-US" sz="1800" b="1" smtClean="0">
+                <a:latin typeface="Times New Roman" panose="02020603050405020304" pitchFamily="18" charset="0"/>
+                <a:cs typeface="Times New Roman" panose="02020603050405020304" pitchFamily="18" charset="0"/>
+              </a:rPr>
+              <a:t>: </a:t>
+            </a:r>
+            <a:endParaRPr lang="en-US" sz="1800" b="1" dirty="0">
+              <a:latin typeface="Times New Roman" panose="02020603050405020304" pitchFamily="18" charset="0"/>
+              <a:cs typeface="Times New Roman" panose="02020603050405020304" pitchFamily="18" charset="0"/>
+            </a:endParaRPr>
           </a:p>
         </p:txBody>
       </p:sp>
@@ -29508,12 +29824,12 @@
 </file>
 
 <file path=customXml/item1.xml><?xml version="1.0" encoding="utf-8"?>
-<?mso-contentType ?>
-<FormTemplates xmlns="http://schemas.microsoft.com/sharepoint/v3/contenttype/forms">
-  <Display>DocumentLibraryForm</Display>
-  <Edit>DocumentLibraryForm</Edit>
-  <New>DocumentLibraryForm</New>
-</FormTemplates>
+<p:properties xmlns:p="http://schemas.microsoft.com/office/2006/metadata/properties" xmlns:xsi="http://www.w3.org/2001/XMLSchema-instance" xmlns:pc="http://schemas.microsoft.com/office/infopath/2007/PartnerControls">
+  <documentManagement>
+    <Status xmlns="71af3243-3dd4-4a8d-8c0d-dd76da1f02a5">Not started</Status>
+    <MediaServiceKeyPoints xmlns="71af3243-3dd4-4a8d-8c0d-dd76da1f02a5" xsi:nil="true"/>
+  </documentManagement>
+</p:properties>
 </file>
 
 <file path=customXml/item2.xml><?xml version="1.0" encoding="utf-8"?>
@@ -29738,18 +30054,20 @@
 </file>
 
 <file path=customXml/item3.xml><?xml version="1.0" encoding="utf-8"?>
-<p:properties xmlns:p="http://schemas.microsoft.com/office/2006/metadata/properties" xmlns:xsi="http://www.w3.org/2001/XMLSchema-instance" xmlns:pc="http://schemas.microsoft.com/office/infopath/2007/PartnerControls">
-  <documentManagement>
-    <Status xmlns="71af3243-3dd4-4a8d-8c0d-dd76da1f02a5">Not started</Status>
-    <MediaServiceKeyPoints xmlns="71af3243-3dd4-4a8d-8c0d-dd76da1f02a5" xsi:nil="true"/>
-  </documentManagement>
-</p:properties>
+<?mso-contentType ?>
+<FormTemplates xmlns="http://schemas.microsoft.com/sharepoint/v3/contenttype/forms">
+  <Display>DocumentLibraryForm</Display>
+  <Edit>DocumentLibraryForm</Edit>
+  <New>DocumentLibraryForm</New>
+</FormTemplates>
 </file>
 
 <file path=customXml/itemProps1.xml><?xml version="1.0" encoding="utf-8"?>
-<ds:datastoreItem xmlns:ds="http://schemas.openxmlformats.org/officeDocument/2006/customXml" ds:itemID="{CDB58277-F8DF-46FF-84EC-EF41B835E69F}">
+<ds:datastoreItem xmlns:ds="http://schemas.openxmlformats.org/officeDocument/2006/customXml" ds:itemID="{137651BA-F45C-4845-9AB3-E0A65B39F5E1}">
   <ds:schemaRefs>
-    <ds:schemaRef ds:uri="http://schemas.microsoft.com/sharepoint/v3/contenttype/forms"/>
+    <ds:schemaRef ds:uri="http://schemas.microsoft.com/office/2006/metadata/properties"/>
+    <ds:schemaRef ds:uri="http://schemas.microsoft.com/office/infopath/2007/PartnerControls"/>
+    <ds:schemaRef ds:uri="71af3243-3dd4-4a8d-8c0d-dd76da1f02a5"/>
   </ds:schemaRefs>
 </ds:datastoreItem>
 </file>
@@ -29774,11 +30092,9 @@
 </file>
 
 <file path=customXml/itemProps3.xml><?xml version="1.0" encoding="utf-8"?>
-<ds:datastoreItem xmlns:ds="http://schemas.openxmlformats.org/officeDocument/2006/customXml" ds:itemID="{137651BA-F45C-4845-9AB3-E0A65B39F5E1}">
+<ds:datastoreItem xmlns:ds="http://schemas.openxmlformats.org/officeDocument/2006/customXml" ds:itemID="{CDB58277-F8DF-46FF-84EC-EF41B835E69F}">
   <ds:schemaRefs>
-    <ds:schemaRef ds:uri="http://schemas.microsoft.com/office/2006/metadata/properties"/>
-    <ds:schemaRef ds:uri="http://schemas.microsoft.com/office/infopath/2007/PartnerControls"/>
-    <ds:schemaRef ds:uri="71af3243-3dd4-4a8d-8c0d-dd76da1f02a5"/>
+    <ds:schemaRef ds:uri="http://schemas.microsoft.com/sharepoint/v3/contenttype/forms"/>
   </ds:schemaRefs>
 </ds:datastoreItem>
 </file>
--- a/Restart Computer.pptx
+++ b/Restart Computer.pptx
@@ -11,31 +11,33 @@
     <p:sldId id="280" r:id="rId8"/>
     <p:sldId id="263" r:id="rId9"/>
     <p:sldId id="264" r:id="rId10"/>
-    <p:sldId id="270" r:id="rId11"/>
-    <p:sldId id="283" r:id="rId12"/>
-    <p:sldId id="282" r:id="rId13"/>
-    <p:sldId id="284" r:id="rId14"/>
-    <p:sldId id="285" r:id="rId15"/>
-    <p:sldId id="286" r:id="rId16"/>
-    <p:sldId id="287" r:id="rId17"/>
-    <p:sldId id="288" r:id="rId18"/>
-    <p:sldId id="289" r:id="rId19"/>
-    <p:sldId id="290" r:id="rId20"/>
-    <p:sldId id="291" r:id="rId21"/>
-    <p:sldId id="292" r:id="rId22"/>
-    <p:sldId id="293" r:id="rId23"/>
-    <p:sldId id="273" r:id="rId24"/>
-    <p:sldId id="274" r:id="rId25"/>
-    <p:sldId id="275" r:id="rId26"/>
-    <p:sldId id="276" r:id="rId27"/>
-    <p:sldId id="277" r:id="rId28"/>
-    <p:sldId id="278" r:id="rId29"/>
-    <p:sldId id="265" r:id="rId30"/>
-    <p:sldId id="266" r:id="rId31"/>
-    <p:sldId id="267" r:id="rId32"/>
-    <p:sldId id="268" r:id="rId33"/>
-    <p:sldId id="269" r:id="rId34"/>
-    <p:sldId id="279" r:id="rId35"/>
+    <p:sldId id="283" r:id="rId11"/>
+    <p:sldId id="270" r:id="rId12"/>
+    <p:sldId id="294" r:id="rId13"/>
+    <p:sldId id="295" r:id="rId14"/>
+    <p:sldId id="282" r:id="rId15"/>
+    <p:sldId id="284" r:id="rId16"/>
+    <p:sldId id="285" r:id="rId17"/>
+    <p:sldId id="286" r:id="rId18"/>
+    <p:sldId id="287" r:id="rId19"/>
+    <p:sldId id="288" r:id="rId20"/>
+    <p:sldId id="289" r:id="rId21"/>
+    <p:sldId id="290" r:id="rId22"/>
+    <p:sldId id="291" r:id="rId23"/>
+    <p:sldId id="292" r:id="rId24"/>
+    <p:sldId id="293" r:id="rId25"/>
+    <p:sldId id="273" r:id="rId26"/>
+    <p:sldId id="274" r:id="rId27"/>
+    <p:sldId id="275" r:id="rId28"/>
+    <p:sldId id="276" r:id="rId29"/>
+    <p:sldId id="277" r:id="rId30"/>
+    <p:sldId id="278" r:id="rId31"/>
+    <p:sldId id="265" r:id="rId32"/>
+    <p:sldId id="266" r:id="rId33"/>
+    <p:sldId id="267" r:id="rId34"/>
+    <p:sldId id="268" r:id="rId35"/>
+    <p:sldId id="269" r:id="rId36"/>
+    <p:sldId id="279" r:id="rId37"/>
   </p:sldIdLst>
   <p:sldSz cx="12192000" cy="6858000"/>
   <p:notesSz cx="6858000" cy="9144000"/>
@@ -1436,6 +1438,13 @@
           </a:stretch>
         </a:blipFill>
       </dgm:spPr>
+      <dgm:t>
+        <a:bodyPr/>
+        <a:lstStyle/>
+        <a:p>
+          <a:endParaRPr lang="en-US"/>
+        </a:p>
+      </dgm:t>
     </dgm:pt>
     <dgm:pt modelId="{677A3090-5F01-43FD-9FA6-C0420AD80FD6}" type="pres">
       <dgm:prSet presAssocID="{40FC4FFE-8987-4A26-B7F4-8A516F18ADAE}" presName="spaceRect" presStyleCnt="0"/>
@@ -1497,7 +1506,7 @@
                 <a14:useLocalDpi xmlns:a14="http://schemas.microsoft.com/office/drawing/2010/main" val="0"/>
               </a:ext>
               <a:ext uri="{96DAC541-7B7A-43D3-8B79-37D633B846F1}">
-                <asvg:svgBlip xmlns="" xmlns:asvg="http://schemas.microsoft.com/office/drawing/2016/SVG/main" r:embed="rId3"/>
+                <asvg:svgBlip xmlns:asvg="http://schemas.microsoft.com/office/drawing/2016/SVG/main" xmlns="" r:embed="rId3"/>
               </a:ext>
             </a:extLst>
           </a:blip>
@@ -1507,6 +1516,13 @@
           </a:stretch>
         </a:blipFill>
       </dgm:spPr>
+      <dgm:t>
+        <a:bodyPr/>
+        <a:lstStyle/>
+        <a:p>
+          <a:endParaRPr lang="en-US"/>
+        </a:p>
+      </dgm:t>
       <dgm:extLst>
         <a:ext uri="{E40237B7-FDA0-4F09-8148-C483321AD2D9}">
           <dgm14:cNvPr xmlns:dgm14="http://schemas.microsoft.com/office/drawing/2010/diagram" id="0" name="" descr="USB"/>
@@ -1575,6 +1591,13 @@
           </a:stretch>
         </a:blipFill>
       </dgm:spPr>
+      <dgm:t>
+        <a:bodyPr/>
+        <a:lstStyle/>
+        <a:p>
+          <a:endParaRPr lang="en-US"/>
+        </a:p>
+      </dgm:t>
     </dgm:pt>
     <dgm:pt modelId="{493B43B2-705C-4AE5-8A77-D8DEEDA1B5CF}" type="pres">
       <dgm:prSet presAssocID="{1C383F32-22E8-4F62-A3E0-BDC3D5F48992}" presName="spaceRect" presStyleCnt="0"/>
@@ -1643,6 +1666,13 @@
           </a:stretch>
         </a:blipFill>
       </dgm:spPr>
+      <dgm:t>
+        <a:bodyPr/>
+        <a:lstStyle/>
+        <a:p>
+          <a:endParaRPr lang="en-US"/>
+        </a:p>
+      </dgm:t>
     </dgm:pt>
     <dgm:pt modelId="{268BD57C-710B-4AA1-8463-E602B50183E8}" type="pres">
       <dgm:prSet presAssocID="{7477C9BD-A8BD-4163-95E8-6CA7EE1AD2EF}" presName="spaceRect" presStyleCnt="0"/>
@@ -2052,7 +2082,7 @@
                 <a14:useLocalDpi xmlns:a14="http://schemas.microsoft.com/office/drawing/2010/main" val="0"/>
               </a:ext>
               <a:ext uri="{96DAC541-7B7A-43D3-8B79-37D633B846F1}">
-                <asvg:svgBlip xmlns="" xmlns:asvg="http://schemas.microsoft.com/office/drawing/2016/SVG/main" r:embed="rId3"/>
+                <asvg:svgBlip xmlns:asvg="http://schemas.microsoft.com/office/drawing/2016/SVG/main" xmlns="" r:embed="rId3"/>
               </a:ext>
             </a:extLst>
           </a:blip>
@@ -2800,7 +2830,7 @@
   </dgm:layoutNode>
   <dgm:extLst>
     <a:ext uri="{68A01E43-0DF5-4B5B-8FA6-DAF915123BFB}">
-      <dgm1612:lstStyle xmlns="" xmlns:dgm1612="http://schemas.microsoft.com/office/drawing/2016/12/diagram">
+      <dgm1612:lstStyle xmlns:dgm1612="http://schemas.microsoft.com/office/drawing/2016/12/diagram" xmlns="">
         <a:lvl1pPr>
           <a:lnSpc>
             <a:spcPct val="100000"/>
@@ -7799,7 +7829,7 @@
                 <a16:creationId xmlns:a16="http://schemas.microsoft.com/office/drawing/2014/main" id="{2644B391-9BFE-445C-A9EC-F544BB85FBC7}"/>
               </a:ext>
               <a:ext uri="{C183D7F6-B498-43B3-948B-1728B52AA6E4}">
-                <adec:decorative xmlns="" xmlns:adec="http://schemas.microsoft.com/office/drawing/2017/decorative" val="1"/>
+                <adec:decorative xmlns:adec="http://schemas.microsoft.com/office/drawing/2017/decorative" xmlns="" val="1"/>
               </a:ext>
             </a:extLst>
           </p:cNvPr>
@@ -7844,7 +7874,7 @@
                 <a16:creationId xmlns:a16="http://schemas.microsoft.com/office/drawing/2014/main" id="{80F26E69-87D9-4655-AE7B-280A87AA3CAD}"/>
               </a:ext>
               <a:ext uri="{C183D7F6-B498-43B3-948B-1728B52AA6E4}">
-                <adec:decorative xmlns="" xmlns:adec="http://schemas.microsoft.com/office/drawing/2017/decorative" val="1"/>
+                <adec:decorative xmlns:adec="http://schemas.microsoft.com/office/drawing/2017/decorative" xmlns="" val="1"/>
               </a:ext>
             </a:extLst>
           </p:cNvPr>
@@ -7977,6 +8007,1191 @@
 </file>
 
 <file path=ppt/slides/slide10.xml><?xml version="1.0" encoding="utf-8"?>
+<p:sld xmlns:a="http://schemas.openxmlformats.org/drawingml/2006/main" xmlns:r="http://schemas.openxmlformats.org/officeDocument/2006/relationships" xmlns:p="http://schemas.openxmlformats.org/presentationml/2006/main">
+  <p:cSld>
+    <p:spTree>
+      <p:nvGrpSpPr>
+        <p:cNvPr id="1" name=""/>
+        <p:cNvGrpSpPr/>
+        <p:nvPr/>
+      </p:nvGrpSpPr>
+      <p:grpSpPr>
+        <a:xfrm>
+          <a:off x="0" y="0"/>
+          <a:ext cx="0" cy="0"/>
+          <a:chOff x="0" y="0"/>
+          <a:chExt cx="0" cy="0"/>
+        </a:xfrm>
+      </p:grpSpPr>
+      <p:sp>
+        <p:nvSpPr>
+          <p:cNvPr id="2" name="Title 1">
+            <a:extLst>
+              <a:ext uri="{FF2B5EF4-FFF2-40B4-BE49-F238E27FC236}">
+                <a16:creationId xmlns:a16="http://schemas.microsoft.com/office/drawing/2014/main" id="{2C4C0330-65A7-4C44-BDB7-0885CC314B41}"/>
+              </a:ext>
+            </a:extLst>
+          </p:cNvPr>
+          <p:cNvSpPr>
+            <a:spLocks noGrp="1"/>
+          </p:cNvSpPr>
+          <p:nvPr>
+            <p:ph type="title"/>
+          </p:nvPr>
+        </p:nvSpPr>
+        <p:spPr/>
+        <p:txBody>
+          <a:bodyPr/>
+          <a:lstStyle/>
+          <a:p>
+            <a:r>
+              <a:rPr lang="en-US" sz="4000" kern="1200" cap="all" err="1">
+                <a:solidFill>
+                  <a:prstClr val="black">
+                    <a:hueOff val="0"/>
+                    <a:satOff val="0"/>
+                    <a:lumOff val="0"/>
+                    <a:alphaOff val="0"/>
+                  </a:prstClr>
+                </a:solidFill>
+                <a:latin typeface="Times New Roman" panose="02020603050405020304" pitchFamily="18" charset="0"/>
+                <a:ea typeface="+mn-ea"/>
+                <a:cs typeface="Times New Roman" panose="02020603050405020304" pitchFamily="18" charset="0"/>
+              </a:rPr>
+              <a:t>Chức</a:t>
+            </a:r>
+            <a:r>
+              <a:rPr lang="en-US" sz="4000" kern="1200" cap="all">
+                <a:solidFill>
+                  <a:prstClr val="black">
+                    <a:hueOff val="0"/>
+                    <a:satOff val="0"/>
+                    <a:lumOff val="0"/>
+                    <a:alphaOff val="0"/>
+                  </a:prstClr>
+                </a:solidFill>
+                <a:latin typeface="Times New Roman" panose="02020603050405020304" pitchFamily="18" charset="0"/>
+                <a:ea typeface="+mn-ea"/>
+                <a:cs typeface="Times New Roman" panose="02020603050405020304" pitchFamily="18" charset="0"/>
+              </a:rPr>
+              <a:t> </a:t>
+            </a:r>
+            <a:r>
+              <a:rPr lang="en-US" sz="4000" kern="1200" cap="all" err="1">
+                <a:solidFill>
+                  <a:prstClr val="black">
+                    <a:hueOff val="0"/>
+                    <a:satOff val="0"/>
+                    <a:lumOff val="0"/>
+                    <a:alphaOff val="0"/>
+                  </a:prstClr>
+                </a:solidFill>
+                <a:latin typeface="Times New Roman" panose="02020603050405020304" pitchFamily="18" charset="0"/>
+                <a:ea typeface="+mn-ea"/>
+                <a:cs typeface="Times New Roman" panose="02020603050405020304" pitchFamily="18" charset="0"/>
+              </a:rPr>
+              <a:t>Năng</a:t>
+            </a:r>
+            <a:r>
+              <a:rPr lang="en-US" sz="4000" kern="1200" cap="all">
+                <a:solidFill>
+                  <a:prstClr val="black">
+                    <a:hueOff val="0"/>
+                    <a:satOff val="0"/>
+                    <a:lumOff val="0"/>
+                    <a:alphaOff val="0"/>
+                  </a:prstClr>
+                </a:solidFill>
+                <a:latin typeface="Times New Roman" panose="02020603050405020304" pitchFamily="18" charset="0"/>
+                <a:ea typeface="+mn-ea"/>
+                <a:cs typeface="Times New Roman" panose="02020603050405020304" pitchFamily="18" charset="0"/>
+              </a:rPr>
+              <a:t> chính (web-</a:t>
+            </a:r>
+            <a:r>
+              <a:rPr lang="en-US" sz="4000">
+                <a:latin typeface="Times New Roman" panose="02020603050405020304" pitchFamily="18" charset="0"/>
+                <a:cs typeface="Times New Roman" panose="02020603050405020304" pitchFamily="18" charset="0"/>
+              </a:rPr>
+              <a:t> QUEUE</a:t>
+            </a:r>
+            <a:r>
+              <a:rPr lang="en-US" sz="4000" kern="1200" cap="all">
+                <a:solidFill>
+                  <a:prstClr val="black">
+                    <a:hueOff val="0"/>
+                    <a:satOff val="0"/>
+                    <a:lumOff val="0"/>
+                    <a:alphaOff val="0"/>
+                  </a:prstClr>
+                </a:solidFill>
+                <a:latin typeface="Times New Roman" panose="02020603050405020304" pitchFamily="18" charset="0"/>
+                <a:ea typeface="+mn-ea"/>
+                <a:cs typeface="Times New Roman" panose="02020603050405020304" pitchFamily="18" charset="0"/>
+              </a:rPr>
+              <a:t>)</a:t>
+            </a:r>
+            <a:endParaRPr lang="en-US"/>
+          </a:p>
+        </p:txBody>
+      </p:sp>
+      <p:sp>
+        <p:nvSpPr>
+          <p:cNvPr id="3" name="Content Placeholder 2">
+            <a:extLst>
+              <a:ext uri="{FF2B5EF4-FFF2-40B4-BE49-F238E27FC236}">
+                <a16:creationId xmlns:a16="http://schemas.microsoft.com/office/drawing/2014/main" id="{6BD33AFF-0007-470D-A40C-FD28176A68C2}"/>
+              </a:ext>
+            </a:extLst>
+          </p:cNvPr>
+          <p:cNvSpPr>
+            <a:spLocks noGrp="1"/>
+          </p:cNvSpPr>
+          <p:nvPr>
+            <p:ph idx="1"/>
+          </p:nvPr>
+        </p:nvSpPr>
+        <p:spPr>
+          <a:xfrm>
+            <a:off x="1066800" y="1667022"/>
+            <a:ext cx="10058400" cy="4804116"/>
+          </a:xfrm>
+        </p:spPr>
+        <p:txBody>
+          <a:bodyPr>
+            <a:normAutofit/>
+          </a:bodyPr>
+          <a:lstStyle/>
+          <a:p>
+            <a:r>
+              <a:rPr lang="en-US" sz="1800" b="1" dirty="0">
+                <a:latin typeface="Times New Roman" panose="02020603050405020304" pitchFamily="18" charset="0"/>
+                <a:cs typeface="Times New Roman" panose="02020603050405020304" pitchFamily="18" charset="0"/>
+              </a:rPr>
+              <a:t>Queue Page</a:t>
+            </a:r>
+            <a:r>
+              <a:rPr lang="en-US" sz="1800" b="1" dirty="0" smtClean="0">
+                <a:latin typeface="Times New Roman" panose="02020603050405020304" pitchFamily="18" charset="0"/>
+                <a:cs typeface="Times New Roman" panose="02020603050405020304" pitchFamily="18" charset="0"/>
+              </a:rPr>
+              <a:t>: </a:t>
+            </a:r>
+            <a:r>
+              <a:rPr lang="en-US" sz="1600" dirty="0" err="1" smtClean="0">
+                <a:latin typeface="Times New Roman" panose="02020603050405020304" pitchFamily="18" charset="0"/>
+                <a:cs typeface="Times New Roman" panose="02020603050405020304" pitchFamily="18" charset="0"/>
+              </a:rPr>
+              <a:t>Thoát</a:t>
+            </a:r>
+            <a:r>
+              <a:rPr lang="en-US" sz="1600" dirty="0" smtClean="0">
+                <a:latin typeface="Times New Roman" panose="02020603050405020304" pitchFamily="18" charset="0"/>
+                <a:cs typeface="Times New Roman" panose="02020603050405020304" pitchFamily="18" charset="0"/>
+              </a:rPr>
+              <a:t> </a:t>
+            </a:r>
+            <a:r>
+              <a:rPr lang="en-US" sz="1600" dirty="0" err="1" smtClean="0">
+                <a:latin typeface="Times New Roman" panose="02020603050405020304" pitchFamily="18" charset="0"/>
+                <a:cs typeface="Times New Roman" panose="02020603050405020304" pitchFamily="18" charset="0"/>
+              </a:rPr>
+              <a:t>khỏi</a:t>
+            </a:r>
+            <a:r>
+              <a:rPr lang="en-US" sz="1600" dirty="0" smtClean="0">
+                <a:latin typeface="Times New Roman" panose="02020603050405020304" pitchFamily="18" charset="0"/>
+                <a:cs typeface="Times New Roman" panose="02020603050405020304" pitchFamily="18" charset="0"/>
+              </a:rPr>
+              <a:t> </a:t>
+            </a:r>
+            <a:r>
+              <a:rPr lang="en-US" sz="1600" dirty="0" err="1" smtClean="0">
+                <a:latin typeface="Times New Roman" panose="02020603050405020304" pitchFamily="18" charset="0"/>
+                <a:cs typeface="Times New Roman" panose="02020603050405020304" pitchFamily="18" charset="0"/>
+              </a:rPr>
+              <a:t>danh</a:t>
+            </a:r>
+            <a:r>
+              <a:rPr lang="en-US" sz="1600" dirty="0" smtClean="0">
+                <a:latin typeface="Times New Roman" panose="02020603050405020304" pitchFamily="18" charset="0"/>
+                <a:cs typeface="Times New Roman" panose="02020603050405020304" pitchFamily="18" charset="0"/>
+              </a:rPr>
+              <a:t> </a:t>
+            </a:r>
+            <a:r>
+              <a:rPr lang="en-US" sz="1600" dirty="0" err="1" smtClean="0">
+                <a:latin typeface="Times New Roman" panose="02020603050405020304" pitchFamily="18" charset="0"/>
+                <a:cs typeface="Times New Roman" panose="02020603050405020304" pitchFamily="18" charset="0"/>
+              </a:rPr>
+              <a:t>sách</a:t>
+            </a:r>
+            <a:r>
+              <a:rPr lang="en-US" sz="1600" dirty="0" smtClean="0">
+                <a:latin typeface="Times New Roman" panose="02020603050405020304" pitchFamily="18" charset="0"/>
+                <a:cs typeface="Times New Roman" panose="02020603050405020304" pitchFamily="18" charset="0"/>
+              </a:rPr>
+              <a:t> </a:t>
+            </a:r>
+            <a:r>
+              <a:rPr lang="en-US" sz="1600" dirty="0" err="1" smtClean="0">
+                <a:latin typeface="Times New Roman" panose="02020603050405020304" pitchFamily="18" charset="0"/>
+                <a:cs typeface="Times New Roman" panose="02020603050405020304" pitchFamily="18" charset="0"/>
+              </a:rPr>
+              <a:t>đợi</a:t>
+            </a:r>
+            <a:endParaRPr lang="en-US" sz="1600" dirty="0" smtClean="0">
+              <a:latin typeface="Times New Roman" panose="02020603050405020304" pitchFamily="18" charset="0"/>
+              <a:cs typeface="Times New Roman" panose="02020603050405020304" pitchFamily="18" charset="0"/>
+            </a:endParaRPr>
+          </a:p>
+          <a:p>
+            <a:pPr marL="0" indent="0">
+              <a:buNone/>
+            </a:pPr>
+            <a:endParaRPr lang="en-US" sz="1600" b="1" dirty="0">
+              <a:latin typeface="Times New Roman" panose="02020603050405020304" pitchFamily="18" charset="0"/>
+              <a:cs typeface="Times New Roman" panose="02020603050405020304" pitchFamily="18" charset="0"/>
+            </a:endParaRPr>
+          </a:p>
+        </p:txBody>
+      </p:sp>
+      <p:pic>
+        <p:nvPicPr>
+          <p:cNvPr id="4" name="Picture 3"/>
+          <p:cNvPicPr>
+            <a:picLocks noChangeAspect="1"/>
+          </p:cNvPicPr>
+          <p:nvPr/>
+        </p:nvPicPr>
+        <p:blipFill>
+          <a:blip r:embed="rId2"/>
+          <a:stretch>
+            <a:fillRect/>
+          </a:stretch>
+        </p:blipFill>
+        <p:spPr>
+          <a:xfrm>
+            <a:off x="1560715" y="2162666"/>
+            <a:ext cx="7805714" cy="4160000"/>
+          </a:xfrm>
+          <a:prstGeom prst="rect">
+            <a:avLst/>
+          </a:prstGeom>
+        </p:spPr>
+      </p:pic>
+      <p:sp>
+        <p:nvSpPr>
+          <p:cNvPr id="5" name="Rectangle 4"/>
+          <p:cNvSpPr/>
+          <p:nvPr/>
+        </p:nvSpPr>
+        <p:spPr>
+          <a:xfrm>
+            <a:off x="8677575" y="3038622"/>
+            <a:ext cx="564899" cy="394655"/>
+          </a:xfrm>
+          <a:prstGeom prst="rect">
+            <a:avLst/>
+          </a:prstGeom>
+          <a:noFill/>
+          <a:ln w="28575">
+            <a:solidFill>
+              <a:srgbClr val="C00000"/>
+            </a:solidFill>
+          </a:ln>
+        </p:spPr>
+        <p:style>
+          <a:lnRef idx="2">
+            <a:schemeClr val="accent1">
+              <a:shade val="50000"/>
+            </a:schemeClr>
+          </a:lnRef>
+          <a:fillRef idx="1">
+            <a:schemeClr val="accent1"/>
+          </a:fillRef>
+          <a:effectRef idx="0">
+            <a:schemeClr val="accent1"/>
+          </a:effectRef>
+          <a:fontRef idx="minor">
+            <a:schemeClr val="lt1"/>
+          </a:fontRef>
+        </p:style>
+        <p:txBody>
+          <a:bodyPr rtlCol="0" anchor="ctr"/>
+          <a:lstStyle/>
+          <a:p>
+            <a:pPr algn="ctr"/>
+            <a:endParaRPr lang="en-US"/>
+          </a:p>
+        </p:txBody>
+      </p:sp>
+      <p:sp>
+        <p:nvSpPr>
+          <p:cNvPr id="8" name="Rectangular Callout 7"/>
+          <p:cNvSpPr/>
+          <p:nvPr/>
+        </p:nvSpPr>
+        <p:spPr>
+          <a:xfrm>
+            <a:off x="5631146" y="3038622"/>
+            <a:ext cx="2799472" cy="633046"/>
+          </a:xfrm>
+          <a:prstGeom prst="wedgeRectCallout">
+            <a:avLst>
+              <a:gd name="adj1" fmla="val 59515"/>
+              <a:gd name="adj2" fmla="val -6944"/>
+            </a:avLst>
+          </a:prstGeom>
+        </p:spPr>
+        <p:style>
+          <a:lnRef idx="2">
+            <a:schemeClr val="accent1">
+              <a:shade val="50000"/>
+            </a:schemeClr>
+          </a:lnRef>
+          <a:fillRef idx="1">
+            <a:schemeClr val="accent1"/>
+          </a:fillRef>
+          <a:effectRef idx="0">
+            <a:schemeClr val="accent1"/>
+          </a:effectRef>
+          <a:fontRef idx="minor">
+            <a:schemeClr val="lt1"/>
+          </a:fontRef>
+        </p:style>
+        <p:txBody>
+          <a:bodyPr rtlCol="0" anchor="ctr"/>
+          <a:lstStyle/>
+          <a:p>
+            <a:r>
+              <a:rPr lang="en-US" sz="1100" dirty="0" err="1" smtClean="0"/>
+              <a:t>Khi</a:t>
+            </a:r>
+            <a:r>
+              <a:rPr lang="en-US" sz="1100" dirty="0" smtClean="0"/>
+              <a:t>  user </a:t>
+            </a:r>
+            <a:r>
+              <a:rPr lang="en-US" sz="1100" dirty="0" err="1" smtClean="0"/>
+              <a:t>thoát</a:t>
+            </a:r>
+            <a:r>
+              <a:rPr lang="en-US" sz="1100" dirty="0" smtClean="0"/>
+              <a:t> </a:t>
+            </a:r>
+            <a:r>
+              <a:rPr lang="en-US" sz="1100" dirty="0" err="1" smtClean="0"/>
+              <a:t>khỏi</a:t>
+            </a:r>
+            <a:r>
+              <a:rPr lang="en-US" sz="1100" dirty="0" smtClean="0"/>
+              <a:t> </a:t>
+            </a:r>
+            <a:r>
+              <a:rPr lang="en-US" sz="1100" dirty="0" err="1" smtClean="0"/>
+              <a:t>danh</a:t>
+            </a:r>
+            <a:r>
+              <a:rPr lang="en-US" sz="1100" dirty="0" smtClean="0"/>
+              <a:t> </a:t>
+            </a:r>
+            <a:r>
+              <a:rPr lang="en-US" sz="1100" dirty="0" err="1" smtClean="0"/>
+              <a:t>sách</a:t>
+            </a:r>
+            <a:r>
+              <a:rPr lang="en-US" sz="1100" dirty="0" smtClean="0"/>
+              <a:t> </a:t>
+            </a:r>
+            <a:r>
+              <a:rPr lang="en-US" sz="1100" dirty="0" err="1" smtClean="0"/>
+              <a:t>đợi</a:t>
+            </a:r>
+            <a:r>
+              <a:rPr lang="en-US" sz="1100" dirty="0" smtClean="0"/>
+              <a:t>, </a:t>
+            </a:r>
+            <a:r>
+              <a:rPr lang="en-US" sz="1100" dirty="0" err="1" smtClean="0"/>
+              <a:t>thì</a:t>
+            </a:r>
+            <a:r>
+              <a:rPr lang="en-US" sz="1100" dirty="0" smtClean="0"/>
+              <a:t> </a:t>
+            </a:r>
+            <a:r>
+              <a:rPr lang="en-US" sz="1100" dirty="0"/>
+              <a:t> </a:t>
+            </a:r>
+            <a:r>
+              <a:rPr lang="en-US" sz="1100" dirty="0" smtClean="0"/>
+              <a:t>user </a:t>
+            </a:r>
+            <a:r>
+              <a:rPr lang="en-US" sz="1100" dirty="0" err="1" smtClean="0"/>
+              <a:t>đó</a:t>
+            </a:r>
+            <a:r>
+              <a:rPr lang="en-US" sz="1100" dirty="0" smtClean="0"/>
+              <a:t> </a:t>
+            </a:r>
+            <a:r>
+              <a:rPr lang="en-US" sz="1100" dirty="0" err="1" smtClean="0"/>
+              <a:t>sẽ</a:t>
+            </a:r>
+            <a:r>
+              <a:rPr lang="en-US" sz="1100" dirty="0" smtClean="0"/>
+              <a:t> </a:t>
+            </a:r>
+            <a:r>
+              <a:rPr lang="en-US" sz="1100" dirty="0" err="1" smtClean="0"/>
+              <a:t>bị</a:t>
+            </a:r>
+            <a:r>
+              <a:rPr lang="en-US" sz="1100" dirty="0" smtClean="0"/>
+              <a:t> </a:t>
+            </a:r>
+            <a:r>
+              <a:rPr lang="en-US" sz="1100" dirty="0" err="1" smtClean="0"/>
+              <a:t>xóa</a:t>
+            </a:r>
+            <a:r>
+              <a:rPr lang="en-US" sz="1100" dirty="0" smtClean="0"/>
+              <a:t> </a:t>
+            </a:r>
+            <a:r>
+              <a:rPr lang="en-US" sz="1100" dirty="0" err="1" smtClean="0"/>
+              <a:t>khỏi</a:t>
+            </a:r>
+            <a:r>
+              <a:rPr lang="en-US" sz="1100" dirty="0" smtClean="0"/>
+              <a:t> </a:t>
+            </a:r>
+            <a:r>
+              <a:rPr lang="en-US" sz="1100" dirty="0" err="1" smtClean="0"/>
+              <a:t>danh</a:t>
+            </a:r>
+            <a:r>
+              <a:rPr lang="en-US" sz="1100" dirty="0" smtClean="0"/>
+              <a:t> </a:t>
+            </a:r>
+            <a:r>
+              <a:rPr lang="en-US" sz="1100" dirty="0" err="1" smtClean="0"/>
+              <a:t>sách</a:t>
+            </a:r>
+            <a:r>
+              <a:rPr lang="en-US" sz="1100" dirty="0" smtClean="0"/>
+              <a:t> </a:t>
+            </a:r>
+            <a:r>
+              <a:rPr lang="en-US" sz="1100" dirty="0" err="1" smtClean="0"/>
+              <a:t>đợi</a:t>
+            </a:r>
+            <a:endParaRPr lang="en-US" sz="1100" dirty="0"/>
+          </a:p>
+        </p:txBody>
+      </p:sp>
+    </p:spTree>
+    <p:extLst>
+      <p:ext uri="{BB962C8B-B14F-4D97-AF65-F5344CB8AC3E}">
+        <p14:creationId xmlns:p14="http://schemas.microsoft.com/office/powerpoint/2010/main" val="1244910308"/>
+      </p:ext>
+    </p:extLst>
+  </p:cSld>
+  <p:clrMapOvr>
+    <a:masterClrMapping/>
+  </p:clrMapOvr>
+  <p:timing>
+    <p:tnLst>
+      <p:par>
+        <p:cTn id="1" dur="indefinite" restart="never" nodeType="tmRoot"/>
+      </p:par>
+    </p:tnLst>
+  </p:timing>
+</p:sld>
+</file>
+
+<file path=ppt/slides/slide11.xml><?xml version="1.0" encoding="utf-8"?>
+<p:sld xmlns:a="http://schemas.openxmlformats.org/drawingml/2006/main" xmlns:r="http://schemas.openxmlformats.org/officeDocument/2006/relationships" xmlns:p="http://schemas.openxmlformats.org/presentationml/2006/main">
+  <p:cSld>
+    <p:spTree>
+      <p:nvGrpSpPr>
+        <p:cNvPr id="1" name=""/>
+        <p:cNvGrpSpPr/>
+        <p:nvPr/>
+      </p:nvGrpSpPr>
+      <p:grpSpPr>
+        <a:xfrm>
+          <a:off x="0" y="0"/>
+          <a:ext cx="0" cy="0"/>
+          <a:chOff x="0" y="0"/>
+          <a:chExt cx="0" cy="0"/>
+        </a:xfrm>
+      </p:grpSpPr>
+      <p:sp>
+        <p:nvSpPr>
+          <p:cNvPr id="2" name="Title 1">
+            <a:extLst>
+              <a:ext uri="{FF2B5EF4-FFF2-40B4-BE49-F238E27FC236}">
+                <a16:creationId xmlns:a16="http://schemas.microsoft.com/office/drawing/2014/main" id="{2C4C0330-65A7-4C44-BDB7-0885CC314B41}"/>
+              </a:ext>
+            </a:extLst>
+          </p:cNvPr>
+          <p:cNvSpPr>
+            <a:spLocks noGrp="1"/>
+          </p:cNvSpPr>
+          <p:nvPr>
+            <p:ph type="title"/>
+          </p:nvPr>
+        </p:nvSpPr>
+        <p:spPr>
+          <a:xfrm>
+            <a:off x="1058333" y="367454"/>
+            <a:ext cx="10058400" cy="1371600"/>
+          </a:xfrm>
+        </p:spPr>
+        <p:txBody>
+          <a:bodyPr/>
+          <a:lstStyle/>
+          <a:p>
+            <a:r>
+              <a:rPr lang="en-US" sz="4000" kern="1200" cap="all" dirty="0" err="1">
+                <a:solidFill>
+                  <a:prstClr val="black">
+                    <a:hueOff val="0"/>
+                    <a:satOff val="0"/>
+                    <a:lumOff val="0"/>
+                    <a:alphaOff val="0"/>
+                  </a:prstClr>
+                </a:solidFill>
+                <a:latin typeface="Times New Roman" panose="02020603050405020304" pitchFamily="18" charset="0"/>
+                <a:ea typeface="+mn-ea"/>
+                <a:cs typeface="Times New Roman" panose="02020603050405020304" pitchFamily="18" charset="0"/>
+              </a:rPr>
+              <a:t>Chức</a:t>
+            </a:r>
+            <a:r>
+              <a:rPr lang="en-US" sz="4000" kern="1200" cap="all" dirty="0">
+                <a:solidFill>
+                  <a:prstClr val="black">
+                    <a:hueOff val="0"/>
+                    <a:satOff val="0"/>
+                    <a:lumOff val="0"/>
+                    <a:alphaOff val="0"/>
+                  </a:prstClr>
+                </a:solidFill>
+                <a:latin typeface="Times New Roman" panose="02020603050405020304" pitchFamily="18" charset="0"/>
+                <a:ea typeface="+mn-ea"/>
+                <a:cs typeface="Times New Roman" panose="02020603050405020304" pitchFamily="18" charset="0"/>
+              </a:rPr>
+              <a:t> </a:t>
+            </a:r>
+            <a:r>
+              <a:rPr lang="en-US" sz="4000" kern="1200" cap="all" dirty="0" err="1">
+                <a:solidFill>
+                  <a:prstClr val="black">
+                    <a:hueOff val="0"/>
+                    <a:satOff val="0"/>
+                    <a:lumOff val="0"/>
+                    <a:alphaOff val="0"/>
+                  </a:prstClr>
+                </a:solidFill>
+                <a:latin typeface="Times New Roman" panose="02020603050405020304" pitchFamily="18" charset="0"/>
+                <a:ea typeface="+mn-ea"/>
+                <a:cs typeface="Times New Roman" panose="02020603050405020304" pitchFamily="18" charset="0"/>
+              </a:rPr>
+              <a:t>Năng</a:t>
+            </a:r>
+            <a:r>
+              <a:rPr lang="en-US" sz="4000" kern="1200" cap="all" dirty="0">
+                <a:solidFill>
+                  <a:prstClr val="black">
+                    <a:hueOff val="0"/>
+                    <a:satOff val="0"/>
+                    <a:lumOff val="0"/>
+                    <a:alphaOff val="0"/>
+                  </a:prstClr>
+                </a:solidFill>
+                <a:latin typeface="Times New Roman" panose="02020603050405020304" pitchFamily="18" charset="0"/>
+                <a:ea typeface="+mn-ea"/>
+                <a:cs typeface="Times New Roman" panose="02020603050405020304" pitchFamily="18" charset="0"/>
+              </a:rPr>
+              <a:t> </a:t>
+            </a:r>
+            <a:r>
+              <a:rPr lang="en-US" sz="4000" kern="1200" cap="all" dirty="0" err="1">
+                <a:solidFill>
+                  <a:prstClr val="black">
+                    <a:hueOff val="0"/>
+                    <a:satOff val="0"/>
+                    <a:lumOff val="0"/>
+                    <a:alphaOff val="0"/>
+                  </a:prstClr>
+                </a:solidFill>
+                <a:latin typeface="Times New Roman" panose="02020603050405020304" pitchFamily="18" charset="0"/>
+                <a:ea typeface="+mn-ea"/>
+                <a:cs typeface="Times New Roman" panose="02020603050405020304" pitchFamily="18" charset="0"/>
+              </a:rPr>
+              <a:t>chính</a:t>
+            </a:r>
+            <a:r>
+              <a:rPr lang="en-US" sz="4000" kern="1200" cap="all" dirty="0">
+                <a:solidFill>
+                  <a:prstClr val="black">
+                    <a:hueOff val="0"/>
+                    <a:satOff val="0"/>
+                    <a:lumOff val="0"/>
+                    <a:alphaOff val="0"/>
+                  </a:prstClr>
+                </a:solidFill>
+                <a:latin typeface="Times New Roman" panose="02020603050405020304" pitchFamily="18" charset="0"/>
+                <a:ea typeface="+mn-ea"/>
+                <a:cs typeface="Times New Roman" panose="02020603050405020304" pitchFamily="18" charset="0"/>
+              </a:rPr>
+              <a:t> (web-</a:t>
+            </a:r>
+            <a:r>
+              <a:rPr lang="en-US" sz="4000" dirty="0">
+                <a:latin typeface="Times New Roman" panose="02020603050405020304" pitchFamily="18" charset="0"/>
+                <a:cs typeface="Times New Roman" panose="02020603050405020304" pitchFamily="18" charset="0"/>
+              </a:rPr>
+              <a:t> CONTROL</a:t>
+            </a:r>
+            <a:r>
+              <a:rPr lang="en-US" sz="4000" kern="1200" cap="all" dirty="0">
+                <a:solidFill>
+                  <a:prstClr val="black">
+                    <a:hueOff val="0"/>
+                    <a:satOff val="0"/>
+                    <a:lumOff val="0"/>
+                    <a:alphaOff val="0"/>
+                  </a:prstClr>
+                </a:solidFill>
+                <a:latin typeface="Times New Roman" panose="02020603050405020304" pitchFamily="18" charset="0"/>
+                <a:ea typeface="+mn-ea"/>
+                <a:cs typeface="Times New Roman" panose="02020603050405020304" pitchFamily="18" charset="0"/>
+              </a:rPr>
+              <a:t>)</a:t>
+            </a:r>
+            <a:endParaRPr lang="en-US" dirty="0"/>
+          </a:p>
+        </p:txBody>
+      </p:sp>
+      <p:sp>
+        <p:nvSpPr>
+          <p:cNvPr id="3" name="Content Placeholder 2">
+            <a:extLst>
+              <a:ext uri="{FF2B5EF4-FFF2-40B4-BE49-F238E27FC236}">
+                <a16:creationId xmlns:a16="http://schemas.microsoft.com/office/drawing/2014/main" id="{6BD33AFF-0007-470D-A40C-FD28176A68C2}"/>
+              </a:ext>
+            </a:extLst>
+          </p:cNvPr>
+          <p:cNvSpPr>
+            <a:spLocks noGrp="1"/>
+          </p:cNvSpPr>
+          <p:nvPr>
+            <p:ph idx="1"/>
+          </p:nvPr>
+        </p:nvSpPr>
+        <p:spPr>
+          <a:xfrm>
+            <a:off x="910166" y="1535854"/>
+            <a:ext cx="10354733" cy="3849624"/>
+          </a:xfrm>
+        </p:spPr>
+        <p:txBody>
+          <a:bodyPr>
+            <a:normAutofit/>
+          </a:bodyPr>
+          <a:lstStyle/>
+          <a:p>
+            <a:r>
+              <a:rPr lang="en-US" sz="1800" dirty="0">
+                <a:latin typeface="Times New Roman" panose="02020603050405020304" pitchFamily="18" charset="0"/>
+                <a:cs typeface="Times New Roman" panose="02020603050405020304" pitchFamily="18" charset="0"/>
+              </a:rPr>
+              <a:t>Control</a:t>
+            </a:r>
+            <a:r>
+              <a:rPr lang="en-US" sz="1800" b="1" dirty="0">
+                <a:latin typeface="Times New Roman" panose="02020603050405020304" pitchFamily="18" charset="0"/>
+                <a:cs typeface="Times New Roman" panose="02020603050405020304" pitchFamily="18" charset="0"/>
+              </a:rPr>
+              <a:t> Page</a:t>
+            </a:r>
+            <a:r>
+              <a:rPr lang="en-US" sz="1800" b="1" dirty="0" smtClean="0">
+                <a:latin typeface="Times New Roman" panose="02020603050405020304" pitchFamily="18" charset="0"/>
+                <a:cs typeface="Times New Roman" panose="02020603050405020304" pitchFamily="18" charset="0"/>
+              </a:rPr>
+              <a:t>: </a:t>
+            </a:r>
+            <a:r>
+              <a:rPr lang="en-US" altLang="ja-JP" sz="1800" dirty="0">
+                <a:latin typeface="Times New Roman" panose="02020603050405020304" pitchFamily="18" charset="0"/>
+                <a:cs typeface="Times New Roman" panose="02020603050405020304" pitchFamily="18" charset="0"/>
+              </a:rPr>
+              <a:t>User </a:t>
+            </a:r>
+            <a:r>
+              <a:rPr lang="en-US" altLang="ja-JP" sz="1800" dirty="0" err="1">
+                <a:latin typeface="Times New Roman" panose="02020603050405020304" pitchFamily="18" charset="0"/>
+                <a:cs typeface="Times New Roman" panose="02020603050405020304" pitchFamily="18" charset="0"/>
+              </a:rPr>
+              <a:t>điều</a:t>
+            </a:r>
+            <a:r>
+              <a:rPr lang="en-US" altLang="ja-JP" sz="1800" dirty="0">
+                <a:latin typeface="Times New Roman" panose="02020603050405020304" pitchFamily="18" charset="0"/>
+                <a:cs typeface="Times New Roman" panose="02020603050405020304" pitchFamily="18" charset="0"/>
+              </a:rPr>
+              <a:t> </a:t>
+            </a:r>
+            <a:r>
+              <a:rPr lang="en-US" altLang="ja-JP" sz="1800" dirty="0" err="1">
+                <a:latin typeface="Times New Roman" panose="02020603050405020304" pitchFamily="18" charset="0"/>
+                <a:cs typeface="Times New Roman" panose="02020603050405020304" pitchFamily="18" charset="0"/>
+              </a:rPr>
+              <a:t>khiển</a:t>
+            </a:r>
+            <a:r>
+              <a:rPr lang="en-US" altLang="ja-JP" sz="1800" dirty="0">
+                <a:latin typeface="Times New Roman" panose="02020603050405020304" pitchFamily="18" charset="0"/>
+                <a:cs typeface="Times New Roman" panose="02020603050405020304" pitchFamily="18" charset="0"/>
+              </a:rPr>
+              <a:t> robot di </a:t>
+            </a:r>
+            <a:r>
+              <a:rPr lang="en-US" altLang="ja-JP" sz="1800" dirty="0" err="1">
+                <a:latin typeface="Times New Roman" panose="02020603050405020304" pitchFamily="18" charset="0"/>
+                <a:cs typeface="Times New Roman" panose="02020603050405020304" pitchFamily="18" charset="0"/>
+              </a:rPr>
+              <a:t>chuyển</a:t>
+            </a:r>
+            <a:r>
+              <a:rPr lang="en-US" altLang="ja-JP" sz="1800" dirty="0">
+                <a:latin typeface="Times New Roman" panose="02020603050405020304" pitchFamily="18" charset="0"/>
+                <a:cs typeface="Times New Roman" panose="02020603050405020304" pitchFamily="18" charset="0"/>
+              </a:rPr>
+              <a:t> </a:t>
+            </a:r>
+            <a:r>
+              <a:rPr lang="en-US" altLang="ja-JP" sz="1800" dirty="0" err="1">
+                <a:latin typeface="Times New Roman" panose="02020603050405020304" pitchFamily="18" charset="0"/>
+                <a:cs typeface="Times New Roman" panose="02020603050405020304" pitchFamily="18" charset="0"/>
+              </a:rPr>
+              <a:t>và</a:t>
+            </a:r>
+            <a:r>
+              <a:rPr lang="en-US" altLang="ja-JP" sz="1800" dirty="0">
+                <a:latin typeface="Times New Roman" panose="02020603050405020304" pitchFamily="18" charset="0"/>
+                <a:cs typeface="Times New Roman" panose="02020603050405020304" pitchFamily="18" charset="0"/>
+              </a:rPr>
+              <a:t> </a:t>
+            </a:r>
+            <a:r>
+              <a:rPr lang="en-US" altLang="ja-JP" sz="1800" dirty="0" err="1">
+                <a:latin typeface="Times New Roman" panose="02020603050405020304" pitchFamily="18" charset="0"/>
+                <a:cs typeface="Times New Roman" panose="02020603050405020304" pitchFamily="18" charset="0"/>
+              </a:rPr>
+              <a:t>nhấn</a:t>
+            </a:r>
+            <a:r>
+              <a:rPr lang="en-US" altLang="ja-JP" sz="1800" dirty="0">
+                <a:latin typeface="Times New Roman" panose="02020603050405020304" pitchFamily="18" charset="0"/>
+                <a:cs typeface="Times New Roman" panose="02020603050405020304" pitchFamily="18" charset="0"/>
+              </a:rPr>
+              <a:t> </a:t>
+            </a:r>
+            <a:r>
+              <a:rPr lang="en-US" altLang="ja-JP" sz="1800" dirty="0" err="1">
+                <a:latin typeface="Times New Roman" panose="02020603050405020304" pitchFamily="18" charset="0"/>
+                <a:cs typeface="Times New Roman" panose="02020603050405020304" pitchFamily="18" charset="0"/>
+              </a:rPr>
+              <a:t>nút</a:t>
+            </a:r>
+            <a:r>
+              <a:rPr lang="en-US" altLang="ja-JP" sz="1800" dirty="0">
+                <a:latin typeface="Times New Roman" panose="02020603050405020304" pitchFamily="18" charset="0"/>
+                <a:cs typeface="Times New Roman" panose="02020603050405020304" pitchFamily="18" charset="0"/>
+              </a:rPr>
+              <a:t> </a:t>
+            </a:r>
+            <a:r>
+              <a:rPr lang="en-US" altLang="ja-JP" sz="1800" dirty="0" err="1">
+                <a:latin typeface="Times New Roman" panose="02020603050405020304" pitchFamily="18" charset="0"/>
+                <a:cs typeface="Times New Roman" panose="02020603050405020304" pitchFamily="18" charset="0"/>
+              </a:rPr>
+              <a:t>bằng</a:t>
+            </a:r>
+            <a:r>
+              <a:rPr lang="en-US" altLang="ja-JP" sz="1800" dirty="0">
+                <a:latin typeface="Times New Roman" panose="02020603050405020304" pitchFamily="18" charset="0"/>
+                <a:cs typeface="Times New Roman" panose="02020603050405020304" pitchFamily="18" charset="0"/>
+              </a:rPr>
+              <a:t> </a:t>
+            </a:r>
+            <a:r>
+              <a:rPr lang="en-US" altLang="ja-JP" sz="1800" dirty="0" err="1">
+                <a:latin typeface="Times New Roman" panose="02020603050405020304" pitchFamily="18" charset="0"/>
+                <a:cs typeface="Times New Roman" panose="02020603050405020304" pitchFamily="18" charset="0"/>
+              </a:rPr>
+              <a:t>các</a:t>
+            </a:r>
+            <a:r>
+              <a:rPr lang="en-US" altLang="ja-JP" sz="1800" dirty="0">
+                <a:latin typeface="Times New Roman" panose="02020603050405020304" pitchFamily="18" charset="0"/>
+                <a:cs typeface="Times New Roman" panose="02020603050405020304" pitchFamily="18" charset="0"/>
+              </a:rPr>
+              <a:t> button </a:t>
+            </a:r>
+            <a:r>
+              <a:rPr lang="en-US" altLang="ja-JP" sz="1800" dirty="0" err="1">
+                <a:latin typeface="Times New Roman" panose="02020603050405020304" pitchFamily="18" charset="0"/>
+                <a:cs typeface="Times New Roman" panose="02020603050405020304" pitchFamily="18" charset="0"/>
+              </a:rPr>
+              <a:t>trên</a:t>
+            </a:r>
+            <a:r>
+              <a:rPr lang="en-US" altLang="ja-JP" sz="1800" dirty="0">
+                <a:latin typeface="Times New Roman" panose="02020603050405020304" pitchFamily="18" charset="0"/>
+                <a:cs typeface="Times New Roman" panose="02020603050405020304" pitchFamily="18" charset="0"/>
+              </a:rPr>
+              <a:t> </a:t>
+            </a:r>
+            <a:r>
+              <a:rPr lang="en-US" altLang="ja-JP" sz="1800" dirty="0" err="1">
+                <a:latin typeface="Times New Roman" panose="02020603050405020304" pitchFamily="18" charset="0"/>
+                <a:cs typeface="Times New Roman" panose="02020603050405020304" pitchFamily="18" charset="0"/>
+              </a:rPr>
+              <a:t>màn</a:t>
+            </a:r>
+            <a:r>
+              <a:rPr lang="en-US" altLang="ja-JP" sz="1800" dirty="0">
+                <a:latin typeface="Times New Roman" panose="02020603050405020304" pitchFamily="18" charset="0"/>
+                <a:cs typeface="Times New Roman" panose="02020603050405020304" pitchFamily="18" charset="0"/>
+              </a:rPr>
+              <a:t> </a:t>
+            </a:r>
+            <a:r>
+              <a:rPr lang="en-US" altLang="ja-JP" sz="1800" dirty="0" err="1">
+                <a:latin typeface="Times New Roman" panose="02020603050405020304" pitchFamily="18" charset="0"/>
+                <a:cs typeface="Times New Roman" panose="02020603050405020304" pitchFamily="18" charset="0"/>
+              </a:rPr>
+              <a:t>hình</a:t>
+            </a:r>
+            <a:r>
+              <a:rPr lang="en-US" altLang="ja-JP" sz="1800" dirty="0">
+                <a:latin typeface="Times New Roman" panose="02020603050405020304" pitchFamily="18" charset="0"/>
+                <a:cs typeface="Times New Roman" panose="02020603050405020304" pitchFamily="18" charset="0"/>
+              </a:rPr>
+              <a:t> </a:t>
+            </a:r>
+            <a:r>
+              <a:rPr lang="en-US" altLang="ja-JP" sz="1800" dirty="0" err="1">
+                <a:latin typeface="Times New Roman" panose="02020603050405020304" pitchFamily="18" charset="0"/>
+                <a:cs typeface="Times New Roman" panose="02020603050405020304" pitchFamily="18" charset="0"/>
+              </a:rPr>
+              <a:t>hoặc</a:t>
+            </a:r>
+            <a:r>
+              <a:rPr lang="en-US" altLang="ja-JP" sz="1800" dirty="0">
+                <a:latin typeface="Times New Roman" panose="02020603050405020304" pitchFamily="18" charset="0"/>
+                <a:cs typeface="Times New Roman" panose="02020603050405020304" pitchFamily="18" charset="0"/>
+              </a:rPr>
+              <a:t> </a:t>
+            </a:r>
+            <a:r>
+              <a:rPr lang="en-US" altLang="ja-JP" sz="1800" dirty="0" err="1">
+                <a:latin typeface="Times New Roman" panose="02020603050405020304" pitchFamily="18" charset="0"/>
+                <a:cs typeface="Times New Roman" panose="02020603050405020304" pitchFamily="18" charset="0"/>
+              </a:rPr>
+              <a:t>các</a:t>
+            </a:r>
+            <a:r>
+              <a:rPr lang="en-US" altLang="ja-JP" sz="1800" dirty="0">
+                <a:latin typeface="Times New Roman" panose="02020603050405020304" pitchFamily="18" charset="0"/>
+                <a:cs typeface="Times New Roman" panose="02020603050405020304" pitchFamily="18" charset="0"/>
+              </a:rPr>
+              <a:t> </a:t>
+            </a:r>
+            <a:r>
+              <a:rPr lang="en-US" altLang="ja-JP" sz="1800" dirty="0" err="1">
+                <a:latin typeface="Times New Roman" panose="02020603050405020304" pitchFamily="18" charset="0"/>
+                <a:cs typeface="Times New Roman" panose="02020603050405020304" pitchFamily="18" charset="0"/>
+              </a:rPr>
+              <a:t>phím</a:t>
+            </a:r>
+            <a:r>
+              <a:rPr lang="en-US" altLang="ja-JP" sz="1800" dirty="0">
+                <a:latin typeface="Times New Roman" panose="02020603050405020304" pitchFamily="18" charset="0"/>
+                <a:cs typeface="Times New Roman" panose="02020603050405020304" pitchFamily="18" charset="0"/>
+              </a:rPr>
+              <a:t> </a:t>
+            </a:r>
+            <a:r>
+              <a:rPr lang="en-US" altLang="ja-JP" sz="1800" dirty="0" err="1">
+                <a:latin typeface="Times New Roman" panose="02020603050405020304" pitchFamily="18" charset="0"/>
+                <a:cs typeface="Times New Roman" panose="02020603050405020304" pitchFamily="18" charset="0"/>
+              </a:rPr>
+              <a:t>tắt</a:t>
+            </a:r>
+            <a:r>
+              <a:rPr lang="en-US" altLang="ja-JP" sz="1800" dirty="0">
+                <a:latin typeface="Times New Roman" panose="02020603050405020304" pitchFamily="18" charset="0"/>
+                <a:cs typeface="Times New Roman" panose="02020603050405020304" pitchFamily="18" charset="0"/>
+              </a:rPr>
+              <a:t>.</a:t>
+            </a:r>
+            <a:endParaRPr lang="en-US" sz="1800" b="1" dirty="0" smtClean="0">
+              <a:latin typeface="Times New Roman" panose="02020603050405020304" pitchFamily="18" charset="0"/>
+              <a:cs typeface="Times New Roman" panose="02020603050405020304" pitchFamily="18" charset="0"/>
+            </a:endParaRPr>
+          </a:p>
+          <a:p>
+            <a:pPr marL="0" indent="0">
+              <a:buNone/>
+            </a:pPr>
+            <a:r>
+              <a:rPr lang="en-US" sz="1800" dirty="0" smtClean="0">
+                <a:latin typeface="Times New Roman" panose="02020603050405020304" pitchFamily="18" charset="0"/>
+                <a:cs typeface="Times New Roman" panose="02020603050405020304" pitchFamily="18" charset="0"/>
+              </a:rPr>
+              <a:t>	</a:t>
+            </a:r>
+          </a:p>
+          <a:p>
+            <a:pPr marL="0" indent="0">
+              <a:buNone/>
+            </a:pPr>
+            <a:endParaRPr lang="en-US" sz="1800" dirty="0" smtClean="0">
+              <a:latin typeface="Times New Roman" panose="02020603050405020304" pitchFamily="18" charset="0"/>
+              <a:cs typeface="Times New Roman" panose="02020603050405020304" pitchFamily="18" charset="0"/>
+            </a:endParaRPr>
+          </a:p>
+          <a:p>
+            <a:pPr marL="0" indent="0">
+              <a:buNone/>
+            </a:pPr>
+            <a:r>
+              <a:rPr lang="en-US" sz="1800" b="1" dirty="0" smtClean="0">
+                <a:latin typeface="Times New Roman" panose="02020603050405020304" pitchFamily="18" charset="0"/>
+                <a:cs typeface="Times New Roman" panose="02020603050405020304" pitchFamily="18" charset="0"/>
+              </a:rPr>
+              <a:t>                </a:t>
+            </a:r>
+            <a:endParaRPr lang="en-US" sz="1800" b="1" dirty="0">
+              <a:latin typeface="Times New Roman" panose="02020603050405020304" pitchFamily="18" charset="0"/>
+              <a:cs typeface="Times New Roman" panose="02020603050405020304" pitchFamily="18" charset="0"/>
+            </a:endParaRPr>
+          </a:p>
+        </p:txBody>
+      </p:sp>
+      <p:pic>
+        <p:nvPicPr>
+          <p:cNvPr id="5" name="Picture 4"/>
+          <p:cNvPicPr>
+            <a:picLocks noChangeAspect="1"/>
+          </p:cNvPicPr>
+          <p:nvPr/>
+        </p:nvPicPr>
+        <p:blipFill>
+          <a:blip r:embed="rId2"/>
+          <a:stretch>
+            <a:fillRect/>
+          </a:stretch>
+        </p:blipFill>
+        <p:spPr>
+          <a:xfrm>
+            <a:off x="1295399" y="1969592"/>
+            <a:ext cx="9448801" cy="4466199"/>
+          </a:xfrm>
+          <a:prstGeom prst="rect">
+            <a:avLst/>
+          </a:prstGeom>
+        </p:spPr>
+      </p:pic>
+      <p:sp>
+        <p:nvSpPr>
+          <p:cNvPr id="6" name="Rectangle 5"/>
+          <p:cNvSpPr/>
+          <p:nvPr/>
+        </p:nvSpPr>
+        <p:spPr>
+          <a:xfrm>
+            <a:off x="2929467" y="3539067"/>
+            <a:ext cx="3098800" cy="2650066"/>
+          </a:xfrm>
+          <a:prstGeom prst="rect">
+            <a:avLst/>
+          </a:prstGeom>
+          <a:noFill/>
+          <a:ln w="38100">
+            <a:solidFill>
+              <a:schemeClr val="accent2">
+                <a:lumMod val="75000"/>
+              </a:schemeClr>
+            </a:solidFill>
+          </a:ln>
+        </p:spPr>
+        <p:style>
+          <a:lnRef idx="2">
+            <a:schemeClr val="accent1">
+              <a:shade val="50000"/>
+            </a:schemeClr>
+          </a:lnRef>
+          <a:fillRef idx="1">
+            <a:schemeClr val="accent1"/>
+          </a:fillRef>
+          <a:effectRef idx="0">
+            <a:schemeClr val="accent1"/>
+          </a:effectRef>
+          <a:fontRef idx="minor">
+            <a:schemeClr val="lt1"/>
+          </a:fontRef>
+        </p:style>
+        <p:txBody>
+          <a:bodyPr rtlCol="0" anchor="ctr"/>
+          <a:lstStyle/>
+          <a:p>
+            <a:pPr algn="ctr"/>
+            <a:endParaRPr kumimoji="1" lang="ja-JP" altLang="en-US"/>
+          </a:p>
+        </p:txBody>
+      </p:sp>
+      <p:sp>
+        <p:nvSpPr>
+          <p:cNvPr id="7" name="Rounded Rectangular Callout 6"/>
+          <p:cNvSpPr/>
+          <p:nvPr/>
+        </p:nvSpPr>
+        <p:spPr>
+          <a:xfrm>
+            <a:off x="1397000" y="4047067"/>
+            <a:ext cx="1253067" cy="533400"/>
+          </a:xfrm>
+          <a:prstGeom prst="wedgeRoundRectCallout">
+            <a:avLst>
+              <a:gd name="adj1" fmla="val 70383"/>
+              <a:gd name="adj2" fmla="val 32341"/>
+              <a:gd name="adj3" fmla="val 16667"/>
+            </a:avLst>
+          </a:prstGeom>
+        </p:spPr>
+        <p:style>
+          <a:lnRef idx="2">
+            <a:schemeClr val="accent1">
+              <a:shade val="50000"/>
+            </a:schemeClr>
+          </a:lnRef>
+          <a:fillRef idx="1">
+            <a:schemeClr val="accent1"/>
+          </a:fillRef>
+          <a:effectRef idx="0">
+            <a:schemeClr val="accent1"/>
+          </a:effectRef>
+          <a:fontRef idx="minor">
+            <a:schemeClr val="lt1"/>
+          </a:fontRef>
+        </p:style>
+        <p:txBody>
+          <a:bodyPr rtlCol="0" anchor="ctr"/>
+          <a:lstStyle/>
+          <a:p>
+            <a:pPr algn="ctr"/>
+            <a:r>
+              <a:rPr kumimoji="1" lang="en-US" altLang="ja-JP" sz="1200" dirty="0" err="1" smtClean="0">
+                <a:latin typeface="Times New Roman" panose="02020603050405020304" pitchFamily="18" charset="0"/>
+                <a:cs typeface="Times New Roman" panose="02020603050405020304" pitchFamily="18" charset="0"/>
+              </a:rPr>
+              <a:t>Khu</a:t>
+            </a:r>
+            <a:r>
+              <a:rPr kumimoji="1" lang="en-US" altLang="ja-JP" sz="1200" dirty="0" smtClean="0">
+                <a:latin typeface="Times New Roman" panose="02020603050405020304" pitchFamily="18" charset="0"/>
+                <a:cs typeface="Times New Roman" panose="02020603050405020304" pitchFamily="18" charset="0"/>
+              </a:rPr>
+              <a:t> </a:t>
+            </a:r>
+            <a:r>
+              <a:rPr kumimoji="1" lang="en-US" altLang="ja-JP" sz="1200" dirty="0" err="1" smtClean="0">
+                <a:latin typeface="Times New Roman" panose="02020603050405020304" pitchFamily="18" charset="0"/>
+                <a:cs typeface="Times New Roman" panose="02020603050405020304" pitchFamily="18" charset="0"/>
+              </a:rPr>
+              <a:t>vực</a:t>
+            </a:r>
+            <a:r>
+              <a:rPr kumimoji="1" lang="en-US" altLang="ja-JP" sz="1200" dirty="0" smtClean="0">
+                <a:latin typeface="Times New Roman" panose="02020603050405020304" pitchFamily="18" charset="0"/>
+                <a:cs typeface="Times New Roman" panose="02020603050405020304" pitchFamily="18" charset="0"/>
+              </a:rPr>
+              <a:t> </a:t>
+            </a:r>
+            <a:r>
+              <a:rPr kumimoji="1" lang="en-US" altLang="ja-JP" sz="1200" dirty="0" err="1" smtClean="0">
+                <a:latin typeface="Times New Roman" panose="02020603050405020304" pitchFamily="18" charset="0"/>
+                <a:cs typeface="Times New Roman" panose="02020603050405020304" pitchFamily="18" charset="0"/>
+              </a:rPr>
+              <a:t>điều</a:t>
+            </a:r>
+            <a:r>
+              <a:rPr kumimoji="1" lang="en-US" altLang="ja-JP" sz="1200" dirty="0" smtClean="0">
+                <a:latin typeface="Times New Roman" panose="02020603050405020304" pitchFamily="18" charset="0"/>
+                <a:cs typeface="Times New Roman" panose="02020603050405020304" pitchFamily="18" charset="0"/>
+              </a:rPr>
+              <a:t> </a:t>
+            </a:r>
+            <a:r>
+              <a:rPr kumimoji="1" lang="en-US" altLang="ja-JP" sz="1200" dirty="0" err="1" smtClean="0">
+                <a:latin typeface="Times New Roman" panose="02020603050405020304" pitchFamily="18" charset="0"/>
+                <a:cs typeface="Times New Roman" panose="02020603050405020304" pitchFamily="18" charset="0"/>
+              </a:rPr>
+              <a:t>khiển</a:t>
+            </a:r>
+            <a:r>
+              <a:rPr kumimoji="1" lang="en-US" altLang="ja-JP" sz="1200" dirty="0" smtClean="0">
+                <a:latin typeface="Times New Roman" panose="02020603050405020304" pitchFamily="18" charset="0"/>
+                <a:cs typeface="Times New Roman" panose="02020603050405020304" pitchFamily="18" charset="0"/>
+              </a:rPr>
+              <a:t> robot</a:t>
+            </a:r>
+          </a:p>
+        </p:txBody>
+      </p:sp>
+    </p:spTree>
+    <p:extLst>
+      <p:ext uri="{BB962C8B-B14F-4D97-AF65-F5344CB8AC3E}">
+        <p14:creationId xmlns:p14="http://schemas.microsoft.com/office/powerpoint/2010/main" val="3622308112"/>
+      </p:ext>
+    </p:extLst>
+  </p:cSld>
+  <p:clrMapOvr>
+    <a:masterClrMapping/>
+  </p:clrMapOvr>
+  <mc:AlternateContent xmlns:mc="http://schemas.openxmlformats.org/markup-compatibility/2006" xmlns:p15="http://schemas.microsoft.com/office/powerpoint/2012/main">
+    <mc:Choice Requires="p15">
+      <p:transition xmlns:p14="http://schemas.microsoft.com/office/powerpoint/2010/main" spd="slow" p14:dur="1250">
+        <p15:prstTrans prst="airplane"/>
+      </p:transition>
+    </mc:Choice>
+    <mc:Fallback xmlns="">
+      <p:transition spd="slow">
+        <p:fade/>
+      </p:transition>
+    </mc:Fallback>
+  </mc:AlternateContent>
+  <p:timing>
+    <p:tnLst>
+      <p:par>
+        <p:cTn id="1" dur="indefinite" restart="never" nodeType="tmRoot"/>
+      </p:par>
+    </p:tnLst>
+  </p:timing>
+</p:sld>
+</file>
+
+<file path=ppt/slides/slide12.xml><?xml version="1.0" encoding="utf-8"?>
 <p:sld xmlns:a="http://schemas.openxmlformats.org/drawingml/2006/main" xmlns:r="http://schemas.openxmlformats.org/officeDocument/2006/relationships" xmlns:p="http://schemas.openxmlformats.org/presentationml/2006/main">
   <p:cSld>
     <p:spTree>
@@ -8601,7 +9816,7 @@
 </p:sld>
 </file>
 
-<file path=ppt/slides/slide11.xml><?xml version="1.0" encoding="utf-8"?>
+<file path=ppt/slides/slide13.xml><?xml version="1.0" encoding="utf-8"?>
 <p:sld xmlns:a="http://schemas.openxmlformats.org/drawingml/2006/main" xmlns:r="http://schemas.openxmlformats.org/officeDocument/2006/relationships" xmlns:p="http://schemas.openxmlformats.org/presentationml/2006/main">
   <p:cSld>
     <p:spTree>
@@ -9498,7 +10713,7 @@
 </p:sld>
 </file>
 
-<file path=ppt/slides/slide12.xml><?xml version="1.0" encoding="utf-8"?>
+<file path=ppt/slides/slide14.xml><?xml version="1.0" encoding="utf-8"?>
 <p:sld xmlns:a="http://schemas.openxmlformats.org/drawingml/2006/main" xmlns:r="http://schemas.openxmlformats.org/officeDocument/2006/relationships" xmlns:p="http://schemas.openxmlformats.org/presentationml/2006/main">
   <p:cSld>
     <p:spTree>
@@ -10238,7 +11453,7 @@
 </p:sld>
 </file>
 
-<file path=ppt/slides/slide13.xml><?xml version="1.0" encoding="utf-8"?>
+<file path=ppt/slides/slide15.xml><?xml version="1.0" encoding="utf-8"?>
 <p:sld xmlns:a="http://schemas.openxmlformats.org/drawingml/2006/main" xmlns:r="http://schemas.openxmlformats.org/officeDocument/2006/relationships" xmlns:p="http://schemas.openxmlformats.org/presentationml/2006/main">
   <p:cSld>
     <p:spTree>
@@ -12178,7 +13393,7 @@
 </p:sld>
 </file>
 
-<file path=ppt/slides/slide14.xml><?xml version="1.0" encoding="utf-8"?>
+<file path=ppt/slides/slide16.xml><?xml version="1.0" encoding="utf-8"?>
 <p:sld xmlns:a="http://schemas.openxmlformats.org/drawingml/2006/main" xmlns:r="http://schemas.openxmlformats.org/officeDocument/2006/relationships" xmlns:p="http://schemas.openxmlformats.org/presentationml/2006/main">
   <p:cSld>
     <p:spTree>
@@ -12654,7 +13869,7 @@
 </p:sld>
 </file>
 
-<file path=ppt/slides/slide15.xml><?xml version="1.0" encoding="utf-8"?>
+<file path=ppt/slides/slide17.xml><?xml version="1.0" encoding="utf-8"?>
 <p:sld xmlns:a="http://schemas.openxmlformats.org/drawingml/2006/main" xmlns:r="http://schemas.openxmlformats.org/officeDocument/2006/relationships" xmlns:p="http://schemas.openxmlformats.org/presentationml/2006/main">
   <p:cSld>
     <p:spTree>
@@ -13418,7 +14633,7 @@
 </p:sld>
 </file>
 
-<file path=ppt/slides/slide16.xml><?xml version="1.0" encoding="utf-8"?>
+<file path=ppt/slides/slide18.xml><?xml version="1.0" encoding="utf-8"?>
 <p:sld xmlns:a="http://schemas.openxmlformats.org/drawingml/2006/main" xmlns:r="http://schemas.openxmlformats.org/officeDocument/2006/relationships" xmlns:p="http://schemas.openxmlformats.org/presentationml/2006/main">
   <p:cSld>
     <p:spTree>
@@ -14142,7 +15357,7 @@
 </p:sld>
 </file>
 
-<file path=ppt/slides/slide17.xml><?xml version="1.0" encoding="utf-8"?>
+<file path=ppt/slides/slide19.xml><?xml version="1.0" encoding="utf-8"?>
 <p:sld xmlns:a="http://schemas.openxmlformats.org/drawingml/2006/main" xmlns:r="http://schemas.openxmlformats.org/officeDocument/2006/relationships" xmlns:p="http://schemas.openxmlformats.org/presentationml/2006/main">
   <p:cSld>
     <p:spTree>
@@ -14700,7 +15915,133 @@
 </p:sld>
 </file>
 
-<file path=ppt/slides/slide18.xml><?xml version="1.0" encoding="utf-8"?>
+<file path=ppt/slides/slide2.xml><?xml version="1.0" encoding="utf-8"?>
+<p:sld xmlns:a="http://schemas.openxmlformats.org/drawingml/2006/main" xmlns:r="http://schemas.openxmlformats.org/officeDocument/2006/relationships" xmlns:p="http://schemas.openxmlformats.org/presentationml/2006/main">
+  <p:cSld>
+    <p:bg>
+      <p:bgPr>
+        <a:solidFill>
+          <a:schemeClr val="bg1"/>
+        </a:solidFill>
+        <a:effectLst/>
+      </p:bgPr>
+    </p:bg>
+    <p:spTree>
+      <p:nvGrpSpPr>
+        <p:cNvPr id="1" name=""/>
+        <p:cNvGrpSpPr/>
+        <p:nvPr/>
+      </p:nvGrpSpPr>
+      <p:grpSpPr>
+        <a:xfrm>
+          <a:off x="0" y="0"/>
+          <a:ext cx="0" cy="0"/>
+          <a:chOff x="0" y="0"/>
+          <a:chExt cx="0" cy="0"/>
+        </a:xfrm>
+      </p:grpSpPr>
+      <p:sp>
+        <p:nvSpPr>
+          <p:cNvPr id="2" name="Title 1">
+            <a:extLst>
+              <a:ext uri="{FF2B5EF4-FFF2-40B4-BE49-F238E27FC236}">
+                <a16:creationId xmlns:a16="http://schemas.microsoft.com/office/drawing/2014/main" id="{7A4919D0-F177-4BBA-9A0B-DBA69E2ED764}"/>
+              </a:ext>
+            </a:extLst>
+          </p:cNvPr>
+          <p:cNvSpPr>
+            <a:spLocks noGrp="1"/>
+          </p:cNvSpPr>
+          <p:nvPr>
+            <p:ph type="title"/>
+          </p:nvPr>
+        </p:nvSpPr>
+        <p:spPr>
+          <a:xfrm>
+            <a:off x="1066800" y="642594"/>
+            <a:ext cx="10058400" cy="1371600"/>
+          </a:xfrm>
+        </p:spPr>
+        <p:txBody>
+          <a:bodyPr>
+            <a:normAutofit/>
+          </a:bodyPr>
+          <a:lstStyle/>
+          <a:p>
+            <a:pPr algn="ctr"/>
+            <a:r>
+              <a:rPr lang="en-US" err="1">
+                <a:latin typeface="Times New Roman" panose="02020603050405020304" pitchFamily="18" charset="0"/>
+                <a:cs typeface="Times New Roman" panose="02020603050405020304" pitchFamily="18" charset="0"/>
+              </a:rPr>
+              <a:t>Mục</a:t>
+            </a:r>
+            <a:r>
+              <a:rPr lang="en-US">
+                <a:latin typeface="Times New Roman" panose="02020603050405020304" pitchFamily="18" charset="0"/>
+                <a:cs typeface="Times New Roman" panose="02020603050405020304" pitchFamily="18" charset="0"/>
+              </a:rPr>
+              <a:t> </a:t>
+            </a:r>
+            <a:r>
+              <a:rPr lang="en-US" err="1">
+                <a:latin typeface="Times New Roman" panose="02020603050405020304" pitchFamily="18" charset="0"/>
+                <a:cs typeface="Times New Roman" panose="02020603050405020304" pitchFamily="18" charset="0"/>
+              </a:rPr>
+              <a:t>lục</a:t>
+            </a:r>
+            <a:endParaRPr lang="en-US">
+              <a:latin typeface="Times New Roman" panose="02020603050405020304" pitchFamily="18" charset="0"/>
+              <a:cs typeface="Times New Roman" panose="02020603050405020304" pitchFamily="18" charset="0"/>
+            </a:endParaRPr>
+          </a:p>
+        </p:txBody>
+      </p:sp>
+      <p:graphicFrame>
+        <p:nvGraphicFramePr>
+          <p:cNvPr id="5" name="Content Placeholder 2" descr="SmartArt graphic">
+            <a:extLst>
+              <a:ext uri="{FF2B5EF4-FFF2-40B4-BE49-F238E27FC236}">
+                <a16:creationId xmlns:a16="http://schemas.microsoft.com/office/drawing/2014/main" id="{91DB1382-7276-49FA-9632-38D558F457E3}"/>
+              </a:ext>
+            </a:extLst>
+          </p:cNvPr>
+          <p:cNvGraphicFramePr>
+            <a:graphicFrameLocks noGrp="1"/>
+          </p:cNvGraphicFramePr>
+          <p:nvPr>
+            <p:ph idx="1"/>
+            <p:extLst>
+              <p:ext uri="{D42A27DB-BD31-4B8C-83A1-F6EECF244321}">
+                <p14:modId xmlns:p14="http://schemas.microsoft.com/office/powerpoint/2010/main" val="1418997115"/>
+              </p:ext>
+            </p:extLst>
+          </p:nvPr>
+        </p:nvGraphicFramePr>
+        <p:xfrm>
+          <a:off x="1066800" y="2310063"/>
+          <a:ext cx="10058400" cy="3725612"/>
+        </p:xfrm>
+        <a:graphic>
+          <a:graphicData uri="http://schemas.openxmlformats.org/drawingml/2006/diagram">
+            <dgm:relIds xmlns:dgm="http://schemas.openxmlformats.org/drawingml/2006/diagram" xmlns:r="http://schemas.openxmlformats.org/officeDocument/2006/relationships" r:dm="rId2" r:lo="rId3" r:qs="rId4" r:cs="rId5"/>
+          </a:graphicData>
+        </a:graphic>
+      </p:graphicFrame>
+    </p:spTree>
+    <p:extLst>
+      <p:ext uri="{BB962C8B-B14F-4D97-AF65-F5344CB8AC3E}">
+        <p14:creationId xmlns:p14="http://schemas.microsoft.com/office/powerpoint/2010/main" val="183243182"/>
+      </p:ext>
+    </p:extLst>
+  </p:cSld>
+  <p:clrMapOvr>
+    <a:masterClrMapping/>
+  </p:clrMapOvr>
+</p:sld>
+</file>
+
+<file path=ppt/slides/slide20.xml><?xml version="1.0" encoding="utf-8"?>
 <p:sld xmlns:a="http://schemas.openxmlformats.org/drawingml/2006/main" xmlns:r="http://schemas.openxmlformats.org/officeDocument/2006/relationships" xmlns:p="http://schemas.openxmlformats.org/presentationml/2006/main">
   <p:cSld>
     <p:spTree>
@@ -16451,7 +17792,7 @@
 </p:sld>
 </file>
 
-<file path=ppt/slides/slide19.xml><?xml version="1.0" encoding="utf-8"?>
+<file path=ppt/slides/slide21.xml><?xml version="1.0" encoding="utf-8"?>
 <p:sld xmlns:a="http://schemas.openxmlformats.org/drawingml/2006/main" xmlns:r="http://schemas.openxmlformats.org/officeDocument/2006/relationships" xmlns:p="http://schemas.openxmlformats.org/presentationml/2006/main">
   <p:cSld>
     <p:spTree>
@@ -18312,133 +19653,7 @@
 </p:sld>
 </file>
 
-<file path=ppt/slides/slide2.xml><?xml version="1.0" encoding="utf-8"?>
-<p:sld xmlns:a="http://schemas.openxmlformats.org/drawingml/2006/main" xmlns:r="http://schemas.openxmlformats.org/officeDocument/2006/relationships" xmlns:p="http://schemas.openxmlformats.org/presentationml/2006/main">
-  <p:cSld>
-    <p:bg>
-      <p:bgPr>
-        <a:solidFill>
-          <a:schemeClr val="bg1"/>
-        </a:solidFill>
-        <a:effectLst/>
-      </p:bgPr>
-    </p:bg>
-    <p:spTree>
-      <p:nvGrpSpPr>
-        <p:cNvPr id="1" name=""/>
-        <p:cNvGrpSpPr/>
-        <p:nvPr/>
-      </p:nvGrpSpPr>
-      <p:grpSpPr>
-        <a:xfrm>
-          <a:off x="0" y="0"/>
-          <a:ext cx="0" cy="0"/>
-          <a:chOff x="0" y="0"/>
-          <a:chExt cx="0" cy="0"/>
-        </a:xfrm>
-      </p:grpSpPr>
-      <p:sp>
-        <p:nvSpPr>
-          <p:cNvPr id="2" name="Title 1">
-            <a:extLst>
-              <a:ext uri="{FF2B5EF4-FFF2-40B4-BE49-F238E27FC236}">
-                <a16:creationId xmlns:a16="http://schemas.microsoft.com/office/drawing/2014/main" id="{7A4919D0-F177-4BBA-9A0B-DBA69E2ED764}"/>
-              </a:ext>
-            </a:extLst>
-          </p:cNvPr>
-          <p:cNvSpPr>
-            <a:spLocks noGrp="1"/>
-          </p:cNvSpPr>
-          <p:nvPr>
-            <p:ph type="title"/>
-          </p:nvPr>
-        </p:nvSpPr>
-        <p:spPr>
-          <a:xfrm>
-            <a:off x="1066800" y="642594"/>
-            <a:ext cx="10058400" cy="1371600"/>
-          </a:xfrm>
-        </p:spPr>
-        <p:txBody>
-          <a:bodyPr>
-            <a:normAutofit/>
-          </a:bodyPr>
-          <a:lstStyle/>
-          <a:p>
-            <a:pPr algn="ctr"/>
-            <a:r>
-              <a:rPr lang="en-US" err="1">
-                <a:latin typeface="Times New Roman" panose="02020603050405020304" pitchFamily="18" charset="0"/>
-                <a:cs typeface="Times New Roman" panose="02020603050405020304" pitchFamily="18" charset="0"/>
-              </a:rPr>
-              <a:t>Mục</a:t>
-            </a:r>
-            <a:r>
-              <a:rPr lang="en-US">
-                <a:latin typeface="Times New Roman" panose="02020603050405020304" pitchFamily="18" charset="0"/>
-                <a:cs typeface="Times New Roman" panose="02020603050405020304" pitchFamily="18" charset="0"/>
-              </a:rPr>
-              <a:t> </a:t>
-            </a:r>
-            <a:r>
-              <a:rPr lang="en-US" err="1">
-                <a:latin typeface="Times New Roman" panose="02020603050405020304" pitchFamily="18" charset="0"/>
-                <a:cs typeface="Times New Roman" panose="02020603050405020304" pitchFamily="18" charset="0"/>
-              </a:rPr>
-              <a:t>lục</a:t>
-            </a:r>
-            <a:endParaRPr lang="en-US">
-              <a:latin typeface="Times New Roman" panose="02020603050405020304" pitchFamily="18" charset="0"/>
-              <a:cs typeface="Times New Roman" panose="02020603050405020304" pitchFamily="18" charset="0"/>
-            </a:endParaRPr>
-          </a:p>
-        </p:txBody>
-      </p:sp>
-      <p:graphicFrame>
-        <p:nvGraphicFramePr>
-          <p:cNvPr id="5" name="Content Placeholder 2" descr="SmartArt graphic">
-            <a:extLst>
-              <a:ext uri="{FF2B5EF4-FFF2-40B4-BE49-F238E27FC236}">
-                <a16:creationId xmlns:a16="http://schemas.microsoft.com/office/drawing/2014/main" id="{91DB1382-7276-49FA-9632-38D558F457E3}"/>
-              </a:ext>
-            </a:extLst>
-          </p:cNvPr>
-          <p:cNvGraphicFramePr>
-            <a:graphicFrameLocks noGrp="1"/>
-          </p:cNvGraphicFramePr>
-          <p:nvPr>
-            <p:ph idx="1"/>
-            <p:extLst>
-              <p:ext uri="{D42A27DB-BD31-4B8C-83A1-F6EECF244321}">
-                <p14:modId xmlns:p14="http://schemas.microsoft.com/office/powerpoint/2010/main" val="1418997115"/>
-              </p:ext>
-            </p:extLst>
-          </p:nvPr>
-        </p:nvGraphicFramePr>
-        <p:xfrm>
-          <a:off x="1066800" y="2310063"/>
-          <a:ext cx="10058400" cy="3725612"/>
-        </p:xfrm>
-        <a:graphic>
-          <a:graphicData uri="http://schemas.openxmlformats.org/drawingml/2006/diagram">
-            <dgm:relIds xmlns:dgm="http://schemas.openxmlformats.org/drawingml/2006/diagram" xmlns:r="http://schemas.openxmlformats.org/officeDocument/2006/relationships" r:dm="rId2" r:lo="rId3" r:qs="rId4" r:cs="rId5"/>
-          </a:graphicData>
-        </a:graphic>
-      </p:graphicFrame>
-    </p:spTree>
-    <p:extLst>
-      <p:ext uri="{BB962C8B-B14F-4D97-AF65-F5344CB8AC3E}">
-        <p14:creationId xmlns:p14="http://schemas.microsoft.com/office/powerpoint/2010/main" val="183243182"/>
-      </p:ext>
-    </p:extLst>
-  </p:cSld>
-  <p:clrMapOvr>
-    <a:masterClrMapping/>
-  </p:clrMapOvr>
-</p:sld>
-</file>
-
-<file path=ppt/slides/slide20.xml><?xml version="1.0" encoding="utf-8"?>
+<file path=ppt/slides/slide22.xml><?xml version="1.0" encoding="utf-8"?>
 <p:sld xmlns:a="http://schemas.openxmlformats.org/drawingml/2006/main" xmlns:r="http://schemas.openxmlformats.org/officeDocument/2006/relationships" xmlns:p="http://schemas.openxmlformats.org/presentationml/2006/main">
   <p:cSld>
     <p:spTree>
@@ -18638,7 +19853,7 @@
 </p:sld>
 </file>
 
-<file path=ppt/slides/slide21.xml><?xml version="1.0" encoding="utf-8"?>
+<file path=ppt/slides/slide23.xml><?xml version="1.0" encoding="utf-8"?>
 <p:sld xmlns:a="http://schemas.openxmlformats.org/drawingml/2006/main" xmlns:r="http://schemas.openxmlformats.org/officeDocument/2006/relationships" xmlns:p="http://schemas.openxmlformats.org/presentationml/2006/main">
   <p:cSld>
     <p:spTree>
@@ -18838,7 +20053,7 @@
 </p:sld>
 </file>
 
-<file path=ppt/slides/slide22.xml><?xml version="1.0" encoding="utf-8"?>
+<file path=ppt/slides/slide24.xml><?xml version="1.0" encoding="utf-8"?>
 <p:sld xmlns:a="http://schemas.openxmlformats.org/drawingml/2006/main" xmlns:r="http://schemas.openxmlformats.org/officeDocument/2006/relationships" xmlns:p="http://schemas.openxmlformats.org/presentationml/2006/main">
   <p:cSld>
     <p:spTree>
@@ -19130,7 +20345,7 @@
 </p:sld>
 </file>
 
-<file path=ppt/slides/slide23.xml><?xml version="1.0" encoding="utf-8"?>
+<file path=ppt/slides/slide25.xml><?xml version="1.0" encoding="utf-8"?>
 <p:sld xmlns:a="http://schemas.openxmlformats.org/drawingml/2006/main" xmlns:r="http://schemas.openxmlformats.org/officeDocument/2006/relationships" xmlns:p="http://schemas.openxmlformats.org/presentationml/2006/main">
   <p:cSld>
     <p:spTree>
@@ -19459,7 +20674,7 @@
 </p:sld>
 </file>
 
-<file path=ppt/slides/slide24.xml><?xml version="1.0" encoding="utf-8"?>
+<file path=ppt/slides/slide26.xml><?xml version="1.0" encoding="utf-8"?>
 <p:sld xmlns:a="http://schemas.openxmlformats.org/drawingml/2006/main" xmlns:r="http://schemas.openxmlformats.org/officeDocument/2006/relationships" xmlns:p="http://schemas.openxmlformats.org/presentationml/2006/main">
   <p:cSld>
     <p:spTree>
@@ -19788,7 +21003,7 @@
 </p:sld>
 </file>
 
-<file path=ppt/slides/slide25.xml><?xml version="1.0" encoding="utf-8"?>
+<file path=ppt/slides/slide27.xml><?xml version="1.0" encoding="utf-8"?>
 <p:sld xmlns:a="http://schemas.openxmlformats.org/drawingml/2006/main" xmlns:r="http://schemas.openxmlformats.org/officeDocument/2006/relationships" xmlns:p="http://schemas.openxmlformats.org/presentationml/2006/main">
   <p:cSld>
     <p:spTree>
@@ -20104,7 +21319,7 @@
 </p:sld>
 </file>
 
-<file path=ppt/slides/slide26.xml><?xml version="1.0" encoding="utf-8"?>
+<file path=ppt/slides/slide28.xml><?xml version="1.0" encoding="utf-8"?>
 <p:sld xmlns:a="http://schemas.openxmlformats.org/drawingml/2006/main" xmlns:r="http://schemas.openxmlformats.org/officeDocument/2006/relationships" xmlns:p="http://schemas.openxmlformats.org/presentationml/2006/main">
   <p:cSld>
     <p:spTree>
@@ -20357,7 +21572,7 @@
 </p:sld>
 </file>
 
-<file path=ppt/slides/slide27.xml><?xml version="1.0" encoding="utf-8"?>
+<file path=ppt/slides/slide29.xml><?xml version="1.0" encoding="utf-8"?>
 <p:sld xmlns:a="http://schemas.openxmlformats.org/drawingml/2006/main" xmlns:r="http://schemas.openxmlformats.org/officeDocument/2006/relationships" xmlns:p="http://schemas.openxmlformats.org/presentationml/2006/main">
   <p:cSld>
     <p:spTree>
@@ -20651,7 +21866,1575 @@
 </p:sld>
 </file>
 
-<file path=ppt/slides/slide28.xml><?xml version="1.0" encoding="utf-8"?>
+<file path=ppt/slides/slide3.xml><?xml version="1.0" encoding="utf-8"?>
+<p:sld xmlns:a="http://schemas.openxmlformats.org/drawingml/2006/main" xmlns:r="http://schemas.openxmlformats.org/officeDocument/2006/relationships" xmlns:p="http://schemas.openxmlformats.org/presentationml/2006/main">
+  <p:cSld>
+    <p:spTree>
+      <p:nvGrpSpPr>
+        <p:cNvPr id="1" name=""/>
+        <p:cNvGrpSpPr/>
+        <p:nvPr/>
+      </p:nvGrpSpPr>
+      <p:grpSpPr>
+        <a:xfrm>
+          <a:off x="0" y="0"/>
+          <a:ext cx="0" cy="0"/>
+          <a:chOff x="0" y="0"/>
+          <a:chExt cx="0" cy="0"/>
+        </a:xfrm>
+      </p:grpSpPr>
+      <p:sp>
+        <p:nvSpPr>
+          <p:cNvPr id="2" name="Title 1">
+            <a:extLst>
+              <a:ext uri="{FF2B5EF4-FFF2-40B4-BE49-F238E27FC236}">
+                <a16:creationId xmlns:a16="http://schemas.microsoft.com/office/drawing/2014/main" id="{73F10424-6D83-4A32-A5E5-0F7102316A0E}"/>
+              </a:ext>
+            </a:extLst>
+          </p:cNvPr>
+          <p:cNvSpPr>
+            <a:spLocks noGrp="1"/>
+          </p:cNvSpPr>
+          <p:nvPr>
+            <p:ph type="title"/>
+          </p:nvPr>
+        </p:nvSpPr>
+        <p:spPr/>
+        <p:txBody>
+          <a:bodyPr/>
+          <a:lstStyle/>
+          <a:p>
+            <a:pPr lvl="0">
+              <a:lnSpc>
+                <a:spcPct val="100000"/>
+              </a:lnSpc>
+              <a:defRPr cap="all"/>
+            </a:pPr>
+            <a:r>
+              <a:rPr lang="en-US" sz="4000" err="1">
+                <a:latin typeface="Times New Roman" panose="02020603050405020304" pitchFamily="18" charset="0"/>
+                <a:cs typeface="Times New Roman" panose="02020603050405020304" pitchFamily="18" charset="0"/>
+              </a:rPr>
+              <a:t>Giới</a:t>
+            </a:r>
+            <a:r>
+              <a:rPr lang="en-US" sz="4000">
+                <a:latin typeface="Times New Roman" panose="02020603050405020304" pitchFamily="18" charset="0"/>
+                <a:cs typeface="Times New Roman" panose="02020603050405020304" pitchFamily="18" charset="0"/>
+              </a:rPr>
+              <a:t> </a:t>
+            </a:r>
+            <a:r>
+              <a:rPr lang="en-US" sz="4000" err="1">
+                <a:latin typeface="Times New Roman" panose="02020603050405020304" pitchFamily="18" charset="0"/>
+                <a:cs typeface="Times New Roman" panose="02020603050405020304" pitchFamily="18" charset="0"/>
+              </a:rPr>
+              <a:t>thiệu</a:t>
+            </a:r>
+            <a:r>
+              <a:rPr lang="en-US" sz="4000">
+                <a:latin typeface="Times New Roman" panose="02020603050405020304" pitchFamily="18" charset="0"/>
+                <a:cs typeface="Times New Roman" panose="02020603050405020304" pitchFamily="18" charset="0"/>
+              </a:rPr>
+              <a:t> </a:t>
+            </a:r>
+            <a:r>
+              <a:rPr lang="en-US" sz="4000" err="1">
+                <a:latin typeface="Times New Roman" panose="02020603050405020304" pitchFamily="18" charset="0"/>
+                <a:cs typeface="Times New Roman" panose="02020603050405020304" pitchFamily="18" charset="0"/>
+              </a:rPr>
+              <a:t>về</a:t>
+            </a:r>
+            <a:r>
+              <a:rPr lang="en-US" sz="4000">
+                <a:latin typeface="Times New Roman" panose="02020603050405020304" pitchFamily="18" charset="0"/>
+                <a:cs typeface="Times New Roman" panose="02020603050405020304" pitchFamily="18" charset="0"/>
+              </a:rPr>
+              <a:t> </a:t>
+            </a:r>
+            <a:r>
+              <a:rPr lang="en-US" sz="4000" err="1">
+                <a:latin typeface="Times New Roman" panose="02020603050405020304" pitchFamily="18" charset="0"/>
+                <a:cs typeface="Times New Roman" panose="02020603050405020304" pitchFamily="18" charset="0"/>
+              </a:rPr>
+              <a:t>đề</a:t>
+            </a:r>
+            <a:r>
+              <a:rPr lang="en-US" sz="4000">
+                <a:latin typeface="Times New Roman" panose="02020603050405020304" pitchFamily="18" charset="0"/>
+                <a:cs typeface="Times New Roman" panose="02020603050405020304" pitchFamily="18" charset="0"/>
+              </a:rPr>
+              <a:t> </a:t>
+            </a:r>
+            <a:r>
+              <a:rPr lang="en-US" sz="4000" err="1">
+                <a:latin typeface="Times New Roman" panose="02020603050405020304" pitchFamily="18" charset="0"/>
+                <a:cs typeface="Times New Roman" panose="02020603050405020304" pitchFamily="18" charset="0"/>
+              </a:rPr>
+              <a:t>tài</a:t>
+            </a:r>
+            <a:endParaRPr lang="en-US" sz="4000">
+              <a:latin typeface="Times New Roman" panose="02020603050405020304" pitchFamily="18" charset="0"/>
+              <a:cs typeface="Times New Roman" panose="02020603050405020304" pitchFamily="18" charset="0"/>
+            </a:endParaRPr>
+          </a:p>
+        </p:txBody>
+      </p:sp>
+      <p:sp>
+        <p:nvSpPr>
+          <p:cNvPr id="3" name="Content Placeholder 2">
+            <a:extLst>
+              <a:ext uri="{FF2B5EF4-FFF2-40B4-BE49-F238E27FC236}">
+                <a16:creationId xmlns:a16="http://schemas.microsoft.com/office/drawing/2014/main" id="{72B727E4-E8BF-4AE7-A31E-653E332C182B}"/>
+              </a:ext>
+            </a:extLst>
+          </p:cNvPr>
+          <p:cNvSpPr>
+            <a:spLocks noGrp="1"/>
+          </p:cNvSpPr>
+          <p:nvPr>
+            <p:ph idx="1"/>
+          </p:nvPr>
+        </p:nvSpPr>
+        <p:spPr/>
+        <p:txBody>
+          <a:bodyPr>
+            <a:normAutofit/>
+          </a:bodyPr>
+          <a:lstStyle/>
+          <a:p>
+            <a:r>
+              <a:rPr lang="en-US" sz="1600" b="1" dirty="0" err="1">
+                <a:latin typeface="Times New Roman" panose="02020603050405020304" pitchFamily="18" charset="0"/>
+                <a:cs typeface="Times New Roman" panose="02020603050405020304" pitchFamily="18" charset="0"/>
+              </a:rPr>
+              <a:t>Bối</a:t>
+            </a:r>
+            <a:r>
+              <a:rPr lang="en-US" sz="1600" b="1" dirty="0">
+                <a:latin typeface="Times New Roman" panose="02020603050405020304" pitchFamily="18" charset="0"/>
+                <a:cs typeface="Times New Roman" panose="02020603050405020304" pitchFamily="18" charset="0"/>
+              </a:rPr>
+              <a:t> </a:t>
+            </a:r>
+            <a:r>
+              <a:rPr lang="en-US" sz="1600" b="1" dirty="0" err="1">
+                <a:latin typeface="Times New Roman" panose="02020603050405020304" pitchFamily="18" charset="0"/>
+                <a:cs typeface="Times New Roman" panose="02020603050405020304" pitchFamily="18" charset="0"/>
+              </a:rPr>
+              <a:t>cảnh</a:t>
+            </a:r>
+            <a:r>
+              <a:rPr lang="en-US" sz="1600" b="1" dirty="0">
+                <a:latin typeface="Times New Roman" panose="02020603050405020304" pitchFamily="18" charset="0"/>
+                <a:cs typeface="Times New Roman" panose="02020603050405020304" pitchFamily="18" charset="0"/>
+              </a:rPr>
+              <a:t> &amp; </a:t>
+            </a:r>
+            <a:r>
+              <a:rPr lang="en-US" sz="1600" b="1" dirty="0" err="1">
+                <a:latin typeface="Times New Roman" panose="02020603050405020304" pitchFamily="18" charset="0"/>
+                <a:cs typeface="Times New Roman" panose="02020603050405020304" pitchFamily="18" charset="0"/>
+              </a:rPr>
+              <a:t>mục</a:t>
+            </a:r>
+            <a:r>
+              <a:rPr lang="en-US" sz="1600" b="1" dirty="0">
+                <a:latin typeface="Times New Roman" panose="02020603050405020304" pitchFamily="18" charset="0"/>
+                <a:cs typeface="Times New Roman" panose="02020603050405020304" pitchFamily="18" charset="0"/>
+              </a:rPr>
+              <a:t> </a:t>
+            </a:r>
+            <a:r>
+              <a:rPr lang="en-US" sz="1600" b="1" dirty="0" err="1">
+                <a:latin typeface="Times New Roman" panose="02020603050405020304" pitchFamily="18" charset="0"/>
+                <a:cs typeface="Times New Roman" panose="02020603050405020304" pitchFamily="18" charset="0"/>
+              </a:rPr>
+              <a:t>đích</a:t>
+            </a:r>
+            <a:r>
+              <a:rPr lang="en-US" sz="1600" b="1" dirty="0">
+                <a:latin typeface="Times New Roman" panose="02020603050405020304" pitchFamily="18" charset="0"/>
+                <a:cs typeface="Times New Roman" panose="02020603050405020304" pitchFamily="18" charset="0"/>
+              </a:rPr>
+              <a:t>:</a:t>
+            </a:r>
+          </a:p>
+          <a:p>
+            <a:pPr lvl="1"/>
+            <a:r>
+              <a:rPr lang="en-US" sz="1600" dirty="0" err="1">
+                <a:latin typeface="Times New Roman" panose="02020603050405020304" pitchFamily="18" charset="0"/>
+                <a:cs typeface="Times New Roman" panose="02020603050405020304" pitchFamily="18" charset="0"/>
+              </a:rPr>
+              <a:t>Về</a:t>
+            </a:r>
+            <a:r>
+              <a:rPr lang="en-US" sz="1600" dirty="0">
+                <a:latin typeface="Times New Roman" panose="02020603050405020304" pitchFamily="18" charset="0"/>
+                <a:cs typeface="Times New Roman" panose="02020603050405020304" pitchFamily="18" charset="0"/>
+              </a:rPr>
+              <a:t> </a:t>
+            </a:r>
+            <a:r>
+              <a:rPr lang="en-US" sz="1600" dirty="0" err="1">
+                <a:latin typeface="Times New Roman" panose="02020603050405020304" pitchFamily="18" charset="0"/>
+                <a:cs typeface="Times New Roman" panose="02020603050405020304" pitchFamily="18" charset="0"/>
+              </a:rPr>
+              <a:t>tình</a:t>
+            </a:r>
+            <a:r>
+              <a:rPr lang="en-US" sz="1600" dirty="0">
+                <a:latin typeface="Times New Roman" panose="02020603050405020304" pitchFamily="18" charset="0"/>
+                <a:cs typeface="Times New Roman" panose="02020603050405020304" pitchFamily="18" charset="0"/>
+              </a:rPr>
+              <a:t> </a:t>
+            </a:r>
+            <a:r>
+              <a:rPr lang="en-US" sz="1600" dirty="0" err="1">
+                <a:latin typeface="Times New Roman" panose="02020603050405020304" pitchFamily="18" charset="0"/>
+                <a:cs typeface="Times New Roman" panose="02020603050405020304" pitchFamily="18" charset="0"/>
+              </a:rPr>
+              <a:t>hình</a:t>
+            </a:r>
+            <a:r>
+              <a:rPr lang="en-US" sz="1600" dirty="0">
+                <a:latin typeface="Times New Roman" panose="02020603050405020304" pitchFamily="18" charset="0"/>
+                <a:cs typeface="Times New Roman" panose="02020603050405020304" pitchFamily="18" charset="0"/>
+              </a:rPr>
+              <a:t> dich COVID-19 </a:t>
+            </a:r>
+            <a:r>
+              <a:rPr lang="en-US" sz="1600" dirty="0" err="1">
+                <a:latin typeface="Times New Roman" panose="02020603050405020304" pitchFamily="18" charset="0"/>
+                <a:cs typeface="Times New Roman" panose="02020603050405020304" pitchFamily="18" charset="0"/>
+              </a:rPr>
+              <a:t>đang</a:t>
+            </a:r>
+            <a:r>
+              <a:rPr lang="en-US" sz="1600" dirty="0">
+                <a:latin typeface="Times New Roman" panose="02020603050405020304" pitchFamily="18" charset="0"/>
+                <a:cs typeface="Times New Roman" panose="02020603050405020304" pitchFamily="18" charset="0"/>
+              </a:rPr>
+              <a:t> </a:t>
+            </a:r>
+            <a:r>
+              <a:rPr lang="en-US" sz="1600" dirty="0" err="1">
+                <a:latin typeface="Times New Roman" panose="02020603050405020304" pitchFamily="18" charset="0"/>
+                <a:cs typeface="Times New Roman" panose="02020603050405020304" pitchFamily="18" charset="0"/>
+              </a:rPr>
+              <a:t>diễn</a:t>
+            </a:r>
+            <a:r>
+              <a:rPr lang="en-US" sz="1600" dirty="0">
+                <a:latin typeface="Times New Roman" panose="02020603050405020304" pitchFamily="18" charset="0"/>
+                <a:cs typeface="Times New Roman" panose="02020603050405020304" pitchFamily="18" charset="0"/>
+              </a:rPr>
+              <a:t> </a:t>
+            </a:r>
+            <a:r>
+              <a:rPr lang="en-US" sz="1600" dirty="0" err="1">
+                <a:latin typeface="Times New Roman" panose="02020603050405020304" pitchFamily="18" charset="0"/>
+                <a:cs typeface="Times New Roman" panose="02020603050405020304" pitchFamily="18" charset="0"/>
+              </a:rPr>
+              <a:t>biến</a:t>
+            </a:r>
+            <a:r>
+              <a:rPr lang="en-US" sz="1600" dirty="0">
+                <a:latin typeface="Times New Roman" panose="02020603050405020304" pitchFamily="18" charset="0"/>
+                <a:cs typeface="Times New Roman" panose="02020603050405020304" pitchFamily="18" charset="0"/>
+              </a:rPr>
+              <a:t> </a:t>
+            </a:r>
+            <a:r>
+              <a:rPr lang="en-US" sz="1600" dirty="0" err="1">
+                <a:latin typeface="Times New Roman" panose="02020603050405020304" pitchFamily="18" charset="0"/>
+                <a:cs typeface="Times New Roman" panose="02020603050405020304" pitchFamily="18" charset="0"/>
+              </a:rPr>
+              <a:t>rất</a:t>
+            </a:r>
+            <a:r>
+              <a:rPr lang="en-US" sz="1600" dirty="0">
+                <a:latin typeface="Times New Roman" panose="02020603050405020304" pitchFamily="18" charset="0"/>
+                <a:cs typeface="Times New Roman" panose="02020603050405020304" pitchFamily="18" charset="0"/>
+              </a:rPr>
+              <a:t> </a:t>
+            </a:r>
+            <a:r>
+              <a:rPr lang="en-US" sz="1600" dirty="0" err="1">
+                <a:latin typeface="Times New Roman" panose="02020603050405020304" pitchFamily="18" charset="0"/>
+                <a:cs typeface="Times New Roman" panose="02020603050405020304" pitchFamily="18" charset="0"/>
+              </a:rPr>
+              <a:t>phức</a:t>
+            </a:r>
+            <a:r>
+              <a:rPr lang="en-US" sz="1600" dirty="0">
+                <a:latin typeface="Times New Roman" panose="02020603050405020304" pitchFamily="18" charset="0"/>
+                <a:cs typeface="Times New Roman" panose="02020603050405020304" pitchFamily="18" charset="0"/>
+              </a:rPr>
+              <a:t> tap. </a:t>
+            </a:r>
+            <a:r>
+              <a:rPr lang="en-US" sz="1600" dirty="0" err="1">
+                <a:latin typeface="Times New Roman" panose="02020603050405020304" pitchFamily="18" charset="0"/>
+                <a:cs typeface="Times New Roman" panose="02020603050405020304" pitchFamily="18" charset="0"/>
+              </a:rPr>
+              <a:t>Thành</a:t>
+            </a:r>
+            <a:r>
+              <a:rPr lang="en-US" sz="1600" dirty="0">
+                <a:latin typeface="Times New Roman" panose="02020603050405020304" pitchFamily="18" charset="0"/>
+                <a:cs typeface="Times New Roman" panose="02020603050405020304" pitchFamily="18" charset="0"/>
+              </a:rPr>
+              <a:t> </a:t>
+            </a:r>
+            <a:r>
+              <a:rPr lang="en-US" sz="1600" dirty="0" err="1">
+                <a:latin typeface="Times New Roman" panose="02020603050405020304" pitchFamily="18" charset="0"/>
+                <a:cs typeface="Times New Roman" panose="02020603050405020304" pitchFamily="18" charset="0"/>
+              </a:rPr>
+              <a:t>phố</a:t>
+            </a:r>
+            <a:r>
+              <a:rPr lang="en-US" sz="1600" dirty="0">
+                <a:latin typeface="Times New Roman" panose="02020603050405020304" pitchFamily="18" charset="0"/>
+                <a:cs typeface="Times New Roman" panose="02020603050405020304" pitchFamily="18" charset="0"/>
+              </a:rPr>
+              <a:t> </a:t>
+            </a:r>
+            <a:r>
+              <a:rPr lang="en-US" sz="1600" dirty="0" err="1">
+                <a:latin typeface="Times New Roman" panose="02020603050405020304" pitchFamily="18" charset="0"/>
+                <a:cs typeface="Times New Roman" panose="02020603050405020304" pitchFamily="18" charset="0"/>
+              </a:rPr>
+              <a:t>Đà</a:t>
+            </a:r>
+            <a:r>
+              <a:rPr lang="en-US" sz="1600" dirty="0">
+                <a:latin typeface="Times New Roman" panose="02020603050405020304" pitchFamily="18" charset="0"/>
+                <a:cs typeface="Times New Roman" panose="02020603050405020304" pitchFamily="18" charset="0"/>
+              </a:rPr>
+              <a:t> </a:t>
+            </a:r>
+            <a:r>
+              <a:rPr lang="en-US" sz="1600" dirty="0" err="1">
+                <a:latin typeface="Times New Roman" panose="02020603050405020304" pitchFamily="18" charset="0"/>
+                <a:cs typeface="Times New Roman" panose="02020603050405020304" pitchFamily="18" charset="0"/>
+              </a:rPr>
+              <a:t>Nẵng</a:t>
+            </a:r>
+            <a:r>
+              <a:rPr lang="en-US" sz="1600" dirty="0">
+                <a:latin typeface="Times New Roman" panose="02020603050405020304" pitchFamily="18" charset="0"/>
+                <a:cs typeface="Times New Roman" panose="02020603050405020304" pitchFamily="18" charset="0"/>
+              </a:rPr>
+              <a:t> </a:t>
+            </a:r>
+            <a:r>
+              <a:rPr lang="en-US" sz="1600" dirty="0" err="1">
+                <a:latin typeface="Times New Roman" panose="02020603050405020304" pitchFamily="18" charset="0"/>
+                <a:cs typeface="Times New Roman" panose="02020603050405020304" pitchFamily="18" charset="0"/>
+              </a:rPr>
+              <a:t>có</a:t>
+            </a:r>
+            <a:r>
+              <a:rPr lang="en-US" sz="1600" dirty="0">
+                <a:latin typeface="Times New Roman" panose="02020603050405020304" pitchFamily="18" charset="0"/>
+                <a:cs typeface="Times New Roman" panose="02020603050405020304" pitchFamily="18" charset="0"/>
+              </a:rPr>
+              <a:t> </a:t>
+            </a:r>
+            <a:r>
+              <a:rPr lang="en-US" sz="1600" dirty="0" err="1">
+                <a:latin typeface="Times New Roman" panose="02020603050405020304" pitchFamily="18" charset="0"/>
+                <a:cs typeface="Times New Roman" panose="02020603050405020304" pitchFamily="18" charset="0"/>
+              </a:rPr>
+              <a:t>thể</a:t>
+            </a:r>
+            <a:r>
+              <a:rPr lang="en-US" sz="1600" dirty="0">
+                <a:latin typeface="Times New Roman" panose="02020603050405020304" pitchFamily="18" charset="0"/>
+                <a:cs typeface="Times New Roman" panose="02020603050405020304" pitchFamily="18" charset="0"/>
+              </a:rPr>
+              <a:t> </a:t>
+            </a:r>
+            <a:r>
+              <a:rPr lang="en-US" sz="1600" dirty="0" err="1">
+                <a:latin typeface="Times New Roman" panose="02020603050405020304" pitchFamily="18" charset="0"/>
+                <a:cs typeface="Times New Roman" panose="02020603050405020304" pitchFamily="18" charset="0"/>
+              </a:rPr>
+              <a:t>bị</a:t>
+            </a:r>
+            <a:r>
+              <a:rPr lang="en-US" sz="1600" dirty="0">
+                <a:latin typeface="Times New Roman" panose="02020603050405020304" pitchFamily="18" charset="0"/>
+                <a:cs typeface="Times New Roman" panose="02020603050405020304" pitchFamily="18" charset="0"/>
+              </a:rPr>
+              <a:t> lockdown </a:t>
+            </a:r>
+            <a:r>
+              <a:rPr lang="en-US" sz="1600" dirty="0" err="1">
+                <a:latin typeface="Times New Roman" panose="02020603050405020304" pitchFamily="18" charset="0"/>
+                <a:cs typeface="Times New Roman" panose="02020603050405020304" pitchFamily="18" charset="0"/>
+              </a:rPr>
+              <a:t>bất</a:t>
+            </a:r>
+            <a:r>
+              <a:rPr lang="en-US" sz="1600" dirty="0">
+                <a:latin typeface="Times New Roman" panose="02020603050405020304" pitchFamily="18" charset="0"/>
+                <a:cs typeface="Times New Roman" panose="02020603050405020304" pitchFamily="18" charset="0"/>
+              </a:rPr>
+              <a:t> </a:t>
+            </a:r>
+            <a:r>
+              <a:rPr lang="en-US" sz="1600" dirty="0" err="1">
+                <a:latin typeface="Times New Roman" panose="02020603050405020304" pitchFamily="18" charset="0"/>
+                <a:cs typeface="Times New Roman" panose="02020603050405020304" pitchFamily="18" charset="0"/>
+              </a:rPr>
+              <a:t>cứ</a:t>
+            </a:r>
+            <a:r>
+              <a:rPr lang="en-US" sz="1600" dirty="0">
+                <a:latin typeface="Times New Roman" panose="02020603050405020304" pitchFamily="18" charset="0"/>
+                <a:cs typeface="Times New Roman" panose="02020603050405020304" pitchFamily="18" charset="0"/>
+              </a:rPr>
+              <a:t> </a:t>
+            </a:r>
+            <a:r>
+              <a:rPr lang="en-US" sz="1600" dirty="0" err="1">
+                <a:latin typeface="Times New Roman" panose="02020603050405020304" pitchFamily="18" charset="0"/>
+                <a:cs typeface="Times New Roman" panose="02020603050405020304" pitchFamily="18" charset="0"/>
+              </a:rPr>
+              <a:t>lúc</a:t>
+            </a:r>
+            <a:r>
+              <a:rPr lang="en-US" sz="1600" dirty="0">
+                <a:latin typeface="Times New Roman" panose="02020603050405020304" pitchFamily="18" charset="0"/>
+                <a:cs typeface="Times New Roman" panose="02020603050405020304" pitchFamily="18" charset="0"/>
+              </a:rPr>
+              <a:t> </a:t>
+            </a:r>
+            <a:r>
+              <a:rPr lang="en-US" sz="1600" dirty="0" err="1">
+                <a:latin typeface="Times New Roman" panose="02020603050405020304" pitchFamily="18" charset="0"/>
+                <a:cs typeface="Times New Roman" panose="02020603050405020304" pitchFamily="18" charset="0"/>
+              </a:rPr>
+              <a:t>nào</a:t>
+            </a:r>
+            <a:r>
+              <a:rPr lang="en-US" sz="1600" dirty="0">
+                <a:latin typeface="Times New Roman" panose="02020603050405020304" pitchFamily="18" charset="0"/>
+                <a:cs typeface="Times New Roman" panose="02020603050405020304" pitchFamily="18" charset="0"/>
+              </a:rPr>
+              <a:t>.</a:t>
+            </a:r>
+          </a:p>
+          <a:p>
+            <a:pPr lvl="1"/>
+            <a:r>
+              <a:rPr lang="en-US" sz="1600" dirty="0" err="1">
+                <a:latin typeface="Times New Roman" panose="02020603050405020304" pitchFamily="18" charset="0"/>
+                <a:cs typeface="Times New Roman" panose="02020603050405020304" pitchFamily="18" charset="0"/>
+              </a:rPr>
+              <a:t>Nếu</a:t>
+            </a:r>
+            <a:r>
+              <a:rPr lang="en-US" sz="1600" dirty="0">
+                <a:latin typeface="Times New Roman" panose="02020603050405020304" pitchFamily="18" charset="0"/>
+                <a:cs typeface="Times New Roman" panose="02020603050405020304" pitchFamily="18" charset="0"/>
+              </a:rPr>
+              <a:t> </a:t>
+            </a:r>
+            <a:r>
+              <a:rPr lang="en-US" sz="1600" dirty="0" err="1">
+                <a:latin typeface="Times New Roman" panose="02020603050405020304" pitchFamily="18" charset="0"/>
+                <a:cs typeface="Times New Roman" panose="02020603050405020304" pitchFamily="18" charset="0"/>
+              </a:rPr>
+              <a:t>bị</a:t>
+            </a:r>
+            <a:r>
+              <a:rPr lang="en-US" sz="1600" dirty="0">
+                <a:latin typeface="Times New Roman" panose="02020603050405020304" pitchFamily="18" charset="0"/>
+                <a:cs typeface="Times New Roman" panose="02020603050405020304" pitchFamily="18" charset="0"/>
+              </a:rPr>
+              <a:t> lockdown, </a:t>
+            </a:r>
+            <a:r>
+              <a:rPr lang="en-US" sz="1600" dirty="0" err="1">
+                <a:latin typeface="Times New Roman" panose="02020603050405020304" pitchFamily="18" charset="0"/>
+                <a:cs typeface="Times New Roman" panose="02020603050405020304" pitchFamily="18" charset="0"/>
+              </a:rPr>
+              <a:t>các</a:t>
+            </a:r>
+            <a:r>
+              <a:rPr lang="en-US" sz="1600" dirty="0">
+                <a:latin typeface="Times New Roman" panose="02020603050405020304" pitchFamily="18" charset="0"/>
+                <a:cs typeface="Times New Roman" panose="02020603050405020304" pitchFamily="18" charset="0"/>
+              </a:rPr>
+              <a:t> </a:t>
+            </a:r>
+            <a:r>
+              <a:rPr lang="en-US" sz="1600" dirty="0" err="1">
+                <a:latin typeface="Times New Roman" panose="02020603050405020304" pitchFamily="18" charset="0"/>
+                <a:cs typeface="Times New Roman" panose="02020603050405020304" pitchFamily="18" charset="0"/>
+              </a:rPr>
+              <a:t>công</a:t>
+            </a:r>
+            <a:r>
+              <a:rPr lang="en-US" sz="1600" dirty="0">
+                <a:latin typeface="Times New Roman" panose="02020603050405020304" pitchFamily="18" charset="0"/>
+                <a:cs typeface="Times New Roman" panose="02020603050405020304" pitchFamily="18" charset="0"/>
+              </a:rPr>
+              <a:t> ty </a:t>
+            </a:r>
+            <a:r>
+              <a:rPr lang="en-US" sz="1600" dirty="0" err="1">
+                <a:latin typeface="Times New Roman" panose="02020603050405020304" pitchFamily="18" charset="0"/>
+                <a:cs typeface="Times New Roman" panose="02020603050405020304" pitchFamily="18" charset="0"/>
+              </a:rPr>
+              <a:t>công</a:t>
+            </a:r>
+            <a:r>
+              <a:rPr lang="en-US" sz="1600" dirty="0">
+                <a:latin typeface="Times New Roman" panose="02020603050405020304" pitchFamily="18" charset="0"/>
+                <a:cs typeface="Times New Roman" panose="02020603050405020304" pitchFamily="18" charset="0"/>
+              </a:rPr>
+              <a:t> </a:t>
+            </a:r>
+            <a:r>
+              <a:rPr lang="en-US" sz="1600" dirty="0" err="1">
+                <a:latin typeface="Times New Roman" panose="02020603050405020304" pitchFamily="18" charset="0"/>
+                <a:cs typeface="Times New Roman" panose="02020603050405020304" pitchFamily="18" charset="0"/>
+              </a:rPr>
+              <a:t>nghệ</a:t>
+            </a:r>
+            <a:r>
+              <a:rPr lang="en-US" sz="1600" dirty="0">
+                <a:latin typeface="Times New Roman" panose="02020603050405020304" pitchFamily="18" charset="0"/>
+                <a:cs typeface="Times New Roman" panose="02020603050405020304" pitchFamily="18" charset="0"/>
+              </a:rPr>
+              <a:t> </a:t>
+            </a:r>
+            <a:r>
+              <a:rPr lang="en-US" sz="1600" dirty="0" err="1">
+                <a:latin typeface="Times New Roman" panose="02020603050405020304" pitchFamily="18" charset="0"/>
+                <a:cs typeface="Times New Roman" panose="02020603050405020304" pitchFamily="18" charset="0"/>
+              </a:rPr>
+              <a:t>như</a:t>
+            </a:r>
+            <a:r>
+              <a:rPr lang="en-US" sz="1600" dirty="0">
+                <a:latin typeface="Times New Roman" panose="02020603050405020304" pitchFamily="18" charset="0"/>
+                <a:cs typeface="Times New Roman" panose="02020603050405020304" pitchFamily="18" charset="0"/>
+              </a:rPr>
+              <a:t> FPT </a:t>
+            </a:r>
+            <a:r>
+              <a:rPr lang="en-US" sz="1600" dirty="0" err="1">
+                <a:latin typeface="Times New Roman" panose="02020603050405020304" pitchFamily="18" charset="0"/>
+                <a:cs typeface="Times New Roman" panose="02020603050405020304" pitchFamily="18" charset="0"/>
+              </a:rPr>
+              <a:t>chắc</a:t>
+            </a:r>
+            <a:r>
+              <a:rPr lang="en-US" sz="1600" dirty="0">
+                <a:latin typeface="Times New Roman" panose="02020603050405020304" pitchFamily="18" charset="0"/>
+                <a:cs typeface="Times New Roman" panose="02020603050405020304" pitchFamily="18" charset="0"/>
+              </a:rPr>
+              <a:t> </a:t>
+            </a:r>
+            <a:r>
+              <a:rPr lang="en-US" sz="1600" dirty="0" err="1">
+                <a:latin typeface="Times New Roman" panose="02020603050405020304" pitchFamily="18" charset="0"/>
+                <a:cs typeface="Times New Roman" panose="02020603050405020304" pitchFamily="18" charset="0"/>
+              </a:rPr>
+              <a:t>chắn</a:t>
+            </a:r>
+            <a:r>
+              <a:rPr lang="en-US" sz="1600" dirty="0">
+                <a:latin typeface="Times New Roman" panose="02020603050405020304" pitchFamily="18" charset="0"/>
+                <a:cs typeface="Times New Roman" panose="02020603050405020304" pitchFamily="18" charset="0"/>
+              </a:rPr>
+              <a:t> </a:t>
+            </a:r>
+            <a:r>
+              <a:rPr lang="en-US" sz="1600" dirty="0" err="1">
+                <a:latin typeface="Times New Roman" panose="02020603050405020304" pitchFamily="18" charset="0"/>
+                <a:cs typeface="Times New Roman" panose="02020603050405020304" pitchFamily="18" charset="0"/>
+              </a:rPr>
+              <a:t>sẽ</a:t>
+            </a:r>
+            <a:r>
+              <a:rPr lang="en-US" sz="1600" dirty="0">
+                <a:latin typeface="Times New Roman" panose="02020603050405020304" pitchFamily="18" charset="0"/>
+                <a:cs typeface="Times New Roman" panose="02020603050405020304" pitchFamily="18" charset="0"/>
+              </a:rPr>
+              <a:t> </a:t>
+            </a:r>
+            <a:r>
+              <a:rPr lang="en-US" sz="1600" dirty="0" err="1">
+                <a:latin typeface="Times New Roman" panose="02020603050405020304" pitchFamily="18" charset="0"/>
+                <a:cs typeface="Times New Roman" panose="02020603050405020304" pitchFamily="18" charset="0"/>
+              </a:rPr>
+              <a:t>phải</a:t>
+            </a:r>
+            <a:r>
+              <a:rPr lang="en-US" sz="1600" dirty="0">
+                <a:latin typeface="Times New Roman" panose="02020603050405020304" pitchFamily="18" charset="0"/>
+                <a:cs typeface="Times New Roman" panose="02020603050405020304" pitchFamily="18" charset="0"/>
+              </a:rPr>
+              <a:t> WFH 100%</a:t>
+            </a:r>
+          </a:p>
+          <a:p>
+            <a:pPr lvl="1"/>
+            <a:r>
+              <a:rPr lang="en-US" sz="1600" dirty="0" err="1">
+                <a:latin typeface="Times New Roman" panose="02020603050405020304" pitchFamily="18" charset="0"/>
+                <a:cs typeface="Times New Roman" panose="02020603050405020304" pitchFamily="18" charset="0"/>
+              </a:rPr>
+              <a:t>Việc</a:t>
+            </a:r>
+            <a:r>
+              <a:rPr lang="en-US" sz="1600" dirty="0">
+                <a:latin typeface="Times New Roman" panose="02020603050405020304" pitchFamily="18" charset="0"/>
+                <a:cs typeface="Times New Roman" panose="02020603050405020304" pitchFamily="18" charset="0"/>
+              </a:rPr>
+              <a:t> WFH </a:t>
+            </a:r>
+            <a:r>
+              <a:rPr lang="en-US" sz="1600" dirty="0" err="1">
+                <a:latin typeface="Times New Roman" panose="02020603050405020304" pitchFamily="18" charset="0"/>
+                <a:cs typeface="Times New Roman" panose="02020603050405020304" pitchFamily="18" charset="0"/>
+              </a:rPr>
+              <a:t>cũng</a:t>
+            </a:r>
+            <a:r>
+              <a:rPr lang="en-US" sz="1600" dirty="0">
+                <a:latin typeface="Times New Roman" panose="02020603050405020304" pitchFamily="18" charset="0"/>
+                <a:cs typeface="Times New Roman" panose="02020603050405020304" pitchFamily="18" charset="0"/>
+              </a:rPr>
+              <a:t> </a:t>
+            </a:r>
+            <a:r>
+              <a:rPr lang="en-US" sz="1600" dirty="0" err="1">
+                <a:latin typeface="Times New Roman" panose="02020603050405020304" pitchFamily="18" charset="0"/>
+                <a:cs typeface="Times New Roman" panose="02020603050405020304" pitchFamily="18" charset="0"/>
+              </a:rPr>
+              <a:t>sẽ</a:t>
+            </a:r>
+            <a:r>
+              <a:rPr lang="en-US" sz="1600" dirty="0">
+                <a:latin typeface="Times New Roman" panose="02020603050405020304" pitchFamily="18" charset="0"/>
+                <a:cs typeface="Times New Roman" panose="02020603050405020304" pitchFamily="18" charset="0"/>
+              </a:rPr>
+              <a:t> </a:t>
+            </a:r>
+            <a:r>
+              <a:rPr lang="en-US" sz="1600" dirty="0" err="1">
+                <a:latin typeface="Times New Roman" panose="02020603050405020304" pitchFamily="18" charset="0"/>
+                <a:cs typeface="Times New Roman" panose="02020603050405020304" pitchFamily="18" charset="0"/>
+              </a:rPr>
+              <a:t>phải</a:t>
+            </a:r>
+            <a:r>
+              <a:rPr lang="en-US" sz="1600" dirty="0">
+                <a:latin typeface="Times New Roman" panose="02020603050405020304" pitchFamily="18" charset="0"/>
+                <a:cs typeface="Times New Roman" panose="02020603050405020304" pitchFamily="18" charset="0"/>
+              </a:rPr>
+              <a:t> </a:t>
+            </a:r>
+            <a:r>
+              <a:rPr lang="en-US" sz="1600" dirty="0" err="1">
+                <a:latin typeface="Times New Roman" panose="02020603050405020304" pitchFamily="18" charset="0"/>
+                <a:cs typeface="Times New Roman" panose="02020603050405020304" pitchFamily="18" charset="0"/>
+              </a:rPr>
+              <a:t>gặp</a:t>
+            </a:r>
+            <a:r>
+              <a:rPr lang="en-US" sz="1600" dirty="0">
+                <a:latin typeface="Times New Roman" panose="02020603050405020304" pitchFamily="18" charset="0"/>
+                <a:cs typeface="Times New Roman" panose="02020603050405020304" pitchFamily="18" charset="0"/>
+              </a:rPr>
+              <a:t> </a:t>
+            </a:r>
+            <a:r>
+              <a:rPr lang="en-US" sz="1600" dirty="0" err="1">
+                <a:latin typeface="Times New Roman" panose="02020603050405020304" pitchFamily="18" charset="0"/>
+                <a:cs typeface="Times New Roman" panose="02020603050405020304" pitchFamily="18" charset="0"/>
+              </a:rPr>
+              <a:t>mội</a:t>
+            </a:r>
+            <a:r>
+              <a:rPr lang="en-US" sz="1600" dirty="0">
+                <a:latin typeface="Times New Roman" panose="02020603050405020304" pitchFamily="18" charset="0"/>
+                <a:cs typeface="Times New Roman" panose="02020603050405020304" pitchFamily="18" charset="0"/>
+              </a:rPr>
+              <a:t> </a:t>
+            </a:r>
+            <a:r>
+              <a:rPr lang="en-US" sz="1600" dirty="0" err="1">
+                <a:latin typeface="Times New Roman" panose="02020603050405020304" pitchFamily="18" charset="0"/>
+                <a:cs typeface="Times New Roman" panose="02020603050405020304" pitchFamily="18" charset="0"/>
+              </a:rPr>
+              <a:t>số</a:t>
+            </a:r>
+            <a:r>
+              <a:rPr lang="en-US" sz="1600" dirty="0">
+                <a:latin typeface="Times New Roman" panose="02020603050405020304" pitchFamily="18" charset="0"/>
+                <a:cs typeface="Times New Roman" panose="02020603050405020304" pitchFamily="18" charset="0"/>
+              </a:rPr>
+              <a:t> issue </a:t>
+            </a:r>
+            <a:r>
+              <a:rPr lang="en-US" sz="1600" dirty="0" err="1">
+                <a:latin typeface="Times New Roman" panose="02020603050405020304" pitchFamily="18" charset="0"/>
+                <a:cs typeface="Times New Roman" panose="02020603050405020304" pitchFamily="18" charset="0"/>
+              </a:rPr>
+              <a:t>như</a:t>
+            </a:r>
+            <a:r>
+              <a:rPr lang="en-US" sz="1600" dirty="0">
+                <a:latin typeface="Times New Roman" panose="02020603050405020304" pitchFamily="18" charset="0"/>
+                <a:cs typeface="Times New Roman" panose="02020603050405020304" pitchFamily="18" charset="0"/>
+              </a:rPr>
+              <a:t> </a:t>
+            </a:r>
+            <a:r>
+              <a:rPr lang="en-US" sz="1600" dirty="0" err="1">
+                <a:latin typeface="Times New Roman" panose="02020603050405020304" pitchFamily="18" charset="0"/>
+                <a:cs typeface="Times New Roman" panose="02020603050405020304" pitchFamily="18" charset="0"/>
+              </a:rPr>
+              <a:t>máy</a:t>
+            </a:r>
+            <a:r>
+              <a:rPr lang="en-US" sz="1600" dirty="0">
+                <a:latin typeface="Times New Roman" panose="02020603050405020304" pitchFamily="18" charset="0"/>
+                <a:cs typeface="Times New Roman" panose="02020603050405020304" pitchFamily="18" charset="0"/>
+              </a:rPr>
+              <a:t> </a:t>
+            </a:r>
+            <a:r>
+              <a:rPr lang="en-US" sz="1600" dirty="0" err="1">
+                <a:latin typeface="Times New Roman" panose="02020603050405020304" pitchFamily="18" charset="0"/>
+                <a:cs typeface="Times New Roman" panose="02020603050405020304" pitchFamily="18" charset="0"/>
+              </a:rPr>
+              <a:t>tình</a:t>
+            </a:r>
+            <a:r>
+              <a:rPr lang="en-US" sz="1600" dirty="0">
+                <a:latin typeface="Times New Roman" panose="02020603050405020304" pitchFamily="18" charset="0"/>
+                <a:cs typeface="Times New Roman" panose="02020603050405020304" pitchFamily="18" charset="0"/>
+              </a:rPr>
+              <a:t> </a:t>
+            </a:r>
+            <a:r>
+              <a:rPr lang="en-US" sz="1600" dirty="0" err="1">
+                <a:latin typeface="Times New Roman" panose="02020603050405020304" pitchFamily="18" charset="0"/>
+                <a:cs typeface="Times New Roman" panose="02020603050405020304" pitchFamily="18" charset="0"/>
+              </a:rPr>
+              <a:t>bị</a:t>
+            </a:r>
+            <a:r>
+              <a:rPr lang="en-US" sz="1600" dirty="0">
+                <a:latin typeface="Times New Roman" panose="02020603050405020304" pitchFamily="18" charset="0"/>
+                <a:cs typeface="Times New Roman" panose="02020603050405020304" pitchFamily="18" charset="0"/>
+              </a:rPr>
+              <a:t> </a:t>
+            </a:r>
+            <a:r>
+              <a:rPr lang="en-US" sz="1600" dirty="0" err="1">
+                <a:latin typeface="Times New Roman" panose="02020603050405020304" pitchFamily="18" charset="0"/>
+                <a:cs typeface="Times New Roman" panose="02020603050405020304" pitchFamily="18" charset="0"/>
+              </a:rPr>
+              <a:t>treo</a:t>
+            </a:r>
+            <a:r>
+              <a:rPr lang="en-US" sz="1600" dirty="0">
+                <a:latin typeface="Times New Roman" panose="02020603050405020304" pitchFamily="18" charset="0"/>
+                <a:cs typeface="Times New Roman" panose="02020603050405020304" pitchFamily="18" charset="0"/>
+              </a:rPr>
+              <a:t>/ UPS </a:t>
+            </a:r>
+            <a:r>
+              <a:rPr lang="en-US" sz="1600" dirty="0" err="1">
+                <a:latin typeface="Times New Roman" panose="02020603050405020304" pitchFamily="18" charset="0"/>
+                <a:cs typeface="Times New Roman" panose="02020603050405020304" pitchFamily="18" charset="0"/>
+              </a:rPr>
+              <a:t>bị</a:t>
+            </a:r>
+            <a:r>
+              <a:rPr lang="en-US" sz="1600" dirty="0">
+                <a:latin typeface="Times New Roman" panose="02020603050405020304" pitchFamily="18" charset="0"/>
+                <a:cs typeface="Times New Roman" panose="02020603050405020304" pitchFamily="18" charset="0"/>
+              </a:rPr>
+              <a:t> </a:t>
+            </a:r>
+            <a:r>
+              <a:rPr lang="en-US" sz="1600" dirty="0" err="1">
+                <a:latin typeface="Times New Roman" panose="02020603050405020304" pitchFamily="18" charset="0"/>
+                <a:cs typeface="Times New Roman" panose="02020603050405020304" pitchFamily="18" charset="0"/>
+              </a:rPr>
+              <a:t>tắt</a:t>
+            </a:r>
+            <a:r>
+              <a:rPr lang="en-US" sz="1600" dirty="0">
+                <a:latin typeface="Times New Roman" panose="02020603050405020304" pitchFamily="18" charset="0"/>
+                <a:cs typeface="Times New Roman" panose="02020603050405020304" pitchFamily="18" charset="0"/>
+              </a:rPr>
+              <a:t> </a:t>
+            </a:r>
+            <a:r>
+              <a:rPr lang="en-US" sz="1600" dirty="0" err="1">
+                <a:latin typeface="Times New Roman" panose="02020603050405020304" pitchFamily="18" charset="0"/>
+                <a:cs typeface="Times New Roman" panose="02020603050405020304" pitchFamily="18" charset="0"/>
+              </a:rPr>
+              <a:t>cần</a:t>
+            </a:r>
+            <a:r>
+              <a:rPr lang="en-US" sz="1600" dirty="0">
+                <a:latin typeface="Times New Roman" panose="02020603050405020304" pitchFamily="18" charset="0"/>
+                <a:cs typeface="Times New Roman" panose="02020603050405020304" pitchFamily="18" charset="0"/>
+              </a:rPr>
+              <a:t> </a:t>
+            </a:r>
+            <a:r>
+              <a:rPr lang="en-US" sz="1600" dirty="0" err="1">
+                <a:latin typeface="Times New Roman" panose="02020603050405020304" pitchFamily="18" charset="0"/>
+                <a:cs typeface="Times New Roman" panose="02020603050405020304" pitchFamily="18" charset="0"/>
+              </a:rPr>
+              <a:t>khỏi</a:t>
+            </a:r>
+            <a:r>
+              <a:rPr lang="en-US" sz="1600" dirty="0">
+                <a:latin typeface="Times New Roman" panose="02020603050405020304" pitchFamily="18" charset="0"/>
+                <a:cs typeface="Times New Roman" panose="02020603050405020304" pitchFamily="18" charset="0"/>
+              </a:rPr>
+              <a:t> </a:t>
+            </a:r>
+            <a:r>
+              <a:rPr lang="en-US" sz="1600" dirty="0" err="1">
+                <a:latin typeface="Times New Roman" panose="02020603050405020304" pitchFamily="18" charset="0"/>
+                <a:cs typeface="Times New Roman" panose="02020603050405020304" pitchFamily="18" charset="0"/>
+              </a:rPr>
+              <a:t>động</a:t>
+            </a:r>
+            <a:r>
+              <a:rPr lang="en-US" sz="1600" dirty="0">
+                <a:latin typeface="Times New Roman" panose="02020603050405020304" pitchFamily="18" charset="0"/>
+                <a:cs typeface="Times New Roman" panose="02020603050405020304" pitchFamily="18" charset="0"/>
+              </a:rPr>
+              <a:t> </a:t>
+            </a:r>
+            <a:r>
+              <a:rPr lang="en-US" sz="1600" dirty="0" err="1">
+                <a:latin typeface="Times New Roman" panose="02020603050405020304" pitchFamily="18" charset="0"/>
+                <a:cs typeface="Times New Roman" panose="02020603050405020304" pitchFamily="18" charset="0"/>
+              </a:rPr>
+              <a:t>lại</a:t>
+            </a:r>
+            <a:r>
+              <a:rPr lang="en-US" sz="1600" dirty="0">
+                <a:latin typeface="Times New Roman" panose="02020603050405020304" pitchFamily="18" charset="0"/>
+                <a:cs typeface="Times New Roman" panose="02020603050405020304" pitchFamily="18" charset="0"/>
+              </a:rPr>
+              <a:t>.</a:t>
+            </a:r>
+          </a:p>
+          <a:p>
+            <a:pPr lvl="1"/>
+            <a:r>
+              <a:rPr lang="en-US" sz="1600" dirty="0">
+                <a:latin typeface="Times New Roman" panose="02020603050405020304" pitchFamily="18" charset="0"/>
+                <a:cs typeface="Times New Roman" panose="02020603050405020304" pitchFamily="18" charset="0"/>
+              </a:rPr>
+              <a:t>Team [</a:t>
+            </a:r>
+            <a:r>
+              <a:rPr lang="en-US" sz="1600" dirty="0" err="1">
+                <a:latin typeface="Times New Roman" panose="02020603050405020304" pitchFamily="18" charset="0"/>
+                <a:cs typeface="Times New Roman" panose="02020603050405020304" pitchFamily="18" charset="0"/>
+              </a:rPr>
+              <a:t>Chúa</a:t>
+            </a:r>
+            <a:r>
+              <a:rPr lang="en-US" sz="1600" dirty="0">
+                <a:latin typeface="Times New Roman" panose="02020603050405020304" pitchFamily="18" charset="0"/>
+                <a:cs typeface="Times New Roman" panose="02020603050405020304" pitchFamily="18" charset="0"/>
+              </a:rPr>
+              <a:t> </a:t>
+            </a:r>
+            <a:r>
+              <a:rPr lang="en-US" sz="1600" dirty="0" err="1">
+                <a:latin typeface="Times New Roman" panose="02020603050405020304" pitchFamily="18" charset="0"/>
+                <a:cs typeface="Times New Roman" panose="02020603050405020304" pitchFamily="18" charset="0"/>
+              </a:rPr>
+              <a:t>tể</a:t>
+            </a:r>
+            <a:r>
+              <a:rPr lang="en-US" sz="1600" dirty="0">
+                <a:latin typeface="Times New Roman" panose="02020603050405020304" pitchFamily="18" charset="0"/>
+                <a:cs typeface="Times New Roman" panose="02020603050405020304" pitchFamily="18" charset="0"/>
+              </a:rPr>
+              <a:t> tool </a:t>
+            </a:r>
+            <a:r>
+              <a:rPr lang="en-US" sz="1600" dirty="0" err="1">
+                <a:latin typeface="Times New Roman" panose="02020603050405020304" pitchFamily="18" charset="0"/>
+                <a:cs typeface="Times New Roman" panose="02020603050405020304" pitchFamily="18" charset="0"/>
+              </a:rPr>
+              <a:t>lỗi</a:t>
+            </a:r>
+            <a:r>
+              <a:rPr lang="en-US" sz="1600" dirty="0">
+                <a:latin typeface="Times New Roman" panose="02020603050405020304" pitchFamily="18" charset="0"/>
+                <a:cs typeface="Times New Roman" panose="02020603050405020304" pitchFamily="18" charset="0"/>
+              </a:rPr>
+              <a:t>] </a:t>
+            </a:r>
+            <a:r>
+              <a:rPr lang="en-US" sz="1600" dirty="0" err="1">
+                <a:latin typeface="Times New Roman" panose="02020603050405020304" pitchFamily="18" charset="0"/>
+                <a:cs typeface="Times New Roman" panose="02020603050405020304" pitchFamily="18" charset="0"/>
+              </a:rPr>
+              <a:t>đã</a:t>
+            </a:r>
+            <a:r>
+              <a:rPr lang="en-US" sz="1600" dirty="0">
+                <a:latin typeface="Times New Roman" panose="02020603050405020304" pitchFamily="18" charset="0"/>
+                <a:cs typeface="Times New Roman" panose="02020603050405020304" pitchFamily="18" charset="0"/>
+              </a:rPr>
+              <a:t> </a:t>
+            </a:r>
+            <a:r>
+              <a:rPr lang="en-US" sz="1600" dirty="0" err="1">
+                <a:latin typeface="Times New Roman" panose="02020603050405020304" pitchFamily="18" charset="0"/>
+                <a:cs typeface="Times New Roman" panose="02020603050405020304" pitchFamily="18" charset="0"/>
+              </a:rPr>
+              <a:t>thực</a:t>
+            </a:r>
+            <a:r>
+              <a:rPr lang="en-US" sz="1600" dirty="0">
+                <a:latin typeface="Times New Roman" panose="02020603050405020304" pitchFamily="18" charset="0"/>
+                <a:cs typeface="Times New Roman" panose="02020603050405020304" pitchFamily="18" charset="0"/>
+              </a:rPr>
+              <a:t> </a:t>
+            </a:r>
+            <a:r>
+              <a:rPr lang="en-US" sz="1600" dirty="0" err="1">
+                <a:latin typeface="Times New Roman" panose="02020603050405020304" pitchFamily="18" charset="0"/>
+                <a:cs typeface="Times New Roman" panose="02020603050405020304" pitchFamily="18" charset="0"/>
+              </a:rPr>
+              <a:t>hiện</a:t>
+            </a:r>
+            <a:r>
+              <a:rPr lang="en-US" sz="1600" dirty="0">
+                <a:latin typeface="Times New Roman" panose="02020603050405020304" pitchFamily="18" charset="0"/>
+                <a:cs typeface="Times New Roman" panose="02020603050405020304" pitchFamily="18" charset="0"/>
+              </a:rPr>
+              <a:t> 1 ý </a:t>
+            </a:r>
+            <a:r>
+              <a:rPr lang="en-US" sz="1600" dirty="0" err="1">
+                <a:latin typeface="Times New Roman" panose="02020603050405020304" pitchFamily="18" charset="0"/>
+                <a:cs typeface="Times New Roman" panose="02020603050405020304" pitchFamily="18" charset="0"/>
+              </a:rPr>
+              <a:t>tưởng</a:t>
+            </a:r>
+            <a:r>
+              <a:rPr lang="en-US" sz="1600" dirty="0">
+                <a:latin typeface="Times New Roman" panose="02020603050405020304" pitchFamily="18" charset="0"/>
+                <a:cs typeface="Times New Roman" panose="02020603050405020304" pitchFamily="18" charset="0"/>
+              </a:rPr>
+              <a:t> </a:t>
+            </a:r>
+            <a:r>
+              <a:rPr lang="en-US" sz="1600" dirty="0" err="1">
+                <a:latin typeface="Times New Roman" panose="02020603050405020304" pitchFamily="18" charset="0"/>
+                <a:cs typeface="Times New Roman" panose="02020603050405020304" pitchFamily="18" charset="0"/>
+              </a:rPr>
+              <a:t>để</a:t>
+            </a:r>
+            <a:r>
+              <a:rPr lang="en-US" sz="1600" dirty="0">
+                <a:latin typeface="Times New Roman" panose="02020603050405020304" pitchFamily="18" charset="0"/>
+                <a:cs typeface="Times New Roman" panose="02020603050405020304" pitchFamily="18" charset="0"/>
+              </a:rPr>
+              <a:t> </a:t>
+            </a:r>
+            <a:r>
+              <a:rPr lang="en-US" sz="1600" dirty="0" err="1">
+                <a:latin typeface="Times New Roman" panose="02020603050405020304" pitchFamily="18" charset="0"/>
+                <a:cs typeface="Times New Roman" panose="02020603050405020304" pitchFamily="18" charset="0"/>
+              </a:rPr>
+              <a:t>có</a:t>
+            </a:r>
+            <a:r>
+              <a:rPr lang="en-US" sz="1600" dirty="0">
+                <a:latin typeface="Times New Roman" panose="02020603050405020304" pitchFamily="18" charset="0"/>
+                <a:cs typeface="Times New Roman" panose="02020603050405020304" pitchFamily="18" charset="0"/>
+              </a:rPr>
+              <a:t> </a:t>
+            </a:r>
+            <a:r>
+              <a:rPr lang="en-US" sz="1600" dirty="0" err="1">
+                <a:latin typeface="Times New Roman" panose="02020603050405020304" pitchFamily="18" charset="0"/>
+                <a:cs typeface="Times New Roman" panose="02020603050405020304" pitchFamily="18" charset="0"/>
+              </a:rPr>
+              <a:t>thể</a:t>
+            </a:r>
+            <a:r>
+              <a:rPr lang="en-US" sz="1600" dirty="0">
+                <a:latin typeface="Times New Roman" panose="02020603050405020304" pitchFamily="18" charset="0"/>
+                <a:cs typeface="Times New Roman" panose="02020603050405020304" pitchFamily="18" charset="0"/>
+              </a:rPr>
+              <a:t> </a:t>
+            </a:r>
+            <a:r>
+              <a:rPr lang="en-US" sz="1600" dirty="0" err="1">
+                <a:latin typeface="Times New Roman" panose="02020603050405020304" pitchFamily="18" charset="0"/>
+                <a:cs typeface="Times New Roman" panose="02020603050405020304" pitchFamily="18" charset="0"/>
+              </a:rPr>
+              <a:t>giải</a:t>
+            </a:r>
+            <a:r>
+              <a:rPr lang="en-US" sz="1600" dirty="0">
+                <a:latin typeface="Times New Roman" panose="02020603050405020304" pitchFamily="18" charset="0"/>
+                <a:cs typeface="Times New Roman" panose="02020603050405020304" pitchFamily="18" charset="0"/>
+              </a:rPr>
+              <a:t> </a:t>
+            </a:r>
+            <a:r>
+              <a:rPr lang="en-US" sz="1600" dirty="0" err="1">
+                <a:latin typeface="Times New Roman" panose="02020603050405020304" pitchFamily="18" charset="0"/>
+                <a:cs typeface="Times New Roman" panose="02020603050405020304" pitchFamily="18" charset="0"/>
+              </a:rPr>
+              <a:t>quyết</a:t>
+            </a:r>
+            <a:r>
+              <a:rPr lang="en-US" sz="1600" dirty="0">
+                <a:latin typeface="Times New Roman" panose="02020603050405020304" pitchFamily="18" charset="0"/>
+                <a:cs typeface="Times New Roman" panose="02020603050405020304" pitchFamily="18" charset="0"/>
+              </a:rPr>
+              <a:t> </a:t>
+            </a:r>
+            <a:r>
+              <a:rPr lang="en-US" sz="1600" dirty="0" err="1">
+                <a:latin typeface="Times New Roman" panose="02020603050405020304" pitchFamily="18" charset="0"/>
+                <a:cs typeface="Times New Roman" panose="02020603050405020304" pitchFamily="18" charset="0"/>
+              </a:rPr>
+              <a:t>các</a:t>
+            </a:r>
+            <a:r>
+              <a:rPr lang="en-US" sz="1600" dirty="0">
+                <a:latin typeface="Times New Roman" panose="02020603050405020304" pitchFamily="18" charset="0"/>
+                <a:cs typeface="Times New Roman" panose="02020603050405020304" pitchFamily="18" charset="0"/>
+              </a:rPr>
+              <a:t> </a:t>
+            </a:r>
+            <a:r>
+              <a:rPr lang="en-US" sz="1600" dirty="0" err="1">
+                <a:latin typeface="Times New Roman" panose="02020603050405020304" pitchFamily="18" charset="0"/>
+                <a:cs typeface="Times New Roman" panose="02020603050405020304" pitchFamily="18" charset="0"/>
+              </a:rPr>
+              <a:t>vấn</a:t>
+            </a:r>
+            <a:r>
+              <a:rPr lang="en-US" sz="1600" dirty="0">
+                <a:latin typeface="Times New Roman" panose="02020603050405020304" pitchFamily="18" charset="0"/>
+                <a:cs typeface="Times New Roman" panose="02020603050405020304" pitchFamily="18" charset="0"/>
+              </a:rPr>
+              <a:t> </a:t>
+            </a:r>
+            <a:r>
+              <a:rPr lang="en-US" sz="1600" dirty="0" err="1">
+                <a:latin typeface="Times New Roman" panose="02020603050405020304" pitchFamily="18" charset="0"/>
+                <a:cs typeface="Times New Roman" panose="02020603050405020304" pitchFamily="18" charset="0"/>
+              </a:rPr>
+              <a:t>đề</a:t>
+            </a:r>
+            <a:r>
+              <a:rPr lang="en-US" sz="1600" dirty="0">
+                <a:latin typeface="Times New Roman" panose="02020603050405020304" pitchFamily="18" charset="0"/>
+                <a:cs typeface="Times New Roman" panose="02020603050405020304" pitchFamily="18" charset="0"/>
+              </a:rPr>
+              <a:t> </a:t>
+            </a:r>
+            <a:r>
+              <a:rPr lang="en-US" sz="1600" dirty="0" err="1">
+                <a:latin typeface="Times New Roman" panose="02020603050405020304" pitchFamily="18" charset="0"/>
+                <a:cs typeface="Times New Roman" panose="02020603050405020304" pitchFamily="18" charset="0"/>
+              </a:rPr>
+              <a:t>trên</a:t>
+            </a:r>
+            <a:r>
+              <a:rPr lang="en-US" sz="1600" dirty="0">
+                <a:latin typeface="Times New Roman" panose="02020603050405020304" pitchFamily="18" charset="0"/>
+                <a:cs typeface="Times New Roman" panose="02020603050405020304" pitchFamily="18" charset="0"/>
+              </a:rPr>
+              <a:t>.</a:t>
+            </a:r>
+          </a:p>
+          <a:p>
+            <a:pPr lvl="1"/>
+            <a:r>
+              <a:rPr lang="en-US" sz="1600" dirty="0" err="1">
+                <a:latin typeface="Times New Roman" panose="02020603050405020304" pitchFamily="18" charset="0"/>
+                <a:cs typeface="Times New Roman" panose="02020603050405020304" pitchFamily="18" charset="0"/>
+              </a:rPr>
+              <a:t>Tạo</a:t>
+            </a:r>
+            <a:r>
+              <a:rPr lang="en-US" sz="1600" dirty="0">
+                <a:latin typeface="Times New Roman" panose="02020603050405020304" pitchFamily="18" charset="0"/>
+                <a:cs typeface="Times New Roman" panose="02020603050405020304" pitchFamily="18" charset="0"/>
+              </a:rPr>
+              <a:t> </a:t>
+            </a:r>
+            <a:r>
+              <a:rPr lang="en-US" sz="1600" dirty="0" err="1">
+                <a:latin typeface="Times New Roman" panose="02020603050405020304" pitchFamily="18" charset="0"/>
+                <a:cs typeface="Times New Roman" panose="02020603050405020304" pitchFamily="18" charset="0"/>
+              </a:rPr>
+              <a:t>ra</a:t>
+            </a:r>
+            <a:r>
+              <a:rPr lang="en-US" sz="1600" dirty="0">
+                <a:latin typeface="Times New Roman" panose="02020603050405020304" pitchFamily="18" charset="0"/>
+                <a:cs typeface="Times New Roman" panose="02020603050405020304" pitchFamily="18" charset="0"/>
+              </a:rPr>
+              <a:t> 1 con robot </a:t>
+            </a:r>
+            <a:r>
+              <a:rPr lang="en-US" sz="1600" dirty="0" err="1">
+                <a:latin typeface="Times New Roman" panose="02020603050405020304" pitchFamily="18" charset="0"/>
+                <a:cs typeface="Times New Roman" panose="02020603050405020304" pitchFamily="18" charset="0"/>
+              </a:rPr>
+              <a:t>đi</a:t>
+            </a:r>
+            <a:r>
+              <a:rPr lang="en-US" sz="1600" dirty="0">
+                <a:latin typeface="Times New Roman" panose="02020603050405020304" pitchFamily="18" charset="0"/>
+                <a:cs typeface="Times New Roman" panose="02020603050405020304" pitchFamily="18" charset="0"/>
+              </a:rPr>
+              <a:t> </a:t>
+            </a:r>
+            <a:r>
+              <a:rPr lang="en-US" sz="1600" dirty="0" err="1">
+                <a:latin typeface="Times New Roman" panose="02020603050405020304" pitchFamily="18" charset="0"/>
+                <a:cs typeface="Times New Roman" panose="02020603050405020304" pitchFamily="18" charset="0"/>
+              </a:rPr>
+              <a:t>ấn</a:t>
+            </a:r>
+            <a:r>
+              <a:rPr lang="en-US" sz="1600" dirty="0">
+                <a:latin typeface="Times New Roman" panose="02020603050405020304" pitchFamily="18" charset="0"/>
+                <a:cs typeface="Times New Roman" panose="02020603050405020304" pitchFamily="18" charset="0"/>
+              </a:rPr>
+              <a:t> button restart </a:t>
+            </a:r>
+            <a:r>
+              <a:rPr lang="en-US" sz="1600" dirty="0" err="1">
+                <a:latin typeface="Times New Roman" panose="02020603050405020304" pitchFamily="18" charset="0"/>
+                <a:cs typeface="Times New Roman" panose="02020603050405020304" pitchFamily="18" charset="0"/>
+              </a:rPr>
+              <a:t>và</a:t>
+            </a:r>
+            <a:r>
+              <a:rPr lang="en-US" sz="1600" dirty="0">
+                <a:latin typeface="Times New Roman" panose="02020603050405020304" pitchFamily="18" charset="0"/>
+                <a:cs typeface="Times New Roman" panose="02020603050405020304" pitchFamily="18" charset="0"/>
+              </a:rPr>
+              <a:t> 1 website </a:t>
+            </a:r>
+            <a:r>
+              <a:rPr lang="en-US" sz="1600" dirty="0" err="1">
+                <a:latin typeface="Times New Roman" panose="02020603050405020304" pitchFamily="18" charset="0"/>
+                <a:cs typeface="Times New Roman" panose="02020603050405020304" pitchFamily="18" charset="0"/>
+              </a:rPr>
+              <a:t>có</a:t>
+            </a:r>
+            <a:r>
+              <a:rPr lang="en-US" sz="1600" dirty="0">
+                <a:latin typeface="Times New Roman" panose="02020603050405020304" pitchFamily="18" charset="0"/>
+                <a:cs typeface="Times New Roman" panose="02020603050405020304" pitchFamily="18" charset="0"/>
+              </a:rPr>
+              <a:t> </a:t>
+            </a:r>
+            <a:r>
+              <a:rPr lang="en-US" sz="1600" dirty="0" err="1">
+                <a:latin typeface="Times New Roman" panose="02020603050405020304" pitchFamily="18" charset="0"/>
+                <a:cs typeface="Times New Roman" panose="02020603050405020304" pitchFamily="18" charset="0"/>
+              </a:rPr>
+              <a:t>thế</a:t>
+            </a:r>
+            <a:r>
+              <a:rPr lang="en-US" sz="1600" dirty="0">
+                <a:latin typeface="Times New Roman" panose="02020603050405020304" pitchFamily="18" charset="0"/>
+                <a:cs typeface="Times New Roman" panose="02020603050405020304" pitchFamily="18" charset="0"/>
+              </a:rPr>
+              <a:t> </a:t>
+            </a:r>
+            <a:r>
+              <a:rPr lang="en-US" sz="1600" dirty="0" err="1">
+                <a:latin typeface="Times New Roman" panose="02020603050405020304" pitchFamily="18" charset="0"/>
+                <a:cs typeface="Times New Roman" panose="02020603050405020304" pitchFamily="18" charset="0"/>
+              </a:rPr>
+              <a:t>quản</a:t>
+            </a:r>
+            <a:r>
+              <a:rPr lang="en-US" sz="1600" dirty="0">
+                <a:latin typeface="Times New Roman" panose="02020603050405020304" pitchFamily="18" charset="0"/>
+                <a:cs typeface="Times New Roman" panose="02020603050405020304" pitchFamily="18" charset="0"/>
+              </a:rPr>
+              <a:t> </a:t>
+            </a:r>
+            <a:r>
+              <a:rPr lang="en-US" sz="1600" dirty="0" err="1">
+                <a:latin typeface="Times New Roman" panose="02020603050405020304" pitchFamily="18" charset="0"/>
+                <a:cs typeface="Times New Roman" panose="02020603050405020304" pitchFamily="18" charset="0"/>
+              </a:rPr>
+              <a:t>lý</a:t>
+            </a:r>
+            <a:r>
+              <a:rPr lang="en-US" sz="1600" dirty="0">
+                <a:latin typeface="Times New Roman" panose="02020603050405020304" pitchFamily="18" charset="0"/>
+                <a:cs typeface="Times New Roman" panose="02020603050405020304" pitchFamily="18" charset="0"/>
+              </a:rPr>
+              <a:t> </a:t>
+            </a:r>
+            <a:r>
+              <a:rPr lang="en-US" sz="1600" dirty="0" err="1">
+                <a:latin typeface="Times New Roman" panose="02020603050405020304" pitchFamily="18" charset="0"/>
+                <a:cs typeface="Times New Roman" panose="02020603050405020304" pitchFamily="18" charset="0"/>
+              </a:rPr>
+              <a:t>việc</a:t>
+            </a:r>
+            <a:r>
+              <a:rPr lang="en-US" sz="1600" dirty="0">
+                <a:latin typeface="Times New Roman" panose="02020603050405020304" pitchFamily="18" charset="0"/>
+                <a:cs typeface="Times New Roman" panose="02020603050405020304" pitchFamily="18" charset="0"/>
+              </a:rPr>
+              <a:t> </a:t>
+            </a:r>
+            <a:r>
+              <a:rPr lang="en-US" sz="1600" dirty="0" err="1">
+                <a:latin typeface="Times New Roman" panose="02020603050405020304" pitchFamily="18" charset="0"/>
+                <a:cs typeface="Times New Roman" panose="02020603050405020304" pitchFamily="18" charset="0"/>
+              </a:rPr>
+              <a:t>điều</a:t>
+            </a:r>
+            <a:r>
+              <a:rPr lang="en-US" sz="1600" dirty="0">
+                <a:latin typeface="Times New Roman" panose="02020603050405020304" pitchFamily="18" charset="0"/>
+                <a:cs typeface="Times New Roman" panose="02020603050405020304" pitchFamily="18" charset="0"/>
+              </a:rPr>
+              <a:t> </a:t>
+            </a:r>
+            <a:r>
+              <a:rPr lang="en-US" sz="1600" dirty="0" err="1">
+                <a:latin typeface="Times New Roman" panose="02020603050405020304" pitchFamily="18" charset="0"/>
+                <a:cs typeface="Times New Roman" panose="02020603050405020304" pitchFamily="18" charset="0"/>
+              </a:rPr>
+              <a:t>khiển</a:t>
+            </a:r>
+            <a:r>
+              <a:rPr lang="en-US" sz="1600" dirty="0">
+                <a:latin typeface="Times New Roman" panose="02020603050405020304" pitchFamily="18" charset="0"/>
+                <a:cs typeface="Times New Roman" panose="02020603050405020304" pitchFamily="18" charset="0"/>
+              </a:rPr>
+              <a:t> robot </a:t>
+            </a:r>
+            <a:r>
+              <a:rPr lang="en-US" sz="1600" dirty="0" err="1">
+                <a:latin typeface="Times New Roman" panose="02020603050405020304" pitchFamily="18" charset="0"/>
+                <a:cs typeface="Times New Roman" panose="02020603050405020304" pitchFamily="18" charset="0"/>
+              </a:rPr>
+              <a:t>dễ</a:t>
+            </a:r>
+            <a:r>
+              <a:rPr lang="en-US" sz="1600" dirty="0">
+                <a:latin typeface="Times New Roman" panose="02020603050405020304" pitchFamily="18" charset="0"/>
+                <a:cs typeface="Times New Roman" panose="02020603050405020304" pitchFamily="18" charset="0"/>
+              </a:rPr>
+              <a:t> </a:t>
+            </a:r>
+            <a:r>
+              <a:rPr lang="en-US" sz="1600" dirty="0" err="1">
+                <a:latin typeface="Times New Roman" panose="02020603050405020304" pitchFamily="18" charset="0"/>
+                <a:cs typeface="Times New Roman" panose="02020603050405020304" pitchFamily="18" charset="0"/>
+              </a:rPr>
+              <a:t>dàng</a:t>
+            </a:r>
+            <a:r>
+              <a:rPr lang="en-US" sz="1600" dirty="0">
+                <a:latin typeface="Times New Roman" panose="02020603050405020304" pitchFamily="18" charset="0"/>
+                <a:cs typeface="Times New Roman" panose="02020603050405020304" pitchFamily="18" charset="0"/>
+              </a:rPr>
+              <a:t>.</a:t>
+            </a:r>
+          </a:p>
+          <a:p>
+            <a:r>
+              <a:rPr lang="en-US" sz="1600" b="1" dirty="0" err="1">
+                <a:latin typeface="Times New Roman" panose="02020603050405020304" pitchFamily="18" charset="0"/>
+                <a:cs typeface="Times New Roman" panose="02020603050405020304" pitchFamily="18" charset="0"/>
+              </a:rPr>
+              <a:t>Thành</a:t>
+            </a:r>
+            <a:r>
+              <a:rPr lang="en-US" sz="1600" b="1" dirty="0">
+                <a:latin typeface="Times New Roman" panose="02020603050405020304" pitchFamily="18" charset="0"/>
+                <a:cs typeface="Times New Roman" panose="02020603050405020304" pitchFamily="18" charset="0"/>
+              </a:rPr>
+              <a:t> </a:t>
+            </a:r>
+            <a:r>
+              <a:rPr lang="en-US" sz="1600" b="1" dirty="0" err="1">
+                <a:latin typeface="Times New Roman" panose="02020603050405020304" pitchFamily="18" charset="0"/>
+                <a:cs typeface="Times New Roman" panose="02020603050405020304" pitchFamily="18" charset="0"/>
+              </a:rPr>
+              <a:t>viên</a:t>
+            </a:r>
+            <a:r>
+              <a:rPr lang="en-US" sz="1600" b="1" dirty="0">
+                <a:latin typeface="Times New Roman" panose="02020603050405020304" pitchFamily="18" charset="0"/>
+                <a:cs typeface="Times New Roman" panose="02020603050405020304" pitchFamily="18" charset="0"/>
+              </a:rPr>
+              <a:t>:</a:t>
+            </a:r>
+          </a:p>
+          <a:p>
+            <a:pPr lvl="1"/>
+            <a:r>
+              <a:rPr lang="en-US" sz="1600" dirty="0" err="1">
+                <a:latin typeface="Times New Roman" panose="02020603050405020304" pitchFamily="18" charset="0"/>
+                <a:cs typeface="Times New Roman" panose="02020603050405020304" pitchFamily="18" charset="0"/>
+              </a:rPr>
+              <a:t>Nguyễn</a:t>
+            </a:r>
+            <a:r>
+              <a:rPr lang="en-US" sz="1600" dirty="0">
+                <a:latin typeface="Times New Roman" panose="02020603050405020304" pitchFamily="18" charset="0"/>
+                <a:cs typeface="Times New Roman" panose="02020603050405020304" pitchFamily="18" charset="0"/>
+              </a:rPr>
+              <a:t> </a:t>
+            </a:r>
+            <a:r>
+              <a:rPr lang="en-US" sz="1600" dirty="0" err="1">
+                <a:latin typeface="Times New Roman" panose="02020603050405020304" pitchFamily="18" charset="0"/>
+                <a:cs typeface="Times New Roman" panose="02020603050405020304" pitchFamily="18" charset="0"/>
+              </a:rPr>
+              <a:t>Văn</a:t>
+            </a:r>
+            <a:r>
+              <a:rPr lang="en-US" sz="1600" dirty="0">
+                <a:latin typeface="Times New Roman" panose="02020603050405020304" pitchFamily="18" charset="0"/>
+                <a:cs typeface="Times New Roman" panose="02020603050405020304" pitchFamily="18" charset="0"/>
+              </a:rPr>
+              <a:t> </a:t>
+            </a:r>
+            <a:r>
+              <a:rPr lang="en-US" sz="1600" dirty="0" err="1">
+                <a:latin typeface="Times New Roman" panose="02020603050405020304" pitchFamily="18" charset="0"/>
+                <a:cs typeface="Times New Roman" panose="02020603050405020304" pitchFamily="18" charset="0"/>
+              </a:rPr>
+              <a:t>Cường</a:t>
+            </a:r>
+            <a:r>
+              <a:rPr lang="en-US" sz="1600" dirty="0">
+                <a:latin typeface="Times New Roman" panose="02020603050405020304" pitchFamily="18" charset="0"/>
+                <a:cs typeface="Times New Roman" panose="02020603050405020304" pitchFamily="18" charset="0"/>
+              </a:rPr>
+              <a:t> (robot + </a:t>
+            </a:r>
+            <a:r>
+              <a:rPr lang="en-US" sz="1600" dirty="0" err="1">
+                <a:latin typeface="Times New Roman" panose="02020603050405020304" pitchFamily="18" charset="0"/>
+                <a:cs typeface="Times New Roman" panose="02020603050405020304" pitchFamily="18" charset="0"/>
+              </a:rPr>
+              <a:t>api</a:t>
+            </a:r>
+            <a:r>
+              <a:rPr lang="en-US" sz="1600" dirty="0">
+                <a:latin typeface="Times New Roman" panose="02020603050405020304" pitchFamily="18" charset="0"/>
+                <a:cs typeface="Times New Roman" panose="02020603050405020304" pitchFamily="18" charset="0"/>
+              </a:rPr>
+              <a:t>)</a:t>
+            </a:r>
+          </a:p>
+          <a:p>
+            <a:pPr lvl="1"/>
+            <a:r>
+              <a:rPr lang="en-US" sz="1600" dirty="0" err="1">
+                <a:latin typeface="Times New Roman" panose="02020603050405020304" pitchFamily="18" charset="0"/>
+                <a:cs typeface="Times New Roman" panose="02020603050405020304" pitchFamily="18" charset="0"/>
+              </a:rPr>
+              <a:t>Lê</a:t>
+            </a:r>
+            <a:r>
+              <a:rPr lang="en-US" sz="1600" dirty="0">
+                <a:latin typeface="Times New Roman" panose="02020603050405020304" pitchFamily="18" charset="0"/>
+                <a:cs typeface="Times New Roman" panose="02020603050405020304" pitchFamily="18" charset="0"/>
+              </a:rPr>
+              <a:t> </a:t>
+            </a:r>
+            <a:r>
+              <a:rPr lang="en-US" sz="1600" dirty="0" err="1">
+                <a:latin typeface="Times New Roman" panose="02020603050405020304" pitchFamily="18" charset="0"/>
+                <a:cs typeface="Times New Roman" panose="02020603050405020304" pitchFamily="18" charset="0"/>
+              </a:rPr>
+              <a:t>Đình</a:t>
+            </a:r>
+            <a:r>
+              <a:rPr lang="en-US" sz="1600" dirty="0">
+                <a:latin typeface="Times New Roman" panose="02020603050405020304" pitchFamily="18" charset="0"/>
+                <a:cs typeface="Times New Roman" panose="02020603050405020304" pitchFamily="18" charset="0"/>
+              </a:rPr>
+              <a:t> </a:t>
+            </a:r>
+            <a:r>
+              <a:rPr lang="en-US" sz="1600" dirty="0" err="1" smtClean="0">
+                <a:latin typeface="Times New Roman" panose="02020603050405020304" pitchFamily="18" charset="0"/>
+                <a:cs typeface="Times New Roman" panose="02020603050405020304" pitchFamily="18" charset="0"/>
+              </a:rPr>
+              <a:t>Tâm</a:t>
+            </a:r>
+            <a:r>
+              <a:rPr lang="en-US" sz="1600" dirty="0" smtClean="0">
+                <a:latin typeface="Times New Roman" panose="02020603050405020304" pitchFamily="18" charset="0"/>
+                <a:cs typeface="Times New Roman" panose="02020603050405020304" pitchFamily="18" charset="0"/>
+              </a:rPr>
+              <a:t> </a:t>
+            </a:r>
+            <a:r>
+              <a:rPr lang="en-US" sz="1600" dirty="0" err="1">
+                <a:latin typeface="Times New Roman" panose="02020603050405020304" pitchFamily="18" charset="0"/>
+                <a:cs typeface="Times New Roman" panose="02020603050405020304" pitchFamily="18" charset="0"/>
+              </a:rPr>
+              <a:t>Phụng</a:t>
+            </a:r>
+            <a:r>
+              <a:rPr lang="en-US" sz="1600" dirty="0">
+                <a:latin typeface="Times New Roman" panose="02020603050405020304" pitchFamily="18" charset="0"/>
+                <a:cs typeface="Times New Roman" panose="02020603050405020304" pitchFamily="18" charset="0"/>
+              </a:rPr>
+              <a:t> (login +queue)</a:t>
+            </a:r>
+          </a:p>
+          <a:p>
+            <a:pPr lvl="1"/>
+            <a:r>
+              <a:rPr lang="en-US" sz="1600" dirty="0">
+                <a:latin typeface="Times New Roman" panose="02020603050405020304" pitchFamily="18" charset="0"/>
+                <a:cs typeface="Times New Roman" panose="02020603050405020304" pitchFamily="18" charset="0"/>
+              </a:rPr>
+              <a:t>Phan </a:t>
+            </a:r>
+            <a:r>
+              <a:rPr lang="en-US" sz="1600" dirty="0" err="1">
+                <a:latin typeface="Times New Roman" panose="02020603050405020304" pitchFamily="18" charset="0"/>
+                <a:cs typeface="Times New Roman" panose="02020603050405020304" pitchFamily="18" charset="0"/>
+              </a:rPr>
+              <a:t>Thị</a:t>
+            </a:r>
+            <a:r>
+              <a:rPr lang="en-US" sz="1600" dirty="0">
+                <a:latin typeface="Times New Roman" panose="02020603050405020304" pitchFamily="18" charset="0"/>
+                <a:cs typeface="Times New Roman" panose="02020603050405020304" pitchFamily="18" charset="0"/>
+              </a:rPr>
+              <a:t> </a:t>
+            </a:r>
+            <a:r>
+              <a:rPr lang="en-US" sz="1600" dirty="0" err="1">
+                <a:latin typeface="Times New Roman" panose="02020603050405020304" pitchFamily="18" charset="0"/>
+                <a:cs typeface="Times New Roman" panose="02020603050405020304" pitchFamily="18" charset="0"/>
+              </a:rPr>
+              <a:t>Quỳnh</a:t>
+            </a:r>
+            <a:r>
+              <a:rPr lang="en-US" sz="1600" dirty="0">
+                <a:latin typeface="Times New Roman" panose="02020603050405020304" pitchFamily="18" charset="0"/>
+                <a:cs typeface="Times New Roman" panose="02020603050405020304" pitchFamily="18" charset="0"/>
+              </a:rPr>
+              <a:t> </a:t>
+            </a:r>
+            <a:r>
+              <a:rPr lang="en-US" sz="1600" dirty="0" err="1">
+                <a:latin typeface="Times New Roman" panose="02020603050405020304" pitchFamily="18" charset="0"/>
+                <a:cs typeface="Times New Roman" panose="02020603050405020304" pitchFamily="18" charset="0"/>
+              </a:rPr>
+              <a:t>Linh</a:t>
+            </a:r>
+            <a:r>
+              <a:rPr lang="en-US" sz="1600" dirty="0">
+                <a:latin typeface="Times New Roman" panose="02020603050405020304" pitchFamily="18" charset="0"/>
+                <a:cs typeface="Times New Roman" panose="02020603050405020304" pitchFamily="18" charset="0"/>
+              </a:rPr>
+              <a:t> ( control + admin)</a:t>
+            </a:r>
+          </a:p>
+          <a:p>
+            <a:pPr lvl="1"/>
+            <a:r>
+              <a:rPr lang="en-US" sz="1600" dirty="0" err="1">
+                <a:latin typeface="Times New Roman" panose="02020603050405020304" pitchFamily="18" charset="0"/>
+                <a:cs typeface="Times New Roman" panose="02020603050405020304" pitchFamily="18" charset="0"/>
+              </a:rPr>
+              <a:t>Nguyễn</a:t>
+            </a:r>
+            <a:r>
+              <a:rPr lang="en-US" sz="1600" dirty="0">
+                <a:latin typeface="Times New Roman" panose="02020603050405020304" pitchFamily="18" charset="0"/>
+                <a:cs typeface="Times New Roman" panose="02020603050405020304" pitchFamily="18" charset="0"/>
+              </a:rPr>
+              <a:t> </a:t>
+            </a:r>
+            <a:r>
+              <a:rPr lang="en-US" sz="1600" dirty="0" err="1">
+                <a:latin typeface="Times New Roman" panose="02020603050405020304" pitchFamily="18" charset="0"/>
+                <a:cs typeface="Times New Roman" panose="02020603050405020304" pitchFamily="18" charset="0"/>
+              </a:rPr>
+              <a:t>Mạnh</a:t>
+            </a:r>
+            <a:r>
+              <a:rPr lang="en-US" sz="1600" dirty="0">
+                <a:latin typeface="Times New Roman" panose="02020603050405020304" pitchFamily="18" charset="0"/>
+                <a:cs typeface="Times New Roman" panose="02020603050405020304" pitchFamily="18" charset="0"/>
+              </a:rPr>
+              <a:t> </a:t>
+            </a:r>
+            <a:r>
+              <a:rPr lang="en-US" sz="1600" dirty="0" err="1">
+                <a:latin typeface="Times New Roman" panose="02020603050405020304" pitchFamily="18" charset="0"/>
+                <a:cs typeface="Times New Roman" panose="02020603050405020304" pitchFamily="18" charset="0"/>
+              </a:rPr>
+              <a:t>Hùng</a:t>
+            </a:r>
+            <a:r>
+              <a:rPr lang="en-US" sz="1600" dirty="0">
+                <a:latin typeface="Times New Roman" panose="02020603050405020304" pitchFamily="18" charset="0"/>
+                <a:cs typeface="Times New Roman" panose="02020603050405020304" pitchFamily="18" charset="0"/>
+              </a:rPr>
+              <a:t> (batch)</a:t>
+            </a:r>
+          </a:p>
+        </p:txBody>
+      </p:sp>
+    </p:spTree>
+    <p:extLst>
+      <p:ext uri="{BB962C8B-B14F-4D97-AF65-F5344CB8AC3E}">
+        <p14:creationId xmlns:p14="http://schemas.microsoft.com/office/powerpoint/2010/main" val="4148695636"/>
+      </p:ext>
+    </p:extLst>
+  </p:cSld>
+  <p:clrMapOvr>
+    <a:masterClrMapping/>
+  </p:clrMapOvr>
+</p:sld>
+</file>
+
+<file path=ppt/slides/slide30.xml><?xml version="1.0" encoding="utf-8"?>
 <p:sld xmlns:a="http://schemas.openxmlformats.org/drawingml/2006/main" xmlns:r="http://schemas.openxmlformats.org/officeDocument/2006/relationships" xmlns:p="http://schemas.openxmlformats.org/presentationml/2006/main">
   <p:cSld>
     <p:spTree>
@@ -20926,7 +23709,7 @@
 </p:sld>
 </file>
 
-<file path=ppt/slides/slide29.xml><?xml version="1.0" encoding="utf-8"?>
+<file path=ppt/slides/slide31.xml><?xml version="1.0" encoding="utf-8"?>
 <p:sld xmlns:a="http://schemas.openxmlformats.org/drawingml/2006/main" xmlns:r="http://schemas.openxmlformats.org/officeDocument/2006/relationships" xmlns:p="http://schemas.openxmlformats.org/presentationml/2006/main">
   <p:cSld>
     <p:spTree>
@@ -21311,1428 +24094,7 @@
 </p:sld>
 </file>
 
-<file path=ppt/slides/slide3.xml><?xml version="1.0" encoding="utf-8"?>
-<p:sld xmlns:a="http://schemas.openxmlformats.org/drawingml/2006/main" xmlns:r="http://schemas.openxmlformats.org/officeDocument/2006/relationships" xmlns:p="http://schemas.openxmlformats.org/presentationml/2006/main">
-  <p:cSld>
-    <p:spTree>
-      <p:nvGrpSpPr>
-        <p:cNvPr id="1" name=""/>
-        <p:cNvGrpSpPr/>
-        <p:nvPr/>
-      </p:nvGrpSpPr>
-      <p:grpSpPr>
-        <a:xfrm>
-          <a:off x="0" y="0"/>
-          <a:ext cx="0" cy="0"/>
-          <a:chOff x="0" y="0"/>
-          <a:chExt cx="0" cy="0"/>
-        </a:xfrm>
-      </p:grpSpPr>
-      <p:sp>
-        <p:nvSpPr>
-          <p:cNvPr id="2" name="Title 1">
-            <a:extLst>
-              <a:ext uri="{FF2B5EF4-FFF2-40B4-BE49-F238E27FC236}">
-                <a16:creationId xmlns:a16="http://schemas.microsoft.com/office/drawing/2014/main" id="{73F10424-6D83-4A32-A5E5-0F7102316A0E}"/>
-              </a:ext>
-            </a:extLst>
-          </p:cNvPr>
-          <p:cNvSpPr>
-            <a:spLocks noGrp="1"/>
-          </p:cNvSpPr>
-          <p:nvPr>
-            <p:ph type="title"/>
-          </p:nvPr>
-        </p:nvSpPr>
-        <p:spPr/>
-        <p:txBody>
-          <a:bodyPr/>
-          <a:lstStyle/>
-          <a:p>
-            <a:pPr lvl="0">
-              <a:lnSpc>
-                <a:spcPct val="100000"/>
-              </a:lnSpc>
-              <a:defRPr cap="all"/>
-            </a:pPr>
-            <a:r>
-              <a:rPr lang="en-US" sz="4000" err="1">
-                <a:latin typeface="Times New Roman" panose="02020603050405020304" pitchFamily="18" charset="0"/>
-                <a:cs typeface="Times New Roman" panose="02020603050405020304" pitchFamily="18" charset="0"/>
-              </a:rPr>
-              <a:t>Giới</a:t>
-            </a:r>
-            <a:r>
-              <a:rPr lang="en-US" sz="4000">
-                <a:latin typeface="Times New Roman" panose="02020603050405020304" pitchFamily="18" charset="0"/>
-                <a:cs typeface="Times New Roman" panose="02020603050405020304" pitchFamily="18" charset="0"/>
-              </a:rPr>
-              <a:t> </a:t>
-            </a:r>
-            <a:r>
-              <a:rPr lang="en-US" sz="4000" err="1">
-                <a:latin typeface="Times New Roman" panose="02020603050405020304" pitchFamily="18" charset="0"/>
-                <a:cs typeface="Times New Roman" panose="02020603050405020304" pitchFamily="18" charset="0"/>
-              </a:rPr>
-              <a:t>thiệu</a:t>
-            </a:r>
-            <a:r>
-              <a:rPr lang="en-US" sz="4000">
-                <a:latin typeface="Times New Roman" panose="02020603050405020304" pitchFamily="18" charset="0"/>
-                <a:cs typeface="Times New Roman" panose="02020603050405020304" pitchFamily="18" charset="0"/>
-              </a:rPr>
-              <a:t> </a:t>
-            </a:r>
-            <a:r>
-              <a:rPr lang="en-US" sz="4000" err="1">
-                <a:latin typeface="Times New Roman" panose="02020603050405020304" pitchFamily="18" charset="0"/>
-                <a:cs typeface="Times New Roman" panose="02020603050405020304" pitchFamily="18" charset="0"/>
-              </a:rPr>
-              <a:t>về</a:t>
-            </a:r>
-            <a:r>
-              <a:rPr lang="en-US" sz="4000">
-                <a:latin typeface="Times New Roman" panose="02020603050405020304" pitchFamily="18" charset="0"/>
-                <a:cs typeface="Times New Roman" panose="02020603050405020304" pitchFamily="18" charset="0"/>
-              </a:rPr>
-              <a:t> </a:t>
-            </a:r>
-            <a:r>
-              <a:rPr lang="en-US" sz="4000" err="1">
-                <a:latin typeface="Times New Roman" panose="02020603050405020304" pitchFamily="18" charset="0"/>
-                <a:cs typeface="Times New Roman" panose="02020603050405020304" pitchFamily="18" charset="0"/>
-              </a:rPr>
-              <a:t>đề</a:t>
-            </a:r>
-            <a:r>
-              <a:rPr lang="en-US" sz="4000">
-                <a:latin typeface="Times New Roman" panose="02020603050405020304" pitchFamily="18" charset="0"/>
-                <a:cs typeface="Times New Roman" panose="02020603050405020304" pitchFamily="18" charset="0"/>
-              </a:rPr>
-              <a:t> </a:t>
-            </a:r>
-            <a:r>
-              <a:rPr lang="en-US" sz="4000" err="1">
-                <a:latin typeface="Times New Roman" panose="02020603050405020304" pitchFamily="18" charset="0"/>
-                <a:cs typeface="Times New Roman" panose="02020603050405020304" pitchFamily="18" charset="0"/>
-              </a:rPr>
-              <a:t>tài</a:t>
-            </a:r>
-            <a:endParaRPr lang="en-US" sz="4000">
-              <a:latin typeface="Times New Roman" panose="02020603050405020304" pitchFamily="18" charset="0"/>
-              <a:cs typeface="Times New Roman" panose="02020603050405020304" pitchFamily="18" charset="0"/>
-            </a:endParaRPr>
-          </a:p>
-        </p:txBody>
-      </p:sp>
-      <p:sp>
-        <p:nvSpPr>
-          <p:cNvPr id="3" name="Content Placeholder 2">
-            <a:extLst>
-              <a:ext uri="{FF2B5EF4-FFF2-40B4-BE49-F238E27FC236}">
-                <a16:creationId xmlns:a16="http://schemas.microsoft.com/office/drawing/2014/main" id="{72B727E4-E8BF-4AE7-A31E-653E332C182B}"/>
-              </a:ext>
-            </a:extLst>
-          </p:cNvPr>
-          <p:cNvSpPr>
-            <a:spLocks noGrp="1"/>
-          </p:cNvSpPr>
-          <p:nvPr>
-            <p:ph idx="1"/>
-          </p:nvPr>
-        </p:nvSpPr>
-        <p:spPr/>
-        <p:txBody>
-          <a:bodyPr>
-            <a:normAutofit/>
-          </a:bodyPr>
-          <a:lstStyle/>
-          <a:p>
-            <a:r>
-              <a:rPr lang="en-US" sz="1600" b="1" err="1">
-                <a:latin typeface="Times New Roman" panose="02020603050405020304" pitchFamily="18" charset="0"/>
-                <a:cs typeface="Times New Roman" panose="02020603050405020304" pitchFamily="18" charset="0"/>
-              </a:rPr>
-              <a:t>Bối</a:t>
-            </a:r>
-            <a:r>
-              <a:rPr lang="en-US" sz="1600" b="1">
-                <a:latin typeface="Times New Roman" panose="02020603050405020304" pitchFamily="18" charset="0"/>
-                <a:cs typeface="Times New Roman" panose="02020603050405020304" pitchFamily="18" charset="0"/>
-              </a:rPr>
-              <a:t> </a:t>
-            </a:r>
-            <a:r>
-              <a:rPr lang="en-US" sz="1600" b="1" err="1">
-                <a:latin typeface="Times New Roman" panose="02020603050405020304" pitchFamily="18" charset="0"/>
-                <a:cs typeface="Times New Roman" panose="02020603050405020304" pitchFamily="18" charset="0"/>
-              </a:rPr>
-              <a:t>cảnh</a:t>
-            </a:r>
-            <a:r>
-              <a:rPr lang="en-US" sz="1600" b="1">
-                <a:latin typeface="Times New Roman" panose="02020603050405020304" pitchFamily="18" charset="0"/>
-                <a:cs typeface="Times New Roman" panose="02020603050405020304" pitchFamily="18" charset="0"/>
-              </a:rPr>
-              <a:t> &amp; </a:t>
-            </a:r>
-            <a:r>
-              <a:rPr lang="en-US" sz="1600" b="1" err="1">
-                <a:latin typeface="Times New Roman" panose="02020603050405020304" pitchFamily="18" charset="0"/>
-                <a:cs typeface="Times New Roman" panose="02020603050405020304" pitchFamily="18" charset="0"/>
-              </a:rPr>
-              <a:t>mục</a:t>
-            </a:r>
-            <a:r>
-              <a:rPr lang="en-US" sz="1600" b="1">
-                <a:latin typeface="Times New Roman" panose="02020603050405020304" pitchFamily="18" charset="0"/>
-                <a:cs typeface="Times New Roman" panose="02020603050405020304" pitchFamily="18" charset="0"/>
-              </a:rPr>
-              <a:t> </a:t>
-            </a:r>
-            <a:r>
-              <a:rPr lang="en-US" sz="1600" b="1" err="1">
-                <a:latin typeface="Times New Roman" panose="02020603050405020304" pitchFamily="18" charset="0"/>
-                <a:cs typeface="Times New Roman" panose="02020603050405020304" pitchFamily="18" charset="0"/>
-              </a:rPr>
-              <a:t>đích</a:t>
-            </a:r>
-            <a:r>
-              <a:rPr lang="en-US" sz="1600" b="1">
-                <a:latin typeface="Times New Roman" panose="02020603050405020304" pitchFamily="18" charset="0"/>
-                <a:cs typeface="Times New Roman" panose="02020603050405020304" pitchFamily="18" charset="0"/>
-              </a:rPr>
-              <a:t>:</a:t>
-            </a:r>
-          </a:p>
-          <a:p>
-            <a:pPr lvl="1"/>
-            <a:r>
-              <a:rPr lang="en-US" sz="1600" err="1">
-                <a:latin typeface="Times New Roman" panose="02020603050405020304" pitchFamily="18" charset="0"/>
-                <a:cs typeface="Times New Roman" panose="02020603050405020304" pitchFamily="18" charset="0"/>
-              </a:rPr>
-              <a:t>Về</a:t>
-            </a:r>
-            <a:r>
-              <a:rPr lang="en-US" sz="1600">
-                <a:latin typeface="Times New Roman" panose="02020603050405020304" pitchFamily="18" charset="0"/>
-                <a:cs typeface="Times New Roman" panose="02020603050405020304" pitchFamily="18" charset="0"/>
-              </a:rPr>
-              <a:t> </a:t>
-            </a:r>
-            <a:r>
-              <a:rPr lang="en-US" sz="1600" err="1">
-                <a:latin typeface="Times New Roman" panose="02020603050405020304" pitchFamily="18" charset="0"/>
-                <a:cs typeface="Times New Roman" panose="02020603050405020304" pitchFamily="18" charset="0"/>
-              </a:rPr>
-              <a:t>tình</a:t>
-            </a:r>
-            <a:r>
-              <a:rPr lang="en-US" sz="1600">
-                <a:latin typeface="Times New Roman" panose="02020603050405020304" pitchFamily="18" charset="0"/>
-                <a:cs typeface="Times New Roman" panose="02020603050405020304" pitchFamily="18" charset="0"/>
-              </a:rPr>
-              <a:t> </a:t>
-            </a:r>
-            <a:r>
-              <a:rPr lang="en-US" sz="1600" err="1">
-                <a:latin typeface="Times New Roman" panose="02020603050405020304" pitchFamily="18" charset="0"/>
-                <a:cs typeface="Times New Roman" panose="02020603050405020304" pitchFamily="18" charset="0"/>
-              </a:rPr>
-              <a:t>hình</a:t>
-            </a:r>
-            <a:r>
-              <a:rPr lang="en-US" sz="1600">
-                <a:latin typeface="Times New Roman" panose="02020603050405020304" pitchFamily="18" charset="0"/>
-                <a:cs typeface="Times New Roman" panose="02020603050405020304" pitchFamily="18" charset="0"/>
-              </a:rPr>
-              <a:t> dich COVID-19 </a:t>
-            </a:r>
-            <a:r>
-              <a:rPr lang="en-US" sz="1600" err="1">
-                <a:latin typeface="Times New Roman" panose="02020603050405020304" pitchFamily="18" charset="0"/>
-                <a:cs typeface="Times New Roman" panose="02020603050405020304" pitchFamily="18" charset="0"/>
-              </a:rPr>
-              <a:t>đang</a:t>
-            </a:r>
-            <a:r>
-              <a:rPr lang="en-US" sz="1600">
-                <a:latin typeface="Times New Roman" panose="02020603050405020304" pitchFamily="18" charset="0"/>
-                <a:cs typeface="Times New Roman" panose="02020603050405020304" pitchFamily="18" charset="0"/>
-              </a:rPr>
-              <a:t> </a:t>
-            </a:r>
-            <a:r>
-              <a:rPr lang="en-US" sz="1600" err="1">
-                <a:latin typeface="Times New Roman" panose="02020603050405020304" pitchFamily="18" charset="0"/>
-                <a:cs typeface="Times New Roman" panose="02020603050405020304" pitchFamily="18" charset="0"/>
-              </a:rPr>
-              <a:t>diễn</a:t>
-            </a:r>
-            <a:r>
-              <a:rPr lang="en-US" sz="1600">
-                <a:latin typeface="Times New Roman" panose="02020603050405020304" pitchFamily="18" charset="0"/>
-                <a:cs typeface="Times New Roman" panose="02020603050405020304" pitchFamily="18" charset="0"/>
-              </a:rPr>
-              <a:t> </a:t>
-            </a:r>
-            <a:r>
-              <a:rPr lang="en-US" sz="1600" err="1">
-                <a:latin typeface="Times New Roman" panose="02020603050405020304" pitchFamily="18" charset="0"/>
-                <a:cs typeface="Times New Roman" panose="02020603050405020304" pitchFamily="18" charset="0"/>
-              </a:rPr>
-              <a:t>biến</a:t>
-            </a:r>
-            <a:r>
-              <a:rPr lang="en-US" sz="1600">
-                <a:latin typeface="Times New Roman" panose="02020603050405020304" pitchFamily="18" charset="0"/>
-                <a:cs typeface="Times New Roman" panose="02020603050405020304" pitchFamily="18" charset="0"/>
-              </a:rPr>
-              <a:t> </a:t>
-            </a:r>
-            <a:r>
-              <a:rPr lang="en-US" sz="1600" err="1">
-                <a:latin typeface="Times New Roman" panose="02020603050405020304" pitchFamily="18" charset="0"/>
-                <a:cs typeface="Times New Roman" panose="02020603050405020304" pitchFamily="18" charset="0"/>
-              </a:rPr>
-              <a:t>rất</a:t>
-            </a:r>
-            <a:r>
-              <a:rPr lang="en-US" sz="1600">
-                <a:latin typeface="Times New Roman" panose="02020603050405020304" pitchFamily="18" charset="0"/>
-                <a:cs typeface="Times New Roman" panose="02020603050405020304" pitchFamily="18" charset="0"/>
-              </a:rPr>
-              <a:t> </a:t>
-            </a:r>
-            <a:r>
-              <a:rPr lang="en-US" sz="1600" err="1">
-                <a:latin typeface="Times New Roman" panose="02020603050405020304" pitchFamily="18" charset="0"/>
-                <a:cs typeface="Times New Roman" panose="02020603050405020304" pitchFamily="18" charset="0"/>
-              </a:rPr>
-              <a:t>phức</a:t>
-            </a:r>
-            <a:r>
-              <a:rPr lang="en-US" sz="1600">
-                <a:latin typeface="Times New Roman" panose="02020603050405020304" pitchFamily="18" charset="0"/>
-                <a:cs typeface="Times New Roman" panose="02020603050405020304" pitchFamily="18" charset="0"/>
-              </a:rPr>
-              <a:t> tap. </a:t>
-            </a:r>
-            <a:r>
-              <a:rPr lang="en-US" sz="1600" err="1">
-                <a:latin typeface="Times New Roman" panose="02020603050405020304" pitchFamily="18" charset="0"/>
-                <a:cs typeface="Times New Roman" panose="02020603050405020304" pitchFamily="18" charset="0"/>
-              </a:rPr>
-              <a:t>Thành</a:t>
-            </a:r>
-            <a:r>
-              <a:rPr lang="en-US" sz="1600">
-                <a:latin typeface="Times New Roman" panose="02020603050405020304" pitchFamily="18" charset="0"/>
-                <a:cs typeface="Times New Roman" panose="02020603050405020304" pitchFamily="18" charset="0"/>
-              </a:rPr>
-              <a:t> </a:t>
-            </a:r>
-            <a:r>
-              <a:rPr lang="en-US" sz="1600" err="1">
-                <a:latin typeface="Times New Roman" panose="02020603050405020304" pitchFamily="18" charset="0"/>
-                <a:cs typeface="Times New Roman" panose="02020603050405020304" pitchFamily="18" charset="0"/>
-              </a:rPr>
-              <a:t>phố</a:t>
-            </a:r>
-            <a:r>
-              <a:rPr lang="en-US" sz="1600">
-                <a:latin typeface="Times New Roman" panose="02020603050405020304" pitchFamily="18" charset="0"/>
-                <a:cs typeface="Times New Roman" panose="02020603050405020304" pitchFamily="18" charset="0"/>
-              </a:rPr>
-              <a:t> </a:t>
-            </a:r>
-            <a:r>
-              <a:rPr lang="en-US" sz="1600" err="1">
-                <a:latin typeface="Times New Roman" panose="02020603050405020304" pitchFamily="18" charset="0"/>
-                <a:cs typeface="Times New Roman" panose="02020603050405020304" pitchFamily="18" charset="0"/>
-              </a:rPr>
-              <a:t>Đà</a:t>
-            </a:r>
-            <a:r>
-              <a:rPr lang="en-US" sz="1600">
-                <a:latin typeface="Times New Roman" panose="02020603050405020304" pitchFamily="18" charset="0"/>
-                <a:cs typeface="Times New Roman" panose="02020603050405020304" pitchFamily="18" charset="0"/>
-              </a:rPr>
-              <a:t> </a:t>
-            </a:r>
-            <a:r>
-              <a:rPr lang="en-US" sz="1600" err="1">
-                <a:latin typeface="Times New Roman" panose="02020603050405020304" pitchFamily="18" charset="0"/>
-                <a:cs typeface="Times New Roman" panose="02020603050405020304" pitchFamily="18" charset="0"/>
-              </a:rPr>
-              <a:t>Nẵng</a:t>
-            </a:r>
-            <a:r>
-              <a:rPr lang="en-US" sz="1600">
-                <a:latin typeface="Times New Roman" panose="02020603050405020304" pitchFamily="18" charset="0"/>
-                <a:cs typeface="Times New Roman" panose="02020603050405020304" pitchFamily="18" charset="0"/>
-              </a:rPr>
-              <a:t> </a:t>
-            </a:r>
-            <a:r>
-              <a:rPr lang="en-US" sz="1600" err="1">
-                <a:latin typeface="Times New Roman" panose="02020603050405020304" pitchFamily="18" charset="0"/>
-                <a:cs typeface="Times New Roman" panose="02020603050405020304" pitchFamily="18" charset="0"/>
-              </a:rPr>
-              <a:t>có</a:t>
-            </a:r>
-            <a:r>
-              <a:rPr lang="en-US" sz="1600">
-                <a:latin typeface="Times New Roman" panose="02020603050405020304" pitchFamily="18" charset="0"/>
-                <a:cs typeface="Times New Roman" panose="02020603050405020304" pitchFamily="18" charset="0"/>
-              </a:rPr>
-              <a:t> </a:t>
-            </a:r>
-            <a:r>
-              <a:rPr lang="en-US" sz="1600" err="1">
-                <a:latin typeface="Times New Roman" panose="02020603050405020304" pitchFamily="18" charset="0"/>
-                <a:cs typeface="Times New Roman" panose="02020603050405020304" pitchFamily="18" charset="0"/>
-              </a:rPr>
-              <a:t>thể</a:t>
-            </a:r>
-            <a:r>
-              <a:rPr lang="en-US" sz="1600">
-                <a:latin typeface="Times New Roman" panose="02020603050405020304" pitchFamily="18" charset="0"/>
-                <a:cs typeface="Times New Roman" panose="02020603050405020304" pitchFamily="18" charset="0"/>
-              </a:rPr>
-              <a:t> </a:t>
-            </a:r>
-            <a:r>
-              <a:rPr lang="en-US" sz="1600" err="1">
-                <a:latin typeface="Times New Roman" panose="02020603050405020304" pitchFamily="18" charset="0"/>
-                <a:cs typeface="Times New Roman" panose="02020603050405020304" pitchFamily="18" charset="0"/>
-              </a:rPr>
-              <a:t>bị</a:t>
-            </a:r>
-            <a:r>
-              <a:rPr lang="en-US" sz="1600">
-                <a:latin typeface="Times New Roman" panose="02020603050405020304" pitchFamily="18" charset="0"/>
-                <a:cs typeface="Times New Roman" panose="02020603050405020304" pitchFamily="18" charset="0"/>
-              </a:rPr>
-              <a:t> lockdown </a:t>
-            </a:r>
-            <a:r>
-              <a:rPr lang="en-US" sz="1600" err="1">
-                <a:latin typeface="Times New Roman" panose="02020603050405020304" pitchFamily="18" charset="0"/>
-                <a:cs typeface="Times New Roman" panose="02020603050405020304" pitchFamily="18" charset="0"/>
-              </a:rPr>
-              <a:t>bất</a:t>
-            </a:r>
-            <a:r>
-              <a:rPr lang="en-US" sz="1600">
-                <a:latin typeface="Times New Roman" panose="02020603050405020304" pitchFamily="18" charset="0"/>
-                <a:cs typeface="Times New Roman" panose="02020603050405020304" pitchFamily="18" charset="0"/>
-              </a:rPr>
-              <a:t> </a:t>
-            </a:r>
-            <a:r>
-              <a:rPr lang="en-US" sz="1600" err="1">
-                <a:latin typeface="Times New Roman" panose="02020603050405020304" pitchFamily="18" charset="0"/>
-                <a:cs typeface="Times New Roman" panose="02020603050405020304" pitchFamily="18" charset="0"/>
-              </a:rPr>
-              <a:t>cứ</a:t>
-            </a:r>
-            <a:r>
-              <a:rPr lang="en-US" sz="1600">
-                <a:latin typeface="Times New Roman" panose="02020603050405020304" pitchFamily="18" charset="0"/>
-                <a:cs typeface="Times New Roman" panose="02020603050405020304" pitchFamily="18" charset="0"/>
-              </a:rPr>
-              <a:t> </a:t>
-            </a:r>
-            <a:r>
-              <a:rPr lang="en-US" sz="1600" err="1">
-                <a:latin typeface="Times New Roman" panose="02020603050405020304" pitchFamily="18" charset="0"/>
-                <a:cs typeface="Times New Roman" panose="02020603050405020304" pitchFamily="18" charset="0"/>
-              </a:rPr>
-              <a:t>lúc</a:t>
-            </a:r>
-            <a:r>
-              <a:rPr lang="en-US" sz="1600">
-                <a:latin typeface="Times New Roman" panose="02020603050405020304" pitchFamily="18" charset="0"/>
-                <a:cs typeface="Times New Roman" panose="02020603050405020304" pitchFamily="18" charset="0"/>
-              </a:rPr>
-              <a:t> </a:t>
-            </a:r>
-            <a:r>
-              <a:rPr lang="en-US" sz="1600" err="1">
-                <a:latin typeface="Times New Roman" panose="02020603050405020304" pitchFamily="18" charset="0"/>
-                <a:cs typeface="Times New Roman" panose="02020603050405020304" pitchFamily="18" charset="0"/>
-              </a:rPr>
-              <a:t>nào</a:t>
-            </a:r>
-            <a:r>
-              <a:rPr lang="en-US" sz="1600">
-                <a:latin typeface="Times New Roman" panose="02020603050405020304" pitchFamily="18" charset="0"/>
-                <a:cs typeface="Times New Roman" panose="02020603050405020304" pitchFamily="18" charset="0"/>
-              </a:rPr>
-              <a:t>.</a:t>
-            </a:r>
-          </a:p>
-          <a:p>
-            <a:pPr lvl="1"/>
-            <a:r>
-              <a:rPr lang="en-US" sz="1600" err="1">
-                <a:latin typeface="Times New Roman" panose="02020603050405020304" pitchFamily="18" charset="0"/>
-                <a:cs typeface="Times New Roman" panose="02020603050405020304" pitchFamily="18" charset="0"/>
-              </a:rPr>
-              <a:t>Nếu</a:t>
-            </a:r>
-            <a:r>
-              <a:rPr lang="en-US" sz="1600">
-                <a:latin typeface="Times New Roman" panose="02020603050405020304" pitchFamily="18" charset="0"/>
-                <a:cs typeface="Times New Roman" panose="02020603050405020304" pitchFamily="18" charset="0"/>
-              </a:rPr>
-              <a:t> </a:t>
-            </a:r>
-            <a:r>
-              <a:rPr lang="en-US" sz="1600" err="1">
-                <a:latin typeface="Times New Roman" panose="02020603050405020304" pitchFamily="18" charset="0"/>
-                <a:cs typeface="Times New Roman" panose="02020603050405020304" pitchFamily="18" charset="0"/>
-              </a:rPr>
-              <a:t>bị</a:t>
-            </a:r>
-            <a:r>
-              <a:rPr lang="en-US" sz="1600">
-                <a:latin typeface="Times New Roman" panose="02020603050405020304" pitchFamily="18" charset="0"/>
-                <a:cs typeface="Times New Roman" panose="02020603050405020304" pitchFamily="18" charset="0"/>
-              </a:rPr>
-              <a:t> lockdown, </a:t>
-            </a:r>
-            <a:r>
-              <a:rPr lang="en-US" sz="1600" err="1">
-                <a:latin typeface="Times New Roman" panose="02020603050405020304" pitchFamily="18" charset="0"/>
-                <a:cs typeface="Times New Roman" panose="02020603050405020304" pitchFamily="18" charset="0"/>
-              </a:rPr>
-              <a:t>các</a:t>
-            </a:r>
-            <a:r>
-              <a:rPr lang="en-US" sz="1600">
-                <a:latin typeface="Times New Roman" panose="02020603050405020304" pitchFamily="18" charset="0"/>
-                <a:cs typeface="Times New Roman" panose="02020603050405020304" pitchFamily="18" charset="0"/>
-              </a:rPr>
-              <a:t> </a:t>
-            </a:r>
-            <a:r>
-              <a:rPr lang="en-US" sz="1600" err="1">
-                <a:latin typeface="Times New Roman" panose="02020603050405020304" pitchFamily="18" charset="0"/>
-                <a:cs typeface="Times New Roman" panose="02020603050405020304" pitchFamily="18" charset="0"/>
-              </a:rPr>
-              <a:t>công</a:t>
-            </a:r>
-            <a:r>
-              <a:rPr lang="en-US" sz="1600">
-                <a:latin typeface="Times New Roman" panose="02020603050405020304" pitchFamily="18" charset="0"/>
-                <a:cs typeface="Times New Roman" panose="02020603050405020304" pitchFamily="18" charset="0"/>
-              </a:rPr>
-              <a:t> ty </a:t>
-            </a:r>
-            <a:r>
-              <a:rPr lang="en-US" sz="1600" err="1">
-                <a:latin typeface="Times New Roman" panose="02020603050405020304" pitchFamily="18" charset="0"/>
-                <a:cs typeface="Times New Roman" panose="02020603050405020304" pitchFamily="18" charset="0"/>
-              </a:rPr>
-              <a:t>công</a:t>
-            </a:r>
-            <a:r>
-              <a:rPr lang="en-US" sz="1600">
-                <a:latin typeface="Times New Roman" panose="02020603050405020304" pitchFamily="18" charset="0"/>
-                <a:cs typeface="Times New Roman" panose="02020603050405020304" pitchFamily="18" charset="0"/>
-              </a:rPr>
-              <a:t> </a:t>
-            </a:r>
-            <a:r>
-              <a:rPr lang="en-US" sz="1600" err="1">
-                <a:latin typeface="Times New Roman" panose="02020603050405020304" pitchFamily="18" charset="0"/>
-                <a:cs typeface="Times New Roman" panose="02020603050405020304" pitchFamily="18" charset="0"/>
-              </a:rPr>
-              <a:t>nghệ</a:t>
-            </a:r>
-            <a:r>
-              <a:rPr lang="en-US" sz="1600">
-                <a:latin typeface="Times New Roman" panose="02020603050405020304" pitchFamily="18" charset="0"/>
-                <a:cs typeface="Times New Roman" panose="02020603050405020304" pitchFamily="18" charset="0"/>
-              </a:rPr>
-              <a:t> </a:t>
-            </a:r>
-            <a:r>
-              <a:rPr lang="en-US" sz="1600" err="1">
-                <a:latin typeface="Times New Roman" panose="02020603050405020304" pitchFamily="18" charset="0"/>
-                <a:cs typeface="Times New Roman" panose="02020603050405020304" pitchFamily="18" charset="0"/>
-              </a:rPr>
-              <a:t>như</a:t>
-            </a:r>
-            <a:r>
-              <a:rPr lang="en-US" sz="1600">
-                <a:latin typeface="Times New Roman" panose="02020603050405020304" pitchFamily="18" charset="0"/>
-                <a:cs typeface="Times New Roman" panose="02020603050405020304" pitchFamily="18" charset="0"/>
-              </a:rPr>
-              <a:t> FPT </a:t>
-            </a:r>
-            <a:r>
-              <a:rPr lang="en-US" sz="1600" err="1">
-                <a:latin typeface="Times New Roman" panose="02020603050405020304" pitchFamily="18" charset="0"/>
-                <a:cs typeface="Times New Roman" panose="02020603050405020304" pitchFamily="18" charset="0"/>
-              </a:rPr>
-              <a:t>chắc</a:t>
-            </a:r>
-            <a:r>
-              <a:rPr lang="en-US" sz="1600">
-                <a:latin typeface="Times New Roman" panose="02020603050405020304" pitchFamily="18" charset="0"/>
-                <a:cs typeface="Times New Roman" panose="02020603050405020304" pitchFamily="18" charset="0"/>
-              </a:rPr>
-              <a:t> </a:t>
-            </a:r>
-            <a:r>
-              <a:rPr lang="en-US" sz="1600" err="1">
-                <a:latin typeface="Times New Roman" panose="02020603050405020304" pitchFamily="18" charset="0"/>
-                <a:cs typeface="Times New Roman" panose="02020603050405020304" pitchFamily="18" charset="0"/>
-              </a:rPr>
-              <a:t>chắn</a:t>
-            </a:r>
-            <a:r>
-              <a:rPr lang="en-US" sz="1600">
-                <a:latin typeface="Times New Roman" panose="02020603050405020304" pitchFamily="18" charset="0"/>
-                <a:cs typeface="Times New Roman" panose="02020603050405020304" pitchFamily="18" charset="0"/>
-              </a:rPr>
-              <a:t> </a:t>
-            </a:r>
-            <a:r>
-              <a:rPr lang="en-US" sz="1600" err="1">
-                <a:latin typeface="Times New Roman" panose="02020603050405020304" pitchFamily="18" charset="0"/>
-                <a:cs typeface="Times New Roman" panose="02020603050405020304" pitchFamily="18" charset="0"/>
-              </a:rPr>
-              <a:t>sẽ</a:t>
-            </a:r>
-            <a:r>
-              <a:rPr lang="en-US" sz="1600">
-                <a:latin typeface="Times New Roman" panose="02020603050405020304" pitchFamily="18" charset="0"/>
-                <a:cs typeface="Times New Roman" panose="02020603050405020304" pitchFamily="18" charset="0"/>
-              </a:rPr>
-              <a:t> </a:t>
-            </a:r>
-            <a:r>
-              <a:rPr lang="en-US" sz="1600" err="1">
-                <a:latin typeface="Times New Roman" panose="02020603050405020304" pitchFamily="18" charset="0"/>
-                <a:cs typeface="Times New Roman" panose="02020603050405020304" pitchFamily="18" charset="0"/>
-              </a:rPr>
-              <a:t>phải</a:t>
-            </a:r>
-            <a:r>
-              <a:rPr lang="en-US" sz="1600">
-                <a:latin typeface="Times New Roman" panose="02020603050405020304" pitchFamily="18" charset="0"/>
-                <a:cs typeface="Times New Roman" panose="02020603050405020304" pitchFamily="18" charset="0"/>
-              </a:rPr>
-              <a:t> WFH 100%</a:t>
-            </a:r>
-          </a:p>
-          <a:p>
-            <a:pPr lvl="1"/>
-            <a:r>
-              <a:rPr lang="en-US" sz="1600" err="1">
-                <a:latin typeface="Times New Roman" panose="02020603050405020304" pitchFamily="18" charset="0"/>
-                <a:cs typeface="Times New Roman" panose="02020603050405020304" pitchFamily="18" charset="0"/>
-              </a:rPr>
-              <a:t>Việc</a:t>
-            </a:r>
-            <a:r>
-              <a:rPr lang="en-US" sz="1600">
-                <a:latin typeface="Times New Roman" panose="02020603050405020304" pitchFamily="18" charset="0"/>
-                <a:cs typeface="Times New Roman" panose="02020603050405020304" pitchFamily="18" charset="0"/>
-              </a:rPr>
-              <a:t> WFH </a:t>
-            </a:r>
-            <a:r>
-              <a:rPr lang="en-US" sz="1600" err="1">
-                <a:latin typeface="Times New Roman" panose="02020603050405020304" pitchFamily="18" charset="0"/>
-                <a:cs typeface="Times New Roman" panose="02020603050405020304" pitchFamily="18" charset="0"/>
-              </a:rPr>
-              <a:t>cũng</a:t>
-            </a:r>
-            <a:r>
-              <a:rPr lang="en-US" sz="1600">
-                <a:latin typeface="Times New Roman" panose="02020603050405020304" pitchFamily="18" charset="0"/>
-                <a:cs typeface="Times New Roman" panose="02020603050405020304" pitchFamily="18" charset="0"/>
-              </a:rPr>
-              <a:t> </a:t>
-            </a:r>
-            <a:r>
-              <a:rPr lang="en-US" sz="1600" err="1">
-                <a:latin typeface="Times New Roman" panose="02020603050405020304" pitchFamily="18" charset="0"/>
-                <a:cs typeface="Times New Roman" panose="02020603050405020304" pitchFamily="18" charset="0"/>
-              </a:rPr>
-              <a:t>sẽ</a:t>
-            </a:r>
-            <a:r>
-              <a:rPr lang="en-US" sz="1600">
-                <a:latin typeface="Times New Roman" panose="02020603050405020304" pitchFamily="18" charset="0"/>
-                <a:cs typeface="Times New Roman" panose="02020603050405020304" pitchFamily="18" charset="0"/>
-              </a:rPr>
-              <a:t> </a:t>
-            </a:r>
-            <a:r>
-              <a:rPr lang="en-US" sz="1600" err="1">
-                <a:latin typeface="Times New Roman" panose="02020603050405020304" pitchFamily="18" charset="0"/>
-                <a:cs typeface="Times New Roman" panose="02020603050405020304" pitchFamily="18" charset="0"/>
-              </a:rPr>
-              <a:t>phải</a:t>
-            </a:r>
-            <a:r>
-              <a:rPr lang="en-US" sz="1600">
-                <a:latin typeface="Times New Roman" panose="02020603050405020304" pitchFamily="18" charset="0"/>
-                <a:cs typeface="Times New Roman" panose="02020603050405020304" pitchFamily="18" charset="0"/>
-              </a:rPr>
-              <a:t> </a:t>
-            </a:r>
-            <a:r>
-              <a:rPr lang="en-US" sz="1600" err="1">
-                <a:latin typeface="Times New Roman" panose="02020603050405020304" pitchFamily="18" charset="0"/>
-                <a:cs typeface="Times New Roman" panose="02020603050405020304" pitchFamily="18" charset="0"/>
-              </a:rPr>
-              <a:t>gặp</a:t>
-            </a:r>
-            <a:r>
-              <a:rPr lang="en-US" sz="1600">
-                <a:latin typeface="Times New Roman" panose="02020603050405020304" pitchFamily="18" charset="0"/>
-                <a:cs typeface="Times New Roman" panose="02020603050405020304" pitchFamily="18" charset="0"/>
-              </a:rPr>
-              <a:t> </a:t>
-            </a:r>
-            <a:r>
-              <a:rPr lang="en-US" sz="1600" err="1">
-                <a:latin typeface="Times New Roman" panose="02020603050405020304" pitchFamily="18" charset="0"/>
-                <a:cs typeface="Times New Roman" panose="02020603050405020304" pitchFamily="18" charset="0"/>
-              </a:rPr>
-              <a:t>mội</a:t>
-            </a:r>
-            <a:r>
-              <a:rPr lang="en-US" sz="1600">
-                <a:latin typeface="Times New Roman" panose="02020603050405020304" pitchFamily="18" charset="0"/>
-                <a:cs typeface="Times New Roman" panose="02020603050405020304" pitchFamily="18" charset="0"/>
-              </a:rPr>
-              <a:t> </a:t>
-            </a:r>
-            <a:r>
-              <a:rPr lang="en-US" sz="1600" err="1">
-                <a:latin typeface="Times New Roman" panose="02020603050405020304" pitchFamily="18" charset="0"/>
-                <a:cs typeface="Times New Roman" panose="02020603050405020304" pitchFamily="18" charset="0"/>
-              </a:rPr>
-              <a:t>số</a:t>
-            </a:r>
-            <a:r>
-              <a:rPr lang="en-US" sz="1600">
-                <a:latin typeface="Times New Roman" panose="02020603050405020304" pitchFamily="18" charset="0"/>
-                <a:cs typeface="Times New Roman" panose="02020603050405020304" pitchFamily="18" charset="0"/>
-              </a:rPr>
-              <a:t> issue </a:t>
-            </a:r>
-            <a:r>
-              <a:rPr lang="en-US" sz="1600" err="1">
-                <a:latin typeface="Times New Roman" panose="02020603050405020304" pitchFamily="18" charset="0"/>
-                <a:cs typeface="Times New Roman" panose="02020603050405020304" pitchFamily="18" charset="0"/>
-              </a:rPr>
-              <a:t>như</a:t>
-            </a:r>
-            <a:r>
-              <a:rPr lang="en-US" sz="1600">
-                <a:latin typeface="Times New Roman" panose="02020603050405020304" pitchFamily="18" charset="0"/>
-                <a:cs typeface="Times New Roman" panose="02020603050405020304" pitchFamily="18" charset="0"/>
-              </a:rPr>
-              <a:t> </a:t>
-            </a:r>
-            <a:r>
-              <a:rPr lang="en-US" sz="1600" err="1">
-                <a:latin typeface="Times New Roman" panose="02020603050405020304" pitchFamily="18" charset="0"/>
-                <a:cs typeface="Times New Roman" panose="02020603050405020304" pitchFamily="18" charset="0"/>
-              </a:rPr>
-              <a:t>máy</a:t>
-            </a:r>
-            <a:r>
-              <a:rPr lang="en-US" sz="1600">
-                <a:latin typeface="Times New Roman" panose="02020603050405020304" pitchFamily="18" charset="0"/>
-                <a:cs typeface="Times New Roman" panose="02020603050405020304" pitchFamily="18" charset="0"/>
-              </a:rPr>
-              <a:t> </a:t>
-            </a:r>
-            <a:r>
-              <a:rPr lang="en-US" sz="1600" err="1">
-                <a:latin typeface="Times New Roman" panose="02020603050405020304" pitchFamily="18" charset="0"/>
-                <a:cs typeface="Times New Roman" panose="02020603050405020304" pitchFamily="18" charset="0"/>
-              </a:rPr>
-              <a:t>tình</a:t>
-            </a:r>
-            <a:r>
-              <a:rPr lang="en-US" sz="1600">
-                <a:latin typeface="Times New Roman" panose="02020603050405020304" pitchFamily="18" charset="0"/>
-                <a:cs typeface="Times New Roman" panose="02020603050405020304" pitchFamily="18" charset="0"/>
-              </a:rPr>
-              <a:t> </a:t>
-            </a:r>
-            <a:r>
-              <a:rPr lang="en-US" sz="1600" err="1">
-                <a:latin typeface="Times New Roman" panose="02020603050405020304" pitchFamily="18" charset="0"/>
-                <a:cs typeface="Times New Roman" panose="02020603050405020304" pitchFamily="18" charset="0"/>
-              </a:rPr>
-              <a:t>bị</a:t>
-            </a:r>
-            <a:r>
-              <a:rPr lang="en-US" sz="1600">
-                <a:latin typeface="Times New Roman" panose="02020603050405020304" pitchFamily="18" charset="0"/>
-                <a:cs typeface="Times New Roman" panose="02020603050405020304" pitchFamily="18" charset="0"/>
-              </a:rPr>
-              <a:t> </a:t>
-            </a:r>
-            <a:r>
-              <a:rPr lang="en-US" sz="1600" err="1">
-                <a:latin typeface="Times New Roman" panose="02020603050405020304" pitchFamily="18" charset="0"/>
-                <a:cs typeface="Times New Roman" panose="02020603050405020304" pitchFamily="18" charset="0"/>
-              </a:rPr>
-              <a:t>treo</a:t>
-            </a:r>
-            <a:r>
-              <a:rPr lang="en-US" sz="1600">
-                <a:latin typeface="Times New Roman" panose="02020603050405020304" pitchFamily="18" charset="0"/>
-                <a:cs typeface="Times New Roman" panose="02020603050405020304" pitchFamily="18" charset="0"/>
-              </a:rPr>
-              <a:t>/ UPS </a:t>
-            </a:r>
-            <a:r>
-              <a:rPr lang="en-US" sz="1600" err="1">
-                <a:latin typeface="Times New Roman" panose="02020603050405020304" pitchFamily="18" charset="0"/>
-                <a:cs typeface="Times New Roman" panose="02020603050405020304" pitchFamily="18" charset="0"/>
-              </a:rPr>
-              <a:t>bị</a:t>
-            </a:r>
-            <a:r>
-              <a:rPr lang="en-US" sz="1600">
-                <a:latin typeface="Times New Roman" panose="02020603050405020304" pitchFamily="18" charset="0"/>
-                <a:cs typeface="Times New Roman" panose="02020603050405020304" pitchFamily="18" charset="0"/>
-              </a:rPr>
-              <a:t> </a:t>
-            </a:r>
-            <a:r>
-              <a:rPr lang="en-US" sz="1600" err="1">
-                <a:latin typeface="Times New Roman" panose="02020603050405020304" pitchFamily="18" charset="0"/>
-                <a:cs typeface="Times New Roman" panose="02020603050405020304" pitchFamily="18" charset="0"/>
-              </a:rPr>
-              <a:t>tắt</a:t>
-            </a:r>
-            <a:r>
-              <a:rPr lang="en-US" sz="1600">
-                <a:latin typeface="Times New Roman" panose="02020603050405020304" pitchFamily="18" charset="0"/>
-                <a:cs typeface="Times New Roman" panose="02020603050405020304" pitchFamily="18" charset="0"/>
-              </a:rPr>
-              <a:t> </a:t>
-            </a:r>
-            <a:r>
-              <a:rPr lang="en-US" sz="1600" err="1">
-                <a:latin typeface="Times New Roman" panose="02020603050405020304" pitchFamily="18" charset="0"/>
-                <a:cs typeface="Times New Roman" panose="02020603050405020304" pitchFamily="18" charset="0"/>
-              </a:rPr>
-              <a:t>cần</a:t>
-            </a:r>
-            <a:r>
-              <a:rPr lang="en-US" sz="1600">
-                <a:latin typeface="Times New Roman" panose="02020603050405020304" pitchFamily="18" charset="0"/>
-                <a:cs typeface="Times New Roman" panose="02020603050405020304" pitchFamily="18" charset="0"/>
-              </a:rPr>
-              <a:t> </a:t>
-            </a:r>
-            <a:r>
-              <a:rPr lang="en-US" sz="1600" err="1">
-                <a:latin typeface="Times New Roman" panose="02020603050405020304" pitchFamily="18" charset="0"/>
-                <a:cs typeface="Times New Roman" panose="02020603050405020304" pitchFamily="18" charset="0"/>
-              </a:rPr>
-              <a:t>khỏi</a:t>
-            </a:r>
-            <a:r>
-              <a:rPr lang="en-US" sz="1600">
-                <a:latin typeface="Times New Roman" panose="02020603050405020304" pitchFamily="18" charset="0"/>
-                <a:cs typeface="Times New Roman" panose="02020603050405020304" pitchFamily="18" charset="0"/>
-              </a:rPr>
-              <a:t> </a:t>
-            </a:r>
-            <a:r>
-              <a:rPr lang="en-US" sz="1600" err="1">
-                <a:latin typeface="Times New Roman" panose="02020603050405020304" pitchFamily="18" charset="0"/>
-                <a:cs typeface="Times New Roman" panose="02020603050405020304" pitchFamily="18" charset="0"/>
-              </a:rPr>
-              <a:t>động</a:t>
-            </a:r>
-            <a:r>
-              <a:rPr lang="en-US" sz="1600">
-                <a:latin typeface="Times New Roman" panose="02020603050405020304" pitchFamily="18" charset="0"/>
-                <a:cs typeface="Times New Roman" panose="02020603050405020304" pitchFamily="18" charset="0"/>
-              </a:rPr>
-              <a:t> </a:t>
-            </a:r>
-            <a:r>
-              <a:rPr lang="en-US" sz="1600" err="1">
-                <a:latin typeface="Times New Roman" panose="02020603050405020304" pitchFamily="18" charset="0"/>
-                <a:cs typeface="Times New Roman" panose="02020603050405020304" pitchFamily="18" charset="0"/>
-              </a:rPr>
-              <a:t>lại</a:t>
-            </a:r>
-            <a:r>
-              <a:rPr lang="en-US" sz="1600">
-                <a:latin typeface="Times New Roman" panose="02020603050405020304" pitchFamily="18" charset="0"/>
-                <a:cs typeface="Times New Roman" panose="02020603050405020304" pitchFamily="18" charset="0"/>
-              </a:rPr>
-              <a:t>.</a:t>
-            </a:r>
-          </a:p>
-          <a:p>
-            <a:pPr lvl="1"/>
-            <a:r>
-              <a:rPr lang="en-US" sz="1600">
-                <a:latin typeface="Times New Roman" panose="02020603050405020304" pitchFamily="18" charset="0"/>
-                <a:cs typeface="Times New Roman" panose="02020603050405020304" pitchFamily="18" charset="0"/>
-              </a:rPr>
-              <a:t>Team [</a:t>
-            </a:r>
-            <a:r>
-              <a:rPr lang="en-US" sz="1600" err="1">
-                <a:latin typeface="Times New Roman" panose="02020603050405020304" pitchFamily="18" charset="0"/>
-                <a:cs typeface="Times New Roman" panose="02020603050405020304" pitchFamily="18" charset="0"/>
-              </a:rPr>
-              <a:t>Chúa</a:t>
-            </a:r>
-            <a:r>
-              <a:rPr lang="en-US" sz="1600">
-                <a:latin typeface="Times New Roman" panose="02020603050405020304" pitchFamily="18" charset="0"/>
-                <a:cs typeface="Times New Roman" panose="02020603050405020304" pitchFamily="18" charset="0"/>
-              </a:rPr>
-              <a:t> </a:t>
-            </a:r>
-            <a:r>
-              <a:rPr lang="en-US" sz="1600" err="1">
-                <a:latin typeface="Times New Roman" panose="02020603050405020304" pitchFamily="18" charset="0"/>
-                <a:cs typeface="Times New Roman" panose="02020603050405020304" pitchFamily="18" charset="0"/>
-              </a:rPr>
-              <a:t>tể</a:t>
-            </a:r>
-            <a:r>
-              <a:rPr lang="en-US" sz="1600">
-                <a:latin typeface="Times New Roman" panose="02020603050405020304" pitchFamily="18" charset="0"/>
-                <a:cs typeface="Times New Roman" panose="02020603050405020304" pitchFamily="18" charset="0"/>
-              </a:rPr>
-              <a:t> tool </a:t>
-            </a:r>
-            <a:r>
-              <a:rPr lang="en-US" sz="1600" err="1">
-                <a:latin typeface="Times New Roman" panose="02020603050405020304" pitchFamily="18" charset="0"/>
-                <a:cs typeface="Times New Roman" panose="02020603050405020304" pitchFamily="18" charset="0"/>
-              </a:rPr>
-              <a:t>lỗi</a:t>
-            </a:r>
-            <a:r>
-              <a:rPr lang="en-US" sz="1600">
-                <a:latin typeface="Times New Roman" panose="02020603050405020304" pitchFamily="18" charset="0"/>
-                <a:cs typeface="Times New Roman" panose="02020603050405020304" pitchFamily="18" charset="0"/>
-              </a:rPr>
-              <a:t>] </a:t>
-            </a:r>
-            <a:r>
-              <a:rPr lang="en-US" sz="1600" err="1">
-                <a:latin typeface="Times New Roman" panose="02020603050405020304" pitchFamily="18" charset="0"/>
-                <a:cs typeface="Times New Roman" panose="02020603050405020304" pitchFamily="18" charset="0"/>
-              </a:rPr>
-              <a:t>đã</a:t>
-            </a:r>
-            <a:r>
-              <a:rPr lang="en-US" sz="1600">
-                <a:latin typeface="Times New Roman" panose="02020603050405020304" pitchFamily="18" charset="0"/>
-                <a:cs typeface="Times New Roman" panose="02020603050405020304" pitchFamily="18" charset="0"/>
-              </a:rPr>
-              <a:t> </a:t>
-            </a:r>
-            <a:r>
-              <a:rPr lang="en-US" sz="1600" err="1">
-                <a:latin typeface="Times New Roman" panose="02020603050405020304" pitchFamily="18" charset="0"/>
-                <a:cs typeface="Times New Roman" panose="02020603050405020304" pitchFamily="18" charset="0"/>
-              </a:rPr>
-              <a:t>thực</a:t>
-            </a:r>
-            <a:r>
-              <a:rPr lang="en-US" sz="1600">
-                <a:latin typeface="Times New Roman" panose="02020603050405020304" pitchFamily="18" charset="0"/>
-                <a:cs typeface="Times New Roman" panose="02020603050405020304" pitchFamily="18" charset="0"/>
-              </a:rPr>
-              <a:t> </a:t>
-            </a:r>
-            <a:r>
-              <a:rPr lang="en-US" sz="1600" err="1">
-                <a:latin typeface="Times New Roman" panose="02020603050405020304" pitchFamily="18" charset="0"/>
-                <a:cs typeface="Times New Roman" panose="02020603050405020304" pitchFamily="18" charset="0"/>
-              </a:rPr>
-              <a:t>hiện</a:t>
-            </a:r>
-            <a:r>
-              <a:rPr lang="en-US" sz="1600">
-                <a:latin typeface="Times New Roman" panose="02020603050405020304" pitchFamily="18" charset="0"/>
-                <a:cs typeface="Times New Roman" panose="02020603050405020304" pitchFamily="18" charset="0"/>
-              </a:rPr>
-              <a:t> 1 ý </a:t>
-            </a:r>
-            <a:r>
-              <a:rPr lang="en-US" sz="1600" err="1">
-                <a:latin typeface="Times New Roman" panose="02020603050405020304" pitchFamily="18" charset="0"/>
-                <a:cs typeface="Times New Roman" panose="02020603050405020304" pitchFamily="18" charset="0"/>
-              </a:rPr>
-              <a:t>tưởng</a:t>
-            </a:r>
-            <a:r>
-              <a:rPr lang="en-US" sz="1600">
-                <a:latin typeface="Times New Roman" panose="02020603050405020304" pitchFamily="18" charset="0"/>
-                <a:cs typeface="Times New Roman" panose="02020603050405020304" pitchFamily="18" charset="0"/>
-              </a:rPr>
-              <a:t> </a:t>
-            </a:r>
-            <a:r>
-              <a:rPr lang="en-US" sz="1600" err="1">
-                <a:latin typeface="Times New Roman" panose="02020603050405020304" pitchFamily="18" charset="0"/>
-                <a:cs typeface="Times New Roman" panose="02020603050405020304" pitchFamily="18" charset="0"/>
-              </a:rPr>
-              <a:t>để</a:t>
-            </a:r>
-            <a:r>
-              <a:rPr lang="en-US" sz="1600">
-                <a:latin typeface="Times New Roman" panose="02020603050405020304" pitchFamily="18" charset="0"/>
-                <a:cs typeface="Times New Roman" panose="02020603050405020304" pitchFamily="18" charset="0"/>
-              </a:rPr>
-              <a:t> </a:t>
-            </a:r>
-            <a:r>
-              <a:rPr lang="en-US" sz="1600" err="1">
-                <a:latin typeface="Times New Roman" panose="02020603050405020304" pitchFamily="18" charset="0"/>
-                <a:cs typeface="Times New Roman" panose="02020603050405020304" pitchFamily="18" charset="0"/>
-              </a:rPr>
-              <a:t>có</a:t>
-            </a:r>
-            <a:r>
-              <a:rPr lang="en-US" sz="1600">
-                <a:latin typeface="Times New Roman" panose="02020603050405020304" pitchFamily="18" charset="0"/>
-                <a:cs typeface="Times New Roman" panose="02020603050405020304" pitchFamily="18" charset="0"/>
-              </a:rPr>
-              <a:t> </a:t>
-            </a:r>
-            <a:r>
-              <a:rPr lang="en-US" sz="1600" err="1">
-                <a:latin typeface="Times New Roman" panose="02020603050405020304" pitchFamily="18" charset="0"/>
-                <a:cs typeface="Times New Roman" panose="02020603050405020304" pitchFamily="18" charset="0"/>
-              </a:rPr>
-              <a:t>thể</a:t>
-            </a:r>
-            <a:r>
-              <a:rPr lang="en-US" sz="1600">
-                <a:latin typeface="Times New Roman" panose="02020603050405020304" pitchFamily="18" charset="0"/>
-                <a:cs typeface="Times New Roman" panose="02020603050405020304" pitchFamily="18" charset="0"/>
-              </a:rPr>
-              <a:t> </a:t>
-            </a:r>
-            <a:r>
-              <a:rPr lang="en-US" sz="1600" err="1">
-                <a:latin typeface="Times New Roman" panose="02020603050405020304" pitchFamily="18" charset="0"/>
-                <a:cs typeface="Times New Roman" panose="02020603050405020304" pitchFamily="18" charset="0"/>
-              </a:rPr>
-              <a:t>giải</a:t>
-            </a:r>
-            <a:r>
-              <a:rPr lang="en-US" sz="1600">
-                <a:latin typeface="Times New Roman" panose="02020603050405020304" pitchFamily="18" charset="0"/>
-                <a:cs typeface="Times New Roman" panose="02020603050405020304" pitchFamily="18" charset="0"/>
-              </a:rPr>
-              <a:t> </a:t>
-            </a:r>
-            <a:r>
-              <a:rPr lang="en-US" sz="1600" err="1">
-                <a:latin typeface="Times New Roman" panose="02020603050405020304" pitchFamily="18" charset="0"/>
-                <a:cs typeface="Times New Roman" panose="02020603050405020304" pitchFamily="18" charset="0"/>
-              </a:rPr>
-              <a:t>quyết</a:t>
-            </a:r>
-            <a:r>
-              <a:rPr lang="en-US" sz="1600">
-                <a:latin typeface="Times New Roman" panose="02020603050405020304" pitchFamily="18" charset="0"/>
-                <a:cs typeface="Times New Roman" panose="02020603050405020304" pitchFamily="18" charset="0"/>
-              </a:rPr>
-              <a:t> </a:t>
-            </a:r>
-            <a:r>
-              <a:rPr lang="en-US" sz="1600" err="1">
-                <a:latin typeface="Times New Roman" panose="02020603050405020304" pitchFamily="18" charset="0"/>
-                <a:cs typeface="Times New Roman" panose="02020603050405020304" pitchFamily="18" charset="0"/>
-              </a:rPr>
-              <a:t>các</a:t>
-            </a:r>
-            <a:r>
-              <a:rPr lang="en-US" sz="1600">
-                <a:latin typeface="Times New Roman" panose="02020603050405020304" pitchFamily="18" charset="0"/>
-                <a:cs typeface="Times New Roman" panose="02020603050405020304" pitchFamily="18" charset="0"/>
-              </a:rPr>
-              <a:t> </a:t>
-            </a:r>
-            <a:r>
-              <a:rPr lang="en-US" sz="1600" err="1">
-                <a:latin typeface="Times New Roman" panose="02020603050405020304" pitchFamily="18" charset="0"/>
-                <a:cs typeface="Times New Roman" panose="02020603050405020304" pitchFamily="18" charset="0"/>
-              </a:rPr>
-              <a:t>vấn</a:t>
-            </a:r>
-            <a:r>
-              <a:rPr lang="en-US" sz="1600">
-                <a:latin typeface="Times New Roman" panose="02020603050405020304" pitchFamily="18" charset="0"/>
-                <a:cs typeface="Times New Roman" panose="02020603050405020304" pitchFamily="18" charset="0"/>
-              </a:rPr>
-              <a:t> </a:t>
-            </a:r>
-            <a:r>
-              <a:rPr lang="en-US" sz="1600" err="1">
-                <a:latin typeface="Times New Roman" panose="02020603050405020304" pitchFamily="18" charset="0"/>
-                <a:cs typeface="Times New Roman" panose="02020603050405020304" pitchFamily="18" charset="0"/>
-              </a:rPr>
-              <a:t>đề</a:t>
-            </a:r>
-            <a:r>
-              <a:rPr lang="en-US" sz="1600">
-                <a:latin typeface="Times New Roman" panose="02020603050405020304" pitchFamily="18" charset="0"/>
-                <a:cs typeface="Times New Roman" panose="02020603050405020304" pitchFamily="18" charset="0"/>
-              </a:rPr>
-              <a:t> </a:t>
-            </a:r>
-            <a:r>
-              <a:rPr lang="en-US" sz="1600" err="1">
-                <a:latin typeface="Times New Roman" panose="02020603050405020304" pitchFamily="18" charset="0"/>
-                <a:cs typeface="Times New Roman" panose="02020603050405020304" pitchFamily="18" charset="0"/>
-              </a:rPr>
-              <a:t>trên</a:t>
-            </a:r>
-            <a:r>
-              <a:rPr lang="en-US" sz="1600">
-                <a:latin typeface="Times New Roman" panose="02020603050405020304" pitchFamily="18" charset="0"/>
-                <a:cs typeface="Times New Roman" panose="02020603050405020304" pitchFamily="18" charset="0"/>
-              </a:rPr>
-              <a:t>.</a:t>
-            </a:r>
-          </a:p>
-          <a:p>
-            <a:pPr lvl="1"/>
-            <a:r>
-              <a:rPr lang="en-US" sz="1600" err="1">
-                <a:latin typeface="Times New Roman" panose="02020603050405020304" pitchFamily="18" charset="0"/>
-                <a:cs typeface="Times New Roman" panose="02020603050405020304" pitchFamily="18" charset="0"/>
-              </a:rPr>
-              <a:t>Tạo</a:t>
-            </a:r>
-            <a:r>
-              <a:rPr lang="en-US" sz="1600">
-                <a:latin typeface="Times New Roman" panose="02020603050405020304" pitchFamily="18" charset="0"/>
-                <a:cs typeface="Times New Roman" panose="02020603050405020304" pitchFamily="18" charset="0"/>
-              </a:rPr>
-              <a:t> ra 1 con robot </a:t>
-            </a:r>
-            <a:r>
-              <a:rPr lang="en-US" sz="1600" err="1">
-                <a:latin typeface="Times New Roman" panose="02020603050405020304" pitchFamily="18" charset="0"/>
-                <a:cs typeface="Times New Roman" panose="02020603050405020304" pitchFamily="18" charset="0"/>
-              </a:rPr>
-              <a:t>đi</a:t>
-            </a:r>
-            <a:r>
-              <a:rPr lang="en-US" sz="1600">
-                <a:latin typeface="Times New Roman" panose="02020603050405020304" pitchFamily="18" charset="0"/>
-                <a:cs typeface="Times New Roman" panose="02020603050405020304" pitchFamily="18" charset="0"/>
-              </a:rPr>
-              <a:t> ấn button restart </a:t>
-            </a:r>
-            <a:r>
-              <a:rPr lang="en-US" sz="1600" err="1">
-                <a:latin typeface="Times New Roman" panose="02020603050405020304" pitchFamily="18" charset="0"/>
-                <a:cs typeface="Times New Roman" panose="02020603050405020304" pitchFamily="18" charset="0"/>
-              </a:rPr>
-              <a:t>và</a:t>
-            </a:r>
-            <a:r>
-              <a:rPr lang="en-US" sz="1600">
-                <a:latin typeface="Times New Roman" panose="02020603050405020304" pitchFamily="18" charset="0"/>
-                <a:cs typeface="Times New Roman" panose="02020603050405020304" pitchFamily="18" charset="0"/>
-              </a:rPr>
-              <a:t> 1 website </a:t>
-            </a:r>
-            <a:r>
-              <a:rPr lang="en-US" sz="1600" err="1">
-                <a:latin typeface="Times New Roman" panose="02020603050405020304" pitchFamily="18" charset="0"/>
-                <a:cs typeface="Times New Roman" panose="02020603050405020304" pitchFamily="18" charset="0"/>
-              </a:rPr>
-              <a:t>có</a:t>
-            </a:r>
-            <a:r>
-              <a:rPr lang="en-US" sz="1600">
-                <a:latin typeface="Times New Roman" panose="02020603050405020304" pitchFamily="18" charset="0"/>
-                <a:cs typeface="Times New Roman" panose="02020603050405020304" pitchFamily="18" charset="0"/>
-              </a:rPr>
-              <a:t> </a:t>
-            </a:r>
-            <a:r>
-              <a:rPr lang="en-US" sz="1600" err="1">
-                <a:latin typeface="Times New Roman" panose="02020603050405020304" pitchFamily="18" charset="0"/>
-                <a:cs typeface="Times New Roman" panose="02020603050405020304" pitchFamily="18" charset="0"/>
-              </a:rPr>
-              <a:t>thế</a:t>
-            </a:r>
-            <a:r>
-              <a:rPr lang="en-US" sz="1600">
-                <a:latin typeface="Times New Roman" panose="02020603050405020304" pitchFamily="18" charset="0"/>
-                <a:cs typeface="Times New Roman" panose="02020603050405020304" pitchFamily="18" charset="0"/>
-              </a:rPr>
-              <a:t> </a:t>
-            </a:r>
-            <a:r>
-              <a:rPr lang="en-US" sz="1600" err="1">
-                <a:latin typeface="Times New Roman" panose="02020603050405020304" pitchFamily="18" charset="0"/>
-                <a:cs typeface="Times New Roman" panose="02020603050405020304" pitchFamily="18" charset="0"/>
-              </a:rPr>
-              <a:t>quản</a:t>
-            </a:r>
-            <a:r>
-              <a:rPr lang="en-US" sz="1600">
-                <a:latin typeface="Times New Roman" panose="02020603050405020304" pitchFamily="18" charset="0"/>
-                <a:cs typeface="Times New Roman" panose="02020603050405020304" pitchFamily="18" charset="0"/>
-              </a:rPr>
-              <a:t> </a:t>
-            </a:r>
-            <a:r>
-              <a:rPr lang="en-US" sz="1600" err="1">
-                <a:latin typeface="Times New Roman" panose="02020603050405020304" pitchFamily="18" charset="0"/>
-                <a:cs typeface="Times New Roman" panose="02020603050405020304" pitchFamily="18" charset="0"/>
-              </a:rPr>
-              <a:t>lý</a:t>
-            </a:r>
-            <a:r>
-              <a:rPr lang="en-US" sz="1600">
-                <a:latin typeface="Times New Roman" panose="02020603050405020304" pitchFamily="18" charset="0"/>
-                <a:cs typeface="Times New Roman" panose="02020603050405020304" pitchFamily="18" charset="0"/>
-              </a:rPr>
-              <a:t> </a:t>
-            </a:r>
-            <a:r>
-              <a:rPr lang="en-US" sz="1600" err="1">
-                <a:latin typeface="Times New Roman" panose="02020603050405020304" pitchFamily="18" charset="0"/>
-                <a:cs typeface="Times New Roman" panose="02020603050405020304" pitchFamily="18" charset="0"/>
-              </a:rPr>
-              <a:t>việc</a:t>
-            </a:r>
-            <a:r>
-              <a:rPr lang="en-US" sz="1600">
-                <a:latin typeface="Times New Roman" panose="02020603050405020304" pitchFamily="18" charset="0"/>
-                <a:cs typeface="Times New Roman" panose="02020603050405020304" pitchFamily="18" charset="0"/>
-              </a:rPr>
-              <a:t> </a:t>
-            </a:r>
-            <a:r>
-              <a:rPr lang="en-US" sz="1600" err="1">
-                <a:latin typeface="Times New Roman" panose="02020603050405020304" pitchFamily="18" charset="0"/>
-                <a:cs typeface="Times New Roman" panose="02020603050405020304" pitchFamily="18" charset="0"/>
-              </a:rPr>
-              <a:t>điều</a:t>
-            </a:r>
-            <a:r>
-              <a:rPr lang="en-US" sz="1600">
-                <a:latin typeface="Times New Roman" panose="02020603050405020304" pitchFamily="18" charset="0"/>
-                <a:cs typeface="Times New Roman" panose="02020603050405020304" pitchFamily="18" charset="0"/>
-              </a:rPr>
-              <a:t> </a:t>
-            </a:r>
-            <a:r>
-              <a:rPr lang="en-US" sz="1600" err="1">
-                <a:latin typeface="Times New Roman" panose="02020603050405020304" pitchFamily="18" charset="0"/>
-                <a:cs typeface="Times New Roman" panose="02020603050405020304" pitchFamily="18" charset="0"/>
-              </a:rPr>
-              <a:t>khiển</a:t>
-            </a:r>
-            <a:r>
-              <a:rPr lang="en-US" sz="1600">
-                <a:latin typeface="Times New Roman" panose="02020603050405020304" pitchFamily="18" charset="0"/>
-                <a:cs typeface="Times New Roman" panose="02020603050405020304" pitchFamily="18" charset="0"/>
-              </a:rPr>
-              <a:t> robot </a:t>
-            </a:r>
-            <a:r>
-              <a:rPr lang="en-US" sz="1600" err="1">
-                <a:latin typeface="Times New Roman" panose="02020603050405020304" pitchFamily="18" charset="0"/>
-                <a:cs typeface="Times New Roman" panose="02020603050405020304" pitchFamily="18" charset="0"/>
-              </a:rPr>
-              <a:t>dễ</a:t>
-            </a:r>
-            <a:r>
-              <a:rPr lang="en-US" sz="1600">
-                <a:latin typeface="Times New Roman" panose="02020603050405020304" pitchFamily="18" charset="0"/>
-                <a:cs typeface="Times New Roman" panose="02020603050405020304" pitchFamily="18" charset="0"/>
-              </a:rPr>
-              <a:t> </a:t>
-            </a:r>
-            <a:r>
-              <a:rPr lang="en-US" sz="1600" err="1">
-                <a:latin typeface="Times New Roman" panose="02020603050405020304" pitchFamily="18" charset="0"/>
-                <a:cs typeface="Times New Roman" panose="02020603050405020304" pitchFamily="18" charset="0"/>
-              </a:rPr>
-              <a:t>dàng</a:t>
-            </a:r>
-            <a:r>
-              <a:rPr lang="en-US" sz="1600">
-                <a:latin typeface="Times New Roman" panose="02020603050405020304" pitchFamily="18" charset="0"/>
-                <a:cs typeface="Times New Roman" panose="02020603050405020304" pitchFamily="18" charset="0"/>
-              </a:rPr>
-              <a:t>.</a:t>
-            </a:r>
-          </a:p>
-          <a:p>
-            <a:r>
-              <a:rPr lang="en-US" sz="1600" b="1" err="1">
-                <a:latin typeface="Times New Roman" panose="02020603050405020304" pitchFamily="18" charset="0"/>
-                <a:cs typeface="Times New Roman" panose="02020603050405020304" pitchFamily="18" charset="0"/>
-              </a:rPr>
-              <a:t>Thành</a:t>
-            </a:r>
-            <a:r>
-              <a:rPr lang="en-US" sz="1600" b="1">
-                <a:latin typeface="Times New Roman" panose="02020603050405020304" pitchFamily="18" charset="0"/>
-                <a:cs typeface="Times New Roman" panose="02020603050405020304" pitchFamily="18" charset="0"/>
-              </a:rPr>
-              <a:t> </a:t>
-            </a:r>
-            <a:r>
-              <a:rPr lang="en-US" sz="1600" b="1" err="1">
-                <a:latin typeface="Times New Roman" panose="02020603050405020304" pitchFamily="18" charset="0"/>
-                <a:cs typeface="Times New Roman" panose="02020603050405020304" pitchFamily="18" charset="0"/>
-              </a:rPr>
-              <a:t>viên</a:t>
-            </a:r>
-            <a:r>
-              <a:rPr lang="en-US" sz="1600" b="1">
-                <a:latin typeface="Times New Roman" panose="02020603050405020304" pitchFamily="18" charset="0"/>
-                <a:cs typeface="Times New Roman" panose="02020603050405020304" pitchFamily="18" charset="0"/>
-              </a:rPr>
-              <a:t>:</a:t>
-            </a:r>
-          </a:p>
-          <a:p>
-            <a:pPr lvl="1"/>
-            <a:r>
-              <a:rPr lang="en-US" sz="1600">
-                <a:latin typeface="Times New Roman" panose="02020603050405020304" pitchFamily="18" charset="0"/>
-                <a:cs typeface="Times New Roman" panose="02020603050405020304" pitchFamily="18" charset="0"/>
-              </a:rPr>
-              <a:t>Nguyễn Văn Cường (robot + api)</a:t>
-            </a:r>
-          </a:p>
-          <a:p>
-            <a:pPr lvl="1"/>
-            <a:r>
-              <a:rPr lang="en-US" sz="1600">
-                <a:latin typeface="Times New Roman" panose="02020603050405020304" pitchFamily="18" charset="0"/>
-                <a:cs typeface="Times New Roman" panose="02020603050405020304" pitchFamily="18" charset="0"/>
-              </a:rPr>
-              <a:t>Lê </a:t>
-            </a:r>
-            <a:r>
-              <a:rPr lang="en-US" sz="1600" err="1">
-                <a:latin typeface="Times New Roman" panose="02020603050405020304" pitchFamily="18" charset="0"/>
-                <a:cs typeface="Times New Roman" panose="02020603050405020304" pitchFamily="18" charset="0"/>
-              </a:rPr>
-              <a:t>Đình</a:t>
-            </a:r>
-            <a:r>
-              <a:rPr lang="en-US" sz="1600">
-                <a:latin typeface="Times New Roman" panose="02020603050405020304" pitchFamily="18" charset="0"/>
-                <a:cs typeface="Times New Roman" panose="02020603050405020304" pitchFamily="18" charset="0"/>
-              </a:rPr>
-              <a:t> Tam Phụng (login +queue)</a:t>
-            </a:r>
-          </a:p>
-          <a:p>
-            <a:pPr lvl="1"/>
-            <a:r>
-              <a:rPr lang="en-US" sz="1600">
-                <a:latin typeface="Times New Roman" panose="02020603050405020304" pitchFamily="18" charset="0"/>
-                <a:cs typeface="Times New Roman" panose="02020603050405020304" pitchFamily="18" charset="0"/>
-              </a:rPr>
-              <a:t>Phan </a:t>
-            </a:r>
-            <a:r>
-              <a:rPr lang="en-US" sz="1600" err="1">
-                <a:latin typeface="Times New Roman" panose="02020603050405020304" pitchFamily="18" charset="0"/>
-                <a:cs typeface="Times New Roman" panose="02020603050405020304" pitchFamily="18" charset="0"/>
-              </a:rPr>
-              <a:t>Thị</a:t>
-            </a:r>
-            <a:r>
-              <a:rPr lang="en-US" sz="1600">
-                <a:latin typeface="Times New Roman" panose="02020603050405020304" pitchFamily="18" charset="0"/>
-                <a:cs typeface="Times New Roman" panose="02020603050405020304" pitchFamily="18" charset="0"/>
-              </a:rPr>
-              <a:t> </a:t>
-            </a:r>
-            <a:r>
-              <a:rPr lang="en-US" sz="1600" err="1">
-                <a:latin typeface="Times New Roman" panose="02020603050405020304" pitchFamily="18" charset="0"/>
-                <a:cs typeface="Times New Roman" panose="02020603050405020304" pitchFamily="18" charset="0"/>
-              </a:rPr>
-              <a:t>Quỳnh</a:t>
-            </a:r>
-            <a:r>
-              <a:rPr lang="en-US" sz="1600">
-                <a:latin typeface="Times New Roman" panose="02020603050405020304" pitchFamily="18" charset="0"/>
-                <a:cs typeface="Times New Roman" panose="02020603050405020304" pitchFamily="18" charset="0"/>
-              </a:rPr>
-              <a:t> Linh ( control + admin)</a:t>
-            </a:r>
-          </a:p>
-          <a:p>
-            <a:pPr lvl="1"/>
-            <a:r>
-              <a:rPr lang="en-US" sz="1600">
-                <a:latin typeface="Times New Roman" panose="02020603050405020304" pitchFamily="18" charset="0"/>
-                <a:cs typeface="Times New Roman" panose="02020603050405020304" pitchFamily="18" charset="0"/>
-              </a:rPr>
-              <a:t>Nguyễn </a:t>
-            </a:r>
-            <a:r>
-              <a:rPr lang="en-US" sz="1600" err="1">
-                <a:latin typeface="Times New Roman" panose="02020603050405020304" pitchFamily="18" charset="0"/>
-                <a:cs typeface="Times New Roman" panose="02020603050405020304" pitchFamily="18" charset="0"/>
-              </a:rPr>
-              <a:t>Mạnh</a:t>
-            </a:r>
-            <a:r>
-              <a:rPr lang="en-US" sz="1600">
-                <a:latin typeface="Times New Roman" panose="02020603050405020304" pitchFamily="18" charset="0"/>
-                <a:cs typeface="Times New Roman" panose="02020603050405020304" pitchFamily="18" charset="0"/>
-              </a:rPr>
-              <a:t> Hùng (batch)</a:t>
-            </a:r>
-          </a:p>
-        </p:txBody>
-      </p:sp>
-    </p:spTree>
-    <p:extLst>
-      <p:ext uri="{BB962C8B-B14F-4D97-AF65-F5344CB8AC3E}">
-        <p14:creationId xmlns:p14="http://schemas.microsoft.com/office/powerpoint/2010/main" val="4148695636"/>
-      </p:ext>
-    </p:extLst>
-  </p:cSld>
-  <p:clrMapOvr>
-    <a:masterClrMapping/>
-  </p:clrMapOvr>
-</p:sld>
-</file>
-
-<file path=ppt/slides/slide30.xml><?xml version="1.0" encoding="utf-8"?>
+<file path=ppt/slides/slide32.xml><?xml version="1.0" encoding="utf-8"?>
 <p:sld xmlns:a="http://schemas.openxmlformats.org/drawingml/2006/main" xmlns:r="http://schemas.openxmlformats.org/officeDocument/2006/relationships" xmlns:p="http://schemas.openxmlformats.org/presentationml/2006/main">
   <p:cSld>
     <p:spTree>
@@ -23083,7 +24445,7 @@
 </p:sld>
 </file>
 
-<file path=ppt/slides/slide31.xml><?xml version="1.0" encoding="utf-8"?>
+<file path=ppt/slides/slide33.xml><?xml version="1.0" encoding="utf-8"?>
 <p:sld xmlns:a="http://schemas.openxmlformats.org/drawingml/2006/main" xmlns:r="http://schemas.openxmlformats.org/officeDocument/2006/relationships" xmlns:p="http://schemas.openxmlformats.org/presentationml/2006/main">
   <p:cSld>
     <p:spTree>
@@ -27047,7 +28409,7 @@
                 <a:latin typeface="Times New Roman" panose="02020603050405020304" pitchFamily="18" charset="0"/>
                 <a:cs typeface="Times New Roman" panose="02020603050405020304" pitchFamily="18" charset="0"/>
               </a:rPr>
-              <a:t> QUEUE</a:t>
+              <a:t> CONTROL</a:t>
             </a:r>
             <a:r>
               <a:rPr lang="en-US" sz="4000" kern="1200" cap="all">
@@ -27088,30 +28450,1557 @@
         <p:spPr/>
         <p:txBody>
           <a:bodyPr>
-            <a:normAutofit/>
+            <a:normAutofit fontScale="85000" lnSpcReduction="10000"/>
           </a:bodyPr>
           <a:lstStyle/>
           <a:p>
             <a:r>
+              <a:rPr lang="en-US" sz="1800" dirty="0">
+                <a:latin typeface="Times New Roman" panose="02020603050405020304" pitchFamily="18" charset="0"/>
+                <a:cs typeface="Times New Roman" panose="02020603050405020304" pitchFamily="18" charset="0"/>
+              </a:rPr>
+              <a:t>Control</a:t>
+            </a:r>
+            <a:r>
               <a:rPr lang="en-US" sz="1800" b="1" dirty="0">
                 <a:latin typeface="Times New Roman" panose="02020603050405020304" pitchFamily="18" charset="0"/>
                 <a:cs typeface="Times New Roman" panose="02020603050405020304" pitchFamily="18" charset="0"/>
               </a:rPr>
-              <a:t>Queue </a:t>
-            </a:r>
-            <a:r>
-              <a:rPr lang="en-US" sz="1800" b="1">
-                <a:latin typeface="Times New Roman" panose="02020603050405020304" pitchFamily="18" charset="0"/>
-                <a:cs typeface="Times New Roman" panose="02020603050405020304" pitchFamily="18" charset="0"/>
-              </a:rPr>
-              <a:t>Page</a:t>
-            </a:r>
-            <a:r>
-              <a:rPr lang="en-US" sz="1800" b="1" smtClean="0">
-                <a:latin typeface="Times New Roman" panose="02020603050405020304" pitchFamily="18" charset="0"/>
-                <a:cs typeface="Times New Roman" panose="02020603050405020304" pitchFamily="18" charset="0"/>
-              </a:rPr>
-              <a:t>: </a:t>
+              <a:t> Page</a:t>
+            </a:r>
+            <a:r>
+              <a:rPr lang="en-US" sz="1800" b="1" dirty="0" smtClean="0">
+                <a:latin typeface="Times New Roman" panose="02020603050405020304" pitchFamily="18" charset="0"/>
+                <a:cs typeface="Times New Roman" panose="02020603050405020304" pitchFamily="18" charset="0"/>
+              </a:rPr>
+              <a:t>:</a:t>
+            </a:r>
+          </a:p>
+          <a:p>
+            <a:pPr marL="0" indent="0">
+              <a:buNone/>
+            </a:pPr>
+            <a:r>
+              <a:rPr lang="en-US" sz="1800" b="1" dirty="0" smtClean="0">
+                <a:latin typeface="Times New Roman" panose="02020603050405020304" pitchFamily="18" charset="0"/>
+                <a:cs typeface="Times New Roman" panose="02020603050405020304" pitchFamily="18" charset="0"/>
+              </a:rPr>
+              <a:t>	</a:t>
+            </a:r>
+            <a:r>
+              <a:rPr lang="en-US" sz="1800" dirty="0" smtClean="0">
+                <a:latin typeface="Times New Roman" panose="02020603050405020304" pitchFamily="18" charset="0"/>
+                <a:cs typeface="Times New Roman" panose="02020603050405020304" pitchFamily="18" charset="0"/>
+              </a:rPr>
+              <a:t>1.</a:t>
+            </a:r>
+            <a:r>
+              <a:rPr lang="en-US" sz="1800" b="1" dirty="0" smtClean="0">
+                <a:latin typeface="Times New Roman" panose="02020603050405020304" pitchFamily="18" charset="0"/>
+                <a:cs typeface="Times New Roman" panose="02020603050405020304" pitchFamily="18" charset="0"/>
+              </a:rPr>
+              <a:t> </a:t>
+            </a:r>
+            <a:r>
+              <a:rPr lang="en-US" sz="1800" dirty="0" smtClean="0">
+                <a:latin typeface="Times New Roman" panose="02020603050405020304" pitchFamily="18" charset="0"/>
+                <a:cs typeface="Times New Roman" panose="02020603050405020304" pitchFamily="18" charset="0"/>
+              </a:rPr>
+              <a:t>User </a:t>
+            </a:r>
+            <a:r>
+              <a:rPr lang="en-US" sz="1800" dirty="0" err="1" smtClean="0">
+                <a:latin typeface="Times New Roman" panose="02020603050405020304" pitchFamily="18" charset="0"/>
+                <a:cs typeface="Times New Roman" panose="02020603050405020304" pitchFamily="18" charset="0"/>
+              </a:rPr>
+              <a:t>chỉ</a:t>
+            </a:r>
+            <a:r>
+              <a:rPr lang="en-US" sz="1800" dirty="0" smtClean="0">
+                <a:latin typeface="Times New Roman" panose="02020603050405020304" pitchFamily="18" charset="0"/>
+                <a:cs typeface="Times New Roman" panose="02020603050405020304" pitchFamily="18" charset="0"/>
+              </a:rPr>
+              <a:t> </a:t>
+            </a:r>
+            <a:r>
+              <a:rPr lang="en-US" sz="1800" dirty="0" err="1" smtClean="0">
+                <a:latin typeface="Times New Roman" panose="02020603050405020304" pitchFamily="18" charset="0"/>
+                <a:cs typeface="Times New Roman" panose="02020603050405020304" pitchFamily="18" charset="0"/>
+              </a:rPr>
+              <a:t>được</a:t>
+            </a:r>
+            <a:r>
+              <a:rPr lang="en-US" sz="1800" dirty="0" smtClean="0">
+                <a:latin typeface="Times New Roman" panose="02020603050405020304" pitchFamily="18" charset="0"/>
+                <a:cs typeface="Times New Roman" panose="02020603050405020304" pitchFamily="18" charset="0"/>
+              </a:rPr>
+              <a:t> </a:t>
+            </a:r>
+            <a:r>
+              <a:rPr lang="en-US" sz="1800" dirty="0" err="1" smtClean="0">
+                <a:latin typeface="Times New Roman" panose="02020603050405020304" pitchFamily="18" charset="0"/>
+                <a:cs typeface="Times New Roman" panose="02020603050405020304" pitchFamily="18" charset="0"/>
+              </a:rPr>
+              <a:t>vào</a:t>
+            </a:r>
+            <a:r>
+              <a:rPr lang="en-US" sz="1800" dirty="0" smtClean="0">
+                <a:latin typeface="Times New Roman" panose="02020603050405020304" pitchFamily="18" charset="0"/>
+                <a:cs typeface="Times New Roman" panose="02020603050405020304" pitchFamily="18" charset="0"/>
+              </a:rPr>
+              <a:t> Page </a:t>
+            </a:r>
+            <a:r>
+              <a:rPr lang="en-US" sz="1800" dirty="0">
+                <a:latin typeface="Times New Roman" panose="02020603050405020304" pitchFamily="18" charset="0"/>
+                <a:cs typeface="Times New Roman" panose="02020603050405020304" pitchFamily="18" charset="0"/>
+              </a:rPr>
+              <a:t>C</a:t>
+            </a:r>
+            <a:r>
+              <a:rPr lang="en-US" sz="1800" dirty="0" smtClean="0">
+                <a:latin typeface="Times New Roman" panose="02020603050405020304" pitchFamily="18" charset="0"/>
+                <a:cs typeface="Times New Roman" panose="02020603050405020304" pitchFamily="18" charset="0"/>
+              </a:rPr>
+              <a:t>ontrol </a:t>
+            </a:r>
+            <a:r>
+              <a:rPr lang="en-US" sz="1800" dirty="0" err="1" smtClean="0">
+                <a:latin typeface="Times New Roman" panose="02020603050405020304" pitchFamily="18" charset="0"/>
+                <a:cs typeface="Times New Roman" panose="02020603050405020304" pitchFamily="18" charset="0"/>
+              </a:rPr>
+              <a:t>khi</a:t>
+            </a:r>
+            <a:r>
+              <a:rPr lang="en-US" sz="1800" dirty="0" smtClean="0">
+                <a:latin typeface="Times New Roman" panose="02020603050405020304" pitchFamily="18" charset="0"/>
+                <a:cs typeface="Times New Roman" panose="02020603050405020304" pitchFamily="18" charset="0"/>
+              </a:rPr>
+              <a:t> </a:t>
+            </a:r>
+            <a:r>
+              <a:rPr lang="en-US" sz="1800" dirty="0" err="1" smtClean="0">
+                <a:latin typeface="Times New Roman" panose="02020603050405020304" pitchFamily="18" charset="0"/>
+                <a:cs typeface="Times New Roman" panose="02020603050405020304" pitchFamily="18" charset="0"/>
+              </a:rPr>
+              <a:t>đến</a:t>
+            </a:r>
+            <a:r>
+              <a:rPr lang="en-US" sz="1800" dirty="0" smtClean="0">
+                <a:latin typeface="Times New Roman" panose="02020603050405020304" pitchFamily="18" charset="0"/>
+                <a:cs typeface="Times New Roman" panose="02020603050405020304" pitchFamily="18" charset="0"/>
+              </a:rPr>
+              <a:t> </a:t>
+            </a:r>
+            <a:r>
+              <a:rPr lang="en-US" sz="1800" dirty="0" err="1" smtClean="0">
+                <a:latin typeface="Times New Roman" panose="02020603050405020304" pitchFamily="18" charset="0"/>
+                <a:cs typeface="Times New Roman" panose="02020603050405020304" pitchFamily="18" charset="0"/>
+              </a:rPr>
+              <a:t>lượt</a:t>
+            </a:r>
+            <a:r>
+              <a:rPr lang="en-US" sz="1800" dirty="0" smtClean="0">
+                <a:latin typeface="Times New Roman" panose="02020603050405020304" pitchFamily="18" charset="0"/>
+                <a:cs typeface="Times New Roman" panose="02020603050405020304" pitchFamily="18" charset="0"/>
+              </a:rPr>
+              <a:t>, </a:t>
+            </a:r>
+            <a:r>
+              <a:rPr lang="en-US" sz="1800" dirty="0" err="1" smtClean="0">
+                <a:latin typeface="Times New Roman" panose="02020603050405020304" pitchFamily="18" charset="0"/>
+                <a:cs typeface="Times New Roman" panose="02020603050405020304" pitchFamily="18" charset="0"/>
+              </a:rPr>
+              <a:t>nếu</a:t>
+            </a:r>
+            <a:r>
+              <a:rPr lang="en-US" sz="1800" dirty="0" smtClean="0">
+                <a:latin typeface="Times New Roman" panose="02020603050405020304" pitchFamily="18" charset="0"/>
+                <a:cs typeface="Times New Roman" panose="02020603050405020304" pitchFamily="18" charset="0"/>
+              </a:rPr>
+              <a:t> </a:t>
+            </a:r>
+            <a:r>
+              <a:rPr lang="en-US" sz="1800" dirty="0" err="1" smtClean="0">
+                <a:latin typeface="Times New Roman" panose="02020603050405020304" pitchFamily="18" charset="0"/>
+                <a:cs typeface="Times New Roman" panose="02020603050405020304" pitchFamily="18" charset="0"/>
+              </a:rPr>
+              <a:t>cố</a:t>
+            </a:r>
+            <a:r>
+              <a:rPr lang="en-US" sz="1800" dirty="0" smtClean="0">
+                <a:latin typeface="Times New Roman" panose="02020603050405020304" pitchFamily="18" charset="0"/>
+                <a:cs typeface="Times New Roman" panose="02020603050405020304" pitchFamily="18" charset="0"/>
+              </a:rPr>
+              <a:t> </a:t>
+            </a:r>
+            <a:r>
+              <a:rPr lang="en-US" sz="1800" dirty="0" err="1" smtClean="0">
+                <a:latin typeface="Times New Roman" panose="02020603050405020304" pitchFamily="18" charset="0"/>
+                <a:cs typeface="Times New Roman" panose="02020603050405020304" pitchFamily="18" charset="0"/>
+              </a:rPr>
+              <a:t>tình</a:t>
+            </a:r>
+            <a:r>
+              <a:rPr lang="en-US" sz="1800" dirty="0" smtClean="0">
+                <a:latin typeface="Times New Roman" panose="02020603050405020304" pitchFamily="18" charset="0"/>
+                <a:cs typeface="Times New Roman" panose="02020603050405020304" pitchFamily="18" charset="0"/>
+              </a:rPr>
+              <a:t> </a:t>
+            </a:r>
+            <a:r>
+              <a:rPr lang="en-US" sz="1800" dirty="0" err="1" smtClean="0">
+                <a:latin typeface="Times New Roman" panose="02020603050405020304" pitchFamily="18" charset="0"/>
+                <a:cs typeface="Times New Roman" panose="02020603050405020304" pitchFamily="18" charset="0"/>
+              </a:rPr>
+              <a:t>truy</a:t>
+            </a:r>
+            <a:r>
+              <a:rPr lang="en-US" sz="1800" dirty="0" smtClean="0">
+                <a:latin typeface="Times New Roman" panose="02020603050405020304" pitchFamily="18" charset="0"/>
+                <a:cs typeface="Times New Roman" panose="02020603050405020304" pitchFamily="18" charset="0"/>
+              </a:rPr>
+              <a:t> </a:t>
+            </a:r>
+            <a:r>
+              <a:rPr lang="en-US" sz="1800" dirty="0" err="1" smtClean="0">
+                <a:latin typeface="Times New Roman" panose="02020603050405020304" pitchFamily="18" charset="0"/>
+                <a:cs typeface="Times New Roman" panose="02020603050405020304" pitchFamily="18" charset="0"/>
+              </a:rPr>
+              <a:t>cập</a:t>
+            </a:r>
+            <a:r>
+              <a:rPr lang="en-US" sz="1800" dirty="0" smtClean="0">
+                <a:latin typeface="Times New Roman" panose="02020603050405020304" pitchFamily="18" charset="0"/>
+                <a:cs typeface="Times New Roman" panose="02020603050405020304" pitchFamily="18" charset="0"/>
+              </a:rPr>
+              <a:t> </a:t>
+            </a:r>
+            <a:r>
+              <a:rPr lang="en-US" sz="1800" dirty="0" err="1" smtClean="0">
+                <a:latin typeface="Times New Roman" panose="02020603050405020304" pitchFamily="18" charset="0"/>
+                <a:cs typeface="Times New Roman" panose="02020603050405020304" pitchFamily="18" charset="0"/>
+              </a:rPr>
+              <a:t>bằng</a:t>
+            </a:r>
+            <a:r>
+              <a:rPr lang="en-US" sz="1800" dirty="0" smtClean="0">
+                <a:latin typeface="Times New Roman" panose="02020603050405020304" pitchFamily="18" charset="0"/>
+                <a:cs typeface="Times New Roman" panose="02020603050405020304" pitchFamily="18" charset="0"/>
+              </a:rPr>
+              <a:t> </a:t>
+            </a:r>
+            <a:r>
+              <a:rPr lang="en-US" sz="1800" dirty="0" err="1" smtClean="0">
+                <a:latin typeface="Times New Roman" panose="02020603050405020304" pitchFamily="18" charset="0"/>
+                <a:cs typeface="Times New Roman" panose="02020603050405020304" pitchFamily="18" charset="0"/>
+              </a:rPr>
+              <a:t>url</a:t>
+            </a:r>
+            <a:r>
+              <a:rPr lang="en-US" sz="1800" dirty="0" smtClean="0">
+                <a:latin typeface="Times New Roman" panose="02020603050405020304" pitchFamily="18" charset="0"/>
+                <a:cs typeface="Times New Roman" panose="02020603050405020304" pitchFamily="18" charset="0"/>
+              </a:rPr>
+              <a:t> </a:t>
+            </a:r>
+            <a:r>
+              <a:rPr lang="en-US" sz="1800" dirty="0" err="1" smtClean="0">
+                <a:latin typeface="Times New Roman" panose="02020603050405020304" pitchFamily="18" charset="0"/>
+                <a:cs typeface="Times New Roman" panose="02020603050405020304" pitchFamily="18" charset="0"/>
+              </a:rPr>
+              <a:t>thì</a:t>
+            </a:r>
+            <a:r>
+              <a:rPr lang="en-US" sz="1800" dirty="0" smtClean="0">
+                <a:latin typeface="Times New Roman" panose="02020603050405020304" pitchFamily="18" charset="0"/>
+                <a:cs typeface="Times New Roman" panose="02020603050405020304" pitchFamily="18" charset="0"/>
+              </a:rPr>
+              <a:t> </a:t>
+            </a:r>
+            <a:r>
+              <a:rPr lang="en-US" sz="1800" dirty="0" err="1" smtClean="0">
+                <a:latin typeface="Times New Roman" panose="02020603050405020304" pitchFamily="18" charset="0"/>
+                <a:cs typeface="Times New Roman" panose="02020603050405020304" pitchFamily="18" charset="0"/>
+              </a:rPr>
+              <a:t>sẽ</a:t>
+            </a:r>
+            <a:r>
+              <a:rPr lang="en-US" sz="1800" dirty="0" smtClean="0">
+                <a:latin typeface="Times New Roman" panose="02020603050405020304" pitchFamily="18" charset="0"/>
+                <a:cs typeface="Times New Roman" panose="02020603050405020304" pitchFamily="18" charset="0"/>
+              </a:rPr>
+              <a:t> quay </a:t>
+            </a:r>
+            <a:r>
+              <a:rPr lang="en-US" sz="1800" dirty="0" err="1" smtClean="0">
+                <a:latin typeface="Times New Roman" panose="02020603050405020304" pitchFamily="18" charset="0"/>
+                <a:cs typeface="Times New Roman" panose="02020603050405020304" pitchFamily="18" charset="0"/>
+              </a:rPr>
+              <a:t>lại</a:t>
+            </a:r>
+            <a:r>
+              <a:rPr lang="en-US" sz="1800" dirty="0" smtClean="0">
+                <a:latin typeface="Times New Roman" panose="02020603050405020304" pitchFamily="18" charset="0"/>
+                <a:cs typeface="Times New Roman" panose="02020603050405020304" pitchFamily="18" charset="0"/>
+              </a:rPr>
+              <a:t> Page Queue</a:t>
+            </a:r>
+          </a:p>
+          <a:p>
+            <a:pPr marL="0" indent="0">
+              <a:buNone/>
+            </a:pPr>
+            <a:r>
+              <a:rPr lang="en-US" sz="1800" dirty="0">
+                <a:latin typeface="Times New Roman" panose="02020603050405020304" pitchFamily="18" charset="0"/>
+                <a:cs typeface="Times New Roman" panose="02020603050405020304" pitchFamily="18" charset="0"/>
+              </a:rPr>
+              <a:t> </a:t>
+            </a:r>
+            <a:r>
+              <a:rPr lang="en-US" sz="1800" dirty="0" smtClean="0">
+                <a:latin typeface="Times New Roman" panose="02020603050405020304" pitchFamily="18" charset="0"/>
+                <a:cs typeface="Times New Roman" panose="02020603050405020304" pitchFamily="18" charset="0"/>
+              </a:rPr>
+              <a:t>	2. User </a:t>
+            </a:r>
+            <a:r>
+              <a:rPr lang="en-US" sz="1800" dirty="0" err="1" smtClean="0">
+                <a:latin typeface="Times New Roman" panose="02020603050405020304" pitchFamily="18" charset="0"/>
+                <a:cs typeface="Times New Roman" panose="02020603050405020304" pitchFamily="18" charset="0"/>
+              </a:rPr>
+              <a:t>điều</a:t>
+            </a:r>
+            <a:r>
+              <a:rPr lang="en-US" sz="1800" dirty="0" smtClean="0">
+                <a:latin typeface="Times New Roman" panose="02020603050405020304" pitchFamily="18" charset="0"/>
+                <a:cs typeface="Times New Roman" panose="02020603050405020304" pitchFamily="18" charset="0"/>
+              </a:rPr>
+              <a:t> </a:t>
+            </a:r>
+            <a:r>
+              <a:rPr lang="en-US" sz="1800" dirty="0" err="1" smtClean="0">
+                <a:latin typeface="Times New Roman" panose="02020603050405020304" pitchFamily="18" charset="0"/>
+                <a:cs typeface="Times New Roman" panose="02020603050405020304" pitchFamily="18" charset="0"/>
+              </a:rPr>
+              <a:t>khiển</a:t>
+            </a:r>
+            <a:r>
+              <a:rPr lang="en-US" sz="1800" dirty="0" smtClean="0">
+                <a:latin typeface="Times New Roman" panose="02020603050405020304" pitchFamily="18" charset="0"/>
+                <a:cs typeface="Times New Roman" panose="02020603050405020304" pitchFamily="18" charset="0"/>
+              </a:rPr>
+              <a:t> robot di </a:t>
+            </a:r>
+            <a:r>
+              <a:rPr lang="en-US" sz="1800" dirty="0" err="1" smtClean="0">
+                <a:latin typeface="Times New Roman" panose="02020603050405020304" pitchFamily="18" charset="0"/>
+                <a:cs typeface="Times New Roman" panose="02020603050405020304" pitchFamily="18" charset="0"/>
+              </a:rPr>
+              <a:t>chuyển</a:t>
+            </a:r>
+            <a:r>
+              <a:rPr lang="en-US" sz="1800" dirty="0" smtClean="0">
+                <a:latin typeface="Times New Roman" panose="02020603050405020304" pitchFamily="18" charset="0"/>
+                <a:cs typeface="Times New Roman" panose="02020603050405020304" pitchFamily="18" charset="0"/>
+              </a:rPr>
+              <a:t> </a:t>
+            </a:r>
+            <a:r>
+              <a:rPr lang="en-US" sz="1800" dirty="0" err="1" smtClean="0">
+                <a:latin typeface="Times New Roman" panose="02020603050405020304" pitchFamily="18" charset="0"/>
+                <a:cs typeface="Times New Roman" panose="02020603050405020304" pitchFamily="18" charset="0"/>
+              </a:rPr>
+              <a:t>và</a:t>
+            </a:r>
+            <a:r>
+              <a:rPr lang="en-US" sz="1800" dirty="0" smtClean="0">
+                <a:latin typeface="Times New Roman" panose="02020603050405020304" pitchFamily="18" charset="0"/>
+                <a:cs typeface="Times New Roman" panose="02020603050405020304" pitchFamily="18" charset="0"/>
+              </a:rPr>
+              <a:t> </a:t>
+            </a:r>
+            <a:r>
+              <a:rPr lang="en-US" sz="1800" dirty="0" err="1" smtClean="0">
+                <a:latin typeface="Times New Roman" panose="02020603050405020304" pitchFamily="18" charset="0"/>
+                <a:cs typeface="Times New Roman" panose="02020603050405020304" pitchFamily="18" charset="0"/>
+              </a:rPr>
+              <a:t>nhấn</a:t>
+            </a:r>
+            <a:r>
+              <a:rPr lang="en-US" sz="1800" dirty="0" smtClean="0">
+                <a:latin typeface="Times New Roman" panose="02020603050405020304" pitchFamily="18" charset="0"/>
+                <a:cs typeface="Times New Roman" panose="02020603050405020304" pitchFamily="18" charset="0"/>
+              </a:rPr>
+              <a:t> </a:t>
+            </a:r>
+            <a:r>
+              <a:rPr lang="en-US" sz="1800" dirty="0" err="1" smtClean="0">
+                <a:latin typeface="Times New Roman" panose="02020603050405020304" pitchFamily="18" charset="0"/>
+                <a:cs typeface="Times New Roman" panose="02020603050405020304" pitchFamily="18" charset="0"/>
+              </a:rPr>
+              <a:t>nút</a:t>
+            </a:r>
+            <a:r>
+              <a:rPr lang="en-US" sz="1800" dirty="0" smtClean="0">
+                <a:latin typeface="Times New Roman" panose="02020603050405020304" pitchFamily="18" charset="0"/>
+                <a:cs typeface="Times New Roman" panose="02020603050405020304" pitchFamily="18" charset="0"/>
+              </a:rPr>
+              <a:t> </a:t>
+            </a:r>
+            <a:r>
+              <a:rPr lang="en-US" sz="1800" dirty="0" err="1" smtClean="0">
+                <a:latin typeface="Times New Roman" panose="02020603050405020304" pitchFamily="18" charset="0"/>
+                <a:cs typeface="Times New Roman" panose="02020603050405020304" pitchFamily="18" charset="0"/>
+              </a:rPr>
+              <a:t>bằng</a:t>
+            </a:r>
+            <a:r>
+              <a:rPr lang="en-US" sz="1800" dirty="0" smtClean="0">
+                <a:latin typeface="Times New Roman" panose="02020603050405020304" pitchFamily="18" charset="0"/>
+                <a:cs typeface="Times New Roman" panose="02020603050405020304" pitchFamily="18" charset="0"/>
+              </a:rPr>
+              <a:t> </a:t>
+            </a:r>
+            <a:r>
+              <a:rPr lang="en-US" sz="1800" dirty="0" err="1" smtClean="0">
+                <a:latin typeface="Times New Roman" panose="02020603050405020304" pitchFamily="18" charset="0"/>
+                <a:cs typeface="Times New Roman" panose="02020603050405020304" pitchFamily="18" charset="0"/>
+              </a:rPr>
+              <a:t>các</a:t>
+            </a:r>
+            <a:r>
+              <a:rPr lang="en-US" sz="1800" dirty="0" smtClean="0">
+                <a:latin typeface="Times New Roman" panose="02020603050405020304" pitchFamily="18" charset="0"/>
+                <a:cs typeface="Times New Roman" panose="02020603050405020304" pitchFamily="18" charset="0"/>
+              </a:rPr>
+              <a:t> button </a:t>
+            </a:r>
+            <a:r>
+              <a:rPr lang="en-US" sz="1800" dirty="0" err="1" smtClean="0">
+                <a:latin typeface="Times New Roman" panose="02020603050405020304" pitchFamily="18" charset="0"/>
+                <a:cs typeface="Times New Roman" panose="02020603050405020304" pitchFamily="18" charset="0"/>
+              </a:rPr>
+              <a:t>trên</a:t>
+            </a:r>
+            <a:r>
+              <a:rPr lang="en-US" sz="1800" dirty="0" smtClean="0">
+                <a:latin typeface="Times New Roman" panose="02020603050405020304" pitchFamily="18" charset="0"/>
+                <a:cs typeface="Times New Roman" panose="02020603050405020304" pitchFamily="18" charset="0"/>
+              </a:rPr>
+              <a:t> </a:t>
+            </a:r>
+            <a:r>
+              <a:rPr lang="en-US" sz="1800" dirty="0" err="1" smtClean="0">
+                <a:latin typeface="Times New Roman" panose="02020603050405020304" pitchFamily="18" charset="0"/>
+                <a:cs typeface="Times New Roman" panose="02020603050405020304" pitchFamily="18" charset="0"/>
+              </a:rPr>
+              <a:t>màn</a:t>
+            </a:r>
+            <a:r>
+              <a:rPr lang="en-US" sz="1800" dirty="0" smtClean="0">
+                <a:latin typeface="Times New Roman" panose="02020603050405020304" pitchFamily="18" charset="0"/>
+                <a:cs typeface="Times New Roman" panose="02020603050405020304" pitchFamily="18" charset="0"/>
+              </a:rPr>
+              <a:t> </a:t>
+            </a:r>
+            <a:r>
+              <a:rPr lang="en-US" sz="1800" dirty="0" err="1" smtClean="0">
+                <a:latin typeface="Times New Roman" panose="02020603050405020304" pitchFamily="18" charset="0"/>
+                <a:cs typeface="Times New Roman" panose="02020603050405020304" pitchFamily="18" charset="0"/>
+              </a:rPr>
+              <a:t>hình</a:t>
+            </a:r>
+            <a:r>
+              <a:rPr lang="en-US" sz="1800" dirty="0">
+                <a:latin typeface="Times New Roman" panose="02020603050405020304" pitchFamily="18" charset="0"/>
+                <a:cs typeface="Times New Roman" panose="02020603050405020304" pitchFamily="18" charset="0"/>
+              </a:rPr>
+              <a:t> </a:t>
+            </a:r>
+            <a:r>
+              <a:rPr lang="en-US" sz="1800" dirty="0" err="1" smtClean="0">
+                <a:latin typeface="Times New Roman" panose="02020603050405020304" pitchFamily="18" charset="0"/>
+                <a:cs typeface="Times New Roman" panose="02020603050405020304" pitchFamily="18" charset="0"/>
+              </a:rPr>
+              <a:t>hoặc</a:t>
+            </a:r>
+            <a:r>
+              <a:rPr lang="en-US" sz="1800" dirty="0" smtClean="0">
+                <a:latin typeface="Times New Roman" panose="02020603050405020304" pitchFamily="18" charset="0"/>
+                <a:cs typeface="Times New Roman" panose="02020603050405020304" pitchFamily="18" charset="0"/>
+              </a:rPr>
+              <a:t> </a:t>
+            </a:r>
+            <a:r>
+              <a:rPr lang="en-US" sz="1800" dirty="0" err="1" smtClean="0">
+                <a:latin typeface="Times New Roman" panose="02020603050405020304" pitchFamily="18" charset="0"/>
+                <a:cs typeface="Times New Roman" panose="02020603050405020304" pitchFamily="18" charset="0"/>
+              </a:rPr>
+              <a:t>các</a:t>
+            </a:r>
+            <a:r>
+              <a:rPr lang="en-US" sz="1800" dirty="0" smtClean="0">
+                <a:latin typeface="Times New Roman" panose="02020603050405020304" pitchFamily="18" charset="0"/>
+                <a:cs typeface="Times New Roman" panose="02020603050405020304" pitchFamily="18" charset="0"/>
+              </a:rPr>
+              <a:t> </a:t>
+            </a:r>
+            <a:r>
+              <a:rPr lang="en-US" sz="1800" dirty="0" err="1" smtClean="0">
+                <a:latin typeface="Times New Roman" panose="02020603050405020304" pitchFamily="18" charset="0"/>
+                <a:cs typeface="Times New Roman" panose="02020603050405020304" pitchFamily="18" charset="0"/>
+              </a:rPr>
+              <a:t>phím</a:t>
+            </a:r>
+            <a:r>
+              <a:rPr lang="en-US" sz="1800" dirty="0" smtClean="0">
+                <a:latin typeface="Times New Roman" panose="02020603050405020304" pitchFamily="18" charset="0"/>
+                <a:cs typeface="Times New Roman" panose="02020603050405020304" pitchFamily="18" charset="0"/>
+              </a:rPr>
+              <a:t> </a:t>
+            </a:r>
+            <a:r>
+              <a:rPr lang="en-US" sz="1800" dirty="0" err="1" smtClean="0">
+                <a:latin typeface="Times New Roman" panose="02020603050405020304" pitchFamily="18" charset="0"/>
+                <a:cs typeface="Times New Roman" panose="02020603050405020304" pitchFamily="18" charset="0"/>
+              </a:rPr>
+              <a:t>tắt</a:t>
+            </a:r>
+            <a:r>
+              <a:rPr lang="en-US" sz="1800" dirty="0" smtClean="0">
+                <a:latin typeface="Times New Roman" panose="02020603050405020304" pitchFamily="18" charset="0"/>
+                <a:cs typeface="Times New Roman" panose="02020603050405020304" pitchFamily="18" charset="0"/>
+              </a:rPr>
+              <a:t>.</a:t>
+            </a:r>
+          </a:p>
+          <a:p>
+            <a:pPr marL="0" indent="0">
+              <a:buNone/>
+            </a:pPr>
+            <a:r>
+              <a:rPr lang="en-US" sz="1800" dirty="0">
+                <a:latin typeface="Times New Roman" panose="02020603050405020304" pitchFamily="18" charset="0"/>
+                <a:cs typeface="Times New Roman" panose="02020603050405020304" pitchFamily="18" charset="0"/>
+              </a:rPr>
+              <a:t> </a:t>
+            </a:r>
+            <a:r>
+              <a:rPr lang="en-US" sz="1800" dirty="0" smtClean="0">
+                <a:latin typeface="Times New Roman" panose="02020603050405020304" pitchFamily="18" charset="0"/>
+                <a:cs typeface="Times New Roman" panose="02020603050405020304" pitchFamily="18" charset="0"/>
+              </a:rPr>
+              <a:t>                  3. User </a:t>
+            </a:r>
+            <a:r>
+              <a:rPr lang="en-US" sz="1800" dirty="0" err="1" smtClean="0">
+                <a:latin typeface="Times New Roman" panose="02020603050405020304" pitchFamily="18" charset="0"/>
+                <a:cs typeface="Times New Roman" panose="02020603050405020304" pitchFamily="18" charset="0"/>
+              </a:rPr>
+              <a:t>có</a:t>
+            </a:r>
+            <a:r>
+              <a:rPr lang="en-US" sz="1800" dirty="0" smtClean="0">
+                <a:latin typeface="Times New Roman" panose="02020603050405020304" pitchFamily="18" charset="0"/>
+                <a:cs typeface="Times New Roman" panose="02020603050405020304" pitchFamily="18" charset="0"/>
+              </a:rPr>
+              <a:t> </a:t>
+            </a:r>
+            <a:r>
+              <a:rPr lang="en-US" sz="1800" dirty="0" err="1" smtClean="0">
+                <a:latin typeface="Times New Roman" panose="02020603050405020304" pitchFamily="18" charset="0"/>
+                <a:cs typeface="Times New Roman" panose="02020603050405020304" pitchFamily="18" charset="0"/>
+              </a:rPr>
+              <a:t>thể</a:t>
+            </a:r>
+            <a:r>
+              <a:rPr lang="en-US" sz="1800" dirty="0" smtClean="0">
+                <a:latin typeface="Times New Roman" panose="02020603050405020304" pitchFamily="18" charset="0"/>
+                <a:cs typeface="Times New Roman" panose="02020603050405020304" pitchFamily="18" charset="0"/>
+              </a:rPr>
+              <a:t> </a:t>
+            </a:r>
+            <a:r>
+              <a:rPr lang="en-US" sz="1800" dirty="0" err="1" smtClean="0">
+                <a:latin typeface="Times New Roman" panose="02020603050405020304" pitchFamily="18" charset="0"/>
+                <a:cs typeface="Times New Roman" panose="02020603050405020304" pitchFamily="18" charset="0"/>
+              </a:rPr>
+              <a:t>quan</a:t>
+            </a:r>
+            <a:r>
+              <a:rPr lang="en-US" sz="1800" dirty="0" smtClean="0">
+                <a:latin typeface="Times New Roman" panose="02020603050405020304" pitchFamily="18" charset="0"/>
+                <a:cs typeface="Times New Roman" panose="02020603050405020304" pitchFamily="18" charset="0"/>
+              </a:rPr>
+              <a:t> </a:t>
+            </a:r>
+            <a:r>
+              <a:rPr lang="en-US" sz="1800" dirty="0" err="1" smtClean="0">
+                <a:latin typeface="Times New Roman" panose="02020603050405020304" pitchFamily="18" charset="0"/>
+                <a:cs typeface="Times New Roman" panose="02020603050405020304" pitchFamily="18" charset="0"/>
+              </a:rPr>
+              <a:t>sát</a:t>
+            </a:r>
+            <a:r>
+              <a:rPr lang="en-US" sz="1800" dirty="0" smtClean="0">
+                <a:latin typeface="Times New Roman" panose="02020603050405020304" pitchFamily="18" charset="0"/>
+                <a:cs typeface="Times New Roman" panose="02020603050405020304" pitchFamily="18" charset="0"/>
+              </a:rPr>
+              <a:t> di </a:t>
+            </a:r>
+            <a:r>
+              <a:rPr lang="en-US" sz="1800" dirty="0" err="1" smtClean="0">
+                <a:latin typeface="Times New Roman" panose="02020603050405020304" pitchFamily="18" charset="0"/>
+                <a:cs typeface="Times New Roman" panose="02020603050405020304" pitchFamily="18" charset="0"/>
+              </a:rPr>
+              <a:t>chuyển</a:t>
+            </a:r>
+            <a:r>
+              <a:rPr lang="en-US" sz="1800" dirty="0" smtClean="0">
+                <a:latin typeface="Times New Roman" panose="02020603050405020304" pitchFamily="18" charset="0"/>
+                <a:cs typeface="Times New Roman" panose="02020603050405020304" pitchFamily="18" charset="0"/>
+              </a:rPr>
+              <a:t> </a:t>
+            </a:r>
+            <a:r>
+              <a:rPr lang="en-US" sz="1800" dirty="0" err="1" smtClean="0">
+                <a:latin typeface="Times New Roman" panose="02020603050405020304" pitchFamily="18" charset="0"/>
+                <a:cs typeface="Times New Roman" panose="02020603050405020304" pitchFamily="18" charset="0"/>
+              </a:rPr>
+              <a:t>và</a:t>
+            </a:r>
+            <a:r>
+              <a:rPr lang="en-US" sz="1800" dirty="0" smtClean="0">
+                <a:latin typeface="Times New Roman" panose="02020603050405020304" pitchFamily="18" charset="0"/>
+                <a:cs typeface="Times New Roman" panose="02020603050405020304" pitchFamily="18" charset="0"/>
+              </a:rPr>
+              <a:t> </a:t>
+            </a:r>
+            <a:r>
+              <a:rPr lang="en-US" sz="1800" dirty="0" err="1" smtClean="0">
+                <a:latin typeface="Times New Roman" panose="02020603050405020304" pitchFamily="18" charset="0"/>
+                <a:cs typeface="Times New Roman" panose="02020603050405020304" pitchFamily="18" charset="0"/>
+              </a:rPr>
+              <a:t>hành</a:t>
+            </a:r>
+            <a:r>
+              <a:rPr lang="en-US" sz="1800" dirty="0" smtClean="0">
+                <a:latin typeface="Times New Roman" panose="02020603050405020304" pitchFamily="18" charset="0"/>
+                <a:cs typeface="Times New Roman" panose="02020603050405020304" pitchFamily="18" charset="0"/>
+              </a:rPr>
+              <a:t> </a:t>
+            </a:r>
+            <a:r>
+              <a:rPr lang="en-US" sz="1800" dirty="0" err="1" smtClean="0">
+                <a:latin typeface="Times New Roman" panose="02020603050405020304" pitchFamily="18" charset="0"/>
+                <a:cs typeface="Times New Roman" panose="02020603050405020304" pitchFamily="18" charset="0"/>
+              </a:rPr>
+              <a:t>động</a:t>
+            </a:r>
+            <a:r>
+              <a:rPr lang="en-US" sz="1800" dirty="0" smtClean="0">
+                <a:latin typeface="Times New Roman" panose="02020603050405020304" pitchFamily="18" charset="0"/>
+                <a:cs typeface="Times New Roman" panose="02020603050405020304" pitchFamily="18" charset="0"/>
+              </a:rPr>
+              <a:t> </a:t>
+            </a:r>
+            <a:r>
+              <a:rPr lang="en-US" sz="1800" dirty="0" err="1" smtClean="0">
+                <a:latin typeface="Times New Roman" panose="02020603050405020304" pitchFamily="18" charset="0"/>
+                <a:cs typeface="Times New Roman" panose="02020603050405020304" pitchFamily="18" charset="0"/>
+              </a:rPr>
+              <a:t>của</a:t>
+            </a:r>
+            <a:r>
+              <a:rPr lang="en-US" sz="1800" dirty="0" smtClean="0">
+                <a:latin typeface="Times New Roman" panose="02020603050405020304" pitchFamily="18" charset="0"/>
+                <a:cs typeface="Times New Roman" panose="02020603050405020304" pitchFamily="18" charset="0"/>
+              </a:rPr>
+              <a:t> robot ở </a:t>
+            </a:r>
+            <a:r>
+              <a:rPr lang="en-US" sz="1800" dirty="0" err="1" smtClean="0">
+                <a:latin typeface="Times New Roman" panose="02020603050405020304" pitchFamily="18" charset="0"/>
+                <a:cs typeface="Times New Roman" panose="02020603050405020304" pitchFamily="18" charset="0"/>
+              </a:rPr>
+              <a:t>khu</a:t>
+            </a:r>
+            <a:r>
+              <a:rPr lang="en-US" sz="1800" dirty="0" smtClean="0">
+                <a:latin typeface="Times New Roman" panose="02020603050405020304" pitchFamily="18" charset="0"/>
+                <a:cs typeface="Times New Roman" panose="02020603050405020304" pitchFamily="18" charset="0"/>
+              </a:rPr>
+              <a:t> </a:t>
+            </a:r>
+            <a:r>
+              <a:rPr lang="en-US" sz="1800" dirty="0" err="1" smtClean="0">
+                <a:latin typeface="Times New Roman" panose="02020603050405020304" pitchFamily="18" charset="0"/>
+                <a:cs typeface="Times New Roman" panose="02020603050405020304" pitchFamily="18" charset="0"/>
+              </a:rPr>
+              <a:t>vực</a:t>
+            </a:r>
+            <a:r>
+              <a:rPr lang="en-US" sz="1800" dirty="0" smtClean="0">
+                <a:latin typeface="Times New Roman" panose="02020603050405020304" pitchFamily="18" charset="0"/>
+                <a:cs typeface="Times New Roman" panose="02020603050405020304" pitchFamily="18" charset="0"/>
+              </a:rPr>
+              <a:t> [Camera Stream]</a:t>
+            </a:r>
+            <a:endParaRPr lang="en-US" sz="1800" dirty="0">
+              <a:latin typeface="Times New Roman" panose="02020603050405020304" pitchFamily="18" charset="0"/>
+              <a:cs typeface="Times New Roman" panose="02020603050405020304" pitchFamily="18" charset="0"/>
+            </a:endParaRPr>
+          </a:p>
+          <a:p>
+            <a:pPr marL="0" indent="0">
+              <a:buNone/>
+            </a:pPr>
+            <a:r>
+              <a:rPr lang="en-US" sz="1800" dirty="0" smtClean="0">
+                <a:latin typeface="Times New Roman" panose="02020603050405020304" pitchFamily="18" charset="0"/>
+                <a:cs typeface="Times New Roman" panose="02020603050405020304" pitchFamily="18" charset="0"/>
+              </a:rPr>
+              <a:t>                   4. </a:t>
+            </a:r>
+            <a:r>
+              <a:rPr lang="en-US" sz="1800" dirty="0" err="1" smtClean="0">
+                <a:latin typeface="Times New Roman" panose="02020603050405020304" pitchFamily="18" charset="0"/>
+                <a:cs typeface="Times New Roman" panose="02020603050405020304" pitchFamily="18" charset="0"/>
+              </a:rPr>
+              <a:t>Thời</a:t>
+            </a:r>
+            <a:r>
+              <a:rPr lang="en-US" sz="1800" dirty="0" smtClean="0">
+                <a:latin typeface="Times New Roman" panose="02020603050405020304" pitchFamily="18" charset="0"/>
+                <a:cs typeface="Times New Roman" panose="02020603050405020304" pitchFamily="18" charset="0"/>
+              </a:rPr>
+              <a:t> </a:t>
+            </a:r>
+            <a:r>
+              <a:rPr lang="en-US" sz="1800" dirty="0" err="1" smtClean="0">
+                <a:latin typeface="Times New Roman" panose="02020603050405020304" pitchFamily="18" charset="0"/>
+                <a:cs typeface="Times New Roman" panose="02020603050405020304" pitchFamily="18" charset="0"/>
+              </a:rPr>
+              <a:t>gian</a:t>
+            </a:r>
+            <a:r>
+              <a:rPr lang="en-US" sz="1800" dirty="0" smtClean="0">
+                <a:latin typeface="Times New Roman" panose="02020603050405020304" pitchFamily="18" charset="0"/>
+                <a:cs typeface="Times New Roman" panose="02020603050405020304" pitchFamily="18" charset="0"/>
+              </a:rPr>
+              <a:t> </a:t>
+            </a:r>
+            <a:r>
+              <a:rPr lang="en-US" sz="1800" dirty="0" err="1" smtClean="0">
+                <a:latin typeface="Times New Roman" panose="02020603050405020304" pitchFamily="18" charset="0"/>
+                <a:cs typeface="Times New Roman" panose="02020603050405020304" pitchFamily="18" charset="0"/>
+              </a:rPr>
+              <a:t>tối</a:t>
+            </a:r>
+            <a:r>
+              <a:rPr lang="en-US" sz="1800" dirty="0" smtClean="0">
+                <a:latin typeface="Times New Roman" panose="02020603050405020304" pitchFamily="18" charset="0"/>
+                <a:cs typeface="Times New Roman" panose="02020603050405020304" pitchFamily="18" charset="0"/>
+              </a:rPr>
+              <a:t> </a:t>
+            </a:r>
+            <a:r>
+              <a:rPr lang="en-US" sz="1800" dirty="0" err="1" smtClean="0">
+                <a:latin typeface="Times New Roman" panose="02020603050405020304" pitchFamily="18" charset="0"/>
+                <a:cs typeface="Times New Roman" panose="02020603050405020304" pitchFamily="18" charset="0"/>
+              </a:rPr>
+              <a:t>đa</a:t>
+            </a:r>
+            <a:r>
+              <a:rPr lang="en-US" sz="1800" dirty="0" smtClean="0">
+                <a:latin typeface="Times New Roman" panose="02020603050405020304" pitchFamily="18" charset="0"/>
+                <a:cs typeface="Times New Roman" panose="02020603050405020304" pitchFamily="18" charset="0"/>
+              </a:rPr>
+              <a:t> </a:t>
+            </a:r>
+            <a:r>
+              <a:rPr lang="en-US" sz="1800" dirty="0" err="1" smtClean="0">
+                <a:latin typeface="Times New Roman" panose="02020603050405020304" pitchFamily="18" charset="0"/>
+                <a:cs typeface="Times New Roman" panose="02020603050405020304" pitchFamily="18" charset="0"/>
+              </a:rPr>
+              <a:t>được</a:t>
+            </a:r>
+            <a:r>
+              <a:rPr lang="en-US" sz="1800" dirty="0" smtClean="0">
+                <a:latin typeface="Times New Roman" panose="02020603050405020304" pitchFamily="18" charset="0"/>
+                <a:cs typeface="Times New Roman" panose="02020603050405020304" pitchFamily="18" charset="0"/>
+              </a:rPr>
+              <a:t> </a:t>
+            </a:r>
+            <a:r>
+              <a:rPr lang="en-US" sz="1800" dirty="0" err="1" smtClean="0">
+                <a:latin typeface="Times New Roman" panose="02020603050405020304" pitchFamily="18" charset="0"/>
+                <a:cs typeface="Times New Roman" panose="02020603050405020304" pitchFamily="18" charset="0"/>
+              </a:rPr>
+              <a:t>phép</a:t>
+            </a:r>
+            <a:r>
+              <a:rPr lang="en-US" sz="1800" dirty="0" smtClean="0">
+                <a:latin typeface="Times New Roman" panose="02020603050405020304" pitchFamily="18" charset="0"/>
+                <a:cs typeface="Times New Roman" panose="02020603050405020304" pitchFamily="18" charset="0"/>
+              </a:rPr>
+              <a:t> </a:t>
+            </a:r>
+            <a:r>
+              <a:rPr lang="en-US" sz="1800" dirty="0" err="1" smtClean="0">
+                <a:latin typeface="Times New Roman" panose="02020603050405020304" pitchFamily="18" charset="0"/>
+                <a:cs typeface="Times New Roman" panose="02020603050405020304" pitchFamily="18" charset="0"/>
+              </a:rPr>
+              <a:t>sử</a:t>
+            </a:r>
+            <a:r>
+              <a:rPr lang="en-US" sz="1800" dirty="0" smtClean="0">
+                <a:latin typeface="Times New Roman" panose="02020603050405020304" pitchFamily="18" charset="0"/>
+                <a:cs typeface="Times New Roman" panose="02020603050405020304" pitchFamily="18" charset="0"/>
+              </a:rPr>
+              <a:t> </a:t>
+            </a:r>
+            <a:r>
+              <a:rPr lang="en-US" sz="1800" dirty="0" err="1" smtClean="0">
+                <a:latin typeface="Times New Roman" panose="02020603050405020304" pitchFamily="18" charset="0"/>
+                <a:cs typeface="Times New Roman" panose="02020603050405020304" pitchFamily="18" charset="0"/>
+              </a:rPr>
+              <a:t>dụng</a:t>
+            </a:r>
+            <a:r>
+              <a:rPr lang="en-US" sz="1800" dirty="0" smtClean="0">
+                <a:latin typeface="Times New Roman" panose="02020603050405020304" pitchFamily="18" charset="0"/>
+                <a:cs typeface="Times New Roman" panose="02020603050405020304" pitchFamily="18" charset="0"/>
+              </a:rPr>
+              <a:t> Page Control </a:t>
+            </a:r>
+            <a:r>
+              <a:rPr lang="en-US" sz="1800" dirty="0" err="1" smtClean="0">
+                <a:latin typeface="Times New Roman" panose="02020603050405020304" pitchFamily="18" charset="0"/>
+                <a:cs typeface="Times New Roman" panose="02020603050405020304" pitchFamily="18" charset="0"/>
+              </a:rPr>
+              <a:t>là</a:t>
+            </a:r>
+            <a:r>
+              <a:rPr lang="en-US" sz="1800" dirty="0" smtClean="0">
+                <a:latin typeface="Times New Roman" panose="02020603050405020304" pitchFamily="18" charset="0"/>
+                <a:cs typeface="Times New Roman" panose="02020603050405020304" pitchFamily="18" charset="0"/>
+              </a:rPr>
+              <a:t> 10 </a:t>
+            </a:r>
+            <a:r>
+              <a:rPr lang="en-US" sz="1800" dirty="0" err="1" smtClean="0">
+                <a:latin typeface="Times New Roman" panose="02020603050405020304" pitchFamily="18" charset="0"/>
+                <a:cs typeface="Times New Roman" panose="02020603050405020304" pitchFamily="18" charset="0"/>
+              </a:rPr>
+              <a:t>phút</a:t>
+            </a:r>
+            <a:r>
+              <a:rPr lang="en-US" sz="1800" dirty="0" smtClean="0">
+                <a:latin typeface="Times New Roman" panose="02020603050405020304" pitchFamily="18" charset="0"/>
+                <a:cs typeface="Times New Roman" panose="02020603050405020304" pitchFamily="18" charset="0"/>
+              </a:rPr>
+              <a:t>. </a:t>
+            </a:r>
+            <a:r>
+              <a:rPr lang="en-US" sz="1800" dirty="0" err="1" smtClean="0">
+                <a:latin typeface="Times New Roman" panose="02020603050405020304" pitchFamily="18" charset="0"/>
+                <a:cs typeface="Times New Roman" panose="02020603050405020304" pitchFamily="18" charset="0"/>
+              </a:rPr>
+              <a:t>Sau</a:t>
+            </a:r>
+            <a:r>
+              <a:rPr lang="en-US" sz="1800" dirty="0" smtClean="0">
+                <a:latin typeface="Times New Roman" panose="02020603050405020304" pitchFamily="18" charset="0"/>
+                <a:cs typeface="Times New Roman" panose="02020603050405020304" pitchFamily="18" charset="0"/>
+              </a:rPr>
+              <a:t> 10 </a:t>
+            </a:r>
+            <a:r>
+              <a:rPr lang="en-US" sz="1800" dirty="0" err="1" smtClean="0">
+                <a:latin typeface="Times New Roman" panose="02020603050405020304" pitchFamily="18" charset="0"/>
+                <a:cs typeface="Times New Roman" panose="02020603050405020304" pitchFamily="18" charset="0"/>
+              </a:rPr>
+              <a:t>phút</a:t>
+            </a:r>
+            <a:r>
+              <a:rPr lang="en-US" sz="1800" dirty="0" smtClean="0">
+                <a:latin typeface="Times New Roman" panose="02020603050405020304" pitchFamily="18" charset="0"/>
+                <a:cs typeface="Times New Roman" panose="02020603050405020304" pitchFamily="18" charset="0"/>
+              </a:rPr>
+              <a:t> </a:t>
+            </a:r>
+            <a:r>
+              <a:rPr lang="en-US" sz="1800" dirty="0" err="1" smtClean="0">
+                <a:latin typeface="Times New Roman" panose="02020603050405020304" pitchFamily="18" charset="0"/>
+                <a:cs typeface="Times New Roman" panose="02020603050405020304" pitchFamily="18" charset="0"/>
+              </a:rPr>
+              <a:t>sẽ</a:t>
+            </a:r>
+            <a:r>
+              <a:rPr lang="en-US" sz="1800" dirty="0" smtClean="0">
+                <a:latin typeface="Times New Roman" panose="02020603050405020304" pitchFamily="18" charset="0"/>
+                <a:cs typeface="Times New Roman" panose="02020603050405020304" pitchFamily="18" charset="0"/>
+              </a:rPr>
+              <a:t> </a:t>
+            </a:r>
+            <a:r>
+              <a:rPr lang="en-US" sz="1800" dirty="0" err="1" smtClean="0">
+                <a:latin typeface="Times New Roman" panose="02020603050405020304" pitchFamily="18" charset="0"/>
+                <a:cs typeface="Times New Roman" panose="02020603050405020304" pitchFamily="18" charset="0"/>
+              </a:rPr>
+              <a:t>tự</a:t>
+            </a:r>
+            <a:r>
+              <a:rPr lang="en-US" sz="1800" dirty="0" smtClean="0">
+                <a:latin typeface="Times New Roman" panose="02020603050405020304" pitchFamily="18" charset="0"/>
+                <a:cs typeface="Times New Roman" panose="02020603050405020304" pitchFamily="18" charset="0"/>
+              </a:rPr>
+              <a:t> </a:t>
+            </a:r>
+            <a:r>
+              <a:rPr lang="en-US" sz="1800" dirty="0" err="1" smtClean="0">
+                <a:latin typeface="Times New Roman" panose="02020603050405020304" pitchFamily="18" charset="0"/>
+                <a:cs typeface="Times New Roman" panose="02020603050405020304" pitchFamily="18" charset="0"/>
+              </a:rPr>
+              <a:t>động</a:t>
+            </a:r>
+            <a:r>
+              <a:rPr lang="en-US" sz="1800" dirty="0" smtClean="0">
+                <a:latin typeface="Times New Roman" panose="02020603050405020304" pitchFamily="18" charset="0"/>
+                <a:cs typeface="Times New Roman" panose="02020603050405020304" pitchFamily="18" charset="0"/>
+              </a:rPr>
+              <a:t> logout user</a:t>
+            </a:r>
+          </a:p>
+          <a:p>
+            <a:pPr marL="0" indent="0">
+              <a:buNone/>
+            </a:pPr>
+            <a:r>
+              <a:rPr lang="en-US" sz="1800" dirty="0">
+                <a:latin typeface="Times New Roman" panose="02020603050405020304" pitchFamily="18" charset="0"/>
+                <a:cs typeface="Times New Roman" panose="02020603050405020304" pitchFamily="18" charset="0"/>
+              </a:rPr>
+              <a:t> </a:t>
+            </a:r>
+            <a:r>
+              <a:rPr lang="en-US" sz="1800" dirty="0" smtClean="0">
+                <a:latin typeface="Times New Roman" panose="02020603050405020304" pitchFamily="18" charset="0"/>
+                <a:cs typeface="Times New Roman" panose="02020603050405020304" pitchFamily="18" charset="0"/>
+              </a:rPr>
+              <a:t>                  5. User </a:t>
+            </a:r>
+            <a:r>
+              <a:rPr lang="en-US" sz="1800" dirty="0" err="1" smtClean="0">
+                <a:latin typeface="Times New Roman" panose="02020603050405020304" pitchFamily="18" charset="0"/>
+                <a:cs typeface="Times New Roman" panose="02020603050405020304" pitchFamily="18" charset="0"/>
+              </a:rPr>
+              <a:t>có</a:t>
+            </a:r>
+            <a:r>
+              <a:rPr lang="en-US" sz="1800" dirty="0" smtClean="0">
+                <a:latin typeface="Times New Roman" panose="02020603050405020304" pitchFamily="18" charset="0"/>
+                <a:cs typeface="Times New Roman" panose="02020603050405020304" pitchFamily="18" charset="0"/>
+              </a:rPr>
+              <a:t> </a:t>
+            </a:r>
+            <a:r>
+              <a:rPr lang="en-US" sz="1800" dirty="0" err="1" smtClean="0">
+                <a:latin typeface="Times New Roman" panose="02020603050405020304" pitchFamily="18" charset="0"/>
+                <a:cs typeface="Times New Roman" panose="02020603050405020304" pitchFamily="18" charset="0"/>
+              </a:rPr>
+              <a:t>thể</a:t>
+            </a:r>
+            <a:r>
+              <a:rPr lang="en-US" sz="1800" dirty="0" smtClean="0">
+                <a:latin typeface="Times New Roman" panose="02020603050405020304" pitchFamily="18" charset="0"/>
+                <a:cs typeface="Times New Roman" panose="02020603050405020304" pitchFamily="18" charset="0"/>
+              </a:rPr>
+              <a:t> </a:t>
+            </a:r>
+            <a:r>
+              <a:rPr lang="en-US" sz="1800" dirty="0" err="1" smtClean="0">
+                <a:latin typeface="Times New Roman" panose="02020603050405020304" pitchFamily="18" charset="0"/>
+                <a:cs typeface="Times New Roman" panose="02020603050405020304" pitchFamily="18" charset="0"/>
+              </a:rPr>
+              <a:t>rời</a:t>
+            </a:r>
+            <a:r>
+              <a:rPr lang="en-US" sz="1800" dirty="0" smtClean="0">
+                <a:latin typeface="Times New Roman" panose="02020603050405020304" pitchFamily="18" charset="0"/>
+                <a:cs typeface="Times New Roman" panose="02020603050405020304" pitchFamily="18" charset="0"/>
+              </a:rPr>
+              <a:t> Page Control </a:t>
+            </a:r>
+            <a:r>
+              <a:rPr lang="en-US" sz="1800" dirty="0" err="1" smtClean="0">
+                <a:latin typeface="Times New Roman" panose="02020603050405020304" pitchFamily="18" charset="0"/>
+                <a:cs typeface="Times New Roman" panose="02020603050405020304" pitchFamily="18" charset="0"/>
+              </a:rPr>
+              <a:t>sớm</a:t>
+            </a:r>
+            <a:r>
+              <a:rPr lang="en-US" sz="1800" dirty="0" smtClean="0">
+                <a:latin typeface="Times New Roman" panose="02020603050405020304" pitchFamily="18" charset="0"/>
+                <a:cs typeface="Times New Roman" panose="02020603050405020304" pitchFamily="18" charset="0"/>
+              </a:rPr>
+              <a:t> </a:t>
+            </a:r>
+            <a:r>
+              <a:rPr lang="en-US" sz="1800" dirty="0" err="1" smtClean="0">
+                <a:latin typeface="Times New Roman" panose="02020603050405020304" pitchFamily="18" charset="0"/>
+                <a:cs typeface="Times New Roman" panose="02020603050405020304" pitchFamily="18" charset="0"/>
+              </a:rPr>
+              <a:t>hơn</a:t>
+            </a:r>
+            <a:r>
+              <a:rPr lang="en-US" sz="1800" dirty="0" smtClean="0">
+                <a:latin typeface="Times New Roman" panose="02020603050405020304" pitchFamily="18" charset="0"/>
+                <a:cs typeface="Times New Roman" panose="02020603050405020304" pitchFamily="18" charset="0"/>
+              </a:rPr>
+              <a:t> </a:t>
+            </a:r>
+            <a:r>
+              <a:rPr lang="en-US" sz="1800" dirty="0" err="1" smtClean="0">
+                <a:latin typeface="Times New Roman" panose="02020603050405020304" pitchFamily="18" charset="0"/>
+                <a:cs typeface="Times New Roman" panose="02020603050405020304" pitchFamily="18" charset="0"/>
+              </a:rPr>
+              <a:t>bằng</a:t>
+            </a:r>
+            <a:r>
+              <a:rPr lang="en-US" sz="1800" dirty="0" smtClean="0">
+                <a:latin typeface="Times New Roman" panose="02020603050405020304" pitchFamily="18" charset="0"/>
+                <a:cs typeface="Times New Roman" panose="02020603050405020304" pitchFamily="18" charset="0"/>
+              </a:rPr>
+              <a:t> </a:t>
+            </a:r>
+            <a:r>
+              <a:rPr lang="en-US" sz="1800" dirty="0" err="1" smtClean="0">
+                <a:latin typeface="Times New Roman" panose="02020603050405020304" pitchFamily="18" charset="0"/>
+                <a:cs typeface="Times New Roman" panose="02020603050405020304" pitchFamily="18" charset="0"/>
+              </a:rPr>
+              <a:t>cách</a:t>
+            </a:r>
+            <a:r>
+              <a:rPr lang="en-US" sz="1800" dirty="0" smtClean="0">
+                <a:latin typeface="Times New Roman" panose="02020603050405020304" pitchFamily="18" charset="0"/>
+                <a:cs typeface="Times New Roman" panose="02020603050405020304" pitchFamily="18" charset="0"/>
+              </a:rPr>
+              <a:t> click button [Out Room] </a:t>
+            </a:r>
+            <a:r>
+              <a:rPr lang="en-US" sz="1800" dirty="0" err="1" smtClean="0">
+                <a:latin typeface="Times New Roman" panose="02020603050405020304" pitchFamily="18" charset="0"/>
+                <a:cs typeface="Times New Roman" panose="02020603050405020304" pitchFamily="18" charset="0"/>
+              </a:rPr>
+              <a:t>hoặc</a:t>
+            </a:r>
+            <a:r>
+              <a:rPr lang="en-US" sz="1800" dirty="0" smtClean="0">
+                <a:latin typeface="Times New Roman" panose="02020603050405020304" pitchFamily="18" charset="0"/>
+                <a:cs typeface="Times New Roman" panose="02020603050405020304" pitchFamily="18" charset="0"/>
+              </a:rPr>
+              <a:t> click [Logout]</a:t>
+            </a:r>
+          </a:p>
+          <a:p>
+            <a:pPr marL="0" indent="0">
+              <a:buNone/>
+            </a:pPr>
+            <a:r>
+              <a:rPr lang="en-US" sz="1800" dirty="0">
+                <a:latin typeface="Times New Roman" panose="02020603050405020304" pitchFamily="18" charset="0"/>
+                <a:cs typeface="Times New Roman" panose="02020603050405020304" pitchFamily="18" charset="0"/>
+              </a:rPr>
+              <a:t>	</a:t>
+            </a:r>
+            <a:r>
+              <a:rPr lang="en-US" sz="1800" dirty="0" smtClean="0">
+                <a:latin typeface="Times New Roman" panose="02020603050405020304" pitchFamily="18" charset="0"/>
+                <a:cs typeface="Times New Roman" panose="02020603050405020304" pitchFamily="18" charset="0"/>
+              </a:rPr>
+              <a:t>6. User </a:t>
+            </a:r>
+            <a:r>
+              <a:rPr lang="en-US" sz="1800" dirty="0" err="1" smtClean="0">
+                <a:latin typeface="Times New Roman" panose="02020603050405020304" pitchFamily="18" charset="0"/>
+                <a:cs typeface="Times New Roman" panose="02020603050405020304" pitchFamily="18" charset="0"/>
+              </a:rPr>
+              <a:t>có</a:t>
+            </a:r>
+            <a:r>
+              <a:rPr lang="en-US" sz="1800" dirty="0" smtClean="0">
+                <a:latin typeface="Times New Roman" panose="02020603050405020304" pitchFamily="18" charset="0"/>
+                <a:cs typeface="Times New Roman" panose="02020603050405020304" pitchFamily="18" charset="0"/>
+              </a:rPr>
+              <a:t> </a:t>
+            </a:r>
+            <a:r>
+              <a:rPr lang="en-US" sz="1800" dirty="0" err="1" smtClean="0">
+                <a:latin typeface="Times New Roman" panose="02020603050405020304" pitchFamily="18" charset="0"/>
+                <a:cs typeface="Times New Roman" panose="02020603050405020304" pitchFamily="18" charset="0"/>
+              </a:rPr>
+              <a:t>thể</a:t>
+            </a:r>
+            <a:r>
+              <a:rPr lang="en-US" sz="1800" dirty="0" smtClean="0">
+                <a:latin typeface="Times New Roman" panose="02020603050405020304" pitchFamily="18" charset="0"/>
+                <a:cs typeface="Times New Roman" panose="02020603050405020304" pitchFamily="18" charset="0"/>
+              </a:rPr>
+              <a:t> </a:t>
+            </a:r>
+            <a:r>
+              <a:rPr lang="en-US" sz="1800" dirty="0" err="1" smtClean="0">
+                <a:latin typeface="Times New Roman" panose="02020603050405020304" pitchFamily="18" charset="0"/>
+                <a:cs typeface="Times New Roman" panose="02020603050405020304" pitchFamily="18" charset="0"/>
+              </a:rPr>
+              <a:t>theo</a:t>
+            </a:r>
+            <a:r>
+              <a:rPr lang="en-US" sz="1800" dirty="0" smtClean="0">
+                <a:latin typeface="Times New Roman" panose="02020603050405020304" pitchFamily="18" charset="0"/>
+                <a:cs typeface="Times New Roman" panose="02020603050405020304" pitchFamily="18" charset="0"/>
+              </a:rPr>
+              <a:t> </a:t>
+            </a:r>
+            <a:r>
+              <a:rPr lang="en-US" sz="1800" dirty="0" err="1" smtClean="0">
+                <a:latin typeface="Times New Roman" panose="02020603050405020304" pitchFamily="18" charset="0"/>
+                <a:cs typeface="Times New Roman" panose="02020603050405020304" pitchFamily="18" charset="0"/>
+              </a:rPr>
+              <a:t>dõi</a:t>
+            </a:r>
+            <a:r>
+              <a:rPr lang="en-US" sz="1800" dirty="0" smtClean="0">
+                <a:latin typeface="Times New Roman" panose="02020603050405020304" pitchFamily="18" charset="0"/>
+                <a:cs typeface="Times New Roman" panose="02020603050405020304" pitchFamily="18" charset="0"/>
+              </a:rPr>
+              <a:t> Pin </a:t>
+            </a:r>
+            <a:r>
+              <a:rPr lang="en-US" sz="1800" dirty="0" err="1" smtClean="0">
+                <a:latin typeface="Times New Roman" panose="02020603050405020304" pitchFamily="18" charset="0"/>
+                <a:cs typeface="Times New Roman" panose="02020603050405020304" pitchFamily="18" charset="0"/>
+              </a:rPr>
+              <a:t>và</a:t>
+            </a:r>
+            <a:r>
+              <a:rPr lang="en-US" sz="1800" dirty="0" smtClean="0">
+                <a:latin typeface="Times New Roman" panose="02020603050405020304" pitchFamily="18" charset="0"/>
+                <a:cs typeface="Times New Roman" panose="02020603050405020304" pitchFamily="18" charset="0"/>
+              </a:rPr>
+              <a:t> </a:t>
+            </a:r>
+            <a:r>
+              <a:rPr lang="en-US" sz="1800" dirty="0" err="1" smtClean="0">
+                <a:latin typeface="Times New Roman" panose="02020603050405020304" pitchFamily="18" charset="0"/>
+                <a:cs typeface="Times New Roman" panose="02020603050405020304" pitchFamily="18" charset="0"/>
+              </a:rPr>
+              <a:t>Wifi</a:t>
+            </a:r>
+            <a:r>
+              <a:rPr lang="en-US" sz="1800" dirty="0" smtClean="0">
+                <a:latin typeface="Times New Roman" panose="02020603050405020304" pitchFamily="18" charset="0"/>
+                <a:cs typeface="Times New Roman" panose="02020603050405020304" pitchFamily="18" charset="0"/>
+              </a:rPr>
+              <a:t> </a:t>
+            </a:r>
+            <a:r>
+              <a:rPr lang="en-US" sz="1800" dirty="0" err="1" smtClean="0">
+                <a:latin typeface="Times New Roman" panose="02020603050405020304" pitchFamily="18" charset="0"/>
+                <a:cs typeface="Times New Roman" panose="02020603050405020304" pitchFamily="18" charset="0"/>
+              </a:rPr>
+              <a:t>của</a:t>
+            </a:r>
+            <a:r>
+              <a:rPr lang="en-US" sz="1800" dirty="0" smtClean="0">
+                <a:latin typeface="Times New Roman" panose="02020603050405020304" pitchFamily="18" charset="0"/>
+                <a:cs typeface="Times New Roman" panose="02020603050405020304" pitchFamily="18" charset="0"/>
+              </a:rPr>
+              <a:t> robot ở </a:t>
+            </a:r>
+            <a:r>
+              <a:rPr lang="en-US" sz="1800" dirty="0" err="1" smtClean="0">
+                <a:latin typeface="Times New Roman" panose="02020603050405020304" pitchFamily="18" charset="0"/>
+                <a:cs typeface="Times New Roman" panose="02020603050405020304" pitchFamily="18" charset="0"/>
+              </a:rPr>
+              <a:t>vùng</a:t>
+            </a:r>
+            <a:r>
+              <a:rPr lang="en-US" sz="1800" dirty="0" smtClean="0">
+                <a:latin typeface="Times New Roman" panose="02020603050405020304" pitchFamily="18" charset="0"/>
+                <a:cs typeface="Times New Roman" panose="02020603050405020304" pitchFamily="18" charset="0"/>
+              </a:rPr>
+              <a:t> [</a:t>
+            </a:r>
+            <a:r>
+              <a:rPr lang="en-US" sz="1800" dirty="0" err="1" smtClean="0">
+                <a:latin typeface="Times New Roman" panose="02020603050405020304" pitchFamily="18" charset="0"/>
+                <a:cs typeface="Times New Roman" panose="02020603050405020304" pitchFamily="18" charset="0"/>
+              </a:rPr>
+              <a:t>Wifi_Battery</a:t>
+            </a:r>
+            <a:r>
+              <a:rPr lang="en-US" sz="1800" dirty="0" smtClean="0">
+                <a:latin typeface="Times New Roman" panose="02020603050405020304" pitchFamily="18" charset="0"/>
+                <a:cs typeface="Times New Roman" panose="02020603050405020304" pitchFamily="18" charset="0"/>
+              </a:rPr>
+              <a:t>] , </a:t>
+            </a:r>
+            <a:r>
+              <a:rPr lang="en-US" sz="1800" dirty="0" err="1" smtClean="0">
+                <a:latin typeface="Times New Roman" panose="02020603050405020304" pitchFamily="18" charset="0"/>
+                <a:cs typeface="Times New Roman" panose="02020603050405020304" pitchFamily="18" charset="0"/>
+              </a:rPr>
+              <a:t>màu</a:t>
+            </a:r>
+            <a:r>
+              <a:rPr lang="en-US" sz="1800" dirty="0" smtClean="0">
+                <a:latin typeface="Times New Roman" panose="02020603050405020304" pitchFamily="18" charset="0"/>
+                <a:cs typeface="Times New Roman" panose="02020603050405020304" pitchFamily="18" charset="0"/>
+              </a:rPr>
+              <a:t> </a:t>
+            </a:r>
+            <a:r>
+              <a:rPr lang="en-US" sz="1800" dirty="0" err="1" smtClean="0">
+                <a:latin typeface="Times New Roman" panose="02020603050405020304" pitchFamily="18" charset="0"/>
+                <a:cs typeface="Times New Roman" panose="02020603050405020304" pitchFamily="18" charset="0"/>
+              </a:rPr>
+              <a:t>sắc</a:t>
+            </a:r>
+            <a:r>
+              <a:rPr lang="en-US" sz="1800" dirty="0" smtClean="0">
+                <a:latin typeface="Times New Roman" panose="02020603050405020304" pitchFamily="18" charset="0"/>
+                <a:cs typeface="Times New Roman" panose="02020603050405020304" pitchFamily="18" charset="0"/>
+              </a:rPr>
+              <a:t> </a:t>
+            </a:r>
+            <a:r>
+              <a:rPr lang="en-US" sz="1800" dirty="0" err="1" smtClean="0">
+                <a:latin typeface="Times New Roman" panose="02020603050405020304" pitchFamily="18" charset="0"/>
+                <a:cs typeface="Times New Roman" panose="02020603050405020304" pitchFamily="18" charset="0"/>
+              </a:rPr>
+              <a:t>của</a:t>
+            </a:r>
+            <a:r>
+              <a:rPr lang="en-US" sz="1800" dirty="0" smtClean="0">
+                <a:latin typeface="Times New Roman" panose="02020603050405020304" pitchFamily="18" charset="0"/>
+                <a:cs typeface="Times New Roman" panose="02020603050405020304" pitchFamily="18" charset="0"/>
+              </a:rPr>
+              <a:t> </a:t>
+            </a:r>
+            <a:r>
+              <a:rPr lang="en-US" sz="1800" dirty="0" err="1" smtClean="0">
+                <a:latin typeface="Times New Roman" panose="02020603050405020304" pitchFamily="18" charset="0"/>
+                <a:cs typeface="Times New Roman" panose="02020603050405020304" pitchFamily="18" charset="0"/>
+              </a:rPr>
+              <a:t>vùng</a:t>
+            </a:r>
+            <a:r>
+              <a:rPr lang="en-US" sz="1800" dirty="0" smtClean="0">
+                <a:latin typeface="Times New Roman" panose="02020603050405020304" pitchFamily="18" charset="0"/>
+                <a:cs typeface="Times New Roman" panose="02020603050405020304" pitchFamily="18" charset="0"/>
+              </a:rPr>
+              <a:t> </a:t>
+            </a:r>
+            <a:r>
+              <a:rPr lang="en-US" sz="1800" dirty="0" err="1" smtClean="0">
+                <a:latin typeface="Times New Roman" panose="02020603050405020304" pitchFamily="18" charset="0"/>
+                <a:cs typeface="Times New Roman" panose="02020603050405020304" pitchFamily="18" charset="0"/>
+              </a:rPr>
+              <a:t>sẽ</a:t>
+            </a:r>
+            <a:r>
+              <a:rPr lang="en-US" sz="1800" dirty="0" smtClean="0">
+                <a:latin typeface="Times New Roman" panose="02020603050405020304" pitchFamily="18" charset="0"/>
+                <a:cs typeface="Times New Roman" panose="02020603050405020304" pitchFamily="18" charset="0"/>
+              </a:rPr>
+              <a:t> </a:t>
+            </a:r>
+            <a:r>
+              <a:rPr lang="en-US" sz="1800" dirty="0" err="1" smtClean="0">
+                <a:latin typeface="Times New Roman" panose="02020603050405020304" pitchFamily="18" charset="0"/>
+                <a:cs typeface="Times New Roman" panose="02020603050405020304" pitchFamily="18" charset="0"/>
+              </a:rPr>
+              <a:t>thay</a:t>
+            </a:r>
+            <a:r>
+              <a:rPr lang="en-US" sz="1800" dirty="0" smtClean="0">
+                <a:latin typeface="Times New Roman" panose="02020603050405020304" pitchFamily="18" charset="0"/>
+                <a:cs typeface="Times New Roman" panose="02020603050405020304" pitchFamily="18" charset="0"/>
+              </a:rPr>
+              <a:t> </a:t>
+            </a:r>
+            <a:r>
+              <a:rPr lang="en-US" sz="1800" dirty="0" err="1" smtClean="0">
+                <a:latin typeface="Times New Roman" panose="02020603050405020304" pitchFamily="18" charset="0"/>
+                <a:cs typeface="Times New Roman" panose="02020603050405020304" pitchFamily="18" charset="0"/>
+              </a:rPr>
+              <a:t>đổi</a:t>
+            </a:r>
+            <a:r>
+              <a:rPr lang="en-US" sz="1800" dirty="0" smtClean="0">
+                <a:latin typeface="Times New Roman" panose="02020603050405020304" pitchFamily="18" charset="0"/>
+                <a:cs typeface="Times New Roman" panose="02020603050405020304" pitchFamily="18" charset="0"/>
+              </a:rPr>
+              <a:t> </a:t>
+            </a:r>
+            <a:r>
+              <a:rPr lang="en-US" sz="1800" dirty="0" err="1" smtClean="0">
+                <a:latin typeface="Times New Roman" panose="02020603050405020304" pitchFamily="18" charset="0"/>
+                <a:cs typeface="Times New Roman" panose="02020603050405020304" pitchFamily="18" charset="0"/>
+              </a:rPr>
+              <a:t>theo</a:t>
+            </a:r>
+            <a:r>
+              <a:rPr lang="en-US" sz="1800" dirty="0" smtClean="0">
+                <a:latin typeface="Times New Roman" panose="02020603050405020304" pitchFamily="18" charset="0"/>
+                <a:cs typeface="Times New Roman" panose="02020603050405020304" pitchFamily="18" charset="0"/>
+              </a:rPr>
+              <a:t> Pin </a:t>
+            </a:r>
+            <a:r>
+              <a:rPr lang="en-US" sz="1800" dirty="0" err="1" smtClean="0">
+                <a:latin typeface="Times New Roman" panose="02020603050405020304" pitchFamily="18" charset="0"/>
+                <a:cs typeface="Times New Roman" panose="02020603050405020304" pitchFamily="18" charset="0"/>
+              </a:rPr>
+              <a:t>và</a:t>
+            </a:r>
+            <a:r>
+              <a:rPr lang="en-US" sz="1800" dirty="0" smtClean="0">
+                <a:latin typeface="Times New Roman" panose="02020603050405020304" pitchFamily="18" charset="0"/>
+                <a:cs typeface="Times New Roman" panose="02020603050405020304" pitchFamily="18" charset="0"/>
+              </a:rPr>
+              <a:t> </a:t>
+            </a:r>
+            <a:r>
+              <a:rPr lang="en-US" sz="1800" dirty="0" err="1" smtClean="0">
+                <a:latin typeface="Times New Roman" panose="02020603050405020304" pitchFamily="18" charset="0"/>
+                <a:cs typeface="Times New Roman" panose="02020603050405020304" pitchFamily="18" charset="0"/>
+              </a:rPr>
+              <a:t>Wifi</a:t>
+            </a:r>
+            <a:endParaRPr lang="en-US" sz="1800" dirty="0" smtClean="0">
+              <a:latin typeface="Times New Roman" panose="02020603050405020304" pitchFamily="18" charset="0"/>
+              <a:cs typeface="Times New Roman" panose="02020603050405020304" pitchFamily="18" charset="0"/>
+            </a:endParaRPr>
+          </a:p>
+          <a:p>
+            <a:pPr marL="0" indent="0">
+              <a:buNone/>
+            </a:pPr>
+            <a:r>
+              <a:rPr lang="en-US" sz="1800" dirty="0" smtClean="0">
+                <a:latin typeface="Times New Roman" panose="02020603050405020304" pitchFamily="18" charset="0"/>
+                <a:cs typeface="Times New Roman" panose="02020603050405020304" pitchFamily="18" charset="0"/>
+              </a:rPr>
+              <a:t>                   7. </a:t>
+            </a:r>
+            <a:r>
+              <a:rPr lang="en-US" sz="1800" dirty="0" err="1" smtClean="0">
+                <a:latin typeface="Times New Roman" panose="02020603050405020304" pitchFamily="18" charset="0"/>
+                <a:cs typeface="Times New Roman" panose="02020603050405020304" pitchFamily="18" charset="0"/>
+              </a:rPr>
+              <a:t>Khi</a:t>
+            </a:r>
+            <a:r>
+              <a:rPr lang="en-US" sz="1800" dirty="0" smtClean="0">
+                <a:latin typeface="Times New Roman" panose="02020603050405020304" pitchFamily="18" charset="0"/>
+                <a:cs typeface="Times New Roman" panose="02020603050405020304" pitchFamily="18" charset="0"/>
+              </a:rPr>
+              <a:t> robot </a:t>
+            </a:r>
+            <a:r>
+              <a:rPr lang="en-US" sz="1800" dirty="0" err="1" smtClean="0">
+                <a:latin typeface="Times New Roman" panose="02020603050405020304" pitchFamily="18" charset="0"/>
+                <a:cs typeface="Times New Roman" panose="02020603050405020304" pitchFamily="18" charset="0"/>
+              </a:rPr>
+              <a:t>cần</a:t>
+            </a:r>
+            <a:r>
+              <a:rPr lang="en-US" sz="1800" dirty="0" smtClean="0">
+                <a:latin typeface="Times New Roman" panose="02020603050405020304" pitchFamily="18" charset="0"/>
+                <a:cs typeface="Times New Roman" panose="02020603050405020304" pitchFamily="18" charset="0"/>
+              </a:rPr>
+              <a:t> </a:t>
+            </a:r>
+            <a:r>
+              <a:rPr lang="en-US" sz="1800" dirty="0" err="1" smtClean="0">
+                <a:latin typeface="Times New Roman" panose="02020603050405020304" pitchFamily="18" charset="0"/>
+                <a:cs typeface="Times New Roman" panose="02020603050405020304" pitchFamily="18" charset="0"/>
+              </a:rPr>
+              <a:t>được</a:t>
+            </a:r>
+            <a:r>
+              <a:rPr lang="en-US" sz="1800" dirty="0" smtClean="0">
+                <a:latin typeface="Times New Roman" panose="02020603050405020304" pitchFamily="18" charset="0"/>
+                <a:cs typeface="Times New Roman" panose="02020603050405020304" pitchFamily="18" charset="0"/>
+              </a:rPr>
+              <a:t> </a:t>
+            </a:r>
+            <a:r>
+              <a:rPr lang="en-US" sz="1800" dirty="0" err="1" smtClean="0">
+                <a:latin typeface="Times New Roman" panose="02020603050405020304" pitchFamily="18" charset="0"/>
+                <a:cs typeface="Times New Roman" panose="02020603050405020304" pitchFamily="18" charset="0"/>
+              </a:rPr>
+              <a:t>xử</a:t>
+            </a:r>
+            <a:r>
+              <a:rPr lang="en-US" sz="1800" dirty="0" smtClean="0">
+                <a:latin typeface="Times New Roman" panose="02020603050405020304" pitchFamily="18" charset="0"/>
+                <a:cs typeface="Times New Roman" panose="02020603050405020304" pitchFamily="18" charset="0"/>
+              </a:rPr>
+              <a:t> </a:t>
+            </a:r>
+            <a:r>
+              <a:rPr lang="en-US" sz="1800" dirty="0" err="1" smtClean="0">
+                <a:latin typeface="Times New Roman" panose="02020603050405020304" pitchFamily="18" charset="0"/>
+                <a:cs typeface="Times New Roman" panose="02020603050405020304" pitchFamily="18" charset="0"/>
+              </a:rPr>
+              <a:t>lý</a:t>
+            </a:r>
+            <a:r>
+              <a:rPr lang="en-US" sz="1800" dirty="0">
+                <a:latin typeface="Times New Roman" panose="02020603050405020304" pitchFamily="18" charset="0"/>
+                <a:cs typeface="Times New Roman" panose="02020603050405020304" pitchFamily="18" charset="0"/>
+              </a:rPr>
+              <a:t> </a:t>
+            </a:r>
+            <a:r>
+              <a:rPr lang="en-US" sz="1800" dirty="0" err="1" smtClean="0">
+                <a:latin typeface="Times New Roman" panose="02020603050405020304" pitchFamily="18" charset="0"/>
+                <a:cs typeface="Times New Roman" panose="02020603050405020304" pitchFamily="18" charset="0"/>
+              </a:rPr>
+              <a:t>hoặc</a:t>
+            </a:r>
+            <a:r>
+              <a:rPr lang="en-US" sz="1800" dirty="0" smtClean="0">
+                <a:latin typeface="Times New Roman" panose="02020603050405020304" pitchFamily="18" charset="0"/>
+                <a:cs typeface="Times New Roman" panose="02020603050405020304" pitchFamily="18" charset="0"/>
+              </a:rPr>
+              <a:t> </a:t>
+            </a:r>
+            <a:r>
+              <a:rPr lang="en-US" sz="1800" dirty="0" err="1" smtClean="0">
+                <a:latin typeface="Times New Roman" panose="02020603050405020304" pitchFamily="18" charset="0"/>
+                <a:cs typeface="Times New Roman" panose="02020603050405020304" pitchFamily="18" charset="0"/>
+              </a:rPr>
+              <a:t>sạc</a:t>
+            </a:r>
+            <a:r>
+              <a:rPr lang="en-US" sz="1800" dirty="0" smtClean="0">
+                <a:latin typeface="Times New Roman" panose="02020603050405020304" pitchFamily="18" charset="0"/>
+                <a:cs typeface="Times New Roman" panose="02020603050405020304" pitchFamily="18" charset="0"/>
+              </a:rPr>
+              <a:t> pin, user </a:t>
+            </a:r>
+            <a:r>
+              <a:rPr lang="en-US" sz="1800" dirty="0" err="1" smtClean="0">
+                <a:latin typeface="Times New Roman" panose="02020603050405020304" pitchFamily="18" charset="0"/>
+                <a:cs typeface="Times New Roman" panose="02020603050405020304" pitchFamily="18" charset="0"/>
+              </a:rPr>
+              <a:t>không</a:t>
+            </a:r>
+            <a:r>
+              <a:rPr lang="en-US" sz="1800" dirty="0" smtClean="0">
+                <a:latin typeface="Times New Roman" panose="02020603050405020304" pitchFamily="18" charset="0"/>
+                <a:cs typeface="Times New Roman" panose="02020603050405020304" pitchFamily="18" charset="0"/>
+              </a:rPr>
+              <a:t> </a:t>
+            </a:r>
+            <a:r>
+              <a:rPr lang="en-US" sz="1800" dirty="0" err="1" smtClean="0">
+                <a:latin typeface="Times New Roman" panose="02020603050405020304" pitchFamily="18" charset="0"/>
+                <a:cs typeface="Times New Roman" panose="02020603050405020304" pitchFamily="18" charset="0"/>
+              </a:rPr>
+              <a:t>thể</a:t>
+            </a:r>
+            <a:r>
+              <a:rPr lang="en-US" sz="1800" dirty="0" smtClean="0">
+                <a:latin typeface="Times New Roman" panose="02020603050405020304" pitchFamily="18" charset="0"/>
+                <a:cs typeface="Times New Roman" panose="02020603050405020304" pitchFamily="18" charset="0"/>
+              </a:rPr>
+              <a:t> </a:t>
+            </a:r>
+            <a:r>
+              <a:rPr lang="en-US" sz="1800" dirty="0" err="1" smtClean="0">
+                <a:latin typeface="Times New Roman" panose="02020603050405020304" pitchFamily="18" charset="0"/>
+                <a:cs typeface="Times New Roman" panose="02020603050405020304" pitchFamily="18" charset="0"/>
+              </a:rPr>
+              <a:t>điều</a:t>
+            </a:r>
+            <a:r>
+              <a:rPr lang="en-US" sz="1800" dirty="0" smtClean="0">
+                <a:latin typeface="Times New Roman" panose="02020603050405020304" pitchFamily="18" charset="0"/>
+                <a:cs typeface="Times New Roman" panose="02020603050405020304" pitchFamily="18" charset="0"/>
+              </a:rPr>
+              <a:t> </a:t>
+            </a:r>
+            <a:r>
+              <a:rPr lang="en-US" sz="1800" dirty="0" err="1" smtClean="0">
+                <a:latin typeface="Times New Roman" panose="02020603050405020304" pitchFamily="18" charset="0"/>
+                <a:cs typeface="Times New Roman" panose="02020603050405020304" pitchFamily="18" charset="0"/>
+              </a:rPr>
+              <a:t>khiển</a:t>
+            </a:r>
+            <a:r>
+              <a:rPr lang="en-US" sz="1800" dirty="0" smtClean="0">
+                <a:latin typeface="Times New Roman" panose="02020603050405020304" pitchFamily="18" charset="0"/>
+                <a:cs typeface="Times New Roman" panose="02020603050405020304" pitchFamily="18" charset="0"/>
+              </a:rPr>
+              <a:t> </a:t>
+            </a:r>
+            <a:r>
+              <a:rPr lang="en-US" sz="1800" dirty="0" err="1" smtClean="0">
+                <a:latin typeface="Times New Roman" panose="02020603050405020304" pitchFamily="18" charset="0"/>
+                <a:cs typeface="Times New Roman" panose="02020603050405020304" pitchFamily="18" charset="0"/>
+              </a:rPr>
+              <a:t>màn</a:t>
+            </a:r>
+            <a:r>
+              <a:rPr lang="en-US" sz="1800" dirty="0" smtClean="0">
+                <a:latin typeface="Times New Roman" panose="02020603050405020304" pitchFamily="18" charset="0"/>
+                <a:cs typeface="Times New Roman" panose="02020603050405020304" pitchFamily="18" charset="0"/>
+              </a:rPr>
+              <a:t> </a:t>
+            </a:r>
+            <a:r>
+              <a:rPr lang="en-US" sz="1800" dirty="0" err="1" smtClean="0">
+                <a:latin typeface="Times New Roman" panose="02020603050405020304" pitchFamily="18" charset="0"/>
+                <a:cs typeface="Times New Roman" panose="02020603050405020304" pitchFamily="18" charset="0"/>
+              </a:rPr>
+              <a:t>hình</a:t>
+            </a:r>
+            <a:r>
+              <a:rPr lang="en-US" sz="1800" dirty="0" smtClean="0">
+                <a:latin typeface="Times New Roman" panose="02020603050405020304" pitchFamily="18" charset="0"/>
+                <a:cs typeface="Times New Roman" panose="02020603050405020304" pitchFamily="18" charset="0"/>
+              </a:rPr>
+              <a:t> </a:t>
+            </a:r>
+          </a:p>
+          <a:p>
+            <a:pPr marL="0" indent="0">
+              <a:buNone/>
+            </a:pPr>
+            <a:endParaRPr lang="en-US" sz="1800" dirty="0" smtClean="0">
+              <a:latin typeface="Times New Roman" panose="02020603050405020304" pitchFamily="18" charset="0"/>
+              <a:cs typeface="Times New Roman" panose="02020603050405020304" pitchFamily="18" charset="0"/>
+            </a:endParaRPr>
+          </a:p>
+          <a:p>
+            <a:pPr marL="0" indent="0">
+              <a:buNone/>
+            </a:pPr>
+            <a:r>
+              <a:rPr lang="en-US" sz="1800" b="1" dirty="0" smtClean="0">
+                <a:latin typeface="Times New Roman" panose="02020603050405020304" pitchFamily="18" charset="0"/>
+                <a:cs typeface="Times New Roman" panose="02020603050405020304" pitchFamily="18" charset="0"/>
+              </a:rPr>
+              <a:t>                </a:t>
             </a:r>
             <a:endParaRPr lang="en-US" sz="1800" b="1" dirty="0">
               <a:latin typeface="Times New Roman" panose="02020603050405020304" pitchFamily="18" charset="0"/>
@@ -27123,13 +30012,28 @@
     </p:spTree>
     <p:extLst>
       <p:ext uri="{BB962C8B-B14F-4D97-AF65-F5344CB8AC3E}">
-        <p14:creationId xmlns:p14="http://schemas.microsoft.com/office/powerpoint/2010/main" val="287787047"/>
+        <p14:creationId xmlns:p14="http://schemas.microsoft.com/office/powerpoint/2010/main" val="517022563"/>
       </p:ext>
     </p:extLst>
   </p:cSld>
   <p:clrMapOvr>
     <a:masterClrMapping/>
   </p:clrMapOvr>
+  <mc:AlternateContent xmlns:mc="http://schemas.openxmlformats.org/markup-compatibility/2006" xmlns:p14="http://schemas.microsoft.com/office/powerpoint/2010/main">
+    <mc:Choice Requires="p14">
+      <p:transition p14:dur="0"/>
+    </mc:Choice>
+    <mc:Fallback xmlns="">
+      <p:transition/>
+    </mc:Fallback>
+  </mc:AlternateContent>
+  <p:timing>
+    <p:tnLst>
+      <p:par>
+        <p:cTn id="1" dur="indefinite" restart="never" nodeType="tmRoot"/>
+      </p:par>
+    </p:tnLst>
+  </p:timing>
 </p:sld>
 </file>
 
@@ -27240,7 +30144,7 @@
                 <a:latin typeface="Times New Roman" panose="02020603050405020304" pitchFamily="18" charset="0"/>
                 <a:cs typeface="Times New Roman" panose="02020603050405020304" pitchFamily="18" charset="0"/>
               </a:rPr>
-              <a:t> CONTROL</a:t>
+              <a:t> QUEUE</a:t>
             </a:r>
             <a:r>
               <a:rPr lang="en-US" sz="4000" kern="1200" cap="all">
@@ -27278,1586 +30182,180 @@
             <p:ph idx="1"/>
           </p:nvPr>
         </p:nvSpPr>
-        <p:spPr/>
+        <p:spPr>
+          <a:xfrm>
+            <a:off x="1066800" y="1667022"/>
+            <a:ext cx="10058400" cy="4804116"/>
+          </a:xfrm>
+        </p:spPr>
         <p:txBody>
           <a:bodyPr>
-            <a:normAutofit fontScale="85000" lnSpcReduction="10000"/>
+            <a:normAutofit/>
           </a:bodyPr>
           <a:lstStyle/>
           <a:p>
             <a:r>
-              <a:rPr lang="en-US" sz="1800" dirty="0">
-                <a:latin typeface="Times New Roman" panose="02020603050405020304" pitchFamily="18" charset="0"/>
-                <a:cs typeface="Times New Roman" panose="02020603050405020304" pitchFamily="18" charset="0"/>
-              </a:rPr>
-              <a:t>Control</a:t>
-            </a:r>
-            <a:r>
               <a:rPr lang="en-US" sz="1800" b="1" dirty="0">
                 <a:latin typeface="Times New Roman" panose="02020603050405020304" pitchFamily="18" charset="0"/>
                 <a:cs typeface="Times New Roman" panose="02020603050405020304" pitchFamily="18" charset="0"/>
               </a:rPr>
-              <a:t> Page</a:t>
+              <a:t>Queue Page</a:t>
             </a:r>
             <a:r>
               <a:rPr lang="en-US" sz="1800" b="1" dirty="0" smtClean="0">
                 <a:latin typeface="Times New Roman" panose="02020603050405020304" pitchFamily="18" charset="0"/>
                 <a:cs typeface="Times New Roman" panose="02020603050405020304" pitchFamily="18" charset="0"/>
               </a:rPr>
-              <a:t>:</a:t>
+              <a:t>: </a:t>
+            </a:r>
+            <a:r>
+              <a:rPr lang="en-US" sz="1600" dirty="0" err="1" smtClean="0">
+                <a:latin typeface="Times New Roman" panose="02020603050405020304" pitchFamily="18" charset="0"/>
+                <a:cs typeface="Times New Roman" panose="02020603050405020304" pitchFamily="18" charset="0"/>
+              </a:rPr>
+              <a:t>Hiển</a:t>
+            </a:r>
+            <a:r>
+              <a:rPr lang="en-US" sz="1600" dirty="0" smtClean="0">
+                <a:latin typeface="Times New Roman" panose="02020603050405020304" pitchFamily="18" charset="0"/>
+                <a:cs typeface="Times New Roman" panose="02020603050405020304" pitchFamily="18" charset="0"/>
+              </a:rPr>
+              <a:t> </a:t>
+            </a:r>
+            <a:r>
+              <a:rPr lang="en-US" sz="1600" dirty="0" err="1" smtClean="0">
+                <a:latin typeface="Times New Roman" panose="02020603050405020304" pitchFamily="18" charset="0"/>
+                <a:cs typeface="Times New Roman" panose="02020603050405020304" pitchFamily="18" charset="0"/>
+              </a:rPr>
+              <a:t>thị</a:t>
+            </a:r>
+            <a:r>
+              <a:rPr lang="en-US" sz="1600" dirty="0" smtClean="0">
+                <a:latin typeface="Times New Roman" panose="02020603050405020304" pitchFamily="18" charset="0"/>
+                <a:cs typeface="Times New Roman" panose="02020603050405020304" pitchFamily="18" charset="0"/>
+              </a:rPr>
+              <a:t> list user </a:t>
+            </a:r>
+            <a:r>
+              <a:rPr lang="en-US" sz="1600" dirty="0" err="1" smtClean="0">
+                <a:latin typeface="Times New Roman" panose="02020603050405020304" pitchFamily="18" charset="0"/>
+                <a:cs typeface="Times New Roman" panose="02020603050405020304" pitchFamily="18" charset="0"/>
+              </a:rPr>
+              <a:t>đang</a:t>
+            </a:r>
+            <a:r>
+              <a:rPr lang="en-US" sz="1600" dirty="0" smtClean="0">
+                <a:latin typeface="Times New Roman" panose="02020603050405020304" pitchFamily="18" charset="0"/>
+                <a:cs typeface="Times New Roman" panose="02020603050405020304" pitchFamily="18" charset="0"/>
+              </a:rPr>
+              <a:t> </a:t>
+            </a:r>
+            <a:r>
+              <a:rPr lang="en-US" sz="1600" dirty="0" err="1" smtClean="0">
+                <a:latin typeface="Times New Roman" panose="02020603050405020304" pitchFamily="18" charset="0"/>
+                <a:cs typeface="Times New Roman" panose="02020603050405020304" pitchFamily="18" charset="0"/>
+              </a:rPr>
+              <a:t>đợi</a:t>
+            </a:r>
+            <a:r>
+              <a:rPr lang="en-US" sz="1600" dirty="0" smtClean="0">
+                <a:latin typeface="Times New Roman" panose="02020603050405020304" pitchFamily="18" charset="0"/>
+                <a:cs typeface="Times New Roman" panose="02020603050405020304" pitchFamily="18" charset="0"/>
+              </a:rPr>
+              <a:t>.</a:t>
             </a:r>
           </a:p>
           <a:p>
             <a:pPr marL="0" indent="0">
               <a:buNone/>
             </a:pPr>
-            <a:r>
-              <a:rPr lang="en-US" sz="1800" b="1" dirty="0" smtClean="0">
-                <a:latin typeface="Times New Roman" panose="02020603050405020304" pitchFamily="18" charset="0"/>
-                <a:cs typeface="Times New Roman" panose="02020603050405020304" pitchFamily="18" charset="0"/>
-              </a:rPr>
-              <a:t>	</a:t>
-            </a:r>
-            <a:r>
-              <a:rPr lang="en-US" sz="1800" dirty="0" smtClean="0">
-                <a:latin typeface="Times New Roman" panose="02020603050405020304" pitchFamily="18" charset="0"/>
-                <a:cs typeface="Times New Roman" panose="02020603050405020304" pitchFamily="18" charset="0"/>
-              </a:rPr>
-              <a:t>1.</a:t>
-            </a:r>
-            <a:r>
-              <a:rPr lang="en-US" sz="1800" b="1" dirty="0" smtClean="0">
-                <a:latin typeface="Times New Roman" panose="02020603050405020304" pitchFamily="18" charset="0"/>
-                <a:cs typeface="Times New Roman" panose="02020603050405020304" pitchFamily="18" charset="0"/>
-              </a:rPr>
-              <a:t> </a:t>
-            </a:r>
-            <a:r>
-              <a:rPr lang="en-US" sz="1800" dirty="0" smtClean="0">
-                <a:latin typeface="Times New Roman" panose="02020603050405020304" pitchFamily="18" charset="0"/>
-                <a:cs typeface="Times New Roman" panose="02020603050405020304" pitchFamily="18" charset="0"/>
-              </a:rPr>
-              <a:t>User </a:t>
-            </a:r>
-            <a:r>
-              <a:rPr lang="en-US" sz="1800" dirty="0" err="1" smtClean="0">
-                <a:latin typeface="Times New Roman" panose="02020603050405020304" pitchFamily="18" charset="0"/>
-                <a:cs typeface="Times New Roman" panose="02020603050405020304" pitchFamily="18" charset="0"/>
-              </a:rPr>
-              <a:t>chỉ</a:t>
-            </a:r>
-            <a:r>
-              <a:rPr lang="en-US" sz="1800" dirty="0" smtClean="0">
-                <a:latin typeface="Times New Roman" panose="02020603050405020304" pitchFamily="18" charset="0"/>
-                <a:cs typeface="Times New Roman" panose="02020603050405020304" pitchFamily="18" charset="0"/>
-              </a:rPr>
-              <a:t> </a:t>
-            </a:r>
-            <a:r>
-              <a:rPr lang="en-US" sz="1800" dirty="0" err="1" smtClean="0">
-                <a:latin typeface="Times New Roman" panose="02020603050405020304" pitchFamily="18" charset="0"/>
-                <a:cs typeface="Times New Roman" panose="02020603050405020304" pitchFamily="18" charset="0"/>
-              </a:rPr>
-              <a:t>được</a:t>
-            </a:r>
-            <a:r>
-              <a:rPr lang="en-US" sz="1800" dirty="0" smtClean="0">
-                <a:latin typeface="Times New Roman" panose="02020603050405020304" pitchFamily="18" charset="0"/>
-                <a:cs typeface="Times New Roman" panose="02020603050405020304" pitchFamily="18" charset="0"/>
-              </a:rPr>
-              <a:t> </a:t>
-            </a:r>
-            <a:r>
-              <a:rPr lang="en-US" sz="1800" dirty="0" err="1" smtClean="0">
-                <a:latin typeface="Times New Roman" panose="02020603050405020304" pitchFamily="18" charset="0"/>
-                <a:cs typeface="Times New Roman" panose="02020603050405020304" pitchFamily="18" charset="0"/>
-              </a:rPr>
-              <a:t>vào</a:t>
-            </a:r>
-            <a:r>
-              <a:rPr lang="en-US" sz="1800" dirty="0" smtClean="0">
-                <a:latin typeface="Times New Roman" panose="02020603050405020304" pitchFamily="18" charset="0"/>
-                <a:cs typeface="Times New Roman" panose="02020603050405020304" pitchFamily="18" charset="0"/>
-              </a:rPr>
-              <a:t> Page </a:t>
-            </a:r>
-            <a:r>
-              <a:rPr lang="en-US" sz="1800" dirty="0">
-                <a:latin typeface="Times New Roman" panose="02020603050405020304" pitchFamily="18" charset="0"/>
-                <a:cs typeface="Times New Roman" panose="02020603050405020304" pitchFamily="18" charset="0"/>
-              </a:rPr>
-              <a:t>C</a:t>
-            </a:r>
-            <a:r>
-              <a:rPr lang="en-US" sz="1800" dirty="0" smtClean="0">
-                <a:latin typeface="Times New Roman" panose="02020603050405020304" pitchFamily="18" charset="0"/>
-                <a:cs typeface="Times New Roman" panose="02020603050405020304" pitchFamily="18" charset="0"/>
-              </a:rPr>
-              <a:t>ontrol </a:t>
-            </a:r>
-            <a:r>
-              <a:rPr lang="en-US" sz="1800" dirty="0" err="1" smtClean="0">
-                <a:latin typeface="Times New Roman" panose="02020603050405020304" pitchFamily="18" charset="0"/>
-                <a:cs typeface="Times New Roman" panose="02020603050405020304" pitchFamily="18" charset="0"/>
-              </a:rPr>
-              <a:t>khi</a:t>
-            </a:r>
-            <a:r>
-              <a:rPr lang="en-US" sz="1800" dirty="0" smtClean="0">
-                <a:latin typeface="Times New Roman" panose="02020603050405020304" pitchFamily="18" charset="0"/>
-                <a:cs typeface="Times New Roman" panose="02020603050405020304" pitchFamily="18" charset="0"/>
-              </a:rPr>
-              <a:t> </a:t>
-            </a:r>
-            <a:r>
-              <a:rPr lang="en-US" sz="1800" dirty="0" err="1" smtClean="0">
-                <a:latin typeface="Times New Roman" panose="02020603050405020304" pitchFamily="18" charset="0"/>
-                <a:cs typeface="Times New Roman" panose="02020603050405020304" pitchFamily="18" charset="0"/>
-              </a:rPr>
-              <a:t>đến</a:t>
-            </a:r>
-            <a:r>
-              <a:rPr lang="en-US" sz="1800" dirty="0" smtClean="0">
-                <a:latin typeface="Times New Roman" panose="02020603050405020304" pitchFamily="18" charset="0"/>
-                <a:cs typeface="Times New Roman" panose="02020603050405020304" pitchFamily="18" charset="0"/>
-              </a:rPr>
-              <a:t> </a:t>
-            </a:r>
-            <a:r>
-              <a:rPr lang="en-US" sz="1800" dirty="0" err="1" smtClean="0">
-                <a:latin typeface="Times New Roman" panose="02020603050405020304" pitchFamily="18" charset="0"/>
-                <a:cs typeface="Times New Roman" panose="02020603050405020304" pitchFamily="18" charset="0"/>
-              </a:rPr>
-              <a:t>lượt</a:t>
-            </a:r>
-            <a:r>
-              <a:rPr lang="en-US" sz="1800" dirty="0" smtClean="0">
-                <a:latin typeface="Times New Roman" panose="02020603050405020304" pitchFamily="18" charset="0"/>
-                <a:cs typeface="Times New Roman" panose="02020603050405020304" pitchFamily="18" charset="0"/>
-              </a:rPr>
-              <a:t>, </a:t>
-            </a:r>
-            <a:r>
-              <a:rPr lang="en-US" sz="1800" dirty="0" err="1" smtClean="0">
-                <a:latin typeface="Times New Roman" panose="02020603050405020304" pitchFamily="18" charset="0"/>
-                <a:cs typeface="Times New Roman" panose="02020603050405020304" pitchFamily="18" charset="0"/>
-              </a:rPr>
-              <a:t>nếu</a:t>
-            </a:r>
-            <a:r>
-              <a:rPr lang="en-US" sz="1800" dirty="0" smtClean="0">
-                <a:latin typeface="Times New Roman" panose="02020603050405020304" pitchFamily="18" charset="0"/>
-                <a:cs typeface="Times New Roman" panose="02020603050405020304" pitchFamily="18" charset="0"/>
-              </a:rPr>
-              <a:t> </a:t>
-            </a:r>
-            <a:r>
-              <a:rPr lang="en-US" sz="1800" dirty="0" err="1" smtClean="0">
-                <a:latin typeface="Times New Roman" panose="02020603050405020304" pitchFamily="18" charset="0"/>
-                <a:cs typeface="Times New Roman" panose="02020603050405020304" pitchFamily="18" charset="0"/>
-              </a:rPr>
-              <a:t>cố</a:t>
-            </a:r>
-            <a:r>
-              <a:rPr lang="en-US" sz="1800" dirty="0" smtClean="0">
-                <a:latin typeface="Times New Roman" panose="02020603050405020304" pitchFamily="18" charset="0"/>
-                <a:cs typeface="Times New Roman" panose="02020603050405020304" pitchFamily="18" charset="0"/>
-              </a:rPr>
-              <a:t> </a:t>
-            </a:r>
-            <a:r>
-              <a:rPr lang="en-US" sz="1800" dirty="0" err="1" smtClean="0">
-                <a:latin typeface="Times New Roman" panose="02020603050405020304" pitchFamily="18" charset="0"/>
-                <a:cs typeface="Times New Roman" panose="02020603050405020304" pitchFamily="18" charset="0"/>
-              </a:rPr>
-              <a:t>tình</a:t>
-            </a:r>
-            <a:r>
-              <a:rPr lang="en-US" sz="1800" dirty="0" smtClean="0">
-                <a:latin typeface="Times New Roman" panose="02020603050405020304" pitchFamily="18" charset="0"/>
-                <a:cs typeface="Times New Roman" panose="02020603050405020304" pitchFamily="18" charset="0"/>
-              </a:rPr>
-              <a:t> </a:t>
-            </a:r>
-            <a:r>
-              <a:rPr lang="en-US" sz="1800" dirty="0" err="1" smtClean="0">
-                <a:latin typeface="Times New Roman" panose="02020603050405020304" pitchFamily="18" charset="0"/>
-                <a:cs typeface="Times New Roman" panose="02020603050405020304" pitchFamily="18" charset="0"/>
-              </a:rPr>
-              <a:t>truy</a:t>
-            </a:r>
-            <a:r>
-              <a:rPr lang="en-US" sz="1800" dirty="0" smtClean="0">
-                <a:latin typeface="Times New Roman" panose="02020603050405020304" pitchFamily="18" charset="0"/>
-                <a:cs typeface="Times New Roman" panose="02020603050405020304" pitchFamily="18" charset="0"/>
-              </a:rPr>
-              <a:t> </a:t>
-            </a:r>
-            <a:r>
-              <a:rPr lang="en-US" sz="1800" dirty="0" err="1" smtClean="0">
-                <a:latin typeface="Times New Roman" panose="02020603050405020304" pitchFamily="18" charset="0"/>
-                <a:cs typeface="Times New Roman" panose="02020603050405020304" pitchFamily="18" charset="0"/>
-              </a:rPr>
-              <a:t>cập</a:t>
-            </a:r>
-            <a:r>
-              <a:rPr lang="en-US" sz="1800" dirty="0" smtClean="0">
-                <a:latin typeface="Times New Roman" panose="02020603050405020304" pitchFamily="18" charset="0"/>
-                <a:cs typeface="Times New Roman" panose="02020603050405020304" pitchFamily="18" charset="0"/>
-              </a:rPr>
-              <a:t> </a:t>
-            </a:r>
-            <a:r>
-              <a:rPr lang="en-US" sz="1800" dirty="0" err="1" smtClean="0">
-                <a:latin typeface="Times New Roman" panose="02020603050405020304" pitchFamily="18" charset="0"/>
-                <a:cs typeface="Times New Roman" panose="02020603050405020304" pitchFamily="18" charset="0"/>
-              </a:rPr>
-              <a:t>bằng</a:t>
-            </a:r>
-            <a:r>
-              <a:rPr lang="en-US" sz="1800" dirty="0" smtClean="0">
-                <a:latin typeface="Times New Roman" panose="02020603050405020304" pitchFamily="18" charset="0"/>
-                <a:cs typeface="Times New Roman" panose="02020603050405020304" pitchFamily="18" charset="0"/>
-              </a:rPr>
-              <a:t> </a:t>
-            </a:r>
-            <a:r>
-              <a:rPr lang="en-US" sz="1800" dirty="0" err="1" smtClean="0">
-                <a:latin typeface="Times New Roman" panose="02020603050405020304" pitchFamily="18" charset="0"/>
-                <a:cs typeface="Times New Roman" panose="02020603050405020304" pitchFamily="18" charset="0"/>
-              </a:rPr>
-              <a:t>url</a:t>
-            </a:r>
-            <a:r>
-              <a:rPr lang="en-US" sz="1800" dirty="0" smtClean="0">
-                <a:latin typeface="Times New Roman" panose="02020603050405020304" pitchFamily="18" charset="0"/>
-                <a:cs typeface="Times New Roman" panose="02020603050405020304" pitchFamily="18" charset="0"/>
-              </a:rPr>
-              <a:t> </a:t>
-            </a:r>
-            <a:r>
-              <a:rPr lang="en-US" sz="1800" dirty="0" err="1" smtClean="0">
-                <a:latin typeface="Times New Roman" panose="02020603050405020304" pitchFamily="18" charset="0"/>
-                <a:cs typeface="Times New Roman" panose="02020603050405020304" pitchFamily="18" charset="0"/>
-              </a:rPr>
-              <a:t>thì</a:t>
-            </a:r>
-            <a:r>
-              <a:rPr lang="en-US" sz="1800" dirty="0" smtClean="0">
-                <a:latin typeface="Times New Roman" panose="02020603050405020304" pitchFamily="18" charset="0"/>
-                <a:cs typeface="Times New Roman" panose="02020603050405020304" pitchFamily="18" charset="0"/>
-              </a:rPr>
-              <a:t> </a:t>
-            </a:r>
-            <a:r>
-              <a:rPr lang="en-US" sz="1800" dirty="0" err="1" smtClean="0">
-                <a:latin typeface="Times New Roman" panose="02020603050405020304" pitchFamily="18" charset="0"/>
-                <a:cs typeface="Times New Roman" panose="02020603050405020304" pitchFamily="18" charset="0"/>
-              </a:rPr>
-              <a:t>sẽ</a:t>
-            </a:r>
-            <a:r>
-              <a:rPr lang="en-US" sz="1800" dirty="0" smtClean="0">
-                <a:latin typeface="Times New Roman" panose="02020603050405020304" pitchFamily="18" charset="0"/>
-                <a:cs typeface="Times New Roman" panose="02020603050405020304" pitchFamily="18" charset="0"/>
-              </a:rPr>
-              <a:t> quay </a:t>
-            </a:r>
-            <a:r>
-              <a:rPr lang="en-US" sz="1800" dirty="0" err="1" smtClean="0">
-                <a:latin typeface="Times New Roman" panose="02020603050405020304" pitchFamily="18" charset="0"/>
-                <a:cs typeface="Times New Roman" panose="02020603050405020304" pitchFamily="18" charset="0"/>
-              </a:rPr>
-              <a:t>lại</a:t>
-            </a:r>
-            <a:r>
-              <a:rPr lang="en-US" sz="1800" dirty="0" smtClean="0">
-                <a:latin typeface="Times New Roman" panose="02020603050405020304" pitchFamily="18" charset="0"/>
-                <a:cs typeface="Times New Roman" panose="02020603050405020304" pitchFamily="18" charset="0"/>
-              </a:rPr>
-              <a:t> Page Queue</a:t>
-            </a:r>
-          </a:p>
-          <a:p>
-            <a:pPr marL="0" indent="0">
-              <a:buNone/>
-            </a:pPr>
-            <a:r>
-              <a:rPr lang="en-US" sz="1800" dirty="0">
-                <a:latin typeface="Times New Roman" panose="02020603050405020304" pitchFamily="18" charset="0"/>
-                <a:cs typeface="Times New Roman" panose="02020603050405020304" pitchFamily="18" charset="0"/>
-              </a:rPr>
-              <a:t> </a:t>
-            </a:r>
-            <a:r>
-              <a:rPr lang="en-US" sz="1800" dirty="0" smtClean="0">
-                <a:latin typeface="Times New Roman" panose="02020603050405020304" pitchFamily="18" charset="0"/>
-                <a:cs typeface="Times New Roman" panose="02020603050405020304" pitchFamily="18" charset="0"/>
-              </a:rPr>
-              <a:t>	2. User </a:t>
-            </a:r>
-            <a:r>
-              <a:rPr lang="en-US" sz="1800" dirty="0" err="1" smtClean="0">
-                <a:latin typeface="Times New Roman" panose="02020603050405020304" pitchFamily="18" charset="0"/>
-                <a:cs typeface="Times New Roman" panose="02020603050405020304" pitchFamily="18" charset="0"/>
-              </a:rPr>
-              <a:t>điều</a:t>
-            </a:r>
-            <a:r>
-              <a:rPr lang="en-US" sz="1800" dirty="0" smtClean="0">
-                <a:latin typeface="Times New Roman" panose="02020603050405020304" pitchFamily="18" charset="0"/>
-                <a:cs typeface="Times New Roman" panose="02020603050405020304" pitchFamily="18" charset="0"/>
-              </a:rPr>
-              <a:t> </a:t>
-            </a:r>
-            <a:r>
-              <a:rPr lang="en-US" sz="1800" dirty="0" err="1" smtClean="0">
-                <a:latin typeface="Times New Roman" panose="02020603050405020304" pitchFamily="18" charset="0"/>
-                <a:cs typeface="Times New Roman" panose="02020603050405020304" pitchFamily="18" charset="0"/>
-              </a:rPr>
-              <a:t>khiển</a:t>
-            </a:r>
-            <a:r>
-              <a:rPr lang="en-US" sz="1800" dirty="0" smtClean="0">
-                <a:latin typeface="Times New Roman" panose="02020603050405020304" pitchFamily="18" charset="0"/>
-                <a:cs typeface="Times New Roman" panose="02020603050405020304" pitchFamily="18" charset="0"/>
-              </a:rPr>
-              <a:t> robot di </a:t>
-            </a:r>
-            <a:r>
-              <a:rPr lang="en-US" sz="1800" dirty="0" err="1" smtClean="0">
-                <a:latin typeface="Times New Roman" panose="02020603050405020304" pitchFamily="18" charset="0"/>
-                <a:cs typeface="Times New Roman" panose="02020603050405020304" pitchFamily="18" charset="0"/>
-              </a:rPr>
-              <a:t>chuyển</a:t>
-            </a:r>
-            <a:r>
-              <a:rPr lang="en-US" sz="1800" dirty="0" smtClean="0">
-                <a:latin typeface="Times New Roman" panose="02020603050405020304" pitchFamily="18" charset="0"/>
-                <a:cs typeface="Times New Roman" panose="02020603050405020304" pitchFamily="18" charset="0"/>
-              </a:rPr>
-              <a:t> </a:t>
-            </a:r>
-            <a:r>
-              <a:rPr lang="en-US" sz="1800" dirty="0" err="1" smtClean="0">
-                <a:latin typeface="Times New Roman" panose="02020603050405020304" pitchFamily="18" charset="0"/>
-                <a:cs typeface="Times New Roman" panose="02020603050405020304" pitchFamily="18" charset="0"/>
-              </a:rPr>
-              <a:t>và</a:t>
-            </a:r>
-            <a:r>
-              <a:rPr lang="en-US" sz="1800" dirty="0" smtClean="0">
-                <a:latin typeface="Times New Roman" panose="02020603050405020304" pitchFamily="18" charset="0"/>
-                <a:cs typeface="Times New Roman" panose="02020603050405020304" pitchFamily="18" charset="0"/>
-              </a:rPr>
-              <a:t> </a:t>
-            </a:r>
-            <a:r>
-              <a:rPr lang="en-US" sz="1800" dirty="0" err="1" smtClean="0">
-                <a:latin typeface="Times New Roman" panose="02020603050405020304" pitchFamily="18" charset="0"/>
-                <a:cs typeface="Times New Roman" panose="02020603050405020304" pitchFamily="18" charset="0"/>
-              </a:rPr>
-              <a:t>nhấn</a:t>
-            </a:r>
-            <a:r>
-              <a:rPr lang="en-US" sz="1800" dirty="0" smtClean="0">
-                <a:latin typeface="Times New Roman" panose="02020603050405020304" pitchFamily="18" charset="0"/>
-                <a:cs typeface="Times New Roman" panose="02020603050405020304" pitchFamily="18" charset="0"/>
-              </a:rPr>
-              <a:t> </a:t>
-            </a:r>
-            <a:r>
-              <a:rPr lang="en-US" sz="1800" dirty="0" err="1" smtClean="0">
-                <a:latin typeface="Times New Roman" panose="02020603050405020304" pitchFamily="18" charset="0"/>
-                <a:cs typeface="Times New Roman" panose="02020603050405020304" pitchFamily="18" charset="0"/>
-              </a:rPr>
-              <a:t>nút</a:t>
-            </a:r>
-            <a:r>
-              <a:rPr lang="en-US" sz="1800" dirty="0" smtClean="0">
-                <a:latin typeface="Times New Roman" panose="02020603050405020304" pitchFamily="18" charset="0"/>
-                <a:cs typeface="Times New Roman" panose="02020603050405020304" pitchFamily="18" charset="0"/>
-              </a:rPr>
-              <a:t> </a:t>
-            </a:r>
-            <a:r>
-              <a:rPr lang="en-US" sz="1800" dirty="0" err="1" smtClean="0">
-                <a:latin typeface="Times New Roman" panose="02020603050405020304" pitchFamily="18" charset="0"/>
-                <a:cs typeface="Times New Roman" panose="02020603050405020304" pitchFamily="18" charset="0"/>
-              </a:rPr>
-              <a:t>bằng</a:t>
-            </a:r>
-            <a:r>
-              <a:rPr lang="en-US" sz="1800" dirty="0" smtClean="0">
-                <a:latin typeface="Times New Roman" panose="02020603050405020304" pitchFamily="18" charset="0"/>
-                <a:cs typeface="Times New Roman" panose="02020603050405020304" pitchFamily="18" charset="0"/>
-              </a:rPr>
-              <a:t> </a:t>
-            </a:r>
-            <a:r>
-              <a:rPr lang="en-US" sz="1800" dirty="0" err="1" smtClean="0">
-                <a:latin typeface="Times New Roman" panose="02020603050405020304" pitchFamily="18" charset="0"/>
-                <a:cs typeface="Times New Roman" panose="02020603050405020304" pitchFamily="18" charset="0"/>
-              </a:rPr>
-              <a:t>các</a:t>
-            </a:r>
-            <a:r>
-              <a:rPr lang="en-US" sz="1800" dirty="0" smtClean="0">
-                <a:latin typeface="Times New Roman" panose="02020603050405020304" pitchFamily="18" charset="0"/>
-                <a:cs typeface="Times New Roman" panose="02020603050405020304" pitchFamily="18" charset="0"/>
-              </a:rPr>
-              <a:t> button </a:t>
-            </a:r>
-            <a:r>
-              <a:rPr lang="en-US" sz="1800" dirty="0" err="1" smtClean="0">
-                <a:latin typeface="Times New Roman" panose="02020603050405020304" pitchFamily="18" charset="0"/>
-                <a:cs typeface="Times New Roman" panose="02020603050405020304" pitchFamily="18" charset="0"/>
-              </a:rPr>
-              <a:t>trên</a:t>
-            </a:r>
-            <a:r>
-              <a:rPr lang="en-US" sz="1800" dirty="0" smtClean="0">
-                <a:latin typeface="Times New Roman" panose="02020603050405020304" pitchFamily="18" charset="0"/>
-                <a:cs typeface="Times New Roman" panose="02020603050405020304" pitchFamily="18" charset="0"/>
-              </a:rPr>
-              <a:t> </a:t>
-            </a:r>
-            <a:r>
-              <a:rPr lang="en-US" sz="1800" dirty="0" err="1" smtClean="0">
-                <a:latin typeface="Times New Roman" panose="02020603050405020304" pitchFamily="18" charset="0"/>
-                <a:cs typeface="Times New Roman" panose="02020603050405020304" pitchFamily="18" charset="0"/>
-              </a:rPr>
-              <a:t>màn</a:t>
-            </a:r>
-            <a:r>
-              <a:rPr lang="en-US" sz="1800" dirty="0" smtClean="0">
-                <a:latin typeface="Times New Roman" panose="02020603050405020304" pitchFamily="18" charset="0"/>
-                <a:cs typeface="Times New Roman" panose="02020603050405020304" pitchFamily="18" charset="0"/>
-              </a:rPr>
-              <a:t> </a:t>
-            </a:r>
-            <a:r>
-              <a:rPr lang="en-US" sz="1800" dirty="0" err="1" smtClean="0">
-                <a:latin typeface="Times New Roman" panose="02020603050405020304" pitchFamily="18" charset="0"/>
-                <a:cs typeface="Times New Roman" panose="02020603050405020304" pitchFamily="18" charset="0"/>
-              </a:rPr>
-              <a:t>hình</a:t>
-            </a:r>
-            <a:r>
-              <a:rPr lang="en-US" sz="1800" dirty="0">
-                <a:latin typeface="Times New Roman" panose="02020603050405020304" pitchFamily="18" charset="0"/>
-                <a:cs typeface="Times New Roman" panose="02020603050405020304" pitchFamily="18" charset="0"/>
-              </a:rPr>
-              <a:t> </a:t>
-            </a:r>
-            <a:r>
-              <a:rPr lang="en-US" sz="1800" dirty="0" err="1" smtClean="0">
-                <a:latin typeface="Times New Roman" panose="02020603050405020304" pitchFamily="18" charset="0"/>
-                <a:cs typeface="Times New Roman" panose="02020603050405020304" pitchFamily="18" charset="0"/>
-              </a:rPr>
-              <a:t>hoặc</a:t>
-            </a:r>
-            <a:r>
-              <a:rPr lang="en-US" sz="1800" dirty="0" smtClean="0">
-                <a:latin typeface="Times New Roman" panose="02020603050405020304" pitchFamily="18" charset="0"/>
-                <a:cs typeface="Times New Roman" panose="02020603050405020304" pitchFamily="18" charset="0"/>
-              </a:rPr>
-              <a:t> </a:t>
-            </a:r>
-            <a:r>
-              <a:rPr lang="en-US" sz="1800" dirty="0" err="1" smtClean="0">
-                <a:latin typeface="Times New Roman" panose="02020603050405020304" pitchFamily="18" charset="0"/>
-                <a:cs typeface="Times New Roman" panose="02020603050405020304" pitchFamily="18" charset="0"/>
-              </a:rPr>
-              <a:t>các</a:t>
-            </a:r>
-            <a:r>
-              <a:rPr lang="en-US" sz="1800" dirty="0" smtClean="0">
-                <a:latin typeface="Times New Roman" panose="02020603050405020304" pitchFamily="18" charset="0"/>
-                <a:cs typeface="Times New Roman" panose="02020603050405020304" pitchFamily="18" charset="0"/>
-              </a:rPr>
-              <a:t> </a:t>
-            </a:r>
-            <a:r>
-              <a:rPr lang="en-US" sz="1800" dirty="0" err="1" smtClean="0">
-                <a:latin typeface="Times New Roman" panose="02020603050405020304" pitchFamily="18" charset="0"/>
-                <a:cs typeface="Times New Roman" panose="02020603050405020304" pitchFamily="18" charset="0"/>
-              </a:rPr>
-              <a:t>phím</a:t>
-            </a:r>
-            <a:r>
-              <a:rPr lang="en-US" sz="1800" dirty="0" smtClean="0">
-                <a:latin typeface="Times New Roman" panose="02020603050405020304" pitchFamily="18" charset="0"/>
-                <a:cs typeface="Times New Roman" panose="02020603050405020304" pitchFamily="18" charset="0"/>
-              </a:rPr>
-              <a:t> </a:t>
-            </a:r>
-            <a:r>
-              <a:rPr lang="en-US" sz="1800" dirty="0" err="1" smtClean="0">
-                <a:latin typeface="Times New Roman" panose="02020603050405020304" pitchFamily="18" charset="0"/>
-                <a:cs typeface="Times New Roman" panose="02020603050405020304" pitchFamily="18" charset="0"/>
-              </a:rPr>
-              <a:t>tắt</a:t>
-            </a:r>
-            <a:r>
-              <a:rPr lang="en-US" sz="1800" dirty="0" smtClean="0">
-                <a:latin typeface="Times New Roman" panose="02020603050405020304" pitchFamily="18" charset="0"/>
-                <a:cs typeface="Times New Roman" panose="02020603050405020304" pitchFamily="18" charset="0"/>
-              </a:rPr>
-              <a:t>.</a:t>
-            </a:r>
-          </a:p>
-          <a:p>
-            <a:pPr marL="0" indent="0">
-              <a:buNone/>
-            </a:pPr>
-            <a:r>
-              <a:rPr lang="en-US" sz="1800" dirty="0">
-                <a:latin typeface="Times New Roman" panose="02020603050405020304" pitchFamily="18" charset="0"/>
-                <a:cs typeface="Times New Roman" panose="02020603050405020304" pitchFamily="18" charset="0"/>
-              </a:rPr>
-              <a:t> </a:t>
-            </a:r>
-            <a:r>
-              <a:rPr lang="en-US" sz="1800" dirty="0" smtClean="0">
-                <a:latin typeface="Times New Roman" panose="02020603050405020304" pitchFamily="18" charset="0"/>
-                <a:cs typeface="Times New Roman" panose="02020603050405020304" pitchFamily="18" charset="0"/>
-              </a:rPr>
-              <a:t>                  3. User </a:t>
-            </a:r>
-            <a:r>
-              <a:rPr lang="en-US" sz="1800" dirty="0" err="1" smtClean="0">
-                <a:latin typeface="Times New Roman" panose="02020603050405020304" pitchFamily="18" charset="0"/>
-                <a:cs typeface="Times New Roman" panose="02020603050405020304" pitchFamily="18" charset="0"/>
-              </a:rPr>
-              <a:t>có</a:t>
-            </a:r>
-            <a:r>
-              <a:rPr lang="en-US" sz="1800" dirty="0" smtClean="0">
-                <a:latin typeface="Times New Roman" panose="02020603050405020304" pitchFamily="18" charset="0"/>
-                <a:cs typeface="Times New Roman" panose="02020603050405020304" pitchFamily="18" charset="0"/>
-              </a:rPr>
-              <a:t> </a:t>
-            </a:r>
-            <a:r>
-              <a:rPr lang="en-US" sz="1800" dirty="0" err="1" smtClean="0">
-                <a:latin typeface="Times New Roman" panose="02020603050405020304" pitchFamily="18" charset="0"/>
-                <a:cs typeface="Times New Roman" panose="02020603050405020304" pitchFamily="18" charset="0"/>
-              </a:rPr>
-              <a:t>thể</a:t>
-            </a:r>
-            <a:r>
-              <a:rPr lang="en-US" sz="1800" dirty="0" smtClean="0">
-                <a:latin typeface="Times New Roman" panose="02020603050405020304" pitchFamily="18" charset="0"/>
-                <a:cs typeface="Times New Roman" panose="02020603050405020304" pitchFamily="18" charset="0"/>
-              </a:rPr>
-              <a:t> </a:t>
-            </a:r>
-            <a:r>
-              <a:rPr lang="en-US" sz="1800" dirty="0" err="1" smtClean="0">
-                <a:latin typeface="Times New Roman" panose="02020603050405020304" pitchFamily="18" charset="0"/>
-                <a:cs typeface="Times New Roman" panose="02020603050405020304" pitchFamily="18" charset="0"/>
-              </a:rPr>
-              <a:t>quan</a:t>
-            </a:r>
-            <a:r>
-              <a:rPr lang="en-US" sz="1800" dirty="0" smtClean="0">
-                <a:latin typeface="Times New Roman" panose="02020603050405020304" pitchFamily="18" charset="0"/>
-                <a:cs typeface="Times New Roman" panose="02020603050405020304" pitchFamily="18" charset="0"/>
-              </a:rPr>
-              <a:t> </a:t>
-            </a:r>
-            <a:r>
-              <a:rPr lang="en-US" sz="1800" dirty="0" err="1" smtClean="0">
-                <a:latin typeface="Times New Roman" panose="02020603050405020304" pitchFamily="18" charset="0"/>
-                <a:cs typeface="Times New Roman" panose="02020603050405020304" pitchFamily="18" charset="0"/>
-              </a:rPr>
-              <a:t>sát</a:t>
-            </a:r>
-            <a:r>
-              <a:rPr lang="en-US" sz="1800" dirty="0" smtClean="0">
-                <a:latin typeface="Times New Roman" panose="02020603050405020304" pitchFamily="18" charset="0"/>
-                <a:cs typeface="Times New Roman" panose="02020603050405020304" pitchFamily="18" charset="0"/>
-              </a:rPr>
-              <a:t> di </a:t>
-            </a:r>
-            <a:r>
-              <a:rPr lang="en-US" sz="1800" dirty="0" err="1" smtClean="0">
-                <a:latin typeface="Times New Roman" panose="02020603050405020304" pitchFamily="18" charset="0"/>
-                <a:cs typeface="Times New Roman" panose="02020603050405020304" pitchFamily="18" charset="0"/>
-              </a:rPr>
-              <a:t>chuyển</a:t>
-            </a:r>
-            <a:r>
-              <a:rPr lang="en-US" sz="1800" dirty="0" smtClean="0">
-                <a:latin typeface="Times New Roman" panose="02020603050405020304" pitchFamily="18" charset="0"/>
-                <a:cs typeface="Times New Roman" panose="02020603050405020304" pitchFamily="18" charset="0"/>
-              </a:rPr>
-              <a:t> </a:t>
-            </a:r>
-            <a:r>
-              <a:rPr lang="en-US" sz="1800" dirty="0" err="1" smtClean="0">
-                <a:latin typeface="Times New Roman" panose="02020603050405020304" pitchFamily="18" charset="0"/>
-                <a:cs typeface="Times New Roman" panose="02020603050405020304" pitchFamily="18" charset="0"/>
-              </a:rPr>
-              <a:t>và</a:t>
-            </a:r>
-            <a:r>
-              <a:rPr lang="en-US" sz="1800" dirty="0" smtClean="0">
-                <a:latin typeface="Times New Roman" panose="02020603050405020304" pitchFamily="18" charset="0"/>
-                <a:cs typeface="Times New Roman" panose="02020603050405020304" pitchFamily="18" charset="0"/>
-              </a:rPr>
-              <a:t> </a:t>
-            </a:r>
-            <a:r>
-              <a:rPr lang="en-US" sz="1800" dirty="0" err="1" smtClean="0">
-                <a:latin typeface="Times New Roman" panose="02020603050405020304" pitchFamily="18" charset="0"/>
-                <a:cs typeface="Times New Roman" panose="02020603050405020304" pitchFamily="18" charset="0"/>
-              </a:rPr>
-              <a:t>hành</a:t>
-            </a:r>
-            <a:r>
-              <a:rPr lang="en-US" sz="1800" dirty="0" smtClean="0">
-                <a:latin typeface="Times New Roman" panose="02020603050405020304" pitchFamily="18" charset="0"/>
-                <a:cs typeface="Times New Roman" panose="02020603050405020304" pitchFamily="18" charset="0"/>
-              </a:rPr>
-              <a:t> </a:t>
-            </a:r>
-            <a:r>
-              <a:rPr lang="en-US" sz="1800" dirty="0" err="1" smtClean="0">
-                <a:latin typeface="Times New Roman" panose="02020603050405020304" pitchFamily="18" charset="0"/>
-                <a:cs typeface="Times New Roman" panose="02020603050405020304" pitchFamily="18" charset="0"/>
-              </a:rPr>
-              <a:t>động</a:t>
-            </a:r>
-            <a:r>
-              <a:rPr lang="en-US" sz="1800" dirty="0" smtClean="0">
-                <a:latin typeface="Times New Roman" panose="02020603050405020304" pitchFamily="18" charset="0"/>
-                <a:cs typeface="Times New Roman" panose="02020603050405020304" pitchFamily="18" charset="0"/>
-              </a:rPr>
-              <a:t> </a:t>
-            </a:r>
-            <a:r>
-              <a:rPr lang="en-US" sz="1800" dirty="0" err="1" smtClean="0">
-                <a:latin typeface="Times New Roman" panose="02020603050405020304" pitchFamily="18" charset="0"/>
-                <a:cs typeface="Times New Roman" panose="02020603050405020304" pitchFamily="18" charset="0"/>
-              </a:rPr>
-              <a:t>của</a:t>
-            </a:r>
-            <a:r>
-              <a:rPr lang="en-US" sz="1800" dirty="0" smtClean="0">
-                <a:latin typeface="Times New Roman" panose="02020603050405020304" pitchFamily="18" charset="0"/>
-                <a:cs typeface="Times New Roman" panose="02020603050405020304" pitchFamily="18" charset="0"/>
-              </a:rPr>
-              <a:t> robot ở </a:t>
-            </a:r>
-            <a:r>
-              <a:rPr lang="en-US" sz="1800" dirty="0" err="1" smtClean="0">
-                <a:latin typeface="Times New Roman" panose="02020603050405020304" pitchFamily="18" charset="0"/>
-                <a:cs typeface="Times New Roman" panose="02020603050405020304" pitchFamily="18" charset="0"/>
-              </a:rPr>
-              <a:t>khu</a:t>
-            </a:r>
-            <a:r>
-              <a:rPr lang="en-US" sz="1800" dirty="0" smtClean="0">
-                <a:latin typeface="Times New Roman" panose="02020603050405020304" pitchFamily="18" charset="0"/>
-                <a:cs typeface="Times New Roman" panose="02020603050405020304" pitchFamily="18" charset="0"/>
-              </a:rPr>
-              <a:t> </a:t>
-            </a:r>
-            <a:r>
-              <a:rPr lang="en-US" sz="1800" dirty="0" err="1" smtClean="0">
-                <a:latin typeface="Times New Roman" panose="02020603050405020304" pitchFamily="18" charset="0"/>
-                <a:cs typeface="Times New Roman" panose="02020603050405020304" pitchFamily="18" charset="0"/>
-              </a:rPr>
-              <a:t>vực</a:t>
-            </a:r>
-            <a:r>
-              <a:rPr lang="en-US" sz="1800" dirty="0" smtClean="0">
-                <a:latin typeface="Times New Roman" panose="02020603050405020304" pitchFamily="18" charset="0"/>
-                <a:cs typeface="Times New Roman" panose="02020603050405020304" pitchFamily="18" charset="0"/>
-              </a:rPr>
-              <a:t> [Camera Stream]</a:t>
-            </a:r>
-            <a:endParaRPr lang="en-US" sz="1800" dirty="0">
+            <a:endParaRPr lang="en-US" sz="1600" b="1" dirty="0">
               <a:latin typeface="Times New Roman" panose="02020603050405020304" pitchFamily="18" charset="0"/>
               <a:cs typeface="Times New Roman" panose="02020603050405020304" pitchFamily="18" charset="0"/>
             </a:endParaRPr>
           </a:p>
-          <a:p>
-            <a:pPr marL="0" indent="0">
-              <a:buNone/>
-            </a:pPr>
-            <a:r>
-              <a:rPr lang="en-US" sz="1800" dirty="0" smtClean="0">
-                <a:latin typeface="Times New Roman" panose="02020603050405020304" pitchFamily="18" charset="0"/>
-                <a:cs typeface="Times New Roman" panose="02020603050405020304" pitchFamily="18" charset="0"/>
-              </a:rPr>
-              <a:t>                   4. </a:t>
-            </a:r>
-            <a:r>
-              <a:rPr lang="en-US" sz="1800" dirty="0" err="1" smtClean="0">
-                <a:latin typeface="Times New Roman" panose="02020603050405020304" pitchFamily="18" charset="0"/>
-                <a:cs typeface="Times New Roman" panose="02020603050405020304" pitchFamily="18" charset="0"/>
-              </a:rPr>
-              <a:t>Thời</a:t>
-            </a:r>
-            <a:r>
-              <a:rPr lang="en-US" sz="1800" dirty="0" smtClean="0">
-                <a:latin typeface="Times New Roman" panose="02020603050405020304" pitchFamily="18" charset="0"/>
-                <a:cs typeface="Times New Roman" panose="02020603050405020304" pitchFamily="18" charset="0"/>
-              </a:rPr>
-              <a:t> </a:t>
-            </a:r>
-            <a:r>
-              <a:rPr lang="en-US" sz="1800" dirty="0" err="1" smtClean="0">
-                <a:latin typeface="Times New Roman" panose="02020603050405020304" pitchFamily="18" charset="0"/>
-                <a:cs typeface="Times New Roman" panose="02020603050405020304" pitchFamily="18" charset="0"/>
-              </a:rPr>
-              <a:t>gian</a:t>
-            </a:r>
-            <a:r>
-              <a:rPr lang="en-US" sz="1800" dirty="0" smtClean="0">
-                <a:latin typeface="Times New Roman" panose="02020603050405020304" pitchFamily="18" charset="0"/>
-                <a:cs typeface="Times New Roman" panose="02020603050405020304" pitchFamily="18" charset="0"/>
-              </a:rPr>
-              <a:t> </a:t>
-            </a:r>
-            <a:r>
-              <a:rPr lang="en-US" sz="1800" dirty="0" err="1" smtClean="0">
-                <a:latin typeface="Times New Roman" panose="02020603050405020304" pitchFamily="18" charset="0"/>
-                <a:cs typeface="Times New Roman" panose="02020603050405020304" pitchFamily="18" charset="0"/>
-              </a:rPr>
-              <a:t>tối</a:t>
-            </a:r>
-            <a:r>
-              <a:rPr lang="en-US" sz="1800" dirty="0" smtClean="0">
-                <a:latin typeface="Times New Roman" panose="02020603050405020304" pitchFamily="18" charset="0"/>
-                <a:cs typeface="Times New Roman" panose="02020603050405020304" pitchFamily="18" charset="0"/>
-              </a:rPr>
-              <a:t> </a:t>
-            </a:r>
-            <a:r>
-              <a:rPr lang="en-US" sz="1800" dirty="0" err="1" smtClean="0">
-                <a:latin typeface="Times New Roman" panose="02020603050405020304" pitchFamily="18" charset="0"/>
-                <a:cs typeface="Times New Roman" panose="02020603050405020304" pitchFamily="18" charset="0"/>
-              </a:rPr>
-              <a:t>đa</a:t>
-            </a:r>
-            <a:r>
-              <a:rPr lang="en-US" sz="1800" dirty="0" smtClean="0">
-                <a:latin typeface="Times New Roman" panose="02020603050405020304" pitchFamily="18" charset="0"/>
-                <a:cs typeface="Times New Roman" panose="02020603050405020304" pitchFamily="18" charset="0"/>
-              </a:rPr>
-              <a:t> </a:t>
-            </a:r>
-            <a:r>
-              <a:rPr lang="en-US" sz="1800" dirty="0" err="1" smtClean="0">
-                <a:latin typeface="Times New Roman" panose="02020603050405020304" pitchFamily="18" charset="0"/>
-                <a:cs typeface="Times New Roman" panose="02020603050405020304" pitchFamily="18" charset="0"/>
-              </a:rPr>
-              <a:t>được</a:t>
-            </a:r>
-            <a:r>
-              <a:rPr lang="en-US" sz="1800" dirty="0" smtClean="0">
-                <a:latin typeface="Times New Roman" panose="02020603050405020304" pitchFamily="18" charset="0"/>
-                <a:cs typeface="Times New Roman" panose="02020603050405020304" pitchFamily="18" charset="0"/>
-              </a:rPr>
-              <a:t> </a:t>
-            </a:r>
-            <a:r>
-              <a:rPr lang="en-US" sz="1800" dirty="0" err="1" smtClean="0">
-                <a:latin typeface="Times New Roman" panose="02020603050405020304" pitchFamily="18" charset="0"/>
-                <a:cs typeface="Times New Roman" panose="02020603050405020304" pitchFamily="18" charset="0"/>
-              </a:rPr>
-              <a:t>phép</a:t>
-            </a:r>
-            <a:r>
-              <a:rPr lang="en-US" sz="1800" dirty="0" smtClean="0">
-                <a:latin typeface="Times New Roman" panose="02020603050405020304" pitchFamily="18" charset="0"/>
-                <a:cs typeface="Times New Roman" panose="02020603050405020304" pitchFamily="18" charset="0"/>
-              </a:rPr>
-              <a:t> </a:t>
-            </a:r>
-            <a:r>
-              <a:rPr lang="en-US" sz="1800" dirty="0" err="1" smtClean="0">
-                <a:latin typeface="Times New Roman" panose="02020603050405020304" pitchFamily="18" charset="0"/>
-                <a:cs typeface="Times New Roman" panose="02020603050405020304" pitchFamily="18" charset="0"/>
-              </a:rPr>
-              <a:t>sử</a:t>
-            </a:r>
-            <a:r>
-              <a:rPr lang="en-US" sz="1800" dirty="0" smtClean="0">
-                <a:latin typeface="Times New Roman" panose="02020603050405020304" pitchFamily="18" charset="0"/>
-                <a:cs typeface="Times New Roman" panose="02020603050405020304" pitchFamily="18" charset="0"/>
-              </a:rPr>
-              <a:t> </a:t>
-            </a:r>
-            <a:r>
-              <a:rPr lang="en-US" sz="1800" dirty="0" err="1" smtClean="0">
-                <a:latin typeface="Times New Roman" panose="02020603050405020304" pitchFamily="18" charset="0"/>
-                <a:cs typeface="Times New Roman" panose="02020603050405020304" pitchFamily="18" charset="0"/>
-              </a:rPr>
-              <a:t>dụng</a:t>
-            </a:r>
-            <a:r>
-              <a:rPr lang="en-US" sz="1800" dirty="0" smtClean="0">
-                <a:latin typeface="Times New Roman" panose="02020603050405020304" pitchFamily="18" charset="0"/>
-                <a:cs typeface="Times New Roman" panose="02020603050405020304" pitchFamily="18" charset="0"/>
-              </a:rPr>
-              <a:t> Page Control </a:t>
-            </a:r>
-            <a:r>
-              <a:rPr lang="en-US" sz="1800" dirty="0" err="1" smtClean="0">
-                <a:latin typeface="Times New Roman" panose="02020603050405020304" pitchFamily="18" charset="0"/>
-                <a:cs typeface="Times New Roman" panose="02020603050405020304" pitchFamily="18" charset="0"/>
-              </a:rPr>
-              <a:t>là</a:t>
-            </a:r>
-            <a:r>
-              <a:rPr lang="en-US" sz="1800" dirty="0" smtClean="0">
-                <a:latin typeface="Times New Roman" panose="02020603050405020304" pitchFamily="18" charset="0"/>
-                <a:cs typeface="Times New Roman" panose="02020603050405020304" pitchFamily="18" charset="0"/>
-              </a:rPr>
-              <a:t> 10 </a:t>
-            </a:r>
-            <a:r>
-              <a:rPr lang="en-US" sz="1800" dirty="0" err="1" smtClean="0">
-                <a:latin typeface="Times New Roman" panose="02020603050405020304" pitchFamily="18" charset="0"/>
-                <a:cs typeface="Times New Roman" panose="02020603050405020304" pitchFamily="18" charset="0"/>
-              </a:rPr>
-              <a:t>phút</a:t>
-            </a:r>
-            <a:r>
-              <a:rPr lang="en-US" sz="1800" dirty="0" smtClean="0">
-                <a:latin typeface="Times New Roman" panose="02020603050405020304" pitchFamily="18" charset="0"/>
-                <a:cs typeface="Times New Roman" panose="02020603050405020304" pitchFamily="18" charset="0"/>
-              </a:rPr>
-              <a:t>. </a:t>
-            </a:r>
-            <a:r>
-              <a:rPr lang="en-US" sz="1800" dirty="0" err="1" smtClean="0">
-                <a:latin typeface="Times New Roman" panose="02020603050405020304" pitchFamily="18" charset="0"/>
-                <a:cs typeface="Times New Roman" panose="02020603050405020304" pitchFamily="18" charset="0"/>
-              </a:rPr>
-              <a:t>Sau</a:t>
-            </a:r>
-            <a:r>
-              <a:rPr lang="en-US" sz="1800" dirty="0" smtClean="0">
-                <a:latin typeface="Times New Roman" panose="02020603050405020304" pitchFamily="18" charset="0"/>
-                <a:cs typeface="Times New Roman" panose="02020603050405020304" pitchFamily="18" charset="0"/>
-              </a:rPr>
-              <a:t> 10 </a:t>
-            </a:r>
-            <a:r>
-              <a:rPr lang="en-US" sz="1800" dirty="0" err="1" smtClean="0">
-                <a:latin typeface="Times New Roman" panose="02020603050405020304" pitchFamily="18" charset="0"/>
-                <a:cs typeface="Times New Roman" panose="02020603050405020304" pitchFamily="18" charset="0"/>
-              </a:rPr>
-              <a:t>phút</a:t>
-            </a:r>
-            <a:r>
-              <a:rPr lang="en-US" sz="1800" dirty="0" smtClean="0">
-                <a:latin typeface="Times New Roman" panose="02020603050405020304" pitchFamily="18" charset="0"/>
-                <a:cs typeface="Times New Roman" panose="02020603050405020304" pitchFamily="18" charset="0"/>
-              </a:rPr>
-              <a:t> </a:t>
-            </a:r>
-            <a:r>
-              <a:rPr lang="en-US" sz="1800" dirty="0" err="1" smtClean="0">
-                <a:latin typeface="Times New Roman" panose="02020603050405020304" pitchFamily="18" charset="0"/>
-                <a:cs typeface="Times New Roman" panose="02020603050405020304" pitchFamily="18" charset="0"/>
-              </a:rPr>
-              <a:t>sẽ</a:t>
-            </a:r>
-            <a:r>
-              <a:rPr lang="en-US" sz="1800" dirty="0" smtClean="0">
-                <a:latin typeface="Times New Roman" panose="02020603050405020304" pitchFamily="18" charset="0"/>
-                <a:cs typeface="Times New Roman" panose="02020603050405020304" pitchFamily="18" charset="0"/>
-              </a:rPr>
-              <a:t> </a:t>
-            </a:r>
-            <a:r>
-              <a:rPr lang="en-US" sz="1800" dirty="0" err="1" smtClean="0">
-                <a:latin typeface="Times New Roman" panose="02020603050405020304" pitchFamily="18" charset="0"/>
-                <a:cs typeface="Times New Roman" panose="02020603050405020304" pitchFamily="18" charset="0"/>
-              </a:rPr>
-              <a:t>tự</a:t>
-            </a:r>
-            <a:r>
-              <a:rPr lang="en-US" sz="1800" dirty="0" smtClean="0">
-                <a:latin typeface="Times New Roman" panose="02020603050405020304" pitchFamily="18" charset="0"/>
-                <a:cs typeface="Times New Roman" panose="02020603050405020304" pitchFamily="18" charset="0"/>
-              </a:rPr>
-              <a:t> </a:t>
-            </a:r>
-            <a:r>
-              <a:rPr lang="en-US" sz="1800" dirty="0" err="1" smtClean="0">
-                <a:latin typeface="Times New Roman" panose="02020603050405020304" pitchFamily="18" charset="0"/>
-                <a:cs typeface="Times New Roman" panose="02020603050405020304" pitchFamily="18" charset="0"/>
-              </a:rPr>
-              <a:t>động</a:t>
-            </a:r>
-            <a:r>
-              <a:rPr lang="en-US" sz="1800" dirty="0" smtClean="0">
-                <a:latin typeface="Times New Roman" panose="02020603050405020304" pitchFamily="18" charset="0"/>
-                <a:cs typeface="Times New Roman" panose="02020603050405020304" pitchFamily="18" charset="0"/>
-              </a:rPr>
-              <a:t> logout user</a:t>
-            </a:r>
-          </a:p>
-          <a:p>
-            <a:pPr marL="0" indent="0">
-              <a:buNone/>
-            </a:pPr>
-            <a:r>
-              <a:rPr lang="en-US" sz="1800" dirty="0">
-                <a:latin typeface="Times New Roman" panose="02020603050405020304" pitchFamily="18" charset="0"/>
-                <a:cs typeface="Times New Roman" panose="02020603050405020304" pitchFamily="18" charset="0"/>
-              </a:rPr>
-              <a:t> </a:t>
-            </a:r>
-            <a:r>
-              <a:rPr lang="en-US" sz="1800" dirty="0" smtClean="0">
-                <a:latin typeface="Times New Roman" panose="02020603050405020304" pitchFamily="18" charset="0"/>
-                <a:cs typeface="Times New Roman" panose="02020603050405020304" pitchFamily="18" charset="0"/>
-              </a:rPr>
-              <a:t>                  5. User </a:t>
-            </a:r>
-            <a:r>
-              <a:rPr lang="en-US" sz="1800" dirty="0" err="1" smtClean="0">
-                <a:latin typeface="Times New Roman" panose="02020603050405020304" pitchFamily="18" charset="0"/>
-                <a:cs typeface="Times New Roman" panose="02020603050405020304" pitchFamily="18" charset="0"/>
-              </a:rPr>
-              <a:t>có</a:t>
-            </a:r>
-            <a:r>
-              <a:rPr lang="en-US" sz="1800" dirty="0" smtClean="0">
-                <a:latin typeface="Times New Roman" panose="02020603050405020304" pitchFamily="18" charset="0"/>
-                <a:cs typeface="Times New Roman" panose="02020603050405020304" pitchFamily="18" charset="0"/>
-              </a:rPr>
-              <a:t> </a:t>
-            </a:r>
-            <a:r>
-              <a:rPr lang="en-US" sz="1800" dirty="0" err="1" smtClean="0">
-                <a:latin typeface="Times New Roman" panose="02020603050405020304" pitchFamily="18" charset="0"/>
-                <a:cs typeface="Times New Roman" panose="02020603050405020304" pitchFamily="18" charset="0"/>
-              </a:rPr>
-              <a:t>thể</a:t>
-            </a:r>
-            <a:r>
-              <a:rPr lang="en-US" sz="1800" dirty="0" smtClean="0">
-                <a:latin typeface="Times New Roman" panose="02020603050405020304" pitchFamily="18" charset="0"/>
-                <a:cs typeface="Times New Roman" panose="02020603050405020304" pitchFamily="18" charset="0"/>
-              </a:rPr>
-              <a:t> </a:t>
-            </a:r>
-            <a:r>
-              <a:rPr lang="en-US" sz="1800" dirty="0" err="1" smtClean="0">
-                <a:latin typeface="Times New Roman" panose="02020603050405020304" pitchFamily="18" charset="0"/>
-                <a:cs typeface="Times New Roman" panose="02020603050405020304" pitchFamily="18" charset="0"/>
-              </a:rPr>
-              <a:t>rời</a:t>
-            </a:r>
-            <a:r>
-              <a:rPr lang="en-US" sz="1800" dirty="0" smtClean="0">
-                <a:latin typeface="Times New Roman" panose="02020603050405020304" pitchFamily="18" charset="0"/>
-                <a:cs typeface="Times New Roman" panose="02020603050405020304" pitchFamily="18" charset="0"/>
-              </a:rPr>
-              <a:t> Page Control </a:t>
-            </a:r>
-            <a:r>
-              <a:rPr lang="en-US" sz="1800" dirty="0" err="1" smtClean="0">
-                <a:latin typeface="Times New Roman" panose="02020603050405020304" pitchFamily="18" charset="0"/>
-                <a:cs typeface="Times New Roman" panose="02020603050405020304" pitchFamily="18" charset="0"/>
-              </a:rPr>
-              <a:t>sớm</a:t>
-            </a:r>
-            <a:r>
-              <a:rPr lang="en-US" sz="1800" dirty="0" smtClean="0">
-                <a:latin typeface="Times New Roman" panose="02020603050405020304" pitchFamily="18" charset="0"/>
-                <a:cs typeface="Times New Roman" panose="02020603050405020304" pitchFamily="18" charset="0"/>
-              </a:rPr>
-              <a:t> </a:t>
-            </a:r>
-            <a:r>
-              <a:rPr lang="en-US" sz="1800" dirty="0" err="1" smtClean="0">
-                <a:latin typeface="Times New Roman" panose="02020603050405020304" pitchFamily="18" charset="0"/>
-                <a:cs typeface="Times New Roman" panose="02020603050405020304" pitchFamily="18" charset="0"/>
-              </a:rPr>
-              <a:t>hơn</a:t>
-            </a:r>
-            <a:r>
-              <a:rPr lang="en-US" sz="1800" dirty="0" smtClean="0">
-                <a:latin typeface="Times New Roman" panose="02020603050405020304" pitchFamily="18" charset="0"/>
-                <a:cs typeface="Times New Roman" panose="02020603050405020304" pitchFamily="18" charset="0"/>
-              </a:rPr>
-              <a:t> </a:t>
-            </a:r>
-            <a:r>
-              <a:rPr lang="en-US" sz="1800" dirty="0" err="1" smtClean="0">
-                <a:latin typeface="Times New Roman" panose="02020603050405020304" pitchFamily="18" charset="0"/>
-                <a:cs typeface="Times New Roman" panose="02020603050405020304" pitchFamily="18" charset="0"/>
-              </a:rPr>
-              <a:t>bằng</a:t>
-            </a:r>
-            <a:r>
-              <a:rPr lang="en-US" sz="1800" dirty="0" smtClean="0">
-                <a:latin typeface="Times New Roman" panose="02020603050405020304" pitchFamily="18" charset="0"/>
-                <a:cs typeface="Times New Roman" panose="02020603050405020304" pitchFamily="18" charset="0"/>
-              </a:rPr>
-              <a:t> </a:t>
-            </a:r>
-            <a:r>
-              <a:rPr lang="en-US" sz="1800" dirty="0" err="1" smtClean="0">
-                <a:latin typeface="Times New Roman" panose="02020603050405020304" pitchFamily="18" charset="0"/>
-                <a:cs typeface="Times New Roman" panose="02020603050405020304" pitchFamily="18" charset="0"/>
-              </a:rPr>
-              <a:t>cách</a:t>
-            </a:r>
-            <a:r>
-              <a:rPr lang="en-US" sz="1800" dirty="0" smtClean="0">
-                <a:latin typeface="Times New Roman" panose="02020603050405020304" pitchFamily="18" charset="0"/>
-                <a:cs typeface="Times New Roman" panose="02020603050405020304" pitchFamily="18" charset="0"/>
-              </a:rPr>
-              <a:t> click button [Out Room] </a:t>
-            </a:r>
-            <a:r>
-              <a:rPr lang="en-US" sz="1800" dirty="0" err="1" smtClean="0">
-                <a:latin typeface="Times New Roman" panose="02020603050405020304" pitchFamily="18" charset="0"/>
-                <a:cs typeface="Times New Roman" panose="02020603050405020304" pitchFamily="18" charset="0"/>
-              </a:rPr>
-              <a:t>hoặc</a:t>
-            </a:r>
-            <a:r>
-              <a:rPr lang="en-US" sz="1800" dirty="0" smtClean="0">
-                <a:latin typeface="Times New Roman" panose="02020603050405020304" pitchFamily="18" charset="0"/>
-                <a:cs typeface="Times New Roman" panose="02020603050405020304" pitchFamily="18" charset="0"/>
-              </a:rPr>
-              <a:t> click [Logout]</a:t>
-            </a:r>
-          </a:p>
-          <a:p>
-            <a:pPr marL="0" indent="0">
-              <a:buNone/>
-            </a:pPr>
-            <a:r>
-              <a:rPr lang="en-US" sz="1800" dirty="0">
-                <a:latin typeface="Times New Roman" panose="02020603050405020304" pitchFamily="18" charset="0"/>
-                <a:cs typeface="Times New Roman" panose="02020603050405020304" pitchFamily="18" charset="0"/>
-              </a:rPr>
-              <a:t>	</a:t>
-            </a:r>
-            <a:r>
-              <a:rPr lang="en-US" sz="1800" dirty="0" smtClean="0">
-                <a:latin typeface="Times New Roman" panose="02020603050405020304" pitchFamily="18" charset="0"/>
-                <a:cs typeface="Times New Roman" panose="02020603050405020304" pitchFamily="18" charset="0"/>
-              </a:rPr>
-              <a:t>6. User </a:t>
-            </a:r>
-            <a:r>
-              <a:rPr lang="en-US" sz="1800" dirty="0" err="1" smtClean="0">
-                <a:latin typeface="Times New Roman" panose="02020603050405020304" pitchFamily="18" charset="0"/>
-                <a:cs typeface="Times New Roman" panose="02020603050405020304" pitchFamily="18" charset="0"/>
-              </a:rPr>
-              <a:t>có</a:t>
-            </a:r>
-            <a:r>
-              <a:rPr lang="en-US" sz="1800" dirty="0" smtClean="0">
-                <a:latin typeface="Times New Roman" panose="02020603050405020304" pitchFamily="18" charset="0"/>
-                <a:cs typeface="Times New Roman" panose="02020603050405020304" pitchFamily="18" charset="0"/>
-              </a:rPr>
-              <a:t> </a:t>
-            </a:r>
-            <a:r>
-              <a:rPr lang="en-US" sz="1800" dirty="0" err="1" smtClean="0">
-                <a:latin typeface="Times New Roman" panose="02020603050405020304" pitchFamily="18" charset="0"/>
-                <a:cs typeface="Times New Roman" panose="02020603050405020304" pitchFamily="18" charset="0"/>
-              </a:rPr>
-              <a:t>thể</a:t>
-            </a:r>
-            <a:r>
-              <a:rPr lang="en-US" sz="1800" dirty="0" smtClean="0">
-                <a:latin typeface="Times New Roman" panose="02020603050405020304" pitchFamily="18" charset="0"/>
-                <a:cs typeface="Times New Roman" panose="02020603050405020304" pitchFamily="18" charset="0"/>
-              </a:rPr>
-              <a:t> </a:t>
-            </a:r>
-            <a:r>
-              <a:rPr lang="en-US" sz="1800" dirty="0" err="1" smtClean="0">
-                <a:latin typeface="Times New Roman" panose="02020603050405020304" pitchFamily="18" charset="0"/>
-                <a:cs typeface="Times New Roman" panose="02020603050405020304" pitchFamily="18" charset="0"/>
-              </a:rPr>
-              <a:t>theo</a:t>
-            </a:r>
-            <a:r>
-              <a:rPr lang="en-US" sz="1800" dirty="0" smtClean="0">
-                <a:latin typeface="Times New Roman" panose="02020603050405020304" pitchFamily="18" charset="0"/>
-                <a:cs typeface="Times New Roman" panose="02020603050405020304" pitchFamily="18" charset="0"/>
-              </a:rPr>
-              <a:t> </a:t>
-            </a:r>
-            <a:r>
-              <a:rPr lang="en-US" sz="1800" dirty="0" err="1" smtClean="0">
-                <a:latin typeface="Times New Roman" panose="02020603050405020304" pitchFamily="18" charset="0"/>
-                <a:cs typeface="Times New Roman" panose="02020603050405020304" pitchFamily="18" charset="0"/>
-              </a:rPr>
-              <a:t>dõi</a:t>
-            </a:r>
-            <a:r>
-              <a:rPr lang="en-US" sz="1800" dirty="0" smtClean="0">
-                <a:latin typeface="Times New Roman" panose="02020603050405020304" pitchFamily="18" charset="0"/>
-                <a:cs typeface="Times New Roman" panose="02020603050405020304" pitchFamily="18" charset="0"/>
-              </a:rPr>
-              <a:t> Pin </a:t>
-            </a:r>
-            <a:r>
-              <a:rPr lang="en-US" sz="1800" dirty="0" err="1" smtClean="0">
-                <a:latin typeface="Times New Roman" panose="02020603050405020304" pitchFamily="18" charset="0"/>
-                <a:cs typeface="Times New Roman" panose="02020603050405020304" pitchFamily="18" charset="0"/>
-              </a:rPr>
-              <a:t>và</a:t>
-            </a:r>
-            <a:r>
-              <a:rPr lang="en-US" sz="1800" dirty="0" smtClean="0">
-                <a:latin typeface="Times New Roman" panose="02020603050405020304" pitchFamily="18" charset="0"/>
-                <a:cs typeface="Times New Roman" panose="02020603050405020304" pitchFamily="18" charset="0"/>
-              </a:rPr>
-              <a:t> </a:t>
-            </a:r>
-            <a:r>
-              <a:rPr lang="en-US" sz="1800" dirty="0" err="1" smtClean="0">
-                <a:latin typeface="Times New Roman" panose="02020603050405020304" pitchFamily="18" charset="0"/>
-                <a:cs typeface="Times New Roman" panose="02020603050405020304" pitchFamily="18" charset="0"/>
-              </a:rPr>
-              <a:t>Wifi</a:t>
-            </a:r>
-            <a:r>
-              <a:rPr lang="en-US" sz="1800" dirty="0" smtClean="0">
-                <a:latin typeface="Times New Roman" panose="02020603050405020304" pitchFamily="18" charset="0"/>
-                <a:cs typeface="Times New Roman" panose="02020603050405020304" pitchFamily="18" charset="0"/>
-              </a:rPr>
-              <a:t> </a:t>
-            </a:r>
-            <a:r>
-              <a:rPr lang="en-US" sz="1800" dirty="0" err="1" smtClean="0">
-                <a:latin typeface="Times New Roman" panose="02020603050405020304" pitchFamily="18" charset="0"/>
-                <a:cs typeface="Times New Roman" panose="02020603050405020304" pitchFamily="18" charset="0"/>
-              </a:rPr>
-              <a:t>của</a:t>
-            </a:r>
-            <a:r>
-              <a:rPr lang="en-US" sz="1800" dirty="0" smtClean="0">
-                <a:latin typeface="Times New Roman" panose="02020603050405020304" pitchFamily="18" charset="0"/>
-                <a:cs typeface="Times New Roman" panose="02020603050405020304" pitchFamily="18" charset="0"/>
-              </a:rPr>
-              <a:t> robot ở </a:t>
-            </a:r>
-            <a:r>
-              <a:rPr lang="en-US" sz="1800" dirty="0" err="1" smtClean="0">
-                <a:latin typeface="Times New Roman" panose="02020603050405020304" pitchFamily="18" charset="0"/>
-                <a:cs typeface="Times New Roman" panose="02020603050405020304" pitchFamily="18" charset="0"/>
-              </a:rPr>
-              <a:t>vùng</a:t>
-            </a:r>
-            <a:r>
-              <a:rPr lang="en-US" sz="1800" dirty="0" smtClean="0">
-                <a:latin typeface="Times New Roman" panose="02020603050405020304" pitchFamily="18" charset="0"/>
-                <a:cs typeface="Times New Roman" panose="02020603050405020304" pitchFamily="18" charset="0"/>
-              </a:rPr>
-              <a:t> [</a:t>
-            </a:r>
-            <a:r>
-              <a:rPr lang="en-US" sz="1800" dirty="0" err="1" smtClean="0">
-                <a:latin typeface="Times New Roman" panose="02020603050405020304" pitchFamily="18" charset="0"/>
-                <a:cs typeface="Times New Roman" panose="02020603050405020304" pitchFamily="18" charset="0"/>
-              </a:rPr>
-              <a:t>Wifi_Battery</a:t>
-            </a:r>
-            <a:r>
-              <a:rPr lang="en-US" sz="1800" dirty="0" smtClean="0">
-                <a:latin typeface="Times New Roman" panose="02020603050405020304" pitchFamily="18" charset="0"/>
-                <a:cs typeface="Times New Roman" panose="02020603050405020304" pitchFamily="18" charset="0"/>
-              </a:rPr>
-              <a:t>] , </a:t>
-            </a:r>
-            <a:r>
-              <a:rPr lang="en-US" sz="1800" dirty="0" err="1" smtClean="0">
-                <a:latin typeface="Times New Roman" panose="02020603050405020304" pitchFamily="18" charset="0"/>
-                <a:cs typeface="Times New Roman" panose="02020603050405020304" pitchFamily="18" charset="0"/>
-              </a:rPr>
-              <a:t>màu</a:t>
-            </a:r>
-            <a:r>
-              <a:rPr lang="en-US" sz="1800" dirty="0" smtClean="0">
-                <a:latin typeface="Times New Roman" panose="02020603050405020304" pitchFamily="18" charset="0"/>
-                <a:cs typeface="Times New Roman" panose="02020603050405020304" pitchFamily="18" charset="0"/>
-              </a:rPr>
-              <a:t> </a:t>
-            </a:r>
-            <a:r>
-              <a:rPr lang="en-US" sz="1800" dirty="0" err="1" smtClean="0">
-                <a:latin typeface="Times New Roman" panose="02020603050405020304" pitchFamily="18" charset="0"/>
-                <a:cs typeface="Times New Roman" panose="02020603050405020304" pitchFamily="18" charset="0"/>
-              </a:rPr>
-              <a:t>sắc</a:t>
-            </a:r>
-            <a:r>
-              <a:rPr lang="en-US" sz="1800" dirty="0" smtClean="0">
-                <a:latin typeface="Times New Roman" panose="02020603050405020304" pitchFamily="18" charset="0"/>
-                <a:cs typeface="Times New Roman" panose="02020603050405020304" pitchFamily="18" charset="0"/>
-              </a:rPr>
-              <a:t> </a:t>
-            </a:r>
-            <a:r>
-              <a:rPr lang="en-US" sz="1800" dirty="0" err="1" smtClean="0">
-                <a:latin typeface="Times New Roman" panose="02020603050405020304" pitchFamily="18" charset="0"/>
-                <a:cs typeface="Times New Roman" panose="02020603050405020304" pitchFamily="18" charset="0"/>
-              </a:rPr>
-              <a:t>của</a:t>
-            </a:r>
-            <a:r>
-              <a:rPr lang="en-US" sz="1800" dirty="0" smtClean="0">
-                <a:latin typeface="Times New Roman" panose="02020603050405020304" pitchFamily="18" charset="0"/>
-                <a:cs typeface="Times New Roman" panose="02020603050405020304" pitchFamily="18" charset="0"/>
-              </a:rPr>
-              <a:t> </a:t>
-            </a:r>
-            <a:r>
-              <a:rPr lang="en-US" sz="1800" dirty="0" err="1" smtClean="0">
-                <a:latin typeface="Times New Roman" panose="02020603050405020304" pitchFamily="18" charset="0"/>
-                <a:cs typeface="Times New Roman" panose="02020603050405020304" pitchFamily="18" charset="0"/>
-              </a:rPr>
-              <a:t>vùng</a:t>
-            </a:r>
-            <a:r>
-              <a:rPr lang="en-US" sz="1800" dirty="0" smtClean="0">
-                <a:latin typeface="Times New Roman" panose="02020603050405020304" pitchFamily="18" charset="0"/>
-                <a:cs typeface="Times New Roman" panose="02020603050405020304" pitchFamily="18" charset="0"/>
-              </a:rPr>
-              <a:t> </a:t>
-            </a:r>
-            <a:r>
-              <a:rPr lang="en-US" sz="1800" dirty="0" err="1" smtClean="0">
-                <a:latin typeface="Times New Roman" panose="02020603050405020304" pitchFamily="18" charset="0"/>
-                <a:cs typeface="Times New Roman" panose="02020603050405020304" pitchFamily="18" charset="0"/>
-              </a:rPr>
-              <a:t>sẽ</a:t>
-            </a:r>
-            <a:r>
-              <a:rPr lang="en-US" sz="1800" dirty="0" smtClean="0">
-                <a:latin typeface="Times New Roman" panose="02020603050405020304" pitchFamily="18" charset="0"/>
-                <a:cs typeface="Times New Roman" panose="02020603050405020304" pitchFamily="18" charset="0"/>
-              </a:rPr>
-              <a:t> </a:t>
-            </a:r>
-            <a:r>
-              <a:rPr lang="en-US" sz="1800" dirty="0" err="1" smtClean="0">
-                <a:latin typeface="Times New Roman" panose="02020603050405020304" pitchFamily="18" charset="0"/>
-                <a:cs typeface="Times New Roman" panose="02020603050405020304" pitchFamily="18" charset="0"/>
-              </a:rPr>
-              <a:t>thay</a:t>
-            </a:r>
-            <a:r>
-              <a:rPr lang="en-US" sz="1800" dirty="0" smtClean="0">
-                <a:latin typeface="Times New Roman" panose="02020603050405020304" pitchFamily="18" charset="0"/>
-                <a:cs typeface="Times New Roman" panose="02020603050405020304" pitchFamily="18" charset="0"/>
-              </a:rPr>
-              <a:t> </a:t>
-            </a:r>
-            <a:r>
-              <a:rPr lang="en-US" sz="1800" dirty="0" err="1" smtClean="0">
-                <a:latin typeface="Times New Roman" panose="02020603050405020304" pitchFamily="18" charset="0"/>
-                <a:cs typeface="Times New Roman" panose="02020603050405020304" pitchFamily="18" charset="0"/>
-              </a:rPr>
-              <a:t>đổi</a:t>
-            </a:r>
-            <a:r>
-              <a:rPr lang="en-US" sz="1800" dirty="0" smtClean="0">
-                <a:latin typeface="Times New Roman" panose="02020603050405020304" pitchFamily="18" charset="0"/>
-                <a:cs typeface="Times New Roman" panose="02020603050405020304" pitchFamily="18" charset="0"/>
-              </a:rPr>
-              <a:t> </a:t>
-            </a:r>
-            <a:r>
-              <a:rPr lang="en-US" sz="1800" dirty="0" err="1" smtClean="0">
-                <a:latin typeface="Times New Roman" panose="02020603050405020304" pitchFamily="18" charset="0"/>
-                <a:cs typeface="Times New Roman" panose="02020603050405020304" pitchFamily="18" charset="0"/>
-              </a:rPr>
-              <a:t>theo</a:t>
-            </a:r>
-            <a:r>
-              <a:rPr lang="en-US" sz="1800" dirty="0" smtClean="0">
-                <a:latin typeface="Times New Roman" panose="02020603050405020304" pitchFamily="18" charset="0"/>
-                <a:cs typeface="Times New Roman" panose="02020603050405020304" pitchFamily="18" charset="0"/>
-              </a:rPr>
-              <a:t> Pin </a:t>
-            </a:r>
-            <a:r>
-              <a:rPr lang="en-US" sz="1800" dirty="0" err="1" smtClean="0">
-                <a:latin typeface="Times New Roman" panose="02020603050405020304" pitchFamily="18" charset="0"/>
-                <a:cs typeface="Times New Roman" panose="02020603050405020304" pitchFamily="18" charset="0"/>
-              </a:rPr>
-              <a:t>và</a:t>
-            </a:r>
-            <a:r>
-              <a:rPr lang="en-US" sz="1800" dirty="0" smtClean="0">
-                <a:latin typeface="Times New Roman" panose="02020603050405020304" pitchFamily="18" charset="0"/>
-                <a:cs typeface="Times New Roman" panose="02020603050405020304" pitchFamily="18" charset="0"/>
-              </a:rPr>
-              <a:t> </a:t>
-            </a:r>
-            <a:r>
-              <a:rPr lang="en-US" sz="1800" dirty="0" err="1" smtClean="0">
-                <a:latin typeface="Times New Roman" panose="02020603050405020304" pitchFamily="18" charset="0"/>
-                <a:cs typeface="Times New Roman" panose="02020603050405020304" pitchFamily="18" charset="0"/>
-              </a:rPr>
-              <a:t>Wifi</a:t>
-            </a:r>
-            <a:endParaRPr lang="en-US" sz="1800" dirty="0" smtClean="0">
-              <a:latin typeface="Times New Roman" panose="02020603050405020304" pitchFamily="18" charset="0"/>
-              <a:cs typeface="Times New Roman" panose="02020603050405020304" pitchFamily="18" charset="0"/>
-            </a:endParaRPr>
-          </a:p>
-          <a:p>
-            <a:pPr marL="0" indent="0">
-              <a:buNone/>
-            </a:pPr>
-            <a:r>
-              <a:rPr lang="en-US" sz="1800" dirty="0" smtClean="0">
-                <a:latin typeface="Times New Roman" panose="02020603050405020304" pitchFamily="18" charset="0"/>
-                <a:cs typeface="Times New Roman" panose="02020603050405020304" pitchFamily="18" charset="0"/>
-              </a:rPr>
-              <a:t>                   7. </a:t>
-            </a:r>
-            <a:r>
-              <a:rPr lang="en-US" sz="1800" dirty="0" err="1" smtClean="0">
-                <a:latin typeface="Times New Roman" panose="02020603050405020304" pitchFamily="18" charset="0"/>
-                <a:cs typeface="Times New Roman" panose="02020603050405020304" pitchFamily="18" charset="0"/>
-              </a:rPr>
-              <a:t>Khi</a:t>
-            </a:r>
-            <a:r>
-              <a:rPr lang="en-US" sz="1800" dirty="0" smtClean="0">
-                <a:latin typeface="Times New Roman" panose="02020603050405020304" pitchFamily="18" charset="0"/>
-                <a:cs typeface="Times New Roman" panose="02020603050405020304" pitchFamily="18" charset="0"/>
-              </a:rPr>
-              <a:t> robot </a:t>
-            </a:r>
-            <a:r>
-              <a:rPr lang="en-US" sz="1800" dirty="0" err="1" smtClean="0">
-                <a:latin typeface="Times New Roman" panose="02020603050405020304" pitchFamily="18" charset="0"/>
-                <a:cs typeface="Times New Roman" panose="02020603050405020304" pitchFamily="18" charset="0"/>
-              </a:rPr>
-              <a:t>cần</a:t>
-            </a:r>
-            <a:r>
-              <a:rPr lang="en-US" sz="1800" dirty="0" smtClean="0">
-                <a:latin typeface="Times New Roman" panose="02020603050405020304" pitchFamily="18" charset="0"/>
-                <a:cs typeface="Times New Roman" panose="02020603050405020304" pitchFamily="18" charset="0"/>
-              </a:rPr>
-              <a:t> </a:t>
-            </a:r>
-            <a:r>
-              <a:rPr lang="en-US" sz="1800" dirty="0" err="1" smtClean="0">
-                <a:latin typeface="Times New Roman" panose="02020603050405020304" pitchFamily="18" charset="0"/>
-                <a:cs typeface="Times New Roman" panose="02020603050405020304" pitchFamily="18" charset="0"/>
-              </a:rPr>
-              <a:t>được</a:t>
-            </a:r>
-            <a:r>
-              <a:rPr lang="en-US" sz="1800" dirty="0" smtClean="0">
-                <a:latin typeface="Times New Roman" panose="02020603050405020304" pitchFamily="18" charset="0"/>
-                <a:cs typeface="Times New Roman" panose="02020603050405020304" pitchFamily="18" charset="0"/>
-              </a:rPr>
-              <a:t> </a:t>
-            </a:r>
-            <a:r>
-              <a:rPr lang="en-US" sz="1800" dirty="0" err="1" smtClean="0">
-                <a:latin typeface="Times New Roman" panose="02020603050405020304" pitchFamily="18" charset="0"/>
-                <a:cs typeface="Times New Roman" panose="02020603050405020304" pitchFamily="18" charset="0"/>
-              </a:rPr>
-              <a:t>xử</a:t>
-            </a:r>
-            <a:r>
-              <a:rPr lang="en-US" sz="1800" dirty="0" smtClean="0">
-                <a:latin typeface="Times New Roman" panose="02020603050405020304" pitchFamily="18" charset="0"/>
-                <a:cs typeface="Times New Roman" panose="02020603050405020304" pitchFamily="18" charset="0"/>
-              </a:rPr>
-              <a:t> </a:t>
-            </a:r>
-            <a:r>
-              <a:rPr lang="en-US" sz="1800" dirty="0" err="1" smtClean="0">
-                <a:latin typeface="Times New Roman" panose="02020603050405020304" pitchFamily="18" charset="0"/>
-                <a:cs typeface="Times New Roman" panose="02020603050405020304" pitchFamily="18" charset="0"/>
-              </a:rPr>
-              <a:t>lý</a:t>
-            </a:r>
-            <a:r>
-              <a:rPr lang="en-US" sz="1800" dirty="0">
-                <a:latin typeface="Times New Roman" panose="02020603050405020304" pitchFamily="18" charset="0"/>
-                <a:cs typeface="Times New Roman" panose="02020603050405020304" pitchFamily="18" charset="0"/>
-              </a:rPr>
-              <a:t> </a:t>
-            </a:r>
-            <a:r>
-              <a:rPr lang="en-US" sz="1800" dirty="0" err="1" smtClean="0">
-                <a:latin typeface="Times New Roman" panose="02020603050405020304" pitchFamily="18" charset="0"/>
-                <a:cs typeface="Times New Roman" panose="02020603050405020304" pitchFamily="18" charset="0"/>
-              </a:rPr>
-              <a:t>hoặc</a:t>
-            </a:r>
-            <a:r>
-              <a:rPr lang="en-US" sz="1800" dirty="0" smtClean="0">
-                <a:latin typeface="Times New Roman" panose="02020603050405020304" pitchFamily="18" charset="0"/>
-                <a:cs typeface="Times New Roman" panose="02020603050405020304" pitchFamily="18" charset="0"/>
-              </a:rPr>
-              <a:t> </a:t>
-            </a:r>
-            <a:r>
-              <a:rPr lang="en-US" sz="1800" dirty="0" err="1" smtClean="0">
-                <a:latin typeface="Times New Roman" panose="02020603050405020304" pitchFamily="18" charset="0"/>
-                <a:cs typeface="Times New Roman" panose="02020603050405020304" pitchFamily="18" charset="0"/>
-              </a:rPr>
-              <a:t>sạc</a:t>
-            </a:r>
-            <a:r>
-              <a:rPr lang="en-US" sz="1800" dirty="0" smtClean="0">
-                <a:latin typeface="Times New Roman" panose="02020603050405020304" pitchFamily="18" charset="0"/>
-                <a:cs typeface="Times New Roman" panose="02020603050405020304" pitchFamily="18" charset="0"/>
-              </a:rPr>
-              <a:t> pin, user </a:t>
-            </a:r>
-            <a:r>
-              <a:rPr lang="en-US" sz="1800" dirty="0" err="1" smtClean="0">
-                <a:latin typeface="Times New Roman" panose="02020603050405020304" pitchFamily="18" charset="0"/>
-                <a:cs typeface="Times New Roman" panose="02020603050405020304" pitchFamily="18" charset="0"/>
-              </a:rPr>
-              <a:t>không</a:t>
-            </a:r>
-            <a:r>
-              <a:rPr lang="en-US" sz="1800" dirty="0" smtClean="0">
-                <a:latin typeface="Times New Roman" panose="02020603050405020304" pitchFamily="18" charset="0"/>
-                <a:cs typeface="Times New Roman" panose="02020603050405020304" pitchFamily="18" charset="0"/>
-              </a:rPr>
-              <a:t> </a:t>
-            </a:r>
-            <a:r>
-              <a:rPr lang="en-US" sz="1800" dirty="0" err="1" smtClean="0">
-                <a:latin typeface="Times New Roman" panose="02020603050405020304" pitchFamily="18" charset="0"/>
-                <a:cs typeface="Times New Roman" panose="02020603050405020304" pitchFamily="18" charset="0"/>
-              </a:rPr>
-              <a:t>thể</a:t>
-            </a:r>
-            <a:r>
-              <a:rPr lang="en-US" sz="1800" dirty="0" smtClean="0">
-                <a:latin typeface="Times New Roman" panose="02020603050405020304" pitchFamily="18" charset="0"/>
-                <a:cs typeface="Times New Roman" panose="02020603050405020304" pitchFamily="18" charset="0"/>
-              </a:rPr>
-              <a:t> </a:t>
-            </a:r>
-            <a:r>
-              <a:rPr lang="en-US" sz="1800" dirty="0" err="1" smtClean="0">
-                <a:latin typeface="Times New Roman" panose="02020603050405020304" pitchFamily="18" charset="0"/>
-                <a:cs typeface="Times New Roman" panose="02020603050405020304" pitchFamily="18" charset="0"/>
-              </a:rPr>
-              <a:t>điều</a:t>
-            </a:r>
-            <a:r>
-              <a:rPr lang="en-US" sz="1800" dirty="0" smtClean="0">
-                <a:latin typeface="Times New Roman" panose="02020603050405020304" pitchFamily="18" charset="0"/>
-                <a:cs typeface="Times New Roman" panose="02020603050405020304" pitchFamily="18" charset="0"/>
-              </a:rPr>
-              <a:t> </a:t>
-            </a:r>
-            <a:r>
-              <a:rPr lang="en-US" sz="1800" dirty="0" err="1" smtClean="0">
-                <a:latin typeface="Times New Roman" panose="02020603050405020304" pitchFamily="18" charset="0"/>
-                <a:cs typeface="Times New Roman" panose="02020603050405020304" pitchFamily="18" charset="0"/>
-              </a:rPr>
-              <a:t>khiển</a:t>
-            </a:r>
-            <a:r>
-              <a:rPr lang="en-US" sz="1800" dirty="0" smtClean="0">
-                <a:latin typeface="Times New Roman" panose="02020603050405020304" pitchFamily="18" charset="0"/>
-                <a:cs typeface="Times New Roman" panose="02020603050405020304" pitchFamily="18" charset="0"/>
-              </a:rPr>
-              <a:t> </a:t>
-            </a:r>
-            <a:r>
-              <a:rPr lang="en-US" sz="1800" dirty="0" err="1" smtClean="0">
-                <a:latin typeface="Times New Roman" panose="02020603050405020304" pitchFamily="18" charset="0"/>
-                <a:cs typeface="Times New Roman" panose="02020603050405020304" pitchFamily="18" charset="0"/>
-              </a:rPr>
-              <a:t>màn</a:t>
-            </a:r>
-            <a:r>
-              <a:rPr lang="en-US" sz="1800" dirty="0" smtClean="0">
-                <a:latin typeface="Times New Roman" panose="02020603050405020304" pitchFamily="18" charset="0"/>
-                <a:cs typeface="Times New Roman" panose="02020603050405020304" pitchFamily="18" charset="0"/>
-              </a:rPr>
-              <a:t> </a:t>
-            </a:r>
-            <a:r>
-              <a:rPr lang="en-US" sz="1800" dirty="0" err="1" smtClean="0">
-                <a:latin typeface="Times New Roman" panose="02020603050405020304" pitchFamily="18" charset="0"/>
-                <a:cs typeface="Times New Roman" panose="02020603050405020304" pitchFamily="18" charset="0"/>
-              </a:rPr>
-              <a:t>hình</a:t>
-            </a:r>
-            <a:r>
-              <a:rPr lang="en-US" sz="1800" dirty="0" smtClean="0">
-                <a:latin typeface="Times New Roman" panose="02020603050405020304" pitchFamily="18" charset="0"/>
-                <a:cs typeface="Times New Roman" panose="02020603050405020304" pitchFamily="18" charset="0"/>
-              </a:rPr>
-              <a:t> </a:t>
-            </a:r>
-          </a:p>
-          <a:p>
-            <a:pPr marL="0" indent="0">
-              <a:buNone/>
-            </a:pPr>
-            <a:endParaRPr lang="en-US" sz="1800" dirty="0" smtClean="0">
-              <a:latin typeface="Times New Roman" panose="02020603050405020304" pitchFamily="18" charset="0"/>
-              <a:cs typeface="Times New Roman" panose="02020603050405020304" pitchFamily="18" charset="0"/>
-            </a:endParaRPr>
-          </a:p>
-          <a:p>
-            <a:pPr marL="0" indent="0">
-              <a:buNone/>
-            </a:pPr>
-            <a:r>
-              <a:rPr lang="en-US" sz="1800" b="1" dirty="0" smtClean="0">
-                <a:latin typeface="Times New Roman" panose="02020603050405020304" pitchFamily="18" charset="0"/>
-                <a:cs typeface="Times New Roman" panose="02020603050405020304" pitchFamily="18" charset="0"/>
-              </a:rPr>
-              <a:t>                </a:t>
-            </a:r>
-            <a:endParaRPr lang="en-US" sz="1800" b="1" dirty="0">
-              <a:latin typeface="Times New Roman" panose="02020603050405020304" pitchFamily="18" charset="0"/>
-              <a:cs typeface="Times New Roman" panose="02020603050405020304" pitchFamily="18" charset="0"/>
-            </a:endParaRPr>
+        </p:txBody>
+      </p:sp>
+      <p:pic>
+        <p:nvPicPr>
+          <p:cNvPr id="4" name="Picture 3"/>
+          <p:cNvPicPr>
+            <a:picLocks noChangeAspect="1"/>
+          </p:cNvPicPr>
+          <p:nvPr/>
+        </p:nvPicPr>
+        <p:blipFill>
+          <a:blip r:embed="rId2"/>
+          <a:stretch>
+            <a:fillRect/>
+          </a:stretch>
+        </p:blipFill>
+        <p:spPr>
+          <a:xfrm>
+            <a:off x="1560715" y="2162666"/>
+            <a:ext cx="7805714" cy="4160000"/>
+          </a:xfrm>
+          <a:prstGeom prst="rect">
+            <a:avLst/>
+          </a:prstGeom>
+        </p:spPr>
+      </p:pic>
+      <p:sp>
+        <p:nvSpPr>
+          <p:cNvPr id="5" name="Rectangle 4"/>
+          <p:cNvSpPr/>
+          <p:nvPr/>
+        </p:nvSpPr>
+        <p:spPr>
+          <a:xfrm>
+            <a:off x="3263705" y="4783015"/>
+            <a:ext cx="5795889" cy="675250"/>
+          </a:xfrm>
+          <a:prstGeom prst="rect">
+            <a:avLst/>
+          </a:prstGeom>
+          <a:noFill/>
+          <a:ln w="28575">
+            <a:solidFill>
+              <a:srgbClr val="C00000"/>
+            </a:solidFill>
+          </a:ln>
+        </p:spPr>
+        <p:style>
+          <a:lnRef idx="2">
+            <a:schemeClr val="accent1">
+              <a:shade val="50000"/>
+            </a:schemeClr>
+          </a:lnRef>
+          <a:fillRef idx="1">
+            <a:schemeClr val="accent1"/>
+          </a:fillRef>
+          <a:effectRef idx="0">
+            <a:schemeClr val="accent1"/>
+          </a:effectRef>
+          <a:fontRef idx="minor">
+            <a:schemeClr val="lt1"/>
+          </a:fontRef>
+        </p:style>
+        <p:txBody>
+          <a:bodyPr rtlCol="0" anchor="ctr"/>
+          <a:lstStyle/>
+          <a:p>
+            <a:pPr algn="ctr"/>
+            <a:endParaRPr lang="en-US"/>
           </a:p>
         </p:txBody>
       </p:sp>
     </p:spTree>
     <p:extLst>
       <p:ext uri="{BB962C8B-B14F-4D97-AF65-F5344CB8AC3E}">
-        <p14:creationId xmlns:p14="http://schemas.microsoft.com/office/powerpoint/2010/main" val="517022563"/>
+        <p14:creationId xmlns:p14="http://schemas.microsoft.com/office/powerpoint/2010/main" val="287787047"/>
       </p:ext>
     </p:extLst>
   </p:cSld>
   <p:clrMapOvr>
     <a:masterClrMapping/>
   </p:clrMapOvr>
-  <mc:AlternateContent xmlns:mc="http://schemas.openxmlformats.org/markup-compatibility/2006" xmlns:p14="http://schemas.microsoft.com/office/powerpoint/2010/main">
-    <mc:Choice Requires="p14">
-      <p:transition p14:dur="0"/>
-    </mc:Choice>
-    <mc:Fallback xmlns="">
-      <p:transition/>
-    </mc:Fallback>
-  </mc:AlternateContent>
   <p:timing>
     <p:tnLst>
       <p:par>
@@ -28901,18 +30399,13 @@
             <p:ph type="title"/>
           </p:nvPr>
         </p:nvSpPr>
-        <p:spPr>
-          <a:xfrm>
-            <a:off x="1058333" y="367454"/>
-            <a:ext cx="10058400" cy="1371600"/>
-          </a:xfrm>
-        </p:spPr>
+        <p:spPr/>
         <p:txBody>
           <a:bodyPr/>
           <a:lstStyle/>
           <a:p>
             <a:r>
-              <a:rPr lang="en-US" sz="4000" kern="1200" cap="all" dirty="0" err="1">
+              <a:rPr lang="en-US" sz="4000" kern="1200" cap="all" err="1">
                 <a:solidFill>
                   <a:prstClr val="black">
                     <a:hueOff val="0"/>
@@ -28928,7 +30421,7 @@
               <a:t>Chức</a:t>
             </a:r>
             <a:r>
-              <a:rPr lang="en-US" sz="4000" kern="1200" cap="all" dirty="0">
+              <a:rPr lang="en-US" sz="4000" kern="1200" cap="all">
                 <a:solidFill>
                   <a:prstClr val="black">
                     <a:hueOff val="0"/>
@@ -28944,7 +30437,7 @@
               <a:t> </a:t>
             </a:r>
             <a:r>
-              <a:rPr lang="en-US" sz="4000" kern="1200" cap="all" dirty="0" err="1">
+              <a:rPr lang="en-US" sz="4000" kern="1200" cap="all" err="1">
                 <a:solidFill>
                   <a:prstClr val="black">
                     <a:hueOff val="0"/>
@@ -28960,7 +30453,7 @@
               <a:t>Năng</a:t>
             </a:r>
             <a:r>
-              <a:rPr lang="en-US" sz="4000" kern="1200" cap="all" dirty="0">
+              <a:rPr lang="en-US" sz="4000" kern="1200" cap="all">
                 <a:solidFill>
                   <a:prstClr val="black">
                     <a:hueOff val="0"/>
@@ -28973,10 +30466,17 @@
                 <a:ea typeface="+mn-ea"/>
                 <a:cs typeface="Times New Roman" panose="02020603050405020304" pitchFamily="18" charset="0"/>
               </a:rPr>
-              <a:t> </a:t>
-            </a:r>
-            <a:r>
-              <a:rPr lang="en-US" sz="4000" kern="1200" cap="all" dirty="0" err="1">
+              <a:t> chính (web-</a:t>
+            </a:r>
+            <a:r>
+              <a:rPr lang="en-US" sz="4000">
+                <a:latin typeface="Times New Roman" panose="02020603050405020304" pitchFamily="18" charset="0"/>
+                <a:cs typeface="Times New Roman" panose="02020603050405020304" pitchFamily="18" charset="0"/>
+              </a:rPr>
+              <a:t> QUEUE</a:t>
+            </a:r>
+            <a:r>
+              <a:rPr lang="en-US" sz="4000" kern="1200" cap="all">
                 <a:solidFill>
                   <a:prstClr val="black">
                     <a:hueOff val="0"/>
@@ -28989,48 +30489,9 @@
                 <a:ea typeface="+mn-ea"/>
                 <a:cs typeface="Times New Roman" panose="02020603050405020304" pitchFamily="18" charset="0"/>
               </a:rPr>
-              <a:t>chính</a:t>
-            </a:r>
-            <a:r>
-              <a:rPr lang="en-US" sz="4000" kern="1200" cap="all" dirty="0">
-                <a:solidFill>
-                  <a:prstClr val="black">
-                    <a:hueOff val="0"/>
-                    <a:satOff val="0"/>
-                    <a:lumOff val="0"/>
-                    <a:alphaOff val="0"/>
-                  </a:prstClr>
-                </a:solidFill>
-                <a:latin typeface="Times New Roman" panose="02020603050405020304" pitchFamily="18" charset="0"/>
-                <a:ea typeface="+mn-ea"/>
-                <a:cs typeface="Times New Roman" panose="02020603050405020304" pitchFamily="18" charset="0"/>
-              </a:rPr>
-              <a:t> (web-</a:t>
-            </a:r>
-            <a:r>
-              <a:rPr lang="en-US" sz="4000" dirty="0">
-                <a:latin typeface="Times New Roman" panose="02020603050405020304" pitchFamily="18" charset="0"/>
-                <a:cs typeface="Times New Roman" panose="02020603050405020304" pitchFamily="18" charset="0"/>
-              </a:rPr>
-              <a:t> CONTROL</a:t>
-            </a:r>
-            <a:r>
-              <a:rPr lang="en-US" sz="4000" kern="1200" cap="all" dirty="0">
-                <a:solidFill>
-                  <a:prstClr val="black">
-                    <a:hueOff val="0"/>
-                    <a:satOff val="0"/>
-                    <a:lumOff val="0"/>
-                    <a:alphaOff val="0"/>
-                  </a:prstClr>
-                </a:solidFill>
-                <a:latin typeface="Times New Roman" panose="02020603050405020304" pitchFamily="18" charset="0"/>
-                <a:ea typeface="+mn-ea"/>
-                <a:cs typeface="Times New Roman" panose="02020603050405020304" pitchFamily="18" charset="0"/>
-              </a:rPr>
               <a:t>)</a:t>
             </a:r>
-            <a:endParaRPr lang="en-US" dirty="0"/>
+            <a:endParaRPr lang="en-US"/>
           </a:p>
         </p:txBody>
       </p:sp>
@@ -29052,8 +30513,8 @@
         </p:nvSpPr>
         <p:spPr>
           <a:xfrm>
-            <a:off x="910166" y="1535854"/>
-            <a:ext cx="10354733" cy="3849624"/>
+            <a:off x="1066800" y="1667022"/>
+            <a:ext cx="10058400" cy="4804116"/>
           </a:xfrm>
         </p:spPr>
         <p:txBody>
@@ -29063,18 +30524,11 @@
           <a:lstStyle/>
           <a:p>
             <a:r>
-              <a:rPr lang="en-US" sz="1800" dirty="0">
-                <a:latin typeface="Times New Roman" panose="02020603050405020304" pitchFamily="18" charset="0"/>
-                <a:cs typeface="Times New Roman" panose="02020603050405020304" pitchFamily="18" charset="0"/>
-              </a:rPr>
-              <a:t>Control</a:t>
-            </a:r>
-            <a:r>
               <a:rPr lang="en-US" sz="1800" b="1" dirty="0">
                 <a:latin typeface="Times New Roman" panose="02020603050405020304" pitchFamily="18" charset="0"/>
                 <a:cs typeface="Times New Roman" panose="02020603050405020304" pitchFamily="18" charset="0"/>
               </a:rPr>
-              <a:t> Page</a:t>
+              <a:t>Queue Page</a:t>
             </a:r>
             <a:r>
               <a:rPr lang="en-US" sz="1800" b="1" dirty="0" smtClean="0">
@@ -29084,223 +30538,83 @@
               <a:t>: </a:t>
             </a:r>
             <a:r>
-              <a:rPr lang="en-US" altLang="ja-JP" sz="1800" dirty="0">
-                <a:latin typeface="Times New Roman" panose="02020603050405020304" pitchFamily="18" charset="0"/>
-                <a:cs typeface="Times New Roman" panose="02020603050405020304" pitchFamily="18" charset="0"/>
-              </a:rPr>
-              <a:t>User </a:t>
-            </a:r>
-            <a:r>
-              <a:rPr lang="en-US" altLang="ja-JP" sz="1800" dirty="0" err="1">
-                <a:latin typeface="Times New Roman" panose="02020603050405020304" pitchFamily="18" charset="0"/>
-                <a:cs typeface="Times New Roman" panose="02020603050405020304" pitchFamily="18" charset="0"/>
-              </a:rPr>
-              <a:t>điều</a:t>
-            </a:r>
-            <a:r>
-              <a:rPr lang="en-US" altLang="ja-JP" sz="1800" dirty="0">
-                <a:latin typeface="Times New Roman" panose="02020603050405020304" pitchFamily="18" charset="0"/>
-                <a:cs typeface="Times New Roman" panose="02020603050405020304" pitchFamily="18" charset="0"/>
-              </a:rPr>
-              <a:t> </a:t>
-            </a:r>
-            <a:r>
-              <a:rPr lang="en-US" altLang="ja-JP" sz="1800" dirty="0" err="1">
-                <a:latin typeface="Times New Roman" panose="02020603050405020304" pitchFamily="18" charset="0"/>
-                <a:cs typeface="Times New Roman" panose="02020603050405020304" pitchFamily="18" charset="0"/>
-              </a:rPr>
-              <a:t>khiển</a:t>
-            </a:r>
-            <a:r>
-              <a:rPr lang="en-US" altLang="ja-JP" sz="1800" dirty="0">
-                <a:latin typeface="Times New Roman" panose="02020603050405020304" pitchFamily="18" charset="0"/>
-                <a:cs typeface="Times New Roman" panose="02020603050405020304" pitchFamily="18" charset="0"/>
-              </a:rPr>
-              <a:t> robot di </a:t>
-            </a:r>
-            <a:r>
-              <a:rPr lang="en-US" altLang="ja-JP" sz="1800" dirty="0" err="1">
-                <a:latin typeface="Times New Roman" panose="02020603050405020304" pitchFamily="18" charset="0"/>
-                <a:cs typeface="Times New Roman" panose="02020603050405020304" pitchFamily="18" charset="0"/>
-              </a:rPr>
-              <a:t>chuyển</a:t>
-            </a:r>
-            <a:r>
-              <a:rPr lang="en-US" altLang="ja-JP" sz="1800" dirty="0">
-                <a:latin typeface="Times New Roman" panose="02020603050405020304" pitchFamily="18" charset="0"/>
-                <a:cs typeface="Times New Roman" panose="02020603050405020304" pitchFamily="18" charset="0"/>
-              </a:rPr>
-              <a:t> </a:t>
-            </a:r>
-            <a:r>
-              <a:rPr lang="en-US" altLang="ja-JP" sz="1800" dirty="0" err="1">
-                <a:latin typeface="Times New Roman" panose="02020603050405020304" pitchFamily="18" charset="0"/>
-                <a:cs typeface="Times New Roman" panose="02020603050405020304" pitchFamily="18" charset="0"/>
-              </a:rPr>
-              <a:t>và</a:t>
-            </a:r>
-            <a:r>
-              <a:rPr lang="en-US" altLang="ja-JP" sz="1800" dirty="0">
-                <a:latin typeface="Times New Roman" panose="02020603050405020304" pitchFamily="18" charset="0"/>
-                <a:cs typeface="Times New Roman" panose="02020603050405020304" pitchFamily="18" charset="0"/>
-              </a:rPr>
-              <a:t> </a:t>
-            </a:r>
-            <a:r>
-              <a:rPr lang="en-US" altLang="ja-JP" sz="1800" dirty="0" err="1">
-                <a:latin typeface="Times New Roman" panose="02020603050405020304" pitchFamily="18" charset="0"/>
-                <a:cs typeface="Times New Roman" panose="02020603050405020304" pitchFamily="18" charset="0"/>
-              </a:rPr>
-              <a:t>nhấn</a:t>
-            </a:r>
-            <a:r>
-              <a:rPr lang="en-US" altLang="ja-JP" sz="1800" dirty="0">
-                <a:latin typeface="Times New Roman" panose="02020603050405020304" pitchFamily="18" charset="0"/>
-                <a:cs typeface="Times New Roman" panose="02020603050405020304" pitchFamily="18" charset="0"/>
-              </a:rPr>
-              <a:t> </a:t>
-            </a:r>
-            <a:r>
-              <a:rPr lang="en-US" altLang="ja-JP" sz="1800" dirty="0" err="1">
-                <a:latin typeface="Times New Roman" panose="02020603050405020304" pitchFamily="18" charset="0"/>
-                <a:cs typeface="Times New Roman" panose="02020603050405020304" pitchFamily="18" charset="0"/>
-              </a:rPr>
-              <a:t>nút</a:t>
-            </a:r>
-            <a:r>
-              <a:rPr lang="en-US" altLang="ja-JP" sz="1800" dirty="0">
-                <a:latin typeface="Times New Roman" panose="02020603050405020304" pitchFamily="18" charset="0"/>
-                <a:cs typeface="Times New Roman" panose="02020603050405020304" pitchFamily="18" charset="0"/>
-              </a:rPr>
-              <a:t> </a:t>
-            </a:r>
-            <a:r>
-              <a:rPr lang="en-US" altLang="ja-JP" sz="1800" dirty="0" err="1">
-                <a:latin typeface="Times New Roman" panose="02020603050405020304" pitchFamily="18" charset="0"/>
-                <a:cs typeface="Times New Roman" panose="02020603050405020304" pitchFamily="18" charset="0"/>
-              </a:rPr>
-              <a:t>bằng</a:t>
-            </a:r>
-            <a:r>
-              <a:rPr lang="en-US" altLang="ja-JP" sz="1800" dirty="0">
-                <a:latin typeface="Times New Roman" panose="02020603050405020304" pitchFamily="18" charset="0"/>
-                <a:cs typeface="Times New Roman" panose="02020603050405020304" pitchFamily="18" charset="0"/>
-              </a:rPr>
-              <a:t> </a:t>
-            </a:r>
-            <a:r>
-              <a:rPr lang="en-US" altLang="ja-JP" sz="1800" dirty="0" err="1">
-                <a:latin typeface="Times New Roman" panose="02020603050405020304" pitchFamily="18" charset="0"/>
-                <a:cs typeface="Times New Roman" panose="02020603050405020304" pitchFamily="18" charset="0"/>
-              </a:rPr>
-              <a:t>các</a:t>
-            </a:r>
-            <a:r>
-              <a:rPr lang="en-US" altLang="ja-JP" sz="1800" dirty="0">
-                <a:latin typeface="Times New Roman" panose="02020603050405020304" pitchFamily="18" charset="0"/>
-                <a:cs typeface="Times New Roman" panose="02020603050405020304" pitchFamily="18" charset="0"/>
-              </a:rPr>
-              <a:t> button </a:t>
-            </a:r>
-            <a:r>
-              <a:rPr lang="en-US" altLang="ja-JP" sz="1800" dirty="0" err="1">
-                <a:latin typeface="Times New Roman" panose="02020603050405020304" pitchFamily="18" charset="0"/>
-                <a:cs typeface="Times New Roman" panose="02020603050405020304" pitchFamily="18" charset="0"/>
-              </a:rPr>
-              <a:t>trên</a:t>
-            </a:r>
-            <a:r>
-              <a:rPr lang="en-US" altLang="ja-JP" sz="1800" dirty="0">
-                <a:latin typeface="Times New Roman" panose="02020603050405020304" pitchFamily="18" charset="0"/>
-                <a:cs typeface="Times New Roman" panose="02020603050405020304" pitchFamily="18" charset="0"/>
-              </a:rPr>
-              <a:t> </a:t>
-            </a:r>
-            <a:r>
-              <a:rPr lang="en-US" altLang="ja-JP" sz="1800" dirty="0" err="1">
-                <a:latin typeface="Times New Roman" panose="02020603050405020304" pitchFamily="18" charset="0"/>
-                <a:cs typeface="Times New Roman" panose="02020603050405020304" pitchFamily="18" charset="0"/>
-              </a:rPr>
-              <a:t>màn</a:t>
-            </a:r>
-            <a:r>
-              <a:rPr lang="en-US" altLang="ja-JP" sz="1800" dirty="0">
-                <a:latin typeface="Times New Roman" panose="02020603050405020304" pitchFamily="18" charset="0"/>
-                <a:cs typeface="Times New Roman" panose="02020603050405020304" pitchFamily="18" charset="0"/>
-              </a:rPr>
-              <a:t> </a:t>
-            </a:r>
-            <a:r>
-              <a:rPr lang="en-US" altLang="ja-JP" sz="1800" dirty="0" err="1">
-                <a:latin typeface="Times New Roman" panose="02020603050405020304" pitchFamily="18" charset="0"/>
-                <a:cs typeface="Times New Roman" panose="02020603050405020304" pitchFamily="18" charset="0"/>
-              </a:rPr>
-              <a:t>hình</a:t>
-            </a:r>
-            <a:r>
-              <a:rPr lang="en-US" altLang="ja-JP" sz="1800" dirty="0">
-                <a:latin typeface="Times New Roman" panose="02020603050405020304" pitchFamily="18" charset="0"/>
-                <a:cs typeface="Times New Roman" panose="02020603050405020304" pitchFamily="18" charset="0"/>
-              </a:rPr>
-              <a:t> </a:t>
-            </a:r>
-            <a:r>
-              <a:rPr lang="en-US" altLang="ja-JP" sz="1800" dirty="0" err="1">
-                <a:latin typeface="Times New Roman" panose="02020603050405020304" pitchFamily="18" charset="0"/>
-                <a:cs typeface="Times New Roman" panose="02020603050405020304" pitchFamily="18" charset="0"/>
-              </a:rPr>
-              <a:t>hoặc</a:t>
-            </a:r>
-            <a:r>
-              <a:rPr lang="en-US" altLang="ja-JP" sz="1800" dirty="0">
-                <a:latin typeface="Times New Roman" panose="02020603050405020304" pitchFamily="18" charset="0"/>
-                <a:cs typeface="Times New Roman" panose="02020603050405020304" pitchFamily="18" charset="0"/>
-              </a:rPr>
-              <a:t> </a:t>
-            </a:r>
-            <a:r>
-              <a:rPr lang="en-US" altLang="ja-JP" sz="1800" dirty="0" err="1">
-                <a:latin typeface="Times New Roman" panose="02020603050405020304" pitchFamily="18" charset="0"/>
-                <a:cs typeface="Times New Roman" panose="02020603050405020304" pitchFamily="18" charset="0"/>
-              </a:rPr>
-              <a:t>các</a:t>
-            </a:r>
-            <a:r>
-              <a:rPr lang="en-US" altLang="ja-JP" sz="1800" dirty="0">
-                <a:latin typeface="Times New Roman" panose="02020603050405020304" pitchFamily="18" charset="0"/>
-                <a:cs typeface="Times New Roman" panose="02020603050405020304" pitchFamily="18" charset="0"/>
-              </a:rPr>
-              <a:t> </a:t>
-            </a:r>
-            <a:r>
-              <a:rPr lang="en-US" altLang="ja-JP" sz="1800" dirty="0" err="1">
-                <a:latin typeface="Times New Roman" panose="02020603050405020304" pitchFamily="18" charset="0"/>
-                <a:cs typeface="Times New Roman" panose="02020603050405020304" pitchFamily="18" charset="0"/>
-              </a:rPr>
-              <a:t>phím</a:t>
-            </a:r>
-            <a:r>
-              <a:rPr lang="en-US" altLang="ja-JP" sz="1800" dirty="0">
-                <a:latin typeface="Times New Roman" panose="02020603050405020304" pitchFamily="18" charset="0"/>
-                <a:cs typeface="Times New Roman" panose="02020603050405020304" pitchFamily="18" charset="0"/>
-              </a:rPr>
-              <a:t> </a:t>
-            </a:r>
-            <a:r>
-              <a:rPr lang="en-US" altLang="ja-JP" sz="1800" dirty="0" err="1">
-                <a:latin typeface="Times New Roman" panose="02020603050405020304" pitchFamily="18" charset="0"/>
-                <a:cs typeface="Times New Roman" panose="02020603050405020304" pitchFamily="18" charset="0"/>
-              </a:rPr>
-              <a:t>tắt</a:t>
-            </a:r>
-            <a:r>
-              <a:rPr lang="en-US" altLang="ja-JP" sz="1800" dirty="0">
-                <a:latin typeface="Times New Roman" panose="02020603050405020304" pitchFamily="18" charset="0"/>
-                <a:cs typeface="Times New Roman" panose="02020603050405020304" pitchFamily="18" charset="0"/>
-              </a:rPr>
-              <a:t>.</a:t>
-            </a:r>
-            <a:endParaRPr lang="en-US" sz="1800" b="1" dirty="0" smtClean="0">
+              <a:rPr lang="en-US" sz="1600" dirty="0" err="1" smtClean="0">
+                <a:latin typeface="Times New Roman" panose="02020603050405020304" pitchFamily="18" charset="0"/>
+                <a:cs typeface="Times New Roman" panose="02020603050405020304" pitchFamily="18" charset="0"/>
+              </a:rPr>
+              <a:t>Hiển</a:t>
+            </a:r>
+            <a:r>
+              <a:rPr lang="en-US" sz="1600" dirty="0" smtClean="0">
+                <a:latin typeface="Times New Roman" panose="02020603050405020304" pitchFamily="18" charset="0"/>
+                <a:cs typeface="Times New Roman" panose="02020603050405020304" pitchFamily="18" charset="0"/>
+              </a:rPr>
+              <a:t> </a:t>
+            </a:r>
+            <a:r>
+              <a:rPr lang="en-US" sz="1600" dirty="0" err="1" smtClean="0">
+                <a:latin typeface="Times New Roman" panose="02020603050405020304" pitchFamily="18" charset="0"/>
+                <a:cs typeface="Times New Roman" panose="02020603050405020304" pitchFamily="18" charset="0"/>
+              </a:rPr>
+              <a:t>thị</a:t>
+            </a:r>
+            <a:r>
+              <a:rPr lang="en-US" sz="1600" dirty="0" smtClean="0">
+                <a:latin typeface="Times New Roman" panose="02020603050405020304" pitchFamily="18" charset="0"/>
+                <a:cs typeface="Times New Roman" panose="02020603050405020304" pitchFamily="18" charset="0"/>
+              </a:rPr>
+              <a:t> </a:t>
+            </a:r>
+            <a:r>
+              <a:rPr lang="en-US" sz="1600" dirty="0" err="1" smtClean="0">
+                <a:latin typeface="Times New Roman" panose="02020603050405020304" pitchFamily="18" charset="0"/>
+                <a:cs typeface="Times New Roman" panose="02020603050405020304" pitchFamily="18" charset="0"/>
+              </a:rPr>
+              <a:t>thông</a:t>
+            </a:r>
+            <a:r>
+              <a:rPr lang="en-US" sz="1600" dirty="0" smtClean="0">
+                <a:latin typeface="Times New Roman" panose="02020603050405020304" pitchFamily="18" charset="0"/>
+                <a:cs typeface="Times New Roman" panose="02020603050405020304" pitchFamily="18" charset="0"/>
+              </a:rPr>
+              <a:t> tin </a:t>
+            </a:r>
+            <a:r>
+              <a:rPr lang="en-US" sz="1600" dirty="0" err="1" smtClean="0">
+                <a:latin typeface="Times New Roman" panose="02020603050405020304" pitchFamily="18" charset="0"/>
+                <a:cs typeface="Times New Roman" panose="02020603050405020304" pitchFamily="18" charset="0"/>
+              </a:rPr>
+              <a:t>của</a:t>
+            </a:r>
+            <a:r>
+              <a:rPr lang="en-US" sz="1600" dirty="0" smtClean="0">
+                <a:latin typeface="Times New Roman" panose="02020603050405020304" pitchFamily="18" charset="0"/>
+                <a:cs typeface="Times New Roman" panose="02020603050405020304" pitchFamily="18" charset="0"/>
+              </a:rPr>
+              <a:t> user </a:t>
+            </a:r>
+            <a:r>
+              <a:rPr lang="en-US" sz="1600" dirty="0" err="1" smtClean="0">
+                <a:latin typeface="Times New Roman" panose="02020603050405020304" pitchFamily="18" charset="0"/>
+                <a:cs typeface="Times New Roman" panose="02020603050405020304" pitchFamily="18" charset="0"/>
+              </a:rPr>
+              <a:t>đang</a:t>
+            </a:r>
+            <a:r>
+              <a:rPr lang="en-US" sz="1600" dirty="0" smtClean="0">
+                <a:latin typeface="Times New Roman" panose="02020603050405020304" pitchFamily="18" charset="0"/>
+                <a:cs typeface="Times New Roman" panose="02020603050405020304" pitchFamily="18" charset="0"/>
+              </a:rPr>
+              <a:t> </a:t>
+            </a:r>
+            <a:r>
+              <a:rPr lang="en-US" sz="1600" dirty="0" err="1" smtClean="0">
+                <a:latin typeface="Times New Roman" panose="02020603050405020304" pitchFamily="18" charset="0"/>
+                <a:cs typeface="Times New Roman" panose="02020603050405020304" pitchFamily="18" charset="0"/>
+              </a:rPr>
+              <a:t>đợi</a:t>
+            </a:r>
+            <a:endParaRPr lang="en-US" sz="1600" dirty="0" smtClean="0">
               <a:latin typeface="Times New Roman" panose="02020603050405020304" pitchFamily="18" charset="0"/>
               <a:cs typeface="Times New Roman" panose="02020603050405020304" pitchFamily="18" charset="0"/>
             </a:endParaRPr>
@@ -29309,35 +30623,7 @@
             <a:pPr marL="0" indent="0">
               <a:buNone/>
             </a:pPr>
-            <a:r>
-              <a:rPr lang="en-US" sz="1800" dirty="0" smtClean="0">
-                <a:latin typeface="Times New Roman" panose="02020603050405020304" pitchFamily="18" charset="0"/>
-                <a:cs typeface="Times New Roman" panose="02020603050405020304" pitchFamily="18" charset="0"/>
-              </a:rPr>
-              <a:t>	</a:t>
-            </a:r>
-          </a:p>
-          <a:p>
-            <a:pPr marL="0" indent="0">
-              <a:buNone/>
-            </a:pPr>
-            <a:endParaRPr lang="en-US" sz="1800" dirty="0" smtClean="0">
-              <a:latin typeface="Times New Roman" panose="02020603050405020304" pitchFamily="18" charset="0"/>
-              <a:cs typeface="Times New Roman" panose="02020603050405020304" pitchFamily="18" charset="0"/>
-            </a:endParaRPr>
-          </a:p>
-          <a:p>
-            <a:pPr marL="0" indent="0">
-              <a:buNone/>
-            </a:pPr>
-            <a:r>
-              <a:rPr lang="en-US" sz="1800" b="1" dirty="0" smtClean="0">
-                <a:latin typeface="Times New Roman" panose="02020603050405020304" pitchFamily="18" charset="0"/>
-                <a:cs typeface="Times New Roman" panose="02020603050405020304" pitchFamily="18" charset="0"/>
-              </a:rPr>
-              <a:t>                </a:t>
-            </a:r>
-            <a:endParaRPr lang="en-US" sz="1800" b="1" dirty="0">
+            <a:endParaRPr lang="en-US" sz="1600" b="1" dirty="0">
               <a:latin typeface="Times New Roman" panose="02020603050405020304" pitchFamily="18" charset="0"/>
               <a:cs typeface="Times New Roman" panose="02020603050405020304" pitchFamily="18" charset="0"/>
             </a:endParaRPr>
@@ -29346,7 +30632,7 @@
       </p:sp>
       <p:pic>
         <p:nvPicPr>
-          <p:cNvPr id="5" name="Picture 4"/>
+          <p:cNvPr id="4" name="Picture 3"/>
           <p:cNvPicPr>
             <a:picLocks noChangeAspect="1"/>
           </p:cNvPicPr>
@@ -29360,8 +30646,8 @@
         </p:blipFill>
         <p:spPr>
           <a:xfrm>
-            <a:off x="1295399" y="1969592"/>
-            <a:ext cx="9448801" cy="4466199"/>
+            <a:off x="1560715" y="2162666"/>
+            <a:ext cx="7805714" cy="4160000"/>
           </a:xfrm>
           <a:prstGeom prst="rect">
             <a:avLst/>
@@ -29370,24 +30656,22 @@
       </p:pic>
       <p:sp>
         <p:nvSpPr>
-          <p:cNvPr id="6" name="Rectangle 5"/>
+          <p:cNvPr id="5" name="Rectangle 4"/>
           <p:cNvSpPr/>
           <p:nvPr/>
         </p:nvSpPr>
         <p:spPr>
           <a:xfrm>
-            <a:off x="2929467" y="3539067"/>
-            <a:ext cx="3098800" cy="2650066"/>
+            <a:off x="3198053" y="3091754"/>
+            <a:ext cx="2218007" cy="267287"/>
           </a:xfrm>
           <a:prstGeom prst="rect">
             <a:avLst/>
           </a:prstGeom>
           <a:noFill/>
-          <a:ln w="38100">
+          <a:ln w="28575">
             <a:solidFill>
-              <a:schemeClr val="accent2">
-                <a:lumMod val="75000"/>
-              </a:schemeClr>
+              <a:srgbClr val="C00000"/>
             </a:solidFill>
           </a:ln>
         </p:spPr>
@@ -29412,26 +30696,71 @@
           <a:lstStyle/>
           <a:p>
             <a:pPr algn="ctr"/>
-            <a:endParaRPr kumimoji="1" lang="ja-JP" altLang="en-US"/>
+            <a:endParaRPr lang="en-US"/>
           </a:p>
         </p:txBody>
       </p:sp>
       <p:sp>
         <p:nvSpPr>
-          <p:cNvPr id="7" name="Rounded Rectangular Callout 6"/>
+          <p:cNvPr id="6" name="Rectangle 5"/>
           <p:cNvSpPr/>
           <p:nvPr/>
         </p:nvSpPr>
         <p:spPr>
           <a:xfrm>
-            <a:off x="1397000" y="4047067"/>
-            <a:ext cx="1253067" cy="533400"/>
+            <a:off x="3198054" y="3433277"/>
+            <a:ext cx="2218007" cy="267287"/>
           </a:xfrm>
-          <a:prstGeom prst="wedgeRoundRectCallout">
+          <a:prstGeom prst="rect">
+            <a:avLst/>
+          </a:prstGeom>
+          <a:noFill/>
+          <a:ln w="28575">
+            <a:solidFill>
+              <a:srgbClr val="C00000"/>
+            </a:solidFill>
+          </a:ln>
+        </p:spPr>
+        <p:style>
+          <a:lnRef idx="2">
+            <a:schemeClr val="accent1">
+              <a:shade val="50000"/>
+            </a:schemeClr>
+          </a:lnRef>
+          <a:fillRef idx="1">
+            <a:schemeClr val="accent1"/>
+          </a:fillRef>
+          <a:effectRef idx="0">
+            <a:schemeClr val="accent1"/>
+          </a:effectRef>
+          <a:fontRef idx="minor">
+            <a:schemeClr val="lt1"/>
+          </a:fontRef>
+        </p:style>
+        <p:txBody>
+          <a:bodyPr rtlCol="0" anchor="ctr"/>
+          <a:lstStyle/>
+          <a:p>
+            <a:pPr algn="ctr"/>
+            <a:endParaRPr lang="en-US"/>
+          </a:p>
+        </p:txBody>
+      </p:sp>
+      <p:sp>
+        <p:nvSpPr>
+          <p:cNvPr id="7" name="Rectangular Callout 6"/>
+          <p:cNvSpPr/>
+          <p:nvPr/>
+        </p:nvSpPr>
+        <p:spPr>
+          <a:xfrm>
+            <a:off x="5627076" y="2588455"/>
+            <a:ext cx="1645921" cy="506437"/>
+          </a:xfrm>
+          <a:prstGeom prst="wedgeRectCallout">
             <a:avLst>
-              <a:gd name="adj1" fmla="val 70383"/>
-              <a:gd name="adj2" fmla="val 32341"/>
-              <a:gd name="adj3" fmla="val 16667"/>
+              <a:gd name="adj1" fmla="val -77065"/>
+              <a:gd name="adj2" fmla="val 51389"/>
             </a:avLst>
           </a:prstGeom>
         </p:spPr>
@@ -29455,88 +30784,158 @@
           <a:bodyPr rtlCol="0" anchor="ctr"/>
           <a:lstStyle/>
           <a:p>
-            <a:pPr algn="ctr"/>
-            <a:r>
-              <a:rPr kumimoji="1" lang="en-US" altLang="ja-JP" sz="1200" dirty="0" err="1" smtClean="0">
-                <a:latin typeface="Times New Roman" panose="02020603050405020304" pitchFamily="18" charset="0"/>
-                <a:cs typeface="Times New Roman" panose="02020603050405020304" pitchFamily="18" charset="0"/>
-              </a:rPr>
-              <a:t>Khu</a:t>
-            </a:r>
-            <a:r>
-              <a:rPr kumimoji="1" lang="en-US" altLang="ja-JP" sz="1200" dirty="0" smtClean="0">
-                <a:latin typeface="Times New Roman" panose="02020603050405020304" pitchFamily="18" charset="0"/>
-                <a:cs typeface="Times New Roman" panose="02020603050405020304" pitchFamily="18" charset="0"/>
-              </a:rPr>
-              <a:t> </a:t>
-            </a:r>
-            <a:r>
-              <a:rPr kumimoji="1" lang="en-US" altLang="ja-JP" sz="1200" dirty="0" err="1" smtClean="0">
-                <a:latin typeface="Times New Roman" panose="02020603050405020304" pitchFamily="18" charset="0"/>
-                <a:cs typeface="Times New Roman" panose="02020603050405020304" pitchFamily="18" charset="0"/>
-              </a:rPr>
-              <a:t>vực</a:t>
-            </a:r>
-            <a:r>
-              <a:rPr kumimoji="1" lang="en-US" altLang="ja-JP" sz="1200" dirty="0" smtClean="0">
-                <a:latin typeface="Times New Roman" panose="02020603050405020304" pitchFamily="18" charset="0"/>
-                <a:cs typeface="Times New Roman" panose="02020603050405020304" pitchFamily="18" charset="0"/>
-              </a:rPr>
-              <a:t> </a:t>
-            </a:r>
-            <a:r>
-              <a:rPr kumimoji="1" lang="en-US" altLang="ja-JP" sz="1200" dirty="0" err="1" smtClean="0">
-                <a:latin typeface="Times New Roman" panose="02020603050405020304" pitchFamily="18" charset="0"/>
-                <a:cs typeface="Times New Roman" panose="02020603050405020304" pitchFamily="18" charset="0"/>
-              </a:rPr>
+            <a:r>
+              <a:rPr lang="en-US" sz="1100" dirty="0" err="1" smtClean="0"/>
+              <a:t>Thông</a:t>
+            </a:r>
+            <a:r>
+              <a:rPr lang="en-US" sz="1100" dirty="0" smtClean="0"/>
+              <a:t> tin </a:t>
+            </a:r>
+            <a:r>
+              <a:rPr lang="en-US" sz="1100" dirty="0" err="1" smtClean="0"/>
+              <a:t>của</a:t>
+            </a:r>
+            <a:r>
+              <a:rPr lang="en-US" sz="1100" dirty="0" smtClean="0"/>
+              <a:t> user Login</a:t>
+            </a:r>
+            <a:endParaRPr lang="en-US" sz="1100" dirty="0"/>
+          </a:p>
+        </p:txBody>
+      </p:sp>
+      <p:sp>
+        <p:nvSpPr>
+          <p:cNvPr id="8" name="Rectangular Callout 7"/>
+          <p:cNvSpPr/>
+          <p:nvPr/>
+        </p:nvSpPr>
+        <p:spPr>
+          <a:xfrm>
+            <a:off x="5627076" y="3520681"/>
+            <a:ext cx="2799472" cy="506437"/>
+          </a:xfrm>
+          <a:prstGeom prst="wedgeRectCallout">
+            <a:avLst>
+              <a:gd name="adj1" fmla="val -64103"/>
+              <a:gd name="adj2" fmla="val -37500"/>
+            </a:avLst>
+          </a:prstGeom>
+        </p:spPr>
+        <p:style>
+          <a:lnRef idx="2">
+            <a:schemeClr val="accent1">
+              <a:shade val="50000"/>
+            </a:schemeClr>
+          </a:lnRef>
+          <a:fillRef idx="1">
+            <a:schemeClr val="accent1"/>
+          </a:fillRef>
+          <a:effectRef idx="0">
+            <a:schemeClr val="accent1"/>
+          </a:effectRef>
+          <a:fontRef idx="minor">
+            <a:schemeClr val="lt1"/>
+          </a:fontRef>
+        </p:style>
+        <p:txBody>
+          <a:bodyPr rtlCol="0" anchor="ctr"/>
+          <a:lstStyle/>
+          <a:p>
+            <a:r>
+              <a:rPr lang="en-US" sz="1100" dirty="0" err="1" smtClean="0"/>
+              <a:t>Thời</a:t>
+            </a:r>
+            <a:r>
+              <a:rPr lang="en-US" sz="1100" dirty="0" smtClean="0"/>
+              <a:t> </a:t>
+            </a:r>
+            <a:r>
+              <a:rPr lang="en-US" sz="1100" dirty="0" err="1" smtClean="0"/>
+              <a:t>gian</a:t>
+            </a:r>
+            <a:r>
+              <a:rPr lang="en-US" sz="1100" dirty="0" smtClean="0"/>
+              <a:t> </a:t>
+            </a:r>
+            <a:r>
+              <a:rPr lang="en-US" sz="1100" dirty="0" err="1" smtClean="0"/>
+              <a:t>đợi</a:t>
+            </a:r>
+            <a:r>
+              <a:rPr lang="en-US" sz="1100" dirty="0" smtClean="0"/>
+              <a:t> </a:t>
+            </a:r>
+            <a:r>
+              <a:rPr lang="en-US" sz="1100" dirty="0" err="1" smtClean="0"/>
+              <a:t>của</a:t>
+            </a:r>
+            <a:r>
+              <a:rPr lang="en-US" sz="1100" dirty="0" smtClean="0"/>
+              <a:t> user </a:t>
+            </a:r>
+            <a:r>
+              <a:rPr lang="en-US" sz="1100" dirty="0" err="1" smtClean="0"/>
+              <a:t>để</a:t>
+            </a:r>
+            <a:r>
+              <a:rPr lang="en-US" sz="1100" dirty="0" smtClean="0"/>
+              <a:t> </a:t>
+            </a:r>
+            <a:r>
+              <a:rPr lang="en-US" sz="1100" dirty="0" err="1" smtClean="0"/>
+              <a:t>chuyển</a:t>
+            </a:r>
+            <a:r>
+              <a:rPr lang="en-US" sz="1100" dirty="0" smtClean="0"/>
+              <a:t> qua </a:t>
+            </a:r>
+            <a:r>
+              <a:rPr lang="en-US" sz="1100" dirty="0" err="1" smtClean="0"/>
+              <a:t>mà</a:t>
+            </a:r>
+            <a:r>
+              <a:rPr lang="en-US" sz="1100" dirty="0" smtClean="0"/>
+              <a:t> </a:t>
+            </a:r>
+            <a:r>
+              <a:rPr lang="en-US" sz="1100" dirty="0" err="1" smtClean="0"/>
+              <a:t>hình</a:t>
+            </a:r>
+            <a:r>
+              <a:rPr lang="en-US" sz="1100" dirty="0" smtClean="0"/>
+              <a:t> control </a:t>
+            </a:r>
+            <a:r>
+              <a:rPr lang="en-US" sz="1100" dirty="0" err="1" smtClean="0"/>
               <a:t>điều</a:t>
             </a:r>
             <a:r>
-              <a:rPr kumimoji="1" lang="en-US" altLang="ja-JP" sz="1200" dirty="0" smtClean="0">
-                <a:latin typeface="Times New Roman" panose="02020603050405020304" pitchFamily="18" charset="0"/>
-                <a:cs typeface="Times New Roman" panose="02020603050405020304" pitchFamily="18" charset="0"/>
-              </a:rPr>
-              <a:t> </a:t>
-            </a:r>
-            <a:r>
-              <a:rPr kumimoji="1" lang="en-US" altLang="ja-JP" sz="1200" dirty="0" err="1" smtClean="0">
-                <a:latin typeface="Times New Roman" panose="02020603050405020304" pitchFamily="18" charset="0"/>
-                <a:cs typeface="Times New Roman" panose="02020603050405020304" pitchFamily="18" charset="0"/>
-              </a:rPr>
+              <a:rPr lang="en-US" sz="1100" dirty="0" smtClean="0"/>
+              <a:t> </a:t>
+            </a:r>
+            <a:r>
+              <a:rPr lang="en-US" sz="1100" dirty="0" err="1" smtClean="0"/>
               <a:t>khiển</a:t>
             </a:r>
             <a:r>
-              <a:rPr kumimoji="1" lang="en-US" altLang="ja-JP" sz="1200" dirty="0" smtClean="0">
-                <a:latin typeface="Times New Roman" panose="02020603050405020304" pitchFamily="18" charset="0"/>
-                <a:cs typeface="Times New Roman" panose="02020603050405020304" pitchFamily="18" charset="0"/>
-              </a:rPr>
-              <a:t> robot</a:t>
-            </a:r>
+              <a:rPr lang="en-US" sz="1100" dirty="0" smtClean="0"/>
+              <a:t> </a:t>
+            </a:r>
+            <a:endParaRPr lang="en-US" sz="1100" dirty="0"/>
           </a:p>
         </p:txBody>
       </p:sp>
     </p:spTree>
     <p:extLst>
       <p:ext uri="{BB962C8B-B14F-4D97-AF65-F5344CB8AC3E}">
-        <p14:creationId xmlns:p14="http://schemas.microsoft.com/office/powerpoint/2010/main" val="3622308112"/>
+        <p14:creationId xmlns:p14="http://schemas.microsoft.com/office/powerpoint/2010/main" val="3614665266"/>
       </p:ext>
     </p:extLst>
   </p:cSld>
   <p:clrMapOvr>
     <a:masterClrMapping/>
   </p:clrMapOvr>
-  <mc:AlternateContent xmlns:mc="http://schemas.openxmlformats.org/markup-compatibility/2006" xmlns:p15="http://schemas.microsoft.com/office/powerpoint/2012/main">
-    <mc:Choice Requires="p15">
-      <p:transition xmlns:p14="http://schemas.microsoft.com/office/powerpoint/2010/main" spd="slow" p14:dur="1250">
-        <p15:prstTrans prst="airplane"/>
-      </p:transition>
-    </mc:Choice>
-    <mc:Fallback xmlns="">
-      <p:transition spd="slow">
-        <p:fade/>
-      </p:transition>
-    </mc:Fallback>
-  </mc:AlternateContent>
   <p:timing>
     <p:tnLst>
       <p:par>
@@ -29824,15 +31223,6 @@
 </file>
 
 <file path=customXml/item1.xml><?xml version="1.0" encoding="utf-8"?>
-<p:properties xmlns:p="http://schemas.microsoft.com/office/2006/metadata/properties" xmlns:xsi="http://www.w3.org/2001/XMLSchema-instance" xmlns:pc="http://schemas.microsoft.com/office/infopath/2007/PartnerControls">
-  <documentManagement>
-    <Status xmlns="71af3243-3dd4-4a8d-8c0d-dd76da1f02a5">Not started</Status>
-    <MediaServiceKeyPoints xmlns="71af3243-3dd4-4a8d-8c0d-dd76da1f02a5" xsi:nil="true"/>
-  </documentManagement>
-</p:properties>
-</file>
-
-<file path=customXml/item2.xml><?xml version="1.0" encoding="utf-8"?>
 <ct:contentTypeSchema xmlns:ct="http://schemas.microsoft.com/office/2006/metadata/contentType" xmlns:ma="http://schemas.microsoft.com/office/2006/metadata/properties/metaAttributes" ct:_="" ma:_="" ma:contentTypeName="Document" ma:contentTypeID="0x01010079F111ED35F8CC479449609E8A0923A6" ma:contentTypeVersion="12" ma:contentTypeDescription="Create a new document." ma:contentTypeScope="" ma:versionID="a410dd7f93c95333ffa1b60ed6adedd1">
   <xsd:schema xmlns:xsd="http://www.w3.org/2001/XMLSchema" xmlns:xs="http://www.w3.org/2001/XMLSchema" xmlns:p="http://schemas.microsoft.com/office/2006/metadata/properties" xmlns:ns2="71af3243-3dd4-4a8d-8c0d-dd76da1f02a5" xmlns:ns3="16c05727-aa75-4e4a-9b5f-8a80a1165891" targetNamespace="http://schemas.microsoft.com/office/2006/metadata/properties" ma:root="true" ma:fieldsID="a936d9baba76aa3866493feff160faab" ns2:_="" ns3:_="">
     <xsd:import namespace="71af3243-3dd4-4a8d-8c0d-dd76da1f02a5"/>
@@ -30053,6 +31443,15 @@
 </ct:contentTypeSchema>
 </file>
 
+<file path=customXml/item2.xml><?xml version="1.0" encoding="utf-8"?>
+<p:properties xmlns:p="http://schemas.microsoft.com/office/2006/metadata/properties" xmlns:xsi="http://www.w3.org/2001/XMLSchema-instance" xmlns:pc="http://schemas.microsoft.com/office/infopath/2007/PartnerControls">
+  <documentManagement>
+    <Status xmlns="71af3243-3dd4-4a8d-8c0d-dd76da1f02a5">Not started</Status>
+    <MediaServiceKeyPoints xmlns="71af3243-3dd4-4a8d-8c0d-dd76da1f02a5" xsi:nil="true"/>
+  </documentManagement>
+</p:properties>
+</file>
+
 <file path=customXml/item3.xml><?xml version="1.0" encoding="utf-8"?>
 <?mso-contentType ?>
 <FormTemplates xmlns="http://schemas.microsoft.com/sharepoint/v3/contenttype/forms">
@@ -30063,16 +31462,6 @@
 </file>
 
 <file path=customXml/itemProps1.xml><?xml version="1.0" encoding="utf-8"?>
-<ds:datastoreItem xmlns:ds="http://schemas.openxmlformats.org/officeDocument/2006/customXml" ds:itemID="{137651BA-F45C-4845-9AB3-E0A65B39F5E1}">
-  <ds:schemaRefs>
-    <ds:schemaRef ds:uri="http://schemas.microsoft.com/office/2006/metadata/properties"/>
-    <ds:schemaRef ds:uri="http://schemas.microsoft.com/office/infopath/2007/PartnerControls"/>
-    <ds:schemaRef ds:uri="71af3243-3dd4-4a8d-8c0d-dd76da1f02a5"/>
-  </ds:schemaRefs>
-</ds:datastoreItem>
-</file>
-
-<file path=customXml/itemProps2.xml><?xml version="1.0" encoding="utf-8"?>
 <ds:datastoreItem xmlns:ds="http://schemas.openxmlformats.org/officeDocument/2006/customXml" ds:itemID="{2D276E62-80A3-44DD-9BCC-97ED2B99B57F}">
   <ds:schemaRefs>
     <ds:schemaRef ds:uri="http://schemas.microsoft.com/office/2006/metadata/contentType"/>
@@ -30091,6 +31480,16 @@
 </ds:datastoreItem>
 </file>
 
+<file path=customXml/itemProps2.xml><?xml version="1.0" encoding="utf-8"?>
+<ds:datastoreItem xmlns:ds="http://schemas.openxmlformats.org/officeDocument/2006/customXml" ds:itemID="{137651BA-F45C-4845-9AB3-E0A65B39F5E1}">
+  <ds:schemaRefs>
+    <ds:schemaRef ds:uri="http://schemas.microsoft.com/office/2006/metadata/properties"/>
+    <ds:schemaRef ds:uri="http://schemas.microsoft.com/office/infopath/2007/PartnerControls"/>
+    <ds:schemaRef ds:uri="71af3243-3dd4-4a8d-8c0d-dd76da1f02a5"/>
+  </ds:schemaRefs>
+</ds:datastoreItem>
+</file>
+
 <file path=customXml/itemProps3.xml><?xml version="1.0" encoding="utf-8"?>
 <ds:datastoreItem xmlns:ds="http://schemas.openxmlformats.org/officeDocument/2006/customXml" ds:itemID="{CDB58277-F8DF-46FF-84EC-EF41B835E69F}">
   <ds:schemaRefs>

--- a/Restart Computer.pptx
+++ b/Restart Computer.pptx
@@ -15,29 +15,30 @@
     <p:sldId id="270" r:id="rId12"/>
     <p:sldId id="294" r:id="rId13"/>
     <p:sldId id="295" r:id="rId14"/>
-    <p:sldId id="282" r:id="rId15"/>
-    <p:sldId id="284" r:id="rId16"/>
-    <p:sldId id="285" r:id="rId17"/>
-    <p:sldId id="286" r:id="rId18"/>
-    <p:sldId id="287" r:id="rId19"/>
-    <p:sldId id="288" r:id="rId20"/>
-    <p:sldId id="289" r:id="rId21"/>
-    <p:sldId id="290" r:id="rId22"/>
-    <p:sldId id="291" r:id="rId23"/>
-    <p:sldId id="292" r:id="rId24"/>
-    <p:sldId id="293" r:id="rId25"/>
-    <p:sldId id="273" r:id="rId26"/>
-    <p:sldId id="274" r:id="rId27"/>
-    <p:sldId id="275" r:id="rId28"/>
-    <p:sldId id="276" r:id="rId29"/>
-    <p:sldId id="277" r:id="rId30"/>
-    <p:sldId id="278" r:id="rId31"/>
-    <p:sldId id="265" r:id="rId32"/>
-    <p:sldId id="266" r:id="rId33"/>
-    <p:sldId id="267" r:id="rId34"/>
-    <p:sldId id="268" r:id="rId35"/>
-    <p:sldId id="269" r:id="rId36"/>
-    <p:sldId id="279" r:id="rId37"/>
+    <p:sldId id="296" r:id="rId15"/>
+    <p:sldId id="282" r:id="rId16"/>
+    <p:sldId id="284" r:id="rId17"/>
+    <p:sldId id="285" r:id="rId18"/>
+    <p:sldId id="286" r:id="rId19"/>
+    <p:sldId id="287" r:id="rId20"/>
+    <p:sldId id="288" r:id="rId21"/>
+    <p:sldId id="289" r:id="rId22"/>
+    <p:sldId id="290" r:id="rId23"/>
+    <p:sldId id="291" r:id="rId24"/>
+    <p:sldId id="292" r:id="rId25"/>
+    <p:sldId id="293" r:id="rId26"/>
+    <p:sldId id="273" r:id="rId27"/>
+    <p:sldId id="274" r:id="rId28"/>
+    <p:sldId id="275" r:id="rId29"/>
+    <p:sldId id="276" r:id="rId30"/>
+    <p:sldId id="277" r:id="rId31"/>
+    <p:sldId id="278" r:id="rId32"/>
+    <p:sldId id="265" r:id="rId33"/>
+    <p:sldId id="266" r:id="rId34"/>
+    <p:sldId id="267" r:id="rId35"/>
+    <p:sldId id="268" r:id="rId36"/>
+    <p:sldId id="269" r:id="rId37"/>
+    <p:sldId id="279" r:id="rId38"/>
   </p:sldIdLst>
   <p:sldSz cx="12192000" cy="6858000"/>
   <p:notesSz cx="6858000" cy="9144000"/>
@@ -1506,7 +1507,7 @@
                 <a14:useLocalDpi xmlns:a14="http://schemas.microsoft.com/office/drawing/2010/main" val="0"/>
               </a:ext>
               <a:ext uri="{96DAC541-7B7A-43D3-8B79-37D633B846F1}">
-                <asvg:svgBlip xmlns:asvg="http://schemas.microsoft.com/office/drawing/2016/SVG/main" xmlns="" r:embed="rId3"/>
+                <asvg:svgBlip xmlns="" xmlns:asvg="http://schemas.microsoft.com/office/drawing/2016/SVG/main" r:embed="rId3"/>
               </a:ext>
             </a:extLst>
           </a:blip>
@@ -2082,7 +2083,7 @@
                 <a14:useLocalDpi xmlns:a14="http://schemas.microsoft.com/office/drawing/2010/main" val="0"/>
               </a:ext>
               <a:ext uri="{96DAC541-7B7A-43D3-8B79-37D633B846F1}">
-                <asvg:svgBlip xmlns:asvg="http://schemas.microsoft.com/office/drawing/2016/SVG/main" xmlns="" r:embed="rId3"/>
+                <asvg:svgBlip xmlns="" xmlns:asvg="http://schemas.microsoft.com/office/drawing/2016/SVG/main" r:embed="rId3"/>
               </a:ext>
             </a:extLst>
           </a:blip>
@@ -2830,7 +2831,7 @@
   </dgm:layoutNode>
   <dgm:extLst>
     <a:ext uri="{68A01E43-0DF5-4B5B-8FA6-DAF915123BFB}">
-      <dgm1612:lstStyle xmlns:dgm1612="http://schemas.microsoft.com/office/drawing/2016/12/diagram" xmlns="">
+      <dgm1612:lstStyle xmlns="" xmlns:dgm1612="http://schemas.microsoft.com/office/drawing/2016/12/diagram">
         <a:lvl1pPr>
           <a:lnSpc>
             <a:spcPct val="100000"/>
@@ -7829,7 +7830,7 @@
                 <a16:creationId xmlns:a16="http://schemas.microsoft.com/office/drawing/2014/main" id="{2644B391-9BFE-445C-A9EC-F544BB85FBC7}"/>
               </a:ext>
               <a:ext uri="{C183D7F6-B498-43B3-948B-1728B52AA6E4}">
-                <adec:decorative xmlns:adec="http://schemas.microsoft.com/office/drawing/2017/decorative" xmlns="" val="1"/>
+                <adec:decorative xmlns="" xmlns:adec="http://schemas.microsoft.com/office/drawing/2017/decorative" val="1"/>
               </a:ext>
             </a:extLst>
           </p:cNvPr>
@@ -7874,7 +7875,7 @@
                 <a16:creationId xmlns:a16="http://schemas.microsoft.com/office/drawing/2014/main" id="{80F26E69-87D9-4655-AE7B-280A87AA3CAD}"/>
               </a:ext>
               <a:ext uri="{C183D7F6-B498-43B3-948B-1728B52AA6E4}">
-                <adec:decorative xmlns:adec="http://schemas.microsoft.com/office/drawing/2017/decorative" xmlns="" val="1"/>
+                <adec:decorative xmlns="" xmlns:adec="http://schemas.microsoft.com/office/drawing/2017/decorative" val="1"/>
               </a:ext>
             </a:extLst>
           </p:cNvPr>
@@ -8003,6 +8004,13 @@
   <p:clrMapOvr>
     <a:overrideClrMapping bg1="dk1" tx1="lt1" bg2="dk2" tx2="lt2" accent1="accent1" accent2="accent2" accent3="accent3" accent4="accent4" accent5="accent5" accent6="accent6" hlink="hlink" folHlink="folHlink"/>
   </p:clrMapOvr>
+  <p:timing>
+    <p:tnLst>
+      <p:par>
+        <p:cTn id="1" dur="indefinite" restart="never" nodeType="tmRoot"/>
+      </p:par>
+    </p:tnLst>
+  </p:timing>
 </p:sld>
 </file>
 
@@ -8513,6 +8521,410 @@
 </file>
 
 <file path=ppt/slides/slide11.xml><?xml version="1.0" encoding="utf-8"?>
+<p:sld xmlns:a="http://schemas.openxmlformats.org/drawingml/2006/main" xmlns:r="http://schemas.openxmlformats.org/officeDocument/2006/relationships" xmlns:p="http://schemas.openxmlformats.org/presentationml/2006/main">
+  <p:cSld>
+    <p:spTree>
+      <p:nvGrpSpPr>
+        <p:cNvPr id="1" name=""/>
+        <p:cNvGrpSpPr/>
+        <p:nvPr/>
+      </p:nvGrpSpPr>
+      <p:grpSpPr>
+        <a:xfrm>
+          <a:off x="0" y="0"/>
+          <a:ext cx="0" cy="0"/>
+          <a:chOff x="0" y="0"/>
+          <a:chExt cx="0" cy="0"/>
+        </a:xfrm>
+      </p:grpSpPr>
+      <p:sp>
+        <p:nvSpPr>
+          <p:cNvPr id="2" name="Title 1">
+            <a:extLst>
+              <a:ext uri="{FF2B5EF4-FFF2-40B4-BE49-F238E27FC236}">
+                <a16:creationId xmlns:a16="http://schemas.microsoft.com/office/drawing/2014/main" id="{2C4C0330-65A7-4C44-BDB7-0885CC314B41}"/>
+              </a:ext>
+            </a:extLst>
+          </p:cNvPr>
+          <p:cNvSpPr>
+            <a:spLocks noGrp="1"/>
+          </p:cNvSpPr>
+          <p:nvPr>
+            <p:ph type="title"/>
+          </p:nvPr>
+        </p:nvSpPr>
+        <p:spPr/>
+        <p:txBody>
+          <a:bodyPr/>
+          <a:lstStyle/>
+          <a:p>
+            <a:r>
+              <a:rPr lang="en-US" sz="4000" kern="1200" cap="all" err="1">
+                <a:solidFill>
+                  <a:prstClr val="black">
+                    <a:hueOff val="0"/>
+                    <a:satOff val="0"/>
+                    <a:lumOff val="0"/>
+                    <a:alphaOff val="0"/>
+                  </a:prstClr>
+                </a:solidFill>
+                <a:latin typeface="Times New Roman" panose="02020603050405020304" pitchFamily="18" charset="0"/>
+                <a:ea typeface="+mn-ea"/>
+                <a:cs typeface="Times New Roman" panose="02020603050405020304" pitchFamily="18" charset="0"/>
+              </a:rPr>
+              <a:t>Chức</a:t>
+            </a:r>
+            <a:r>
+              <a:rPr lang="en-US" sz="4000" kern="1200" cap="all">
+                <a:solidFill>
+                  <a:prstClr val="black">
+                    <a:hueOff val="0"/>
+                    <a:satOff val="0"/>
+                    <a:lumOff val="0"/>
+                    <a:alphaOff val="0"/>
+                  </a:prstClr>
+                </a:solidFill>
+                <a:latin typeface="Times New Roman" panose="02020603050405020304" pitchFamily="18" charset="0"/>
+                <a:ea typeface="+mn-ea"/>
+                <a:cs typeface="Times New Roman" panose="02020603050405020304" pitchFamily="18" charset="0"/>
+              </a:rPr>
+              <a:t> </a:t>
+            </a:r>
+            <a:r>
+              <a:rPr lang="en-US" sz="4000" kern="1200" cap="all" err="1">
+                <a:solidFill>
+                  <a:prstClr val="black">
+                    <a:hueOff val="0"/>
+                    <a:satOff val="0"/>
+                    <a:lumOff val="0"/>
+                    <a:alphaOff val="0"/>
+                  </a:prstClr>
+                </a:solidFill>
+                <a:latin typeface="Times New Roman" panose="02020603050405020304" pitchFamily="18" charset="0"/>
+                <a:ea typeface="+mn-ea"/>
+                <a:cs typeface="Times New Roman" panose="02020603050405020304" pitchFamily="18" charset="0"/>
+              </a:rPr>
+              <a:t>Năng</a:t>
+            </a:r>
+            <a:r>
+              <a:rPr lang="en-US" sz="4000" kern="1200" cap="all">
+                <a:solidFill>
+                  <a:prstClr val="black">
+                    <a:hueOff val="0"/>
+                    <a:satOff val="0"/>
+                    <a:lumOff val="0"/>
+                    <a:alphaOff val="0"/>
+                  </a:prstClr>
+                </a:solidFill>
+                <a:latin typeface="Times New Roman" panose="02020603050405020304" pitchFamily="18" charset="0"/>
+                <a:ea typeface="+mn-ea"/>
+                <a:cs typeface="Times New Roman" panose="02020603050405020304" pitchFamily="18" charset="0"/>
+              </a:rPr>
+              <a:t> chính (web-</a:t>
+            </a:r>
+            <a:r>
+              <a:rPr lang="en-US" sz="4000">
+                <a:latin typeface="Times New Roman" panose="02020603050405020304" pitchFamily="18" charset="0"/>
+                <a:cs typeface="Times New Roman" panose="02020603050405020304" pitchFamily="18" charset="0"/>
+              </a:rPr>
+              <a:t> QUEUE</a:t>
+            </a:r>
+            <a:r>
+              <a:rPr lang="en-US" sz="4000" kern="1200" cap="all">
+                <a:solidFill>
+                  <a:prstClr val="black">
+                    <a:hueOff val="0"/>
+                    <a:satOff val="0"/>
+                    <a:lumOff val="0"/>
+                    <a:alphaOff val="0"/>
+                  </a:prstClr>
+                </a:solidFill>
+                <a:latin typeface="Times New Roman" panose="02020603050405020304" pitchFamily="18" charset="0"/>
+                <a:ea typeface="+mn-ea"/>
+                <a:cs typeface="Times New Roman" panose="02020603050405020304" pitchFamily="18" charset="0"/>
+              </a:rPr>
+              <a:t>)</a:t>
+            </a:r>
+            <a:endParaRPr lang="en-US"/>
+          </a:p>
+        </p:txBody>
+      </p:sp>
+      <p:sp>
+        <p:nvSpPr>
+          <p:cNvPr id="3" name="Content Placeholder 2">
+            <a:extLst>
+              <a:ext uri="{FF2B5EF4-FFF2-40B4-BE49-F238E27FC236}">
+                <a16:creationId xmlns:a16="http://schemas.microsoft.com/office/drawing/2014/main" id="{6BD33AFF-0007-470D-A40C-FD28176A68C2}"/>
+              </a:ext>
+            </a:extLst>
+          </p:cNvPr>
+          <p:cNvSpPr>
+            <a:spLocks noGrp="1"/>
+          </p:cNvSpPr>
+          <p:nvPr>
+            <p:ph idx="1"/>
+          </p:nvPr>
+        </p:nvSpPr>
+        <p:spPr>
+          <a:xfrm>
+            <a:off x="1066800" y="1667022"/>
+            <a:ext cx="10058400" cy="4804116"/>
+          </a:xfrm>
+        </p:spPr>
+        <p:txBody>
+          <a:bodyPr>
+            <a:normAutofit/>
+          </a:bodyPr>
+          <a:lstStyle/>
+          <a:p>
+            <a:r>
+              <a:rPr lang="en-US" sz="1800" b="1" dirty="0">
+                <a:latin typeface="Times New Roman" panose="02020603050405020304" pitchFamily="18" charset="0"/>
+                <a:cs typeface="Times New Roman" panose="02020603050405020304" pitchFamily="18" charset="0"/>
+              </a:rPr>
+              <a:t>Queue Page</a:t>
+            </a:r>
+            <a:r>
+              <a:rPr lang="en-US" sz="1800" b="1" dirty="0" smtClean="0">
+                <a:latin typeface="Times New Roman" panose="02020603050405020304" pitchFamily="18" charset="0"/>
+                <a:cs typeface="Times New Roman" panose="02020603050405020304" pitchFamily="18" charset="0"/>
+              </a:rPr>
+              <a:t>: </a:t>
+            </a:r>
+            <a:r>
+              <a:rPr lang="en-US" altLang="ja-JP" sz="1600" dirty="0" err="1">
+                <a:latin typeface="Times New Roman" panose="02020603050405020304" pitchFamily="18" charset="0"/>
+                <a:cs typeface="Times New Roman" panose="02020603050405020304" pitchFamily="18" charset="0"/>
+              </a:rPr>
+              <a:t>Khi</a:t>
+            </a:r>
+            <a:r>
+              <a:rPr lang="en-US" altLang="ja-JP" sz="1600" dirty="0">
+                <a:latin typeface="Times New Roman" panose="02020603050405020304" pitchFamily="18" charset="0"/>
+                <a:cs typeface="Times New Roman" panose="02020603050405020304" pitchFamily="18" charset="0"/>
+              </a:rPr>
+              <a:t> robot </a:t>
+            </a:r>
+            <a:r>
+              <a:rPr lang="en-US" altLang="ja-JP" sz="1600" dirty="0" err="1">
+                <a:latin typeface="Times New Roman" panose="02020603050405020304" pitchFamily="18" charset="0"/>
+                <a:cs typeface="Times New Roman" panose="02020603050405020304" pitchFamily="18" charset="0"/>
+              </a:rPr>
+              <a:t>cần</a:t>
+            </a:r>
+            <a:r>
+              <a:rPr lang="en-US" altLang="ja-JP" sz="1600" dirty="0">
+                <a:latin typeface="Times New Roman" panose="02020603050405020304" pitchFamily="18" charset="0"/>
+                <a:cs typeface="Times New Roman" panose="02020603050405020304" pitchFamily="18" charset="0"/>
+              </a:rPr>
+              <a:t> </a:t>
+            </a:r>
+            <a:r>
+              <a:rPr lang="en-US" altLang="ja-JP" sz="1600" dirty="0" err="1">
+                <a:latin typeface="Times New Roman" panose="02020603050405020304" pitchFamily="18" charset="0"/>
+                <a:cs typeface="Times New Roman" panose="02020603050405020304" pitchFamily="18" charset="0"/>
+              </a:rPr>
+              <a:t>được</a:t>
+            </a:r>
+            <a:r>
+              <a:rPr lang="en-US" altLang="ja-JP" sz="1600" dirty="0">
+                <a:latin typeface="Times New Roman" panose="02020603050405020304" pitchFamily="18" charset="0"/>
+                <a:cs typeface="Times New Roman" panose="02020603050405020304" pitchFamily="18" charset="0"/>
+              </a:rPr>
+              <a:t> </a:t>
+            </a:r>
+            <a:r>
+              <a:rPr lang="en-US" altLang="ja-JP" sz="1600" dirty="0" err="1">
+                <a:latin typeface="Times New Roman" panose="02020603050405020304" pitchFamily="18" charset="0"/>
+                <a:cs typeface="Times New Roman" panose="02020603050405020304" pitchFamily="18" charset="0"/>
+              </a:rPr>
+              <a:t>xử</a:t>
+            </a:r>
+            <a:r>
+              <a:rPr lang="en-US" altLang="ja-JP" sz="1600" dirty="0">
+                <a:latin typeface="Times New Roman" panose="02020603050405020304" pitchFamily="18" charset="0"/>
+                <a:cs typeface="Times New Roman" panose="02020603050405020304" pitchFamily="18" charset="0"/>
+              </a:rPr>
+              <a:t> </a:t>
+            </a:r>
+            <a:r>
+              <a:rPr lang="en-US" altLang="ja-JP" sz="1600" dirty="0" err="1">
+                <a:latin typeface="Times New Roman" panose="02020603050405020304" pitchFamily="18" charset="0"/>
+                <a:cs typeface="Times New Roman" panose="02020603050405020304" pitchFamily="18" charset="0"/>
+              </a:rPr>
+              <a:t>lý</a:t>
+            </a:r>
+            <a:r>
+              <a:rPr lang="en-US" altLang="ja-JP" sz="1600" dirty="0">
+                <a:latin typeface="Times New Roman" panose="02020603050405020304" pitchFamily="18" charset="0"/>
+                <a:cs typeface="Times New Roman" panose="02020603050405020304" pitchFamily="18" charset="0"/>
+              </a:rPr>
+              <a:t> </a:t>
+            </a:r>
+            <a:r>
+              <a:rPr lang="en-US" altLang="ja-JP" sz="1600" dirty="0" err="1">
+                <a:latin typeface="Times New Roman" panose="02020603050405020304" pitchFamily="18" charset="0"/>
+                <a:cs typeface="Times New Roman" panose="02020603050405020304" pitchFamily="18" charset="0"/>
+              </a:rPr>
+              <a:t>hoặc</a:t>
+            </a:r>
+            <a:r>
+              <a:rPr lang="en-US" altLang="ja-JP" sz="1600" dirty="0">
+                <a:latin typeface="Times New Roman" panose="02020603050405020304" pitchFamily="18" charset="0"/>
+                <a:cs typeface="Times New Roman" panose="02020603050405020304" pitchFamily="18" charset="0"/>
+              </a:rPr>
+              <a:t> </a:t>
+            </a:r>
+            <a:r>
+              <a:rPr lang="en-US" altLang="ja-JP" sz="1600" dirty="0" err="1">
+                <a:latin typeface="Times New Roman" panose="02020603050405020304" pitchFamily="18" charset="0"/>
+                <a:cs typeface="Times New Roman" panose="02020603050405020304" pitchFamily="18" charset="0"/>
+              </a:rPr>
+              <a:t>sạc</a:t>
+            </a:r>
+            <a:r>
+              <a:rPr lang="en-US" altLang="ja-JP" sz="1600" dirty="0">
+                <a:latin typeface="Times New Roman" panose="02020603050405020304" pitchFamily="18" charset="0"/>
+                <a:cs typeface="Times New Roman" panose="02020603050405020304" pitchFamily="18" charset="0"/>
+              </a:rPr>
+              <a:t> pin, user </a:t>
+            </a:r>
+            <a:r>
+              <a:rPr lang="en-US" altLang="ja-JP" sz="1600" dirty="0" err="1">
+                <a:latin typeface="Times New Roman" panose="02020603050405020304" pitchFamily="18" charset="0"/>
+                <a:cs typeface="Times New Roman" panose="02020603050405020304" pitchFamily="18" charset="0"/>
+              </a:rPr>
+              <a:t>không</a:t>
+            </a:r>
+            <a:r>
+              <a:rPr lang="en-US" altLang="ja-JP" sz="1600" dirty="0">
+                <a:latin typeface="Times New Roman" panose="02020603050405020304" pitchFamily="18" charset="0"/>
+                <a:cs typeface="Times New Roman" panose="02020603050405020304" pitchFamily="18" charset="0"/>
+              </a:rPr>
+              <a:t> </a:t>
+            </a:r>
+            <a:r>
+              <a:rPr lang="en-US" altLang="ja-JP" sz="1600" dirty="0" err="1">
+                <a:latin typeface="Times New Roman" panose="02020603050405020304" pitchFamily="18" charset="0"/>
+                <a:cs typeface="Times New Roman" panose="02020603050405020304" pitchFamily="18" charset="0"/>
+              </a:rPr>
+              <a:t>thể</a:t>
+            </a:r>
+            <a:r>
+              <a:rPr lang="en-US" altLang="ja-JP" sz="1600" dirty="0">
+                <a:latin typeface="Times New Roman" panose="02020603050405020304" pitchFamily="18" charset="0"/>
+                <a:cs typeface="Times New Roman" panose="02020603050405020304" pitchFamily="18" charset="0"/>
+              </a:rPr>
+              <a:t> </a:t>
+            </a:r>
+            <a:r>
+              <a:rPr lang="en-US" altLang="ja-JP" sz="1600" dirty="0" err="1">
+                <a:latin typeface="Times New Roman" panose="02020603050405020304" pitchFamily="18" charset="0"/>
+                <a:cs typeface="Times New Roman" panose="02020603050405020304" pitchFamily="18" charset="0"/>
+              </a:rPr>
+              <a:t>điều</a:t>
+            </a:r>
+            <a:r>
+              <a:rPr lang="en-US" altLang="ja-JP" sz="1600" dirty="0">
+                <a:latin typeface="Times New Roman" panose="02020603050405020304" pitchFamily="18" charset="0"/>
+                <a:cs typeface="Times New Roman" panose="02020603050405020304" pitchFamily="18" charset="0"/>
+              </a:rPr>
+              <a:t> </a:t>
+            </a:r>
+            <a:r>
+              <a:rPr lang="en-US" altLang="ja-JP" sz="1600" dirty="0" err="1">
+                <a:latin typeface="Times New Roman" panose="02020603050405020304" pitchFamily="18" charset="0"/>
+                <a:cs typeface="Times New Roman" panose="02020603050405020304" pitchFamily="18" charset="0"/>
+              </a:rPr>
+              <a:t>khiển</a:t>
+            </a:r>
+            <a:r>
+              <a:rPr lang="en-US" altLang="ja-JP" sz="1600" dirty="0">
+                <a:latin typeface="Times New Roman" panose="02020603050405020304" pitchFamily="18" charset="0"/>
+                <a:cs typeface="Times New Roman" panose="02020603050405020304" pitchFamily="18" charset="0"/>
+              </a:rPr>
+              <a:t> </a:t>
+            </a:r>
+            <a:r>
+              <a:rPr lang="en-US" altLang="ja-JP" sz="1600" dirty="0" err="1">
+                <a:latin typeface="Times New Roman" panose="02020603050405020304" pitchFamily="18" charset="0"/>
+                <a:cs typeface="Times New Roman" panose="02020603050405020304" pitchFamily="18" charset="0"/>
+              </a:rPr>
+              <a:t>màn</a:t>
+            </a:r>
+            <a:r>
+              <a:rPr lang="en-US" altLang="ja-JP" sz="1600" dirty="0">
+                <a:latin typeface="Times New Roman" panose="02020603050405020304" pitchFamily="18" charset="0"/>
+                <a:cs typeface="Times New Roman" panose="02020603050405020304" pitchFamily="18" charset="0"/>
+              </a:rPr>
+              <a:t> </a:t>
+            </a:r>
+            <a:r>
+              <a:rPr lang="en-US" altLang="ja-JP" sz="1600" dirty="0" err="1">
+                <a:latin typeface="Times New Roman" panose="02020603050405020304" pitchFamily="18" charset="0"/>
+                <a:cs typeface="Times New Roman" panose="02020603050405020304" pitchFamily="18" charset="0"/>
+              </a:rPr>
+              <a:t>hình</a:t>
+            </a:r>
+            <a:r>
+              <a:rPr lang="en-US" altLang="ja-JP" sz="1600" dirty="0">
+                <a:latin typeface="Times New Roman" panose="02020603050405020304" pitchFamily="18" charset="0"/>
+                <a:cs typeface="Times New Roman" panose="02020603050405020304" pitchFamily="18" charset="0"/>
+              </a:rPr>
+              <a:t> </a:t>
+            </a:r>
+            <a:endParaRPr lang="en-US" sz="1600" b="1" dirty="0">
+              <a:latin typeface="Times New Roman" panose="02020603050405020304" pitchFamily="18" charset="0"/>
+              <a:cs typeface="Times New Roman" panose="02020603050405020304" pitchFamily="18" charset="0"/>
+            </a:endParaRPr>
+          </a:p>
+        </p:txBody>
+      </p:sp>
+      <p:pic>
+        <p:nvPicPr>
+          <p:cNvPr id="6" name="Picture 5"/>
+          <p:cNvPicPr>
+            <a:picLocks noChangeAspect="1"/>
+          </p:cNvPicPr>
+          <p:nvPr/>
+        </p:nvPicPr>
+        <p:blipFill>
+          <a:blip r:embed="rId2"/>
+          <a:stretch>
+            <a:fillRect/>
+          </a:stretch>
+        </p:blipFill>
+        <p:spPr>
+          <a:xfrm>
+            <a:off x="1348154" y="2162666"/>
+            <a:ext cx="7805714" cy="4160000"/>
+          </a:xfrm>
+          <a:prstGeom prst="rect">
+            <a:avLst/>
+          </a:prstGeom>
+        </p:spPr>
+      </p:pic>
+    </p:spTree>
+    <p:extLst>
+      <p:ext uri="{BB962C8B-B14F-4D97-AF65-F5344CB8AC3E}">
+        <p14:creationId xmlns:p14="http://schemas.microsoft.com/office/powerpoint/2010/main" val="1235802612"/>
+      </p:ext>
+    </p:extLst>
+  </p:cSld>
+  <p:clrMapOvr>
+    <a:masterClrMapping/>
+  </p:clrMapOvr>
+  <p:timing>
+    <p:tnLst>
+      <p:par>
+        <p:cTn id="1" dur="indefinite" restart="never" nodeType="tmRoot"/>
+      </p:par>
+    </p:tnLst>
+  </p:timing>
+</p:sld>
+</file>
+
+<file path=ppt/slides/slide12.xml><?xml version="1.0" encoding="utf-8"?>
 <p:sld xmlns:a="http://schemas.openxmlformats.org/drawingml/2006/main" xmlns:r="http://schemas.openxmlformats.org/officeDocument/2006/relationships" xmlns:p="http://schemas.openxmlformats.org/presentationml/2006/main">
   <p:cSld>
     <p:spTree>
@@ -9191,7 +9603,7 @@
 </p:sld>
 </file>
 
-<file path=ppt/slides/slide12.xml><?xml version="1.0" encoding="utf-8"?>
+<file path=ppt/slides/slide13.xml><?xml version="1.0" encoding="utf-8"?>
 <p:sld xmlns:a="http://schemas.openxmlformats.org/drawingml/2006/main" xmlns:r="http://schemas.openxmlformats.org/officeDocument/2006/relationships" xmlns:p="http://schemas.openxmlformats.org/presentationml/2006/main">
   <p:cSld>
     <p:spTree>
@@ -9788,903 +10200,6 @@
     <p:extLst>
       <p:ext uri="{BB962C8B-B14F-4D97-AF65-F5344CB8AC3E}">
         <p14:creationId xmlns:p14="http://schemas.microsoft.com/office/powerpoint/2010/main" val="2591864057"/>
-      </p:ext>
-    </p:extLst>
-  </p:cSld>
-  <p:clrMapOvr>
-    <a:masterClrMapping/>
-  </p:clrMapOvr>
-  <mc:AlternateContent xmlns:mc="http://schemas.openxmlformats.org/markup-compatibility/2006" xmlns:p15="http://schemas.microsoft.com/office/powerpoint/2012/main">
-    <mc:Choice Requires="p15">
-      <p:transition xmlns:p14="http://schemas.microsoft.com/office/powerpoint/2010/main" spd="slow" p14:dur="1250">
-        <p15:prstTrans prst="pageCurlDouble"/>
-      </p:transition>
-    </mc:Choice>
-    <mc:Fallback xmlns="">
-      <p:transition spd="slow">
-        <p:fade/>
-      </p:transition>
-    </mc:Fallback>
-  </mc:AlternateContent>
-  <p:timing>
-    <p:tnLst>
-      <p:par>
-        <p:cTn id="1" dur="indefinite" restart="never" nodeType="tmRoot"/>
-      </p:par>
-    </p:tnLst>
-  </p:timing>
-</p:sld>
-</file>
-
-<file path=ppt/slides/slide13.xml><?xml version="1.0" encoding="utf-8"?>
-<p:sld xmlns:a="http://schemas.openxmlformats.org/drawingml/2006/main" xmlns:r="http://schemas.openxmlformats.org/officeDocument/2006/relationships" xmlns:p="http://schemas.openxmlformats.org/presentationml/2006/main">
-  <p:cSld>
-    <p:spTree>
-      <p:nvGrpSpPr>
-        <p:cNvPr id="1" name=""/>
-        <p:cNvGrpSpPr/>
-        <p:nvPr/>
-      </p:nvGrpSpPr>
-      <p:grpSpPr>
-        <a:xfrm>
-          <a:off x="0" y="0"/>
-          <a:ext cx="0" cy="0"/>
-          <a:chOff x="0" y="0"/>
-          <a:chExt cx="0" cy="0"/>
-        </a:xfrm>
-      </p:grpSpPr>
-      <p:sp>
-        <p:nvSpPr>
-          <p:cNvPr id="2" name="Title 1">
-            <a:extLst>
-              <a:ext uri="{FF2B5EF4-FFF2-40B4-BE49-F238E27FC236}">
-                <a16:creationId xmlns:a16="http://schemas.microsoft.com/office/drawing/2014/main" id="{2C4C0330-65A7-4C44-BDB7-0885CC314B41}"/>
-              </a:ext>
-            </a:extLst>
-          </p:cNvPr>
-          <p:cNvSpPr>
-            <a:spLocks noGrp="1"/>
-          </p:cNvSpPr>
-          <p:nvPr>
-            <p:ph type="title"/>
-          </p:nvPr>
-        </p:nvSpPr>
-        <p:spPr>
-          <a:xfrm>
-            <a:off x="1058333" y="367454"/>
-            <a:ext cx="10058400" cy="1371600"/>
-          </a:xfrm>
-        </p:spPr>
-        <p:txBody>
-          <a:bodyPr/>
-          <a:lstStyle/>
-          <a:p>
-            <a:r>
-              <a:rPr lang="en-US" sz="4000" kern="1200" cap="all" dirty="0" err="1">
-                <a:solidFill>
-                  <a:prstClr val="black">
-                    <a:hueOff val="0"/>
-                    <a:satOff val="0"/>
-                    <a:lumOff val="0"/>
-                    <a:alphaOff val="0"/>
-                  </a:prstClr>
-                </a:solidFill>
-                <a:latin typeface="Times New Roman" panose="02020603050405020304" pitchFamily="18" charset="0"/>
-                <a:ea typeface="+mn-ea"/>
-                <a:cs typeface="Times New Roman" panose="02020603050405020304" pitchFamily="18" charset="0"/>
-              </a:rPr>
-              <a:t>Chức</a:t>
-            </a:r>
-            <a:r>
-              <a:rPr lang="en-US" sz="4000" kern="1200" cap="all" dirty="0">
-                <a:solidFill>
-                  <a:prstClr val="black">
-                    <a:hueOff val="0"/>
-                    <a:satOff val="0"/>
-                    <a:lumOff val="0"/>
-                    <a:alphaOff val="0"/>
-                  </a:prstClr>
-                </a:solidFill>
-                <a:latin typeface="Times New Roman" panose="02020603050405020304" pitchFamily="18" charset="0"/>
-                <a:ea typeface="+mn-ea"/>
-                <a:cs typeface="Times New Roman" panose="02020603050405020304" pitchFamily="18" charset="0"/>
-              </a:rPr>
-              <a:t> </a:t>
-            </a:r>
-            <a:r>
-              <a:rPr lang="en-US" sz="4000" kern="1200" cap="all" dirty="0" err="1">
-                <a:solidFill>
-                  <a:prstClr val="black">
-                    <a:hueOff val="0"/>
-                    <a:satOff val="0"/>
-                    <a:lumOff val="0"/>
-                    <a:alphaOff val="0"/>
-                  </a:prstClr>
-                </a:solidFill>
-                <a:latin typeface="Times New Roman" panose="02020603050405020304" pitchFamily="18" charset="0"/>
-                <a:ea typeface="+mn-ea"/>
-                <a:cs typeface="Times New Roman" panose="02020603050405020304" pitchFamily="18" charset="0"/>
-              </a:rPr>
-              <a:t>Năng</a:t>
-            </a:r>
-            <a:r>
-              <a:rPr lang="en-US" sz="4000" kern="1200" cap="all" dirty="0">
-                <a:solidFill>
-                  <a:prstClr val="black">
-                    <a:hueOff val="0"/>
-                    <a:satOff val="0"/>
-                    <a:lumOff val="0"/>
-                    <a:alphaOff val="0"/>
-                  </a:prstClr>
-                </a:solidFill>
-                <a:latin typeface="Times New Roman" panose="02020603050405020304" pitchFamily="18" charset="0"/>
-                <a:ea typeface="+mn-ea"/>
-                <a:cs typeface="Times New Roman" panose="02020603050405020304" pitchFamily="18" charset="0"/>
-              </a:rPr>
-              <a:t> </a:t>
-            </a:r>
-            <a:r>
-              <a:rPr lang="en-US" sz="4000" kern="1200" cap="all" dirty="0" err="1">
-                <a:solidFill>
-                  <a:prstClr val="black">
-                    <a:hueOff val="0"/>
-                    <a:satOff val="0"/>
-                    <a:lumOff val="0"/>
-                    <a:alphaOff val="0"/>
-                  </a:prstClr>
-                </a:solidFill>
-                <a:latin typeface="Times New Roman" panose="02020603050405020304" pitchFamily="18" charset="0"/>
-                <a:ea typeface="+mn-ea"/>
-                <a:cs typeface="Times New Roman" panose="02020603050405020304" pitchFamily="18" charset="0"/>
-              </a:rPr>
-              <a:t>chính</a:t>
-            </a:r>
-            <a:r>
-              <a:rPr lang="en-US" sz="4000" kern="1200" cap="all" dirty="0">
-                <a:solidFill>
-                  <a:prstClr val="black">
-                    <a:hueOff val="0"/>
-                    <a:satOff val="0"/>
-                    <a:lumOff val="0"/>
-                    <a:alphaOff val="0"/>
-                  </a:prstClr>
-                </a:solidFill>
-                <a:latin typeface="Times New Roman" panose="02020603050405020304" pitchFamily="18" charset="0"/>
-                <a:ea typeface="+mn-ea"/>
-                <a:cs typeface="Times New Roman" panose="02020603050405020304" pitchFamily="18" charset="0"/>
-              </a:rPr>
-              <a:t> (web-</a:t>
-            </a:r>
-            <a:r>
-              <a:rPr lang="en-US" sz="4000" dirty="0">
-                <a:latin typeface="Times New Roman" panose="02020603050405020304" pitchFamily="18" charset="0"/>
-                <a:cs typeface="Times New Roman" panose="02020603050405020304" pitchFamily="18" charset="0"/>
-              </a:rPr>
-              <a:t> CONTROL</a:t>
-            </a:r>
-            <a:r>
-              <a:rPr lang="en-US" sz="4000" kern="1200" cap="all" dirty="0">
-                <a:solidFill>
-                  <a:prstClr val="black">
-                    <a:hueOff val="0"/>
-                    <a:satOff val="0"/>
-                    <a:lumOff val="0"/>
-                    <a:alphaOff val="0"/>
-                  </a:prstClr>
-                </a:solidFill>
-                <a:latin typeface="Times New Roman" panose="02020603050405020304" pitchFamily="18" charset="0"/>
-                <a:ea typeface="+mn-ea"/>
-                <a:cs typeface="Times New Roman" panose="02020603050405020304" pitchFamily="18" charset="0"/>
-              </a:rPr>
-              <a:t>)</a:t>
-            </a:r>
-            <a:endParaRPr lang="en-US" dirty="0"/>
-          </a:p>
-        </p:txBody>
-      </p:sp>
-      <p:sp>
-        <p:nvSpPr>
-          <p:cNvPr id="3" name="Content Placeholder 2">
-            <a:extLst>
-              <a:ext uri="{FF2B5EF4-FFF2-40B4-BE49-F238E27FC236}">
-                <a16:creationId xmlns:a16="http://schemas.microsoft.com/office/drawing/2014/main" id="{6BD33AFF-0007-470D-A40C-FD28176A68C2}"/>
-              </a:ext>
-            </a:extLst>
-          </p:cNvPr>
-          <p:cNvSpPr>
-            <a:spLocks noGrp="1"/>
-          </p:cNvSpPr>
-          <p:nvPr>
-            <p:ph idx="1"/>
-          </p:nvPr>
-        </p:nvSpPr>
-        <p:spPr>
-          <a:xfrm>
-            <a:off x="910166" y="1535854"/>
-            <a:ext cx="10545234" cy="3849624"/>
-          </a:xfrm>
-        </p:spPr>
-        <p:txBody>
-          <a:bodyPr>
-            <a:normAutofit/>
-          </a:bodyPr>
-          <a:lstStyle/>
-          <a:p>
-            <a:r>
-              <a:rPr lang="en-US" sz="1800" dirty="0">
-                <a:latin typeface="Times New Roman" panose="02020603050405020304" pitchFamily="18" charset="0"/>
-                <a:cs typeface="Times New Roman" panose="02020603050405020304" pitchFamily="18" charset="0"/>
-              </a:rPr>
-              <a:t>Control</a:t>
-            </a:r>
-            <a:r>
-              <a:rPr lang="en-US" sz="1800" b="1" dirty="0">
-                <a:latin typeface="Times New Roman" panose="02020603050405020304" pitchFamily="18" charset="0"/>
-                <a:cs typeface="Times New Roman" panose="02020603050405020304" pitchFamily="18" charset="0"/>
-              </a:rPr>
-              <a:t> Page</a:t>
-            </a:r>
-            <a:r>
-              <a:rPr lang="en-US" sz="1800" b="1" dirty="0" smtClean="0">
-                <a:latin typeface="Times New Roman" panose="02020603050405020304" pitchFamily="18" charset="0"/>
-                <a:cs typeface="Times New Roman" panose="02020603050405020304" pitchFamily="18" charset="0"/>
-              </a:rPr>
-              <a:t>: </a:t>
-            </a:r>
-            <a:r>
-              <a:rPr lang="en-US" altLang="ja-JP" sz="1800" dirty="0" err="1">
-                <a:latin typeface="Times New Roman" panose="02020603050405020304" pitchFamily="18" charset="0"/>
-                <a:cs typeface="Times New Roman" panose="02020603050405020304" pitchFamily="18" charset="0"/>
-              </a:rPr>
-              <a:t>Thời</a:t>
-            </a:r>
-            <a:r>
-              <a:rPr lang="en-US" altLang="ja-JP" sz="1800" dirty="0">
-                <a:latin typeface="Times New Roman" panose="02020603050405020304" pitchFamily="18" charset="0"/>
-                <a:cs typeface="Times New Roman" panose="02020603050405020304" pitchFamily="18" charset="0"/>
-              </a:rPr>
-              <a:t> </a:t>
-            </a:r>
-            <a:r>
-              <a:rPr lang="en-US" altLang="ja-JP" sz="1800" dirty="0" err="1">
-                <a:latin typeface="Times New Roman" panose="02020603050405020304" pitchFamily="18" charset="0"/>
-                <a:cs typeface="Times New Roman" panose="02020603050405020304" pitchFamily="18" charset="0"/>
-              </a:rPr>
-              <a:t>gian</a:t>
-            </a:r>
-            <a:r>
-              <a:rPr lang="en-US" altLang="ja-JP" sz="1800" dirty="0">
-                <a:latin typeface="Times New Roman" panose="02020603050405020304" pitchFamily="18" charset="0"/>
-                <a:cs typeface="Times New Roman" panose="02020603050405020304" pitchFamily="18" charset="0"/>
-              </a:rPr>
-              <a:t> </a:t>
-            </a:r>
-            <a:r>
-              <a:rPr lang="en-US" altLang="ja-JP" sz="1800" dirty="0" err="1">
-                <a:latin typeface="Times New Roman" panose="02020603050405020304" pitchFamily="18" charset="0"/>
-                <a:cs typeface="Times New Roman" panose="02020603050405020304" pitchFamily="18" charset="0"/>
-              </a:rPr>
-              <a:t>tối</a:t>
-            </a:r>
-            <a:r>
-              <a:rPr lang="en-US" altLang="ja-JP" sz="1800" dirty="0">
-                <a:latin typeface="Times New Roman" panose="02020603050405020304" pitchFamily="18" charset="0"/>
-                <a:cs typeface="Times New Roman" panose="02020603050405020304" pitchFamily="18" charset="0"/>
-              </a:rPr>
-              <a:t> </a:t>
-            </a:r>
-            <a:r>
-              <a:rPr lang="en-US" altLang="ja-JP" sz="1800" dirty="0" err="1">
-                <a:latin typeface="Times New Roman" panose="02020603050405020304" pitchFamily="18" charset="0"/>
-                <a:cs typeface="Times New Roman" panose="02020603050405020304" pitchFamily="18" charset="0"/>
-              </a:rPr>
-              <a:t>đa</a:t>
-            </a:r>
-            <a:r>
-              <a:rPr lang="en-US" altLang="ja-JP" sz="1800" dirty="0">
-                <a:latin typeface="Times New Roman" panose="02020603050405020304" pitchFamily="18" charset="0"/>
-                <a:cs typeface="Times New Roman" panose="02020603050405020304" pitchFamily="18" charset="0"/>
-              </a:rPr>
-              <a:t> </a:t>
-            </a:r>
-            <a:r>
-              <a:rPr lang="en-US" altLang="ja-JP" sz="1800" dirty="0" err="1">
-                <a:latin typeface="Times New Roman" panose="02020603050405020304" pitchFamily="18" charset="0"/>
-                <a:cs typeface="Times New Roman" panose="02020603050405020304" pitchFamily="18" charset="0"/>
-              </a:rPr>
-              <a:t>được</a:t>
-            </a:r>
-            <a:r>
-              <a:rPr lang="en-US" altLang="ja-JP" sz="1800" dirty="0">
-                <a:latin typeface="Times New Roman" panose="02020603050405020304" pitchFamily="18" charset="0"/>
-                <a:cs typeface="Times New Roman" panose="02020603050405020304" pitchFamily="18" charset="0"/>
-              </a:rPr>
-              <a:t> </a:t>
-            </a:r>
-            <a:r>
-              <a:rPr lang="en-US" altLang="ja-JP" sz="1800" dirty="0" err="1">
-                <a:latin typeface="Times New Roman" panose="02020603050405020304" pitchFamily="18" charset="0"/>
-                <a:cs typeface="Times New Roman" panose="02020603050405020304" pitchFamily="18" charset="0"/>
-              </a:rPr>
-              <a:t>phép</a:t>
-            </a:r>
-            <a:r>
-              <a:rPr lang="en-US" altLang="ja-JP" sz="1800" dirty="0">
-                <a:latin typeface="Times New Roman" panose="02020603050405020304" pitchFamily="18" charset="0"/>
-                <a:cs typeface="Times New Roman" panose="02020603050405020304" pitchFamily="18" charset="0"/>
-              </a:rPr>
-              <a:t> </a:t>
-            </a:r>
-            <a:r>
-              <a:rPr lang="en-US" altLang="ja-JP" sz="1800" dirty="0" err="1">
-                <a:latin typeface="Times New Roman" panose="02020603050405020304" pitchFamily="18" charset="0"/>
-                <a:cs typeface="Times New Roman" panose="02020603050405020304" pitchFamily="18" charset="0"/>
-              </a:rPr>
-              <a:t>sử</a:t>
-            </a:r>
-            <a:r>
-              <a:rPr lang="en-US" altLang="ja-JP" sz="1800" dirty="0">
-                <a:latin typeface="Times New Roman" panose="02020603050405020304" pitchFamily="18" charset="0"/>
-                <a:cs typeface="Times New Roman" panose="02020603050405020304" pitchFamily="18" charset="0"/>
-              </a:rPr>
-              <a:t> </a:t>
-            </a:r>
-            <a:r>
-              <a:rPr lang="en-US" altLang="ja-JP" sz="1800" dirty="0" err="1">
-                <a:latin typeface="Times New Roman" panose="02020603050405020304" pitchFamily="18" charset="0"/>
-                <a:cs typeface="Times New Roman" panose="02020603050405020304" pitchFamily="18" charset="0"/>
-              </a:rPr>
-              <a:t>dụng</a:t>
-            </a:r>
-            <a:r>
-              <a:rPr lang="en-US" altLang="ja-JP" sz="1800" dirty="0">
-                <a:latin typeface="Times New Roman" panose="02020603050405020304" pitchFamily="18" charset="0"/>
-                <a:cs typeface="Times New Roman" panose="02020603050405020304" pitchFamily="18" charset="0"/>
-              </a:rPr>
-              <a:t> Page Control </a:t>
-            </a:r>
-            <a:r>
-              <a:rPr lang="en-US" altLang="ja-JP" sz="1800" dirty="0" err="1">
-                <a:latin typeface="Times New Roman" panose="02020603050405020304" pitchFamily="18" charset="0"/>
-                <a:cs typeface="Times New Roman" panose="02020603050405020304" pitchFamily="18" charset="0"/>
-              </a:rPr>
-              <a:t>là</a:t>
-            </a:r>
-            <a:r>
-              <a:rPr lang="en-US" altLang="ja-JP" sz="1800" dirty="0">
-                <a:latin typeface="Times New Roman" panose="02020603050405020304" pitchFamily="18" charset="0"/>
-                <a:cs typeface="Times New Roman" panose="02020603050405020304" pitchFamily="18" charset="0"/>
-              </a:rPr>
-              <a:t> 10 </a:t>
-            </a:r>
-            <a:r>
-              <a:rPr lang="en-US" altLang="ja-JP" sz="1800" dirty="0" err="1">
-                <a:latin typeface="Times New Roman" panose="02020603050405020304" pitchFamily="18" charset="0"/>
-                <a:cs typeface="Times New Roman" panose="02020603050405020304" pitchFamily="18" charset="0"/>
-              </a:rPr>
-              <a:t>phút</a:t>
-            </a:r>
-            <a:r>
-              <a:rPr lang="en-US" altLang="ja-JP" sz="1800" dirty="0">
-                <a:latin typeface="Times New Roman" panose="02020603050405020304" pitchFamily="18" charset="0"/>
-                <a:cs typeface="Times New Roman" panose="02020603050405020304" pitchFamily="18" charset="0"/>
-              </a:rPr>
-              <a:t>. </a:t>
-            </a:r>
-            <a:r>
-              <a:rPr lang="en-US" altLang="ja-JP" sz="1800" dirty="0" err="1">
-                <a:latin typeface="Times New Roman" panose="02020603050405020304" pitchFamily="18" charset="0"/>
-                <a:cs typeface="Times New Roman" panose="02020603050405020304" pitchFamily="18" charset="0"/>
-              </a:rPr>
-              <a:t>Sau</a:t>
-            </a:r>
-            <a:r>
-              <a:rPr lang="en-US" altLang="ja-JP" sz="1800" dirty="0">
-                <a:latin typeface="Times New Roman" panose="02020603050405020304" pitchFamily="18" charset="0"/>
-                <a:cs typeface="Times New Roman" panose="02020603050405020304" pitchFamily="18" charset="0"/>
-              </a:rPr>
-              <a:t> 10 </a:t>
-            </a:r>
-            <a:r>
-              <a:rPr lang="en-US" altLang="ja-JP" sz="1800" dirty="0" err="1">
-                <a:latin typeface="Times New Roman" panose="02020603050405020304" pitchFamily="18" charset="0"/>
-                <a:cs typeface="Times New Roman" panose="02020603050405020304" pitchFamily="18" charset="0"/>
-              </a:rPr>
-              <a:t>phút</a:t>
-            </a:r>
-            <a:r>
-              <a:rPr lang="en-US" altLang="ja-JP" sz="1800" dirty="0">
-                <a:latin typeface="Times New Roman" panose="02020603050405020304" pitchFamily="18" charset="0"/>
-                <a:cs typeface="Times New Roman" panose="02020603050405020304" pitchFamily="18" charset="0"/>
-              </a:rPr>
-              <a:t> </a:t>
-            </a:r>
-            <a:r>
-              <a:rPr lang="en-US" altLang="ja-JP" sz="1800" dirty="0" err="1">
-                <a:latin typeface="Times New Roman" panose="02020603050405020304" pitchFamily="18" charset="0"/>
-                <a:cs typeface="Times New Roman" panose="02020603050405020304" pitchFamily="18" charset="0"/>
-              </a:rPr>
-              <a:t>sẽ</a:t>
-            </a:r>
-            <a:r>
-              <a:rPr lang="en-US" altLang="ja-JP" sz="1800" dirty="0">
-                <a:latin typeface="Times New Roman" panose="02020603050405020304" pitchFamily="18" charset="0"/>
-                <a:cs typeface="Times New Roman" panose="02020603050405020304" pitchFamily="18" charset="0"/>
-              </a:rPr>
-              <a:t> </a:t>
-            </a:r>
-            <a:r>
-              <a:rPr lang="en-US" altLang="ja-JP" sz="1800" dirty="0" err="1">
-                <a:latin typeface="Times New Roman" panose="02020603050405020304" pitchFamily="18" charset="0"/>
-                <a:cs typeface="Times New Roman" panose="02020603050405020304" pitchFamily="18" charset="0"/>
-              </a:rPr>
-              <a:t>tự</a:t>
-            </a:r>
-            <a:r>
-              <a:rPr lang="en-US" altLang="ja-JP" sz="1800" dirty="0">
-                <a:latin typeface="Times New Roman" panose="02020603050405020304" pitchFamily="18" charset="0"/>
-                <a:cs typeface="Times New Roman" panose="02020603050405020304" pitchFamily="18" charset="0"/>
-              </a:rPr>
-              <a:t> </a:t>
-            </a:r>
-            <a:r>
-              <a:rPr lang="en-US" altLang="ja-JP" sz="1800" dirty="0" err="1">
-                <a:latin typeface="Times New Roman" panose="02020603050405020304" pitchFamily="18" charset="0"/>
-                <a:cs typeface="Times New Roman" panose="02020603050405020304" pitchFamily="18" charset="0"/>
-              </a:rPr>
-              <a:t>động</a:t>
-            </a:r>
-            <a:r>
-              <a:rPr lang="en-US" altLang="ja-JP" sz="1800" dirty="0">
-                <a:latin typeface="Times New Roman" panose="02020603050405020304" pitchFamily="18" charset="0"/>
-                <a:cs typeface="Times New Roman" panose="02020603050405020304" pitchFamily="18" charset="0"/>
-              </a:rPr>
-              <a:t> logout user</a:t>
-            </a:r>
-            <a:endParaRPr lang="en-US" sz="1800" b="1" dirty="0" smtClean="0">
-              <a:latin typeface="Times New Roman" panose="02020603050405020304" pitchFamily="18" charset="0"/>
-              <a:cs typeface="Times New Roman" panose="02020603050405020304" pitchFamily="18" charset="0"/>
-            </a:endParaRPr>
-          </a:p>
-          <a:p>
-            <a:pPr marL="0" indent="0">
-              <a:buNone/>
-            </a:pPr>
-            <a:r>
-              <a:rPr lang="en-US" sz="1800" dirty="0" smtClean="0">
-                <a:latin typeface="Times New Roman" panose="02020603050405020304" pitchFamily="18" charset="0"/>
-                <a:cs typeface="Times New Roman" panose="02020603050405020304" pitchFamily="18" charset="0"/>
-              </a:rPr>
-              <a:t>	</a:t>
-            </a:r>
-          </a:p>
-          <a:p>
-            <a:pPr marL="0" indent="0">
-              <a:buNone/>
-            </a:pPr>
-            <a:endParaRPr lang="en-US" sz="1800" dirty="0" smtClean="0">
-              <a:latin typeface="Times New Roman" panose="02020603050405020304" pitchFamily="18" charset="0"/>
-              <a:cs typeface="Times New Roman" panose="02020603050405020304" pitchFamily="18" charset="0"/>
-            </a:endParaRPr>
-          </a:p>
-          <a:p>
-            <a:pPr marL="0" indent="0">
-              <a:buNone/>
-            </a:pPr>
-            <a:r>
-              <a:rPr lang="en-US" sz="1800" b="1" dirty="0" smtClean="0">
-                <a:latin typeface="Times New Roman" panose="02020603050405020304" pitchFamily="18" charset="0"/>
-                <a:cs typeface="Times New Roman" panose="02020603050405020304" pitchFamily="18" charset="0"/>
-              </a:rPr>
-              <a:t>                </a:t>
-            </a:r>
-            <a:endParaRPr lang="en-US" sz="1800" b="1" dirty="0">
-              <a:latin typeface="Times New Roman" panose="02020603050405020304" pitchFamily="18" charset="0"/>
-              <a:cs typeface="Times New Roman" panose="02020603050405020304" pitchFamily="18" charset="0"/>
-            </a:endParaRPr>
-          </a:p>
-        </p:txBody>
-      </p:sp>
-      <p:pic>
-        <p:nvPicPr>
-          <p:cNvPr id="5" name="Picture 4"/>
-          <p:cNvPicPr>
-            <a:picLocks noChangeAspect="1"/>
-          </p:cNvPicPr>
-          <p:nvPr/>
-        </p:nvPicPr>
-        <p:blipFill>
-          <a:blip r:embed="rId2"/>
-          <a:stretch>
-            <a:fillRect/>
-          </a:stretch>
-        </p:blipFill>
-        <p:spPr>
-          <a:xfrm>
-            <a:off x="1235531" y="2003459"/>
-            <a:ext cx="9448801" cy="4466199"/>
-          </a:xfrm>
-          <a:prstGeom prst="rect">
-            <a:avLst/>
-          </a:prstGeom>
-        </p:spPr>
-      </p:pic>
-      <p:sp>
-        <p:nvSpPr>
-          <p:cNvPr id="6" name="Rectangle 5"/>
-          <p:cNvSpPr/>
-          <p:nvPr/>
-        </p:nvSpPr>
-        <p:spPr>
-          <a:xfrm>
-            <a:off x="2904067" y="3005667"/>
-            <a:ext cx="3598332" cy="431800"/>
-          </a:xfrm>
-          <a:prstGeom prst="rect">
-            <a:avLst/>
-          </a:prstGeom>
-          <a:noFill/>
-          <a:ln w="38100">
-            <a:solidFill>
-              <a:schemeClr val="accent2">
-                <a:lumMod val="75000"/>
-              </a:schemeClr>
-            </a:solidFill>
-          </a:ln>
-        </p:spPr>
-        <p:style>
-          <a:lnRef idx="2">
-            <a:schemeClr val="accent1">
-              <a:shade val="50000"/>
-            </a:schemeClr>
-          </a:lnRef>
-          <a:fillRef idx="1">
-            <a:schemeClr val="accent1"/>
-          </a:fillRef>
-          <a:effectRef idx="0">
-            <a:schemeClr val="accent1"/>
-          </a:effectRef>
-          <a:fontRef idx="minor">
-            <a:schemeClr val="lt1"/>
-          </a:fontRef>
-        </p:style>
-        <p:txBody>
-          <a:bodyPr rtlCol="0" anchor="ctr"/>
-          <a:lstStyle/>
-          <a:p>
-            <a:pPr algn="ctr"/>
-            <a:endParaRPr kumimoji="1" lang="ja-JP" altLang="en-US"/>
-          </a:p>
-        </p:txBody>
-      </p:sp>
-      <p:sp>
-        <p:nvSpPr>
-          <p:cNvPr id="7" name="Rounded Rectangular Callout 6"/>
-          <p:cNvSpPr/>
-          <p:nvPr/>
-        </p:nvSpPr>
-        <p:spPr>
-          <a:xfrm>
-            <a:off x="5232399" y="2267536"/>
-            <a:ext cx="1989668" cy="474055"/>
-          </a:xfrm>
-          <a:prstGeom prst="wedgeRoundRectCallout">
-            <a:avLst>
-              <a:gd name="adj1" fmla="val -12825"/>
-              <a:gd name="adj2" fmla="val 119856"/>
-              <a:gd name="adj3" fmla="val 16667"/>
-            </a:avLst>
-          </a:prstGeom>
-        </p:spPr>
-        <p:style>
-          <a:lnRef idx="2">
-            <a:schemeClr val="accent1">
-              <a:shade val="50000"/>
-            </a:schemeClr>
-          </a:lnRef>
-          <a:fillRef idx="1">
-            <a:schemeClr val="accent1"/>
-          </a:fillRef>
-          <a:effectRef idx="0">
-            <a:schemeClr val="accent1"/>
-          </a:effectRef>
-          <a:fontRef idx="minor">
-            <a:schemeClr val="lt1"/>
-          </a:fontRef>
-        </p:style>
-        <p:txBody>
-          <a:bodyPr rtlCol="0" anchor="ctr"/>
-          <a:lstStyle/>
-          <a:p>
-            <a:pPr algn="ctr"/>
-            <a:r>
-              <a:rPr kumimoji="1" lang="en-US" altLang="ja-JP" sz="1200" dirty="0" err="1" smtClean="0">
-                <a:latin typeface="Times New Roman" panose="02020603050405020304" pitchFamily="18" charset="0"/>
-                <a:cs typeface="Times New Roman" panose="02020603050405020304" pitchFamily="18" charset="0"/>
-              </a:rPr>
-              <a:t>Khu</a:t>
-            </a:r>
-            <a:r>
-              <a:rPr kumimoji="1" lang="en-US" altLang="ja-JP" sz="1200" dirty="0" smtClean="0">
-                <a:latin typeface="Times New Roman" panose="02020603050405020304" pitchFamily="18" charset="0"/>
-                <a:cs typeface="Times New Roman" panose="02020603050405020304" pitchFamily="18" charset="0"/>
-              </a:rPr>
-              <a:t> </a:t>
-            </a:r>
-            <a:r>
-              <a:rPr kumimoji="1" lang="en-US" altLang="ja-JP" sz="1200" dirty="0" err="1" smtClean="0">
-                <a:latin typeface="Times New Roman" panose="02020603050405020304" pitchFamily="18" charset="0"/>
-                <a:cs typeface="Times New Roman" panose="02020603050405020304" pitchFamily="18" charset="0"/>
-              </a:rPr>
-              <a:t>vực</a:t>
-            </a:r>
-            <a:r>
-              <a:rPr kumimoji="1" lang="en-US" altLang="ja-JP" sz="1200" dirty="0" smtClean="0">
-                <a:latin typeface="Times New Roman" panose="02020603050405020304" pitchFamily="18" charset="0"/>
-                <a:cs typeface="Times New Roman" panose="02020603050405020304" pitchFamily="18" charset="0"/>
-              </a:rPr>
-              <a:t> </a:t>
-            </a:r>
-            <a:r>
-              <a:rPr kumimoji="1" lang="en-US" altLang="ja-JP" sz="1200" dirty="0" err="1" smtClean="0">
-                <a:latin typeface="Times New Roman" panose="02020603050405020304" pitchFamily="18" charset="0"/>
-                <a:cs typeface="Times New Roman" panose="02020603050405020304" pitchFamily="18" charset="0"/>
-              </a:rPr>
-              <a:t>theo</a:t>
-            </a:r>
-            <a:r>
-              <a:rPr kumimoji="1" lang="en-US" altLang="ja-JP" sz="1200" dirty="0" smtClean="0">
-                <a:latin typeface="Times New Roman" panose="02020603050405020304" pitchFamily="18" charset="0"/>
-                <a:cs typeface="Times New Roman" panose="02020603050405020304" pitchFamily="18" charset="0"/>
-              </a:rPr>
-              <a:t> </a:t>
-            </a:r>
-            <a:r>
-              <a:rPr kumimoji="1" lang="en-US" altLang="ja-JP" sz="1200" dirty="0" err="1" smtClean="0">
-                <a:latin typeface="Times New Roman" panose="02020603050405020304" pitchFamily="18" charset="0"/>
-                <a:cs typeface="Times New Roman" panose="02020603050405020304" pitchFamily="18" charset="0"/>
-              </a:rPr>
-              <a:t>dõi</a:t>
-            </a:r>
-            <a:r>
-              <a:rPr kumimoji="1" lang="en-US" altLang="ja-JP" sz="1200" dirty="0" smtClean="0">
-                <a:latin typeface="Times New Roman" panose="02020603050405020304" pitchFamily="18" charset="0"/>
-                <a:cs typeface="Times New Roman" panose="02020603050405020304" pitchFamily="18" charset="0"/>
-              </a:rPr>
-              <a:t> </a:t>
-            </a:r>
-            <a:r>
-              <a:rPr kumimoji="1" lang="en-US" altLang="ja-JP" sz="1200" dirty="0" err="1" smtClean="0">
-                <a:latin typeface="Times New Roman" panose="02020603050405020304" pitchFamily="18" charset="0"/>
-                <a:cs typeface="Times New Roman" panose="02020603050405020304" pitchFamily="18" charset="0"/>
-              </a:rPr>
-              <a:t>thời</a:t>
-            </a:r>
-            <a:r>
-              <a:rPr kumimoji="1" lang="en-US" altLang="ja-JP" sz="1200" dirty="0" smtClean="0">
-                <a:latin typeface="Times New Roman" panose="02020603050405020304" pitchFamily="18" charset="0"/>
-                <a:cs typeface="Times New Roman" panose="02020603050405020304" pitchFamily="18" charset="0"/>
-              </a:rPr>
-              <a:t> </a:t>
-            </a:r>
-            <a:r>
-              <a:rPr kumimoji="1" lang="en-US" altLang="ja-JP" sz="1200" dirty="0" err="1" smtClean="0">
-                <a:latin typeface="Times New Roman" panose="02020603050405020304" pitchFamily="18" charset="0"/>
-                <a:cs typeface="Times New Roman" panose="02020603050405020304" pitchFamily="18" charset="0"/>
-              </a:rPr>
-              <a:t>gian</a:t>
-            </a:r>
-            <a:r>
-              <a:rPr kumimoji="1" lang="en-US" altLang="ja-JP" sz="1200" dirty="0" smtClean="0">
-                <a:latin typeface="Times New Roman" panose="02020603050405020304" pitchFamily="18" charset="0"/>
-                <a:cs typeface="Times New Roman" panose="02020603050405020304" pitchFamily="18" charset="0"/>
-              </a:rPr>
-              <a:t> </a:t>
-            </a:r>
-            <a:r>
-              <a:rPr kumimoji="1" lang="en-US" altLang="ja-JP" sz="1200" dirty="0" err="1" smtClean="0">
-                <a:latin typeface="Times New Roman" panose="02020603050405020304" pitchFamily="18" charset="0"/>
-                <a:cs typeface="Times New Roman" panose="02020603050405020304" pitchFamily="18" charset="0"/>
-              </a:rPr>
-              <a:t>sử</a:t>
-            </a:r>
-            <a:r>
-              <a:rPr kumimoji="1" lang="en-US" altLang="ja-JP" sz="1200" dirty="0" smtClean="0">
-                <a:latin typeface="Times New Roman" panose="02020603050405020304" pitchFamily="18" charset="0"/>
-                <a:cs typeface="Times New Roman" panose="02020603050405020304" pitchFamily="18" charset="0"/>
-              </a:rPr>
-              <a:t> </a:t>
-            </a:r>
-            <a:r>
-              <a:rPr kumimoji="1" lang="en-US" altLang="ja-JP" sz="1200" dirty="0" err="1" smtClean="0">
-                <a:latin typeface="Times New Roman" panose="02020603050405020304" pitchFamily="18" charset="0"/>
-                <a:cs typeface="Times New Roman" panose="02020603050405020304" pitchFamily="18" charset="0"/>
-              </a:rPr>
-              <a:t>dụng</a:t>
-            </a:r>
-            <a:r>
-              <a:rPr kumimoji="1" lang="en-US" altLang="ja-JP" sz="1200" dirty="0" smtClean="0">
-                <a:latin typeface="Times New Roman" panose="02020603050405020304" pitchFamily="18" charset="0"/>
-                <a:cs typeface="Times New Roman" panose="02020603050405020304" pitchFamily="18" charset="0"/>
-              </a:rPr>
-              <a:t> Page Control</a:t>
-            </a:r>
-          </a:p>
-        </p:txBody>
-      </p:sp>
-      <p:sp>
-        <p:nvSpPr>
-          <p:cNvPr id="8" name="Rounded Rectangular Callout 7"/>
-          <p:cNvSpPr/>
-          <p:nvPr/>
-        </p:nvSpPr>
-        <p:spPr>
-          <a:xfrm>
-            <a:off x="3080049" y="2279807"/>
-            <a:ext cx="1966084" cy="627647"/>
-          </a:xfrm>
-          <a:prstGeom prst="wedgeRoundRectCallout">
-            <a:avLst>
-              <a:gd name="adj1" fmla="val -13686"/>
-              <a:gd name="adj2" fmla="val 63200"/>
-              <a:gd name="adj3" fmla="val 16667"/>
-            </a:avLst>
-          </a:prstGeom>
-        </p:spPr>
-        <p:style>
-          <a:lnRef idx="2">
-            <a:schemeClr val="accent1">
-              <a:shade val="50000"/>
-            </a:schemeClr>
-          </a:lnRef>
-          <a:fillRef idx="1">
-            <a:schemeClr val="accent1"/>
-          </a:fillRef>
-          <a:effectRef idx="0">
-            <a:schemeClr val="accent1"/>
-          </a:effectRef>
-          <a:fontRef idx="minor">
-            <a:schemeClr val="lt1"/>
-          </a:fontRef>
-        </p:style>
-        <p:txBody>
-          <a:bodyPr rtlCol="0" anchor="ctr"/>
-          <a:lstStyle/>
-          <a:p>
-            <a:pPr algn="ctr"/>
-            <a:r>
-              <a:rPr kumimoji="1" lang="en-US" altLang="ja-JP" sz="1200" dirty="0" err="1" smtClean="0">
-                <a:latin typeface="Times New Roman" panose="02020603050405020304" pitchFamily="18" charset="0"/>
-                <a:cs typeface="Times New Roman" panose="02020603050405020304" pitchFamily="18" charset="0"/>
-              </a:rPr>
-              <a:t>Khu</a:t>
-            </a:r>
-            <a:r>
-              <a:rPr kumimoji="1" lang="en-US" altLang="ja-JP" sz="1200" dirty="0" smtClean="0">
-                <a:latin typeface="Times New Roman" panose="02020603050405020304" pitchFamily="18" charset="0"/>
-                <a:cs typeface="Times New Roman" panose="02020603050405020304" pitchFamily="18" charset="0"/>
-              </a:rPr>
-              <a:t> </a:t>
-            </a:r>
-            <a:r>
-              <a:rPr kumimoji="1" lang="en-US" altLang="ja-JP" sz="1200" dirty="0" err="1" smtClean="0">
-                <a:latin typeface="Times New Roman" panose="02020603050405020304" pitchFamily="18" charset="0"/>
-                <a:cs typeface="Times New Roman" panose="02020603050405020304" pitchFamily="18" charset="0"/>
-              </a:rPr>
-              <a:t>vực</a:t>
-            </a:r>
-            <a:r>
-              <a:rPr kumimoji="1" lang="en-US" altLang="ja-JP" sz="1200" dirty="0" smtClean="0">
-                <a:latin typeface="Times New Roman" panose="02020603050405020304" pitchFamily="18" charset="0"/>
-                <a:cs typeface="Times New Roman" panose="02020603050405020304" pitchFamily="18" charset="0"/>
-              </a:rPr>
-              <a:t> </a:t>
-            </a:r>
-            <a:r>
-              <a:rPr kumimoji="1" lang="en-US" altLang="ja-JP" sz="1200" dirty="0" err="1" smtClean="0">
-                <a:latin typeface="Times New Roman" panose="02020603050405020304" pitchFamily="18" charset="0"/>
-                <a:cs typeface="Times New Roman" panose="02020603050405020304" pitchFamily="18" charset="0"/>
-              </a:rPr>
-              <a:t>theo</a:t>
-            </a:r>
-            <a:r>
-              <a:rPr kumimoji="1" lang="en-US" altLang="ja-JP" sz="1200" dirty="0" smtClean="0">
-                <a:latin typeface="Times New Roman" panose="02020603050405020304" pitchFamily="18" charset="0"/>
-                <a:cs typeface="Times New Roman" panose="02020603050405020304" pitchFamily="18" charset="0"/>
-              </a:rPr>
-              <a:t> </a:t>
-            </a:r>
-            <a:r>
-              <a:rPr kumimoji="1" lang="en-US" altLang="ja-JP" sz="1200" dirty="0" err="1" smtClean="0">
-                <a:latin typeface="Times New Roman" panose="02020603050405020304" pitchFamily="18" charset="0"/>
-                <a:cs typeface="Times New Roman" panose="02020603050405020304" pitchFamily="18" charset="0"/>
-              </a:rPr>
-              <a:t>dõi</a:t>
-            </a:r>
-            <a:r>
-              <a:rPr kumimoji="1" lang="en-US" altLang="ja-JP" sz="1200" dirty="0" smtClean="0">
-                <a:latin typeface="Times New Roman" panose="02020603050405020304" pitchFamily="18" charset="0"/>
-                <a:cs typeface="Times New Roman" panose="02020603050405020304" pitchFamily="18" charset="0"/>
-              </a:rPr>
-              <a:t> account user </a:t>
-            </a:r>
-            <a:r>
-              <a:rPr kumimoji="1" lang="en-US" altLang="ja-JP" sz="1200" dirty="0" err="1" smtClean="0">
-                <a:latin typeface="Times New Roman" panose="02020603050405020304" pitchFamily="18" charset="0"/>
-                <a:cs typeface="Times New Roman" panose="02020603050405020304" pitchFamily="18" charset="0"/>
-              </a:rPr>
-              <a:t>và</a:t>
-            </a:r>
-            <a:r>
-              <a:rPr kumimoji="1" lang="en-US" altLang="ja-JP" sz="1200" dirty="0" smtClean="0">
-                <a:latin typeface="Times New Roman" panose="02020603050405020304" pitchFamily="18" charset="0"/>
-                <a:cs typeface="Times New Roman" panose="02020603050405020304" pitchFamily="18" charset="0"/>
-              </a:rPr>
-              <a:t> </a:t>
-            </a:r>
-            <a:r>
-              <a:rPr kumimoji="1" lang="en-US" altLang="ja-JP" sz="1200" dirty="0" err="1" smtClean="0">
-                <a:latin typeface="Times New Roman" panose="02020603050405020304" pitchFamily="18" charset="0"/>
-                <a:cs typeface="Times New Roman" panose="02020603050405020304" pitchFamily="18" charset="0"/>
-              </a:rPr>
-              <a:t>phòng</a:t>
-            </a:r>
-            <a:r>
-              <a:rPr kumimoji="1" lang="en-US" altLang="ja-JP" sz="1200" dirty="0" smtClean="0">
-                <a:latin typeface="Times New Roman" panose="02020603050405020304" pitchFamily="18" charset="0"/>
-                <a:cs typeface="Times New Roman" panose="02020603050405020304" pitchFamily="18" charset="0"/>
-              </a:rPr>
-              <a:t> </a:t>
-            </a:r>
-            <a:r>
-              <a:rPr kumimoji="1" lang="en-US" altLang="ja-JP" sz="1200" dirty="0" err="1" smtClean="0">
-                <a:latin typeface="Times New Roman" panose="02020603050405020304" pitchFamily="18" charset="0"/>
-                <a:cs typeface="Times New Roman" panose="02020603050405020304" pitchFamily="18" charset="0"/>
-              </a:rPr>
-              <a:t>đang</a:t>
-            </a:r>
-            <a:r>
-              <a:rPr kumimoji="1" lang="en-US" altLang="ja-JP" sz="1200" dirty="0" smtClean="0">
-                <a:latin typeface="Times New Roman" panose="02020603050405020304" pitchFamily="18" charset="0"/>
-                <a:cs typeface="Times New Roman" panose="02020603050405020304" pitchFamily="18" charset="0"/>
-              </a:rPr>
-              <a:t> </a:t>
-            </a:r>
-            <a:r>
-              <a:rPr kumimoji="1" lang="en-US" altLang="ja-JP" sz="1200" dirty="0" err="1" smtClean="0">
-                <a:latin typeface="Times New Roman" panose="02020603050405020304" pitchFamily="18" charset="0"/>
-                <a:cs typeface="Times New Roman" panose="02020603050405020304" pitchFamily="18" charset="0"/>
-              </a:rPr>
-              <a:t>điểu</a:t>
-            </a:r>
-            <a:r>
-              <a:rPr kumimoji="1" lang="en-US" altLang="ja-JP" sz="1200" dirty="0" smtClean="0">
-                <a:latin typeface="Times New Roman" panose="02020603050405020304" pitchFamily="18" charset="0"/>
-                <a:cs typeface="Times New Roman" panose="02020603050405020304" pitchFamily="18" charset="0"/>
-              </a:rPr>
-              <a:t> </a:t>
-            </a:r>
-            <a:r>
-              <a:rPr kumimoji="1" lang="en-US" altLang="ja-JP" sz="1200" dirty="0" err="1" smtClean="0">
-                <a:latin typeface="Times New Roman" panose="02020603050405020304" pitchFamily="18" charset="0"/>
-                <a:cs typeface="Times New Roman" panose="02020603050405020304" pitchFamily="18" charset="0"/>
-              </a:rPr>
-              <a:t>khiển</a:t>
-            </a:r>
-            <a:r>
-              <a:rPr kumimoji="1" lang="en-US" altLang="ja-JP" sz="1200" dirty="0" smtClean="0">
-                <a:latin typeface="Times New Roman" panose="02020603050405020304" pitchFamily="18" charset="0"/>
-                <a:cs typeface="Times New Roman" panose="02020603050405020304" pitchFamily="18" charset="0"/>
-              </a:rPr>
-              <a:t> robot</a:t>
-            </a:r>
-          </a:p>
-        </p:txBody>
-      </p:sp>
-    </p:spTree>
-    <p:extLst>
-      <p:ext uri="{BB962C8B-B14F-4D97-AF65-F5344CB8AC3E}">
-        <p14:creationId xmlns:p14="http://schemas.microsoft.com/office/powerpoint/2010/main" val="1115594858"/>
       </p:ext>
     </p:extLst>
   </p:cSld>
@@ -10929,6 +10444,903 @@
               <a:t>: </a:t>
             </a:r>
             <a:r>
+              <a:rPr lang="en-US" altLang="ja-JP" sz="1800" dirty="0" err="1">
+                <a:latin typeface="Times New Roman" panose="02020603050405020304" pitchFamily="18" charset="0"/>
+                <a:cs typeface="Times New Roman" panose="02020603050405020304" pitchFamily="18" charset="0"/>
+              </a:rPr>
+              <a:t>Thời</a:t>
+            </a:r>
+            <a:r>
+              <a:rPr lang="en-US" altLang="ja-JP" sz="1800" dirty="0">
+                <a:latin typeface="Times New Roman" panose="02020603050405020304" pitchFamily="18" charset="0"/>
+                <a:cs typeface="Times New Roman" panose="02020603050405020304" pitchFamily="18" charset="0"/>
+              </a:rPr>
+              <a:t> </a:t>
+            </a:r>
+            <a:r>
+              <a:rPr lang="en-US" altLang="ja-JP" sz="1800" dirty="0" err="1">
+                <a:latin typeface="Times New Roman" panose="02020603050405020304" pitchFamily="18" charset="0"/>
+                <a:cs typeface="Times New Roman" panose="02020603050405020304" pitchFamily="18" charset="0"/>
+              </a:rPr>
+              <a:t>gian</a:t>
+            </a:r>
+            <a:r>
+              <a:rPr lang="en-US" altLang="ja-JP" sz="1800" dirty="0">
+                <a:latin typeface="Times New Roman" panose="02020603050405020304" pitchFamily="18" charset="0"/>
+                <a:cs typeface="Times New Roman" panose="02020603050405020304" pitchFamily="18" charset="0"/>
+              </a:rPr>
+              <a:t> </a:t>
+            </a:r>
+            <a:r>
+              <a:rPr lang="en-US" altLang="ja-JP" sz="1800" dirty="0" err="1">
+                <a:latin typeface="Times New Roman" panose="02020603050405020304" pitchFamily="18" charset="0"/>
+                <a:cs typeface="Times New Roman" panose="02020603050405020304" pitchFamily="18" charset="0"/>
+              </a:rPr>
+              <a:t>tối</a:t>
+            </a:r>
+            <a:r>
+              <a:rPr lang="en-US" altLang="ja-JP" sz="1800" dirty="0">
+                <a:latin typeface="Times New Roman" panose="02020603050405020304" pitchFamily="18" charset="0"/>
+                <a:cs typeface="Times New Roman" panose="02020603050405020304" pitchFamily="18" charset="0"/>
+              </a:rPr>
+              <a:t> </a:t>
+            </a:r>
+            <a:r>
+              <a:rPr lang="en-US" altLang="ja-JP" sz="1800" dirty="0" err="1">
+                <a:latin typeface="Times New Roman" panose="02020603050405020304" pitchFamily="18" charset="0"/>
+                <a:cs typeface="Times New Roman" panose="02020603050405020304" pitchFamily="18" charset="0"/>
+              </a:rPr>
+              <a:t>đa</a:t>
+            </a:r>
+            <a:r>
+              <a:rPr lang="en-US" altLang="ja-JP" sz="1800" dirty="0">
+                <a:latin typeface="Times New Roman" panose="02020603050405020304" pitchFamily="18" charset="0"/>
+                <a:cs typeface="Times New Roman" panose="02020603050405020304" pitchFamily="18" charset="0"/>
+              </a:rPr>
+              <a:t> </a:t>
+            </a:r>
+            <a:r>
+              <a:rPr lang="en-US" altLang="ja-JP" sz="1800" dirty="0" err="1">
+                <a:latin typeface="Times New Roman" panose="02020603050405020304" pitchFamily="18" charset="0"/>
+                <a:cs typeface="Times New Roman" panose="02020603050405020304" pitchFamily="18" charset="0"/>
+              </a:rPr>
+              <a:t>được</a:t>
+            </a:r>
+            <a:r>
+              <a:rPr lang="en-US" altLang="ja-JP" sz="1800" dirty="0">
+                <a:latin typeface="Times New Roman" panose="02020603050405020304" pitchFamily="18" charset="0"/>
+                <a:cs typeface="Times New Roman" panose="02020603050405020304" pitchFamily="18" charset="0"/>
+              </a:rPr>
+              <a:t> </a:t>
+            </a:r>
+            <a:r>
+              <a:rPr lang="en-US" altLang="ja-JP" sz="1800" dirty="0" err="1">
+                <a:latin typeface="Times New Roman" panose="02020603050405020304" pitchFamily="18" charset="0"/>
+                <a:cs typeface="Times New Roman" panose="02020603050405020304" pitchFamily="18" charset="0"/>
+              </a:rPr>
+              <a:t>phép</a:t>
+            </a:r>
+            <a:r>
+              <a:rPr lang="en-US" altLang="ja-JP" sz="1800" dirty="0">
+                <a:latin typeface="Times New Roman" panose="02020603050405020304" pitchFamily="18" charset="0"/>
+                <a:cs typeface="Times New Roman" panose="02020603050405020304" pitchFamily="18" charset="0"/>
+              </a:rPr>
+              <a:t> </a:t>
+            </a:r>
+            <a:r>
+              <a:rPr lang="en-US" altLang="ja-JP" sz="1800" dirty="0" err="1">
+                <a:latin typeface="Times New Roman" panose="02020603050405020304" pitchFamily="18" charset="0"/>
+                <a:cs typeface="Times New Roman" panose="02020603050405020304" pitchFamily="18" charset="0"/>
+              </a:rPr>
+              <a:t>sử</a:t>
+            </a:r>
+            <a:r>
+              <a:rPr lang="en-US" altLang="ja-JP" sz="1800" dirty="0">
+                <a:latin typeface="Times New Roman" panose="02020603050405020304" pitchFamily="18" charset="0"/>
+                <a:cs typeface="Times New Roman" panose="02020603050405020304" pitchFamily="18" charset="0"/>
+              </a:rPr>
+              <a:t> </a:t>
+            </a:r>
+            <a:r>
+              <a:rPr lang="en-US" altLang="ja-JP" sz="1800" dirty="0" err="1">
+                <a:latin typeface="Times New Roman" panose="02020603050405020304" pitchFamily="18" charset="0"/>
+                <a:cs typeface="Times New Roman" panose="02020603050405020304" pitchFamily="18" charset="0"/>
+              </a:rPr>
+              <a:t>dụng</a:t>
+            </a:r>
+            <a:r>
+              <a:rPr lang="en-US" altLang="ja-JP" sz="1800" dirty="0">
+                <a:latin typeface="Times New Roman" panose="02020603050405020304" pitchFamily="18" charset="0"/>
+                <a:cs typeface="Times New Roman" panose="02020603050405020304" pitchFamily="18" charset="0"/>
+              </a:rPr>
+              <a:t> Page Control </a:t>
+            </a:r>
+            <a:r>
+              <a:rPr lang="en-US" altLang="ja-JP" sz="1800" dirty="0" err="1">
+                <a:latin typeface="Times New Roman" panose="02020603050405020304" pitchFamily="18" charset="0"/>
+                <a:cs typeface="Times New Roman" panose="02020603050405020304" pitchFamily="18" charset="0"/>
+              </a:rPr>
+              <a:t>là</a:t>
+            </a:r>
+            <a:r>
+              <a:rPr lang="en-US" altLang="ja-JP" sz="1800" dirty="0">
+                <a:latin typeface="Times New Roman" panose="02020603050405020304" pitchFamily="18" charset="0"/>
+                <a:cs typeface="Times New Roman" panose="02020603050405020304" pitchFamily="18" charset="0"/>
+              </a:rPr>
+              <a:t> 10 </a:t>
+            </a:r>
+            <a:r>
+              <a:rPr lang="en-US" altLang="ja-JP" sz="1800" dirty="0" err="1">
+                <a:latin typeface="Times New Roman" panose="02020603050405020304" pitchFamily="18" charset="0"/>
+                <a:cs typeface="Times New Roman" panose="02020603050405020304" pitchFamily="18" charset="0"/>
+              </a:rPr>
+              <a:t>phút</a:t>
+            </a:r>
+            <a:r>
+              <a:rPr lang="en-US" altLang="ja-JP" sz="1800" dirty="0">
+                <a:latin typeface="Times New Roman" panose="02020603050405020304" pitchFamily="18" charset="0"/>
+                <a:cs typeface="Times New Roman" panose="02020603050405020304" pitchFamily="18" charset="0"/>
+              </a:rPr>
+              <a:t>. </a:t>
+            </a:r>
+            <a:r>
+              <a:rPr lang="en-US" altLang="ja-JP" sz="1800" dirty="0" err="1">
+                <a:latin typeface="Times New Roman" panose="02020603050405020304" pitchFamily="18" charset="0"/>
+                <a:cs typeface="Times New Roman" panose="02020603050405020304" pitchFamily="18" charset="0"/>
+              </a:rPr>
+              <a:t>Sau</a:t>
+            </a:r>
+            <a:r>
+              <a:rPr lang="en-US" altLang="ja-JP" sz="1800" dirty="0">
+                <a:latin typeface="Times New Roman" panose="02020603050405020304" pitchFamily="18" charset="0"/>
+                <a:cs typeface="Times New Roman" panose="02020603050405020304" pitchFamily="18" charset="0"/>
+              </a:rPr>
+              <a:t> 10 </a:t>
+            </a:r>
+            <a:r>
+              <a:rPr lang="en-US" altLang="ja-JP" sz="1800" dirty="0" err="1">
+                <a:latin typeface="Times New Roman" panose="02020603050405020304" pitchFamily="18" charset="0"/>
+                <a:cs typeface="Times New Roman" panose="02020603050405020304" pitchFamily="18" charset="0"/>
+              </a:rPr>
+              <a:t>phút</a:t>
+            </a:r>
+            <a:r>
+              <a:rPr lang="en-US" altLang="ja-JP" sz="1800" dirty="0">
+                <a:latin typeface="Times New Roman" panose="02020603050405020304" pitchFamily="18" charset="0"/>
+                <a:cs typeface="Times New Roman" panose="02020603050405020304" pitchFamily="18" charset="0"/>
+              </a:rPr>
+              <a:t> </a:t>
+            </a:r>
+            <a:r>
+              <a:rPr lang="en-US" altLang="ja-JP" sz="1800" dirty="0" err="1">
+                <a:latin typeface="Times New Roman" panose="02020603050405020304" pitchFamily="18" charset="0"/>
+                <a:cs typeface="Times New Roman" panose="02020603050405020304" pitchFamily="18" charset="0"/>
+              </a:rPr>
+              <a:t>sẽ</a:t>
+            </a:r>
+            <a:r>
+              <a:rPr lang="en-US" altLang="ja-JP" sz="1800" dirty="0">
+                <a:latin typeface="Times New Roman" panose="02020603050405020304" pitchFamily="18" charset="0"/>
+                <a:cs typeface="Times New Roman" panose="02020603050405020304" pitchFamily="18" charset="0"/>
+              </a:rPr>
+              <a:t> </a:t>
+            </a:r>
+            <a:r>
+              <a:rPr lang="en-US" altLang="ja-JP" sz="1800" dirty="0" err="1">
+                <a:latin typeface="Times New Roman" panose="02020603050405020304" pitchFamily="18" charset="0"/>
+                <a:cs typeface="Times New Roman" panose="02020603050405020304" pitchFamily="18" charset="0"/>
+              </a:rPr>
+              <a:t>tự</a:t>
+            </a:r>
+            <a:r>
+              <a:rPr lang="en-US" altLang="ja-JP" sz="1800" dirty="0">
+                <a:latin typeface="Times New Roman" panose="02020603050405020304" pitchFamily="18" charset="0"/>
+                <a:cs typeface="Times New Roman" panose="02020603050405020304" pitchFamily="18" charset="0"/>
+              </a:rPr>
+              <a:t> </a:t>
+            </a:r>
+            <a:r>
+              <a:rPr lang="en-US" altLang="ja-JP" sz="1800" dirty="0" err="1">
+                <a:latin typeface="Times New Roman" panose="02020603050405020304" pitchFamily="18" charset="0"/>
+                <a:cs typeface="Times New Roman" panose="02020603050405020304" pitchFamily="18" charset="0"/>
+              </a:rPr>
+              <a:t>động</a:t>
+            </a:r>
+            <a:r>
+              <a:rPr lang="en-US" altLang="ja-JP" sz="1800" dirty="0">
+                <a:latin typeface="Times New Roman" panose="02020603050405020304" pitchFamily="18" charset="0"/>
+                <a:cs typeface="Times New Roman" panose="02020603050405020304" pitchFamily="18" charset="0"/>
+              </a:rPr>
+              <a:t> logout user</a:t>
+            </a:r>
+            <a:endParaRPr lang="en-US" sz="1800" b="1" dirty="0" smtClean="0">
+              <a:latin typeface="Times New Roman" panose="02020603050405020304" pitchFamily="18" charset="0"/>
+              <a:cs typeface="Times New Roman" panose="02020603050405020304" pitchFamily="18" charset="0"/>
+            </a:endParaRPr>
+          </a:p>
+          <a:p>
+            <a:pPr marL="0" indent="0">
+              <a:buNone/>
+            </a:pPr>
+            <a:r>
+              <a:rPr lang="en-US" sz="1800" dirty="0" smtClean="0">
+                <a:latin typeface="Times New Roman" panose="02020603050405020304" pitchFamily="18" charset="0"/>
+                <a:cs typeface="Times New Roman" panose="02020603050405020304" pitchFamily="18" charset="0"/>
+              </a:rPr>
+              <a:t>	</a:t>
+            </a:r>
+          </a:p>
+          <a:p>
+            <a:pPr marL="0" indent="0">
+              <a:buNone/>
+            </a:pPr>
+            <a:endParaRPr lang="en-US" sz="1800" dirty="0" smtClean="0">
+              <a:latin typeface="Times New Roman" panose="02020603050405020304" pitchFamily="18" charset="0"/>
+              <a:cs typeface="Times New Roman" panose="02020603050405020304" pitchFamily="18" charset="0"/>
+            </a:endParaRPr>
+          </a:p>
+          <a:p>
+            <a:pPr marL="0" indent="0">
+              <a:buNone/>
+            </a:pPr>
+            <a:r>
+              <a:rPr lang="en-US" sz="1800" b="1" dirty="0" smtClean="0">
+                <a:latin typeface="Times New Roman" panose="02020603050405020304" pitchFamily="18" charset="0"/>
+                <a:cs typeface="Times New Roman" panose="02020603050405020304" pitchFamily="18" charset="0"/>
+              </a:rPr>
+              <a:t>                </a:t>
+            </a:r>
+            <a:endParaRPr lang="en-US" sz="1800" b="1" dirty="0">
+              <a:latin typeface="Times New Roman" panose="02020603050405020304" pitchFamily="18" charset="0"/>
+              <a:cs typeface="Times New Roman" panose="02020603050405020304" pitchFamily="18" charset="0"/>
+            </a:endParaRPr>
+          </a:p>
+        </p:txBody>
+      </p:sp>
+      <p:pic>
+        <p:nvPicPr>
+          <p:cNvPr id="5" name="Picture 4"/>
+          <p:cNvPicPr>
+            <a:picLocks noChangeAspect="1"/>
+          </p:cNvPicPr>
+          <p:nvPr/>
+        </p:nvPicPr>
+        <p:blipFill>
+          <a:blip r:embed="rId2"/>
+          <a:stretch>
+            <a:fillRect/>
+          </a:stretch>
+        </p:blipFill>
+        <p:spPr>
+          <a:xfrm>
+            <a:off x="1235531" y="2003459"/>
+            <a:ext cx="9448801" cy="4466199"/>
+          </a:xfrm>
+          <a:prstGeom prst="rect">
+            <a:avLst/>
+          </a:prstGeom>
+        </p:spPr>
+      </p:pic>
+      <p:sp>
+        <p:nvSpPr>
+          <p:cNvPr id="6" name="Rectangle 5"/>
+          <p:cNvSpPr/>
+          <p:nvPr/>
+        </p:nvSpPr>
+        <p:spPr>
+          <a:xfrm>
+            <a:off x="2904067" y="3005667"/>
+            <a:ext cx="3598332" cy="431800"/>
+          </a:xfrm>
+          <a:prstGeom prst="rect">
+            <a:avLst/>
+          </a:prstGeom>
+          <a:noFill/>
+          <a:ln w="38100">
+            <a:solidFill>
+              <a:schemeClr val="accent2">
+                <a:lumMod val="75000"/>
+              </a:schemeClr>
+            </a:solidFill>
+          </a:ln>
+        </p:spPr>
+        <p:style>
+          <a:lnRef idx="2">
+            <a:schemeClr val="accent1">
+              <a:shade val="50000"/>
+            </a:schemeClr>
+          </a:lnRef>
+          <a:fillRef idx="1">
+            <a:schemeClr val="accent1"/>
+          </a:fillRef>
+          <a:effectRef idx="0">
+            <a:schemeClr val="accent1"/>
+          </a:effectRef>
+          <a:fontRef idx="minor">
+            <a:schemeClr val="lt1"/>
+          </a:fontRef>
+        </p:style>
+        <p:txBody>
+          <a:bodyPr rtlCol="0" anchor="ctr"/>
+          <a:lstStyle/>
+          <a:p>
+            <a:pPr algn="ctr"/>
+            <a:endParaRPr kumimoji="1" lang="ja-JP" altLang="en-US"/>
+          </a:p>
+        </p:txBody>
+      </p:sp>
+      <p:sp>
+        <p:nvSpPr>
+          <p:cNvPr id="7" name="Rounded Rectangular Callout 6"/>
+          <p:cNvSpPr/>
+          <p:nvPr/>
+        </p:nvSpPr>
+        <p:spPr>
+          <a:xfrm>
+            <a:off x="5232399" y="2267536"/>
+            <a:ext cx="1989668" cy="474055"/>
+          </a:xfrm>
+          <a:prstGeom prst="wedgeRoundRectCallout">
+            <a:avLst>
+              <a:gd name="adj1" fmla="val -12825"/>
+              <a:gd name="adj2" fmla="val 119856"/>
+              <a:gd name="adj3" fmla="val 16667"/>
+            </a:avLst>
+          </a:prstGeom>
+        </p:spPr>
+        <p:style>
+          <a:lnRef idx="2">
+            <a:schemeClr val="accent1">
+              <a:shade val="50000"/>
+            </a:schemeClr>
+          </a:lnRef>
+          <a:fillRef idx="1">
+            <a:schemeClr val="accent1"/>
+          </a:fillRef>
+          <a:effectRef idx="0">
+            <a:schemeClr val="accent1"/>
+          </a:effectRef>
+          <a:fontRef idx="minor">
+            <a:schemeClr val="lt1"/>
+          </a:fontRef>
+        </p:style>
+        <p:txBody>
+          <a:bodyPr rtlCol="0" anchor="ctr"/>
+          <a:lstStyle/>
+          <a:p>
+            <a:pPr algn="ctr"/>
+            <a:r>
+              <a:rPr kumimoji="1" lang="en-US" altLang="ja-JP" sz="1200" dirty="0" err="1" smtClean="0">
+                <a:latin typeface="Times New Roman" panose="02020603050405020304" pitchFamily="18" charset="0"/>
+                <a:cs typeface="Times New Roman" panose="02020603050405020304" pitchFamily="18" charset="0"/>
+              </a:rPr>
+              <a:t>Khu</a:t>
+            </a:r>
+            <a:r>
+              <a:rPr kumimoji="1" lang="en-US" altLang="ja-JP" sz="1200" dirty="0" smtClean="0">
+                <a:latin typeface="Times New Roman" panose="02020603050405020304" pitchFamily="18" charset="0"/>
+                <a:cs typeface="Times New Roman" panose="02020603050405020304" pitchFamily="18" charset="0"/>
+              </a:rPr>
+              <a:t> </a:t>
+            </a:r>
+            <a:r>
+              <a:rPr kumimoji="1" lang="en-US" altLang="ja-JP" sz="1200" dirty="0" err="1" smtClean="0">
+                <a:latin typeface="Times New Roman" panose="02020603050405020304" pitchFamily="18" charset="0"/>
+                <a:cs typeface="Times New Roman" panose="02020603050405020304" pitchFamily="18" charset="0"/>
+              </a:rPr>
+              <a:t>vực</a:t>
+            </a:r>
+            <a:r>
+              <a:rPr kumimoji="1" lang="en-US" altLang="ja-JP" sz="1200" dirty="0" smtClean="0">
+                <a:latin typeface="Times New Roman" panose="02020603050405020304" pitchFamily="18" charset="0"/>
+                <a:cs typeface="Times New Roman" panose="02020603050405020304" pitchFamily="18" charset="0"/>
+              </a:rPr>
+              <a:t> </a:t>
+            </a:r>
+            <a:r>
+              <a:rPr kumimoji="1" lang="en-US" altLang="ja-JP" sz="1200" dirty="0" err="1" smtClean="0">
+                <a:latin typeface="Times New Roman" panose="02020603050405020304" pitchFamily="18" charset="0"/>
+                <a:cs typeface="Times New Roman" panose="02020603050405020304" pitchFamily="18" charset="0"/>
+              </a:rPr>
+              <a:t>theo</a:t>
+            </a:r>
+            <a:r>
+              <a:rPr kumimoji="1" lang="en-US" altLang="ja-JP" sz="1200" dirty="0" smtClean="0">
+                <a:latin typeface="Times New Roman" panose="02020603050405020304" pitchFamily="18" charset="0"/>
+                <a:cs typeface="Times New Roman" panose="02020603050405020304" pitchFamily="18" charset="0"/>
+              </a:rPr>
+              <a:t> </a:t>
+            </a:r>
+            <a:r>
+              <a:rPr kumimoji="1" lang="en-US" altLang="ja-JP" sz="1200" dirty="0" err="1" smtClean="0">
+                <a:latin typeface="Times New Roman" panose="02020603050405020304" pitchFamily="18" charset="0"/>
+                <a:cs typeface="Times New Roman" panose="02020603050405020304" pitchFamily="18" charset="0"/>
+              </a:rPr>
+              <a:t>dõi</a:t>
+            </a:r>
+            <a:r>
+              <a:rPr kumimoji="1" lang="en-US" altLang="ja-JP" sz="1200" dirty="0" smtClean="0">
+                <a:latin typeface="Times New Roman" panose="02020603050405020304" pitchFamily="18" charset="0"/>
+                <a:cs typeface="Times New Roman" panose="02020603050405020304" pitchFamily="18" charset="0"/>
+              </a:rPr>
+              <a:t> </a:t>
+            </a:r>
+            <a:r>
+              <a:rPr kumimoji="1" lang="en-US" altLang="ja-JP" sz="1200" dirty="0" err="1" smtClean="0">
+                <a:latin typeface="Times New Roman" panose="02020603050405020304" pitchFamily="18" charset="0"/>
+                <a:cs typeface="Times New Roman" panose="02020603050405020304" pitchFamily="18" charset="0"/>
+              </a:rPr>
+              <a:t>thời</a:t>
+            </a:r>
+            <a:r>
+              <a:rPr kumimoji="1" lang="en-US" altLang="ja-JP" sz="1200" dirty="0" smtClean="0">
+                <a:latin typeface="Times New Roman" panose="02020603050405020304" pitchFamily="18" charset="0"/>
+                <a:cs typeface="Times New Roman" panose="02020603050405020304" pitchFamily="18" charset="0"/>
+              </a:rPr>
+              <a:t> </a:t>
+            </a:r>
+            <a:r>
+              <a:rPr kumimoji="1" lang="en-US" altLang="ja-JP" sz="1200" dirty="0" err="1" smtClean="0">
+                <a:latin typeface="Times New Roman" panose="02020603050405020304" pitchFamily="18" charset="0"/>
+                <a:cs typeface="Times New Roman" panose="02020603050405020304" pitchFamily="18" charset="0"/>
+              </a:rPr>
+              <a:t>gian</a:t>
+            </a:r>
+            <a:r>
+              <a:rPr kumimoji="1" lang="en-US" altLang="ja-JP" sz="1200" dirty="0" smtClean="0">
+                <a:latin typeface="Times New Roman" panose="02020603050405020304" pitchFamily="18" charset="0"/>
+                <a:cs typeface="Times New Roman" panose="02020603050405020304" pitchFamily="18" charset="0"/>
+              </a:rPr>
+              <a:t> </a:t>
+            </a:r>
+            <a:r>
+              <a:rPr kumimoji="1" lang="en-US" altLang="ja-JP" sz="1200" dirty="0" err="1" smtClean="0">
+                <a:latin typeface="Times New Roman" panose="02020603050405020304" pitchFamily="18" charset="0"/>
+                <a:cs typeface="Times New Roman" panose="02020603050405020304" pitchFamily="18" charset="0"/>
+              </a:rPr>
+              <a:t>sử</a:t>
+            </a:r>
+            <a:r>
+              <a:rPr kumimoji="1" lang="en-US" altLang="ja-JP" sz="1200" dirty="0" smtClean="0">
+                <a:latin typeface="Times New Roman" panose="02020603050405020304" pitchFamily="18" charset="0"/>
+                <a:cs typeface="Times New Roman" panose="02020603050405020304" pitchFamily="18" charset="0"/>
+              </a:rPr>
+              <a:t> </a:t>
+            </a:r>
+            <a:r>
+              <a:rPr kumimoji="1" lang="en-US" altLang="ja-JP" sz="1200" dirty="0" err="1" smtClean="0">
+                <a:latin typeface="Times New Roman" panose="02020603050405020304" pitchFamily="18" charset="0"/>
+                <a:cs typeface="Times New Roman" panose="02020603050405020304" pitchFamily="18" charset="0"/>
+              </a:rPr>
+              <a:t>dụng</a:t>
+            </a:r>
+            <a:r>
+              <a:rPr kumimoji="1" lang="en-US" altLang="ja-JP" sz="1200" dirty="0" smtClean="0">
+                <a:latin typeface="Times New Roman" panose="02020603050405020304" pitchFamily="18" charset="0"/>
+                <a:cs typeface="Times New Roman" panose="02020603050405020304" pitchFamily="18" charset="0"/>
+              </a:rPr>
+              <a:t> Page Control</a:t>
+            </a:r>
+          </a:p>
+        </p:txBody>
+      </p:sp>
+      <p:sp>
+        <p:nvSpPr>
+          <p:cNvPr id="8" name="Rounded Rectangular Callout 7"/>
+          <p:cNvSpPr/>
+          <p:nvPr/>
+        </p:nvSpPr>
+        <p:spPr>
+          <a:xfrm>
+            <a:off x="3080049" y="2279807"/>
+            <a:ext cx="1966084" cy="627647"/>
+          </a:xfrm>
+          <a:prstGeom prst="wedgeRoundRectCallout">
+            <a:avLst>
+              <a:gd name="adj1" fmla="val -13686"/>
+              <a:gd name="adj2" fmla="val 63200"/>
+              <a:gd name="adj3" fmla="val 16667"/>
+            </a:avLst>
+          </a:prstGeom>
+        </p:spPr>
+        <p:style>
+          <a:lnRef idx="2">
+            <a:schemeClr val="accent1">
+              <a:shade val="50000"/>
+            </a:schemeClr>
+          </a:lnRef>
+          <a:fillRef idx="1">
+            <a:schemeClr val="accent1"/>
+          </a:fillRef>
+          <a:effectRef idx="0">
+            <a:schemeClr val="accent1"/>
+          </a:effectRef>
+          <a:fontRef idx="minor">
+            <a:schemeClr val="lt1"/>
+          </a:fontRef>
+        </p:style>
+        <p:txBody>
+          <a:bodyPr rtlCol="0" anchor="ctr"/>
+          <a:lstStyle/>
+          <a:p>
+            <a:pPr algn="ctr"/>
+            <a:r>
+              <a:rPr kumimoji="1" lang="en-US" altLang="ja-JP" sz="1200" dirty="0" err="1" smtClean="0">
+                <a:latin typeface="Times New Roman" panose="02020603050405020304" pitchFamily="18" charset="0"/>
+                <a:cs typeface="Times New Roman" panose="02020603050405020304" pitchFamily="18" charset="0"/>
+              </a:rPr>
+              <a:t>Khu</a:t>
+            </a:r>
+            <a:r>
+              <a:rPr kumimoji="1" lang="en-US" altLang="ja-JP" sz="1200" dirty="0" smtClean="0">
+                <a:latin typeface="Times New Roman" panose="02020603050405020304" pitchFamily="18" charset="0"/>
+                <a:cs typeface="Times New Roman" panose="02020603050405020304" pitchFamily="18" charset="0"/>
+              </a:rPr>
+              <a:t> </a:t>
+            </a:r>
+            <a:r>
+              <a:rPr kumimoji="1" lang="en-US" altLang="ja-JP" sz="1200" dirty="0" err="1" smtClean="0">
+                <a:latin typeface="Times New Roman" panose="02020603050405020304" pitchFamily="18" charset="0"/>
+                <a:cs typeface="Times New Roman" panose="02020603050405020304" pitchFamily="18" charset="0"/>
+              </a:rPr>
+              <a:t>vực</a:t>
+            </a:r>
+            <a:r>
+              <a:rPr kumimoji="1" lang="en-US" altLang="ja-JP" sz="1200" dirty="0" smtClean="0">
+                <a:latin typeface="Times New Roman" panose="02020603050405020304" pitchFamily="18" charset="0"/>
+                <a:cs typeface="Times New Roman" panose="02020603050405020304" pitchFamily="18" charset="0"/>
+              </a:rPr>
+              <a:t> </a:t>
+            </a:r>
+            <a:r>
+              <a:rPr kumimoji="1" lang="en-US" altLang="ja-JP" sz="1200" dirty="0" err="1" smtClean="0">
+                <a:latin typeface="Times New Roman" panose="02020603050405020304" pitchFamily="18" charset="0"/>
+                <a:cs typeface="Times New Roman" panose="02020603050405020304" pitchFamily="18" charset="0"/>
+              </a:rPr>
+              <a:t>theo</a:t>
+            </a:r>
+            <a:r>
+              <a:rPr kumimoji="1" lang="en-US" altLang="ja-JP" sz="1200" dirty="0" smtClean="0">
+                <a:latin typeface="Times New Roman" panose="02020603050405020304" pitchFamily="18" charset="0"/>
+                <a:cs typeface="Times New Roman" panose="02020603050405020304" pitchFamily="18" charset="0"/>
+              </a:rPr>
+              <a:t> </a:t>
+            </a:r>
+            <a:r>
+              <a:rPr kumimoji="1" lang="en-US" altLang="ja-JP" sz="1200" dirty="0" err="1" smtClean="0">
+                <a:latin typeface="Times New Roman" panose="02020603050405020304" pitchFamily="18" charset="0"/>
+                <a:cs typeface="Times New Roman" panose="02020603050405020304" pitchFamily="18" charset="0"/>
+              </a:rPr>
+              <a:t>dõi</a:t>
+            </a:r>
+            <a:r>
+              <a:rPr kumimoji="1" lang="en-US" altLang="ja-JP" sz="1200" dirty="0" smtClean="0">
+                <a:latin typeface="Times New Roman" panose="02020603050405020304" pitchFamily="18" charset="0"/>
+                <a:cs typeface="Times New Roman" panose="02020603050405020304" pitchFamily="18" charset="0"/>
+              </a:rPr>
+              <a:t> account user </a:t>
+            </a:r>
+            <a:r>
+              <a:rPr kumimoji="1" lang="en-US" altLang="ja-JP" sz="1200" dirty="0" err="1" smtClean="0">
+                <a:latin typeface="Times New Roman" panose="02020603050405020304" pitchFamily="18" charset="0"/>
+                <a:cs typeface="Times New Roman" panose="02020603050405020304" pitchFamily="18" charset="0"/>
+              </a:rPr>
+              <a:t>và</a:t>
+            </a:r>
+            <a:r>
+              <a:rPr kumimoji="1" lang="en-US" altLang="ja-JP" sz="1200" dirty="0" smtClean="0">
+                <a:latin typeface="Times New Roman" panose="02020603050405020304" pitchFamily="18" charset="0"/>
+                <a:cs typeface="Times New Roman" panose="02020603050405020304" pitchFamily="18" charset="0"/>
+              </a:rPr>
+              <a:t> </a:t>
+            </a:r>
+            <a:r>
+              <a:rPr kumimoji="1" lang="en-US" altLang="ja-JP" sz="1200" dirty="0" err="1" smtClean="0">
+                <a:latin typeface="Times New Roman" panose="02020603050405020304" pitchFamily="18" charset="0"/>
+                <a:cs typeface="Times New Roman" panose="02020603050405020304" pitchFamily="18" charset="0"/>
+              </a:rPr>
+              <a:t>phòng</a:t>
+            </a:r>
+            <a:r>
+              <a:rPr kumimoji="1" lang="en-US" altLang="ja-JP" sz="1200" dirty="0" smtClean="0">
+                <a:latin typeface="Times New Roman" panose="02020603050405020304" pitchFamily="18" charset="0"/>
+                <a:cs typeface="Times New Roman" panose="02020603050405020304" pitchFamily="18" charset="0"/>
+              </a:rPr>
+              <a:t> </a:t>
+            </a:r>
+            <a:r>
+              <a:rPr kumimoji="1" lang="en-US" altLang="ja-JP" sz="1200" dirty="0" err="1" smtClean="0">
+                <a:latin typeface="Times New Roman" panose="02020603050405020304" pitchFamily="18" charset="0"/>
+                <a:cs typeface="Times New Roman" panose="02020603050405020304" pitchFamily="18" charset="0"/>
+              </a:rPr>
+              <a:t>đang</a:t>
+            </a:r>
+            <a:r>
+              <a:rPr kumimoji="1" lang="en-US" altLang="ja-JP" sz="1200" dirty="0" smtClean="0">
+                <a:latin typeface="Times New Roman" panose="02020603050405020304" pitchFamily="18" charset="0"/>
+                <a:cs typeface="Times New Roman" panose="02020603050405020304" pitchFamily="18" charset="0"/>
+              </a:rPr>
+              <a:t> </a:t>
+            </a:r>
+            <a:r>
+              <a:rPr kumimoji="1" lang="en-US" altLang="ja-JP" sz="1200" dirty="0" err="1" smtClean="0">
+                <a:latin typeface="Times New Roman" panose="02020603050405020304" pitchFamily="18" charset="0"/>
+                <a:cs typeface="Times New Roman" panose="02020603050405020304" pitchFamily="18" charset="0"/>
+              </a:rPr>
+              <a:t>điểu</a:t>
+            </a:r>
+            <a:r>
+              <a:rPr kumimoji="1" lang="en-US" altLang="ja-JP" sz="1200" dirty="0" smtClean="0">
+                <a:latin typeface="Times New Roman" panose="02020603050405020304" pitchFamily="18" charset="0"/>
+                <a:cs typeface="Times New Roman" panose="02020603050405020304" pitchFamily="18" charset="0"/>
+              </a:rPr>
+              <a:t> </a:t>
+            </a:r>
+            <a:r>
+              <a:rPr kumimoji="1" lang="en-US" altLang="ja-JP" sz="1200" dirty="0" err="1" smtClean="0">
+                <a:latin typeface="Times New Roman" panose="02020603050405020304" pitchFamily="18" charset="0"/>
+                <a:cs typeface="Times New Roman" panose="02020603050405020304" pitchFamily="18" charset="0"/>
+              </a:rPr>
+              <a:t>khiển</a:t>
+            </a:r>
+            <a:r>
+              <a:rPr kumimoji="1" lang="en-US" altLang="ja-JP" sz="1200" dirty="0" smtClean="0">
+                <a:latin typeface="Times New Roman" panose="02020603050405020304" pitchFamily="18" charset="0"/>
+                <a:cs typeface="Times New Roman" panose="02020603050405020304" pitchFamily="18" charset="0"/>
+              </a:rPr>
+              <a:t> robot</a:t>
+            </a:r>
+          </a:p>
+        </p:txBody>
+      </p:sp>
+    </p:spTree>
+    <p:extLst>
+      <p:ext uri="{BB962C8B-B14F-4D97-AF65-F5344CB8AC3E}">
+        <p14:creationId xmlns:p14="http://schemas.microsoft.com/office/powerpoint/2010/main" val="1115594858"/>
+      </p:ext>
+    </p:extLst>
+  </p:cSld>
+  <p:clrMapOvr>
+    <a:masterClrMapping/>
+  </p:clrMapOvr>
+  <mc:AlternateContent xmlns:mc="http://schemas.openxmlformats.org/markup-compatibility/2006" xmlns:p15="http://schemas.microsoft.com/office/powerpoint/2012/main">
+    <mc:Choice Requires="p15">
+      <p:transition xmlns:p14="http://schemas.microsoft.com/office/powerpoint/2010/main" spd="slow" p14:dur="1250">
+        <p15:prstTrans prst="pageCurlDouble"/>
+      </p:transition>
+    </mc:Choice>
+    <mc:Fallback xmlns="">
+      <p:transition spd="slow">
+        <p:fade/>
+      </p:transition>
+    </mc:Fallback>
+  </mc:AlternateContent>
+  <p:timing>
+    <p:tnLst>
+      <p:par>
+        <p:cTn id="1" dur="indefinite" restart="never" nodeType="tmRoot"/>
+      </p:par>
+    </p:tnLst>
+  </p:timing>
+</p:sld>
+</file>
+
+<file path=ppt/slides/slide15.xml><?xml version="1.0" encoding="utf-8"?>
+<p:sld xmlns:a="http://schemas.openxmlformats.org/drawingml/2006/main" xmlns:r="http://schemas.openxmlformats.org/officeDocument/2006/relationships" xmlns:p="http://schemas.openxmlformats.org/presentationml/2006/main">
+  <p:cSld>
+    <p:spTree>
+      <p:nvGrpSpPr>
+        <p:cNvPr id="1" name=""/>
+        <p:cNvGrpSpPr/>
+        <p:nvPr/>
+      </p:nvGrpSpPr>
+      <p:grpSpPr>
+        <a:xfrm>
+          <a:off x="0" y="0"/>
+          <a:ext cx="0" cy="0"/>
+          <a:chOff x="0" y="0"/>
+          <a:chExt cx="0" cy="0"/>
+        </a:xfrm>
+      </p:grpSpPr>
+      <p:sp>
+        <p:nvSpPr>
+          <p:cNvPr id="2" name="Title 1">
+            <a:extLst>
+              <a:ext uri="{FF2B5EF4-FFF2-40B4-BE49-F238E27FC236}">
+                <a16:creationId xmlns:a16="http://schemas.microsoft.com/office/drawing/2014/main" id="{2C4C0330-65A7-4C44-BDB7-0885CC314B41}"/>
+              </a:ext>
+            </a:extLst>
+          </p:cNvPr>
+          <p:cNvSpPr>
+            <a:spLocks noGrp="1"/>
+          </p:cNvSpPr>
+          <p:nvPr>
+            <p:ph type="title"/>
+          </p:nvPr>
+        </p:nvSpPr>
+        <p:spPr>
+          <a:xfrm>
+            <a:off x="1058333" y="367454"/>
+            <a:ext cx="10058400" cy="1371600"/>
+          </a:xfrm>
+        </p:spPr>
+        <p:txBody>
+          <a:bodyPr/>
+          <a:lstStyle/>
+          <a:p>
+            <a:r>
+              <a:rPr lang="en-US" sz="4000" kern="1200" cap="all" dirty="0" err="1">
+                <a:solidFill>
+                  <a:prstClr val="black">
+                    <a:hueOff val="0"/>
+                    <a:satOff val="0"/>
+                    <a:lumOff val="0"/>
+                    <a:alphaOff val="0"/>
+                  </a:prstClr>
+                </a:solidFill>
+                <a:latin typeface="Times New Roman" panose="02020603050405020304" pitchFamily="18" charset="0"/>
+                <a:ea typeface="+mn-ea"/>
+                <a:cs typeface="Times New Roman" panose="02020603050405020304" pitchFamily="18" charset="0"/>
+              </a:rPr>
+              <a:t>Chức</a:t>
+            </a:r>
+            <a:r>
+              <a:rPr lang="en-US" sz="4000" kern="1200" cap="all" dirty="0">
+                <a:solidFill>
+                  <a:prstClr val="black">
+                    <a:hueOff val="0"/>
+                    <a:satOff val="0"/>
+                    <a:lumOff val="0"/>
+                    <a:alphaOff val="0"/>
+                  </a:prstClr>
+                </a:solidFill>
+                <a:latin typeface="Times New Roman" panose="02020603050405020304" pitchFamily="18" charset="0"/>
+                <a:ea typeface="+mn-ea"/>
+                <a:cs typeface="Times New Roman" panose="02020603050405020304" pitchFamily="18" charset="0"/>
+              </a:rPr>
+              <a:t> </a:t>
+            </a:r>
+            <a:r>
+              <a:rPr lang="en-US" sz="4000" kern="1200" cap="all" dirty="0" err="1">
+                <a:solidFill>
+                  <a:prstClr val="black">
+                    <a:hueOff val="0"/>
+                    <a:satOff val="0"/>
+                    <a:lumOff val="0"/>
+                    <a:alphaOff val="0"/>
+                  </a:prstClr>
+                </a:solidFill>
+                <a:latin typeface="Times New Roman" panose="02020603050405020304" pitchFamily="18" charset="0"/>
+                <a:ea typeface="+mn-ea"/>
+                <a:cs typeface="Times New Roman" panose="02020603050405020304" pitchFamily="18" charset="0"/>
+              </a:rPr>
+              <a:t>Năng</a:t>
+            </a:r>
+            <a:r>
+              <a:rPr lang="en-US" sz="4000" kern="1200" cap="all" dirty="0">
+                <a:solidFill>
+                  <a:prstClr val="black">
+                    <a:hueOff val="0"/>
+                    <a:satOff val="0"/>
+                    <a:lumOff val="0"/>
+                    <a:alphaOff val="0"/>
+                  </a:prstClr>
+                </a:solidFill>
+                <a:latin typeface="Times New Roman" panose="02020603050405020304" pitchFamily="18" charset="0"/>
+                <a:ea typeface="+mn-ea"/>
+                <a:cs typeface="Times New Roman" panose="02020603050405020304" pitchFamily="18" charset="0"/>
+              </a:rPr>
+              <a:t> </a:t>
+            </a:r>
+            <a:r>
+              <a:rPr lang="en-US" sz="4000" kern="1200" cap="all" dirty="0" err="1">
+                <a:solidFill>
+                  <a:prstClr val="black">
+                    <a:hueOff val="0"/>
+                    <a:satOff val="0"/>
+                    <a:lumOff val="0"/>
+                    <a:alphaOff val="0"/>
+                  </a:prstClr>
+                </a:solidFill>
+                <a:latin typeface="Times New Roman" panose="02020603050405020304" pitchFamily="18" charset="0"/>
+                <a:ea typeface="+mn-ea"/>
+                <a:cs typeface="Times New Roman" panose="02020603050405020304" pitchFamily="18" charset="0"/>
+              </a:rPr>
+              <a:t>chính</a:t>
+            </a:r>
+            <a:r>
+              <a:rPr lang="en-US" sz="4000" kern="1200" cap="all" dirty="0">
+                <a:solidFill>
+                  <a:prstClr val="black">
+                    <a:hueOff val="0"/>
+                    <a:satOff val="0"/>
+                    <a:lumOff val="0"/>
+                    <a:alphaOff val="0"/>
+                  </a:prstClr>
+                </a:solidFill>
+                <a:latin typeface="Times New Roman" panose="02020603050405020304" pitchFamily="18" charset="0"/>
+                <a:ea typeface="+mn-ea"/>
+                <a:cs typeface="Times New Roman" panose="02020603050405020304" pitchFamily="18" charset="0"/>
+              </a:rPr>
+              <a:t> (web-</a:t>
+            </a:r>
+            <a:r>
+              <a:rPr lang="en-US" sz="4000" dirty="0">
+                <a:latin typeface="Times New Roman" panose="02020603050405020304" pitchFamily="18" charset="0"/>
+                <a:cs typeface="Times New Roman" panose="02020603050405020304" pitchFamily="18" charset="0"/>
+              </a:rPr>
+              <a:t> CONTROL</a:t>
+            </a:r>
+            <a:r>
+              <a:rPr lang="en-US" sz="4000" kern="1200" cap="all" dirty="0">
+                <a:solidFill>
+                  <a:prstClr val="black">
+                    <a:hueOff val="0"/>
+                    <a:satOff val="0"/>
+                    <a:lumOff val="0"/>
+                    <a:alphaOff val="0"/>
+                  </a:prstClr>
+                </a:solidFill>
+                <a:latin typeface="Times New Roman" panose="02020603050405020304" pitchFamily="18" charset="0"/>
+                <a:ea typeface="+mn-ea"/>
+                <a:cs typeface="Times New Roman" panose="02020603050405020304" pitchFamily="18" charset="0"/>
+              </a:rPr>
+              <a:t>)</a:t>
+            </a:r>
+            <a:endParaRPr lang="en-US" dirty="0"/>
+          </a:p>
+        </p:txBody>
+      </p:sp>
+      <p:sp>
+        <p:nvSpPr>
+          <p:cNvPr id="3" name="Content Placeholder 2">
+            <a:extLst>
+              <a:ext uri="{FF2B5EF4-FFF2-40B4-BE49-F238E27FC236}">
+                <a16:creationId xmlns:a16="http://schemas.microsoft.com/office/drawing/2014/main" id="{6BD33AFF-0007-470D-A40C-FD28176A68C2}"/>
+              </a:ext>
+            </a:extLst>
+          </p:cNvPr>
+          <p:cNvSpPr>
+            <a:spLocks noGrp="1"/>
+          </p:cNvSpPr>
+          <p:nvPr>
+            <p:ph idx="1"/>
+          </p:nvPr>
+        </p:nvSpPr>
+        <p:spPr>
+          <a:xfrm>
+            <a:off x="910166" y="1535854"/>
+            <a:ext cx="10545234" cy="3849624"/>
+          </a:xfrm>
+        </p:spPr>
+        <p:txBody>
+          <a:bodyPr>
+            <a:normAutofit/>
+          </a:bodyPr>
+          <a:lstStyle/>
+          <a:p>
+            <a:r>
+              <a:rPr lang="en-US" sz="1800" dirty="0">
+                <a:latin typeface="Times New Roman" panose="02020603050405020304" pitchFamily="18" charset="0"/>
+                <a:cs typeface="Times New Roman" panose="02020603050405020304" pitchFamily="18" charset="0"/>
+              </a:rPr>
+              <a:t>Control</a:t>
+            </a:r>
+            <a:r>
+              <a:rPr lang="en-US" sz="1800" b="1" dirty="0">
+                <a:latin typeface="Times New Roman" panose="02020603050405020304" pitchFamily="18" charset="0"/>
+                <a:cs typeface="Times New Roman" panose="02020603050405020304" pitchFamily="18" charset="0"/>
+              </a:rPr>
+              <a:t> Page</a:t>
+            </a:r>
+            <a:r>
+              <a:rPr lang="en-US" sz="1800" b="1" dirty="0" smtClean="0">
+                <a:latin typeface="Times New Roman" panose="02020603050405020304" pitchFamily="18" charset="0"/>
+                <a:cs typeface="Times New Roman" panose="02020603050405020304" pitchFamily="18" charset="0"/>
+              </a:rPr>
+              <a:t>: </a:t>
+            </a:r>
+            <a:r>
               <a:rPr lang="en-US" altLang="ja-JP" sz="1800" dirty="0">
                 <a:latin typeface="Times New Roman" panose="02020603050405020304" pitchFamily="18" charset="0"/>
                 <a:cs typeface="Times New Roman" panose="02020603050405020304" pitchFamily="18" charset="0"/>
@@ -11453,7 +11865,7 @@
 </p:sld>
 </file>
 
-<file path=ppt/slides/slide15.xml><?xml version="1.0" encoding="utf-8"?>
+<file path=ppt/slides/slide16.xml><?xml version="1.0" encoding="utf-8"?>
 <p:sld xmlns:a="http://schemas.openxmlformats.org/drawingml/2006/main" xmlns:r="http://schemas.openxmlformats.org/officeDocument/2006/relationships" xmlns:p="http://schemas.openxmlformats.org/presentationml/2006/main">
   <p:cSld>
     <p:spTree>
@@ -13393,7 +13805,7 @@
 </p:sld>
 </file>
 
-<file path=ppt/slides/slide16.xml><?xml version="1.0" encoding="utf-8"?>
+<file path=ppt/slides/slide17.xml><?xml version="1.0" encoding="utf-8"?>
 <p:sld xmlns:a="http://schemas.openxmlformats.org/drawingml/2006/main" xmlns:r="http://schemas.openxmlformats.org/officeDocument/2006/relationships" xmlns:p="http://schemas.openxmlformats.org/presentationml/2006/main">
   <p:cSld>
     <p:spTree>
@@ -13869,7 +14281,7 @@
 </p:sld>
 </file>
 
-<file path=ppt/slides/slide17.xml><?xml version="1.0" encoding="utf-8"?>
+<file path=ppt/slides/slide18.xml><?xml version="1.0" encoding="utf-8"?>
 <p:sld xmlns:a="http://schemas.openxmlformats.org/drawingml/2006/main" xmlns:r="http://schemas.openxmlformats.org/officeDocument/2006/relationships" xmlns:p="http://schemas.openxmlformats.org/presentationml/2006/main">
   <p:cSld>
     <p:spTree>
@@ -14633,7 +15045,7 @@
 </p:sld>
 </file>
 
-<file path=ppt/slides/slide18.xml><?xml version="1.0" encoding="utf-8"?>
+<file path=ppt/slides/slide19.xml><?xml version="1.0" encoding="utf-8"?>
 <p:sld xmlns:a="http://schemas.openxmlformats.org/drawingml/2006/main" xmlns:r="http://schemas.openxmlformats.org/officeDocument/2006/relationships" xmlns:p="http://schemas.openxmlformats.org/presentationml/2006/main">
   <p:cSld>
     <p:spTree>
@@ -15344,564 +15756,6 @@
     <mc:Fallback xmlns="">
       <p:transition spd="slow">
         <p:checker/>
-      </p:transition>
-    </mc:Fallback>
-  </mc:AlternateContent>
-  <p:timing>
-    <p:tnLst>
-      <p:par>
-        <p:cTn id="1" dur="indefinite" restart="never" nodeType="tmRoot"/>
-      </p:par>
-    </p:tnLst>
-  </p:timing>
-</p:sld>
-</file>
-
-<file path=ppt/slides/slide19.xml><?xml version="1.0" encoding="utf-8"?>
-<p:sld xmlns:a="http://schemas.openxmlformats.org/drawingml/2006/main" xmlns:r="http://schemas.openxmlformats.org/officeDocument/2006/relationships" xmlns:p="http://schemas.openxmlformats.org/presentationml/2006/main">
-  <p:cSld>
-    <p:spTree>
-      <p:nvGrpSpPr>
-        <p:cNvPr id="1" name=""/>
-        <p:cNvGrpSpPr/>
-        <p:nvPr/>
-      </p:nvGrpSpPr>
-      <p:grpSpPr>
-        <a:xfrm>
-          <a:off x="0" y="0"/>
-          <a:ext cx="0" cy="0"/>
-          <a:chOff x="0" y="0"/>
-          <a:chExt cx="0" cy="0"/>
-        </a:xfrm>
-      </p:grpSpPr>
-      <p:sp>
-        <p:nvSpPr>
-          <p:cNvPr id="2" name="Title 1">
-            <a:extLst>
-              <a:ext uri="{FF2B5EF4-FFF2-40B4-BE49-F238E27FC236}">
-                <a16:creationId xmlns:a16="http://schemas.microsoft.com/office/drawing/2014/main" id="{2C4C0330-65A7-4C44-BDB7-0885CC314B41}"/>
-              </a:ext>
-            </a:extLst>
-          </p:cNvPr>
-          <p:cNvSpPr>
-            <a:spLocks noGrp="1"/>
-          </p:cNvSpPr>
-          <p:nvPr>
-            <p:ph type="title"/>
-          </p:nvPr>
-        </p:nvSpPr>
-        <p:spPr/>
-        <p:txBody>
-          <a:bodyPr/>
-          <a:lstStyle/>
-          <a:p>
-            <a:r>
-              <a:rPr lang="en-US" sz="4000" kern="1200" cap="all" dirty="0" err="1">
-                <a:solidFill>
-                  <a:prstClr val="black">
-                    <a:hueOff val="0"/>
-                    <a:satOff val="0"/>
-                    <a:lumOff val="0"/>
-                    <a:alphaOff val="0"/>
-                  </a:prstClr>
-                </a:solidFill>
-                <a:latin typeface="Times New Roman" panose="02020603050405020304" pitchFamily="18" charset="0"/>
-                <a:ea typeface="+mn-ea"/>
-                <a:cs typeface="Times New Roman" panose="02020603050405020304" pitchFamily="18" charset="0"/>
-              </a:rPr>
-              <a:t>Chức</a:t>
-            </a:r>
-            <a:r>
-              <a:rPr lang="en-US" sz="4000" kern="1200" cap="all" dirty="0">
-                <a:solidFill>
-                  <a:prstClr val="black">
-                    <a:hueOff val="0"/>
-                    <a:satOff val="0"/>
-                    <a:lumOff val="0"/>
-                    <a:alphaOff val="0"/>
-                  </a:prstClr>
-                </a:solidFill>
-                <a:latin typeface="Times New Roman" panose="02020603050405020304" pitchFamily="18" charset="0"/>
-                <a:ea typeface="+mn-ea"/>
-                <a:cs typeface="Times New Roman" panose="02020603050405020304" pitchFamily="18" charset="0"/>
-              </a:rPr>
-              <a:t> </a:t>
-            </a:r>
-            <a:r>
-              <a:rPr lang="en-US" sz="4000" kern="1200" cap="all" dirty="0" err="1">
-                <a:solidFill>
-                  <a:prstClr val="black">
-                    <a:hueOff val="0"/>
-                    <a:satOff val="0"/>
-                    <a:lumOff val="0"/>
-                    <a:alphaOff val="0"/>
-                  </a:prstClr>
-                </a:solidFill>
-                <a:latin typeface="Times New Roman" panose="02020603050405020304" pitchFamily="18" charset="0"/>
-                <a:ea typeface="+mn-ea"/>
-                <a:cs typeface="Times New Roman" panose="02020603050405020304" pitchFamily="18" charset="0"/>
-              </a:rPr>
-              <a:t>Năng</a:t>
-            </a:r>
-            <a:r>
-              <a:rPr lang="en-US" sz="4000" kern="1200" cap="all" dirty="0">
-                <a:solidFill>
-                  <a:prstClr val="black">
-                    <a:hueOff val="0"/>
-                    <a:satOff val="0"/>
-                    <a:lumOff val="0"/>
-                    <a:alphaOff val="0"/>
-                  </a:prstClr>
-                </a:solidFill>
-                <a:latin typeface="Times New Roman" panose="02020603050405020304" pitchFamily="18" charset="0"/>
-                <a:ea typeface="+mn-ea"/>
-                <a:cs typeface="Times New Roman" panose="02020603050405020304" pitchFamily="18" charset="0"/>
-              </a:rPr>
-              <a:t> </a:t>
-            </a:r>
-            <a:r>
-              <a:rPr lang="en-US" sz="4000" kern="1200" cap="all" dirty="0" err="1">
-                <a:solidFill>
-                  <a:prstClr val="black">
-                    <a:hueOff val="0"/>
-                    <a:satOff val="0"/>
-                    <a:lumOff val="0"/>
-                    <a:alphaOff val="0"/>
-                  </a:prstClr>
-                </a:solidFill>
-                <a:latin typeface="Times New Roman" panose="02020603050405020304" pitchFamily="18" charset="0"/>
-                <a:ea typeface="+mn-ea"/>
-                <a:cs typeface="Times New Roman" panose="02020603050405020304" pitchFamily="18" charset="0"/>
-              </a:rPr>
-              <a:t>chính</a:t>
-            </a:r>
-            <a:r>
-              <a:rPr lang="en-US" sz="4000" kern="1200" cap="all" dirty="0">
-                <a:solidFill>
-                  <a:prstClr val="black">
-                    <a:hueOff val="0"/>
-                    <a:satOff val="0"/>
-                    <a:lumOff val="0"/>
-                    <a:alphaOff val="0"/>
-                  </a:prstClr>
-                </a:solidFill>
-                <a:latin typeface="Times New Roman" panose="02020603050405020304" pitchFamily="18" charset="0"/>
-                <a:ea typeface="+mn-ea"/>
-                <a:cs typeface="Times New Roman" panose="02020603050405020304" pitchFamily="18" charset="0"/>
-              </a:rPr>
-              <a:t> (web-</a:t>
-            </a:r>
-            <a:r>
-              <a:rPr lang="en-US" sz="4000" dirty="0">
-                <a:latin typeface="Times New Roman" panose="02020603050405020304" pitchFamily="18" charset="0"/>
-                <a:cs typeface="Times New Roman" panose="02020603050405020304" pitchFamily="18" charset="0"/>
-              </a:rPr>
-              <a:t> ADMIN</a:t>
-            </a:r>
-            <a:r>
-              <a:rPr lang="en-US" sz="4000" kern="1200" cap="all" dirty="0">
-                <a:solidFill>
-                  <a:prstClr val="black">
-                    <a:hueOff val="0"/>
-                    <a:satOff val="0"/>
-                    <a:lumOff val="0"/>
-                    <a:alphaOff val="0"/>
-                  </a:prstClr>
-                </a:solidFill>
-                <a:latin typeface="Times New Roman" panose="02020603050405020304" pitchFamily="18" charset="0"/>
-                <a:ea typeface="+mn-ea"/>
-                <a:cs typeface="Times New Roman" panose="02020603050405020304" pitchFamily="18" charset="0"/>
-              </a:rPr>
-              <a:t>)</a:t>
-            </a:r>
-            <a:endParaRPr lang="en-US" dirty="0"/>
-          </a:p>
-        </p:txBody>
-      </p:sp>
-      <p:sp>
-        <p:nvSpPr>
-          <p:cNvPr id="3" name="Content Placeholder 2">
-            <a:extLst>
-              <a:ext uri="{FF2B5EF4-FFF2-40B4-BE49-F238E27FC236}">
-                <a16:creationId xmlns:a16="http://schemas.microsoft.com/office/drawing/2014/main" id="{6BD33AFF-0007-470D-A40C-FD28176A68C2}"/>
-              </a:ext>
-            </a:extLst>
-          </p:cNvPr>
-          <p:cNvSpPr>
-            <a:spLocks noGrp="1"/>
-          </p:cNvSpPr>
-          <p:nvPr>
-            <p:ph idx="1"/>
-          </p:nvPr>
-        </p:nvSpPr>
-        <p:spPr>
-          <a:xfrm>
-            <a:off x="957756" y="1740810"/>
-            <a:ext cx="10058400" cy="3849624"/>
-          </a:xfrm>
-        </p:spPr>
-        <p:txBody>
-          <a:bodyPr>
-            <a:normAutofit/>
-          </a:bodyPr>
-          <a:lstStyle/>
-          <a:p>
-            <a:pPr marL="0" indent="0">
-              <a:buNone/>
-            </a:pPr>
-            <a:r>
-              <a:rPr lang="en-US" sz="1800" b="1" dirty="0" smtClean="0">
-                <a:latin typeface="Times New Roman" panose="02020603050405020304" pitchFamily="18" charset="0"/>
-                <a:cs typeface="Times New Roman" panose="02020603050405020304" pitchFamily="18" charset="0"/>
-              </a:rPr>
-              <a:t>Page admin: </a:t>
-            </a:r>
-            <a:r>
-              <a:rPr lang="en-US" altLang="ja-JP" sz="1800" dirty="0">
-                <a:latin typeface="Times New Roman" panose="02020603050405020304" pitchFamily="18" charset="0"/>
-                <a:cs typeface="Times New Roman" panose="02020603050405020304" pitchFamily="18" charset="0"/>
-              </a:rPr>
-              <a:t>Theo </a:t>
-            </a:r>
-            <a:r>
-              <a:rPr lang="en-US" altLang="ja-JP" sz="1800" dirty="0" err="1">
-                <a:latin typeface="Times New Roman" panose="02020603050405020304" pitchFamily="18" charset="0"/>
-                <a:cs typeface="Times New Roman" panose="02020603050405020304" pitchFamily="18" charset="0"/>
-              </a:rPr>
-              <a:t>dõi</a:t>
-            </a:r>
-            <a:r>
-              <a:rPr lang="en-US" altLang="ja-JP" sz="1800" dirty="0">
-                <a:latin typeface="Times New Roman" panose="02020603050405020304" pitchFamily="18" charset="0"/>
-                <a:cs typeface="Times New Roman" panose="02020603050405020304" pitchFamily="18" charset="0"/>
-              </a:rPr>
-              <a:t> </a:t>
-            </a:r>
-            <a:r>
-              <a:rPr lang="en-US" altLang="ja-JP" sz="1800" dirty="0" err="1">
-                <a:latin typeface="Times New Roman" panose="02020603050405020304" pitchFamily="18" charset="0"/>
-                <a:cs typeface="Times New Roman" panose="02020603050405020304" pitchFamily="18" charset="0"/>
-              </a:rPr>
-              <a:t>danh</a:t>
-            </a:r>
-            <a:r>
-              <a:rPr lang="en-US" altLang="ja-JP" sz="1800" dirty="0">
-                <a:latin typeface="Times New Roman" panose="02020603050405020304" pitchFamily="18" charset="0"/>
-                <a:cs typeface="Times New Roman" panose="02020603050405020304" pitchFamily="18" charset="0"/>
-              </a:rPr>
-              <a:t> </a:t>
-            </a:r>
-            <a:r>
-              <a:rPr lang="en-US" altLang="ja-JP" sz="1800" dirty="0" err="1">
-                <a:latin typeface="Times New Roman" panose="02020603050405020304" pitchFamily="18" charset="0"/>
-                <a:cs typeface="Times New Roman" panose="02020603050405020304" pitchFamily="18" charset="0"/>
-              </a:rPr>
-              <a:t>sách</a:t>
-            </a:r>
-            <a:r>
-              <a:rPr lang="en-US" altLang="ja-JP" sz="1800" dirty="0">
-                <a:latin typeface="Times New Roman" panose="02020603050405020304" pitchFamily="18" charset="0"/>
-                <a:cs typeface="Times New Roman" panose="02020603050405020304" pitchFamily="18" charset="0"/>
-              </a:rPr>
-              <a:t> user </a:t>
-            </a:r>
-            <a:r>
-              <a:rPr lang="en-US" altLang="ja-JP" sz="1800" dirty="0" err="1">
-                <a:latin typeface="Times New Roman" panose="02020603050405020304" pitchFamily="18" charset="0"/>
-                <a:cs typeface="Times New Roman" panose="02020603050405020304" pitchFamily="18" charset="0"/>
-              </a:rPr>
-              <a:t>đang</a:t>
-            </a:r>
-            <a:r>
-              <a:rPr lang="en-US" altLang="ja-JP" sz="1800" dirty="0">
-                <a:latin typeface="Times New Roman" panose="02020603050405020304" pitchFamily="18" charset="0"/>
-                <a:cs typeface="Times New Roman" panose="02020603050405020304" pitchFamily="18" charset="0"/>
-              </a:rPr>
-              <a:t> </a:t>
-            </a:r>
-            <a:r>
-              <a:rPr lang="en-US" altLang="ja-JP" sz="1800" dirty="0" err="1">
-                <a:latin typeface="Times New Roman" panose="02020603050405020304" pitchFamily="18" charset="0"/>
-                <a:cs typeface="Times New Roman" panose="02020603050405020304" pitchFamily="18" charset="0"/>
-              </a:rPr>
-              <a:t>đợi</a:t>
-            </a:r>
-            <a:r>
-              <a:rPr lang="en-US" altLang="ja-JP" sz="1800" dirty="0">
-                <a:latin typeface="Times New Roman" panose="02020603050405020304" pitchFamily="18" charset="0"/>
-                <a:cs typeface="Times New Roman" panose="02020603050405020304" pitchFamily="18" charset="0"/>
-              </a:rPr>
-              <a:t> </a:t>
-            </a:r>
-            <a:r>
-              <a:rPr lang="en-US" altLang="ja-JP" sz="1800" dirty="0" err="1">
-                <a:latin typeface="Times New Roman" panose="02020603050405020304" pitchFamily="18" charset="0"/>
-                <a:cs typeface="Times New Roman" panose="02020603050405020304" pitchFamily="18" charset="0"/>
-              </a:rPr>
-              <a:t>trong</a:t>
-            </a:r>
-            <a:r>
-              <a:rPr lang="en-US" altLang="ja-JP" sz="1800" dirty="0">
-                <a:latin typeface="Times New Roman" panose="02020603050405020304" pitchFamily="18" charset="0"/>
-                <a:cs typeface="Times New Roman" panose="02020603050405020304" pitchFamily="18" charset="0"/>
-              </a:rPr>
-              <a:t> </a:t>
-            </a:r>
-            <a:r>
-              <a:rPr lang="en-US" altLang="ja-JP" sz="1800" dirty="0" err="1">
-                <a:latin typeface="Times New Roman" panose="02020603050405020304" pitchFamily="18" charset="0"/>
-                <a:cs typeface="Times New Roman" panose="02020603050405020304" pitchFamily="18" charset="0"/>
-              </a:rPr>
-              <a:t>bất</a:t>
-            </a:r>
-            <a:r>
-              <a:rPr lang="en-US" altLang="ja-JP" sz="1800" dirty="0">
-                <a:latin typeface="Times New Roman" panose="02020603050405020304" pitchFamily="18" charset="0"/>
-                <a:cs typeface="Times New Roman" panose="02020603050405020304" pitchFamily="18" charset="0"/>
-              </a:rPr>
-              <a:t> </a:t>
-            </a:r>
-            <a:r>
-              <a:rPr lang="en-US" altLang="ja-JP" sz="1800" dirty="0" err="1">
-                <a:latin typeface="Times New Roman" panose="02020603050405020304" pitchFamily="18" charset="0"/>
-                <a:cs typeface="Times New Roman" panose="02020603050405020304" pitchFamily="18" charset="0"/>
-              </a:rPr>
-              <a:t>kỳ</a:t>
-            </a:r>
-            <a:r>
-              <a:rPr lang="en-US" altLang="ja-JP" sz="1800" dirty="0">
-                <a:latin typeface="Times New Roman" panose="02020603050405020304" pitchFamily="18" charset="0"/>
-                <a:cs typeface="Times New Roman" panose="02020603050405020304" pitchFamily="18" charset="0"/>
-              </a:rPr>
-              <a:t> room </a:t>
-            </a:r>
-            <a:r>
-              <a:rPr lang="en-US" altLang="ja-JP" sz="1800" dirty="0" err="1">
-                <a:latin typeface="Times New Roman" panose="02020603050405020304" pitchFamily="18" charset="0"/>
-                <a:cs typeface="Times New Roman" panose="02020603050405020304" pitchFamily="18" charset="0"/>
-              </a:rPr>
-              <a:t>tại</a:t>
-            </a:r>
-            <a:r>
-              <a:rPr lang="en-US" altLang="ja-JP" sz="1800" dirty="0">
-                <a:latin typeface="Times New Roman" panose="02020603050405020304" pitchFamily="18" charset="0"/>
-                <a:cs typeface="Times New Roman" panose="02020603050405020304" pitchFamily="18" charset="0"/>
-              </a:rPr>
-              <a:t> tab [Waiting Room]</a:t>
-            </a:r>
-          </a:p>
-          <a:p>
-            <a:pPr marL="0" indent="0">
-              <a:buNone/>
-            </a:pPr>
-            <a:r>
-              <a:rPr lang="en-US" sz="1800" b="1" dirty="0">
-                <a:latin typeface="Times New Roman" panose="02020603050405020304" pitchFamily="18" charset="0"/>
-                <a:cs typeface="Times New Roman" panose="02020603050405020304" pitchFamily="18" charset="0"/>
-              </a:rPr>
-              <a:t>	</a:t>
-            </a:r>
-            <a:endParaRPr lang="en-US" sz="1800" dirty="0">
-              <a:latin typeface="Times New Roman" panose="02020603050405020304" pitchFamily="18" charset="0"/>
-              <a:cs typeface="Times New Roman" panose="02020603050405020304" pitchFamily="18" charset="0"/>
-            </a:endParaRPr>
-          </a:p>
-        </p:txBody>
-      </p:sp>
-      <p:pic>
-        <p:nvPicPr>
-          <p:cNvPr id="9" name="Picture 8"/>
-          <p:cNvPicPr>
-            <a:picLocks noChangeAspect="1"/>
-          </p:cNvPicPr>
-          <p:nvPr/>
-        </p:nvPicPr>
-        <p:blipFill>
-          <a:blip r:embed="rId2"/>
-          <a:stretch>
-            <a:fillRect/>
-          </a:stretch>
-        </p:blipFill>
-        <p:spPr>
-          <a:xfrm>
-            <a:off x="1066800" y="2073727"/>
-            <a:ext cx="8965142" cy="4248756"/>
-          </a:xfrm>
-          <a:prstGeom prst="rect">
-            <a:avLst/>
-          </a:prstGeom>
-        </p:spPr>
-      </p:pic>
-      <p:sp>
-        <p:nvSpPr>
-          <p:cNvPr id="10" name="Rounded Rectangular Callout 9"/>
-          <p:cNvSpPr/>
-          <p:nvPr/>
-        </p:nvSpPr>
-        <p:spPr>
-          <a:xfrm>
-            <a:off x="9037108" y="3727488"/>
-            <a:ext cx="1989668" cy="474055"/>
-          </a:xfrm>
-          <a:prstGeom prst="wedgeRoundRectCallout">
-            <a:avLst>
-              <a:gd name="adj1" fmla="val -65133"/>
-              <a:gd name="adj2" fmla="val 64793"/>
-              <a:gd name="adj3" fmla="val 16667"/>
-            </a:avLst>
-          </a:prstGeom>
-        </p:spPr>
-        <p:style>
-          <a:lnRef idx="2">
-            <a:schemeClr val="accent1">
-              <a:shade val="50000"/>
-            </a:schemeClr>
-          </a:lnRef>
-          <a:fillRef idx="1">
-            <a:schemeClr val="accent1"/>
-          </a:fillRef>
-          <a:effectRef idx="0">
-            <a:schemeClr val="accent1"/>
-          </a:effectRef>
-          <a:fontRef idx="minor">
-            <a:schemeClr val="lt1"/>
-          </a:fontRef>
-        </p:style>
-        <p:txBody>
-          <a:bodyPr rtlCol="0" anchor="ctr"/>
-          <a:lstStyle/>
-          <a:p>
-            <a:pPr algn="ctr"/>
-            <a:r>
-              <a:rPr kumimoji="1" lang="en-US" altLang="ja-JP" sz="1200" dirty="0" smtClean="0">
-                <a:latin typeface="Times New Roman" panose="02020603050405020304" pitchFamily="18" charset="0"/>
-                <a:cs typeface="Times New Roman" panose="02020603050405020304" pitchFamily="18" charset="0"/>
-              </a:rPr>
-              <a:t>List user </a:t>
-            </a:r>
-            <a:r>
-              <a:rPr kumimoji="1" lang="en-US" altLang="ja-JP" sz="1200" dirty="0" err="1" smtClean="0">
-                <a:latin typeface="Times New Roman" panose="02020603050405020304" pitchFamily="18" charset="0"/>
-                <a:cs typeface="Times New Roman" panose="02020603050405020304" pitchFamily="18" charset="0"/>
-              </a:rPr>
-              <a:t>đang</a:t>
-            </a:r>
-            <a:r>
-              <a:rPr kumimoji="1" lang="en-US" altLang="ja-JP" sz="1200" dirty="0" smtClean="0">
-                <a:latin typeface="Times New Roman" panose="02020603050405020304" pitchFamily="18" charset="0"/>
-                <a:cs typeface="Times New Roman" panose="02020603050405020304" pitchFamily="18" charset="0"/>
-              </a:rPr>
-              <a:t> </a:t>
-            </a:r>
-            <a:r>
-              <a:rPr kumimoji="1" lang="en-US" altLang="ja-JP" sz="1200" dirty="0" err="1" smtClean="0">
-                <a:latin typeface="Times New Roman" panose="02020603050405020304" pitchFamily="18" charset="0"/>
-                <a:cs typeface="Times New Roman" panose="02020603050405020304" pitchFamily="18" charset="0"/>
-              </a:rPr>
-              <a:t>đợi</a:t>
-            </a:r>
-            <a:r>
-              <a:rPr kumimoji="1" lang="en-US" altLang="ja-JP" sz="1200" dirty="0" smtClean="0">
-                <a:latin typeface="Times New Roman" panose="02020603050405020304" pitchFamily="18" charset="0"/>
-                <a:cs typeface="Times New Roman" panose="02020603050405020304" pitchFamily="18" charset="0"/>
-              </a:rPr>
-              <a:t> ở room </a:t>
-            </a:r>
-            <a:r>
-              <a:rPr kumimoji="1" lang="en-US" altLang="ja-JP" sz="1200" dirty="0" err="1" smtClean="0">
-                <a:latin typeface="Times New Roman" panose="02020603050405020304" pitchFamily="18" charset="0"/>
-                <a:cs typeface="Times New Roman" panose="02020603050405020304" pitchFamily="18" charset="0"/>
-              </a:rPr>
-              <a:t>đã</a:t>
-            </a:r>
-            <a:r>
-              <a:rPr kumimoji="1" lang="en-US" altLang="ja-JP" sz="1200" dirty="0" smtClean="0">
-                <a:latin typeface="Times New Roman" panose="02020603050405020304" pitchFamily="18" charset="0"/>
-                <a:cs typeface="Times New Roman" panose="02020603050405020304" pitchFamily="18" charset="0"/>
-              </a:rPr>
-              <a:t> </a:t>
-            </a:r>
-            <a:r>
-              <a:rPr kumimoji="1" lang="en-US" altLang="ja-JP" sz="1200" dirty="0" err="1" smtClean="0">
-                <a:latin typeface="Times New Roman" panose="02020603050405020304" pitchFamily="18" charset="0"/>
-                <a:cs typeface="Times New Roman" panose="02020603050405020304" pitchFamily="18" charset="0"/>
-              </a:rPr>
-              <a:t>chọn</a:t>
-            </a:r>
-            <a:endParaRPr kumimoji="1" lang="en-US" altLang="ja-JP" sz="1200" dirty="0" smtClean="0">
-              <a:latin typeface="Times New Roman" panose="02020603050405020304" pitchFamily="18" charset="0"/>
-              <a:cs typeface="Times New Roman" panose="02020603050405020304" pitchFamily="18" charset="0"/>
-            </a:endParaRPr>
-          </a:p>
-        </p:txBody>
-      </p:sp>
-      <p:sp>
-        <p:nvSpPr>
-          <p:cNvPr id="11" name="Rectangle 10"/>
-          <p:cNvSpPr/>
-          <p:nvPr/>
-        </p:nvSpPr>
-        <p:spPr>
-          <a:xfrm>
-            <a:off x="2827410" y="4365477"/>
-            <a:ext cx="6697589" cy="731456"/>
-          </a:xfrm>
-          <a:prstGeom prst="rect">
-            <a:avLst/>
-          </a:prstGeom>
-          <a:noFill/>
-          <a:ln w="38100">
-            <a:solidFill>
-              <a:schemeClr val="accent2">
-                <a:lumMod val="75000"/>
-              </a:schemeClr>
-            </a:solidFill>
-          </a:ln>
-        </p:spPr>
-        <p:style>
-          <a:lnRef idx="2">
-            <a:schemeClr val="accent1">
-              <a:shade val="50000"/>
-            </a:schemeClr>
-          </a:lnRef>
-          <a:fillRef idx="1">
-            <a:schemeClr val="accent1"/>
-          </a:fillRef>
-          <a:effectRef idx="0">
-            <a:schemeClr val="accent1"/>
-          </a:effectRef>
-          <a:fontRef idx="minor">
-            <a:schemeClr val="lt1"/>
-          </a:fontRef>
-        </p:style>
-        <p:txBody>
-          <a:bodyPr rtlCol="0" anchor="ctr"/>
-          <a:lstStyle/>
-          <a:p>
-            <a:pPr algn="ctr"/>
-            <a:endParaRPr kumimoji="1" lang="ja-JP" altLang="en-US"/>
-          </a:p>
-        </p:txBody>
-      </p:sp>
-    </p:spTree>
-    <p:extLst>
-      <p:ext uri="{BB962C8B-B14F-4D97-AF65-F5344CB8AC3E}">
-        <p14:creationId xmlns:p14="http://schemas.microsoft.com/office/powerpoint/2010/main" val="1719296356"/>
-      </p:ext>
-    </p:extLst>
-  </p:cSld>
-  <p:clrMapOvr>
-    <a:masterClrMapping/>
-  </p:clrMapOvr>
-  <mc:AlternateContent xmlns:mc="http://schemas.openxmlformats.org/markup-compatibility/2006" xmlns:p15="http://schemas.microsoft.com/office/powerpoint/2012/main">
-    <mc:Choice Requires="p15">
-      <p:transition xmlns:p14="http://schemas.microsoft.com/office/powerpoint/2010/main" spd="slow" p14:dur="2000">
-        <p15:prstTrans prst="drape"/>
-      </p:transition>
-    </mc:Choice>
-    <mc:Fallback xmlns="">
-      <p:transition spd="slow">
-        <p:fade/>
       </p:transition>
     </mc:Fallback>
   </mc:AlternateContent>
@@ -16038,10 +15892,575 @@
   <p:clrMapOvr>
     <a:masterClrMapping/>
   </p:clrMapOvr>
+  <p:timing>
+    <p:tnLst>
+      <p:par>
+        <p:cTn id="1" dur="indefinite" restart="never" nodeType="tmRoot"/>
+      </p:par>
+    </p:tnLst>
+  </p:timing>
 </p:sld>
 </file>
 
 <file path=ppt/slides/slide20.xml><?xml version="1.0" encoding="utf-8"?>
+<p:sld xmlns:a="http://schemas.openxmlformats.org/drawingml/2006/main" xmlns:r="http://schemas.openxmlformats.org/officeDocument/2006/relationships" xmlns:p="http://schemas.openxmlformats.org/presentationml/2006/main">
+  <p:cSld>
+    <p:spTree>
+      <p:nvGrpSpPr>
+        <p:cNvPr id="1" name=""/>
+        <p:cNvGrpSpPr/>
+        <p:nvPr/>
+      </p:nvGrpSpPr>
+      <p:grpSpPr>
+        <a:xfrm>
+          <a:off x="0" y="0"/>
+          <a:ext cx="0" cy="0"/>
+          <a:chOff x="0" y="0"/>
+          <a:chExt cx="0" cy="0"/>
+        </a:xfrm>
+      </p:grpSpPr>
+      <p:sp>
+        <p:nvSpPr>
+          <p:cNvPr id="2" name="Title 1">
+            <a:extLst>
+              <a:ext uri="{FF2B5EF4-FFF2-40B4-BE49-F238E27FC236}">
+                <a16:creationId xmlns:a16="http://schemas.microsoft.com/office/drawing/2014/main" id="{2C4C0330-65A7-4C44-BDB7-0885CC314B41}"/>
+              </a:ext>
+            </a:extLst>
+          </p:cNvPr>
+          <p:cNvSpPr>
+            <a:spLocks noGrp="1"/>
+          </p:cNvSpPr>
+          <p:nvPr>
+            <p:ph type="title"/>
+          </p:nvPr>
+        </p:nvSpPr>
+        <p:spPr/>
+        <p:txBody>
+          <a:bodyPr/>
+          <a:lstStyle/>
+          <a:p>
+            <a:r>
+              <a:rPr lang="en-US" sz="4000" kern="1200" cap="all" dirty="0" err="1">
+                <a:solidFill>
+                  <a:prstClr val="black">
+                    <a:hueOff val="0"/>
+                    <a:satOff val="0"/>
+                    <a:lumOff val="0"/>
+                    <a:alphaOff val="0"/>
+                  </a:prstClr>
+                </a:solidFill>
+                <a:latin typeface="Times New Roman" panose="02020603050405020304" pitchFamily="18" charset="0"/>
+                <a:ea typeface="+mn-ea"/>
+                <a:cs typeface="Times New Roman" panose="02020603050405020304" pitchFamily="18" charset="0"/>
+              </a:rPr>
+              <a:t>Chức</a:t>
+            </a:r>
+            <a:r>
+              <a:rPr lang="en-US" sz="4000" kern="1200" cap="all" dirty="0">
+                <a:solidFill>
+                  <a:prstClr val="black">
+                    <a:hueOff val="0"/>
+                    <a:satOff val="0"/>
+                    <a:lumOff val="0"/>
+                    <a:alphaOff val="0"/>
+                  </a:prstClr>
+                </a:solidFill>
+                <a:latin typeface="Times New Roman" panose="02020603050405020304" pitchFamily="18" charset="0"/>
+                <a:ea typeface="+mn-ea"/>
+                <a:cs typeface="Times New Roman" panose="02020603050405020304" pitchFamily="18" charset="0"/>
+              </a:rPr>
+              <a:t> </a:t>
+            </a:r>
+            <a:r>
+              <a:rPr lang="en-US" sz="4000" kern="1200" cap="all" dirty="0" err="1">
+                <a:solidFill>
+                  <a:prstClr val="black">
+                    <a:hueOff val="0"/>
+                    <a:satOff val="0"/>
+                    <a:lumOff val="0"/>
+                    <a:alphaOff val="0"/>
+                  </a:prstClr>
+                </a:solidFill>
+                <a:latin typeface="Times New Roman" panose="02020603050405020304" pitchFamily="18" charset="0"/>
+                <a:ea typeface="+mn-ea"/>
+                <a:cs typeface="Times New Roman" panose="02020603050405020304" pitchFamily="18" charset="0"/>
+              </a:rPr>
+              <a:t>Năng</a:t>
+            </a:r>
+            <a:r>
+              <a:rPr lang="en-US" sz="4000" kern="1200" cap="all" dirty="0">
+                <a:solidFill>
+                  <a:prstClr val="black">
+                    <a:hueOff val="0"/>
+                    <a:satOff val="0"/>
+                    <a:lumOff val="0"/>
+                    <a:alphaOff val="0"/>
+                  </a:prstClr>
+                </a:solidFill>
+                <a:latin typeface="Times New Roman" panose="02020603050405020304" pitchFamily="18" charset="0"/>
+                <a:ea typeface="+mn-ea"/>
+                <a:cs typeface="Times New Roman" panose="02020603050405020304" pitchFamily="18" charset="0"/>
+              </a:rPr>
+              <a:t> </a:t>
+            </a:r>
+            <a:r>
+              <a:rPr lang="en-US" sz="4000" kern="1200" cap="all" dirty="0" err="1">
+                <a:solidFill>
+                  <a:prstClr val="black">
+                    <a:hueOff val="0"/>
+                    <a:satOff val="0"/>
+                    <a:lumOff val="0"/>
+                    <a:alphaOff val="0"/>
+                  </a:prstClr>
+                </a:solidFill>
+                <a:latin typeface="Times New Roman" panose="02020603050405020304" pitchFamily="18" charset="0"/>
+                <a:ea typeface="+mn-ea"/>
+                <a:cs typeface="Times New Roman" panose="02020603050405020304" pitchFamily="18" charset="0"/>
+              </a:rPr>
+              <a:t>chính</a:t>
+            </a:r>
+            <a:r>
+              <a:rPr lang="en-US" sz="4000" kern="1200" cap="all" dirty="0">
+                <a:solidFill>
+                  <a:prstClr val="black">
+                    <a:hueOff val="0"/>
+                    <a:satOff val="0"/>
+                    <a:lumOff val="0"/>
+                    <a:alphaOff val="0"/>
+                  </a:prstClr>
+                </a:solidFill>
+                <a:latin typeface="Times New Roman" panose="02020603050405020304" pitchFamily="18" charset="0"/>
+                <a:ea typeface="+mn-ea"/>
+                <a:cs typeface="Times New Roman" panose="02020603050405020304" pitchFamily="18" charset="0"/>
+              </a:rPr>
+              <a:t> (web-</a:t>
+            </a:r>
+            <a:r>
+              <a:rPr lang="en-US" sz="4000" dirty="0">
+                <a:latin typeface="Times New Roman" panose="02020603050405020304" pitchFamily="18" charset="0"/>
+                <a:cs typeface="Times New Roman" panose="02020603050405020304" pitchFamily="18" charset="0"/>
+              </a:rPr>
+              <a:t> ADMIN</a:t>
+            </a:r>
+            <a:r>
+              <a:rPr lang="en-US" sz="4000" kern="1200" cap="all" dirty="0">
+                <a:solidFill>
+                  <a:prstClr val="black">
+                    <a:hueOff val="0"/>
+                    <a:satOff val="0"/>
+                    <a:lumOff val="0"/>
+                    <a:alphaOff val="0"/>
+                  </a:prstClr>
+                </a:solidFill>
+                <a:latin typeface="Times New Roman" panose="02020603050405020304" pitchFamily="18" charset="0"/>
+                <a:ea typeface="+mn-ea"/>
+                <a:cs typeface="Times New Roman" panose="02020603050405020304" pitchFamily="18" charset="0"/>
+              </a:rPr>
+              <a:t>)</a:t>
+            </a:r>
+            <a:endParaRPr lang="en-US" dirty="0"/>
+          </a:p>
+        </p:txBody>
+      </p:sp>
+      <p:sp>
+        <p:nvSpPr>
+          <p:cNvPr id="3" name="Content Placeholder 2">
+            <a:extLst>
+              <a:ext uri="{FF2B5EF4-FFF2-40B4-BE49-F238E27FC236}">
+                <a16:creationId xmlns:a16="http://schemas.microsoft.com/office/drawing/2014/main" id="{6BD33AFF-0007-470D-A40C-FD28176A68C2}"/>
+              </a:ext>
+            </a:extLst>
+          </p:cNvPr>
+          <p:cNvSpPr>
+            <a:spLocks noGrp="1"/>
+          </p:cNvSpPr>
+          <p:nvPr>
+            <p:ph idx="1"/>
+          </p:nvPr>
+        </p:nvSpPr>
+        <p:spPr>
+          <a:xfrm>
+            <a:off x="957756" y="1740810"/>
+            <a:ext cx="10058400" cy="3849624"/>
+          </a:xfrm>
+        </p:spPr>
+        <p:txBody>
+          <a:bodyPr>
+            <a:normAutofit/>
+          </a:bodyPr>
+          <a:lstStyle/>
+          <a:p>
+            <a:pPr marL="0" indent="0">
+              <a:buNone/>
+            </a:pPr>
+            <a:r>
+              <a:rPr lang="en-US" sz="1800" b="1" dirty="0" smtClean="0">
+                <a:latin typeface="Times New Roman" panose="02020603050405020304" pitchFamily="18" charset="0"/>
+                <a:cs typeface="Times New Roman" panose="02020603050405020304" pitchFamily="18" charset="0"/>
+              </a:rPr>
+              <a:t>Page admin: </a:t>
+            </a:r>
+            <a:r>
+              <a:rPr lang="en-US" altLang="ja-JP" sz="1800" dirty="0">
+                <a:latin typeface="Times New Roman" panose="02020603050405020304" pitchFamily="18" charset="0"/>
+                <a:cs typeface="Times New Roman" panose="02020603050405020304" pitchFamily="18" charset="0"/>
+              </a:rPr>
+              <a:t>Theo </a:t>
+            </a:r>
+            <a:r>
+              <a:rPr lang="en-US" altLang="ja-JP" sz="1800" dirty="0" err="1">
+                <a:latin typeface="Times New Roman" panose="02020603050405020304" pitchFamily="18" charset="0"/>
+                <a:cs typeface="Times New Roman" panose="02020603050405020304" pitchFamily="18" charset="0"/>
+              </a:rPr>
+              <a:t>dõi</a:t>
+            </a:r>
+            <a:r>
+              <a:rPr lang="en-US" altLang="ja-JP" sz="1800" dirty="0">
+                <a:latin typeface="Times New Roman" panose="02020603050405020304" pitchFamily="18" charset="0"/>
+                <a:cs typeface="Times New Roman" panose="02020603050405020304" pitchFamily="18" charset="0"/>
+              </a:rPr>
+              <a:t> </a:t>
+            </a:r>
+            <a:r>
+              <a:rPr lang="en-US" altLang="ja-JP" sz="1800" dirty="0" err="1">
+                <a:latin typeface="Times New Roman" panose="02020603050405020304" pitchFamily="18" charset="0"/>
+                <a:cs typeface="Times New Roman" panose="02020603050405020304" pitchFamily="18" charset="0"/>
+              </a:rPr>
+              <a:t>danh</a:t>
+            </a:r>
+            <a:r>
+              <a:rPr lang="en-US" altLang="ja-JP" sz="1800" dirty="0">
+                <a:latin typeface="Times New Roman" panose="02020603050405020304" pitchFamily="18" charset="0"/>
+                <a:cs typeface="Times New Roman" panose="02020603050405020304" pitchFamily="18" charset="0"/>
+              </a:rPr>
+              <a:t> </a:t>
+            </a:r>
+            <a:r>
+              <a:rPr lang="en-US" altLang="ja-JP" sz="1800" dirty="0" err="1">
+                <a:latin typeface="Times New Roman" panose="02020603050405020304" pitchFamily="18" charset="0"/>
+                <a:cs typeface="Times New Roman" panose="02020603050405020304" pitchFamily="18" charset="0"/>
+              </a:rPr>
+              <a:t>sách</a:t>
+            </a:r>
+            <a:r>
+              <a:rPr lang="en-US" altLang="ja-JP" sz="1800" dirty="0">
+                <a:latin typeface="Times New Roman" panose="02020603050405020304" pitchFamily="18" charset="0"/>
+                <a:cs typeface="Times New Roman" panose="02020603050405020304" pitchFamily="18" charset="0"/>
+              </a:rPr>
+              <a:t> user </a:t>
+            </a:r>
+            <a:r>
+              <a:rPr lang="en-US" altLang="ja-JP" sz="1800" dirty="0" err="1">
+                <a:latin typeface="Times New Roman" panose="02020603050405020304" pitchFamily="18" charset="0"/>
+                <a:cs typeface="Times New Roman" panose="02020603050405020304" pitchFamily="18" charset="0"/>
+              </a:rPr>
+              <a:t>đang</a:t>
+            </a:r>
+            <a:r>
+              <a:rPr lang="en-US" altLang="ja-JP" sz="1800" dirty="0">
+                <a:latin typeface="Times New Roman" panose="02020603050405020304" pitchFamily="18" charset="0"/>
+                <a:cs typeface="Times New Roman" panose="02020603050405020304" pitchFamily="18" charset="0"/>
+              </a:rPr>
+              <a:t> </a:t>
+            </a:r>
+            <a:r>
+              <a:rPr lang="en-US" altLang="ja-JP" sz="1800" dirty="0" err="1">
+                <a:latin typeface="Times New Roman" panose="02020603050405020304" pitchFamily="18" charset="0"/>
+                <a:cs typeface="Times New Roman" panose="02020603050405020304" pitchFamily="18" charset="0"/>
+              </a:rPr>
+              <a:t>đợi</a:t>
+            </a:r>
+            <a:r>
+              <a:rPr lang="en-US" altLang="ja-JP" sz="1800" dirty="0">
+                <a:latin typeface="Times New Roman" panose="02020603050405020304" pitchFamily="18" charset="0"/>
+                <a:cs typeface="Times New Roman" panose="02020603050405020304" pitchFamily="18" charset="0"/>
+              </a:rPr>
+              <a:t> </a:t>
+            </a:r>
+            <a:r>
+              <a:rPr lang="en-US" altLang="ja-JP" sz="1800" dirty="0" err="1">
+                <a:latin typeface="Times New Roman" panose="02020603050405020304" pitchFamily="18" charset="0"/>
+                <a:cs typeface="Times New Roman" panose="02020603050405020304" pitchFamily="18" charset="0"/>
+              </a:rPr>
+              <a:t>trong</a:t>
+            </a:r>
+            <a:r>
+              <a:rPr lang="en-US" altLang="ja-JP" sz="1800" dirty="0">
+                <a:latin typeface="Times New Roman" panose="02020603050405020304" pitchFamily="18" charset="0"/>
+                <a:cs typeface="Times New Roman" panose="02020603050405020304" pitchFamily="18" charset="0"/>
+              </a:rPr>
+              <a:t> </a:t>
+            </a:r>
+            <a:r>
+              <a:rPr lang="en-US" altLang="ja-JP" sz="1800" dirty="0" err="1">
+                <a:latin typeface="Times New Roman" panose="02020603050405020304" pitchFamily="18" charset="0"/>
+                <a:cs typeface="Times New Roman" panose="02020603050405020304" pitchFamily="18" charset="0"/>
+              </a:rPr>
+              <a:t>bất</a:t>
+            </a:r>
+            <a:r>
+              <a:rPr lang="en-US" altLang="ja-JP" sz="1800" dirty="0">
+                <a:latin typeface="Times New Roman" panose="02020603050405020304" pitchFamily="18" charset="0"/>
+                <a:cs typeface="Times New Roman" panose="02020603050405020304" pitchFamily="18" charset="0"/>
+              </a:rPr>
+              <a:t> </a:t>
+            </a:r>
+            <a:r>
+              <a:rPr lang="en-US" altLang="ja-JP" sz="1800" dirty="0" err="1">
+                <a:latin typeface="Times New Roman" panose="02020603050405020304" pitchFamily="18" charset="0"/>
+                <a:cs typeface="Times New Roman" panose="02020603050405020304" pitchFamily="18" charset="0"/>
+              </a:rPr>
+              <a:t>kỳ</a:t>
+            </a:r>
+            <a:r>
+              <a:rPr lang="en-US" altLang="ja-JP" sz="1800" dirty="0">
+                <a:latin typeface="Times New Roman" panose="02020603050405020304" pitchFamily="18" charset="0"/>
+                <a:cs typeface="Times New Roman" panose="02020603050405020304" pitchFamily="18" charset="0"/>
+              </a:rPr>
+              <a:t> room </a:t>
+            </a:r>
+            <a:r>
+              <a:rPr lang="en-US" altLang="ja-JP" sz="1800" dirty="0" err="1">
+                <a:latin typeface="Times New Roman" panose="02020603050405020304" pitchFamily="18" charset="0"/>
+                <a:cs typeface="Times New Roman" panose="02020603050405020304" pitchFamily="18" charset="0"/>
+              </a:rPr>
+              <a:t>tại</a:t>
+            </a:r>
+            <a:r>
+              <a:rPr lang="en-US" altLang="ja-JP" sz="1800" dirty="0">
+                <a:latin typeface="Times New Roman" panose="02020603050405020304" pitchFamily="18" charset="0"/>
+                <a:cs typeface="Times New Roman" panose="02020603050405020304" pitchFamily="18" charset="0"/>
+              </a:rPr>
+              <a:t> tab [Waiting Room]</a:t>
+            </a:r>
+          </a:p>
+          <a:p>
+            <a:pPr marL="0" indent="0">
+              <a:buNone/>
+            </a:pPr>
+            <a:r>
+              <a:rPr lang="en-US" sz="1800" b="1" dirty="0">
+                <a:latin typeface="Times New Roman" panose="02020603050405020304" pitchFamily="18" charset="0"/>
+                <a:cs typeface="Times New Roman" panose="02020603050405020304" pitchFamily="18" charset="0"/>
+              </a:rPr>
+              <a:t>	</a:t>
+            </a:r>
+            <a:endParaRPr lang="en-US" sz="1800" dirty="0">
+              <a:latin typeface="Times New Roman" panose="02020603050405020304" pitchFamily="18" charset="0"/>
+              <a:cs typeface="Times New Roman" panose="02020603050405020304" pitchFamily="18" charset="0"/>
+            </a:endParaRPr>
+          </a:p>
+        </p:txBody>
+      </p:sp>
+      <p:pic>
+        <p:nvPicPr>
+          <p:cNvPr id="9" name="Picture 8"/>
+          <p:cNvPicPr>
+            <a:picLocks noChangeAspect="1"/>
+          </p:cNvPicPr>
+          <p:nvPr/>
+        </p:nvPicPr>
+        <p:blipFill>
+          <a:blip r:embed="rId2"/>
+          <a:stretch>
+            <a:fillRect/>
+          </a:stretch>
+        </p:blipFill>
+        <p:spPr>
+          <a:xfrm>
+            <a:off x="1066800" y="2073727"/>
+            <a:ext cx="8965142" cy="4248756"/>
+          </a:xfrm>
+          <a:prstGeom prst="rect">
+            <a:avLst/>
+          </a:prstGeom>
+        </p:spPr>
+      </p:pic>
+      <p:sp>
+        <p:nvSpPr>
+          <p:cNvPr id="10" name="Rounded Rectangular Callout 9"/>
+          <p:cNvSpPr/>
+          <p:nvPr/>
+        </p:nvSpPr>
+        <p:spPr>
+          <a:xfrm>
+            <a:off x="9037108" y="3727488"/>
+            <a:ext cx="1989668" cy="474055"/>
+          </a:xfrm>
+          <a:prstGeom prst="wedgeRoundRectCallout">
+            <a:avLst>
+              <a:gd name="adj1" fmla="val -65133"/>
+              <a:gd name="adj2" fmla="val 64793"/>
+              <a:gd name="adj3" fmla="val 16667"/>
+            </a:avLst>
+          </a:prstGeom>
+        </p:spPr>
+        <p:style>
+          <a:lnRef idx="2">
+            <a:schemeClr val="accent1">
+              <a:shade val="50000"/>
+            </a:schemeClr>
+          </a:lnRef>
+          <a:fillRef idx="1">
+            <a:schemeClr val="accent1"/>
+          </a:fillRef>
+          <a:effectRef idx="0">
+            <a:schemeClr val="accent1"/>
+          </a:effectRef>
+          <a:fontRef idx="minor">
+            <a:schemeClr val="lt1"/>
+          </a:fontRef>
+        </p:style>
+        <p:txBody>
+          <a:bodyPr rtlCol="0" anchor="ctr"/>
+          <a:lstStyle/>
+          <a:p>
+            <a:pPr algn="ctr"/>
+            <a:r>
+              <a:rPr kumimoji="1" lang="en-US" altLang="ja-JP" sz="1200" dirty="0" smtClean="0">
+                <a:latin typeface="Times New Roman" panose="02020603050405020304" pitchFamily="18" charset="0"/>
+                <a:cs typeface="Times New Roman" panose="02020603050405020304" pitchFamily="18" charset="0"/>
+              </a:rPr>
+              <a:t>List user </a:t>
+            </a:r>
+            <a:r>
+              <a:rPr kumimoji="1" lang="en-US" altLang="ja-JP" sz="1200" dirty="0" err="1" smtClean="0">
+                <a:latin typeface="Times New Roman" panose="02020603050405020304" pitchFamily="18" charset="0"/>
+                <a:cs typeface="Times New Roman" panose="02020603050405020304" pitchFamily="18" charset="0"/>
+              </a:rPr>
+              <a:t>đang</a:t>
+            </a:r>
+            <a:r>
+              <a:rPr kumimoji="1" lang="en-US" altLang="ja-JP" sz="1200" dirty="0" smtClean="0">
+                <a:latin typeface="Times New Roman" panose="02020603050405020304" pitchFamily="18" charset="0"/>
+                <a:cs typeface="Times New Roman" panose="02020603050405020304" pitchFamily="18" charset="0"/>
+              </a:rPr>
+              <a:t> </a:t>
+            </a:r>
+            <a:r>
+              <a:rPr kumimoji="1" lang="en-US" altLang="ja-JP" sz="1200" dirty="0" err="1" smtClean="0">
+                <a:latin typeface="Times New Roman" panose="02020603050405020304" pitchFamily="18" charset="0"/>
+                <a:cs typeface="Times New Roman" panose="02020603050405020304" pitchFamily="18" charset="0"/>
+              </a:rPr>
+              <a:t>đợi</a:t>
+            </a:r>
+            <a:r>
+              <a:rPr kumimoji="1" lang="en-US" altLang="ja-JP" sz="1200" dirty="0" smtClean="0">
+                <a:latin typeface="Times New Roman" panose="02020603050405020304" pitchFamily="18" charset="0"/>
+                <a:cs typeface="Times New Roman" panose="02020603050405020304" pitchFamily="18" charset="0"/>
+              </a:rPr>
+              <a:t> ở room </a:t>
+            </a:r>
+            <a:r>
+              <a:rPr kumimoji="1" lang="en-US" altLang="ja-JP" sz="1200" dirty="0" err="1" smtClean="0">
+                <a:latin typeface="Times New Roman" panose="02020603050405020304" pitchFamily="18" charset="0"/>
+                <a:cs typeface="Times New Roman" panose="02020603050405020304" pitchFamily="18" charset="0"/>
+              </a:rPr>
+              <a:t>đã</a:t>
+            </a:r>
+            <a:r>
+              <a:rPr kumimoji="1" lang="en-US" altLang="ja-JP" sz="1200" dirty="0" smtClean="0">
+                <a:latin typeface="Times New Roman" panose="02020603050405020304" pitchFamily="18" charset="0"/>
+                <a:cs typeface="Times New Roman" panose="02020603050405020304" pitchFamily="18" charset="0"/>
+              </a:rPr>
+              <a:t> </a:t>
+            </a:r>
+            <a:r>
+              <a:rPr kumimoji="1" lang="en-US" altLang="ja-JP" sz="1200" dirty="0" err="1" smtClean="0">
+                <a:latin typeface="Times New Roman" panose="02020603050405020304" pitchFamily="18" charset="0"/>
+                <a:cs typeface="Times New Roman" panose="02020603050405020304" pitchFamily="18" charset="0"/>
+              </a:rPr>
+              <a:t>chọn</a:t>
+            </a:r>
+            <a:endParaRPr kumimoji="1" lang="en-US" altLang="ja-JP" sz="1200" dirty="0" smtClean="0">
+              <a:latin typeface="Times New Roman" panose="02020603050405020304" pitchFamily="18" charset="0"/>
+              <a:cs typeface="Times New Roman" panose="02020603050405020304" pitchFamily="18" charset="0"/>
+            </a:endParaRPr>
+          </a:p>
+        </p:txBody>
+      </p:sp>
+      <p:sp>
+        <p:nvSpPr>
+          <p:cNvPr id="11" name="Rectangle 10"/>
+          <p:cNvSpPr/>
+          <p:nvPr/>
+        </p:nvSpPr>
+        <p:spPr>
+          <a:xfrm>
+            <a:off x="2827410" y="4365477"/>
+            <a:ext cx="6697589" cy="731456"/>
+          </a:xfrm>
+          <a:prstGeom prst="rect">
+            <a:avLst/>
+          </a:prstGeom>
+          <a:noFill/>
+          <a:ln w="38100">
+            <a:solidFill>
+              <a:schemeClr val="accent2">
+                <a:lumMod val="75000"/>
+              </a:schemeClr>
+            </a:solidFill>
+          </a:ln>
+        </p:spPr>
+        <p:style>
+          <a:lnRef idx="2">
+            <a:schemeClr val="accent1">
+              <a:shade val="50000"/>
+            </a:schemeClr>
+          </a:lnRef>
+          <a:fillRef idx="1">
+            <a:schemeClr val="accent1"/>
+          </a:fillRef>
+          <a:effectRef idx="0">
+            <a:schemeClr val="accent1"/>
+          </a:effectRef>
+          <a:fontRef idx="minor">
+            <a:schemeClr val="lt1"/>
+          </a:fontRef>
+        </p:style>
+        <p:txBody>
+          <a:bodyPr rtlCol="0" anchor="ctr"/>
+          <a:lstStyle/>
+          <a:p>
+            <a:pPr algn="ctr"/>
+            <a:endParaRPr kumimoji="1" lang="ja-JP" altLang="en-US"/>
+          </a:p>
+        </p:txBody>
+      </p:sp>
+    </p:spTree>
+    <p:extLst>
+      <p:ext uri="{BB962C8B-B14F-4D97-AF65-F5344CB8AC3E}">
+        <p14:creationId xmlns:p14="http://schemas.microsoft.com/office/powerpoint/2010/main" val="1719296356"/>
+      </p:ext>
+    </p:extLst>
+  </p:cSld>
+  <p:clrMapOvr>
+    <a:masterClrMapping/>
+  </p:clrMapOvr>
+  <mc:AlternateContent xmlns:mc="http://schemas.openxmlformats.org/markup-compatibility/2006" xmlns:p15="http://schemas.microsoft.com/office/powerpoint/2012/main">
+    <mc:Choice Requires="p15">
+      <p:transition xmlns:p14="http://schemas.microsoft.com/office/powerpoint/2010/main" spd="slow" p14:dur="2000">
+        <p15:prstTrans prst="drape"/>
+      </p:transition>
+    </mc:Choice>
+    <mc:Fallback xmlns="">
+      <p:transition spd="slow">
+        <p:fade/>
+      </p:transition>
+    </mc:Fallback>
+  </mc:AlternateContent>
+  <p:timing>
+    <p:tnLst>
+      <p:par>
+        <p:cTn id="1" dur="indefinite" restart="never" nodeType="tmRoot"/>
+      </p:par>
+    </p:tnLst>
+  </p:timing>
+</p:sld>
+</file>
+
+<file path=ppt/slides/slide21.xml><?xml version="1.0" encoding="utf-8"?>
 <p:sld xmlns:a="http://schemas.openxmlformats.org/drawingml/2006/main" xmlns:r="http://schemas.openxmlformats.org/officeDocument/2006/relationships" xmlns:p="http://schemas.openxmlformats.org/presentationml/2006/main">
   <p:cSld>
     <p:spTree>
@@ -17792,7 +18211,7 @@
 </p:sld>
 </file>
 
-<file path=ppt/slides/slide21.xml><?xml version="1.0" encoding="utf-8"?>
+<file path=ppt/slides/slide22.xml><?xml version="1.0" encoding="utf-8"?>
 <p:sld xmlns:a="http://schemas.openxmlformats.org/drawingml/2006/main" xmlns:r="http://schemas.openxmlformats.org/officeDocument/2006/relationships" xmlns:p="http://schemas.openxmlformats.org/presentationml/2006/main">
   <p:cSld>
     <p:spTree>
@@ -19653,7 +20072,7 @@
 </p:sld>
 </file>
 
-<file path=ppt/slides/slide22.xml><?xml version="1.0" encoding="utf-8"?>
+<file path=ppt/slides/slide23.xml><?xml version="1.0" encoding="utf-8"?>
 <p:sld xmlns:a="http://schemas.openxmlformats.org/drawingml/2006/main" xmlns:r="http://schemas.openxmlformats.org/officeDocument/2006/relationships" xmlns:p="http://schemas.openxmlformats.org/presentationml/2006/main">
   <p:cSld>
     <p:spTree>
@@ -19853,7 +20272,7 @@
 </p:sld>
 </file>
 
-<file path=ppt/slides/slide23.xml><?xml version="1.0" encoding="utf-8"?>
+<file path=ppt/slides/slide24.xml><?xml version="1.0" encoding="utf-8"?>
 <p:sld xmlns:a="http://schemas.openxmlformats.org/drawingml/2006/main" xmlns:r="http://schemas.openxmlformats.org/officeDocument/2006/relationships" xmlns:p="http://schemas.openxmlformats.org/presentationml/2006/main">
   <p:cSld>
     <p:spTree>
@@ -20053,7 +20472,7 @@
 </p:sld>
 </file>
 
-<file path=ppt/slides/slide24.xml><?xml version="1.0" encoding="utf-8"?>
+<file path=ppt/slides/slide25.xml><?xml version="1.0" encoding="utf-8"?>
 <p:sld xmlns:a="http://schemas.openxmlformats.org/drawingml/2006/main" xmlns:r="http://schemas.openxmlformats.org/officeDocument/2006/relationships" xmlns:p="http://schemas.openxmlformats.org/presentationml/2006/main">
   <p:cSld>
     <p:spTree>
@@ -20345,7 +20764,7 @@
 </p:sld>
 </file>
 
-<file path=ppt/slides/slide25.xml><?xml version="1.0" encoding="utf-8"?>
+<file path=ppt/slides/slide26.xml><?xml version="1.0" encoding="utf-8"?>
 <p:sld xmlns:a="http://schemas.openxmlformats.org/drawingml/2006/main" xmlns:r="http://schemas.openxmlformats.org/officeDocument/2006/relationships" xmlns:p="http://schemas.openxmlformats.org/presentationml/2006/main">
   <p:cSld>
     <p:spTree>
@@ -20674,7 +21093,7 @@
 </p:sld>
 </file>
 
-<file path=ppt/slides/slide26.xml><?xml version="1.0" encoding="utf-8"?>
+<file path=ppt/slides/slide27.xml><?xml version="1.0" encoding="utf-8"?>
 <p:sld xmlns:a="http://schemas.openxmlformats.org/drawingml/2006/main" xmlns:r="http://schemas.openxmlformats.org/officeDocument/2006/relationships" xmlns:p="http://schemas.openxmlformats.org/presentationml/2006/main">
   <p:cSld>
     <p:spTree>
@@ -21003,7 +21422,7 @@
 </p:sld>
 </file>
 
-<file path=ppt/slides/slide27.xml><?xml version="1.0" encoding="utf-8"?>
+<file path=ppt/slides/slide28.xml><?xml version="1.0" encoding="utf-8"?>
 <p:sld xmlns:a="http://schemas.openxmlformats.org/drawingml/2006/main" xmlns:r="http://schemas.openxmlformats.org/officeDocument/2006/relationships" xmlns:p="http://schemas.openxmlformats.org/presentationml/2006/main">
   <p:cSld>
     <p:spTree>
@@ -21319,7 +21738,7 @@
 </p:sld>
 </file>
 
-<file path=ppt/slides/slide28.xml><?xml version="1.0" encoding="utf-8"?>
+<file path=ppt/slides/slide29.xml><?xml version="1.0" encoding="utf-8"?>
 <p:sld xmlns:a="http://schemas.openxmlformats.org/drawingml/2006/main" xmlns:r="http://schemas.openxmlformats.org/officeDocument/2006/relationships" xmlns:p="http://schemas.openxmlformats.org/presentationml/2006/main">
   <p:cSld>
     <p:spTree>
@@ -21572,7 +21991,1582 @@
 </p:sld>
 </file>
 
-<file path=ppt/slides/slide29.xml><?xml version="1.0" encoding="utf-8"?>
+<file path=ppt/slides/slide3.xml><?xml version="1.0" encoding="utf-8"?>
+<p:sld xmlns:a="http://schemas.openxmlformats.org/drawingml/2006/main" xmlns:r="http://schemas.openxmlformats.org/officeDocument/2006/relationships" xmlns:p="http://schemas.openxmlformats.org/presentationml/2006/main">
+  <p:cSld>
+    <p:spTree>
+      <p:nvGrpSpPr>
+        <p:cNvPr id="1" name=""/>
+        <p:cNvGrpSpPr/>
+        <p:nvPr/>
+      </p:nvGrpSpPr>
+      <p:grpSpPr>
+        <a:xfrm>
+          <a:off x="0" y="0"/>
+          <a:ext cx="0" cy="0"/>
+          <a:chOff x="0" y="0"/>
+          <a:chExt cx="0" cy="0"/>
+        </a:xfrm>
+      </p:grpSpPr>
+      <p:sp>
+        <p:nvSpPr>
+          <p:cNvPr id="2" name="Title 1">
+            <a:extLst>
+              <a:ext uri="{FF2B5EF4-FFF2-40B4-BE49-F238E27FC236}">
+                <a16:creationId xmlns:a16="http://schemas.microsoft.com/office/drawing/2014/main" id="{73F10424-6D83-4A32-A5E5-0F7102316A0E}"/>
+              </a:ext>
+            </a:extLst>
+          </p:cNvPr>
+          <p:cNvSpPr>
+            <a:spLocks noGrp="1"/>
+          </p:cNvSpPr>
+          <p:nvPr>
+            <p:ph type="title"/>
+          </p:nvPr>
+        </p:nvSpPr>
+        <p:spPr/>
+        <p:txBody>
+          <a:bodyPr/>
+          <a:lstStyle/>
+          <a:p>
+            <a:pPr lvl="0">
+              <a:lnSpc>
+                <a:spcPct val="100000"/>
+              </a:lnSpc>
+              <a:defRPr cap="all"/>
+            </a:pPr>
+            <a:r>
+              <a:rPr lang="en-US" sz="4000" err="1">
+                <a:latin typeface="Times New Roman" panose="02020603050405020304" pitchFamily="18" charset="0"/>
+                <a:cs typeface="Times New Roman" panose="02020603050405020304" pitchFamily="18" charset="0"/>
+              </a:rPr>
+              <a:t>Giới</a:t>
+            </a:r>
+            <a:r>
+              <a:rPr lang="en-US" sz="4000">
+                <a:latin typeface="Times New Roman" panose="02020603050405020304" pitchFamily="18" charset="0"/>
+                <a:cs typeface="Times New Roman" panose="02020603050405020304" pitchFamily="18" charset="0"/>
+              </a:rPr>
+              <a:t> </a:t>
+            </a:r>
+            <a:r>
+              <a:rPr lang="en-US" sz="4000" err="1">
+                <a:latin typeface="Times New Roman" panose="02020603050405020304" pitchFamily="18" charset="0"/>
+                <a:cs typeface="Times New Roman" panose="02020603050405020304" pitchFamily="18" charset="0"/>
+              </a:rPr>
+              <a:t>thiệu</a:t>
+            </a:r>
+            <a:r>
+              <a:rPr lang="en-US" sz="4000">
+                <a:latin typeface="Times New Roman" panose="02020603050405020304" pitchFamily="18" charset="0"/>
+                <a:cs typeface="Times New Roman" panose="02020603050405020304" pitchFamily="18" charset="0"/>
+              </a:rPr>
+              <a:t> </a:t>
+            </a:r>
+            <a:r>
+              <a:rPr lang="en-US" sz="4000" err="1">
+                <a:latin typeface="Times New Roman" panose="02020603050405020304" pitchFamily="18" charset="0"/>
+                <a:cs typeface="Times New Roman" panose="02020603050405020304" pitchFamily="18" charset="0"/>
+              </a:rPr>
+              <a:t>về</a:t>
+            </a:r>
+            <a:r>
+              <a:rPr lang="en-US" sz="4000">
+                <a:latin typeface="Times New Roman" panose="02020603050405020304" pitchFamily="18" charset="0"/>
+                <a:cs typeface="Times New Roman" panose="02020603050405020304" pitchFamily="18" charset="0"/>
+              </a:rPr>
+              <a:t> </a:t>
+            </a:r>
+            <a:r>
+              <a:rPr lang="en-US" sz="4000" err="1">
+                <a:latin typeface="Times New Roman" panose="02020603050405020304" pitchFamily="18" charset="0"/>
+                <a:cs typeface="Times New Roman" panose="02020603050405020304" pitchFamily="18" charset="0"/>
+              </a:rPr>
+              <a:t>đề</a:t>
+            </a:r>
+            <a:r>
+              <a:rPr lang="en-US" sz="4000">
+                <a:latin typeface="Times New Roman" panose="02020603050405020304" pitchFamily="18" charset="0"/>
+                <a:cs typeface="Times New Roman" panose="02020603050405020304" pitchFamily="18" charset="0"/>
+              </a:rPr>
+              <a:t> </a:t>
+            </a:r>
+            <a:r>
+              <a:rPr lang="en-US" sz="4000" err="1">
+                <a:latin typeface="Times New Roman" panose="02020603050405020304" pitchFamily="18" charset="0"/>
+                <a:cs typeface="Times New Roman" panose="02020603050405020304" pitchFamily="18" charset="0"/>
+              </a:rPr>
+              <a:t>tài</a:t>
+            </a:r>
+            <a:endParaRPr lang="en-US" sz="4000">
+              <a:latin typeface="Times New Roman" panose="02020603050405020304" pitchFamily="18" charset="0"/>
+              <a:cs typeface="Times New Roman" panose="02020603050405020304" pitchFamily="18" charset="0"/>
+            </a:endParaRPr>
+          </a:p>
+        </p:txBody>
+      </p:sp>
+      <p:sp>
+        <p:nvSpPr>
+          <p:cNvPr id="3" name="Content Placeholder 2">
+            <a:extLst>
+              <a:ext uri="{FF2B5EF4-FFF2-40B4-BE49-F238E27FC236}">
+                <a16:creationId xmlns:a16="http://schemas.microsoft.com/office/drawing/2014/main" id="{72B727E4-E8BF-4AE7-A31E-653E332C182B}"/>
+              </a:ext>
+            </a:extLst>
+          </p:cNvPr>
+          <p:cNvSpPr>
+            <a:spLocks noGrp="1"/>
+          </p:cNvSpPr>
+          <p:nvPr>
+            <p:ph idx="1"/>
+          </p:nvPr>
+        </p:nvSpPr>
+        <p:spPr/>
+        <p:txBody>
+          <a:bodyPr>
+            <a:normAutofit/>
+          </a:bodyPr>
+          <a:lstStyle/>
+          <a:p>
+            <a:r>
+              <a:rPr lang="en-US" sz="1600" b="1" dirty="0" err="1">
+                <a:latin typeface="Times New Roman" panose="02020603050405020304" pitchFamily="18" charset="0"/>
+                <a:cs typeface="Times New Roman" panose="02020603050405020304" pitchFamily="18" charset="0"/>
+              </a:rPr>
+              <a:t>Bối</a:t>
+            </a:r>
+            <a:r>
+              <a:rPr lang="en-US" sz="1600" b="1" dirty="0">
+                <a:latin typeface="Times New Roman" panose="02020603050405020304" pitchFamily="18" charset="0"/>
+                <a:cs typeface="Times New Roman" panose="02020603050405020304" pitchFamily="18" charset="0"/>
+              </a:rPr>
+              <a:t> </a:t>
+            </a:r>
+            <a:r>
+              <a:rPr lang="en-US" sz="1600" b="1" dirty="0" err="1">
+                <a:latin typeface="Times New Roman" panose="02020603050405020304" pitchFamily="18" charset="0"/>
+                <a:cs typeface="Times New Roman" panose="02020603050405020304" pitchFamily="18" charset="0"/>
+              </a:rPr>
+              <a:t>cảnh</a:t>
+            </a:r>
+            <a:r>
+              <a:rPr lang="en-US" sz="1600" b="1" dirty="0">
+                <a:latin typeface="Times New Roman" panose="02020603050405020304" pitchFamily="18" charset="0"/>
+                <a:cs typeface="Times New Roman" panose="02020603050405020304" pitchFamily="18" charset="0"/>
+              </a:rPr>
+              <a:t> &amp; </a:t>
+            </a:r>
+            <a:r>
+              <a:rPr lang="en-US" sz="1600" b="1" dirty="0" err="1">
+                <a:latin typeface="Times New Roman" panose="02020603050405020304" pitchFamily="18" charset="0"/>
+                <a:cs typeface="Times New Roman" panose="02020603050405020304" pitchFamily="18" charset="0"/>
+              </a:rPr>
+              <a:t>mục</a:t>
+            </a:r>
+            <a:r>
+              <a:rPr lang="en-US" sz="1600" b="1" dirty="0">
+                <a:latin typeface="Times New Roman" panose="02020603050405020304" pitchFamily="18" charset="0"/>
+                <a:cs typeface="Times New Roman" panose="02020603050405020304" pitchFamily="18" charset="0"/>
+              </a:rPr>
+              <a:t> </a:t>
+            </a:r>
+            <a:r>
+              <a:rPr lang="en-US" sz="1600" b="1" dirty="0" err="1">
+                <a:latin typeface="Times New Roman" panose="02020603050405020304" pitchFamily="18" charset="0"/>
+                <a:cs typeface="Times New Roman" panose="02020603050405020304" pitchFamily="18" charset="0"/>
+              </a:rPr>
+              <a:t>đích</a:t>
+            </a:r>
+            <a:r>
+              <a:rPr lang="en-US" sz="1600" b="1" dirty="0">
+                <a:latin typeface="Times New Roman" panose="02020603050405020304" pitchFamily="18" charset="0"/>
+                <a:cs typeface="Times New Roman" panose="02020603050405020304" pitchFamily="18" charset="0"/>
+              </a:rPr>
+              <a:t>:</a:t>
+            </a:r>
+          </a:p>
+          <a:p>
+            <a:pPr lvl="1"/>
+            <a:r>
+              <a:rPr lang="en-US" sz="1600" dirty="0" err="1">
+                <a:latin typeface="Times New Roman" panose="02020603050405020304" pitchFamily="18" charset="0"/>
+                <a:cs typeface="Times New Roman" panose="02020603050405020304" pitchFamily="18" charset="0"/>
+              </a:rPr>
+              <a:t>Về</a:t>
+            </a:r>
+            <a:r>
+              <a:rPr lang="en-US" sz="1600" dirty="0">
+                <a:latin typeface="Times New Roman" panose="02020603050405020304" pitchFamily="18" charset="0"/>
+                <a:cs typeface="Times New Roman" panose="02020603050405020304" pitchFamily="18" charset="0"/>
+              </a:rPr>
+              <a:t> </a:t>
+            </a:r>
+            <a:r>
+              <a:rPr lang="en-US" sz="1600" dirty="0" err="1">
+                <a:latin typeface="Times New Roman" panose="02020603050405020304" pitchFamily="18" charset="0"/>
+                <a:cs typeface="Times New Roman" panose="02020603050405020304" pitchFamily="18" charset="0"/>
+              </a:rPr>
+              <a:t>tình</a:t>
+            </a:r>
+            <a:r>
+              <a:rPr lang="en-US" sz="1600" dirty="0">
+                <a:latin typeface="Times New Roman" panose="02020603050405020304" pitchFamily="18" charset="0"/>
+                <a:cs typeface="Times New Roman" panose="02020603050405020304" pitchFamily="18" charset="0"/>
+              </a:rPr>
+              <a:t> </a:t>
+            </a:r>
+            <a:r>
+              <a:rPr lang="en-US" sz="1600" dirty="0" err="1">
+                <a:latin typeface="Times New Roman" panose="02020603050405020304" pitchFamily="18" charset="0"/>
+                <a:cs typeface="Times New Roman" panose="02020603050405020304" pitchFamily="18" charset="0"/>
+              </a:rPr>
+              <a:t>hình</a:t>
+            </a:r>
+            <a:r>
+              <a:rPr lang="en-US" sz="1600" dirty="0">
+                <a:latin typeface="Times New Roman" panose="02020603050405020304" pitchFamily="18" charset="0"/>
+                <a:cs typeface="Times New Roman" panose="02020603050405020304" pitchFamily="18" charset="0"/>
+              </a:rPr>
+              <a:t> dich COVID-19 </a:t>
+            </a:r>
+            <a:r>
+              <a:rPr lang="en-US" sz="1600" dirty="0" err="1">
+                <a:latin typeface="Times New Roman" panose="02020603050405020304" pitchFamily="18" charset="0"/>
+                <a:cs typeface="Times New Roman" panose="02020603050405020304" pitchFamily="18" charset="0"/>
+              </a:rPr>
+              <a:t>đang</a:t>
+            </a:r>
+            <a:r>
+              <a:rPr lang="en-US" sz="1600" dirty="0">
+                <a:latin typeface="Times New Roman" panose="02020603050405020304" pitchFamily="18" charset="0"/>
+                <a:cs typeface="Times New Roman" panose="02020603050405020304" pitchFamily="18" charset="0"/>
+              </a:rPr>
+              <a:t> </a:t>
+            </a:r>
+            <a:r>
+              <a:rPr lang="en-US" sz="1600" dirty="0" err="1">
+                <a:latin typeface="Times New Roman" panose="02020603050405020304" pitchFamily="18" charset="0"/>
+                <a:cs typeface="Times New Roman" panose="02020603050405020304" pitchFamily="18" charset="0"/>
+              </a:rPr>
+              <a:t>diễn</a:t>
+            </a:r>
+            <a:r>
+              <a:rPr lang="en-US" sz="1600" dirty="0">
+                <a:latin typeface="Times New Roman" panose="02020603050405020304" pitchFamily="18" charset="0"/>
+                <a:cs typeface="Times New Roman" panose="02020603050405020304" pitchFamily="18" charset="0"/>
+              </a:rPr>
+              <a:t> </a:t>
+            </a:r>
+            <a:r>
+              <a:rPr lang="en-US" sz="1600" dirty="0" err="1">
+                <a:latin typeface="Times New Roman" panose="02020603050405020304" pitchFamily="18" charset="0"/>
+                <a:cs typeface="Times New Roman" panose="02020603050405020304" pitchFamily="18" charset="0"/>
+              </a:rPr>
+              <a:t>biến</a:t>
+            </a:r>
+            <a:r>
+              <a:rPr lang="en-US" sz="1600" dirty="0">
+                <a:latin typeface="Times New Roman" panose="02020603050405020304" pitchFamily="18" charset="0"/>
+                <a:cs typeface="Times New Roman" panose="02020603050405020304" pitchFamily="18" charset="0"/>
+              </a:rPr>
+              <a:t> </a:t>
+            </a:r>
+            <a:r>
+              <a:rPr lang="en-US" sz="1600" dirty="0" err="1">
+                <a:latin typeface="Times New Roman" panose="02020603050405020304" pitchFamily="18" charset="0"/>
+                <a:cs typeface="Times New Roman" panose="02020603050405020304" pitchFamily="18" charset="0"/>
+              </a:rPr>
+              <a:t>rất</a:t>
+            </a:r>
+            <a:r>
+              <a:rPr lang="en-US" sz="1600" dirty="0">
+                <a:latin typeface="Times New Roman" panose="02020603050405020304" pitchFamily="18" charset="0"/>
+                <a:cs typeface="Times New Roman" panose="02020603050405020304" pitchFamily="18" charset="0"/>
+              </a:rPr>
+              <a:t> </a:t>
+            </a:r>
+            <a:r>
+              <a:rPr lang="en-US" sz="1600" dirty="0" err="1">
+                <a:latin typeface="Times New Roman" panose="02020603050405020304" pitchFamily="18" charset="0"/>
+                <a:cs typeface="Times New Roman" panose="02020603050405020304" pitchFamily="18" charset="0"/>
+              </a:rPr>
+              <a:t>phức</a:t>
+            </a:r>
+            <a:r>
+              <a:rPr lang="en-US" sz="1600" dirty="0">
+                <a:latin typeface="Times New Roman" panose="02020603050405020304" pitchFamily="18" charset="0"/>
+                <a:cs typeface="Times New Roman" panose="02020603050405020304" pitchFamily="18" charset="0"/>
+              </a:rPr>
+              <a:t> tap. </a:t>
+            </a:r>
+            <a:r>
+              <a:rPr lang="en-US" sz="1600" dirty="0" err="1">
+                <a:latin typeface="Times New Roman" panose="02020603050405020304" pitchFamily="18" charset="0"/>
+                <a:cs typeface="Times New Roman" panose="02020603050405020304" pitchFamily="18" charset="0"/>
+              </a:rPr>
+              <a:t>Thành</a:t>
+            </a:r>
+            <a:r>
+              <a:rPr lang="en-US" sz="1600" dirty="0">
+                <a:latin typeface="Times New Roman" panose="02020603050405020304" pitchFamily="18" charset="0"/>
+                <a:cs typeface="Times New Roman" panose="02020603050405020304" pitchFamily="18" charset="0"/>
+              </a:rPr>
+              <a:t> </a:t>
+            </a:r>
+            <a:r>
+              <a:rPr lang="en-US" sz="1600" dirty="0" err="1">
+                <a:latin typeface="Times New Roman" panose="02020603050405020304" pitchFamily="18" charset="0"/>
+                <a:cs typeface="Times New Roman" panose="02020603050405020304" pitchFamily="18" charset="0"/>
+              </a:rPr>
+              <a:t>phố</a:t>
+            </a:r>
+            <a:r>
+              <a:rPr lang="en-US" sz="1600" dirty="0">
+                <a:latin typeface="Times New Roman" panose="02020603050405020304" pitchFamily="18" charset="0"/>
+                <a:cs typeface="Times New Roman" panose="02020603050405020304" pitchFamily="18" charset="0"/>
+              </a:rPr>
+              <a:t> </a:t>
+            </a:r>
+            <a:r>
+              <a:rPr lang="en-US" sz="1600" dirty="0" err="1">
+                <a:latin typeface="Times New Roman" panose="02020603050405020304" pitchFamily="18" charset="0"/>
+                <a:cs typeface="Times New Roman" panose="02020603050405020304" pitchFamily="18" charset="0"/>
+              </a:rPr>
+              <a:t>Đà</a:t>
+            </a:r>
+            <a:r>
+              <a:rPr lang="en-US" sz="1600" dirty="0">
+                <a:latin typeface="Times New Roman" panose="02020603050405020304" pitchFamily="18" charset="0"/>
+                <a:cs typeface="Times New Roman" panose="02020603050405020304" pitchFamily="18" charset="0"/>
+              </a:rPr>
+              <a:t> </a:t>
+            </a:r>
+            <a:r>
+              <a:rPr lang="en-US" sz="1600" dirty="0" err="1">
+                <a:latin typeface="Times New Roman" panose="02020603050405020304" pitchFamily="18" charset="0"/>
+                <a:cs typeface="Times New Roman" panose="02020603050405020304" pitchFamily="18" charset="0"/>
+              </a:rPr>
+              <a:t>Nẵng</a:t>
+            </a:r>
+            <a:r>
+              <a:rPr lang="en-US" sz="1600" dirty="0">
+                <a:latin typeface="Times New Roman" panose="02020603050405020304" pitchFamily="18" charset="0"/>
+                <a:cs typeface="Times New Roman" panose="02020603050405020304" pitchFamily="18" charset="0"/>
+              </a:rPr>
+              <a:t> </a:t>
+            </a:r>
+            <a:r>
+              <a:rPr lang="en-US" sz="1600" dirty="0" err="1">
+                <a:latin typeface="Times New Roman" panose="02020603050405020304" pitchFamily="18" charset="0"/>
+                <a:cs typeface="Times New Roman" panose="02020603050405020304" pitchFamily="18" charset="0"/>
+              </a:rPr>
+              <a:t>có</a:t>
+            </a:r>
+            <a:r>
+              <a:rPr lang="en-US" sz="1600" dirty="0">
+                <a:latin typeface="Times New Roman" panose="02020603050405020304" pitchFamily="18" charset="0"/>
+                <a:cs typeface="Times New Roman" panose="02020603050405020304" pitchFamily="18" charset="0"/>
+              </a:rPr>
+              <a:t> </a:t>
+            </a:r>
+            <a:r>
+              <a:rPr lang="en-US" sz="1600" dirty="0" err="1">
+                <a:latin typeface="Times New Roman" panose="02020603050405020304" pitchFamily="18" charset="0"/>
+                <a:cs typeface="Times New Roman" panose="02020603050405020304" pitchFamily="18" charset="0"/>
+              </a:rPr>
+              <a:t>thể</a:t>
+            </a:r>
+            <a:r>
+              <a:rPr lang="en-US" sz="1600" dirty="0">
+                <a:latin typeface="Times New Roman" panose="02020603050405020304" pitchFamily="18" charset="0"/>
+                <a:cs typeface="Times New Roman" panose="02020603050405020304" pitchFamily="18" charset="0"/>
+              </a:rPr>
+              <a:t> </a:t>
+            </a:r>
+            <a:r>
+              <a:rPr lang="en-US" sz="1600" dirty="0" err="1">
+                <a:latin typeface="Times New Roman" panose="02020603050405020304" pitchFamily="18" charset="0"/>
+                <a:cs typeface="Times New Roman" panose="02020603050405020304" pitchFamily="18" charset="0"/>
+              </a:rPr>
+              <a:t>bị</a:t>
+            </a:r>
+            <a:r>
+              <a:rPr lang="en-US" sz="1600" dirty="0">
+                <a:latin typeface="Times New Roman" panose="02020603050405020304" pitchFamily="18" charset="0"/>
+                <a:cs typeface="Times New Roman" panose="02020603050405020304" pitchFamily="18" charset="0"/>
+              </a:rPr>
+              <a:t> lockdown </a:t>
+            </a:r>
+            <a:r>
+              <a:rPr lang="en-US" sz="1600" dirty="0" err="1">
+                <a:latin typeface="Times New Roman" panose="02020603050405020304" pitchFamily="18" charset="0"/>
+                <a:cs typeface="Times New Roman" panose="02020603050405020304" pitchFamily="18" charset="0"/>
+              </a:rPr>
+              <a:t>bất</a:t>
+            </a:r>
+            <a:r>
+              <a:rPr lang="en-US" sz="1600" dirty="0">
+                <a:latin typeface="Times New Roman" panose="02020603050405020304" pitchFamily="18" charset="0"/>
+                <a:cs typeface="Times New Roman" panose="02020603050405020304" pitchFamily="18" charset="0"/>
+              </a:rPr>
+              <a:t> </a:t>
+            </a:r>
+            <a:r>
+              <a:rPr lang="en-US" sz="1600" dirty="0" err="1">
+                <a:latin typeface="Times New Roman" panose="02020603050405020304" pitchFamily="18" charset="0"/>
+                <a:cs typeface="Times New Roman" panose="02020603050405020304" pitchFamily="18" charset="0"/>
+              </a:rPr>
+              <a:t>cứ</a:t>
+            </a:r>
+            <a:r>
+              <a:rPr lang="en-US" sz="1600" dirty="0">
+                <a:latin typeface="Times New Roman" panose="02020603050405020304" pitchFamily="18" charset="0"/>
+                <a:cs typeface="Times New Roman" panose="02020603050405020304" pitchFamily="18" charset="0"/>
+              </a:rPr>
+              <a:t> </a:t>
+            </a:r>
+            <a:r>
+              <a:rPr lang="en-US" sz="1600" dirty="0" err="1">
+                <a:latin typeface="Times New Roman" panose="02020603050405020304" pitchFamily="18" charset="0"/>
+                <a:cs typeface="Times New Roman" panose="02020603050405020304" pitchFamily="18" charset="0"/>
+              </a:rPr>
+              <a:t>lúc</a:t>
+            </a:r>
+            <a:r>
+              <a:rPr lang="en-US" sz="1600" dirty="0">
+                <a:latin typeface="Times New Roman" panose="02020603050405020304" pitchFamily="18" charset="0"/>
+                <a:cs typeface="Times New Roman" panose="02020603050405020304" pitchFamily="18" charset="0"/>
+              </a:rPr>
+              <a:t> </a:t>
+            </a:r>
+            <a:r>
+              <a:rPr lang="en-US" sz="1600" dirty="0" err="1">
+                <a:latin typeface="Times New Roman" panose="02020603050405020304" pitchFamily="18" charset="0"/>
+                <a:cs typeface="Times New Roman" panose="02020603050405020304" pitchFamily="18" charset="0"/>
+              </a:rPr>
+              <a:t>nào</a:t>
+            </a:r>
+            <a:r>
+              <a:rPr lang="en-US" sz="1600" dirty="0">
+                <a:latin typeface="Times New Roman" panose="02020603050405020304" pitchFamily="18" charset="0"/>
+                <a:cs typeface="Times New Roman" panose="02020603050405020304" pitchFamily="18" charset="0"/>
+              </a:rPr>
+              <a:t>.</a:t>
+            </a:r>
+          </a:p>
+          <a:p>
+            <a:pPr lvl="1"/>
+            <a:r>
+              <a:rPr lang="en-US" sz="1600" dirty="0" err="1">
+                <a:latin typeface="Times New Roman" panose="02020603050405020304" pitchFamily="18" charset="0"/>
+                <a:cs typeface="Times New Roman" panose="02020603050405020304" pitchFamily="18" charset="0"/>
+              </a:rPr>
+              <a:t>Nếu</a:t>
+            </a:r>
+            <a:r>
+              <a:rPr lang="en-US" sz="1600" dirty="0">
+                <a:latin typeface="Times New Roman" panose="02020603050405020304" pitchFamily="18" charset="0"/>
+                <a:cs typeface="Times New Roman" panose="02020603050405020304" pitchFamily="18" charset="0"/>
+              </a:rPr>
+              <a:t> </a:t>
+            </a:r>
+            <a:r>
+              <a:rPr lang="en-US" sz="1600" dirty="0" err="1">
+                <a:latin typeface="Times New Roman" panose="02020603050405020304" pitchFamily="18" charset="0"/>
+                <a:cs typeface="Times New Roman" panose="02020603050405020304" pitchFamily="18" charset="0"/>
+              </a:rPr>
+              <a:t>bị</a:t>
+            </a:r>
+            <a:r>
+              <a:rPr lang="en-US" sz="1600" dirty="0">
+                <a:latin typeface="Times New Roman" panose="02020603050405020304" pitchFamily="18" charset="0"/>
+                <a:cs typeface="Times New Roman" panose="02020603050405020304" pitchFamily="18" charset="0"/>
+              </a:rPr>
+              <a:t> lockdown, </a:t>
+            </a:r>
+            <a:r>
+              <a:rPr lang="en-US" sz="1600" dirty="0" err="1">
+                <a:latin typeface="Times New Roman" panose="02020603050405020304" pitchFamily="18" charset="0"/>
+                <a:cs typeface="Times New Roman" panose="02020603050405020304" pitchFamily="18" charset="0"/>
+              </a:rPr>
+              <a:t>các</a:t>
+            </a:r>
+            <a:r>
+              <a:rPr lang="en-US" sz="1600" dirty="0">
+                <a:latin typeface="Times New Roman" panose="02020603050405020304" pitchFamily="18" charset="0"/>
+                <a:cs typeface="Times New Roman" panose="02020603050405020304" pitchFamily="18" charset="0"/>
+              </a:rPr>
+              <a:t> </a:t>
+            </a:r>
+            <a:r>
+              <a:rPr lang="en-US" sz="1600" dirty="0" err="1">
+                <a:latin typeface="Times New Roman" panose="02020603050405020304" pitchFamily="18" charset="0"/>
+                <a:cs typeface="Times New Roman" panose="02020603050405020304" pitchFamily="18" charset="0"/>
+              </a:rPr>
+              <a:t>công</a:t>
+            </a:r>
+            <a:r>
+              <a:rPr lang="en-US" sz="1600" dirty="0">
+                <a:latin typeface="Times New Roman" panose="02020603050405020304" pitchFamily="18" charset="0"/>
+                <a:cs typeface="Times New Roman" panose="02020603050405020304" pitchFamily="18" charset="0"/>
+              </a:rPr>
+              <a:t> ty </a:t>
+            </a:r>
+            <a:r>
+              <a:rPr lang="en-US" sz="1600" dirty="0" err="1">
+                <a:latin typeface="Times New Roman" panose="02020603050405020304" pitchFamily="18" charset="0"/>
+                <a:cs typeface="Times New Roman" panose="02020603050405020304" pitchFamily="18" charset="0"/>
+              </a:rPr>
+              <a:t>công</a:t>
+            </a:r>
+            <a:r>
+              <a:rPr lang="en-US" sz="1600" dirty="0">
+                <a:latin typeface="Times New Roman" panose="02020603050405020304" pitchFamily="18" charset="0"/>
+                <a:cs typeface="Times New Roman" panose="02020603050405020304" pitchFamily="18" charset="0"/>
+              </a:rPr>
+              <a:t> </a:t>
+            </a:r>
+            <a:r>
+              <a:rPr lang="en-US" sz="1600" dirty="0" err="1">
+                <a:latin typeface="Times New Roman" panose="02020603050405020304" pitchFamily="18" charset="0"/>
+                <a:cs typeface="Times New Roman" panose="02020603050405020304" pitchFamily="18" charset="0"/>
+              </a:rPr>
+              <a:t>nghệ</a:t>
+            </a:r>
+            <a:r>
+              <a:rPr lang="en-US" sz="1600" dirty="0">
+                <a:latin typeface="Times New Roman" panose="02020603050405020304" pitchFamily="18" charset="0"/>
+                <a:cs typeface="Times New Roman" panose="02020603050405020304" pitchFamily="18" charset="0"/>
+              </a:rPr>
+              <a:t> </a:t>
+            </a:r>
+            <a:r>
+              <a:rPr lang="en-US" sz="1600" dirty="0" err="1">
+                <a:latin typeface="Times New Roman" panose="02020603050405020304" pitchFamily="18" charset="0"/>
+                <a:cs typeface="Times New Roman" panose="02020603050405020304" pitchFamily="18" charset="0"/>
+              </a:rPr>
+              <a:t>như</a:t>
+            </a:r>
+            <a:r>
+              <a:rPr lang="en-US" sz="1600" dirty="0">
+                <a:latin typeface="Times New Roman" panose="02020603050405020304" pitchFamily="18" charset="0"/>
+                <a:cs typeface="Times New Roman" panose="02020603050405020304" pitchFamily="18" charset="0"/>
+              </a:rPr>
+              <a:t> FPT </a:t>
+            </a:r>
+            <a:r>
+              <a:rPr lang="en-US" sz="1600" dirty="0" err="1">
+                <a:latin typeface="Times New Roman" panose="02020603050405020304" pitchFamily="18" charset="0"/>
+                <a:cs typeface="Times New Roman" panose="02020603050405020304" pitchFamily="18" charset="0"/>
+              </a:rPr>
+              <a:t>chắc</a:t>
+            </a:r>
+            <a:r>
+              <a:rPr lang="en-US" sz="1600" dirty="0">
+                <a:latin typeface="Times New Roman" panose="02020603050405020304" pitchFamily="18" charset="0"/>
+                <a:cs typeface="Times New Roman" panose="02020603050405020304" pitchFamily="18" charset="0"/>
+              </a:rPr>
+              <a:t> </a:t>
+            </a:r>
+            <a:r>
+              <a:rPr lang="en-US" sz="1600" dirty="0" err="1">
+                <a:latin typeface="Times New Roman" panose="02020603050405020304" pitchFamily="18" charset="0"/>
+                <a:cs typeface="Times New Roman" panose="02020603050405020304" pitchFamily="18" charset="0"/>
+              </a:rPr>
+              <a:t>chắn</a:t>
+            </a:r>
+            <a:r>
+              <a:rPr lang="en-US" sz="1600" dirty="0">
+                <a:latin typeface="Times New Roman" panose="02020603050405020304" pitchFamily="18" charset="0"/>
+                <a:cs typeface="Times New Roman" panose="02020603050405020304" pitchFamily="18" charset="0"/>
+              </a:rPr>
+              <a:t> </a:t>
+            </a:r>
+            <a:r>
+              <a:rPr lang="en-US" sz="1600" dirty="0" err="1">
+                <a:latin typeface="Times New Roman" panose="02020603050405020304" pitchFamily="18" charset="0"/>
+                <a:cs typeface="Times New Roman" panose="02020603050405020304" pitchFamily="18" charset="0"/>
+              </a:rPr>
+              <a:t>sẽ</a:t>
+            </a:r>
+            <a:r>
+              <a:rPr lang="en-US" sz="1600" dirty="0">
+                <a:latin typeface="Times New Roman" panose="02020603050405020304" pitchFamily="18" charset="0"/>
+                <a:cs typeface="Times New Roman" panose="02020603050405020304" pitchFamily="18" charset="0"/>
+              </a:rPr>
+              <a:t> </a:t>
+            </a:r>
+            <a:r>
+              <a:rPr lang="en-US" sz="1600" dirty="0" err="1">
+                <a:latin typeface="Times New Roman" panose="02020603050405020304" pitchFamily="18" charset="0"/>
+                <a:cs typeface="Times New Roman" panose="02020603050405020304" pitchFamily="18" charset="0"/>
+              </a:rPr>
+              <a:t>phải</a:t>
+            </a:r>
+            <a:r>
+              <a:rPr lang="en-US" sz="1600" dirty="0">
+                <a:latin typeface="Times New Roman" panose="02020603050405020304" pitchFamily="18" charset="0"/>
+                <a:cs typeface="Times New Roman" panose="02020603050405020304" pitchFamily="18" charset="0"/>
+              </a:rPr>
+              <a:t> WFH 100%</a:t>
+            </a:r>
+          </a:p>
+          <a:p>
+            <a:pPr lvl="1"/>
+            <a:r>
+              <a:rPr lang="en-US" sz="1600" dirty="0" err="1">
+                <a:latin typeface="Times New Roman" panose="02020603050405020304" pitchFamily="18" charset="0"/>
+                <a:cs typeface="Times New Roman" panose="02020603050405020304" pitchFamily="18" charset="0"/>
+              </a:rPr>
+              <a:t>Việc</a:t>
+            </a:r>
+            <a:r>
+              <a:rPr lang="en-US" sz="1600" dirty="0">
+                <a:latin typeface="Times New Roman" panose="02020603050405020304" pitchFamily="18" charset="0"/>
+                <a:cs typeface="Times New Roman" panose="02020603050405020304" pitchFamily="18" charset="0"/>
+              </a:rPr>
+              <a:t> WFH </a:t>
+            </a:r>
+            <a:r>
+              <a:rPr lang="en-US" sz="1600" dirty="0" err="1">
+                <a:latin typeface="Times New Roman" panose="02020603050405020304" pitchFamily="18" charset="0"/>
+                <a:cs typeface="Times New Roman" panose="02020603050405020304" pitchFamily="18" charset="0"/>
+              </a:rPr>
+              <a:t>cũng</a:t>
+            </a:r>
+            <a:r>
+              <a:rPr lang="en-US" sz="1600" dirty="0">
+                <a:latin typeface="Times New Roman" panose="02020603050405020304" pitchFamily="18" charset="0"/>
+                <a:cs typeface="Times New Roman" panose="02020603050405020304" pitchFamily="18" charset="0"/>
+              </a:rPr>
+              <a:t> </a:t>
+            </a:r>
+            <a:r>
+              <a:rPr lang="en-US" sz="1600" dirty="0" err="1">
+                <a:latin typeface="Times New Roman" panose="02020603050405020304" pitchFamily="18" charset="0"/>
+                <a:cs typeface="Times New Roman" panose="02020603050405020304" pitchFamily="18" charset="0"/>
+              </a:rPr>
+              <a:t>sẽ</a:t>
+            </a:r>
+            <a:r>
+              <a:rPr lang="en-US" sz="1600" dirty="0">
+                <a:latin typeface="Times New Roman" panose="02020603050405020304" pitchFamily="18" charset="0"/>
+                <a:cs typeface="Times New Roman" panose="02020603050405020304" pitchFamily="18" charset="0"/>
+              </a:rPr>
+              <a:t> </a:t>
+            </a:r>
+            <a:r>
+              <a:rPr lang="en-US" sz="1600" dirty="0" err="1">
+                <a:latin typeface="Times New Roman" panose="02020603050405020304" pitchFamily="18" charset="0"/>
+                <a:cs typeface="Times New Roman" panose="02020603050405020304" pitchFamily="18" charset="0"/>
+              </a:rPr>
+              <a:t>phải</a:t>
+            </a:r>
+            <a:r>
+              <a:rPr lang="en-US" sz="1600" dirty="0">
+                <a:latin typeface="Times New Roman" panose="02020603050405020304" pitchFamily="18" charset="0"/>
+                <a:cs typeface="Times New Roman" panose="02020603050405020304" pitchFamily="18" charset="0"/>
+              </a:rPr>
+              <a:t> </a:t>
+            </a:r>
+            <a:r>
+              <a:rPr lang="en-US" sz="1600" dirty="0" err="1">
+                <a:latin typeface="Times New Roman" panose="02020603050405020304" pitchFamily="18" charset="0"/>
+                <a:cs typeface="Times New Roman" panose="02020603050405020304" pitchFamily="18" charset="0"/>
+              </a:rPr>
+              <a:t>gặp</a:t>
+            </a:r>
+            <a:r>
+              <a:rPr lang="en-US" sz="1600" dirty="0">
+                <a:latin typeface="Times New Roman" panose="02020603050405020304" pitchFamily="18" charset="0"/>
+                <a:cs typeface="Times New Roman" panose="02020603050405020304" pitchFamily="18" charset="0"/>
+              </a:rPr>
+              <a:t> </a:t>
+            </a:r>
+            <a:r>
+              <a:rPr lang="en-US" sz="1600" dirty="0" err="1">
+                <a:latin typeface="Times New Roman" panose="02020603050405020304" pitchFamily="18" charset="0"/>
+                <a:cs typeface="Times New Roman" panose="02020603050405020304" pitchFamily="18" charset="0"/>
+              </a:rPr>
+              <a:t>mội</a:t>
+            </a:r>
+            <a:r>
+              <a:rPr lang="en-US" sz="1600" dirty="0">
+                <a:latin typeface="Times New Roman" panose="02020603050405020304" pitchFamily="18" charset="0"/>
+                <a:cs typeface="Times New Roman" panose="02020603050405020304" pitchFamily="18" charset="0"/>
+              </a:rPr>
+              <a:t> </a:t>
+            </a:r>
+            <a:r>
+              <a:rPr lang="en-US" sz="1600" dirty="0" err="1">
+                <a:latin typeface="Times New Roman" panose="02020603050405020304" pitchFamily="18" charset="0"/>
+                <a:cs typeface="Times New Roman" panose="02020603050405020304" pitchFamily="18" charset="0"/>
+              </a:rPr>
+              <a:t>số</a:t>
+            </a:r>
+            <a:r>
+              <a:rPr lang="en-US" sz="1600" dirty="0">
+                <a:latin typeface="Times New Roman" panose="02020603050405020304" pitchFamily="18" charset="0"/>
+                <a:cs typeface="Times New Roman" panose="02020603050405020304" pitchFamily="18" charset="0"/>
+              </a:rPr>
+              <a:t> issue </a:t>
+            </a:r>
+            <a:r>
+              <a:rPr lang="en-US" sz="1600" dirty="0" err="1">
+                <a:latin typeface="Times New Roman" panose="02020603050405020304" pitchFamily="18" charset="0"/>
+                <a:cs typeface="Times New Roman" panose="02020603050405020304" pitchFamily="18" charset="0"/>
+              </a:rPr>
+              <a:t>như</a:t>
+            </a:r>
+            <a:r>
+              <a:rPr lang="en-US" sz="1600" dirty="0">
+                <a:latin typeface="Times New Roman" panose="02020603050405020304" pitchFamily="18" charset="0"/>
+                <a:cs typeface="Times New Roman" panose="02020603050405020304" pitchFamily="18" charset="0"/>
+              </a:rPr>
+              <a:t> </a:t>
+            </a:r>
+            <a:r>
+              <a:rPr lang="en-US" sz="1600" dirty="0" err="1">
+                <a:latin typeface="Times New Roman" panose="02020603050405020304" pitchFamily="18" charset="0"/>
+                <a:cs typeface="Times New Roman" panose="02020603050405020304" pitchFamily="18" charset="0"/>
+              </a:rPr>
+              <a:t>máy</a:t>
+            </a:r>
+            <a:r>
+              <a:rPr lang="en-US" sz="1600" dirty="0">
+                <a:latin typeface="Times New Roman" panose="02020603050405020304" pitchFamily="18" charset="0"/>
+                <a:cs typeface="Times New Roman" panose="02020603050405020304" pitchFamily="18" charset="0"/>
+              </a:rPr>
+              <a:t> </a:t>
+            </a:r>
+            <a:r>
+              <a:rPr lang="en-US" sz="1600" dirty="0" err="1">
+                <a:latin typeface="Times New Roman" panose="02020603050405020304" pitchFamily="18" charset="0"/>
+                <a:cs typeface="Times New Roman" panose="02020603050405020304" pitchFamily="18" charset="0"/>
+              </a:rPr>
+              <a:t>tình</a:t>
+            </a:r>
+            <a:r>
+              <a:rPr lang="en-US" sz="1600" dirty="0">
+                <a:latin typeface="Times New Roman" panose="02020603050405020304" pitchFamily="18" charset="0"/>
+                <a:cs typeface="Times New Roman" panose="02020603050405020304" pitchFamily="18" charset="0"/>
+              </a:rPr>
+              <a:t> </a:t>
+            </a:r>
+            <a:r>
+              <a:rPr lang="en-US" sz="1600" dirty="0" err="1">
+                <a:latin typeface="Times New Roman" panose="02020603050405020304" pitchFamily="18" charset="0"/>
+                <a:cs typeface="Times New Roman" panose="02020603050405020304" pitchFamily="18" charset="0"/>
+              </a:rPr>
+              <a:t>bị</a:t>
+            </a:r>
+            <a:r>
+              <a:rPr lang="en-US" sz="1600" dirty="0">
+                <a:latin typeface="Times New Roman" panose="02020603050405020304" pitchFamily="18" charset="0"/>
+                <a:cs typeface="Times New Roman" panose="02020603050405020304" pitchFamily="18" charset="0"/>
+              </a:rPr>
+              <a:t> </a:t>
+            </a:r>
+            <a:r>
+              <a:rPr lang="en-US" sz="1600" dirty="0" err="1">
+                <a:latin typeface="Times New Roman" panose="02020603050405020304" pitchFamily="18" charset="0"/>
+                <a:cs typeface="Times New Roman" panose="02020603050405020304" pitchFamily="18" charset="0"/>
+              </a:rPr>
+              <a:t>treo</a:t>
+            </a:r>
+            <a:r>
+              <a:rPr lang="en-US" sz="1600" dirty="0">
+                <a:latin typeface="Times New Roman" panose="02020603050405020304" pitchFamily="18" charset="0"/>
+                <a:cs typeface="Times New Roman" panose="02020603050405020304" pitchFamily="18" charset="0"/>
+              </a:rPr>
+              <a:t>/ UPS </a:t>
+            </a:r>
+            <a:r>
+              <a:rPr lang="en-US" sz="1600" dirty="0" err="1">
+                <a:latin typeface="Times New Roman" panose="02020603050405020304" pitchFamily="18" charset="0"/>
+                <a:cs typeface="Times New Roman" panose="02020603050405020304" pitchFamily="18" charset="0"/>
+              </a:rPr>
+              <a:t>bị</a:t>
+            </a:r>
+            <a:r>
+              <a:rPr lang="en-US" sz="1600" dirty="0">
+                <a:latin typeface="Times New Roman" panose="02020603050405020304" pitchFamily="18" charset="0"/>
+                <a:cs typeface="Times New Roman" panose="02020603050405020304" pitchFamily="18" charset="0"/>
+              </a:rPr>
+              <a:t> </a:t>
+            </a:r>
+            <a:r>
+              <a:rPr lang="en-US" sz="1600" dirty="0" err="1">
+                <a:latin typeface="Times New Roman" panose="02020603050405020304" pitchFamily="18" charset="0"/>
+                <a:cs typeface="Times New Roman" panose="02020603050405020304" pitchFamily="18" charset="0"/>
+              </a:rPr>
+              <a:t>tắt</a:t>
+            </a:r>
+            <a:r>
+              <a:rPr lang="en-US" sz="1600" dirty="0">
+                <a:latin typeface="Times New Roman" panose="02020603050405020304" pitchFamily="18" charset="0"/>
+                <a:cs typeface="Times New Roman" panose="02020603050405020304" pitchFamily="18" charset="0"/>
+              </a:rPr>
+              <a:t> </a:t>
+            </a:r>
+            <a:r>
+              <a:rPr lang="en-US" sz="1600" dirty="0" err="1">
+                <a:latin typeface="Times New Roman" panose="02020603050405020304" pitchFamily="18" charset="0"/>
+                <a:cs typeface="Times New Roman" panose="02020603050405020304" pitchFamily="18" charset="0"/>
+              </a:rPr>
+              <a:t>cần</a:t>
+            </a:r>
+            <a:r>
+              <a:rPr lang="en-US" sz="1600" dirty="0">
+                <a:latin typeface="Times New Roman" panose="02020603050405020304" pitchFamily="18" charset="0"/>
+                <a:cs typeface="Times New Roman" panose="02020603050405020304" pitchFamily="18" charset="0"/>
+              </a:rPr>
+              <a:t> </a:t>
+            </a:r>
+            <a:r>
+              <a:rPr lang="en-US" sz="1600" dirty="0" err="1">
+                <a:latin typeface="Times New Roman" panose="02020603050405020304" pitchFamily="18" charset="0"/>
+                <a:cs typeface="Times New Roman" panose="02020603050405020304" pitchFamily="18" charset="0"/>
+              </a:rPr>
+              <a:t>khỏi</a:t>
+            </a:r>
+            <a:r>
+              <a:rPr lang="en-US" sz="1600" dirty="0">
+                <a:latin typeface="Times New Roman" panose="02020603050405020304" pitchFamily="18" charset="0"/>
+                <a:cs typeface="Times New Roman" panose="02020603050405020304" pitchFamily="18" charset="0"/>
+              </a:rPr>
+              <a:t> </a:t>
+            </a:r>
+            <a:r>
+              <a:rPr lang="en-US" sz="1600" dirty="0" err="1">
+                <a:latin typeface="Times New Roman" panose="02020603050405020304" pitchFamily="18" charset="0"/>
+                <a:cs typeface="Times New Roman" panose="02020603050405020304" pitchFamily="18" charset="0"/>
+              </a:rPr>
+              <a:t>động</a:t>
+            </a:r>
+            <a:r>
+              <a:rPr lang="en-US" sz="1600" dirty="0">
+                <a:latin typeface="Times New Roman" panose="02020603050405020304" pitchFamily="18" charset="0"/>
+                <a:cs typeface="Times New Roman" panose="02020603050405020304" pitchFamily="18" charset="0"/>
+              </a:rPr>
+              <a:t> </a:t>
+            </a:r>
+            <a:r>
+              <a:rPr lang="en-US" sz="1600" dirty="0" err="1">
+                <a:latin typeface="Times New Roman" panose="02020603050405020304" pitchFamily="18" charset="0"/>
+                <a:cs typeface="Times New Roman" panose="02020603050405020304" pitchFamily="18" charset="0"/>
+              </a:rPr>
+              <a:t>lại</a:t>
+            </a:r>
+            <a:r>
+              <a:rPr lang="en-US" sz="1600" dirty="0">
+                <a:latin typeface="Times New Roman" panose="02020603050405020304" pitchFamily="18" charset="0"/>
+                <a:cs typeface="Times New Roman" panose="02020603050405020304" pitchFamily="18" charset="0"/>
+              </a:rPr>
+              <a:t>.</a:t>
+            </a:r>
+          </a:p>
+          <a:p>
+            <a:pPr lvl="1"/>
+            <a:r>
+              <a:rPr lang="en-US" sz="1600" dirty="0">
+                <a:latin typeface="Times New Roman" panose="02020603050405020304" pitchFamily="18" charset="0"/>
+                <a:cs typeface="Times New Roman" panose="02020603050405020304" pitchFamily="18" charset="0"/>
+              </a:rPr>
+              <a:t>Team [</a:t>
+            </a:r>
+            <a:r>
+              <a:rPr lang="en-US" sz="1600" dirty="0" err="1">
+                <a:latin typeface="Times New Roman" panose="02020603050405020304" pitchFamily="18" charset="0"/>
+                <a:cs typeface="Times New Roman" panose="02020603050405020304" pitchFamily="18" charset="0"/>
+              </a:rPr>
+              <a:t>Chúa</a:t>
+            </a:r>
+            <a:r>
+              <a:rPr lang="en-US" sz="1600" dirty="0">
+                <a:latin typeface="Times New Roman" panose="02020603050405020304" pitchFamily="18" charset="0"/>
+                <a:cs typeface="Times New Roman" panose="02020603050405020304" pitchFamily="18" charset="0"/>
+              </a:rPr>
+              <a:t> </a:t>
+            </a:r>
+            <a:r>
+              <a:rPr lang="en-US" sz="1600" dirty="0" err="1">
+                <a:latin typeface="Times New Roman" panose="02020603050405020304" pitchFamily="18" charset="0"/>
+                <a:cs typeface="Times New Roman" panose="02020603050405020304" pitchFamily="18" charset="0"/>
+              </a:rPr>
+              <a:t>tể</a:t>
+            </a:r>
+            <a:r>
+              <a:rPr lang="en-US" sz="1600" dirty="0">
+                <a:latin typeface="Times New Roman" panose="02020603050405020304" pitchFamily="18" charset="0"/>
+                <a:cs typeface="Times New Roman" panose="02020603050405020304" pitchFamily="18" charset="0"/>
+              </a:rPr>
+              <a:t> tool </a:t>
+            </a:r>
+            <a:r>
+              <a:rPr lang="en-US" sz="1600" dirty="0" err="1">
+                <a:latin typeface="Times New Roman" panose="02020603050405020304" pitchFamily="18" charset="0"/>
+                <a:cs typeface="Times New Roman" panose="02020603050405020304" pitchFamily="18" charset="0"/>
+              </a:rPr>
+              <a:t>lỗi</a:t>
+            </a:r>
+            <a:r>
+              <a:rPr lang="en-US" sz="1600" dirty="0">
+                <a:latin typeface="Times New Roman" panose="02020603050405020304" pitchFamily="18" charset="0"/>
+                <a:cs typeface="Times New Roman" panose="02020603050405020304" pitchFamily="18" charset="0"/>
+              </a:rPr>
+              <a:t>] </a:t>
+            </a:r>
+            <a:r>
+              <a:rPr lang="en-US" sz="1600" dirty="0" err="1">
+                <a:latin typeface="Times New Roman" panose="02020603050405020304" pitchFamily="18" charset="0"/>
+                <a:cs typeface="Times New Roman" panose="02020603050405020304" pitchFamily="18" charset="0"/>
+              </a:rPr>
+              <a:t>đã</a:t>
+            </a:r>
+            <a:r>
+              <a:rPr lang="en-US" sz="1600" dirty="0">
+                <a:latin typeface="Times New Roman" panose="02020603050405020304" pitchFamily="18" charset="0"/>
+                <a:cs typeface="Times New Roman" panose="02020603050405020304" pitchFamily="18" charset="0"/>
+              </a:rPr>
+              <a:t> </a:t>
+            </a:r>
+            <a:r>
+              <a:rPr lang="en-US" sz="1600" dirty="0" err="1">
+                <a:latin typeface="Times New Roman" panose="02020603050405020304" pitchFamily="18" charset="0"/>
+                <a:cs typeface="Times New Roman" panose="02020603050405020304" pitchFamily="18" charset="0"/>
+              </a:rPr>
+              <a:t>thực</a:t>
+            </a:r>
+            <a:r>
+              <a:rPr lang="en-US" sz="1600" dirty="0">
+                <a:latin typeface="Times New Roman" panose="02020603050405020304" pitchFamily="18" charset="0"/>
+                <a:cs typeface="Times New Roman" panose="02020603050405020304" pitchFamily="18" charset="0"/>
+              </a:rPr>
+              <a:t> </a:t>
+            </a:r>
+            <a:r>
+              <a:rPr lang="en-US" sz="1600" dirty="0" err="1">
+                <a:latin typeface="Times New Roman" panose="02020603050405020304" pitchFamily="18" charset="0"/>
+                <a:cs typeface="Times New Roman" panose="02020603050405020304" pitchFamily="18" charset="0"/>
+              </a:rPr>
+              <a:t>hiện</a:t>
+            </a:r>
+            <a:r>
+              <a:rPr lang="en-US" sz="1600" dirty="0">
+                <a:latin typeface="Times New Roman" panose="02020603050405020304" pitchFamily="18" charset="0"/>
+                <a:cs typeface="Times New Roman" panose="02020603050405020304" pitchFamily="18" charset="0"/>
+              </a:rPr>
+              <a:t> 1 ý </a:t>
+            </a:r>
+            <a:r>
+              <a:rPr lang="en-US" sz="1600" dirty="0" err="1">
+                <a:latin typeface="Times New Roman" panose="02020603050405020304" pitchFamily="18" charset="0"/>
+                <a:cs typeface="Times New Roman" panose="02020603050405020304" pitchFamily="18" charset="0"/>
+              </a:rPr>
+              <a:t>tưởng</a:t>
+            </a:r>
+            <a:r>
+              <a:rPr lang="en-US" sz="1600" dirty="0">
+                <a:latin typeface="Times New Roman" panose="02020603050405020304" pitchFamily="18" charset="0"/>
+                <a:cs typeface="Times New Roman" panose="02020603050405020304" pitchFamily="18" charset="0"/>
+              </a:rPr>
+              <a:t> </a:t>
+            </a:r>
+            <a:r>
+              <a:rPr lang="en-US" sz="1600" dirty="0" err="1">
+                <a:latin typeface="Times New Roman" panose="02020603050405020304" pitchFamily="18" charset="0"/>
+                <a:cs typeface="Times New Roman" panose="02020603050405020304" pitchFamily="18" charset="0"/>
+              </a:rPr>
+              <a:t>để</a:t>
+            </a:r>
+            <a:r>
+              <a:rPr lang="en-US" sz="1600" dirty="0">
+                <a:latin typeface="Times New Roman" panose="02020603050405020304" pitchFamily="18" charset="0"/>
+                <a:cs typeface="Times New Roman" panose="02020603050405020304" pitchFamily="18" charset="0"/>
+              </a:rPr>
+              <a:t> </a:t>
+            </a:r>
+            <a:r>
+              <a:rPr lang="en-US" sz="1600" dirty="0" err="1">
+                <a:latin typeface="Times New Roman" panose="02020603050405020304" pitchFamily="18" charset="0"/>
+                <a:cs typeface="Times New Roman" panose="02020603050405020304" pitchFamily="18" charset="0"/>
+              </a:rPr>
+              <a:t>có</a:t>
+            </a:r>
+            <a:r>
+              <a:rPr lang="en-US" sz="1600" dirty="0">
+                <a:latin typeface="Times New Roman" panose="02020603050405020304" pitchFamily="18" charset="0"/>
+                <a:cs typeface="Times New Roman" panose="02020603050405020304" pitchFamily="18" charset="0"/>
+              </a:rPr>
+              <a:t> </a:t>
+            </a:r>
+            <a:r>
+              <a:rPr lang="en-US" sz="1600" dirty="0" err="1">
+                <a:latin typeface="Times New Roman" panose="02020603050405020304" pitchFamily="18" charset="0"/>
+                <a:cs typeface="Times New Roman" panose="02020603050405020304" pitchFamily="18" charset="0"/>
+              </a:rPr>
+              <a:t>thể</a:t>
+            </a:r>
+            <a:r>
+              <a:rPr lang="en-US" sz="1600" dirty="0">
+                <a:latin typeface="Times New Roman" panose="02020603050405020304" pitchFamily="18" charset="0"/>
+                <a:cs typeface="Times New Roman" panose="02020603050405020304" pitchFamily="18" charset="0"/>
+              </a:rPr>
+              <a:t> </a:t>
+            </a:r>
+            <a:r>
+              <a:rPr lang="en-US" sz="1600" dirty="0" err="1">
+                <a:latin typeface="Times New Roman" panose="02020603050405020304" pitchFamily="18" charset="0"/>
+                <a:cs typeface="Times New Roman" panose="02020603050405020304" pitchFamily="18" charset="0"/>
+              </a:rPr>
+              <a:t>giải</a:t>
+            </a:r>
+            <a:r>
+              <a:rPr lang="en-US" sz="1600" dirty="0">
+                <a:latin typeface="Times New Roman" panose="02020603050405020304" pitchFamily="18" charset="0"/>
+                <a:cs typeface="Times New Roman" panose="02020603050405020304" pitchFamily="18" charset="0"/>
+              </a:rPr>
+              <a:t> </a:t>
+            </a:r>
+            <a:r>
+              <a:rPr lang="en-US" sz="1600" dirty="0" err="1">
+                <a:latin typeface="Times New Roman" panose="02020603050405020304" pitchFamily="18" charset="0"/>
+                <a:cs typeface="Times New Roman" panose="02020603050405020304" pitchFamily="18" charset="0"/>
+              </a:rPr>
+              <a:t>quyết</a:t>
+            </a:r>
+            <a:r>
+              <a:rPr lang="en-US" sz="1600" dirty="0">
+                <a:latin typeface="Times New Roman" panose="02020603050405020304" pitchFamily="18" charset="0"/>
+                <a:cs typeface="Times New Roman" panose="02020603050405020304" pitchFamily="18" charset="0"/>
+              </a:rPr>
+              <a:t> </a:t>
+            </a:r>
+            <a:r>
+              <a:rPr lang="en-US" sz="1600" dirty="0" err="1">
+                <a:latin typeface="Times New Roman" panose="02020603050405020304" pitchFamily="18" charset="0"/>
+                <a:cs typeface="Times New Roman" panose="02020603050405020304" pitchFamily="18" charset="0"/>
+              </a:rPr>
+              <a:t>các</a:t>
+            </a:r>
+            <a:r>
+              <a:rPr lang="en-US" sz="1600" dirty="0">
+                <a:latin typeface="Times New Roman" panose="02020603050405020304" pitchFamily="18" charset="0"/>
+                <a:cs typeface="Times New Roman" panose="02020603050405020304" pitchFamily="18" charset="0"/>
+              </a:rPr>
+              <a:t> </a:t>
+            </a:r>
+            <a:r>
+              <a:rPr lang="en-US" sz="1600" dirty="0" err="1">
+                <a:latin typeface="Times New Roman" panose="02020603050405020304" pitchFamily="18" charset="0"/>
+                <a:cs typeface="Times New Roman" panose="02020603050405020304" pitchFamily="18" charset="0"/>
+              </a:rPr>
+              <a:t>vấn</a:t>
+            </a:r>
+            <a:r>
+              <a:rPr lang="en-US" sz="1600" dirty="0">
+                <a:latin typeface="Times New Roman" panose="02020603050405020304" pitchFamily="18" charset="0"/>
+                <a:cs typeface="Times New Roman" panose="02020603050405020304" pitchFamily="18" charset="0"/>
+              </a:rPr>
+              <a:t> </a:t>
+            </a:r>
+            <a:r>
+              <a:rPr lang="en-US" sz="1600" dirty="0" err="1">
+                <a:latin typeface="Times New Roman" panose="02020603050405020304" pitchFamily="18" charset="0"/>
+                <a:cs typeface="Times New Roman" panose="02020603050405020304" pitchFamily="18" charset="0"/>
+              </a:rPr>
+              <a:t>đề</a:t>
+            </a:r>
+            <a:r>
+              <a:rPr lang="en-US" sz="1600" dirty="0">
+                <a:latin typeface="Times New Roman" panose="02020603050405020304" pitchFamily="18" charset="0"/>
+                <a:cs typeface="Times New Roman" panose="02020603050405020304" pitchFamily="18" charset="0"/>
+              </a:rPr>
+              <a:t> </a:t>
+            </a:r>
+            <a:r>
+              <a:rPr lang="en-US" sz="1600" dirty="0" err="1">
+                <a:latin typeface="Times New Roman" panose="02020603050405020304" pitchFamily="18" charset="0"/>
+                <a:cs typeface="Times New Roman" panose="02020603050405020304" pitchFamily="18" charset="0"/>
+              </a:rPr>
+              <a:t>trên</a:t>
+            </a:r>
+            <a:r>
+              <a:rPr lang="en-US" sz="1600" dirty="0">
+                <a:latin typeface="Times New Roman" panose="02020603050405020304" pitchFamily="18" charset="0"/>
+                <a:cs typeface="Times New Roman" panose="02020603050405020304" pitchFamily="18" charset="0"/>
+              </a:rPr>
+              <a:t>.</a:t>
+            </a:r>
+          </a:p>
+          <a:p>
+            <a:pPr lvl="1"/>
+            <a:r>
+              <a:rPr lang="en-US" sz="1600" dirty="0" err="1">
+                <a:latin typeface="Times New Roman" panose="02020603050405020304" pitchFamily="18" charset="0"/>
+                <a:cs typeface="Times New Roman" panose="02020603050405020304" pitchFamily="18" charset="0"/>
+              </a:rPr>
+              <a:t>Tạo</a:t>
+            </a:r>
+            <a:r>
+              <a:rPr lang="en-US" sz="1600" dirty="0">
+                <a:latin typeface="Times New Roman" panose="02020603050405020304" pitchFamily="18" charset="0"/>
+                <a:cs typeface="Times New Roman" panose="02020603050405020304" pitchFamily="18" charset="0"/>
+              </a:rPr>
+              <a:t> </a:t>
+            </a:r>
+            <a:r>
+              <a:rPr lang="en-US" sz="1600" dirty="0" err="1">
+                <a:latin typeface="Times New Roman" panose="02020603050405020304" pitchFamily="18" charset="0"/>
+                <a:cs typeface="Times New Roman" panose="02020603050405020304" pitchFamily="18" charset="0"/>
+              </a:rPr>
+              <a:t>ra</a:t>
+            </a:r>
+            <a:r>
+              <a:rPr lang="en-US" sz="1600" dirty="0">
+                <a:latin typeface="Times New Roman" panose="02020603050405020304" pitchFamily="18" charset="0"/>
+                <a:cs typeface="Times New Roman" panose="02020603050405020304" pitchFamily="18" charset="0"/>
+              </a:rPr>
+              <a:t> 1 con robot </a:t>
+            </a:r>
+            <a:r>
+              <a:rPr lang="en-US" sz="1600" dirty="0" err="1">
+                <a:latin typeface="Times New Roman" panose="02020603050405020304" pitchFamily="18" charset="0"/>
+                <a:cs typeface="Times New Roman" panose="02020603050405020304" pitchFamily="18" charset="0"/>
+              </a:rPr>
+              <a:t>đi</a:t>
+            </a:r>
+            <a:r>
+              <a:rPr lang="en-US" sz="1600" dirty="0">
+                <a:latin typeface="Times New Roman" panose="02020603050405020304" pitchFamily="18" charset="0"/>
+                <a:cs typeface="Times New Roman" panose="02020603050405020304" pitchFamily="18" charset="0"/>
+              </a:rPr>
+              <a:t> </a:t>
+            </a:r>
+            <a:r>
+              <a:rPr lang="en-US" sz="1600" dirty="0" err="1">
+                <a:latin typeface="Times New Roman" panose="02020603050405020304" pitchFamily="18" charset="0"/>
+                <a:cs typeface="Times New Roman" panose="02020603050405020304" pitchFamily="18" charset="0"/>
+              </a:rPr>
+              <a:t>ấn</a:t>
+            </a:r>
+            <a:r>
+              <a:rPr lang="en-US" sz="1600" dirty="0">
+                <a:latin typeface="Times New Roman" panose="02020603050405020304" pitchFamily="18" charset="0"/>
+                <a:cs typeface="Times New Roman" panose="02020603050405020304" pitchFamily="18" charset="0"/>
+              </a:rPr>
+              <a:t> button restart </a:t>
+            </a:r>
+            <a:r>
+              <a:rPr lang="en-US" sz="1600" dirty="0" err="1">
+                <a:latin typeface="Times New Roman" panose="02020603050405020304" pitchFamily="18" charset="0"/>
+                <a:cs typeface="Times New Roman" panose="02020603050405020304" pitchFamily="18" charset="0"/>
+              </a:rPr>
+              <a:t>và</a:t>
+            </a:r>
+            <a:r>
+              <a:rPr lang="en-US" sz="1600" dirty="0">
+                <a:latin typeface="Times New Roman" panose="02020603050405020304" pitchFamily="18" charset="0"/>
+                <a:cs typeface="Times New Roman" panose="02020603050405020304" pitchFamily="18" charset="0"/>
+              </a:rPr>
+              <a:t> 1 website </a:t>
+            </a:r>
+            <a:r>
+              <a:rPr lang="en-US" sz="1600" dirty="0" err="1">
+                <a:latin typeface="Times New Roman" panose="02020603050405020304" pitchFamily="18" charset="0"/>
+                <a:cs typeface="Times New Roman" panose="02020603050405020304" pitchFamily="18" charset="0"/>
+              </a:rPr>
+              <a:t>có</a:t>
+            </a:r>
+            <a:r>
+              <a:rPr lang="en-US" sz="1600" dirty="0">
+                <a:latin typeface="Times New Roman" panose="02020603050405020304" pitchFamily="18" charset="0"/>
+                <a:cs typeface="Times New Roman" panose="02020603050405020304" pitchFamily="18" charset="0"/>
+              </a:rPr>
+              <a:t> </a:t>
+            </a:r>
+            <a:r>
+              <a:rPr lang="en-US" sz="1600" dirty="0" err="1">
+                <a:latin typeface="Times New Roman" panose="02020603050405020304" pitchFamily="18" charset="0"/>
+                <a:cs typeface="Times New Roman" panose="02020603050405020304" pitchFamily="18" charset="0"/>
+              </a:rPr>
+              <a:t>thế</a:t>
+            </a:r>
+            <a:r>
+              <a:rPr lang="en-US" sz="1600" dirty="0">
+                <a:latin typeface="Times New Roman" panose="02020603050405020304" pitchFamily="18" charset="0"/>
+                <a:cs typeface="Times New Roman" panose="02020603050405020304" pitchFamily="18" charset="0"/>
+              </a:rPr>
+              <a:t> </a:t>
+            </a:r>
+            <a:r>
+              <a:rPr lang="en-US" sz="1600" dirty="0" err="1">
+                <a:latin typeface="Times New Roman" panose="02020603050405020304" pitchFamily="18" charset="0"/>
+                <a:cs typeface="Times New Roman" panose="02020603050405020304" pitchFamily="18" charset="0"/>
+              </a:rPr>
+              <a:t>quản</a:t>
+            </a:r>
+            <a:r>
+              <a:rPr lang="en-US" sz="1600" dirty="0">
+                <a:latin typeface="Times New Roman" panose="02020603050405020304" pitchFamily="18" charset="0"/>
+                <a:cs typeface="Times New Roman" panose="02020603050405020304" pitchFamily="18" charset="0"/>
+              </a:rPr>
+              <a:t> </a:t>
+            </a:r>
+            <a:r>
+              <a:rPr lang="en-US" sz="1600" dirty="0" err="1">
+                <a:latin typeface="Times New Roman" panose="02020603050405020304" pitchFamily="18" charset="0"/>
+                <a:cs typeface="Times New Roman" panose="02020603050405020304" pitchFamily="18" charset="0"/>
+              </a:rPr>
+              <a:t>lý</a:t>
+            </a:r>
+            <a:r>
+              <a:rPr lang="en-US" sz="1600" dirty="0">
+                <a:latin typeface="Times New Roman" panose="02020603050405020304" pitchFamily="18" charset="0"/>
+                <a:cs typeface="Times New Roman" panose="02020603050405020304" pitchFamily="18" charset="0"/>
+              </a:rPr>
+              <a:t> </a:t>
+            </a:r>
+            <a:r>
+              <a:rPr lang="en-US" sz="1600" dirty="0" err="1">
+                <a:latin typeface="Times New Roman" panose="02020603050405020304" pitchFamily="18" charset="0"/>
+                <a:cs typeface="Times New Roman" panose="02020603050405020304" pitchFamily="18" charset="0"/>
+              </a:rPr>
+              <a:t>việc</a:t>
+            </a:r>
+            <a:r>
+              <a:rPr lang="en-US" sz="1600" dirty="0">
+                <a:latin typeface="Times New Roman" panose="02020603050405020304" pitchFamily="18" charset="0"/>
+                <a:cs typeface="Times New Roman" panose="02020603050405020304" pitchFamily="18" charset="0"/>
+              </a:rPr>
+              <a:t> </a:t>
+            </a:r>
+            <a:r>
+              <a:rPr lang="en-US" sz="1600" dirty="0" err="1">
+                <a:latin typeface="Times New Roman" panose="02020603050405020304" pitchFamily="18" charset="0"/>
+                <a:cs typeface="Times New Roman" panose="02020603050405020304" pitchFamily="18" charset="0"/>
+              </a:rPr>
+              <a:t>điều</a:t>
+            </a:r>
+            <a:r>
+              <a:rPr lang="en-US" sz="1600" dirty="0">
+                <a:latin typeface="Times New Roman" panose="02020603050405020304" pitchFamily="18" charset="0"/>
+                <a:cs typeface="Times New Roman" panose="02020603050405020304" pitchFamily="18" charset="0"/>
+              </a:rPr>
+              <a:t> </a:t>
+            </a:r>
+            <a:r>
+              <a:rPr lang="en-US" sz="1600" dirty="0" err="1">
+                <a:latin typeface="Times New Roman" panose="02020603050405020304" pitchFamily="18" charset="0"/>
+                <a:cs typeface="Times New Roman" panose="02020603050405020304" pitchFamily="18" charset="0"/>
+              </a:rPr>
+              <a:t>khiển</a:t>
+            </a:r>
+            <a:r>
+              <a:rPr lang="en-US" sz="1600" dirty="0">
+                <a:latin typeface="Times New Roman" panose="02020603050405020304" pitchFamily="18" charset="0"/>
+                <a:cs typeface="Times New Roman" panose="02020603050405020304" pitchFamily="18" charset="0"/>
+              </a:rPr>
+              <a:t> robot </a:t>
+            </a:r>
+            <a:r>
+              <a:rPr lang="en-US" sz="1600" dirty="0" err="1">
+                <a:latin typeface="Times New Roman" panose="02020603050405020304" pitchFamily="18" charset="0"/>
+                <a:cs typeface="Times New Roman" panose="02020603050405020304" pitchFamily="18" charset="0"/>
+              </a:rPr>
+              <a:t>dễ</a:t>
+            </a:r>
+            <a:r>
+              <a:rPr lang="en-US" sz="1600" dirty="0">
+                <a:latin typeface="Times New Roman" panose="02020603050405020304" pitchFamily="18" charset="0"/>
+                <a:cs typeface="Times New Roman" panose="02020603050405020304" pitchFamily="18" charset="0"/>
+              </a:rPr>
+              <a:t> </a:t>
+            </a:r>
+            <a:r>
+              <a:rPr lang="en-US" sz="1600" dirty="0" err="1">
+                <a:latin typeface="Times New Roman" panose="02020603050405020304" pitchFamily="18" charset="0"/>
+                <a:cs typeface="Times New Roman" panose="02020603050405020304" pitchFamily="18" charset="0"/>
+              </a:rPr>
+              <a:t>dàng</a:t>
+            </a:r>
+            <a:r>
+              <a:rPr lang="en-US" sz="1600" dirty="0">
+                <a:latin typeface="Times New Roman" panose="02020603050405020304" pitchFamily="18" charset="0"/>
+                <a:cs typeface="Times New Roman" panose="02020603050405020304" pitchFamily="18" charset="0"/>
+              </a:rPr>
+              <a:t>.</a:t>
+            </a:r>
+          </a:p>
+          <a:p>
+            <a:r>
+              <a:rPr lang="en-US" sz="1600" b="1" dirty="0" err="1">
+                <a:latin typeface="Times New Roman" panose="02020603050405020304" pitchFamily="18" charset="0"/>
+                <a:cs typeface="Times New Roman" panose="02020603050405020304" pitchFamily="18" charset="0"/>
+              </a:rPr>
+              <a:t>Thành</a:t>
+            </a:r>
+            <a:r>
+              <a:rPr lang="en-US" sz="1600" b="1" dirty="0">
+                <a:latin typeface="Times New Roman" panose="02020603050405020304" pitchFamily="18" charset="0"/>
+                <a:cs typeface="Times New Roman" panose="02020603050405020304" pitchFamily="18" charset="0"/>
+              </a:rPr>
+              <a:t> </a:t>
+            </a:r>
+            <a:r>
+              <a:rPr lang="en-US" sz="1600" b="1" dirty="0" err="1">
+                <a:latin typeface="Times New Roman" panose="02020603050405020304" pitchFamily="18" charset="0"/>
+                <a:cs typeface="Times New Roman" panose="02020603050405020304" pitchFamily="18" charset="0"/>
+              </a:rPr>
+              <a:t>viên</a:t>
+            </a:r>
+            <a:r>
+              <a:rPr lang="en-US" sz="1600" b="1" dirty="0">
+                <a:latin typeface="Times New Roman" panose="02020603050405020304" pitchFamily="18" charset="0"/>
+                <a:cs typeface="Times New Roman" panose="02020603050405020304" pitchFamily="18" charset="0"/>
+              </a:rPr>
+              <a:t>:</a:t>
+            </a:r>
+          </a:p>
+          <a:p>
+            <a:pPr lvl="1"/>
+            <a:r>
+              <a:rPr lang="en-US" sz="1600" dirty="0" err="1">
+                <a:latin typeface="Times New Roman" panose="02020603050405020304" pitchFamily="18" charset="0"/>
+                <a:cs typeface="Times New Roman" panose="02020603050405020304" pitchFamily="18" charset="0"/>
+              </a:rPr>
+              <a:t>Nguyễn</a:t>
+            </a:r>
+            <a:r>
+              <a:rPr lang="en-US" sz="1600" dirty="0">
+                <a:latin typeface="Times New Roman" panose="02020603050405020304" pitchFamily="18" charset="0"/>
+                <a:cs typeface="Times New Roman" panose="02020603050405020304" pitchFamily="18" charset="0"/>
+              </a:rPr>
+              <a:t> </a:t>
+            </a:r>
+            <a:r>
+              <a:rPr lang="en-US" sz="1600" dirty="0" err="1">
+                <a:latin typeface="Times New Roman" panose="02020603050405020304" pitchFamily="18" charset="0"/>
+                <a:cs typeface="Times New Roman" panose="02020603050405020304" pitchFamily="18" charset="0"/>
+              </a:rPr>
+              <a:t>Văn</a:t>
+            </a:r>
+            <a:r>
+              <a:rPr lang="en-US" sz="1600" dirty="0">
+                <a:latin typeface="Times New Roman" panose="02020603050405020304" pitchFamily="18" charset="0"/>
+                <a:cs typeface="Times New Roman" panose="02020603050405020304" pitchFamily="18" charset="0"/>
+              </a:rPr>
+              <a:t> </a:t>
+            </a:r>
+            <a:r>
+              <a:rPr lang="en-US" sz="1600" dirty="0" err="1">
+                <a:latin typeface="Times New Roman" panose="02020603050405020304" pitchFamily="18" charset="0"/>
+                <a:cs typeface="Times New Roman" panose="02020603050405020304" pitchFamily="18" charset="0"/>
+              </a:rPr>
+              <a:t>Cường</a:t>
+            </a:r>
+            <a:r>
+              <a:rPr lang="en-US" sz="1600" dirty="0">
+                <a:latin typeface="Times New Roman" panose="02020603050405020304" pitchFamily="18" charset="0"/>
+                <a:cs typeface="Times New Roman" panose="02020603050405020304" pitchFamily="18" charset="0"/>
+              </a:rPr>
+              <a:t> (robot + </a:t>
+            </a:r>
+            <a:r>
+              <a:rPr lang="en-US" sz="1600" dirty="0" err="1">
+                <a:latin typeface="Times New Roman" panose="02020603050405020304" pitchFamily="18" charset="0"/>
+                <a:cs typeface="Times New Roman" panose="02020603050405020304" pitchFamily="18" charset="0"/>
+              </a:rPr>
+              <a:t>api</a:t>
+            </a:r>
+            <a:r>
+              <a:rPr lang="en-US" sz="1600" dirty="0">
+                <a:latin typeface="Times New Roman" panose="02020603050405020304" pitchFamily="18" charset="0"/>
+                <a:cs typeface="Times New Roman" panose="02020603050405020304" pitchFamily="18" charset="0"/>
+              </a:rPr>
+              <a:t>)</a:t>
+            </a:r>
+          </a:p>
+          <a:p>
+            <a:pPr lvl="1"/>
+            <a:r>
+              <a:rPr lang="en-US" sz="1600" dirty="0" err="1">
+                <a:latin typeface="Times New Roman" panose="02020603050405020304" pitchFamily="18" charset="0"/>
+                <a:cs typeface="Times New Roman" panose="02020603050405020304" pitchFamily="18" charset="0"/>
+              </a:rPr>
+              <a:t>Lê</a:t>
+            </a:r>
+            <a:r>
+              <a:rPr lang="en-US" sz="1600" dirty="0">
+                <a:latin typeface="Times New Roman" panose="02020603050405020304" pitchFamily="18" charset="0"/>
+                <a:cs typeface="Times New Roman" panose="02020603050405020304" pitchFamily="18" charset="0"/>
+              </a:rPr>
+              <a:t> </a:t>
+            </a:r>
+            <a:r>
+              <a:rPr lang="en-US" sz="1600" dirty="0" err="1">
+                <a:latin typeface="Times New Roman" panose="02020603050405020304" pitchFamily="18" charset="0"/>
+                <a:cs typeface="Times New Roman" panose="02020603050405020304" pitchFamily="18" charset="0"/>
+              </a:rPr>
+              <a:t>Đình</a:t>
+            </a:r>
+            <a:r>
+              <a:rPr lang="en-US" sz="1600" dirty="0">
+                <a:latin typeface="Times New Roman" panose="02020603050405020304" pitchFamily="18" charset="0"/>
+                <a:cs typeface="Times New Roman" panose="02020603050405020304" pitchFamily="18" charset="0"/>
+              </a:rPr>
+              <a:t> </a:t>
+            </a:r>
+            <a:r>
+              <a:rPr lang="en-US" sz="1600" dirty="0" err="1" smtClean="0">
+                <a:latin typeface="Times New Roman" panose="02020603050405020304" pitchFamily="18" charset="0"/>
+                <a:cs typeface="Times New Roman" panose="02020603050405020304" pitchFamily="18" charset="0"/>
+              </a:rPr>
+              <a:t>Tâm</a:t>
+            </a:r>
+            <a:r>
+              <a:rPr lang="en-US" sz="1600" dirty="0" smtClean="0">
+                <a:latin typeface="Times New Roman" panose="02020603050405020304" pitchFamily="18" charset="0"/>
+                <a:cs typeface="Times New Roman" panose="02020603050405020304" pitchFamily="18" charset="0"/>
+              </a:rPr>
+              <a:t> </a:t>
+            </a:r>
+            <a:r>
+              <a:rPr lang="en-US" sz="1600" dirty="0" err="1">
+                <a:latin typeface="Times New Roman" panose="02020603050405020304" pitchFamily="18" charset="0"/>
+                <a:cs typeface="Times New Roman" panose="02020603050405020304" pitchFamily="18" charset="0"/>
+              </a:rPr>
+              <a:t>Phụng</a:t>
+            </a:r>
+            <a:r>
+              <a:rPr lang="en-US" sz="1600" dirty="0">
+                <a:latin typeface="Times New Roman" panose="02020603050405020304" pitchFamily="18" charset="0"/>
+                <a:cs typeface="Times New Roman" panose="02020603050405020304" pitchFamily="18" charset="0"/>
+              </a:rPr>
+              <a:t> (login +queue)</a:t>
+            </a:r>
+          </a:p>
+          <a:p>
+            <a:pPr lvl="1"/>
+            <a:r>
+              <a:rPr lang="en-US" sz="1600" dirty="0">
+                <a:latin typeface="Times New Roman" panose="02020603050405020304" pitchFamily="18" charset="0"/>
+                <a:cs typeface="Times New Roman" panose="02020603050405020304" pitchFamily="18" charset="0"/>
+              </a:rPr>
+              <a:t>Phan </a:t>
+            </a:r>
+            <a:r>
+              <a:rPr lang="en-US" sz="1600" dirty="0" err="1">
+                <a:latin typeface="Times New Roman" panose="02020603050405020304" pitchFamily="18" charset="0"/>
+                <a:cs typeface="Times New Roman" panose="02020603050405020304" pitchFamily="18" charset="0"/>
+              </a:rPr>
+              <a:t>Thị</a:t>
+            </a:r>
+            <a:r>
+              <a:rPr lang="en-US" sz="1600" dirty="0">
+                <a:latin typeface="Times New Roman" panose="02020603050405020304" pitchFamily="18" charset="0"/>
+                <a:cs typeface="Times New Roman" panose="02020603050405020304" pitchFamily="18" charset="0"/>
+              </a:rPr>
+              <a:t> </a:t>
+            </a:r>
+            <a:r>
+              <a:rPr lang="en-US" sz="1600" dirty="0" err="1">
+                <a:latin typeface="Times New Roman" panose="02020603050405020304" pitchFamily="18" charset="0"/>
+                <a:cs typeface="Times New Roman" panose="02020603050405020304" pitchFamily="18" charset="0"/>
+              </a:rPr>
+              <a:t>Quỳnh</a:t>
+            </a:r>
+            <a:r>
+              <a:rPr lang="en-US" sz="1600" dirty="0">
+                <a:latin typeface="Times New Roman" panose="02020603050405020304" pitchFamily="18" charset="0"/>
+                <a:cs typeface="Times New Roman" panose="02020603050405020304" pitchFamily="18" charset="0"/>
+              </a:rPr>
+              <a:t> </a:t>
+            </a:r>
+            <a:r>
+              <a:rPr lang="en-US" sz="1600" dirty="0" err="1">
+                <a:latin typeface="Times New Roman" panose="02020603050405020304" pitchFamily="18" charset="0"/>
+                <a:cs typeface="Times New Roman" panose="02020603050405020304" pitchFamily="18" charset="0"/>
+              </a:rPr>
+              <a:t>Linh</a:t>
+            </a:r>
+            <a:r>
+              <a:rPr lang="en-US" sz="1600" dirty="0">
+                <a:latin typeface="Times New Roman" panose="02020603050405020304" pitchFamily="18" charset="0"/>
+                <a:cs typeface="Times New Roman" panose="02020603050405020304" pitchFamily="18" charset="0"/>
+              </a:rPr>
+              <a:t> ( control + admin)</a:t>
+            </a:r>
+          </a:p>
+          <a:p>
+            <a:pPr lvl="1"/>
+            <a:r>
+              <a:rPr lang="en-US" sz="1600" dirty="0" err="1">
+                <a:latin typeface="Times New Roman" panose="02020603050405020304" pitchFamily="18" charset="0"/>
+                <a:cs typeface="Times New Roman" panose="02020603050405020304" pitchFamily="18" charset="0"/>
+              </a:rPr>
+              <a:t>Nguyễn</a:t>
+            </a:r>
+            <a:r>
+              <a:rPr lang="en-US" sz="1600" dirty="0">
+                <a:latin typeface="Times New Roman" panose="02020603050405020304" pitchFamily="18" charset="0"/>
+                <a:cs typeface="Times New Roman" panose="02020603050405020304" pitchFamily="18" charset="0"/>
+              </a:rPr>
+              <a:t> </a:t>
+            </a:r>
+            <a:r>
+              <a:rPr lang="en-US" sz="1600" dirty="0" err="1">
+                <a:latin typeface="Times New Roman" panose="02020603050405020304" pitchFamily="18" charset="0"/>
+                <a:cs typeface="Times New Roman" panose="02020603050405020304" pitchFamily="18" charset="0"/>
+              </a:rPr>
+              <a:t>Mạnh</a:t>
+            </a:r>
+            <a:r>
+              <a:rPr lang="en-US" sz="1600" dirty="0">
+                <a:latin typeface="Times New Roman" panose="02020603050405020304" pitchFamily="18" charset="0"/>
+                <a:cs typeface="Times New Roman" panose="02020603050405020304" pitchFamily="18" charset="0"/>
+              </a:rPr>
+              <a:t> </a:t>
+            </a:r>
+            <a:r>
+              <a:rPr lang="en-US" sz="1600" dirty="0" err="1">
+                <a:latin typeface="Times New Roman" panose="02020603050405020304" pitchFamily="18" charset="0"/>
+                <a:cs typeface="Times New Roman" panose="02020603050405020304" pitchFamily="18" charset="0"/>
+              </a:rPr>
+              <a:t>Hùng</a:t>
+            </a:r>
+            <a:r>
+              <a:rPr lang="en-US" sz="1600" dirty="0">
+                <a:latin typeface="Times New Roman" panose="02020603050405020304" pitchFamily="18" charset="0"/>
+                <a:cs typeface="Times New Roman" panose="02020603050405020304" pitchFamily="18" charset="0"/>
+              </a:rPr>
+              <a:t> (batch)</a:t>
+            </a:r>
+          </a:p>
+        </p:txBody>
+      </p:sp>
+    </p:spTree>
+    <p:extLst>
+      <p:ext uri="{BB962C8B-B14F-4D97-AF65-F5344CB8AC3E}">
+        <p14:creationId xmlns:p14="http://schemas.microsoft.com/office/powerpoint/2010/main" val="4148695636"/>
+      </p:ext>
+    </p:extLst>
+  </p:cSld>
+  <p:clrMapOvr>
+    <a:masterClrMapping/>
+  </p:clrMapOvr>
+  <p:timing>
+    <p:tnLst>
+      <p:par>
+        <p:cTn id="1" dur="indefinite" restart="never" nodeType="tmRoot"/>
+      </p:par>
+    </p:tnLst>
+  </p:timing>
+</p:sld>
+</file>
+
+<file path=ppt/slides/slide30.xml><?xml version="1.0" encoding="utf-8"?>
 <p:sld xmlns:a="http://schemas.openxmlformats.org/drawingml/2006/main" xmlns:r="http://schemas.openxmlformats.org/officeDocument/2006/relationships" xmlns:p="http://schemas.openxmlformats.org/presentationml/2006/main">
   <p:cSld>
     <p:spTree>
@@ -21866,1575 +23860,7 @@
 </p:sld>
 </file>
 
-<file path=ppt/slides/slide3.xml><?xml version="1.0" encoding="utf-8"?>
-<p:sld xmlns:a="http://schemas.openxmlformats.org/drawingml/2006/main" xmlns:r="http://schemas.openxmlformats.org/officeDocument/2006/relationships" xmlns:p="http://schemas.openxmlformats.org/presentationml/2006/main">
-  <p:cSld>
-    <p:spTree>
-      <p:nvGrpSpPr>
-        <p:cNvPr id="1" name=""/>
-        <p:cNvGrpSpPr/>
-        <p:nvPr/>
-      </p:nvGrpSpPr>
-      <p:grpSpPr>
-        <a:xfrm>
-          <a:off x="0" y="0"/>
-          <a:ext cx="0" cy="0"/>
-          <a:chOff x="0" y="0"/>
-          <a:chExt cx="0" cy="0"/>
-        </a:xfrm>
-      </p:grpSpPr>
-      <p:sp>
-        <p:nvSpPr>
-          <p:cNvPr id="2" name="Title 1">
-            <a:extLst>
-              <a:ext uri="{FF2B5EF4-FFF2-40B4-BE49-F238E27FC236}">
-                <a16:creationId xmlns:a16="http://schemas.microsoft.com/office/drawing/2014/main" id="{73F10424-6D83-4A32-A5E5-0F7102316A0E}"/>
-              </a:ext>
-            </a:extLst>
-          </p:cNvPr>
-          <p:cNvSpPr>
-            <a:spLocks noGrp="1"/>
-          </p:cNvSpPr>
-          <p:nvPr>
-            <p:ph type="title"/>
-          </p:nvPr>
-        </p:nvSpPr>
-        <p:spPr/>
-        <p:txBody>
-          <a:bodyPr/>
-          <a:lstStyle/>
-          <a:p>
-            <a:pPr lvl="0">
-              <a:lnSpc>
-                <a:spcPct val="100000"/>
-              </a:lnSpc>
-              <a:defRPr cap="all"/>
-            </a:pPr>
-            <a:r>
-              <a:rPr lang="en-US" sz="4000" err="1">
-                <a:latin typeface="Times New Roman" panose="02020603050405020304" pitchFamily="18" charset="0"/>
-                <a:cs typeface="Times New Roman" panose="02020603050405020304" pitchFamily="18" charset="0"/>
-              </a:rPr>
-              <a:t>Giới</a:t>
-            </a:r>
-            <a:r>
-              <a:rPr lang="en-US" sz="4000">
-                <a:latin typeface="Times New Roman" panose="02020603050405020304" pitchFamily="18" charset="0"/>
-                <a:cs typeface="Times New Roman" panose="02020603050405020304" pitchFamily="18" charset="0"/>
-              </a:rPr>
-              <a:t> </a:t>
-            </a:r>
-            <a:r>
-              <a:rPr lang="en-US" sz="4000" err="1">
-                <a:latin typeface="Times New Roman" panose="02020603050405020304" pitchFamily="18" charset="0"/>
-                <a:cs typeface="Times New Roman" panose="02020603050405020304" pitchFamily="18" charset="0"/>
-              </a:rPr>
-              <a:t>thiệu</a:t>
-            </a:r>
-            <a:r>
-              <a:rPr lang="en-US" sz="4000">
-                <a:latin typeface="Times New Roman" panose="02020603050405020304" pitchFamily="18" charset="0"/>
-                <a:cs typeface="Times New Roman" panose="02020603050405020304" pitchFamily="18" charset="0"/>
-              </a:rPr>
-              <a:t> </a:t>
-            </a:r>
-            <a:r>
-              <a:rPr lang="en-US" sz="4000" err="1">
-                <a:latin typeface="Times New Roman" panose="02020603050405020304" pitchFamily="18" charset="0"/>
-                <a:cs typeface="Times New Roman" panose="02020603050405020304" pitchFamily="18" charset="0"/>
-              </a:rPr>
-              <a:t>về</a:t>
-            </a:r>
-            <a:r>
-              <a:rPr lang="en-US" sz="4000">
-                <a:latin typeface="Times New Roman" panose="02020603050405020304" pitchFamily="18" charset="0"/>
-                <a:cs typeface="Times New Roman" panose="02020603050405020304" pitchFamily="18" charset="0"/>
-              </a:rPr>
-              <a:t> </a:t>
-            </a:r>
-            <a:r>
-              <a:rPr lang="en-US" sz="4000" err="1">
-                <a:latin typeface="Times New Roman" panose="02020603050405020304" pitchFamily="18" charset="0"/>
-                <a:cs typeface="Times New Roman" panose="02020603050405020304" pitchFamily="18" charset="0"/>
-              </a:rPr>
-              <a:t>đề</a:t>
-            </a:r>
-            <a:r>
-              <a:rPr lang="en-US" sz="4000">
-                <a:latin typeface="Times New Roman" panose="02020603050405020304" pitchFamily="18" charset="0"/>
-                <a:cs typeface="Times New Roman" panose="02020603050405020304" pitchFamily="18" charset="0"/>
-              </a:rPr>
-              <a:t> </a:t>
-            </a:r>
-            <a:r>
-              <a:rPr lang="en-US" sz="4000" err="1">
-                <a:latin typeface="Times New Roman" panose="02020603050405020304" pitchFamily="18" charset="0"/>
-                <a:cs typeface="Times New Roman" panose="02020603050405020304" pitchFamily="18" charset="0"/>
-              </a:rPr>
-              <a:t>tài</a:t>
-            </a:r>
-            <a:endParaRPr lang="en-US" sz="4000">
-              <a:latin typeface="Times New Roman" panose="02020603050405020304" pitchFamily="18" charset="0"/>
-              <a:cs typeface="Times New Roman" panose="02020603050405020304" pitchFamily="18" charset="0"/>
-            </a:endParaRPr>
-          </a:p>
-        </p:txBody>
-      </p:sp>
-      <p:sp>
-        <p:nvSpPr>
-          <p:cNvPr id="3" name="Content Placeholder 2">
-            <a:extLst>
-              <a:ext uri="{FF2B5EF4-FFF2-40B4-BE49-F238E27FC236}">
-                <a16:creationId xmlns:a16="http://schemas.microsoft.com/office/drawing/2014/main" id="{72B727E4-E8BF-4AE7-A31E-653E332C182B}"/>
-              </a:ext>
-            </a:extLst>
-          </p:cNvPr>
-          <p:cNvSpPr>
-            <a:spLocks noGrp="1"/>
-          </p:cNvSpPr>
-          <p:nvPr>
-            <p:ph idx="1"/>
-          </p:nvPr>
-        </p:nvSpPr>
-        <p:spPr/>
-        <p:txBody>
-          <a:bodyPr>
-            <a:normAutofit/>
-          </a:bodyPr>
-          <a:lstStyle/>
-          <a:p>
-            <a:r>
-              <a:rPr lang="en-US" sz="1600" b="1" dirty="0" err="1">
-                <a:latin typeface="Times New Roman" panose="02020603050405020304" pitchFamily="18" charset="0"/>
-                <a:cs typeface="Times New Roman" panose="02020603050405020304" pitchFamily="18" charset="0"/>
-              </a:rPr>
-              <a:t>Bối</a:t>
-            </a:r>
-            <a:r>
-              <a:rPr lang="en-US" sz="1600" b="1" dirty="0">
-                <a:latin typeface="Times New Roman" panose="02020603050405020304" pitchFamily="18" charset="0"/>
-                <a:cs typeface="Times New Roman" panose="02020603050405020304" pitchFamily="18" charset="0"/>
-              </a:rPr>
-              <a:t> </a:t>
-            </a:r>
-            <a:r>
-              <a:rPr lang="en-US" sz="1600" b="1" dirty="0" err="1">
-                <a:latin typeface="Times New Roman" panose="02020603050405020304" pitchFamily="18" charset="0"/>
-                <a:cs typeface="Times New Roman" panose="02020603050405020304" pitchFamily="18" charset="0"/>
-              </a:rPr>
-              <a:t>cảnh</a:t>
-            </a:r>
-            <a:r>
-              <a:rPr lang="en-US" sz="1600" b="1" dirty="0">
-                <a:latin typeface="Times New Roman" panose="02020603050405020304" pitchFamily="18" charset="0"/>
-                <a:cs typeface="Times New Roman" panose="02020603050405020304" pitchFamily="18" charset="0"/>
-              </a:rPr>
-              <a:t> &amp; </a:t>
-            </a:r>
-            <a:r>
-              <a:rPr lang="en-US" sz="1600" b="1" dirty="0" err="1">
-                <a:latin typeface="Times New Roman" panose="02020603050405020304" pitchFamily="18" charset="0"/>
-                <a:cs typeface="Times New Roman" panose="02020603050405020304" pitchFamily="18" charset="0"/>
-              </a:rPr>
-              <a:t>mục</a:t>
-            </a:r>
-            <a:r>
-              <a:rPr lang="en-US" sz="1600" b="1" dirty="0">
-                <a:latin typeface="Times New Roman" panose="02020603050405020304" pitchFamily="18" charset="0"/>
-                <a:cs typeface="Times New Roman" panose="02020603050405020304" pitchFamily="18" charset="0"/>
-              </a:rPr>
-              <a:t> </a:t>
-            </a:r>
-            <a:r>
-              <a:rPr lang="en-US" sz="1600" b="1" dirty="0" err="1">
-                <a:latin typeface="Times New Roman" panose="02020603050405020304" pitchFamily="18" charset="0"/>
-                <a:cs typeface="Times New Roman" panose="02020603050405020304" pitchFamily="18" charset="0"/>
-              </a:rPr>
-              <a:t>đích</a:t>
-            </a:r>
-            <a:r>
-              <a:rPr lang="en-US" sz="1600" b="1" dirty="0">
-                <a:latin typeface="Times New Roman" panose="02020603050405020304" pitchFamily="18" charset="0"/>
-                <a:cs typeface="Times New Roman" panose="02020603050405020304" pitchFamily="18" charset="0"/>
-              </a:rPr>
-              <a:t>:</a:t>
-            </a:r>
-          </a:p>
-          <a:p>
-            <a:pPr lvl="1"/>
-            <a:r>
-              <a:rPr lang="en-US" sz="1600" dirty="0" err="1">
-                <a:latin typeface="Times New Roman" panose="02020603050405020304" pitchFamily="18" charset="0"/>
-                <a:cs typeface="Times New Roman" panose="02020603050405020304" pitchFamily="18" charset="0"/>
-              </a:rPr>
-              <a:t>Về</a:t>
-            </a:r>
-            <a:r>
-              <a:rPr lang="en-US" sz="1600" dirty="0">
-                <a:latin typeface="Times New Roman" panose="02020603050405020304" pitchFamily="18" charset="0"/>
-                <a:cs typeface="Times New Roman" panose="02020603050405020304" pitchFamily="18" charset="0"/>
-              </a:rPr>
-              <a:t> </a:t>
-            </a:r>
-            <a:r>
-              <a:rPr lang="en-US" sz="1600" dirty="0" err="1">
-                <a:latin typeface="Times New Roman" panose="02020603050405020304" pitchFamily="18" charset="0"/>
-                <a:cs typeface="Times New Roman" panose="02020603050405020304" pitchFamily="18" charset="0"/>
-              </a:rPr>
-              <a:t>tình</a:t>
-            </a:r>
-            <a:r>
-              <a:rPr lang="en-US" sz="1600" dirty="0">
-                <a:latin typeface="Times New Roman" panose="02020603050405020304" pitchFamily="18" charset="0"/>
-                <a:cs typeface="Times New Roman" panose="02020603050405020304" pitchFamily="18" charset="0"/>
-              </a:rPr>
-              <a:t> </a:t>
-            </a:r>
-            <a:r>
-              <a:rPr lang="en-US" sz="1600" dirty="0" err="1">
-                <a:latin typeface="Times New Roman" panose="02020603050405020304" pitchFamily="18" charset="0"/>
-                <a:cs typeface="Times New Roman" panose="02020603050405020304" pitchFamily="18" charset="0"/>
-              </a:rPr>
-              <a:t>hình</a:t>
-            </a:r>
-            <a:r>
-              <a:rPr lang="en-US" sz="1600" dirty="0">
-                <a:latin typeface="Times New Roman" panose="02020603050405020304" pitchFamily="18" charset="0"/>
-                <a:cs typeface="Times New Roman" panose="02020603050405020304" pitchFamily="18" charset="0"/>
-              </a:rPr>
-              <a:t> dich COVID-19 </a:t>
-            </a:r>
-            <a:r>
-              <a:rPr lang="en-US" sz="1600" dirty="0" err="1">
-                <a:latin typeface="Times New Roman" panose="02020603050405020304" pitchFamily="18" charset="0"/>
-                <a:cs typeface="Times New Roman" panose="02020603050405020304" pitchFamily="18" charset="0"/>
-              </a:rPr>
-              <a:t>đang</a:t>
-            </a:r>
-            <a:r>
-              <a:rPr lang="en-US" sz="1600" dirty="0">
-                <a:latin typeface="Times New Roman" panose="02020603050405020304" pitchFamily="18" charset="0"/>
-                <a:cs typeface="Times New Roman" panose="02020603050405020304" pitchFamily="18" charset="0"/>
-              </a:rPr>
-              <a:t> </a:t>
-            </a:r>
-            <a:r>
-              <a:rPr lang="en-US" sz="1600" dirty="0" err="1">
-                <a:latin typeface="Times New Roman" panose="02020603050405020304" pitchFamily="18" charset="0"/>
-                <a:cs typeface="Times New Roman" panose="02020603050405020304" pitchFamily="18" charset="0"/>
-              </a:rPr>
-              <a:t>diễn</a:t>
-            </a:r>
-            <a:r>
-              <a:rPr lang="en-US" sz="1600" dirty="0">
-                <a:latin typeface="Times New Roman" panose="02020603050405020304" pitchFamily="18" charset="0"/>
-                <a:cs typeface="Times New Roman" panose="02020603050405020304" pitchFamily="18" charset="0"/>
-              </a:rPr>
-              <a:t> </a:t>
-            </a:r>
-            <a:r>
-              <a:rPr lang="en-US" sz="1600" dirty="0" err="1">
-                <a:latin typeface="Times New Roman" panose="02020603050405020304" pitchFamily="18" charset="0"/>
-                <a:cs typeface="Times New Roman" panose="02020603050405020304" pitchFamily="18" charset="0"/>
-              </a:rPr>
-              <a:t>biến</a:t>
-            </a:r>
-            <a:r>
-              <a:rPr lang="en-US" sz="1600" dirty="0">
-                <a:latin typeface="Times New Roman" panose="02020603050405020304" pitchFamily="18" charset="0"/>
-                <a:cs typeface="Times New Roman" panose="02020603050405020304" pitchFamily="18" charset="0"/>
-              </a:rPr>
-              <a:t> </a:t>
-            </a:r>
-            <a:r>
-              <a:rPr lang="en-US" sz="1600" dirty="0" err="1">
-                <a:latin typeface="Times New Roman" panose="02020603050405020304" pitchFamily="18" charset="0"/>
-                <a:cs typeface="Times New Roman" panose="02020603050405020304" pitchFamily="18" charset="0"/>
-              </a:rPr>
-              <a:t>rất</a:t>
-            </a:r>
-            <a:r>
-              <a:rPr lang="en-US" sz="1600" dirty="0">
-                <a:latin typeface="Times New Roman" panose="02020603050405020304" pitchFamily="18" charset="0"/>
-                <a:cs typeface="Times New Roman" panose="02020603050405020304" pitchFamily="18" charset="0"/>
-              </a:rPr>
-              <a:t> </a:t>
-            </a:r>
-            <a:r>
-              <a:rPr lang="en-US" sz="1600" dirty="0" err="1">
-                <a:latin typeface="Times New Roman" panose="02020603050405020304" pitchFamily="18" charset="0"/>
-                <a:cs typeface="Times New Roman" panose="02020603050405020304" pitchFamily="18" charset="0"/>
-              </a:rPr>
-              <a:t>phức</a:t>
-            </a:r>
-            <a:r>
-              <a:rPr lang="en-US" sz="1600" dirty="0">
-                <a:latin typeface="Times New Roman" panose="02020603050405020304" pitchFamily="18" charset="0"/>
-                <a:cs typeface="Times New Roman" panose="02020603050405020304" pitchFamily="18" charset="0"/>
-              </a:rPr>
-              <a:t> tap. </a:t>
-            </a:r>
-            <a:r>
-              <a:rPr lang="en-US" sz="1600" dirty="0" err="1">
-                <a:latin typeface="Times New Roman" panose="02020603050405020304" pitchFamily="18" charset="0"/>
-                <a:cs typeface="Times New Roman" panose="02020603050405020304" pitchFamily="18" charset="0"/>
-              </a:rPr>
-              <a:t>Thành</a:t>
-            </a:r>
-            <a:r>
-              <a:rPr lang="en-US" sz="1600" dirty="0">
-                <a:latin typeface="Times New Roman" panose="02020603050405020304" pitchFamily="18" charset="0"/>
-                <a:cs typeface="Times New Roman" panose="02020603050405020304" pitchFamily="18" charset="0"/>
-              </a:rPr>
-              <a:t> </a:t>
-            </a:r>
-            <a:r>
-              <a:rPr lang="en-US" sz="1600" dirty="0" err="1">
-                <a:latin typeface="Times New Roman" panose="02020603050405020304" pitchFamily="18" charset="0"/>
-                <a:cs typeface="Times New Roman" panose="02020603050405020304" pitchFamily="18" charset="0"/>
-              </a:rPr>
-              <a:t>phố</a:t>
-            </a:r>
-            <a:r>
-              <a:rPr lang="en-US" sz="1600" dirty="0">
-                <a:latin typeface="Times New Roman" panose="02020603050405020304" pitchFamily="18" charset="0"/>
-                <a:cs typeface="Times New Roman" panose="02020603050405020304" pitchFamily="18" charset="0"/>
-              </a:rPr>
-              <a:t> </a:t>
-            </a:r>
-            <a:r>
-              <a:rPr lang="en-US" sz="1600" dirty="0" err="1">
-                <a:latin typeface="Times New Roman" panose="02020603050405020304" pitchFamily="18" charset="0"/>
-                <a:cs typeface="Times New Roman" panose="02020603050405020304" pitchFamily="18" charset="0"/>
-              </a:rPr>
-              <a:t>Đà</a:t>
-            </a:r>
-            <a:r>
-              <a:rPr lang="en-US" sz="1600" dirty="0">
-                <a:latin typeface="Times New Roman" panose="02020603050405020304" pitchFamily="18" charset="0"/>
-                <a:cs typeface="Times New Roman" panose="02020603050405020304" pitchFamily="18" charset="0"/>
-              </a:rPr>
-              <a:t> </a:t>
-            </a:r>
-            <a:r>
-              <a:rPr lang="en-US" sz="1600" dirty="0" err="1">
-                <a:latin typeface="Times New Roman" panose="02020603050405020304" pitchFamily="18" charset="0"/>
-                <a:cs typeface="Times New Roman" panose="02020603050405020304" pitchFamily="18" charset="0"/>
-              </a:rPr>
-              <a:t>Nẵng</a:t>
-            </a:r>
-            <a:r>
-              <a:rPr lang="en-US" sz="1600" dirty="0">
-                <a:latin typeface="Times New Roman" panose="02020603050405020304" pitchFamily="18" charset="0"/>
-                <a:cs typeface="Times New Roman" panose="02020603050405020304" pitchFamily="18" charset="0"/>
-              </a:rPr>
-              <a:t> </a:t>
-            </a:r>
-            <a:r>
-              <a:rPr lang="en-US" sz="1600" dirty="0" err="1">
-                <a:latin typeface="Times New Roman" panose="02020603050405020304" pitchFamily="18" charset="0"/>
-                <a:cs typeface="Times New Roman" panose="02020603050405020304" pitchFamily="18" charset="0"/>
-              </a:rPr>
-              <a:t>có</a:t>
-            </a:r>
-            <a:r>
-              <a:rPr lang="en-US" sz="1600" dirty="0">
-                <a:latin typeface="Times New Roman" panose="02020603050405020304" pitchFamily="18" charset="0"/>
-                <a:cs typeface="Times New Roman" panose="02020603050405020304" pitchFamily="18" charset="0"/>
-              </a:rPr>
-              <a:t> </a:t>
-            </a:r>
-            <a:r>
-              <a:rPr lang="en-US" sz="1600" dirty="0" err="1">
-                <a:latin typeface="Times New Roman" panose="02020603050405020304" pitchFamily="18" charset="0"/>
-                <a:cs typeface="Times New Roman" panose="02020603050405020304" pitchFamily="18" charset="0"/>
-              </a:rPr>
-              <a:t>thể</a:t>
-            </a:r>
-            <a:r>
-              <a:rPr lang="en-US" sz="1600" dirty="0">
-                <a:latin typeface="Times New Roman" panose="02020603050405020304" pitchFamily="18" charset="0"/>
-                <a:cs typeface="Times New Roman" panose="02020603050405020304" pitchFamily="18" charset="0"/>
-              </a:rPr>
-              <a:t> </a:t>
-            </a:r>
-            <a:r>
-              <a:rPr lang="en-US" sz="1600" dirty="0" err="1">
-                <a:latin typeface="Times New Roman" panose="02020603050405020304" pitchFamily="18" charset="0"/>
-                <a:cs typeface="Times New Roman" panose="02020603050405020304" pitchFamily="18" charset="0"/>
-              </a:rPr>
-              <a:t>bị</a:t>
-            </a:r>
-            <a:r>
-              <a:rPr lang="en-US" sz="1600" dirty="0">
-                <a:latin typeface="Times New Roman" panose="02020603050405020304" pitchFamily="18" charset="0"/>
-                <a:cs typeface="Times New Roman" panose="02020603050405020304" pitchFamily="18" charset="0"/>
-              </a:rPr>
-              <a:t> lockdown </a:t>
-            </a:r>
-            <a:r>
-              <a:rPr lang="en-US" sz="1600" dirty="0" err="1">
-                <a:latin typeface="Times New Roman" panose="02020603050405020304" pitchFamily="18" charset="0"/>
-                <a:cs typeface="Times New Roman" panose="02020603050405020304" pitchFamily="18" charset="0"/>
-              </a:rPr>
-              <a:t>bất</a:t>
-            </a:r>
-            <a:r>
-              <a:rPr lang="en-US" sz="1600" dirty="0">
-                <a:latin typeface="Times New Roman" panose="02020603050405020304" pitchFamily="18" charset="0"/>
-                <a:cs typeface="Times New Roman" panose="02020603050405020304" pitchFamily="18" charset="0"/>
-              </a:rPr>
-              <a:t> </a:t>
-            </a:r>
-            <a:r>
-              <a:rPr lang="en-US" sz="1600" dirty="0" err="1">
-                <a:latin typeface="Times New Roman" panose="02020603050405020304" pitchFamily="18" charset="0"/>
-                <a:cs typeface="Times New Roman" panose="02020603050405020304" pitchFamily="18" charset="0"/>
-              </a:rPr>
-              <a:t>cứ</a:t>
-            </a:r>
-            <a:r>
-              <a:rPr lang="en-US" sz="1600" dirty="0">
-                <a:latin typeface="Times New Roman" panose="02020603050405020304" pitchFamily="18" charset="0"/>
-                <a:cs typeface="Times New Roman" panose="02020603050405020304" pitchFamily="18" charset="0"/>
-              </a:rPr>
-              <a:t> </a:t>
-            </a:r>
-            <a:r>
-              <a:rPr lang="en-US" sz="1600" dirty="0" err="1">
-                <a:latin typeface="Times New Roman" panose="02020603050405020304" pitchFamily="18" charset="0"/>
-                <a:cs typeface="Times New Roman" panose="02020603050405020304" pitchFamily="18" charset="0"/>
-              </a:rPr>
-              <a:t>lúc</a:t>
-            </a:r>
-            <a:r>
-              <a:rPr lang="en-US" sz="1600" dirty="0">
-                <a:latin typeface="Times New Roman" panose="02020603050405020304" pitchFamily="18" charset="0"/>
-                <a:cs typeface="Times New Roman" panose="02020603050405020304" pitchFamily="18" charset="0"/>
-              </a:rPr>
-              <a:t> </a:t>
-            </a:r>
-            <a:r>
-              <a:rPr lang="en-US" sz="1600" dirty="0" err="1">
-                <a:latin typeface="Times New Roman" panose="02020603050405020304" pitchFamily="18" charset="0"/>
-                <a:cs typeface="Times New Roman" panose="02020603050405020304" pitchFamily="18" charset="0"/>
-              </a:rPr>
-              <a:t>nào</a:t>
-            </a:r>
-            <a:r>
-              <a:rPr lang="en-US" sz="1600" dirty="0">
-                <a:latin typeface="Times New Roman" panose="02020603050405020304" pitchFamily="18" charset="0"/>
-                <a:cs typeface="Times New Roman" panose="02020603050405020304" pitchFamily="18" charset="0"/>
-              </a:rPr>
-              <a:t>.</a:t>
-            </a:r>
-          </a:p>
-          <a:p>
-            <a:pPr lvl="1"/>
-            <a:r>
-              <a:rPr lang="en-US" sz="1600" dirty="0" err="1">
-                <a:latin typeface="Times New Roman" panose="02020603050405020304" pitchFamily="18" charset="0"/>
-                <a:cs typeface="Times New Roman" panose="02020603050405020304" pitchFamily="18" charset="0"/>
-              </a:rPr>
-              <a:t>Nếu</a:t>
-            </a:r>
-            <a:r>
-              <a:rPr lang="en-US" sz="1600" dirty="0">
-                <a:latin typeface="Times New Roman" panose="02020603050405020304" pitchFamily="18" charset="0"/>
-                <a:cs typeface="Times New Roman" panose="02020603050405020304" pitchFamily="18" charset="0"/>
-              </a:rPr>
-              <a:t> </a:t>
-            </a:r>
-            <a:r>
-              <a:rPr lang="en-US" sz="1600" dirty="0" err="1">
-                <a:latin typeface="Times New Roman" panose="02020603050405020304" pitchFamily="18" charset="0"/>
-                <a:cs typeface="Times New Roman" panose="02020603050405020304" pitchFamily="18" charset="0"/>
-              </a:rPr>
-              <a:t>bị</a:t>
-            </a:r>
-            <a:r>
-              <a:rPr lang="en-US" sz="1600" dirty="0">
-                <a:latin typeface="Times New Roman" panose="02020603050405020304" pitchFamily="18" charset="0"/>
-                <a:cs typeface="Times New Roman" panose="02020603050405020304" pitchFamily="18" charset="0"/>
-              </a:rPr>
-              <a:t> lockdown, </a:t>
-            </a:r>
-            <a:r>
-              <a:rPr lang="en-US" sz="1600" dirty="0" err="1">
-                <a:latin typeface="Times New Roman" panose="02020603050405020304" pitchFamily="18" charset="0"/>
-                <a:cs typeface="Times New Roman" panose="02020603050405020304" pitchFamily="18" charset="0"/>
-              </a:rPr>
-              <a:t>các</a:t>
-            </a:r>
-            <a:r>
-              <a:rPr lang="en-US" sz="1600" dirty="0">
-                <a:latin typeface="Times New Roman" panose="02020603050405020304" pitchFamily="18" charset="0"/>
-                <a:cs typeface="Times New Roman" panose="02020603050405020304" pitchFamily="18" charset="0"/>
-              </a:rPr>
-              <a:t> </a:t>
-            </a:r>
-            <a:r>
-              <a:rPr lang="en-US" sz="1600" dirty="0" err="1">
-                <a:latin typeface="Times New Roman" panose="02020603050405020304" pitchFamily="18" charset="0"/>
-                <a:cs typeface="Times New Roman" panose="02020603050405020304" pitchFamily="18" charset="0"/>
-              </a:rPr>
-              <a:t>công</a:t>
-            </a:r>
-            <a:r>
-              <a:rPr lang="en-US" sz="1600" dirty="0">
-                <a:latin typeface="Times New Roman" panose="02020603050405020304" pitchFamily="18" charset="0"/>
-                <a:cs typeface="Times New Roman" panose="02020603050405020304" pitchFamily="18" charset="0"/>
-              </a:rPr>
-              <a:t> ty </a:t>
-            </a:r>
-            <a:r>
-              <a:rPr lang="en-US" sz="1600" dirty="0" err="1">
-                <a:latin typeface="Times New Roman" panose="02020603050405020304" pitchFamily="18" charset="0"/>
-                <a:cs typeface="Times New Roman" panose="02020603050405020304" pitchFamily="18" charset="0"/>
-              </a:rPr>
-              <a:t>công</a:t>
-            </a:r>
-            <a:r>
-              <a:rPr lang="en-US" sz="1600" dirty="0">
-                <a:latin typeface="Times New Roman" panose="02020603050405020304" pitchFamily="18" charset="0"/>
-                <a:cs typeface="Times New Roman" panose="02020603050405020304" pitchFamily="18" charset="0"/>
-              </a:rPr>
-              <a:t> </a:t>
-            </a:r>
-            <a:r>
-              <a:rPr lang="en-US" sz="1600" dirty="0" err="1">
-                <a:latin typeface="Times New Roman" panose="02020603050405020304" pitchFamily="18" charset="0"/>
-                <a:cs typeface="Times New Roman" panose="02020603050405020304" pitchFamily="18" charset="0"/>
-              </a:rPr>
-              <a:t>nghệ</a:t>
-            </a:r>
-            <a:r>
-              <a:rPr lang="en-US" sz="1600" dirty="0">
-                <a:latin typeface="Times New Roman" panose="02020603050405020304" pitchFamily="18" charset="0"/>
-                <a:cs typeface="Times New Roman" panose="02020603050405020304" pitchFamily="18" charset="0"/>
-              </a:rPr>
-              <a:t> </a:t>
-            </a:r>
-            <a:r>
-              <a:rPr lang="en-US" sz="1600" dirty="0" err="1">
-                <a:latin typeface="Times New Roman" panose="02020603050405020304" pitchFamily="18" charset="0"/>
-                <a:cs typeface="Times New Roman" panose="02020603050405020304" pitchFamily="18" charset="0"/>
-              </a:rPr>
-              <a:t>như</a:t>
-            </a:r>
-            <a:r>
-              <a:rPr lang="en-US" sz="1600" dirty="0">
-                <a:latin typeface="Times New Roman" panose="02020603050405020304" pitchFamily="18" charset="0"/>
-                <a:cs typeface="Times New Roman" panose="02020603050405020304" pitchFamily="18" charset="0"/>
-              </a:rPr>
-              <a:t> FPT </a:t>
-            </a:r>
-            <a:r>
-              <a:rPr lang="en-US" sz="1600" dirty="0" err="1">
-                <a:latin typeface="Times New Roman" panose="02020603050405020304" pitchFamily="18" charset="0"/>
-                <a:cs typeface="Times New Roman" panose="02020603050405020304" pitchFamily="18" charset="0"/>
-              </a:rPr>
-              <a:t>chắc</a:t>
-            </a:r>
-            <a:r>
-              <a:rPr lang="en-US" sz="1600" dirty="0">
-                <a:latin typeface="Times New Roman" panose="02020603050405020304" pitchFamily="18" charset="0"/>
-                <a:cs typeface="Times New Roman" panose="02020603050405020304" pitchFamily="18" charset="0"/>
-              </a:rPr>
-              <a:t> </a:t>
-            </a:r>
-            <a:r>
-              <a:rPr lang="en-US" sz="1600" dirty="0" err="1">
-                <a:latin typeface="Times New Roman" panose="02020603050405020304" pitchFamily="18" charset="0"/>
-                <a:cs typeface="Times New Roman" panose="02020603050405020304" pitchFamily="18" charset="0"/>
-              </a:rPr>
-              <a:t>chắn</a:t>
-            </a:r>
-            <a:r>
-              <a:rPr lang="en-US" sz="1600" dirty="0">
-                <a:latin typeface="Times New Roman" panose="02020603050405020304" pitchFamily="18" charset="0"/>
-                <a:cs typeface="Times New Roman" panose="02020603050405020304" pitchFamily="18" charset="0"/>
-              </a:rPr>
-              <a:t> </a:t>
-            </a:r>
-            <a:r>
-              <a:rPr lang="en-US" sz="1600" dirty="0" err="1">
-                <a:latin typeface="Times New Roman" panose="02020603050405020304" pitchFamily="18" charset="0"/>
-                <a:cs typeface="Times New Roman" panose="02020603050405020304" pitchFamily="18" charset="0"/>
-              </a:rPr>
-              <a:t>sẽ</a:t>
-            </a:r>
-            <a:r>
-              <a:rPr lang="en-US" sz="1600" dirty="0">
-                <a:latin typeface="Times New Roman" panose="02020603050405020304" pitchFamily="18" charset="0"/>
-                <a:cs typeface="Times New Roman" panose="02020603050405020304" pitchFamily="18" charset="0"/>
-              </a:rPr>
-              <a:t> </a:t>
-            </a:r>
-            <a:r>
-              <a:rPr lang="en-US" sz="1600" dirty="0" err="1">
-                <a:latin typeface="Times New Roman" panose="02020603050405020304" pitchFamily="18" charset="0"/>
-                <a:cs typeface="Times New Roman" panose="02020603050405020304" pitchFamily="18" charset="0"/>
-              </a:rPr>
-              <a:t>phải</a:t>
-            </a:r>
-            <a:r>
-              <a:rPr lang="en-US" sz="1600" dirty="0">
-                <a:latin typeface="Times New Roman" panose="02020603050405020304" pitchFamily="18" charset="0"/>
-                <a:cs typeface="Times New Roman" panose="02020603050405020304" pitchFamily="18" charset="0"/>
-              </a:rPr>
-              <a:t> WFH 100%</a:t>
-            </a:r>
-          </a:p>
-          <a:p>
-            <a:pPr lvl="1"/>
-            <a:r>
-              <a:rPr lang="en-US" sz="1600" dirty="0" err="1">
-                <a:latin typeface="Times New Roman" panose="02020603050405020304" pitchFamily="18" charset="0"/>
-                <a:cs typeface="Times New Roman" panose="02020603050405020304" pitchFamily="18" charset="0"/>
-              </a:rPr>
-              <a:t>Việc</a:t>
-            </a:r>
-            <a:r>
-              <a:rPr lang="en-US" sz="1600" dirty="0">
-                <a:latin typeface="Times New Roman" panose="02020603050405020304" pitchFamily="18" charset="0"/>
-                <a:cs typeface="Times New Roman" panose="02020603050405020304" pitchFamily="18" charset="0"/>
-              </a:rPr>
-              <a:t> WFH </a:t>
-            </a:r>
-            <a:r>
-              <a:rPr lang="en-US" sz="1600" dirty="0" err="1">
-                <a:latin typeface="Times New Roman" panose="02020603050405020304" pitchFamily="18" charset="0"/>
-                <a:cs typeface="Times New Roman" panose="02020603050405020304" pitchFamily="18" charset="0"/>
-              </a:rPr>
-              <a:t>cũng</a:t>
-            </a:r>
-            <a:r>
-              <a:rPr lang="en-US" sz="1600" dirty="0">
-                <a:latin typeface="Times New Roman" panose="02020603050405020304" pitchFamily="18" charset="0"/>
-                <a:cs typeface="Times New Roman" panose="02020603050405020304" pitchFamily="18" charset="0"/>
-              </a:rPr>
-              <a:t> </a:t>
-            </a:r>
-            <a:r>
-              <a:rPr lang="en-US" sz="1600" dirty="0" err="1">
-                <a:latin typeface="Times New Roman" panose="02020603050405020304" pitchFamily="18" charset="0"/>
-                <a:cs typeface="Times New Roman" panose="02020603050405020304" pitchFamily="18" charset="0"/>
-              </a:rPr>
-              <a:t>sẽ</a:t>
-            </a:r>
-            <a:r>
-              <a:rPr lang="en-US" sz="1600" dirty="0">
-                <a:latin typeface="Times New Roman" panose="02020603050405020304" pitchFamily="18" charset="0"/>
-                <a:cs typeface="Times New Roman" panose="02020603050405020304" pitchFamily="18" charset="0"/>
-              </a:rPr>
-              <a:t> </a:t>
-            </a:r>
-            <a:r>
-              <a:rPr lang="en-US" sz="1600" dirty="0" err="1">
-                <a:latin typeface="Times New Roman" panose="02020603050405020304" pitchFamily="18" charset="0"/>
-                <a:cs typeface="Times New Roman" panose="02020603050405020304" pitchFamily="18" charset="0"/>
-              </a:rPr>
-              <a:t>phải</a:t>
-            </a:r>
-            <a:r>
-              <a:rPr lang="en-US" sz="1600" dirty="0">
-                <a:latin typeface="Times New Roman" panose="02020603050405020304" pitchFamily="18" charset="0"/>
-                <a:cs typeface="Times New Roman" panose="02020603050405020304" pitchFamily="18" charset="0"/>
-              </a:rPr>
-              <a:t> </a:t>
-            </a:r>
-            <a:r>
-              <a:rPr lang="en-US" sz="1600" dirty="0" err="1">
-                <a:latin typeface="Times New Roman" panose="02020603050405020304" pitchFamily="18" charset="0"/>
-                <a:cs typeface="Times New Roman" panose="02020603050405020304" pitchFamily="18" charset="0"/>
-              </a:rPr>
-              <a:t>gặp</a:t>
-            </a:r>
-            <a:r>
-              <a:rPr lang="en-US" sz="1600" dirty="0">
-                <a:latin typeface="Times New Roman" panose="02020603050405020304" pitchFamily="18" charset="0"/>
-                <a:cs typeface="Times New Roman" panose="02020603050405020304" pitchFamily="18" charset="0"/>
-              </a:rPr>
-              <a:t> </a:t>
-            </a:r>
-            <a:r>
-              <a:rPr lang="en-US" sz="1600" dirty="0" err="1">
-                <a:latin typeface="Times New Roman" panose="02020603050405020304" pitchFamily="18" charset="0"/>
-                <a:cs typeface="Times New Roman" panose="02020603050405020304" pitchFamily="18" charset="0"/>
-              </a:rPr>
-              <a:t>mội</a:t>
-            </a:r>
-            <a:r>
-              <a:rPr lang="en-US" sz="1600" dirty="0">
-                <a:latin typeface="Times New Roman" panose="02020603050405020304" pitchFamily="18" charset="0"/>
-                <a:cs typeface="Times New Roman" panose="02020603050405020304" pitchFamily="18" charset="0"/>
-              </a:rPr>
-              <a:t> </a:t>
-            </a:r>
-            <a:r>
-              <a:rPr lang="en-US" sz="1600" dirty="0" err="1">
-                <a:latin typeface="Times New Roman" panose="02020603050405020304" pitchFamily="18" charset="0"/>
-                <a:cs typeface="Times New Roman" panose="02020603050405020304" pitchFamily="18" charset="0"/>
-              </a:rPr>
-              <a:t>số</a:t>
-            </a:r>
-            <a:r>
-              <a:rPr lang="en-US" sz="1600" dirty="0">
-                <a:latin typeface="Times New Roman" panose="02020603050405020304" pitchFamily="18" charset="0"/>
-                <a:cs typeface="Times New Roman" panose="02020603050405020304" pitchFamily="18" charset="0"/>
-              </a:rPr>
-              <a:t> issue </a:t>
-            </a:r>
-            <a:r>
-              <a:rPr lang="en-US" sz="1600" dirty="0" err="1">
-                <a:latin typeface="Times New Roman" panose="02020603050405020304" pitchFamily="18" charset="0"/>
-                <a:cs typeface="Times New Roman" panose="02020603050405020304" pitchFamily="18" charset="0"/>
-              </a:rPr>
-              <a:t>như</a:t>
-            </a:r>
-            <a:r>
-              <a:rPr lang="en-US" sz="1600" dirty="0">
-                <a:latin typeface="Times New Roman" panose="02020603050405020304" pitchFamily="18" charset="0"/>
-                <a:cs typeface="Times New Roman" panose="02020603050405020304" pitchFamily="18" charset="0"/>
-              </a:rPr>
-              <a:t> </a:t>
-            </a:r>
-            <a:r>
-              <a:rPr lang="en-US" sz="1600" dirty="0" err="1">
-                <a:latin typeface="Times New Roman" panose="02020603050405020304" pitchFamily="18" charset="0"/>
-                <a:cs typeface="Times New Roman" panose="02020603050405020304" pitchFamily="18" charset="0"/>
-              </a:rPr>
-              <a:t>máy</a:t>
-            </a:r>
-            <a:r>
-              <a:rPr lang="en-US" sz="1600" dirty="0">
-                <a:latin typeface="Times New Roman" panose="02020603050405020304" pitchFamily="18" charset="0"/>
-                <a:cs typeface="Times New Roman" panose="02020603050405020304" pitchFamily="18" charset="0"/>
-              </a:rPr>
-              <a:t> </a:t>
-            </a:r>
-            <a:r>
-              <a:rPr lang="en-US" sz="1600" dirty="0" err="1">
-                <a:latin typeface="Times New Roman" panose="02020603050405020304" pitchFamily="18" charset="0"/>
-                <a:cs typeface="Times New Roman" panose="02020603050405020304" pitchFamily="18" charset="0"/>
-              </a:rPr>
-              <a:t>tình</a:t>
-            </a:r>
-            <a:r>
-              <a:rPr lang="en-US" sz="1600" dirty="0">
-                <a:latin typeface="Times New Roman" panose="02020603050405020304" pitchFamily="18" charset="0"/>
-                <a:cs typeface="Times New Roman" panose="02020603050405020304" pitchFamily="18" charset="0"/>
-              </a:rPr>
-              <a:t> </a:t>
-            </a:r>
-            <a:r>
-              <a:rPr lang="en-US" sz="1600" dirty="0" err="1">
-                <a:latin typeface="Times New Roman" panose="02020603050405020304" pitchFamily="18" charset="0"/>
-                <a:cs typeface="Times New Roman" panose="02020603050405020304" pitchFamily="18" charset="0"/>
-              </a:rPr>
-              <a:t>bị</a:t>
-            </a:r>
-            <a:r>
-              <a:rPr lang="en-US" sz="1600" dirty="0">
-                <a:latin typeface="Times New Roman" panose="02020603050405020304" pitchFamily="18" charset="0"/>
-                <a:cs typeface="Times New Roman" panose="02020603050405020304" pitchFamily="18" charset="0"/>
-              </a:rPr>
-              <a:t> </a:t>
-            </a:r>
-            <a:r>
-              <a:rPr lang="en-US" sz="1600" dirty="0" err="1">
-                <a:latin typeface="Times New Roman" panose="02020603050405020304" pitchFamily="18" charset="0"/>
-                <a:cs typeface="Times New Roman" panose="02020603050405020304" pitchFamily="18" charset="0"/>
-              </a:rPr>
-              <a:t>treo</a:t>
-            </a:r>
-            <a:r>
-              <a:rPr lang="en-US" sz="1600" dirty="0">
-                <a:latin typeface="Times New Roman" panose="02020603050405020304" pitchFamily="18" charset="0"/>
-                <a:cs typeface="Times New Roman" panose="02020603050405020304" pitchFamily="18" charset="0"/>
-              </a:rPr>
-              <a:t>/ UPS </a:t>
-            </a:r>
-            <a:r>
-              <a:rPr lang="en-US" sz="1600" dirty="0" err="1">
-                <a:latin typeface="Times New Roman" panose="02020603050405020304" pitchFamily="18" charset="0"/>
-                <a:cs typeface="Times New Roman" panose="02020603050405020304" pitchFamily="18" charset="0"/>
-              </a:rPr>
-              <a:t>bị</a:t>
-            </a:r>
-            <a:r>
-              <a:rPr lang="en-US" sz="1600" dirty="0">
-                <a:latin typeface="Times New Roman" panose="02020603050405020304" pitchFamily="18" charset="0"/>
-                <a:cs typeface="Times New Roman" panose="02020603050405020304" pitchFamily="18" charset="0"/>
-              </a:rPr>
-              <a:t> </a:t>
-            </a:r>
-            <a:r>
-              <a:rPr lang="en-US" sz="1600" dirty="0" err="1">
-                <a:latin typeface="Times New Roman" panose="02020603050405020304" pitchFamily="18" charset="0"/>
-                <a:cs typeface="Times New Roman" panose="02020603050405020304" pitchFamily="18" charset="0"/>
-              </a:rPr>
-              <a:t>tắt</a:t>
-            </a:r>
-            <a:r>
-              <a:rPr lang="en-US" sz="1600" dirty="0">
-                <a:latin typeface="Times New Roman" panose="02020603050405020304" pitchFamily="18" charset="0"/>
-                <a:cs typeface="Times New Roman" panose="02020603050405020304" pitchFamily="18" charset="0"/>
-              </a:rPr>
-              <a:t> </a:t>
-            </a:r>
-            <a:r>
-              <a:rPr lang="en-US" sz="1600" dirty="0" err="1">
-                <a:latin typeface="Times New Roman" panose="02020603050405020304" pitchFamily="18" charset="0"/>
-                <a:cs typeface="Times New Roman" panose="02020603050405020304" pitchFamily="18" charset="0"/>
-              </a:rPr>
-              <a:t>cần</a:t>
-            </a:r>
-            <a:r>
-              <a:rPr lang="en-US" sz="1600" dirty="0">
-                <a:latin typeface="Times New Roman" panose="02020603050405020304" pitchFamily="18" charset="0"/>
-                <a:cs typeface="Times New Roman" panose="02020603050405020304" pitchFamily="18" charset="0"/>
-              </a:rPr>
-              <a:t> </a:t>
-            </a:r>
-            <a:r>
-              <a:rPr lang="en-US" sz="1600" dirty="0" err="1">
-                <a:latin typeface="Times New Roman" panose="02020603050405020304" pitchFamily="18" charset="0"/>
-                <a:cs typeface="Times New Roman" panose="02020603050405020304" pitchFamily="18" charset="0"/>
-              </a:rPr>
-              <a:t>khỏi</a:t>
-            </a:r>
-            <a:r>
-              <a:rPr lang="en-US" sz="1600" dirty="0">
-                <a:latin typeface="Times New Roman" panose="02020603050405020304" pitchFamily="18" charset="0"/>
-                <a:cs typeface="Times New Roman" panose="02020603050405020304" pitchFamily="18" charset="0"/>
-              </a:rPr>
-              <a:t> </a:t>
-            </a:r>
-            <a:r>
-              <a:rPr lang="en-US" sz="1600" dirty="0" err="1">
-                <a:latin typeface="Times New Roman" panose="02020603050405020304" pitchFamily="18" charset="0"/>
-                <a:cs typeface="Times New Roman" panose="02020603050405020304" pitchFamily="18" charset="0"/>
-              </a:rPr>
-              <a:t>động</a:t>
-            </a:r>
-            <a:r>
-              <a:rPr lang="en-US" sz="1600" dirty="0">
-                <a:latin typeface="Times New Roman" panose="02020603050405020304" pitchFamily="18" charset="0"/>
-                <a:cs typeface="Times New Roman" panose="02020603050405020304" pitchFamily="18" charset="0"/>
-              </a:rPr>
-              <a:t> </a:t>
-            </a:r>
-            <a:r>
-              <a:rPr lang="en-US" sz="1600" dirty="0" err="1">
-                <a:latin typeface="Times New Roman" panose="02020603050405020304" pitchFamily="18" charset="0"/>
-                <a:cs typeface="Times New Roman" panose="02020603050405020304" pitchFamily="18" charset="0"/>
-              </a:rPr>
-              <a:t>lại</a:t>
-            </a:r>
-            <a:r>
-              <a:rPr lang="en-US" sz="1600" dirty="0">
-                <a:latin typeface="Times New Roman" panose="02020603050405020304" pitchFamily="18" charset="0"/>
-                <a:cs typeface="Times New Roman" panose="02020603050405020304" pitchFamily="18" charset="0"/>
-              </a:rPr>
-              <a:t>.</a:t>
-            </a:r>
-          </a:p>
-          <a:p>
-            <a:pPr lvl="1"/>
-            <a:r>
-              <a:rPr lang="en-US" sz="1600" dirty="0">
-                <a:latin typeface="Times New Roman" panose="02020603050405020304" pitchFamily="18" charset="0"/>
-                <a:cs typeface="Times New Roman" panose="02020603050405020304" pitchFamily="18" charset="0"/>
-              </a:rPr>
-              <a:t>Team [</a:t>
-            </a:r>
-            <a:r>
-              <a:rPr lang="en-US" sz="1600" dirty="0" err="1">
-                <a:latin typeface="Times New Roman" panose="02020603050405020304" pitchFamily="18" charset="0"/>
-                <a:cs typeface="Times New Roman" panose="02020603050405020304" pitchFamily="18" charset="0"/>
-              </a:rPr>
-              <a:t>Chúa</a:t>
-            </a:r>
-            <a:r>
-              <a:rPr lang="en-US" sz="1600" dirty="0">
-                <a:latin typeface="Times New Roman" panose="02020603050405020304" pitchFamily="18" charset="0"/>
-                <a:cs typeface="Times New Roman" panose="02020603050405020304" pitchFamily="18" charset="0"/>
-              </a:rPr>
-              <a:t> </a:t>
-            </a:r>
-            <a:r>
-              <a:rPr lang="en-US" sz="1600" dirty="0" err="1">
-                <a:latin typeface="Times New Roman" panose="02020603050405020304" pitchFamily="18" charset="0"/>
-                <a:cs typeface="Times New Roman" panose="02020603050405020304" pitchFamily="18" charset="0"/>
-              </a:rPr>
-              <a:t>tể</a:t>
-            </a:r>
-            <a:r>
-              <a:rPr lang="en-US" sz="1600" dirty="0">
-                <a:latin typeface="Times New Roman" panose="02020603050405020304" pitchFamily="18" charset="0"/>
-                <a:cs typeface="Times New Roman" panose="02020603050405020304" pitchFamily="18" charset="0"/>
-              </a:rPr>
-              <a:t> tool </a:t>
-            </a:r>
-            <a:r>
-              <a:rPr lang="en-US" sz="1600" dirty="0" err="1">
-                <a:latin typeface="Times New Roman" panose="02020603050405020304" pitchFamily="18" charset="0"/>
-                <a:cs typeface="Times New Roman" panose="02020603050405020304" pitchFamily="18" charset="0"/>
-              </a:rPr>
-              <a:t>lỗi</a:t>
-            </a:r>
-            <a:r>
-              <a:rPr lang="en-US" sz="1600" dirty="0">
-                <a:latin typeface="Times New Roman" panose="02020603050405020304" pitchFamily="18" charset="0"/>
-                <a:cs typeface="Times New Roman" panose="02020603050405020304" pitchFamily="18" charset="0"/>
-              </a:rPr>
-              <a:t>] </a:t>
-            </a:r>
-            <a:r>
-              <a:rPr lang="en-US" sz="1600" dirty="0" err="1">
-                <a:latin typeface="Times New Roman" panose="02020603050405020304" pitchFamily="18" charset="0"/>
-                <a:cs typeface="Times New Roman" panose="02020603050405020304" pitchFamily="18" charset="0"/>
-              </a:rPr>
-              <a:t>đã</a:t>
-            </a:r>
-            <a:r>
-              <a:rPr lang="en-US" sz="1600" dirty="0">
-                <a:latin typeface="Times New Roman" panose="02020603050405020304" pitchFamily="18" charset="0"/>
-                <a:cs typeface="Times New Roman" panose="02020603050405020304" pitchFamily="18" charset="0"/>
-              </a:rPr>
-              <a:t> </a:t>
-            </a:r>
-            <a:r>
-              <a:rPr lang="en-US" sz="1600" dirty="0" err="1">
-                <a:latin typeface="Times New Roman" panose="02020603050405020304" pitchFamily="18" charset="0"/>
-                <a:cs typeface="Times New Roman" panose="02020603050405020304" pitchFamily="18" charset="0"/>
-              </a:rPr>
-              <a:t>thực</a:t>
-            </a:r>
-            <a:r>
-              <a:rPr lang="en-US" sz="1600" dirty="0">
-                <a:latin typeface="Times New Roman" panose="02020603050405020304" pitchFamily="18" charset="0"/>
-                <a:cs typeface="Times New Roman" panose="02020603050405020304" pitchFamily="18" charset="0"/>
-              </a:rPr>
-              <a:t> </a:t>
-            </a:r>
-            <a:r>
-              <a:rPr lang="en-US" sz="1600" dirty="0" err="1">
-                <a:latin typeface="Times New Roman" panose="02020603050405020304" pitchFamily="18" charset="0"/>
-                <a:cs typeface="Times New Roman" panose="02020603050405020304" pitchFamily="18" charset="0"/>
-              </a:rPr>
-              <a:t>hiện</a:t>
-            </a:r>
-            <a:r>
-              <a:rPr lang="en-US" sz="1600" dirty="0">
-                <a:latin typeface="Times New Roman" panose="02020603050405020304" pitchFamily="18" charset="0"/>
-                <a:cs typeface="Times New Roman" panose="02020603050405020304" pitchFamily="18" charset="0"/>
-              </a:rPr>
-              <a:t> 1 ý </a:t>
-            </a:r>
-            <a:r>
-              <a:rPr lang="en-US" sz="1600" dirty="0" err="1">
-                <a:latin typeface="Times New Roman" panose="02020603050405020304" pitchFamily="18" charset="0"/>
-                <a:cs typeface="Times New Roman" panose="02020603050405020304" pitchFamily="18" charset="0"/>
-              </a:rPr>
-              <a:t>tưởng</a:t>
-            </a:r>
-            <a:r>
-              <a:rPr lang="en-US" sz="1600" dirty="0">
-                <a:latin typeface="Times New Roman" panose="02020603050405020304" pitchFamily="18" charset="0"/>
-                <a:cs typeface="Times New Roman" panose="02020603050405020304" pitchFamily="18" charset="0"/>
-              </a:rPr>
-              <a:t> </a:t>
-            </a:r>
-            <a:r>
-              <a:rPr lang="en-US" sz="1600" dirty="0" err="1">
-                <a:latin typeface="Times New Roman" panose="02020603050405020304" pitchFamily="18" charset="0"/>
-                <a:cs typeface="Times New Roman" panose="02020603050405020304" pitchFamily="18" charset="0"/>
-              </a:rPr>
-              <a:t>để</a:t>
-            </a:r>
-            <a:r>
-              <a:rPr lang="en-US" sz="1600" dirty="0">
-                <a:latin typeface="Times New Roman" panose="02020603050405020304" pitchFamily="18" charset="0"/>
-                <a:cs typeface="Times New Roman" panose="02020603050405020304" pitchFamily="18" charset="0"/>
-              </a:rPr>
-              <a:t> </a:t>
-            </a:r>
-            <a:r>
-              <a:rPr lang="en-US" sz="1600" dirty="0" err="1">
-                <a:latin typeface="Times New Roman" panose="02020603050405020304" pitchFamily="18" charset="0"/>
-                <a:cs typeface="Times New Roman" panose="02020603050405020304" pitchFamily="18" charset="0"/>
-              </a:rPr>
-              <a:t>có</a:t>
-            </a:r>
-            <a:r>
-              <a:rPr lang="en-US" sz="1600" dirty="0">
-                <a:latin typeface="Times New Roman" panose="02020603050405020304" pitchFamily="18" charset="0"/>
-                <a:cs typeface="Times New Roman" panose="02020603050405020304" pitchFamily="18" charset="0"/>
-              </a:rPr>
-              <a:t> </a:t>
-            </a:r>
-            <a:r>
-              <a:rPr lang="en-US" sz="1600" dirty="0" err="1">
-                <a:latin typeface="Times New Roman" panose="02020603050405020304" pitchFamily="18" charset="0"/>
-                <a:cs typeface="Times New Roman" panose="02020603050405020304" pitchFamily="18" charset="0"/>
-              </a:rPr>
-              <a:t>thể</a:t>
-            </a:r>
-            <a:r>
-              <a:rPr lang="en-US" sz="1600" dirty="0">
-                <a:latin typeface="Times New Roman" panose="02020603050405020304" pitchFamily="18" charset="0"/>
-                <a:cs typeface="Times New Roman" panose="02020603050405020304" pitchFamily="18" charset="0"/>
-              </a:rPr>
-              <a:t> </a:t>
-            </a:r>
-            <a:r>
-              <a:rPr lang="en-US" sz="1600" dirty="0" err="1">
-                <a:latin typeface="Times New Roman" panose="02020603050405020304" pitchFamily="18" charset="0"/>
-                <a:cs typeface="Times New Roman" panose="02020603050405020304" pitchFamily="18" charset="0"/>
-              </a:rPr>
-              <a:t>giải</a:t>
-            </a:r>
-            <a:r>
-              <a:rPr lang="en-US" sz="1600" dirty="0">
-                <a:latin typeface="Times New Roman" panose="02020603050405020304" pitchFamily="18" charset="0"/>
-                <a:cs typeface="Times New Roman" panose="02020603050405020304" pitchFamily="18" charset="0"/>
-              </a:rPr>
-              <a:t> </a:t>
-            </a:r>
-            <a:r>
-              <a:rPr lang="en-US" sz="1600" dirty="0" err="1">
-                <a:latin typeface="Times New Roman" panose="02020603050405020304" pitchFamily="18" charset="0"/>
-                <a:cs typeface="Times New Roman" panose="02020603050405020304" pitchFamily="18" charset="0"/>
-              </a:rPr>
-              <a:t>quyết</a:t>
-            </a:r>
-            <a:r>
-              <a:rPr lang="en-US" sz="1600" dirty="0">
-                <a:latin typeface="Times New Roman" panose="02020603050405020304" pitchFamily="18" charset="0"/>
-                <a:cs typeface="Times New Roman" panose="02020603050405020304" pitchFamily="18" charset="0"/>
-              </a:rPr>
-              <a:t> </a:t>
-            </a:r>
-            <a:r>
-              <a:rPr lang="en-US" sz="1600" dirty="0" err="1">
-                <a:latin typeface="Times New Roman" panose="02020603050405020304" pitchFamily="18" charset="0"/>
-                <a:cs typeface="Times New Roman" panose="02020603050405020304" pitchFamily="18" charset="0"/>
-              </a:rPr>
-              <a:t>các</a:t>
-            </a:r>
-            <a:r>
-              <a:rPr lang="en-US" sz="1600" dirty="0">
-                <a:latin typeface="Times New Roman" panose="02020603050405020304" pitchFamily="18" charset="0"/>
-                <a:cs typeface="Times New Roman" panose="02020603050405020304" pitchFamily="18" charset="0"/>
-              </a:rPr>
-              <a:t> </a:t>
-            </a:r>
-            <a:r>
-              <a:rPr lang="en-US" sz="1600" dirty="0" err="1">
-                <a:latin typeface="Times New Roman" panose="02020603050405020304" pitchFamily="18" charset="0"/>
-                <a:cs typeface="Times New Roman" panose="02020603050405020304" pitchFamily="18" charset="0"/>
-              </a:rPr>
-              <a:t>vấn</a:t>
-            </a:r>
-            <a:r>
-              <a:rPr lang="en-US" sz="1600" dirty="0">
-                <a:latin typeface="Times New Roman" panose="02020603050405020304" pitchFamily="18" charset="0"/>
-                <a:cs typeface="Times New Roman" panose="02020603050405020304" pitchFamily="18" charset="0"/>
-              </a:rPr>
-              <a:t> </a:t>
-            </a:r>
-            <a:r>
-              <a:rPr lang="en-US" sz="1600" dirty="0" err="1">
-                <a:latin typeface="Times New Roman" panose="02020603050405020304" pitchFamily="18" charset="0"/>
-                <a:cs typeface="Times New Roman" panose="02020603050405020304" pitchFamily="18" charset="0"/>
-              </a:rPr>
-              <a:t>đề</a:t>
-            </a:r>
-            <a:r>
-              <a:rPr lang="en-US" sz="1600" dirty="0">
-                <a:latin typeface="Times New Roman" panose="02020603050405020304" pitchFamily="18" charset="0"/>
-                <a:cs typeface="Times New Roman" panose="02020603050405020304" pitchFamily="18" charset="0"/>
-              </a:rPr>
-              <a:t> </a:t>
-            </a:r>
-            <a:r>
-              <a:rPr lang="en-US" sz="1600" dirty="0" err="1">
-                <a:latin typeface="Times New Roman" panose="02020603050405020304" pitchFamily="18" charset="0"/>
-                <a:cs typeface="Times New Roman" panose="02020603050405020304" pitchFamily="18" charset="0"/>
-              </a:rPr>
-              <a:t>trên</a:t>
-            </a:r>
-            <a:r>
-              <a:rPr lang="en-US" sz="1600" dirty="0">
-                <a:latin typeface="Times New Roman" panose="02020603050405020304" pitchFamily="18" charset="0"/>
-                <a:cs typeface="Times New Roman" panose="02020603050405020304" pitchFamily="18" charset="0"/>
-              </a:rPr>
-              <a:t>.</a:t>
-            </a:r>
-          </a:p>
-          <a:p>
-            <a:pPr lvl="1"/>
-            <a:r>
-              <a:rPr lang="en-US" sz="1600" dirty="0" err="1">
-                <a:latin typeface="Times New Roman" panose="02020603050405020304" pitchFamily="18" charset="0"/>
-                <a:cs typeface="Times New Roman" panose="02020603050405020304" pitchFamily="18" charset="0"/>
-              </a:rPr>
-              <a:t>Tạo</a:t>
-            </a:r>
-            <a:r>
-              <a:rPr lang="en-US" sz="1600" dirty="0">
-                <a:latin typeface="Times New Roman" panose="02020603050405020304" pitchFamily="18" charset="0"/>
-                <a:cs typeface="Times New Roman" panose="02020603050405020304" pitchFamily="18" charset="0"/>
-              </a:rPr>
-              <a:t> </a:t>
-            </a:r>
-            <a:r>
-              <a:rPr lang="en-US" sz="1600" dirty="0" err="1">
-                <a:latin typeface="Times New Roman" panose="02020603050405020304" pitchFamily="18" charset="0"/>
-                <a:cs typeface="Times New Roman" panose="02020603050405020304" pitchFamily="18" charset="0"/>
-              </a:rPr>
-              <a:t>ra</a:t>
-            </a:r>
-            <a:r>
-              <a:rPr lang="en-US" sz="1600" dirty="0">
-                <a:latin typeface="Times New Roman" panose="02020603050405020304" pitchFamily="18" charset="0"/>
-                <a:cs typeface="Times New Roman" panose="02020603050405020304" pitchFamily="18" charset="0"/>
-              </a:rPr>
-              <a:t> 1 con robot </a:t>
-            </a:r>
-            <a:r>
-              <a:rPr lang="en-US" sz="1600" dirty="0" err="1">
-                <a:latin typeface="Times New Roman" panose="02020603050405020304" pitchFamily="18" charset="0"/>
-                <a:cs typeface="Times New Roman" panose="02020603050405020304" pitchFamily="18" charset="0"/>
-              </a:rPr>
-              <a:t>đi</a:t>
-            </a:r>
-            <a:r>
-              <a:rPr lang="en-US" sz="1600" dirty="0">
-                <a:latin typeface="Times New Roman" panose="02020603050405020304" pitchFamily="18" charset="0"/>
-                <a:cs typeface="Times New Roman" panose="02020603050405020304" pitchFamily="18" charset="0"/>
-              </a:rPr>
-              <a:t> </a:t>
-            </a:r>
-            <a:r>
-              <a:rPr lang="en-US" sz="1600" dirty="0" err="1">
-                <a:latin typeface="Times New Roman" panose="02020603050405020304" pitchFamily="18" charset="0"/>
-                <a:cs typeface="Times New Roman" panose="02020603050405020304" pitchFamily="18" charset="0"/>
-              </a:rPr>
-              <a:t>ấn</a:t>
-            </a:r>
-            <a:r>
-              <a:rPr lang="en-US" sz="1600" dirty="0">
-                <a:latin typeface="Times New Roman" panose="02020603050405020304" pitchFamily="18" charset="0"/>
-                <a:cs typeface="Times New Roman" panose="02020603050405020304" pitchFamily="18" charset="0"/>
-              </a:rPr>
-              <a:t> button restart </a:t>
-            </a:r>
-            <a:r>
-              <a:rPr lang="en-US" sz="1600" dirty="0" err="1">
-                <a:latin typeface="Times New Roman" panose="02020603050405020304" pitchFamily="18" charset="0"/>
-                <a:cs typeface="Times New Roman" panose="02020603050405020304" pitchFamily="18" charset="0"/>
-              </a:rPr>
-              <a:t>và</a:t>
-            </a:r>
-            <a:r>
-              <a:rPr lang="en-US" sz="1600" dirty="0">
-                <a:latin typeface="Times New Roman" panose="02020603050405020304" pitchFamily="18" charset="0"/>
-                <a:cs typeface="Times New Roman" panose="02020603050405020304" pitchFamily="18" charset="0"/>
-              </a:rPr>
-              <a:t> 1 website </a:t>
-            </a:r>
-            <a:r>
-              <a:rPr lang="en-US" sz="1600" dirty="0" err="1">
-                <a:latin typeface="Times New Roman" panose="02020603050405020304" pitchFamily="18" charset="0"/>
-                <a:cs typeface="Times New Roman" panose="02020603050405020304" pitchFamily="18" charset="0"/>
-              </a:rPr>
-              <a:t>có</a:t>
-            </a:r>
-            <a:r>
-              <a:rPr lang="en-US" sz="1600" dirty="0">
-                <a:latin typeface="Times New Roman" panose="02020603050405020304" pitchFamily="18" charset="0"/>
-                <a:cs typeface="Times New Roman" panose="02020603050405020304" pitchFamily="18" charset="0"/>
-              </a:rPr>
-              <a:t> </a:t>
-            </a:r>
-            <a:r>
-              <a:rPr lang="en-US" sz="1600" dirty="0" err="1">
-                <a:latin typeface="Times New Roman" panose="02020603050405020304" pitchFamily="18" charset="0"/>
-                <a:cs typeface="Times New Roman" panose="02020603050405020304" pitchFamily="18" charset="0"/>
-              </a:rPr>
-              <a:t>thế</a:t>
-            </a:r>
-            <a:r>
-              <a:rPr lang="en-US" sz="1600" dirty="0">
-                <a:latin typeface="Times New Roman" panose="02020603050405020304" pitchFamily="18" charset="0"/>
-                <a:cs typeface="Times New Roman" panose="02020603050405020304" pitchFamily="18" charset="0"/>
-              </a:rPr>
-              <a:t> </a:t>
-            </a:r>
-            <a:r>
-              <a:rPr lang="en-US" sz="1600" dirty="0" err="1">
-                <a:latin typeface="Times New Roman" panose="02020603050405020304" pitchFamily="18" charset="0"/>
-                <a:cs typeface="Times New Roman" panose="02020603050405020304" pitchFamily="18" charset="0"/>
-              </a:rPr>
-              <a:t>quản</a:t>
-            </a:r>
-            <a:r>
-              <a:rPr lang="en-US" sz="1600" dirty="0">
-                <a:latin typeface="Times New Roman" panose="02020603050405020304" pitchFamily="18" charset="0"/>
-                <a:cs typeface="Times New Roman" panose="02020603050405020304" pitchFamily="18" charset="0"/>
-              </a:rPr>
-              <a:t> </a:t>
-            </a:r>
-            <a:r>
-              <a:rPr lang="en-US" sz="1600" dirty="0" err="1">
-                <a:latin typeface="Times New Roman" panose="02020603050405020304" pitchFamily="18" charset="0"/>
-                <a:cs typeface="Times New Roman" panose="02020603050405020304" pitchFamily="18" charset="0"/>
-              </a:rPr>
-              <a:t>lý</a:t>
-            </a:r>
-            <a:r>
-              <a:rPr lang="en-US" sz="1600" dirty="0">
-                <a:latin typeface="Times New Roman" panose="02020603050405020304" pitchFamily="18" charset="0"/>
-                <a:cs typeface="Times New Roman" panose="02020603050405020304" pitchFamily="18" charset="0"/>
-              </a:rPr>
-              <a:t> </a:t>
-            </a:r>
-            <a:r>
-              <a:rPr lang="en-US" sz="1600" dirty="0" err="1">
-                <a:latin typeface="Times New Roman" panose="02020603050405020304" pitchFamily="18" charset="0"/>
-                <a:cs typeface="Times New Roman" panose="02020603050405020304" pitchFamily="18" charset="0"/>
-              </a:rPr>
-              <a:t>việc</a:t>
-            </a:r>
-            <a:r>
-              <a:rPr lang="en-US" sz="1600" dirty="0">
-                <a:latin typeface="Times New Roman" panose="02020603050405020304" pitchFamily="18" charset="0"/>
-                <a:cs typeface="Times New Roman" panose="02020603050405020304" pitchFamily="18" charset="0"/>
-              </a:rPr>
-              <a:t> </a:t>
-            </a:r>
-            <a:r>
-              <a:rPr lang="en-US" sz="1600" dirty="0" err="1">
-                <a:latin typeface="Times New Roman" panose="02020603050405020304" pitchFamily="18" charset="0"/>
-                <a:cs typeface="Times New Roman" panose="02020603050405020304" pitchFamily="18" charset="0"/>
-              </a:rPr>
-              <a:t>điều</a:t>
-            </a:r>
-            <a:r>
-              <a:rPr lang="en-US" sz="1600" dirty="0">
-                <a:latin typeface="Times New Roman" panose="02020603050405020304" pitchFamily="18" charset="0"/>
-                <a:cs typeface="Times New Roman" panose="02020603050405020304" pitchFamily="18" charset="0"/>
-              </a:rPr>
-              <a:t> </a:t>
-            </a:r>
-            <a:r>
-              <a:rPr lang="en-US" sz="1600" dirty="0" err="1">
-                <a:latin typeface="Times New Roman" panose="02020603050405020304" pitchFamily="18" charset="0"/>
-                <a:cs typeface="Times New Roman" panose="02020603050405020304" pitchFamily="18" charset="0"/>
-              </a:rPr>
-              <a:t>khiển</a:t>
-            </a:r>
-            <a:r>
-              <a:rPr lang="en-US" sz="1600" dirty="0">
-                <a:latin typeface="Times New Roman" panose="02020603050405020304" pitchFamily="18" charset="0"/>
-                <a:cs typeface="Times New Roman" panose="02020603050405020304" pitchFamily="18" charset="0"/>
-              </a:rPr>
-              <a:t> robot </a:t>
-            </a:r>
-            <a:r>
-              <a:rPr lang="en-US" sz="1600" dirty="0" err="1">
-                <a:latin typeface="Times New Roman" panose="02020603050405020304" pitchFamily="18" charset="0"/>
-                <a:cs typeface="Times New Roman" panose="02020603050405020304" pitchFamily="18" charset="0"/>
-              </a:rPr>
-              <a:t>dễ</a:t>
-            </a:r>
-            <a:r>
-              <a:rPr lang="en-US" sz="1600" dirty="0">
-                <a:latin typeface="Times New Roman" panose="02020603050405020304" pitchFamily="18" charset="0"/>
-                <a:cs typeface="Times New Roman" panose="02020603050405020304" pitchFamily="18" charset="0"/>
-              </a:rPr>
-              <a:t> </a:t>
-            </a:r>
-            <a:r>
-              <a:rPr lang="en-US" sz="1600" dirty="0" err="1">
-                <a:latin typeface="Times New Roman" panose="02020603050405020304" pitchFamily="18" charset="0"/>
-                <a:cs typeface="Times New Roman" panose="02020603050405020304" pitchFamily="18" charset="0"/>
-              </a:rPr>
-              <a:t>dàng</a:t>
-            </a:r>
-            <a:r>
-              <a:rPr lang="en-US" sz="1600" dirty="0">
-                <a:latin typeface="Times New Roman" panose="02020603050405020304" pitchFamily="18" charset="0"/>
-                <a:cs typeface="Times New Roman" panose="02020603050405020304" pitchFamily="18" charset="0"/>
-              </a:rPr>
-              <a:t>.</a:t>
-            </a:r>
-          </a:p>
-          <a:p>
-            <a:r>
-              <a:rPr lang="en-US" sz="1600" b="1" dirty="0" err="1">
-                <a:latin typeface="Times New Roman" panose="02020603050405020304" pitchFamily="18" charset="0"/>
-                <a:cs typeface="Times New Roman" panose="02020603050405020304" pitchFamily="18" charset="0"/>
-              </a:rPr>
-              <a:t>Thành</a:t>
-            </a:r>
-            <a:r>
-              <a:rPr lang="en-US" sz="1600" b="1" dirty="0">
-                <a:latin typeface="Times New Roman" panose="02020603050405020304" pitchFamily="18" charset="0"/>
-                <a:cs typeface="Times New Roman" panose="02020603050405020304" pitchFamily="18" charset="0"/>
-              </a:rPr>
-              <a:t> </a:t>
-            </a:r>
-            <a:r>
-              <a:rPr lang="en-US" sz="1600" b="1" dirty="0" err="1">
-                <a:latin typeface="Times New Roman" panose="02020603050405020304" pitchFamily="18" charset="0"/>
-                <a:cs typeface="Times New Roman" panose="02020603050405020304" pitchFamily="18" charset="0"/>
-              </a:rPr>
-              <a:t>viên</a:t>
-            </a:r>
-            <a:r>
-              <a:rPr lang="en-US" sz="1600" b="1" dirty="0">
-                <a:latin typeface="Times New Roman" panose="02020603050405020304" pitchFamily="18" charset="0"/>
-                <a:cs typeface="Times New Roman" panose="02020603050405020304" pitchFamily="18" charset="0"/>
-              </a:rPr>
-              <a:t>:</a:t>
-            </a:r>
-          </a:p>
-          <a:p>
-            <a:pPr lvl="1"/>
-            <a:r>
-              <a:rPr lang="en-US" sz="1600" dirty="0" err="1">
-                <a:latin typeface="Times New Roman" panose="02020603050405020304" pitchFamily="18" charset="0"/>
-                <a:cs typeface="Times New Roman" panose="02020603050405020304" pitchFamily="18" charset="0"/>
-              </a:rPr>
-              <a:t>Nguyễn</a:t>
-            </a:r>
-            <a:r>
-              <a:rPr lang="en-US" sz="1600" dirty="0">
-                <a:latin typeface="Times New Roman" panose="02020603050405020304" pitchFamily="18" charset="0"/>
-                <a:cs typeface="Times New Roman" panose="02020603050405020304" pitchFamily="18" charset="0"/>
-              </a:rPr>
-              <a:t> </a:t>
-            </a:r>
-            <a:r>
-              <a:rPr lang="en-US" sz="1600" dirty="0" err="1">
-                <a:latin typeface="Times New Roman" panose="02020603050405020304" pitchFamily="18" charset="0"/>
-                <a:cs typeface="Times New Roman" panose="02020603050405020304" pitchFamily="18" charset="0"/>
-              </a:rPr>
-              <a:t>Văn</a:t>
-            </a:r>
-            <a:r>
-              <a:rPr lang="en-US" sz="1600" dirty="0">
-                <a:latin typeface="Times New Roman" panose="02020603050405020304" pitchFamily="18" charset="0"/>
-                <a:cs typeface="Times New Roman" panose="02020603050405020304" pitchFamily="18" charset="0"/>
-              </a:rPr>
-              <a:t> </a:t>
-            </a:r>
-            <a:r>
-              <a:rPr lang="en-US" sz="1600" dirty="0" err="1">
-                <a:latin typeface="Times New Roman" panose="02020603050405020304" pitchFamily="18" charset="0"/>
-                <a:cs typeface="Times New Roman" panose="02020603050405020304" pitchFamily="18" charset="0"/>
-              </a:rPr>
-              <a:t>Cường</a:t>
-            </a:r>
-            <a:r>
-              <a:rPr lang="en-US" sz="1600" dirty="0">
-                <a:latin typeface="Times New Roman" panose="02020603050405020304" pitchFamily="18" charset="0"/>
-                <a:cs typeface="Times New Roman" panose="02020603050405020304" pitchFamily="18" charset="0"/>
-              </a:rPr>
-              <a:t> (robot + </a:t>
-            </a:r>
-            <a:r>
-              <a:rPr lang="en-US" sz="1600" dirty="0" err="1">
-                <a:latin typeface="Times New Roman" panose="02020603050405020304" pitchFamily="18" charset="0"/>
-                <a:cs typeface="Times New Roman" panose="02020603050405020304" pitchFamily="18" charset="0"/>
-              </a:rPr>
-              <a:t>api</a:t>
-            </a:r>
-            <a:r>
-              <a:rPr lang="en-US" sz="1600" dirty="0">
-                <a:latin typeface="Times New Roman" panose="02020603050405020304" pitchFamily="18" charset="0"/>
-                <a:cs typeface="Times New Roman" panose="02020603050405020304" pitchFamily="18" charset="0"/>
-              </a:rPr>
-              <a:t>)</a:t>
-            </a:r>
-          </a:p>
-          <a:p>
-            <a:pPr lvl="1"/>
-            <a:r>
-              <a:rPr lang="en-US" sz="1600" dirty="0" err="1">
-                <a:latin typeface="Times New Roman" panose="02020603050405020304" pitchFamily="18" charset="0"/>
-                <a:cs typeface="Times New Roman" panose="02020603050405020304" pitchFamily="18" charset="0"/>
-              </a:rPr>
-              <a:t>Lê</a:t>
-            </a:r>
-            <a:r>
-              <a:rPr lang="en-US" sz="1600" dirty="0">
-                <a:latin typeface="Times New Roman" panose="02020603050405020304" pitchFamily="18" charset="0"/>
-                <a:cs typeface="Times New Roman" panose="02020603050405020304" pitchFamily="18" charset="0"/>
-              </a:rPr>
-              <a:t> </a:t>
-            </a:r>
-            <a:r>
-              <a:rPr lang="en-US" sz="1600" dirty="0" err="1">
-                <a:latin typeface="Times New Roman" panose="02020603050405020304" pitchFamily="18" charset="0"/>
-                <a:cs typeface="Times New Roman" panose="02020603050405020304" pitchFamily="18" charset="0"/>
-              </a:rPr>
-              <a:t>Đình</a:t>
-            </a:r>
-            <a:r>
-              <a:rPr lang="en-US" sz="1600" dirty="0">
-                <a:latin typeface="Times New Roman" panose="02020603050405020304" pitchFamily="18" charset="0"/>
-                <a:cs typeface="Times New Roman" panose="02020603050405020304" pitchFamily="18" charset="0"/>
-              </a:rPr>
-              <a:t> </a:t>
-            </a:r>
-            <a:r>
-              <a:rPr lang="en-US" sz="1600" dirty="0" err="1" smtClean="0">
-                <a:latin typeface="Times New Roman" panose="02020603050405020304" pitchFamily="18" charset="0"/>
-                <a:cs typeface="Times New Roman" panose="02020603050405020304" pitchFamily="18" charset="0"/>
-              </a:rPr>
-              <a:t>Tâm</a:t>
-            </a:r>
-            <a:r>
-              <a:rPr lang="en-US" sz="1600" dirty="0" smtClean="0">
-                <a:latin typeface="Times New Roman" panose="02020603050405020304" pitchFamily="18" charset="0"/>
-                <a:cs typeface="Times New Roman" panose="02020603050405020304" pitchFamily="18" charset="0"/>
-              </a:rPr>
-              <a:t> </a:t>
-            </a:r>
-            <a:r>
-              <a:rPr lang="en-US" sz="1600" dirty="0" err="1">
-                <a:latin typeface="Times New Roman" panose="02020603050405020304" pitchFamily="18" charset="0"/>
-                <a:cs typeface="Times New Roman" panose="02020603050405020304" pitchFamily="18" charset="0"/>
-              </a:rPr>
-              <a:t>Phụng</a:t>
-            </a:r>
-            <a:r>
-              <a:rPr lang="en-US" sz="1600" dirty="0">
-                <a:latin typeface="Times New Roman" panose="02020603050405020304" pitchFamily="18" charset="0"/>
-                <a:cs typeface="Times New Roman" panose="02020603050405020304" pitchFamily="18" charset="0"/>
-              </a:rPr>
-              <a:t> (login +queue)</a:t>
-            </a:r>
-          </a:p>
-          <a:p>
-            <a:pPr lvl="1"/>
-            <a:r>
-              <a:rPr lang="en-US" sz="1600" dirty="0">
-                <a:latin typeface="Times New Roman" panose="02020603050405020304" pitchFamily="18" charset="0"/>
-                <a:cs typeface="Times New Roman" panose="02020603050405020304" pitchFamily="18" charset="0"/>
-              </a:rPr>
-              <a:t>Phan </a:t>
-            </a:r>
-            <a:r>
-              <a:rPr lang="en-US" sz="1600" dirty="0" err="1">
-                <a:latin typeface="Times New Roman" panose="02020603050405020304" pitchFamily="18" charset="0"/>
-                <a:cs typeface="Times New Roman" panose="02020603050405020304" pitchFamily="18" charset="0"/>
-              </a:rPr>
-              <a:t>Thị</a:t>
-            </a:r>
-            <a:r>
-              <a:rPr lang="en-US" sz="1600" dirty="0">
-                <a:latin typeface="Times New Roman" panose="02020603050405020304" pitchFamily="18" charset="0"/>
-                <a:cs typeface="Times New Roman" panose="02020603050405020304" pitchFamily="18" charset="0"/>
-              </a:rPr>
-              <a:t> </a:t>
-            </a:r>
-            <a:r>
-              <a:rPr lang="en-US" sz="1600" dirty="0" err="1">
-                <a:latin typeface="Times New Roman" panose="02020603050405020304" pitchFamily="18" charset="0"/>
-                <a:cs typeface="Times New Roman" panose="02020603050405020304" pitchFamily="18" charset="0"/>
-              </a:rPr>
-              <a:t>Quỳnh</a:t>
-            </a:r>
-            <a:r>
-              <a:rPr lang="en-US" sz="1600" dirty="0">
-                <a:latin typeface="Times New Roman" panose="02020603050405020304" pitchFamily="18" charset="0"/>
-                <a:cs typeface="Times New Roman" panose="02020603050405020304" pitchFamily="18" charset="0"/>
-              </a:rPr>
-              <a:t> </a:t>
-            </a:r>
-            <a:r>
-              <a:rPr lang="en-US" sz="1600" dirty="0" err="1">
-                <a:latin typeface="Times New Roman" panose="02020603050405020304" pitchFamily="18" charset="0"/>
-                <a:cs typeface="Times New Roman" panose="02020603050405020304" pitchFamily="18" charset="0"/>
-              </a:rPr>
-              <a:t>Linh</a:t>
-            </a:r>
-            <a:r>
-              <a:rPr lang="en-US" sz="1600" dirty="0">
-                <a:latin typeface="Times New Roman" panose="02020603050405020304" pitchFamily="18" charset="0"/>
-                <a:cs typeface="Times New Roman" panose="02020603050405020304" pitchFamily="18" charset="0"/>
-              </a:rPr>
-              <a:t> ( control + admin)</a:t>
-            </a:r>
-          </a:p>
-          <a:p>
-            <a:pPr lvl="1"/>
-            <a:r>
-              <a:rPr lang="en-US" sz="1600" dirty="0" err="1">
-                <a:latin typeface="Times New Roman" panose="02020603050405020304" pitchFamily="18" charset="0"/>
-                <a:cs typeface="Times New Roman" panose="02020603050405020304" pitchFamily="18" charset="0"/>
-              </a:rPr>
-              <a:t>Nguyễn</a:t>
-            </a:r>
-            <a:r>
-              <a:rPr lang="en-US" sz="1600" dirty="0">
-                <a:latin typeface="Times New Roman" panose="02020603050405020304" pitchFamily="18" charset="0"/>
-                <a:cs typeface="Times New Roman" panose="02020603050405020304" pitchFamily="18" charset="0"/>
-              </a:rPr>
-              <a:t> </a:t>
-            </a:r>
-            <a:r>
-              <a:rPr lang="en-US" sz="1600" dirty="0" err="1">
-                <a:latin typeface="Times New Roman" panose="02020603050405020304" pitchFamily="18" charset="0"/>
-                <a:cs typeface="Times New Roman" panose="02020603050405020304" pitchFamily="18" charset="0"/>
-              </a:rPr>
-              <a:t>Mạnh</a:t>
-            </a:r>
-            <a:r>
-              <a:rPr lang="en-US" sz="1600" dirty="0">
-                <a:latin typeface="Times New Roman" panose="02020603050405020304" pitchFamily="18" charset="0"/>
-                <a:cs typeface="Times New Roman" panose="02020603050405020304" pitchFamily="18" charset="0"/>
-              </a:rPr>
-              <a:t> </a:t>
-            </a:r>
-            <a:r>
-              <a:rPr lang="en-US" sz="1600" dirty="0" err="1">
-                <a:latin typeface="Times New Roman" panose="02020603050405020304" pitchFamily="18" charset="0"/>
-                <a:cs typeface="Times New Roman" panose="02020603050405020304" pitchFamily="18" charset="0"/>
-              </a:rPr>
-              <a:t>Hùng</a:t>
-            </a:r>
-            <a:r>
-              <a:rPr lang="en-US" sz="1600" dirty="0">
-                <a:latin typeface="Times New Roman" panose="02020603050405020304" pitchFamily="18" charset="0"/>
-                <a:cs typeface="Times New Roman" panose="02020603050405020304" pitchFamily="18" charset="0"/>
-              </a:rPr>
-              <a:t> (batch)</a:t>
-            </a:r>
-          </a:p>
-        </p:txBody>
-      </p:sp>
-    </p:spTree>
-    <p:extLst>
-      <p:ext uri="{BB962C8B-B14F-4D97-AF65-F5344CB8AC3E}">
-        <p14:creationId xmlns:p14="http://schemas.microsoft.com/office/powerpoint/2010/main" val="4148695636"/>
-      </p:ext>
-    </p:extLst>
-  </p:cSld>
-  <p:clrMapOvr>
-    <a:masterClrMapping/>
-  </p:clrMapOvr>
-</p:sld>
-</file>
-
-<file path=ppt/slides/slide30.xml><?xml version="1.0" encoding="utf-8"?>
+<file path=ppt/slides/slide31.xml><?xml version="1.0" encoding="utf-8"?>
 <p:sld xmlns:a="http://schemas.openxmlformats.org/drawingml/2006/main" xmlns:r="http://schemas.openxmlformats.org/officeDocument/2006/relationships" xmlns:p="http://schemas.openxmlformats.org/presentationml/2006/main">
   <p:cSld>
     <p:spTree>
@@ -23709,7 +24135,7 @@
 </p:sld>
 </file>
 
-<file path=ppt/slides/slide31.xml><?xml version="1.0" encoding="utf-8"?>
+<file path=ppt/slides/slide32.xml><?xml version="1.0" encoding="utf-8"?>
 <p:sld xmlns:a="http://schemas.openxmlformats.org/drawingml/2006/main" xmlns:r="http://schemas.openxmlformats.org/officeDocument/2006/relationships" xmlns:p="http://schemas.openxmlformats.org/presentationml/2006/main">
   <p:cSld>
     <p:spTree>
@@ -24094,7 +24520,7 @@
 </p:sld>
 </file>
 
-<file path=ppt/slides/slide32.xml><?xml version="1.0" encoding="utf-8"?>
+<file path=ppt/slides/slide33.xml><?xml version="1.0" encoding="utf-8"?>
 <p:sld xmlns:a="http://schemas.openxmlformats.org/drawingml/2006/main" xmlns:r="http://schemas.openxmlformats.org/officeDocument/2006/relationships" xmlns:p="http://schemas.openxmlformats.org/presentationml/2006/main">
   <p:cSld>
     <p:spTree>
@@ -24445,7 +24871,7 @@
 </p:sld>
 </file>
 
-<file path=ppt/slides/slide33.xml><?xml version="1.0" encoding="utf-8"?>
+<file path=ppt/slides/slide34.xml><?xml version="1.0" encoding="utf-8"?>
 <p:sld xmlns:a="http://schemas.openxmlformats.org/drawingml/2006/main" xmlns:r="http://schemas.openxmlformats.org/officeDocument/2006/relationships" xmlns:p="http://schemas.openxmlformats.org/presentationml/2006/main">
   <p:cSld>
     <p:spTree>
@@ -27795,6 +28221,13 @@
   <p:clrMapOvr>
     <a:masterClrMapping/>
   </p:clrMapOvr>
+  <p:timing>
+    <p:tnLst>
+      <p:par>
+        <p:cTn id="1" dur="indefinite" restart="never" nodeType="tmRoot"/>
+      </p:par>
+    </p:tnLst>
+  </p:timing>
 </p:sld>
 </file>
 
@@ -28050,6 +28483,13 @@
   <p:clrMapOvr>
     <a:masterClrMapping/>
   </p:clrMapOvr>
+  <p:timing>
+    <p:tnLst>
+      <p:par>
+        <p:cTn id="1" dur="indefinite" restart="never" nodeType="tmRoot"/>
+      </p:par>
+    </p:tnLst>
+  </p:timing>
 </p:sld>
 </file>
 
@@ -28299,6 +28739,13 @@
   <p:clrMapOvr>
     <a:masterClrMapping/>
   </p:clrMapOvr>
+  <p:timing>
+    <p:tnLst>
+      <p:par>
+        <p:cTn id="1" dur="indefinite" restart="never" nodeType="tmRoot"/>
+      </p:par>
+    </p:tnLst>
+  </p:timing>
 </p:sld>
 </file>
 
@@ -30812,13 +31259,13 @@
         </p:nvSpPr>
         <p:spPr>
           <a:xfrm>
-            <a:off x="5627076" y="3520681"/>
-            <a:ext cx="2799472" cy="506437"/>
+            <a:off x="5627075" y="3275891"/>
+            <a:ext cx="2280035" cy="506437"/>
           </a:xfrm>
           <a:prstGeom prst="wedgeRectCallout">
             <a:avLst>
-              <a:gd name="adj1" fmla="val -64103"/>
-              <a:gd name="adj2" fmla="val -37500"/>
+              <a:gd name="adj1" fmla="val -62869"/>
+              <a:gd name="adj2" fmla="val 12500"/>
             </a:avLst>
           </a:prstGeom>
         </p:spPr>
@@ -30923,6 +31370,133 @@
               <a:t> </a:t>
             </a:r>
             <a:endParaRPr lang="en-US" sz="1100" dirty="0"/>
+          </a:p>
+        </p:txBody>
+      </p:sp>
+      <p:pic>
+        <p:nvPicPr>
+          <p:cNvPr id="13" name="Picture 12"/>
+          <p:cNvPicPr>
+            <a:picLocks noChangeAspect="1"/>
+          </p:cNvPicPr>
+          <p:nvPr/>
+        </p:nvPicPr>
+        <p:blipFill>
+          <a:blip r:embed="rId3"/>
+          <a:stretch>
+            <a:fillRect/>
+          </a:stretch>
+        </p:blipFill>
+        <p:spPr>
+          <a:xfrm>
+            <a:off x="8197564" y="2901848"/>
+            <a:ext cx="1020000" cy="1062857"/>
+          </a:xfrm>
+          <a:prstGeom prst="rect">
+            <a:avLst/>
+          </a:prstGeom>
+        </p:spPr>
+      </p:pic>
+      <p:sp>
+        <p:nvSpPr>
+          <p:cNvPr id="10" name="Rounded Rectangular Callout 9"/>
+          <p:cNvSpPr/>
+          <p:nvPr/>
+        </p:nvSpPr>
+        <p:spPr>
+          <a:xfrm>
+            <a:off x="6109751" y="4018343"/>
+            <a:ext cx="1966084" cy="441116"/>
+          </a:xfrm>
+          <a:prstGeom prst="wedgeRoundRectCallout">
+            <a:avLst>
+              <a:gd name="adj1" fmla="val 58408"/>
+              <a:gd name="adj2" fmla="val -98280"/>
+              <a:gd name="adj3" fmla="val 16667"/>
+            </a:avLst>
+          </a:prstGeom>
+        </p:spPr>
+        <p:style>
+          <a:lnRef idx="2">
+            <a:schemeClr val="accent1">
+              <a:shade val="50000"/>
+            </a:schemeClr>
+          </a:lnRef>
+          <a:fillRef idx="1">
+            <a:schemeClr val="accent1"/>
+          </a:fillRef>
+          <a:effectRef idx="0">
+            <a:schemeClr val="accent1"/>
+          </a:effectRef>
+          <a:fontRef idx="minor">
+            <a:schemeClr val="lt1"/>
+          </a:fontRef>
+        </p:style>
+        <p:txBody>
+          <a:bodyPr rtlCol="0" anchor="ctr"/>
+          <a:lstStyle/>
+          <a:p>
+            <a:pPr algn="ctr"/>
+            <a:r>
+              <a:rPr kumimoji="1" lang="en-US" altLang="ja-JP" sz="1200" dirty="0" smtClean="0">
+                <a:latin typeface="Times New Roman" panose="02020603050405020304" pitchFamily="18" charset="0"/>
+                <a:cs typeface="Times New Roman" panose="02020603050405020304" pitchFamily="18" charset="0"/>
+              </a:rPr>
+              <a:t>Logout </a:t>
+            </a:r>
+            <a:r>
+              <a:rPr kumimoji="1" lang="en-US" altLang="ja-JP" sz="1200" dirty="0" err="1" smtClean="0">
+                <a:latin typeface="Times New Roman" panose="02020603050405020304" pitchFamily="18" charset="0"/>
+                <a:cs typeface="Times New Roman" panose="02020603050405020304" pitchFamily="18" charset="0"/>
+              </a:rPr>
+              <a:t>để</a:t>
+            </a:r>
+            <a:r>
+              <a:rPr kumimoji="1" lang="en-US" altLang="ja-JP" sz="1200" dirty="0" smtClean="0">
+                <a:latin typeface="Times New Roman" panose="02020603050405020304" pitchFamily="18" charset="0"/>
+                <a:cs typeface="Times New Roman" panose="02020603050405020304" pitchFamily="18" charset="0"/>
+              </a:rPr>
+              <a:t> </a:t>
+            </a:r>
+            <a:r>
+              <a:rPr kumimoji="1" lang="en-US" altLang="ja-JP" sz="1200" dirty="0" err="1" smtClean="0">
+                <a:latin typeface="Times New Roman" panose="02020603050405020304" pitchFamily="18" charset="0"/>
+                <a:cs typeface="Times New Roman" panose="02020603050405020304" pitchFamily="18" charset="0"/>
+              </a:rPr>
+              <a:t>thoát</a:t>
+            </a:r>
+            <a:r>
+              <a:rPr kumimoji="1" lang="en-US" altLang="ja-JP" sz="1200" dirty="0" smtClean="0">
+                <a:latin typeface="Times New Roman" panose="02020603050405020304" pitchFamily="18" charset="0"/>
+                <a:cs typeface="Times New Roman" panose="02020603050405020304" pitchFamily="18" charset="0"/>
+              </a:rPr>
+              <a:t> </a:t>
+            </a:r>
+            <a:r>
+              <a:rPr kumimoji="1" lang="en-US" altLang="ja-JP" sz="1200" dirty="0" err="1" smtClean="0">
+                <a:latin typeface="Times New Roman" panose="02020603050405020304" pitchFamily="18" charset="0"/>
+                <a:cs typeface="Times New Roman" panose="02020603050405020304" pitchFamily="18" charset="0"/>
+              </a:rPr>
+              <a:t>khỏi</a:t>
+            </a:r>
+            <a:r>
+              <a:rPr kumimoji="1" lang="en-US" altLang="ja-JP" sz="1200" dirty="0" smtClean="0">
+                <a:latin typeface="Times New Roman" panose="02020603050405020304" pitchFamily="18" charset="0"/>
+                <a:cs typeface="Times New Roman" panose="02020603050405020304" pitchFamily="18" charset="0"/>
+              </a:rPr>
+              <a:t> Page </a:t>
+            </a:r>
+            <a:r>
+              <a:rPr kumimoji="1" lang="en-US" altLang="ja-JP" sz="1200" dirty="0" smtClean="0">
+                <a:latin typeface="Times New Roman" panose="02020603050405020304" pitchFamily="18" charset="0"/>
+                <a:cs typeface="Times New Roman" panose="02020603050405020304" pitchFamily="18" charset="0"/>
+              </a:rPr>
+              <a:t>Queue</a:t>
+            </a:r>
+            <a:endParaRPr kumimoji="1" lang="en-US" altLang="ja-JP" sz="1200" dirty="0" smtClean="0">
+              <a:latin typeface="Times New Roman" panose="02020603050405020304" pitchFamily="18" charset="0"/>
+              <a:cs typeface="Times New Roman" panose="02020603050405020304" pitchFamily="18" charset="0"/>
+            </a:endParaRPr>
           </a:p>
         </p:txBody>
       </p:sp>
@@ -31223,6 +31797,15 @@
 </file>
 
 <file path=customXml/item1.xml><?xml version="1.0" encoding="utf-8"?>
+<p:properties xmlns:p="http://schemas.microsoft.com/office/2006/metadata/properties" xmlns:xsi="http://www.w3.org/2001/XMLSchema-instance" xmlns:pc="http://schemas.microsoft.com/office/infopath/2007/PartnerControls">
+  <documentManagement>
+    <Status xmlns="71af3243-3dd4-4a8d-8c0d-dd76da1f02a5">Not started</Status>
+    <MediaServiceKeyPoints xmlns="71af3243-3dd4-4a8d-8c0d-dd76da1f02a5" xsi:nil="true"/>
+  </documentManagement>
+</p:properties>
+</file>
+
+<file path=customXml/item2.xml><?xml version="1.0" encoding="utf-8"?>
 <ct:contentTypeSchema xmlns:ct="http://schemas.microsoft.com/office/2006/metadata/contentType" xmlns:ma="http://schemas.microsoft.com/office/2006/metadata/properties/metaAttributes" ct:_="" ma:_="" ma:contentTypeName="Document" ma:contentTypeID="0x01010079F111ED35F8CC479449609E8A0923A6" ma:contentTypeVersion="12" ma:contentTypeDescription="Create a new document." ma:contentTypeScope="" ma:versionID="a410dd7f93c95333ffa1b60ed6adedd1">
   <xsd:schema xmlns:xsd="http://www.w3.org/2001/XMLSchema" xmlns:xs="http://www.w3.org/2001/XMLSchema" xmlns:p="http://schemas.microsoft.com/office/2006/metadata/properties" xmlns:ns2="71af3243-3dd4-4a8d-8c0d-dd76da1f02a5" xmlns:ns3="16c05727-aa75-4e4a-9b5f-8a80a1165891" targetNamespace="http://schemas.microsoft.com/office/2006/metadata/properties" ma:root="true" ma:fieldsID="a936d9baba76aa3866493feff160faab" ns2:_="" ns3:_="">
     <xsd:import namespace="71af3243-3dd4-4a8d-8c0d-dd76da1f02a5"/>
@@ -31443,15 +32026,6 @@
 </ct:contentTypeSchema>
 </file>
 
-<file path=customXml/item2.xml><?xml version="1.0" encoding="utf-8"?>
-<p:properties xmlns:p="http://schemas.microsoft.com/office/2006/metadata/properties" xmlns:xsi="http://www.w3.org/2001/XMLSchema-instance" xmlns:pc="http://schemas.microsoft.com/office/infopath/2007/PartnerControls">
-  <documentManagement>
-    <Status xmlns="71af3243-3dd4-4a8d-8c0d-dd76da1f02a5">Not started</Status>
-    <MediaServiceKeyPoints xmlns="71af3243-3dd4-4a8d-8c0d-dd76da1f02a5" xsi:nil="true"/>
-  </documentManagement>
-</p:properties>
-</file>
-
 <file path=customXml/item3.xml><?xml version="1.0" encoding="utf-8"?>
 <?mso-contentType ?>
 <FormTemplates xmlns="http://schemas.microsoft.com/sharepoint/v3/contenttype/forms">
@@ -31462,6 +32036,16 @@
 </file>
 
 <file path=customXml/itemProps1.xml><?xml version="1.0" encoding="utf-8"?>
+<ds:datastoreItem xmlns:ds="http://schemas.openxmlformats.org/officeDocument/2006/customXml" ds:itemID="{137651BA-F45C-4845-9AB3-E0A65B39F5E1}">
+  <ds:schemaRefs>
+    <ds:schemaRef ds:uri="http://schemas.microsoft.com/office/2006/metadata/properties"/>
+    <ds:schemaRef ds:uri="http://schemas.microsoft.com/office/infopath/2007/PartnerControls"/>
+    <ds:schemaRef ds:uri="71af3243-3dd4-4a8d-8c0d-dd76da1f02a5"/>
+  </ds:schemaRefs>
+</ds:datastoreItem>
+</file>
+
+<file path=customXml/itemProps2.xml><?xml version="1.0" encoding="utf-8"?>
 <ds:datastoreItem xmlns:ds="http://schemas.openxmlformats.org/officeDocument/2006/customXml" ds:itemID="{2D276E62-80A3-44DD-9BCC-97ED2B99B57F}">
   <ds:schemaRefs>
     <ds:schemaRef ds:uri="http://schemas.microsoft.com/office/2006/metadata/contentType"/>
@@ -31480,16 +32064,6 @@
 </ds:datastoreItem>
 </file>
 
-<file path=customXml/itemProps2.xml><?xml version="1.0" encoding="utf-8"?>
-<ds:datastoreItem xmlns:ds="http://schemas.openxmlformats.org/officeDocument/2006/customXml" ds:itemID="{137651BA-F45C-4845-9AB3-E0A65B39F5E1}">
-  <ds:schemaRefs>
-    <ds:schemaRef ds:uri="http://schemas.microsoft.com/office/2006/metadata/properties"/>
-    <ds:schemaRef ds:uri="http://schemas.microsoft.com/office/infopath/2007/PartnerControls"/>
-    <ds:schemaRef ds:uri="71af3243-3dd4-4a8d-8c0d-dd76da1f02a5"/>
-  </ds:schemaRefs>
-</ds:datastoreItem>
-</file>
-
 <file path=customXml/itemProps3.xml><?xml version="1.0" encoding="utf-8"?>
 <ds:datastoreItem xmlns:ds="http://schemas.openxmlformats.org/officeDocument/2006/customXml" ds:itemID="{CDB58277-F8DF-46FF-84EC-EF41B835E69F}">
   <ds:schemaRefs>

--- a/Restart Computer.pptx
+++ b/Restart Computer.pptx
@@ -11,11 +11,11 @@
     <p:sldId id="280" r:id="rId8"/>
     <p:sldId id="263" r:id="rId9"/>
     <p:sldId id="264" r:id="rId10"/>
-    <p:sldId id="283" r:id="rId11"/>
-    <p:sldId id="270" r:id="rId12"/>
-    <p:sldId id="294" r:id="rId13"/>
-    <p:sldId id="295" r:id="rId14"/>
-    <p:sldId id="296" r:id="rId15"/>
+    <p:sldId id="270" r:id="rId11"/>
+    <p:sldId id="294" r:id="rId12"/>
+    <p:sldId id="295" r:id="rId13"/>
+    <p:sldId id="296" r:id="rId14"/>
+    <p:sldId id="283" r:id="rId15"/>
     <p:sldId id="282" r:id="rId16"/>
     <p:sldId id="284" r:id="rId17"/>
     <p:sldId id="285" r:id="rId18"/>
@@ -8186,77 +8186,187 @@
               <a:t>: </a:t>
             </a:r>
             <a:r>
-              <a:rPr lang="en-US" sz="1600" dirty="0" err="1" smtClean="0">
-                <a:latin typeface="Times New Roman" panose="02020603050405020304" pitchFamily="18" charset="0"/>
-                <a:cs typeface="Times New Roman" panose="02020603050405020304" pitchFamily="18" charset="0"/>
-              </a:rPr>
-              <a:t>Thoát</a:t>
-            </a:r>
-            <a:r>
-              <a:rPr lang="en-US" sz="1600" dirty="0" smtClean="0">
-                <a:latin typeface="Times New Roman" panose="02020603050405020304" pitchFamily="18" charset="0"/>
-                <a:cs typeface="Times New Roman" panose="02020603050405020304" pitchFamily="18" charset="0"/>
-              </a:rPr>
-              <a:t> </a:t>
-            </a:r>
-            <a:r>
-              <a:rPr lang="en-US" sz="1600" dirty="0" err="1" smtClean="0">
-                <a:latin typeface="Times New Roman" panose="02020603050405020304" pitchFamily="18" charset="0"/>
-                <a:cs typeface="Times New Roman" panose="02020603050405020304" pitchFamily="18" charset="0"/>
-              </a:rPr>
-              <a:t>khỏi</a:t>
-            </a:r>
-            <a:r>
-              <a:rPr lang="en-US" sz="1600" dirty="0" smtClean="0">
-                <a:latin typeface="Times New Roman" panose="02020603050405020304" pitchFamily="18" charset="0"/>
-                <a:cs typeface="Times New Roman" panose="02020603050405020304" pitchFamily="18" charset="0"/>
-              </a:rPr>
-              <a:t> </a:t>
-            </a:r>
-            <a:r>
-              <a:rPr lang="en-US" sz="1600" dirty="0" err="1" smtClean="0">
-                <a:latin typeface="Times New Roman" panose="02020603050405020304" pitchFamily="18" charset="0"/>
-                <a:cs typeface="Times New Roman" panose="02020603050405020304" pitchFamily="18" charset="0"/>
-              </a:rPr>
-              <a:t>danh</a:t>
-            </a:r>
-            <a:r>
-              <a:rPr lang="en-US" sz="1600" dirty="0" smtClean="0">
-                <a:latin typeface="Times New Roman" panose="02020603050405020304" pitchFamily="18" charset="0"/>
-                <a:cs typeface="Times New Roman" panose="02020603050405020304" pitchFamily="18" charset="0"/>
-              </a:rPr>
-              <a:t> </a:t>
-            </a:r>
-            <a:r>
-              <a:rPr lang="en-US" sz="1600" dirty="0" err="1" smtClean="0">
-                <a:latin typeface="Times New Roman" panose="02020603050405020304" pitchFamily="18" charset="0"/>
-                <a:cs typeface="Times New Roman" panose="02020603050405020304" pitchFamily="18" charset="0"/>
-              </a:rPr>
-              <a:t>sách</a:t>
-            </a:r>
-            <a:r>
-              <a:rPr lang="en-US" sz="1600" dirty="0" smtClean="0">
-                <a:latin typeface="Times New Roman" panose="02020603050405020304" pitchFamily="18" charset="0"/>
-                <a:cs typeface="Times New Roman" panose="02020603050405020304" pitchFamily="18" charset="0"/>
-              </a:rPr>
-              <a:t> </a:t>
-            </a:r>
-            <a:r>
-              <a:rPr lang="en-US" sz="1600" dirty="0" err="1" smtClean="0">
-                <a:latin typeface="Times New Roman" panose="02020603050405020304" pitchFamily="18" charset="0"/>
-                <a:cs typeface="Times New Roman" panose="02020603050405020304" pitchFamily="18" charset="0"/>
-              </a:rPr>
-              <a:t>đợi</a:t>
-            </a:r>
-            <a:endParaRPr lang="en-US" sz="1600" dirty="0" smtClean="0">
-              <a:latin typeface="Times New Roman" panose="02020603050405020304" pitchFamily="18" charset="0"/>
-              <a:cs typeface="Times New Roman" panose="02020603050405020304" pitchFamily="18" charset="0"/>
-            </a:endParaRPr>
-          </a:p>
-          <a:p>
-            <a:pPr marL="0" indent="0">
-              <a:buNone/>
-            </a:pPr>
+              <a:rPr lang="en-US" altLang="ja-JP" sz="1600" dirty="0" err="1">
+                <a:latin typeface="Times New Roman" panose="02020603050405020304" pitchFamily="18" charset="0"/>
+                <a:cs typeface="Times New Roman" panose="02020603050405020304" pitchFamily="18" charset="0"/>
+              </a:rPr>
+              <a:t>Khi</a:t>
+            </a:r>
+            <a:r>
+              <a:rPr lang="en-US" altLang="ja-JP" sz="1600" dirty="0">
+                <a:latin typeface="Times New Roman" panose="02020603050405020304" pitchFamily="18" charset="0"/>
+                <a:cs typeface="Times New Roman" panose="02020603050405020304" pitchFamily="18" charset="0"/>
+              </a:rPr>
+              <a:t> robot </a:t>
+            </a:r>
+            <a:r>
+              <a:rPr lang="en-US" altLang="ja-JP" sz="1600" dirty="0" err="1">
+                <a:latin typeface="Times New Roman" panose="02020603050405020304" pitchFamily="18" charset="0"/>
+                <a:cs typeface="Times New Roman" panose="02020603050405020304" pitchFamily="18" charset="0"/>
+              </a:rPr>
+              <a:t>cần</a:t>
+            </a:r>
+            <a:r>
+              <a:rPr lang="en-US" altLang="ja-JP" sz="1600" dirty="0">
+                <a:latin typeface="Times New Roman" panose="02020603050405020304" pitchFamily="18" charset="0"/>
+                <a:cs typeface="Times New Roman" panose="02020603050405020304" pitchFamily="18" charset="0"/>
+              </a:rPr>
+              <a:t> </a:t>
+            </a:r>
+            <a:r>
+              <a:rPr lang="en-US" altLang="ja-JP" sz="1600" dirty="0" err="1">
+                <a:latin typeface="Times New Roman" panose="02020603050405020304" pitchFamily="18" charset="0"/>
+                <a:cs typeface="Times New Roman" panose="02020603050405020304" pitchFamily="18" charset="0"/>
+              </a:rPr>
+              <a:t>được</a:t>
+            </a:r>
+            <a:r>
+              <a:rPr lang="en-US" altLang="ja-JP" sz="1600" dirty="0">
+                <a:latin typeface="Times New Roman" panose="02020603050405020304" pitchFamily="18" charset="0"/>
+                <a:cs typeface="Times New Roman" panose="02020603050405020304" pitchFamily="18" charset="0"/>
+              </a:rPr>
+              <a:t> </a:t>
+            </a:r>
+            <a:r>
+              <a:rPr lang="en-US" altLang="ja-JP" sz="1600" dirty="0" err="1">
+                <a:latin typeface="Times New Roman" panose="02020603050405020304" pitchFamily="18" charset="0"/>
+                <a:cs typeface="Times New Roman" panose="02020603050405020304" pitchFamily="18" charset="0"/>
+              </a:rPr>
+              <a:t>xử</a:t>
+            </a:r>
+            <a:r>
+              <a:rPr lang="en-US" altLang="ja-JP" sz="1600" dirty="0">
+                <a:latin typeface="Times New Roman" panose="02020603050405020304" pitchFamily="18" charset="0"/>
+                <a:cs typeface="Times New Roman" panose="02020603050405020304" pitchFamily="18" charset="0"/>
+              </a:rPr>
+              <a:t> </a:t>
+            </a:r>
+            <a:r>
+              <a:rPr lang="en-US" altLang="ja-JP" sz="1600" dirty="0" err="1">
+                <a:latin typeface="Times New Roman" panose="02020603050405020304" pitchFamily="18" charset="0"/>
+                <a:cs typeface="Times New Roman" panose="02020603050405020304" pitchFamily="18" charset="0"/>
+              </a:rPr>
+              <a:t>lý</a:t>
+            </a:r>
+            <a:r>
+              <a:rPr lang="en-US" altLang="ja-JP" sz="1600" dirty="0">
+                <a:latin typeface="Times New Roman" panose="02020603050405020304" pitchFamily="18" charset="0"/>
+                <a:cs typeface="Times New Roman" panose="02020603050405020304" pitchFamily="18" charset="0"/>
+              </a:rPr>
+              <a:t> </a:t>
+            </a:r>
+            <a:r>
+              <a:rPr lang="en-US" altLang="ja-JP" sz="1600" dirty="0" err="1">
+                <a:latin typeface="Times New Roman" panose="02020603050405020304" pitchFamily="18" charset="0"/>
+                <a:cs typeface="Times New Roman" panose="02020603050405020304" pitchFamily="18" charset="0"/>
+              </a:rPr>
+              <a:t>hoặc</a:t>
+            </a:r>
+            <a:r>
+              <a:rPr lang="en-US" altLang="ja-JP" sz="1600" dirty="0">
+                <a:latin typeface="Times New Roman" panose="02020603050405020304" pitchFamily="18" charset="0"/>
+                <a:cs typeface="Times New Roman" panose="02020603050405020304" pitchFamily="18" charset="0"/>
+              </a:rPr>
+              <a:t> </a:t>
+            </a:r>
+            <a:r>
+              <a:rPr lang="en-US" altLang="ja-JP" sz="1600" dirty="0" err="1">
+                <a:latin typeface="Times New Roman" panose="02020603050405020304" pitchFamily="18" charset="0"/>
+                <a:cs typeface="Times New Roman" panose="02020603050405020304" pitchFamily="18" charset="0"/>
+              </a:rPr>
+              <a:t>sạc</a:t>
+            </a:r>
+            <a:r>
+              <a:rPr lang="en-US" altLang="ja-JP" sz="1600" dirty="0">
+                <a:latin typeface="Times New Roman" panose="02020603050405020304" pitchFamily="18" charset="0"/>
+                <a:cs typeface="Times New Roman" panose="02020603050405020304" pitchFamily="18" charset="0"/>
+              </a:rPr>
+              <a:t> pin, user </a:t>
+            </a:r>
+            <a:r>
+              <a:rPr lang="en-US" altLang="ja-JP" sz="1600" dirty="0" err="1">
+                <a:latin typeface="Times New Roman" panose="02020603050405020304" pitchFamily="18" charset="0"/>
+                <a:cs typeface="Times New Roman" panose="02020603050405020304" pitchFamily="18" charset="0"/>
+              </a:rPr>
+              <a:t>không</a:t>
+            </a:r>
+            <a:r>
+              <a:rPr lang="en-US" altLang="ja-JP" sz="1600" dirty="0">
+                <a:latin typeface="Times New Roman" panose="02020603050405020304" pitchFamily="18" charset="0"/>
+                <a:cs typeface="Times New Roman" panose="02020603050405020304" pitchFamily="18" charset="0"/>
+              </a:rPr>
+              <a:t> </a:t>
+            </a:r>
+            <a:r>
+              <a:rPr lang="en-US" altLang="ja-JP" sz="1600" dirty="0" err="1">
+                <a:latin typeface="Times New Roman" panose="02020603050405020304" pitchFamily="18" charset="0"/>
+                <a:cs typeface="Times New Roman" panose="02020603050405020304" pitchFamily="18" charset="0"/>
+              </a:rPr>
+              <a:t>thể</a:t>
+            </a:r>
+            <a:r>
+              <a:rPr lang="en-US" altLang="ja-JP" sz="1600" dirty="0">
+                <a:latin typeface="Times New Roman" panose="02020603050405020304" pitchFamily="18" charset="0"/>
+                <a:cs typeface="Times New Roman" panose="02020603050405020304" pitchFamily="18" charset="0"/>
+              </a:rPr>
+              <a:t> </a:t>
+            </a:r>
+            <a:r>
+              <a:rPr lang="en-US" altLang="ja-JP" sz="1600" dirty="0" err="1">
+                <a:latin typeface="Times New Roman" panose="02020603050405020304" pitchFamily="18" charset="0"/>
+                <a:cs typeface="Times New Roman" panose="02020603050405020304" pitchFamily="18" charset="0"/>
+              </a:rPr>
+              <a:t>điều</a:t>
+            </a:r>
+            <a:r>
+              <a:rPr lang="en-US" altLang="ja-JP" sz="1600" dirty="0">
+                <a:latin typeface="Times New Roman" panose="02020603050405020304" pitchFamily="18" charset="0"/>
+                <a:cs typeface="Times New Roman" panose="02020603050405020304" pitchFamily="18" charset="0"/>
+              </a:rPr>
+              <a:t> </a:t>
+            </a:r>
+            <a:r>
+              <a:rPr lang="en-US" altLang="ja-JP" sz="1600" dirty="0" err="1">
+                <a:latin typeface="Times New Roman" panose="02020603050405020304" pitchFamily="18" charset="0"/>
+                <a:cs typeface="Times New Roman" panose="02020603050405020304" pitchFamily="18" charset="0"/>
+              </a:rPr>
+              <a:t>khiển</a:t>
+            </a:r>
+            <a:r>
+              <a:rPr lang="en-US" altLang="ja-JP" sz="1600" dirty="0">
+                <a:latin typeface="Times New Roman" panose="02020603050405020304" pitchFamily="18" charset="0"/>
+                <a:cs typeface="Times New Roman" panose="02020603050405020304" pitchFamily="18" charset="0"/>
+              </a:rPr>
+              <a:t> </a:t>
+            </a:r>
+            <a:r>
+              <a:rPr lang="en-US" altLang="ja-JP" sz="1600" dirty="0" err="1">
+                <a:latin typeface="Times New Roman" panose="02020603050405020304" pitchFamily="18" charset="0"/>
+                <a:cs typeface="Times New Roman" panose="02020603050405020304" pitchFamily="18" charset="0"/>
+              </a:rPr>
+              <a:t>màn</a:t>
+            </a:r>
+            <a:r>
+              <a:rPr lang="en-US" altLang="ja-JP" sz="1600" dirty="0">
+                <a:latin typeface="Times New Roman" panose="02020603050405020304" pitchFamily="18" charset="0"/>
+                <a:cs typeface="Times New Roman" panose="02020603050405020304" pitchFamily="18" charset="0"/>
+              </a:rPr>
+              <a:t> </a:t>
+            </a:r>
+            <a:r>
+              <a:rPr lang="en-US" altLang="ja-JP" sz="1600" dirty="0" err="1">
+                <a:latin typeface="Times New Roman" panose="02020603050405020304" pitchFamily="18" charset="0"/>
+                <a:cs typeface="Times New Roman" panose="02020603050405020304" pitchFamily="18" charset="0"/>
+              </a:rPr>
+              <a:t>hình</a:t>
+            </a:r>
+            <a:r>
+              <a:rPr lang="en-US" altLang="ja-JP" sz="1600" dirty="0">
+                <a:latin typeface="Times New Roman" panose="02020603050405020304" pitchFamily="18" charset="0"/>
+                <a:cs typeface="Times New Roman" panose="02020603050405020304" pitchFamily="18" charset="0"/>
+              </a:rPr>
+              <a:t> </a:t>
+            </a:r>
             <a:endParaRPr lang="en-US" sz="1600" b="1" dirty="0">
               <a:latin typeface="Times New Roman" panose="02020603050405020304" pitchFamily="18" charset="0"/>
               <a:cs typeface="Times New Roman" panose="02020603050405020304" pitchFamily="18" charset="0"/>
@@ -8266,7 +8376,7 @@
       </p:sp>
       <p:pic>
         <p:nvPicPr>
-          <p:cNvPr id="4" name="Picture 3"/>
+          <p:cNvPr id="6" name="Picture 5"/>
           <p:cNvPicPr>
             <a:picLocks noChangeAspect="1"/>
           </p:cNvPicPr>
@@ -8280,7 +8390,7 @@
         </p:blipFill>
         <p:spPr>
           <a:xfrm>
-            <a:off x="1560715" y="2162666"/>
+            <a:off x="1348154" y="2162666"/>
             <a:ext cx="7805714" cy="4160000"/>
           </a:xfrm>
           <a:prstGeom prst="rect">
@@ -8288,222 +8398,10 @@
           </a:prstGeom>
         </p:spPr>
       </p:pic>
-      <p:sp>
-        <p:nvSpPr>
-          <p:cNvPr id="5" name="Rectangle 4"/>
-          <p:cNvSpPr/>
-          <p:nvPr/>
-        </p:nvSpPr>
-        <p:spPr>
-          <a:xfrm>
-            <a:off x="8677575" y="3038622"/>
-            <a:ext cx="564899" cy="394655"/>
-          </a:xfrm>
-          <a:prstGeom prst="rect">
-            <a:avLst/>
-          </a:prstGeom>
-          <a:noFill/>
-          <a:ln w="28575">
-            <a:solidFill>
-              <a:srgbClr val="C00000"/>
-            </a:solidFill>
-          </a:ln>
-        </p:spPr>
-        <p:style>
-          <a:lnRef idx="2">
-            <a:schemeClr val="accent1">
-              <a:shade val="50000"/>
-            </a:schemeClr>
-          </a:lnRef>
-          <a:fillRef idx="1">
-            <a:schemeClr val="accent1"/>
-          </a:fillRef>
-          <a:effectRef idx="0">
-            <a:schemeClr val="accent1"/>
-          </a:effectRef>
-          <a:fontRef idx="minor">
-            <a:schemeClr val="lt1"/>
-          </a:fontRef>
-        </p:style>
-        <p:txBody>
-          <a:bodyPr rtlCol="0" anchor="ctr"/>
-          <a:lstStyle/>
-          <a:p>
-            <a:pPr algn="ctr"/>
-            <a:endParaRPr lang="en-US"/>
-          </a:p>
-        </p:txBody>
-      </p:sp>
-      <p:sp>
-        <p:nvSpPr>
-          <p:cNvPr id="8" name="Rectangular Callout 7"/>
-          <p:cNvSpPr/>
-          <p:nvPr/>
-        </p:nvSpPr>
-        <p:spPr>
-          <a:xfrm>
-            <a:off x="5631146" y="3038622"/>
-            <a:ext cx="2799472" cy="633046"/>
-          </a:xfrm>
-          <a:prstGeom prst="wedgeRectCallout">
-            <a:avLst>
-              <a:gd name="adj1" fmla="val 59515"/>
-              <a:gd name="adj2" fmla="val -6944"/>
-            </a:avLst>
-          </a:prstGeom>
-        </p:spPr>
-        <p:style>
-          <a:lnRef idx="2">
-            <a:schemeClr val="accent1">
-              <a:shade val="50000"/>
-            </a:schemeClr>
-          </a:lnRef>
-          <a:fillRef idx="1">
-            <a:schemeClr val="accent1"/>
-          </a:fillRef>
-          <a:effectRef idx="0">
-            <a:schemeClr val="accent1"/>
-          </a:effectRef>
-          <a:fontRef idx="minor">
-            <a:schemeClr val="lt1"/>
-          </a:fontRef>
-        </p:style>
-        <p:txBody>
-          <a:bodyPr rtlCol="0" anchor="ctr"/>
-          <a:lstStyle/>
-          <a:p>
-            <a:r>
-              <a:rPr lang="en-US" sz="1100" dirty="0" err="1" smtClean="0"/>
-              <a:t>Khi</a:t>
-            </a:r>
-            <a:r>
-              <a:rPr lang="en-US" sz="1100" dirty="0" smtClean="0"/>
-              <a:t>  user </a:t>
-            </a:r>
-            <a:r>
-              <a:rPr lang="en-US" sz="1100" dirty="0" err="1" smtClean="0"/>
-              <a:t>thoát</a:t>
-            </a:r>
-            <a:r>
-              <a:rPr lang="en-US" sz="1100" dirty="0" smtClean="0"/>
-              <a:t> </a:t>
-            </a:r>
-            <a:r>
-              <a:rPr lang="en-US" sz="1100" dirty="0" err="1" smtClean="0"/>
-              <a:t>khỏi</a:t>
-            </a:r>
-            <a:r>
-              <a:rPr lang="en-US" sz="1100" dirty="0" smtClean="0"/>
-              <a:t> </a:t>
-            </a:r>
-            <a:r>
-              <a:rPr lang="en-US" sz="1100" dirty="0" err="1" smtClean="0"/>
-              <a:t>danh</a:t>
-            </a:r>
-            <a:r>
-              <a:rPr lang="en-US" sz="1100" dirty="0" smtClean="0"/>
-              <a:t> </a:t>
-            </a:r>
-            <a:r>
-              <a:rPr lang="en-US" sz="1100" dirty="0" err="1" smtClean="0"/>
-              <a:t>sách</a:t>
-            </a:r>
-            <a:r>
-              <a:rPr lang="en-US" sz="1100" dirty="0" smtClean="0"/>
-              <a:t> </a:t>
-            </a:r>
-            <a:r>
-              <a:rPr lang="en-US" sz="1100" dirty="0" err="1" smtClean="0"/>
-              <a:t>đợi</a:t>
-            </a:r>
-            <a:r>
-              <a:rPr lang="en-US" sz="1100" dirty="0" smtClean="0"/>
-              <a:t>, </a:t>
-            </a:r>
-            <a:r>
-              <a:rPr lang="en-US" sz="1100" dirty="0" err="1" smtClean="0"/>
-              <a:t>thì</a:t>
-            </a:r>
-            <a:r>
-              <a:rPr lang="en-US" sz="1100" dirty="0" smtClean="0"/>
-              <a:t> </a:t>
-            </a:r>
-            <a:r>
-              <a:rPr lang="en-US" sz="1100" dirty="0"/>
-              <a:t> </a:t>
-            </a:r>
-            <a:r>
-              <a:rPr lang="en-US" sz="1100" dirty="0" smtClean="0"/>
-              <a:t>user </a:t>
-            </a:r>
-            <a:r>
-              <a:rPr lang="en-US" sz="1100" dirty="0" err="1" smtClean="0"/>
-              <a:t>đó</a:t>
-            </a:r>
-            <a:r>
-              <a:rPr lang="en-US" sz="1100" dirty="0" smtClean="0"/>
-              <a:t> </a:t>
-            </a:r>
-            <a:r>
-              <a:rPr lang="en-US" sz="1100" dirty="0" err="1" smtClean="0"/>
-              <a:t>sẽ</a:t>
-            </a:r>
-            <a:r>
-              <a:rPr lang="en-US" sz="1100" dirty="0" smtClean="0"/>
-              <a:t> </a:t>
-            </a:r>
-            <a:r>
-              <a:rPr lang="en-US" sz="1100" dirty="0" err="1" smtClean="0"/>
-              <a:t>bị</a:t>
-            </a:r>
-            <a:r>
-              <a:rPr lang="en-US" sz="1100" dirty="0" smtClean="0"/>
-              <a:t> </a:t>
-            </a:r>
-            <a:r>
-              <a:rPr lang="en-US" sz="1100" dirty="0" err="1" smtClean="0"/>
-              <a:t>xóa</a:t>
-            </a:r>
-            <a:r>
-              <a:rPr lang="en-US" sz="1100" dirty="0" smtClean="0"/>
-              <a:t> </a:t>
-            </a:r>
-            <a:r>
-              <a:rPr lang="en-US" sz="1100" dirty="0" err="1" smtClean="0"/>
-              <a:t>khỏi</a:t>
-            </a:r>
-            <a:r>
-              <a:rPr lang="en-US" sz="1100" dirty="0" smtClean="0"/>
-              <a:t> </a:t>
-            </a:r>
-            <a:r>
-              <a:rPr lang="en-US" sz="1100" dirty="0" err="1" smtClean="0"/>
-              <a:t>danh</a:t>
-            </a:r>
-            <a:r>
-              <a:rPr lang="en-US" sz="1100" dirty="0" smtClean="0"/>
-              <a:t> </a:t>
-            </a:r>
-            <a:r>
-              <a:rPr lang="en-US" sz="1100" dirty="0" err="1" smtClean="0"/>
-              <a:t>sách</a:t>
-            </a:r>
-            <a:r>
-              <a:rPr lang="en-US" sz="1100" dirty="0" smtClean="0"/>
-              <a:t> </a:t>
-            </a:r>
-            <a:r>
-              <a:rPr lang="en-US" sz="1100" dirty="0" err="1" smtClean="0"/>
-              <a:t>đợi</a:t>
-            </a:r>
-            <a:endParaRPr lang="en-US" sz="1100" dirty="0"/>
-          </a:p>
-        </p:txBody>
-      </p:sp>
     </p:spTree>
     <p:extLst>
       <p:ext uri="{BB962C8B-B14F-4D97-AF65-F5344CB8AC3E}">
-        <p14:creationId xmlns:p14="http://schemas.microsoft.com/office/powerpoint/2010/main" val="1244910308"/>
+        <p14:creationId xmlns:p14="http://schemas.microsoft.com/office/powerpoint/2010/main" val="1235802612"/>
       </p:ext>
     </p:extLst>
   </p:cSld>
@@ -8627,7 +8525,7 @@
                 <a:latin typeface="Times New Roman" panose="02020603050405020304" pitchFamily="18" charset="0"/>
                 <a:cs typeface="Times New Roman" panose="02020603050405020304" pitchFamily="18" charset="0"/>
               </a:rPr>
-              <a:t> QUEUE</a:t>
+              <a:t> CONTROL</a:t>
             </a:r>
             <a:r>
               <a:rPr lang="en-US" sz="4000" kern="1200" cap="all">
@@ -8665,255 +8563,1586 @@
             <p:ph idx="1"/>
           </p:nvPr>
         </p:nvSpPr>
-        <p:spPr>
-          <a:xfrm>
-            <a:off x="1066800" y="1667022"/>
-            <a:ext cx="10058400" cy="4804116"/>
-          </a:xfrm>
-        </p:spPr>
+        <p:spPr/>
         <p:txBody>
           <a:bodyPr>
-            <a:normAutofit/>
+            <a:normAutofit fontScale="85000" lnSpcReduction="10000"/>
           </a:bodyPr>
           <a:lstStyle/>
           <a:p>
             <a:r>
+              <a:rPr lang="en-US" sz="1800" dirty="0">
+                <a:latin typeface="Times New Roman" panose="02020603050405020304" pitchFamily="18" charset="0"/>
+                <a:cs typeface="Times New Roman" panose="02020603050405020304" pitchFamily="18" charset="0"/>
+              </a:rPr>
+              <a:t>Control</a:t>
+            </a:r>
+            <a:r>
               <a:rPr lang="en-US" sz="1800" b="1" dirty="0">
                 <a:latin typeface="Times New Roman" panose="02020603050405020304" pitchFamily="18" charset="0"/>
                 <a:cs typeface="Times New Roman" panose="02020603050405020304" pitchFamily="18" charset="0"/>
               </a:rPr>
-              <a:t>Queue Page</a:t>
+              <a:t> Page</a:t>
             </a:r>
             <a:r>
               <a:rPr lang="en-US" sz="1800" b="1" dirty="0" smtClean="0">
                 <a:latin typeface="Times New Roman" panose="02020603050405020304" pitchFamily="18" charset="0"/>
                 <a:cs typeface="Times New Roman" panose="02020603050405020304" pitchFamily="18" charset="0"/>
               </a:rPr>
-              <a:t>: </a:t>
-            </a:r>
-            <a:r>
-              <a:rPr lang="en-US" altLang="ja-JP" sz="1600" dirty="0" err="1">
-                <a:latin typeface="Times New Roman" panose="02020603050405020304" pitchFamily="18" charset="0"/>
-                <a:cs typeface="Times New Roman" panose="02020603050405020304" pitchFamily="18" charset="0"/>
-              </a:rPr>
-              <a:t>Khi</a:t>
-            </a:r>
-            <a:r>
-              <a:rPr lang="en-US" altLang="ja-JP" sz="1600" dirty="0">
-                <a:latin typeface="Times New Roman" panose="02020603050405020304" pitchFamily="18" charset="0"/>
-                <a:cs typeface="Times New Roman" panose="02020603050405020304" pitchFamily="18" charset="0"/>
-              </a:rPr>
-              <a:t> robot </a:t>
-            </a:r>
-            <a:r>
-              <a:rPr lang="en-US" altLang="ja-JP" sz="1600" dirty="0" err="1">
-                <a:latin typeface="Times New Roman" panose="02020603050405020304" pitchFamily="18" charset="0"/>
-                <a:cs typeface="Times New Roman" panose="02020603050405020304" pitchFamily="18" charset="0"/>
-              </a:rPr>
-              <a:t>cần</a:t>
-            </a:r>
-            <a:r>
-              <a:rPr lang="en-US" altLang="ja-JP" sz="1600" dirty="0">
-                <a:latin typeface="Times New Roman" panose="02020603050405020304" pitchFamily="18" charset="0"/>
-                <a:cs typeface="Times New Roman" panose="02020603050405020304" pitchFamily="18" charset="0"/>
-              </a:rPr>
-              <a:t> </a:t>
-            </a:r>
-            <a:r>
-              <a:rPr lang="en-US" altLang="ja-JP" sz="1600" dirty="0" err="1">
+              <a:t>:</a:t>
+            </a:r>
+          </a:p>
+          <a:p>
+            <a:pPr marL="0" indent="0">
+              <a:buNone/>
+            </a:pPr>
+            <a:r>
+              <a:rPr lang="en-US" sz="1800" b="1" dirty="0" smtClean="0">
+                <a:latin typeface="Times New Roman" panose="02020603050405020304" pitchFamily="18" charset="0"/>
+                <a:cs typeface="Times New Roman" panose="02020603050405020304" pitchFamily="18" charset="0"/>
+              </a:rPr>
+              <a:t>	</a:t>
+            </a:r>
+            <a:r>
+              <a:rPr lang="en-US" sz="1800" dirty="0" smtClean="0">
+                <a:latin typeface="Times New Roman" panose="02020603050405020304" pitchFamily="18" charset="0"/>
+                <a:cs typeface="Times New Roman" panose="02020603050405020304" pitchFamily="18" charset="0"/>
+              </a:rPr>
+              <a:t>1.</a:t>
+            </a:r>
+            <a:r>
+              <a:rPr lang="en-US" sz="1800" b="1" dirty="0" smtClean="0">
+                <a:latin typeface="Times New Roman" panose="02020603050405020304" pitchFamily="18" charset="0"/>
+                <a:cs typeface="Times New Roman" panose="02020603050405020304" pitchFamily="18" charset="0"/>
+              </a:rPr>
+              <a:t> </a:t>
+            </a:r>
+            <a:r>
+              <a:rPr lang="en-US" sz="1800" dirty="0" smtClean="0">
+                <a:latin typeface="Times New Roman" panose="02020603050405020304" pitchFamily="18" charset="0"/>
+                <a:cs typeface="Times New Roman" panose="02020603050405020304" pitchFamily="18" charset="0"/>
+              </a:rPr>
+              <a:t>User </a:t>
+            </a:r>
+            <a:r>
+              <a:rPr lang="en-US" sz="1800" dirty="0" err="1" smtClean="0">
+                <a:latin typeface="Times New Roman" panose="02020603050405020304" pitchFamily="18" charset="0"/>
+                <a:cs typeface="Times New Roman" panose="02020603050405020304" pitchFamily="18" charset="0"/>
+              </a:rPr>
+              <a:t>chỉ</a:t>
+            </a:r>
+            <a:r>
+              <a:rPr lang="en-US" sz="1800" dirty="0" smtClean="0">
+                <a:latin typeface="Times New Roman" panose="02020603050405020304" pitchFamily="18" charset="0"/>
+                <a:cs typeface="Times New Roman" panose="02020603050405020304" pitchFamily="18" charset="0"/>
+              </a:rPr>
+              <a:t> </a:t>
+            </a:r>
+            <a:r>
+              <a:rPr lang="en-US" sz="1800" dirty="0" err="1" smtClean="0">
                 <a:latin typeface="Times New Roman" panose="02020603050405020304" pitchFamily="18" charset="0"/>
                 <a:cs typeface="Times New Roman" panose="02020603050405020304" pitchFamily="18" charset="0"/>
               </a:rPr>
               <a:t>được</a:t>
             </a:r>
             <a:r>
-              <a:rPr lang="en-US" altLang="ja-JP" sz="1600" dirty="0">
-                <a:latin typeface="Times New Roman" panose="02020603050405020304" pitchFamily="18" charset="0"/>
-                <a:cs typeface="Times New Roman" panose="02020603050405020304" pitchFamily="18" charset="0"/>
-              </a:rPr>
-              <a:t> </a:t>
-            </a:r>
-            <a:r>
-              <a:rPr lang="en-US" altLang="ja-JP" sz="1600" dirty="0" err="1">
-                <a:latin typeface="Times New Roman" panose="02020603050405020304" pitchFamily="18" charset="0"/>
-                <a:cs typeface="Times New Roman" panose="02020603050405020304" pitchFamily="18" charset="0"/>
-              </a:rPr>
-              <a:t>xử</a:t>
-            </a:r>
-            <a:r>
-              <a:rPr lang="en-US" altLang="ja-JP" sz="1600" dirty="0">
-                <a:latin typeface="Times New Roman" panose="02020603050405020304" pitchFamily="18" charset="0"/>
-                <a:cs typeface="Times New Roman" panose="02020603050405020304" pitchFamily="18" charset="0"/>
-              </a:rPr>
-              <a:t> </a:t>
-            </a:r>
-            <a:r>
-              <a:rPr lang="en-US" altLang="ja-JP" sz="1600" dirty="0" err="1">
-                <a:latin typeface="Times New Roman" panose="02020603050405020304" pitchFamily="18" charset="0"/>
-                <a:cs typeface="Times New Roman" panose="02020603050405020304" pitchFamily="18" charset="0"/>
-              </a:rPr>
-              <a:t>lý</a:t>
-            </a:r>
-            <a:r>
-              <a:rPr lang="en-US" altLang="ja-JP" sz="1600" dirty="0">
-                <a:latin typeface="Times New Roman" panose="02020603050405020304" pitchFamily="18" charset="0"/>
-                <a:cs typeface="Times New Roman" panose="02020603050405020304" pitchFamily="18" charset="0"/>
-              </a:rPr>
-              <a:t> </a:t>
-            </a:r>
-            <a:r>
-              <a:rPr lang="en-US" altLang="ja-JP" sz="1600" dirty="0" err="1">
+              <a:rPr lang="en-US" sz="1800" dirty="0" smtClean="0">
+                <a:latin typeface="Times New Roman" panose="02020603050405020304" pitchFamily="18" charset="0"/>
+                <a:cs typeface="Times New Roman" panose="02020603050405020304" pitchFamily="18" charset="0"/>
+              </a:rPr>
+              <a:t> </a:t>
+            </a:r>
+            <a:r>
+              <a:rPr lang="en-US" sz="1800" dirty="0" err="1" smtClean="0">
+                <a:latin typeface="Times New Roman" panose="02020603050405020304" pitchFamily="18" charset="0"/>
+                <a:cs typeface="Times New Roman" panose="02020603050405020304" pitchFamily="18" charset="0"/>
+              </a:rPr>
+              <a:t>vào</a:t>
+            </a:r>
+            <a:r>
+              <a:rPr lang="en-US" sz="1800" dirty="0" smtClean="0">
+                <a:latin typeface="Times New Roman" panose="02020603050405020304" pitchFamily="18" charset="0"/>
+                <a:cs typeface="Times New Roman" panose="02020603050405020304" pitchFamily="18" charset="0"/>
+              </a:rPr>
+              <a:t> Page </a:t>
+            </a:r>
+            <a:r>
+              <a:rPr lang="en-US" sz="1800" dirty="0">
+                <a:latin typeface="Times New Roman" panose="02020603050405020304" pitchFamily="18" charset="0"/>
+                <a:cs typeface="Times New Roman" panose="02020603050405020304" pitchFamily="18" charset="0"/>
+              </a:rPr>
+              <a:t>C</a:t>
+            </a:r>
+            <a:r>
+              <a:rPr lang="en-US" sz="1800" dirty="0" smtClean="0">
+                <a:latin typeface="Times New Roman" panose="02020603050405020304" pitchFamily="18" charset="0"/>
+                <a:cs typeface="Times New Roman" panose="02020603050405020304" pitchFamily="18" charset="0"/>
+              </a:rPr>
+              <a:t>ontrol </a:t>
+            </a:r>
+            <a:r>
+              <a:rPr lang="en-US" sz="1800" dirty="0" err="1" smtClean="0">
+                <a:latin typeface="Times New Roman" panose="02020603050405020304" pitchFamily="18" charset="0"/>
+                <a:cs typeface="Times New Roman" panose="02020603050405020304" pitchFamily="18" charset="0"/>
+              </a:rPr>
+              <a:t>khi</a:t>
+            </a:r>
+            <a:r>
+              <a:rPr lang="en-US" sz="1800" dirty="0" smtClean="0">
+                <a:latin typeface="Times New Roman" panose="02020603050405020304" pitchFamily="18" charset="0"/>
+                <a:cs typeface="Times New Roman" panose="02020603050405020304" pitchFamily="18" charset="0"/>
+              </a:rPr>
+              <a:t> </a:t>
+            </a:r>
+            <a:r>
+              <a:rPr lang="en-US" sz="1800" dirty="0" err="1" smtClean="0">
+                <a:latin typeface="Times New Roman" panose="02020603050405020304" pitchFamily="18" charset="0"/>
+                <a:cs typeface="Times New Roman" panose="02020603050405020304" pitchFamily="18" charset="0"/>
+              </a:rPr>
+              <a:t>đến</a:t>
+            </a:r>
+            <a:r>
+              <a:rPr lang="en-US" sz="1800" dirty="0" smtClean="0">
+                <a:latin typeface="Times New Roman" panose="02020603050405020304" pitchFamily="18" charset="0"/>
+                <a:cs typeface="Times New Roman" panose="02020603050405020304" pitchFamily="18" charset="0"/>
+              </a:rPr>
+              <a:t> </a:t>
+            </a:r>
+            <a:r>
+              <a:rPr lang="en-US" sz="1800" dirty="0" err="1" smtClean="0">
+                <a:latin typeface="Times New Roman" panose="02020603050405020304" pitchFamily="18" charset="0"/>
+                <a:cs typeface="Times New Roman" panose="02020603050405020304" pitchFamily="18" charset="0"/>
+              </a:rPr>
+              <a:t>lượt</a:t>
+            </a:r>
+            <a:r>
+              <a:rPr lang="en-US" sz="1800" dirty="0" smtClean="0">
+                <a:latin typeface="Times New Roman" panose="02020603050405020304" pitchFamily="18" charset="0"/>
+                <a:cs typeface="Times New Roman" panose="02020603050405020304" pitchFamily="18" charset="0"/>
+              </a:rPr>
+              <a:t>, </a:t>
+            </a:r>
+            <a:r>
+              <a:rPr lang="en-US" sz="1800" dirty="0" err="1" smtClean="0">
+                <a:latin typeface="Times New Roman" panose="02020603050405020304" pitchFamily="18" charset="0"/>
+                <a:cs typeface="Times New Roman" panose="02020603050405020304" pitchFamily="18" charset="0"/>
+              </a:rPr>
+              <a:t>nếu</a:t>
+            </a:r>
+            <a:r>
+              <a:rPr lang="en-US" sz="1800" dirty="0" smtClean="0">
+                <a:latin typeface="Times New Roman" panose="02020603050405020304" pitchFamily="18" charset="0"/>
+                <a:cs typeface="Times New Roman" panose="02020603050405020304" pitchFamily="18" charset="0"/>
+              </a:rPr>
+              <a:t> </a:t>
+            </a:r>
+            <a:r>
+              <a:rPr lang="en-US" sz="1800" dirty="0" err="1" smtClean="0">
+                <a:latin typeface="Times New Roman" panose="02020603050405020304" pitchFamily="18" charset="0"/>
+                <a:cs typeface="Times New Roman" panose="02020603050405020304" pitchFamily="18" charset="0"/>
+              </a:rPr>
+              <a:t>cố</a:t>
+            </a:r>
+            <a:r>
+              <a:rPr lang="en-US" sz="1800" dirty="0" smtClean="0">
+                <a:latin typeface="Times New Roman" panose="02020603050405020304" pitchFamily="18" charset="0"/>
+                <a:cs typeface="Times New Roman" panose="02020603050405020304" pitchFamily="18" charset="0"/>
+              </a:rPr>
+              <a:t> </a:t>
+            </a:r>
+            <a:r>
+              <a:rPr lang="en-US" sz="1800" dirty="0" err="1" smtClean="0">
+                <a:latin typeface="Times New Roman" panose="02020603050405020304" pitchFamily="18" charset="0"/>
+                <a:cs typeface="Times New Roman" panose="02020603050405020304" pitchFamily="18" charset="0"/>
+              </a:rPr>
+              <a:t>tình</a:t>
+            </a:r>
+            <a:r>
+              <a:rPr lang="en-US" sz="1800" dirty="0" smtClean="0">
+                <a:latin typeface="Times New Roman" panose="02020603050405020304" pitchFamily="18" charset="0"/>
+                <a:cs typeface="Times New Roman" panose="02020603050405020304" pitchFamily="18" charset="0"/>
+              </a:rPr>
+              <a:t> </a:t>
+            </a:r>
+            <a:r>
+              <a:rPr lang="en-US" sz="1800" dirty="0" err="1" smtClean="0">
+                <a:latin typeface="Times New Roman" panose="02020603050405020304" pitchFamily="18" charset="0"/>
+                <a:cs typeface="Times New Roman" panose="02020603050405020304" pitchFamily="18" charset="0"/>
+              </a:rPr>
+              <a:t>truy</a:t>
+            </a:r>
+            <a:r>
+              <a:rPr lang="en-US" sz="1800" dirty="0" smtClean="0">
+                <a:latin typeface="Times New Roman" panose="02020603050405020304" pitchFamily="18" charset="0"/>
+                <a:cs typeface="Times New Roman" panose="02020603050405020304" pitchFamily="18" charset="0"/>
+              </a:rPr>
+              <a:t> </a:t>
+            </a:r>
+            <a:r>
+              <a:rPr lang="en-US" sz="1800" dirty="0" err="1" smtClean="0">
+                <a:latin typeface="Times New Roman" panose="02020603050405020304" pitchFamily="18" charset="0"/>
+                <a:cs typeface="Times New Roman" panose="02020603050405020304" pitchFamily="18" charset="0"/>
+              </a:rPr>
+              <a:t>cập</a:t>
+            </a:r>
+            <a:r>
+              <a:rPr lang="en-US" sz="1800" dirty="0" smtClean="0">
+                <a:latin typeface="Times New Roman" panose="02020603050405020304" pitchFamily="18" charset="0"/>
+                <a:cs typeface="Times New Roman" panose="02020603050405020304" pitchFamily="18" charset="0"/>
+              </a:rPr>
+              <a:t> </a:t>
+            </a:r>
+            <a:r>
+              <a:rPr lang="en-US" sz="1800" dirty="0" err="1" smtClean="0">
+                <a:latin typeface="Times New Roman" panose="02020603050405020304" pitchFamily="18" charset="0"/>
+                <a:cs typeface="Times New Roman" panose="02020603050405020304" pitchFamily="18" charset="0"/>
+              </a:rPr>
+              <a:t>bằng</a:t>
+            </a:r>
+            <a:r>
+              <a:rPr lang="en-US" sz="1800" dirty="0" smtClean="0">
+                <a:latin typeface="Times New Roman" panose="02020603050405020304" pitchFamily="18" charset="0"/>
+                <a:cs typeface="Times New Roman" panose="02020603050405020304" pitchFamily="18" charset="0"/>
+              </a:rPr>
+              <a:t> </a:t>
+            </a:r>
+            <a:r>
+              <a:rPr lang="en-US" sz="1800" dirty="0" err="1" smtClean="0">
+                <a:latin typeface="Times New Roman" panose="02020603050405020304" pitchFamily="18" charset="0"/>
+                <a:cs typeface="Times New Roman" panose="02020603050405020304" pitchFamily="18" charset="0"/>
+              </a:rPr>
+              <a:t>url</a:t>
+            </a:r>
+            <a:r>
+              <a:rPr lang="en-US" sz="1800" dirty="0" smtClean="0">
+                <a:latin typeface="Times New Roman" panose="02020603050405020304" pitchFamily="18" charset="0"/>
+                <a:cs typeface="Times New Roman" panose="02020603050405020304" pitchFamily="18" charset="0"/>
+              </a:rPr>
+              <a:t> </a:t>
+            </a:r>
+            <a:r>
+              <a:rPr lang="en-US" sz="1800" dirty="0" err="1" smtClean="0">
+                <a:latin typeface="Times New Roman" panose="02020603050405020304" pitchFamily="18" charset="0"/>
+                <a:cs typeface="Times New Roman" panose="02020603050405020304" pitchFamily="18" charset="0"/>
+              </a:rPr>
+              <a:t>thì</a:t>
+            </a:r>
+            <a:r>
+              <a:rPr lang="en-US" sz="1800" dirty="0" smtClean="0">
+                <a:latin typeface="Times New Roman" panose="02020603050405020304" pitchFamily="18" charset="0"/>
+                <a:cs typeface="Times New Roman" panose="02020603050405020304" pitchFamily="18" charset="0"/>
+              </a:rPr>
+              <a:t> </a:t>
+            </a:r>
+            <a:r>
+              <a:rPr lang="en-US" sz="1800" dirty="0" err="1" smtClean="0">
+                <a:latin typeface="Times New Roman" panose="02020603050405020304" pitchFamily="18" charset="0"/>
+                <a:cs typeface="Times New Roman" panose="02020603050405020304" pitchFamily="18" charset="0"/>
+              </a:rPr>
+              <a:t>sẽ</a:t>
+            </a:r>
+            <a:r>
+              <a:rPr lang="en-US" sz="1800" dirty="0" smtClean="0">
+                <a:latin typeface="Times New Roman" panose="02020603050405020304" pitchFamily="18" charset="0"/>
+                <a:cs typeface="Times New Roman" panose="02020603050405020304" pitchFamily="18" charset="0"/>
+              </a:rPr>
+              <a:t> quay </a:t>
+            </a:r>
+            <a:r>
+              <a:rPr lang="en-US" sz="1800" dirty="0" err="1" smtClean="0">
+                <a:latin typeface="Times New Roman" panose="02020603050405020304" pitchFamily="18" charset="0"/>
+                <a:cs typeface="Times New Roman" panose="02020603050405020304" pitchFamily="18" charset="0"/>
+              </a:rPr>
+              <a:t>lại</a:t>
+            </a:r>
+            <a:r>
+              <a:rPr lang="en-US" sz="1800" dirty="0" smtClean="0">
+                <a:latin typeface="Times New Roman" panose="02020603050405020304" pitchFamily="18" charset="0"/>
+                <a:cs typeface="Times New Roman" panose="02020603050405020304" pitchFamily="18" charset="0"/>
+              </a:rPr>
+              <a:t> Page Queue</a:t>
+            </a:r>
+          </a:p>
+          <a:p>
+            <a:pPr marL="0" indent="0">
+              <a:buNone/>
+            </a:pPr>
+            <a:r>
+              <a:rPr lang="en-US" sz="1800" dirty="0">
+                <a:latin typeface="Times New Roman" panose="02020603050405020304" pitchFamily="18" charset="0"/>
+                <a:cs typeface="Times New Roman" panose="02020603050405020304" pitchFamily="18" charset="0"/>
+              </a:rPr>
+              <a:t> </a:t>
+            </a:r>
+            <a:r>
+              <a:rPr lang="en-US" sz="1800" dirty="0" smtClean="0">
+                <a:latin typeface="Times New Roman" panose="02020603050405020304" pitchFamily="18" charset="0"/>
+                <a:cs typeface="Times New Roman" panose="02020603050405020304" pitchFamily="18" charset="0"/>
+              </a:rPr>
+              <a:t>	2. User </a:t>
+            </a:r>
+            <a:r>
+              <a:rPr lang="en-US" sz="1800" dirty="0" err="1" smtClean="0">
+                <a:latin typeface="Times New Roman" panose="02020603050405020304" pitchFamily="18" charset="0"/>
+                <a:cs typeface="Times New Roman" panose="02020603050405020304" pitchFamily="18" charset="0"/>
+              </a:rPr>
+              <a:t>điều</a:t>
+            </a:r>
+            <a:r>
+              <a:rPr lang="en-US" sz="1800" dirty="0" smtClean="0">
+                <a:latin typeface="Times New Roman" panose="02020603050405020304" pitchFamily="18" charset="0"/>
+                <a:cs typeface="Times New Roman" panose="02020603050405020304" pitchFamily="18" charset="0"/>
+              </a:rPr>
+              <a:t> </a:t>
+            </a:r>
+            <a:r>
+              <a:rPr lang="en-US" sz="1800" dirty="0" err="1" smtClean="0">
+                <a:latin typeface="Times New Roman" panose="02020603050405020304" pitchFamily="18" charset="0"/>
+                <a:cs typeface="Times New Roman" panose="02020603050405020304" pitchFamily="18" charset="0"/>
+              </a:rPr>
+              <a:t>khiển</a:t>
+            </a:r>
+            <a:r>
+              <a:rPr lang="en-US" sz="1800" dirty="0" smtClean="0">
+                <a:latin typeface="Times New Roman" panose="02020603050405020304" pitchFamily="18" charset="0"/>
+                <a:cs typeface="Times New Roman" panose="02020603050405020304" pitchFamily="18" charset="0"/>
+              </a:rPr>
+              <a:t> robot di </a:t>
+            </a:r>
+            <a:r>
+              <a:rPr lang="en-US" sz="1800" dirty="0" err="1" smtClean="0">
+                <a:latin typeface="Times New Roman" panose="02020603050405020304" pitchFamily="18" charset="0"/>
+                <a:cs typeface="Times New Roman" panose="02020603050405020304" pitchFamily="18" charset="0"/>
+              </a:rPr>
+              <a:t>chuyển</a:t>
+            </a:r>
+            <a:r>
+              <a:rPr lang="en-US" sz="1800" dirty="0" smtClean="0">
+                <a:latin typeface="Times New Roman" panose="02020603050405020304" pitchFamily="18" charset="0"/>
+                <a:cs typeface="Times New Roman" panose="02020603050405020304" pitchFamily="18" charset="0"/>
+              </a:rPr>
+              <a:t> </a:t>
+            </a:r>
+            <a:r>
+              <a:rPr lang="en-US" sz="1800" dirty="0" err="1" smtClean="0">
+                <a:latin typeface="Times New Roman" panose="02020603050405020304" pitchFamily="18" charset="0"/>
+                <a:cs typeface="Times New Roman" panose="02020603050405020304" pitchFamily="18" charset="0"/>
+              </a:rPr>
+              <a:t>và</a:t>
+            </a:r>
+            <a:r>
+              <a:rPr lang="en-US" sz="1800" dirty="0" smtClean="0">
+                <a:latin typeface="Times New Roman" panose="02020603050405020304" pitchFamily="18" charset="0"/>
+                <a:cs typeface="Times New Roman" panose="02020603050405020304" pitchFamily="18" charset="0"/>
+              </a:rPr>
+              <a:t> </a:t>
+            </a:r>
+            <a:r>
+              <a:rPr lang="en-US" sz="1800" dirty="0" err="1" smtClean="0">
+                <a:latin typeface="Times New Roman" panose="02020603050405020304" pitchFamily="18" charset="0"/>
+                <a:cs typeface="Times New Roman" panose="02020603050405020304" pitchFamily="18" charset="0"/>
+              </a:rPr>
+              <a:t>nhấn</a:t>
+            </a:r>
+            <a:r>
+              <a:rPr lang="en-US" sz="1800" dirty="0" smtClean="0">
+                <a:latin typeface="Times New Roman" panose="02020603050405020304" pitchFamily="18" charset="0"/>
+                <a:cs typeface="Times New Roman" panose="02020603050405020304" pitchFamily="18" charset="0"/>
+              </a:rPr>
+              <a:t> </a:t>
+            </a:r>
+            <a:r>
+              <a:rPr lang="en-US" sz="1800" dirty="0" err="1" smtClean="0">
+                <a:latin typeface="Times New Roman" panose="02020603050405020304" pitchFamily="18" charset="0"/>
+                <a:cs typeface="Times New Roman" panose="02020603050405020304" pitchFamily="18" charset="0"/>
+              </a:rPr>
+              <a:t>nút</a:t>
+            </a:r>
+            <a:r>
+              <a:rPr lang="en-US" sz="1800" dirty="0" smtClean="0">
+                <a:latin typeface="Times New Roman" panose="02020603050405020304" pitchFamily="18" charset="0"/>
+                <a:cs typeface="Times New Roman" panose="02020603050405020304" pitchFamily="18" charset="0"/>
+              </a:rPr>
+              <a:t> </a:t>
+            </a:r>
+            <a:r>
+              <a:rPr lang="en-US" sz="1800" dirty="0" err="1" smtClean="0">
+                <a:latin typeface="Times New Roman" panose="02020603050405020304" pitchFamily="18" charset="0"/>
+                <a:cs typeface="Times New Roman" panose="02020603050405020304" pitchFamily="18" charset="0"/>
+              </a:rPr>
+              <a:t>bằng</a:t>
+            </a:r>
+            <a:r>
+              <a:rPr lang="en-US" sz="1800" dirty="0" smtClean="0">
+                <a:latin typeface="Times New Roman" panose="02020603050405020304" pitchFamily="18" charset="0"/>
+                <a:cs typeface="Times New Roman" panose="02020603050405020304" pitchFamily="18" charset="0"/>
+              </a:rPr>
+              <a:t> </a:t>
+            </a:r>
+            <a:r>
+              <a:rPr lang="en-US" sz="1800" dirty="0" err="1" smtClean="0">
+                <a:latin typeface="Times New Roman" panose="02020603050405020304" pitchFamily="18" charset="0"/>
+                <a:cs typeface="Times New Roman" panose="02020603050405020304" pitchFamily="18" charset="0"/>
+              </a:rPr>
+              <a:t>các</a:t>
+            </a:r>
+            <a:r>
+              <a:rPr lang="en-US" sz="1800" dirty="0" smtClean="0">
+                <a:latin typeface="Times New Roman" panose="02020603050405020304" pitchFamily="18" charset="0"/>
+                <a:cs typeface="Times New Roman" panose="02020603050405020304" pitchFamily="18" charset="0"/>
+              </a:rPr>
+              <a:t> button </a:t>
+            </a:r>
+            <a:r>
+              <a:rPr lang="en-US" sz="1800" dirty="0" err="1" smtClean="0">
+                <a:latin typeface="Times New Roman" panose="02020603050405020304" pitchFamily="18" charset="0"/>
+                <a:cs typeface="Times New Roman" panose="02020603050405020304" pitchFamily="18" charset="0"/>
+              </a:rPr>
+              <a:t>trên</a:t>
+            </a:r>
+            <a:r>
+              <a:rPr lang="en-US" sz="1800" dirty="0" smtClean="0">
+                <a:latin typeface="Times New Roman" panose="02020603050405020304" pitchFamily="18" charset="0"/>
+                <a:cs typeface="Times New Roman" panose="02020603050405020304" pitchFamily="18" charset="0"/>
+              </a:rPr>
+              <a:t> </a:t>
+            </a:r>
+            <a:r>
+              <a:rPr lang="en-US" sz="1800" dirty="0" err="1" smtClean="0">
+                <a:latin typeface="Times New Roman" panose="02020603050405020304" pitchFamily="18" charset="0"/>
+                <a:cs typeface="Times New Roman" panose="02020603050405020304" pitchFamily="18" charset="0"/>
+              </a:rPr>
+              <a:t>màn</a:t>
+            </a:r>
+            <a:r>
+              <a:rPr lang="en-US" sz="1800" dirty="0" smtClean="0">
+                <a:latin typeface="Times New Roman" panose="02020603050405020304" pitchFamily="18" charset="0"/>
+                <a:cs typeface="Times New Roman" panose="02020603050405020304" pitchFamily="18" charset="0"/>
+              </a:rPr>
+              <a:t> </a:t>
+            </a:r>
+            <a:r>
+              <a:rPr lang="en-US" sz="1800" dirty="0" err="1" smtClean="0">
+                <a:latin typeface="Times New Roman" panose="02020603050405020304" pitchFamily="18" charset="0"/>
+                <a:cs typeface="Times New Roman" panose="02020603050405020304" pitchFamily="18" charset="0"/>
+              </a:rPr>
+              <a:t>hình</a:t>
+            </a:r>
+            <a:r>
+              <a:rPr lang="en-US" sz="1800" dirty="0">
+                <a:latin typeface="Times New Roman" panose="02020603050405020304" pitchFamily="18" charset="0"/>
+                <a:cs typeface="Times New Roman" panose="02020603050405020304" pitchFamily="18" charset="0"/>
+              </a:rPr>
+              <a:t> </a:t>
+            </a:r>
+            <a:r>
+              <a:rPr lang="en-US" sz="1800" dirty="0" err="1" smtClean="0">
                 <a:latin typeface="Times New Roman" panose="02020603050405020304" pitchFamily="18" charset="0"/>
                 <a:cs typeface="Times New Roman" panose="02020603050405020304" pitchFamily="18" charset="0"/>
               </a:rPr>
               <a:t>hoặc</a:t>
             </a:r>
             <a:r>
-              <a:rPr lang="en-US" altLang="ja-JP" sz="1600" dirty="0">
-                <a:latin typeface="Times New Roman" panose="02020603050405020304" pitchFamily="18" charset="0"/>
-                <a:cs typeface="Times New Roman" panose="02020603050405020304" pitchFamily="18" charset="0"/>
-              </a:rPr>
-              <a:t> </a:t>
-            </a:r>
-            <a:r>
-              <a:rPr lang="en-US" altLang="ja-JP" sz="1600" dirty="0" err="1">
-                <a:latin typeface="Times New Roman" panose="02020603050405020304" pitchFamily="18" charset="0"/>
-                <a:cs typeface="Times New Roman" panose="02020603050405020304" pitchFamily="18" charset="0"/>
-              </a:rPr>
-              <a:t>sạc</a:t>
-            </a:r>
-            <a:r>
-              <a:rPr lang="en-US" altLang="ja-JP" sz="1600" dirty="0">
-                <a:latin typeface="Times New Roman" panose="02020603050405020304" pitchFamily="18" charset="0"/>
-                <a:cs typeface="Times New Roman" panose="02020603050405020304" pitchFamily="18" charset="0"/>
-              </a:rPr>
-              <a:t> pin, user </a:t>
-            </a:r>
-            <a:r>
-              <a:rPr lang="en-US" altLang="ja-JP" sz="1600" dirty="0" err="1">
-                <a:latin typeface="Times New Roman" panose="02020603050405020304" pitchFamily="18" charset="0"/>
-                <a:cs typeface="Times New Roman" panose="02020603050405020304" pitchFamily="18" charset="0"/>
-              </a:rPr>
-              <a:t>không</a:t>
-            </a:r>
-            <a:r>
-              <a:rPr lang="en-US" altLang="ja-JP" sz="1600" dirty="0">
-                <a:latin typeface="Times New Roman" panose="02020603050405020304" pitchFamily="18" charset="0"/>
-                <a:cs typeface="Times New Roman" panose="02020603050405020304" pitchFamily="18" charset="0"/>
-              </a:rPr>
-              <a:t> </a:t>
-            </a:r>
-            <a:r>
-              <a:rPr lang="en-US" altLang="ja-JP" sz="1600" dirty="0" err="1">
+              <a:rPr lang="en-US" sz="1800" dirty="0" smtClean="0">
+                <a:latin typeface="Times New Roman" panose="02020603050405020304" pitchFamily="18" charset="0"/>
+                <a:cs typeface="Times New Roman" panose="02020603050405020304" pitchFamily="18" charset="0"/>
+              </a:rPr>
+              <a:t> </a:t>
+            </a:r>
+            <a:r>
+              <a:rPr lang="en-US" sz="1800" dirty="0" err="1" smtClean="0">
+                <a:latin typeface="Times New Roman" panose="02020603050405020304" pitchFamily="18" charset="0"/>
+                <a:cs typeface="Times New Roman" panose="02020603050405020304" pitchFamily="18" charset="0"/>
+              </a:rPr>
+              <a:t>các</a:t>
+            </a:r>
+            <a:r>
+              <a:rPr lang="en-US" sz="1800" dirty="0" smtClean="0">
+                <a:latin typeface="Times New Roman" panose="02020603050405020304" pitchFamily="18" charset="0"/>
+                <a:cs typeface="Times New Roman" panose="02020603050405020304" pitchFamily="18" charset="0"/>
+              </a:rPr>
+              <a:t> </a:t>
+            </a:r>
+            <a:r>
+              <a:rPr lang="en-US" sz="1800" dirty="0" err="1" smtClean="0">
+                <a:latin typeface="Times New Roman" panose="02020603050405020304" pitchFamily="18" charset="0"/>
+                <a:cs typeface="Times New Roman" panose="02020603050405020304" pitchFamily="18" charset="0"/>
+              </a:rPr>
+              <a:t>phím</a:t>
+            </a:r>
+            <a:r>
+              <a:rPr lang="en-US" sz="1800" dirty="0" smtClean="0">
+                <a:latin typeface="Times New Roman" panose="02020603050405020304" pitchFamily="18" charset="0"/>
+                <a:cs typeface="Times New Roman" panose="02020603050405020304" pitchFamily="18" charset="0"/>
+              </a:rPr>
+              <a:t> </a:t>
+            </a:r>
+            <a:r>
+              <a:rPr lang="en-US" sz="1800" dirty="0" err="1" smtClean="0">
+                <a:latin typeface="Times New Roman" panose="02020603050405020304" pitchFamily="18" charset="0"/>
+                <a:cs typeface="Times New Roman" panose="02020603050405020304" pitchFamily="18" charset="0"/>
+              </a:rPr>
+              <a:t>tắt</a:t>
+            </a:r>
+            <a:r>
+              <a:rPr lang="en-US" sz="1800" dirty="0" smtClean="0">
+                <a:latin typeface="Times New Roman" panose="02020603050405020304" pitchFamily="18" charset="0"/>
+                <a:cs typeface="Times New Roman" panose="02020603050405020304" pitchFamily="18" charset="0"/>
+              </a:rPr>
+              <a:t>.</a:t>
+            </a:r>
+          </a:p>
+          <a:p>
+            <a:pPr marL="0" indent="0">
+              <a:buNone/>
+            </a:pPr>
+            <a:r>
+              <a:rPr lang="en-US" sz="1800" dirty="0">
+                <a:latin typeface="Times New Roman" panose="02020603050405020304" pitchFamily="18" charset="0"/>
+                <a:cs typeface="Times New Roman" panose="02020603050405020304" pitchFamily="18" charset="0"/>
+              </a:rPr>
+              <a:t> </a:t>
+            </a:r>
+            <a:r>
+              <a:rPr lang="en-US" sz="1800" dirty="0" smtClean="0">
+                <a:latin typeface="Times New Roman" panose="02020603050405020304" pitchFamily="18" charset="0"/>
+                <a:cs typeface="Times New Roman" panose="02020603050405020304" pitchFamily="18" charset="0"/>
+              </a:rPr>
+              <a:t>                  3. User </a:t>
+            </a:r>
+            <a:r>
+              <a:rPr lang="en-US" sz="1800" dirty="0" err="1" smtClean="0">
+                <a:latin typeface="Times New Roman" panose="02020603050405020304" pitchFamily="18" charset="0"/>
+                <a:cs typeface="Times New Roman" panose="02020603050405020304" pitchFamily="18" charset="0"/>
+              </a:rPr>
+              <a:t>có</a:t>
+            </a:r>
+            <a:r>
+              <a:rPr lang="en-US" sz="1800" dirty="0" smtClean="0">
+                <a:latin typeface="Times New Roman" panose="02020603050405020304" pitchFamily="18" charset="0"/>
+                <a:cs typeface="Times New Roman" panose="02020603050405020304" pitchFamily="18" charset="0"/>
+              </a:rPr>
+              <a:t> </a:t>
+            </a:r>
+            <a:r>
+              <a:rPr lang="en-US" sz="1800" dirty="0" err="1" smtClean="0">
                 <a:latin typeface="Times New Roman" panose="02020603050405020304" pitchFamily="18" charset="0"/>
                 <a:cs typeface="Times New Roman" panose="02020603050405020304" pitchFamily="18" charset="0"/>
               </a:rPr>
               <a:t>thể</a:t>
             </a:r>
             <a:r>
-              <a:rPr lang="en-US" altLang="ja-JP" sz="1600" dirty="0">
-                <a:latin typeface="Times New Roman" panose="02020603050405020304" pitchFamily="18" charset="0"/>
-                <a:cs typeface="Times New Roman" panose="02020603050405020304" pitchFamily="18" charset="0"/>
-              </a:rPr>
-              <a:t> </a:t>
-            </a:r>
-            <a:r>
-              <a:rPr lang="en-US" altLang="ja-JP" sz="1600" dirty="0" err="1">
-                <a:latin typeface="Times New Roman" panose="02020603050405020304" pitchFamily="18" charset="0"/>
-                <a:cs typeface="Times New Roman" panose="02020603050405020304" pitchFamily="18" charset="0"/>
-              </a:rPr>
-              <a:t>điều</a:t>
-            </a:r>
-            <a:r>
-              <a:rPr lang="en-US" altLang="ja-JP" sz="1600" dirty="0">
-                <a:latin typeface="Times New Roman" panose="02020603050405020304" pitchFamily="18" charset="0"/>
-                <a:cs typeface="Times New Roman" panose="02020603050405020304" pitchFamily="18" charset="0"/>
-              </a:rPr>
-              <a:t> </a:t>
-            </a:r>
-            <a:r>
-              <a:rPr lang="en-US" altLang="ja-JP" sz="1600" dirty="0" err="1">
-                <a:latin typeface="Times New Roman" panose="02020603050405020304" pitchFamily="18" charset="0"/>
-                <a:cs typeface="Times New Roman" panose="02020603050405020304" pitchFamily="18" charset="0"/>
-              </a:rPr>
-              <a:t>khiển</a:t>
-            </a:r>
-            <a:r>
-              <a:rPr lang="en-US" altLang="ja-JP" sz="1600" dirty="0">
-                <a:latin typeface="Times New Roman" panose="02020603050405020304" pitchFamily="18" charset="0"/>
-                <a:cs typeface="Times New Roman" panose="02020603050405020304" pitchFamily="18" charset="0"/>
-              </a:rPr>
-              <a:t> </a:t>
-            </a:r>
-            <a:r>
-              <a:rPr lang="en-US" altLang="ja-JP" sz="1600" dirty="0" err="1">
-                <a:latin typeface="Times New Roman" panose="02020603050405020304" pitchFamily="18" charset="0"/>
-                <a:cs typeface="Times New Roman" panose="02020603050405020304" pitchFamily="18" charset="0"/>
-              </a:rPr>
-              <a:t>màn</a:t>
-            </a:r>
-            <a:r>
-              <a:rPr lang="en-US" altLang="ja-JP" sz="1600" dirty="0">
-                <a:latin typeface="Times New Roman" panose="02020603050405020304" pitchFamily="18" charset="0"/>
-                <a:cs typeface="Times New Roman" panose="02020603050405020304" pitchFamily="18" charset="0"/>
-              </a:rPr>
-              <a:t> </a:t>
-            </a:r>
-            <a:r>
-              <a:rPr lang="en-US" altLang="ja-JP" sz="1600" dirty="0" err="1">
-                <a:latin typeface="Times New Roman" panose="02020603050405020304" pitchFamily="18" charset="0"/>
-                <a:cs typeface="Times New Roman" panose="02020603050405020304" pitchFamily="18" charset="0"/>
-              </a:rPr>
-              <a:t>hình</a:t>
-            </a:r>
-            <a:r>
-              <a:rPr lang="en-US" altLang="ja-JP" sz="1600" dirty="0">
-                <a:latin typeface="Times New Roman" panose="02020603050405020304" pitchFamily="18" charset="0"/>
-                <a:cs typeface="Times New Roman" panose="02020603050405020304" pitchFamily="18" charset="0"/>
-              </a:rPr>
-              <a:t> </a:t>
-            </a:r>
-            <a:endParaRPr lang="en-US" sz="1600" b="1" dirty="0">
+              <a:rPr lang="en-US" sz="1800" dirty="0" smtClean="0">
+                <a:latin typeface="Times New Roman" panose="02020603050405020304" pitchFamily="18" charset="0"/>
+                <a:cs typeface="Times New Roman" panose="02020603050405020304" pitchFamily="18" charset="0"/>
+              </a:rPr>
+              <a:t> </a:t>
+            </a:r>
+            <a:r>
+              <a:rPr lang="en-US" sz="1800" dirty="0" err="1" smtClean="0">
+                <a:latin typeface="Times New Roman" panose="02020603050405020304" pitchFamily="18" charset="0"/>
+                <a:cs typeface="Times New Roman" panose="02020603050405020304" pitchFamily="18" charset="0"/>
+              </a:rPr>
+              <a:t>quan</a:t>
+            </a:r>
+            <a:r>
+              <a:rPr lang="en-US" sz="1800" dirty="0" smtClean="0">
+                <a:latin typeface="Times New Roman" panose="02020603050405020304" pitchFamily="18" charset="0"/>
+                <a:cs typeface="Times New Roman" panose="02020603050405020304" pitchFamily="18" charset="0"/>
+              </a:rPr>
+              <a:t> </a:t>
+            </a:r>
+            <a:r>
+              <a:rPr lang="en-US" sz="1800" dirty="0" err="1" smtClean="0">
+                <a:latin typeface="Times New Roman" panose="02020603050405020304" pitchFamily="18" charset="0"/>
+                <a:cs typeface="Times New Roman" panose="02020603050405020304" pitchFamily="18" charset="0"/>
+              </a:rPr>
+              <a:t>sát</a:t>
+            </a:r>
+            <a:r>
+              <a:rPr lang="en-US" sz="1800" dirty="0" smtClean="0">
+                <a:latin typeface="Times New Roman" panose="02020603050405020304" pitchFamily="18" charset="0"/>
+                <a:cs typeface="Times New Roman" panose="02020603050405020304" pitchFamily="18" charset="0"/>
+              </a:rPr>
+              <a:t> di </a:t>
+            </a:r>
+            <a:r>
+              <a:rPr lang="en-US" sz="1800" dirty="0" err="1" smtClean="0">
+                <a:latin typeface="Times New Roman" panose="02020603050405020304" pitchFamily="18" charset="0"/>
+                <a:cs typeface="Times New Roman" panose="02020603050405020304" pitchFamily="18" charset="0"/>
+              </a:rPr>
+              <a:t>chuyển</a:t>
+            </a:r>
+            <a:r>
+              <a:rPr lang="en-US" sz="1800" dirty="0" smtClean="0">
+                <a:latin typeface="Times New Roman" panose="02020603050405020304" pitchFamily="18" charset="0"/>
+                <a:cs typeface="Times New Roman" panose="02020603050405020304" pitchFamily="18" charset="0"/>
+              </a:rPr>
+              <a:t> </a:t>
+            </a:r>
+            <a:r>
+              <a:rPr lang="en-US" sz="1800" dirty="0" err="1" smtClean="0">
+                <a:latin typeface="Times New Roman" panose="02020603050405020304" pitchFamily="18" charset="0"/>
+                <a:cs typeface="Times New Roman" panose="02020603050405020304" pitchFamily="18" charset="0"/>
+              </a:rPr>
+              <a:t>và</a:t>
+            </a:r>
+            <a:r>
+              <a:rPr lang="en-US" sz="1800" dirty="0" smtClean="0">
+                <a:latin typeface="Times New Roman" panose="02020603050405020304" pitchFamily="18" charset="0"/>
+                <a:cs typeface="Times New Roman" panose="02020603050405020304" pitchFamily="18" charset="0"/>
+              </a:rPr>
+              <a:t> </a:t>
+            </a:r>
+            <a:r>
+              <a:rPr lang="en-US" sz="1800" dirty="0" err="1" smtClean="0">
+                <a:latin typeface="Times New Roman" panose="02020603050405020304" pitchFamily="18" charset="0"/>
+                <a:cs typeface="Times New Roman" panose="02020603050405020304" pitchFamily="18" charset="0"/>
+              </a:rPr>
+              <a:t>hành</a:t>
+            </a:r>
+            <a:r>
+              <a:rPr lang="en-US" sz="1800" dirty="0" smtClean="0">
+                <a:latin typeface="Times New Roman" panose="02020603050405020304" pitchFamily="18" charset="0"/>
+                <a:cs typeface="Times New Roman" panose="02020603050405020304" pitchFamily="18" charset="0"/>
+              </a:rPr>
+              <a:t> </a:t>
+            </a:r>
+            <a:r>
+              <a:rPr lang="en-US" sz="1800" dirty="0" err="1" smtClean="0">
+                <a:latin typeface="Times New Roman" panose="02020603050405020304" pitchFamily="18" charset="0"/>
+                <a:cs typeface="Times New Roman" panose="02020603050405020304" pitchFamily="18" charset="0"/>
+              </a:rPr>
+              <a:t>động</a:t>
+            </a:r>
+            <a:r>
+              <a:rPr lang="en-US" sz="1800" dirty="0" smtClean="0">
+                <a:latin typeface="Times New Roman" panose="02020603050405020304" pitchFamily="18" charset="0"/>
+                <a:cs typeface="Times New Roman" panose="02020603050405020304" pitchFamily="18" charset="0"/>
+              </a:rPr>
+              <a:t> </a:t>
+            </a:r>
+            <a:r>
+              <a:rPr lang="en-US" sz="1800" dirty="0" err="1" smtClean="0">
+                <a:latin typeface="Times New Roman" panose="02020603050405020304" pitchFamily="18" charset="0"/>
+                <a:cs typeface="Times New Roman" panose="02020603050405020304" pitchFamily="18" charset="0"/>
+              </a:rPr>
+              <a:t>của</a:t>
+            </a:r>
+            <a:r>
+              <a:rPr lang="en-US" sz="1800" dirty="0" smtClean="0">
+                <a:latin typeface="Times New Roman" panose="02020603050405020304" pitchFamily="18" charset="0"/>
+                <a:cs typeface="Times New Roman" panose="02020603050405020304" pitchFamily="18" charset="0"/>
+              </a:rPr>
+              <a:t> robot ở </a:t>
+            </a:r>
+            <a:r>
+              <a:rPr lang="en-US" sz="1800" dirty="0" err="1" smtClean="0">
+                <a:latin typeface="Times New Roman" panose="02020603050405020304" pitchFamily="18" charset="0"/>
+                <a:cs typeface="Times New Roman" panose="02020603050405020304" pitchFamily="18" charset="0"/>
+              </a:rPr>
+              <a:t>khu</a:t>
+            </a:r>
+            <a:r>
+              <a:rPr lang="en-US" sz="1800" dirty="0" smtClean="0">
+                <a:latin typeface="Times New Roman" panose="02020603050405020304" pitchFamily="18" charset="0"/>
+                <a:cs typeface="Times New Roman" panose="02020603050405020304" pitchFamily="18" charset="0"/>
+              </a:rPr>
+              <a:t> </a:t>
+            </a:r>
+            <a:r>
+              <a:rPr lang="en-US" sz="1800" dirty="0" err="1" smtClean="0">
+                <a:latin typeface="Times New Roman" panose="02020603050405020304" pitchFamily="18" charset="0"/>
+                <a:cs typeface="Times New Roman" panose="02020603050405020304" pitchFamily="18" charset="0"/>
+              </a:rPr>
+              <a:t>vực</a:t>
+            </a:r>
+            <a:r>
+              <a:rPr lang="en-US" sz="1800" dirty="0" smtClean="0">
+                <a:latin typeface="Times New Roman" panose="02020603050405020304" pitchFamily="18" charset="0"/>
+                <a:cs typeface="Times New Roman" panose="02020603050405020304" pitchFamily="18" charset="0"/>
+              </a:rPr>
+              <a:t> [Camera Stream]</a:t>
+            </a:r>
+            <a:endParaRPr lang="en-US" sz="1800" dirty="0">
               <a:latin typeface="Times New Roman" panose="02020603050405020304" pitchFamily="18" charset="0"/>
               <a:cs typeface="Times New Roman" panose="02020603050405020304" pitchFamily="18" charset="0"/>
             </a:endParaRPr>
           </a:p>
+          <a:p>
+            <a:pPr marL="0" indent="0">
+              <a:buNone/>
+            </a:pPr>
+            <a:r>
+              <a:rPr lang="en-US" sz="1800" dirty="0" smtClean="0">
+                <a:latin typeface="Times New Roman" panose="02020603050405020304" pitchFamily="18" charset="0"/>
+                <a:cs typeface="Times New Roman" panose="02020603050405020304" pitchFamily="18" charset="0"/>
+              </a:rPr>
+              <a:t>                   4. </a:t>
+            </a:r>
+            <a:r>
+              <a:rPr lang="en-US" sz="1800" dirty="0" err="1" smtClean="0">
+                <a:latin typeface="Times New Roman" panose="02020603050405020304" pitchFamily="18" charset="0"/>
+                <a:cs typeface="Times New Roman" panose="02020603050405020304" pitchFamily="18" charset="0"/>
+              </a:rPr>
+              <a:t>Thời</a:t>
+            </a:r>
+            <a:r>
+              <a:rPr lang="en-US" sz="1800" dirty="0" smtClean="0">
+                <a:latin typeface="Times New Roman" panose="02020603050405020304" pitchFamily="18" charset="0"/>
+                <a:cs typeface="Times New Roman" panose="02020603050405020304" pitchFamily="18" charset="0"/>
+              </a:rPr>
+              <a:t> </a:t>
+            </a:r>
+            <a:r>
+              <a:rPr lang="en-US" sz="1800" dirty="0" err="1" smtClean="0">
+                <a:latin typeface="Times New Roman" panose="02020603050405020304" pitchFamily="18" charset="0"/>
+                <a:cs typeface="Times New Roman" panose="02020603050405020304" pitchFamily="18" charset="0"/>
+              </a:rPr>
+              <a:t>gian</a:t>
+            </a:r>
+            <a:r>
+              <a:rPr lang="en-US" sz="1800" dirty="0" smtClean="0">
+                <a:latin typeface="Times New Roman" panose="02020603050405020304" pitchFamily="18" charset="0"/>
+                <a:cs typeface="Times New Roman" panose="02020603050405020304" pitchFamily="18" charset="0"/>
+              </a:rPr>
+              <a:t> </a:t>
+            </a:r>
+            <a:r>
+              <a:rPr lang="en-US" sz="1800" dirty="0" err="1" smtClean="0">
+                <a:latin typeface="Times New Roman" panose="02020603050405020304" pitchFamily="18" charset="0"/>
+                <a:cs typeface="Times New Roman" panose="02020603050405020304" pitchFamily="18" charset="0"/>
+              </a:rPr>
+              <a:t>tối</a:t>
+            </a:r>
+            <a:r>
+              <a:rPr lang="en-US" sz="1800" dirty="0" smtClean="0">
+                <a:latin typeface="Times New Roman" panose="02020603050405020304" pitchFamily="18" charset="0"/>
+                <a:cs typeface="Times New Roman" panose="02020603050405020304" pitchFamily="18" charset="0"/>
+              </a:rPr>
+              <a:t> </a:t>
+            </a:r>
+            <a:r>
+              <a:rPr lang="en-US" sz="1800" dirty="0" err="1" smtClean="0">
+                <a:latin typeface="Times New Roman" panose="02020603050405020304" pitchFamily="18" charset="0"/>
+                <a:cs typeface="Times New Roman" panose="02020603050405020304" pitchFamily="18" charset="0"/>
+              </a:rPr>
+              <a:t>đa</a:t>
+            </a:r>
+            <a:r>
+              <a:rPr lang="en-US" sz="1800" dirty="0" smtClean="0">
+                <a:latin typeface="Times New Roman" panose="02020603050405020304" pitchFamily="18" charset="0"/>
+                <a:cs typeface="Times New Roman" panose="02020603050405020304" pitchFamily="18" charset="0"/>
+              </a:rPr>
+              <a:t> </a:t>
+            </a:r>
+            <a:r>
+              <a:rPr lang="en-US" sz="1800" dirty="0" err="1" smtClean="0">
+                <a:latin typeface="Times New Roman" panose="02020603050405020304" pitchFamily="18" charset="0"/>
+                <a:cs typeface="Times New Roman" panose="02020603050405020304" pitchFamily="18" charset="0"/>
+              </a:rPr>
+              <a:t>được</a:t>
+            </a:r>
+            <a:r>
+              <a:rPr lang="en-US" sz="1800" dirty="0" smtClean="0">
+                <a:latin typeface="Times New Roman" panose="02020603050405020304" pitchFamily="18" charset="0"/>
+                <a:cs typeface="Times New Roman" panose="02020603050405020304" pitchFamily="18" charset="0"/>
+              </a:rPr>
+              <a:t> </a:t>
+            </a:r>
+            <a:r>
+              <a:rPr lang="en-US" sz="1800" dirty="0" err="1" smtClean="0">
+                <a:latin typeface="Times New Roman" panose="02020603050405020304" pitchFamily="18" charset="0"/>
+                <a:cs typeface="Times New Roman" panose="02020603050405020304" pitchFamily="18" charset="0"/>
+              </a:rPr>
+              <a:t>phép</a:t>
+            </a:r>
+            <a:r>
+              <a:rPr lang="en-US" sz="1800" dirty="0" smtClean="0">
+                <a:latin typeface="Times New Roman" panose="02020603050405020304" pitchFamily="18" charset="0"/>
+                <a:cs typeface="Times New Roman" panose="02020603050405020304" pitchFamily="18" charset="0"/>
+              </a:rPr>
+              <a:t> </a:t>
+            </a:r>
+            <a:r>
+              <a:rPr lang="en-US" sz="1800" dirty="0" err="1" smtClean="0">
+                <a:latin typeface="Times New Roman" panose="02020603050405020304" pitchFamily="18" charset="0"/>
+                <a:cs typeface="Times New Roman" panose="02020603050405020304" pitchFamily="18" charset="0"/>
+              </a:rPr>
+              <a:t>sử</a:t>
+            </a:r>
+            <a:r>
+              <a:rPr lang="en-US" sz="1800" dirty="0" smtClean="0">
+                <a:latin typeface="Times New Roman" panose="02020603050405020304" pitchFamily="18" charset="0"/>
+                <a:cs typeface="Times New Roman" panose="02020603050405020304" pitchFamily="18" charset="0"/>
+              </a:rPr>
+              <a:t> </a:t>
+            </a:r>
+            <a:r>
+              <a:rPr lang="en-US" sz="1800" dirty="0" err="1" smtClean="0">
+                <a:latin typeface="Times New Roman" panose="02020603050405020304" pitchFamily="18" charset="0"/>
+                <a:cs typeface="Times New Roman" panose="02020603050405020304" pitchFamily="18" charset="0"/>
+              </a:rPr>
+              <a:t>dụng</a:t>
+            </a:r>
+            <a:r>
+              <a:rPr lang="en-US" sz="1800" dirty="0" smtClean="0">
+                <a:latin typeface="Times New Roman" panose="02020603050405020304" pitchFamily="18" charset="0"/>
+                <a:cs typeface="Times New Roman" panose="02020603050405020304" pitchFamily="18" charset="0"/>
+              </a:rPr>
+              <a:t> Page Control </a:t>
+            </a:r>
+            <a:r>
+              <a:rPr lang="en-US" sz="1800" dirty="0" err="1" smtClean="0">
+                <a:latin typeface="Times New Roman" panose="02020603050405020304" pitchFamily="18" charset="0"/>
+                <a:cs typeface="Times New Roman" panose="02020603050405020304" pitchFamily="18" charset="0"/>
+              </a:rPr>
+              <a:t>là</a:t>
+            </a:r>
+            <a:r>
+              <a:rPr lang="en-US" sz="1800" dirty="0" smtClean="0">
+                <a:latin typeface="Times New Roman" panose="02020603050405020304" pitchFamily="18" charset="0"/>
+                <a:cs typeface="Times New Roman" panose="02020603050405020304" pitchFamily="18" charset="0"/>
+              </a:rPr>
+              <a:t> 10 </a:t>
+            </a:r>
+            <a:r>
+              <a:rPr lang="en-US" sz="1800" dirty="0" err="1" smtClean="0">
+                <a:latin typeface="Times New Roman" panose="02020603050405020304" pitchFamily="18" charset="0"/>
+                <a:cs typeface="Times New Roman" panose="02020603050405020304" pitchFamily="18" charset="0"/>
+              </a:rPr>
+              <a:t>phút</a:t>
+            </a:r>
+            <a:r>
+              <a:rPr lang="en-US" sz="1800" dirty="0" smtClean="0">
+                <a:latin typeface="Times New Roman" panose="02020603050405020304" pitchFamily="18" charset="0"/>
+                <a:cs typeface="Times New Roman" panose="02020603050405020304" pitchFamily="18" charset="0"/>
+              </a:rPr>
+              <a:t>. </a:t>
+            </a:r>
+            <a:r>
+              <a:rPr lang="en-US" sz="1800" dirty="0" err="1" smtClean="0">
+                <a:latin typeface="Times New Roman" panose="02020603050405020304" pitchFamily="18" charset="0"/>
+                <a:cs typeface="Times New Roman" panose="02020603050405020304" pitchFamily="18" charset="0"/>
+              </a:rPr>
+              <a:t>Sau</a:t>
+            </a:r>
+            <a:r>
+              <a:rPr lang="en-US" sz="1800" dirty="0" smtClean="0">
+                <a:latin typeface="Times New Roman" panose="02020603050405020304" pitchFamily="18" charset="0"/>
+                <a:cs typeface="Times New Roman" panose="02020603050405020304" pitchFamily="18" charset="0"/>
+              </a:rPr>
+              <a:t> 10 </a:t>
+            </a:r>
+            <a:r>
+              <a:rPr lang="en-US" sz="1800" dirty="0" err="1" smtClean="0">
+                <a:latin typeface="Times New Roman" panose="02020603050405020304" pitchFamily="18" charset="0"/>
+                <a:cs typeface="Times New Roman" panose="02020603050405020304" pitchFamily="18" charset="0"/>
+              </a:rPr>
+              <a:t>phút</a:t>
+            </a:r>
+            <a:r>
+              <a:rPr lang="en-US" sz="1800" dirty="0" smtClean="0">
+                <a:latin typeface="Times New Roman" panose="02020603050405020304" pitchFamily="18" charset="0"/>
+                <a:cs typeface="Times New Roman" panose="02020603050405020304" pitchFamily="18" charset="0"/>
+              </a:rPr>
+              <a:t> </a:t>
+            </a:r>
+            <a:r>
+              <a:rPr lang="en-US" sz="1800" dirty="0" err="1" smtClean="0">
+                <a:latin typeface="Times New Roman" panose="02020603050405020304" pitchFamily="18" charset="0"/>
+                <a:cs typeface="Times New Roman" panose="02020603050405020304" pitchFamily="18" charset="0"/>
+              </a:rPr>
+              <a:t>sẽ</a:t>
+            </a:r>
+            <a:r>
+              <a:rPr lang="en-US" sz="1800" dirty="0" smtClean="0">
+                <a:latin typeface="Times New Roman" panose="02020603050405020304" pitchFamily="18" charset="0"/>
+                <a:cs typeface="Times New Roman" panose="02020603050405020304" pitchFamily="18" charset="0"/>
+              </a:rPr>
+              <a:t> </a:t>
+            </a:r>
+            <a:r>
+              <a:rPr lang="en-US" sz="1800" dirty="0" err="1" smtClean="0">
+                <a:latin typeface="Times New Roman" panose="02020603050405020304" pitchFamily="18" charset="0"/>
+                <a:cs typeface="Times New Roman" panose="02020603050405020304" pitchFamily="18" charset="0"/>
+              </a:rPr>
+              <a:t>tự</a:t>
+            </a:r>
+            <a:r>
+              <a:rPr lang="en-US" sz="1800" dirty="0" smtClean="0">
+                <a:latin typeface="Times New Roman" panose="02020603050405020304" pitchFamily="18" charset="0"/>
+                <a:cs typeface="Times New Roman" panose="02020603050405020304" pitchFamily="18" charset="0"/>
+              </a:rPr>
+              <a:t> </a:t>
+            </a:r>
+            <a:r>
+              <a:rPr lang="en-US" sz="1800" dirty="0" err="1" smtClean="0">
+                <a:latin typeface="Times New Roman" panose="02020603050405020304" pitchFamily="18" charset="0"/>
+                <a:cs typeface="Times New Roman" panose="02020603050405020304" pitchFamily="18" charset="0"/>
+              </a:rPr>
+              <a:t>động</a:t>
+            </a:r>
+            <a:r>
+              <a:rPr lang="en-US" sz="1800" dirty="0" smtClean="0">
+                <a:latin typeface="Times New Roman" panose="02020603050405020304" pitchFamily="18" charset="0"/>
+                <a:cs typeface="Times New Roman" panose="02020603050405020304" pitchFamily="18" charset="0"/>
+              </a:rPr>
+              <a:t> logout user</a:t>
+            </a:r>
+          </a:p>
+          <a:p>
+            <a:pPr marL="0" indent="0">
+              <a:buNone/>
+            </a:pPr>
+            <a:r>
+              <a:rPr lang="en-US" sz="1800" dirty="0">
+                <a:latin typeface="Times New Roman" panose="02020603050405020304" pitchFamily="18" charset="0"/>
+                <a:cs typeface="Times New Roman" panose="02020603050405020304" pitchFamily="18" charset="0"/>
+              </a:rPr>
+              <a:t> </a:t>
+            </a:r>
+            <a:r>
+              <a:rPr lang="en-US" sz="1800" dirty="0" smtClean="0">
+                <a:latin typeface="Times New Roman" panose="02020603050405020304" pitchFamily="18" charset="0"/>
+                <a:cs typeface="Times New Roman" panose="02020603050405020304" pitchFamily="18" charset="0"/>
+              </a:rPr>
+              <a:t>                  5. User </a:t>
+            </a:r>
+            <a:r>
+              <a:rPr lang="en-US" sz="1800" dirty="0" err="1" smtClean="0">
+                <a:latin typeface="Times New Roman" panose="02020603050405020304" pitchFamily="18" charset="0"/>
+                <a:cs typeface="Times New Roman" panose="02020603050405020304" pitchFamily="18" charset="0"/>
+              </a:rPr>
+              <a:t>có</a:t>
+            </a:r>
+            <a:r>
+              <a:rPr lang="en-US" sz="1800" dirty="0" smtClean="0">
+                <a:latin typeface="Times New Roman" panose="02020603050405020304" pitchFamily="18" charset="0"/>
+                <a:cs typeface="Times New Roman" panose="02020603050405020304" pitchFamily="18" charset="0"/>
+              </a:rPr>
+              <a:t> </a:t>
+            </a:r>
+            <a:r>
+              <a:rPr lang="en-US" sz="1800" dirty="0" err="1" smtClean="0">
+                <a:latin typeface="Times New Roman" panose="02020603050405020304" pitchFamily="18" charset="0"/>
+                <a:cs typeface="Times New Roman" panose="02020603050405020304" pitchFamily="18" charset="0"/>
+              </a:rPr>
+              <a:t>thể</a:t>
+            </a:r>
+            <a:r>
+              <a:rPr lang="en-US" sz="1800" dirty="0" smtClean="0">
+                <a:latin typeface="Times New Roman" panose="02020603050405020304" pitchFamily="18" charset="0"/>
+                <a:cs typeface="Times New Roman" panose="02020603050405020304" pitchFamily="18" charset="0"/>
+              </a:rPr>
+              <a:t> </a:t>
+            </a:r>
+            <a:r>
+              <a:rPr lang="en-US" sz="1800" dirty="0" err="1" smtClean="0">
+                <a:latin typeface="Times New Roman" panose="02020603050405020304" pitchFamily="18" charset="0"/>
+                <a:cs typeface="Times New Roman" panose="02020603050405020304" pitchFamily="18" charset="0"/>
+              </a:rPr>
+              <a:t>rời</a:t>
+            </a:r>
+            <a:r>
+              <a:rPr lang="en-US" sz="1800" dirty="0" smtClean="0">
+                <a:latin typeface="Times New Roman" panose="02020603050405020304" pitchFamily="18" charset="0"/>
+                <a:cs typeface="Times New Roman" panose="02020603050405020304" pitchFamily="18" charset="0"/>
+              </a:rPr>
+              <a:t> Page Control </a:t>
+            </a:r>
+            <a:r>
+              <a:rPr lang="en-US" sz="1800" dirty="0" err="1" smtClean="0">
+                <a:latin typeface="Times New Roman" panose="02020603050405020304" pitchFamily="18" charset="0"/>
+                <a:cs typeface="Times New Roman" panose="02020603050405020304" pitchFamily="18" charset="0"/>
+              </a:rPr>
+              <a:t>sớm</a:t>
+            </a:r>
+            <a:r>
+              <a:rPr lang="en-US" sz="1800" dirty="0" smtClean="0">
+                <a:latin typeface="Times New Roman" panose="02020603050405020304" pitchFamily="18" charset="0"/>
+                <a:cs typeface="Times New Roman" panose="02020603050405020304" pitchFamily="18" charset="0"/>
+              </a:rPr>
+              <a:t> </a:t>
+            </a:r>
+            <a:r>
+              <a:rPr lang="en-US" sz="1800" dirty="0" err="1" smtClean="0">
+                <a:latin typeface="Times New Roman" panose="02020603050405020304" pitchFamily="18" charset="0"/>
+                <a:cs typeface="Times New Roman" panose="02020603050405020304" pitchFamily="18" charset="0"/>
+              </a:rPr>
+              <a:t>hơn</a:t>
+            </a:r>
+            <a:r>
+              <a:rPr lang="en-US" sz="1800" dirty="0" smtClean="0">
+                <a:latin typeface="Times New Roman" panose="02020603050405020304" pitchFamily="18" charset="0"/>
+                <a:cs typeface="Times New Roman" panose="02020603050405020304" pitchFamily="18" charset="0"/>
+              </a:rPr>
+              <a:t> </a:t>
+            </a:r>
+            <a:r>
+              <a:rPr lang="en-US" sz="1800" dirty="0" err="1" smtClean="0">
+                <a:latin typeface="Times New Roman" panose="02020603050405020304" pitchFamily="18" charset="0"/>
+                <a:cs typeface="Times New Roman" panose="02020603050405020304" pitchFamily="18" charset="0"/>
+              </a:rPr>
+              <a:t>bằng</a:t>
+            </a:r>
+            <a:r>
+              <a:rPr lang="en-US" sz="1800" dirty="0" smtClean="0">
+                <a:latin typeface="Times New Roman" panose="02020603050405020304" pitchFamily="18" charset="0"/>
+                <a:cs typeface="Times New Roman" panose="02020603050405020304" pitchFamily="18" charset="0"/>
+              </a:rPr>
+              <a:t> </a:t>
+            </a:r>
+            <a:r>
+              <a:rPr lang="en-US" sz="1800" dirty="0" err="1" smtClean="0">
+                <a:latin typeface="Times New Roman" panose="02020603050405020304" pitchFamily="18" charset="0"/>
+                <a:cs typeface="Times New Roman" panose="02020603050405020304" pitchFamily="18" charset="0"/>
+              </a:rPr>
+              <a:t>cách</a:t>
+            </a:r>
+            <a:r>
+              <a:rPr lang="en-US" sz="1800" dirty="0" smtClean="0">
+                <a:latin typeface="Times New Roman" panose="02020603050405020304" pitchFamily="18" charset="0"/>
+                <a:cs typeface="Times New Roman" panose="02020603050405020304" pitchFamily="18" charset="0"/>
+              </a:rPr>
+              <a:t> click button [Out Room] </a:t>
+            </a:r>
+            <a:r>
+              <a:rPr lang="en-US" sz="1800" dirty="0" err="1" smtClean="0">
+                <a:latin typeface="Times New Roman" panose="02020603050405020304" pitchFamily="18" charset="0"/>
+                <a:cs typeface="Times New Roman" panose="02020603050405020304" pitchFamily="18" charset="0"/>
+              </a:rPr>
+              <a:t>hoặc</a:t>
+            </a:r>
+            <a:r>
+              <a:rPr lang="en-US" sz="1800" dirty="0" smtClean="0">
+                <a:latin typeface="Times New Roman" panose="02020603050405020304" pitchFamily="18" charset="0"/>
+                <a:cs typeface="Times New Roman" panose="02020603050405020304" pitchFamily="18" charset="0"/>
+              </a:rPr>
+              <a:t> click [Logout]</a:t>
+            </a:r>
+          </a:p>
+          <a:p>
+            <a:pPr marL="0" indent="0">
+              <a:buNone/>
+            </a:pPr>
+            <a:r>
+              <a:rPr lang="en-US" sz="1800" dirty="0">
+                <a:latin typeface="Times New Roman" panose="02020603050405020304" pitchFamily="18" charset="0"/>
+                <a:cs typeface="Times New Roman" panose="02020603050405020304" pitchFamily="18" charset="0"/>
+              </a:rPr>
+              <a:t>	</a:t>
+            </a:r>
+            <a:r>
+              <a:rPr lang="en-US" sz="1800" dirty="0" smtClean="0">
+                <a:latin typeface="Times New Roman" panose="02020603050405020304" pitchFamily="18" charset="0"/>
+                <a:cs typeface="Times New Roman" panose="02020603050405020304" pitchFamily="18" charset="0"/>
+              </a:rPr>
+              <a:t>6. User </a:t>
+            </a:r>
+            <a:r>
+              <a:rPr lang="en-US" sz="1800" dirty="0" err="1" smtClean="0">
+                <a:latin typeface="Times New Roman" panose="02020603050405020304" pitchFamily="18" charset="0"/>
+                <a:cs typeface="Times New Roman" panose="02020603050405020304" pitchFamily="18" charset="0"/>
+              </a:rPr>
+              <a:t>có</a:t>
+            </a:r>
+            <a:r>
+              <a:rPr lang="en-US" sz="1800" dirty="0" smtClean="0">
+                <a:latin typeface="Times New Roman" panose="02020603050405020304" pitchFamily="18" charset="0"/>
+                <a:cs typeface="Times New Roman" panose="02020603050405020304" pitchFamily="18" charset="0"/>
+              </a:rPr>
+              <a:t> </a:t>
+            </a:r>
+            <a:r>
+              <a:rPr lang="en-US" sz="1800" dirty="0" err="1" smtClean="0">
+                <a:latin typeface="Times New Roman" panose="02020603050405020304" pitchFamily="18" charset="0"/>
+                <a:cs typeface="Times New Roman" panose="02020603050405020304" pitchFamily="18" charset="0"/>
+              </a:rPr>
+              <a:t>thể</a:t>
+            </a:r>
+            <a:r>
+              <a:rPr lang="en-US" sz="1800" dirty="0" smtClean="0">
+                <a:latin typeface="Times New Roman" panose="02020603050405020304" pitchFamily="18" charset="0"/>
+                <a:cs typeface="Times New Roman" panose="02020603050405020304" pitchFamily="18" charset="0"/>
+              </a:rPr>
+              <a:t> </a:t>
+            </a:r>
+            <a:r>
+              <a:rPr lang="en-US" sz="1800" dirty="0" err="1" smtClean="0">
+                <a:latin typeface="Times New Roman" panose="02020603050405020304" pitchFamily="18" charset="0"/>
+                <a:cs typeface="Times New Roman" panose="02020603050405020304" pitchFamily="18" charset="0"/>
+              </a:rPr>
+              <a:t>theo</a:t>
+            </a:r>
+            <a:r>
+              <a:rPr lang="en-US" sz="1800" dirty="0" smtClean="0">
+                <a:latin typeface="Times New Roman" panose="02020603050405020304" pitchFamily="18" charset="0"/>
+                <a:cs typeface="Times New Roman" panose="02020603050405020304" pitchFamily="18" charset="0"/>
+              </a:rPr>
+              <a:t> </a:t>
+            </a:r>
+            <a:r>
+              <a:rPr lang="en-US" sz="1800" dirty="0" err="1" smtClean="0">
+                <a:latin typeface="Times New Roman" panose="02020603050405020304" pitchFamily="18" charset="0"/>
+                <a:cs typeface="Times New Roman" panose="02020603050405020304" pitchFamily="18" charset="0"/>
+              </a:rPr>
+              <a:t>dõi</a:t>
+            </a:r>
+            <a:r>
+              <a:rPr lang="en-US" sz="1800" dirty="0" smtClean="0">
+                <a:latin typeface="Times New Roman" panose="02020603050405020304" pitchFamily="18" charset="0"/>
+                <a:cs typeface="Times New Roman" panose="02020603050405020304" pitchFamily="18" charset="0"/>
+              </a:rPr>
+              <a:t> Pin </a:t>
+            </a:r>
+            <a:r>
+              <a:rPr lang="en-US" sz="1800" dirty="0" err="1" smtClean="0">
+                <a:latin typeface="Times New Roman" panose="02020603050405020304" pitchFamily="18" charset="0"/>
+                <a:cs typeface="Times New Roman" panose="02020603050405020304" pitchFamily="18" charset="0"/>
+              </a:rPr>
+              <a:t>và</a:t>
+            </a:r>
+            <a:r>
+              <a:rPr lang="en-US" sz="1800" dirty="0" smtClean="0">
+                <a:latin typeface="Times New Roman" panose="02020603050405020304" pitchFamily="18" charset="0"/>
+                <a:cs typeface="Times New Roman" panose="02020603050405020304" pitchFamily="18" charset="0"/>
+              </a:rPr>
+              <a:t> </a:t>
+            </a:r>
+            <a:r>
+              <a:rPr lang="en-US" sz="1800" dirty="0" err="1" smtClean="0">
+                <a:latin typeface="Times New Roman" panose="02020603050405020304" pitchFamily="18" charset="0"/>
+                <a:cs typeface="Times New Roman" panose="02020603050405020304" pitchFamily="18" charset="0"/>
+              </a:rPr>
+              <a:t>Wifi</a:t>
+            </a:r>
+            <a:r>
+              <a:rPr lang="en-US" sz="1800" dirty="0" smtClean="0">
+                <a:latin typeface="Times New Roman" panose="02020603050405020304" pitchFamily="18" charset="0"/>
+                <a:cs typeface="Times New Roman" panose="02020603050405020304" pitchFamily="18" charset="0"/>
+              </a:rPr>
+              <a:t> </a:t>
+            </a:r>
+            <a:r>
+              <a:rPr lang="en-US" sz="1800" dirty="0" err="1" smtClean="0">
+                <a:latin typeface="Times New Roman" panose="02020603050405020304" pitchFamily="18" charset="0"/>
+                <a:cs typeface="Times New Roman" panose="02020603050405020304" pitchFamily="18" charset="0"/>
+              </a:rPr>
+              <a:t>của</a:t>
+            </a:r>
+            <a:r>
+              <a:rPr lang="en-US" sz="1800" dirty="0" smtClean="0">
+                <a:latin typeface="Times New Roman" panose="02020603050405020304" pitchFamily="18" charset="0"/>
+                <a:cs typeface="Times New Roman" panose="02020603050405020304" pitchFamily="18" charset="0"/>
+              </a:rPr>
+              <a:t> robot ở </a:t>
+            </a:r>
+            <a:r>
+              <a:rPr lang="en-US" sz="1800" dirty="0" err="1" smtClean="0">
+                <a:latin typeface="Times New Roman" panose="02020603050405020304" pitchFamily="18" charset="0"/>
+                <a:cs typeface="Times New Roman" panose="02020603050405020304" pitchFamily="18" charset="0"/>
+              </a:rPr>
+              <a:t>vùng</a:t>
+            </a:r>
+            <a:r>
+              <a:rPr lang="en-US" sz="1800" dirty="0" smtClean="0">
+                <a:latin typeface="Times New Roman" panose="02020603050405020304" pitchFamily="18" charset="0"/>
+                <a:cs typeface="Times New Roman" panose="02020603050405020304" pitchFamily="18" charset="0"/>
+              </a:rPr>
+              <a:t> [</a:t>
+            </a:r>
+            <a:r>
+              <a:rPr lang="en-US" sz="1800" dirty="0" err="1" smtClean="0">
+                <a:latin typeface="Times New Roman" panose="02020603050405020304" pitchFamily="18" charset="0"/>
+                <a:cs typeface="Times New Roman" panose="02020603050405020304" pitchFamily="18" charset="0"/>
+              </a:rPr>
+              <a:t>Wifi_Battery</a:t>
+            </a:r>
+            <a:r>
+              <a:rPr lang="en-US" sz="1800" dirty="0" smtClean="0">
+                <a:latin typeface="Times New Roman" panose="02020603050405020304" pitchFamily="18" charset="0"/>
+                <a:cs typeface="Times New Roman" panose="02020603050405020304" pitchFamily="18" charset="0"/>
+              </a:rPr>
+              <a:t>] , </a:t>
+            </a:r>
+            <a:r>
+              <a:rPr lang="en-US" sz="1800" dirty="0" err="1" smtClean="0">
+                <a:latin typeface="Times New Roman" panose="02020603050405020304" pitchFamily="18" charset="0"/>
+                <a:cs typeface="Times New Roman" panose="02020603050405020304" pitchFamily="18" charset="0"/>
+              </a:rPr>
+              <a:t>màu</a:t>
+            </a:r>
+            <a:r>
+              <a:rPr lang="en-US" sz="1800" dirty="0" smtClean="0">
+                <a:latin typeface="Times New Roman" panose="02020603050405020304" pitchFamily="18" charset="0"/>
+                <a:cs typeface="Times New Roman" panose="02020603050405020304" pitchFamily="18" charset="0"/>
+              </a:rPr>
+              <a:t> </a:t>
+            </a:r>
+            <a:r>
+              <a:rPr lang="en-US" sz="1800" dirty="0" err="1" smtClean="0">
+                <a:latin typeface="Times New Roman" panose="02020603050405020304" pitchFamily="18" charset="0"/>
+                <a:cs typeface="Times New Roman" panose="02020603050405020304" pitchFamily="18" charset="0"/>
+              </a:rPr>
+              <a:t>sắc</a:t>
+            </a:r>
+            <a:r>
+              <a:rPr lang="en-US" sz="1800" dirty="0" smtClean="0">
+                <a:latin typeface="Times New Roman" panose="02020603050405020304" pitchFamily="18" charset="0"/>
+                <a:cs typeface="Times New Roman" panose="02020603050405020304" pitchFamily="18" charset="0"/>
+              </a:rPr>
+              <a:t> </a:t>
+            </a:r>
+            <a:r>
+              <a:rPr lang="en-US" sz="1800" dirty="0" err="1" smtClean="0">
+                <a:latin typeface="Times New Roman" panose="02020603050405020304" pitchFamily="18" charset="0"/>
+                <a:cs typeface="Times New Roman" panose="02020603050405020304" pitchFamily="18" charset="0"/>
+              </a:rPr>
+              <a:t>của</a:t>
+            </a:r>
+            <a:r>
+              <a:rPr lang="en-US" sz="1800" dirty="0" smtClean="0">
+                <a:latin typeface="Times New Roman" panose="02020603050405020304" pitchFamily="18" charset="0"/>
+                <a:cs typeface="Times New Roman" panose="02020603050405020304" pitchFamily="18" charset="0"/>
+              </a:rPr>
+              <a:t> </a:t>
+            </a:r>
+            <a:r>
+              <a:rPr lang="en-US" sz="1800" dirty="0" err="1" smtClean="0">
+                <a:latin typeface="Times New Roman" panose="02020603050405020304" pitchFamily="18" charset="0"/>
+                <a:cs typeface="Times New Roman" panose="02020603050405020304" pitchFamily="18" charset="0"/>
+              </a:rPr>
+              <a:t>vùng</a:t>
+            </a:r>
+            <a:r>
+              <a:rPr lang="en-US" sz="1800" dirty="0" smtClean="0">
+                <a:latin typeface="Times New Roman" panose="02020603050405020304" pitchFamily="18" charset="0"/>
+                <a:cs typeface="Times New Roman" panose="02020603050405020304" pitchFamily="18" charset="0"/>
+              </a:rPr>
+              <a:t> </a:t>
+            </a:r>
+            <a:r>
+              <a:rPr lang="en-US" sz="1800" dirty="0" err="1" smtClean="0">
+                <a:latin typeface="Times New Roman" panose="02020603050405020304" pitchFamily="18" charset="0"/>
+                <a:cs typeface="Times New Roman" panose="02020603050405020304" pitchFamily="18" charset="0"/>
+              </a:rPr>
+              <a:t>sẽ</a:t>
+            </a:r>
+            <a:r>
+              <a:rPr lang="en-US" sz="1800" dirty="0" smtClean="0">
+                <a:latin typeface="Times New Roman" panose="02020603050405020304" pitchFamily="18" charset="0"/>
+                <a:cs typeface="Times New Roman" panose="02020603050405020304" pitchFamily="18" charset="0"/>
+              </a:rPr>
+              <a:t> </a:t>
+            </a:r>
+            <a:r>
+              <a:rPr lang="en-US" sz="1800" dirty="0" err="1" smtClean="0">
+                <a:latin typeface="Times New Roman" panose="02020603050405020304" pitchFamily="18" charset="0"/>
+                <a:cs typeface="Times New Roman" panose="02020603050405020304" pitchFamily="18" charset="0"/>
+              </a:rPr>
+              <a:t>thay</a:t>
+            </a:r>
+            <a:r>
+              <a:rPr lang="en-US" sz="1800" dirty="0" smtClean="0">
+                <a:latin typeface="Times New Roman" panose="02020603050405020304" pitchFamily="18" charset="0"/>
+                <a:cs typeface="Times New Roman" panose="02020603050405020304" pitchFamily="18" charset="0"/>
+              </a:rPr>
+              <a:t> </a:t>
+            </a:r>
+            <a:r>
+              <a:rPr lang="en-US" sz="1800" dirty="0" err="1" smtClean="0">
+                <a:latin typeface="Times New Roman" panose="02020603050405020304" pitchFamily="18" charset="0"/>
+                <a:cs typeface="Times New Roman" panose="02020603050405020304" pitchFamily="18" charset="0"/>
+              </a:rPr>
+              <a:t>đổi</a:t>
+            </a:r>
+            <a:r>
+              <a:rPr lang="en-US" sz="1800" dirty="0" smtClean="0">
+                <a:latin typeface="Times New Roman" panose="02020603050405020304" pitchFamily="18" charset="0"/>
+                <a:cs typeface="Times New Roman" panose="02020603050405020304" pitchFamily="18" charset="0"/>
+              </a:rPr>
+              <a:t> </a:t>
+            </a:r>
+            <a:r>
+              <a:rPr lang="en-US" sz="1800" dirty="0" err="1" smtClean="0">
+                <a:latin typeface="Times New Roman" panose="02020603050405020304" pitchFamily="18" charset="0"/>
+                <a:cs typeface="Times New Roman" panose="02020603050405020304" pitchFamily="18" charset="0"/>
+              </a:rPr>
+              <a:t>theo</a:t>
+            </a:r>
+            <a:r>
+              <a:rPr lang="en-US" sz="1800" dirty="0" smtClean="0">
+                <a:latin typeface="Times New Roman" panose="02020603050405020304" pitchFamily="18" charset="0"/>
+                <a:cs typeface="Times New Roman" panose="02020603050405020304" pitchFamily="18" charset="0"/>
+              </a:rPr>
+              <a:t> Pin </a:t>
+            </a:r>
+            <a:r>
+              <a:rPr lang="en-US" sz="1800" dirty="0" err="1" smtClean="0">
+                <a:latin typeface="Times New Roman" panose="02020603050405020304" pitchFamily="18" charset="0"/>
+                <a:cs typeface="Times New Roman" panose="02020603050405020304" pitchFamily="18" charset="0"/>
+              </a:rPr>
+              <a:t>và</a:t>
+            </a:r>
+            <a:r>
+              <a:rPr lang="en-US" sz="1800" dirty="0" smtClean="0">
+                <a:latin typeface="Times New Roman" panose="02020603050405020304" pitchFamily="18" charset="0"/>
+                <a:cs typeface="Times New Roman" panose="02020603050405020304" pitchFamily="18" charset="0"/>
+              </a:rPr>
+              <a:t> </a:t>
+            </a:r>
+            <a:r>
+              <a:rPr lang="en-US" sz="1800" dirty="0" err="1" smtClean="0">
+                <a:latin typeface="Times New Roman" panose="02020603050405020304" pitchFamily="18" charset="0"/>
+                <a:cs typeface="Times New Roman" panose="02020603050405020304" pitchFamily="18" charset="0"/>
+              </a:rPr>
+              <a:t>Wifi</a:t>
+            </a:r>
+            <a:endParaRPr lang="en-US" sz="1800" dirty="0" smtClean="0">
+              <a:latin typeface="Times New Roman" panose="02020603050405020304" pitchFamily="18" charset="0"/>
+              <a:cs typeface="Times New Roman" panose="02020603050405020304" pitchFamily="18" charset="0"/>
+            </a:endParaRPr>
+          </a:p>
+          <a:p>
+            <a:pPr marL="0" indent="0">
+              <a:buNone/>
+            </a:pPr>
+            <a:r>
+              <a:rPr lang="en-US" sz="1800" dirty="0" smtClean="0">
+                <a:latin typeface="Times New Roman" panose="02020603050405020304" pitchFamily="18" charset="0"/>
+                <a:cs typeface="Times New Roman" panose="02020603050405020304" pitchFamily="18" charset="0"/>
+              </a:rPr>
+              <a:t>                   7. </a:t>
+            </a:r>
+            <a:r>
+              <a:rPr lang="en-US" sz="1800" dirty="0" err="1" smtClean="0">
+                <a:latin typeface="Times New Roman" panose="02020603050405020304" pitchFamily="18" charset="0"/>
+                <a:cs typeface="Times New Roman" panose="02020603050405020304" pitchFamily="18" charset="0"/>
+              </a:rPr>
+              <a:t>Khi</a:t>
+            </a:r>
+            <a:r>
+              <a:rPr lang="en-US" sz="1800" dirty="0" smtClean="0">
+                <a:latin typeface="Times New Roman" panose="02020603050405020304" pitchFamily="18" charset="0"/>
+                <a:cs typeface="Times New Roman" panose="02020603050405020304" pitchFamily="18" charset="0"/>
+              </a:rPr>
+              <a:t> robot </a:t>
+            </a:r>
+            <a:r>
+              <a:rPr lang="en-US" sz="1800" dirty="0" err="1" smtClean="0">
+                <a:latin typeface="Times New Roman" panose="02020603050405020304" pitchFamily="18" charset="0"/>
+                <a:cs typeface="Times New Roman" panose="02020603050405020304" pitchFamily="18" charset="0"/>
+              </a:rPr>
+              <a:t>cần</a:t>
+            </a:r>
+            <a:r>
+              <a:rPr lang="en-US" sz="1800" dirty="0" smtClean="0">
+                <a:latin typeface="Times New Roman" panose="02020603050405020304" pitchFamily="18" charset="0"/>
+                <a:cs typeface="Times New Roman" panose="02020603050405020304" pitchFamily="18" charset="0"/>
+              </a:rPr>
+              <a:t> </a:t>
+            </a:r>
+            <a:r>
+              <a:rPr lang="en-US" sz="1800" dirty="0" err="1" smtClean="0">
+                <a:latin typeface="Times New Roman" panose="02020603050405020304" pitchFamily="18" charset="0"/>
+                <a:cs typeface="Times New Roman" panose="02020603050405020304" pitchFamily="18" charset="0"/>
+              </a:rPr>
+              <a:t>được</a:t>
+            </a:r>
+            <a:r>
+              <a:rPr lang="en-US" sz="1800" dirty="0" smtClean="0">
+                <a:latin typeface="Times New Roman" panose="02020603050405020304" pitchFamily="18" charset="0"/>
+                <a:cs typeface="Times New Roman" panose="02020603050405020304" pitchFamily="18" charset="0"/>
+              </a:rPr>
+              <a:t> </a:t>
+            </a:r>
+            <a:r>
+              <a:rPr lang="en-US" sz="1800" dirty="0" err="1" smtClean="0">
+                <a:latin typeface="Times New Roman" panose="02020603050405020304" pitchFamily="18" charset="0"/>
+                <a:cs typeface="Times New Roman" panose="02020603050405020304" pitchFamily="18" charset="0"/>
+              </a:rPr>
+              <a:t>xử</a:t>
+            </a:r>
+            <a:r>
+              <a:rPr lang="en-US" sz="1800" dirty="0" smtClean="0">
+                <a:latin typeface="Times New Roman" panose="02020603050405020304" pitchFamily="18" charset="0"/>
+                <a:cs typeface="Times New Roman" panose="02020603050405020304" pitchFamily="18" charset="0"/>
+              </a:rPr>
+              <a:t> </a:t>
+            </a:r>
+            <a:r>
+              <a:rPr lang="en-US" sz="1800" dirty="0" err="1" smtClean="0">
+                <a:latin typeface="Times New Roman" panose="02020603050405020304" pitchFamily="18" charset="0"/>
+                <a:cs typeface="Times New Roman" panose="02020603050405020304" pitchFamily="18" charset="0"/>
+              </a:rPr>
+              <a:t>lý</a:t>
+            </a:r>
+            <a:r>
+              <a:rPr lang="en-US" sz="1800" dirty="0">
+                <a:latin typeface="Times New Roman" panose="02020603050405020304" pitchFamily="18" charset="0"/>
+                <a:cs typeface="Times New Roman" panose="02020603050405020304" pitchFamily="18" charset="0"/>
+              </a:rPr>
+              <a:t> </a:t>
+            </a:r>
+            <a:r>
+              <a:rPr lang="en-US" sz="1800" dirty="0" err="1" smtClean="0">
+                <a:latin typeface="Times New Roman" panose="02020603050405020304" pitchFamily="18" charset="0"/>
+                <a:cs typeface="Times New Roman" panose="02020603050405020304" pitchFamily="18" charset="0"/>
+              </a:rPr>
+              <a:t>hoặc</a:t>
+            </a:r>
+            <a:r>
+              <a:rPr lang="en-US" sz="1800" dirty="0" smtClean="0">
+                <a:latin typeface="Times New Roman" panose="02020603050405020304" pitchFamily="18" charset="0"/>
+                <a:cs typeface="Times New Roman" panose="02020603050405020304" pitchFamily="18" charset="0"/>
+              </a:rPr>
+              <a:t> </a:t>
+            </a:r>
+            <a:r>
+              <a:rPr lang="en-US" sz="1800" dirty="0" err="1" smtClean="0">
+                <a:latin typeface="Times New Roman" panose="02020603050405020304" pitchFamily="18" charset="0"/>
+                <a:cs typeface="Times New Roman" panose="02020603050405020304" pitchFamily="18" charset="0"/>
+              </a:rPr>
+              <a:t>sạc</a:t>
+            </a:r>
+            <a:r>
+              <a:rPr lang="en-US" sz="1800" dirty="0" smtClean="0">
+                <a:latin typeface="Times New Roman" panose="02020603050405020304" pitchFamily="18" charset="0"/>
+                <a:cs typeface="Times New Roman" panose="02020603050405020304" pitchFamily="18" charset="0"/>
+              </a:rPr>
+              <a:t> pin, user </a:t>
+            </a:r>
+            <a:r>
+              <a:rPr lang="en-US" sz="1800" dirty="0" err="1" smtClean="0">
+                <a:latin typeface="Times New Roman" panose="02020603050405020304" pitchFamily="18" charset="0"/>
+                <a:cs typeface="Times New Roman" panose="02020603050405020304" pitchFamily="18" charset="0"/>
+              </a:rPr>
+              <a:t>không</a:t>
+            </a:r>
+            <a:r>
+              <a:rPr lang="en-US" sz="1800" dirty="0" smtClean="0">
+                <a:latin typeface="Times New Roman" panose="02020603050405020304" pitchFamily="18" charset="0"/>
+                <a:cs typeface="Times New Roman" panose="02020603050405020304" pitchFamily="18" charset="0"/>
+              </a:rPr>
+              <a:t> </a:t>
+            </a:r>
+            <a:r>
+              <a:rPr lang="en-US" sz="1800" dirty="0" err="1" smtClean="0">
+                <a:latin typeface="Times New Roman" panose="02020603050405020304" pitchFamily="18" charset="0"/>
+                <a:cs typeface="Times New Roman" panose="02020603050405020304" pitchFamily="18" charset="0"/>
+              </a:rPr>
+              <a:t>thể</a:t>
+            </a:r>
+            <a:r>
+              <a:rPr lang="en-US" sz="1800" dirty="0" smtClean="0">
+                <a:latin typeface="Times New Roman" panose="02020603050405020304" pitchFamily="18" charset="0"/>
+                <a:cs typeface="Times New Roman" panose="02020603050405020304" pitchFamily="18" charset="0"/>
+              </a:rPr>
+              <a:t> </a:t>
+            </a:r>
+            <a:r>
+              <a:rPr lang="en-US" sz="1800" dirty="0" err="1" smtClean="0">
+                <a:latin typeface="Times New Roman" panose="02020603050405020304" pitchFamily="18" charset="0"/>
+                <a:cs typeface="Times New Roman" panose="02020603050405020304" pitchFamily="18" charset="0"/>
+              </a:rPr>
+              <a:t>điều</a:t>
+            </a:r>
+            <a:r>
+              <a:rPr lang="en-US" sz="1800" dirty="0" smtClean="0">
+                <a:latin typeface="Times New Roman" panose="02020603050405020304" pitchFamily="18" charset="0"/>
+                <a:cs typeface="Times New Roman" panose="02020603050405020304" pitchFamily="18" charset="0"/>
+              </a:rPr>
+              <a:t> </a:t>
+            </a:r>
+            <a:r>
+              <a:rPr lang="en-US" sz="1800" dirty="0" err="1" smtClean="0">
+                <a:latin typeface="Times New Roman" panose="02020603050405020304" pitchFamily="18" charset="0"/>
+                <a:cs typeface="Times New Roman" panose="02020603050405020304" pitchFamily="18" charset="0"/>
+              </a:rPr>
+              <a:t>khiển</a:t>
+            </a:r>
+            <a:r>
+              <a:rPr lang="en-US" sz="1800" dirty="0" smtClean="0">
+                <a:latin typeface="Times New Roman" panose="02020603050405020304" pitchFamily="18" charset="0"/>
+                <a:cs typeface="Times New Roman" panose="02020603050405020304" pitchFamily="18" charset="0"/>
+              </a:rPr>
+              <a:t> </a:t>
+            </a:r>
+            <a:r>
+              <a:rPr lang="en-US" sz="1800" dirty="0" err="1" smtClean="0">
+                <a:latin typeface="Times New Roman" panose="02020603050405020304" pitchFamily="18" charset="0"/>
+                <a:cs typeface="Times New Roman" panose="02020603050405020304" pitchFamily="18" charset="0"/>
+              </a:rPr>
+              <a:t>màn</a:t>
+            </a:r>
+            <a:r>
+              <a:rPr lang="en-US" sz="1800" dirty="0" smtClean="0">
+                <a:latin typeface="Times New Roman" panose="02020603050405020304" pitchFamily="18" charset="0"/>
+                <a:cs typeface="Times New Roman" panose="02020603050405020304" pitchFamily="18" charset="0"/>
+              </a:rPr>
+              <a:t> </a:t>
+            </a:r>
+            <a:r>
+              <a:rPr lang="en-US" sz="1800" dirty="0" err="1" smtClean="0">
+                <a:latin typeface="Times New Roman" panose="02020603050405020304" pitchFamily="18" charset="0"/>
+                <a:cs typeface="Times New Roman" panose="02020603050405020304" pitchFamily="18" charset="0"/>
+              </a:rPr>
+              <a:t>hình</a:t>
+            </a:r>
+            <a:r>
+              <a:rPr lang="en-US" sz="1800" dirty="0" smtClean="0">
+                <a:latin typeface="Times New Roman" panose="02020603050405020304" pitchFamily="18" charset="0"/>
+                <a:cs typeface="Times New Roman" panose="02020603050405020304" pitchFamily="18" charset="0"/>
+              </a:rPr>
+              <a:t> </a:t>
+            </a:r>
+          </a:p>
+          <a:p>
+            <a:pPr marL="0" indent="0">
+              <a:buNone/>
+            </a:pPr>
+            <a:endParaRPr lang="en-US" sz="1800" dirty="0" smtClean="0">
+              <a:latin typeface="Times New Roman" panose="02020603050405020304" pitchFamily="18" charset="0"/>
+              <a:cs typeface="Times New Roman" panose="02020603050405020304" pitchFamily="18" charset="0"/>
+            </a:endParaRPr>
+          </a:p>
+          <a:p>
+            <a:pPr marL="0" indent="0">
+              <a:buNone/>
+            </a:pPr>
+            <a:r>
+              <a:rPr lang="en-US" sz="1800" b="1" dirty="0" smtClean="0">
+                <a:latin typeface="Times New Roman" panose="02020603050405020304" pitchFamily="18" charset="0"/>
+                <a:cs typeface="Times New Roman" panose="02020603050405020304" pitchFamily="18" charset="0"/>
+              </a:rPr>
+              <a:t>                </a:t>
+            </a:r>
+            <a:endParaRPr lang="en-US" sz="1800" b="1" dirty="0">
+              <a:latin typeface="Times New Roman" panose="02020603050405020304" pitchFamily="18" charset="0"/>
+              <a:cs typeface="Times New Roman" panose="02020603050405020304" pitchFamily="18" charset="0"/>
+            </a:endParaRPr>
+          </a:p>
         </p:txBody>
       </p:sp>
-      <p:pic>
-        <p:nvPicPr>
-          <p:cNvPr id="6" name="Picture 5"/>
-          <p:cNvPicPr>
-            <a:picLocks noChangeAspect="1"/>
-          </p:cNvPicPr>
-          <p:nvPr/>
-        </p:nvPicPr>
-        <p:blipFill>
-          <a:blip r:embed="rId2"/>
-          <a:stretch>
-            <a:fillRect/>
-          </a:stretch>
-        </p:blipFill>
-        <p:spPr>
-          <a:xfrm>
-            <a:off x="1348154" y="2162666"/>
-            <a:ext cx="7805714" cy="4160000"/>
-          </a:xfrm>
-          <a:prstGeom prst="rect">
-            <a:avLst/>
-          </a:prstGeom>
-        </p:spPr>
-      </p:pic>
     </p:spTree>
     <p:extLst>
       <p:ext uri="{BB962C8B-B14F-4D97-AF65-F5344CB8AC3E}">
-        <p14:creationId xmlns:p14="http://schemas.microsoft.com/office/powerpoint/2010/main" val="1235802612"/>
+        <p14:creationId xmlns:p14="http://schemas.microsoft.com/office/powerpoint/2010/main" val="517022563"/>
       </p:ext>
     </p:extLst>
   </p:cSld>
   <p:clrMapOvr>
     <a:masterClrMapping/>
   </p:clrMapOvr>
+  <mc:AlternateContent xmlns:mc="http://schemas.openxmlformats.org/markup-compatibility/2006" xmlns:p14="http://schemas.microsoft.com/office/powerpoint/2010/main">
+    <mc:Choice Requires="p14">
+      <p:transition p14:dur="0"/>
+    </mc:Choice>
+    <mc:Fallback xmlns="">
+      <p:transition/>
+    </mc:Fallback>
+  </mc:AlternateContent>
   <p:timing>
     <p:tnLst>
       <p:par>
@@ -20269,6 +21498,13 @@
   <p:clrMapOvr>
     <a:masterClrMapping/>
   </p:clrMapOvr>
+  <p:timing>
+    <p:tnLst>
+      <p:par>
+        <p:cTn id="1" dur="indefinite" restart="never" nodeType="tmRoot"/>
+      </p:par>
+    </p:tnLst>
+  </p:timing>
 </p:sld>
 </file>
 
@@ -20469,6 +21705,13 @@
   <p:clrMapOvr>
     <a:masterClrMapping/>
   </p:clrMapOvr>
+  <p:timing>
+    <p:tnLst>
+      <p:par>
+        <p:cTn id="1" dur="indefinite" restart="never" nodeType="tmRoot"/>
+      </p:par>
+    </p:tnLst>
+  </p:timing>
 </p:sld>
 </file>
 
@@ -20761,6 +22004,13 @@
   <p:clrMapOvr>
     <a:masterClrMapping/>
   </p:clrMapOvr>
+  <p:timing>
+    <p:tnLst>
+      <p:par>
+        <p:cTn id="1" dur="indefinite" restart="never" nodeType="tmRoot"/>
+      </p:par>
+    </p:tnLst>
+  </p:timing>
 </p:sld>
 </file>
 
@@ -21090,6 +22340,13 @@
   <p:clrMapOvr>
     <a:masterClrMapping/>
   </p:clrMapOvr>
+  <p:timing>
+    <p:tnLst>
+      <p:par>
+        <p:cTn id="1" dur="indefinite" restart="never" nodeType="tmRoot"/>
+      </p:par>
+    </p:tnLst>
+  </p:timing>
 </p:sld>
 </file>
 
@@ -21419,6 +22676,13 @@
   <p:clrMapOvr>
     <a:masterClrMapping/>
   </p:clrMapOvr>
+  <p:timing>
+    <p:tnLst>
+      <p:par>
+        <p:cTn id="1" dur="indefinite" restart="never" nodeType="tmRoot"/>
+      </p:par>
+    </p:tnLst>
+  </p:timing>
 </p:sld>
 </file>
 
@@ -21735,6 +22999,13 @@
   <p:clrMapOvr>
     <a:masterClrMapping/>
   </p:clrMapOvr>
+  <p:timing>
+    <p:tnLst>
+      <p:par>
+        <p:cTn id="1" dur="indefinite" restart="never" nodeType="tmRoot"/>
+      </p:par>
+    </p:tnLst>
+  </p:timing>
 </p:sld>
 </file>
 
@@ -21988,6 +23259,13 @@
   <p:clrMapOvr>
     <a:masterClrMapping/>
   </p:clrMapOvr>
+  <p:timing>
+    <p:tnLst>
+      <p:par>
+        <p:cTn id="1" dur="indefinite" restart="never" nodeType="tmRoot"/>
+      </p:par>
+    </p:tnLst>
+  </p:timing>
 </p:sld>
 </file>
 
@@ -23857,6 +25135,13 @@
   <p:clrMapOvr>
     <a:masterClrMapping/>
   </p:clrMapOvr>
+  <p:timing>
+    <p:tnLst>
+      <p:par>
+        <p:cTn id="1" dur="indefinite" restart="never" nodeType="tmRoot"/>
+      </p:par>
+    </p:tnLst>
+  </p:timing>
 </p:sld>
 </file>
 
@@ -28856,1741 +30141,6 @@
                 <a:latin typeface="Times New Roman" panose="02020603050405020304" pitchFamily="18" charset="0"/>
                 <a:cs typeface="Times New Roman" panose="02020603050405020304" pitchFamily="18" charset="0"/>
               </a:rPr>
-              <a:t> CONTROL</a:t>
-            </a:r>
-            <a:r>
-              <a:rPr lang="en-US" sz="4000" kern="1200" cap="all">
-                <a:solidFill>
-                  <a:prstClr val="black">
-                    <a:hueOff val="0"/>
-                    <a:satOff val="0"/>
-                    <a:lumOff val="0"/>
-                    <a:alphaOff val="0"/>
-                  </a:prstClr>
-                </a:solidFill>
-                <a:latin typeface="Times New Roman" panose="02020603050405020304" pitchFamily="18" charset="0"/>
-                <a:ea typeface="+mn-ea"/>
-                <a:cs typeface="Times New Roman" panose="02020603050405020304" pitchFamily="18" charset="0"/>
-              </a:rPr>
-              <a:t>)</a:t>
-            </a:r>
-            <a:endParaRPr lang="en-US"/>
-          </a:p>
-        </p:txBody>
-      </p:sp>
-      <p:sp>
-        <p:nvSpPr>
-          <p:cNvPr id="3" name="Content Placeholder 2">
-            <a:extLst>
-              <a:ext uri="{FF2B5EF4-FFF2-40B4-BE49-F238E27FC236}">
-                <a16:creationId xmlns:a16="http://schemas.microsoft.com/office/drawing/2014/main" id="{6BD33AFF-0007-470D-A40C-FD28176A68C2}"/>
-              </a:ext>
-            </a:extLst>
-          </p:cNvPr>
-          <p:cNvSpPr>
-            <a:spLocks noGrp="1"/>
-          </p:cNvSpPr>
-          <p:nvPr>
-            <p:ph idx="1"/>
-          </p:nvPr>
-        </p:nvSpPr>
-        <p:spPr/>
-        <p:txBody>
-          <a:bodyPr>
-            <a:normAutofit fontScale="85000" lnSpcReduction="10000"/>
-          </a:bodyPr>
-          <a:lstStyle/>
-          <a:p>
-            <a:r>
-              <a:rPr lang="en-US" sz="1800" dirty="0">
-                <a:latin typeface="Times New Roman" panose="02020603050405020304" pitchFamily="18" charset="0"/>
-                <a:cs typeface="Times New Roman" panose="02020603050405020304" pitchFamily="18" charset="0"/>
-              </a:rPr>
-              <a:t>Control</a:t>
-            </a:r>
-            <a:r>
-              <a:rPr lang="en-US" sz="1800" b="1" dirty="0">
-                <a:latin typeface="Times New Roman" panose="02020603050405020304" pitchFamily="18" charset="0"/>
-                <a:cs typeface="Times New Roman" panose="02020603050405020304" pitchFamily="18" charset="0"/>
-              </a:rPr>
-              <a:t> Page</a:t>
-            </a:r>
-            <a:r>
-              <a:rPr lang="en-US" sz="1800" b="1" dirty="0" smtClean="0">
-                <a:latin typeface="Times New Roman" panose="02020603050405020304" pitchFamily="18" charset="0"/>
-                <a:cs typeface="Times New Roman" panose="02020603050405020304" pitchFamily="18" charset="0"/>
-              </a:rPr>
-              <a:t>:</a:t>
-            </a:r>
-          </a:p>
-          <a:p>
-            <a:pPr marL="0" indent="0">
-              <a:buNone/>
-            </a:pPr>
-            <a:r>
-              <a:rPr lang="en-US" sz="1800" b="1" dirty="0" smtClean="0">
-                <a:latin typeface="Times New Roman" panose="02020603050405020304" pitchFamily="18" charset="0"/>
-                <a:cs typeface="Times New Roman" panose="02020603050405020304" pitchFamily="18" charset="0"/>
-              </a:rPr>
-              <a:t>	</a:t>
-            </a:r>
-            <a:r>
-              <a:rPr lang="en-US" sz="1800" dirty="0" smtClean="0">
-                <a:latin typeface="Times New Roman" panose="02020603050405020304" pitchFamily="18" charset="0"/>
-                <a:cs typeface="Times New Roman" panose="02020603050405020304" pitchFamily="18" charset="0"/>
-              </a:rPr>
-              <a:t>1.</a:t>
-            </a:r>
-            <a:r>
-              <a:rPr lang="en-US" sz="1800" b="1" dirty="0" smtClean="0">
-                <a:latin typeface="Times New Roman" panose="02020603050405020304" pitchFamily="18" charset="0"/>
-                <a:cs typeface="Times New Roman" panose="02020603050405020304" pitchFamily="18" charset="0"/>
-              </a:rPr>
-              <a:t> </a:t>
-            </a:r>
-            <a:r>
-              <a:rPr lang="en-US" sz="1800" dirty="0" smtClean="0">
-                <a:latin typeface="Times New Roman" panose="02020603050405020304" pitchFamily="18" charset="0"/>
-                <a:cs typeface="Times New Roman" panose="02020603050405020304" pitchFamily="18" charset="0"/>
-              </a:rPr>
-              <a:t>User </a:t>
-            </a:r>
-            <a:r>
-              <a:rPr lang="en-US" sz="1800" dirty="0" err="1" smtClean="0">
-                <a:latin typeface="Times New Roman" panose="02020603050405020304" pitchFamily="18" charset="0"/>
-                <a:cs typeface="Times New Roman" panose="02020603050405020304" pitchFamily="18" charset="0"/>
-              </a:rPr>
-              <a:t>chỉ</a:t>
-            </a:r>
-            <a:r>
-              <a:rPr lang="en-US" sz="1800" dirty="0" smtClean="0">
-                <a:latin typeface="Times New Roman" panose="02020603050405020304" pitchFamily="18" charset="0"/>
-                <a:cs typeface="Times New Roman" panose="02020603050405020304" pitchFamily="18" charset="0"/>
-              </a:rPr>
-              <a:t> </a:t>
-            </a:r>
-            <a:r>
-              <a:rPr lang="en-US" sz="1800" dirty="0" err="1" smtClean="0">
-                <a:latin typeface="Times New Roman" panose="02020603050405020304" pitchFamily="18" charset="0"/>
-                <a:cs typeface="Times New Roman" panose="02020603050405020304" pitchFamily="18" charset="0"/>
-              </a:rPr>
-              <a:t>được</a:t>
-            </a:r>
-            <a:r>
-              <a:rPr lang="en-US" sz="1800" dirty="0" smtClean="0">
-                <a:latin typeface="Times New Roman" panose="02020603050405020304" pitchFamily="18" charset="0"/>
-                <a:cs typeface="Times New Roman" panose="02020603050405020304" pitchFamily="18" charset="0"/>
-              </a:rPr>
-              <a:t> </a:t>
-            </a:r>
-            <a:r>
-              <a:rPr lang="en-US" sz="1800" dirty="0" err="1" smtClean="0">
-                <a:latin typeface="Times New Roman" panose="02020603050405020304" pitchFamily="18" charset="0"/>
-                <a:cs typeface="Times New Roman" panose="02020603050405020304" pitchFamily="18" charset="0"/>
-              </a:rPr>
-              <a:t>vào</a:t>
-            </a:r>
-            <a:r>
-              <a:rPr lang="en-US" sz="1800" dirty="0" smtClean="0">
-                <a:latin typeface="Times New Roman" panose="02020603050405020304" pitchFamily="18" charset="0"/>
-                <a:cs typeface="Times New Roman" panose="02020603050405020304" pitchFamily="18" charset="0"/>
-              </a:rPr>
-              <a:t> Page </a:t>
-            </a:r>
-            <a:r>
-              <a:rPr lang="en-US" sz="1800" dirty="0">
-                <a:latin typeface="Times New Roman" panose="02020603050405020304" pitchFamily="18" charset="0"/>
-                <a:cs typeface="Times New Roman" panose="02020603050405020304" pitchFamily="18" charset="0"/>
-              </a:rPr>
-              <a:t>C</a:t>
-            </a:r>
-            <a:r>
-              <a:rPr lang="en-US" sz="1800" dirty="0" smtClean="0">
-                <a:latin typeface="Times New Roman" panose="02020603050405020304" pitchFamily="18" charset="0"/>
-                <a:cs typeface="Times New Roman" panose="02020603050405020304" pitchFamily="18" charset="0"/>
-              </a:rPr>
-              <a:t>ontrol </a:t>
-            </a:r>
-            <a:r>
-              <a:rPr lang="en-US" sz="1800" dirty="0" err="1" smtClean="0">
-                <a:latin typeface="Times New Roman" panose="02020603050405020304" pitchFamily="18" charset="0"/>
-                <a:cs typeface="Times New Roman" panose="02020603050405020304" pitchFamily="18" charset="0"/>
-              </a:rPr>
-              <a:t>khi</a:t>
-            </a:r>
-            <a:r>
-              <a:rPr lang="en-US" sz="1800" dirty="0" smtClean="0">
-                <a:latin typeface="Times New Roman" panose="02020603050405020304" pitchFamily="18" charset="0"/>
-                <a:cs typeface="Times New Roman" panose="02020603050405020304" pitchFamily="18" charset="0"/>
-              </a:rPr>
-              <a:t> </a:t>
-            </a:r>
-            <a:r>
-              <a:rPr lang="en-US" sz="1800" dirty="0" err="1" smtClean="0">
-                <a:latin typeface="Times New Roman" panose="02020603050405020304" pitchFamily="18" charset="0"/>
-                <a:cs typeface="Times New Roman" panose="02020603050405020304" pitchFamily="18" charset="0"/>
-              </a:rPr>
-              <a:t>đến</a:t>
-            </a:r>
-            <a:r>
-              <a:rPr lang="en-US" sz="1800" dirty="0" smtClean="0">
-                <a:latin typeface="Times New Roman" panose="02020603050405020304" pitchFamily="18" charset="0"/>
-                <a:cs typeface="Times New Roman" panose="02020603050405020304" pitchFamily="18" charset="0"/>
-              </a:rPr>
-              <a:t> </a:t>
-            </a:r>
-            <a:r>
-              <a:rPr lang="en-US" sz="1800" dirty="0" err="1" smtClean="0">
-                <a:latin typeface="Times New Roman" panose="02020603050405020304" pitchFamily="18" charset="0"/>
-                <a:cs typeface="Times New Roman" panose="02020603050405020304" pitchFamily="18" charset="0"/>
-              </a:rPr>
-              <a:t>lượt</a:t>
-            </a:r>
-            <a:r>
-              <a:rPr lang="en-US" sz="1800" dirty="0" smtClean="0">
-                <a:latin typeface="Times New Roman" panose="02020603050405020304" pitchFamily="18" charset="0"/>
-                <a:cs typeface="Times New Roman" panose="02020603050405020304" pitchFamily="18" charset="0"/>
-              </a:rPr>
-              <a:t>, </a:t>
-            </a:r>
-            <a:r>
-              <a:rPr lang="en-US" sz="1800" dirty="0" err="1" smtClean="0">
-                <a:latin typeface="Times New Roman" panose="02020603050405020304" pitchFamily="18" charset="0"/>
-                <a:cs typeface="Times New Roman" panose="02020603050405020304" pitchFamily="18" charset="0"/>
-              </a:rPr>
-              <a:t>nếu</a:t>
-            </a:r>
-            <a:r>
-              <a:rPr lang="en-US" sz="1800" dirty="0" smtClean="0">
-                <a:latin typeface="Times New Roman" panose="02020603050405020304" pitchFamily="18" charset="0"/>
-                <a:cs typeface="Times New Roman" panose="02020603050405020304" pitchFamily="18" charset="0"/>
-              </a:rPr>
-              <a:t> </a:t>
-            </a:r>
-            <a:r>
-              <a:rPr lang="en-US" sz="1800" dirty="0" err="1" smtClean="0">
-                <a:latin typeface="Times New Roman" panose="02020603050405020304" pitchFamily="18" charset="0"/>
-                <a:cs typeface="Times New Roman" panose="02020603050405020304" pitchFamily="18" charset="0"/>
-              </a:rPr>
-              <a:t>cố</a:t>
-            </a:r>
-            <a:r>
-              <a:rPr lang="en-US" sz="1800" dirty="0" smtClean="0">
-                <a:latin typeface="Times New Roman" panose="02020603050405020304" pitchFamily="18" charset="0"/>
-                <a:cs typeface="Times New Roman" panose="02020603050405020304" pitchFamily="18" charset="0"/>
-              </a:rPr>
-              <a:t> </a:t>
-            </a:r>
-            <a:r>
-              <a:rPr lang="en-US" sz="1800" dirty="0" err="1" smtClean="0">
-                <a:latin typeface="Times New Roman" panose="02020603050405020304" pitchFamily="18" charset="0"/>
-                <a:cs typeface="Times New Roman" panose="02020603050405020304" pitchFamily="18" charset="0"/>
-              </a:rPr>
-              <a:t>tình</a:t>
-            </a:r>
-            <a:r>
-              <a:rPr lang="en-US" sz="1800" dirty="0" smtClean="0">
-                <a:latin typeface="Times New Roman" panose="02020603050405020304" pitchFamily="18" charset="0"/>
-                <a:cs typeface="Times New Roman" panose="02020603050405020304" pitchFamily="18" charset="0"/>
-              </a:rPr>
-              <a:t> </a:t>
-            </a:r>
-            <a:r>
-              <a:rPr lang="en-US" sz="1800" dirty="0" err="1" smtClean="0">
-                <a:latin typeface="Times New Roman" panose="02020603050405020304" pitchFamily="18" charset="0"/>
-                <a:cs typeface="Times New Roman" panose="02020603050405020304" pitchFamily="18" charset="0"/>
-              </a:rPr>
-              <a:t>truy</a:t>
-            </a:r>
-            <a:r>
-              <a:rPr lang="en-US" sz="1800" dirty="0" smtClean="0">
-                <a:latin typeface="Times New Roman" panose="02020603050405020304" pitchFamily="18" charset="0"/>
-                <a:cs typeface="Times New Roman" panose="02020603050405020304" pitchFamily="18" charset="0"/>
-              </a:rPr>
-              <a:t> </a:t>
-            </a:r>
-            <a:r>
-              <a:rPr lang="en-US" sz="1800" dirty="0" err="1" smtClean="0">
-                <a:latin typeface="Times New Roman" panose="02020603050405020304" pitchFamily="18" charset="0"/>
-                <a:cs typeface="Times New Roman" panose="02020603050405020304" pitchFamily="18" charset="0"/>
-              </a:rPr>
-              <a:t>cập</a:t>
-            </a:r>
-            <a:r>
-              <a:rPr lang="en-US" sz="1800" dirty="0" smtClean="0">
-                <a:latin typeface="Times New Roman" panose="02020603050405020304" pitchFamily="18" charset="0"/>
-                <a:cs typeface="Times New Roman" panose="02020603050405020304" pitchFamily="18" charset="0"/>
-              </a:rPr>
-              <a:t> </a:t>
-            </a:r>
-            <a:r>
-              <a:rPr lang="en-US" sz="1800" dirty="0" err="1" smtClean="0">
-                <a:latin typeface="Times New Roman" panose="02020603050405020304" pitchFamily="18" charset="0"/>
-                <a:cs typeface="Times New Roman" panose="02020603050405020304" pitchFamily="18" charset="0"/>
-              </a:rPr>
-              <a:t>bằng</a:t>
-            </a:r>
-            <a:r>
-              <a:rPr lang="en-US" sz="1800" dirty="0" smtClean="0">
-                <a:latin typeface="Times New Roman" panose="02020603050405020304" pitchFamily="18" charset="0"/>
-                <a:cs typeface="Times New Roman" panose="02020603050405020304" pitchFamily="18" charset="0"/>
-              </a:rPr>
-              <a:t> </a:t>
-            </a:r>
-            <a:r>
-              <a:rPr lang="en-US" sz="1800" dirty="0" err="1" smtClean="0">
-                <a:latin typeface="Times New Roman" panose="02020603050405020304" pitchFamily="18" charset="0"/>
-                <a:cs typeface="Times New Roman" panose="02020603050405020304" pitchFamily="18" charset="0"/>
-              </a:rPr>
-              <a:t>url</a:t>
-            </a:r>
-            <a:r>
-              <a:rPr lang="en-US" sz="1800" dirty="0" smtClean="0">
-                <a:latin typeface="Times New Roman" panose="02020603050405020304" pitchFamily="18" charset="0"/>
-                <a:cs typeface="Times New Roman" panose="02020603050405020304" pitchFamily="18" charset="0"/>
-              </a:rPr>
-              <a:t> </a:t>
-            </a:r>
-            <a:r>
-              <a:rPr lang="en-US" sz="1800" dirty="0" err="1" smtClean="0">
-                <a:latin typeface="Times New Roman" panose="02020603050405020304" pitchFamily="18" charset="0"/>
-                <a:cs typeface="Times New Roman" panose="02020603050405020304" pitchFamily="18" charset="0"/>
-              </a:rPr>
-              <a:t>thì</a:t>
-            </a:r>
-            <a:r>
-              <a:rPr lang="en-US" sz="1800" dirty="0" smtClean="0">
-                <a:latin typeface="Times New Roman" panose="02020603050405020304" pitchFamily="18" charset="0"/>
-                <a:cs typeface="Times New Roman" panose="02020603050405020304" pitchFamily="18" charset="0"/>
-              </a:rPr>
-              <a:t> </a:t>
-            </a:r>
-            <a:r>
-              <a:rPr lang="en-US" sz="1800" dirty="0" err="1" smtClean="0">
-                <a:latin typeface="Times New Roman" panose="02020603050405020304" pitchFamily="18" charset="0"/>
-                <a:cs typeface="Times New Roman" panose="02020603050405020304" pitchFamily="18" charset="0"/>
-              </a:rPr>
-              <a:t>sẽ</a:t>
-            </a:r>
-            <a:r>
-              <a:rPr lang="en-US" sz="1800" dirty="0" smtClean="0">
-                <a:latin typeface="Times New Roman" panose="02020603050405020304" pitchFamily="18" charset="0"/>
-                <a:cs typeface="Times New Roman" panose="02020603050405020304" pitchFamily="18" charset="0"/>
-              </a:rPr>
-              <a:t> quay </a:t>
-            </a:r>
-            <a:r>
-              <a:rPr lang="en-US" sz="1800" dirty="0" err="1" smtClean="0">
-                <a:latin typeface="Times New Roman" panose="02020603050405020304" pitchFamily="18" charset="0"/>
-                <a:cs typeface="Times New Roman" panose="02020603050405020304" pitchFamily="18" charset="0"/>
-              </a:rPr>
-              <a:t>lại</a:t>
-            </a:r>
-            <a:r>
-              <a:rPr lang="en-US" sz="1800" dirty="0" smtClean="0">
-                <a:latin typeface="Times New Roman" panose="02020603050405020304" pitchFamily="18" charset="0"/>
-                <a:cs typeface="Times New Roman" panose="02020603050405020304" pitchFamily="18" charset="0"/>
-              </a:rPr>
-              <a:t> Page Queue</a:t>
-            </a:r>
-          </a:p>
-          <a:p>
-            <a:pPr marL="0" indent="0">
-              <a:buNone/>
-            </a:pPr>
-            <a:r>
-              <a:rPr lang="en-US" sz="1800" dirty="0">
-                <a:latin typeface="Times New Roman" panose="02020603050405020304" pitchFamily="18" charset="0"/>
-                <a:cs typeface="Times New Roman" panose="02020603050405020304" pitchFamily="18" charset="0"/>
-              </a:rPr>
-              <a:t> </a:t>
-            </a:r>
-            <a:r>
-              <a:rPr lang="en-US" sz="1800" dirty="0" smtClean="0">
-                <a:latin typeface="Times New Roman" panose="02020603050405020304" pitchFamily="18" charset="0"/>
-                <a:cs typeface="Times New Roman" panose="02020603050405020304" pitchFamily="18" charset="0"/>
-              </a:rPr>
-              <a:t>	2. User </a:t>
-            </a:r>
-            <a:r>
-              <a:rPr lang="en-US" sz="1800" dirty="0" err="1" smtClean="0">
-                <a:latin typeface="Times New Roman" panose="02020603050405020304" pitchFamily="18" charset="0"/>
-                <a:cs typeface="Times New Roman" panose="02020603050405020304" pitchFamily="18" charset="0"/>
-              </a:rPr>
-              <a:t>điều</a:t>
-            </a:r>
-            <a:r>
-              <a:rPr lang="en-US" sz="1800" dirty="0" smtClean="0">
-                <a:latin typeface="Times New Roman" panose="02020603050405020304" pitchFamily="18" charset="0"/>
-                <a:cs typeface="Times New Roman" panose="02020603050405020304" pitchFamily="18" charset="0"/>
-              </a:rPr>
-              <a:t> </a:t>
-            </a:r>
-            <a:r>
-              <a:rPr lang="en-US" sz="1800" dirty="0" err="1" smtClean="0">
-                <a:latin typeface="Times New Roman" panose="02020603050405020304" pitchFamily="18" charset="0"/>
-                <a:cs typeface="Times New Roman" panose="02020603050405020304" pitchFamily="18" charset="0"/>
-              </a:rPr>
-              <a:t>khiển</a:t>
-            </a:r>
-            <a:r>
-              <a:rPr lang="en-US" sz="1800" dirty="0" smtClean="0">
-                <a:latin typeface="Times New Roman" panose="02020603050405020304" pitchFamily="18" charset="0"/>
-                <a:cs typeface="Times New Roman" panose="02020603050405020304" pitchFamily="18" charset="0"/>
-              </a:rPr>
-              <a:t> robot di </a:t>
-            </a:r>
-            <a:r>
-              <a:rPr lang="en-US" sz="1800" dirty="0" err="1" smtClean="0">
-                <a:latin typeface="Times New Roman" panose="02020603050405020304" pitchFamily="18" charset="0"/>
-                <a:cs typeface="Times New Roman" panose="02020603050405020304" pitchFamily="18" charset="0"/>
-              </a:rPr>
-              <a:t>chuyển</a:t>
-            </a:r>
-            <a:r>
-              <a:rPr lang="en-US" sz="1800" dirty="0" smtClean="0">
-                <a:latin typeface="Times New Roman" panose="02020603050405020304" pitchFamily="18" charset="0"/>
-                <a:cs typeface="Times New Roman" panose="02020603050405020304" pitchFamily="18" charset="0"/>
-              </a:rPr>
-              <a:t> </a:t>
-            </a:r>
-            <a:r>
-              <a:rPr lang="en-US" sz="1800" dirty="0" err="1" smtClean="0">
-                <a:latin typeface="Times New Roman" panose="02020603050405020304" pitchFamily="18" charset="0"/>
-                <a:cs typeface="Times New Roman" panose="02020603050405020304" pitchFamily="18" charset="0"/>
-              </a:rPr>
-              <a:t>và</a:t>
-            </a:r>
-            <a:r>
-              <a:rPr lang="en-US" sz="1800" dirty="0" smtClean="0">
-                <a:latin typeface="Times New Roman" panose="02020603050405020304" pitchFamily="18" charset="0"/>
-                <a:cs typeface="Times New Roman" panose="02020603050405020304" pitchFamily="18" charset="0"/>
-              </a:rPr>
-              <a:t> </a:t>
-            </a:r>
-            <a:r>
-              <a:rPr lang="en-US" sz="1800" dirty="0" err="1" smtClean="0">
-                <a:latin typeface="Times New Roman" panose="02020603050405020304" pitchFamily="18" charset="0"/>
-                <a:cs typeface="Times New Roman" panose="02020603050405020304" pitchFamily="18" charset="0"/>
-              </a:rPr>
-              <a:t>nhấn</a:t>
-            </a:r>
-            <a:r>
-              <a:rPr lang="en-US" sz="1800" dirty="0" smtClean="0">
-                <a:latin typeface="Times New Roman" panose="02020603050405020304" pitchFamily="18" charset="0"/>
-                <a:cs typeface="Times New Roman" panose="02020603050405020304" pitchFamily="18" charset="0"/>
-              </a:rPr>
-              <a:t> </a:t>
-            </a:r>
-            <a:r>
-              <a:rPr lang="en-US" sz="1800" dirty="0" err="1" smtClean="0">
-                <a:latin typeface="Times New Roman" panose="02020603050405020304" pitchFamily="18" charset="0"/>
-                <a:cs typeface="Times New Roman" panose="02020603050405020304" pitchFamily="18" charset="0"/>
-              </a:rPr>
-              <a:t>nút</a:t>
-            </a:r>
-            <a:r>
-              <a:rPr lang="en-US" sz="1800" dirty="0" smtClean="0">
-                <a:latin typeface="Times New Roman" panose="02020603050405020304" pitchFamily="18" charset="0"/>
-                <a:cs typeface="Times New Roman" panose="02020603050405020304" pitchFamily="18" charset="0"/>
-              </a:rPr>
-              <a:t> </a:t>
-            </a:r>
-            <a:r>
-              <a:rPr lang="en-US" sz="1800" dirty="0" err="1" smtClean="0">
-                <a:latin typeface="Times New Roman" panose="02020603050405020304" pitchFamily="18" charset="0"/>
-                <a:cs typeface="Times New Roman" panose="02020603050405020304" pitchFamily="18" charset="0"/>
-              </a:rPr>
-              <a:t>bằng</a:t>
-            </a:r>
-            <a:r>
-              <a:rPr lang="en-US" sz="1800" dirty="0" smtClean="0">
-                <a:latin typeface="Times New Roman" panose="02020603050405020304" pitchFamily="18" charset="0"/>
-                <a:cs typeface="Times New Roman" panose="02020603050405020304" pitchFamily="18" charset="0"/>
-              </a:rPr>
-              <a:t> </a:t>
-            </a:r>
-            <a:r>
-              <a:rPr lang="en-US" sz="1800" dirty="0" err="1" smtClean="0">
-                <a:latin typeface="Times New Roman" panose="02020603050405020304" pitchFamily="18" charset="0"/>
-                <a:cs typeface="Times New Roman" panose="02020603050405020304" pitchFamily="18" charset="0"/>
-              </a:rPr>
-              <a:t>các</a:t>
-            </a:r>
-            <a:r>
-              <a:rPr lang="en-US" sz="1800" dirty="0" smtClean="0">
-                <a:latin typeface="Times New Roman" panose="02020603050405020304" pitchFamily="18" charset="0"/>
-                <a:cs typeface="Times New Roman" panose="02020603050405020304" pitchFamily="18" charset="0"/>
-              </a:rPr>
-              <a:t> button </a:t>
-            </a:r>
-            <a:r>
-              <a:rPr lang="en-US" sz="1800" dirty="0" err="1" smtClean="0">
-                <a:latin typeface="Times New Roman" panose="02020603050405020304" pitchFamily="18" charset="0"/>
-                <a:cs typeface="Times New Roman" panose="02020603050405020304" pitchFamily="18" charset="0"/>
-              </a:rPr>
-              <a:t>trên</a:t>
-            </a:r>
-            <a:r>
-              <a:rPr lang="en-US" sz="1800" dirty="0" smtClean="0">
-                <a:latin typeface="Times New Roman" panose="02020603050405020304" pitchFamily="18" charset="0"/>
-                <a:cs typeface="Times New Roman" panose="02020603050405020304" pitchFamily="18" charset="0"/>
-              </a:rPr>
-              <a:t> </a:t>
-            </a:r>
-            <a:r>
-              <a:rPr lang="en-US" sz="1800" dirty="0" err="1" smtClean="0">
-                <a:latin typeface="Times New Roman" panose="02020603050405020304" pitchFamily="18" charset="0"/>
-                <a:cs typeface="Times New Roman" panose="02020603050405020304" pitchFamily="18" charset="0"/>
-              </a:rPr>
-              <a:t>màn</a:t>
-            </a:r>
-            <a:r>
-              <a:rPr lang="en-US" sz="1800" dirty="0" smtClean="0">
-                <a:latin typeface="Times New Roman" panose="02020603050405020304" pitchFamily="18" charset="0"/>
-                <a:cs typeface="Times New Roman" panose="02020603050405020304" pitchFamily="18" charset="0"/>
-              </a:rPr>
-              <a:t> </a:t>
-            </a:r>
-            <a:r>
-              <a:rPr lang="en-US" sz="1800" dirty="0" err="1" smtClean="0">
-                <a:latin typeface="Times New Roman" panose="02020603050405020304" pitchFamily="18" charset="0"/>
-                <a:cs typeface="Times New Roman" panose="02020603050405020304" pitchFamily="18" charset="0"/>
-              </a:rPr>
-              <a:t>hình</a:t>
-            </a:r>
-            <a:r>
-              <a:rPr lang="en-US" sz="1800" dirty="0">
-                <a:latin typeface="Times New Roman" panose="02020603050405020304" pitchFamily="18" charset="0"/>
-                <a:cs typeface="Times New Roman" panose="02020603050405020304" pitchFamily="18" charset="0"/>
-              </a:rPr>
-              <a:t> </a:t>
-            </a:r>
-            <a:r>
-              <a:rPr lang="en-US" sz="1800" dirty="0" err="1" smtClean="0">
-                <a:latin typeface="Times New Roman" panose="02020603050405020304" pitchFamily="18" charset="0"/>
-                <a:cs typeface="Times New Roman" panose="02020603050405020304" pitchFamily="18" charset="0"/>
-              </a:rPr>
-              <a:t>hoặc</a:t>
-            </a:r>
-            <a:r>
-              <a:rPr lang="en-US" sz="1800" dirty="0" smtClean="0">
-                <a:latin typeface="Times New Roman" panose="02020603050405020304" pitchFamily="18" charset="0"/>
-                <a:cs typeface="Times New Roman" panose="02020603050405020304" pitchFamily="18" charset="0"/>
-              </a:rPr>
-              <a:t> </a:t>
-            </a:r>
-            <a:r>
-              <a:rPr lang="en-US" sz="1800" dirty="0" err="1" smtClean="0">
-                <a:latin typeface="Times New Roman" panose="02020603050405020304" pitchFamily="18" charset="0"/>
-                <a:cs typeface="Times New Roman" panose="02020603050405020304" pitchFamily="18" charset="0"/>
-              </a:rPr>
-              <a:t>các</a:t>
-            </a:r>
-            <a:r>
-              <a:rPr lang="en-US" sz="1800" dirty="0" smtClean="0">
-                <a:latin typeface="Times New Roman" panose="02020603050405020304" pitchFamily="18" charset="0"/>
-                <a:cs typeface="Times New Roman" panose="02020603050405020304" pitchFamily="18" charset="0"/>
-              </a:rPr>
-              <a:t> </a:t>
-            </a:r>
-            <a:r>
-              <a:rPr lang="en-US" sz="1800" dirty="0" err="1" smtClean="0">
-                <a:latin typeface="Times New Roman" panose="02020603050405020304" pitchFamily="18" charset="0"/>
-                <a:cs typeface="Times New Roman" panose="02020603050405020304" pitchFamily="18" charset="0"/>
-              </a:rPr>
-              <a:t>phím</a:t>
-            </a:r>
-            <a:r>
-              <a:rPr lang="en-US" sz="1800" dirty="0" smtClean="0">
-                <a:latin typeface="Times New Roman" panose="02020603050405020304" pitchFamily="18" charset="0"/>
-                <a:cs typeface="Times New Roman" panose="02020603050405020304" pitchFamily="18" charset="0"/>
-              </a:rPr>
-              <a:t> </a:t>
-            </a:r>
-            <a:r>
-              <a:rPr lang="en-US" sz="1800" dirty="0" err="1" smtClean="0">
-                <a:latin typeface="Times New Roman" panose="02020603050405020304" pitchFamily="18" charset="0"/>
-                <a:cs typeface="Times New Roman" panose="02020603050405020304" pitchFamily="18" charset="0"/>
-              </a:rPr>
-              <a:t>tắt</a:t>
-            </a:r>
-            <a:r>
-              <a:rPr lang="en-US" sz="1800" dirty="0" smtClean="0">
-                <a:latin typeface="Times New Roman" panose="02020603050405020304" pitchFamily="18" charset="0"/>
-                <a:cs typeface="Times New Roman" panose="02020603050405020304" pitchFamily="18" charset="0"/>
-              </a:rPr>
-              <a:t>.</a:t>
-            </a:r>
-          </a:p>
-          <a:p>
-            <a:pPr marL="0" indent="0">
-              <a:buNone/>
-            </a:pPr>
-            <a:r>
-              <a:rPr lang="en-US" sz="1800" dirty="0">
-                <a:latin typeface="Times New Roman" panose="02020603050405020304" pitchFamily="18" charset="0"/>
-                <a:cs typeface="Times New Roman" panose="02020603050405020304" pitchFamily="18" charset="0"/>
-              </a:rPr>
-              <a:t> </a:t>
-            </a:r>
-            <a:r>
-              <a:rPr lang="en-US" sz="1800" dirty="0" smtClean="0">
-                <a:latin typeface="Times New Roman" panose="02020603050405020304" pitchFamily="18" charset="0"/>
-                <a:cs typeface="Times New Roman" panose="02020603050405020304" pitchFamily="18" charset="0"/>
-              </a:rPr>
-              <a:t>                  3. User </a:t>
-            </a:r>
-            <a:r>
-              <a:rPr lang="en-US" sz="1800" dirty="0" err="1" smtClean="0">
-                <a:latin typeface="Times New Roman" panose="02020603050405020304" pitchFamily="18" charset="0"/>
-                <a:cs typeface="Times New Roman" panose="02020603050405020304" pitchFamily="18" charset="0"/>
-              </a:rPr>
-              <a:t>có</a:t>
-            </a:r>
-            <a:r>
-              <a:rPr lang="en-US" sz="1800" dirty="0" smtClean="0">
-                <a:latin typeface="Times New Roman" panose="02020603050405020304" pitchFamily="18" charset="0"/>
-                <a:cs typeface="Times New Roman" panose="02020603050405020304" pitchFamily="18" charset="0"/>
-              </a:rPr>
-              <a:t> </a:t>
-            </a:r>
-            <a:r>
-              <a:rPr lang="en-US" sz="1800" dirty="0" err="1" smtClean="0">
-                <a:latin typeface="Times New Roman" panose="02020603050405020304" pitchFamily="18" charset="0"/>
-                <a:cs typeface="Times New Roman" panose="02020603050405020304" pitchFamily="18" charset="0"/>
-              </a:rPr>
-              <a:t>thể</a:t>
-            </a:r>
-            <a:r>
-              <a:rPr lang="en-US" sz="1800" dirty="0" smtClean="0">
-                <a:latin typeface="Times New Roman" panose="02020603050405020304" pitchFamily="18" charset="0"/>
-                <a:cs typeface="Times New Roman" panose="02020603050405020304" pitchFamily="18" charset="0"/>
-              </a:rPr>
-              <a:t> </a:t>
-            </a:r>
-            <a:r>
-              <a:rPr lang="en-US" sz="1800" dirty="0" err="1" smtClean="0">
-                <a:latin typeface="Times New Roman" panose="02020603050405020304" pitchFamily="18" charset="0"/>
-                <a:cs typeface="Times New Roman" panose="02020603050405020304" pitchFamily="18" charset="0"/>
-              </a:rPr>
-              <a:t>quan</a:t>
-            </a:r>
-            <a:r>
-              <a:rPr lang="en-US" sz="1800" dirty="0" smtClean="0">
-                <a:latin typeface="Times New Roman" panose="02020603050405020304" pitchFamily="18" charset="0"/>
-                <a:cs typeface="Times New Roman" panose="02020603050405020304" pitchFamily="18" charset="0"/>
-              </a:rPr>
-              <a:t> </a:t>
-            </a:r>
-            <a:r>
-              <a:rPr lang="en-US" sz="1800" dirty="0" err="1" smtClean="0">
-                <a:latin typeface="Times New Roman" panose="02020603050405020304" pitchFamily="18" charset="0"/>
-                <a:cs typeface="Times New Roman" panose="02020603050405020304" pitchFamily="18" charset="0"/>
-              </a:rPr>
-              <a:t>sát</a:t>
-            </a:r>
-            <a:r>
-              <a:rPr lang="en-US" sz="1800" dirty="0" smtClean="0">
-                <a:latin typeface="Times New Roman" panose="02020603050405020304" pitchFamily="18" charset="0"/>
-                <a:cs typeface="Times New Roman" panose="02020603050405020304" pitchFamily="18" charset="0"/>
-              </a:rPr>
-              <a:t> di </a:t>
-            </a:r>
-            <a:r>
-              <a:rPr lang="en-US" sz="1800" dirty="0" err="1" smtClean="0">
-                <a:latin typeface="Times New Roman" panose="02020603050405020304" pitchFamily="18" charset="0"/>
-                <a:cs typeface="Times New Roman" panose="02020603050405020304" pitchFamily="18" charset="0"/>
-              </a:rPr>
-              <a:t>chuyển</a:t>
-            </a:r>
-            <a:r>
-              <a:rPr lang="en-US" sz="1800" dirty="0" smtClean="0">
-                <a:latin typeface="Times New Roman" panose="02020603050405020304" pitchFamily="18" charset="0"/>
-                <a:cs typeface="Times New Roman" panose="02020603050405020304" pitchFamily="18" charset="0"/>
-              </a:rPr>
-              <a:t> </a:t>
-            </a:r>
-            <a:r>
-              <a:rPr lang="en-US" sz="1800" dirty="0" err="1" smtClean="0">
-                <a:latin typeface="Times New Roman" panose="02020603050405020304" pitchFamily="18" charset="0"/>
-                <a:cs typeface="Times New Roman" panose="02020603050405020304" pitchFamily="18" charset="0"/>
-              </a:rPr>
-              <a:t>và</a:t>
-            </a:r>
-            <a:r>
-              <a:rPr lang="en-US" sz="1800" dirty="0" smtClean="0">
-                <a:latin typeface="Times New Roman" panose="02020603050405020304" pitchFamily="18" charset="0"/>
-                <a:cs typeface="Times New Roman" panose="02020603050405020304" pitchFamily="18" charset="0"/>
-              </a:rPr>
-              <a:t> </a:t>
-            </a:r>
-            <a:r>
-              <a:rPr lang="en-US" sz="1800" dirty="0" err="1" smtClean="0">
-                <a:latin typeface="Times New Roman" panose="02020603050405020304" pitchFamily="18" charset="0"/>
-                <a:cs typeface="Times New Roman" panose="02020603050405020304" pitchFamily="18" charset="0"/>
-              </a:rPr>
-              <a:t>hành</a:t>
-            </a:r>
-            <a:r>
-              <a:rPr lang="en-US" sz="1800" dirty="0" smtClean="0">
-                <a:latin typeface="Times New Roman" panose="02020603050405020304" pitchFamily="18" charset="0"/>
-                <a:cs typeface="Times New Roman" panose="02020603050405020304" pitchFamily="18" charset="0"/>
-              </a:rPr>
-              <a:t> </a:t>
-            </a:r>
-            <a:r>
-              <a:rPr lang="en-US" sz="1800" dirty="0" err="1" smtClean="0">
-                <a:latin typeface="Times New Roman" panose="02020603050405020304" pitchFamily="18" charset="0"/>
-                <a:cs typeface="Times New Roman" panose="02020603050405020304" pitchFamily="18" charset="0"/>
-              </a:rPr>
-              <a:t>động</a:t>
-            </a:r>
-            <a:r>
-              <a:rPr lang="en-US" sz="1800" dirty="0" smtClean="0">
-                <a:latin typeface="Times New Roman" panose="02020603050405020304" pitchFamily="18" charset="0"/>
-                <a:cs typeface="Times New Roman" panose="02020603050405020304" pitchFamily="18" charset="0"/>
-              </a:rPr>
-              <a:t> </a:t>
-            </a:r>
-            <a:r>
-              <a:rPr lang="en-US" sz="1800" dirty="0" err="1" smtClean="0">
-                <a:latin typeface="Times New Roman" panose="02020603050405020304" pitchFamily="18" charset="0"/>
-                <a:cs typeface="Times New Roman" panose="02020603050405020304" pitchFamily="18" charset="0"/>
-              </a:rPr>
-              <a:t>của</a:t>
-            </a:r>
-            <a:r>
-              <a:rPr lang="en-US" sz="1800" dirty="0" smtClean="0">
-                <a:latin typeface="Times New Roman" panose="02020603050405020304" pitchFamily="18" charset="0"/>
-                <a:cs typeface="Times New Roman" panose="02020603050405020304" pitchFamily="18" charset="0"/>
-              </a:rPr>
-              <a:t> robot ở </a:t>
-            </a:r>
-            <a:r>
-              <a:rPr lang="en-US" sz="1800" dirty="0" err="1" smtClean="0">
-                <a:latin typeface="Times New Roman" panose="02020603050405020304" pitchFamily="18" charset="0"/>
-                <a:cs typeface="Times New Roman" panose="02020603050405020304" pitchFamily="18" charset="0"/>
-              </a:rPr>
-              <a:t>khu</a:t>
-            </a:r>
-            <a:r>
-              <a:rPr lang="en-US" sz="1800" dirty="0" smtClean="0">
-                <a:latin typeface="Times New Roman" panose="02020603050405020304" pitchFamily="18" charset="0"/>
-                <a:cs typeface="Times New Roman" panose="02020603050405020304" pitchFamily="18" charset="0"/>
-              </a:rPr>
-              <a:t> </a:t>
-            </a:r>
-            <a:r>
-              <a:rPr lang="en-US" sz="1800" dirty="0" err="1" smtClean="0">
-                <a:latin typeface="Times New Roman" panose="02020603050405020304" pitchFamily="18" charset="0"/>
-                <a:cs typeface="Times New Roman" panose="02020603050405020304" pitchFamily="18" charset="0"/>
-              </a:rPr>
-              <a:t>vực</a:t>
-            </a:r>
-            <a:r>
-              <a:rPr lang="en-US" sz="1800" dirty="0" smtClean="0">
-                <a:latin typeface="Times New Roman" panose="02020603050405020304" pitchFamily="18" charset="0"/>
-                <a:cs typeface="Times New Roman" panose="02020603050405020304" pitchFamily="18" charset="0"/>
-              </a:rPr>
-              <a:t> [Camera Stream]</a:t>
-            </a:r>
-            <a:endParaRPr lang="en-US" sz="1800" dirty="0">
-              <a:latin typeface="Times New Roman" panose="02020603050405020304" pitchFamily="18" charset="0"/>
-              <a:cs typeface="Times New Roman" panose="02020603050405020304" pitchFamily="18" charset="0"/>
-            </a:endParaRPr>
-          </a:p>
-          <a:p>
-            <a:pPr marL="0" indent="0">
-              <a:buNone/>
-            </a:pPr>
-            <a:r>
-              <a:rPr lang="en-US" sz="1800" dirty="0" smtClean="0">
-                <a:latin typeface="Times New Roman" panose="02020603050405020304" pitchFamily="18" charset="0"/>
-                <a:cs typeface="Times New Roman" panose="02020603050405020304" pitchFamily="18" charset="0"/>
-              </a:rPr>
-              <a:t>                   4. </a:t>
-            </a:r>
-            <a:r>
-              <a:rPr lang="en-US" sz="1800" dirty="0" err="1" smtClean="0">
-                <a:latin typeface="Times New Roman" panose="02020603050405020304" pitchFamily="18" charset="0"/>
-                <a:cs typeface="Times New Roman" panose="02020603050405020304" pitchFamily="18" charset="0"/>
-              </a:rPr>
-              <a:t>Thời</a:t>
-            </a:r>
-            <a:r>
-              <a:rPr lang="en-US" sz="1800" dirty="0" smtClean="0">
-                <a:latin typeface="Times New Roman" panose="02020603050405020304" pitchFamily="18" charset="0"/>
-                <a:cs typeface="Times New Roman" panose="02020603050405020304" pitchFamily="18" charset="0"/>
-              </a:rPr>
-              <a:t> </a:t>
-            </a:r>
-            <a:r>
-              <a:rPr lang="en-US" sz="1800" dirty="0" err="1" smtClean="0">
-                <a:latin typeface="Times New Roman" panose="02020603050405020304" pitchFamily="18" charset="0"/>
-                <a:cs typeface="Times New Roman" panose="02020603050405020304" pitchFamily="18" charset="0"/>
-              </a:rPr>
-              <a:t>gian</a:t>
-            </a:r>
-            <a:r>
-              <a:rPr lang="en-US" sz="1800" dirty="0" smtClean="0">
-                <a:latin typeface="Times New Roman" panose="02020603050405020304" pitchFamily="18" charset="0"/>
-                <a:cs typeface="Times New Roman" panose="02020603050405020304" pitchFamily="18" charset="0"/>
-              </a:rPr>
-              <a:t> </a:t>
-            </a:r>
-            <a:r>
-              <a:rPr lang="en-US" sz="1800" dirty="0" err="1" smtClean="0">
-                <a:latin typeface="Times New Roman" panose="02020603050405020304" pitchFamily="18" charset="0"/>
-                <a:cs typeface="Times New Roman" panose="02020603050405020304" pitchFamily="18" charset="0"/>
-              </a:rPr>
-              <a:t>tối</a:t>
-            </a:r>
-            <a:r>
-              <a:rPr lang="en-US" sz="1800" dirty="0" smtClean="0">
-                <a:latin typeface="Times New Roman" panose="02020603050405020304" pitchFamily="18" charset="0"/>
-                <a:cs typeface="Times New Roman" panose="02020603050405020304" pitchFamily="18" charset="0"/>
-              </a:rPr>
-              <a:t> </a:t>
-            </a:r>
-            <a:r>
-              <a:rPr lang="en-US" sz="1800" dirty="0" err="1" smtClean="0">
-                <a:latin typeface="Times New Roman" panose="02020603050405020304" pitchFamily="18" charset="0"/>
-                <a:cs typeface="Times New Roman" panose="02020603050405020304" pitchFamily="18" charset="0"/>
-              </a:rPr>
-              <a:t>đa</a:t>
-            </a:r>
-            <a:r>
-              <a:rPr lang="en-US" sz="1800" dirty="0" smtClean="0">
-                <a:latin typeface="Times New Roman" panose="02020603050405020304" pitchFamily="18" charset="0"/>
-                <a:cs typeface="Times New Roman" panose="02020603050405020304" pitchFamily="18" charset="0"/>
-              </a:rPr>
-              <a:t> </a:t>
-            </a:r>
-            <a:r>
-              <a:rPr lang="en-US" sz="1800" dirty="0" err="1" smtClean="0">
-                <a:latin typeface="Times New Roman" panose="02020603050405020304" pitchFamily="18" charset="0"/>
-                <a:cs typeface="Times New Roman" panose="02020603050405020304" pitchFamily="18" charset="0"/>
-              </a:rPr>
-              <a:t>được</a:t>
-            </a:r>
-            <a:r>
-              <a:rPr lang="en-US" sz="1800" dirty="0" smtClean="0">
-                <a:latin typeface="Times New Roman" panose="02020603050405020304" pitchFamily="18" charset="0"/>
-                <a:cs typeface="Times New Roman" panose="02020603050405020304" pitchFamily="18" charset="0"/>
-              </a:rPr>
-              <a:t> </a:t>
-            </a:r>
-            <a:r>
-              <a:rPr lang="en-US" sz="1800" dirty="0" err="1" smtClean="0">
-                <a:latin typeface="Times New Roman" panose="02020603050405020304" pitchFamily="18" charset="0"/>
-                <a:cs typeface="Times New Roman" panose="02020603050405020304" pitchFamily="18" charset="0"/>
-              </a:rPr>
-              <a:t>phép</a:t>
-            </a:r>
-            <a:r>
-              <a:rPr lang="en-US" sz="1800" dirty="0" smtClean="0">
-                <a:latin typeface="Times New Roman" panose="02020603050405020304" pitchFamily="18" charset="0"/>
-                <a:cs typeface="Times New Roman" panose="02020603050405020304" pitchFamily="18" charset="0"/>
-              </a:rPr>
-              <a:t> </a:t>
-            </a:r>
-            <a:r>
-              <a:rPr lang="en-US" sz="1800" dirty="0" err="1" smtClean="0">
-                <a:latin typeface="Times New Roman" panose="02020603050405020304" pitchFamily="18" charset="0"/>
-                <a:cs typeface="Times New Roman" panose="02020603050405020304" pitchFamily="18" charset="0"/>
-              </a:rPr>
-              <a:t>sử</a:t>
-            </a:r>
-            <a:r>
-              <a:rPr lang="en-US" sz="1800" dirty="0" smtClean="0">
-                <a:latin typeface="Times New Roman" panose="02020603050405020304" pitchFamily="18" charset="0"/>
-                <a:cs typeface="Times New Roman" panose="02020603050405020304" pitchFamily="18" charset="0"/>
-              </a:rPr>
-              <a:t> </a:t>
-            </a:r>
-            <a:r>
-              <a:rPr lang="en-US" sz="1800" dirty="0" err="1" smtClean="0">
-                <a:latin typeface="Times New Roman" panose="02020603050405020304" pitchFamily="18" charset="0"/>
-                <a:cs typeface="Times New Roman" panose="02020603050405020304" pitchFamily="18" charset="0"/>
-              </a:rPr>
-              <a:t>dụng</a:t>
-            </a:r>
-            <a:r>
-              <a:rPr lang="en-US" sz="1800" dirty="0" smtClean="0">
-                <a:latin typeface="Times New Roman" panose="02020603050405020304" pitchFamily="18" charset="0"/>
-                <a:cs typeface="Times New Roman" panose="02020603050405020304" pitchFamily="18" charset="0"/>
-              </a:rPr>
-              <a:t> Page Control </a:t>
-            </a:r>
-            <a:r>
-              <a:rPr lang="en-US" sz="1800" dirty="0" err="1" smtClean="0">
-                <a:latin typeface="Times New Roman" panose="02020603050405020304" pitchFamily="18" charset="0"/>
-                <a:cs typeface="Times New Roman" panose="02020603050405020304" pitchFamily="18" charset="0"/>
-              </a:rPr>
-              <a:t>là</a:t>
-            </a:r>
-            <a:r>
-              <a:rPr lang="en-US" sz="1800" dirty="0" smtClean="0">
-                <a:latin typeface="Times New Roman" panose="02020603050405020304" pitchFamily="18" charset="0"/>
-                <a:cs typeface="Times New Roman" panose="02020603050405020304" pitchFamily="18" charset="0"/>
-              </a:rPr>
-              <a:t> 10 </a:t>
-            </a:r>
-            <a:r>
-              <a:rPr lang="en-US" sz="1800" dirty="0" err="1" smtClean="0">
-                <a:latin typeface="Times New Roman" panose="02020603050405020304" pitchFamily="18" charset="0"/>
-                <a:cs typeface="Times New Roman" panose="02020603050405020304" pitchFamily="18" charset="0"/>
-              </a:rPr>
-              <a:t>phút</a:t>
-            </a:r>
-            <a:r>
-              <a:rPr lang="en-US" sz="1800" dirty="0" smtClean="0">
-                <a:latin typeface="Times New Roman" panose="02020603050405020304" pitchFamily="18" charset="0"/>
-                <a:cs typeface="Times New Roman" panose="02020603050405020304" pitchFamily="18" charset="0"/>
-              </a:rPr>
-              <a:t>. </a:t>
-            </a:r>
-            <a:r>
-              <a:rPr lang="en-US" sz="1800" dirty="0" err="1" smtClean="0">
-                <a:latin typeface="Times New Roman" panose="02020603050405020304" pitchFamily="18" charset="0"/>
-                <a:cs typeface="Times New Roman" panose="02020603050405020304" pitchFamily="18" charset="0"/>
-              </a:rPr>
-              <a:t>Sau</a:t>
-            </a:r>
-            <a:r>
-              <a:rPr lang="en-US" sz="1800" dirty="0" smtClean="0">
-                <a:latin typeface="Times New Roman" panose="02020603050405020304" pitchFamily="18" charset="0"/>
-                <a:cs typeface="Times New Roman" panose="02020603050405020304" pitchFamily="18" charset="0"/>
-              </a:rPr>
-              <a:t> 10 </a:t>
-            </a:r>
-            <a:r>
-              <a:rPr lang="en-US" sz="1800" dirty="0" err="1" smtClean="0">
-                <a:latin typeface="Times New Roman" panose="02020603050405020304" pitchFamily="18" charset="0"/>
-                <a:cs typeface="Times New Roman" panose="02020603050405020304" pitchFamily="18" charset="0"/>
-              </a:rPr>
-              <a:t>phút</a:t>
-            </a:r>
-            <a:r>
-              <a:rPr lang="en-US" sz="1800" dirty="0" smtClean="0">
-                <a:latin typeface="Times New Roman" panose="02020603050405020304" pitchFamily="18" charset="0"/>
-                <a:cs typeface="Times New Roman" panose="02020603050405020304" pitchFamily="18" charset="0"/>
-              </a:rPr>
-              <a:t> </a:t>
-            </a:r>
-            <a:r>
-              <a:rPr lang="en-US" sz="1800" dirty="0" err="1" smtClean="0">
-                <a:latin typeface="Times New Roman" panose="02020603050405020304" pitchFamily="18" charset="0"/>
-                <a:cs typeface="Times New Roman" panose="02020603050405020304" pitchFamily="18" charset="0"/>
-              </a:rPr>
-              <a:t>sẽ</a:t>
-            </a:r>
-            <a:r>
-              <a:rPr lang="en-US" sz="1800" dirty="0" smtClean="0">
-                <a:latin typeface="Times New Roman" panose="02020603050405020304" pitchFamily="18" charset="0"/>
-                <a:cs typeface="Times New Roman" panose="02020603050405020304" pitchFamily="18" charset="0"/>
-              </a:rPr>
-              <a:t> </a:t>
-            </a:r>
-            <a:r>
-              <a:rPr lang="en-US" sz="1800" dirty="0" err="1" smtClean="0">
-                <a:latin typeface="Times New Roman" panose="02020603050405020304" pitchFamily="18" charset="0"/>
-                <a:cs typeface="Times New Roman" panose="02020603050405020304" pitchFamily="18" charset="0"/>
-              </a:rPr>
-              <a:t>tự</a:t>
-            </a:r>
-            <a:r>
-              <a:rPr lang="en-US" sz="1800" dirty="0" smtClean="0">
-                <a:latin typeface="Times New Roman" panose="02020603050405020304" pitchFamily="18" charset="0"/>
-                <a:cs typeface="Times New Roman" panose="02020603050405020304" pitchFamily="18" charset="0"/>
-              </a:rPr>
-              <a:t> </a:t>
-            </a:r>
-            <a:r>
-              <a:rPr lang="en-US" sz="1800" dirty="0" err="1" smtClean="0">
-                <a:latin typeface="Times New Roman" panose="02020603050405020304" pitchFamily="18" charset="0"/>
-                <a:cs typeface="Times New Roman" panose="02020603050405020304" pitchFamily="18" charset="0"/>
-              </a:rPr>
-              <a:t>động</a:t>
-            </a:r>
-            <a:r>
-              <a:rPr lang="en-US" sz="1800" dirty="0" smtClean="0">
-                <a:latin typeface="Times New Roman" panose="02020603050405020304" pitchFamily="18" charset="0"/>
-                <a:cs typeface="Times New Roman" panose="02020603050405020304" pitchFamily="18" charset="0"/>
-              </a:rPr>
-              <a:t> logout user</a:t>
-            </a:r>
-          </a:p>
-          <a:p>
-            <a:pPr marL="0" indent="0">
-              <a:buNone/>
-            </a:pPr>
-            <a:r>
-              <a:rPr lang="en-US" sz="1800" dirty="0">
-                <a:latin typeface="Times New Roman" panose="02020603050405020304" pitchFamily="18" charset="0"/>
-                <a:cs typeface="Times New Roman" panose="02020603050405020304" pitchFamily="18" charset="0"/>
-              </a:rPr>
-              <a:t> </a:t>
-            </a:r>
-            <a:r>
-              <a:rPr lang="en-US" sz="1800" dirty="0" smtClean="0">
-                <a:latin typeface="Times New Roman" panose="02020603050405020304" pitchFamily="18" charset="0"/>
-                <a:cs typeface="Times New Roman" panose="02020603050405020304" pitchFamily="18" charset="0"/>
-              </a:rPr>
-              <a:t>                  5. User </a:t>
-            </a:r>
-            <a:r>
-              <a:rPr lang="en-US" sz="1800" dirty="0" err="1" smtClean="0">
-                <a:latin typeface="Times New Roman" panose="02020603050405020304" pitchFamily="18" charset="0"/>
-                <a:cs typeface="Times New Roman" panose="02020603050405020304" pitchFamily="18" charset="0"/>
-              </a:rPr>
-              <a:t>có</a:t>
-            </a:r>
-            <a:r>
-              <a:rPr lang="en-US" sz="1800" dirty="0" smtClean="0">
-                <a:latin typeface="Times New Roman" panose="02020603050405020304" pitchFamily="18" charset="0"/>
-                <a:cs typeface="Times New Roman" panose="02020603050405020304" pitchFamily="18" charset="0"/>
-              </a:rPr>
-              <a:t> </a:t>
-            </a:r>
-            <a:r>
-              <a:rPr lang="en-US" sz="1800" dirty="0" err="1" smtClean="0">
-                <a:latin typeface="Times New Roman" panose="02020603050405020304" pitchFamily="18" charset="0"/>
-                <a:cs typeface="Times New Roman" panose="02020603050405020304" pitchFamily="18" charset="0"/>
-              </a:rPr>
-              <a:t>thể</a:t>
-            </a:r>
-            <a:r>
-              <a:rPr lang="en-US" sz="1800" dirty="0" smtClean="0">
-                <a:latin typeface="Times New Roman" panose="02020603050405020304" pitchFamily="18" charset="0"/>
-                <a:cs typeface="Times New Roman" panose="02020603050405020304" pitchFamily="18" charset="0"/>
-              </a:rPr>
-              <a:t> </a:t>
-            </a:r>
-            <a:r>
-              <a:rPr lang="en-US" sz="1800" dirty="0" err="1" smtClean="0">
-                <a:latin typeface="Times New Roman" panose="02020603050405020304" pitchFamily="18" charset="0"/>
-                <a:cs typeface="Times New Roman" panose="02020603050405020304" pitchFamily="18" charset="0"/>
-              </a:rPr>
-              <a:t>rời</a:t>
-            </a:r>
-            <a:r>
-              <a:rPr lang="en-US" sz="1800" dirty="0" smtClean="0">
-                <a:latin typeface="Times New Roman" panose="02020603050405020304" pitchFamily="18" charset="0"/>
-                <a:cs typeface="Times New Roman" panose="02020603050405020304" pitchFamily="18" charset="0"/>
-              </a:rPr>
-              <a:t> Page Control </a:t>
-            </a:r>
-            <a:r>
-              <a:rPr lang="en-US" sz="1800" dirty="0" err="1" smtClean="0">
-                <a:latin typeface="Times New Roman" panose="02020603050405020304" pitchFamily="18" charset="0"/>
-                <a:cs typeface="Times New Roman" panose="02020603050405020304" pitchFamily="18" charset="0"/>
-              </a:rPr>
-              <a:t>sớm</a:t>
-            </a:r>
-            <a:r>
-              <a:rPr lang="en-US" sz="1800" dirty="0" smtClean="0">
-                <a:latin typeface="Times New Roman" panose="02020603050405020304" pitchFamily="18" charset="0"/>
-                <a:cs typeface="Times New Roman" panose="02020603050405020304" pitchFamily="18" charset="0"/>
-              </a:rPr>
-              <a:t> </a:t>
-            </a:r>
-            <a:r>
-              <a:rPr lang="en-US" sz="1800" dirty="0" err="1" smtClean="0">
-                <a:latin typeface="Times New Roman" panose="02020603050405020304" pitchFamily="18" charset="0"/>
-                <a:cs typeface="Times New Roman" panose="02020603050405020304" pitchFamily="18" charset="0"/>
-              </a:rPr>
-              <a:t>hơn</a:t>
-            </a:r>
-            <a:r>
-              <a:rPr lang="en-US" sz="1800" dirty="0" smtClean="0">
-                <a:latin typeface="Times New Roman" panose="02020603050405020304" pitchFamily="18" charset="0"/>
-                <a:cs typeface="Times New Roman" panose="02020603050405020304" pitchFamily="18" charset="0"/>
-              </a:rPr>
-              <a:t> </a:t>
-            </a:r>
-            <a:r>
-              <a:rPr lang="en-US" sz="1800" dirty="0" err="1" smtClean="0">
-                <a:latin typeface="Times New Roman" panose="02020603050405020304" pitchFamily="18" charset="0"/>
-                <a:cs typeface="Times New Roman" panose="02020603050405020304" pitchFamily="18" charset="0"/>
-              </a:rPr>
-              <a:t>bằng</a:t>
-            </a:r>
-            <a:r>
-              <a:rPr lang="en-US" sz="1800" dirty="0" smtClean="0">
-                <a:latin typeface="Times New Roman" panose="02020603050405020304" pitchFamily="18" charset="0"/>
-                <a:cs typeface="Times New Roman" panose="02020603050405020304" pitchFamily="18" charset="0"/>
-              </a:rPr>
-              <a:t> </a:t>
-            </a:r>
-            <a:r>
-              <a:rPr lang="en-US" sz="1800" dirty="0" err="1" smtClean="0">
-                <a:latin typeface="Times New Roman" panose="02020603050405020304" pitchFamily="18" charset="0"/>
-                <a:cs typeface="Times New Roman" panose="02020603050405020304" pitchFamily="18" charset="0"/>
-              </a:rPr>
-              <a:t>cách</a:t>
-            </a:r>
-            <a:r>
-              <a:rPr lang="en-US" sz="1800" dirty="0" smtClean="0">
-                <a:latin typeface="Times New Roman" panose="02020603050405020304" pitchFamily="18" charset="0"/>
-                <a:cs typeface="Times New Roman" panose="02020603050405020304" pitchFamily="18" charset="0"/>
-              </a:rPr>
-              <a:t> click button [Out Room] </a:t>
-            </a:r>
-            <a:r>
-              <a:rPr lang="en-US" sz="1800" dirty="0" err="1" smtClean="0">
-                <a:latin typeface="Times New Roman" panose="02020603050405020304" pitchFamily="18" charset="0"/>
-                <a:cs typeface="Times New Roman" panose="02020603050405020304" pitchFamily="18" charset="0"/>
-              </a:rPr>
-              <a:t>hoặc</a:t>
-            </a:r>
-            <a:r>
-              <a:rPr lang="en-US" sz="1800" dirty="0" smtClean="0">
-                <a:latin typeface="Times New Roman" panose="02020603050405020304" pitchFamily="18" charset="0"/>
-                <a:cs typeface="Times New Roman" panose="02020603050405020304" pitchFamily="18" charset="0"/>
-              </a:rPr>
-              <a:t> click [Logout]</a:t>
-            </a:r>
-          </a:p>
-          <a:p>
-            <a:pPr marL="0" indent="0">
-              <a:buNone/>
-            </a:pPr>
-            <a:r>
-              <a:rPr lang="en-US" sz="1800" dirty="0">
-                <a:latin typeface="Times New Roman" panose="02020603050405020304" pitchFamily="18" charset="0"/>
-                <a:cs typeface="Times New Roman" panose="02020603050405020304" pitchFamily="18" charset="0"/>
-              </a:rPr>
-              <a:t>	</a:t>
-            </a:r>
-            <a:r>
-              <a:rPr lang="en-US" sz="1800" dirty="0" smtClean="0">
-                <a:latin typeface="Times New Roman" panose="02020603050405020304" pitchFamily="18" charset="0"/>
-                <a:cs typeface="Times New Roman" panose="02020603050405020304" pitchFamily="18" charset="0"/>
-              </a:rPr>
-              <a:t>6. User </a:t>
-            </a:r>
-            <a:r>
-              <a:rPr lang="en-US" sz="1800" dirty="0" err="1" smtClean="0">
-                <a:latin typeface="Times New Roman" panose="02020603050405020304" pitchFamily="18" charset="0"/>
-                <a:cs typeface="Times New Roman" panose="02020603050405020304" pitchFamily="18" charset="0"/>
-              </a:rPr>
-              <a:t>có</a:t>
-            </a:r>
-            <a:r>
-              <a:rPr lang="en-US" sz="1800" dirty="0" smtClean="0">
-                <a:latin typeface="Times New Roman" panose="02020603050405020304" pitchFamily="18" charset="0"/>
-                <a:cs typeface="Times New Roman" panose="02020603050405020304" pitchFamily="18" charset="0"/>
-              </a:rPr>
-              <a:t> </a:t>
-            </a:r>
-            <a:r>
-              <a:rPr lang="en-US" sz="1800" dirty="0" err="1" smtClean="0">
-                <a:latin typeface="Times New Roman" panose="02020603050405020304" pitchFamily="18" charset="0"/>
-                <a:cs typeface="Times New Roman" panose="02020603050405020304" pitchFamily="18" charset="0"/>
-              </a:rPr>
-              <a:t>thể</a:t>
-            </a:r>
-            <a:r>
-              <a:rPr lang="en-US" sz="1800" dirty="0" smtClean="0">
-                <a:latin typeface="Times New Roman" panose="02020603050405020304" pitchFamily="18" charset="0"/>
-                <a:cs typeface="Times New Roman" panose="02020603050405020304" pitchFamily="18" charset="0"/>
-              </a:rPr>
-              <a:t> </a:t>
-            </a:r>
-            <a:r>
-              <a:rPr lang="en-US" sz="1800" dirty="0" err="1" smtClean="0">
-                <a:latin typeface="Times New Roman" panose="02020603050405020304" pitchFamily="18" charset="0"/>
-                <a:cs typeface="Times New Roman" panose="02020603050405020304" pitchFamily="18" charset="0"/>
-              </a:rPr>
-              <a:t>theo</a:t>
-            </a:r>
-            <a:r>
-              <a:rPr lang="en-US" sz="1800" dirty="0" smtClean="0">
-                <a:latin typeface="Times New Roman" panose="02020603050405020304" pitchFamily="18" charset="0"/>
-                <a:cs typeface="Times New Roman" panose="02020603050405020304" pitchFamily="18" charset="0"/>
-              </a:rPr>
-              <a:t> </a:t>
-            </a:r>
-            <a:r>
-              <a:rPr lang="en-US" sz="1800" dirty="0" err="1" smtClean="0">
-                <a:latin typeface="Times New Roman" panose="02020603050405020304" pitchFamily="18" charset="0"/>
-                <a:cs typeface="Times New Roman" panose="02020603050405020304" pitchFamily="18" charset="0"/>
-              </a:rPr>
-              <a:t>dõi</a:t>
-            </a:r>
-            <a:r>
-              <a:rPr lang="en-US" sz="1800" dirty="0" smtClean="0">
-                <a:latin typeface="Times New Roman" panose="02020603050405020304" pitchFamily="18" charset="0"/>
-                <a:cs typeface="Times New Roman" panose="02020603050405020304" pitchFamily="18" charset="0"/>
-              </a:rPr>
-              <a:t> Pin </a:t>
-            </a:r>
-            <a:r>
-              <a:rPr lang="en-US" sz="1800" dirty="0" err="1" smtClean="0">
-                <a:latin typeface="Times New Roman" panose="02020603050405020304" pitchFamily="18" charset="0"/>
-                <a:cs typeface="Times New Roman" panose="02020603050405020304" pitchFamily="18" charset="0"/>
-              </a:rPr>
-              <a:t>và</a:t>
-            </a:r>
-            <a:r>
-              <a:rPr lang="en-US" sz="1800" dirty="0" smtClean="0">
-                <a:latin typeface="Times New Roman" panose="02020603050405020304" pitchFamily="18" charset="0"/>
-                <a:cs typeface="Times New Roman" panose="02020603050405020304" pitchFamily="18" charset="0"/>
-              </a:rPr>
-              <a:t> </a:t>
-            </a:r>
-            <a:r>
-              <a:rPr lang="en-US" sz="1800" dirty="0" err="1" smtClean="0">
-                <a:latin typeface="Times New Roman" panose="02020603050405020304" pitchFamily="18" charset="0"/>
-                <a:cs typeface="Times New Roman" panose="02020603050405020304" pitchFamily="18" charset="0"/>
-              </a:rPr>
-              <a:t>Wifi</a:t>
-            </a:r>
-            <a:r>
-              <a:rPr lang="en-US" sz="1800" dirty="0" smtClean="0">
-                <a:latin typeface="Times New Roman" panose="02020603050405020304" pitchFamily="18" charset="0"/>
-                <a:cs typeface="Times New Roman" panose="02020603050405020304" pitchFamily="18" charset="0"/>
-              </a:rPr>
-              <a:t> </a:t>
-            </a:r>
-            <a:r>
-              <a:rPr lang="en-US" sz="1800" dirty="0" err="1" smtClean="0">
-                <a:latin typeface="Times New Roman" panose="02020603050405020304" pitchFamily="18" charset="0"/>
-                <a:cs typeface="Times New Roman" panose="02020603050405020304" pitchFamily="18" charset="0"/>
-              </a:rPr>
-              <a:t>của</a:t>
-            </a:r>
-            <a:r>
-              <a:rPr lang="en-US" sz="1800" dirty="0" smtClean="0">
-                <a:latin typeface="Times New Roman" panose="02020603050405020304" pitchFamily="18" charset="0"/>
-                <a:cs typeface="Times New Roman" panose="02020603050405020304" pitchFamily="18" charset="0"/>
-              </a:rPr>
-              <a:t> robot ở </a:t>
-            </a:r>
-            <a:r>
-              <a:rPr lang="en-US" sz="1800" dirty="0" err="1" smtClean="0">
-                <a:latin typeface="Times New Roman" panose="02020603050405020304" pitchFamily="18" charset="0"/>
-                <a:cs typeface="Times New Roman" panose="02020603050405020304" pitchFamily="18" charset="0"/>
-              </a:rPr>
-              <a:t>vùng</a:t>
-            </a:r>
-            <a:r>
-              <a:rPr lang="en-US" sz="1800" dirty="0" smtClean="0">
-                <a:latin typeface="Times New Roman" panose="02020603050405020304" pitchFamily="18" charset="0"/>
-                <a:cs typeface="Times New Roman" panose="02020603050405020304" pitchFamily="18" charset="0"/>
-              </a:rPr>
-              <a:t> [</a:t>
-            </a:r>
-            <a:r>
-              <a:rPr lang="en-US" sz="1800" dirty="0" err="1" smtClean="0">
-                <a:latin typeface="Times New Roman" panose="02020603050405020304" pitchFamily="18" charset="0"/>
-                <a:cs typeface="Times New Roman" panose="02020603050405020304" pitchFamily="18" charset="0"/>
-              </a:rPr>
-              <a:t>Wifi_Battery</a:t>
-            </a:r>
-            <a:r>
-              <a:rPr lang="en-US" sz="1800" dirty="0" smtClean="0">
-                <a:latin typeface="Times New Roman" panose="02020603050405020304" pitchFamily="18" charset="0"/>
-                <a:cs typeface="Times New Roman" panose="02020603050405020304" pitchFamily="18" charset="0"/>
-              </a:rPr>
-              <a:t>] , </a:t>
-            </a:r>
-            <a:r>
-              <a:rPr lang="en-US" sz="1800" dirty="0" err="1" smtClean="0">
-                <a:latin typeface="Times New Roman" panose="02020603050405020304" pitchFamily="18" charset="0"/>
-                <a:cs typeface="Times New Roman" panose="02020603050405020304" pitchFamily="18" charset="0"/>
-              </a:rPr>
-              <a:t>màu</a:t>
-            </a:r>
-            <a:r>
-              <a:rPr lang="en-US" sz="1800" dirty="0" smtClean="0">
-                <a:latin typeface="Times New Roman" panose="02020603050405020304" pitchFamily="18" charset="0"/>
-                <a:cs typeface="Times New Roman" panose="02020603050405020304" pitchFamily="18" charset="0"/>
-              </a:rPr>
-              <a:t> </a:t>
-            </a:r>
-            <a:r>
-              <a:rPr lang="en-US" sz="1800" dirty="0" err="1" smtClean="0">
-                <a:latin typeface="Times New Roman" panose="02020603050405020304" pitchFamily="18" charset="0"/>
-                <a:cs typeface="Times New Roman" panose="02020603050405020304" pitchFamily="18" charset="0"/>
-              </a:rPr>
-              <a:t>sắc</a:t>
-            </a:r>
-            <a:r>
-              <a:rPr lang="en-US" sz="1800" dirty="0" smtClean="0">
-                <a:latin typeface="Times New Roman" panose="02020603050405020304" pitchFamily="18" charset="0"/>
-                <a:cs typeface="Times New Roman" panose="02020603050405020304" pitchFamily="18" charset="0"/>
-              </a:rPr>
-              <a:t> </a:t>
-            </a:r>
-            <a:r>
-              <a:rPr lang="en-US" sz="1800" dirty="0" err="1" smtClean="0">
-                <a:latin typeface="Times New Roman" panose="02020603050405020304" pitchFamily="18" charset="0"/>
-                <a:cs typeface="Times New Roman" panose="02020603050405020304" pitchFamily="18" charset="0"/>
-              </a:rPr>
-              <a:t>của</a:t>
-            </a:r>
-            <a:r>
-              <a:rPr lang="en-US" sz="1800" dirty="0" smtClean="0">
-                <a:latin typeface="Times New Roman" panose="02020603050405020304" pitchFamily="18" charset="0"/>
-                <a:cs typeface="Times New Roman" panose="02020603050405020304" pitchFamily="18" charset="0"/>
-              </a:rPr>
-              <a:t> </a:t>
-            </a:r>
-            <a:r>
-              <a:rPr lang="en-US" sz="1800" dirty="0" err="1" smtClean="0">
-                <a:latin typeface="Times New Roman" panose="02020603050405020304" pitchFamily="18" charset="0"/>
-                <a:cs typeface="Times New Roman" panose="02020603050405020304" pitchFamily="18" charset="0"/>
-              </a:rPr>
-              <a:t>vùng</a:t>
-            </a:r>
-            <a:r>
-              <a:rPr lang="en-US" sz="1800" dirty="0" smtClean="0">
-                <a:latin typeface="Times New Roman" panose="02020603050405020304" pitchFamily="18" charset="0"/>
-                <a:cs typeface="Times New Roman" panose="02020603050405020304" pitchFamily="18" charset="0"/>
-              </a:rPr>
-              <a:t> </a:t>
-            </a:r>
-            <a:r>
-              <a:rPr lang="en-US" sz="1800" dirty="0" err="1" smtClean="0">
-                <a:latin typeface="Times New Roman" panose="02020603050405020304" pitchFamily="18" charset="0"/>
-                <a:cs typeface="Times New Roman" panose="02020603050405020304" pitchFamily="18" charset="0"/>
-              </a:rPr>
-              <a:t>sẽ</a:t>
-            </a:r>
-            <a:r>
-              <a:rPr lang="en-US" sz="1800" dirty="0" smtClean="0">
-                <a:latin typeface="Times New Roman" panose="02020603050405020304" pitchFamily="18" charset="0"/>
-                <a:cs typeface="Times New Roman" panose="02020603050405020304" pitchFamily="18" charset="0"/>
-              </a:rPr>
-              <a:t> </a:t>
-            </a:r>
-            <a:r>
-              <a:rPr lang="en-US" sz="1800" dirty="0" err="1" smtClean="0">
-                <a:latin typeface="Times New Roman" panose="02020603050405020304" pitchFamily="18" charset="0"/>
-                <a:cs typeface="Times New Roman" panose="02020603050405020304" pitchFamily="18" charset="0"/>
-              </a:rPr>
-              <a:t>thay</a:t>
-            </a:r>
-            <a:r>
-              <a:rPr lang="en-US" sz="1800" dirty="0" smtClean="0">
-                <a:latin typeface="Times New Roman" panose="02020603050405020304" pitchFamily="18" charset="0"/>
-                <a:cs typeface="Times New Roman" panose="02020603050405020304" pitchFamily="18" charset="0"/>
-              </a:rPr>
-              <a:t> </a:t>
-            </a:r>
-            <a:r>
-              <a:rPr lang="en-US" sz="1800" dirty="0" err="1" smtClean="0">
-                <a:latin typeface="Times New Roman" panose="02020603050405020304" pitchFamily="18" charset="0"/>
-                <a:cs typeface="Times New Roman" panose="02020603050405020304" pitchFamily="18" charset="0"/>
-              </a:rPr>
-              <a:t>đổi</a:t>
-            </a:r>
-            <a:r>
-              <a:rPr lang="en-US" sz="1800" dirty="0" smtClean="0">
-                <a:latin typeface="Times New Roman" panose="02020603050405020304" pitchFamily="18" charset="0"/>
-                <a:cs typeface="Times New Roman" panose="02020603050405020304" pitchFamily="18" charset="0"/>
-              </a:rPr>
-              <a:t> </a:t>
-            </a:r>
-            <a:r>
-              <a:rPr lang="en-US" sz="1800" dirty="0" err="1" smtClean="0">
-                <a:latin typeface="Times New Roman" panose="02020603050405020304" pitchFamily="18" charset="0"/>
-                <a:cs typeface="Times New Roman" panose="02020603050405020304" pitchFamily="18" charset="0"/>
-              </a:rPr>
-              <a:t>theo</a:t>
-            </a:r>
-            <a:r>
-              <a:rPr lang="en-US" sz="1800" dirty="0" smtClean="0">
-                <a:latin typeface="Times New Roman" panose="02020603050405020304" pitchFamily="18" charset="0"/>
-                <a:cs typeface="Times New Roman" panose="02020603050405020304" pitchFamily="18" charset="0"/>
-              </a:rPr>
-              <a:t> Pin </a:t>
-            </a:r>
-            <a:r>
-              <a:rPr lang="en-US" sz="1800" dirty="0" err="1" smtClean="0">
-                <a:latin typeface="Times New Roman" panose="02020603050405020304" pitchFamily="18" charset="0"/>
-                <a:cs typeface="Times New Roman" panose="02020603050405020304" pitchFamily="18" charset="0"/>
-              </a:rPr>
-              <a:t>và</a:t>
-            </a:r>
-            <a:r>
-              <a:rPr lang="en-US" sz="1800" dirty="0" smtClean="0">
-                <a:latin typeface="Times New Roman" panose="02020603050405020304" pitchFamily="18" charset="0"/>
-                <a:cs typeface="Times New Roman" panose="02020603050405020304" pitchFamily="18" charset="0"/>
-              </a:rPr>
-              <a:t> </a:t>
-            </a:r>
-            <a:r>
-              <a:rPr lang="en-US" sz="1800" dirty="0" err="1" smtClean="0">
-                <a:latin typeface="Times New Roman" panose="02020603050405020304" pitchFamily="18" charset="0"/>
-                <a:cs typeface="Times New Roman" panose="02020603050405020304" pitchFamily="18" charset="0"/>
-              </a:rPr>
-              <a:t>Wifi</a:t>
-            </a:r>
-            <a:endParaRPr lang="en-US" sz="1800" dirty="0" smtClean="0">
-              <a:latin typeface="Times New Roman" panose="02020603050405020304" pitchFamily="18" charset="0"/>
-              <a:cs typeface="Times New Roman" panose="02020603050405020304" pitchFamily="18" charset="0"/>
-            </a:endParaRPr>
-          </a:p>
-          <a:p>
-            <a:pPr marL="0" indent="0">
-              <a:buNone/>
-            </a:pPr>
-            <a:r>
-              <a:rPr lang="en-US" sz="1800" dirty="0" smtClean="0">
-                <a:latin typeface="Times New Roman" panose="02020603050405020304" pitchFamily="18" charset="0"/>
-                <a:cs typeface="Times New Roman" panose="02020603050405020304" pitchFamily="18" charset="0"/>
-              </a:rPr>
-              <a:t>                   7. </a:t>
-            </a:r>
-            <a:r>
-              <a:rPr lang="en-US" sz="1800" dirty="0" err="1" smtClean="0">
-                <a:latin typeface="Times New Roman" panose="02020603050405020304" pitchFamily="18" charset="0"/>
-                <a:cs typeface="Times New Roman" panose="02020603050405020304" pitchFamily="18" charset="0"/>
-              </a:rPr>
-              <a:t>Khi</a:t>
-            </a:r>
-            <a:r>
-              <a:rPr lang="en-US" sz="1800" dirty="0" smtClean="0">
-                <a:latin typeface="Times New Roman" panose="02020603050405020304" pitchFamily="18" charset="0"/>
-                <a:cs typeface="Times New Roman" panose="02020603050405020304" pitchFamily="18" charset="0"/>
-              </a:rPr>
-              <a:t> robot </a:t>
-            </a:r>
-            <a:r>
-              <a:rPr lang="en-US" sz="1800" dirty="0" err="1" smtClean="0">
-                <a:latin typeface="Times New Roman" panose="02020603050405020304" pitchFamily="18" charset="0"/>
-                <a:cs typeface="Times New Roman" panose="02020603050405020304" pitchFamily="18" charset="0"/>
-              </a:rPr>
-              <a:t>cần</a:t>
-            </a:r>
-            <a:r>
-              <a:rPr lang="en-US" sz="1800" dirty="0" smtClean="0">
-                <a:latin typeface="Times New Roman" panose="02020603050405020304" pitchFamily="18" charset="0"/>
-                <a:cs typeface="Times New Roman" panose="02020603050405020304" pitchFamily="18" charset="0"/>
-              </a:rPr>
-              <a:t> </a:t>
-            </a:r>
-            <a:r>
-              <a:rPr lang="en-US" sz="1800" dirty="0" err="1" smtClean="0">
-                <a:latin typeface="Times New Roman" panose="02020603050405020304" pitchFamily="18" charset="0"/>
-                <a:cs typeface="Times New Roman" panose="02020603050405020304" pitchFamily="18" charset="0"/>
-              </a:rPr>
-              <a:t>được</a:t>
-            </a:r>
-            <a:r>
-              <a:rPr lang="en-US" sz="1800" dirty="0" smtClean="0">
-                <a:latin typeface="Times New Roman" panose="02020603050405020304" pitchFamily="18" charset="0"/>
-                <a:cs typeface="Times New Roman" panose="02020603050405020304" pitchFamily="18" charset="0"/>
-              </a:rPr>
-              <a:t> </a:t>
-            </a:r>
-            <a:r>
-              <a:rPr lang="en-US" sz="1800" dirty="0" err="1" smtClean="0">
-                <a:latin typeface="Times New Roman" panose="02020603050405020304" pitchFamily="18" charset="0"/>
-                <a:cs typeface="Times New Roman" panose="02020603050405020304" pitchFamily="18" charset="0"/>
-              </a:rPr>
-              <a:t>xử</a:t>
-            </a:r>
-            <a:r>
-              <a:rPr lang="en-US" sz="1800" dirty="0" smtClean="0">
-                <a:latin typeface="Times New Roman" panose="02020603050405020304" pitchFamily="18" charset="0"/>
-                <a:cs typeface="Times New Roman" panose="02020603050405020304" pitchFamily="18" charset="0"/>
-              </a:rPr>
-              <a:t> </a:t>
-            </a:r>
-            <a:r>
-              <a:rPr lang="en-US" sz="1800" dirty="0" err="1" smtClean="0">
-                <a:latin typeface="Times New Roman" panose="02020603050405020304" pitchFamily="18" charset="0"/>
-                <a:cs typeface="Times New Roman" panose="02020603050405020304" pitchFamily="18" charset="0"/>
-              </a:rPr>
-              <a:t>lý</a:t>
-            </a:r>
-            <a:r>
-              <a:rPr lang="en-US" sz="1800" dirty="0">
-                <a:latin typeface="Times New Roman" panose="02020603050405020304" pitchFamily="18" charset="0"/>
-                <a:cs typeface="Times New Roman" panose="02020603050405020304" pitchFamily="18" charset="0"/>
-              </a:rPr>
-              <a:t> </a:t>
-            </a:r>
-            <a:r>
-              <a:rPr lang="en-US" sz="1800" dirty="0" err="1" smtClean="0">
-                <a:latin typeface="Times New Roman" panose="02020603050405020304" pitchFamily="18" charset="0"/>
-                <a:cs typeface="Times New Roman" panose="02020603050405020304" pitchFamily="18" charset="0"/>
-              </a:rPr>
-              <a:t>hoặc</a:t>
-            </a:r>
-            <a:r>
-              <a:rPr lang="en-US" sz="1800" dirty="0" smtClean="0">
-                <a:latin typeface="Times New Roman" panose="02020603050405020304" pitchFamily="18" charset="0"/>
-                <a:cs typeface="Times New Roman" panose="02020603050405020304" pitchFamily="18" charset="0"/>
-              </a:rPr>
-              <a:t> </a:t>
-            </a:r>
-            <a:r>
-              <a:rPr lang="en-US" sz="1800" dirty="0" err="1" smtClean="0">
-                <a:latin typeface="Times New Roman" panose="02020603050405020304" pitchFamily="18" charset="0"/>
-                <a:cs typeface="Times New Roman" panose="02020603050405020304" pitchFamily="18" charset="0"/>
-              </a:rPr>
-              <a:t>sạc</a:t>
-            </a:r>
-            <a:r>
-              <a:rPr lang="en-US" sz="1800" dirty="0" smtClean="0">
-                <a:latin typeface="Times New Roman" panose="02020603050405020304" pitchFamily="18" charset="0"/>
-                <a:cs typeface="Times New Roman" panose="02020603050405020304" pitchFamily="18" charset="0"/>
-              </a:rPr>
-              <a:t> pin, user </a:t>
-            </a:r>
-            <a:r>
-              <a:rPr lang="en-US" sz="1800" dirty="0" err="1" smtClean="0">
-                <a:latin typeface="Times New Roman" panose="02020603050405020304" pitchFamily="18" charset="0"/>
-                <a:cs typeface="Times New Roman" panose="02020603050405020304" pitchFamily="18" charset="0"/>
-              </a:rPr>
-              <a:t>không</a:t>
-            </a:r>
-            <a:r>
-              <a:rPr lang="en-US" sz="1800" dirty="0" smtClean="0">
-                <a:latin typeface="Times New Roman" panose="02020603050405020304" pitchFamily="18" charset="0"/>
-                <a:cs typeface="Times New Roman" panose="02020603050405020304" pitchFamily="18" charset="0"/>
-              </a:rPr>
-              <a:t> </a:t>
-            </a:r>
-            <a:r>
-              <a:rPr lang="en-US" sz="1800" dirty="0" err="1" smtClean="0">
-                <a:latin typeface="Times New Roman" panose="02020603050405020304" pitchFamily="18" charset="0"/>
-                <a:cs typeface="Times New Roman" panose="02020603050405020304" pitchFamily="18" charset="0"/>
-              </a:rPr>
-              <a:t>thể</a:t>
-            </a:r>
-            <a:r>
-              <a:rPr lang="en-US" sz="1800" dirty="0" smtClean="0">
-                <a:latin typeface="Times New Roman" panose="02020603050405020304" pitchFamily="18" charset="0"/>
-                <a:cs typeface="Times New Roman" panose="02020603050405020304" pitchFamily="18" charset="0"/>
-              </a:rPr>
-              <a:t> </a:t>
-            </a:r>
-            <a:r>
-              <a:rPr lang="en-US" sz="1800" dirty="0" err="1" smtClean="0">
-                <a:latin typeface="Times New Roman" panose="02020603050405020304" pitchFamily="18" charset="0"/>
-                <a:cs typeface="Times New Roman" panose="02020603050405020304" pitchFamily="18" charset="0"/>
-              </a:rPr>
-              <a:t>điều</a:t>
-            </a:r>
-            <a:r>
-              <a:rPr lang="en-US" sz="1800" dirty="0" smtClean="0">
-                <a:latin typeface="Times New Roman" panose="02020603050405020304" pitchFamily="18" charset="0"/>
-                <a:cs typeface="Times New Roman" panose="02020603050405020304" pitchFamily="18" charset="0"/>
-              </a:rPr>
-              <a:t> </a:t>
-            </a:r>
-            <a:r>
-              <a:rPr lang="en-US" sz="1800" dirty="0" err="1" smtClean="0">
-                <a:latin typeface="Times New Roman" panose="02020603050405020304" pitchFamily="18" charset="0"/>
-                <a:cs typeface="Times New Roman" panose="02020603050405020304" pitchFamily="18" charset="0"/>
-              </a:rPr>
-              <a:t>khiển</a:t>
-            </a:r>
-            <a:r>
-              <a:rPr lang="en-US" sz="1800" dirty="0" smtClean="0">
-                <a:latin typeface="Times New Roman" panose="02020603050405020304" pitchFamily="18" charset="0"/>
-                <a:cs typeface="Times New Roman" panose="02020603050405020304" pitchFamily="18" charset="0"/>
-              </a:rPr>
-              <a:t> </a:t>
-            </a:r>
-            <a:r>
-              <a:rPr lang="en-US" sz="1800" dirty="0" err="1" smtClean="0">
-                <a:latin typeface="Times New Roman" panose="02020603050405020304" pitchFamily="18" charset="0"/>
-                <a:cs typeface="Times New Roman" panose="02020603050405020304" pitchFamily="18" charset="0"/>
-              </a:rPr>
-              <a:t>màn</a:t>
-            </a:r>
-            <a:r>
-              <a:rPr lang="en-US" sz="1800" dirty="0" smtClean="0">
-                <a:latin typeface="Times New Roman" panose="02020603050405020304" pitchFamily="18" charset="0"/>
-                <a:cs typeface="Times New Roman" panose="02020603050405020304" pitchFamily="18" charset="0"/>
-              </a:rPr>
-              <a:t> </a:t>
-            </a:r>
-            <a:r>
-              <a:rPr lang="en-US" sz="1800" dirty="0" err="1" smtClean="0">
-                <a:latin typeface="Times New Roman" panose="02020603050405020304" pitchFamily="18" charset="0"/>
-                <a:cs typeface="Times New Roman" panose="02020603050405020304" pitchFamily="18" charset="0"/>
-              </a:rPr>
-              <a:t>hình</a:t>
-            </a:r>
-            <a:r>
-              <a:rPr lang="en-US" sz="1800" dirty="0" smtClean="0">
-                <a:latin typeface="Times New Roman" panose="02020603050405020304" pitchFamily="18" charset="0"/>
-                <a:cs typeface="Times New Roman" panose="02020603050405020304" pitchFamily="18" charset="0"/>
-              </a:rPr>
-              <a:t> </a:t>
-            </a:r>
-          </a:p>
-          <a:p>
-            <a:pPr marL="0" indent="0">
-              <a:buNone/>
-            </a:pPr>
-            <a:endParaRPr lang="en-US" sz="1800" dirty="0" smtClean="0">
-              <a:latin typeface="Times New Roman" panose="02020603050405020304" pitchFamily="18" charset="0"/>
-              <a:cs typeface="Times New Roman" panose="02020603050405020304" pitchFamily="18" charset="0"/>
-            </a:endParaRPr>
-          </a:p>
-          <a:p>
-            <a:pPr marL="0" indent="0">
-              <a:buNone/>
-            </a:pPr>
-            <a:r>
-              <a:rPr lang="en-US" sz="1800" b="1" dirty="0" smtClean="0">
-                <a:latin typeface="Times New Roman" panose="02020603050405020304" pitchFamily="18" charset="0"/>
-                <a:cs typeface="Times New Roman" panose="02020603050405020304" pitchFamily="18" charset="0"/>
-              </a:rPr>
-              <a:t>                </a:t>
-            </a:r>
-            <a:endParaRPr lang="en-US" sz="1800" b="1" dirty="0">
-              <a:latin typeface="Times New Roman" panose="02020603050405020304" pitchFamily="18" charset="0"/>
-              <a:cs typeface="Times New Roman" panose="02020603050405020304" pitchFamily="18" charset="0"/>
-            </a:endParaRPr>
-          </a:p>
-        </p:txBody>
-      </p:sp>
-    </p:spTree>
-    <p:extLst>
-      <p:ext uri="{BB962C8B-B14F-4D97-AF65-F5344CB8AC3E}">
-        <p14:creationId xmlns:p14="http://schemas.microsoft.com/office/powerpoint/2010/main" val="517022563"/>
-      </p:ext>
-    </p:extLst>
-  </p:cSld>
-  <p:clrMapOvr>
-    <a:masterClrMapping/>
-  </p:clrMapOvr>
-  <mc:AlternateContent xmlns:mc="http://schemas.openxmlformats.org/markup-compatibility/2006" xmlns:p14="http://schemas.microsoft.com/office/powerpoint/2010/main">
-    <mc:Choice Requires="p14">
-      <p:transition p14:dur="0"/>
-    </mc:Choice>
-    <mc:Fallback xmlns="">
-      <p:transition/>
-    </mc:Fallback>
-  </mc:AlternateContent>
-  <p:timing>
-    <p:tnLst>
-      <p:par>
-        <p:cTn id="1" dur="indefinite" restart="never" nodeType="tmRoot"/>
-      </p:par>
-    </p:tnLst>
-  </p:timing>
-</p:sld>
-</file>
-
-<file path=ppt/slides/slide8.xml><?xml version="1.0" encoding="utf-8"?>
-<p:sld xmlns:a="http://schemas.openxmlformats.org/drawingml/2006/main" xmlns:r="http://schemas.openxmlformats.org/officeDocument/2006/relationships" xmlns:p="http://schemas.openxmlformats.org/presentationml/2006/main">
-  <p:cSld>
-    <p:spTree>
-      <p:nvGrpSpPr>
-        <p:cNvPr id="1" name=""/>
-        <p:cNvGrpSpPr/>
-        <p:nvPr/>
-      </p:nvGrpSpPr>
-      <p:grpSpPr>
-        <a:xfrm>
-          <a:off x="0" y="0"/>
-          <a:ext cx="0" cy="0"/>
-          <a:chOff x="0" y="0"/>
-          <a:chExt cx="0" cy="0"/>
-        </a:xfrm>
-      </p:grpSpPr>
-      <p:sp>
-        <p:nvSpPr>
-          <p:cNvPr id="2" name="Title 1">
-            <a:extLst>
-              <a:ext uri="{FF2B5EF4-FFF2-40B4-BE49-F238E27FC236}">
-                <a16:creationId xmlns:a16="http://schemas.microsoft.com/office/drawing/2014/main" id="{2C4C0330-65A7-4C44-BDB7-0885CC314B41}"/>
-              </a:ext>
-            </a:extLst>
-          </p:cNvPr>
-          <p:cNvSpPr>
-            <a:spLocks noGrp="1"/>
-          </p:cNvSpPr>
-          <p:nvPr>
-            <p:ph type="title"/>
-          </p:nvPr>
-        </p:nvSpPr>
-        <p:spPr/>
-        <p:txBody>
-          <a:bodyPr/>
-          <a:lstStyle/>
-          <a:p>
-            <a:r>
-              <a:rPr lang="en-US" sz="4000" kern="1200" cap="all" err="1">
-                <a:solidFill>
-                  <a:prstClr val="black">
-                    <a:hueOff val="0"/>
-                    <a:satOff val="0"/>
-                    <a:lumOff val="0"/>
-                    <a:alphaOff val="0"/>
-                  </a:prstClr>
-                </a:solidFill>
-                <a:latin typeface="Times New Roman" panose="02020603050405020304" pitchFamily="18" charset="0"/>
-                <a:ea typeface="+mn-ea"/>
-                <a:cs typeface="Times New Roman" panose="02020603050405020304" pitchFamily="18" charset="0"/>
-              </a:rPr>
-              <a:t>Chức</a:t>
-            </a:r>
-            <a:r>
-              <a:rPr lang="en-US" sz="4000" kern="1200" cap="all">
-                <a:solidFill>
-                  <a:prstClr val="black">
-                    <a:hueOff val="0"/>
-                    <a:satOff val="0"/>
-                    <a:lumOff val="0"/>
-                    <a:alphaOff val="0"/>
-                  </a:prstClr>
-                </a:solidFill>
-                <a:latin typeface="Times New Roman" panose="02020603050405020304" pitchFamily="18" charset="0"/>
-                <a:ea typeface="+mn-ea"/>
-                <a:cs typeface="Times New Roman" panose="02020603050405020304" pitchFamily="18" charset="0"/>
-              </a:rPr>
-              <a:t> </a:t>
-            </a:r>
-            <a:r>
-              <a:rPr lang="en-US" sz="4000" kern="1200" cap="all" err="1">
-                <a:solidFill>
-                  <a:prstClr val="black">
-                    <a:hueOff val="0"/>
-                    <a:satOff val="0"/>
-                    <a:lumOff val="0"/>
-                    <a:alphaOff val="0"/>
-                  </a:prstClr>
-                </a:solidFill>
-                <a:latin typeface="Times New Roman" panose="02020603050405020304" pitchFamily="18" charset="0"/>
-                <a:ea typeface="+mn-ea"/>
-                <a:cs typeface="Times New Roman" panose="02020603050405020304" pitchFamily="18" charset="0"/>
-              </a:rPr>
-              <a:t>Năng</a:t>
-            </a:r>
-            <a:r>
-              <a:rPr lang="en-US" sz="4000" kern="1200" cap="all">
-                <a:solidFill>
-                  <a:prstClr val="black">
-                    <a:hueOff val="0"/>
-                    <a:satOff val="0"/>
-                    <a:lumOff val="0"/>
-                    <a:alphaOff val="0"/>
-                  </a:prstClr>
-                </a:solidFill>
-                <a:latin typeface="Times New Roman" panose="02020603050405020304" pitchFamily="18" charset="0"/>
-                <a:ea typeface="+mn-ea"/>
-                <a:cs typeface="Times New Roman" panose="02020603050405020304" pitchFamily="18" charset="0"/>
-              </a:rPr>
-              <a:t> chính (web-</a:t>
-            </a:r>
-            <a:r>
-              <a:rPr lang="en-US" sz="4000">
-                <a:latin typeface="Times New Roman" panose="02020603050405020304" pitchFamily="18" charset="0"/>
-                <a:cs typeface="Times New Roman" panose="02020603050405020304" pitchFamily="18" charset="0"/>
-              </a:rPr>
               <a:t> QUEUE</a:t>
             </a:r>
             <a:r>
@@ -30813,7 +30363,7 @@
 </p:sld>
 </file>
 
-<file path=ppt/slides/slide9.xml><?xml version="1.0" encoding="utf-8"?>
+<file path=ppt/slides/slide8.xml><?xml version="1.0" encoding="utf-8"?>
 <p:sld xmlns:a="http://schemas.openxmlformats.org/drawingml/2006/main" xmlns:r="http://schemas.openxmlformats.org/officeDocument/2006/relationships" xmlns:p="http://schemas.openxmlformats.org/presentationml/2006/main">
   <p:cSld>
     <p:spTree>
@@ -31504,6 +31054,512 @@
     <p:extLst>
       <p:ext uri="{BB962C8B-B14F-4D97-AF65-F5344CB8AC3E}">
         <p14:creationId xmlns:p14="http://schemas.microsoft.com/office/powerpoint/2010/main" val="3614665266"/>
+      </p:ext>
+    </p:extLst>
+  </p:cSld>
+  <p:clrMapOvr>
+    <a:masterClrMapping/>
+  </p:clrMapOvr>
+  <p:timing>
+    <p:tnLst>
+      <p:par>
+        <p:cTn id="1" dur="indefinite" restart="never" nodeType="tmRoot"/>
+      </p:par>
+    </p:tnLst>
+  </p:timing>
+</p:sld>
+</file>
+
+<file path=ppt/slides/slide9.xml><?xml version="1.0" encoding="utf-8"?>
+<p:sld xmlns:a="http://schemas.openxmlformats.org/drawingml/2006/main" xmlns:r="http://schemas.openxmlformats.org/officeDocument/2006/relationships" xmlns:p="http://schemas.openxmlformats.org/presentationml/2006/main">
+  <p:cSld>
+    <p:spTree>
+      <p:nvGrpSpPr>
+        <p:cNvPr id="1" name=""/>
+        <p:cNvGrpSpPr/>
+        <p:nvPr/>
+      </p:nvGrpSpPr>
+      <p:grpSpPr>
+        <a:xfrm>
+          <a:off x="0" y="0"/>
+          <a:ext cx="0" cy="0"/>
+          <a:chOff x="0" y="0"/>
+          <a:chExt cx="0" cy="0"/>
+        </a:xfrm>
+      </p:grpSpPr>
+      <p:sp>
+        <p:nvSpPr>
+          <p:cNvPr id="2" name="Title 1">
+            <a:extLst>
+              <a:ext uri="{FF2B5EF4-FFF2-40B4-BE49-F238E27FC236}">
+                <a16:creationId xmlns:a16="http://schemas.microsoft.com/office/drawing/2014/main" id="{2C4C0330-65A7-4C44-BDB7-0885CC314B41}"/>
+              </a:ext>
+            </a:extLst>
+          </p:cNvPr>
+          <p:cNvSpPr>
+            <a:spLocks noGrp="1"/>
+          </p:cNvSpPr>
+          <p:nvPr>
+            <p:ph type="title"/>
+          </p:nvPr>
+        </p:nvSpPr>
+        <p:spPr/>
+        <p:txBody>
+          <a:bodyPr/>
+          <a:lstStyle/>
+          <a:p>
+            <a:r>
+              <a:rPr lang="en-US" sz="4000" kern="1200" cap="all" err="1">
+                <a:solidFill>
+                  <a:prstClr val="black">
+                    <a:hueOff val="0"/>
+                    <a:satOff val="0"/>
+                    <a:lumOff val="0"/>
+                    <a:alphaOff val="0"/>
+                  </a:prstClr>
+                </a:solidFill>
+                <a:latin typeface="Times New Roman" panose="02020603050405020304" pitchFamily="18" charset="0"/>
+                <a:ea typeface="+mn-ea"/>
+                <a:cs typeface="Times New Roman" panose="02020603050405020304" pitchFamily="18" charset="0"/>
+              </a:rPr>
+              <a:t>Chức</a:t>
+            </a:r>
+            <a:r>
+              <a:rPr lang="en-US" sz="4000" kern="1200" cap="all">
+                <a:solidFill>
+                  <a:prstClr val="black">
+                    <a:hueOff val="0"/>
+                    <a:satOff val="0"/>
+                    <a:lumOff val="0"/>
+                    <a:alphaOff val="0"/>
+                  </a:prstClr>
+                </a:solidFill>
+                <a:latin typeface="Times New Roman" panose="02020603050405020304" pitchFamily="18" charset="0"/>
+                <a:ea typeface="+mn-ea"/>
+                <a:cs typeface="Times New Roman" panose="02020603050405020304" pitchFamily="18" charset="0"/>
+              </a:rPr>
+              <a:t> </a:t>
+            </a:r>
+            <a:r>
+              <a:rPr lang="en-US" sz="4000" kern="1200" cap="all" err="1">
+                <a:solidFill>
+                  <a:prstClr val="black">
+                    <a:hueOff val="0"/>
+                    <a:satOff val="0"/>
+                    <a:lumOff val="0"/>
+                    <a:alphaOff val="0"/>
+                  </a:prstClr>
+                </a:solidFill>
+                <a:latin typeface="Times New Roman" panose="02020603050405020304" pitchFamily="18" charset="0"/>
+                <a:ea typeface="+mn-ea"/>
+                <a:cs typeface="Times New Roman" panose="02020603050405020304" pitchFamily="18" charset="0"/>
+              </a:rPr>
+              <a:t>Năng</a:t>
+            </a:r>
+            <a:r>
+              <a:rPr lang="en-US" sz="4000" kern="1200" cap="all">
+                <a:solidFill>
+                  <a:prstClr val="black">
+                    <a:hueOff val="0"/>
+                    <a:satOff val="0"/>
+                    <a:lumOff val="0"/>
+                    <a:alphaOff val="0"/>
+                  </a:prstClr>
+                </a:solidFill>
+                <a:latin typeface="Times New Roman" panose="02020603050405020304" pitchFamily="18" charset="0"/>
+                <a:ea typeface="+mn-ea"/>
+                <a:cs typeface="Times New Roman" panose="02020603050405020304" pitchFamily="18" charset="0"/>
+              </a:rPr>
+              <a:t> chính (web-</a:t>
+            </a:r>
+            <a:r>
+              <a:rPr lang="en-US" sz="4000">
+                <a:latin typeface="Times New Roman" panose="02020603050405020304" pitchFamily="18" charset="0"/>
+                <a:cs typeface="Times New Roman" panose="02020603050405020304" pitchFamily="18" charset="0"/>
+              </a:rPr>
+              <a:t> QUEUE</a:t>
+            </a:r>
+            <a:r>
+              <a:rPr lang="en-US" sz="4000" kern="1200" cap="all">
+                <a:solidFill>
+                  <a:prstClr val="black">
+                    <a:hueOff val="0"/>
+                    <a:satOff val="0"/>
+                    <a:lumOff val="0"/>
+                    <a:alphaOff val="0"/>
+                  </a:prstClr>
+                </a:solidFill>
+                <a:latin typeface="Times New Roman" panose="02020603050405020304" pitchFamily="18" charset="0"/>
+                <a:ea typeface="+mn-ea"/>
+                <a:cs typeface="Times New Roman" panose="02020603050405020304" pitchFamily="18" charset="0"/>
+              </a:rPr>
+              <a:t>)</a:t>
+            </a:r>
+            <a:endParaRPr lang="en-US"/>
+          </a:p>
+        </p:txBody>
+      </p:sp>
+      <p:sp>
+        <p:nvSpPr>
+          <p:cNvPr id="3" name="Content Placeholder 2">
+            <a:extLst>
+              <a:ext uri="{FF2B5EF4-FFF2-40B4-BE49-F238E27FC236}">
+                <a16:creationId xmlns:a16="http://schemas.microsoft.com/office/drawing/2014/main" id="{6BD33AFF-0007-470D-A40C-FD28176A68C2}"/>
+              </a:ext>
+            </a:extLst>
+          </p:cNvPr>
+          <p:cNvSpPr>
+            <a:spLocks noGrp="1"/>
+          </p:cNvSpPr>
+          <p:nvPr>
+            <p:ph idx="1"/>
+          </p:nvPr>
+        </p:nvSpPr>
+        <p:spPr>
+          <a:xfrm>
+            <a:off x="1066800" y="1667022"/>
+            <a:ext cx="10058400" cy="4804116"/>
+          </a:xfrm>
+        </p:spPr>
+        <p:txBody>
+          <a:bodyPr>
+            <a:normAutofit/>
+          </a:bodyPr>
+          <a:lstStyle/>
+          <a:p>
+            <a:r>
+              <a:rPr lang="en-US" sz="1800" b="1" dirty="0">
+                <a:latin typeface="Times New Roman" panose="02020603050405020304" pitchFamily="18" charset="0"/>
+                <a:cs typeface="Times New Roman" panose="02020603050405020304" pitchFamily="18" charset="0"/>
+              </a:rPr>
+              <a:t>Queue Page</a:t>
+            </a:r>
+            <a:r>
+              <a:rPr lang="en-US" sz="1800" b="1" dirty="0" smtClean="0">
+                <a:latin typeface="Times New Roman" panose="02020603050405020304" pitchFamily="18" charset="0"/>
+                <a:cs typeface="Times New Roman" panose="02020603050405020304" pitchFamily="18" charset="0"/>
+              </a:rPr>
+              <a:t>: </a:t>
+            </a:r>
+            <a:r>
+              <a:rPr lang="en-US" sz="1600" dirty="0" err="1" smtClean="0">
+                <a:latin typeface="Times New Roman" panose="02020603050405020304" pitchFamily="18" charset="0"/>
+                <a:cs typeface="Times New Roman" panose="02020603050405020304" pitchFamily="18" charset="0"/>
+              </a:rPr>
+              <a:t>Thoát</a:t>
+            </a:r>
+            <a:r>
+              <a:rPr lang="en-US" sz="1600" dirty="0" smtClean="0">
+                <a:latin typeface="Times New Roman" panose="02020603050405020304" pitchFamily="18" charset="0"/>
+                <a:cs typeface="Times New Roman" panose="02020603050405020304" pitchFamily="18" charset="0"/>
+              </a:rPr>
+              <a:t> </a:t>
+            </a:r>
+            <a:r>
+              <a:rPr lang="en-US" sz="1600" dirty="0" err="1" smtClean="0">
+                <a:latin typeface="Times New Roman" panose="02020603050405020304" pitchFamily="18" charset="0"/>
+                <a:cs typeface="Times New Roman" panose="02020603050405020304" pitchFamily="18" charset="0"/>
+              </a:rPr>
+              <a:t>khỏi</a:t>
+            </a:r>
+            <a:r>
+              <a:rPr lang="en-US" sz="1600" dirty="0" smtClean="0">
+                <a:latin typeface="Times New Roman" panose="02020603050405020304" pitchFamily="18" charset="0"/>
+                <a:cs typeface="Times New Roman" panose="02020603050405020304" pitchFamily="18" charset="0"/>
+              </a:rPr>
+              <a:t> </a:t>
+            </a:r>
+            <a:r>
+              <a:rPr lang="en-US" sz="1600" dirty="0" err="1" smtClean="0">
+                <a:latin typeface="Times New Roman" panose="02020603050405020304" pitchFamily="18" charset="0"/>
+                <a:cs typeface="Times New Roman" panose="02020603050405020304" pitchFamily="18" charset="0"/>
+              </a:rPr>
+              <a:t>danh</a:t>
+            </a:r>
+            <a:r>
+              <a:rPr lang="en-US" sz="1600" dirty="0" smtClean="0">
+                <a:latin typeface="Times New Roman" panose="02020603050405020304" pitchFamily="18" charset="0"/>
+                <a:cs typeface="Times New Roman" panose="02020603050405020304" pitchFamily="18" charset="0"/>
+              </a:rPr>
+              <a:t> </a:t>
+            </a:r>
+            <a:r>
+              <a:rPr lang="en-US" sz="1600" dirty="0" err="1" smtClean="0">
+                <a:latin typeface="Times New Roman" panose="02020603050405020304" pitchFamily="18" charset="0"/>
+                <a:cs typeface="Times New Roman" panose="02020603050405020304" pitchFamily="18" charset="0"/>
+              </a:rPr>
+              <a:t>sách</a:t>
+            </a:r>
+            <a:r>
+              <a:rPr lang="en-US" sz="1600" dirty="0" smtClean="0">
+                <a:latin typeface="Times New Roman" panose="02020603050405020304" pitchFamily="18" charset="0"/>
+                <a:cs typeface="Times New Roman" panose="02020603050405020304" pitchFamily="18" charset="0"/>
+              </a:rPr>
+              <a:t> </a:t>
+            </a:r>
+            <a:r>
+              <a:rPr lang="en-US" sz="1600" dirty="0" err="1" smtClean="0">
+                <a:latin typeface="Times New Roman" panose="02020603050405020304" pitchFamily="18" charset="0"/>
+                <a:cs typeface="Times New Roman" panose="02020603050405020304" pitchFamily="18" charset="0"/>
+              </a:rPr>
+              <a:t>đợi</a:t>
+            </a:r>
+            <a:endParaRPr lang="en-US" sz="1600" dirty="0" smtClean="0">
+              <a:latin typeface="Times New Roman" panose="02020603050405020304" pitchFamily="18" charset="0"/>
+              <a:cs typeface="Times New Roman" panose="02020603050405020304" pitchFamily="18" charset="0"/>
+            </a:endParaRPr>
+          </a:p>
+          <a:p>
+            <a:pPr marL="0" indent="0">
+              <a:buNone/>
+            </a:pPr>
+            <a:endParaRPr lang="en-US" sz="1600" b="1" dirty="0">
+              <a:latin typeface="Times New Roman" panose="02020603050405020304" pitchFamily="18" charset="0"/>
+              <a:cs typeface="Times New Roman" panose="02020603050405020304" pitchFamily="18" charset="0"/>
+            </a:endParaRPr>
+          </a:p>
+        </p:txBody>
+      </p:sp>
+      <p:pic>
+        <p:nvPicPr>
+          <p:cNvPr id="4" name="Picture 3"/>
+          <p:cNvPicPr>
+            <a:picLocks noChangeAspect="1"/>
+          </p:cNvPicPr>
+          <p:nvPr/>
+        </p:nvPicPr>
+        <p:blipFill>
+          <a:blip r:embed="rId2"/>
+          <a:stretch>
+            <a:fillRect/>
+          </a:stretch>
+        </p:blipFill>
+        <p:spPr>
+          <a:xfrm>
+            <a:off x="1560715" y="2162666"/>
+            <a:ext cx="7805714" cy="4160000"/>
+          </a:xfrm>
+          <a:prstGeom prst="rect">
+            <a:avLst/>
+          </a:prstGeom>
+        </p:spPr>
+      </p:pic>
+      <p:sp>
+        <p:nvSpPr>
+          <p:cNvPr id="5" name="Rectangle 4"/>
+          <p:cNvSpPr/>
+          <p:nvPr/>
+        </p:nvSpPr>
+        <p:spPr>
+          <a:xfrm>
+            <a:off x="8677575" y="3038622"/>
+            <a:ext cx="564899" cy="394655"/>
+          </a:xfrm>
+          <a:prstGeom prst="rect">
+            <a:avLst/>
+          </a:prstGeom>
+          <a:noFill/>
+          <a:ln w="28575">
+            <a:solidFill>
+              <a:srgbClr val="C00000"/>
+            </a:solidFill>
+          </a:ln>
+        </p:spPr>
+        <p:style>
+          <a:lnRef idx="2">
+            <a:schemeClr val="accent1">
+              <a:shade val="50000"/>
+            </a:schemeClr>
+          </a:lnRef>
+          <a:fillRef idx="1">
+            <a:schemeClr val="accent1"/>
+          </a:fillRef>
+          <a:effectRef idx="0">
+            <a:schemeClr val="accent1"/>
+          </a:effectRef>
+          <a:fontRef idx="minor">
+            <a:schemeClr val="lt1"/>
+          </a:fontRef>
+        </p:style>
+        <p:txBody>
+          <a:bodyPr rtlCol="0" anchor="ctr"/>
+          <a:lstStyle/>
+          <a:p>
+            <a:pPr algn="ctr"/>
+            <a:endParaRPr lang="en-US"/>
+          </a:p>
+        </p:txBody>
+      </p:sp>
+      <p:sp>
+        <p:nvSpPr>
+          <p:cNvPr id="8" name="Rectangular Callout 7"/>
+          <p:cNvSpPr/>
+          <p:nvPr/>
+        </p:nvSpPr>
+        <p:spPr>
+          <a:xfrm>
+            <a:off x="5631146" y="3038622"/>
+            <a:ext cx="2799472" cy="633046"/>
+          </a:xfrm>
+          <a:prstGeom prst="wedgeRectCallout">
+            <a:avLst>
+              <a:gd name="adj1" fmla="val 59515"/>
+              <a:gd name="adj2" fmla="val -6944"/>
+            </a:avLst>
+          </a:prstGeom>
+        </p:spPr>
+        <p:style>
+          <a:lnRef idx="2">
+            <a:schemeClr val="accent1">
+              <a:shade val="50000"/>
+            </a:schemeClr>
+          </a:lnRef>
+          <a:fillRef idx="1">
+            <a:schemeClr val="accent1"/>
+          </a:fillRef>
+          <a:effectRef idx="0">
+            <a:schemeClr val="accent1"/>
+          </a:effectRef>
+          <a:fontRef idx="minor">
+            <a:schemeClr val="lt1"/>
+          </a:fontRef>
+        </p:style>
+        <p:txBody>
+          <a:bodyPr rtlCol="0" anchor="ctr"/>
+          <a:lstStyle/>
+          <a:p>
+            <a:r>
+              <a:rPr lang="en-US" sz="1100" dirty="0" err="1" smtClean="0"/>
+              <a:t>Khi</a:t>
+            </a:r>
+            <a:r>
+              <a:rPr lang="en-US" sz="1100" dirty="0" smtClean="0"/>
+              <a:t>  user </a:t>
+            </a:r>
+            <a:r>
+              <a:rPr lang="en-US" sz="1100" dirty="0" err="1" smtClean="0"/>
+              <a:t>thoát</a:t>
+            </a:r>
+            <a:r>
+              <a:rPr lang="en-US" sz="1100" dirty="0" smtClean="0"/>
+              <a:t> </a:t>
+            </a:r>
+            <a:r>
+              <a:rPr lang="en-US" sz="1100" dirty="0" err="1" smtClean="0"/>
+              <a:t>khỏi</a:t>
+            </a:r>
+            <a:r>
+              <a:rPr lang="en-US" sz="1100" dirty="0" smtClean="0"/>
+              <a:t> </a:t>
+            </a:r>
+            <a:r>
+              <a:rPr lang="en-US" sz="1100" dirty="0" err="1" smtClean="0"/>
+              <a:t>danh</a:t>
+            </a:r>
+            <a:r>
+              <a:rPr lang="en-US" sz="1100" dirty="0" smtClean="0"/>
+              <a:t> </a:t>
+            </a:r>
+            <a:r>
+              <a:rPr lang="en-US" sz="1100" dirty="0" err="1" smtClean="0"/>
+              <a:t>sách</a:t>
+            </a:r>
+            <a:r>
+              <a:rPr lang="en-US" sz="1100" dirty="0" smtClean="0"/>
+              <a:t> </a:t>
+            </a:r>
+            <a:r>
+              <a:rPr lang="en-US" sz="1100" dirty="0" err="1" smtClean="0"/>
+              <a:t>đợi</a:t>
+            </a:r>
+            <a:r>
+              <a:rPr lang="en-US" sz="1100" dirty="0" smtClean="0"/>
+              <a:t>, </a:t>
+            </a:r>
+            <a:r>
+              <a:rPr lang="en-US" sz="1100" dirty="0" err="1" smtClean="0"/>
+              <a:t>thì</a:t>
+            </a:r>
+            <a:r>
+              <a:rPr lang="en-US" sz="1100" dirty="0" smtClean="0"/>
+              <a:t> </a:t>
+            </a:r>
+            <a:r>
+              <a:rPr lang="en-US" sz="1100" dirty="0"/>
+              <a:t> </a:t>
+            </a:r>
+            <a:r>
+              <a:rPr lang="en-US" sz="1100" dirty="0" smtClean="0"/>
+              <a:t>user </a:t>
+            </a:r>
+            <a:r>
+              <a:rPr lang="en-US" sz="1100" dirty="0" err="1" smtClean="0"/>
+              <a:t>đó</a:t>
+            </a:r>
+            <a:r>
+              <a:rPr lang="en-US" sz="1100" dirty="0" smtClean="0"/>
+              <a:t> </a:t>
+            </a:r>
+            <a:r>
+              <a:rPr lang="en-US" sz="1100" dirty="0" err="1" smtClean="0"/>
+              <a:t>sẽ</a:t>
+            </a:r>
+            <a:r>
+              <a:rPr lang="en-US" sz="1100" dirty="0" smtClean="0"/>
+              <a:t> </a:t>
+            </a:r>
+            <a:r>
+              <a:rPr lang="en-US" sz="1100" dirty="0" err="1" smtClean="0"/>
+              <a:t>bị</a:t>
+            </a:r>
+            <a:r>
+              <a:rPr lang="en-US" sz="1100" dirty="0" smtClean="0"/>
+              <a:t> </a:t>
+            </a:r>
+            <a:r>
+              <a:rPr lang="en-US" sz="1100" dirty="0" err="1" smtClean="0"/>
+              <a:t>xóa</a:t>
+            </a:r>
+            <a:r>
+              <a:rPr lang="en-US" sz="1100" dirty="0" smtClean="0"/>
+              <a:t> </a:t>
+            </a:r>
+            <a:r>
+              <a:rPr lang="en-US" sz="1100" dirty="0" err="1" smtClean="0"/>
+              <a:t>khỏi</a:t>
+            </a:r>
+            <a:r>
+              <a:rPr lang="en-US" sz="1100" dirty="0" smtClean="0"/>
+              <a:t> </a:t>
+            </a:r>
+            <a:r>
+              <a:rPr lang="en-US" sz="1100" dirty="0" err="1" smtClean="0"/>
+              <a:t>danh</a:t>
+            </a:r>
+            <a:r>
+              <a:rPr lang="en-US" sz="1100" dirty="0" smtClean="0"/>
+              <a:t> </a:t>
+            </a:r>
+            <a:r>
+              <a:rPr lang="en-US" sz="1100" dirty="0" err="1" smtClean="0"/>
+              <a:t>sách</a:t>
+            </a:r>
+            <a:r>
+              <a:rPr lang="en-US" sz="1100" dirty="0" smtClean="0"/>
+              <a:t> </a:t>
+            </a:r>
+            <a:r>
+              <a:rPr lang="en-US" sz="1100" dirty="0" err="1" smtClean="0"/>
+              <a:t>đợi</a:t>
+            </a:r>
+            <a:endParaRPr lang="en-US" sz="1100" dirty="0"/>
+          </a:p>
+        </p:txBody>
+      </p:sp>
+    </p:spTree>
+    <p:extLst>
+      <p:ext uri="{BB962C8B-B14F-4D97-AF65-F5344CB8AC3E}">
+        <p14:creationId xmlns:p14="http://schemas.microsoft.com/office/powerpoint/2010/main" val="1244910308"/>
       </p:ext>
     </p:extLst>
   </p:cSld>
